--- a/lectures3/Pythonlearn-08-Lists.pptx
+++ b/lectures3/Pythonlearn-08-Lists.pptx
@@ -589,8 +589,8 @@
         </p:nvSpPr>
         <p:spPr>
           <a:xfrm>
-            <a:off x="1143225" y="685800"/>
-            <a:ext cx="4572225" cy="3429000"/>
+            <a:off x="381000" y="685800"/>
+            <a:ext cx="6096000" cy="3429000"/>
           </a:xfrm>
           <a:custGeom>
             <a:avLst/>
@@ -699,8 +699,8 @@
         </p:nvSpPr>
         <p:spPr>
           <a:xfrm>
-            <a:off x="1143225" y="685800"/>
-            <a:ext cx="4572225" cy="3429000"/>
+            <a:off x="381000" y="685800"/>
+            <a:ext cx="6096000" cy="3429000"/>
           </a:xfrm>
           <a:custGeom>
             <a:avLst/>
@@ -809,8 +809,8 @@
         </p:nvSpPr>
         <p:spPr>
           <a:xfrm>
-            <a:off x="1143225" y="685800"/>
-            <a:ext cx="4572225" cy="3429000"/>
+            <a:off x="381000" y="685800"/>
+            <a:ext cx="6096000" cy="3429000"/>
           </a:xfrm>
           <a:custGeom>
             <a:avLst/>
@@ -919,8 +919,8 @@
         </p:nvSpPr>
         <p:spPr>
           <a:xfrm>
-            <a:off x="1143225" y="685800"/>
-            <a:ext cx="4572225" cy="3429000"/>
+            <a:off x="381000" y="685800"/>
+            <a:ext cx="6096000" cy="3429000"/>
           </a:xfrm>
           <a:custGeom>
             <a:avLst/>
@@ -1029,8 +1029,8 @@
         </p:nvSpPr>
         <p:spPr>
           <a:xfrm>
-            <a:off x="1143225" y="685800"/>
-            <a:ext cx="4572225" cy="3429000"/>
+            <a:off x="381000" y="685800"/>
+            <a:ext cx="6096000" cy="3429000"/>
           </a:xfrm>
           <a:custGeom>
             <a:avLst/>
@@ -1139,8 +1139,8 @@
         </p:nvSpPr>
         <p:spPr>
           <a:xfrm>
-            <a:off x="1143225" y="685800"/>
-            <a:ext cx="4572225" cy="3429000"/>
+            <a:off x="381000" y="685800"/>
+            <a:ext cx="6096000" cy="3429000"/>
           </a:xfrm>
           <a:custGeom>
             <a:avLst/>
@@ -1249,8 +1249,8 @@
         </p:nvSpPr>
         <p:spPr>
           <a:xfrm>
-            <a:off x="1143225" y="685800"/>
-            <a:ext cx="4572225" cy="3429000"/>
+            <a:off x="381000" y="685800"/>
+            <a:ext cx="6096000" cy="3429000"/>
           </a:xfrm>
           <a:custGeom>
             <a:avLst/>
@@ -1359,8 +1359,8 @@
         </p:nvSpPr>
         <p:spPr>
           <a:xfrm>
-            <a:off x="1143225" y="685800"/>
-            <a:ext cx="4572225" cy="3429000"/>
+            <a:off x="381000" y="685800"/>
+            <a:ext cx="6096000" cy="3429000"/>
           </a:xfrm>
           <a:custGeom>
             <a:avLst/>
@@ -1469,8 +1469,8 @@
         </p:nvSpPr>
         <p:spPr>
           <a:xfrm>
-            <a:off x="1143225" y="685800"/>
-            <a:ext cx="4572225" cy="3429000"/>
+            <a:off x="381000" y="685800"/>
+            <a:ext cx="6096000" cy="3429000"/>
           </a:xfrm>
           <a:custGeom>
             <a:avLst/>
@@ -1579,8 +1579,8 @@
         </p:nvSpPr>
         <p:spPr>
           <a:xfrm>
-            <a:off x="1143225" y="685800"/>
-            <a:ext cx="4572225" cy="3429000"/>
+            <a:off x="381000" y="685800"/>
+            <a:ext cx="6096000" cy="3429000"/>
           </a:xfrm>
           <a:custGeom>
             <a:avLst/>
@@ -1689,8 +1689,8 @@
         </p:nvSpPr>
         <p:spPr>
           <a:xfrm>
-            <a:off x="1143225" y="685800"/>
-            <a:ext cx="4572225" cy="3429000"/>
+            <a:off x="381000" y="685800"/>
+            <a:ext cx="6096000" cy="3429000"/>
           </a:xfrm>
           <a:custGeom>
             <a:avLst/>
@@ -1799,8 +1799,8 @@
         </p:nvSpPr>
         <p:spPr>
           <a:xfrm>
-            <a:off x="1143225" y="685800"/>
-            <a:ext cx="4572225" cy="3429000"/>
+            <a:off x="381000" y="685800"/>
+            <a:ext cx="6096000" cy="3429000"/>
           </a:xfrm>
           <a:custGeom>
             <a:avLst/>
@@ -1909,8 +1909,8 @@
         </p:nvSpPr>
         <p:spPr>
           <a:xfrm>
-            <a:off x="1143225" y="685800"/>
-            <a:ext cx="4572225" cy="3429000"/>
+            <a:off x="381000" y="685800"/>
+            <a:ext cx="6096000" cy="3429000"/>
           </a:xfrm>
           <a:custGeom>
             <a:avLst/>
@@ -2019,8 +2019,8 @@
         </p:nvSpPr>
         <p:spPr>
           <a:xfrm>
-            <a:off x="1143225" y="685800"/>
-            <a:ext cx="4572225" cy="3429000"/>
+            <a:off x="381000" y="685800"/>
+            <a:ext cx="6096000" cy="3429000"/>
           </a:xfrm>
           <a:custGeom>
             <a:avLst/>
@@ -2129,8 +2129,8 @@
         </p:nvSpPr>
         <p:spPr>
           <a:xfrm>
-            <a:off x="1143225" y="685800"/>
-            <a:ext cx="4572225" cy="3429000"/>
+            <a:off x="381000" y="685800"/>
+            <a:ext cx="6096000" cy="3429000"/>
           </a:xfrm>
           <a:custGeom>
             <a:avLst/>
@@ -2200,8 +2200,8 @@
         </p:nvSpPr>
         <p:spPr>
           <a:xfrm>
-            <a:off x="1143225" y="685800"/>
-            <a:ext cx="4572299" cy="3429000"/>
+            <a:off x="381000" y="685800"/>
+            <a:ext cx="6096000" cy="3429000"/>
           </a:xfrm>
           <a:custGeom>
             <a:avLst/>
@@ -2345,8 +2345,8 @@
         </p:nvSpPr>
         <p:spPr>
           <a:xfrm>
-            <a:off x="1143225" y="685800"/>
-            <a:ext cx="4572225" cy="3429000"/>
+            <a:off x="381000" y="685800"/>
+            <a:ext cx="6096000" cy="3429000"/>
           </a:xfrm>
           <a:custGeom>
             <a:avLst/>
@@ -2455,8 +2455,8 @@
         </p:nvSpPr>
         <p:spPr>
           <a:xfrm>
-            <a:off x="1143225" y="685800"/>
-            <a:ext cx="4572225" cy="3429000"/>
+            <a:off x="381000" y="685800"/>
+            <a:ext cx="6096000" cy="3429000"/>
           </a:xfrm>
           <a:custGeom>
             <a:avLst/>
@@ -2565,8 +2565,8 @@
         </p:nvSpPr>
         <p:spPr>
           <a:xfrm>
-            <a:off x="1143225" y="685800"/>
-            <a:ext cx="4572225" cy="3429000"/>
+            <a:off x="381000" y="685800"/>
+            <a:ext cx="6096000" cy="3429000"/>
           </a:xfrm>
           <a:custGeom>
             <a:avLst/>
@@ -2675,8 +2675,8 @@
         </p:nvSpPr>
         <p:spPr>
           <a:xfrm>
-            <a:off x="1143225" y="685800"/>
-            <a:ext cx="4572225" cy="3429000"/>
+            <a:off x="381000" y="685800"/>
+            <a:ext cx="6096000" cy="3429000"/>
           </a:xfrm>
           <a:custGeom>
             <a:avLst/>
@@ -2891,8 +2891,8 @@
         </p:nvSpPr>
         <p:spPr>
           <a:xfrm>
-            <a:off x="1143225" y="685800"/>
-            <a:ext cx="4572225" cy="3429000"/>
+            <a:off x="381000" y="685800"/>
+            <a:ext cx="6096000" cy="3429000"/>
           </a:xfrm>
           <a:custGeom>
             <a:avLst/>
@@ -3001,8 +3001,8 @@
         </p:nvSpPr>
         <p:spPr>
           <a:xfrm>
-            <a:off x="1143225" y="685800"/>
-            <a:ext cx="4572225" cy="3429000"/>
+            <a:off x="381000" y="685800"/>
+            <a:ext cx="6096000" cy="3429000"/>
           </a:xfrm>
           <a:custGeom>
             <a:avLst/>
@@ -3111,8 +3111,8 @@
         </p:nvSpPr>
         <p:spPr>
           <a:xfrm>
-            <a:off x="1143225" y="685800"/>
-            <a:ext cx="4572225" cy="3429000"/>
+            <a:off x="381000" y="685800"/>
+            <a:ext cx="6096000" cy="3429000"/>
           </a:xfrm>
           <a:custGeom>
             <a:avLst/>
@@ -3221,8 +3221,8 @@
         </p:nvSpPr>
         <p:spPr>
           <a:xfrm>
-            <a:off x="1143225" y="685800"/>
-            <a:ext cx="4572225" cy="3429000"/>
+            <a:off x="381000" y="685800"/>
+            <a:ext cx="6096000" cy="3429000"/>
           </a:xfrm>
           <a:custGeom>
             <a:avLst/>
@@ -3331,8 +3331,8 @@
         </p:nvSpPr>
         <p:spPr>
           <a:xfrm>
-            <a:off x="1143225" y="685800"/>
-            <a:ext cx="4572225" cy="3429000"/>
+            <a:off x="381000" y="685800"/>
+            <a:ext cx="6096000" cy="3429000"/>
           </a:xfrm>
           <a:custGeom>
             <a:avLst/>
@@ -3441,8 +3441,8 @@
         </p:nvSpPr>
         <p:spPr>
           <a:xfrm>
-            <a:off x="1143225" y="685800"/>
-            <a:ext cx="4572225" cy="3429000"/>
+            <a:off x="381000" y="685800"/>
+            <a:ext cx="6096000" cy="3429000"/>
           </a:xfrm>
           <a:custGeom>
             <a:avLst/>
@@ -3551,8 +3551,8 @@
         </p:nvSpPr>
         <p:spPr>
           <a:xfrm>
-            <a:off x="1143225" y="685800"/>
-            <a:ext cx="4572225" cy="3429000"/>
+            <a:off x="381000" y="685800"/>
+            <a:ext cx="6096000" cy="3429000"/>
           </a:xfrm>
           <a:custGeom>
             <a:avLst/>
@@ -18113,13 +18113,13 @@
               <a:buNone/>
             </a:pPr>
             <a:r>
-              <a:rPr lang="en-US" sz="7600" b="0" i="0" u="none" strike="noStrike" cap="none">
+              <a:rPr lang="en-US" sz="7600" u="none" strike="noStrike" cap="none">
                 <a:solidFill>
                   <a:srgbClr val="FFFF00"/>
                 </a:solidFill>
-                <a:latin typeface="Cabin"/>
-                <a:ea typeface="Cabin"/>
-                <a:cs typeface="Cabin"/>
+                <a:latin typeface="Arial" charset="0"/>
+                <a:ea typeface="Arial" charset="0"/>
+                <a:cs typeface="Arial" charset="0"/>
                 <a:sym typeface="Cabin"/>
               </a:rPr>
               <a:t>Python Lists</a:t>
@@ -18174,13 +18174,13 @@
               <a:buNone/>
             </a:pPr>
             <a:r>
-              <a:rPr lang="en-US" sz="4800" b="0" i="0" u="none" strike="noStrike" cap="none">
-                <a:solidFill>
-                  <a:schemeClr val="lt1"/>
-                </a:solidFill>
-                <a:latin typeface="Cabin"/>
-                <a:ea typeface="Cabin"/>
-                <a:cs typeface="Cabin"/>
+              <a:rPr lang="en-US" sz="4800" u="none" strike="noStrike" cap="none">
+                <a:solidFill>
+                  <a:schemeClr val="lt1"/>
+                </a:solidFill>
+                <a:latin typeface="Arial" charset="0"/>
+                <a:ea typeface="Arial" charset="0"/>
+                <a:cs typeface="Arial" charset="0"/>
                 <a:sym typeface="Cabin"/>
               </a:rPr>
               <a:t>Chapter 8</a:t>
@@ -18231,13 +18231,13 @@
               <a:buNone/>
             </a:pPr>
             <a:r>
-              <a:rPr lang="en-US" sz="3200" b="0" i="0" u="none" strike="noStrike" cap="none">
+              <a:rPr lang="en-US" sz="3200" u="none" strike="noStrike" cap="none">
                 <a:solidFill>
                   <a:srgbClr val="FFFF00"/>
                 </a:solidFill>
-                <a:latin typeface="Cabin"/>
-                <a:ea typeface="Cabin"/>
-                <a:cs typeface="Cabin"/>
+                <a:latin typeface="Arial" charset="0"/>
+                <a:ea typeface="Arial" charset="0"/>
+                <a:cs typeface="Arial" charset="0"/>
                 <a:sym typeface="Cabin"/>
               </a:rPr>
               <a:t>Python for Informatics: Exploring Information</a:t>
@@ -18262,13 +18262,13 @@
               <a:buNone/>
             </a:pPr>
             <a:r>
-              <a:rPr lang="en-US" sz="3200" b="0" i="0" u="sng" strike="noStrike" cap="none">
+              <a:rPr lang="en-US" sz="3200" u="sng" strike="noStrike" cap="none">
                 <a:solidFill>
                   <a:srgbClr val="FFFF00"/>
                 </a:solidFill>
-                <a:latin typeface="Cabin"/>
-                <a:ea typeface="Cabin"/>
-                <a:cs typeface="Cabin"/>
+                <a:latin typeface="Arial" charset="0"/>
+                <a:ea typeface="Arial" charset="0"/>
+                <a:cs typeface="Arial" charset="0"/>
                 <a:sym typeface="Cabin"/>
                 <a:hlinkClick r:id="rId3"/>
               </a:rPr>
@@ -18403,37 +18403,37 @@
               <a:buNone/>
             </a:pPr>
             <a:r>
-              <a:rPr lang="en-US" sz="7600" b="0" i="0" u="none" strike="noStrike" cap="none">
+              <a:rPr lang="en-US" sz="7600" u="none" strike="noStrike" cap="none">
                 <a:solidFill>
                   <a:srgbClr val="FFFF00"/>
                 </a:solidFill>
-                <a:latin typeface="Cabin"/>
-                <a:ea typeface="Cabin"/>
-                <a:cs typeface="Cabin"/>
+                <a:latin typeface="Arial" charset="0"/>
+                <a:ea typeface="Arial" charset="0"/>
+                <a:cs typeface="Arial" charset="0"/>
                 <a:sym typeface="Cabin"/>
               </a:rPr>
               <a:t>Using the </a:t>
             </a:r>
             <a:r>
-              <a:rPr lang="en-US" sz="7600" b="0" i="0" u="none" strike="noStrike" cap="none">
+              <a:rPr lang="en-US" sz="7600" u="none" strike="noStrike" cap="none">
                 <a:solidFill>
                   <a:srgbClr val="FF00FF"/>
                 </a:solidFill>
-                <a:latin typeface="Cabin"/>
-                <a:ea typeface="Cabin"/>
-                <a:cs typeface="Cabin"/>
+                <a:latin typeface="Arial" charset="0"/>
+                <a:ea typeface="Arial" charset="0"/>
+                <a:cs typeface="Arial" charset="0"/>
                 <a:sym typeface="Cabin"/>
               </a:rPr>
               <a:t>range</a:t>
             </a:r>
             <a:r>
-              <a:rPr lang="en-US" sz="7600" b="0" i="0" u="none" strike="noStrike" cap="none">
+              <a:rPr lang="en-US" sz="7600" u="none" strike="noStrike" cap="none">
                 <a:solidFill>
                   <a:srgbClr val="FFFF00"/>
                 </a:solidFill>
-                <a:latin typeface="Cabin"/>
-                <a:ea typeface="Cabin"/>
-                <a:cs typeface="Cabin"/>
+                <a:latin typeface="Arial" charset="0"/>
+                <a:ea typeface="Arial" charset="0"/>
+                <a:cs typeface="Arial" charset="0"/>
                 <a:sym typeface="Cabin"/>
               </a:rPr>
               <a:t> function</a:t>
@@ -18484,73 +18484,73 @@
               <a:buFont typeface="Cabin"/>
             </a:pPr>
             <a:r>
-              <a:rPr lang="en-US" sz="3400" b="0" i="0" u="none" strike="noStrike" cap="none">
-                <a:solidFill>
-                  <a:schemeClr val="lt1"/>
-                </a:solidFill>
-                <a:latin typeface="Cabin"/>
-                <a:ea typeface="Cabin"/>
-                <a:cs typeface="Cabin"/>
+              <a:rPr lang="en-US" sz="3400" u="none" strike="noStrike" cap="none">
+                <a:solidFill>
+                  <a:schemeClr val="lt1"/>
+                </a:solidFill>
+                <a:latin typeface="Arial" charset="0"/>
+                <a:ea typeface="Arial" charset="0"/>
+                <a:cs typeface="Arial" charset="0"/>
                 <a:sym typeface="Cabin"/>
               </a:rPr>
               <a:t>The </a:t>
             </a:r>
             <a:r>
-              <a:rPr lang="en-US" sz="3400" b="0" i="0" u="none" strike="noStrike" cap="none">
+              <a:rPr lang="en-US" sz="3400" u="none" strike="noStrike" cap="none">
                 <a:solidFill>
                   <a:srgbClr val="FF00FF"/>
                 </a:solidFill>
-                <a:latin typeface="Cabin"/>
-                <a:ea typeface="Cabin"/>
-                <a:cs typeface="Cabin"/>
+                <a:latin typeface="Arial" charset="0"/>
+                <a:ea typeface="Arial" charset="0"/>
+                <a:cs typeface="Arial" charset="0"/>
                 <a:sym typeface="Cabin"/>
               </a:rPr>
               <a:t>range</a:t>
             </a:r>
             <a:r>
-              <a:rPr lang="en-US" sz="3400" b="0" i="0" u="none" strike="noStrike" cap="none">
-                <a:solidFill>
-                  <a:schemeClr val="lt1"/>
-                </a:solidFill>
-                <a:latin typeface="Cabin"/>
-                <a:ea typeface="Cabin"/>
-                <a:cs typeface="Cabin"/>
+              <a:rPr lang="en-US" sz="3400" u="none" strike="noStrike" cap="none">
+                <a:solidFill>
+                  <a:schemeClr val="lt1"/>
+                </a:solidFill>
+                <a:latin typeface="Arial" charset="0"/>
+                <a:ea typeface="Arial" charset="0"/>
+                <a:cs typeface="Arial" charset="0"/>
                 <a:sym typeface="Cabin"/>
               </a:rPr>
               <a:t> function </a:t>
             </a:r>
             <a:r>
-              <a:rPr lang="en-US" sz="3400" b="0" i="0" u="none" strike="noStrike" cap="none">
+              <a:rPr lang="en-US" sz="3400" u="none" strike="noStrike" cap="none">
                 <a:solidFill>
                   <a:srgbClr val="FF00FF"/>
                 </a:solidFill>
-                <a:latin typeface="Cabin"/>
-                <a:ea typeface="Cabin"/>
-                <a:cs typeface="Cabin"/>
+                <a:latin typeface="Arial" charset="0"/>
+                <a:ea typeface="Arial" charset="0"/>
+                <a:cs typeface="Arial" charset="0"/>
                 <a:sym typeface="Cabin"/>
               </a:rPr>
               <a:t>returns a list of numbers</a:t>
             </a:r>
             <a:r>
-              <a:rPr lang="en-US" sz="3400" b="0" i="0" u="none" strike="noStrike" cap="none">
-                <a:solidFill>
-                  <a:schemeClr val="lt1"/>
-                </a:solidFill>
-                <a:latin typeface="Cabin"/>
-                <a:ea typeface="Cabin"/>
-                <a:cs typeface="Cabin"/>
+              <a:rPr lang="en-US" sz="3400" u="none" strike="noStrike" cap="none">
+                <a:solidFill>
+                  <a:schemeClr val="lt1"/>
+                </a:solidFill>
+                <a:latin typeface="Arial" charset="0"/>
+                <a:ea typeface="Arial" charset="0"/>
+                <a:cs typeface="Arial" charset="0"/>
                 <a:sym typeface="Cabin"/>
               </a:rPr>
               <a:t> that range from zero to one less than the </a:t>
             </a:r>
             <a:r>
-              <a:rPr lang="en-US" sz="3400" b="0" i="0" u="none" strike="noStrike" cap="none">
+              <a:rPr lang="en-US" sz="3400" u="none" strike="noStrike" cap="none">
                 <a:solidFill>
                   <a:srgbClr val="FF0000"/>
                 </a:solidFill>
-                <a:latin typeface="Cabin"/>
-                <a:ea typeface="Cabin"/>
-                <a:cs typeface="Cabin"/>
+                <a:latin typeface="Arial" charset="0"/>
+                <a:ea typeface="Arial" charset="0"/>
+                <a:cs typeface="Arial" charset="0"/>
                 <a:sym typeface="Cabin"/>
               </a:rPr>
               <a:t>parameter</a:t>
@@ -18571,49 +18571,49 @@
               <a:buFont typeface="Cabin"/>
             </a:pPr>
             <a:r>
-              <a:rPr lang="en-US" sz="3400" b="0" i="0" u="none" strike="noStrike" cap="none">
-                <a:solidFill>
-                  <a:schemeClr val="lt1"/>
-                </a:solidFill>
-                <a:latin typeface="Cabin"/>
-                <a:ea typeface="Cabin"/>
-                <a:cs typeface="Cabin"/>
+              <a:rPr lang="en-US" sz="3400" u="none" strike="noStrike" cap="none">
+                <a:solidFill>
+                  <a:schemeClr val="lt1"/>
+                </a:solidFill>
+                <a:latin typeface="Arial" charset="0"/>
+                <a:ea typeface="Arial" charset="0"/>
+                <a:cs typeface="Arial" charset="0"/>
                 <a:sym typeface="Cabin"/>
               </a:rPr>
               <a:t>We can construct an index loop using </a:t>
             </a:r>
             <a:r>
-              <a:rPr lang="en-US" sz="3400" b="0" i="0" u="none" strike="noStrike" cap="none">
+              <a:rPr lang="en-US" sz="3400" u="none" strike="noStrike" cap="none">
                 <a:solidFill>
                   <a:srgbClr val="FFFF00"/>
                 </a:solidFill>
-                <a:latin typeface="Cabin"/>
-                <a:ea typeface="Cabin"/>
-                <a:cs typeface="Cabin"/>
+                <a:latin typeface="Arial" charset="0"/>
+                <a:ea typeface="Arial" charset="0"/>
+                <a:cs typeface="Arial" charset="0"/>
                 <a:sym typeface="Cabin"/>
               </a:rPr>
               <a:t>for</a:t>
             </a:r>
             <a:r>
-              <a:rPr lang="en-US" sz="3400" b="0" i="0" u="none" strike="noStrike" cap="none">
-                <a:solidFill>
-                  <a:schemeClr val="lt1"/>
-                </a:solidFill>
-                <a:latin typeface="Cabin"/>
-                <a:ea typeface="Cabin"/>
-                <a:cs typeface="Cabin"/>
+              <a:rPr lang="en-US" sz="3400" u="none" strike="noStrike" cap="none">
+                <a:solidFill>
+                  <a:schemeClr val="lt1"/>
+                </a:solidFill>
+                <a:latin typeface="Arial" charset="0"/>
+                <a:ea typeface="Arial" charset="0"/>
+                <a:cs typeface="Arial" charset="0"/>
                 <a:sym typeface="Cabin"/>
               </a:rPr>
               <a:t> and an integer</a:t>
             </a:r>
             <a:r>
-              <a:rPr lang="en-US" sz="3400" b="0" i="0" u="none" strike="noStrike" cap="none">
+              <a:rPr lang="en-US" sz="3400" u="none" strike="noStrike" cap="none">
                 <a:solidFill>
                   <a:srgbClr val="00FF00"/>
                 </a:solidFill>
-                <a:latin typeface="Cabin"/>
-                <a:ea typeface="Cabin"/>
-                <a:cs typeface="Cabin"/>
+                <a:latin typeface="Arial" charset="0"/>
+                <a:ea typeface="Arial" charset="0"/>
+                <a:cs typeface="Arial" charset="0"/>
                 <a:sym typeface="Cabin"/>
               </a:rPr>
               <a:t> iterator</a:t>
@@ -19231,13 +19231,13 @@
               <a:buNone/>
             </a:pPr>
             <a:r>
-              <a:rPr lang="en-US" sz="7600" b="0" i="0" u="none" strike="noStrike" cap="none">
+              <a:rPr lang="en-US" sz="7600" u="none" strike="noStrike" cap="none">
                 <a:solidFill>
                   <a:srgbClr val="FFFF00"/>
                 </a:solidFill>
-                <a:latin typeface="Cabin"/>
-                <a:ea typeface="Cabin"/>
-                <a:cs typeface="Cabin"/>
+                <a:latin typeface="Arial" charset="0"/>
+                <a:ea typeface="Arial" charset="0"/>
+                <a:cs typeface="Arial" charset="0"/>
                 <a:sym typeface="Cabin"/>
               </a:rPr>
               <a:t>A tale of two loops...</a:t>
@@ -19870,13 +19870,13 @@
               <a:buNone/>
             </a:pPr>
             <a:r>
-              <a:rPr lang="en-US" sz="3000" b="0" i="0" u="none" strike="noStrike" cap="none">
+              <a:rPr lang="en-US" sz="3000" u="none" strike="noStrike" cap="none">
                 <a:solidFill>
                   <a:srgbClr val="FFFF00"/>
                 </a:solidFill>
-                <a:latin typeface="Cabin"/>
-                <a:ea typeface="Cabin"/>
-                <a:cs typeface="Cabin"/>
+                <a:latin typeface="Arial" charset="0"/>
+                <a:ea typeface="Arial" charset="0"/>
+                <a:cs typeface="Arial" charset="0"/>
                 <a:sym typeface="Cabin"/>
               </a:rPr>
               <a:t>Happy New Year: Joseph</a:t>
@@ -19901,13 +19901,13 @@
               <a:buNone/>
             </a:pPr>
             <a:r>
-              <a:rPr lang="en-US" sz="3000" b="0" i="0" u="none" strike="noStrike" cap="none">
+              <a:rPr lang="en-US" sz="3000" u="none" strike="noStrike" cap="none">
                 <a:solidFill>
                   <a:srgbClr val="FFFF00"/>
                 </a:solidFill>
-                <a:latin typeface="Cabin"/>
-                <a:ea typeface="Cabin"/>
-                <a:cs typeface="Cabin"/>
+                <a:latin typeface="Arial" charset="0"/>
+                <a:ea typeface="Arial" charset="0"/>
+                <a:cs typeface="Arial" charset="0"/>
                 <a:sym typeface="Cabin"/>
               </a:rPr>
               <a:t>Happy New Year: Glenn</a:t>
@@ -19932,13 +19932,13 @@
               <a:buNone/>
             </a:pPr>
             <a:r>
-              <a:rPr lang="en-US" sz="3000" b="0" i="0" u="none" strike="noStrike" cap="none">
+              <a:rPr lang="en-US" sz="3000" u="none" strike="noStrike" cap="none">
                 <a:solidFill>
                   <a:srgbClr val="FFFF00"/>
                 </a:solidFill>
-                <a:latin typeface="Cabin"/>
-                <a:ea typeface="Cabin"/>
-                <a:cs typeface="Cabin"/>
+                <a:latin typeface="Arial" charset="0"/>
+                <a:ea typeface="Arial" charset="0"/>
+                <a:cs typeface="Arial" charset="0"/>
                 <a:sym typeface="Cabin"/>
               </a:rPr>
               <a:t>Happy New Year: Sally</a:t>
@@ -20398,61 +20398,61 @@
               <a:buNone/>
             </a:pPr>
             <a:r>
-              <a:rPr lang="en-US" sz="7600" b="0" i="0" u="none" strike="noStrike" cap="none">
+              <a:rPr lang="en-US" sz="7600" u="none" strike="noStrike" cap="none">
                 <a:solidFill>
                   <a:srgbClr val="00FFFF"/>
                 </a:solidFill>
-                <a:latin typeface="Cabin"/>
-                <a:ea typeface="Cabin"/>
-                <a:cs typeface="Cabin"/>
+                <a:latin typeface="Arial" charset="0"/>
+                <a:ea typeface="Arial" charset="0"/>
+                <a:cs typeface="Arial" charset="0"/>
                 <a:sym typeface="Cabin"/>
               </a:rPr>
               <a:t>Concatenating</a:t>
             </a:r>
             <a:r>
-              <a:rPr lang="en-US" sz="7600" b="0" i="0" u="none" strike="noStrike" cap="none">
-                <a:solidFill>
-                  <a:schemeClr val="lt1"/>
-                </a:solidFill>
-                <a:latin typeface="Cabin"/>
-                <a:ea typeface="Cabin"/>
-                <a:cs typeface="Cabin"/>
+              <a:rPr lang="en-US" sz="7600" u="none" strike="noStrike" cap="none">
+                <a:solidFill>
+                  <a:schemeClr val="lt1"/>
+                </a:solidFill>
+                <a:latin typeface="Arial" charset="0"/>
+                <a:ea typeface="Arial" charset="0"/>
+                <a:cs typeface="Arial" charset="0"/>
                 <a:sym typeface="Cabin"/>
               </a:rPr>
               <a:t> </a:t>
             </a:r>
             <a:r>
-              <a:rPr lang="en-US" sz="7600" b="0" i="0" u="none" strike="noStrike" cap="none">
+              <a:rPr lang="en-US" sz="7600" u="none" strike="noStrike" cap="none">
                 <a:solidFill>
                   <a:srgbClr val="FFFF00"/>
                 </a:solidFill>
-                <a:latin typeface="Cabin"/>
-                <a:ea typeface="Cabin"/>
-                <a:cs typeface="Cabin"/>
+                <a:latin typeface="Arial" charset="0"/>
+                <a:ea typeface="Arial" charset="0"/>
+                <a:cs typeface="Arial" charset="0"/>
                 <a:sym typeface="Cabin"/>
               </a:rPr>
               <a:t>lists using</a:t>
             </a:r>
             <a:r>
-              <a:rPr lang="en-US" sz="7600" b="0" i="0" u="none" strike="noStrike" cap="none">
-                <a:solidFill>
-                  <a:schemeClr val="lt1"/>
-                </a:solidFill>
-                <a:latin typeface="Cabin"/>
-                <a:ea typeface="Cabin"/>
-                <a:cs typeface="Cabin"/>
+              <a:rPr lang="en-US" sz="7600" u="none" strike="noStrike" cap="none">
+                <a:solidFill>
+                  <a:schemeClr val="lt1"/>
+                </a:solidFill>
+                <a:latin typeface="Arial" charset="0"/>
+                <a:ea typeface="Arial" charset="0"/>
+                <a:cs typeface="Arial" charset="0"/>
                 <a:sym typeface="Cabin"/>
               </a:rPr>
               <a:t> </a:t>
             </a:r>
             <a:r>
-              <a:rPr lang="en-US" sz="7600" b="0" i="0" u="none" strike="noStrike" cap="none">
+              <a:rPr lang="en-US" sz="7600" u="none" strike="noStrike" cap="none">
                 <a:solidFill>
                   <a:srgbClr val="00FFFF"/>
                 </a:solidFill>
-                <a:latin typeface="Cabin"/>
-                <a:ea typeface="Cabin"/>
-                <a:cs typeface="Cabin"/>
+                <a:latin typeface="Arial" charset="0"/>
+                <a:ea typeface="Arial" charset="0"/>
+                <a:cs typeface="Arial" charset="0"/>
                 <a:sym typeface="Cabin"/>
               </a:rPr>
               <a:t>+</a:t>
@@ -20503,13 +20503,13 @@
               <a:buFont typeface="Cabin"/>
             </a:pPr>
             <a:r>
-              <a:rPr lang="en-US" sz="3600" b="0" i="0" u="none" strike="noStrike" cap="none">
-                <a:solidFill>
-                  <a:schemeClr val="lt1"/>
-                </a:solidFill>
-                <a:latin typeface="Cabin"/>
-                <a:ea typeface="Cabin"/>
-                <a:cs typeface="Cabin"/>
+              <a:rPr lang="en-US" sz="3600" u="none" strike="noStrike" cap="none">
+                <a:solidFill>
+                  <a:schemeClr val="lt1"/>
+                </a:solidFill>
+                <a:latin typeface="Arial" charset="0"/>
+                <a:ea typeface="Arial" charset="0"/>
+                <a:cs typeface="Arial" charset="0"/>
                 <a:sym typeface="Cabin"/>
               </a:rPr>
               <a:t>We can create a new list by adding two ex</a:t>
@@ -20519,21 +20519,21 @@
                 <a:solidFill>
                   <a:schemeClr val="lt1"/>
                 </a:solidFill>
-                <a:latin typeface="Cabin"/>
-                <a:ea typeface="Cabin"/>
-                <a:cs typeface="Cabin"/>
+                <a:latin typeface="Arial" charset="0"/>
+                <a:ea typeface="Arial" charset="0"/>
+                <a:cs typeface="Arial" charset="0"/>
                 <a:sym typeface="Cabin"/>
               </a:rPr>
               <a:t>is</a:t>
             </a:r>
             <a:r>
-              <a:rPr lang="en-US" sz="3600" b="0" i="0" u="none" strike="noStrike" cap="none">
-                <a:solidFill>
-                  <a:schemeClr val="lt1"/>
-                </a:solidFill>
-                <a:latin typeface="Cabin"/>
-                <a:ea typeface="Cabin"/>
-                <a:cs typeface="Cabin"/>
+              <a:rPr lang="en-US" sz="3600" u="none" strike="noStrike" cap="none">
+                <a:solidFill>
+                  <a:schemeClr val="lt1"/>
+                </a:solidFill>
+                <a:latin typeface="Arial" charset="0"/>
+                <a:ea typeface="Arial" charset="0"/>
+                <a:cs typeface="Arial" charset="0"/>
                 <a:sym typeface="Cabin"/>
               </a:rPr>
               <a:t>ting lists together</a:t>
@@ -21036,61 +21036,61 @@
               <a:buNone/>
             </a:pPr>
             <a:r>
-              <a:rPr lang="en-US" sz="7600" b="0" i="0" u="none" strike="noStrike" cap="none">
+              <a:rPr lang="en-US" sz="7600" u="none" strike="noStrike" cap="none">
                 <a:solidFill>
                   <a:srgbClr val="FFFF00"/>
                 </a:solidFill>
-                <a:latin typeface="Cabin"/>
-                <a:ea typeface="Cabin"/>
-                <a:cs typeface="Cabin"/>
+                <a:latin typeface="Arial" charset="0"/>
+                <a:ea typeface="Arial" charset="0"/>
+                <a:cs typeface="Arial" charset="0"/>
                 <a:sym typeface="Cabin"/>
               </a:rPr>
               <a:t>Lists can be </a:t>
             </a:r>
             <a:r>
-              <a:rPr lang="en-US" sz="7600" b="0" i="0" u="none" strike="noStrike" cap="none">
+              <a:rPr lang="en-US" sz="7600" u="none" strike="noStrike" cap="none">
                 <a:solidFill>
                   <a:srgbClr val="00FFFF"/>
                 </a:solidFill>
-                <a:latin typeface="Cabin"/>
-                <a:ea typeface="Cabin"/>
-                <a:cs typeface="Cabin"/>
+                <a:latin typeface="Arial" charset="0"/>
+                <a:ea typeface="Arial" charset="0"/>
+                <a:cs typeface="Arial" charset="0"/>
                 <a:sym typeface="Cabin"/>
               </a:rPr>
               <a:t>sliced</a:t>
             </a:r>
             <a:r>
-              <a:rPr lang="en-US" sz="7600" b="0" i="0" u="none" strike="noStrike" cap="none">
+              <a:rPr lang="en-US" sz="7600" u="none" strike="noStrike" cap="none">
                 <a:solidFill>
                   <a:srgbClr val="FFFF00"/>
                 </a:solidFill>
-                <a:latin typeface="Cabin"/>
-                <a:ea typeface="Cabin"/>
-                <a:cs typeface="Cabin"/>
+                <a:latin typeface="Arial" charset="0"/>
+                <a:ea typeface="Arial" charset="0"/>
+                <a:cs typeface="Arial" charset="0"/>
                 <a:sym typeface="Cabin"/>
               </a:rPr>
               <a:t> using</a:t>
             </a:r>
             <a:r>
-              <a:rPr lang="en-US" sz="7600" b="0" i="0" u="none" strike="noStrike" cap="none">
-                <a:solidFill>
-                  <a:schemeClr val="lt1"/>
-                </a:solidFill>
-                <a:latin typeface="Cabin"/>
-                <a:ea typeface="Cabin"/>
-                <a:cs typeface="Cabin"/>
+              <a:rPr lang="en-US" sz="7600" u="none" strike="noStrike" cap="none">
+                <a:solidFill>
+                  <a:schemeClr val="lt1"/>
+                </a:solidFill>
+                <a:latin typeface="Arial" charset="0"/>
+                <a:ea typeface="Arial" charset="0"/>
+                <a:cs typeface="Arial" charset="0"/>
                 <a:sym typeface="Cabin"/>
               </a:rPr>
               <a:t> </a:t>
             </a:r>
             <a:r>
-              <a:rPr lang="en-US" sz="7600" b="0" i="0" u="none" strike="noStrike" cap="none">
+              <a:rPr lang="en-US" sz="7600" u="none" strike="noStrike" cap="none">
                 <a:solidFill>
                   <a:srgbClr val="00FFFF"/>
                 </a:solidFill>
-                <a:latin typeface="Cabin"/>
-                <a:ea typeface="Cabin"/>
-                <a:cs typeface="Cabin"/>
+                <a:latin typeface="Arial" charset="0"/>
+                <a:ea typeface="Arial" charset="0"/>
+                <a:cs typeface="Arial" charset="0"/>
                 <a:sym typeface="Cabin"/>
               </a:rPr>
               <a:t>:</a:t>
@@ -21686,85 +21686,61 @@
               <a:buNone/>
             </a:pPr>
             <a:r>
-              <a:rPr lang="en-US" sz="3600" b="0" i="0" u="none" strike="noStrike" cap="none">
+              <a:rPr lang="en-US" sz="3600" u="none" strike="noStrike" cap="none">
                 <a:solidFill>
                   <a:srgbClr val="00FF00"/>
                 </a:solidFill>
-                <a:latin typeface="Cabin"/>
-                <a:ea typeface="Cabin"/>
-                <a:cs typeface="Cabin"/>
+                <a:latin typeface="Arial" charset="0"/>
+                <a:ea typeface="Arial" charset="0"/>
+                <a:cs typeface="Arial" charset="0"/>
                 <a:sym typeface="Cabin"/>
               </a:rPr>
               <a:t>Remember</a:t>
             </a:r>
             <a:r>
-              <a:rPr lang="en-US" sz="3600" b="0" i="0" u="none" strike="noStrike" cap="none">
-                <a:solidFill>
-                  <a:schemeClr val="lt1"/>
-                </a:solidFill>
-                <a:latin typeface="Cabin"/>
-                <a:ea typeface="Cabin"/>
-                <a:cs typeface="Cabin"/>
+              <a:rPr lang="en-US" sz="3600" u="none" strike="noStrike" cap="none">
+                <a:solidFill>
+                  <a:schemeClr val="lt1"/>
+                </a:solidFill>
+                <a:latin typeface="Arial" charset="0"/>
+                <a:ea typeface="Arial" charset="0"/>
+                <a:cs typeface="Arial" charset="0"/>
                 <a:sym typeface="Cabin"/>
               </a:rPr>
-              <a:t>:  </a:t>
-            </a:r>
-            <a:r>
-              <a:rPr lang="en-US" sz="3600" b="0" i="1" u="none" strike="noStrike" cap="none">
-                <a:solidFill>
-                  <a:schemeClr val="lt1"/>
-                </a:solidFill>
-                <a:latin typeface="Cabin"/>
-                <a:ea typeface="Cabin"/>
-                <a:cs typeface="Cabin"/>
+              <a:t>:  Just like in strings, the second number is </a:t>
+            </a:r>
+            <a:r>
+              <a:rPr lang="en-US" sz="3600">
+                <a:solidFill>
+                  <a:schemeClr val="lt1"/>
+                </a:solidFill>
+                <a:latin typeface="Arial" charset="0"/>
+                <a:ea typeface="Arial" charset="0"/>
+                <a:cs typeface="Arial" charset="0"/>
                 <a:sym typeface="Cabin"/>
               </a:rPr>
-              <a:t>Just like in strings</a:t>
-            </a:r>
-            <a:r>
-              <a:rPr lang="en-US" sz="3600" b="0" i="0" u="none" strike="noStrike" cap="none">
-                <a:solidFill>
-                  <a:schemeClr val="lt1"/>
-                </a:solidFill>
-                <a:latin typeface="Cabin"/>
-                <a:ea typeface="Cabin"/>
-                <a:cs typeface="Cabin"/>
+              <a:t>“</a:t>
+            </a:r>
+            <a:r>
+              <a:rPr lang="en-US" sz="3600" u="none" strike="noStrike" cap="none">
+                <a:solidFill>
+                  <a:srgbClr val="FF00FF"/>
+                </a:solidFill>
+                <a:latin typeface="Arial" charset="0"/>
+                <a:ea typeface="Arial" charset="0"/>
+                <a:cs typeface="Arial" charset="0"/>
                 <a:sym typeface="Cabin"/>
               </a:rPr>
-              <a:t>, the second number is </a:t>
+              <a:t>up to but not including</a:t>
             </a:r>
             <a:r>
               <a:rPr lang="en-US" sz="3600">
                 <a:solidFill>
                   <a:schemeClr val="lt1"/>
                 </a:solidFill>
-                <a:latin typeface="Cabin"/>
-                <a:ea typeface="Cabin"/>
-                <a:cs typeface="Cabin"/>
-                <a:sym typeface="Cabin"/>
-              </a:rPr>
-              <a:t>“</a:t>
-            </a:r>
-            <a:r>
-              <a:rPr lang="en-US" sz="3600" b="0" i="0" u="none" strike="noStrike" cap="none">
-                <a:solidFill>
-                  <a:srgbClr val="FF00FF"/>
-                </a:solidFill>
-                <a:latin typeface="Cabin"/>
-                <a:ea typeface="Cabin"/>
-                <a:cs typeface="Cabin"/>
-                <a:sym typeface="Cabin"/>
-              </a:rPr>
-              <a:t>up to but not including</a:t>
-            </a:r>
-            <a:r>
-              <a:rPr lang="en-US" sz="3600">
-                <a:solidFill>
-                  <a:schemeClr val="lt1"/>
-                </a:solidFill>
-                <a:latin typeface="Cabin"/>
-                <a:ea typeface="Cabin"/>
-                <a:cs typeface="Cabin"/>
+                <a:latin typeface="Arial" charset="0"/>
+                <a:ea typeface="Arial" charset="0"/>
+                <a:cs typeface="Arial" charset="0"/>
                 <a:sym typeface="Cabin"/>
               </a:rPr>
               <a:t>”</a:t>
@@ -21844,13 +21820,13 @@
               <a:buNone/>
             </a:pPr>
             <a:r>
-              <a:rPr lang="en-US" sz="7600" b="0" i="0" u="none" strike="noStrike" cap="none">
+              <a:rPr lang="en-US" sz="7600" u="none" strike="noStrike" cap="none">
                 <a:solidFill>
                   <a:srgbClr val="FFFF00"/>
                 </a:solidFill>
-                <a:latin typeface="Cabin"/>
-                <a:ea typeface="Cabin"/>
-                <a:cs typeface="Cabin"/>
+                <a:latin typeface="Arial" charset="0"/>
+                <a:ea typeface="Arial" charset="0"/>
+                <a:cs typeface="Arial" charset="0"/>
                 <a:sym typeface="Cabin"/>
               </a:rPr>
               <a:t>List Methods</a:t>
@@ -22269,13 +22245,13 @@
               <a:buNone/>
             </a:pPr>
             <a:r>
-              <a:rPr lang="en-US" sz="3000" b="0" i="0" u="sng" strike="noStrike" cap="none">
+              <a:rPr lang="en-US" sz="3000" u="sng" strike="noStrike" cap="none">
                 <a:solidFill>
                   <a:srgbClr val="FFFF00"/>
                 </a:solidFill>
-                <a:latin typeface="Cabin"/>
-                <a:ea typeface="Cabin"/>
-                <a:cs typeface="Cabin"/>
+                <a:latin typeface="Arial" charset="0"/>
+                <a:ea typeface="Arial" charset="0"/>
+                <a:cs typeface="Arial" charset="0"/>
                 <a:sym typeface="Cabin"/>
                 <a:hlinkClick r:id="rId3"/>
               </a:rPr>
@@ -22356,13 +22332,13 @@
               <a:buNone/>
             </a:pPr>
             <a:r>
-              <a:rPr lang="en-US" sz="7600" b="0" i="0" u="none" strike="noStrike" cap="none">
+              <a:rPr lang="en-US" sz="7600" u="none" strike="noStrike" cap="none">
                 <a:solidFill>
                   <a:srgbClr val="FFFF00"/>
                 </a:solidFill>
-                <a:latin typeface="Cabin"/>
-                <a:ea typeface="Cabin"/>
-                <a:cs typeface="Cabin"/>
+                <a:latin typeface="Arial" charset="0"/>
+                <a:ea typeface="Arial" charset="0"/>
+                <a:cs typeface="Arial" charset="0"/>
                 <a:sym typeface="Cabin"/>
               </a:rPr>
               <a:t>Building a </a:t>
@@ -22372,21 +22348,21 @@
                 <a:solidFill>
                   <a:srgbClr val="FFFF00"/>
                 </a:solidFill>
-                <a:latin typeface="Cabin"/>
-                <a:ea typeface="Cabin"/>
-                <a:cs typeface="Cabin"/>
+                <a:latin typeface="Arial" charset="0"/>
+                <a:ea typeface="Arial" charset="0"/>
+                <a:cs typeface="Arial" charset="0"/>
                 <a:sym typeface="Cabin"/>
               </a:rPr>
               <a:t>L</a:t>
             </a:r>
             <a:r>
-              <a:rPr lang="en-US" sz="7600" b="0" i="0" u="none" strike="noStrike" cap="none">
+              <a:rPr lang="en-US" sz="7600" u="none" strike="noStrike" cap="none">
                 <a:solidFill>
                   <a:srgbClr val="FFFF00"/>
                 </a:solidFill>
-                <a:latin typeface="Cabin"/>
-                <a:ea typeface="Cabin"/>
-                <a:cs typeface="Cabin"/>
+                <a:latin typeface="Arial" charset="0"/>
+                <a:ea typeface="Arial" charset="0"/>
+                <a:cs typeface="Arial" charset="0"/>
                 <a:sym typeface="Cabin"/>
               </a:rPr>
               <a:t>ist from </a:t>
@@ -22396,21 +22372,21 @@
                 <a:solidFill>
                   <a:srgbClr val="FFFF00"/>
                 </a:solidFill>
-                <a:latin typeface="Cabin"/>
-                <a:ea typeface="Cabin"/>
-                <a:cs typeface="Cabin"/>
+                <a:latin typeface="Arial" charset="0"/>
+                <a:ea typeface="Arial" charset="0"/>
+                <a:cs typeface="Arial" charset="0"/>
                 <a:sym typeface="Cabin"/>
               </a:rPr>
               <a:t>S</a:t>
             </a:r>
             <a:r>
-              <a:rPr lang="en-US" sz="7600" b="0" i="0" u="none" strike="noStrike" cap="none">
+              <a:rPr lang="en-US" sz="7600" u="none" strike="noStrike" cap="none">
                 <a:solidFill>
                   <a:srgbClr val="FFFF00"/>
                 </a:solidFill>
-                <a:latin typeface="Cabin"/>
-                <a:ea typeface="Cabin"/>
-                <a:cs typeface="Cabin"/>
+                <a:latin typeface="Arial" charset="0"/>
+                <a:ea typeface="Arial" charset="0"/>
+                <a:cs typeface="Arial" charset="0"/>
                 <a:sym typeface="Cabin"/>
               </a:rPr>
               <a:t>cratch</a:t>
@@ -22461,61 +22437,61 @@
               <a:buFont typeface="Cabin"/>
             </a:pPr>
             <a:r>
-              <a:rPr lang="en-US" sz="3400" b="0" i="0" u="none" strike="noStrike" cap="none">
-                <a:solidFill>
-                  <a:schemeClr val="lt1"/>
-                </a:solidFill>
-                <a:latin typeface="Cabin"/>
-                <a:ea typeface="Cabin"/>
-                <a:cs typeface="Cabin"/>
+              <a:rPr lang="en-US" sz="3400" u="none" strike="noStrike" cap="none">
+                <a:solidFill>
+                  <a:schemeClr val="lt1"/>
+                </a:solidFill>
+                <a:latin typeface="Arial" charset="0"/>
+                <a:ea typeface="Arial" charset="0"/>
+                <a:cs typeface="Arial" charset="0"/>
                 <a:sym typeface="Cabin"/>
               </a:rPr>
               <a:t>We can create an empty </a:t>
             </a:r>
             <a:r>
-              <a:rPr lang="en-US" sz="3400" b="0" i="0" u="none" strike="noStrike" cap="none">
+              <a:rPr lang="en-US" sz="3400" u="none" strike="noStrike" cap="none">
                 <a:solidFill>
                   <a:srgbClr val="00FF00"/>
                 </a:solidFill>
-                <a:latin typeface="Cabin"/>
-                <a:ea typeface="Cabin"/>
-                <a:cs typeface="Cabin"/>
+                <a:latin typeface="Arial" charset="0"/>
+                <a:ea typeface="Arial" charset="0"/>
+                <a:cs typeface="Arial" charset="0"/>
                 <a:sym typeface="Cabin"/>
               </a:rPr>
               <a:t>list</a:t>
             </a:r>
             <a:r>
-              <a:rPr lang="en-US" sz="3400" b="0" i="0" u="none" strike="noStrike" cap="none">
-                <a:solidFill>
-                  <a:schemeClr val="lt1"/>
-                </a:solidFill>
-                <a:latin typeface="Cabin"/>
-                <a:ea typeface="Cabin"/>
-                <a:cs typeface="Cabin"/>
+              <a:rPr lang="en-US" sz="3400" u="none" strike="noStrike" cap="none">
+                <a:solidFill>
+                  <a:schemeClr val="lt1"/>
+                </a:solidFill>
+                <a:latin typeface="Arial" charset="0"/>
+                <a:ea typeface="Arial" charset="0"/>
+                <a:cs typeface="Arial" charset="0"/>
                 <a:sym typeface="Cabin"/>
               </a:rPr>
               <a:t> and then add elements using the </a:t>
             </a:r>
             <a:r>
-              <a:rPr lang="en-US" sz="3400" b="0" i="0" u="none" strike="noStrike" cap="none">
+              <a:rPr lang="en-US" sz="3400" u="none" strike="noStrike" cap="none">
                 <a:solidFill>
                   <a:srgbClr val="FF00FF"/>
                 </a:solidFill>
-                <a:latin typeface="Cabin"/>
-                <a:ea typeface="Cabin"/>
-                <a:cs typeface="Cabin"/>
+                <a:latin typeface="Arial" charset="0"/>
+                <a:ea typeface="Arial" charset="0"/>
+                <a:cs typeface="Arial" charset="0"/>
                 <a:sym typeface="Cabin"/>
               </a:rPr>
               <a:t>append</a:t>
             </a:r>
             <a:r>
-              <a:rPr lang="en-US" sz="3400" b="0" i="0" u="none" strike="noStrike" cap="none">
-                <a:solidFill>
-                  <a:schemeClr val="lt1"/>
-                </a:solidFill>
-                <a:latin typeface="Cabin"/>
-                <a:ea typeface="Cabin"/>
-                <a:cs typeface="Cabin"/>
+              <a:rPr lang="en-US" sz="3400" u="none" strike="noStrike" cap="none">
+                <a:solidFill>
+                  <a:schemeClr val="lt1"/>
+                </a:solidFill>
+                <a:latin typeface="Arial" charset="0"/>
+                <a:ea typeface="Arial" charset="0"/>
+                <a:cs typeface="Arial" charset="0"/>
                 <a:sym typeface="Cabin"/>
               </a:rPr>
               <a:t> method</a:t>
@@ -22536,73 +22512,73 @@
               <a:buFont typeface="Cabin"/>
             </a:pPr>
             <a:r>
-              <a:rPr lang="en-US" sz="3400" b="0" i="0" u="none" strike="noStrike" cap="none">
-                <a:solidFill>
-                  <a:schemeClr val="lt1"/>
-                </a:solidFill>
-                <a:latin typeface="Cabin"/>
-                <a:ea typeface="Cabin"/>
-                <a:cs typeface="Cabin"/>
+              <a:rPr lang="en-US" sz="3400" u="none" strike="noStrike" cap="none">
+                <a:solidFill>
+                  <a:schemeClr val="lt1"/>
+                </a:solidFill>
+                <a:latin typeface="Arial" charset="0"/>
+                <a:ea typeface="Arial" charset="0"/>
+                <a:cs typeface="Arial" charset="0"/>
                 <a:sym typeface="Cabin"/>
               </a:rPr>
               <a:t>The </a:t>
             </a:r>
             <a:r>
-              <a:rPr lang="en-US" sz="3400" b="0" i="0" u="none" strike="noStrike" cap="none">
+              <a:rPr lang="en-US" sz="3400" u="none" strike="noStrike" cap="none">
                 <a:solidFill>
                   <a:srgbClr val="00FF00"/>
                 </a:solidFill>
-                <a:latin typeface="Cabin"/>
-                <a:ea typeface="Cabin"/>
-                <a:cs typeface="Cabin"/>
+                <a:latin typeface="Arial" charset="0"/>
+                <a:ea typeface="Arial" charset="0"/>
+                <a:cs typeface="Arial" charset="0"/>
                 <a:sym typeface="Cabin"/>
               </a:rPr>
               <a:t>list</a:t>
             </a:r>
             <a:r>
-              <a:rPr lang="en-US" sz="3400" b="0" i="0" u="none" strike="noStrike" cap="none">
-                <a:solidFill>
-                  <a:schemeClr val="lt1"/>
-                </a:solidFill>
-                <a:latin typeface="Cabin"/>
-                <a:ea typeface="Cabin"/>
-                <a:cs typeface="Cabin"/>
+              <a:rPr lang="en-US" sz="3400" u="none" strike="noStrike" cap="none">
+                <a:solidFill>
+                  <a:schemeClr val="lt1"/>
+                </a:solidFill>
+                <a:latin typeface="Arial" charset="0"/>
+                <a:ea typeface="Arial" charset="0"/>
+                <a:cs typeface="Arial" charset="0"/>
                 <a:sym typeface="Cabin"/>
               </a:rPr>
               <a:t> stays in order and new elements are </a:t>
             </a:r>
             <a:r>
-              <a:rPr lang="en-US" sz="3400" b="0" i="0" u="none" strike="noStrike" cap="none">
+              <a:rPr lang="en-US" sz="3400" u="none" strike="noStrike" cap="none">
                 <a:solidFill>
                   <a:srgbClr val="FF00FF"/>
                 </a:solidFill>
-                <a:latin typeface="Cabin"/>
-                <a:ea typeface="Cabin"/>
-                <a:cs typeface="Cabin"/>
+                <a:latin typeface="Arial" charset="0"/>
+                <a:ea typeface="Arial" charset="0"/>
+                <a:cs typeface="Arial" charset="0"/>
                 <a:sym typeface="Cabin"/>
               </a:rPr>
               <a:t>added</a:t>
             </a:r>
             <a:r>
-              <a:rPr lang="en-US" sz="3400" b="0" i="0" u="none" strike="noStrike" cap="none">
-                <a:solidFill>
-                  <a:schemeClr val="lt1"/>
-                </a:solidFill>
-                <a:latin typeface="Cabin"/>
-                <a:ea typeface="Cabin"/>
-                <a:cs typeface="Cabin"/>
+              <a:rPr lang="en-US" sz="3400" u="none" strike="noStrike" cap="none">
+                <a:solidFill>
+                  <a:schemeClr val="lt1"/>
+                </a:solidFill>
+                <a:latin typeface="Arial" charset="0"/>
+                <a:ea typeface="Arial" charset="0"/>
+                <a:cs typeface="Arial" charset="0"/>
                 <a:sym typeface="Cabin"/>
               </a:rPr>
               <a:t> at the end of the </a:t>
             </a:r>
             <a:r>
-              <a:rPr lang="en-US" sz="3400" b="0" i="0" u="none" strike="noStrike" cap="none">
+              <a:rPr lang="en-US" sz="3400" u="none" strike="noStrike" cap="none">
                 <a:solidFill>
                   <a:srgbClr val="00FF00"/>
                 </a:solidFill>
-                <a:latin typeface="Cabin"/>
-                <a:ea typeface="Cabin"/>
-                <a:cs typeface="Cabin"/>
+                <a:latin typeface="Arial" charset="0"/>
+                <a:ea typeface="Arial" charset="0"/>
+                <a:cs typeface="Arial" charset="0"/>
                 <a:sym typeface="Cabin"/>
               </a:rPr>
               <a:t>list</a:t>
@@ -23184,13 +23160,13 @@
               <a:buNone/>
             </a:pPr>
             <a:r>
-              <a:rPr lang="en-US" sz="7600" b="0" i="0" u="none" strike="noStrike" cap="none">
+              <a:rPr lang="en-US" sz="7600" u="none" strike="noStrike" cap="none">
                 <a:solidFill>
                   <a:srgbClr val="FFFF00"/>
                 </a:solidFill>
-                <a:latin typeface="Cabin"/>
-                <a:ea typeface="Cabin"/>
-                <a:cs typeface="Cabin"/>
+                <a:latin typeface="Arial" charset="0"/>
+                <a:ea typeface="Arial" charset="0"/>
+                <a:cs typeface="Arial" charset="0"/>
                 <a:sym typeface="Cabin"/>
               </a:rPr>
               <a:t>Is Something in a List?</a:t>
@@ -23241,37 +23217,37 @@
               <a:buFont typeface="Cabin"/>
             </a:pPr>
             <a:r>
-              <a:rPr lang="en-US" sz="3400" b="0" i="0" u="none" strike="noStrike" cap="none">
-                <a:solidFill>
-                  <a:schemeClr val="lt1"/>
-                </a:solidFill>
-                <a:latin typeface="Cabin"/>
-                <a:ea typeface="Cabin"/>
-                <a:cs typeface="Cabin"/>
+              <a:rPr lang="en-US" sz="3400" u="none" strike="noStrike" cap="none">
+                <a:solidFill>
+                  <a:schemeClr val="lt1"/>
+                </a:solidFill>
+                <a:latin typeface="Arial" charset="0"/>
+                <a:ea typeface="Arial" charset="0"/>
+                <a:cs typeface="Arial" charset="0"/>
                 <a:sym typeface="Cabin"/>
               </a:rPr>
               <a:t>Python provides two </a:t>
             </a:r>
             <a:r>
-              <a:rPr lang="en-US" sz="3400" b="0" i="0" u="none" strike="noStrike" cap="none">
+              <a:rPr lang="en-US" sz="3400" u="none" strike="noStrike" cap="none">
                 <a:solidFill>
                   <a:srgbClr val="FFFF00"/>
                 </a:solidFill>
-                <a:latin typeface="Cabin"/>
-                <a:ea typeface="Cabin"/>
-                <a:cs typeface="Cabin"/>
+                <a:latin typeface="Arial" charset="0"/>
+                <a:ea typeface="Arial" charset="0"/>
+                <a:cs typeface="Arial" charset="0"/>
                 <a:sym typeface="Cabin"/>
               </a:rPr>
               <a:t>operators</a:t>
             </a:r>
             <a:r>
-              <a:rPr lang="en-US" sz="3400" b="0" i="0" u="none" strike="noStrike" cap="none">
-                <a:solidFill>
-                  <a:schemeClr val="lt1"/>
-                </a:solidFill>
-                <a:latin typeface="Cabin"/>
-                <a:ea typeface="Cabin"/>
-                <a:cs typeface="Cabin"/>
+              <a:rPr lang="en-US" sz="3400" u="none" strike="noStrike" cap="none">
+                <a:solidFill>
+                  <a:schemeClr val="lt1"/>
+                </a:solidFill>
+                <a:latin typeface="Arial" charset="0"/>
+                <a:ea typeface="Arial" charset="0"/>
+                <a:cs typeface="Arial" charset="0"/>
                 <a:sym typeface="Cabin"/>
               </a:rPr>
               <a:t> that let you check if an item is in a list</a:t>
@@ -23292,49 +23268,49 @@
               <a:buFont typeface="Cabin"/>
             </a:pPr>
             <a:r>
-              <a:rPr lang="en-US" sz="3400" b="0" i="0" u="none" strike="noStrike" cap="none">
-                <a:solidFill>
-                  <a:schemeClr val="lt1"/>
-                </a:solidFill>
-                <a:latin typeface="Cabin"/>
-                <a:ea typeface="Cabin"/>
-                <a:cs typeface="Cabin"/>
+              <a:rPr lang="en-US" sz="3400" u="none" strike="noStrike" cap="none">
+                <a:solidFill>
+                  <a:schemeClr val="lt1"/>
+                </a:solidFill>
+                <a:latin typeface="Arial" charset="0"/>
+                <a:ea typeface="Arial" charset="0"/>
+                <a:cs typeface="Arial" charset="0"/>
                 <a:sym typeface="Cabin"/>
               </a:rPr>
               <a:t>These are logical operators that return </a:t>
             </a:r>
             <a:r>
-              <a:rPr lang="en-US" sz="3400" b="0" i="0" u="none" strike="noStrike" cap="none">
+              <a:rPr lang="en-US" sz="3400" u="none" strike="noStrike" cap="none">
                 <a:solidFill>
                   <a:srgbClr val="FF00FF"/>
                 </a:solidFill>
-                <a:latin typeface="Cabin"/>
-                <a:ea typeface="Cabin"/>
-                <a:cs typeface="Cabin"/>
+                <a:latin typeface="Arial" charset="0"/>
+                <a:ea typeface="Arial" charset="0"/>
+                <a:cs typeface="Arial" charset="0"/>
                 <a:sym typeface="Cabin"/>
               </a:rPr>
               <a:t>True</a:t>
             </a:r>
             <a:r>
-              <a:rPr lang="en-US" sz="3400" b="0" i="0" u="none" strike="noStrike" cap="none">
-                <a:solidFill>
-                  <a:schemeClr val="lt1"/>
-                </a:solidFill>
-                <a:latin typeface="Cabin"/>
-                <a:ea typeface="Cabin"/>
-                <a:cs typeface="Cabin"/>
+              <a:rPr lang="en-US" sz="3400" u="none" strike="noStrike" cap="none">
+                <a:solidFill>
+                  <a:schemeClr val="lt1"/>
+                </a:solidFill>
+                <a:latin typeface="Arial" charset="0"/>
+                <a:ea typeface="Arial" charset="0"/>
+                <a:cs typeface="Arial" charset="0"/>
                 <a:sym typeface="Cabin"/>
               </a:rPr>
               <a:t> or </a:t>
             </a:r>
             <a:r>
-              <a:rPr lang="en-US" sz="3400" b="0" i="0" u="none" strike="noStrike" cap="none">
+              <a:rPr lang="en-US" sz="3400" u="none" strike="noStrike" cap="none">
                 <a:solidFill>
                   <a:srgbClr val="FF00FF"/>
                 </a:solidFill>
-                <a:latin typeface="Cabin"/>
-                <a:ea typeface="Cabin"/>
-                <a:cs typeface="Cabin"/>
+                <a:latin typeface="Arial" charset="0"/>
+                <a:ea typeface="Arial" charset="0"/>
+                <a:cs typeface="Arial" charset="0"/>
                 <a:sym typeface="Cabin"/>
               </a:rPr>
               <a:t>False</a:t>
@@ -23355,13 +23331,13 @@
               <a:buFont typeface="Cabin"/>
             </a:pPr>
             <a:r>
-              <a:rPr lang="en-US" sz="3400" b="0" i="0" u="none" strike="noStrike" cap="none">
-                <a:solidFill>
-                  <a:schemeClr val="lt1"/>
-                </a:solidFill>
-                <a:latin typeface="Cabin"/>
-                <a:ea typeface="Cabin"/>
-                <a:cs typeface="Cabin"/>
+              <a:rPr lang="en-US" sz="3400" u="none" strike="noStrike" cap="none">
+                <a:solidFill>
+                  <a:schemeClr val="lt1"/>
+                </a:solidFill>
+                <a:latin typeface="Arial" charset="0"/>
+                <a:ea typeface="Arial" charset="0"/>
+                <a:cs typeface="Arial" charset="0"/>
                 <a:sym typeface="Cabin"/>
               </a:rPr>
               <a:t>They do not modify the list</a:t>
@@ -23931,13 +23907,13 @@
               <a:buNone/>
             </a:pPr>
             <a:r>
-              <a:rPr lang="en-US" sz="7800" b="0" i="0" u="none" strike="noStrike" cap="none">
+              <a:rPr lang="en-US" sz="7800" u="none" strike="noStrike" cap="none">
                 <a:solidFill>
                   <a:srgbClr val="FFFF00"/>
                 </a:solidFill>
-                <a:latin typeface="Cabin"/>
-                <a:ea typeface="Cabin"/>
-                <a:cs typeface="Cabin"/>
+                <a:latin typeface="Arial" charset="0"/>
+                <a:ea typeface="Arial" charset="0"/>
+                <a:cs typeface="Arial" charset="0"/>
                 <a:sym typeface="Cabin"/>
               </a:rPr>
               <a:t>A List is an Ordered Sequence</a:t>
@@ -23992,37 +23968,37 @@
               <a:buChar char="•"/>
             </a:pPr>
             <a:r>
-              <a:rPr lang="en-US" sz="3400" b="0" i="0" u="none" strike="noStrike" cap="none">
-                <a:solidFill>
-                  <a:schemeClr val="lt1"/>
-                </a:solidFill>
-                <a:latin typeface="Cabin"/>
-                <a:ea typeface="Cabin"/>
-                <a:cs typeface="Cabin"/>
+              <a:rPr lang="en-US" sz="3400" u="none" strike="noStrike" cap="none">
+                <a:solidFill>
+                  <a:schemeClr val="lt1"/>
+                </a:solidFill>
+                <a:latin typeface="Arial" charset="0"/>
+                <a:ea typeface="Arial" charset="0"/>
+                <a:cs typeface="Arial" charset="0"/>
                 <a:sym typeface="Cabin"/>
               </a:rPr>
               <a:t>A </a:t>
             </a:r>
             <a:r>
-              <a:rPr lang="en-US" sz="3400" b="0" i="0" u="none" strike="noStrike" cap="none">
+              <a:rPr lang="en-US" sz="3400" u="none" strike="noStrike" cap="none">
                 <a:solidFill>
                   <a:srgbClr val="FF7F00"/>
                 </a:solidFill>
-                <a:latin typeface="Cabin"/>
-                <a:ea typeface="Cabin"/>
-                <a:cs typeface="Cabin"/>
+                <a:latin typeface="Arial" charset="0"/>
+                <a:ea typeface="Arial" charset="0"/>
+                <a:cs typeface="Arial" charset="0"/>
                 <a:sym typeface="Cabin"/>
               </a:rPr>
               <a:t>list</a:t>
             </a:r>
             <a:r>
-              <a:rPr lang="en-US" sz="3400" b="0" i="0" u="none" strike="noStrike" cap="none">
-                <a:solidFill>
-                  <a:schemeClr val="lt1"/>
-                </a:solidFill>
-                <a:latin typeface="Cabin"/>
-                <a:ea typeface="Cabin"/>
-                <a:cs typeface="Cabin"/>
+              <a:rPr lang="en-US" sz="3400" u="none" strike="noStrike" cap="none">
+                <a:solidFill>
+                  <a:schemeClr val="lt1"/>
+                </a:solidFill>
+                <a:latin typeface="Arial" charset="0"/>
+                <a:ea typeface="Arial" charset="0"/>
+                <a:cs typeface="Arial" charset="0"/>
                 <a:sym typeface="Cabin"/>
               </a:rPr>
               <a:t> can hold many items and keeps those items in the order until we do something to change the order</a:t>
@@ -24047,84 +24023,84 @@
               <a:buChar char="•"/>
             </a:pPr>
             <a:r>
-              <a:rPr lang="en-US" sz="3400" b="0" i="0" u="none" strike="noStrike" cap="none">
-                <a:solidFill>
-                  <a:schemeClr val="lt1"/>
-                </a:solidFill>
-                <a:latin typeface="Cabin"/>
-                <a:ea typeface="Cabin"/>
-                <a:cs typeface="Cabin"/>
+              <a:rPr lang="en-US" sz="3400" u="none" strike="noStrike" cap="none">
+                <a:solidFill>
+                  <a:schemeClr val="lt1"/>
+                </a:solidFill>
+                <a:latin typeface="Arial" charset="0"/>
+                <a:ea typeface="Arial" charset="0"/>
+                <a:cs typeface="Arial" charset="0"/>
                 <a:sym typeface="Cabin"/>
               </a:rPr>
               <a:t>A </a:t>
             </a:r>
             <a:r>
-              <a:rPr lang="en-US" sz="3400" b="0" i="0" u="none" strike="noStrike" cap="none">
+              <a:rPr lang="en-US" sz="3400" u="none" strike="noStrike" cap="none">
                 <a:solidFill>
                   <a:srgbClr val="FF7F00"/>
                 </a:solidFill>
-                <a:latin typeface="Cabin"/>
-                <a:ea typeface="Cabin"/>
-                <a:cs typeface="Cabin"/>
+                <a:latin typeface="Arial" charset="0"/>
+                <a:ea typeface="Arial" charset="0"/>
+                <a:cs typeface="Arial" charset="0"/>
                 <a:sym typeface="Cabin"/>
               </a:rPr>
               <a:t>list</a:t>
             </a:r>
             <a:r>
-              <a:rPr lang="en-US" sz="3400" b="0" i="0" u="none" strike="noStrike" cap="none">
-                <a:solidFill>
-                  <a:schemeClr val="lt1"/>
-                </a:solidFill>
-                <a:latin typeface="Cabin"/>
-                <a:ea typeface="Cabin"/>
-                <a:cs typeface="Cabin"/>
+              <a:rPr lang="en-US" sz="3400" u="none" strike="noStrike" cap="none">
+                <a:solidFill>
+                  <a:schemeClr val="lt1"/>
+                </a:solidFill>
+                <a:latin typeface="Arial" charset="0"/>
+                <a:ea typeface="Arial" charset="0"/>
+                <a:cs typeface="Arial" charset="0"/>
                 <a:sym typeface="Cabin"/>
               </a:rPr>
               <a:t> can be </a:t>
             </a:r>
             <a:r>
-              <a:rPr lang="en-US" sz="3400" b="0" i="0" u="none" strike="noStrike" cap="none">
+              <a:rPr lang="en-US" sz="3400" u="none" strike="noStrike" cap="none">
                 <a:solidFill>
                   <a:srgbClr val="FF00FF"/>
                 </a:solidFill>
-                <a:latin typeface="Cabin"/>
-                <a:ea typeface="Cabin"/>
-                <a:cs typeface="Cabin"/>
+                <a:latin typeface="Arial" charset="0"/>
+                <a:ea typeface="Arial" charset="0"/>
+                <a:cs typeface="Arial" charset="0"/>
                 <a:sym typeface="Cabin"/>
               </a:rPr>
               <a:t>sorted</a:t>
             </a:r>
             <a:r>
-              <a:rPr lang="en-US" sz="3400" b="0" i="0" u="none" strike="noStrike" cap="none">
-                <a:solidFill>
-                  <a:schemeClr val="lt1"/>
-                </a:solidFill>
-                <a:latin typeface="Cabin"/>
-                <a:ea typeface="Cabin"/>
-                <a:cs typeface="Cabin"/>
+              <a:rPr lang="en-US" sz="3400" u="none" strike="noStrike" cap="none">
+                <a:solidFill>
+                  <a:schemeClr val="lt1"/>
+                </a:solidFill>
+                <a:latin typeface="Arial" charset="0"/>
+                <a:ea typeface="Arial" charset="0"/>
+                <a:cs typeface="Arial" charset="0"/>
                 <a:sym typeface="Cabin"/>
               </a:rPr>
               <a:t> </a:t>
             </a:r>
             <a:br>
-              <a:rPr lang="en-US" sz="3400" b="0" i="0" u="none" strike="noStrike" cap="none">
-                <a:solidFill>
-                  <a:schemeClr val="lt1"/>
-                </a:solidFill>
-                <a:latin typeface="Cabin"/>
-                <a:ea typeface="Cabin"/>
-                <a:cs typeface="Cabin"/>
+              <a:rPr lang="en-US" sz="3400" u="none" strike="noStrike" cap="none">
+                <a:solidFill>
+                  <a:schemeClr val="lt1"/>
+                </a:solidFill>
+                <a:latin typeface="Arial" charset="0"/>
+                <a:ea typeface="Arial" charset="0"/>
+                <a:cs typeface="Arial" charset="0"/>
                 <a:sym typeface="Cabin"/>
               </a:rPr>
             </a:br>
             <a:r>
-              <a:rPr lang="en-US" sz="3400" b="0" i="0" u="none" strike="noStrike" cap="none">
-                <a:solidFill>
-                  <a:schemeClr val="lt1"/>
-                </a:solidFill>
-                <a:latin typeface="Cabin"/>
-                <a:ea typeface="Cabin"/>
-                <a:cs typeface="Cabin"/>
+              <a:rPr lang="en-US" sz="3400" u="none" strike="noStrike" cap="none">
+                <a:solidFill>
+                  <a:schemeClr val="lt1"/>
+                </a:solidFill>
+                <a:latin typeface="Arial" charset="0"/>
+                <a:ea typeface="Arial" charset="0"/>
+                <a:cs typeface="Arial" charset="0"/>
                 <a:sym typeface="Cabin"/>
               </a:rPr>
               <a:t>(i.e., change its order)</a:t>
@@ -24149,37 +24125,37 @@
               <a:buChar char="•"/>
             </a:pPr>
             <a:r>
-              <a:rPr lang="en-US" sz="3400" b="0" i="0" u="none" strike="noStrike" cap="none">
-                <a:solidFill>
-                  <a:schemeClr val="lt1"/>
-                </a:solidFill>
-                <a:latin typeface="Cabin"/>
-                <a:ea typeface="Cabin"/>
-                <a:cs typeface="Cabin"/>
+              <a:rPr lang="en-US" sz="3400" u="none" strike="noStrike" cap="none">
+                <a:solidFill>
+                  <a:schemeClr val="lt1"/>
+                </a:solidFill>
+                <a:latin typeface="Arial" charset="0"/>
+                <a:ea typeface="Arial" charset="0"/>
+                <a:cs typeface="Arial" charset="0"/>
                 <a:sym typeface="Cabin"/>
               </a:rPr>
               <a:t>The </a:t>
             </a:r>
             <a:r>
-              <a:rPr lang="en-US" sz="3400" b="0" i="0" u="none" strike="noStrike" cap="none">
+              <a:rPr lang="en-US" sz="3400" u="none" strike="noStrike" cap="none">
                 <a:solidFill>
                   <a:srgbClr val="FF00FF"/>
                 </a:solidFill>
-                <a:latin typeface="Cabin"/>
-                <a:ea typeface="Cabin"/>
-                <a:cs typeface="Cabin"/>
+                <a:latin typeface="Arial" charset="0"/>
+                <a:ea typeface="Arial" charset="0"/>
+                <a:cs typeface="Arial" charset="0"/>
                 <a:sym typeface="Cabin"/>
               </a:rPr>
               <a:t>sort</a:t>
             </a:r>
             <a:r>
-              <a:rPr lang="en-US" sz="3400" b="0" i="0" u="none" strike="noStrike" cap="none">
-                <a:solidFill>
-                  <a:schemeClr val="lt1"/>
-                </a:solidFill>
-                <a:latin typeface="Cabin"/>
-                <a:ea typeface="Cabin"/>
-                <a:cs typeface="Cabin"/>
+              <a:rPr lang="en-US" sz="3400" u="none" strike="noStrike" cap="none">
+                <a:solidFill>
+                  <a:schemeClr val="lt1"/>
+                </a:solidFill>
+                <a:latin typeface="Arial" charset="0"/>
+                <a:ea typeface="Arial" charset="0"/>
+                <a:cs typeface="Arial" charset="0"/>
                 <a:sym typeface="Cabin"/>
               </a:rPr>
               <a:t> method (unlike in strings) means </a:t>
@@ -24189,21 +24165,21 @@
                 <a:solidFill>
                   <a:schemeClr val="lt1"/>
                 </a:solidFill>
-                <a:latin typeface="Cabin"/>
-                <a:ea typeface="Cabin"/>
-                <a:cs typeface="Cabin"/>
+                <a:latin typeface="Arial" charset="0"/>
+                <a:ea typeface="Arial" charset="0"/>
+                <a:cs typeface="Arial" charset="0"/>
                 <a:sym typeface="Cabin"/>
               </a:rPr>
               <a:t>“</a:t>
             </a:r>
             <a:r>
-              <a:rPr lang="en-US" sz="3400" b="0" i="0" u="none" strike="noStrike" cap="none">
+              <a:rPr lang="en-US" sz="3400" u="none" strike="noStrike" cap="none">
                 <a:solidFill>
                   <a:srgbClr val="FF00FF"/>
                 </a:solidFill>
-                <a:latin typeface="Cabin"/>
-                <a:ea typeface="Cabin"/>
-                <a:cs typeface="Cabin"/>
+                <a:latin typeface="Arial" charset="0"/>
+                <a:ea typeface="Arial" charset="0"/>
+                <a:cs typeface="Arial" charset="0"/>
                 <a:sym typeface="Cabin"/>
               </a:rPr>
               <a:t>sort yourself</a:t>
@@ -24213,9 +24189,9 @@
                 <a:solidFill>
                   <a:schemeClr val="lt1"/>
                 </a:solidFill>
-                <a:latin typeface="Cabin"/>
-                <a:ea typeface="Cabin"/>
-                <a:cs typeface="Cabin"/>
+                <a:latin typeface="Arial" charset="0"/>
+                <a:ea typeface="Arial" charset="0"/>
+                <a:cs typeface="Arial" charset="0"/>
                 <a:sym typeface="Cabin"/>
               </a:rPr>
               <a:t>”</a:t>
@@ -24718,13 +24694,13 @@
               <a:buNone/>
             </a:pPr>
             <a:r>
-              <a:rPr lang="en-US" sz="7600" b="0" i="0" u="none" strike="noStrike" cap="none">
+              <a:rPr lang="en-US" sz="7600" u="none" strike="noStrike" cap="none">
                 <a:solidFill>
                   <a:srgbClr val="FFFF00"/>
                 </a:solidFill>
-                <a:latin typeface="Cabin"/>
-                <a:ea typeface="Cabin"/>
-                <a:cs typeface="Cabin"/>
+                <a:latin typeface="Arial" charset="0"/>
+                <a:ea typeface="Arial" charset="0"/>
+                <a:cs typeface="Arial" charset="0"/>
                 <a:sym typeface="Cabin"/>
               </a:rPr>
               <a:t>Built</a:t>
@@ -24734,21 +24710,21 @@
                 <a:solidFill>
                   <a:srgbClr val="FFFF00"/>
                 </a:solidFill>
-                <a:latin typeface="Cabin"/>
-                <a:ea typeface="Cabin"/>
-                <a:cs typeface="Cabin"/>
+                <a:latin typeface="Arial" charset="0"/>
+                <a:ea typeface="Arial" charset="0"/>
+                <a:cs typeface="Arial" charset="0"/>
                 <a:sym typeface="Cabin"/>
               </a:rPr>
               <a:t>-</a:t>
             </a:r>
             <a:r>
-              <a:rPr lang="en-US" sz="7600" b="0" i="0" u="none" strike="noStrike" cap="none">
+              <a:rPr lang="en-US" sz="7600" u="none" strike="noStrike" cap="none">
                 <a:solidFill>
                   <a:srgbClr val="FFFF00"/>
                 </a:solidFill>
-                <a:latin typeface="Cabin"/>
-                <a:ea typeface="Cabin"/>
-                <a:cs typeface="Cabin"/>
+                <a:latin typeface="Arial" charset="0"/>
+                <a:ea typeface="Arial" charset="0"/>
+                <a:cs typeface="Arial" charset="0"/>
                 <a:sym typeface="Cabin"/>
               </a:rPr>
               <a:t>in Functions and Lists</a:t>
@@ -24799,85 +24775,85 @@
               <a:buFont typeface="Cabin"/>
             </a:pPr>
             <a:r>
-              <a:rPr lang="en-US" sz="3400" b="0" i="0" u="none" strike="noStrike" cap="none">
-                <a:solidFill>
-                  <a:schemeClr val="lt1"/>
-                </a:solidFill>
-                <a:latin typeface="Cabin"/>
-                <a:ea typeface="Cabin"/>
-                <a:cs typeface="Cabin"/>
+              <a:rPr lang="en-US" sz="3400" u="none" strike="noStrike" cap="none">
+                <a:solidFill>
+                  <a:schemeClr val="lt1"/>
+                </a:solidFill>
+                <a:latin typeface="Arial" charset="0"/>
+                <a:ea typeface="Arial" charset="0"/>
+                <a:cs typeface="Arial" charset="0"/>
                 <a:sym typeface="Cabin"/>
               </a:rPr>
               <a:t>There are a number of </a:t>
             </a:r>
             <a:r>
-              <a:rPr lang="en-US" sz="3400" b="0" i="0" u="none" strike="noStrike" cap="none">
+              <a:rPr lang="en-US" sz="3400" u="none" strike="noStrike" cap="none">
                 <a:solidFill>
                   <a:srgbClr val="FF00FF"/>
                 </a:solidFill>
-                <a:latin typeface="Cabin"/>
-                <a:ea typeface="Cabin"/>
-                <a:cs typeface="Cabin"/>
+                <a:latin typeface="Arial" charset="0"/>
+                <a:ea typeface="Arial" charset="0"/>
+                <a:cs typeface="Arial" charset="0"/>
                 <a:sym typeface="Cabin"/>
               </a:rPr>
               <a:t>functions</a:t>
             </a:r>
             <a:r>
-              <a:rPr lang="en-US" sz="3400" b="0" i="0" u="none" strike="noStrike" cap="none">
-                <a:solidFill>
-                  <a:schemeClr val="lt1"/>
-                </a:solidFill>
-                <a:latin typeface="Cabin"/>
-                <a:ea typeface="Cabin"/>
-                <a:cs typeface="Cabin"/>
+              <a:rPr lang="en-US" sz="3400" u="none" strike="noStrike" cap="none">
+                <a:solidFill>
+                  <a:schemeClr val="lt1"/>
+                </a:solidFill>
+                <a:latin typeface="Arial" charset="0"/>
+                <a:ea typeface="Arial" charset="0"/>
+                <a:cs typeface="Arial" charset="0"/>
                 <a:sym typeface="Cabin"/>
               </a:rPr>
               <a:t> built into </a:t>
             </a:r>
             <a:r>
-              <a:rPr lang="en-US" sz="3400" b="0" i="0" u="none" strike="noStrike" cap="none">
+              <a:rPr lang="en-US" sz="3400" u="none" strike="noStrike" cap="none">
                 <a:solidFill>
                   <a:srgbClr val="FFFF00"/>
                 </a:solidFill>
-                <a:latin typeface="Cabin"/>
-                <a:ea typeface="Cabin"/>
-                <a:cs typeface="Cabin"/>
+                <a:latin typeface="Arial" charset="0"/>
+                <a:ea typeface="Arial" charset="0"/>
+                <a:cs typeface="Arial" charset="0"/>
                 <a:sym typeface="Cabin"/>
               </a:rPr>
               <a:t>Python</a:t>
             </a:r>
             <a:r>
-              <a:rPr lang="en-US" sz="3400" b="0" i="0" u="none" strike="noStrike" cap="none">
-                <a:solidFill>
-                  <a:schemeClr val="lt1"/>
-                </a:solidFill>
-                <a:latin typeface="Cabin"/>
-                <a:ea typeface="Cabin"/>
-                <a:cs typeface="Cabin"/>
+              <a:rPr lang="en-US" sz="3400" u="none" strike="noStrike" cap="none">
+                <a:solidFill>
+                  <a:schemeClr val="lt1"/>
+                </a:solidFill>
+                <a:latin typeface="Arial" charset="0"/>
+                <a:ea typeface="Arial" charset="0"/>
+                <a:cs typeface="Arial" charset="0"/>
                 <a:sym typeface="Cabin"/>
               </a:rPr>
               <a:t> that take </a:t>
             </a:r>
             <a:r>
-              <a:rPr lang="en-US" sz="3400" b="0" i="0" u="none" strike="noStrike" cap="none">
+              <a:rPr lang="en-US" sz="3400" u="none" strike="noStrike" cap="none">
                 <a:solidFill>
                   <a:srgbClr val="00FF00"/>
                 </a:solidFill>
-                <a:latin typeface="Cabin"/>
-                <a:ea typeface="Cabin"/>
-                <a:cs typeface="Cabin"/>
+                <a:latin typeface="Arial" charset="0"/>
+                <a:ea typeface="Arial" charset="0"/>
+                <a:cs typeface="Arial" charset="0"/>
                 <a:sym typeface="Cabin"/>
               </a:rPr>
               <a:t>lists</a:t>
             </a:r>
             <a:r>
-              <a:rPr lang="en-US" sz="3400" b="0" i="0" u="none" strike="noStrike" cap="none">
-                <a:solidFill>
-                  <a:schemeClr val="lt1"/>
-                </a:solidFill>
-                <a:latin typeface="Cabin"/>
-                <a:ea typeface="Cabin"/>
-                <a:cs typeface="Cabin"/>
+              <a:rPr lang="en-US" sz="3400" u="none" strike="noStrike" cap="none">
+                <a:solidFill>
+                  <a:schemeClr val="lt1"/>
+                </a:solidFill>
+                <a:latin typeface="Arial" charset="0"/>
+                <a:ea typeface="Arial" charset="0"/>
+                <a:cs typeface="Arial" charset="0"/>
                 <a:sym typeface="Cabin"/>
               </a:rPr>
               <a:t> as parameters</a:t>
@@ -24898,13 +24874,13 @@
               <a:buFont typeface="Cabin"/>
             </a:pPr>
             <a:r>
-              <a:rPr lang="en-US" sz="3400" b="0" i="0" u="none" strike="noStrike" cap="none">
-                <a:solidFill>
-                  <a:schemeClr val="lt1"/>
-                </a:solidFill>
-                <a:latin typeface="Cabin"/>
-                <a:ea typeface="Cabin"/>
-                <a:cs typeface="Cabin"/>
+              <a:rPr lang="en-US" sz="3400" u="none" strike="noStrike" cap="none">
+                <a:solidFill>
+                  <a:schemeClr val="lt1"/>
+                </a:solidFill>
+                <a:latin typeface="Arial" charset="0"/>
+                <a:ea typeface="Arial" charset="0"/>
+                <a:cs typeface="Arial" charset="0"/>
                 <a:sym typeface="Cabin"/>
               </a:rPr>
               <a:t>Remember the loops we built?  These are much simpler.</a:t>
@@ -26447,25 +26423,25 @@
               <a:buNone/>
             </a:pPr>
             <a:r>
-              <a:rPr lang="en-US" sz="3600" b="0" i="0" u="none" strike="noStrike" cap="none">
+              <a:rPr lang="en-US" sz="3600" u="none" strike="noStrike" cap="none">
                 <a:solidFill>
                   <a:srgbClr val="FFFF00"/>
                 </a:solidFill>
-                <a:latin typeface="Cabin"/>
-                <a:ea typeface="Cabin"/>
-                <a:cs typeface="Cabin"/>
+                <a:latin typeface="Arial" charset="0"/>
+                <a:ea typeface="Arial" charset="0"/>
+                <a:cs typeface="Arial" charset="0"/>
                 <a:sym typeface="Cabin"/>
               </a:rPr>
               <a:t>Enter a number: </a:t>
             </a:r>
             <a:r>
-              <a:rPr lang="en-US" sz="3600" b="0" i="0" u="none" strike="noStrike" cap="none">
+              <a:rPr lang="en-US" sz="3600" u="none" strike="noStrike" cap="none">
                 <a:solidFill>
                   <a:srgbClr val="00FFFF"/>
                 </a:solidFill>
-                <a:latin typeface="Cabin"/>
-                <a:ea typeface="Cabin"/>
-                <a:cs typeface="Cabin"/>
+                <a:latin typeface="Arial" charset="0"/>
+                <a:ea typeface="Arial" charset="0"/>
+                <a:cs typeface="Arial" charset="0"/>
                 <a:sym typeface="Cabin"/>
               </a:rPr>
               <a:t>3</a:t>
@@ -26490,25 +26466,25 @@
               <a:buNone/>
             </a:pPr>
             <a:r>
-              <a:rPr lang="en-US" sz="3600" b="0" i="0" u="none" strike="noStrike" cap="none">
+              <a:rPr lang="en-US" sz="3600" u="none" strike="noStrike" cap="none">
                 <a:solidFill>
                   <a:srgbClr val="FFFF00"/>
                 </a:solidFill>
-                <a:latin typeface="Cabin"/>
-                <a:ea typeface="Cabin"/>
-                <a:cs typeface="Cabin"/>
+                <a:latin typeface="Arial" charset="0"/>
+                <a:ea typeface="Arial" charset="0"/>
+                <a:cs typeface="Arial" charset="0"/>
                 <a:sym typeface="Cabin"/>
               </a:rPr>
               <a:t>Enter a number: </a:t>
             </a:r>
             <a:r>
-              <a:rPr lang="en-US" sz="3600" b="0" i="0" u="none" strike="noStrike" cap="none">
+              <a:rPr lang="en-US" sz="3600" u="none" strike="noStrike" cap="none">
                 <a:solidFill>
                   <a:srgbClr val="00FFFF"/>
                 </a:solidFill>
-                <a:latin typeface="Cabin"/>
-                <a:ea typeface="Cabin"/>
-                <a:cs typeface="Cabin"/>
+                <a:latin typeface="Arial" charset="0"/>
+                <a:ea typeface="Arial" charset="0"/>
+                <a:cs typeface="Arial" charset="0"/>
                 <a:sym typeface="Cabin"/>
               </a:rPr>
               <a:t>9</a:t>
@@ -26533,25 +26509,25 @@
               <a:buNone/>
             </a:pPr>
             <a:r>
-              <a:rPr lang="en-US" sz="3600" b="0" i="0" u="none" strike="noStrike" cap="none">
+              <a:rPr lang="en-US" sz="3600" u="none" strike="noStrike" cap="none">
                 <a:solidFill>
                   <a:srgbClr val="FFFF00"/>
                 </a:solidFill>
-                <a:latin typeface="Cabin"/>
-                <a:ea typeface="Cabin"/>
-                <a:cs typeface="Cabin"/>
+                <a:latin typeface="Arial" charset="0"/>
+                <a:ea typeface="Arial" charset="0"/>
+                <a:cs typeface="Arial" charset="0"/>
                 <a:sym typeface="Cabin"/>
               </a:rPr>
               <a:t>Enter a number: </a:t>
             </a:r>
             <a:r>
-              <a:rPr lang="en-US" sz="3600" b="0" i="0" u="none" strike="noStrike" cap="none">
+              <a:rPr lang="en-US" sz="3600" u="none" strike="noStrike" cap="none">
                 <a:solidFill>
                   <a:srgbClr val="00FFFF"/>
                 </a:solidFill>
-                <a:latin typeface="Cabin"/>
-                <a:ea typeface="Cabin"/>
-                <a:cs typeface="Cabin"/>
+                <a:latin typeface="Arial" charset="0"/>
+                <a:ea typeface="Arial" charset="0"/>
+                <a:cs typeface="Arial" charset="0"/>
                 <a:sym typeface="Cabin"/>
               </a:rPr>
               <a:t>5</a:t>
@@ -26576,25 +26552,25 @@
               <a:buNone/>
             </a:pPr>
             <a:r>
-              <a:rPr lang="en-US" sz="3600" b="0" i="0" u="none" strike="noStrike" cap="none">
+              <a:rPr lang="en-US" sz="3600" u="none" strike="noStrike" cap="none">
                 <a:solidFill>
                   <a:srgbClr val="FFFF00"/>
                 </a:solidFill>
-                <a:latin typeface="Cabin"/>
-                <a:ea typeface="Cabin"/>
-                <a:cs typeface="Cabin"/>
+                <a:latin typeface="Arial" charset="0"/>
+                <a:ea typeface="Arial" charset="0"/>
+                <a:cs typeface="Arial" charset="0"/>
                 <a:sym typeface="Cabin"/>
               </a:rPr>
               <a:t>Enter a number: </a:t>
             </a:r>
             <a:r>
-              <a:rPr lang="en-US" sz="3600" b="0" i="0" u="none" strike="noStrike" cap="none">
+              <a:rPr lang="en-US" sz="3600" u="none" strike="noStrike" cap="none">
                 <a:solidFill>
                   <a:srgbClr val="00FFFF"/>
                 </a:solidFill>
-                <a:latin typeface="Cabin"/>
-                <a:ea typeface="Cabin"/>
-                <a:cs typeface="Cabin"/>
+                <a:latin typeface="Arial" charset="0"/>
+                <a:ea typeface="Arial" charset="0"/>
+                <a:cs typeface="Arial" charset="0"/>
                 <a:sym typeface="Cabin"/>
               </a:rPr>
               <a:t>done</a:t>
@@ -26619,13 +26595,13 @@
               <a:buNone/>
             </a:pPr>
             <a:r>
-              <a:rPr lang="en-US" sz="3600" b="0" i="0" u="none" strike="noStrike" cap="none">
+              <a:rPr lang="en-US" sz="3600" u="none" strike="noStrike" cap="none">
                 <a:solidFill>
                   <a:srgbClr val="FFFF00"/>
                 </a:solidFill>
-                <a:latin typeface="Cabin"/>
-                <a:ea typeface="Cabin"/>
-                <a:cs typeface="Cabin"/>
+                <a:latin typeface="Arial" charset="0"/>
+                <a:ea typeface="Arial" charset="0"/>
+                <a:cs typeface="Arial" charset="0"/>
                 <a:sym typeface="Cabin"/>
               </a:rPr>
               <a:t>Average: 5.66666666667</a:t>
@@ -26705,13 +26681,13 @@
               <a:buNone/>
             </a:pPr>
             <a:r>
-              <a:rPr lang="en-US" sz="7400" b="0" i="0" u="none" strike="noStrike" cap="none">
+              <a:rPr lang="en-US" sz="7400" u="none" strike="noStrike" cap="none">
                 <a:solidFill>
                   <a:srgbClr val="FFFF00"/>
                 </a:solidFill>
-                <a:latin typeface="Cabin"/>
-                <a:ea typeface="Cabin"/>
-                <a:cs typeface="Cabin"/>
+                <a:latin typeface="Arial" charset="0"/>
+                <a:ea typeface="Arial" charset="0"/>
+                <a:cs typeface="Arial" charset="0"/>
                 <a:sym typeface="Cabin"/>
               </a:rPr>
               <a:t>A List is a kind of Collection</a:t>
@@ -26766,37 +26742,37 @@
               <a:buChar char="•"/>
             </a:pPr>
             <a:r>
-              <a:rPr lang="en-US" sz="3600" b="0" i="0" u="none" strike="noStrike" cap="none">
-                <a:solidFill>
-                  <a:schemeClr val="lt1"/>
-                </a:solidFill>
-                <a:latin typeface="Cabin"/>
-                <a:ea typeface="Cabin"/>
-                <a:cs typeface="Cabin"/>
+              <a:rPr lang="en-US" sz="3600" u="none" strike="noStrike" cap="none">
+                <a:solidFill>
+                  <a:schemeClr val="lt1"/>
+                </a:solidFill>
+                <a:latin typeface="Arial" charset="0"/>
+                <a:ea typeface="Arial" charset="0"/>
+                <a:cs typeface="Arial" charset="0"/>
                 <a:sym typeface="Cabin"/>
               </a:rPr>
               <a:t>A </a:t>
             </a:r>
             <a:r>
-              <a:rPr lang="en-US" sz="3600" b="0" i="0" u="none" strike="noStrike" cap="none">
+              <a:rPr lang="en-US" sz="3600" u="none" strike="noStrike" cap="none">
                 <a:solidFill>
                   <a:srgbClr val="FF00FF"/>
                 </a:solidFill>
-                <a:latin typeface="Cabin"/>
-                <a:ea typeface="Cabin"/>
-                <a:cs typeface="Cabin"/>
+                <a:latin typeface="Arial" charset="0"/>
+                <a:ea typeface="Arial" charset="0"/>
+                <a:cs typeface="Arial" charset="0"/>
                 <a:sym typeface="Cabin"/>
               </a:rPr>
               <a:t>collection</a:t>
             </a:r>
             <a:r>
-              <a:rPr lang="en-US" sz="3600" b="0" i="0" u="none" strike="noStrike" cap="none">
-                <a:solidFill>
-                  <a:schemeClr val="lt1"/>
-                </a:solidFill>
-                <a:latin typeface="Cabin"/>
-                <a:ea typeface="Cabin"/>
-                <a:cs typeface="Cabin"/>
+              <a:rPr lang="en-US" sz="3600" u="none" strike="noStrike" cap="none">
+                <a:solidFill>
+                  <a:schemeClr val="lt1"/>
+                </a:solidFill>
+                <a:latin typeface="Arial" charset="0"/>
+                <a:ea typeface="Arial" charset="0"/>
+                <a:cs typeface="Arial" charset="0"/>
                 <a:sym typeface="Cabin"/>
               </a:rPr>
               <a:t> allows us to put many values in a single </a:t>
@@ -26814,13 +26790,13 @@
               <a:t>“</a:t>
             </a:r>
             <a:r>
-              <a:rPr lang="en-US" sz="3600" b="0" i="0" u="none" strike="noStrike" cap="none">
+              <a:rPr lang="en-US" sz="3600" u="none" strike="noStrike" cap="none">
                 <a:solidFill>
                   <a:srgbClr val="00FF00"/>
                 </a:solidFill>
-                <a:latin typeface="Cabin"/>
-                <a:ea typeface="Cabin"/>
-                <a:cs typeface="Cabin"/>
+                <a:latin typeface="Arial" charset="0"/>
+                <a:ea typeface="Arial" charset="0"/>
+                <a:cs typeface="Arial" charset="0"/>
                 <a:sym typeface="Cabin"/>
               </a:rPr>
               <a:t>variable</a:t>
@@ -26857,61 +26833,61 @@
               <a:buChar char="•"/>
             </a:pPr>
             <a:r>
-              <a:rPr lang="en-US" sz="3600" b="0" i="0" u="none" strike="noStrike" cap="none">
-                <a:solidFill>
-                  <a:schemeClr val="lt1"/>
-                </a:solidFill>
-                <a:latin typeface="Cabin"/>
-                <a:ea typeface="Cabin"/>
-                <a:cs typeface="Cabin"/>
+              <a:rPr lang="en-US" sz="3600" u="none" strike="noStrike" cap="none">
+                <a:solidFill>
+                  <a:schemeClr val="lt1"/>
+                </a:solidFill>
+                <a:latin typeface="Arial" charset="0"/>
+                <a:ea typeface="Arial" charset="0"/>
+                <a:cs typeface="Arial" charset="0"/>
                 <a:sym typeface="Cabin"/>
               </a:rPr>
               <a:t>A </a:t>
             </a:r>
             <a:r>
-              <a:rPr lang="en-US" sz="3600" b="0" i="0" u="none" strike="noStrike" cap="none">
+              <a:rPr lang="en-US" sz="3600" u="none" strike="noStrike" cap="none">
                 <a:solidFill>
                   <a:srgbClr val="FF00FF"/>
                 </a:solidFill>
-                <a:latin typeface="Cabin"/>
-                <a:ea typeface="Cabin"/>
-                <a:cs typeface="Cabin"/>
+                <a:latin typeface="Arial" charset="0"/>
+                <a:ea typeface="Arial" charset="0"/>
+                <a:cs typeface="Arial" charset="0"/>
                 <a:sym typeface="Cabin"/>
               </a:rPr>
               <a:t>collection</a:t>
             </a:r>
             <a:r>
-              <a:rPr lang="en-US" sz="3600" b="0" i="0" u="none" strike="noStrike" cap="none">
-                <a:solidFill>
-                  <a:schemeClr val="lt1"/>
-                </a:solidFill>
-                <a:latin typeface="Cabin"/>
-                <a:ea typeface="Cabin"/>
-                <a:cs typeface="Cabin"/>
+              <a:rPr lang="en-US" sz="3600" u="none" strike="noStrike" cap="none">
+                <a:solidFill>
+                  <a:schemeClr val="lt1"/>
+                </a:solidFill>
+                <a:latin typeface="Arial" charset="0"/>
+                <a:ea typeface="Arial" charset="0"/>
+                <a:cs typeface="Arial" charset="0"/>
                 <a:sym typeface="Cabin"/>
               </a:rPr>
               <a:t> is nice because we can carry all </a:t>
             </a:r>
             <a:r>
-              <a:rPr lang="en-US" sz="3600" b="0" i="0" u="none" strike="noStrike" cap="none">
+              <a:rPr lang="en-US" sz="3600" u="none" strike="noStrike" cap="none">
                 <a:solidFill>
                   <a:srgbClr val="FF7F00"/>
                 </a:solidFill>
-                <a:latin typeface="Cabin"/>
-                <a:ea typeface="Cabin"/>
-                <a:cs typeface="Cabin"/>
+                <a:latin typeface="Arial" charset="0"/>
+                <a:ea typeface="Arial" charset="0"/>
+                <a:cs typeface="Arial" charset="0"/>
                 <a:sym typeface="Cabin"/>
               </a:rPr>
               <a:t>many values</a:t>
             </a:r>
             <a:r>
-              <a:rPr lang="en-US" sz="3600" b="0" i="0" u="none" strike="noStrike" cap="none">
-                <a:solidFill>
-                  <a:schemeClr val="lt1"/>
-                </a:solidFill>
-                <a:latin typeface="Cabin"/>
-                <a:ea typeface="Cabin"/>
-                <a:cs typeface="Cabin"/>
+              <a:rPr lang="en-US" sz="3600" u="none" strike="noStrike" cap="none">
+                <a:solidFill>
+                  <a:schemeClr val="lt1"/>
+                </a:solidFill>
+                <a:latin typeface="Arial" charset="0"/>
+                <a:ea typeface="Arial" charset="0"/>
+                <a:cs typeface="Arial" charset="0"/>
                 <a:sym typeface="Cabin"/>
               </a:rPr>
               <a:t> around in one convenient package.</a:t>
@@ -27201,13 +27177,13 @@
               <a:buNone/>
             </a:pPr>
             <a:r>
-              <a:rPr lang="en-US" sz="7600" b="0" i="0" u="none" strike="noStrike" cap="none">
+              <a:rPr lang="en-US" sz="7600" u="none" strike="noStrike" cap="none">
                 <a:solidFill>
                   <a:srgbClr val="FFFF00"/>
                 </a:solidFill>
-                <a:latin typeface="Cabin"/>
-                <a:ea typeface="Cabin"/>
-                <a:cs typeface="Cabin"/>
+                <a:latin typeface="Arial" charset="0"/>
+                <a:ea typeface="Arial" charset="0"/>
+                <a:cs typeface="Arial" charset="0"/>
                 <a:sym typeface="Cabin"/>
               </a:rPr>
               <a:t>Best Friends: Strings and Lists</a:t>
@@ -28317,73 +28293,73 @@
               <a:buNone/>
             </a:pPr>
             <a:r>
-              <a:rPr lang="en-US" sz="3400" b="0" i="0" u="none" strike="noStrike" cap="none">
+              <a:rPr lang="en-US" sz="3400" u="none" strike="noStrike" cap="none">
                 <a:solidFill>
                   <a:srgbClr val="FF00FF"/>
                 </a:solidFill>
-                <a:latin typeface="Cabin"/>
-                <a:ea typeface="Cabin"/>
-                <a:cs typeface="Cabin"/>
+                <a:latin typeface="Arial" charset="0"/>
+                <a:ea typeface="Arial" charset="0"/>
+                <a:cs typeface="Arial" charset="0"/>
                 <a:sym typeface="Cabin"/>
               </a:rPr>
               <a:t>Split</a:t>
             </a:r>
             <a:r>
-              <a:rPr lang="en-US" sz="3400" b="0" i="0" u="none" strike="noStrike" cap="none">
-                <a:solidFill>
-                  <a:schemeClr val="lt1"/>
-                </a:solidFill>
-                <a:latin typeface="Cabin"/>
-                <a:ea typeface="Cabin"/>
-                <a:cs typeface="Cabin"/>
+              <a:rPr lang="en-US" sz="3400" u="none" strike="noStrike" cap="none">
+                <a:solidFill>
+                  <a:schemeClr val="lt1"/>
+                </a:solidFill>
+                <a:latin typeface="Arial" charset="0"/>
+                <a:ea typeface="Arial" charset="0"/>
+                <a:cs typeface="Arial" charset="0"/>
                 <a:sym typeface="Cabin"/>
               </a:rPr>
               <a:t> breaks a string into parts and produces a list of strings.  We think of these as words.  We can </a:t>
             </a:r>
             <a:r>
-              <a:rPr lang="en-US" sz="3400" b="0" i="0" u="none" strike="noStrike" cap="none">
+              <a:rPr lang="en-US" sz="3400" u="none" strike="noStrike" cap="none">
                 <a:solidFill>
                   <a:srgbClr val="00FFFF"/>
                 </a:solidFill>
-                <a:latin typeface="Cabin"/>
-                <a:ea typeface="Cabin"/>
-                <a:cs typeface="Cabin"/>
+                <a:latin typeface="Arial" charset="0"/>
+                <a:ea typeface="Arial" charset="0"/>
+                <a:cs typeface="Arial" charset="0"/>
                 <a:sym typeface="Cabin"/>
               </a:rPr>
               <a:t>access</a:t>
             </a:r>
             <a:r>
-              <a:rPr lang="en-US" sz="3400" b="0" i="0" u="none" strike="noStrike" cap="none">
-                <a:solidFill>
-                  <a:schemeClr val="lt1"/>
-                </a:solidFill>
-                <a:latin typeface="Cabin"/>
-                <a:ea typeface="Cabin"/>
-                <a:cs typeface="Cabin"/>
+              <a:rPr lang="en-US" sz="3400" u="none" strike="noStrike" cap="none">
+                <a:solidFill>
+                  <a:schemeClr val="lt1"/>
+                </a:solidFill>
+                <a:latin typeface="Arial" charset="0"/>
+                <a:ea typeface="Arial" charset="0"/>
+                <a:cs typeface="Arial" charset="0"/>
                 <a:sym typeface="Cabin"/>
               </a:rPr>
               <a:t> a particular word or </a:t>
             </a:r>
             <a:r>
-              <a:rPr lang="en-US" sz="3400" b="0" i="0" u="none" strike="noStrike" cap="none">
+              <a:rPr lang="en-US" sz="3400" u="none" strike="noStrike" cap="none">
                 <a:solidFill>
                   <a:srgbClr val="FFFF00"/>
                 </a:solidFill>
-                <a:latin typeface="Cabin"/>
-                <a:ea typeface="Cabin"/>
-                <a:cs typeface="Cabin"/>
+                <a:latin typeface="Arial" charset="0"/>
+                <a:ea typeface="Arial" charset="0"/>
+                <a:cs typeface="Arial" charset="0"/>
                 <a:sym typeface="Cabin"/>
               </a:rPr>
               <a:t>loop</a:t>
             </a:r>
             <a:r>
-              <a:rPr lang="en-US" sz="3400" b="0" i="0" u="none" strike="noStrike" cap="none">
-                <a:solidFill>
-                  <a:schemeClr val="lt1"/>
-                </a:solidFill>
-                <a:latin typeface="Cabin"/>
-                <a:ea typeface="Cabin"/>
-                <a:cs typeface="Cabin"/>
+              <a:rPr lang="en-US" sz="3400" u="none" strike="noStrike" cap="none">
+                <a:solidFill>
+                  <a:schemeClr val="lt1"/>
+                </a:solidFill>
+                <a:latin typeface="Arial" charset="0"/>
+                <a:ea typeface="Arial" charset="0"/>
+                <a:cs typeface="Arial" charset="0"/>
                 <a:sym typeface="Cabin"/>
               </a:rPr>
               <a:t> through all the words.</a:t>
@@ -29696,37 +29672,37 @@
               <a:buChar char="●"/>
             </a:pPr>
             <a:r>
-              <a:rPr lang="en-US" sz="3000" b="0" i="0" u="none" strike="noStrike" cap="none">
-                <a:solidFill>
-                  <a:schemeClr val="lt1"/>
-                </a:solidFill>
-                <a:latin typeface="Cabin"/>
-                <a:ea typeface="Cabin"/>
-                <a:cs typeface="Cabin"/>
+              <a:rPr lang="en-US" sz="3000" u="none" strike="noStrike" cap="none">
+                <a:solidFill>
+                  <a:schemeClr val="lt1"/>
+                </a:solidFill>
+                <a:latin typeface="Arial" charset="0"/>
+                <a:ea typeface="Arial" charset="0"/>
+                <a:cs typeface="Arial" charset="0"/>
                 <a:sym typeface="Cabin"/>
               </a:rPr>
               <a:t>When you do not specify a </a:t>
             </a:r>
             <a:r>
-              <a:rPr lang="en-US" sz="3000" b="0" i="0" u="none" strike="noStrike" cap="none">
+              <a:rPr lang="en-US" sz="3000" u="none" strike="noStrike" cap="none">
                 <a:solidFill>
                   <a:srgbClr val="00FFFF"/>
                 </a:solidFill>
-                <a:latin typeface="Cabin"/>
-                <a:ea typeface="Cabin"/>
-                <a:cs typeface="Cabin"/>
+                <a:latin typeface="Arial" charset="0"/>
+                <a:ea typeface="Arial" charset="0"/>
+                <a:cs typeface="Arial" charset="0"/>
                 <a:sym typeface="Cabin"/>
               </a:rPr>
               <a:t>delimiter</a:t>
             </a:r>
             <a:r>
-              <a:rPr lang="en-US" sz="3000" b="0" i="0" u="none" strike="noStrike" cap="none">
-                <a:solidFill>
-                  <a:schemeClr val="lt1"/>
-                </a:solidFill>
-                <a:latin typeface="Cabin"/>
-                <a:ea typeface="Cabin"/>
-                <a:cs typeface="Cabin"/>
+              <a:rPr lang="en-US" sz="3000" u="none" strike="noStrike" cap="none">
+                <a:solidFill>
+                  <a:schemeClr val="lt1"/>
+                </a:solidFill>
+                <a:latin typeface="Arial" charset="0"/>
+                <a:ea typeface="Arial" charset="0"/>
+                <a:cs typeface="Arial" charset="0"/>
                 <a:sym typeface="Cabin"/>
               </a:rPr>
               <a:t>, multiple spaces are treated like</a:t>
@@ -29736,36 +29712,24 @@
                 <a:solidFill>
                   <a:schemeClr val="lt1"/>
                 </a:solidFill>
-                <a:latin typeface="Cabin"/>
-                <a:ea typeface="Cabin"/>
-                <a:cs typeface="Cabin"/>
+                <a:latin typeface="Arial" charset="0"/>
+                <a:ea typeface="Arial" charset="0"/>
+                <a:cs typeface="Arial" charset="0"/>
                 <a:sym typeface="Cabin"/>
               </a:rPr>
               <a:t> </a:t>
             </a:r>
             <a:r>
-              <a:rPr lang="en-US" sz="3000" b="0" i="1" u="none" strike="noStrike" cap="none">
-                <a:solidFill>
-                  <a:schemeClr val="lt1"/>
-                </a:solidFill>
-                <a:latin typeface="Cabin"/>
-                <a:ea typeface="Cabin"/>
-                <a:cs typeface="Cabin"/>
+              <a:rPr lang="en-US" sz="3000" u="none" strike="noStrike" cap="none">
+                <a:solidFill>
+                  <a:schemeClr val="lt1"/>
+                </a:solidFill>
+                <a:latin typeface="Arial" charset="0"/>
+                <a:ea typeface="Arial" charset="0"/>
+                <a:cs typeface="Arial" charset="0"/>
                 <a:sym typeface="Cabin"/>
               </a:rPr>
-              <a:t>one</a:t>
-            </a:r>
-            <a:r>
-              <a:rPr lang="en-US" sz="3000" b="0" i="0" u="none" strike="noStrike" cap="none">
-                <a:solidFill>
-                  <a:schemeClr val="lt1"/>
-                </a:solidFill>
-                <a:latin typeface="Cabin"/>
-                <a:ea typeface="Cabin"/>
-                <a:cs typeface="Cabin"/>
-                <a:sym typeface="Cabin"/>
-              </a:rPr>
-              <a:t> delimiter</a:t>
+              <a:t>one delimiter</a:t>
             </a:r>
           </a:p>
           <a:p>
@@ -29787,49 +29751,49 @@
               <a:buChar char="●"/>
             </a:pPr>
             <a:r>
-              <a:rPr lang="en-US" sz="3000" b="0" i="0" u="none" strike="noStrike" cap="none">
-                <a:solidFill>
-                  <a:schemeClr val="lt1"/>
-                </a:solidFill>
-                <a:latin typeface="Cabin"/>
-                <a:ea typeface="Cabin"/>
-                <a:cs typeface="Cabin"/>
+              <a:rPr lang="en-US" sz="3000" u="none" strike="noStrike" cap="none">
+                <a:solidFill>
+                  <a:schemeClr val="lt1"/>
+                </a:solidFill>
+                <a:latin typeface="Arial" charset="0"/>
+                <a:ea typeface="Arial" charset="0"/>
+                <a:cs typeface="Arial" charset="0"/>
                 <a:sym typeface="Cabin"/>
               </a:rPr>
               <a:t>You can specify what </a:t>
             </a:r>
             <a:r>
-              <a:rPr lang="en-US" sz="3000" b="0" i="0" u="none" strike="noStrike" cap="none">
+              <a:rPr lang="en-US" sz="3000" u="none" strike="noStrike" cap="none">
                 <a:solidFill>
                   <a:srgbClr val="00FFFF"/>
                 </a:solidFill>
-                <a:latin typeface="Cabin"/>
-                <a:ea typeface="Cabin"/>
-                <a:cs typeface="Cabin"/>
+                <a:latin typeface="Arial" charset="0"/>
+                <a:ea typeface="Arial" charset="0"/>
+                <a:cs typeface="Arial" charset="0"/>
                 <a:sym typeface="Cabin"/>
               </a:rPr>
               <a:t>delimiter</a:t>
             </a:r>
             <a:r>
-              <a:rPr lang="en-US" sz="3000" b="0" i="0" u="none" strike="noStrike" cap="none">
-                <a:solidFill>
-                  <a:schemeClr val="lt1"/>
-                </a:solidFill>
-                <a:latin typeface="Cabin"/>
-                <a:ea typeface="Cabin"/>
-                <a:cs typeface="Cabin"/>
+              <a:rPr lang="en-US" sz="3000" u="none" strike="noStrike" cap="none">
+                <a:solidFill>
+                  <a:schemeClr val="lt1"/>
+                </a:solidFill>
+                <a:latin typeface="Arial" charset="0"/>
+                <a:ea typeface="Arial" charset="0"/>
+                <a:cs typeface="Arial" charset="0"/>
                 <a:sym typeface="Cabin"/>
               </a:rPr>
               <a:t> character to use in the </a:t>
             </a:r>
             <a:r>
-              <a:rPr lang="en-US" sz="3000" b="0" i="0" u="none" strike="noStrike" cap="none">
+              <a:rPr lang="en-US" sz="3000" u="none" strike="noStrike" cap="none">
                 <a:solidFill>
                   <a:srgbClr val="FF00FF"/>
                 </a:solidFill>
-                <a:latin typeface="Cabin"/>
-                <a:ea typeface="Cabin"/>
-                <a:cs typeface="Cabin"/>
+                <a:latin typeface="Arial" charset="0"/>
+                <a:ea typeface="Arial" charset="0"/>
+                <a:cs typeface="Arial" charset="0"/>
                 <a:sym typeface="Cabin"/>
               </a:rPr>
               <a:t>splitting</a:t>
@@ -30507,13 +30471,13 @@
               <a:buNone/>
             </a:pPr>
             <a:r>
-              <a:rPr lang="en-US" sz="3000" b="0" i="0" u="none" strike="noStrike" cap="none">
+              <a:rPr lang="en-US" sz="3000" u="none" strike="noStrike" cap="none">
                 <a:solidFill>
                   <a:srgbClr val="FF00FF"/>
                 </a:solidFill>
-                <a:latin typeface="Cabin"/>
-                <a:ea typeface="Cabin"/>
-                <a:cs typeface="Cabin"/>
+                <a:latin typeface="Arial" charset="0"/>
+                <a:ea typeface="Arial" charset="0"/>
+                <a:cs typeface="Arial" charset="0"/>
                 <a:sym typeface="Cabin"/>
               </a:rPr>
               <a:t>Sat</a:t>
@@ -30538,13 +30502,13 @@
               <a:buNone/>
             </a:pPr>
             <a:r>
-              <a:rPr lang="en-US" sz="3000" b="0" i="0" u="none" strike="noStrike" cap="none">
+              <a:rPr lang="en-US" sz="3000" u="none" strike="noStrike" cap="none">
                 <a:solidFill>
                   <a:srgbClr val="FF00FF"/>
                 </a:solidFill>
-                <a:latin typeface="Cabin"/>
-                <a:ea typeface="Cabin"/>
-                <a:cs typeface="Cabin"/>
+                <a:latin typeface="Arial" charset="0"/>
+                <a:ea typeface="Arial" charset="0"/>
+                <a:cs typeface="Arial" charset="0"/>
                 <a:sym typeface="Cabin"/>
               </a:rPr>
               <a:t>Fri</a:t>
@@ -30569,13 +30533,13 @@
               <a:buNone/>
             </a:pPr>
             <a:r>
-              <a:rPr lang="en-US" sz="3000" b="0" i="0" u="none" strike="noStrike" cap="none">
+              <a:rPr lang="en-US" sz="3000" u="none" strike="noStrike" cap="none">
                 <a:solidFill>
                   <a:srgbClr val="FF00FF"/>
                 </a:solidFill>
-                <a:latin typeface="Cabin"/>
-                <a:ea typeface="Cabin"/>
-                <a:cs typeface="Cabin"/>
+                <a:latin typeface="Arial" charset="0"/>
+                <a:ea typeface="Arial" charset="0"/>
+                <a:cs typeface="Arial" charset="0"/>
                 <a:sym typeface="Cabin"/>
               </a:rPr>
               <a:t>Fri</a:t>
@@ -30600,13 +30564,13 @@
               <a:buNone/>
             </a:pPr>
             <a:r>
-              <a:rPr lang="en-US" sz="3000" b="0" i="0" u="none" strike="noStrike" cap="none">
+              <a:rPr lang="en-US" sz="3000" u="none" strike="noStrike" cap="none">
                 <a:solidFill>
                   <a:srgbClr val="FF00FF"/>
                 </a:solidFill>
-                <a:latin typeface="Cabin"/>
-                <a:ea typeface="Cabin"/>
-                <a:cs typeface="Cabin"/>
+                <a:latin typeface="Arial" charset="0"/>
+                <a:ea typeface="Arial" charset="0"/>
+                <a:cs typeface="Arial" charset="0"/>
                 <a:sym typeface="Cabin"/>
               </a:rPr>
               <a:t>Fri</a:t>
@@ -30631,13 +30595,13 @@
               <a:buNone/>
             </a:pPr>
             <a:r>
-              <a:rPr lang="en-US" sz="3000" b="0" i="0" u="none" strike="noStrike" cap="none">
+              <a:rPr lang="en-US" sz="3000" u="none" strike="noStrike" cap="none">
                 <a:solidFill>
                   <a:srgbClr val="FF00FF"/>
                 </a:solidFill>
-                <a:latin typeface="Cabin"/>
-                <a:ea typeface="Cabin"/>
-                <a:cs typeface="Cabin"/>
+                <a:latin typeface="Arial" charset="0"/>
+                <a:ea typeface="Arial" charset="0"/>
+                <a:cs typeface="Arial" charset="0"/>
                 <a:sym typeface="Cabin"/>
               </a:rPr>
               <a:t>    ...</a:t>
@@ -31099,13 +31063,13 @@
               <a:buNone/>
             </a:pPr>
             <a:r>
-              <a:rPr lang="en-US" sz="7600" b="0" i="0" u="none" strike="noStrike" cap="none">
+              <a:rPr lang="en-US" sz="7600" u="none" strike="noStrike" cap="none">
                 <a:solidFill>
                   <a:srgbClr val="FFFF00"/>
                 </a:solidFill>
-                <a:latin typeface="Cabin"/>
-                <a:ea typeface="Cabin"/>
-                <a:cs typeface="Cabin"/>
+                <a:latin typeface="Arial" charset="0"/>
+                <a:ea typeface="Arial" charset="0"/>
+                <a:cs typeface="Arial" charset="0"/>
                 <a:sym typeface="Cabin"/>
               </a:rPr>
               <a:t>The Double Split Pattern</a:t>
@@ -31156,13 +31120,13 @@
               <a:buFont typeface="Cabin"/>
             </a:pPr>
             <a:r>
-              <a:rPr lang="en-US" sz="3600" b="0" i="0" u="none" strike="noStrike" cap="none">
-                <a:solidFill>
-                  <a:schemeClr val="lt1"/>
-                </a:solidFill>
-                <a:latin typeface="Cabin"/>
-                <a:ea typeface="Cabin"/>
-                <a:cs typeface="Cabin"/>
+              <a:rPr lang="en-US" sz="3600" u="none" strike="noStrike" cap="none">
+                <a:solidFill>
+                  <a:schemeClr val="lt1"/>
+                </a:solidFill>
+                <a:latin typeface="Arial" charset="0"/>
+                <a:ea typeface="Arial" charset="0"/>
+                <a:cs typeface="Arial" charset="0"/>
                 <a:sym typeface="Cabin"/>
               </a:rPr>
               <a:t>Sometimes we split a line one way, and then grab one of the pieces of the line and split that piece again</a:t>
@@ -31535,13 +31499,13 @@
               <a:buNone/>
             </a:pPr>
             <a:r>
-              <a:rPr lang="en-US" sz="7600" b="0" i="0" u="none" strike="noStrike" cap="none">
+              <a:rPr lang="en-US" sz="7600" u="none" strike="noStrike" cap="none">
                 <a:solidFill>
                   <a:srgbClr val="FFFF00"/>
                 </a:solidFill>
-                <a:latin typeface="Cabin"/>
-                <a:ea typeface="Cabin"/>
-                <a:cs typeface="Cabin"/>
+                <a:latin typeface="Arial" charset="0"/>
+                <a:ea typeface="Arial" charset="0"/>
+                <a:cs typeface="Arial" charset="0"/>
                 <a:sym typeface="Cabin"/>
               </a:rPr>
               <a:t>The Double Split Pattern</a:t>
@@ -31592,13 +31556,13 @@
               <a:buFont typeface="Cabin"/>
             </a:pPr>
             <a:r>
-              <a:rPr lang="en-US" sz="3600" b="0" i="0" u="none" strike="noStrike" cap="none">
-                <a:solidFill>
-                  <a:schemeClr val="lt1"/>
-                </a:solidFill>
-                <a:latin typeface="Cabin"/>
-                <a:ea typeface="Cabin"/>
-                <a:cs typeface="Cabin"/>
+              <a:rPr lang="en-US" sz="3600" u="none" strike="noStrike" cap="none">
+                <a:solidFill>
+                  <a:schemeClr val="lt1"/>
+                </a:solidFill>
+                <a:latin typeface="Arial" charset="0"/>
+                <a:ea typeface="Arial" charset="0"/>
+                <a:cs typeface="Arial" charset="0"/>
                 <a:sym typeface="Cabin"/>
               </a:rPr>
               <a:t>Sometimes we split a line one way, and then grab one of the pieces of the line and split that piece again</a:t>
@@ -31971,13 +31935,13 @@
               <a:buNone/>
             </a:pPr>
             <a:r>
-              <a:rPr lang="en-US" sz="7600" b="0" i="0" u="none" strike="noStrike" cap="none">
+              <a:rPr lang="en-US" sz="7600" u="none" strike="noStrike" cap="none">
                 <a:solidFill>
                   <a:srgbClr val="FFFF00"/>
                 </a:solidFill>
-                <a:latin typeface="Cabin"/>
-                <a:ea typeface="Cabin"/>
-                <a:cs typeface="Cabin"/>
+                <a:latin typeface="Arial" charset="0"/>
+                <a:ea typeface="Arial" charset="0"/>
+                <a:cs typeface="Arial" charset="0"/>
                 <a:sym typeface="Cabin"/>
               </a:rPr>
               <a:t>The Double Split Pattern</a:t>
@@ -32085,13 +32049,13 @@
               <a:buFont typeface="Cabin"/>
             </a:pPr>
             <a:r>
-              <a:rPr lang="en-US" sz="3600" b="0" i="0" u="none" strike="noStrike" cap="none">
-                <a:solidFill>
-                  <a:schemeClr val="lt1"/>
-                </a:solidFill>
-                <a:latin typeface="Cabin"/>
-                <a:ea typeface="Cabin"/>
-                <a:cs typeface="Cabin"/>
+              <a:rPr lang="en-US" sz="3600" u="none" strike="noStrike" cap="none">
+                <a:solidFill>
+                  <a:schemeClr val="lt1"/>
+                </a:solidFill>
+                <a:latin typeface="Arial" charset="0"/>
+                <a:ea typeface="Arial" charset="0"/>
+                <a:cs typeface="Arial" charset="0"/>
                 <a:sym typeface="Cabin"/>
               </a:rPr>
               <a:t>Sometimes we split a line one way, and then grab one of the pieces of the line and split that piece again</a:t>
@@ -32507,13 +32471,13 @@
               <a:buNone/>
             </a:pPr>
             <a:r>
-              <a:rPr lang="en-US" sz="7600" b="0" i="0" u="none" strike="noStrike" cap="none">
+              <a:rPr lang="en-US" sz="7600" u="none" strike="noStrike" cap="none">
                 <a:solidFill>
                   <a:srgbClr val="FFFF00"/>
                 </a:solidFill>
-                <a:latin typeface="Cabin"/>
-                <a:ea typeface="Cabin"/>
-                <a:cs typeface="Cabin"/>
+                <a:latin typeface="Arial" charset="0"/>
+                <a:ea typeface="Arial" charset="0"/>
+                <a:cs typeface="Arial" charset="0"/>
                 <a:sym typeface="Cabin"/>
               </a:rPr>
               <a:t>The Double Split Pattern</a:t>
@@ -32564,13 +32528,13 @@
               <a:buFont typeface="Cabin"/>
             </a:pPr>
             <a:r>
-              <a:rPr lang="en-US" sz="3600" b="0" i="0" u="none" strike="noStrike" cap="none">
-                <a:solidFill>
-                  <a:schemeClr val="lt1"/>
-                </a:solidFill>
-                <a:latin typeface="Cabin"/>
-                <a:ea typeface="Cabin"/>
-                <a:cs typeface="Cabin"/>
+              <a:rPr lang="en-US" sz="3600" u="none" strike="noStrike" cap="none">
+                <a:solidFill>
+                  <a:schemeClr val="lt1"/>
+                </a:solidFill>
+                <a:latin typeface="Arial" charset="0"/>
+                <a:ea typeface="Arial" charset="0"/>
+                <a:cs typeface="Arial" charset="0"/>
                 <a:sym typeface="Cabin"/>
               </a:rPr>
               <a:t>Sometimes we split a line one way, and then grab one of the pieces of the line and split that piece again</a:t>
@@ -33143,13 +33107,13 @@
               <a:buNone/>
             </a:pPr>
             <a:r>
-              <a:rPr lang="en-US" sz="7600" b="0" i="0" u="none" strike="noStrike" cap="none">
+              <a:rPr lang="en-US" sz="7600" u="none" strike="noStrike" cap="none">
                 <a:solidFill>
                   <a:srgbClr val="FFFF00"/>
                 </a:solidFill>
-                <a:latin typeface="Cabin"/>
-                <a:ea typeface="Cabin"/>
-                <a:cs typeface="Cabin"/>
+                <a:latin typeface="Arial" charset="0"/>
+                <a:ea typeface="Arial" charset="0"/>
+                <a:cs typeface="Arial" charset="0"/>
                 <a:sym typeface="Cabin"/>
               </a:rPr>
               <a:t>List Summary</a:t>
@@ -33233,9 +33197,9 @@
                 <a:solidFill>
                   <a:srgbClr val="FFFFFF"/>
                 </a:solidFill>
-                <a:latin typeface="Cabin"/>
-                <a:ea typeface="Cabin"/>
-                <a:cs typeface="Cabin"/>
+                <a:latin typeface="Arial" charset="0"/>
+                <a:ea typeface="Arial" charset="0"/>
+                <a:cs typeface="Arial" charset="0"/>
                 <a:sym typeface="Cabin"/>
               </a:rPr>
               <a:t>Concept of a collection</a:t>
@@ -33258,9 +33222,9 @@
                 <a:solidFill>
                   <a:srgbClr val="FFFFFF"/>
                 </a:solidFill>
-                <a:latin typeface="Cabin"/>
-                <a:ea typeface="Cabin"/>
-                <a:cs typeface="Cabin"/>
+                <a:latin typeface="Arial" charset="0"/>
+                <a:ea typeface="Arial" charset="0"/>
+                <a:cs typeface="Arial" charset="0"/>
                 <a:sym typeface="Cabin"/>
               </a:rPr>
               <a:t>Lists and definite loops</a:t>
@@ -33283,9 +33247,9 @@
                 <a:solidFill>
                   <a:srgbClr val="FFFFFF"/>
                 </a:solidFill>
-                <a:latin typeface="Cabin"/>
-                <a:ea typeface="Cabin"/>
-                <a:cs typeface="Cabin"/>
+                <a:latin typeface="Arial" charset="0"/>
+                <a:ea typeface="Arial" charset="0"/>
+                <a:cs typeface="Arial" charset="0"/>
                 <a:sym typeface="Cabin"/>
               </a:rPr>
               <a:t>Indexing and lookup</a:t>
@@ -33308,9 +33272,9 @@
                 <a:solidFill>
                   <a:srgbClr val="FFFFFF"/>
                 </a:solidFill>
-                <a:latin typeface="Cabin"/>
-                <a:ea typeface="Cabin"/>
-                <a:cs typeface="Cabin"/>
+                <a:latin typeface="Arial" charset="0"/>
+                <a:ea typeface="Arial" charset="0"/>
+                <a:cs typeface="Arial" charset="0"/>
                 <a:sym typeface="Cabin"/>
               </a:rPr>
               <a:t>List mutability</a:t>
@@ -33333,9 +33297,9 @@
                 <a:solidFill>
                   <a:srgbClr val="FFFFFF"/>
                 </a:solidFill>
-                <a:latin typeface="Cabin"/>
-                <a:ea typeface="Cabin"/>
-                <a:cs typeface="Cabin"/>
+                <a:latin typeface="Arial" charset="0"/>
+                <a:ea typeface="Arial" charset="0"/>
+                <a:cs typeface="Arial" charset="0"/>
                 <a:sym typeface="Cabin"/>
               </a:rPr>
               <a:t>Functions: len, min, max, sum</a:t>
@@ -33384,9 +33348,9 @@
                 <a:solidFill>
                   <a:srgbClr val="FFFFFF"/>
                 </a:solidFill>
-                <a:latin typeface="Cabin"/>
-                <a:ea typeface="Cabin"/>
-                <a:cs typeface="Cabin"/>
+                <a:latin typeface="Arial" charset="0"/>
+                <a:ea typeface="Arial" charset="0"/>
+                <a:cs typeface="Arial" charset="0"/>
                 <a:sym typeface="Cabin"/>
               </a:rPr>
               <a:t>Slicing lists</a:t>
@@ -33409,9 +33373,9 @@
                 <a:solidFill>
                   <a:srgbClr val="FFFFFF"/>
                 </a:solidFill>
-                <a:latin typeface="Cabin"/>
-                <a:ea typeface="Cabin"/>
-                <a:cs typeface="Cabin"/>
+                <a:latin typeface="Arial" charset="0"/>
+                <a:ea typeface="Arial" charset="0"/>
+                <a:cs typeface="Arial" charset="0"/>
                 <a:sym typeface="Cabin"/>
               </a:rPr>
               <a:t>List methods: append,  remove</a:t>
@@ -33434,9 +33398,9 @@
                 <a:solidFill>
                   <a:srgbClr val="FFFFFF"/>
                 </a:solidFill>
-                <a:latin typeface="Cabin"/>
-                <a:ea typeface="Cabin"/>
-                <a:cs typeface="Cabin"/>
+                <a:latin typeface="Arial" charset="0"/>
+                <a:ea typeface="Arial" charset="0"/>
+                <a:cs typeface="Arial" charset="0"/>
                 <a:sym typeface="Cabin"/>
               </a:rPr>
               <a:t>Sorting lists</a:t>
@@ -33459,9 +33423,9 @@
                 <a:solidFill>
                   <a:srgbClr val="FFFFFF"/>
                 </a:solidFill>
-                <a:latin typeface="Cabin"/>
-                <a:ea typeface="Cabin"/>
-                <a:cs typeface="Cabin"/>
+                <a:latin typeface="Arial" charset="0"/>
+                <a:ea typeface="Arial" charset="0"/>
+                <a:cs typeface="Arial" charset="0"/>
                 <a:sym typeface="Cabin"/>
               </a:rPr>
               <a:t>Splitting strings into lists of words</a:t>
@@ -33484,9 +33448,9 @@
                 <a:solidFill>
                   <a:srgbClr val="FFFFFF"/>
                 </a:solidFill>
-                <a:latin typeface="Cabin"/>
-                <a:ea typeface="Cabin"/>
-                <a:cs typeface="Cabin"/>
+                <a:latin typeface="Arial" charset="0"/>
+                <a:ea typeface="Arial" charset="0"/>
+                <a:cs typeface="Arial" charset="0"/>
                 <a:sym typeface="Cabin"/>
               </a:rPr>
               <a:t>Using split to parse strings</a:t>
@@ -33881,13 +33845,13 @@
               <a:buNone/>
             </a:pPr>
             <a:r>
-              <a:rPr lang="en-US" sz="7600" b="0" i="0" u="none" strike="noStrike" cap="none">
+              <a:rPr lang="en-US" sz="7600" u="none" strike="noStrike" cap="none">
                 <a:solidFill>
                   <a:srgbClr val="FFFF00"/>
                 </a:solidFill>
-                <a:latin typeface="Cabin"/>
-                <a:ea typeface="Cabin"/>
-                <a:cs typeface="Cabin"/>
+                <a:latin typeface="Arial" charset="0"/>
+                <a:ea typeface="Arial" charset="0"/>
+                <a:cs typeface="Arial" charset="0"/>
                 <a:sym typeface="Cabin"/>
               </a:rPr>
               <a:t>What is not a </a:t>
@@ -33905,13 +33869,13 @@
               <a:t>“</a:t>
             </a:r>
             <a:r>
-              <a:rPr lang="en-US" sz="7600" b="0" i="0" u="none" strike="noStrike" cap="none">
+              <a:rPr lang="en-US" sz="7600" u="none" strike="noStrike" cap="none">
                 <a:solidFill>
                   <a:srgbClr val="FFFF00"/>
                 </a:solidFill>
-                <a:latin typeface="Cabin"/>
-                <a:ea typeface="Cabin"/>
-                <a:cs typeface="Cabin"/>
+                <a:latin typeface="Arial" charset="0"/>
+                <a:ea typeface="Arial" charset="0"/>
+                <a:cs typeface="Arial" charset="0"/>
                 <a:sym typeface="Cabin"/>
               </a:rPr>
               <a:t>Collection</a:t>
@@ -33973,49 +33937,49 @@
               <a:buNone/>
             </a:pPr>
             <a:r>
-              <a:rPr lang="en-US" sz="3600" b="0" i="0" u="none" strike="noStrike" cap="none">
-                <a:solidFill>
-                  <a:schemeClr val="lt1"/>
-                </a:solidFill>
-                <a:latin typeface="Cabin"/>
-                <a:ea typeface="Cabin"/>
-                <a:cs typeface="Cabin"/>
+              <a:rPr lang="en-US" sz="3600" u="none" strike="noStrike" cap="none">
+                <a:solidFill>
+                  <a:schemeClr val="lt1"/>
+                </a:solidFill>
+                <a:latin typeface="Arial" charset="0"/>
+                <a:ea typeface="Arial" charset="0"/>
+                <a:cs typeface="Arial" charset="0"/>
                 <a:sym typeface="Cabin"/>
               </a:rPr>
               <a:t>Most of our </a:t>
             </a:r>
             <a:r>
-              <a:rPr lang="en-US" sz="3600" b="0" i="0" u="none" strike="noStrike" cap="none">
+              <a:rPr lang="en-US" sz="3600" u="none" strike="noStrike" cap="none">
                 <a:solidFill>
                   <a:srgbClr val="00FF00"/>
                 </a:solidFill>
-                <a:latin typeface="Cabin"/>
-                <a:ea typeface="Cabin"/>
-                <a:cs typeface="Cabin"/>
+                <a:latin typeface="Arial" charset="0"/>
+                <a:ea typeface="Arial" charset="0"/>
+                <a:cs typeface="Arial" charset="0"/>
                 <a:sym typeface="Cabin"/>
               </a:rPr>
               <a:t>variables</a:t>
             </a:r>
             <a:r>
-              <a:rPr lang="en-US" sz="3600" b="0" i="0" u="none" strike="noStrike" cap="none">
-                <a:solidFill>
-                  <a:schemeClr val="lt1"/>
-                </a:solidFill>
-                <a:latin typeface="Cabin"/>
-                <a:ea typeface="Cabin"/>
-                <a:cs typeface="Cabin"/>
+              <a:rPr lang="en-US" sz="3600" u="none" strike="noStrike" cap="none">
+                <a:solidFill>
+                  <a:schemeClr val="lt1"/>
+                </a:solidFill>
+                <a:latin typeface="Arial" charset="0"/>
+                <a:ea typeface="Arial" charset="0"/>
+                <a:cs typeface="Arial" charset="0"/>
                 <a:sym typeface="Cabin"/>
               </a:rPr>
               <a:t> have one value in them - when we put a new value in the </a:t>
             </a:r>
             <a:r>
-              <a:rPr lang="en-US" sz="3600" b="0" i="0" u="none" strike="noStrike" cap="none">
+              <a:rPr lang="en-US" sz="3600" u="none" strike="noStrike" cap="none">
                 <a:solidFill>
                   <a:srgbClr val="00FF00"/>
                 </a:solidFill>
-                <a:latin typeface="Cabin"/>
-                <a:ea typeface="Cabin"/>
-                <a:cs typeface="Cabin"/>
+                <a:latin typeface="Arial" charset="0"/>
+                <a:ea typeface="Arial" charset="0"/>
+                <a:cs typeface="Arial" charset="0"/>
                 <a:sym typeface="Cabin"/>
               </a:rPr>
               <a:t>variable</a:t>
@@ -34025,21 +33989,21 @@
                 <a:solidFill>
                   <a:schemeClr val="lt1"/>
                 </a:solidFill>
-                <a:latin typeface="Cabin"/>
-                <a:ea typeface="Cabin"/>
-                <a:cs typeface="Cabin"/>
+                <a:latin typeface="Arial" charset="0"/>
+                <a:ea typeface="Arial" charset="0"/>
+                <a:cs typeface="Arial" charset="0"/>
                 <a:sym typeface="Cabin"/>
               </a:rPr>
               <a:t>,</a:t>
             </a:r>
             <a:r>
-              <a:rPr lang="en-US" sz="3600" b="0" i="0" u="none" strike="noStrike" cap="none">
-                <a:solidFill>
-                  <a:schemeClr val="lt1"/>
-                </a:solidFill>
-                <a:latin typeface="Cabin"/>
-                <a:ea typeface="Cabin"/>
-                <a:cs typeface="Cabin"/>
+              <a:rPr lang="en-US" sz="3600" u="none" strike="noStrike" cap="none">
+                <a:solidFill>
+                  <a:schemeClr val="lt1"/>
+                </a:solidFill>
+                <a:latin typeface="Arial" charset="0"/>
+                <a:ea typeface="Arial" charset="0"/>
+                <a:cs typeface="Arial" charset="0"/>
                 <a:sym typeface="Cabin"/>
               </a:rPr>
               <a:t> the old value is overwritten</a:t>
@@ -34458,13 +34422,13 @@
               <a:buNone/>
             </a:pPr>
             <a:r>
-              <a:rPr lang="en-US" sz="7600" b="0" i="0" u="none" strike="noStrike" cap="none">
+              <a:rPr lang="en-US" sz="7600" u="none" strike="noStrike" cap="none">
                 <a:solidFill>
                   <a:srgbClr val="FFFF00"/>
                 </a:solidFill>
-                <a:latin typeface="Cabin"/>
-                <a:ea typeface="Cabin"/>
-                <a:cs typeface="Cabin"/>
+                <a:latin typeface="Arial" charset="0"/>
+                <a:ea typeface="Arial" charset="0"/>
+                <a:cs typeface="Arial" charset="0"/>
                 <a:sym typeface="Cabin"/>
               </a:rPr>
               <a:t>List Constants</a:t>
@@ -34515,25 +34479,25 @@
               <a:buFont typeface="Cabin"/>
             </a:pPr>
             <a:r>
-              <a:rPr lang="en-US" sz="3400" b="0" i="0" u="none" strike="noStrike" cap="none">
+              <a:rPr lang="en-US" sz="3400" u="none" strike="noStrike" cap="none">
                 <a:solidFill>
                   <a:srgbClr val="FF7F00"/>
                 </a:solidFill>
-                <a:latin typeface="Cabin"/>
-                <a:ea typeface="Cabin"/>
-                <a:cs typeface="Cabin"/>
+                <a:latin typeface="Arial" charset="0"/>
+                <a:ea typeface="Arial" charset="0"/>
+                <a:cs typeface="Arial" charset="0"/>
                 <a:sym typeface="Cabin"/>
               </a:rPr>
               <a:t>List</a:t>
             </a:r>
             <a:r>
-              <a:rPr lang="en-US" sz="3400" b="0" i="0" u="none" strike="noStrike" cap="none">
-                <a:solidFill>
-                  <a:schemeClr val="lt1"/>
-                </a:solidFill>
-                <a:latin typeface="Cabin"/>
-                <a:ea typeface="Cabin"/>
-                <a:cs typeface="Cabin"/>
+              <a:rPr lang="en-US" sz="3400" u="none" strike="noStrike" cap="none">
+                <a:solidFill>
+                  <a:schemeClr val="lt1"/>
+                </a:solidFill>
+                <a:latin typeface="Arial" charset="0"/>
+                <a:ea typeface="Arial" charset="0"/>
+                <a:cs typeface="Arial" charset="0"/>
                 <a:sym typeface="Cabin"/>
               </a:rPr>
               <a:t> constants are surrounded by square brackets and the elements in the list are separated by commas</a:t>
@@ -34554,49 +34518,49 @@
               <a:buFont typeface="Cabin"/>
             </a:pPr>
             <a:r>
-              <a:rPr lang="en-US" sz="3400" b="0" i="0" u="none" strike="noStrike" cap="none">
-                <a:solidFill>
-                  <a:schemeClr val="lt1"/>
-                </a:solidFill>
-                <a:latin typeface="Cabin"/>
-                <a:ea typeface="Cabin"/>
-                <a:cs typeface="Cabin"/>
+              <a:rPr lang="en-US" sz="3400" u="none" strike="noStrike" cap="none">
+                <a:solidFill>
+                  <a:schemeClr val="lt1"/>
+                </a:solidFill>
+                <a:latin typeface="Arial" charset="0"/>
+                <a:ea typeface="Arial" charset="0"/>
+                <a:cs typeface="Arial" charset="0"/>
                 <a:sym typeface="Cabin"/>
               </a:rPr>
               <a:t>A </a:t>
             </a:r>
             <a:r>
-              <a:rPr lang="en-US" sz="3400" b="0" i="0" u="none" strike="noStrike" cap="none">
+              <a:rPr lang="en-US" sz="3400" u="none" strike="noStrike" cap="none">
                 <a:solidFill>
                   <a:srgbClr val="FF7F00"/>
                 </a:solidFill>
-                <a:latin typeface="Cabin"/>
-                <a:ea typeface="Cabin"/>
-                <a:cs typeface="Cabin"/>
+                <a:latin typeface="Arial" charset="0"/>
+                <a:ea typeface="Arial" charset="0"/>
+                <a:cs typeface="Arial" charset="0"/>
                 <a:sym typeface="Cabin"/>
               </a:rPr>
               <a:t>list</a:t>
             </a:r>
             <a:r>
-              <a:rPr lang="en-US" sz="3400" b="0" i="0" u="none" strike="noStrike" cap="none">
-                <a:solidFill>
-                  <a:schemeClr val="lt1"/>
-                </a:solidFill>
-                <a:latin typeface="Cabin"/>
-                <a:ea typeface="Cabin"/>
-                <a:cs typeface="Cabin"/>
+              <a:rPr lang="en-US" sz="3400" u="none" strike="noStrike" cap="none">
+                <a:solidFill>
+                  <a:schemeClr val="lt1"/>
+                </a:solidFill>
+                <a:latin typeface="Arial" charset="0"/>
+                <a:ea typeface="Arial" charset="0"/>
+                <a:cs typeface="Arial" charset="0"/>
                 <a:sym typeface="Cabin"/>
               </a:rPr>
               <a:t> element can be any Python object - even </a:t>
             </a:r>
             <a:r>
-              <a:rPr lang="en-US" sz="3400" b="0" i="0" u="none" strike="noStrike" cap="none">
+              <a:rPr lang="en-US" sz="3400" u="none" strike="noStrike" cap="none">
                 <a:solidFill>
                   <a:srgbClr val="00FFFF"/>
                 </a:solidFill>
-                <a:latin typeface="Cabin"/>
-                <a:ea typeface="Cabin"/>
-                <a:cs typeface="Cabin"/>
+                <a:latin typeface="Arial" charset="0"/>
+                <a:ea typeface="Arial" charset="0"/>
+                <a:cs typeface="Arial" charset="0"/>
                 <a:sym typeface="Cabin"/>
               </a:rPr>
               <a:t>another list</a:t>
@@ -34617,37 +34581,37 @@
               <a:buFont typeface="Cabin"/>
             </a:pPr>
             <a:r>
-              <a:rPr lang="en-US" sz="3400" b="0" i="0" u="none" strike="noStrike" cap="none">
-                <a:solidFill>
-                  <a:schemeClr val="lt1"/>
-                </a:solidFill>
-                <a:latin typeface="Cabin"/>
-                <a:ea typeface="Cabin"/>
-                <a:cs typeface="Cabin"/>
+              <a:rPr lang="en-US" sz="3400" u="none" strike="noStrike" cap="none">
+                <a:solidFill>
+                  <a:schemeClr val="lt1"/>
+                </a:solidFill>
+                <a:latin typeface="Arial" charset="0"/>
+                <a:ea typeface="Arial" charset="0"/>
+                <a:cs typeface="Arial" charset="0"/>
                 <a:sym typeface="Cabin"/>
               </a:rPr>
               <a:t>A </a:t>
             </a:r>
             <a:r>
-              <a:rPr lang="en-US" sz="3400" b="0" i="0" u="none" strike="noStrike" cap="none">
+              <a:rPr lang="en-US" sz="3400" u="none" strike="noStrike" cap="none">
                 <a:solidFill>
                   <a:srgbClr val="FF7F00"/>
                 </a:solidFill>
-                <a:latin typeface="Cabin"/>
-                <a:ea typeface="Cabin"/>
-                <a:cs typeface="Cabin"/>
+                <a:latin typeface="Arial" charset="0"/>
+                <a:ea typeface="Arial" charset="0"/>
+                <a:cs typeface="Arial" charset="0"/>
                 <a:sym typeface="Cabin"/>
               </a:rPr>
               <a:t>list</a:t>
             </a:r>
             <a:r>
-              <a:rPr lang="en-US" sz="3400" b="0" i="0" u="none" strike="noStrike" cap="none">
-                <a:solidFill>
-                  <a:schemeClr val="lt1"/>
-                </a:solidFill>
-                <a:latin typeface="Cabin"/>
-                <a:ea typeface="Cabin"/>
-                <a:cs typeface="Cabin"/>
+              <a:rPr lang="en-US" sz="3400" u="none" strike="noStrike" cap="none">
+                <a:solidFill>
+                  <a:schemeClr val="lt1"/>
+                </a:solidFill>
+                <a:latin typeface="Arial" charset="0"/>
+                <a:ea typeface="Arial" charset="0"/>
+                <a:cs typeface="Arial" charset="0"/>
                 <a:sym typeface="Cabin"/>
               </a:rPr>
               <a:t> can be empty</a:t>
@@ -35255,13 +35219,13 @@
               <a:buNone/>
             </a:pPr>
             <a:r>
-              <a:rPr lang="en-US" sz="7600" b="0" i="0" u="none" strike="noStrike" cap="none">
+              <a:rPr lang="en-US" sz="7600" u="none" strike="noStrike" cap="none">
                 <a:solidFill>
                   <a:srgbClr val="FFFF00"/>
                 </a:solidFill>
-                <a:latin typeface="Cabin"/>
-                <a:ea typeface="Cabin"/>
-                <a:cs typeface="Cabin"/>
+                <a:latin typeface="Arial" charset="0"/>
+                <a:ea typeface="Arial" charset="0"/>
+                <a:cs typeface="Arial" charset="0"/>
                 <a:sym typeface="Cabin"/>
               </a:rPr>
               <a:t>We already use lists!</a:t>
@@ -35587,13 +35551,13 @@
               <a:buNone/>
             </a:pPr>
             <a:r>
-              <a:rPr lang="en-US" sz="4800" b="0" i="0" u="none" strike="noStrike" cap="none">
+              <a:rPr lang="en-US" sz="4800" u="none" strike="noStrike" cap="none">
                 <a:solidFill>
                   <a:srgbClr val="FF00FF"/>
                 </a:solidFill>
-                <a:latin typeface="Cabin"/>
-                <a:ea typeface="Cabin"/>
-                <a:cs typeface="Cabin"/>
+                <a:latin typeface="Arial" charset="0"/>
+                <a:ea typeface="Arial" charset="0"/>
+                <a:cs typeface="Arial" charset="0"/>
                 <a:sym typeface="Cabin"/>
               </a:rPr>
               <a:t>5</a:t>
@@ -35618,13 +35582,13 @@
               <a:buNone/>
             </a:pPr>
             <a:r>
-              <a:rPr lang="en-US" sz="4800" b="0" i="0" u="none" strike="noStrike" cap="none">
+              <a:rPr lang="en-US" sz="4800" u="none" strike="noStrike" cap="none">
                 <a:solidFill>
                   <a:srgbClr val="FF00FF"/>
                 </a:solidFill>
-                <a:latin typeface="Cabin"/>
-                <a:ea typeface="Cabin"/>
-                <a:cs typeface="Cabin"/>
+                <a:latin typeface="Arial" charset="0"/>
+                <a:ea typeface="Arial" charset="0"/>
+                <a:cs typeface="Arial" charset="0"/>
                 <a:sym typeface="Cabin"/>
               </a:rPr>
               <a:t>4</a:t>
@@ -35649,13 +35613,13 @@
               <a:buNone/>
             </a:pPr>
             <a:r>
-              <a:rPr lang="en-US" sz="4800" b="0" i="0" u="none" strike="noStrike" cap="none">
+              <a:rPr lang="en-US" sz="4800" u="none" strike="noStrike" cap="none">
                 <a:solidFill>
                   <a:srgbClr val="FF00FF"/>
                 </a:solidFill>
-                <a:latin typeface="Cabin"/>
-                <a:ea typeface="Cabin"/>
-                <a:cs typeface="Cabin"/>
+                <a:latin typeface="Arial" charset="0"/>
+                <a:ea typeface="Arial" charset="0"/>
+                <a:cs typeface="Arial" charset="0"/>
                 <a:sym typeface="Cabin"/>
               </a:rPr>
               <a:t>3</a:t>
@@ -35680,13 +35644,13 @@
               <a:buNone/>
             </a:pPr>
             <a:r>
-              <a:rPr lang="en-US" sz="4800" b="0" i="0" u="none" strike="noStrike" cap="none">
+              <a:rPr lang="en-US" sz="4800" u="none" strike="noStrike" cap="none">
                 <a:solidFill>
                   <a:srgbClr val="FF00FF"/>
                 </a:solidFill>
-                <a:latin typeface="Cabin"/>
-                <a:ea typeface="Cabin"/>
-                <a:cs typeface="Cabin"/>
+                <a:latin typeface="Arial" charset="0"/>
+                <a:ea typeface="Arial" charset="0"/>
+                <a:cs typeface="Arial" charset="0"/>
                 <a:sym typeface="Cabin"/>
               </a:rPr>
               <a:t>2</a:t>
@@ -35711,13 +35675,13 @@
               <a:buNone/>
             </a:pPr>
             <a:r>
-              <a:rPr lang="en-US" sz="4800" b="0" i="0" u="none" strike="noStrike" cap="none">
+              <a:rPr lang="en-US" sz="4800" u="none" strike="noStrike" cap="none">
                 <a:solidFill>
                   <a:srgbClr val="FF00FF"/>
                 </a:solidFill>
-                <a:latin typeface="Cabin"/>
-                <a:ea typeface="Cabin"/>
-                <a:cs typeface="Cabin"/>
+                <a:latin typeface="Arial" charset="0"/>
+                <a:ea typeface="Arial" charset="0"/>
+                <a:cs typeface="Arial" charset="0"/>
                 <a:sym typeface="Cabin"/>
               </a:rPr>
               <a:t>1</a:t>
@@ -35742,13 +35706,13 @@
               <a:buNone/>
             </a:pPr>
             <a:r>
-              <a:rPr lang="en-US" sz="4800" b="0" i="0" u="none" strike="noStrike" cap="none">
+              <a:rPr lang="en-US" sz="4800" u="none" strike="noStrike" cap="none">
                 <a:solidFill>
                   <a:srgbClr val="FF00FF"/>
                 </a:solidFill>
-                <a:latin typeface="Cabin"/>
-                <a:ea typeface="Cabin"/>
-                <a:cs typeface="Cabin"/>
+                <a:latin typeface="Arial" charset="0"/>
+                <a:ea typeface="Arial" charset="0"/>
+                <a:cs typeface="Arial" charset="0"/>
                 <a:sym typeface="Cabin"/>
               </a:rPr>
               <a:t>Blastoff!</a:t>
@@ -35828,13 +35792,13 @@
               <a:buNone/>
             </a:pPr>
             <a:r>
-              <a:rPr lang="en-US" sz="7600" b="0" i="0" u="none" strike="noStrike" cap="none">
+              <a:rPr lang="en-US" sz="7600" u="none" strike="noStrike" cap="none">
                 <a:solidFill>
                   <a:srgbClr val="FFFF00"/>
                 </a:solidFill>
-                <a:latin typeface="Cabin"/>
-                <a:ea typeface="Cabin"/>
-                <a:cs typeface="Cabin"/>
+                <a:latin typeface="Arial" charset="0"/>
+                <a:ea typeface="Arial" charset="0"/>
+                <a:cs typeface="Arial" charset="0"/>
                 <a:sym typeface="Cabin"/>
               </a:rPr>
               <a:t>Lists and definite loops - best pals</a:t>
@@ -36227,13 +36191,13 @@
               <a:buNone/>
             </a:pPr>
             <a:r>
-              <a:rPr lang="en-US" sz="3600" b="0" i="0" u="none" strike="noStrike" cap="none">
+              <a:rPr lang="en-US" sz="3600" u="none" strike="noStrike" cap="none">
                 <a:solidFill>
                   <a:srgbClr val="FF00FF"/>
                 </a:solidFill>
-                <a:latin typeface="Cabin"/>
-                <a:ea typeface="Cabin"/>
-                <a:cs typeface="Cabin"/>
+                <a:latin typeface="Arial" charset="0"/>
+                <a:ea typeface="Arial" charset="0"/>
+                <a:cs typeface="Arial" charset="0"/>
                 <a:sym typeface="Cabin"/>
               </a:rPr>
               <a:t>Happy New Year: Joseph</a:t>
@@ -36258,13 +36222,13 @@
               <a:buNone/>
             </a:pPr>
             <a:r>
-              <a:rPr lang="en-US" sz="3600" b="0" i="0" u="none" strike="noStrike" cap="none">
+              <a:rPr lang="en-US" sz="3600" u="none" strike="noStrike" cap="none">
                 <a:solidFill>
                   <a:srgbClr val="FF00FF"/>
                 </a:solidFill>
-                <a:latin typeface="Cabin"/>
-                <a:ea typeface="Cabin"/>
-                <a:cs typeface="Cabin"/>
+                <a:latin typeface="Arial" charset="0"/>
+                <a:ea typeface="Arial" charset="0"/>
+                <a:cs typeface="Arial" charset="0"/>
                 <a:sym typeface="Cabin"/>
               </a:rPr>
               <a:t>Happy New Year: Glenn</a:t>
@@ -36289,13 +36253,13 @@
               <a:buNone/>
             </a:pPr>
             <a:r>
-              <a:rPr lang="en-US" sz="3600" b="0" i="0" u="none" strike="noStrike" cap="none">
+              <a:rPr lang="en-US" sz="3600" u="none" strike="noStrike" cap="none">
                 <a:solidFill>
                   <a:srgbClr val="FF00FF"/>
                 </a:solidFill>
-                <a:latin typeface="Cabin"/>
-                <a:ea typeface="Cabin"/>
-                <a:cs typeface="Cabin"/>
+                <a:latin typeface="Arial" charset="0"/>
+                <a:ea typeface="Arial" charset="0"/>
+                <a:cs typeface="Arial" charset="0"/>
                 <a:sym typeface="Cabin"/>
               </a:rPr>
               <a:t>Happy New Year: Sally</a:t>
@@ -36320,13 +36284,13 @@
               <a:buNone/>
             </a:pPr>
             <a:r>
-              <a:rPr lang="en-US" sz="3600" b="0" i="0" u="none" strike="noStrike" cap="none">
+              <a:rPr lang="en-US" sz="3600" u="none" strike="noStrike" cap="none">
                 <a:solidFill>
                   <a:srgbClr val="FF00FF"/>
                 </a:solidFill>
-                <a:latin typeface="Cabin"/>
-                <a:ea typeface="Cabin"/>
-                <a:cs typeface="Cabin"/>
+                <a:latin typeface="Arial" charset="0"/>
+                <a:ea typeface="Arial" charset="0"/>
+                <a:cs typeface="Arial" charset="0"/>
                 <a:sym typeface="Cabin"/>
               </a:rPr>
               <a:t>Done!</a:t>
@@ -36484,13 +36448,13 @@
               <a:buNone/>
             </a:pPr>
             <a:r>
-              <a:rPr lang="en-US" sz="7600" b="0" i="0" u="none" strike="noStrike" cap="none">
+              <a:rPr lang="en-US" sz="7600" u="none" strike="noStrike" cap="none">
                 <a:solidFill>
                   <a:srgbClr val="FFFF00"/>
                 </a:solidFill>
-                <a:latin typeface="Cabin"/>
-                <a:ea typeface="Cabin"/>
-                <a:cs typeface="Cabin"/>
+                <a:latin typeface="Arial" charset="0"/>
+                <a:ea typeface="Arial" charset="0"/>
+                <a:cs typeface="Arial" charset="0"/>
                 <a:sym typeface="Cabin"/>
               </a:rPr>
               <a:t>Looking Inside Lists</a:t>
@@ -36540,25 +36504,25 @@
               <a:buNone/>
             </a:pPr>
             <a:r>
-              <a:rPr lang="en-US" sz="3600" b="0" i="0" u="none" strike="noStrike" cap="none">
-                <a:solidFill>
-                  <a:schemeClr val="lt1"/>
-                </a:solidFill>
-                <a:latin typeface="Cabin"/>
-                <a:ea typeface="Cabin"/>
-                <a:cs typeface="Cabin"/>
+              <a:rPr lang="en-US" sz="3600" u="none" strike="noStrike" cap="none">
+                <a:solidFill>
+                  <a:schemeClr val="lt1"/>
+                </a:solidFill>
+                <a:latin typeface="Arial" charset="0"/>
+                <a:ea typeface="Arial" charset="0"/>
+                <a:cs typeface="Arial" charset="0"/>
                 <a:sym typeface="Cabin"/>
               </a:rPr>
               <a:t>Just like strings, we can get at any single element in a list using an index specified in</a:t>
             </a:r>
             <a:r>
-              <a:rPr lang="en-US" sz="3600" b="0" i="0" u="none" strike="noStrike" cap="none">
+              <a:rPr lang="en-US" sz="3600" u="none" strike="noStrike" cap="none">
                 <a:solidFill>
                   <a:srgbClr val="00FFFF"/>
                 </a:solidFill>
-                <a:latin typeface="Cabin"/>
-                <a:ea typeface="Cabin"/>
-                <a:cs typeface="Cabin"/>
+                <a:latin typeface="Arial" charset="0"/>
+                <a:ea typeface="Arial" charset="0"/>
+                <a:cs typeface="Arial" charset="0"/>
                 <a:sym typeface="Cabin"/>
               </a:rPr>
               <a:t> square brackets</a:t>
@@ -36636,13 +36600,13 @@
               <a:buNone/>
             </a:pPr>
             <a:r>
-              <a:rPr lang="en-US" sz="4000" b="0" i="0" u="none" strike="noStrike" cap="none">
-                <a:solidFill>
-                  <a:schemeClr val="lt1"/>
-                </a:solidFill>
-                <a:latin typeface="Cabin"/>
-                <a:ea typeface="Cabin"/>
-                <a:cs typeface="Cabin"/>
+              <a:rPr lang="en-US" sz="4000" u="none" strike="noStrike" cap="none">
+                <a:solidFill>
+                  <a:schemeClr val="lt1"/>
+                </a:solidFill>
+                <a:latin typeface="Arial" charset="0"/>
+                <a:ea typeface="Arial" charset="0"/>
+                <a:cs typeface="Arial" charset="0"/>
                 <a:sym typeface="Cabin"/>
               </a:rPr>
               <a:t>0</a:t>
@@ -36699,13 +36663,13 @@
               <a:buNone/>
             </a:pPr>
             <a:r>
-              <a:rPr lang="en-US" sz="4000" b="0" i="0" u="none" strike="noStrike" cap="none">
-                <a:solidFill>
-                  <a:schemeClr val="lt1"/>
-                </a:solidFill>
-                <a:latin typeface="Cabin"/>
-                <a:ea typeface="Cabin"/>
-                <a:cs typeface="Cabin"/>
+              <a:rPr lang="en-US" sz="4000" u="none" strike="noStrike" cap="none">
+                <a:solidFill>
+                  <a:schemeClr val="lt1"/>
+                </a:solidFill>
+                <a:latin typeface="Arial" charset="0"/>
+                <a:ea typeface="Arial" charset="0"/>
+                <a:cs typeface="Arial" charset="0"/>
                 <a:sym typeface="Cabin"/>
               </a:rPr>
               <a:t>Joseph</a:t>
@@ -37014,13 +36978,13 @@
               <a:buNone/>
             </a:pPr>
             <a:r>
-              <a:rPr lang="en-US" sz="4000" b="0" i="0" u="none" strike="noStrike" cap="none">
-                <a:solidFill>
-                  <a:schemeClr val="lt1"/>
-                </a:solidFill>
-                <a:latin typeface="Cabin"/>
-                <a:ea typeface="Cabin"/>
-                <a:cs typeface="Cabin"/>
+              <a:rPr lang="en-US" sz="4000" u="none" strike="noStrike" cap="none">
+                <a:solidFill>
+                  <a:schemeClr val="lt1"/>
+                </a:solidFill>
+                <a:latin typeface="Arial" charset="0"/>
+                <a:ea typeface="Arial" charset="0"/>
+                <a:cs typeface="Arial" charset="0"/>
                 <a:sym typeface="Cabin"/>
               </a:rPr>
               <a:t>1</a:t>
@@ -37077,13 +37041,13 @@
               <a:buNone/>
             </a:pPr>
             <a:r>
-              <a:rPr lang="en-US" sz="4000" b="0" i="0" u="none" strike="noStrike" cap="none">
-                <a:solidFill>
-                  <a:schemeClr val="lt1"/>
-                </a:solidFill>
-                <a:latin typeface="Cabin"/>
-                <a:ea typeface="Cabin"/>
-                <a:cs typeface="Cabin"/>
+              <a:rPr lang="en-US" sz="4000" u="none" strike="noStrike" cap="none">
+                <a:solidFill>
+                  <a:schemeClr val="lt1"/>
+                </a:solidFill>
+                <a:latin typeface="Arial" charset="0"/>
+                <a:ea typeface="Arial" charset="0"/>
+                <a:cs typeface="Arial" charset="0"/>
                 <a:sym typeface="Cabin"/>
               </a:rPr>
               <a:t>Glenn</a:t>
@@ -37134,13 +37098,13 @@
               <a:buNone/>
             </a:pPr>
             <a:r>
-              <a:rPr lang="en-US" sz="4000" b="0" i="0" u="none" strike="noStrike" cap="none">
-                <a:solidFill>
-                  <a:schemeClr val="lt1"/>
-                </a:solidFill>
-                <a:latin typeface="Cabin"/>
-                <a:ea typeface="Cabin"/>
-                <a:cs typeface="Cabin"/>
+              <a:rPr lang="en-US" sz="4000" u="none" strike="noStrike" cap="none">
+                <a:solidFill>
+                  <a:schemeClr val="lt1"/>
+                </a:solidFill>
+                <a:latin typeface="Arial" charset="0"/>
+                <a:ea typeface="Arial" charset="0"/>
+                <a:cs typeface="Arial" charset="0"/>
                 <a:sym typeface="Cabin"/>
               </a:rPr>
               <a:t>2</a:t>
@@ -37197,13 +37161,13 @@
               <a:buNone/>
             </a:pPr>
             <a:r>
-              <a:rPr lang="en-US" sz="4000" b="0" i="0" u="none" strike="noStrike" cap="none">
-                <a:solidFill>
-                  <a:schemeClr val="lt1"/>
-                </a:solidFill>
-                <a:latin typeface="Cabin"/>
-                <a:ea typeface="Cabin"/>
-                <a:cs typeface="Cabin"/>
+              <a:rPr lang="en-US" sz="4000" u="none" strike="noStrike" cap="none">
+                <a:solidFill>
+                  <a:schemeClr val="lt1"/>
+                </a:solidFill>
+                <a:latin typeface="Arial" charset="0"/>
+                <a:ea typeface="Arial" charset="0"/>
+                <a:cs typeface="Arial" charset="0"/>
                 <a:sym typeface="Cabin"/>
               </a:rPr>
               <a:t>Sally</a:t>
@@ -37283,13 +37247,13 @@
               <a:buNone/>
             </a:pPr>
             <a:r>
-              <a:rPr lang="en-US" sz="7600" b="0" i="0" u="none" strike="noStrike" cap="none">
+              <a:rPr lang="en-US" sz="7600" u="none" strike="noStrike" cap="none">
                 <a:solidFill>
                   <a:srgbClr val="FFFF00"/>
                 </a:solidFill>
-                <a:latin typeface="Cabin"/>
-                <a:ea typeface="Cabin"/>
-                <a:cs typeface="Cabin"/>
+                <a:latin typeface="Arial" charset="0"/>
+                <a:ea typeface="Arial" charset="0"/>
+                <a:cs typeface="Arial" charset="0"/>
                 <a:sym typeface="Cabin"/>
               </a:rPr>
               <a:t>Lists are Mutable</a:t>
@@ -37340,13 +37304,13 @@
               <a:buFont typeface="Cabin"/>
             </a:pPr>
             <a:r>
-              <a:rPr lang="en-US" sz="3400" b="0" i="0" u="none" strike="noStrike" cap="none">
-                <a:solidFill>
-                  <a:schemeClr val="lt1"/>
-                </a:solidFill>
-                <a:latin typeface="Cabin"/>
-                <a:ea typeface="Cabin"/>
-                <a:cs typeface="Cabin"/>
+              <a:rPr lang="en-US" sz="3400" u="none" strike="noStrike" cap="none">
+                <a:solidFill>
+                  <a:schemeClr val="lt1"/>
+                </a:solidFill>
+                <a:latin typeface="Arial" charset="0"/>
+                <a:ea typeface="Arial" charset="0"/>
+                <a:cs typeface="Arial" charset="0"/>
                 <a:sym typeface="Cabin"/>
               </a:rPr>
               <a:t>Strings are </a:t>
@@ -37356,21 +37320,21 @@
                 <a:solidFill>
                   <a:schemeClr val="lt1"/>
                 </a:solidFill>
-                <a:latin typeface="Cabin"/>
-                <a:ea typeface="Cabin"/>
-                <a:cs typeface="Cabin"/>
+                <a:latin typeface="Arial" charset="0"/>
+                <a:ea typeface="Arial" charset="0"/>
+                <a:cs typeface="Arial" charset="0"/>
                 <a:sym typeface="Cabin"/>
               </a:rPr>
               <a:t>“</a:t>
             </a:r>
             <a:r>
-              <a:rPr lang="en-US" sz="3400" b="0" i="0" u="none" strike="noStrike" cap="none">
+              <a:rPr lang="en-US" sz="3400" u="none" strike="noStrike" cap="none">
                 <a:solidFill>
                   <a:srgbClr val="00FF00"/>
                 </a:solidFill>
-                <a:latin typeface="Cabin"/>
-                <a:ea typeface="Cabin"/>
-                <a:cs typeface="Cabin"/>
+                <a:latin typeface="Arial" charset="0"/>
+                <a:ea typeface="Arial" charset="0"/>
+                <a:cs typeface="Arial" charset="0"/>
                 <a:sym typeface="Cabin"/>
               </a:rPr>
               <a:t>immutable</a:t>
@@ -37380,69 +37344,45 @@
                 <a:solidFill>
                   <a:schemeClr val="lt1"/>
                 </a:solidFill>
-                <a:latin typeface="Cabin"/>
-                <a:ea typeface="Cabin"/>
-                <a:cs typeface="Cabin"/>
+                <a:latin typeface="Arial" charset="0"/>
+                <a:ea typeface="Arial" charset="0"/>
+                <a:cs typeface="Arial" charset="0"/>
                 <a:sym typeface="Cabin"/>
               </a:rPr>
               <a:t>”</a:t>
             </a:r>
             <a:r>
-              <a:rPr lang="en-US" sz="3400" b="0" i="0" u="none" strike="noStrike" cap="none">
-                <a:solidFill>
-                  <a:schemeClr val="lt1"/>
-                </a:solidFill>
-                <a:latin typeface="Cabin"/>
-                <a:ea typeface="Cabin"/>
-                <a:cs typeface="Cabin"/>
+              <a:rPr lang="en-US" sz="3400" u="none" strike="noStrike" cap="none">
+                <a:solidFill>
+                  <a:schemeClr val="lt1"/>
+                </a:solidFill>
+                <a:latin typeface="Arial" charset="0"/>
+                <a:ea typeface="Arial" charset="0"/>
+                <a:cs typeface="Arial" charset="0"/>
                 <a:sym typeface="Cabin"/>
               </a:rPr>
-              <a:t> - we </a:t>
-            </a:r>
-            <a:r>
-              <a:rPr lang="en-US" sz="3400" b="0" i="1" u="none" strike="noStrike" cap="none">
-                <a:solidFill>
-                  <a:schemeClr val="lt1"/>
-                </a:solidFill>
-                <a:latin typeface="Cabin"/>
-                <a:ea typeface="Cabin"/>
-                <a:cs typeface="Cabin"/>
+              <a:t> - we cannot change the contents of a string - we must make a </a:t>
+            </a:r>
+            <a:r>
+              <a:rPr lang="en-US" sz="3400" u="none" strike="noStrike" cap="none">
+                <a:solidFill>
+                  <a:srgbClr val="FF00FF"/>
+                </a:solidFill>
+                <a:latin typeface="Arial" charset="0"/>
+                <a:ea typeface="Arial" charset="0"/>
+                <a:cs typeface="Arial" charset="0"/>
                 <a:sym typeface="Cabin"/>
               </a:rPr>
-              <a:t>cannot</a:t>
-            </a:r>
-            <a:r>
-              <a:rPr lang="en-US" sz="3400" b="0" i="0" u="none" strike="noStrike" cap="none">
-                <a:solidFill>
-                  <a:schemeClr val="lt1"/>
-                </a:solidFill>
-                <a:latin typeface="Cabin"/>
-                <a:ea typeface="Cabin"/>
-                <a:cs typeface="Cabin"/>
-                <a:sym typeface="Cabin"/>
-              </a:rPr>
-              <a:t> change the contents of a string - we must make a </a:t>
-            </a:r>
-            <a:r>
-              <a:rPr lang="en-US" sz="3400" b="0" i="0" u="none" strike="noStrike" cap="none">
-                <a:solidFill>
-                  <a:srgbClr val="FF00FF"/>
-                </a:solidFill>
-                <a:latin typeface="Cabin"/>
-                <a:ea typeface="Cabin"/>
-                <a:cs typeface="Cabin"/>
-                <a:sym typeface="Cabin"/>
-              </a:rPr>
               <a:t>new string</a:t>
             </a:r>
             <a:r>
-              <a:rPr lang="en-US" sz="3400" b="0" i="0" u="none" strike="noStrike" cap="none">
-                <a:solidFill>
-                  <a:schemeClr val="lt1"/>
-                </a:solidFill>
-                <a:latin typeface="Cabin"/>
-                <a:ea typeface="Cabin"/>
-                <a:cs typeface="Cabin"/>
+              <a:rPr lang="en-US" sz="3400" u="none" strike="noStrike" cap="none">
+                <a:solidFill>
+                  <a:schemeClr val="lt1"/>
+                </a:solidFill>
+                <a:latin typeface="Arial" charset="0"/>
+                <a:ea typeface="Arial" charset="0"/>
+                <a:cs typeface="Arial" charset="0"/>
                 <a:sym typeface="Cabin"/>
               </a:rPr>
               <a:t> to make any change</a:t>
@@ -37463,13 +37403,13 @@
               <a:buFont typeface="Cabin"/>
             </a:pPr>
             <a:r>
-              <a:rPr lang="en-US" sz="3400" b="0" i="0" u="none" strike="noStrike" cap="none">
-                <a:solidFill>
-                  <a:schemeClr val="lt1"/>
-                </a:solidFill>
-                <a:latin typeface="Cabin"/>
-                <a:ea typeface="Cabin"/>
-                <a:cs typeface="Cabin"/>
+              <a:rPr lang="en-US" sz="3400" u="none" strike="noStrike" cap="none">
+                <a:solidFill>
+                  <a:schemeClr val="lt1"/>
+                </a:solidFill>
+                <a:latin typeface="Arial" charset="0"/>
+                <a:ea typeface="Arial" charset="0"/>
+                <a:cs typeface="Arial" charset="0"/>
                 <a:sym typeface="Cabin"/>
               </a:rPr>
               <a:t>Lists are </a:t>
@@ -37479,21 +37419,21 @@
                 <a:solidFill>
                   <a:schemeClr val="lt1"/>
                 </a:solidFill>
-                <a:latin typeface="Cabin"/>
-                <a:ea typeface="Cabin"/>
-                <a:cs typeface="Cabin"/>
+                <a:latin typeface="Arial" charset="0"/>
+                <a:ea typeface="Arial" charset="0"/>
+                <a:cs typeface="Arial" charset="0"/>
                 <a:sym typeface="Cabin"/>
               </a:rPr>
               <a:t>“</a:t>
             </a:r>
             <a:r>
-              <a:rPr lang="en-US" sz="3400" b="0" i="0" u="none" strike="noStrike" cap="none">
+              <a:rPr lang="en-US" sz="3400" u="none" strike="noStrike" cap="none">
                 <a:solidFill>
                   <a:srgbClr val="00FF00"/>
                 </a:solidFill>
-                <a:latin typeface="Cabin"/>
-                <a:ea typeface="Cabin"/>
-                <a:cs typeface="Cabin"/>
+                <a:latin typeface="Arial" charset="0"/>
+                <a:ea typeface="Arial" charset="0"/>
+                <a:cs typeface="Arial" charset="0"/>
                 <a:sym typeface="Cabin"/>
               </a:rPr>
               <a:t>mutable</a:t>
@@ -37503,93 +37443,69 @@
                 <a:solidFill>
                   <a:schemeClr val="lt1"/>
                 </a:solidFill>
-                <a:latin typeface="Cabin"/>
-                <a:ea typeface="Cabin"/>
-                <a:cs typeface="Cabin"/>
+                <a:latin typeface="Arial" charset="0"/>
+                <a:ea typeface="Arial" charset="0"/>
+                <a:cs typeface="Arial" charset="0"/>
                 <a:sym typeface="Cabin"/>
               </a:rPr>
               <a:t>’</a:t>
             </a:r>
             <a:r>
-              <a:rPr lang="en-US" sz="3400" b="0" i="0" u="none" strike="noStrike" cap="none">
-                <a:solidFill>
-                  <a:schemeClr val="lt1"/>
-                </a:solidFill>
-                <a:latin typeface="Cabin"/>
-                <a:ea typeface="Cabin"/>
-                <a:cs typeface="Cabin"/>
+              <a:rPr lang="en-US" sz="3400" u="none" strike="noStrike" cap="none">
+                <a:solidFill>
+                  <a:schemeClr val="lt1"/>
+                </a:solidFill>
+                <a:latin typeface="Arial" charset="0"/>
+                <a:ea typeface="Arial" charset="0"/>
+                <a:cs typeface="Arial" charset="0"/>
                 <a:sym typeface="Cabin"/>
               </a:rPr>
-              <a:t> - we </a:t>
-            </a:r>
-            <a:r>
-              <a:rPr lang="en-US" sz="3400" b="0" i="1" u="none" strike="noStrike" cap="none">
-                <a:solidFill>
-                  <a:schemeClr val="lt1"/>
-                </a:solidFill>
-                <a:latin typeface="Cabin"/>
-                <a:ea typeface="Cabin"/>
-                <a:cs typeface="Cabin"/>
+              <a:t> - we can </a:t>
+            </a:r>
+            <a:r>
+              <a:rPr lang="en-US" sz="3400" u="none" strike="noStrike" cap="none">
+                <a:solidFill>
+                  <a:srgbClr val="FF00FF"/>
+                </a:solidFill>
+                <a:latin typeface="Arial" charset="0"/>
+                <a:ea typeface="Arial" charset="0"/>
+                <a:cs typeface="Arial" charset="0"/>
                 <a:sym typeface="Cabin"/>
               </a:rPr>
-              <a:t>can</a:t>
-            </a:r>
-            <a:r>
-              <a:rPr lang="en-US" sz="3400" b="0" i="0" u="none" strike="noStrike" cap="none">
-                <a:solidFill>
-                  <a:schemeClr val="lt1"/>
-                </a:solidFill>
-                <a:latin typeface="Cabin"/>
-                <a:ea typeface="Cabin"/>
-                <a:cs typeface="Cabin"/>
+              <a:t>change</a:t>
+            </a:r>
+            <a:r>
+              <a:rPr lang="en-US" sz="3400" u="none" strike="noStrike" cap="none">
+                <a:solidFill>
+                  <a:schemeClr val="lt1"/>
+                </a:solidFill>
+                <a:latin typeface="Arial" charset="0"/>
+                <a:ea typeface="Arial" charset="0"/>
+                <a:cs typeface="Arial" charset="0"/>
                 <a:sym typeface="Cabin"/>
               </a:rPr>
-              <a:t> </a:t>
-            </a:r>
-            <a:r>
-              <a:rPr lang="en-US" sz="3400" b="0" i="0" u="none" strike="noStrike" cap="none">
-                <a:solidFill>
-                  <a:srgbClr val="FF00FF"/>
-                </a:solidFill>
-                <a:latin typeface="Cabin"/>
-                <a:ea typeface="Cabin"/>
-                <a:cs typeface="Cabin"/>
+              <a:t> an element of a list using the </a:t>
+            </a:r>
+            <a:r>
+              <a:rPr lang="en-US" sz="3400" u="none" strike="noStrike" cap="none">
+                <a:solidFill>
+                  <a:srgbClr val="00FFFF"/>
+                </a:solidFill>
+                <a:latin typeface="Arial" charset="0"/>
+                <a:ea typeface="Arial" charset="0"/>
+                <a:cs typeface="Arial" charset="0"/>
                 <a:sym typeface="Cabin"/>
               </a:rPr>
-              <a:t>change</a:t>
-            </a:r>
-            <a:r>
-              <a:rPr lang="en-US" sz="3400" b="0" i="0" u="none" strike="noStrike" cap="none">
-                <a:solidFill>
-                  <a:schemeClr val="lt1"/>
-                </a:solidFill>
-                <a:latin typeface="Cabin"/>
-                <a:ea typeface="Cabin"/>
-                <a:cs typeface="Cabin"/>
-                <a:sym typeface="Cabin"/>
-              </a:rPr>
-              <a:t> an element of a list using the </a:t>
-            </a:r>
-            <a:r>
-              <a:rPr lang="en-US" sz="3400" b="0" i="0" u="none" strike="noStrike" cap="none">
-                <a:solidFill>
-                  <a:srgbClr val="00FFFF"/>
-                </a:solidFill>
-                <a:latin typeface="Cabin"/>
-                <a:ea typeface="Cabin"/>
-                <a:cs typeface="Cabin"/>
-                <a:sym typeface="Cabin"/>
-              </a:rPr>
               <a:t>index</a:t>
             </a:r>
             <a:r>
-              <a:rPr lang="en-US" sz="3400" b="0" i="0" u="none" strike="noStrike" cap="none">
-                <a:solidFill>
-                  <a:schemeClr val="lt1"/>
-                </a:solidFill>
-                <a:latin typeface="Cabin"/>
-                <a:ea typeface="Cabin"/>
-                <a:cs typeface="Cabin"/>
+              <a:rPr lang="en-US" sz="3400" u="none" strike="noStrike" cap="none">
+                <a:solidFill>
+                  <a:schemeClr val="lt1"/>
+                </a:solidFill>
+                <a:latin typeface="Arial" charset="0"/>
+                <a:ea typeface="Arial" charset="0"/>
+                <a:cs typeface="Arial" charset="0"/>
                 <a:sym typeface="Cabin"/>
               </a:rPr>
               <a:t> operator</a:t>
@@ -38525,13 +38441,13 @@
               <a:buNone/>
             </a:pPr>
             <a:r>
-              <a:rPr lang="en-US" sz="7600" b="0" i="0" u="none" strike="noStrike" cap="none">
+              <a:rPr lang="en-US" sz="7600" u="none" strike="noStrike" cap="none">
                 <a:solidFill>
                   <a:srgbClr val="FFFF00"/>
                 </a:solidFill>
-                <a:latin typeface="Cabin"/>
-                <a:ea typeface="Cabin"/>
-                <a:cs typeface="Cabin"/>
+                <a:latin typeface="Arial" charset="0"/>
+                <a:ea typeface="Arial" charset="0"/>
+                <a:cs typeface="Arial" charset="0"/>
                 <a:sym typeface="Cabin"/>
               </a:rPr>
               <a:t>How Long is a List?</a:t>
@@ -38582,97 +38498,97 @@
               <a:buFont typeface="Cabin"/>
             </a:pPr>
             <a:r>
-              <a:rPr lang="en-US" sz="3400" b="0" i="0" u="none" strike="noStrike" cap="none">
-                <a:solidFill>
-                  <a:schemeClr val="lt1"/>
-                </a:solidFill>
-                <a:latin typeface="Cabin"/>
-                <a:ea typeface="Cabin"/>
-                <a:cs typeface="Cabin"/>
+              <a:rPr lang="en-US" sz="3400" u="none" strike="noStrike" cap="none">
+                <a:solidFill>
+                  <a:schemeClr val="lt1"/>
+                </a:solidFill>
+                <a:latin typeface="Arial" charset="0"/>
+                <a:ea typeface="Arial" charset="0"/>
+                <a:cs typeface="Arial" charset="0"/>
                 <a:sym typeface="Cabin"/>
               </a:rPr>
               <a:t>The </a:t>
             </a:r>
             <a:r>
-              <a:rPr lang="en-US" sz="3400" b="0" i="0" u="none" strike="noStrike" cap="none">
+              <a:rPr lang="en-US" sz="3400" u="none" strike="noStrike" cap="none">
                 <a:solidFill>
                   <a:srgbClr val="FF00FF"/>
                 </a:solidFill>
-                <a:latin typeface="Cabin"/>
-                <a:ea typeface="Cabin"/>
-                <a:cs typeface="Cabin"/>
+                <a:latin typeface="Arial" charset="0"/>
+                <a:ea typeface="Arial" charset="0"/>
+                <a:cs typeface="Arial" charset="0"/>
                 <a:sym typeface="Cabin"/>
               </a:rPr>
               <a:t>len()</a:t>
             </a:r>
             <a:r>
-              <a:rPr lang="en-US" sz="3400" b="0" i="0" u="none" strike="noStrike" cap="none">
-                <a:solidFill>
-                  <a:schemeClr val="lt1"/>
-                </a:solidFill>
-                <a:latin typeface="Cabin"/>
-                <a:ea typeface="Cabin"/>
-                <a:cs typeface="Cabin"/>
+              <a:rPr lang="en-US" sz="3400" u="none" strike="noStrike" cap="none">
+                <a:solidFill>
+                  <a:schemeClr val="lt1"/>
+                </a:solidFill>
+                <a:latin typeface="Arial" charset="0"/>
+                <a:ea typeface="Arial" charset="0"/>
+                <a:cs typeface="Arial" charset="0"/>
                 <a:sym typeface="Cabin"/>
               </a:rPr>
               <a:t> function takes a </a:t>
             </a:r>
             <a:r>
-              <a:rPr lang="en-US" sz="3400" b="0" i="0" u="none" strike="noStrike" cap="none">
+              <a:rPr lang="en-US" sz="3400" u="none" strike="noStrike" cap="none">
                 <a:solidFill>
                   <a:srgbClr val="FF7F00"/>
                 </a:solidFill>
-                <a:latin typeface="Cabin"/>
-                <a:ea typeface="Cabin"/>
-                <a:cs typeface="Cabin"/>
+                <a:latin typeface="Arial" charset="0"/>
+                <a:ea typeface="Arial" charset="0"/>
+                <a:cs typeface="Arial" charset="0"/>
                 <a:sym typeface="Cabin"/>
               </a:rPr>
               <a:t>list</a:t>
             </a:r>
             <a:r>
-              <a:rPr lang="en-US" sz="3400" b="0" i="0" u="none" strike="noStrike" cap="none">
-                <a:solidFill>
-                  <a:schemeClr val="lt1"/>
-                </a:solidFill>
-                <a:latin typeface="Cabin"/>
-                <a:ea typeface="Cabin"/>
-                <a:cs typeface="Cabin"/>
+              <a:rPr lang="en-US" sz="3400" u="none" strike="noStrike" cap="none">
+                <a:solidFill>
+                  <a:schemeClr val="lt1"/>
+                </a:solidFill>
+                <a:latin typeface="Arial" charset="0"/>
+                <a:ea typeface="Arial" charset="0"/>
+                <a:cs typeface="Arial" charset="0"/>
                 <a:sym typeface="Cabin"/>
               </a:rPr>
               <a:t> as a parameter and returns the number of </a:t>
             </a:r>
             <a:r>
-              <a:rPr lang="en-US" sz="3400" b="0" i="1" u="none" strike="noStrike" cap="none">
+              <a:rPr lang="en-US" sz="3400" u="none" strike="noStrike" cap="none">
                 <a:solidFill>
                   <a:srgbClr val="00FFFF"/>
                 </a:solidFill>
-                <a:latin typeface="Cabin"/>
-                <a:ea typeface="Cabin"/>
-                <a:cs typeface="Cabin"/>
+                <a:latin typeface="Arial" charset="0"/>
+                <a:ea typeface="Arial" charset="0"/>
+                <a:cs typeface="Arial" charset="0"/>
                 <a:sym typeface="Cabin"/>
               </a:rPr>
               <a:t>elements</a:t>
             </a:r>
             <a:r>
-              <a:rPr lang="en-US" sz="3400" b="0" i="0" u="none" strike="noStrike" cap="none">
-                <a:solidFill>
-                  <a:schemeClr val="lt1"/>
-                </a:solidFill>
-                <a:latin typeface="Cabin"/>
-                <a:ea typeface="Cabin"/>
-                <a:cs typeface="Cabin"/>
+              <a:rPr lang="en-US" sz="3400" u="none" strike="noStrike" cap="none">
+                <a:solidFill>
+                  <a:schemeClr val="lt1"/>
+                </a:solidFill>
+                <a:latin typeface="Arial" charset="0"/>
+                <a:ea typeface="Arial" charset="0"/>
+                <a:cs typeface="Arial" charset="0"/>
                 <a:sym typeface="Cabin"/>
               </a:rPr>
               <a:t> in the </a:t>
             </a:r>
             <a:r>
-              <a:rPr lang="en-US" sz="3400" b="0" i="0" u="none" strike="noStrike" cap="none">
+              <a:rPr lang="en-US" sz="3400" u="none" strike="noStrike" cap="none">
                 <a:solidFill>
                   <a:srgbClr val="FF7F00"/>
                 </a:solidFill>
-                <a:latin typeface="Cabin"/>
-                <a:ea typeface="Cabin"/>
-                <a:cs typeface="Cabin"/>
+                <a:latin typeface="Arial" charset="0"/>
+                <a:ea typeface="Arial" charset="0"/>
+                <a:cs typeface="Arial" charset="0"/>
                 <a:sym typeface="Cabin"/>
               </a:rPr>
               <a:t>list</a:t>
@@ -38693,64 +38609,40 @@
               <a:buFont typeface="Cabin"/>
             </a:pPr>
             <a:r>
-              <a:rPr lang="en-US" sz="3400" b="0" i="0" u="none" strike="noStrike" cap="none">
-                <a:solidFill>
-                  <a:schemeClr val="lt1"/>
-                </a:solidFill>
-                <a:latin typeface="Cabin"/>
-                <a:ea typeface="Cabin"/>
-                <a:cs typeface="Cabin"/>
+              <a:rPr lang="en-US" sz="3400" u="none" strike="noStrike" cap="none">
+                <a:solidFill>
+                  <a:schemeClr val="lt1"/>
+                </a:solidFill>
+                <a:latin typeface="Arial" charset="0"/>
+                <a:ea typeface="Arial" charset="0"/>
+                <a:cs typeface="Arial" charset="0"/>
                 <a:sym typeface="Cabin"/>
               </a:rPr>
               <a:t>Actually </a:t>
             </a:r>
             <a:r>
-              <a:rPr lang="en-US" sz="3400" b="0" i="0" u="none" strike="noStrike" cap="none">
+              <a:rPr lang="en-US" sz="3400" u="none" strike="noStrike" cap="none">
                 <a:solidFill>
                   <a:srgbClr val="FF00FF"/>
                 </a:solidFill>
-                <a:latin typeface="Cabin"/>
-                <a:ea typeface="Cabin"/>
-                <a:cs typeface="Cabin"/>
+                <a:latin typeface="Arial" charset="0"/>
+                <a:ea typeface="Arial" charset="0"/>
+                <a:cs typeface="Arial" charset="0"/>
                 <a:sym typeface="Cabin"/>
               </a:rPr>
               <a:t>len()</a:t>
             </a:r>
             <a:r>
-              <a:rPr lang="en-US" sz="3400" b="0" i="0" u="none" strike="noStrike" cap="none">
-                <a:solidFill>
-                  <a:schemeClr val="lt1"/>
-                </a:solidFill>
-                <a:latin typeface="Cabin"/>
-                <a:ea typeface="Cabin"/>
-                <a:cs typeface="Cabin"/>
+              <a:rPr lang="en-US" sz="3400" u="none" strike="noStrike" cap="none">
+                <a:solidFill>
+                  <a:schemeClr val="lt1"/>
+                </a:solidFill>
+                <a:latin typeface="Arial" charset="0"/>
+                <a:ea typeface="Arial" charset="0"/>
+                <a:cs typeface="Arial" charset="0"/>
                 <a:sym typeface="Cabin"/>
               </a:rPr>
-              <a:t> tells us the number of elements of </a:t>
-            </a:r>
-            <a:r>
-              <a:rPr lang="en-US" sz="3400" b="0" i="1" u="none" strike="noStrike" cap="none">
-                <a:solidFill>
-                  <a:schemeClr val="lt1"/>
-                </a:solidFill>
-                <a:latin typeface="Cabin"/>
-                <a:ea typeface="Cabin"/>
-                <a:cs typeface="Cabin"/>
-                <a:sym typeface="Cabin"/>
-              </a:rPr>
-              <a:t>any</a:t>
-            </a:r>
-            <a:r>
-              <a:rPr lang="en-US" sz="3400" b="0" i="0" u="none" strike="noStrike" cap="none">
-                <a:solidFill>
-                  <a:schemeClr val="lt1"/>
-                </a:solidFill>
-                <a:latin typeface="Cabin"/>
-                <a:ea typeface="Cabin"/>
-                <a:cs typeface="Cabin"/>
-                <a:sym typeface="Cabin"/>
-              </a:rPr>
-              <a:t> set or sequence (such as a string...)</a:t>
+              <a:t> tells us the number of elements of any set or sequence (such as a string...)</a:t>
             </a:r>
           </a:p>
         </p:txBody>

--- a/lectures3/Pythonlearn-08-Lists.pptx
+++ b/lectures3/Pythonlearn-08-Lists.pptx
@@ -23383,7 +23383,7 @@
               <a:buNone/>
             </a:pPr>
             <a:r>
-              <a:rPr lang="en-US" sz="3600" b="1" i="0" u="none" strike="noStrike" cap="none" dirty="0">
+              <a:rPr lang="en-US" sz="3600" b="1" i="0" u="none" strike="noStrike" cap="none" dirty="0" smtClean="0">
                 <a:solidFill>
                   <a:srgbClr val="FFFF00"/>
                 </a:solidFill>
@@ -23392,22 +23392,10 @@
                 <a:cs typeface="Courier New"/>
                 <a:sym typeface="Courier New"/>
               </a:rPr>
-              <a:t>print</a:t>
-            </a:r>
-            <a:r>
-              <a:rPr lang="en-US" sz="3600" b="1" i="0" u="none" strike="noStrike" cap="none" dirty="0">
-                <a:solidFill>
-                  <a:schemeClr val="lt1"/>
-                </a:solidFill>
-                <a:latin typeface="Courier New"/>
-                <a:ea typeface="Courier New"/>
-                <a:cs typeface="Courier New"/>
-                <a:sym typeface="Courier New"/>
-              </a:rPr>
-              <a:t> </a:t>
-            </a:r>
-            <a:r>
-              <a:rPr lang="en-US" sz="3600" b="1" i="0" u="none" strike="noStrike" cap="none" dirty="0">
+              <a:t>print(</a:t>
+            </a:r>
+            <a:r>
+              <a:rPr lang="en-US" sz="3600" b="1" i="0" u="none" strike="noStrike" cap="none" dirty="0" smtClean="0">
                 <a:solidFill>
                   <a:srgbClr val="FF7F00"/>
                 </a:solidFill>
@@ -23418,6 +23406,27 @@
               </a:rPr>
               <a:t>'Blastoff!'</a:t>
             </a:r>
+            <a:r>
+              <a:rPr lang="en-US" sz="3600" b="1" i="0" u="none" strike="noStrike" cap="none" dirty="0" smtClean="0">
+                <a:solidFill>
+                  <a:srgbClr val="FFFF00"/>
+                </a:solidFill>
+                <a:latin typeface="Courier New"/>
+                <a:ea typeface="Courier New"/>
+                <a:cs typeface="Courier New"/>
+                <a:sym typeface="Courier New"/>
+              </a:rPr>
+              <a:t>)</a:t>
+            </a:r>
+            <a:endParaRPr lang="en-US" sz="3600" b="1" i="0" u="none" strike="noStrike" cap="none" dirty="0">
+              <a:solidFill>
+                <a:srgbClr val="FFFF00"/>
+              </a:solidFill>
+              <a:latin typeface="Courier New"/>
+              <a:ea typeface="Courier New"/>
+              <a:cs typeface="Courier New"/>
+              <a:sym typeface="Courier New"/>
+            </a:endParaRPr>
           </a:p>
         </p:txBody>
       </p:sp>

--- a/lectures3/Pythonlearn-08-Lists.pptx
+++ b/lectures3/Pythonlearn-08-Lists.pptx
@@ -5610,6 +5610,13 @@
   <p:clrMapOvr>
     <a:masterClrMapping/>
   </p:clrMapOvr>
+  <p:timing>
+    <p:tnLst>
+      <p:par>
+        <p:cTn id="1" dur="indefinite" restart="never" nodeType="tmRoot"/>
+      </p:par>
+    </p:tnLst>
+  </p:timing>
 </p:sld>
 </file>
 
@@ -14848,6 +14855,13 @@
   <p:clrMapOvr>
     <a:masterClrMapping/>
   </p:clrMapOvr>
+  <p:timing>
+    <p:tnLst>
+      <p:par>
+        <p:cTn id="1" dur="indefinite" restart="never" nodeType="tmRoot"/>
+      </p:par>
+    </p:tnLst>
+  </p:timing>
 </p:sld>
 </file>
 
@@ -22070,6 +22084,13 @@
   <p:clrMapOvr>
     <a:masterClrMapping/>
   </p:clrMapOvr>
+  <p:timing>
+    <p:tnLst>
+      <p:par>
+        <p:cTn id="1" dur="indefinite" restart="never" nodeType="tmRoot"/>
+      </p:par>
+    </p:tnLst>
+  </p:timing>
 </p:sld>
 </file>
 
@@ -22758,8 +22779,29 @@
                 <a:cs typeface="Courier New"/>
                 <a:sym typeface="Courier New"/>
               </a:rPr>
-              <a:t>'red', 24, 98.599999999999994]</a:t>
-            </a:r>
+              <a:t>'red', 24, </a:t>
+            </a:r>
+            <a:r>
+              <a:rPr lang="en-US" sz="2400" b="1" i="0" u="none" strike="noStrike" cap="none" dirty="0" smtClean="0">
+                <a:solidFill>
+                  <a:schemeClr val="lt1"/>
+                </a:solidFill>
+                <a:latin typeface="Courier New"/>
+                <a:ea typeface="Courier New"/>
+                <a:cs typeface="Courier New"/>
+                <a:sym typeface="Courier New"/>
+              </a:rPr>
+              <a:t>98.6]</a:t>
+            </a:r>
+            <a:endParaRPr lang="en-US" sz="2400" b="1" i="0" u="none" strike="noStrike" cap="none" dirty="0">
+              <a:solidFill>
+                <a:schemeClr val="lt1"/>
+              </a:solidFill>
+              <a:latin typeface="Courier New"/>
+              <a:ea typeface="Courier New"/>
+              <a:cs typeface="Courier New"/>
+              <a:sym typeface="Courier New"/>
+            </a:endParaRPr>
           </a:p>
           <a:p>
             <a:pPr>
@@ -23041,6 +23083,13 @@
   <p:clrMapOvr>
     <a:masterClrMapping/>
   </p:clrMapOvr>
+  <p:timing>
+    <p:tnLst>
+      <p:par>
+        <p:cTn id="1" dur="indefinite" restart="never" nodeType="tmRoot"/>
+      </p:par>
+    </p:tnLst>
+  </p:timing>
 </p:sld>
 </file>
 
@@ -23647,6 +23696,13 @@
   <p:clrMapOvr>
     <a:masterClrMapping/>
   </p:clrMapOvr>
+  <p:timing>
+    <p:tnLst>
+      <p:par>
+        <p:cTn id="1" dur="indefinite" restart="never" nodeType="tmRoot"/>
+      </p:par>
+    </p:tnLst>
+  </p:timing>
 </p:sld>
 </file>
 
@@ -24335,11 +24391,377 @@
           </a:ln>
         </p:spPr>
       </p:cxnSp>
+      <p:sp>
+        <p:nvSpPr>
+          <p:cNvPr id="8" name="Shape 204"/>
+          <p:cNvSpPr txBox="1"/>
+          <p:nvPr/>
+        </p:nvSpPr>
+        <p:spPr>
+          <a:xfrm>
+            <a:off x="1279124" y="6363128"/>
+            <a:ext cx="7280400" cy="2216099"/>
+          </a:xfrm>
+          <a:prstGeom prst="rect">
+            <a:avLst/>
+          </a:prstGeom>
+          <a:noFill/>
+          <a:ln>
+            <a:noFill/>
+          </a:ln>
+        </p:spPr>
+        <p:txBody>
+          <a:bodyPr lIns="0" tIns="0" rIns="0" bIns="0" anchor="ctr" anchorCtr="0">
+            <a:noAutofit/>
+          </a:bodyPr>
+          <a:lstStyle/>
+          <a:p>
+            <a:pPr marL="0" marR="0" lvl="0" indent="0" algn="l" rtl="0">
+              <a:lnSpc>
+                <a:spcPct val="100000"/>
+              </a:lnSpc>
+              <a:spcBef>
+                <a:spcPts val="0"/>
+              </a:spcBef>
+              <a:spcAft>
+                <a:spcPts val="0"/>
+              </a:spcAft>
+              <a:buClr>
+                <a:srgbClr val="00FF00"/>
+              </a:buClr>
+              <a:buSzPct val="25000"/>
+              <a:buFont typeface="Cabin"/>
+              <a:buNone/>
+            </a:pPr>
+            <a:r>
+              <a:rPr lang="en-US" sz="2400" b="1" i="0" u="none" strike="noStrike" cap="none" dirty="0" smtClean="0">
+                <a:solidFill>
+                  <a:srgbClr val="00FF00"/>
+                </a:solidFill>
+                <a:latin typeface="Courier New"/>
+                <a:ea typeface="Courier New"/>
+                <a:cs typeface="Courier New"/>
+                <a:sym typeface="Courier New"/>
+              </a:rPr>
+              <a:t>z </a:t>
+            </a:r>
+            <a:r>
+              <a:rPr lang="en-US" sz="2400" b="1" i="0" u="none" strike="noStrike" cap="none" dirty="0" smtClean="0">
+                <a:solidFill>
+                  <a:schemeClr val="lt1"/>
+                </a:solidFill>
+                <a:latin typeface="Courier New"/>
+                <a:ea typeface="Courier New"/>
+                <a:cs typeface="Courier New"/>
+                <a:sym typeface="Courier New"/>
+              </a:rPr>
+              <a:t>= </a:t>
+            </a:r>
+            <a:r>
+              <a:rPr lang="en-US" sz="2400" b="1" i="0" u="none" strike="noStrike" cap="none" dirty="0">
+                <a:solidFill>
+                  <a:srgbClr val="FF7F00"/>
+                </a:solidFill>
+                <a:latin typeface="Courier New"/>
+                <a:ea typeface="Courier New"/>
+                <a:cs typeface="Courier New"/>
+                <a:sym typeface="Courier New"/>
+              </a:rPr>
+              <a:t>['Joseph', 'Glenn', 'Sally']</a:t>
+            </a:r>
+          </a:p>
+          <a:p>
+            <a:pPr marL="0" marR="0" lvl="0" indent="0" algn="l" rtl="0">
+              <a:lnSpc>
+                <a:spcPct val="100000"/>
+              </a:lnSpc>
+              <a:spcBef>
+                <a:spcPts val="0"/>
+              </a:spcBef>
+              <a:spcAft>
+                <a:spcPts val="0"/>
+              </a:spcAft>
+              <a:buClr>
+                <a:srgbClr val="FFFF00"/>
+              </a:buClr>
+              <a:buSzPct val="25000"/>
+              <a:buFont typeface="Cabin"/>
+              <a:buNone/>
+            </a:pPr>
+            <a:r>
+              <a:rPr lang="en-US" sz="2400" b="1" i="0" u="none" strike="noStrike" cap="none" dirty="0">
+                <a:solidFill>
+                  <a:srgbClr val="FFFF00"/>
+                </a:solidFill>
+                <a:latin typeface="Courier New"/>
+                <a:ea typeface="Courier New"/>
+                <a:cs typeface="Courier New"/>
+                <a:sym typeface="Courier New"/>
+              </a:rPr>
+              <a:t>for</a:t>
+            </a:r>
+            <a:r>
+              <a:rPr lang="en-US" sz="2400" b="1" i="0" u="none" strike="noStrike" cap="none" dirty="0">
+                <a:solidFill>
+                  <a:schemeClr val="lt1"/>
+                </a:solidFill>
+                <a:latin typeface="Courier New"/>
+                <a:ea typeface="Courier New"/>
+                <a:cs typeface="Courier New"/>
+                <a:sym typeface="Courier New"/>
+              </a:rPr>
+              <a:t> </a:t>
+            </a:r>
+            <a:r>
+              <a:rPr lang="en-US" sz="2400" b="1" i="0" u="none" strike="noStrike" cap="none" dirty="0" smtClean="0">
+                <a:solidFill>
+                  <a:srgbClr val="00FF00"/>
+                </a:solidFill>
+                <a:latin typeface="Courier New"/>
+                <a:ea typeface="Courier New"/>
+                <a:cs typeface="Courier New"/>
+                <a:sym typeface="Courier New"/>
+              </a:rPr>
+              <a:t>x </a:t>
+            </a:r>
+            <a:r>
+              <a:rPr lang="en-US" sz="2400" b="1" i="0" u="none" strike="noStrike" cap="none" dirty="0" smtClean="0">
+                <a:solidFill>
+                  <a:srgbClr val="FFFF00"/>
+                </a:solidFill>
+                <a:latin typeface="Courier New"/>
+                <a:ea typeface="Courier New"/>
+                <a:cs typeface="Courier New"/>
+                <a:sym typeface="Courier New"/>
+              </a:rPr>
+              <a:t>in</a:t>
+            </a:r>
+            <a:r>
+              <a:rPr lang="en-US" sz="2400" b="1" i="0" u="none" strike="noStrike" cap="none" dirty="0" smtClean="0">
+                <a:solidFill>
+                  <a:schemeClr val="lt1"/>
+                </a:solidFill>
+                <a:latin typeface="Courier New"/>
+                <a:ea typeface="Courier New"/>
+                <a:cs typeface="Courier New"/>
+                <a:sym typeface="Courier New"/>
+              </a:rPr>
+              <a:t> </a:t>
+            </a:r>
+            <a:r>
+              <a:rPr lang="en-US" sz="2400" b="1" i="0" u="none" strike="noStrike" cap="none" dirty="0" smtClean="0">
+                <a:solidFill>
+                  <a:srgbClr val="00FF00"/>
+                </a:solidFill>
+                <a:latin typeface="Courier New"/>
+                <a:ea typeface="Courier New"/>
+                <a:cs typeface="Courier New"/>
+                <a:sym typeface="Courier New"/>
+              </a:rPr>
+              <a:t>z</a:t>
+            </a:r>
+            <a:r>
+              <a:rPr lang="en-US" sz="2400" b="1" i="0" u="none" strike="noStrike" cap="none" dirty="0" smtClean="0">
+                <a:solidFill>
+                  <a:schemeClr val="lt1"/>
+                </a:solidFill>
+                <a:latin typeface="Courier New"/>
+                <a:ea typeface="Courier New"/>
+                <a:cs typeface="Courier New"/>
+                <a:sym typeface="Courier New"/>
+              </a:rPr>
+              <a:t>:</a:t>
+            </a:r>
+            <a:endParaRPr lang="en-US" sz="2400" b="1" i="0" u="none" strike="noStrike" cap="none" dirty="0">
+              <a:solidFill>
+                <a:schemeClr val="lt1"/>
+              </a:solidFill>
+              <a:latin typeface="Courier New"/>
+              <a:ea typeface="Courier New"/>
+              <a:cs typeface="Courier New"/>
+              <a:sym typeface="Courier New"/>
+            </a:endParaRPr>
+          </a:p>
+          <a:p>
+            <a:pPr>
+              <a:buClr>
+                <a:schemeClr val="lt1"/>
+              </a:buClr>
+              <a:buSzPct val="25000"/>
+            </a:pPr>
+            <a:r>
+              <a:rPr lang="en-US" sz="2400" b="1" i="0" u="none" strike="noStrike" cap="none" dirty="0">
+                <a:solidFill>
+                  <a:schemeClr val="lt1"/>
+                </a:solidFill>
+                <a:latin typeface="Courier New"/>
+                <a:ea typeface="Courier New"/>
+                <a:cs typeface="Courier New"/>
+                <a:sym typeface="Courier New"/>
+              </a:rPr>
+              <a:t>    </a:t>
+            </a:r>
+            <a:r>
+              <a:rPr lang="en-US" sz="2400" b="1" i="0" u="none" strike="noStrike" cap="none" dirty="0" smtClean="0">
+                <a:solidFill>
+                  <a:srgbClr val="FFFF00"/>
+                </a:solidFill>
+                <a:latin typeface="Courier New"/>
+                <a:ea typeface="Courier New"/>
+                <a:cs typeface="Courier New"/>
+                <a:sym typeface="Courier New"/>
+              </a:rPr>
+              <a:t>print(</a:t>
+            </a:r>
+            <a:r>
+              <a:rPr lang="en-US" sz="2400" b="1" i="0" u="none" strike="noStrike" cap="none" dirty="0" smtClean="0">
+                <a:solidFill>
+                  <a:srgbClr val="FF7F00"/>
+                </a:solidFill>
+                <a:latin typeface="Courier New"/>
+                <a:ea typeface="Courier New"/>
+                <a:cs typeface="Courier New"/>
+                <a:sym typeface="Courier New"/>
+              </a:rPr>
+              <a:t>'Happy </a:t>
+            </a:r>
+            <a:r>
+              <a:rPr lang="en-US" sz="2400" b="1" i="0" u="none" strike="noStrike" cap="none" dirty="0">
+                <a:solidFill>
+                  <a:srgbClr val="FF7F00"/>
+                </a:solidFill>
+                <a:latin typeface="Courier New"/>
+                <a:ea typeface="Courier New"/>
+                <a:cs typeface="Courier New"/>
+                <a:sym typeface="Courier New"/>
+              </a:rPr>
+              <a:t>New Year:'</a:t>
+            </a:r>
+            <a:r>
+              <a:rPr lang="en-US" sz="2400" b="1" i="0" u="none" strike="noStrike" cap="none" dirty="0">
+                <a:solidFill>
+                  <a:schemeClr val="lt1"/>
+                </a:solidFill>
+                <a:latin typeface="Courier New"/>
+                <a:ea typeface="Courier New"/>
+                <a:cs typeface="Courier New"/>
+                <a:sym typeface="Courier New"/>
+              </a:rPr>
+              <a:t>,  </a:t>
+            </a:r>
+            <a:r>
+              <a:rPr lang="en-US" sz="2400" b="1" i="0" u="none" strike="noStrike" cap="none" dirty="0" smtClean="0">
+                <a:solidFill>
+                  <a:srgbClr val="00FF00"/>
+                </a:solidFill>
+                <a:latin typeface="Courier New"/>
+                <a:ea typeface="Courier New"/>
+                <a:cs typeface="Courier New"/>
+                <a:sym typeface="Courier New"/>
+              </a:rPr>
+              <a:t>x</a:t>
+            </a:r>
+            <a:r>
+              <a:rPr lang="en-US" sz="2400" b="1" dirty="0" smtClean="0">
+                <a:solidFill>
+                  <a:srgbClr val="FFFF00"/>
+                </a:solidFill>
+                <a:latin typeface="Courier New"/>
+                <a:ea typeface="Courier New"/>
+                <a:cs typeface="Courier New"/>
+                <a:sym typeface="Courier New"/>
+              </a:rPr>
+              <a:t>)</a:t>
+            </a:r>
+            <a:endParaRPr lang="en-US" sz="2400" b="1" i="0" u="none" strike="noStrike" cap="none" dirty="0">
+              <a:solidFill>
+                <a:srgbClr val="00FF00"/>
+              </a:solidFill>
+              <a:latin typeface="Courier New"/>
+              <a:ea typeface="Courier New"/>
+              <a:cs typeface="Courier New"/>
+              <a:sym typeface="Courier New"/>
+            </a:endParaRPr>
+          </a:p>
+          <a:p>
+            <a:pPr>
+              <a:buClr>
+                <a:srgbClr val="FFFF00"/>
+              </a:buClr>
+              <a:buSzPct val="25000"/>
+            </a:pPr>
+            <a:r>
+              <a:rPr lang="en-US" sz="2400" b="1" i="0" u="none" strike="noStrike" cap="none" dirty="0" smtClean="0">
+                <a:solidFill>
+                  <a:srgbClr val="FFFF00"/>
+                </a:solidFill>
+                <a:latin typeface="Courier New"/>
+                <a:ea typeface="Courier New"/>
+                <a:cs typeface="Courier New"/>
+                <a:sym typeface="Courier New"/>
+              </a:rPr>
+              <a:t>print</a:t>
+            </a:r>
+            <a:r>
+              <a:rPr lang="en-US" sz="2400" b="1" dirty="0">
+                <a:solidFill>
+                  <a:schemeClr val="lt1"/>
+                </a:solidFill>
+                <a:latin typeface="Courier New"/>
+                <a:ea typeface="Courier New"/>
+                <a:cs typeface="Courier New"/>
+                <a:sym typeface="Courier New"/>
+              </a:rPr>
+              <a:t>(</a:t>
+            </a:r>
+            <a:r>
+              <a:rPr lang="en-US" sz="2400" b="1" i="0" u="none" strike="noStrike" cap="none" dirty="0" smtClean="0">
+                <a:solidFill>
+                  <a:srgbClr val="FF7F00"/>
+                </a:solidFill>
+                <a:latin typeface="Courier New"/>
+                <a:ea typeface="Courier New"/>
+                <a:cs typeface="Courier New"/>
+                <a:sym typeface="Courier New"/>
+              </a:rPr>
+              <a:t>'Done!'</a:t>
+            </a:r>
+            <a:r>
+              <a:rPr lang="en-US" sz="2400" b="1" dirty="0" smtClean="0">
+                <a:solidFill>
+                  <a:srgbClr val="FFFF00"/>
+                </a:solidFill>
+                <a:latin typeface="Courier New"/>
+                <a:ea typeface="Courier New"/>
+                <a:cs typeface="Courier New"/>
+                <a:sym typeface="Courier New"/>
+              </a:rPr>
+              <a:t>)</a:t>
+            </a:r>
+            <a:endParaRPr lang="en-US" sz="2400" b="1" dirty="0">
+              <a:solidFill>
+                <a:srgbClr val="FFFF00"/>
+              </a:solidFill>
+              <a:latin typeface="Courier New"/>
+              <a:ea typeface="Courier New"/>
+              <a:cs typeface="Courier New"/>
+              <a:sym typeface="Courier New"/>
+            </a:endParaRPr>
+          </a:p>
+        </p:txBody>
+      </p:sp>
     </p:spTree>
   </p:cSld>
   <p:clrMapOvr>
     <a:masterClrMapping/>
   </p:clrMapOvr>
+  <p:timing>
+    <p:tnLst>
+      <p:par>
+        <p:cTn id="1" dur="indefinite" restart="never" nodeType="tmRoot"/>
+      </p:par>
+    </p:tnLst>
+  </p:timing>
 </p:sld>
 </file>
 
@@ -25153,6 +25575,13 @@
   <p:clrMapOvr>
     <a:masterClrMapping/>
   </p:clrMapOvr>
+  <p:timing>
+    <p:tnLst>
+      <p:par>
+        <p:cTn id="1" dur="indefinite" restart="never" nodeType="tmRoot"/>
+      </p:par>
+    </p:tnLst>
+  </p:timing>
 </p:sld>
 </file>
 
@@ -26408,6 +26837,13 @@
   <p:clrMapOvr>
     <a:masterClrMapping/>
   </p:clrMapOvr>
+  <p:timing>
+    <p:tnLst>
+      <p:par>
+        <p:cTn id="1" dur="indefinite" restart="never" nodeType="tmRoot"/>
+      </p:par>
+    </p:tnLst>
+  </p:timing>
 </p:sld>
 </file>
 

--- a/lectures3/Pythonlearn-08-Lists.pptx
+++ b/lectures3/Pythonlearn-08-Lists.pptx
@@ -6435,6 +6435,13 @@
   <p:clrMapOvr>
     <a:masterClrMapping/>
   </p:clrMapOvr>
+  <p:timing>
+    <p:tnLst>
+      <p:par>
+        <p:cTn id="1" dur="indefinite" restart="never" nodeType="tmRoot"/>
+      </p:par>
+    </p:tnLst>
+  </p:timing>
 </p:sld>
 </file>
 
@@ -7698,6 +7705,13 @@
   <p:clrMapOvr>
     <a:masterClrMapping/>
   </p:clrMapOvr>
+  <p:timing>
+    <p:tnLst>
+      <p:par>
+        <p:cTn id="1" dur="indefinite" restart="never" nodeType="tmRoot"/>
+      </p:par>
+    </p:tnLst>
+  </p:timing>
 </p:sld>
 </file>
 
@@ -8328,6 +8342,13 @@
   <p:clrMapOvr>
     <a:masterClrMapping/>
   </p:clrMapOvr>
+  <p:timing>
+    <p:tnLst>
+      <p:par>
+        <p:cTn id="1" dur="indefinite" restart="never" nodeType="tmRoot"/>
+      </p:par>
+    </p:tnLst>
+  </p:timing>
 </p:sld>
 </file>
 
@@ -9108,6 +9129,13 @@
   <p:clrMapOvr>
     <a:masterClrMapping/>
   </p:clrMapOvr>
+  <p:timing>
+    <p:tnLst>
+      <p:par>
+        <p:cTn id="1" dur="indefinite" restart="never" nodeType="tmRoot"/>
+      </p:par>
+    </p:tnLst>
+  </p:timing>
 </p:sld>
 </file>
 
@@ -9616,6 +9644,13 @@
   <p:clrMapOvr>
     <a:masterClrMapping/>
   </p:clrMapOvr>
+  <p:timing>
+    <p:tnLst>
+      <p:par>
+        <p:cTn id="1" dur="indefinite" restart="never" nodeType="tmRoot"/>
+      </p:par>
+    </p:tnLst>
+  </p:timing>
 </p:sld>
 </file>
 
@@ -10450,6 +10485,13 @@
   <p:clrMapOvr>
     <a:masterClrMapping/>
   </p:clrMapOvr>
+  <p:timing>
+    <p:tnLst>
+      <p:par>
+        <p:cTn id="1" dur="indefinite" restart="never" nodeType="tmRoot"/>
+      </p:par>
+    </p:tnLst>
+  </p:timing>
 </p:sld>
 </file>
 
@@ -11193,6 +11235,13 @@
   <p:clrMapOvr>
     <a:masterClrMapping/>
   </p:clrMapOvr>
+  <p:timing>
+    <p:tnLst>
+      <p:par>
+        <p:cTn id="1" dur="indefinite" restart="never" nodeType="tmRoot"/>
+      </p:par>
+    </p:tnLst>
+  </p:timing>
 </p:sld>
 </file>
 
@@ -11996,6 +12045,13 @@
   <p:clrMapOvr>
     <a:masterClrMapping/>
   </p:clrMapOvr>
+  <p:timing>
+    <p:tnLst>
+      <p:par>
+        <p:cTn id="1" dur="indefinite" restart="never" nodeType="tmRoot"/>
+      </p:par>
+    </p:tnLst>
+  </p:timing>
 </p:sld>
 </file>
 
@@ -13052,17 +13108,26 @@
               <a:buNone/>
             </a:pPr>
             <a:r>
-              <a:rPr lang="en-US" sz="3000" b="1" i="0" u="none" strike="noStrike" cap="none" dirty="0">
-                <a:solidFill>
-                  <a:schemeClr val="lt1"/>
-                </a:solidFill>
-                <a:latin typeface="Courier New"/>
-                <a:ea typeface="Courier New"/>
-                <a:cs typeface="Courier New"/>
-                <a:sym typeface="Courier New"/>
-              </a:rPr>
-              <a:t>25</a:t>
-            </a:r>
+              <a:rPr lang="en-US" sz="3000" b="1" i="0" u="none" strike="noStrike" cap="none" smtClean="0">
+                <a:solidFill>
+                  <a:schemeClr val="lt1"/>
+                </a:solidFill>
+                <a:latin typeface="Courier New"/>
+                <a:ea typeface="Courier New"/>
+                <a:cs typeface="Courier New"/>
+                <a:sym typeface="Courier New"/>
+              </a:rPr>
+              <a:t>25.6</a:t>
+            </a:r>
+            <a:endParaRPr lang="en-US" sz="3000" b="1" i="0" u="none" strike="noStrike" cap="none" dirty="0">
+              <a:solidFill>
+                <a:schemeClr val="lt1"/>
+              </a:solidFill>
+              <a:latin typeface="Courier New"/>
+              <a:ea typeface="Courier New"/>
+              <a:cs typeface="Courier New"/>
+              <a:sym typeface="Courier New"/>
+            </a:endParaRPr>
           </a:p>
         </p:txBody>
       </p:sp>
@@ -13071,6 +13136,13 @@
   <p:clrMapOvr>
     <a:masterClrMapping/>
   </p:clrMapOvr>
+  <p:timing>
+    <p:tnLst>
+      <p:par>
+        <p:cTn id="1" dur="indefinite" restart="never" nodeType="tmRoot"/>
+      </p:par>
+    </p:tnLst>
+  </p:timing>
 </p:sld>
 </file>
 
@@ -14359,6 +14431,13 @@
   <p:clrMapOvr>
     <a:masterClrMapping/>
   </p:clrMapOvr>
+  <p:timing>
+    <p:tnLst>
+      <p:par>
+        <p:cTn id="1" dur="indefinite" restart="never" nodeType="tmRoot"/>
+      </p:par>
+    </p:tnLst>
+  </p:timing>
 </p:sld>
 </file>
 
@@ -27639,6 +27718,13 @@
   <p:clrMapOvr>
     <a:masterClrMapping/>
   </p:clrMapOvr>
+  <p:timing>
+    <p:tnLst>
+      <p:par>
+        <p:cTn id="1" dur="indefinite" restart="never" nodeType="tmRoot"/>
+      </p:par>
+    </p:tnLst>
+  </p:timing>
 </p:sld>
 </file>
 

--- a/lectures3/Pythonlearn-08-Lists.pptx
+++ b/lectures3/Pythonlearn-08-Lists.pptx
@@ -5,37 +5,38 @@
     <p:sldMasterId id="2147483692" r:id="rId1"/>
   </p:sldMasterIdLst>
   <p:notesMasterIdLst>
-    <p:notesMasterId r:id="rId30"/>
+    <p:notesMasterId r:id="rId31"/>
   </p:notesMasterIdLst>
   <p:sldIdLst>
     <p:sldId id="256" r:id="rId2"/>
-    <p:sldId id="257" r:id="rId3"/>
+    <p:sldId id="286" r:id="rId3"/>
     <p:sldId id="258" r:id="rId4"/>
-    <p:sldId id="259" r:id="rId5"/>
-    <p:sldId id="260" r:id="rId6"/>
-    <p:sldId id="261" r:id="rId7"/>
-    <p:sldId id="262" r:id="rId8"/>
-    <p:sldId id="263" r:id="rId9"/>
-    <p:sldId id="264" r:id="rId10"/>
-    <p:sldId id="265" r:id="rId11"/>
-    <p:sldId id="266" r:id="rId12"/>
-    <p:sldId id="267" r:id="rId13"/>
-    <p:sldId id="268" r:id="rId14"/>
-    <p:sldId id="269" r:id="rId15"/>
-    <p:sldId id="270" r:id="rId16"/>
-    <p:sldId id="271" r:id="rId17"/>
-    <p:sldId id="272" r:id="rId18"/>
-    <p:sldId id="273" r:id="rId19"/>
-    <p:sldId id="274" r:id="rId20"/>
-    <p:sldId id="275" r:id="rId21"/>
-    <p:sldId id="276" r:id="rId22"/>
-    <p:sldId id="277" r:id="rId23"/>
-    <p:sldId id="278" r:id="rId24"/>
-    <p:sldId id="279" r:id="rId25"/>
-    <p:sldId id="280" r:id="rId26"/>
-    <p:sldId id="281" r:id="rId27"/>
-    <p:sldId id="282" r:id="rId28"/>
-    <p:sldId id="283" r:id="rId29"/>
+    <p:sldId id="257" r:id="rId5"/>
+    <p:sldId id="259" r:id="rId6"/>
+    <p:sldId id="260" r:id="rId7"/>
+    <p:sldId id="261" r:id="rId8"/>
+    <p:sldId id="262" r:id="rId9"/>
+    <p:sldId id="263" r:id="rId10"/>
+    <p:sldId id="264" r:id="rId11"/>
+    <p:sldId id="265" r:id="rId12"/>
+    <p:sldId id="266" r:id="rId13"/>
+    <p:sldId id="267" r:id="rId14"/>
+    <p:sldId id="268" r:id="rId15"/>
+    <p:sldId id="269" r:id="rId16"/>
+    <p:sldId id="270" r:id="rId17"/>
+    <p:sldId id="271" r:id="rId18"/>
+    <p:sldId id="272" r:id="rId19"/>
+    <p:sldId id="273" r:id="rId20"/>
+    <p:sldId id="274" r:id="rId21"/>
+    <p:sldId id="275" r:id="rId22"/>
+    <p:sldId id="276" r:id="rId23"/>
+    <p:sldId id="277" r:id="rId24"/>
+    <p:sldId id="278" r:id="rId25"/>
+    <p:sldId id="279" r:id="rId26"/>
+    <p:sldId id="280" r:id="rId27"/>
+    <p:sldId id="281" r:id="rId28"/>
+    <p:sldId id="282" r:id="rId29"/>
+    <p:sldId id="283" r:id="rId30"/>
   </p:sldIdLst>
   <p:sldSz cx="16256000" cy="9144000"/>
   <p:notesSz cx="6858000" cy="9144000"/>
@@ -633,6 +634,116 @@
   <p:cSld>
     <p:spTree>
       <p:nvGrpSpPr>
+        <p:cNvPr id="1" name="Shape 230"/>
+        <p:cNvGrpSpPr/>
+        <p:nvPr/>
+      </p:nvGrpSpPr>
+      <p:grpSpPr>
+        <a:xfrm>
+          <a:off x="0" y="0"/>
+          <a:ext cx="0" cy="0"/>
+          <a:chOff x="0" y="0"/>
+          <a:chExt cx="0" cy="0"/>
+        </a:xfrm>
+      </p:grpSpPr>
+      <p:sp>
+        <p:nvSpPr>
+          <p:cNvPr id="231" name="Shape 231"/>
+          <p:cNvSpPr txBox="1">
+            <a:spLocks noGrp="1"/>
+          </p:cNvSpPr>
+          <p:nvPr>
+            <p:ph type="body" idx="1"/>
+          </p:nvPr>
+        </p:nvSpPr>
+        <p:spPr>
+          <a:xfrm>
+            <a:off x="685800" y="4343400"/>
+            <a:ext cx="5486399" cy="4114800"/>
+          </a:xfrm>
+          <a:prstGeom prst="rect">
+            <a:avLst/>
+          </a:prstGeom>
+          <a:noFill/>
+          <a:ln>
+            <a:noFill/>
+          </a:ln>
+        </p:spPr>
+        <p:txBody>
+          <a:bodyPr lIns="91425" tIns="91425" rIns="91425" bIns="91425" anchor="ctr" anchorCtr="0">
+            <a:noAutofit/>
+          </a:bodyPr>
+          <a:lstStyle/>
+          <a:p>
+            <a:pPr lvl="0">
+              <a:spcBef>
+                <a:spcPts val="0"/>
+              </a:spcBef>
+              <a:buNone/>
+            </a:pPr>
+            <a:endParaRPr/>
+          </a:p>
+        </p:txBody>
+      </p:sp>
+      <p:sp>
+        <p:nvSpPr>
+          <p:cNvPr id="232" name="Shape 232"/>
+          <p:cNvSpPr>
+            <a:spLocks noGrp="1" noRot="1" noChangeAspect="1"/>
+          </p:cNvSpPr>
+          <p:nvPr>
+            <p:ph type="sldImg" idx="2"/>
+          </p:nvPr>
+        </p:nvSpPr>
+        <p:spPr>
+          <a:xfrm>
+            <a:off x="381000" y="685800"/>
+            <a:ext cx="6096000" cy="3429000"/>
+          </a:xfrm>
+          <a:custGeom>
+            <a:avLst/>
+            <a:gdLst/>
+            <a:ahLst/>
+            <a:cxnLst/>
+            <a:rect l="0" t="0" r="0" b="0"/>
+            <a:pathLst>
+              <a:path w="120000" h="120000" extrusionOk="0">
+                <a:moveTo>
+                  <a:pt x="0" y="0"/>
+                </a:moveTo>
+                <a:lnTo>
+                  <a:pt x="120000" y="0"/>
+                </a:lnTo>
+                <a:lnTo>
+                  <a:pt x="120000" y="120000"/>
+                </a:lnTo>
+                <a:lnTo>
+                  <a:pt x="0" y="120000"/>
+                </a:lnTo>
+                <a:close/>
+              </a:path>
+            </a:pathLst>
+          </a:custGeom>
+        </p:spPr>
+      </p:sp>
+    </p:spTree>
+    <p:extLst>
+      <p:ext uri="{BB962C8B-B14F-4D97-AF65-F5344CB8AC3E}">
+        <p14:creationId xmlns:p14="http://schemas.microsoft.com/office/powerpoint/2010/main" val="1043324510"/>
+      </p:ext>
+    </p:extLst>
+  </p:cSld>
+  <p:clrMapOvr>
+    <a:masterClrMapping/>
+  </p:clrMapOvr>
+</p:notes>
+</file>
+
+<file path=ppt/notesSlides/notesSlide11.xml><?xml version="1.0" encoding="utf-8"?>
+<p:notes xmlns:a="http://schemas.openxmlformats.org/drawingml/2006/main" xmlns:r="http://schemas.openxmlformats.org/officeDocument/2006/relationships" xmlns:p="http://schemas.openxmlformats.org/presentationml/2006/main" showMasterSp="0" showMasterPhAnim="0">
+  <p:cSld>
+    <p:spTree>
+      <p:nvGrpSpPr>
         <p:cNvPr id="1" name="Shape 237"/>
         <p:cNvGrpSpPr/>
         <p:nvPr/>
@@ -738,7 +849,7 @@
 </p:notes>
 </file>
 
-<file path=ppt/notesSlides/notesSlide11.xml><?xml version="1.0" encoding="utf-8"?>
+<file path=ppt/notesSlides/notesSlide12.xml><?xml version="1.0" encoding="utf-8"?>
 <p:notes xmlns:a="http://schemas.openxmlformats.org/drawingml/2006/main" xmlns:r="http://schemas.openxmlformats.org/officeDocument/2006/relationships" xmlns:p="http://schemas.openxmlformats.org/presentationml/2006/main" showMasterSp="0" showMasterPhAnim="0">
   <p:cSld>
     <p:spTree>
@@ -848,7 +959,7 @@
 </p:notes>
 </file>
 
-<file path=ppt/notesSlides/notesSlide12.xml><?xml version="1.0" encoding="utf-8"?>
+<file path=ppt/notesSlides/notesSlide13.xml><?xml version="1.0" encoding="utf-8"?>
 <p:notes xmlns:a="http://schemas.openxmlformats.org/drawingml/2006/main" xmlns:r="http://schemas.openxmlformats.org/officeDocument/2006/relationships" xmlns:p="http://schemas.openxmlformats.org/presentationml/2006/main" showMasterSp="0" showMasterPhAnim="0">
   <p:cSld>
     <p:spTree>
@@ -958,7 +1069,7 @@
 </p:notes>
 </file>
 
-<file path=ppt/notesSlides/notesSlide13.xml><?xml version="1.0" encoding="utf-8"?>
+<file path=ppt/notesSlides/notesSlide14.xml><?xml version="1.0" encoding="utf-8"?>
 <p:notes xmlns:a="http://schemas.openxmlformats.org/drawingml/2006/main" xmlns:r="http://schemas.openxmlformats.org/officeDocument/2006/relationships" xmlns:p="http://schemas.openxmlformats.org/presentationml/2006/main" showMasterSp="0" showMasterPhAnim="0">
   <p:cSld>
     <p:spTree>
@@ -1068,7 +1179,7 @@
 </p:notes>
 </file>
 
-<file path=ppt/notesSlides/notesSlide14.xml><?xml version="1.0" encoding="utf-8"?>
+<file path=ppt/notesSlides/notesSlide15.xml><?xml version="1.0" encoding="utf-8"?>
 <p:notes xmlns:a="http://schemas.openxmlformats.org/drawingml/2006/main" xmlns:r="http://schemas.openxmlformats.org/officeDocument/2006/relationships" xmlns:p="http://schemas.openxmlformats.org/presentationml/2006/main" showMasterSp="0" showMasterPhAnim="0">
   <p:cSld>
     <p:spTree>
@@ -1178,7 +1289,7 @@
 </p:notes>
 </file>
 
-<file path=ppt/notesSlides/notesSlide15.xml><?xml version="1.0" encoding="utf-8"?>
+<file path=ppt/notesSlides/notesSlide16.xml><?xml version="1.0" encoding="utf-8"?>
 <p:notes xmlns:a="http://schemas.openxmlformats.org/drawingml/2006/main" xmlns:r="http://schemas.openxmlformats.org/officeDocument/2006/relationships" xmlns:p="http://schemas.openxmlformats.org/presentationml/2006/main" showMasterSp="0" showMasterPhAnim="0">
   <p:cSld>
     <p:spTree>
@@ -1288,7 +1399,7 @@
 </p:notes>
 </file>
 
-<file path=ppt/notesSlides/notesSlide16.xml><?xml version="1.0" encoding="utf-8"?>
+<file path=ppt/notesSlides/notesSlide17.xml><?xml version="1.0" encoding="utf-8"?>
 <p:notes xmlns:a="http://schemas.openxmlformats.org/drawingml/2006/main" xmlns:r="http://schemas.openxmlformats.org/officeDocument/2006/relationships" xmlns:p="http://schemas.openxmlformats.org/presentationml/2006/main" showMasterSp="0" showMasterPhAnim="0">
   <p:cSld>
     <p:spTree>
@@ -1398,7 +1509,7 @@
 </p:notes>
 </file>
 
-<file path=ppt/notesSlides/notesSlide17.xml><?xml version="1.0" encoding="utf-8"?>
+<file path=ppt/notesSlides/notesSlide18.xml><?xml version="1.0" encoding="utf-8"?>
 <p:notes xmlns:a="http://schemas.openxmlformats.org/drawingml/2006/main" xmlns:r="http://schemas.openxmlformats.org/officeDocument/2006/relationships" xmlns:p="http://schemas.openxmlformats.org/presentationml/2006/main" showMasterSp="0" showMasterPhAnim="0">
   <p:cSld>
     <p:spTree>
@@ -1508,7 +1619,7 @@
 </p:notes>
 </file>
 
-<file path=ppt/notesSlides/notesSlide18.xml><?xml version="1.0" encoding="utf-8"?>
+<file path=ppt/notesSlides/notesSlide19.xml><?xml version="1.0" encoding="utf-8"?>
 <p:notes xmlns:a="http://schemas.openxmlformats.org/drawingml/2006/main" xmlns:r="http://schemas.openxmlformats.org/officeDocument/2006/relationships" xmlns:p="http://schemas.openxmlformats.org/presentationml/2006/main" showMasterSp="0" showMasterPhAnim="0">
   <p:cSld>
     <p:spTree>
@@ -1618,7 +1729,117 @@
 </p:notes>
 </file>
 
-<file path=ppt/notesSlides/notesSlide19.xml><?xml version="1.0" encoding="utf-8"?>
+<file path=ppt/notesSlides/notesSlide2.xml><?xml version="1.0" encoding="utf-8"?>
+<p:notes xmlns:a="http://schemas.openxmlformats.org/drawingml/2006/main" xmlns:r="http://schemas.openxmlformats.org/officeDocument/2006/relationships" xmlns:p="http://schemas.openxmlformats.org/presentationml/2006/main" showMasterSp="0" showMasterPhAnim="0">
+  <p:cSld>
+    <p:spTree>
+      <p:nvGrpSpPr>
+        <p:cNvPr id="1" name="Shape 185"/>
+        <p:cNvGrpSpPr/>
+        <p:nvPr/>
+      </p:nvGrpSpPr>
+      <p:grpSpPr>
+        <a:xfrm>
+          <a:off x="0" y="0"/>
+          <a:ext cx="0" cy="0"/>
+          <a:chOff x="0" y="0"/>
+          <a:chExt cx="0" cy="0"/>
+        </a:xfrm>
+      </p:grpSpPr>
+      <p:sp>
+        <p:nvSpPr>
+          <p:cNvPr id="186" name="Shape 186"/>
+          <p:cNvSpPr txBox="1">
+            <a:spLocks noGrp="1"/>
+          </p:cNvSpPr>
+          <p:nvPr>
+            <p:ph type="body" idx="1"/>
+          </p:nvPr>
+        </p:nvSpPr>
+        <p:spPr>
+          <a:xfrm>
+            <a:off x="685800" y="4343400"/>
+            <a:ext cx="5486399" cy="4114800"/>
+          </a:xfrm>
+          <a:prstGeom prst="rect">
+            <a:avLst/>
+          </a:prstGeom>
+          <a:noFill/>
+          <a:ln>
+            <a:noFill/>
+          </a:ln>
+        </p:spPr>
+        <p:txBody>
+          <a:bodyPr lIns="91425" tIns="91425" rIns="91425" bIns="91425" anchor="ctr" anchorCtr="0">
+            <a:noAutofit/>
+          </a:bodyPr>
+          <a:lstStyle/>
+          <a:p>
+            <a:pPr lvl="0">
+              <a:spcBef>
+                <a:spcPts val="0"/>
+              </a:spcBef>
+              <a:buNone/>
+            </a:pPr>
+            <a:endParaRPr/>
+          </a:p>
+        </p:txBody>
+      </p:sp>
+      <p:sp>
+        <p:nvSpPr>
+          <p:cNvPr id="187" name="Shape 187"/>
+          <p:cNvSpPr>
+            <a:spLocks noGrp="1" noRot="1" noChangeAspect="1"/>
+          </p:cNvSpPr>
+          <p:nvPr>
+            <p:ph type="sldImg" idx="2"/>
+          </p:nvPr>
+        </p:nvSpPr>
+        <p:spPr>
+          <a:xfrm>
+            <a:off x="381000" y="685800"/>
+            <a:ext cx="6096000" cy="3429000"/>
+          </a:xfrm>
+          <a:custGeom>
+            <a:avLst/>
+            <a:gdLst/>
+            <a:ahLst/>
+            <a:cxnLst/>
+            <a:rect l="0" t="0" r="0" b="0"/>
+            <a:pathLst>
+              <a:path w="120000" h="120000" extrusionOk="0">
+                <a:moveTo>
+                  <a:pt x="0" y="0"/>
+                </a:moveTo>
+                <a:lnTo>
+                  <a:pt x="120000" y="0"/>
+                </a:lnTo>
+                <a:lnTo>
+                  <a:pt x="120000" y="120000"/>
+                </a:lnTo>
+                <a:lnTo>
+                  <a:pt x="0" y="120000"/>
+                </a:lnTo>
+                <a:close/>
+              </a:path>
+            </a:pathLst>
+          </a:custGeom>
+        </p:spPr>
+      </p:sp>
+    </p:spTree>
+    <p:extLst>
+      <p:ext uri="{BB962C8B-B14F-4D97-AF65-F5344CB8AC3E}">
+        <p14:creationId xmlns:p14="http://schemas.microsoft.com/office/powerpoint/2010/main" val="1580885136"/>
+      </p:ext>
+    </p:extLst>
+  </p:cSld>
+  <p:clrMapOvr>
+    <a:masterClrMapping/>
+  </p:clrMapOvr>
+</p:notes>
+</file>
+
+<file path=ppt/notesSlides/notesSlide20.xml><?xml version="1.0" encoding="utf-8"?>
 <p:notes xmlns:a="http://schemas.openxmlformats.org/drawingml/2006/main" xmlns:r="http://schemas.openxmlformats.org/officeDocument/2006/relationships" xmlns:p="http://schemas.openxmlformats.org/presentationml/2006/main" showMasterSp="0" showMasterPhAnim="0">
   <p:cSld>
     <p:spTree>
@@ -1728,117 +1949,7 @@
 </p:notes>
 </file>
 
-<file path=ppt/notesSlides/notesSlide2.xml><?xml version="1.0" encoding="utf-8"?>
-<p:notes xmlns:a="http://schemas.openxmlformats.org/drawingml/2006/main" xmlns:r="http://schemas.openxmlformats.org/officeDocument/2006/relationships" xmlns:p="http://schemas.openxmlformats.org/presentationml/2006/main" showMasterSp="0" showMasterPhAnim="0">
-  <p:cSld>
-    <p:spTree>
-      <p:nvGrpSpPr>
-        <p:cNvPr id="1" name="Shape 170"/>
-        <p:cNvGrpSpPr/>
-        <p:nvPr/>
-      </p:nvGrpSpPr>
-      <p:grpSpPr>
-        <a:xfrm>
-          <a:off x="0" y="0"/>
-          <a:ext cx="0" cy="0"/>
-          <a:chOff x="0" y="0"/>
-          <a:chExt cx="0" cy="0"/>
-        </a:xfrm>
-      </p:grpSpPr>
-      <p:sp>
-        <p:nvSpPr>
-          <p:cNvPr id="171" name="Shape 171"/>
-          <p:cNvSpPr txBox="1">
-            <a:spLocks noGrp="1"/>
-          </p:cNvSpPr>
-          <p:nvPr>
-            <p:ph type="body" idx="1"/>
-          </p:nvPr>
-        </p:nvSpPr>
-        <p:spPr>
-          <a:xfrm>
-            <a:off x="685800" y="4343400"/>
-            <a:ext cx="5486399" cy="4114800"/>
-          </a:xfrm>
-          <a:prstGeom prst="rect">
-            <a:avLst/>
-          </a:prstGeom>
-          <a:noFill/>
-          <a:ln>
-            <a:noFill/>
-          </a:ln>
-        </p:spPr>
-        <p:txBody>
-          <a:bodyPr lIns="91425" tIns="91425" rIns="91425" bIns="91425" anchor="ctr" anchorCtr="0">
-            <a:noAutofit/>
-          </a:bodyPr>
-          <a:lstStyle/>
-          <a:p>
-            <a:pPr lvl="0">
-              <a:spcBef>
-                <a:spcPts val="0"/>
-              </a:spcBef>
-              <a:buNone/>
-            </a:pPr>
-            <a:endParaRPr/>
-          </a:p>
-        </p:txBody>
-      </p:sp>
-      <p:sp>
-        <p:nvSpPr>
-          <p:cNvPr id="172" name="Shape 172"/>
-          <p:cNvSpPr>
-            <a:spLocks noGrp="1" noRot="1" noChangeAspect="1"/>
-          </p:cNvSpPr>
-          <p:nvPr>
-            <p:ph type="sldImg" idx="2"/>
-          </p:nvPr>
-        </p:nvSpPr>
-        <p:spPr>
-          <a:xfrm>
-            <a:off x="381000" y="685800"/>
-            <a:ext cx="6096000" cy="3429000"/>
-          </a:xfrm>
-          <a:custGeom>
-            <a:avLst/>
-            <a:gdLst/>
-            <a:ahLst/>
-            <a:cxnLst/>
-            <a:rect l="0" t="0" r="0" b="0"/>
-            <a:pathLst>
-              <a:path w="120000" h="120000" extrusionOk="0">
-                <a:moveTo>
-                  <a:pt x="0" y="0"/>
-                </a:moveTo>
-                <a:lnTo>
-                  <a:pt x="120000" y="0"/>
-                </a:lnTo>
-                <a:lnTo>
-                  <a:pt x="120000" y="120000"/>
-                </a:lnTo>
-                <a:lnTo>
-                  <a:pt x="0" y="120000"/>
-                </a:lnTo>
-                <a:close/>
-              </a:path>
-            </a:pathLst>
-          </a:custGeom>
-        </p:spPr>
-      </p:sp>
-    </p:spTree>
-    <p:extLst>
-      <p:ext uri="{BB962C8B-B14F-4D97-AF65-F5344CB8AC3E}">
-        <p14:creationId xmlns:p14="http://schemas.microsoft.com/office/powerpoint/2010/main" val="1626837769"/>
-      </p:ext>
-    </p:extLst>
-  </p:cSld>
-  <p:clrMapOvr>
-    <a:masterClrMapping/>
-  </p:clrMapOvr>
-</p:notes>
-</file>
-
-<file path=ppt/notesSlides/notesSlide20.xml><?xml version="1.0" encoding="utf-8"?>
+<file path=ppt/notesSlides/notesSlide21.xml><?xml version="1.0" encoding="utf-8"?>
 <p:notes xmlns:a="http://schemas.openxmlformats.org/drawingml/2006/main" xmlns:r="http://schemas.openxmlformats.org/officeDocument/2006/relationships" xmlns:p="http://schemas.openxmlformats.org/presentationml/2006/main" showMasterSp="0" showMasterPhAnim="0">
   <p:cSld>
     <p:spTree>
@@ -1948,7 +2059,7 @@
 </p:notes>
 </file>
 
-<file path=ppt/notesSlides/notesSlide21.xml><?xml version="1.0" encoding="utf-8"?>
+<file path=ppt/notesSlides/notesSlide22.xml><?xml version="1.0" encoding="utf-8"?>
 <p:notes xmlns:a="http://schemas.openxmlformats.org/drawingml/2006/main" xmlns:r="http://schemas.openxmlformats.org/officeDocument/2006/relationships" xmlns:p="http://schemas.openxmlformats.org/presentationml/2006/main" showMasterSp="0" showMasterPhAnim="0">
   <p:cSld>
     <p:spTree>
@@ -2058,7 +2169,7 @@
 </p:notes>
 </file>
 
-<file path=ppt/notesSlides/notesSlide22.xml><?xml version="1.0" encoding="utf-8"?>
+<file path=ppt/notesSlides/notesSlide23.xml><?xml version="1.0" encoding="utf-8"?>
 <p:notes xmlns:a="http://schemas.openxmlformats.org/drawingml/2006/main" xmlns:r="http://schemas.openxmlformats.org/officeDocument/2006/relationships" xmlns:p="http://schemas.openxmlformats.org/presentationml/2006/main" showMasterSp="0" showMasterPhAnim="0">
   <p:cSld>
     <p:spTree>
@@ -2168,7 +2279,7 @@
 </p:notes>
 </file>
 
-<file path=ppt/notesSlides/notesSlide23.xml><?xml version="1.0" encoding="utf-8"?>
+<file path=ppt/notesSlides/notesSlide24.xml><?xml version="1.0" encoding="utf-8"?>
 <p:notes xmlns:a="http://schemas.openxmlformats.org/drawingml/2006/main" xmlns:r="http://schemas.openxmlformats.org/officeDocument/2006/relationships" xmlns:p="http://schemas.openxmlformats.org/presentationml/2006/main" showMasterSp="0" showMasterPhAnim="0">
   <p:cSld>
     <p:spTree>
@@ -2274,7 +2385,7 @@
 </p:notes>
 </file>
 
-<file path=ppt/notesSlides/notesSlide24.xml><?xml version="1.0" encoding="utf-8"?>
+<file path=ppt/notesSlides/notesSlide25.xml><?xml version="1.0" encoding="utf-8"?>
 <p:notes xmlns:a="http://schemas.openxmlformats.org/drawingml/2006/main" xmlns:r="http://schemas.openxmlformats.org/officeDocument/2006/relationships" xmlns:p="http://schemas.openxmlformats.org/presentationml/2006/main" showMasterSp="0" showMasterPhAnim="0">
   <p:cSld>
     <p:spTree>
@@ -2384,7 +2495,7 @@
 </p:notes>
 </file>
 
-<file path=ppt/notesSlides/notesSlide25.xml><?xml version="1.0" encoding="utf-8"?>
+<file path=ppt/notesSlides/notesSlide26.xml><?xml version="1.0" encoding="utf-8"?>
 <p:notes xmlns:a="http://schemas.openxmlformats.org/drawingml/2006/main" xmlns:r="http://schemas.openxmlformats.org/officeDocument/2006/relationships" xmlns:p="http://schemas.openxmlformats.org/presentationml/2006/main" showMasterSp="0" showMasterPhAnim="0">
   <p:cSld>
     <p:spTree>
@@ -2494,7 +2605,7 @@
 </p:notes>
 </file>
 
-<file path=ppt/notesSlides/notesSlide26.xml><?xml version="1.0" encoding="utf-8"?>
+<file path=ppt/notesSlides/notesSlide27.xml><?xml version="1.0" encoding="utf-8"?>
 <p:notes xmlns:a="http://schemas.openxmlformats.org/drawingml/2006/main" xmlns:r="http://schemas.openxmlformats.org/officeDocument/2006/relationships" xmlns:p="http://schemas.openxmlformats.org/presentationml/2006/main" showMasterSp="0" showMasterPhAnim="0">
   <p:cSld>
     <p:spTree>
@@ -2604,7 +2715,7 @@
 </p:notes>
 </file>
 
-<file path=ppt/notesSlides/notesSlide27.xml><?xml version="1.0" encoding="utf-8"?>
+<file path=ppt/notesSlides/notesSlide28.xml><?xml version="1.0" encoding="utf-8"?>
 <p:notes xmlns:a="http://schemas.openxmlformats.org/drawingml/2006/main" xmlns:r="http://schemas.openxmlformats.org/officeDocument/2006/relationships" xmlns:p="http://schemas.openxmlformats.org/presentationml/2006/main" showMasterSp="0" showMasterPhAnim="0">
   <p:cSld>
     <p:spTree>
@@ -2714,7 +2825,7 @@
 </p:notes>
 </file>
 
-<file path=ppt/notesSlides/notesSlide28.xml><?xml version="1.0" encoding="utf-8"?>
+<file path=ppt/notesSlides/notesSlide29.xml><?xml version="1.0" encoding="utf-8"?>
 <p:notes xmlns:a="http://schemas.openxmlformats.org/drawingml/2006/main" xmlns:r="http://schemas.openxmlformats.org/officeDocument/2006/relationships" xmlns:p="http://schemas.openxmlformats.org/presentationml/2006/main" showMasterSp="0" showMasterPhAnim="0">
   <p:cSld>
     <p:spTree>
@@ -2935,6 +3046,116 @@
   <p:cSld>
     <p:spTree>
       <p:nvGrpSpPr>
+        <p:cNvPr id="1" name="Shape 170"/>
+        <p:cNvGrpSpPr/>
+        <p:nvPr/>
+      </p:nvGrpSpPr>
+      <p:grpSpPr>
+        <a:xfrm>
+          <a:off x="0" y="0"/>
+          <a:ext cx="0" cy="0"/>
+          <a:chOff x="0" y="0"/>
+          <a:chExt cx="0" cy="0"/>
+        </a:xfrm>
+      </p:grpSpPr>
+      <p:sp>
+        <p:nvSpPr>
+          <p:cNvPr id="171" name="Shape 171"/>
+          <p:cNvSpPr txBox="1">
+            <a:spLocks noGrp="1"/>
+          </p:cNvSpPr>
+          <p:nvPr>
+            <p:ph type="body" idx="1"/>
+          </p:nvPr>
+        </p:nvSpPr>
+        <p:spPr>
+          <a:xfrm>
+            <a:off x="685800" y="4343400"/>
+            <a:ext cx="5486399" cy="4114800"/>
+          </a:xfrm>
+          <a:prstGeom prst="rect">
+            <a:avLst/>
+          </a:prstGeom>
+          <a:noFill/>
+          <a:ln>
+            <a:noFill/>
+          </a:ln>
+        </p:spPr>
+        <p:txBody>
+          <a:bodyPr lIns="91425" tIns="91425" rIns="91425" bIns="91425" anchor="ctr" anchorCtr="0">
+            <a:noAutofit/>
+          </a:bodyPr>
+          <a:lstStyle/>
+          <a:p>
+            <a:pPr lvl="0">
+              <a:spcBef>
+                <a:spcPts val="0"/>
+              </a:spcBef>
+              <a:buNone/>
+            </a:pPr>
+            <a:endParaRPr/>
+          </a:p>
+        </p:txBody>
+      </p:sp>
+      <p:sp>
+        <p:nvSpPr>
+          <p:cNvPr id="172" name="Shape 172"/>
+          <p:cNvSpPr>
+            <a:spLocks noGrp="1" noRot="1" noChangeAspect="1"/>
+          </p:cNvSpPr>
+          <p:nvPr>
+            <p:ph type="sldImg" idx="2"/>
+          </p:nvPr>
+        </p:nvSpPr>
+        <p:spPr>
+          <a:xfrm>
+            <a:off x="381000" y="685800"/>
+            <a:ext cx="6096000" cy="3429000"/>
+          </a:xfrm>
+          <a:custGeom>
+            <a:avLst/>
+            <a:gdLst/>
+            <a:ahLst/>
+            <a:cxnLst/>
+            <a:rect l="0" t="0" r="0" b="0"/>
+            <a:pathLst>
+              <a:path w="120000" h="120000" extrusionOk="0">
+                <a:moveTo>
+                  <a:pt x="0" y="0"/>
+                </a:moveTo>
+                <a:lnTo>
+                  <a:pt x="120000" y="0"/>
+                </a:lnTo>
+                <a:lnTo>
+                  <a:pt x="120000" y="120000"/>
+                </a:lnTo>
+                <a:lnTo>
+                  <a:pt x="0" y="120000"/>
+                </a:lnTo>
+                <a:close/>
+              </a:path>
+            </a:pathLst>
+          </a:custGeom>
+        </p:spPr>
+      </p:sp>
+    </p:spTree>
+    <p:extLst>
+      <p:ext uri="{BB962C8B-B14F-4D97-AF65-F5344CB8AC3E}">
+        <p14:creationId xmlns:p14="http://schemas.microsoft.com/office/powerpoint/2010/main" val="1626837769"/>
+      </p:ext>
+    </p:extLst>
+  </p:cSld>
+  <p:clrMapOvr>
+    <a:masterClrMapping/>
+  </p:clrMapOvr>
+</p:notes>
+</file>
+
+<file path=ppt/notesSlides/notesSlide5.xml><?xml version="1.0" encoding="utf-8"?>
+<p:notes xmlns:a="http://schemas.openxmlformats.org/drawingml/2006/main" xmlns:r="http://schemas.openxmlformats.org/officeDocument/2006/relationships" xmlns:p="http://schemas.openxmlformats.org/presentationml/2006/main" showMasterSp="0" showMasterPhAnim="0">
+  <p:cSld>
+    <p:spTree>
+      <p:nvGrpSpPr>
         <p:cNvPr id="1" name="Shape 185"/>
         <p:cNvGrpSpPr/>
         <p:nvPr/>
@@ -3040,7 +3261,7 @@
 </p:notes>
 </file>
 
-<file path=ppt/notesSlides/notesSlide5.xml><?xml version="1.0" encoding="utf-8"?>
+<file path=ppt/notesSlides/notesSlide6.xml><?xml version="1.0" encoding="utf-8"?>
 <p:notes xmlns:a="http://schemas.openxmlformats.org/drawingml/2006/main" xmlns:r="http://schemas.openxmlformats.org/officeDocument/2006/relationships" xmlns:p="http://schemas.openxmlformats.org/presentationml/2006/main" showMasterSp="0" showMasterPhAnim="0">
   <p:cSld>
     <p:spTree>
@@ -3150,7 +3371,7 @@
 </p:notes>
 </file>
 
-<file path=ppt/notesSlides/notesSlide6.xml><?xml version="1.0" encoding="utf-8"?>
+<file path=ppt/notesSlides/notesSlide7.xml><?xml version="1.0" encoding="utf-8"?>
 <p:notes xmlns:a="http://schemas.openxmlformats.org/drawingml/2006/main" xmlns:r="http://schemas.openxmlformats.org/officeDocument/2006/relationships" xmlns:p="http://schemas.openxmlformats.org/presentationml/2006/main" showMasterSp="0" showMasterPhAnim="0">
   <p:cSld>
     <p:spTree>
@@ -3260,7 +3481,7 @@
 </p:notes>
 </file>
 
-<file path=ppt/notesSlides/notesSlide7.xml><?xml version="1.0" encoding="utf-8"?>
+<file path=ppt/notesSlides/notesSlide8.xml><?xml version="1.0" encoding="utf-8"?>
 <p:notes xmlns:a="http://schemas.openxmlformats.org/drawingml/2006/main" xmlns:r="http://schemas.openxmlformats.org/officeDocument/2006/relationships" xmlns:p="http://schemas.openxmlformats.org/presentationml/2006/main" showMasterSp="0" showMasterPhAnim="0">
   <p:cSld>
     <p:spTree>
@@ -3370,7 +3591,7 @@
 </p:notes>
 </file>
 
-<file path=ppt/notesSlides/notesSlide8.xml><?xml version="1.0" encoding="utf-8"?>
+<file path=ppt/notesSlides/notesSlide9.xml><?xml version="1.0" encoding="utf-8"?>
 <p:notes xmlns:a="http://schemas.openxmlformats.org/drawingml/2006/main" xmlns:r="http://schemas.openxmlformats.org/officeDocument/2006/relationships" xmlns:p="http://schemas.openxmlformats.org/presentationml/2006/main" showMasterSp="0" showMasterPhAnim="0">
   <p:cSld>
     <p:spTree>
@@ -3471,116 +3692,6 @@
     <p:extLst>
       <p:ext uri="{BB962C8B-B14F-4D97-AF65-F5344CB8AC3E}">
         <p14:creationId xmlns:p14="http://schemas.microsoft.com/office/powerpoint/2010/main" val="403825290"/>
-      </p:ext>
-    </p:extLst>
-  </p:cSld>
-  <p:clrMapOvr>
-    <a:masterClrMapping/>
-  </p:clrMapOvr>
-</p:notes>
-</file>
-
-<file path=ppt/notesSlides/notesSlide9.xml><?xml version="1.0" encoding="utf-8"?>
-<p:notes xmlns:a="http://schemas.openxmlformats.org/drawingml/2006/main" xmlns:r="http://schemas.openxmlformats.org/officeDocument/2006/relationships" xmlns:p="http://schemas.openxmlformats.org/presentationml/2006/main" showMasterSp="0" showMasterPhAnim="0">
-  <p:cSld>
-    <p:spTree>
-      <p:nvGrpSpPr>
-        <p:cNvPr id="1" name="Shape 230"/>
-        <p:cNvGrpSpPr/>
-        <p:nvPr/>
-      </p:nvGrpSpPr>
-      <p:grpSpPr>
-        <a:xfrm>
-          <a:off x="0" y="0"/>
-          <a:ext cx="0" cy="0"/>
-          <a:chOff x="0" y="0"/>
-          <a:chExt cx="0" cy="0"/>
-        </a:xfrm>
-      </p:grpSpPr>
-      <p:sp>
-        <p:nvSpPr>
-          <p:cNvPr id="231" name="Shape 231"/>
-          <p:cNvSpPr txBox="1">
-            <a:spLocks noGrp="1"/>
-          </p:cNvSpPr>
-          <p:nvPr>
-            <p:ph type="body" idx="1"/>
-          </p:nvPr>
-        </p:nvSpPr>
-        <p:spPr>
-          <a:xfrm>
-            <a:off x="685800" y="4343400"/>
-            <a:ext cx="5486399" cy="4114800"/>
-          </a:xfrm>
-          <a:prstGeom prst="rect">
-            <a:avLst/>
-          </a:prstGeom>
-          <a:noFill/>
-          <a:ln>
-            <a:noFill/>
-          </a:ln>
-        </p:spPr>
-        <p:txBody>
-          <a:bodyPr lIns="91425" tIns="91425" rIns="91425" bIns="91425" anchor="ctr" anchorCtr="0">
-            <a:noAutofit/>
-          </a:bodyPr>
-          <a:lstStyle/>
-          <a:p>
-            <a:pPr lvl="0">
-              <a:spcBef>
-                <a:spcPts val="0"/>
-              </a:spcBef>
-              <a:buNone/>
-            </a:pPr>
-            <a:endParaRPr/>
-          </a:p>
-        </p:txBody>
-      </p:sp>
-      <p:sp>
-        <p:nvSpPr>
-          <p:cNvPr id="232" name="Shape 232"/>
-          <p:cNvSpPr>
-            <a:spLocks noGrp="1" noRot="1" noChangeAspect="1"/>
-          </p:cNvSpPr>
-          <p:nvPr>
-            <p:ph type="sldImg" idx="2"/>
-          </p:nvPr>
-        </p:nvSpPr>
-        <p:spPr>
-          <a:xfrm>
-            <a:off x="381000" y="685800"/>
-            <a:ext cx="6096000" cy="3429000"/>
-          </a:xfrm>
-          <a:custGeom>
-            <a:avLst/>
-            <a:gdLst/>
-            <a:ahLst/>
-            <a:cxnLst/>
-            <a:rect l="0" t="0" r="0" b="0"/>
-            <a:pathLst>
-              <a:path w="120000" h="120000" extrusionOk="0">
-                <a:moveTo>
-                  <a:pt x="0" y="0"/>
-                </a:moveTo>
-                <a:lnTo>
-                  <a:pt x="120000" y="0"/>
-                </a:lnTo>
-                <a:lnTo>
-                  <a:pt x="120000" y="120000"/>
-                </a:lnTo>
-                <a:lnTo>
-                  <a:pt x="0" y="120000"/>
-                </a:lnTo>
-                <a:close/>
-              </a:path>
-            </a:pathLst>
-          </a:custGeom>
-        </p:spPr>
-      </p:sp>
-    </p:spTree>
-    <p:extLst>
-      <p:ext uri="{BB962C8B-B14F-4D97-AF65-F5344CB8AC3E}">
-        <p14:creationId xmlns:p14="http://schemas.microsoft.com/office/powerpoint/2010/main" val="1043324510"/>
       </p:ext>
     </p:extLst>
   </p:cSld>
@@ -5625,6 +5736,808 @@
   <p:cSld>
     <p:spTree>
       <p:nvGrpSpPr>
+        <p:cNvPr id="1" name="Shape 233"/>
+        <p:cNvGrpSpPr/>
+        <p:nvPr/>
+      </p:nvGrpSpPr>
+      <p:grpSpPr>
+        <a:xfrm>
+          <a:off x="0" y="0"/>
+          <a:ext cx="0" cy="0"/>
+          <a:chOff x="0" y="0"/>
+          <a:chExt cx="0" cy="0"/>
+        </a:xfrm>
+      </p:grpSpPr>
+      <p:sp>
+        <p:nvSpPr>
+          <p:cNvPr id="234" name="Shape 234"/>
+          <p:cNvSpPr txBox="1">
+            <a:spLocks noGrp="1"/>
+          </p:cNvSpPr>
+          <p:nvPr>
+            <p:ph type="title"/>
+          </p:nvPr>
+        </p:nvSpPr>
+        <p:spPr>
+          <a:prstGeom prst="rect">
+            <a:avLst/>
+          </a:prstGeom>
+          <a:noFill/>
+          <a:ln>
+            <a:noFill/>
+          </a:ln>
+        </p:spPr>
+        <p:txBody>
+          <a:bodyPr lIns="38100" tIns="38100" rIns="38100" bIns="38100" anchor="ctr" anchorCtr="0">
+            <a:noAutofit/>
+          </a:bodyPr>
+          <a:lstStyle/>
+          <a:p>
+            <a:pPr marL="0" marR="0" lvl="0" indent="0" algn="ctr" rtl="0">
+              <a:lnSpc>
+                <a:spcPct val="100000"/>
+              </a:lnSpc>
+              <a:spcBef>
+                <a:spcPts val="0"/>
+              </a:spcBef>
+              <a:spcAft>
+                <a:spcPts val="0"/>
+              </a:spcAft>
+              <a:buClr>
+                <a:schemeClr val="lt1"/>
+              </a:buClr>
+              <a:buSzPct val="25000"/>
+              <a:buFont typeface="Cabin"/>
+              <a:buNone/>
+            </a:pPr>
+            <a:r>
+              <a:rPr lang="en-US" sz="7600" u="none" strike="noStrike" cap="none">
+                <a:solidFill>
+                  <a:srgbClr val="FFFF00"/>
+                </a:solidFill>
+                <a:latin typeface="Arial" charset="0"/>
+                <a:ea typeface="Arial" charset="0"/>
+                <a:cs typeface="Arial" charset="0"/>
+                <a:sym typeface="Cabin"/>
+              </a:rPr>
+              <a:t>How Long is a List?</a:t>
+            </a:r>
+          </a:p>
+        </p:txBody>
+      </p:sp>
+      <p:sp>
+        <p:nvSpPr>
+          <p:cNvPr id="235" name="Shape 235"/>
+          <p:cNvSpPr txBox="1">
+            <a:spLocks noGrp="1"/>
+          </p:cNvSpPr>
+          <p:nvPr>
+            <p:ph type="body" idx="1"/>
+          </p:nvPr>
+        </p:nvSpPr>
+        <p:spPr>
+          <a:xfrm>
+            <a:off x="1155700" y="2603500"/>
+            <a:ext cx="7488238" cy="5702299"/>
+          </a:xfrm>
+          <a:prstGeom prst="rect">
+            <a:avLst/>
+          </a:prstGeom>
+          <a:noFill/>
+          <a:ln>
+            <a:noFill/>
+          </a:ln>
+        </p:spPr>
+        <p:txBody>
+          <a:bodyPr lIns="38100" tIns="38100" rIns="38100" bIns="38100" anchor="ctr" anchorCtr="0">
+            <a:noAutofit/>
+          </a:bodyPr>
+          <a:lstStyle/>
+          <a:p>
+            <a:pPr marL="457200" marR="0" lvl="0" indent="-444500" algn="l" rtl="0">
+              <a:lnSpc>
+                <a:spcPct val="100000"/>
+              </a:lnSpc>
+              <a:spcBef>
+                <a:spcPts val="0"/>
+              </a:spcBef>
+              <a:spcAft>
+                <a:spcPts val="1000"/>
+              </a:spcAft>
+              <a:buSzPct val="100000"/>
+              <a:buFont typeface="Cabin"/>
+            </a:pPr>
+            <a:r>
+              <a:rPr lang="en-US" sz="3400" u="none" strike="noStrike" cap="none" dirty="0">
+                <a:solidFill>
+                  <a:schemeClr val="lt1"/>
+                </a:solidFill>
+                <a:latin typeface="Arial" charset="0"/>
+                <a:ea typeface="Arial" charset="0"/>
+                <a:cs typeface="Arial" charset="0"/>
+                <a:sym typeface="Cabin"/>
+              </a:rPr>
+              <a:t>The </a:t>
+            </a:r>
+            <a:r>
+              <a:rPr lang="en-US" sz="3400" u="none" strike="noStrike" cap="none" dirty="0" err="1">
+                <a:solidFill>
+                  <a:srgbClr val="FF00FF"/>
+                </a:solidFill>
+                <a:latin typeface="Arial" charset="0"/>
+                <a:ea typeface="Arial" charset="0"/>
+                <a:cs typeface="Arial" charset="0"/>
+                <a:sym typeface="Cabin"/>
+              </a:rPr>
+              <a:t>len</a:t>
+            </a:r>
+            <a:r>
+              <a:rPr lang="en-US" sz="3400" u="none" strike="noStrike" cap="none" dirty="0">
+                <a:solidFill>
+                  <a:srgbClr val="FF00FF"/>
+                </a:solidFill>
+                <a:latin typeface="Arial" charset="0"/>
+                <a:ea typeface="Arial" charset="0"/>
+                <a:cs typeface="Arial" charset="0"/>
+                <a:sym typeface="Cabin"/>
+              </a:rPr>
+              <a:t>()</a:t>
+            </a:r>
+            <a:r>
+              <a:rPr lang="en-US" sz="3400" u="none" strike="noStrike" cap="none" dirty="0">
+                <a:solidFill>
+                  <a:schemeClr val="lt1"/>
+                </a:solidFill>
+                <a:latin typeface="Arial" charset="0"/>
+                <a:ea typeface="Arial" charset="0"/>
+                <a:cs typeface="Arial" charset="0"/>
+                <a:sym typeface="Cabin"/>
+              </a:rPr>
+              <a:t> function takes a </a:t>
+            </a:r>
+            <a:r>
+              <a:rPr lang="en-US" sz="3400" u="none" strike="noStrike" cap="none" dirty="0">
+                <a:solidFill>
+                  <a:srgbClr val="FF7F00"/>
+                </a:solidFill>
+                <a:latin typeface="Arial" charset="0"/>
+                <a:ea typeface="Arial" charset="0"/>
+                <a:cs typeface="Arial" charset="0"/>
+                <a:sym typeface="Cabin"/>
+              </a:rPr>
+              <a:t>list</a:t>
+            </a:r>
+            <a:r>
+              <a:rPr lang="en-US" sz="3400" u="none" strike="noStrike" cap="none" dirty="0">
+                <a:solidFill>
+                  <a:schemeClr val="lt1"/>
+                </a:solidFill>
+                <a:latin typeface="Arial" charset="0"/>
+                <a:ea typeface="Arial" charset="0"/>
+                <a:cs typeface="Arial" charset="0"/>
+                <a:sym typeface="Cabin"/>
+              </a:rPr>
+              <a:t> as a parameter and returns the number of </a:t>
+            </a:r>
+            <a:r>
+              <a:rPr lang="en-US" sz="3400" u="none" strike="noStrike" cap="none" dirty="0">
+                <a:solidFill>
+                  <a:srgbClr val="00FFFF"/>
+                </a:solidFill>
+                <a:latin typeface="Arial" charset="0"/>
+                <a:ea typeface="Arial" charset="0"/>
+                <a:cs typeface="Arial" charset="0"/>
+                <a:sym typeface="Cabin"/>
+              </a:rPr>
+              <a:t>elements</a:t>
+            </a:r>
+            <a:r>
+              <a:rPr lang="en-US" sz="3400" u="none" strike="noStrike" cap="none" dirty="0">
+                <a:solidFill>
+                  <a:schemeClr val="lt1"/>
+                </a:solidFill>
+                <a:latin typeface="Arial" charset="0"/>
+                <a:ea typeface="Arial" charset="0"/>
+                <a:cs typeface="Arial" charset="0"/>
+                <a:sym typeface="Cabin"/>
+              </a:rPr>
+              <a:t> in the </a:t>
+            </a:r>
+            <a:r>
+              <a:rPr lang="en-US" sz="3400" u="none" strike="noStrike" cap="none" dirty="0">
+                <a:solidFill>
+                  <a:srgbClr val="FF7F00"/>
+                </a:solidFill>
+                <a:latin typeface="Arial" charset="0"/>
+                <a:ea typeface="Arial" charset="0"/>
+                <a:cs typeface="Arial" charset="0"/>
+                <a:sym typeface="Cabin"/>
+              </a:rPr>
+              <a:t>list</a:t>
+            </a:r>
+          </a:p>
+          <a:p>
+            <a:pPr marL="457200" marR="0" lvl="0" indent="-444500" algn="l" rtl="0">
+              <a:lnSpc>
+                <a:spcPct val="100000"/>
+              </a:lnSpc>
+              <a:spcBef>
+                <a:spcPts val="3500"/>
+              </a:spcBef>
+              <a:spcAft>
+                <a:spcPts val="1000"/>
+              </a:spcAft>
+              <a:buSzPct val="100000"/>
+              <a:buFont typeface="Cabin"/>
+            </a:pPr>
+            <a:r>
+              <a:rPr lang="en-US" sz="3400" u="none" strike="noStrike" cap="none" dirty="0">
+                <a:solidFill>
+                  <a:schemeClr val="lt1"/>
+                </a:solidFill>
+                <a:latin typeface="Arial" charset="0"/>
+                <a:ea typeface="Arial" charset="0"/>
+                <a:cs typeface="Arial" charset="0"/>
+                <a:sym typeface="Cabin"/>
+              </a:rPr>
+              <a:t>Actually </a:t>
+            </a:r>
+            <a:r>
+              <a:rPr lang="en-US" sz="3400" u="none" strike="noStrike" cap="none" dirty="0" err="1">
+                <a:solidFill>
+                  <a:srgbClr val="FF00FF"/>
+                </a:solidFill>
+                <a:latin typeface="Arial" charset="0"/>
+                <a:ea typeface="Arial" charset="0"/>
+                <a:cs typeface="Arial" charset="0"/>
+                <a:sym typeface="Cabin"/>
+              </a:rPr>
+              <a:t>len</a:t>
+            </a:r>
+            <a:r>
+              <a:rPr lang="en-US" sz="3400" u="none" strike="noStrike" cap="none" dirty="0">
+                <a:solidFill>
+                  <a:srgbClr val="FF00FF"/>
+                </a:solidFill>
+                <a:latin typeface="Arial" charset="0"/>
+                <a:ea typeface="Arial" charset="0"/>
+                <a:cs typeface="Arial" charset="0"/>
+                <a:sym typeface="Cabin"/>
+              </a:rPr>
+              <a:t>()</a:t>
+            </a:r>
+            <a:r>
+              <a:rPr lang="en-US" sz="3400" u="none" strike="noStrike" cap="none" dirty="0">
+                <a:solidFill>
+                  <a:schemeClr val="lt1"/>
+                </a:solidFill>
+                <a:latin typeface="Arial" charset="0"/>
+                <a:ea typeface="Arial" charset="0"/>
+                <a:cs typeface="Arial" charset="0"/>
+                <a:sym typeface="Cabin"/>
+              </a:rPr>
+              <a:t> tells us the number of elements of any set or sequence (such as a string...)</a:t>
+            </a:r>
+          </a:p>
+        </p:txBody>
+      </p:sp>
+      <p:sp>
+        <p:nvSpPr>
+          <p:cNvPr id="236" name="Shape 236"/>
+          <p:cNvSpPr txBox="1"/>
+          <p:nvPr/>
+        </p:nvSpPr>
+        <p:spPr>
+          <a:xfrm>
+            <a:off x="9912350" y="3009900"/>
+            <a:ext cx="6119700" cy="4432199"/>
+          </a:xfrm>
+          <a:prstGeom prst="rect">
+            <a:avLst/>
+          </a:prstGeom>
+          <a:noFill/>
+          <a:ln>
+            <a:noFill/>
+          </a:ln>
+        </p:spPr>
+        <p:txBody>
+          <a:bodyPr lIns="0" tIns="0" rIns="0" bIns="0" anchor="ctr" anchorCtr="0">
+            <a:noAutofit/>
+          </a:bodyPr>
+          <a:lstStyle/>
+          <a:p>
+            <a:pPr marL="0" marR="0" lvl="0" indent="0" algn="l" rtl="0">
+              <a:lnSpc>
+                <a:spcPct val="100000"/>
+              </a:lnSpc>
+              <a:spcBef>
+                <a:spcPts val="0"/>
+              </a:spcBef>
+              <a:spcAft>
+                <a:spcPts val="0"/>
+              </a:spcAft>
+              <a:buClr>
+                <a:schemeClr val="lt1"/>
+              </a:buClr>
+              <a:buSzPct val="25000"/>
+              <a:buFont typeface="Cabin"/>
+              <a:buNone/>
+            </a:pPr>
+            <a:r>
+              <a:rPr lang="en-US" sz="3000" b="1" i="0" u="none" strike="noStrike" cap="none" dirty="0">
+                <a:solidFill>
+                  <a:schemeClr val="lt1"/>
+                </a:solidFill>
+                <a:latin typeface="Courier New"/>
+                <a:ea typeface="Courier New"/>
+                <a:cs typeface="Courier New"/>
+                <a:sym typeface="Courier New"/>
+              </a:rPr>
+              <a:t>&gt;&gt;&gt; </a:t>
+            </a:r>
+            <a:r>
+              <a:rPr lang="en-US" sz="3000" b="1" i="0" u="none" strike="noStrike" cap="none" dirty="0">
+                <a:solidFill>
+                  <a:srgbClr val="00FF00"/>
+                </a:solidFill>
+                <a:latin typeface="Courier New"/>
+                <a:ea typeface="Courier New"/>
+                <a:cs typeface="Courier New"/>
+                <a:sym typeface="Courier New"/>
+              </a:rPr>
+              <a:t>greet</a:t>
+            </a:r>
+            <a:r>
+              <a:rPr lang="en-US" sz="3000" b="1" i="0" u="none" strike="noStrike" cap="none" dirty="0">
+                <a:solidFill>
+                  <a:schemeClr val="lt1"/>
+                </a:solidFill>
+                <a:latin typeface="Courier New"/>
+                <a:ea typeface="Courier New"/>
+                <a:cs typeface="Courier New"/>
+                <a:sym typeface="Courier New"/>
+              </a:rPr>
+              <a:t> = 'Hello Bob</a:t>
+            </a:r>
+            <a:r>
+              <a:rPr lang="en-US" sz="3000" b="1" dirty="0">
+                <a:solidFill>
+                  <a:schemeClr val="lt1"/>
+                </a:solidFill>
+                <a:latin typeface="Courier New"/>
+                <a:ea typeface="Courier New"/>
+                <a:cs typeface="Courier New"/>
+                <a:sym typeface="Courier New"/>
+              </a:rPr>
+              <a:t>'</a:t>
+            </a:r>
+          </a:p>
+          <a:p>
+            <a:pPr marL="0" marR="0" lvl="0" indent="0" algn="l" rtl="0">
+              <a:lnSpc>
+                <a:spcPct val="100000"/>
+              </a:lnSpc>
+              <a:spcBef>
+                <a:spcPts val="0"/>
+              </a:spcBef>
+              <a:spcAft>
+                <a:spcPts val="0"/>
+              </a:spcAft>
+              <a:buClr>
+                <a:schemeClr val="lt1"/>
+              </a:buClr>
+              <a:buSzPct val="25000"/>
+              <a:buFont typeface="Cabin"/>
+              <a:buNone/>
+            </a:pPr>
+            <a:r>
+              <a:rPr lang="en-US" sz="3000" b="1" i="0" u="none" strike="noStrike" cap="none" dirty="0">
+                <a:solidFill>
+                  <a:schemeClr val="lt1"/>
+                </a:solidFill>
+                <a:latin typeface="Courier New"/>
+                <a:ea typeface="Courier New"/>
+                <a:cs typeface="Courier New"/>
+                <a:sym typeface="Courier New"/>
+              </a:rPr>
+              <a:t>&gt;&gt;&gt; </a:t>
+            </a:r>
+            <a:r>
+              <a:rPr lang="en-US" sz="3000" b="1" i="0" u="none" strike="noStrike" cap="none" dirty="0" smtClean="0">
+                <a:solidFill>
+                  <a:srgbClr val="FFFF00"/>
+                </a:solidFill>
+                <a:latin typeface="Courier New"/>
+                <a:ea typeface="Courier New"/>
+                <a:cs typeface="Courier New"/>
+                <a:sym typeface="Courier New"/>
+              </a:rPr>
+              <a:t>print(</a:t>
+            </a:r>
+            <a:r>
+              <a:rPr lang="en-US" sz="3000" b="1" i="0" u="none" strike="noStrike" cap="none" dirty="0" err="1" smtClean="0">
+                <a:solidFill>
+                  <a:srgbClr val="FF00FF"/>
+                </a:solidFill>
+                <a:latin typeface="Courier New"/>
+                <a:ea typeface="Courier New"/>
+                <a:cs typeface="Courier New"/>
+                <a:sym typeface="Courier New"/>
+              </a:rPr>
+              <a:t>len</a:t>
+            </a:r>
+            <a:r>
+              <a:rPr lang="en-US" sz="3000" b="1" i="0" u="none" strike="noStrike" cap="none" dirty="0" smtClean="0">
+                <a:solidFill>
+                  <a:schemeClr val="lt1"/>
+                </a:solidFill>
+                <a:latin typeface="Courier New"/>
+                <a:ea typeface="Courier New"/>
+                <a:cs typeface="Courier New"/>
+                <a:sym typeface="Courier New"/>
+              </a:rPr>
+              <a:t>(</a:t>
+            </a:r>
+            <a:r>
+              <a:rPr lang="en-US" sz="3000" b="1" i="0" u="none" strike="noStrike" cap="none" dirty="0" smtClean="0">
+                <a:solidFill>
+                  <a:srgbClr val="00FF00"/>
+                </a:solidFill>
+                <a:latin typeface="Courier New"/>
+                <a:ea typeface="Courier New"/>
+                <a:cs typeface="Courier New"/>
+                <a:sym typeface="Courier New"/>
+              </a:rPr>
+              <a:t>greet</a:t>
+            </a:r>
+            <a:r>
+              <a:rPr lang="en-US" sz="3000" b="1" i="0" u="none" strike="noStrike" cap="none" dirty="0" smtClean="0">
+                <a:solidFill>
+                  <a:schemeClr val="lt1"/>
+                </a:solidFill>
+                <a:latin typeface="Courier New"/>
+                <a:ea typeface="Courier New"/>
+                <a:cs typeface="Courier New"/>
+                <a:sym typeface="Courier New"/>
+              </a:rPr>
+              <a:t>)</a:t>
+            </a:r>
+            <a:r>
+              <a:rPr lang="en-US" sz="3000" b="1" i="0" u="none" strike="noStrike" cap="none" dirty="0" smtClean="0">
+                <a:solidFill>
+                  <a:srgbClr val="FFFF00"/>
+                </a:solidFill>
+                <a:latin typeface="Courier New"/>
+                <a:ea typeface="Courier New"/>
+                <a:cs typeface="Courier New"/>
+                <a:sym typeface="Courier New"/>
+              </a:rPr>
+              <a:t>)</a:t>
+            </a:r>
+            <a:endParaRPr lang="en-US" sz="3000" b="1" i="0" u="none" strike="noStrike" cap="none" dirty="0">
+              <a:solidFill>
+                <a:srgbClr val="FFFF00"/>
+              </a:solidFill>
+              <a:latin typeface="Courier New"/>
+              <a:ea typeface="Courier New"/>
+              <a:cs typeface="Courier New"/>
+              <a:sym typeface="Courier New"/>
+            </a:endParaRPr>
+          </a:p>
+          <a:p>
+            <a:pPr marL="0" marR="0" lvl="0" indent="0" algn="l" rtl="0">
+              <a:lnSpc>
+                <a:spcPct val="100000"/>
+              </a:lnSpc>
+              <a:spcBef>
+                <a:spcPts val="0"/>
+              </a:spcBef>
+              <a:spcAft>
+                <a:spcPts val="0"/>
+              </a:spcAft>
+              <a:buClr>
+                <a:schemeClr val="lt1"/>
+              </a:buClr>
+              <a:buSzPct val="25000"/>
+              <a:buFont typeface="Cabin"/>
+              <a:buNone/>
+            </a:pPr>
+            <a:r>
+              <a:rPr lang="en-US" sz="3000" b="1" i="0" u="none" strike="noStrike" cap="none" dirty="0">
+                <a:solidFill>
+                  <a:schemeClr val="lt1"/>
+                </a:solidFill>
+                <a:latin typeface="Courier New"/>
+                <a:ea typeface="Courier New"/>
+                <a:cs typeface="Courier New"/>
+                <a:sym typeface="Courier New"/>
+              </a:rPr>
+              <a:t>9</a:t>
+            </a:r>
+          </a:p>
+          <a:p>
+            <a:pPr marL="0" marR="0" lvl="0" indent="0" algn="l" rtl="0">
+              <a:lnSpc>
+                <a:spcPct val="100000"/>
+              </a:lnSpc>
+              <a:spcBef>
+                <a:spcPts val="0"/>
+              </a:spcBef>
+              <a:spcAft>
+                <a:spcPts val="0"/>
+              </a:spcAft>
+              <a:buClr>
+                <a:schemeClr val="lt1"/>
+              </a:buClr>
+              <a:buSzPct val="25000"/>
+              <a:buFont typeface="Cabin"/>
+              <a:buNone/>
+            </a:pPr>
+            <a:r>
+              <a:rPr lang="en-US" sz="3000" b="1" i="0" u="none" strike="noStrike" cap="none" dirty="0">
+                <a:solidFill>
+                  <a:schemeClr val="lt1"/>
+                </a:solidFill>
+                <a:latin typeface="Courier New"/>
+                <a:ea typeface="Courier New"/>
+                <a:cs typeface="Courier New"/>
+                <a:sym typeface="Courier New"/>
+              </a:rPr>
+              <a:t>&gt;&gt;&gt; </a:t>
+            </a:r>
+            <a:r>
+              <a:rPr lang="en-US" sz="3000" b="1" i="0" u="none" strike="noStrike" cap="none" dirty="0">
+                <a:solidFill>
+                  <a:srgbClr val="00FF00"/>
+                </a:solidFill>
+                <a:latin typeface="Courier New"/>
+                <a:ea typeface="Courier New"/>
+                <a:cs typeface="Courier New"/>
+                <a:sym typeface="Courier New"/>
+              </a:rPr>
+              <a:t>x</a:t>
+            </a:r>
+            <a:r>
+              <a:rPr lang="en-US" sz="3000" b="1" i="0" u="none" strike="noStrike" cap="none" dirty="0">
+                <a:solidFill>
+                  <a:schemeClr val="lt1"/>
+                </a:solidFill>
+                <a:latin typeface="Courier New"/>
+                <a:ea typeface="Courier New"/>
+                <a:cs typeface="Courier New"/>
+                <a:sym typeface="Courier New"/>
+              </a:rPr>
+              <a:t> = </a:t>
+            </a:r>
+            <a:r>
+              <a:rPr lang="en-US" sz="3000" b="1" i="0" u="none" strike="noStrike" cap="none" dirty="0">
+                <a:solidFill>
+                  <a:srgbClr val="FF7F00"/>
+                </a:solidFill>
+                <a:latin typeface="Courier New"/>
+                <a:ea typeface="Courier New"/>
+                <a:cs typeface="Courier New"/>
+                <a:sym typeface="Courier New"/>
+              </a:rPr>
+              <a:t>[ 1, 2, 'joe', 99]</a:t>
+            </a:r>
+          </a:p>
+          <a:p>
+            <a:pPr marL="0" marR="0" lvl="0" indent="0" algn="l" rtl="0">
+              <a:lnSpc>
+                <a:spcPct val="100000"/>
+              </a:lnSpc>
+              <a:spcBef>
+                <a:spcPts val="0"/>
+              </a:spcBef>
+              <a:spcAft>
+                <a:spcPts val="0"/>
+              </a:spcAft>
+              <a:buClr>
+                <a:schemeClr val="lt1"/>
+              </a:buClr>
+              <a:buSzPct val="25000"/>
+              <a:buFont typeface="Cabin"/>
+              <a:buNone/>
+            </a:pPr>
+            <a:r>
+              <a:rPr lang="en-US" sz="3000" b="1" i="0" u="none" strike="noStrike" cap="none" dirty="0">
+                <a:solidFill>
+                  <a:schemeClr val="lt1"/>
+                </a:solidFill>
+                <a:latin typeface="Courier New"/>
+                <a:ea typeface="Courier New"/>
+                <a:cs typeface="Courier New"/>
+                <a:sym typeface="Courier New"/>
+              </a:rPr>
+              <a:t>&gt;&gt;&gt; </a:t>
+            </a:r>
+            <a:r>
+              <a:rPr lang="en-US" sz="3000" b="1" i="0" u="none" strike="noStrike" cap="none" dirty="0" smtClean="0">
+                <a:solidFill>
+                  <a:srgbClr val="FFFF00"/>
+                </a:solidFill>
+                <a:latin typeface="Courier New"/>
+                <a:ea typeface="Courier New"/>
+                <a:cs typeface="Courier New"/>
+                <a:sym typeface="Courier New"/>
+              </a:rPr>
+              <a:t>print(</a:t>
+            </a:r>
+            <a:r>
+              <a:rPr lang="en-US" sz="3000" b="1" i="0" u="none" strike="noStrike" cap="none" dirty="0" err="1" smtClean="0">
+                <a:solidFill>
+                  <a:srgbClr val="FF00FF"/>
+                </a:solidFill>
+                <a:latin typeface="Courier New"/>
+                <a:ea typeface="Courier New"/>
+                <a:cs typeface="Courier New"/>
+                <a:sym typeface="Courier New"/>
+              </a:rPr>
+              <a:t>len</a:t>
+            </a:r>
+            <a:r>
+              <a:rPr lang="en-US" sz="3000" b="1" i="0" u="none" strike="noStrike" cap="none" dirty="0" smtClean="0">
+                <a:solidFill>
+                  <a:schemeClr val="lt1"/>
+                </a:solidFill>
+                <a:latin typeface="Courier New"/>
+                <a:ea typeface="Courier New"/>
+                <a:cs typeface="Courier New"/>
+                <a:sym typeface="Courier New"/>
+              </a:rPr>
+              <a:t>(</a:t>
+            </a:r>
+            <a:r>
+              <a:rPr lang="en-US" sz="3000" b="1" i="0" u="none" strike="noStrike" cap="none" dirty="0" smtClean="0">
+                <a:solidFill>
+                  <a:srgbClr val="00FF00"/>
+                </a:solidFill>
+                <a:latin typeface="Courier New"/>
+                <a:ea typeface="Courier New"/>
+                <a:cs typeface="Courier New"/>
+                <a:sym typeface="Courier New"/>
+              </a:rPr>
+              <a:t>x</a:t>
+            </a:r>
+            <a:r>
+              <a:rPr lang="en-US" sz="3000" b="1" i="0" u="none" strike="noStrike" cap="none" dirty="0" smtClean="0">
+                <a:solidFill>
+                  <a:schemeClr val="lt1"/>
+                </a:solidFill>
+                <a:latin typeface="Courier New"/>
+                <a:ea typeface="Courier New"/>
+                <a:cs typeface="Courier New"/>
+                <a:sym typeface="Courier New"/>
+              </a:rPr>
+              <a:t>)</a:t>
+            </a:r>
+            <a:r>
+              <a:rPr lang="en-US" sz="3000" b="1" i="0" u="none" strike="noStrike" cap="none" dirty="0" smtClean="0">
+                <a:solidFill>
+                  <a:srgbClr val="FFFF00"/>
+                </a:solidFill>
+                <a:latin typeface="Courier New"/>
+                <a:ea typeface="Courier New"/>
+                <a:cs typeface="Courier New"/>
+                <a:sym typeface="Courier New"/>
+              </a:rPr>
+              <a:t>)</a:t>
+            </a:r>
+            <a:endParaRPr lang="en-US" sz="3000" b="1" i="0" u="none" strike="noStrike" cap="none" dirty="0">
+              <a:solidFill>
+                <a:srgbClr val="FFFF00"/>
+              </a:solidFill>
+              <a:latin typeface="Courier New"/>
+              <a:ea typeface="Courier New"/>
+              <a:cs typeface="Courier New"/>
+              <a:sym typeface="Courier New"/>
+            </a:endParaRPr>
+          </a:p>
+          <a:p>
+            <a:pPr marL="0" marR="0" lvl="0" indent="0" algn="l" rtl="0">
+              <a:lnSpc>
+                <a:spcPct val="100000"/>
+              </a:lnSpc>
+              <a:spcBef>
+                <a:spcPts val="0"/>
+              </a:spcBef>
+              <a:spcAft>
+                <a:spcPts val="0"/>
+              </a:spcAft>
+              <a:buClr>
+                <a:schemeClr val="lt1"/>
+              </a:buClr>
+              <a:buSzPct val="25000"/>
+              <a:buFont typeface="Cabin"/>
+              <a:buNone/>
+            </a:pPr>
+            <a:r>
+              <a:rPr lang="en-US" sz="3000" b="1" i="0" u="none" strike="noStrike" cap="none" dirty="0">
+                <a:solidFill>
+                  <a:schemeClr val="lt1"/>
+                </a:solidFill>
+                <a:latin typeface="Courier New"/>
+                <a:ea typeface="Courier New"/>
+                <a:cs typeface="Courier New"/>
+                <a:sym typeface="Courier New"/>
+              </a:rPr>
+              <a:t>4</a:t>
+            </a:r>
+          </a:p>
+          <a:p>
+            <a:pPr marL="0" marR="0" lvl="0" indent="0" algn="l" rtl="0">
+              <a:lnSpc>
+                <a:spcPct val="100000"/>
+              </a:lnSpc>
+              <a:spcBef>
+                <a:spcPts val="0"/>
+              </a:spcBef>
+              <a:spcAft>
+                <a:spcPts val="0"/>
+              </a:spcAft>
+              <a:buClr>
+                <a:schemeClr val="lt1"/>
+              </a:buClr>
+              <a:buSzPct val="25000"/>
+              <a:buFont typeface="Cabin"/>
+              <a:buNone/>
+            </a:pPr>
+            <a:r>
+              <a:rPr lang="en-US" sz="3000" b="1" i="0" u="none" strike="noStrike" cap="none" dirty="0">
+                <a:solidFill>
+                  <a:schemeClr val="lt1"/>
+                </a:solidFill>
+                <a:latin typeface="Courier New"/>
+                <a:ea typeface="Courier New"/>
+                <a:cs typeface="Courier New"/>
+                <a:sym typeface="Courier New"/>
+              </a:rPr>
+              <a:t>&gt;&gt;&gt; </a:t>
+            </a:r>
+          </a:p>
+          <a:p>
+            <a:pPr marL="0" marR="0" lvl="0" indent="0" algn="ctr" rtl="0">
+              <a:lnSpc>
+                <a:spcPct val="100000"/>
+              </a:lnSpc>
+              <a:spcBef>
+                <a:spcPts val="0"/>
+              </a:spcBef>
+              <a:spcAft>
+                <a:spcPts val="0"/>
+              </a:spcAft>
+              <a:buNone/>
+            </a:pPr>
+            <a:endParaRPr sz="3000" b="1" dirty="0">
+              <a:latin typeface="Courier New"/>
+              <a:ea typeface="Courier New"/>
+              <a:cs typeface="Courier New"/>
+              <a:sym typeface="Courier New"/>
+            </a:endParaRPr>
+          </a:p>
+        </p:txBody>
+      </p:sp>
+    </p:spTree>
+  </p:cSld>
+  <p:clrMapOvr>
+    <a:masterClrMapping/>
+  </p:clrMapOvr>
+  <p:timing>
+    <p:tnLst>
+      <p:par>
+        <p:cTn id="1" dur="indefinite" restart="never" nodeType="tmRoot"/>
+      </p:par>
+    </p:tnLst>
+  </p:timing>
+</p:sld>
+</file>
+
+<file path=ppt/slides/slide11.xml><?xml version="1.0" encoding="utf-8"?>
+<p:sld xmlns:a="http://schemas.openxmlformats.org/drawingml/2006/main" xmlns:r="http://schemas.openxmlformats.org/officeDocument/2006/relationships" xmlns:p="http://schemas.openxmlformats.org/presentationml/2006/main">
+  <p:cSld>
+    <p:spTree>
+      <p:nvGrpSpPr>
         <p:cNvPr id="1" name="Shape 240"/>
         <p:cNvGrpSpPr/>
         <p:nvPr/>
@@ -6445,7 +7358,7 @@
 </p:sld>
 </file>
 
-<file path=ppt/slides/slide11.xml><?xml version="1.0" encoding="utf-8"?>
+<file path=ppt/slides/slide12.xml><?xml version="1.0" encoding="utf-8"?>
 <p:sld xmlns:a="http://schemas.openxmlformats.org/drawingml/2006/main" xmlns:r="http://schemas.openxmlformats.org/officeDocument/2006/relationships" xmlns:p="http://schemas.openxmlformats.org/presentationml/2006/main">
   <p:cSld>
     <p:spTree>
@@ -7700,6 +8613,49 @@
           </a:p>
         </p:txBody>
       </p:sp>
+      <p:sp>
+        <p:nvSpPr>
+          <p:cNvPr id="6" name="Hexagon 5"/>
+          <p:cNvSpPr/>
+          <p:nvPr/>
+        </p:nvSpPr>
+        <p:spPr>
+          <a:xfrm>
+            <a:off x="34185" y="8503920"/>
+            <a:ext cx="662940" cy="571500"/>
+          </a:xfrm>
+          <a:prstGeom prst="hexagon">
+            <a:avLst/>
+          </a:prstGeom>
+          <a:solidFill>
+            <a:schemeClr val="tx1"/>
+          </a:solidFill>
+        </p:spPr>
+        <p:style>
+          <a:lnRef idx="2">
+            <a:schemeClr val="accent1">
+              <a:shade val="50000"/>
+            </a:schemeClr>
+          </a:lnRef>
+          <a:fillRef idx="1">
+            <a:schemeClr val="accent1"/>
+          </a:fillRef>
+          <a:effectRef idx="0">
+            <a:schemeClr val="accent1"/>
+          </a:effectRef>
+          <a:fontRef idx="minor">
+            <a:schemeClr val="lt1"/>
+          </a:fontRef>
+        </p:style>
+        <p:txBody>
+          <a:bodyPr rtlCol="0" anchor="ctr"/>
+          <a:lstStyle/>
+          <a:p>
+            <a:pPr algn="ctr"/>
+            <a:endParaRPr lang="en-US"/>
+          </a:p>
+        </p:txBody>
+      </p:sp>
     </p:spTree>
   </p:cSld>
   <p:clrMapOvr>
@@ -7715,7 +8671,7 @@
 </p:sld>
 </file>
 
-<file path=ppt/slides/slide12.xml><?xml version="1.0" encoding="utf-8"?>
+<file path=ppt/slides/slide13.xml><?xml version="1.0" encoding="utf-8"?>
 <p:sld xmlns:a="http://schemas.openxmlformats.org/drawingml/2006/main" xmlns:r="http://schemas.openxmlformats.org/officeDocument/2006/relationships" xmlns:p="http://schemas.openxmlformats.org/presentationml/2006/main">
   <p:cSld>
     <p:spTree>
@@ -8352,7 +9308,7 @@
 </p:sld>
 </file>
 
-<file path=ppt/slides/slide13.xml><?xml version="1.0" encoding="utf-8"?>
+<file path=ppt/slides/slide14.xml><?xml version="1.0" encoding="utf-8"?>
 <p:sld xmlns:a="http://schemas.openxmlformats.org/drawingml/2006/main" xmlns:r="http://schemas.openxmlformats.org/officeDocument/2006/relationships" xmlns:p="http://schemas.openxmlformats.org/presentationml/2006/main">
   <p:cSld>
     <p:spTree>
@@ -9139,7 +10095,7 @@
 </p:sld>
 </file>
 
-<file path=ppt/slides/slide14.xml><?xml version="1.0" encoding="utf-8"?>
+<file path=ppt/slides/slide15.xml><?xml version="1.0" encoding="utf-8"?>
 <p:sld xmlns:a="http://schemas.openxmlformats.org/drawingml/2006/main" xmlns:r="http://schemas.openxmlformats.org/officeDocument/2006/relationships" xmlns:p="http://schemas.openxmlformats.org/presentationml/2006/main">
   <p:cSld>
     <p:spTree>
@@ -9654,7 +10610,7 @@
 </p:sld>
 </file>
 
-<file path=ppt/slides/slide15.xml><?xml version="1.0" encoding="utf-8"?>
+<file path=ppt/slides/slide16.xml><?xml version="1.0" encoding="utf-8"?>
 <p:sld xmlns:a="http://schemas.openxmlformats.org/drawingml/2006/main" xmlns:r="http://schemas.openxmlformats.org/officeDocument/2006/relationships" xmlns:p="http://schemas.openxmlformats.org/presentationml/2006/main">
   <p:cSld>
     <p:spTree>
@@ -10495,7 +11451,7 @@
 </p:sld>
 </file>
 
-<file path=ppt/slides/slide16.xml><?xml version="1.0" encoding="utf-8"?>
+<file path=ppt/slides/slide17.xml><?xml version="1.0" encoding="utf-8"?>
 <p:sld xmlns:a="http://schemas.openxmlformats.org/drawingml/2006/main" xmlns:r="http://schemas.openxmlformats.org/officeDocument/2006/relationships" xmlns:p="http://schemas.openxmlformats.org/presentationml/2006/main">
   <p:cSld>
     <p:spTree>
@@ -11245,7 +12201,7 @@
 </p:sld>
 </file>
 
-<file path=ppt/slides/slide17.xml><?xml version="1.0" encoding="utf-8"?>
+<file path=ppt/slides/slide18.xml><?xml version="1.0" encoding="utf-8"?>
 <p:sld xmlns:a="http://schemas.openxmlformats.org/drawingml/2006/main" xmlns:r="http://schemas.openxmlformats.org/officeDocument/2006/relationships" xmlns:p="http://schemas.openxmlformats.org/presentationml/2006/main">
   <p:cSld>
     <p:spTree>
@@ -11305,7 +12261,7 @@
               <a:buNone/>
             </a:pPr>
             <a:r>
-              <a:rPr lang="en-US" sz="7800" u="none" strike="noStrike" cap="none">
+              <a:rPr lang="en-US" sz="7800" u="none" strike="noStrike" cap="none" dirty="0" smtClean="0">
                 <a:solidFill>
                   <a:srgbClr val="FFFF00"/>
                 </a:solidFill>
@@ -11314,8 +12270,17 @@
                 <a:cs typeface="Arial" charset="0"/>
                 <a:sym typeface="Cabin"/>
               </a:rPr>
-              <a:t>A List is an Ordered Sequence</a:t>
-            </a:r>
+              <a:t>Lists are in Order</a:t>
+            </a:r>
+            <a:endParaRPr lang="en-US" sz="7800" u="none" strike="noStrike" cap="none" dirty="0">
+              <a:solidFill>
+                <a:srgbClr val="FFFF00"/>
+              </a:solidFill>
+              <a:latin typeface="Arial" charset="0"/>
+              <a:ea typeface="Arial" charset="0"/>
+              <a:cs typeface="Arial" charset="0"/>
+              <a:sym typeface="Cabin"/>
+            </a:endParaRPr>
           </a:p>
         </p:txBody>
       </p:sp>
@@ -12055,7 +13020,7 @@
 </p:sld>
 </file>
 
-<file path=ppt/slides/slide18.xml><?xml version="1.0" encoding="utf-8"?>
+<file path=ppt/slides/slide19.xml><?xml version="1.0" encoding="utf-8"?>
 <p:sld xmlns:a="http://schemas.openxmlformats.org/drawingml/2006/main" xmlns:r="http://schemas.openxmlformats.org/officeDocument/2006/relationships" xmlns:p="http://schemas.openxmlformats.org/presentationml/2006/main">
   <p:cSld>
     <p:spTree>
@@ -13146,7 +14111,355 @@
 </p:sld>
 </file>
 
-<file path=ppt/slides/slide19.xml><?xml version="1.0" encoding="utf-8"?>
+<file path=ppt/slides/slide2.xml><?xml version="1.0" encoding="utf-8"?>
+<p:sld xmlns:a="http://schemas.openxmlformats.org/drawingml/2006/main" xmlns:r="http://schemas.openxmlformats.org/officeDocument/2006/relationships" xmlns:p="http://schemas.openxmlformats.org/presentationml/2006/main">
+  <p:cSld>
+    <p:spTree>
+      <p:nvGrpSpPr>
+        <p:cNvPr id="1" name="Shape 188"/>
+        <p:cNvGrpSpPr/>
+        <p:nvPr/>
+      </p:nvGrpSpPr>
+      <p:grpSpPr>
+        <a:xfrm>
+          <a:off x="0" y="0"/>
+          <a:ext cx="0" cy="0"/>
+          <a:chOff x="0" y="0"/>
+          <a:chExt cx="0" cy="0"/>
+        </a:xfrm>
+      </p:grpSpPr>
+      <p:sp>
+        <p:nvSpPr>
+          <p:cNvPr id="189" name="Shape 189"/>
+          <p:cNvSpPr txBox="1">
+            <a:spLocks noGrp="1"/>
+          </p:cNvSpPr>
+          <p:nvPr>
+            <p:ph type="title"/>
+          </p:nvPr>
+        </p:nvSpPr>
+        <p:spPr>
+          <a:prstGeom prst="rect">
+            <a:avLst/>
+          </a:prstGeom>
+          <a:noFill/>
+          <a:ln>
+            <a:noFill/>
+          </a:ln>
+        </p:spPr>
+        <p:txBody>
+          <a:bodyPr lIns="38100" tIns="38100" rIns="38100" bIns="38100" anchor="ctr" anchorCtr="0">
+            <a:noAutofit/>
+          </a:bodyPr>
+          <a:lstStyle/>
+          <a:p>
+            <a:pPr marL="0" marR="0" lvl="0" indent="0" algn="ctr" rtl="0">
+              <a:lnSpc>
+                <a:spcPct val="100000"/>
+              </a:lnSpc>
+              <a:spcBef>
+                <a:spcPts val="0"/>
+              </a:spcBef>
+              <a:spcAft>
+                <a:spcPts val="0"/>
+              </a:spcAft>
+              <a:buClr>
+                <a:srgbClr val="FF7F00"/>
+              </a:buClr>
+              <a:buSzPct val="25000"/>
+              <a:buFont typeface="Cabin"/>
+              <a:buNone/>
+            </a:pPr>
+            <a:r>
+              <a:rPr lang="en-US" sz="7600" u="none" strike="noStrike" cap="none" dirty="0" smtClean="0">
+                <a:solidFill>
+                  <a:srgbClr val="FFFF00"/>
+                </a:solidFill>
+                <a:latin typeface="Arial" charset="0"/>
+                <a:ea typeface="Arial" charset="0"/>
+                <a:cs typeface="Arial" charset="0"/>
+                <a:sym typeface="Cabin"/>
+              </a:rPr>
+              <a:t>Programming</a:t>
+            </a:r>
+            <a:endParaRPr lang="en-US" sz="7600" u="none" strike="noStrike" cap="none" dirty="0">
+              <a:solidFill>
+                <a:srgbClr val="FFFF00"/>
+              </a:solidFill>
+              <a:latin typeface="Arial" charset="0"/>
+              <a:ea typeface="Arial" charset="0"/>
+              <a:cs typeface="Arial" charset="0"/>
+              <a:sym typeface="Cabin"/>
+            </a:endParaRPr>
+          </a:p>
+        </p:txBody>
+      </p:sp>
+      <p:sp>
+        <p:nvSpPr>
+          <p:cNvPr id="190" name="Shape 190"/>
+          <p:cNvSpPr txBox="1">
+            <a:spLocks noGrp="1"/>
+          </p:cNvSpPr>
+          <p:nvPr>
+            <p:ph type="body" idx="1"/>
+          </p:nvPr>
+        </p:nvSpPr>
+        <p:spPr>
+          <a:xfrm>
+            <a:off x="1155700" y="2857500"/>
+            <a:ext cx="13760450" cy="4843463"/>
+          </a:xfrm>
+          <a:prstGeom prst="rect">
+            <a:avLst/>
+          </a:prstGeom>
+          <a:noFill/>
+          <a:ln>
+            <a:noFill/>
+          </a:ln>
+        </p:spPr>
+        <p:txBody>
+          <a:bodyPr lIns="38100" tIns="38100" rIns="38100" bIns="38100" anchor="t" anchorCtr="0">
+            <a:noAutofit/>
+          </a:bodyPr>
+          <a:lstStyle/>
+          <a:p>
+            <a:pPr marL="457200" marR="0" lvl="0" indent="-444500" algn="l" rtl="0">
+              <a:lnSpc>
+                <a:spcPct val="100000"/>
+              </a:lnSpc>
+              <a:spcBef>
+                <a:spcPts val="0"/>
+              </a:spcBef>
+              <a:spcAft>
+                <a:spcPts val="1000"/>
+              </a:spcAft>
+              <a:buSzPct val="100000"/>
+              <a:buFont typeface="Cabin"/>
+            </a:pPr>
+            <a:r>
+              <a:rPr lang="en-US" sz="3600" u="none" strike="noStrike" cap="none" dirty="0" smtClean="0">
+                <a:solidFill>
+                  <a:srgbClr val="FF7F00"/>
+                </a:solidFill>
+                <a:latin typeface="Arial" charset="0"/>
+                <a:ea typeface="Arial" charset="0"/>
+                <a:cs typeface="Arial" charset="0"/>
+                <a:sym typeface="Cabin"/>
+              </a:rPr>
+              <a:t>Algorithms</a:t>
+            </a:r>
+          </a:p>
+          <a:p>
+            <a:pPr marL="749300" lvl="1" indent="-444500">
+              <a:spcBef>
+                <a:spcPts val="0"/>
+              </a:spcBef>
+              <a:spcAft>
+                <a:spcPts val="1000"/>
+              </a:spcAft>
+              <a:buSzPct val="100000"/>
+            </a:pPr>
+            <a:r>
+              <a:rPr lang="en-US" sz="3200" dirty="0" smtClean="0">
+                <a:solidFill>
+                  <a:schemeClr val="bg1"/>
+                </a:solidFill>
+                <a:latin typeface="Arial" charset="0"/>
+                <a:ea typeface="Arial" charset="0"/>
+                <a:cs typeface="Arial" charset="0"/>
+                <a:sym typeface="Cabin"/>
+              </a:rPr>
+              <a:t>A set of rules or steps used to solve a problem</a:t>
+            </a:r>
+          </a:p>
+          <a:p>
+            <a:pPr marL="749300" lvl="1" indent="-444500">
+              <a:spcBef>
+                <a:spcPts val="0"/>
+              </a:spcBef>
+              <a:spcAft>
+                <a:spcPts val="1000"/>
+              </a:spcAft>
+              <a:buSzPct val="100000"/>
+            </a:pPr>
+            <a:endParaRPr lang="en-US" sz="3200" u="none" strike="noStrike" cap="none" dirty="0" smtClean="0">
+              <a:solidFill>
+                <a:schemeClr val="bg1"/>
+              </a:solidFill>
+              <a:latin typeface="Arial" charset="0"/>
+              <a:ea typeface="Arial" charset="0"/>
+              <a:cs typeface="Arial" charset="0"/>
+              <a:sym typeface="Cabin"/>
+            </a:endParaRPr>
+          </a:p>
+          <a:p>
+            <a:pPr marL="457200" marR="0" lvl="0" indent="-444500" algn="l" rtl="0">
+              <a:lnSpc>
+                <a:spcPct val="100000"/>
+              </a:lnSpc>
+              <a:spcBef>
+                <a:spcPts val="0"/>
+              </a:spcBef>
+              <a:spcAft>
+                <a:spcPts val="1000"/>
+              </a:spcAft>
+              <a:buSzPct val="100000"/>
+              <a:buFont typeface="Cabin"/>
+            </a:pPr>
+            <a:r>
+              <a:rPr lang="en-US" sz="3600" dirty="0" smtClean="0">
+                <a:solidFill>
+                  <a:srgbClr val="FF7F00"/>
+                </a:solidFill>
+                <a:latin typeface="Arial" charset="0"/>
+                <a:ea typeface="Arial" charset="0"/>
+                <a:cs typeface="Arial" charset="0"/>
+                <a:sym typeface="Cabin"/>
+              </a:rPr>
+              <a:t>Data Structures</a:t>
+            </a:r>
+          </a:p>
+          <a:p>
+            <a:pPr marL="749300" lvl="1" indent="-444500">
+              <a:spcBef>
+                <a:spcPts val="0"/>
+              </a:spcBef>
+              <a:spcAft>
+                <a:spcPts val="1000"/>
+              </a:spcAft>
+              <a:buSzPct val="100000"/>
+            </a:pPr>
+            <a:r>
+              <a:rPr lang="en-US" sz="3200" dirty="0" smtClean="0">
+                <a:solidFill>
+                  <a:schemeClr val="lt1"/>
+                </a:solidFill>
+                <a:latin typeface="Arial" charset="0"/>
+                <a:ea typeface="Arial" charset="0"/>
+                <a:cs typeface="Arial" charset="0"/>
+                <a:sym typeface="Cabin"/>
+              </a:rPr>
+              <a:t>A </a:t>
+            </a:r>
+            <a:r>
+              <a:rPr lang="en-US" sz="3200" dirty="0">
+                <a:solidFill>
+                  <a:schemeClr val="lt1"/>
+                </a:solidFill>
+                <a:latin typeface="Arial" charset="0"/>
+                <a:ea typeface="Arial" charset="0"/>
+                <a:cs typeface="Arial" charset="0"/>
+                <a:sym typeface="Cabin"/>
+              </a:rPr>
+              <a:t>particular way of organizing data in a computer</a:t>
+            </a:r>
+            <a:endParaRPr lang="en-US" sz="3200" u="none" strike="noStrike" cap="none" dirty="0">
+              <a:solidFill>
+                <a:schemeClr val="lt1"/>
+              </a:solidFill>
+              <a:latin typeface="Arial" charset="0"/>
+              <a:ea typeface="Arial" charset="0"/>
+              <a:cs typeface="Arial" charset="0"/>
+              <a:sym typeface="Cabin"/>
+            </a:endParaRPr>
+          </a:p>
+        </p:txBody>
+      </p:sp>
+      <p:sp>
+        <p:nvSpPr>
+          <p:cNvPr id="2" name="Rectangle 1"/>
+          <p:cNvSpPr/>
+          <p:nvPr/>
+        </p:nvSpPr>
+        <p:spPr>
+          <a:xfrm>
+            <a:off x="7767449" y="6941246"/>
+            <a:ext cx="7973658" cy="1077218"/>
+          </a:xfrm>
+          <a:prstGeom prst="rect">
+            <a:avLst/>
+          </a:prstGeom>
+        </p:spPr>
+        <p:txBody>
+          <a:bodyPr wrap="none">
+            <a:spAutoFit/>
+          </a:bodyPr>
+          <a:lstStyle/>
+          <a:p>
+            <a:pPr algn="r"/>
+            <a:r>
+              <a:rPr lang="en-US" sz="3200" dirty="0">
+                <a:solidFill>
+                  <a:srgbClr val="FFFF00"/>
+                </a:solidFill>
+                <a:hlinkClick r:id="rId3"/>
+              </a:rPr>
+              <a:t>https://</a:t>
+            </a:r>
+            <a:r>
+              <a:rPr lang="en-US" sz="3200" dirty="0" smtClean="0">
+                <a:solidFill>
+                  <a:srgbClr val="FFFF00"/>
+                </a:solidFill>
+                <a:hlinkClick r:id="rId3"/>
+              </a:rPr>
+              <a:t>en.wikipedia.org/wiki/Algorithm</a:t>
+            </a:r>
+            <a:endParaRPr lang="en-US" sz="3200" dirty="0" smtClean="0">
+              <a:solidFill>
+                <a:srgbClr val="FFFF00"/>
+              </a:solidFill>
+            </a:endParaRPr>
+          </a:p>
+          <a:p>
+            <a:pPr algn="r"/>
+            <a:r>
+              <a:rPr lang="en-US" sz="3200" dirty="0">
+                <a:solidFill>
+                  <a:srgbClr val="FFFF00"/>
+                </a:solidFill>
+                <a:hlinkClick r:id="rId4"/>
+              </a:rPr>
+              <a:t>https://</a:t>
+            </a:r>
+            <a:r>
+              <a:rPr lang="en-US" sz="3200" dirty="0" smtClean="0">
+                <a:solidFill>
+                  <a:srgbClr val="FFFF00"/>
+                </a:solidFill>
+                <a:hlinkClick r:id="rId4"/>
+              </a:rPr>
+              <a:t>en.wikipedia.org/wiki/Data_structure</a:t>
+            </a:r>
+            <a:endParaRPr lang="en-US" sz="3200" dirty="0" smtClean="0">
+              <a:solidFill>
+                <a:srgbClr val="FFFF00"/>
+              </a:solidFill>
+            </a:endParaRPr>
+          </a:p>
+        </p:txBody>
+      </p:sp>
+    </p:spTree>
+    <p:extLst>
+      <p:ext uri="{BB962C8B-B14F-4D97-AF65-F5344CB8AC3E}">
+        <p14:creationId xmlns:p14="http://schemas.microsoft.com/office/powerpoint/2010/main" val="753444664"/>
+      </p:ext>
+    </p:extLst>
+  </p:cSld>
+  <p:clrMapOvr>
+    <a:masterClrMapping/>
+  </p:clrMapOvr>
+  <p:timing>
+    <p:tnLst>
+      <p:par>
+        <p:cTn id="1" dur="indefinite" restart="never" nodeType="tmRoot"/>
+      </p:par>
+    </p:tnLst>
+  </p:timing>
+</p:sld>
+</file>
+
+<file path=ppt/slides/slide20.xml><?xml version="1.0" encoding="utf-8"?>
 <p:sld xmlns:a="http://schemas.openxmlformats.org/drawingml/2006/main" xmlns:r="http://schemas.openxmlformats.org/officeDocument/2006/relationships" xmlns:p="http://schemas.openxmlformats.org/presentationml/2006/main">
   <p:cSld>
     <p:spTree>
@@ -14426,506 +15739,46 @@
           </a:p>
         </p:txBody>
       </p:sp>
-    </p:spTree>
-  </p:cSld>
-  <p:clrMapOvr>
-    <a:masterClrMapping/>
-  </p:clrMapOvr>
-  <p:timing>
-    <p:tnLst>
-      <p:par>
-        <p:cTn id="1" dur="indefinite" restart="never" nodeType="tmRoot"/>
-      </p:par>
-    </p:tnLst>
-  </p:timing>
-</p:sld>
-</file>
-
-<file path=ppt/slides/slide2.xml><?xml version="1.0" encoding="utf-8"?>
-<p:sld xmlns:a="http://schemas.openxmlformats.org/drawingml/2006/main" xmlns:r="http://schemas.openxmlformats.org/officeDocument/2006/relationships" xmlns:p="http://schemas.openxmlformats.org/presentationml/2006/main">
-  <p:cSld>
-    <p:spTree>
-      <p:nvGrpSpPr>
-        <p:cNvPr id="1" name="Shape 173"/>
-        <p:cNvGrpSpPr/>
-        <p:nvPr/>
-      </p:nvGrpSpPr>
-      <p:grpSpPr>
-        <a:xfrm>
-          <a:off x="0" y="0"/>
-          <a:ext cx="0" cy="0"/>
-          <a:chOff x="0" y="0"/>
-          <a:chExt cx="0" cy="0"/>
-        </a:xfrm>
-      </p:grpSpPr>
       <p:sp>
         <p:nvSpPr>
-          <p:cNvPr id="174" name="Shape 174"/>
-          <p:cNvSpPr txBox="1">
-            <a:spLocks noGrp="1"/>
-          </p:cNvSpPr>
-          <p:nvPr>
-            <p:ph type="title"/>
-          </p:nvPr>
-        </p:nvSpPr>
-        <p:spPr>
-          <a:xfrm>
-            <a:off x="1155700" y="789709"/>
-            <a:ext cx="11688763" cy="1750290"/>
-          </a:xfrm>
-          <a:prstGeom prst="rect">
-            <a:avLst/>
-          </a:prstGeom>
-          <a:noFill/>
-          <a:ln>
-            <a:noFill/>
-          </a:ln>
-        </p:spPr>
-        <p:txBody>
-          <a:bodyPr lIns="38100" tIns="38100" rIns="38100" bIns="38100" anchor="ctr" anchorCtr="0">
-            <a:noAutofit/>
-          </a:bodyPr>
-          <a:lstStyle/>
-          <a:p>
-            <a:pPr marL="0" marR="0" lvl="0" indent="0" algn="ctr" rtl="0">
-              <a:lnSpc>
-                <a:spcPct val="100000"/>
-              </a:lnSpc>
-              <a:spcBef>
-                <a:spcPts val="0"/>
-              </a:spcBef>
-              <a:spcAft>
-                <a:spcPts val="0"/>
-              </a:spcAft>
-              <a:buClr>
-                <a:srgbClr val="00FF00"/>
-              </a:buClr>
-              <a:buSzPct val="25000"/>
-              <a:buFont typeface="Cabin"/>
-              <a:buNone/>
-            </a:pPr>
-            <a:r>
-              <a:rPr lang="en-US" sz="7400" u="none" strike="noStrike" cap="none" dirty="0">
-                <a:solidFill>
-                  <a:srgbClr val="FFFF00"/>
-                </a:solidFill>
-                <a:latin typeface="Arial" charset="0"/>
-                <a:ea typeface="Arial" charset="0"/>
-                <a:cs typeface="Arial" charset="0"/>
-                <a:sym typeface="Cabin"/>
-              </a:rPr>
-              <a:t>A List is a kind of Collection</a:t>
-            </a:r>
-          </a:p>
-        </p:txBody>
-      </p:sp>
-      <p:sp>
-        <p:nvSpPr>
-          <p:cNvPr id="175" name="Shape 175"/>
-          <p:cNvSpPr txBox="1">
-            <a:spLocks noGrp="1"/>
-          </p:cNvSpPr>
-          <p:nvPr>
-            <p:ph type="body" idx="1"/>
-          </p:nvPr>
-        </p:nvSpPr>
-        <p:spPr>
-          <a:xfrm>
-            <a:off x="1155700" y="2603501"/>
-            <a:ext cx="13931900" cy="3525838"/>
-          </a:xfrm>
-          <a:prstGeom prst="rect">
-            <a:avLst/>
-          </a:prstGeom>
-          <a:noFill/>
-          <a:ln>
-            <a:noFill/>
-          </a:ln>
-        </p:spPr>
-        <p:txBody>
-          <a:bodyPr lIns="38100" tIns="38100" rIns="38100" bIns="38100" anchor="ctr" anchorCtr="0">
-            <a:noAutofit/>
-          </a:bodyPr>
-          <a:lstStyle/>
-          <a:p>
-            <a:pPr marL="749300" marR="0" lvl="0" indent="-371094" algn="l" rtl="0">
-              <a:lnSpc>
-                <a:spcPct val="100000"/>
-              </a:lnSpc>
-              <a:spcBef>
-                <a:spcPts val="0"/>
-              </a:spcBef>
-              <a:spcAft>
-                <a:spcPts val="0"/>
-              </a:spcAft>
-              <a:buClr>
-                <a:schemeClr val="lt1"/>
-              </a:buClr>
-              <a:buSzPct val="100000"/>
-              <a:buFont typeface="Cabin"/>
-              <a:buChar char="•"/>
-            </a:pPr>
-            <a:r>
-              <a:rPr lang="en-US" sz="3600" u="none" strike="noStrike" cap="none" dirty="0">
-                <a:solidFill>
-                  <a:schemeClr val="lt1"/>
-                </a:solidFill>
-                <a:latin typeface="Arial" charset="0"/>
-                <a:ea typeface="Arial" charset="0"/>
-                <a:cs typeface="Arial" charset="0"/>
-                <a:sym typeface="Cabin"/>
-              </a:rPr>
-              <a:t>A </a:t>
-            </a:r>
-            <a:r>
-              <a:rPr lang="en-US" sz="3600" u="none" strike="noStrike" cap="none" dirty="0">
-                <a:solidFill>
-                  <a:srgbClr val="FF00FF"/>
-                </a:solidFill>
-                <a:latin typeface="Arial" charset="0"/>
-                <a:ea typeface="Arial" charset="0"/>
-                <a:cs typeface="Arial" charset="0"/>
-                <a:sym typeface="Cabin"/>
-              </a:rPr>
-              <a:t>collection</a:t>
-            </a:r>
-            <a:r>
-              <a:rPr lang="en-US" sz="3600" u="none" strike="noStrike" cap="none" dirty="0">
-                <a:solidFill>
-                  <a:schemeClr val="lt1"/>
-                </a:solidFill>
-                <a:latin typeface="Arial" charset="0"/>
-                <a:ea typeface="Arial" charset="0"/>
-                <a:cs typeface="Arial" charset="0"/>
-                <a:sym typeface="Cabin"/>
-              </a:rPr>
-              <a:t> allows us to put many values in a single </a:t>
-            </a:r>
-            <a:r>
-              <a:rPr lang="en-US" sz="3600" b="0" i="0" u="none" strike="noStrike" cap="none" dirty="0">
-                <a:solidFill>
-                  <a:schemeClr val="lt1"/>
-                </a:solidFill>
-                <a:latin typeface="Arial"/>
-                <a:ea typeface="Arial"/>
-                <a:cs typeface="Arial"/>
-                <a:sym typeface="Arial"/>
-              </a:rPr>
-              <a:t>“</a:t>
-            </a:r>
-            <a:r>
-              <a:rPr lang="en-US" sz="3600" u="none" strike="noStrike" cap="none" dirty="0">
-                <a:solidFill>
-                  <a:srgbClr val="00FF00"/>
-                </a:solidFill>
-                <a:latin typeface="Arial" charset="0"/>
-                <a:ea typeface="Arial" charset="0"/>
-                <a:cs typeface="Arial" charset="0"/>
-                <a:sym typeface="Cabin"/>
-              </a:rPr>
-              <a:t>variable</a:t>
-            </a:r>
-            <a:r>
-              <a:rPr lang="en-US" sz="3600" b="0" i="0" u="none" strike="noStrike" cap="none" dirty="0">
-                <a:solidFill>
-                  <a:schemeClr val="lt1"/>
-                </a:solidFill>
-                <a:latin typeface="Arial"/>
-                <a:ea typeface="Arial"/>
-                <a:cs typeface="Arial"/>
-                <a:sym typeface="Arial"/>
-              </a:rPr>
-              <a:t>”</a:t>
-            </a:r>
-          </a:p>
-          <a:p>
-            <a:pPr marL="749300" marR="0" lvl="0" indent="-371094" algn="l" rtl="0">
-              <a:lnSpc>
-                <a:spcPct val="100000"/>
-              </a:lnSpc>
-              <a:spcBef>
-                <a:spcPts val="3500"/>
-              </a:spcBef>
-              <a:spcAft>
-                <a:spcPts val="0"/>
-              </a:spcAft>
-              <a:buClr>
-                <a:schemeClr val="lt1"/>
-              </a:buClr>
-              <a:buSzPct val="100000"/>
-              <a:buFont typeface="Cabin"/>
-              <a:buChar char="•"/>
-            </a:pPr>
-            <a:r>
-              <a:rPr lang="en-US" sz="3600" u="none" strike="noStrike" cap="none" dirty="0">
-                <a:solidFill>
-                  <a:schemeClr val="lt1"/>
-                </a:solidFill>
-                <a:latin typeface="Arial" charset="0"/>
-                <a:ea typeface="Arial" charset="0"/>
-                <a:cs typeface="Arial" charset="0"/>
-                <a:sym typeface="Cabin"/>
-              </a:rPr>
-              <a:t>A </a:t>
-            </a:r>
-            <a:r>
-              <a:rPr lang="en-US" sz="3600" u="none" strike="noStrike" cap="none" dirty="0">
-                <a:solidFill>
-                  <a:srgbClr val="FF00FF"/>
-                </a:solidFill>
-                <a:latin typeface="Arial" charset="0"/>
-                <a:ea typeface="Arial" charset="0"/>
-                <a:cs typeface="Arial" charset="0"/>
-                <a:sym typeface="Cabin"/>
-              </a:rPr>
-              <a:t>collection</a:t>
-            </a:r>
-            <a:r>
-              <a:rPr lang="en-US" sz="3600" u="none" strike="noStrike" cap="none" dirty="0">
-                <a:solidFill>
-                  <a:schemeClr val="lt1"/>
-                </a:solidFill>
-                <a:latin typeface="Arial" charset="0"/>
-                <a:ea typeface="Arial" charset="0"/>
-                <a:cs typeface="Arial" charset="0"/>
-                <a:sym typeface="Cabin"/>
-              </a:rPr>
-              <a:t> is nice because we can carry all </a:t>
-            </a:r>
-            <a:r>
-              <a:rPr lang="en-US" sz="3600" u="none" strike="noStrike" cap="none" dirty="0">
-                <a:solidFill>
-                  <a:srgbClr val="FF7F00"/>
-                </a:solidFill>
-                <a:latin typeface="Arial" charset="0"/>
-                <a:ea typeface="Arial" charset="0"/>
-                <a:cs typeface="Arial" charset="0"/>
-                <a:sym typeface="Cabin"/>
-              </a:rPr>
-              <a:t>many values</a:t>
-            </a:r>
-            <a:r>
-              <a:rPr lang="en-US" sz="3600" u="none" strike="noStrike" cap="none" dirty="0">
-                <a:solidFill>
-                  <a:schemeClr val="lt1"/>
-                </a:solidFill>
-                <a:latin typeface="Arial" charset="0"/>
-                <a:ea typeface="Arial" charset="0"/>
-                <a:cs typeface="Arial" charset="0"/>
-                <a:sym typeface="Cabin"/>
-              </a:rPr>
-              <a:t> around in one convenient package.</a:t>
-            </a:r>
-          </a:p>
-        </p:txBody>
-      </p:sp>
-      <p:pic>
-        <p:nvPicPr>
-          <p:cNvPr id="176" name="Shape 176"/>
-          <p:cNvPicPr preferRelativeResize="0"/>
-          <p:nvPr/>
-        </p:nvPicPr>
-        <p:blipFill rotWithShape="1">
-          <a:blip r:embed="rId3">
-            <a:alphaModFix/>
-          </a:blip>
-          <a:srcRect/>
-          <a:stretch/>
-        </p:blipFill>
-        <p:spPr>
-          <a:xfrm>
-            <a:off x="13430250" y="904083"/>
-            <a:ext cx="2557874" cy="2096292"/>
-          </a:xfrm>
-          <a:prstGeom prst="rect">
-            <a:avLst/>
-          </a:prstGeom>
-          <a:noFill/>
-          <a:ln>
-            <a:noFill/>
-          </a:ln>
-        </p:spPr>
-      </p:pic>
-      <p:sp>
-        <p:nvSpPr>
-          <p:cNvPr id="177" name="Shape 177"/>
-          <p:cNvSpPr txBox="1"/>
+          <p:cNvPr id="2" name="Hexagon 1"/>
+          <p:cNvSpPr/>
           <p:nvPr/>
         </p:nvSpPr>
         <p:spPr>
           <a:xfrm>
-            <a:off x="2002250" y="6000750"/>
-            <a:ext cx="12192000" cy="2214563"/>
+            <a:off x="34185" y="8503920"/>
+            <a:ext cx="662940" cy="571500"/>
           </a:xfrm>
-          <a:prstGeom prst="rect">
+          <a:prstGeom prst="hexagon">
             <a:avLst/>
           </a:prstGeom>
-          <a:noFill/>
-          <a:ln>
-            <a:noFill/>
-          </a:ln>
+          <a:solidFill>
+            <a:schemeClr val="tx1"/>
+          </a:solidFill>
         </p:spPr>
+        <p:style>
+          <a:lnRef idx="2">
+            <a:schemeClr val="accent1">
+              <a:shade val="50000"/>
+            </a:schemeClr>
+          </a:lnRef>
+          <a:fillRef idx="1">
+            <a:schemeClr val="accent1"/>
+          </a:fillRef>
+          <a:effectRef idx="0">
+            <a:schemeClr val="accent1"/>
+          </a:effectRef>
+          <a:fontRef idx="minor">
+            <a:schemeClr val="lt1"/>
+          </a:fontRef>
+        </p:style>
         <p:txBody>
-          <a:bodyPr lIns="0" tIns="0" rIns="0" bIns="0" anchor="ctr" anchorCtr="0">
-            <a:noAutofit/>
-          </a:bodyPr>
+          <a:bodyPr rtlCol="0" anchor="ctr"/>
           <a:lstStyle/>
           <a:p>
-            <a:pPr marL="0" marR="0" lvl="0" indent="0" algn="l" rtl="0">
-              <a:lnSpc>
-                <a:spcPct val="100000"/>
-              </a:lnSpc>
-              <a:spcBef>
-                <a:spcPts val="0"/>
-              </a:spcBef>
-              <a:spcAft>
-                <a:spcPts val="0"/>
-              </a:spcAft>
-              <a:buClr>
-                <a:srgbClr val="00FF00"/>
-              </a:buClr>
-              <a:buSzPct val="25000"/>
-              <a:buFont typeface="Cabin"/>
-              <a:buNone/>
-            </a:pPr>
-            <a:r>
-              <a:rPr lang="en-US" sz="3600" b="1" i="0" u="none" strike="noStrike" cap="none">
-                <a:solidFill>
-                  <a:srgbClr val="00FF00"/>
-                </a:solidFill>
-                <a:latin typeface="Courier New"/>
-                <a:ea typeface="Courier New"/>
-                <a:cs typeface="Courier New"/>
-                <a:sym typeface="Courier New"/>
-              </a:rPr>
-              <a:t>friends</a:t>
-            </a:r>
-            <a:r>
-              <a:rPr lang="en-US" sz="3600" b="1" i="0" u="none" strike="noStrike" cap="none">
-                <a:solidFill>
-                  <a:srgbClr val="FF7F00"/>
-                </a:solidFill>
-                <a:latin typeface="Courier New"/>
-                <a:ea typeface="Courier New"/>
-                <a:cs typeface="Courier New"/>
-                <a:sym typeface="Courier New"/>
-              </a:rPr>
-              <a:t> </a:t>
-            </a:r>
-            <a:r>
-              <a:rPr lang="en-US" sz="3600" b="1" i="0" u="none" strike="noStrike" cap="none">
-                <a:solidFill>
-                  <a:schemeClr val="lt1"/>
-                </a:solidFill>
-                <a:latin typeface="Courier New"/>
-                <a:ea typeface="Courier New"/>
-                <a:cs typeface="Courier New"/>
-                <a:sym typeface="Courier New"/>
-              </a:rPr>
-              <a:t>=</a:t>
-            </a:r>
-            <a:r>
-              <a:rPr lang="en-US" sz="3600" b="1" i="0" u="none" strike="noStrike" cap="none">
-                <a:solidFill>
-                  <a:srgbClr val="FF7F00"/>
-                </a:solidFill>
-                <a:latin typeface="Courier New"/>
-                <a:ea typeface="Courier New"/>
-                <a:cs typeface="Courier New"/>
-                <a:sym typeface="Courier New"/>
-              </a:rPr>
-              <a:t> [ 'Joseph', 'Glenn', 'Sally' ]</a:t>
-            </a:r>
-          </a:p>
-          <a:p>
-            <a:pPr marL="0" marR="0" lvl="0" indent="0" algn="ctr" rtl="0">
-              <a:lnSpc>
-                <a:spcPct val="100000"/>
-              </a:lnSpc>
-              <a:spcBef>
-                <a:spcPts val="0"/>
-              </a:spcBef>
-              <a:spcAft>
-                <a:spcPts val="0"/>
-              </a:spcAft>
-              <a:buNone/>
-            </a:pPr>
-            <a:endParaRPr sz="3600" b="1" i="0" u="none" strike="noStrike" cap="none" dirty="0">
-              <a:solidFill>
-                <a:srgbClr val="FF7F00"/>
-              </a:solidFill>
-              <a:latin typeface="Courier New"/>
-              <a:ea typeface="Courier New"/>
-              <a:cs typeface="Courier New"/>
-              <a:sym typeface="Courier New"/>
-            </a:endParaRPr>
-          </a:p>
-          <a:p>
-            <a:pPr marL="0" marR="0" lvl="0" indent="0" algn="l" rtl="0">
-              <a:lnSpc>
-                <a:spcPct val="100000"/>
-              </a:lnSpc>
-              <a:spcBef>
-                <a:spcPts val="0"/>
-              </a:spcBef>
-              <a:spcAft>
-                <a:spcPts val="0"/>
-              </a:spcAft>
-              <a:buClr>
-                <a:srgbClr val="00FF00"/>
-              </a:buClr>
-              <a:buSzPct val="25000"/>
-              <a:buFont typeface="Cabin"/>
-              <a:buNone/>
-            </a:pPr>
-            <a:r>
-              <a:rPr lang="en-US" sz="3600" b="1" i="0" u="none" strike="noStrike" cap="none" dirty="0">
-                <a:solidFill>
-                  <a:srgbClr val="00FF00"/>
-                </a:solidFill>
-                <a:latin typeface="Courier New"/>
-                <a:ea typeface="Courier New"/>
-                <a:cs typeface="Courier New"/>
-                <a:sym typeface="Courier New"/>
-              </a:rPr>
-              <a:t>carryon</a:t>
-            </a:r>
-            <a:r>
-              <a:rPr lang="en-US" sz="3600" b="1" i="0" u="none" strike="noStrike" cap="none" dirty="0">
-                <a:solidFill>
-                  <a:srgbClr val="FF7F00"/>
-                </a:solidFill>
-                <a:latin typeface="Courier New"/>
-                <a:ea typeface="Courier New"/>
-                <a:cs typeface="Courier New"/>
-                <a:sym typeface="Courier New"/>
-              </a:rPr>
-              <a:t> </a:t>
-            </a:r>
-            <a:r>
-              <a:rPr lang="en-US" sz="3600" b="1" i="0" u="none" strike="noStrike" cap="none" dirty="0">
-                <a:solidFill>
-                  <a:schemeClr val="lt1"/>
-                </a:solidFill>
-                <a:latin typeface="Courier New"/>
-                <a:ea typeface="Courier New"/>
-                <a:cs typeface="Courier New"/>
-                <a:sym typeface="Courier New"/>
-              </a:rPr>
-              <a:t>=</a:t>
-            </a:r>
-            <a:r>
-              <a:rPr lang="en-US" sz="3600" b="1" i="0" u="none" strike="noStrike" cap="none" dirty="0">
-                <a:solidFill>
-                  <a:srgbClr val="FF7F00"/>
-                </a:solidFill>
-                <a:latin typeface="Courier New"/>
-                <a:ea typeface="Courier New"/>
-                <a:cs typeface="Courier New"/>
-                <a:sym typeface="Courier New"/>
-              </a:rPr>
-              <a:t> [ 'socks', 'shirt', 'perfume' ]</a:t>
-            </a:r>
+            <a:pPr algn="ctr"/>
+            <a:endParaRPr lang="en-US"/>
           </a:p>
         </p:txBody>
       </p:sp>
@@ -14944,7 +15797,7 @@
 </p:sld>
 </file>
 
-<file path=ppt/slides/slide20.xml><?xml version="1.0" encoding="utf-8"?>
+<file path=ppt/slides/slide21.xml><?xml version="1.0" encoding="utf-8"?>
 <p:sld xmlns:a="http://schemas.openxmlformats.org/drawingml/2006/main" xmlns:r="http://schemas.openxmlformats.org/officeDocument/2006/relationships" xmlns:p="http://schemas.openxmlformats.org/presentationml/2006/main">
   <p:cSld>
     <p:spTree>
@@ -16240,7 +17093,7 @@
 </p:sld>
 </file>
 
-<file path=ppt/slides/slide21.xml><?xml version="1.0" encoding="utf-8"?>
+<file path=ppt/slides/slide22.xml><?xml version="1.0" encoding="utf-8"?>
 <p:sld xmlns:a="http://schemas.openxmlformats.org/drawingml/2006/main" xmlns:r="http://schemas.openxmlformats.org/officeDocument/2006/relationships" xmlns:p="http://schemas.openxmlformats.org/presentationml/2006/main">
   <p:cSld>
     <p:spTree>
@@ -17723,7 +18576,7 @@
 </p:sld>
 </file>
 
-<file path=ppt/slides/slide22.xml><?xml version="1.0" encoding="utf-8"?>
+<file path=ppt/slides/slide23.xml><?xml version="1.0" encoding="utf-8"?>
 <p:sld xmlns:a="http://schemas.openxmlformats.org/drawingml/2006/main" xmlns:r="http://schemas.openxmlformats.org/officeDocument/2006/relationships" xmlns:p="http://schemas.openxmlformats.org/presentationml/2006/main">
   <p:cSld>
     <p:spTree>
@@ -19009,7 +19862,7 @@
 </p:sld>
 </file>
 
-<file path=ppt/slides/slide23.xml><?xml version="1.0" encoding="utf-8"?>
+<file path=ppt/slides/slide24.xml><?xml version="1.0" encoding="utf-8"?>
 <p:sld xmlns:a="http://schemas.openxmlformats.org/drawingml/2006/main" xmlns:r="http://schemas.openxmlformats.org/officeDocument/2006/relationships" xmlns:p="http://schemas.openxmlformats.org/presentationml/2006/main">
   <p:cSld>
     <p:spTree>
@@ -19453,7 +20306,7 @@
 </p:sld>
 </file>
 
-<file path=ppt/slides/slide24.xml><?xml version="1.0" encoding="utf-8"?>
+<file path=ppt/slides/slide25.xml><?xml version="1.0" encoding="utf-8"?>
 <p:sld xmlns:a="http://schemas.openxmlformats.org/drawingml/2006/main" xmlns:r="http://schemas.openxmlformats.org/officeDocument/2006/relationships" xmlns:p="http://schemas.openxmlformats.org/presentationml/2006/main">
   <p:cSld>
     <p:spTree>
@@ -19828,7 +20681,7 @@
 </p:sld>
 </file>
 
-<file path=ppt/slides/slide25.xml><?xml version="1.0" encoding="utf-8"?>
+<file path=ppt/slides/slide26.xml><?xml version="1.0" encoding="utf-8"?>
 <p:sld xmlns:a="http://schemas.openxmlformats.org/drawingml/2006/main" xmlns:r="http://schemas.openxmlformats.org/officeDocument/2006/relationships" xmlns:p="http://schemas.openxmlformats.org/presentationml/2006/main">
   <p:cSld>
     <p:spTree>
@@ -20303,7 +21156,7 @@
 </p:sld>
 </file>
 
-<file path=ppt/slides/slide26.xml><?xml version="1.0" encoding="utf-8"?>
+<file path=ppt/slides/slide27.xml><?xml version="1.0" encoding="utf-8"?>
 <p:sld xmlns:a="http://schemas.openxmlformats.org/drawingml/2006/main" xmlns:r="http://schemas.openxmlformats.org/officeDocument/2006/relationships" xmlns:p="http://schemas.openxmlformats.org/presentationml/2006/main">
   <p:cSld>
     <p:spTree>
@@ -20923,7 +21776,7 @@
 </p:sld>
 </file>
 
-<file path=ppt/slides/slide27.xml><?xml version="1.0" encoding="utf-8"?>
+<file path=ppt/slides/slide28.xml><?xml version="1.0" encoding="utf-8"?>
 <p:sld xmlns:a="http://schemas.openxmlformats.org/drawingml/2006/main" xmlns:r="http://schemas.openxmlformats.org/officeDocument/2006/relationships" xmlns:p="http://schemas.openxmlformats.org/presentationml/2006/main">
   <p:cSld>
     <p:spTree>
@@ -21331,7 +22184,7 @@
 </p:sld>
 </file>
 
-<file path=ppt/slides/slide28.xml><?xml version="1.0" encoding="utf-8"?>
+<file path=ppt/slides/slide29.xml><?xml version="1.0" encoding="utf-8"?>
 <p:sld xmlns:a="http://schemas.openxmlformats.org/drawingml/2006/main" xmlns:r="http://schemas.openxmlformats.org/officeDocument/2006/relationships" xmlns:p="http://schemas.openxmlformats.org/presentationml/2006/main">
   <p:cSld>
     <p:spTree>
@@ -21706,7 +22559,7 @@
               <a:buNone/>
             </a:pPr>
             <a:r>
-              <a:rPr lang="en-US" sz="7600" u="none" strike="noStrike" cap="none">
+              <a:rPr lang="en-US" sz="7600" u="none" strike="noStrike" cap="none" dirty="0">
                 <a:solidFill>
                   <a:srgbClr val="FFFF00"/>
                 </a:solidFill>
@@ -21718,7 +22571,7 @@
               <a:t>What is not a </a:t>
             </a:r>
             <a:r>
-              <a:rPr lang="en-US" sz="7600" b="0" i="0" u="none" strike="noStrike" cap="none">
+              <a:rPr lang="en-US" sz="7600" b="0" i="0" u="none" strike="noStrike" cap="none" dirty="0">
                 <a:solidFill>
                   <a:srgbClr val="FFFF00"/>
                 </a:solidFill>
@@ -21730,7 +22583,7 @@
               <a:t>“</a:t>
             </a:r>
             <a:r>
-              <a:rPr lang="en-US" sz="7600" u="none" strike="noStrike" cap="none">
+              <a:rPr lang="en-US" sz="7600" u="none" strike="noStrike" cap="none" dirty="0">
                 <a:solidFill>
                   <a:srgbClr val="FFFF00"/>
                 </a:solidFill>
@@ -21742,7 +22595,7 @@
               <a:t>Collection</a:t>
             </a:r>
             <a:r>
-              <a:rPr lang="en-US" sz="7600" b="0" i="0" u="none" strike="noStrike" cap="none">
+              <a:rPr lang="en-US" sz="7600" b="0" i="0" u="none" strike="noStrike" cap="none" dirty="0">
                 <a:solidFill>
                   <a:srgbClr val="FFFF00"/>
                 </a:solidFill>
@@ -21798,7 +22651,7 @@
               <a:buNone/>
             </a:pPr>
             <a:r>
-              <a:rPr lang="en-US" sz="3600" u="none" strike="noStrike" cap="none">
+              <a:rPr lang="en-US" sz="3600" u="none" strike="noStrike" cap="none" dirty="0">
                 <a:solidFill>
                   <a:schemeClr val="lt1"/>
                 </a:solidFill>
@@ -21810,7 +22663,7 @@
               <a:t>Most of our </a:t>
             </a:r>
             <a:r>
-              <a:rPr lang="en-US" sz="3600" u="none" strike="noStrike" cap="none">
+              <a:rPr lang="en-US" sz="3600" u="none" strike="noStrike" cap="none" dirty="0">
                 <a:solidFill>
                   <a:srgbClr val="00FF00"/>
                 </a:solidFill>
@@ -21822,7 +22675,7 @@
               <a:t>variables</a:t>
             </a:r>
             <a:r>
-              <a:rPr lang="en-US" sz="3600" u="none" strike="noStrike" cap="none">
+              <a:rPr lang="en-US" sz="3600" u="none" strike="noStrike" cap="none" dirty="0">
                 <a:solidFill>
                   <a:schemeClr val="lt1"/>
                 </a:solidFill>
@@ -21834,7 +22687,7 @@
               <a:t> have one value in them - when we put a new value in the </a:t>
             </a:r>
             <a:r>
-              <a:rPr lang="en-US" sz="3600" u="none" strike="noStrike" cap="none">
+              <a:rPr lang="en-US" sz="3600" u="none" strike="noStrike" cap="none" dirty="0">
                 <a:solidFill>
                   <a:srgbClr val="00FF00"/>
                 </a:solidFill>
@@ -21846,7 +22699,7 @@
               <a:t>variable</a:t>
             </a:r>
             <a:r>
-              <a:rPr lang="en-US" sz="3600">
+              <a:rPr lang="en-US" sz="3600" dirty="0">
                 <a:solidFill>
                   <a:schemeClr val="lt1"/>
                 </a:solidFill>
@@ -21858,7 +22711,7 @@
               <a:t>,</a:t>
             </a:r>
             <a:r>
-              <a:rPr lang="en-US" sz="3600" u="none" strike="noStrike" cap="none">
+              <a:rPr lang="en-US" sz="3600" u="none" strike="noStrike" cap="none" dirty="0">
                 <a:solidFill>
                   <a:schemeClr val="lt1"/>
                 </a:solidFill>
@@ -22174,6 +23027,509 @@
 </file>
 
 <file path=ppt/slides/slide4.xml><?xml version="1.0" encoding="utf-8"?>
+<p:sld xmlns:a="http://schemas.openxmlformats.org/drawingml/2006/main" xmlns:r="http://schemas.openxmlformats.org/officeDocument/2006/relationships" xmlns:p="http://schemas.openxmlformats.org/presentationml/2006/main">
+  <p:cSld>
+    <p:spTree>
+      <p:nvGrpSpPr>
+        <p:cNvPr id="1" name="Shape 173"/>
+        <p:cNvGrpSpPr/>
+        <p:nvPr/>
+      </p:nvGrpSpPr>
+      <p:grpSpPr>
+        <a:xfrm>
+          <a:off x="0" y="0"/>
+          <a:ext cx="0" cy="0"/>
+          <a:chOff x="0" y="0"/>
+          <a:chExt cx="0" cy="0"/>
+        </a:xfrm>
+      </p:grpSpPr>
+      <p:sp>
+        <p:nvSpPr>
+          <p:cNvPr id="174" name="Shape 174"/>
+          <p:cNvSpPr txBox="1">
+            <a:spLocks noGrp="1"/>
+          </p:cNvSpPr>
+          <p:nvPr>
+            <p:ph type="title"/>
+          </p:nvPr>
+        </p:nvSpPr>
+        <p:spPr>
+          <a:xfrm>
+            <a:off x="1155700" y="789709"/>
+            <a:ext cx="11688763" cy="1750290"/>
+          </a:xfrm>
+          <a:prstGeom prst="rect">
+            <a:avLst/>
+          </a:prstGeom>
+          <a:noFill/>
+          <a:ln>
+            <a:noFill/>
+          </a:ln>
+        </p:spPr>
+        <p:txBody>
+          <a:bodyPr lIns="38100" tIns="38100" rIns="38100" bIns="38100" anchor="ctr" anchorCtr="0">
+            <a:noAutofit/>
+          </a:bodyPr>
+          <a:lstStyle/>
+          <a:p>
+            <a:pPr marL="0" marR="0" lvl="0" indent="0" algn="ctr" rtl="0">
+              <a:lnSpc>
+                <a:spcPct val="100000"/>
+              </a:lnSpc>
+              <a:spcBef>
+                <a:spcPts val="0"/>
+              </a:spcBef>
+              <a:spcAft>
+                <a:spcPts val="0"/>
+              </a:spcAft>
+              <a:buClr>
+                <a:srgbClr val="00FF00"/>
+              </a:buClr>
+              <a:buSzPct val="25000"/>
+              <a:buFont typeface="Cabin"/>
+              <a:buNone/>
+            </a:pPr>
+            <a:r>
+              <a:rPr lang="en-US" sz="7400" u="none" strike="noStrike" cap="none" dirty="0">
+                <a:solidFill>
+                  <a:srgbClr val="FFFF00"/>
+                </a:solidFill>
+                <a:latin typeface="Arial" charset="0"/>
+                <a:ea typeface="Arial" charset="0"/>
+                <a:cs typeface="Arial" charset="0"/>
+                <a:sym typeface="Cabin"/>
+              </a:rPr>
+              <a:t>A List is a kind of Collection</a:t>
+            </a:r>
+          </a:p>
+        </p:txBody>
+      </p:sp>
+      <p:sp>
+        <p:nvSpPr>
+          <p:cNvPr id="175" name="Shape 175"/>
+          <p:cNvSpPr txBox="1">
+            <a:spLocks noGrp="1"/>
+          </p:cNvSpPr>
+          <p:nvPr>
+            <p:ph type="body" idx="1"/>
+          </p:nvPr>
+        </p:nvSpPr>
+        <p:spPr>
+          <a:xfrm>
+            <a:off x="1155700" y="2603501"/>
+            <a:ext cx="13931900" cy="3525838"/>
+          </a:xfrm>
+          <a:prstGeom prst="rect">
+            <a:avLst/>
+          </a:prstGeom>
+          <a:noFill/>
+          <a:ln>
+            <a:noFill/>
+          </a:ln>
+        </p:spPr>
+        <p:txBody>
+          <a:bodyPr lIns="38100" tIns="38100" rIns="38100" bIns="38100" anchor="ctr" anchorCtr="0">
+            <a:noAutofit/>
+          </a:bodyPr>
+          <a:lstStyle/>
+          <a:p>
+            <a:pPr marL="749300" marR="0" lvl="0" indent="-371094" algn="l" rtl="0">
+              <a:lnSpc>
+                <a:spcPct val="100000"/>
+              </a:lnSpc>
+              <a:spcBef>
+                <a:spcPts val="0"/>
+              </a:spcBef>
+              <a:spcAft>
+                <a:spcPts val="0"/>
+              </a:spcAft>
+              <a:buClr>
+                <a:schemeClr val="lt1"/>
+              </a:buClr>
+              <a:buSzPct val="100000"/>
+              <a:buFont typeface="Cabin"/>
+              <a:buChar char="•"/>
+            </a:pPr>
+            <a:r>
+              <a:rPr lang="en-US" sz="3600" u="none" strike="noStrike" cap="none" dirty="0">
+                <a:solidFill>
+                  <a:schemeClr val="lt1"/>
+                </a:solidFill>
+                <a:latin typeface="Arial" charset="0"/>
+                <a:ea typeface="Arial" charset="0"/>
+                <a:cs typeface="Arial" charset="0"/>
+                <a:sym typeface="Cabin"/>
+              </a:rPr>
+              <a:t>A </a:t>
+            </a:r>
+            <a:r>
+              <a:rPr lang="en-US" sz="3600" u="none" strike="noStrike" cap="none" dirty="0">
+                <a:solidFill>
+                  <a:srgbClr val="FF00FF"/>
+                </a:solidFill>
+                <a:latin typeface="Arial" charset="0"/>
+                <a:ea typeface="Arial" charset="0"/>
+                <a:cs typeface="Arial" charset="0"/>
+                <a:sym typeface="Cabin"/>
+              </a:rPr>
+              <a:t>collection</a:t>
+            </a:r>
+            <a:r>
+              <a:rPr lang="en-US" sz="3600" u="none" strike="noStrike" cap="none" dirty="0">
+                <a:solidFill>
+                  <a:schemeClr val="lt1"/>
+                </a:solidFill>
+                <a:latin typeface="Arial" charset="0"/>
+                <a:ea typeface="Arial" charset="0"/>
+                <a:cs typeface="Arial" charset="0"/>
+                <a:sym typeface="Cabin"/>
+              </a:rPr>
+              <a:t> allows us to put many values in a single </a:t>
+            </a:r>
+            <a:r>
+              <a:rPr lang="en-US" sz="3600" b="0" i="0" u="none" strike="noStrike" cap="none" dirty="0">
+                <a:solidFill>
+                  <a:schemeClr val="lt1"/>
+                </a:solidFill>
+                <a:latin typeface="Arial"/>
+                <a:ea typeface="Arial"/>
+                <a:cs typeface="Arial"/>
+                <a:sym typeface="Arial"/>
+              </a:rPr>
+              <a:t>“</a:t>
+            </a:r>
+            <a:r>
+              <a:rPr lang="en-US" sz="3600" u="none" strike="noStrike" cap="none" dirty="0">
+                <a:solidFill>
+                  <a:srgbClr val="00FF00"/>
+                </a:solidFill>
+                <a:latin typeface="Arial" charset="0"/>
+                <a:ea typeface="Arial" charset="0"/>
+                <a:cs typeface="Arial" charset="0"/>
+                <a:sym typeface="Cabin"/>
+              </a:rPr>
+              <a:t>variable</a:t>
+            </a:r>
+            <a:r>
+              <a:rPr lang="en-US" sz="3600" b="0" i="0" u="none" strike="noStrike" cap="none" dirty="0">
+                <a:solidFill>
+                  <a:schemeClr val="lt1"/>
+                </a:solidFill>
+                <a:latin typeface="Arial"/>
+                <a:ea typeface="Arial"/>
+                <a:cs typeface="Arial"/>
+                <a:sym typeface="Arial"/>
+              </a:rPr>
+              <a:t>”</a:t>
+            </a:r>
+          </a:p>
+          <a:p>
+            <a:pPr marL="749300" marR="0" lvl="0" indent="-371094" algn="l" rtl="0">
+              <a:lnSpc>
+                <a:spcPct val="100000"/>
+              </a:lnSpc>
+              <a:spcBef>
+                <a:spcPts val="3500"/>
+              </a:spcBef>
+              <a:spcAft>
+                <a:spcPts val="0"/>
+              </a:spcAft>
+              <a:buClr>
+                <a:schemeClr val="lt1"/>
+              </a:buClr>
+              <a:buSzPct val="100000"/>
+              <a:buFont typeface="Cabin"/>
+              <a:buChar char="•"/>
+            </a:pPr>
+            <a:r>
+              <a:rPr lang="en-US" sz="3600" u="none" strike="noStrike" cap="none" dirty="0">
+                <a:solidFill>
+                  <a:schemeClr val="lt1"/>
+                </a:solidFill>
+                <a:latin typeface="Arial" charset="0"/>
+                <a:ea typeface="Arial" charset="0"/>
+                <a:cs typeface="Arial" charset="0"/>
+                <a:sym typeface="Cabin"/>
+              </a:rPr>
+              <a:t>A </a:t>
+            </a:r>
+            <a:r>
+              <a:rPr lang="en-US" sz="3600" u="none" strike="noStrike" cap="none" dirty="0">
+                <a:solidFill>
+                  <a:srgbClr val="FF00FF"/>
+                </a:solidFill>
+                <a:latin typeface="Arial" charset="0"/>
+                <a:ea typeface="Arial" charset="0"/>
+                <a:cs typeface="Arial" charset="0"/>
+                <a:sym typeface="Cabin"/>
+              </a:rPr>
+              <a:t>collection</a:t>
+            </a:r>
+            <a:r>
+              <a:rPr lang="en-US" sz="3600" u="none" strike="noStrike" cap="none" dirty="0">
+                <a:solidFill>
+                  <a:schemeClr val="lt1"/>
+                </a:solidFill>
+                <a:latin typeface="Arial" charset="0"/>
+                <a:ea typeface="Arial" charset="0"/>
+                <a:cs typeface="Arial" charset="0"/>
+                <a:sym typeface="Cabin"/>
+              </a:rPr>
+              <a:t> is nice because we can carry all </a:t>
+            </a:r>
+            <a:r>
+              <a:rPr lang="en-US" sz="3600" u="none" strike="noStrike" cap="none" dirty="0">
+                <a:solidFill>
+                  <a:srgbClr val="FF7F00"/>
+                </a:solidFill>
+                <a:latin typeface="Arial" charset="0"/>
+                <a:ea typeface="Arial" charset="0"/>
+                <a:cs typeface="Arial" charset="0"/>
+                <a:sym typeface="Cabin"/>
+              </a:rPr>
+              <a:t>many values</a:t>
+            </a:r>
+            <a:r>
+              <a:rPr lang="en-US" sz="3600" u="none" strike="noStrike" cap="none" dirty="0">
+                <a:solidFill>
+                  <a:schemeClr val="lt1"/>
+                </a:solidFill>
+                <a:latin typeface="Arial" charset="0"/>
+                <a:ea typeface="Arial" charset="0"/>
+                <a:cs typeface="Arial" charset="0"/>
+                <a:sym typeface="Cabin"/>
+              </a:rPr>
+              <a:t> around in one convenient package.</a:t>
+            </a:r>
+          </a:p>
+        </p:txBody>
+      </p:sp>
+      <p:pic>
+        <p:nvPicPr>
+          <p:cNvPr id="176" name="Shape 176"/>
+          <p:cNvPicPr preferRelativeResize="0"/>
+          <p:nvPr/>
+        </p:nvPicPr>
+        <p:blipFill rotWithShape="1">
+          <a:blip r:embed="rId3">
+            <a:alphaModFix/>
+          </a:blip>
+          <a:srcRect/>
+          <a:stretch/>
+        </p:blipFill>
+        <p:spPr>
+          <a:xfrm>
+            <a:off x="13430250" y="904083"/>
+            <a:ext cx="2557874" cy="2096292"/>
+          </a:xfrm>
+          <a:prstGeom prst="rect">
+            <a:avLst/>
+          </a:prstGeom>
+          <a:noFill/>
+          <a:ln>
+            <a:noFill/>
+          </a:ln>
+        </p:spPr>
+      </p:pic>
+      <p:sp>
+        <p:nvSpPr>
+          <p:cNvPr id="177" name="Shape 177"/>
+          <p:cNvSpPr txBox="1"/>
+          <p:nvPr/>
+        </p:nvSpPr>
+        <p:spPr>
+          <a:xfrm>
+            <a:off x="2002250" y="6000750"/>
+            <a:ext cx="12192000" cy="2214563"/>
+          </a:xfrm>
+          <a:prstGeom prst="rect">
+            <a:avLst/>
+          </a:prstGeom>
+          <a:noFill/>
+          <a:ln>
+            <a:noFill/>
+          </a:ln>
+        </p:spPr>
+        <p:txBody>
+          <a:bodyPr lIns="0" tIns="0" rIns="0" bIns="0" anchor="ctr" anchorCtr="0">
+            <a:noAutofit/>
+          </a:bodyPr>
+          <a:lstStyle/>
+          <a:p>
+            <a:pPr marL="0" marR="0" lvl="0" indent="0" algn="l" rtl="0">
+              <a:lnSpc>
+                <a:spcPct val="100000"/>
+              </a:lnSpc>
+              <a:spcBef>
+                <a:spcPts val="0"/>
+              </a:spcBef>
+              <a:spcAft>
+                <a:spcPts val="0"/>
+              </a:spcAft>
+              <a:buClr>
+                <a:srgbClr val="00FF00"/>
+              </a:buClr>
+              <a:buSzPct val="25000"/>
+              <a:buFont typeface="Cabin"/>
+              <a:buNone/>
+            </a:pPr>
+            <a:r>
+              <a:rPr lang="en-US" sz="3600" b="1" i="0" u="none" strike="noStrike" cap="none">
+                <a:solidFill>
+                  <a:srgbClr val="00FF00"/>
+                </a:solidFill>
+                <a:latin typeface="Courier New"/>
+                <a:ea typeface="Courier New"/>
+                <a:cs typeface="Courier New"/>
+                <a:sym typeface="Courier New"/>
+              </a:rPr>
+              <a:t>friends</a:t>
+            </a:r>
+            <a:r>
+              <a:rPr lang="en-US" sz="3600" b="1" i="0" u="none" strike="noStrike" cap="none">
+                <a:solidFill>
+                  <a:srgbClr val="FF7F00"/>
+                </a:solidFill>
+                <a:latin typeface="Courier New"/>
+                <a:ea typeface="Courier New"/>
+                <a:cs typeface="Courier New"/>
+                <a:sym typeface="Courier New"/>
+              </a:rPr>
+              <a:t> </a:t>
+            </a:r>
+            <a:r>
+              <a:rPr lang="en-US" sz="3600" b="1" i="0" u="none" strike="noStrike" cap="none">
+                <a:solidFill>
+                  <a:schemeClr val="lt1"/>
+                </a:solidFill>
+                <a:latin typeface="Courier New"/>
+                <a:ea typeface="Courier New"/>
+                <a:cs typeface="Courier New"/>
+                <a:sym typeface="Courier New"/>
+              </a:rPr>
+              <a:t>=</a:t>
+            </a:r>
+            <a:r>
+              <a:rPr lang="en-US" sz="3600" b="1" i="0" u="none" strike="noStrike" cap="none">
+                <a:solidFill>
+                  <a:srgbClr val="FF7F00"/>
+                </a:solidFill>
+                <a:latin typeface="Courier New"/>
+                <a:ea typeface="Courier New"/>
+                <a:cs typeface="Courier New"/>
+                <a:sym typeface="Courier New"/>
+              </a:rPr>
+              <a:t> [ 'Joseph', 'Glenn', 'Sally' ]</a:t>
+            </a:r>
+          </a:p>
+          <a:p>
+            <a:pPr marL="0" marR="0" lvl="0" indent="0" algn="ctr" rtl="0">
+              <a:lnSpc>
+                <a:spcPct val="100000"/>
+              </a:lnSpc>
+              <a:spcBef>
+                <a:spcPts val="0"/>
+              </a:spcBef>
+              <a:spcAft>
+                <a:spcPts val="0"/>
+              </a:spcAft>
+              <a:buNone/>
+            </a:pPr>
+            <a:endParaRPr sz="3600" b="1" i="0" u="none" strike="noStrike" cap="none" dirty="0">
+              <a:solidFill>
+                <a:srgbClr val="FF7F00"/>
+              </a:solidFill>
+              <a:latin typeface="Courier New"/>
+              <a:ea typeface="Courier New"/>
+              <a:cs typeface="Courier New"/>
+              <a:sym typeface="Courier New"/>
+            </a:endParaRPr>
+          </a:p>
+          <a:p>
+            <a:pPr marL="0" marR="0" lvl="0" indent="0" algn="l" rtl="0">
+              <a:lnSpc>
+                <a:spcPct val="100000"/>
+              </a:lnSpc>
+              <a:spcBef>
+                <a:spcPts val="0"/>
+              </a:spcBef>
+              <a:spcAft>
+                <a:spcPts val="0"/>
+              </a:spcAft>
+              <a:buClr>
+                <a:srgbClr val="00FF00"/>
+              </a:buClr>
+              <a:buSzPct val="25000"/>
+              <a:buFont typeface="Cabin"/>
+              <a:buNone/>
+            </a:pPr>
+            <a:r>
+              <a:rPr lang="en-US" sz="3600" b="1" i="0" u="none" strike="noStrike" cap="none" dirty="0">
+                <a:solidFill>
+                  <a:srgbClr val="00FF00"/>
+                </a:solidFill>
+                <a:latin typeface="Courier New"/>
+                <a:ea typeface="Courier New"/>
+                <a:cs typeface="Courier New"/>
+                <a:sym typeface="Courier New"/>
+              </a:rPr>
+              <a:t>carryon</a:t>
+            </a:r>
+            <a:r>
+              <a:rPr lang="en-US" sz="3600" b="1" i="0" u="none" strike="noStrike" cap="none" dirty="0">
+                <a:solidFill>
+                  <a:srgbClr val="FF7F00"/>
+                </a:solidFill>
+                <a:latin typeface="Courier New"/>
+                <a:ea typeface="Courier New"/>
+                <a:cs typeface="Courier New"/>
+                <a:sym typeface="Courier New"/>
+              </a:rPr>
+              <a:t> </a:t>
+            </a:r>
+            <a:r>
+              <a:rPr lang="en-US" sz="3600" b="1" i="0" u="none" strike="noStrike" cap="none" dirty="0">
+                <a:solidFill>
+                  <a:schemeClr val="lt1"/>
+                </a:solidFill>
+                <a:latin typeface="Courier New"/>
+                <a:ea typeface="Courier New"/>
+                <a:cs typeface="Courier New"/>
+                <a:sym typeface="Courier New"/>
+              </a:rPr>
+              <a:t>=</a:t>
+            </a:r>
+            <a:r>
+              <a:rPr lang="en-US" sz="3600" b="1" i="0" u="none" strike="noStrike" cap="none" dirty="0">
+                <a:solidFill>
+                  <a:srgbClr val="FF7F00"/>
+                </a:solidFill>
+                <a:latin typeface="Courier New"/>
+                <a:ea typeface="Courier New"/>
+                <a:cs typeface="Courier New"/>
+                <a:sym typeface="Courier New"/>
+              </a:rPr>
+              <a:t> [ 'socks', 'shirt', 'perfume' ]</a:t>
+            </a:r>
+          </a:p>
+        </p:txBody>
+      </p:sp>
+    </p:spTree>
+  </p:cSld>
+  <p:clrMapOvr>
+    <a:masterClrMapping/>
+  </p:clrMapOvr>
+  <p:timing>
+    <p:tnLst>
+      <p:par>
+        <p:cTn id="1" dur="indefinite" restart="never" nodeType="tmRoot"/>
+      </p:par>
+    </p:tnLst>
+  </p:timing>
+</p:sld>
+</file>
+
+<file path=ppt/slides/slide5.xml><?xml version="1.0" encoding="utf-8"?>
 <p:sld xmlns:a="http://schemas.openxmlformats.org/drawingml/2006/main" xmlns:r="http://schemas.openxmlformats.org/officeDocument/2006/relationships" xmlns:p="http://schemas.openxmlformats.org/presentationml/2006/main">
   <p:cSld>
     <p:spTree>
@@ -23172,7 +24528,7 @@
 </p:sld>
 </file>
 
-<file path=ppt/slides/slide5.xml><?xml version="1.0" encoding="utf-8"?>
+<file path=ppt/slides/slide6.xml><?xml version="1.0" encoding="utf-8"?>
 <p:sld xmlns:a="http://schemas.openxmlformats.org/drawingml/2006/main" xmlns:r="http://schemas.openxmlformats.org/officeDocument/2006/relationships" xmlns:p="http://schemas.openxmlformats.org/presentationml/2006/main">
   <p:cSld>
     <p:spTree>
@@ -23785,7 +25141,7 @@
 </p:sld>
 </file>
 
-<file path=ppt/slides/slide6.xml><?xml version="1.0" encoding="utf-8"?>
+<file path=ppt/slides/slide7.xml><?xml version="1.0" encoding="utf-8"?>
 <p:sld xmlns:a="http://schemas.openxmlformats.org/drawingml/2006/main" xmlns:r="http://schemas.openxmlformats.org/officeDocument/2006/relationships" xmlns:p="http://schemas.openxmlformats.org/presentationml/2006/main">
   <p:cSld>
     <p:spTree>
@@ -24844,7 +26200,7 @@
 </p:sld>
 </file>
 
-<file path=ppt/slides/slide7.xml><?xml version="1.0" encoding="utf-8"?>
+<file path=ppt/slides/slide8.xml><?xml version="1.0" encoding="utf-8"?>
 <p:sld xmlns:a="http://schemas.openxmlformats.org/drawingml/2006/main" xmlns:r="http://schemas.openxmlformats.org/officeDocument/2006/relationships" xmlns:p="http://schemas.openxmlformats.org/presentationml/2006/main">
   <p:cSld>
     <p:spTree>
@@ -25664,7 +27020,7 @@
 </p:sld>
 </file>
 
-<file path=ppt/slides/slide8.xml><?xml version="1.0" encoding="utf-8"?>
+<file path=ppt/slides/slide9.xml><?xml version="1.0" encoding="utf-8"?>
 <p:sld xmlns:a="http://schemas.openxmlformats.org/drawingml/2006/main" xmlns:r="http://schemas.openxmlformats.org/officeDocument/2006/relationships" xmlns:p="http://schemas.openxmlformats.org/presentationml/2006/main">
   <p:cSld>
     <p:spTree>
@@ -26908,808 +28264,6 @@
               </a:rPr>
               <a:t>, 41, 63]</a:t>
             </a:r>
-          </a:p>
-        </p:txBody>
-      </p:sp>
-    </p:spTree>
-  </p:cSld>
-  <p:clrMapOvr>
-    <a:masterClrMapping/>
-  </p:clrMapOvr>
-  <p:timing>
-    <p:tnLst>
-      <p:par>
-        <p:cTn id="1" dur="indefinite" restart="never" nodeType="tmRoot"/>
-      </p:par>
-    </p:tnLst>
-  </p:timing>
-</p:sld>
-</file>
-
-<file path=ppt/slides/slide9.xml><?xml version="1.0" encoding="utf-8"?>
-<p:sld xmlns:a="http://schemas.openxmlformats.org/drawingml/2006/main" xmlns:r="http://schemas.openxmlformats.org/officeDocument/2006/relationships" xmlns:p="http://schemas.openxmlformats.org/presentationml/2006/main">
-  <p:cSld>
-    <p:spTree>
-      <p:nvGrpSpPr>
-        <p:cNvPr id="1" name="Shape 233"/>
-        <p:cNvGrpSpPr/>
-        <p:nvPr/>
-      </p:nvGrpSpPr>
-      <p:grpSpPr>
-        <a:xfrm>
-          <a:off x="0" y="0"/>
-          <a:ext cx="0" cy="0"/>
-          <a:chOff x="0" y="0"/>
-          <a:chExt cx="0" cy="0"/>
-        </a:xfrm>
-      </p:grpSpPr>
-      <p:sp>
-        <p:nvSpPr>
-          <p:cNvPr id="234" name="Shape 234"/>
-          <p:cNvSpPr txBox="1">
-            <a:spLocks noGrp="1"/>
-          </p:cNvSpPr>
-          <p:nvPr>
-            <p:ph type="title"/>
-          </p:nvPr>
-        </p:nvSpPr>
-        <p:spPr>
-          <a:prstGeom prst="rect">
-            <a:avLst/>
-          </a:prstGeom>
-          <a:noFill/>
-          <a:ln>
-            <a:noFill/>
-          </a:ln>
-        </p:spPr>
-        <p:txBody>
-          <a:bodyPr lIns="38100" tIns="38100" rIns="38100" bIns="38100" anchor="ctr" anchorCtr="0">
-            <a:noAutofit/>
-          </a:bodyPr>
-          <a:lstStyle/>
-          <a:p>
-            <a:pPr marL="0" marR="0" lvl="0" indent="0" algn="ctr" rtl="0">
-              <a:lnSpc>
-                <a:spcPct val="100000"/>
-              </a:lnSpc>
-              <a:spcBef>
-                <a:spcPts val="0"/>
-              </a:spcBef>
-              <a:spcAft>
-                <a:spcPts val="0"/>
-              </a:spcAft>
-              <a:buClr>
-                <a:schemeClr val="lt1"/>
-              </a:buClr>
-              <a:buSzPct val="25000"/>
-              <a:buFont typeface="Cabin"/>
-              <a:buNone/>
-            </a:pPr>
-            <a:r>
-              <a:rPr lang="en-US" sz="7600" u="none" strike="noStrike" cap="none">
-                <a:solidFill>
-                  <a:srgbClr val="FFFF00"/>
-                </a:solidFill>
-                <a:latin typeface="Arial" charset="0"/>
-                <a:ea typeface="Arial" charset="0"/>
-                <a:cs typeface="Arial" charset="0"/>
-                <a:sym typeface="Cabin"/>
-              </a:rPr>
-              <a:t>How Long is a List?</a:t>
-            </a:r>
-          </a:p>
-        </p:txBody>
-      </p:sp>
-      <p:sp>
-        <p:nvSpPr>
-          <p:cNvPr id="235" name="Shape 235"/>
-          <p:cNvSpPr txBox="1">
-            <a:spLocks noGrp="1"/>
-          </p:cNvSpPr>
-          <p:nvPr>
-            <p:ph type="body" idx="1"/>
-          </p:nvPr>
-        </p:nvSpPr>
-        <p:spPr>
-          <a:xfrm>
-            <a:off x="1155700" y="2603500"/>
-            <a:ext cx="7488238" cy="5702299"/>
-          </a:xfrm>
-          <a:prstGeom prst="rect">
-            <a:avLst/>
-          </a:prstGeom>
-          <a:noFill/>
-          <a:ln>
-            <a:noFill/>
-          </a:ln>
-        </p:spPr>
-        <p:txBody>
-          <a:bodyPr lIns="38100" tIns="38100" rIns="38100" bIns="38100" anchor="ctr" anchorCtr="0">
-            <a:noAutofit/>
-          </a:bodyPr>
-          <a:lstStyle/>
-          <a:p>
-            <a:pPr marL="457200" marR="0" lvl="0" indent="-444500" algn="l" rtl="0">
-              <a:lnSpc>
-                <a:spcPct val="100000"/>
-              </a:lnSpc>
-              <a:spcBef>
-                <a:spcPts val="0"/>
-              </a:spcBef>
-              <a:spcAft>
-                <a:spcPts val="1000"/>
-              </a:spcAft>
-              <a:buSzPct val="100000"/>
-              <a:buFont typeface="Cabin"/>
-            </a:pPr>
-            <a:r>
-              <a:rPr lang="en-US" sz="3400" u="none" strike="noStrike" cap="none" dirty="0">
-                <a:solidFill>
-                  <a:schemeClr val="lt1"/>
-                </a:solidFill>
-                <a:latin typeface="Arial" charset="0"/>
-                <a:ea typeface="Arial" charset="0"/>
-                <a:cs typeface="Arial" charset="0"/>
-                <a:sym typeface="Cabin"/>
-              </a:rPr>
-              <a:t>The </a:t>
-            </a:r>
-            <a:r>
-              <a:rPr lang="en-US" sz="3400" u="none" strike="noStrike" cap="none" dirty="0" err="1">
-                <a:solidFill>
-                  <a:srgbClr val="FF00FF"/>
-                </a:solidFill>
-                <a:latin typeface="Arial" charset="0"/>
-                <a:ea typeface="Arial" charset="0"/>
-                <a:cs typeface="Arial" charset="0"/>
-                <a:sym typeface="Cabin"/>
-              </a:rPr>
-              <a:t>len</a:t>
-            </a:r>
-            <a:r>
-              <a:rPr lang="en-US" sz="3400" u="none" strike="noStrike" cap="none" dirty="0">
-                <a:solidFill>
-                  <a:srgbClr val="FF00FF"/>
-                </a:solidFill>
-                <a:latin typeface="Arial" charset="0"/>
-                <a:ea typeface="Arial" charset="0"/>
-                <a:cs typeface="Arial" charset="0"/>
-                <a:sym typeface="Cabin"/>
-              </a:rPr>
-              <a:t>()</a:t>
-            </a:r>
-            <a:r>
-              <a:rPr lang="en-US" sz="3400" u="none" strike="noStrike" cap="none" dirty="0">
-                <a:solidFill>
-                  <a:schemeClr val="lt1"/>
-                </a:solidFill>
-                <a:latin typeface="Arial" charset="0"/>
-                <a:ea typeface="Arial" charset="0"/>
-                <a:cs typeface="Arial" charset="0"/>
-                <a:sym typeface="Cabin"/>
-              </a:rPr>
-              <a:t> function takes a </a:t>
-            </a:r>
-            <a:r>
-              <a:rPr lang="en-US" sz="3400" u="none" strike="noStrike" cap="none" dirty="0">
-                <a:solidFill>
-                  <a:srgbClr val="FF7F00"/>
-                </a:solidFill>
-                <a:latin typeface="Arial" charset="0"/>
-                <a:ea typeface="Arial" charset="0"/>
-                <a:cs typeface="Arial" charset="0"/>
-                <a:sym typeface="Cabin"/>
-              </a:rPr>
-              <a:t>list</a:t>
-            </a:r>
-            <a:r>
-              <a:rPr lang="en-US" sz="3400" u="none" strike="noStrike" cap="none" dirty="0">
-                <a:solidFill>
-                  <a:schemeClr val="lt1"/>
-                </a:solidFill>
-                <a:latin typeface="Arial" charset="0"/>
-                <a:ea typeface="Arial" charset="0"/>
-                <a:cs typeface="Arial" charset="0"/>
-                <a:sym typeface="Cabin"/>
-              </a:rPr>
-              <a:t> as a parameter and returns the number of </a:t>
-            </a:r>
-            <a:r>
-              <a:rPr lang="en-US" sz="3400" u="none" strike="noStrike" cap="none" dirty="0">
-                <a:solidFill>
-                  <a:srgbClr val="00FFFF"/>
-                </a:solidFill>
-                <a:latin typeface="Arial" charset="0"/>
-                <a:ea typeface="Arial" charset="0"/>
-                <a:cs typeface="Arial" charset="0"/>
-                <a:sym typeface="Cabin"/>
-              </a:rPr>
-              <a:t>elements</a:t>
-            </a:r>
-            <a:r>
-              <a:rPr lang="en-US" sz="3400" u="none" strike="noStrike" cap="none" dirty="0">
-                <a:solidFill>
-                  <a:schemeClr val="lt1"/>
-                </a:solidFill>
-                <a:latin typeface="Arial" charset="0"/>
-                <a:ea typeface="Arial" charset="0"/>
-                <a:cs typeface="Arial" charset="0"/>
-                <a:sym typeface="Cabin"/>
-              </a:rPr>
-              <a:t> in the </a:t>
-            </a:r>
-            <a:r>
-              <a:rPr lang="en-US" sz="3400" u="none" strike="noStrike" cap="none" dirty="0">
-                <a:solidFill>
-                  <a:srgbClr val="FF7F00"/>
-                </a:solidFill>
-                <a:latin typeface="Arial" charset="0"/>
-                <a:ea typeface="Arial" charset="0"/>
-                <a:cs typeface="Arial" charset="0"/>
-                <a:sym typeface="Cabin"/>
-              </a:rPr>
-              <a:t>list</a:t>
-            </a:r>
-          </a:p>
-          <a:p>
-            <a:pPr marL="457200" marR="0" lvl="0" indent="-444500" algn="l" rtl="0">
-              <a:lnSpc>
-                <a:spcPct val="100000"/>
-              </a:lnSpc>
-              <a:spcBef>
-                <a:spcPts val="3500"/>
-              </a:spcBef>
-              <a:spcAft>
-                <a:spcPts val="1000"/>
-              </a:spcAft>
-              <a:buSzPct val="100000"/>
-              <a:buFont typeface="Cabin"/>
-            </a:pPr>
-            <a:r>
-              <a:rPr lang="en-US" sz="3400" u="none" strike="noStrike" cap="none" dirty="0">
-                <a:solidFill>
-                  <a:schemeClr val="lt1"/>
-                </a:solidFill>
-                <a:latin typeface="Arial" charset="0"/>
-                <a:ea typeface="Arial" charset="0"/>
-                <a:cs typeface="Arial" charset="0"/>
-                <a:sym typeface="Cabin"/>
-              </a:rPr>
-              <a:t>Actually </a:t>
-            </a:r>
-            <a:r>
-              <a:rPr lang="en-US" sz="3400" u="none" strike="noStrike" cap="none" dirty="0" err="1">
-                <a:solidFill>
-                  <a:srgbClr val="FF00FF"/>
-                </a:solidFill>
-                <a:latin typeface="Arial" charset="0"/>
-                <a:ea typeface="Arial" charset="0"/>
-                <a:cs typeface="Arial" charset="0"/>
-                <a:sym typeface="Cabin"/>
-              </a:rPr>
-              <a:t>len</a:t>
-            </a:r>
-            <a:r>
-              <a:rPr lang="en-US" sz="3400" u="none" strike="noStrike" cap="none" dirty="0">
-                <a:solidFill>
-                  <a:srgbClr val="FF00FF"/>
-                </a:solidFill>
-                <a:latin typeface="Arial" charset="0"/>
-                <a:ea typeface="Arial" charset="0"/>
-                <a:cs typeface="Arial" charset="0"/>
-                <a:sym typeface="Cabin"/>
-              </a:rPr>
-              <a:t>()</a:t>
-            </a:r>
-            <a:r>
-              <a:rPr lang="en-US" sz="3400" u="none" strike="noStrike" cap="none" dirty="0">
-                <a:solidFill>
-                  <a:schemeClr val="lt1"/>
-                </a:solidFill>
-                <a:latin typeface="Arial" charset="0"/>
-                <a:ea typeface="Arial" charset="0"/>
-                <a:cs typeface="Arial" charset="0"/>
-                <a:sym typeface="Cabin"/>
-              </a:rPr>
-              <a:t> tells us the number of elements of any set or sequence (such as a string...)</a:t>
-            </a:r>
-          </a:p>
-        </p:txBody>
-      </p:sp>
-      <p:sp>
-        <p:nvSpPr>
-          <p:cNvPr id="236" name="Shape 236"/>
-          <p:cNvSpPr txBox="1"/>
-          <p:nvPr/>
-        </p:nvSpPr>
-        <p:spPr>
-          <a:xfrm>
-            <a:off x="9912350" y="3009900"/>
-            <a:ext cx="6119700" cy="4432199"/>
-          </a:xfrm>
-          <a:prstGeom prst="rect">
-            <a:avLst/>
-          </a:prstGeom>
-          <a:noFill/>
-          <a:ln>
-            <a:noFill/>
-          </a:ln>
-        </p:spPr>
-        <p:txBody>
-          <a:bodyPr lIns="0" tIns="0" rIns="0" bIns="0" anchor="ctr" anchorCtr="0">
-            <a:noAutofit/>
-          </a:bodyPr>
-          <a:lstStyle/>
-          <a:p>
-            <a:pPr marL="0" marR="0" lvl="0" indent="0" algn="l" rtl="0">
-              <a:lnSpc>
-                <a:spcPct val="100000"/>
-              </a:lnSpc>
-              <a:spcBef>
-                <a:spcPts val="0"/>
-              </a:spcBef>
-              <a:spcAft>
-                <a:spcPts val="0"/>
-              </a:spcAft>
-              <a:buClr>
-                <a:schemeClr val="lt1"/>
-              </a:buClr>
-              <a:buSzPct val="25000"/>
-              <a:buFont typeface="Cabin"/>
-              <a:buNone/>
-            </a:pPr>
-            <a:r>
-              <a:rPr lang="en-US" sz="3000" b="1" i="0" u="none" strike="noStrike" cap="none" dirty="0">
-                <a:solidFill>
-                  <a:schemeClr val="lt1"/>
-                </a:solidFill>
-                <a:latin typeface="Courier New"/>
-                <a:ea typeface="Courier New"/>
-                <a:cs typeface="Courier New"/>
-                <a:sym typeface="Courier New"/>
-              </a:rPr>
-              <a:t>&gt;&gt;&gt; </a:t>
-            </a:r>
-            <a:r>
-              <a:rPr lang="en-US" sz="3000" b="1" i="0" u="none" strike="noStrike" cap="none" dirty="0">
-                <a:solidFill>
-                  <a:srgbClr val="00FF00"/>
-                </a:solidFill>
-                <a:latin typeface="Courier New"/>
-                <a:ea typeface="Courier New"/>
-                <a:cs typeface="Courier New"/>
-                <a:sym typeface="Courier New"/>
-              </a:rPr>
-              <a:t>greet</a:t>
-            </a:r>
-            <a:r>
-              <a:rPr lang="en-US" sz="3000" b="1" i="0" u="none" strike="noStrike" cap="none" dirty="0">
-                <a:solidFill>
-                  <a:schemeClr val="lt1"/>
-                </a:solidFill>
-                <a:latin typeface="Courier New"/>
-                <a:ea typeface="Courier New"/>
-                <a:cs typeface="Courier New"/>
-                <a:sym typeface="Courier New"/>
-              </a:rPr>
-              <a:t> = 'Hello Bob</a:t>
-            </a:r>
-            <a:r>
-              <a:rPr lang="en-US" sz="3000" b="1" dirty="0">
-                <a:solidFill>
-                  <a:schemeClr val="lt1"/>
-                </a:solidFill>
-                <a:latin typeface="Courier New"/>
-                <a:ea typeface="Courier New"/>
-                <a:cs typeface="Courier New"/>
-                <a:sym typeface="Courier New"/>
-              </a:rPr>
-              <a:t>'</a:t>
-            </a:r>
-          </a:p>
-          <a:p>
-            <a:pPr marL="0" marR="0" lvl="0" indent="0" algn="l" rtl="0">
-              <a:lnSpc>
-                <a:spcPct val="100000"/>
-              </a:lnSpc>
-              <a:spcBef>
-                <a:spcPts val="0"/>
-              </a:spcBef>
-              <a:spcAft>
-                <a:spcPts val="0"/>
-              </a:spcAft>
-              <a:buClr>
-                <a:schemeClr val="lt1"/>
-              </a:buClr>
-              <a:buSzPct val="25000"/>
-              <a:buFont typeface="Cabin"/>
-              <a:buNone/>
-            </a:pPr>
-            <a:r>
-              <a:rPr lang="en-US" sz="3000" b="1" i="0" u="none" strike="noStrike" cap="none" dirty="0">
-                <a:solidFill>
-                  <a:schemeClr val="lt1"/>
-                </a:solidFill>
-                <a:latin typeface="Courier New"/>
-                <a:ea typeface="Courier New"/>
-                <a:cs typeface="Courier New"/>
-                <a:sym typeface="Courier New"/>
-              </a:rPr>
-              <a:t>&gt;&gt;&gt; </a:t>
-            </a:r>
-            <a:r>
-              <a:rPr lang="en-US" sz="3000" b="1" i="0" u="none" strike="noStrike" cap="none" dirty="0" smtClean="0">
-                <a:solidFill>
-                  <a:srgbClr val="FFFF00"/>
-                </a:solidFill>
-                <a:latin typeface="Courier New"/>
-                <a:ea typeface="Courier New"/>
-                <a:cs typeface="Courier New"/>
-                <a:sym typeface="Courier New"/>
-              </a:rPr>
-              <a:t>print(</a:t>
-            </a:r>
-            <a:r>
-              <a:rPr lang="en-US" sz="3000" b="1" i="0" u="none" strike="noStrike" cap="none" dirty="0" err="1" smtClean="0">
-                <a:solidFill>
-                  <a:srgbClr val="FF00FF"/>
-                </a:solidFill>
-                <a:latin typeface="Courier New"/>
-                <a:ea typeface="Courier New"/>
-                <a:cs typeface="Courier New"/>
-                <a:sym typeface="Courier New"/>
-              </a:rPr>
-              <a:t>len</a:t>
-            </a:r>
-            <a:r>
-              <a:rPr lang="en-US" sz="3000" b="1" i="0" u="none" strike="noStrike" cap="none" dirty="0" smtClean="0">
-                <a:solidFill>
-                  <a:schemeClr val="lt1"/>
-                </a:solidFill>
-                <a:latin typeface="Courier New"/>
-                <a:ea typeface="Courier New"/>
-                <a:cs typeface="Courier New"/>
-                <a:sym typeface="Courier New"/>
-              </a:rPr>
-              <a:t>(</a:t>
-            </a:r>
-            <a:r>
-              <a:rPr lang="en-US" sz="3000" b="1" i="0" u="none" strike="noStrike" cap="none" dirty="0" smtClean="0">
-                <a:solidFill>
-                  <a:srgbClr val="00FF00"/>
-                </a:solidFill>
-                <a:latin typeface="Courier New"/>
-                <a:ea typeface="Courier New"/>
-                <a:cs typeface="Courier New"/>
-                <a:sym typeface="Courier New"/>
-              </a:rPr>
-              <a:t>greet</a:t>
-            </a:r>
-            <a:r>
-              <a:rPr lang="en-US" sz="3000" b="1" i="0" u="none" strike="noStrike" cap="none" dirty="0" smtClean="0">
-                <a:solidFill>
-                  <a:schemeClr val="lt1"/>
-                </a:solidFill>
-                <a:latin typeface="Courier New"/>
-                <a:ea typeface="Courier New"/>
-                <a:cs typeface="Courier New"/>
-                <a:sym typeface="Courier New"/>
-              </a:rPr>
-              <a:t>)</a:t>
-            </a:r>
-            <a:r>
-              <a:rPr lang="en-US" sz="3000" b="1" i="0" u="none" strike="noStrike" cap="none" dirty="0" smtClean="0">
-                <a:solidFill>
-                  <a:srgbClr val="FFFF00"/>
-                </a:solidFill>
-                <a:latin typeface="Courier New"/>
-                <a:ea typeface="Courier New"/>
-                <a:cs typeface="Courier New"/>
-                <a:sym typeface="Courier New"/>
-              </a:rPr>
-              <a:t>)</a:t>
-            </a:r>
-            <a:endParaRPr lang="en-US" sz="3000" b="1" i="0" u="none" strike="noStrike" cap="none" dirty="0">
-              <a:solidFill>
-                <a:srgbClr val="FFFF00"/>
-              </a:solidFill>
-              <a:latin typeface="Courier New"/>
-              <a:ea typeface="Courier New"/>
-              <a:cs typeface="Courier New"/>
-              <a:sym typeface="Courier New"/>
-            </a:endParaRPr>
-          </a:p>
-          <a:p>
-            <a:pPr marL="0" marR="0" lvl="0" indent="0" algn="l" rtl="0">
-              <a:lnSpc>
-                <a:spcPct val="100000"/>
-              </a:lnSpc>
-              <a:spcBef>
-                <a:spcPts val="0"/>
-              </a:spcBef>
-              <a:spcAft>
-                <a:spcPts val="0"/>
-              </a:spcAft>
-              <a:buClr>
-                <a:schemeClr val="lt1"/>
-              </a:buClr>
-              <a:buSzPct val="25000"/>
-              <a:buFont typeface="Cabin"/>
-              <a:buNone/>
-            </a:pPr>
-            <a:r>
-              <a:rPr lang="en-US" sz="3000" b="1" i="0" u="none" strike="noStrike" cap="none" dirty="0">
-                <a:solidFill>
-                  <a:schemeClr val="lt1"/>
-                </a:solidFill>
-                <a:latin typeface="Courier New"/>
-                <a:ea typeface="Courier New"/>
-                <a:cs typeface="Courier New"/>
-                <a:sym typeface="Courier New"/>
-              </a:rPr>
-              <a:t>9</a:t>
-            </a:r>
-          </a:p>
-          <a:p>
-            <a:pPr marL="0" marR="0" lvl="0" indent="0" algn="l" rtl="0">
-              <a:lnSpc>
-                <a:spcPct val="100000"/>
-              </a:lnSpc>
-              <a:spcBef>
-                <a:spcPts val="0"/>
-              </a:spcBef>
-              <a:spcAft>
-                <a:spcPts val="0"/>
-              </a:spcAft>
-              <a:buClr>
-                <a:schemeClr val="lt1"/>
-              </a:buClr>
-              <a:buSzPct val="25000"/>
-              <a:buFont typeface="Cabin"/>
-              <a:buNone/>
-            </a:pPr>
-            <a:r>
-              <a:rPr lang="en-US" sz="3000" b="1" i="0" u="none" strike="noStrike" cap="none" dirty="0">
-                <a:solidFill>
-                  <a:schemeClr val="lt1"/>
-                </a:solidFill>
-                <a:latin typeface="Courier New"/>
-                <a:ea typeface="Courier New"/>
-                <a:cs typeface="Courier New"/>
-                <a:sym typeface="Courier New"/>
-              </a:rPr>
-              <a:t>&gt;&gt;&gt; </a:t>
-            </a:r>
-            <a:r>
-              <a:rPr lang="en-US" sz="3000" b="1" i="0" u="none" strike="noStrike" cap="none" dirty="0">
-                <a:solidFill>
-                  <a:srgbClr val="00FF00"/>
-                </a:solidFill>
-                <a:latin typeface="Courier New"/>
-                <a:ea typeface="Courier New"/>
-                <a:cs typeface="Courier New"/>
-                <a:sym typeface="Courier New"/>
-              </a:rPr>
-              <a:t>x</a:t>
-            </a:r>
-            <a:r>
-              <a:rPr lang="en-US" sz="3000" b="1" i="0" u="none" strike="noStrike" cap="none" dirty="0">
-                <a:solidFill>
-                  <a:schemeClr val="lt1"/>
-                </a:solidFill>
-                <a:latin typeface="Courier New"/>
-                <a:ea typeface="Courier New"/>
-                <a:cs typeface="Courier New"/>
-                <a:sym typeface="Courier New"/>
-              </a:rPr>
-              <a:t> = </a:t>
-            </a:r>
-            <a:r>
-              <a:rPr lang="en-US" sz="3000" b="1" i="0" u="none" strike="noStrike" cap="none" dirty="0">
-                <a:solidFill>
-                  <a:srgbClr val="FF7F00"/>
-                </a:solidFill>
-                <a:latin typeface="Courier New"/>
-                <a:ea typeface="Courier New"/>
-                <a:cs typeface="Courier New"/>
-                <a:sym typeface="Courier New"/>
-              </a:rPr>
-              <a:t>[ 1, 2, 'joe', 99]</a:t>
-            </a:r>
-          </a:p>
-          <a:p>
-            <a:pPr marL="0" marR="0" lvl="0" indent="0" algn="l" rtl="0">
-              <a:lnSpc>
-                <a:spcPct val="100000"/>
-              </a:lnSpc>
-              <a:spcBef>
-                <a:spcPts val="0"/>
-              </a:spcBef>
-              <a:spcAft>
-                <a:spcPts val="0"/>
-              </a:spcAft>
-              <a:buClr>
-                <a:schemeClr val="lt1"/>
-              </a:buClr>
-              <a:buSzPct val="25000"/>
-              <a:buFont typeface="Cabin"/>
-              <a:buNone/>
-            </a:pPr>
-            <a:r>
-              <a:rPr lang="en-US" sz="3000" b="1" i="0" u="none" strike="noStrike" cap="none" dirty="0">
-                <a:solidFill>
-                  <a:schemeClr val="lt1"/>
-                </a:solidFill>
-                <a:latin typeface="Courier New"/>
-                <a:ea typeface="Courier New"/>
-                <a:cs typeface="Courier New"/>
-                <a:sym typeface="Courier New"/>
-              </a:rPr>
-              <a:t>&gt;&gt;&gt; </a:t>
-            </a:r>
-            <a:r>
-              <a:rPr lang="en-US" sz="3000" b="1" i="0" u="none" strike="noStrike" cap="none" dirty="0" smtClean="0">
-                <a:solidFill>
-                  <a:srgbClr val="FFFF00"/>
-                </a:solidFill>
-                <a:latin typeface="Courier New"/>
-                <a:ea typeface="Courier New"/>
-                <a:cs typeface="Courier New"/>
-                <a:sym typeface="Courier New"/>
-              </a:rPr>
-              <a:t>print(</a:t>
-            </a:r>
-            <a:r>
-              <a:rPr lang="en-US" sz="3000" b="1" i="0" u="none" strike="noStrike" cap="none" dirty="0" err="1" smtClean="0">
-                <a:solidFill>
-                  <a:srgbClr val="FF00FF"/>
-                </a:solidFill>
-                <a:latin typeface="Courier New"/>
-                <a:ea typeface="Courier New"/>
-                <a:cs typeface="Courier New"/>
-                <a:sym typeface="Courier New"/>
-              </a:rPr>
-              <a:t>len</a:t>
-            </a:r>
-            <a:r>
-              <a:rPr lang="en-US" sz="3000" b="1" i="0" u="none" strike="noStrike" cap="none" dirty="0" smtClean="0">
-                <a:solidFill>
-                  <a:schemeClr val="lt1"/>
-                </a:solidFill>
-                <a:latin typeface="Courier New"/>
-                <a:ea typeface="Courier New"/>
-                <a:cs typeface="Courier New"/>
-                <a:sym typeface="Courier New"/>
-              </a:rPr>
-              <a:t>(</a:t>
-            </a:r>
-            <a:r>
-              <a:rPr lang="en-US" sz="3000" b="1" i="0" u="none" strike="noStrike" cap="none" dirty="0" smtClean="0">
-                <a:solidFill>
-                  <a:srgbClr val="00FF00"/>
-                </a:solidFill>
-                <a:latin typeface="Courier New"/>
-                <a:ea typeface="Courier New"/>
-                <a:cs typeface="Courier New"/>
-                <a:sym typeface="Courier New"/>
-              </a:rPr>
-              <a:t>x</a:t>
-            </a:r>
-            <a:r>
-              <a:rPr lang="en-US" sz="3000" b="1" i="0" u="none" strike="noStrike" cap="none" dirty="0" smtClean="0">
-                <a:solidFill>
-                  <a:schemeClr val="lt1"/>
-                </a:solidFill>
-                <a:latin typeface="Courier New"/>
-                <a:ea typeface="Courier New"/>
-                <a:cs typeface="Courier New"/>
-                <a:sym typeface="Courier New"/>
-              </a:rPr>
-              <a:t>)</a:t>
-            </a:r>
-            <a:r>
-              <a:rPr lang="en-US" sz="3000" b="1" i="0" u="none" strike="noStrike" cap="none" dirty="0" smtClean="0">
-                <a:solidFill>
-                  <a:srgbClr val="FFFF00"/>
-                </a:solidFill>
-                <a:latin typeface="Courier New"/>
-                <a:ea typeface="Courier New"/>
-                <a:cs typeface="Courier New"/>
-                <a:sym typeface="Courier New"/>
-              </a:rPr>
-              <a:t>)</a:t>
-            </a:r>
-            <a:endParaRPr lang="en-US" sz="3000" b="1" i="0" u="none" strike="noStrike" cap="none" dirty="0">
-              <a:solidFill>
-                <a:srgbClr val="FFFF00"/>
-              </a:solidFill>
-              <a:latin typeface="Courier New"/>
-              <a:ea typeface="Courier New"/>
-              <a:cs typeface="Courier New"/>
-              <a:sym typeface="Courier New"/>
-            </a:endParaRPr>
-          </a:p>
-          <a:p>
-            <a:pPr marL="0" marR="0" lvl="0" indent="0" algn="l" rtl="0">
-              <a:lnSpc>
-                <a:spcPct val="100000"/>
-              </a:lnSpc>
-              <a:spcBef>
-                <a:spcPts val="0"/>
-              </a:spcBef>
-              <a:spcAft>
-                <a:spcPts val="0"/>
-              </a:spcAft>
-              <a:buClr>
-                <a:schemeClr val="lt1"/>
-              </a:buClr>
-              <a:buSzPct val="25000"/>
-              <a:buFont typeface="Cabin"/>
-              <a:buNone/>
-            </a:pPr>
-            <a:r>
-              <a:rPr lang="en-US" sz="3000" b="1" i="0" u="none" strike="noStrike" cap="none" dirty="0">
-                <a:solidFill>
-                  <a:schemeClr val="lt1"/>
-                </a:solidFill>
-                <a:latin typeface="Courier New"/>
-                <a:ea typeface="Courier New"/>
-                <a:cs typeface="Courier New"/>
-                <a:sym typeface="Courier New"/>
-              </a:rPr>
-              <a:t>4</a:t>
-            </a:r>
-          </a:p>
-          <a:p>
-            <a:pPr marL="0" marR="0" lvl="0" indent="0" algn="l" rtl="0">
-              <a:lnSpc>
-                <a:spcPct val="100000"/>
-              </a:lnSpc>
-              <a:spcBef>
-                <a:spcPts val="0"/>
-              </a:spcBef>
-              <a:spcAft>
-                <a:spcPts val="0"/>
-              </a:spcAft>
-              <a:buClr>
-                <a:schemeClr val="lt1"/>
-              </a:buClr>
-              <a:buSzPct val="25000"/>
-              <a:buFont typeface="Cabin"/>
-              <a:buNone/>
-            </a:pPr>
-            <a:r>
-              <a:rPr lang="en-US" sz="3000" b="1" i="0" u="none" strike="noStrike" cap="none" dirty="0">
-                <a:solidFill>
-                  <a:schemeClr val="lt1"/>
-                </a:solidFill>
-                <a:latin typeface="Courier New"/>
-                <a:ea typeface="Courier New"/>
-                <a:cs typeface="Courier New"/>
-                <a:sym typeface="Courier New"/>
-              </a:rPr>
-              <a:t>&gt;&gt;&gt; </a:t>
-            </a:r>
-          </a:p>
-          <a:p>
-            <a:pPr marL="0" marR="0" lvl="0" indent="0" algn="ctr" rtl="0">
-              <a:lnSpc>
-                <a:spcPct val="100000"/>
-              </a:lnSpc>
-              <a:spcBef>
-                <a:spcPts val="0"/>
-              </a:spcBef>
-              <a:spcAft>
-                <a:spcPts val="0"/>
-              </a:spcAft>
-              <a:buNone/>
-            </a:pPr>
-            <a:endParaRPr sz="3000" b="1" dirty="0">
-              <a:latin typeface="Courier New"/>
-              <a:ea typeface="Courier New"/>
-              <a:cs typeface="Courier New"/>
-              <a:sym typeface="Courier New"/>
-            </a:endParaRPr>
           </a:p>
         </p:txBody>
       </p:sp>

--- a/lectures3/Pythonlearn-08-Lists.pptx
+++ b/lectures3/Pythonlearn-08-Lists.pptx
@@ -244,7 +244,7 @@
   </p:defaultTextStyle>
   <p:extLst>
     <p:ext uri="{EFAFB233-063F-42B5-8137-9DF3F51BA10A}">
-      <p15:sldGuideLst xmlns:p15="http://schemas.microsoft.com/office/powerpoint/2012/main"/>
+      <p15:sldGuideLst xmlns="" xmlns:p15="http://schemas.microsoft.com/office/powerpoint/2012/main"/>
     </p:ext>
   </p:extLst>
 </p:presentation>
@@ -5724,7 +5724,7 @@
   <p:timing>
     <p:tnLst>
       <p:par>
-        <p:cTn id="1" dur="indefinite" restart="never" nodeType="tmRoot"/>
+        <p:cTn xmlns:p14="http://schemas.microsoft.com/office/powerpoint/2010/main" id="1" dur="indefinite" restart="never" nodeType="tmRoot"/>
       </p:par>
     </p:tnLst>
   </p:timing>
@@ -5759,6 +5759,10 @@
           </p:nvPr>
         </p:nvSpPr>
         <p:spPr>
+          <a:xfrm>
+            <a:off x="1155700" y="789709"/>
+            <a:ext cx="13144500" cy="1750290"/>
+          </a:xfrm>
           <a:prstGeom prst="rect">
             <a:avLst/>
           </a:prstGeom>
@@ -6029,8 +6033,8 @@
         </p:nvSpPr>
         <p:spPr>
           <a:xfrm>
-            <a:off x="9912350" y="3009900"/>
-            <a:ext cx="6119700" cy="4432199"/>
+            <a:off x="9239250" y="3543301"/>
+            <a:ext cx="6119700" cy="3975100"/>
           </a:xfrm>
           <a:prstGeom prst="rect">
             <a:avLst/>
@@ -6064,7 +6068,7 @@
               <a:buNone/>
             </a:pPr>
             <a:r>
-              <a:rPr lang="en-US" sz="3000" b="1" i="0" u="none" strike="noStrike" cap="none" dirty="0">
+              <a:rPr lang="en-US" sz="3000" i="0" u="none" strike="noStrike" cap="none" dirty="0">
                 <a:solidFill>
                   <a:schemeClr val="lt1"/>
                 </a:solidFill>
@@ -6076,7 +6080,7 @@
               <a:t>&gt;&gt;&gt; </a:t>
             </a:r>
             <a:r>
-              <a:rPr lang="en-US" sz="3000" b="1" i="0" u="none" strike="noStrike" cap="none" dirty="0">
+              <a:rPr lang="en-US" sz="3000" i="0" u="none" strike="noStrike" cap="none" dirty="0">
                 <a:solidFill>
                   <a:srgbClr val="00FF00"/>
                 </a:solidFill>
@@ -6088,7 +6092,7 @@
               <a:t>greet</a:t>
             </a:r>
             <a:r>
-              <a:rPr lang="en-US" sz="3000" b="1" i="0" u="none" strike="noStrike" cap="none" dirty="0">
+              <a:rPr lang="en-US" sz="3000" i="0" u="none" strike="noStrike" cap="none" dirty="0">
                 <a:solidFill>
                   <a:schemeClr val="lt1"/>
                 </a:solidFill>
@@ -6100,7 +6104,7 @@
               <a:t> = 'Hello Bob</a:t>
             </a:r>
             <a:r>
-              <a:rPr lang="en-US" sz="3000" b="1" dirty="0">
+              <a:rPr lang="en-US" sz="3000" dirty="0">
                 <a:solidFill>
                   <a:schemeClr val="lt1"/>
                 </a:solidFill>
@@ -6131,7 +6135,7 @@
               <a:buNone/>
             </a:pPr>
             <a:r>
-              <a:rPr lang="en-US" sz="3000" b="1" i="0" u="none" strike="noStrike" cap="none" dirty="0">
+              <a:rPr lang="en-US" sz="3000" i="0" u="none" strike="noStrike" cap="none" dirty="0">
                 <a:solidFill>
                   <a:schemeClr val="lt1"/>
                 </a:solidFill>
@@ -6143,7 +6147,7 @@
               <a:t>&gt;&gt;&gt; </a:t>
             </a:r>
             <a:r>
-              <a:rPr lang="en-US" sz="3000" b="1" i="0" u="none" strike="noStrike" cap="none" dirty="0" smtClean="0">
+              <a:rPr lang="en-US" sz="3000" i="0" u="none" strike="noStrike" cap="none" dirty="0" smtClean="0">
                 <a:solidFill>
                   <a:srgbClr val="FFFF00"/>
                 </a:solidFill>
@@ -6155,7 +6159,7 @@
               <a:t>print(</a:t>
             </a:r>
             <a:r>
-              <a:rPr lang="en-US" sz="3000" b="1" i="0" u="none" strike="noStrike" cap="none" dirty="0" err="1" smtClean="0">
+              <a:rPr lang="en-US" sz="3000" i="0" u="none" strike="noStrike" cap="none" dirty="0" err="1" smtClean="0">
                 <a:solidFill>
                   <a:srgbClr val="FF00FF"/>
                 </a:solidFill>
@@ -6167,7 +6171,7 @@
               <a:t>len</a:t>
             </a:r>
             <a:r>
-              <a:rPr lang="en-US" sz="3000" b="1" i="0" u="none" strike="noStrike" cap="none" dirty="0" smtClean="0">
+              <a:rPr lang="en-US" sz="3000" i="0" u="none" strike="noStrike" cap="none" dirty="0" smtClean="0">
                 <a:solidFill>
                   <a:schemeClr val="lt1"/>
                 </a:solidFill>
@@ -6179,7 +6183,7 @@
               <a:t>(</a:t>
             </a:r>
             <a:r>
-              <a:rPr lang="en-US" sz="3000" b="1" i="0" u="none" strike="noStrike" cap="none" dirty="0" smtClean="0">
+              <a:rPr lang="en-US" sz="3000" i="0" u="none" strike="noStrike" cap="none" dirty="0" smtClean="0">
                 <a:solidFill>
                   <a:srgbClr val="00FF00"/>
                 </a:solidFill>
@@ -6191,7 +6195,7 @@
               <a:t>greet</a:t>
             </a:r>
             <a:r>
-              <a:rPr lang="en-US" sz="3000" b="1" i="0" u="none" strike="noStrike" cap="none" dirty="0" smtClean="0">
+              <a:rPr lang="en-US" sz="3000" i="0" u="none" strike="noStrike" cap="none" dirty="0" smtClean="0">
                 <a:solidFill>
                   <a:schemeClr val="lt1"/>
                 </a:solidFill>
@@ -6203,7 +6207,7 @@
               <a:t>)</a:t>
             </a:r>
             <a:r>
-              <a:rPr lang="en-US" sz="3000" b="1" i="0" u="none" strike="noStrike" cap="none" dirty="0" smtClean="0">
+              <a:rPr lang="en-US" sz="3000" i="0" u="none" strike="noStrike" cap="none" dirty="0" smtClean="0">
                 <a:solidFill>
                   <a:srgbClr val="FFFF00"/>
                 </a:solidFill>
@@ -6214,7 +6218,7 @@
               </a:rPr>
               <a:t>)</a:t>
             </a:r>
-            <a:endParaRPr lang="en-US" sz="3000" b="1" i="0" u="none" strike="noStrike" cap="none" dirty="0">
+            <a:endParaRPr lang="en-US" sz="3000" i="0" u="none" strike="noStrike" cap="none" dirty="0">
               <a:solidFill>
                 <a:srgbClr val="FFFF00"/>
               </a:solidFill>
@@ -6243,7 +6247,7 @@
               <a:buNone/>
             </a:pPr>
             <a:r>
-              <a:rPr lang="en-US" sz="3000" b="1" i="0" u="none" strike="noStrike" cap="none" dirty="0">
+              <a:rPr lang="en-US" sz="3000" i="0" u="none" strike="noStrike" cap="none" dirty="0">
                 <a:solidFill>
                   <a:schemeClr val="lt1"/>
                 </a:solidFill>
@@ -6274,7 +6278,7 @@
               <a:buNone/>
             </a:pPr>
             <a:r>
-              <a:rPr lang="en-US" sz="3000" b="1" i="0" u="none" strike="noStrike" cap="none" dirty="0">
+              <a:rPr lang="en-US" sz="3000" i="0" u="none" strike="noStrike" cap="none" dirty="0">
                 <a:solidFill>
                   <a:schemeClr val="lt1"/>
                 </a:solidFill>
@@ -6286,7 +6290,7 @@
               <a:t>&gt;&gt;&gt; </a:t>
             </a:r>
             <a:r>
-              <a:rPr lang="en-US" sz="3000" b="1" i="0" u="none" strike="noStrike" cap="none" dirty="0">
+              <a:rPr lang="en-US" sz="3000" i="0" u="none" strike="noStrike" cap="none" dirty="0">
                 <a:solidFill>
                   <a:srgbClr val="00FF00"/>
                 </a:solidFill>
@@ -6298,7 +6302,7 @@
               <a:t>x</a:t>
             </a:r>
             <a:r>
-              <a:rPr lang="en-US" sz="3000" b="1" i="0" u="none" strike="noStrike" cap="none" dirty="0">
+              <a:rPr lang="en-US" sz="3000" i="0" u="none" strike="noStrike" cap="none" dirty="0">
                 <a:solidFill>
                   <a:schemeClr val="lt1"/>
                 </a:solidFill>
@@ -6310,7 +6314,7 @@
               <a:t> = </a:t>
             </a:r>
             <a:r>
-              <a:rPr lang="en-US" sz="3000" b="1" i="0" u="none" strike="noStrike" cap="none" dirty="0">
+              <a:rPr lang="en-US" sz="3000" i="0" u="none" strike="noStrike" cap="none" dirty="0">
                 <a:solidFill>
                   <a:srgbClr val="FF7F00"/>
                 </a:solidFill>
@@ -6341,7 +6345,7 @@
               <a:buNone/>
             </a:pPr>
             <a:r>
-              <a:rPr lang="en-US" sz="3000" b="1" i="0" u="none" strike="noStrike" cap="none" dirty="0">
+              <a:rPr lang="en-US" sz="3000" i="0" u="none" strike="noStrike" cap="none" dirty="0">
                 <a:solidFill>
                   <a:schemeClr val="lt1"/>
                 </a:solidFill>
@@ -6353,7 +6357,7 @@
               <a:t>&gt;&gt;&gt; </a:t>
             </a:r>
             <a:r>
-              <a:rPr lang="en-US" sz="3000" b="1" i="0" u="none" strike="noStrike" cap="none" dirty="0" smtClean="0">
+              <a:rPr lang="en-US" sz="3000" i="0" u="none" strike="noStrike" cap="none" dirty="0" smtClean="0">
                 <a:solidFill>
                   <a:srgbClr val="FFFF00"/>
                 </a:solidFill>
@@ -6365,7 +6369,7 @@
               <a:t>print(</a:t>
             </a:r>
             <a:r>
-              <a:rPr lang="en-US" sz="3000" b="1" i="0" u="none" strike="noStrike" cap="none" dirty="0" err="1" smtClean="0">
+              <a:rPr lang="en-US" sz="3000" i="0" u="none" strike="noStrike" cap="none" dirty="0" err="1" smtClean="0">
                 <a:solidFill>
                   <a:srgbClr val="FF00FF"/>
                 </a:solidFill>
@@ -6377,7 +6381,7 @@
               <a:t>len</a:t>
             </a:r>
             <a:r>
-              <a:rPr lang="en-US" sz="3000" b="1" i="0" u="none" strike="noStrike" cap="none" dirty="0" smtClean="0">
+              <a:rPr lang="en-US" sz="3000" i="0" u="none" strike="noStrike" cap="none" dirty="0" smtClean="0">
                 <a:solidFill>
                   <a:schemeClr val="lt1"/>
                 </a:solidFill>
@@ -6389,7 +6393,7 @@
               <a:t>(</a:t>
             </a:r>
             <a:r>
-              <a:rPr lang="en-US" sz="3000" b="1" i="0" u="none" strike="noStrike" cap="none" dirty="0" smtClean="0">
+              <a:rPr lang="en-US" sz="3000" i="0" u="none" strike="noStrike" cap="none" dirty="0" smtClean="0">
                 <a:solidFill>
                   <a:srgbClr val="00FF00"/>
                 </a:solidFill>
@@ -6401,7 +6405,7 @@
               <a:t>x</a:t>
             </a:r>
             <a:r>
-              <a:rPr lang="en-US" sz="3000" b="1" i="0" u="none" strike="noStrike" cap="none" dirty="0" smtClean="0">
+              <a:rPr lang="en-US" sz="3000" i="0" u="none" strike="noStrike" cap="none" dirty="0" smtClean="0">
                 <a:solidFill>
                   <a:schemeClr val="lt1"/>
                 </a:solidFill>
@@ -6413,7 +6417,7 @@
               <a:t>)</a:t>
             </a:r>
             <a:r>
-              <a:rPr lang="en-US" sz="3000" b="1" i="0" u="none" strike="noStrike" cap="none" dirty="0" smtClean="0">
+              <a:rPr lang="en-US" sz="3000" i="0" u="none" strike="noStrike" cap="none" dirty="0" smtClean="0">
                 <a:solidFill>
                   <a:srgbClr val="FFFF00"/>
                 </a:solidFill>
@@ -6424,7 +6428,7 @@
               </a:rPr>
               <a:t>)</a:t>
             </a:r>
-            <a:endParaRPr lang="en-US" sz="3000" b="1" i="0" u="none" strike="noStrike" cap="none" dirty="0">
+            <a:endParaRPr lang="en-US" sz="3000" i="0" u="none" strike="noStrike" cap="none" dirty="0">
               <a:solidFill>
                 <a:srgbClr val="FFFF00"/>
               </a:solidFill>
@@ -6453,7 +6457,7 @@
               <a:buNone/>
             </a:pPr>
             <a:r>
-              <a:rPr lang="en-US" sz="3000" b="1" i="0" u="none" strike="noStrike" cap="none" dirty="0">
+              <a:rPr lang="en-US" sz="3000" i="0" u="none" strike="noStrike" cap="none" dirty="0">
                 <a:solidFill>
                   <a:schemeClr val="lt1"/>
                 </a:solidFill>
@@ -6484,7 +6488,7 @@
               <a:buNone/>
             </a:pPr>
             <a:r>
-              <a:rPr lang="en-US" sz="3000" b="1" i="0" u="none" strike="noStrike" cap="none" dirty="0">
+              <a:rPr lang="en-US" sz="3000" i="0" u="none" strike="noStrike" cap="none" dirty="0">
                 <a:solidFill>
                   <a:schemeClr val="lt1"/>
                 </a:solidFill>
@@ -6526,7 +6530,7 @@
   <p:timing>
     <p:tnLst>
       <p:par>
-        <p:cTn id="1" dur="indefinite" restart="never" nodeType="tmRoot"/>
+        <p:cTn xmlns:p14="http://schemas.microsoft.com/office/powerpoint/2010/main" id="1" dur="indefinite" restart="never" nodeType="tmRoot"/>
       </p:par>
     </p:tnLst>
   </p:timing>
@@ -6736,7 +6740,7 @@
             <a:r>
               <a:rPr lang="en-US" sz="3400" u="none" strike="noStrike" cap="none" dirty="0">
                 <a:solidFill>
-                  <a:srgbClr val="FF0000"/>
+                  <a:srgbClr val="00FFFF"/>
                 </a:solidFill>
                 <a:latin typeface="Arial" charset="0"/>
                 <a:ea typeface="Arial" charset="0"/>
@@ -6819,7 +6823,7 @@
         </p:nvSpPr>
         <p:spPr>
           <a:xfrm>
-            <a:off x="8107200" y="3022600"/>
+            <a:off x="7726200" y="3022600"/>
             <a:ext cx="7843799" cy="4432199"/>
           </a:xfrm>
           <a:prstGeom prst="rect">
@@ -6843,7 +6847,7 @@
               <a:buSzPct val="25000"/>
             </a:pPr>
             <a:r>
-              <a:rPr lang="en-US" sz="2400" b="1" i="0" u="none" strike="noStrike" cap="none" dirty="0">
+              <a:rPr lang="en-US" sz="2400" i="0" u="none" strike="noStrike" cap="none" dirty="0">
                 <a:solidFill>
                   <a:schemeClr val="lt1"/>
                 </a:solidFill>
@@ -6855,7 +6859,7 @@
               <a:t>&gt;&gt;&gt; </a:t>
             </a:r>
             <a:r>
-              <a:rPr lang="en-US" sz="2400" b="1" i="0" u="none" strike="noStrike" cap="none" dirty="0" smtClean="0">
+              <a:rPr lang="en-US" sz="2400" i="0" u="none" strike="noStrike" cap="none" dirty="0" smtClean="0">
                 <a:solidFill>
                   <a:srgbClr val="FFFF00"/>
                 </a:solidFill>
@@ -6867,7 +6871,7 @@
               <a:t>print(</a:t>
             </a:r>
             <a:r>
-              <a:rPr lang="en-US" sz="2400" b="1" i="0" u="none" strike="noStrike" cap="none" dirty="0" smtClean="0">
+              <a:rPr lang="en-US" sz="2400" i="0" u="none" strike="noStrike" cap="none" dirty="0" smtClean="0">
                 <a:solidFill>
                   <a:srgbClr val="FF00FF"/>
                 </a:solidFill>
@@ -6879,7 +6883,7 @@
               <a:t>range</a:t>
             </a:r>
             <a:r>
-              <a:rPr lang="en-US" sz="2400" b="1" i="0" u="none" strike="noStrike" cap="none" dirty="0" smtClean="0">
+              <a:rPr lang="en-US" sz="2400" i="0" u="none" strike="noStrike" cap="none" dirty="0" smtClean="0">
                 <a:solidFill>
                   <a:schemeClr val="lt1"/>
                 </a:solidFill>
@@ -6891,9 +6895,9 @@
               <a:t>(</a:t>
             </a:r>
             <a:r>
-              <a:rPr lang="en-US" sz="2400" b="1" i="0" u="none" strike="noStrike" cap="none" dirty="0" smtClean="0">
-                <a:solidFill>
-                  <a:srgbClr val="FF0000"/>
+              <a:rPr lang="en-US" sz="2400" i="0" u="none" strike="noStrike" cap="none" dirty="0" smtClean="0">
+                <a:solidFill>
+                  <a:srgbClr val="00FFFF"/>
                 </a:solidFill>
                 <a:latin typeface="Courier New"/>
                 <a:ea typeface="Courier New"/>
@@ -6903,7 +6907,7 @@
               <a:t>4</a:t>
             </a:r>
             <a:r>
-              <a:rPr lang="en-US" sz="2400" b="1" i="0" u="none" strike="noStrike" cap="none" dirty="0" smtClean="0">
+              <a:rPr lang="en-US" sz="2400" i="0" u="none" strike="noStrike" cap="none" dirty="0" smtClean="0">
                 <a:solidFill>
                   <a:schemeClr val="lt1"/>
                 </a:solidFill>
@@ -6915,7 +6919,7 @@
               <a:t>)</a:t>
             </a:r>
             <a:r>
-              <a:rPr lang="en-US" sz="2400" b="1" dirty="0" smtClean="0">
+              <a:rPr lang="en-US" sz="2400" dirty="0" smtClean="0">
                 <a:solidFill>
                   <a:srgbClr val="FFFF00"/>
                 </a:solidFill>
@@ -6926,7 +6930,7 @@
               </a:rPr>
               <a:t>)</a:t>
             </a:r>
-            <a:endParaRPr lang="en-US" sz="2400" b="1" i="0" u="none" strike="noStrike" cap="none" dirty="0">
+            <a:endParaRPr lang="en-US" sz="2400" i="0" u="none" strike="noStrike" cap="none" dirty="0">
               <a:solidFill>
                 <a:schemeClr val="lt1"/>
               </a:solidFill>
@@ -6955,7 +6959,7 @@
               <a:buNone/>
             </a:pPr>
             <a:r>
-              <a:rPr lang="en-US" sz="2400" b="1" i="0" u="none" strike="noStrike" cap="none" dirty="0">
+              <a:rPr lang="en-US" sz="2400" i="0" u="none" strike="noStrike" cap="none" dirty="0">
                 <a:solidFill>
                   <a:srgbClr val="FF7F00"/>
                 </a:solidFill>
@@ -6986,7 +6990,7 @@
               <a:buNone/>
             </a:pPr>
             <a:r>
-              <a:rPr lang="en-US" sz="2400" b="1" i="0" u="none" strike="noStrike" cap="none" dirty="0">
+              <a:rPr lang="en-US" sz="2400" i="0" u="none" strike="noStrike" cap="none" dirty="0">
                 <a:solidFill>
                   <a:schemeClr val="lt1"/>
                 </a:solidFill>
@@ -6998,7 +7002,7 @@
               <a:t>&gt;&gt;&gt; </a:t>
             </a:r>
             <a:r>
-              <a:rPr lang="en-US" sz="2400" b="1" i="0" u="none" strike="noStrike" cap="none" dirty="0">
+              <a:rPr lang="en-US" sz="2400" i="0" u="none" strike="noStrike" cap="none" dirty="0">
                 <a:solidFill>
                   <a:srgbClr val="00FF00"/>
                 </a:solidFill>
@@ -7010,7 +7014,7 @@
               <a:t>friends</a:t>
             </a:r>
             <a:r>
-              <a:rPr lang="en-US" sz="2400" b="1" i="0" u="none" strike="noStrike" cap="none" dirty="0">
+              <a:rPr lang="en-US" sz="2400" i="0" u="none" strike="noStrike" cap="none" dirty="0">
                 <a:solidFill>
                   <a:schemeClr val="lt1"/>
                 </a:solidFill>
@@ -7030,7 +7034,7 @@
               <a:buSzPct val="25000"/>
             </a:pPr>
             <a:r>
-              <a:rPr lang="en-US" sz="2400" b="1" i="0" u="none" strike="noStrike" cap="none" dirty="0">
+              <a:rPr lang="en-US" sz="2400" i="0" u="none" strike="noStrike" cap="none" dirty="0">
                 <a:solidFill>
                   <a:schemeClr val="lt1"/>
                 </a:solidFill>
@@ -7042,7 +7046,7 @@
               <a:t>&gt;&gt;&gt; </a:t>
             </a:r>
             <a:r>
-              <a:rPr lang="en-US" sz="2400" b="1" i="0" u="none" strike="noStrike" cap="none" dirty="0" smtClean="0">
+              <a:rPr lang="en-US" sz="2400" i="0" u="none" strike="noStrike" cap="none" dirty="0" smtClean="0">
                 <a:solidFill>
                   <a:srgbClr val="FFFF00"/>
                 </a:solidFill>
@@ -7054,7 +7058,7 @@
               <a:t>print(</a:t>
             </a:r>
             <a:r>
-              <a:rPr lang="en-US" sz="2400" b="1" i="0" u="none" strike="noStrike" cap="none" dirty="0" err="1" smtClean="0">
+              <a:rPr lang="en-US" sz="2400" i="0" u="none" strike="noStrike" cap="none" dirty="0" err="1" smtClean="0">
                 <a:solidFill>
                   <a:srgbClr val="FF00FF"/>
                 </a:solidFill>
@@ -7066,7 +7070,7 @@
               <a:t>len</a:t>
             </a:r>
             <a:r>
-              <a:rPr lang="en-US" sz="2400" b="1" i="0" u="none" strike="noStrike" cap="none" dirty="0" smtClean="0">
+              <a:rPr lang="en-US" sz="2400" i="0" u="none" strike="noStrike" cap="none" dirty="0" smtClean="0">
                 <a:solidFill>
                   <a:schemeClr val="lt1"/>
                 </a:solidFill>
@@ -7078,7 +7082,7 @@
               <a:t>(</a:t>
             </a:r>
             <a:r>
-              <a:rPr lang="en-US" sz="2400" b="1" i="0" u="none" strike="noStrike" cap="none" dirty="0" smtClean="0">
+              <a:rPr lang="en-US" sz="2400" i="0" u="none" strike="noStrike" cap="none" dirty="0" smtClean="0">
                 <a:solidFill>
                   <a:srgbClr val="00FF00"/>
                 </a:solidFill>
@@ -7090,7 +7094,7 @@
               <a:t>friends</a:t>
             </a:r>
             <a:r>
-              <a:rPr lang="en-US" sz="2400" b="1" i="0" u="none" strike="noStrike" cap="none" dirty="0" smtClean="0">
+              <a:rPr lang="en-US" sz="2400" i="0" u="none" strike="noStrike" cap="none" dirty="0" smtClean="0">
                 <a:solidFill>
                   <a:schemeClr val="lt1"/>
                 </a:solidFill>
@@ -7102,7 +7106,7 @@
               <a:t>)</a:t>
             </a:r>
             <a:r>
-              <a:rPr lang="en-US" sz="2400" b="1" dirty="0" smtClean="0">
+              <a:rPr lang="en-US" sz="2400" dirty="0" smtClean="0">
                 <a:solidFill>
                   <a:srgbClr val="FFFF00"/>
                 </a:solidFill>
@@ -7113,7 +7117,7 @@
               </a:rPr>
               <a:t>)</a:t>
             </a:r>
-            <a:endParaRPr lang="en-US" sz="2400" b="1" i="0" u="none" strike="noStrike" cap="none" dirty="0">
+            <a:endParaRPr lang="en-US" sz="2400" i="0" u="none" strike="noStrike" cap="none" dirty="0">
               <a:solidFill>
                 <a:schemeClr val="lt1"/>
               </a:solidFill>
@@ -7142,7 +7146,7 @@
               <a:buNone/>
             </a:pPr>
             <a:r>
-              <a:rPr lang="en-US" sz="2400" b="1" i="0" u="none" strike="noStrike" cap="none" dirty="0">
+              <a:rPr lang="en-US" sz="2400" i="0" u="none" strike="noStrike" cap="none" dirty="0">
                 <a:solidFill>
                   <a:schemeClr val="lt1"/>
                 </a:solidFill>
@@ -7162,7 +7166,7 @@
               <a:buSzPct val="25000"/>
             </a:pPr>
             <a:r>
-              <a:rPr lang="en-US" sz="2400" b="1" i="0" u="none" strike="noStrike" cap="none" dirty="0">
+              <a:rPr lang="en-US" sz="2400" i="0" u="none" strike="noStrike" cap="none" dirty="0">
                 <a:solidFill>
                   <a:schemeClr val="lt1"/>
                 </a:solidFill>
@@ -7174,7 +7178,7 @@
               <a:t>&gt;&gt;&gt; </a:t>
             </a:r>
             <a:r>
-              <a:rPr lang="en-US" sz="2400" b="1" i="0" u="none" strike="noStrike" cap="none" dirty="0" smtClean="0">
+              <a:rPr lang="en-US" sz="2400" i="0" u="none" strike="noStrike" cap="none" dirty="0" smtClean="0">
                 <a:solidFill>
                   <a:srgbClr val="FFFF00"/>
                 </a:solidFill>
@@ -7186,7 +7190,7 @@
               <a:t>print(</a:t>
             </a:r>
             <a:r>
-              <a:rPr lang="en-US" sz="2400" b="1" i="0" u="none" strike="noStrike" cap="none" dirty="0" smtClean="0">
+              <a:rPr lang="en-US" sz="2400" i="0" u="none" strike="noStrike" cap="none" dirty="0" smtClean="0">
                 <a:solidFill>
                   <a:srgbClr val="FF00FF"/>
                 </a:solidFill>
@@ -7198,7 +7202,7 @@
               <a:t>range</a:t>
             </a:r>
             <a:r>
-              <a:rPr lang="en-US" sz="2400" b="1" i="0" u="none" strike="noStrike" cap="none" dirty="0" smtClean="0">
+              <a:rPr lang="en-US" sz="2400" i="0" u="none" strike="noStrike" cap="none" dirty="0" smtClean="0">
                 <a:solidFill>
                   <a:schemeClr val="lt1"/>
                 </a:solidFill>
@@ -7210,7 +7214,7 @@
               <a:t>(</a:t>
             </a:r>
             <a:r>
-              <a:rPr lang="en-US" sz="2400" b="1" i="0" u="none" strike="noStrike" cap="none" dirty="0" err="1" smtClean="0">
+              <a:rPr lang="en-US" sz="2400" i="0" u="none" strike="noStrike" cap="none" dirty="0" err="1" smtClean="0">
                 <a:solidFill>
                   <a:srgbClr val="FF00FF"/>
                 </a:solidFill>
@@ -7222,7 +7226,7 @@
               <a:t>len</a:t>
             </a:r>
             <a:r>
-              <a:rPr lang="en-US" sz="2400" b="1" i="0" u="none" strike="noStrike" cap="none" dirty="0" smtClean="0">
+              <a:rPr lang="en-US" sz="2400" i="0" u="none" strike="noStrike" cap="none" dirty="0" smtClean="0">
                 <a:solidFill>
                   <a:schemeClr val="lt1"/>
                 </a:solidFill>
@@ -7234,7 +7238,7 @@
               <a:t>(</a:t>
             </a:r>
             <a:r>
-              <a:rPr lang="en-US" sz="2400" b="1" i="0" u="none" strike="noStrike" cap="none" dirty="0" smtClean="0">
+              <a:rPr lang="en-US" sz="2400" i="0" u="none" strike="noStrike" cap="none" dirty="0" smtClean="0">
                 <a:solidFill>
                   <a:srgbClr val="00FF00"/>
                 </a:solidFill>
@@ -7246,7 +7250,7 @@
               <a:t>friends</a:t>
             </a:r>
             <a:r>
-              <a:rPr lang="en-US" sz="2400" b="1" i="0" u="none" strike="noStrike" cap="none" dirty="0" smtClean="0">
+              <a:rPr lang="en-US" sz="2400" i="0" u="none" strike="noStrike" cap="none" dirty="0" smtClean="0">
                 <a:solidFill>
                   <a:schemeClr val="lt1"/>
                 </a:solidFill>
@@ -7258,7 +7262,7 @@
               <a:t>))</a:t>
             </a:r>
             <a:r>
-              <a:rPr lang="en-US" sz="2400" b="1" dirty="0" smtClean="0">
+              <a:rPr lang="en-US" sz="2400" dirty="0" smtClean="0">
                 <a:solidFill>
                   <a:srgbClr val="FFFF00"/>
                 </a:solidFill>
@@ -7269,7 +7273,7 @@
               </a:rPr>
               <a:t>)</a:t>
             </a:r>
-            <a:endParaRPr lang="en-US" sz="2400" b="1" i="0" u="none" strike="noStrike" cap="none" dirty="0">
+            <a:endParaRPr lang="en-US" sz="2400" i="0" u="none" strike="noStrike" cap="none" dirty="0">
               <a:solidFill>
                 <a:schemeClr val="lt1"/>
               </a:solidFill>
@@ -7298,7 +7302,7 @@
               <a:buNone/>
             </a:pPr>
             <a:r>
-              <a:rPr lang="en-US" sz="2400" b="1" i="0" u="none" strike="noStrike" cap="none" dirty="0">
+              <a:rPr lang="en-US" sz="2400" i="0" u="none" strike="noStrike" cap="none" dirty="0">
                 <a:solidFill>
                   <a:srgbClr val="FF7F00"/>
                 </a:solidFill>
@@ -7329,7 +7333,7 @@
               <a:buNone/>
             </a:pPr>
             <a:r>
-              <a:rPr lang="en-US" sz="2400" b="1" i="0" u="none" strike="noStrike" cap="none" dirty="0">
+              <a:rPr lang="en-US" sz="2400" i="0" u="none" strike="noStrike" cap="none" dirty="0">
                 <a:solidFill>
                   <a:schemeClr val="lt1"/>
                 </a:solidFill>
@@ -7351,7 +7355,7 @@
   <p:timing>
     <p:tnLst>
       <p:par>
-        <p:cTn id="1" dur="indefinite" restart="never" nodeType="tmRoot"/>
+        <p:cTn xmlns:p14="http://schemas.microsoft.com/office/powerpoint/2010/main" id="1" dur="indefinite" restart="never" nodeType="tmRoot"/>
       </p:par>
     </p:tnLst>
   </p:timing>
@@ -7475,7 +7479,7 @@
               <a:buNone/>
             </a:pPr>
             <a:r>
-              <a:rPr lang="en-US" sz="2400" b="1" i="0" u="none" strike="noStrike" cap="none" dirty="0">
+              <a:rPr lang="en-US" sz="2400" i="0" u="none" strike="noStrike" cap="none" dirty="0">
                 <a:solidFill>
                   <a:srgbClr val="00FF00"/>
                 </a:solidFill>
@@ -7487,7 +7491,7 @@
               <a:t>friends</a:t>
             </a:r>
             <a:r>
-              <a:rPr lang="en-US" sz="2400" b="1" i="0" u="none" strike="noStrike" cap="none" dirty="0">
+              <a:rPr lang="en-US" sz="2400" i="0" u="none" strike="noStrike" cap="none" dirty="0">
                 <a:solidFill>
                   <a:schemeClr val="lt1"/>
                 </a:solidFill>
@@ -7512,7 +7516,7 @@
               </a:spcAft>
               <a:buNone/>
             </a:pPr>
-            <a:endParaRPr sz="2400" b="1" i="0" u="none" strike="noStrike" cap="none" dirty="0">
+            <a:endParaRPr sz="2400" i="0" u="none" strike="noStrike" cap="none" dirty="0">
               <a:solidFill>
                 <a:schemeClr val="lt1"/>
               </a:solidFill>
@@ -7541,7 +7545,7 @@
               <a:buNone/>
             </a:pPr>
             <a:r>
-              <a:rPr lang="en-US" sz="2400" b="1" i="0" u="none" strike="noStrike" cap="none" dirty="0">
+              <a:rPr lang="en-US" sz="2400" i="0" u="none" strike="noStrike" cap="none" dirty="0">
                 <a:solidFill>
                   <a:srgbClr val="FFFF00"/>
                 </a:solidFill>
@@ -7553,7 +7557,7 @@
               <a:t>for</a:t>
             </a:r>
             <a:r>
-              <a:rPr lang="en-US" sz="2400" b="1" i="0" u="none" strike="noStrike" cap="none" dirty="0">
+              <a:rPr lang="en-US" sz="2400" i="0" u="none" strike="noStrike" cap="none" dirty="0">
                 <a:solidFill>
                   <a:schemeClr val="lt1"/>
                 </a:solidFill>
@@ -7565,7 +7569,7 @@
               <a:t> </a:t>
             </a:r>
             <a:r>
-              <a:rPr lang="en-US" sz="2400" b="1" i="0" u="none" strike="noStrike" cap="none" dirty="0">
+              <a:rPr lang="en-US" sz="2400" i="0" u="none" strike="noStrike" cap="none" dirty="0">
                 <a:solidFill>
                   <a:srgbClr val="FF7F00"/>
                 </a:solidFill>
@@ -7577,7 +7581,7 @@
               <a:t>friend</a:t>
             </a:r>
             <a:r>
-              <a:rPr lang="en-US" sz="2400" b="1" i="0" u="none" strike="noStrike" cap="none" dirty="0">
+              <a:rPr lang="en-US" sz="2400" i="0" u="none" strike="noStrike" cap="none" dirty="0">
                 <a:solidFill>
                   <a:schemeClr val="lt1"/>
                 </a:solidFill>
@@ -7589,7 +7593,7 @@
               <a:t> </a:t>
             </a:r>
             <a:r>
-              <a:rPr lang="en-US" sz="2400" b="1" i="0" u="none" strike="noStrike" cap="none" dirty="0">
+              <a:rPr lang="en-US" sz="2400" i="0" u="none" strike="noStrike" cap="none" dirty="0">
                 <a:solidFill>
                   <a:srgbClr val="FFFF00"/>
                 </a:solidFill>
@@ -7601,7 +7605,7 @@
               <a:t>in</a:t>
             </a:r>
             <a:r>
-              <a:rPr lang="en-US" sz="2400" b="1" i="0" u="none" strike="noStrike" cap="none" dirty="0">
+              <a:rPr lang="en-US" sz="2400" i="0" u="none" strike="noStrike" cap="none" dirty="0">
                 <a:solidFill>
                   <a:schemeClr val="lt1"/>
                 </a:solidFill>
@@ -7613,7 +7617,7 @@
               <a:t> </a:t>
             </a:r>
             <a:r>
-              <a:rPr lang="en-US" sz="2400" b="1" i="0" u="none" strike="noStrike" cap="none" dirty="0">
+              <a:rPr lang="en-US" sz="2400" i="0" u="none" strike="noStrike" cap="none" dirty="0">
                 <a:solidFill>
                   <a:srgbClr val="00FF00"/>
                 </a:solidFill>
@@ -7625,7 +7629,7 @@
               <a:t>friends </a:t>
             </a:r>
             <a:r>
-              <a:rPr lang="en-US" sz="2400" b="1" i="0" u="none" strike="noStrike" cap="none" dirty="0">
+              <a:rPr lang="en-US" sz="2400" i="0" u="none" strike="noStrike" cap="none" dirty="0">
                 <a:solidFill>
                   <a:schemeClr val="lt1"/>
                 </a:solidFill>
@@ -7645,7 +7649,7 @@
               <a:buSzPct val="25000"/>
             </a:pPr>
             <a:r>
-              <a:rPr lang="en-US" sz="2400" b="1" i="0" u="none" strike="noStrike" cap="none" dirty="0">
+              <a:rPr lang="en-US" sz="2400" i="0" u="none" strike="noStrike" cap="none" dirty="0">
                 <a:solidFill>
                   <a:schemeClr val="lt1"/>
                 </a:solidFill>
@@ -7657,7 +7661,7 @@
               <a:t>    </a:t>
             </a:r>
             <a:r>
-              <a:rPr lang="en-US" sz="2400" b="1" i="0" u="none" strike="noStrike" cap="none" dirty="0" smtClean="0">
+              <a:rPr lang="en-US" sz="2400" i="0" u="none" strike="noStrike" cap="none" dirty="0" smtClean="0">
                 <a:solidFill>
                   <a:srgbClr val="FFFF00"/>
                 </a:solidFill>
@@ -7669,7 +7673,7 @@
               <a:t>print(</a:t>
             </a:r>
             <a:r>
-              <a:rPr lang="en-US" sz="2400" b="1" i="0" u="none" strike="noStrike" cap="none" dirty="0" smtClean="0">
+              <a:rPr lang="en-US" sz="2400" i="0" u="none" strike="noStrike" cap="none" dirty="0" smtClean="0">
                 <a:solidFill>
                   <a:schemeClr val="lt1"/>
                 </a:solidFill>
@@ -7681,7 +7685,7 @@
               <a:t>'Happy </a:t>
             </a:r>
             <a:r>
-              <a:rPr lang="en-US" sz="2400" b="1" i="0" u="none" strike="noStrike" cap="none" dirty="0">
+              <a:rPr lang="en-US" sz="2400" i="0" u="none" strike="noStrike" cap="none" dirty="0">
                 <a:solidFill>
                   <a:schemeClr val="lt1"/>
                 </a:solidFill>
@@ -7693,7 +7697,7 @@
               <a:t>New Year:',  </a:t>
             </a:r>
             <a:r>
-              <a:rPr lang="en-US" sz="2400" b="1" i="0" u="none" strike="noStrike" cap="none" dirty="0" smtClean="0">
+              <a:rPr lang="en-US" sz="2400" i="0" u="none" strike="noStrike" cap="none" dirty="0" smtClean="0">
                 <a:solidFill>
                   <a:srgbClr val="FF7F00"/>
                 </a:solidFill>
@@ -7705,7 +7709,7 @@
               <a:t>friend</a:t>
             </a:r>
             <a:r>
-              <a:rPr lang="en-US" sz="2400" b="1" dirty="0" smtClean="0">
+              <a:rPr lang="en-US" sz="2400" dirty="0" smtClean="0">
                 <a:solidFill>
                   <a:srgbClr val="FFFF00"/>
                 </a:solidFill>
@@ -7716,7 +7720,7 @@
               </a:rPr>
               <a:t>)</a:t>
             </a:r>
-            <a:endParaRPr lang="en-US" sz="2400" b="1" i="0" u="none" strike="noStrike" cap="none" dirty="0">
+            <a:endParaRPr lang="en-US" sz="2400" i="0" u="none" strike="noStrike" cap="none" dirty="0">
               <a:solidFill>
                 <a:srgbClr val="FF7F00"/>
               </a:solidFill>
@@ -7739,7 +7743,7 @@
               </a:spcAft>
               <a:buNone/>
             </a:pPr>
-            <a:endParaRPr sz="2400" b="1" i="0" u="none" strike="noStrike" cap="none" dirty="0">
+            <a:endParaRPr sz="2400" i="0" u="none" strike="noStrike" cap="none" dirty="0">
               <a:solidFill>
                 <a:srgbClr val="00FF00"/>
               </a:solidFill>
@@ -7768,7 +7772,7 @@
               <a:buNone/>
             </a:pPr>
             <a:r>
-              <a:rPr lang="en-US" sz="2400" b="1" i="0" u="none" strike="noStrike" cap="none" dirty="0">
+              <a:rPr lang="en-US" sz="2400" i="0" u="none" strike="noStrike" cap="none" dirty="0">
                 <a:solidFill>
                   <a:srgbClr val="FFFF00"/>
                 </a:solidFill>
@@ -7780,7 +7784,7 @@
               <a:t>for</a:t>
             </a:r>
             <a:r>
-              <a:rPr lang="en-US" sz="2400" b="1" i="0" u="none" strike="noStrike" cap="none" dirty="0">
+              <a:rPr lang="en-US" sz="2400" i="0" u="none" strike="noStrike" cap="none" dirty="0">
                 <a:solidFill>
                   <a:schemeClr val="lt1"/>
                 </a:solidFill>
@@ -7792,7 +7796,7 @@
               <a:t> </a:t>
             </a:r>
             <a:r>
-              <a:rPr lang="en-US" sz="2400" b="1" i="0" u="none" strike="noStrike" cap="none" dirty="0" err="1">
+              <a:rPr lang="en-US" sz="2400" i="0" u="none" strike="noStrike" cap="none" dirty="0" err="1">
                 <a:solidFill>
                   <a:srgbClr val="00FF00"/>
                 </a:solidFill>
@@ -7804,7 +7808,7 @@
               <a:t>i</a:t>
             </a:r>
             <a:r>
-              <a:rPr lang="en-US" sz="2400" b="1" i="0" u="none" strike="noStrike" cap="none" dirty="0">
+              <a:rPr lang="en-US" sz="2400" i="0" u="none" strike="noStrike" cap="none" dirty="0">
                 <a:solidFill>
                   <a:schemeClr val="lt1"/>
                 </a:solidFill>
@@ -7816,7 +7820,7 @@
               <a:t> </a:t>
             </a:r>
             <a:r>
-              <a:rPr lang="en-US" sz="2400" b="1" i="0" u="none" strike="noStrike" cap="none" dirty="0">
+              <a:rPr lang="en-US" sz="2400" i="0" u="none" strike="noStrike" cap="none" dirty="0">
                 <a:solidFill>
                   <a:srgbClr val="FFFF00"/>
                 </a:solidFill>
@@ -7828,7 +7832,7 @@
               <a:t>in</a:t>
             </a:r>
             <a:r>
-              <a:rPr lang="en-US" sz="2400" b="1" i="0" u="none" strike="noStrike" cap="none" dirty="0">
+              <a:rPr lang="en-US" sz="2400" i="0" u="none" strike="noStrike" cap="none" dirty="0">
                 <a:solidFill>
                   <a:schemeClr val="lt1"/>
                 </a:solidFill>
@@ -7840,7 +7844,7 @@
               <a:t> </a:t>
             </a:r>
             <a:r>
-              <a:rPr lang="en-US" sz="2400" b="1" i="0" u="none" strike="noStrike" cap="none" dirty="0">
+              <a:rPr lang="en-US" sz="2400" i="0" u="none" strike="noStrike" cap="none" dirty="0">
                 <a:solidFill>
                   <a:srgbClr val="FF00FF"/>
                 </a:solidFill>
@@ -7852,7 +7856,7 @@
               <a:t>range</a:t>
             </a:r>
             <a:r>
-              <a:rPr lang="en-US" sz="2400" b="1" i="0" u="none" strike="noStrike" cap="none" dirty="0">
+              <a:rPr lang="en-US" sz="2400" i="0" u="none" strike="noStrike" cap="none" dirty="0">
                 <a:solidFill>
                   <a:schemeClr val="lt1"/>
                 </a:solidFill>
@@ -7864,7 +7868,7 @@
               <a:t>(</a:t>
             </a:r>
             <a:r>
-              <a:rPr lang="en-US" sz="2400" b="1" i="0" u="none" strike="noStrike" cap="none" dirty="0" err="1">
+              <a:rPr lang="en-US" sz="2400" i="0" u="none" strike="noStrike" cap="none" dirty="0" err="1">
                 <a:solidFill>
                   <a:schemeClr val="lt1"/>
                 </a:solidFill>
@@ -7876,7 +7880,7 @@
               <a:t>len</a:t>
             </a:r>
             <a:r>
-              <a:rPr lang="en-US" sz="2400" b="1" i="0" u="none" strike="noStrike" cap="none" dirty="0">
+              <a:rPr lang="en-US" sz="2400" i="0" u="none" strike="noStrike" cap="none" dirty="0">
                 <a:solidFill>
                   <a:schemeClr val="lt1"/>
                 </a:solidFill>
@@ -7888,7 +7892,7 @@
               <a:t>(</a:t>
             </a:r>
             <a:r>
-              <a:rPr lang="en-US" sz="2400" b="1" i="0" u="none" strike="noStrike" cap="none" dirty="0">
+              <a:rPr lang="en-US" sz="2400" i="0" u="none" strike="noStrike" cap="none" dirty="0">
                 <a:solidFill>
                   <a:srgbClr val="00FF00"/>
                 </a:solidFill>
@@ -7900,7 +7904,7 @@
               <a:t>friends)</a:t>
             </a:r>
             <a:r>
-              <a:rPr lang="en-US" sz="2400" b="1" i="0" u="none" strike="noStrike" cap="none" dirty="0">
+              <a:rPr lang="en-US" sz="2400" i="0" u="none" strike="noStrike" cap="none" dirty="0">
                 <a:solidFill>
                   <a:schemeClr val="lt1"/>
                 </a:solidFill>
@@ -7931,7 +7935,7 @@
               <a:buNone/>
             </a:pPr>
             <a:r>
-              <a:rPr lang="en-US" sz="2400" b="1" i="0" u="none" strike="noStrike" cap="none" dirty="0">
+              <a:rPr lang="en-US" sz="2400" i="0" u="none" strike="noStrike" cap="none" dirty="0">
                 <a:solidFill>
                   <a:schemeClr val="lt1"/>
                 </a:solidFill>
@@ -7943,7 +7947,7 @@
               <a:t>    </a:t>
             </a:r>
             <a:r>
-              <a:rPr lang="en-US" sz="2400" b="1" i="0" u="none" strike="noStrike" cap="none" dirty="0">
+              <a:rPr lang="en-US" sz="2400" i="0" u="none" strike="noStrike" cap="none" dirty="0">
                 <a:solidFill>
                   <a:srgbClr val="FF7F00"/>
                 </a:solidFill>
@@ -7955,7 +7959,7 @@
               <a:t>friend</a:t>
             </a:r>
             <a:r>
-              <a:rPr lang="en-US" sz="2400" b="1" i="0" u="none" strike="noStrike" cap="none" dirty="0">
+              <a:rPr lang="en-US" sz="2400" i="0" u="none" strike="noStrike" cap="none" dirty="0">
                 <a:solidFill>
                   <a:schemeClr val="lt1"/>
                 </a:solidFill>
@@ -7967,7 +7971,7 @@
               <a:t> = </a:t>
             </a:r>
             <a:r>
-              <a:rPr lang="en-US" sz="2400" b="1" i="0" u="none" strike="noStrike" cap="none" dirty="0">
+              <a:rPr lang="en-US" sz="2400" i="0" u="none" strike="noStrike" cap="none" dirty="0">
                 <a:solidFill>
                   <a:srgbClr val="00FF00"/>
                 </a:solidFill>
@@ -7979,7 +7983,7 @@
               <a:t>friends</a:t>
             </a:r>
             <a:r>
-              <a:rPr lang="en-US" sz="2400" b="1" i="0" u="none" strike="noStrike" cap="none" dirty="0">
+              <a:rPr lang="en-US" sz="2400" i="0" u="none" strike="noStrike" cap="none" dirty="0">
                 <a:solidFill>
                   <a:schemeClr val="lt1"/>
                 </a:solidFill>
@@ -7991,7 +7995,7 @@
               <a:t>[</a:t>
             </a:r>
             <a:r>
-              <a:rPr lang="en-US" sz="2400" b="1" i="0" u="none" strike="noStrike" cap="none" dirty="0" err="1">
+              <a:rPr lang="en-US" sz="2400" i="0" u="none" strike="noStrike" cap="none" dirty="0" err="1">
                 <a:solidFill>
                   <a:schemeClr val="lt1"/>
                 </a:solidFill>
@@ -8003,7 +8007,7 @@
               <a:t>i</a:t>
             </a:r>
             <a:r>
-              <a:rPr lang="en-US" sz="2400" b="1" i="0" u="none" strike="noStrike" cap="none" dirty="0">
+              <a:rPr lang="en-US" sz="2400" i="0" u="none" strike="noStrike" cap="none" dirty="0">
                 <a:solidFill>
                   <a:schemeClr val="lt1"/>
                 </a:solidFill>
@@ -8023,7 +8027,7 @@
               <a:buSzPct val="25000"/>
             </a:pPr>
             <a:r>
-              <a:rPr lang="en-US" sz="2400" b="1" i="0" u="none" strike="noStrike" cap="none" dirty="0">
+              <a:rPr lang="en-US" sz="2400" i="0" u="none" strike="noStrike" cap="none" dirty="0">
                 <a:solidFill>
                   <a:schemeClr val="lt1"/>
                 </a:solidFill>
@@ -8035,7 +8039,7 @@
               <a:t>    </a:t>
             </a:r>
             <a:r>
-              <a:rPr lang="en-US" sz="2400" b="1" i="0" u="none" strike="noStrike" cap="none" dirty="0" smtClean="0">
+              <a:rPr lang="en-US" sz="2400" i="0" u="none" strike="noStrike" cap="none" dirty="0" smtClean="0">
                 <a:solidFill>
                   <a:srgbClr val="FFFF00"/>
                 </a:solidFill>
@@ -8047,7 +8051,7 @@
               <a:t>print</a:t>
             </a:r>
             <a:r>
-              <a:rPr lang="en-US" sz="2400" b="1" dirty="0">
+              <a:rPr lang="en-US" sz="2400" dirty="0">
                 <a:solidFill>
                   <a:schemeClr val="lt1"/>
                 </a:solidFill>
@@ -8059,7 +8063,7 @@
               <a:t>(</a:t>
             </a:r>
             <a:r>
-              <a:rPr lang="en-US" sz="2400" b="1" i="0" u="none" strike="noStrike" cap="none" dirty="0" smtClean="0">
+              <a:rPr lang="en-US" sz="2400" i="0" u="none" strike="noStrike" cap="none" dirty="0" smtClean="0">
                 <a:solidFill>
                   <a:schemeClr val="lt1"/>
                 </a:solidFill>
@@ -8071,7 +8075,7 @@
               <a:t>'Happy </a:t>
             </a:r>
             <a:r>
-              <a:rPr lang="en-US" sz="2400" b="1" i="0" u="none" strike="noStrike" cap="none" dirty="0">
+              <a:rPr lang="en-US" sz="2400" i="0" u="none" strike="noStrike" cap="none" dirty="0">
                 <a:solidFill>
                   <a:schemeClr val="lt1"/>
                 </a:solidFill>
@@ -8083,7 +8087,7 @@
               <a:t>New Year:',  </a:t>
             </a:r>
             <a:r>
-              <a:rPr lang="en-US" sz="2400" b="1" i="0" u="none" strike="noStrike" cap="none" dirty="0" smtClean="0">
+              <a:rPr lang="en-US" sz="2400" i="0" u="none" strike="noStrike" cap="none" dirty="0" smtClean="0">
                 <a:solidFill>
                   <a:srgbClr val="FF7F00"/>
                 </a:solidFill>
@@ -8095,7 +8099,7 @@
               <a:t>friend</a:t>
             </a:r>
             <a:r>
-              <a:rPr lang="en-US" sz="2400" b="1" dirty="0" smtClean="0">
+              <a:rPr lang="en-US" sz="2400" dirty="0" smtClean="0">
                 <a:solidFill>
                   <a:srgbClr val="FFFF00"/>
                 </a:solidFill>
@@ -8106,7 +8110,7 @@
               </a:rPr>
               <a:t>)</a:t>
             </a:r>
-            <a:endParaRPr lang="en-US" sz="2400" b="1" i="0" u="none" strike="noStrike" cap="none" dirty="0">
+            <a:endParaRPr lang="en-US" sz="2400" i="0" u="none" strike="noStrike" cap="none" dirty="0">
               <a:solidFill>
                 <a:srgbClr val="FF7F00"/>
               </a:solidFill>
@@ -8280,7 +8284,7 @@
               <a:buNone/>
             </a:pPr>
             <a:r>
-              <a:rPr lang="en-US" sz="2400" b="1" i="0" u="none" strike="noStrike" cap="none" dirty="0">
+              <a:rPr lang="en-US" sz="2400" i="0" u="none" strike="noStrike" cap="none" dirty="0">
                 <a:solidFill>
                   <a:schemeClr val="lt1"/>
                 </a:solidFill>
@@ -8292,7 +8296,7 @@
               <a:t>&gt;&gt;&gt; </a:t>
             </a:r>
             <a:r>
-              <a:rPr lang="en-US" sz="2400" b="1" i="0" u="none" strike="noStrike" cap="none" dirty="0">
+              <a:rPr lang="en-US" sz="2400" i="0" u="none" strike="noStrike" cap="none" dirty="0">
                 <a:solidFill>
                   <a:srgbClr val="00FF00"/>
                 </a:solidFill>
@@ -8304,7 +8308,7 @@
               <a:t>friends</a:t>
             </a:r>
             <a:r>
-              <a:rPr lang="en-US" sz="2400" b="1" i="0" u="none" strike="noStrike" cap="none" dirty="0">
+              <a:rPr lang="en-US" sz="2400" i="0" u="none" strike="noStrike" cap="none" dirty="0">
                 <a:solidFill>
                   <a:schemeClr val="lt1"/>
                 </a:solidFill>
@@ -8324,7 +8328,7 @@
               <a:buSzPct val="25000"/>
             </a:pPr>
             <a:r>
-              <a:rPr lang="en-US" sz="2400" b="1" i="0" u="none" strike="noStrike" cap="none" dirty="0">
+              <a:rPr lang="en-US" sz="2400" i="0" u="none" strike="noStrike" cap="none" dirty="0">
                 <a:solidFill>
                   <a:schemeClr val="lt1"/>
                 </a:solidFill>
@@ -8336,7 +8340,7 @@
               <a:t>&gt;&gt;&gt; </a:t>
             </a:r>
             <a:r>
-              <a:rPr lang="en-US" sz="2400" b="1" i="0" u="none" strike="noStrike" cap="none" dirty="0" smtClean="0">
+              <a:rPr lang="en-US" sz="2400" i="0" u="none" strike="noStrike" cap="none" dirty="0" smtClean="0">
                 <a:solidFill>
                   <a:srgbClr val="FFFF00"/>
                 </a:solidFill>
@@ -8348,7 +8352,7 @@
               <a:t>print(</a:t>
             </a:r>
             <a:r>
-              <a:rPr lang="en-US" sz="2400" b="1" i="0" u="none" strike="noStrike" cap="none" dirty="0" err="1" smtClean="0">
+              <a:rPr lang="en-US" sz="2400" i="0" u="none" strike="noStrike" cap="none" dirty="0" err="1" smtClean="0">
                 <a:solidFill>
                   <a:srgbClr val="FF00FF"/>
                 </a:solidFill>
@@ -8360,7 +8364,7 @@
               <a:t>len</a:t>
             </a:r>
             <a:r>
-              <a:rPr lang="en-US" sz="2400" b="1" i="0" u="none" strike="noStrike" cap="none" dirty="0" smtClean="0">
+              <a:rPr lang="en-US" sz="2400" i="0" u="none" strike="noStrike" cap="none" dirty="0" smtClean="0">
                 <a:solidFill>
                   <a:schemeClr val="lt1"/>
                 </a:solidFill>
@@ -8372,7 +8376,7 @@
               <a:t>(</a:t>
             </a:r>
             <a:r>
-              <a:rPr lang="en-US" sz="2400" b="1" i="0" u="none" strike="noStrike" cap="none" dirty="0" smtClean="0">
+              <a:rPr lang="en-US" sz="2400" i="0" u="none" strike="noStrike" cap="none" dirty="0" smtClean="0">
                 <a:solidFill>
                   <a:srgbClr val="00FF00"/>
                 </a:solidFill>
@@ -8384,7 +8388,7 @@
               <a:t>friends</a:t>
             </a:r>
             <a:r>
-              <a:rPr lang="en-US" sz="2400" b="1" i="0" u="none" strike="noStrike" cap="none" dirty="0" smtClean="0">
+              <a:rPr lang="en-US" sz="2400" i="0" u="none" strike="noStrike" cap="none" dirty="0" smtClean="0">
                 <a:solidFill>
                   <a:schemeClr val="lt1"/>
                 </a:solidFill>
@@ -8396,7 +8400,7 @@
               <a:t>)</a:t>
             </a:r>
             <a:r>
-              <a:rPr lang="en-US" sz="2400" b="1" dirty="0" smtClean="0">
+              <a:rPr lang="en-US" sz="2400" dirty="0" smtClean="0">
                 <a:solidFill>
                   <a:srgbClr val="FFFF00"/>
                 </a:solidFill>
@@ -8407,7 +8411,7 @@
               </a:rPr>
               <a:t>)</a:t>
             </a:r>
-            <a:endParaRPr lang="en-US" sz="2400" b="1" i="0" u="none" strike="noStrike" cap="none" dirty="0">
+            <a:endParaRPr lang="en-US" sz="2400" i="0" u="none" strike="noStrike" cap="none" dirty="0">
               <a:solidFill>
                 <a:schemeClr val="lt1"/>
               </a:solidFill>
@@ -8436,7 +8440,7 @@
               <a:buNone/>
             </a:pPr>
             <a:r>
-              <a:rPr lang="en-US" sz="2400" b="1" i="0" u="none" strike="noStrike" cap="none" dirty="0">
+              <a:rPr lang="en-US" sz="2400" i="0" u="none" strike="noStrike" cap="none" dirty="0">
                 <a:solidFill>
                   <a:schemeClr val="lt1"/>
                 </a:solidFill>
@@ -8456,7 +8460,7 @@
               <a:buSzPct val="25000"/>
             </a:pPr>
             <a:r>
-              <a:rPr lang="en-US" sz="2400" b="1" i="0" u="none" strike="noStrike" cap="none" dirty="0">
+              <a:rPr lang="en-US" sz="2400" i="0" u="none" strike="noStrike" cap="none" dirty="0">
                 <a:solidFill>
                   <a:schemeClr val="lt1"/>
                 </a:solidFill>
@@ -8468,7 +8472,7 @@
               <a:t>&gt;&gt;&gt; </a:t>
             </a:r>
             <a:r>
-              <a:rPr lang="en-US" sz="2400" b="1" i="0" u="none" strike="noStrike" cap="none" dirty="0" smtClean="0">
+              <a:rPr lang="en-US" sz="2400" i="0" u="none" strike="noStrike" cap="none" dirty="0" smtClean="0">
                 <a:solidFill>
                   <a:srgbClr val="FFFF00"/>
                 </a:solidFill>
@@ -8480,7 +8484,7 @@
               <a:t>print(</a:t>
             </a:r>
             <a:r>
-              <a:rPr lang="en-US" sz="2400" b="1" i="0" u="none" strike="noStrike" cap="none" dirty="0" smtClean="0">
+              <a:rPr lang="en-US" sz="2400" i="0" u="none" strike="noStrike" cap="none" dirty="0" smtClean="0">
                 <a:solidFill>
                   <a:srgbClr val="FF00FF"/>
                 </a:solidFill>
@@ -8492,7 +8496,7 @@
               <a:t>range</a:t>
             </a:r>
             <a:r>
-              <a:rPr lang="en-US" sz="2400" b="1" i="0" u="none" strike="noStrike" cap="none" dirty="0" smtClean="0">
+              <a:rPr lang="en-US" sz="2400" i="0" u="none" strike="noStrike" cap="none" dirty="0" smtClean="0">
                 <a:solidFill>
                   <a:schemeClr val="lt1"/>
                 </a:solidFill>
@@ -8504,7 +8508,7 @@
               <a:t>(</a:t>
             </a:r>
             <a:r>
-              <a:rPr lang="en-US" sz="2400" b="1" i="0" u="none" strike="noStrike" cap="none" dirty="0" err="1" smtClean="0">
+              <a:rPr lang="en-US" sz="2400" i="0" u="none" strike="noStrike" cap="none" dirty="0" err="1" smtClean="0">
                 <a:solidFill>
                   <a:srgbClr val="FF00FF"/>
                 </a:solidFill>
@@ -8516,7 +8520,7 @@
               <a:t>len</a:t>
             </a:r>
             <a:r>
-              <a:rPr lang="en-US" sz="2400" b="1" i="0" u="none" strike="noStrike" cap="none" dirty="0" smtClean="0">
+              <a:rPr lang="en-US" sz="2400" i="0" u="none" strike="noStrike" cap="none" dirty="0" smtClean="0">
                 <a:solidFill>
                   <a:schemeClr val="lt1"/>
                 </a:solidFill>
@@ -8528,7 +8532,7 @@
               <a:t>(friends))</a:t>
             </a:r>
             <a:r>
-              <a:rPr lang="en-US" sz="2400" b="1" dirty="0" smtClean="0">
+              <a:rPr lang="en-US" sz="2400" dirty="0" smtClean="0">
                 <a:solidFill>
                   <a:srgbClr val="FFFF00"/>
                 </a:solidFill>
@@ -8539,7 +8543,7 @@
               </a:rPr>
               <a:t>)</a:t>
             </a:r>
-            <a:endParaRPr lang="en-US" sz="2400" b="1" i="0" u="none" strike="noStrike" cap="none" dirty="0">
+            <a:endParaRPr lang="en-US" sz="2400" i="0" u="none" strike="noStrike" cap="none" dirty="0">
               <a:solidFill>
                 <a:schemeClr val="lt1"/>
               </a:solidFill>
@@ -8568,7 +8572,7 @@
               <a:buNone/>
             </a:pPr>
             <a:r>
-              <a:rPr lang="en-US" sz="2400" b="1" i="0" u="none" strike="noStrike" cap="none" dirty="0">
+              <a:rPr lang="en-US" sz="2400" i="0" u="none" strike="noStrike" cap="none" dirty="0">
                 <a:solidFill>
                   <a:schemeClr val="lt1"/>
                 </a:solidFill>
@@ -8599,7 +8603,7 @@
               <a:buNone/>
             </a:pPr>
             <a:r>
-              <a:rPr lang="en-US" sz="2400" b="1" i="0" u="none" strike="noStrike" cap="none" dirty="0">
+              <a:rPr lang="en-US" sz="2400" i="0" u="none" strike="noStrike" cap="none" dirty="0">
                 <a:solidFill>
                   <a:schemeClr val="lt1"/>
                 </a:solidFill>
@@ -8610,49 +8614,6 @@
               </a:rPr>
               <a:t>&gt;&gt;&gt; </a:t>
             </a:r>
-          </a:p>
-        </p:txBody>
-      </p:sp>
-      <p:sp>
-        <p:nvSpPr>
-          <p:cNvPr id="6" name="Hexagon 5"/>
-          <p:cNvSpPr/>
-          <p:nvPr/>
-        </p:nvSpPr>
-        <p:spPr>
-          <a:xfrm>
-            <a:off x="34185" y="8503920"/>
-            <a:ext cx="662940" cy="571500"/>
-          </a:xfrm>
-          <a:prstGeom prst="hexagon">
-            <a:avLst/>
-          </a:prstGeom>
-          <a:solidFill>
-            <a:schemeClr val="tx1"/>
-          </a:solidFill>
-        </p:spPr>
-        <p:style>
-          <a:lnRef idx="2">
-            <a:schemeClr val="accent1">
-              <a:shade val="50000"/>
-            </a:schemeClr>
-          </a:lnRef>
-          <a:fillRef idx="1">
-            <a:schemeClr val="accent1"/>
-          </a:fillRef>
-          <a:effectRef idx="0">
-            <a:schemeClr val="accent1"/>
-          </a:effectRef>
-          <a:fontRef idx="minor">
-            <a:schemeClr val="lt1"/>
-          </a:fontRef>
-        </p:style>
-        <p:txBody>
-          <a:bodyPr rtlCol="0" anchor="ctr"/>
-          <a:lstStyle/>
-          <a:p>
-            <a:pPr algn="ctr"/>
-            <a:endParaRPr lang="en-US"/>
           </a:p>
         </p:txBody>
       </p:sp>
@@ -8664,7 +8625,7 @@
   <p:timing>
     <p:tnLst>
       <p:par>
-        <p:cTn id="1" dur="indefinite" restart="never" nodeType="tmRoot"/>
+        <p:cTn xmlns:p14="http://schemas.microsoft.com/office/powerpoint/2010/main" id="1" dur="indefinite" restart="never" nodeType="tmRoot"/>
       </p:par>
     </p:tnLst>
   </p:timing>
@@ -8805,8 +8766,8 @@
         </p:nvSpPr>
         <p:spPr>
           <a:xfrm>
-            <a:off x="1155700" y="2603500"/>
-            <a:ext cx="7388225" cy="5702299"/>
+            <a:off x="1778000" y="2933702"/>
+            <a:ext cx="5410200" cy="2603499"/>
           </a:xfrm>
           <a:prstGeom prst="rect">
             <a:avLst/>
@@ -8822,7 +8783,7 @@
           </a:bodyPr>
           <a:lstStyle/>
           <a:p>
-            <a:pPr marL="457200" marR="0" lvl="0" indent="-457200" algn="l" rtl="0">
+            <a:pPr marL="0" marR="0" lvl="0" indent="0" algn="l" rtl="0">
               <a:lnSpc>
                 <a:spcPct val="100000"/>
               </a:lnSpc>
@@ -8833,10 +8794,10 @@
                 <a:spcPts val="0"/>
               </a:spcAft>
               <a:buSzPct val="100000"/>
-              <a:buFont typeface="Cabin"/>
-            </a:pPr>
-            <a:r>
-              <a:rPr lang="en-US" sz="3600" u="none" strike="noStrike" cap="none">
+              <a:buNone/>
+            </a:pPr>
+            <a:r>
+              <a:rPr lang="en-US" sz="3600" u="none" strike="noStrike" cap="none" dirty="0">
                 <a:solidFill>
                   <a:schemeClr val="lt1"/>
                 </a:solidFill>
@@ -8848,7 +8809,7 @@
               <a:t>We can create a new list by adding two ex</a:t>
             </a:r>
             <a:r>
-              <a:rPr lang="en-US" sz="3600">
+              <a:rPr lang="en-US" sz="3600" dirty="0">
                 <a:solidFill>
                   <a:schemeClr val="lt1"/>
                 </a:solidFill>
@@ -8860,7 +8821,7 @@
               <a:t>is</a:t>
             </a:r>
             <a:r>
-              <a:rPr lang="en-US" sz="3600" u="none" strike="noStrike" cap="none">
+              <a:rPr lang="en-US" sz="3600" u="none" strike="noStrike" cap="none" dirty="0">
                 <a:solidFill>
                   <a:schemeClr val="lt1"/>
                 </a:solidFill>
@@ -8917,7 +8878,7 @@
               <a:buNone/>
             </a:pPr>
             <a:r>
-              <a:rPr lang="en-US" sz="3000" b="1" i="0" u="none" strike="noStrike" cap="none" dirty="0">
+              <a:rPr lang="en-US" sz="3000" i="0" u="none" strike="noStrike" cap="none" dirty="0">
                 <a:solidFill>
                   <a:schemeClr val="lt1"/>
                 </a:solidFill>
@@ -8929,7 +8890,7 @@
               <a:t>&gt;&gt;&gt; </a:t>
             </a:r>
             <a:r>
-              <a:rPr lang="en-US" sz="3000" b="1" i="0" u="none" strike="noStrike" cap="none" dirty="0">
+              <a:rPr lang="en-US" sz="3000" i="0" u="none" strike="noStrike" cap="none" dirty="0">
                 <a:solidFill>
                   <a:srgbClr val="00FF00"/>
                 </a:solidFill>
@@ -8941,7 +8902,7 @@
               <a:t>a</a:t>
             </a:r>
             <a:r>
-              <a:rPr lang="en-US" sz="3000" b="1" i="0" u="none" strike="noStrike" cap="none" dirty="0">
+              <a:rPr lang="en-US" sz="3000" i="0" u="none" strike="noStrike" cap="none" dirty="0">
                 <a:solidFill>
                   <a:schemeClr val="lt1"/>
                 </a:solidFill>
@@ -8972,7 +8933,7 @@
               <a:buNone/>
             </a:pPr>
             <a:r>
-              <a:rPr lang="en-US" sz="3000" b="1" i="0" u="none" strike="noStrike" cap="none" dirty="0">
+              <a:rPr lang="en-US" sz="3000" i="0" u="none" strike="noStrike" cap="none" dirty="0">
                 <a:solidFill>
                   <a:schemeClr val="lt1"/>
                 </a:solidFill>
@@ -8984,7 +8945,7 @@
               <a:t>&gt;&gt;&gt;</a:t>
             </a:r>
             <a:r>
-              <a:rPr lang="en-US" sz="3000" b="1" i="0" u="none" strike="noStrike" cap="none" dirty="0">
+              <a:rPr lang="en-US" sz="3000" i="0" u="none" strike="noStrike" cap="none" dirty="0">
                 <a:solidFill>
                   <a:srgbClr val="00FF00"/>
                 </a:solidFill>
@@ -8996,7 +8957,7 @@
               <a:t> b</a:t>
             </a:r>
             <a:r>
-              <a:rPr lang="en-US" sz="3000" b="1" i="0" u="none" strike="noStrike" cap="none" dirty="0">
+              <a:rPr lang="en-US" sz="3000" i="0" u="none" strike="noStrike" cap="none" dirty="0">
                 <a:solidFill>
                   <a:schemeClr val="lt1"/>
                 </a:solidFill>
@@ -9027,7 +8988,7 @@
               <a:buNone/>
             </a:pPr>
             <a:r>
-              <a:rPr lang="en-US" sz="3000" b="1" i="0" u="none" strike="noStrike" cap="none" dirty="0">
+              <a:rPr lang="en-US" sz="3000" i="0" u="none" strike="noStrike" cap="none" dirty="0">
                 <a:solidFill>
                   <a:schemeClr val="lt1"/>
                 </a:solidFill>
@@ -9039,7 +9000,7 @@
               <a:t>&gt;&gt;&gt; </a:t>
             </a:r>
             <a:r>
-              <a:rPr lang="en-US" sz="3000" b="1" i="0" u="none" strike="noStrike" cap="none" dirty="0">
+              <a:rPr lang="en-US" sz="3000" i="0" u="none" strike="noStrike" cap="none" dirty="0">
                 <a:solidFill>
                   <a:srgbClr val="00FF00"/>
                 </a:solidFill>
@@ -9051,7 +9012,7 @@
               <a:t>c</a:t>
             </a:r>
             <a:r>
-              <a:rPr lang="en-US" sz="3000" b="1" i="0" u="none" strike="noStrike" cap="none" dirty="0">
+              <a:rPr lang="en-US" sz="3000" i="0" u="none" strike="noStrike" cap="none" dirty="0">
                 <a:solidFill>
                   <a:schemeClr val="lt1"/>
                 </a:solidFill>
@@ -9063,7 +9024,7 @@
               <a:t> = </a:t>
             </a:r>
             <a:r>
-              <a:rPr lang="en-US" sz="3000" b="1" i="0" u="none" strike="noStrike" cap="none" dirty="0">
+              <a:rPr lang="en-US" sz="3000" i="0" u="none" strike="noStrike" cap="none" dirty="0">
                 <a:solidFill>
                   <a:srgbClr val="00FF00"/>
                 </a:solidFill>
@@ -9075,7 +9036,7 @@
               <a:t>a </a:t>
             </a:r>
             <a:r>
-              <a:rPr lang="en-US" sz="3000" b="1" i="0" u="none" strike="noStrike" cap="none" dirty="0">
+              <a:rPr lang="en-US" sz="3000" i="0" u="none" strike="noStrike" cap="none" dirty="0">
                 <a:solidFill>
                   <a:srgbClr val="00FFFF"/>
                 </a:solidFill>
@@ -9087,7 +9048,7 @@
               <a:t>+</a:t>
             </a:r>
             <a:r>
-              <a:rPr lang="en-US" sz="3000" b="1" i="0" u="none" strike="noStrike" cap="none" dirty="0">
+              <a:rPr lang="en-US" sz="3000" i="0" u="none" strike="noStrike" cap="none" dirty="0">
                 <a:solidFill>
                   <a:srgbClr val="00FF00"/>
                 </a:solidFill>
@@ -9107,7 +9068,7 @@
               <a:buSzPct val="25000"/>
             </a:pPr>
             <a:r>
-              <a:rPr lang="en-US" sz="3000" b="1" i="0" u="none" strike="noStrike" cap="none" dirty="0">
+              <a:rPr lang="en-US" sz="3000" i="0" u="none" strike="noStrike" cap="none" dirty="0">
                 <a:solidFill>
                   <a:schemeClr val="lt1"/>
                 </a:solidFill>
@@ -9119,7 +9080,7 @@
               <a:t>&gt;&gt;&gt; </a:t>
             </a:r>
             <a:r>
-              <a:rPr lang="en-US" sz="3000" b="1" i="0" u="none" strike="noStrike" cap="none" dirty="0" smtClean="0">
+              <a:rPr lang="en-US" sz="3000" i="0" u="none" strike="noStrike" cap="none" dirty="0" smtClean="0">
                 <a:solidFill>
                   <a:srgbClr val="FFFF00"/>
                 </a:solidFill>
@@ -9131,7 +9092,7 @@
               <a:t>print(</a:t>
             </a:r>
             <a:r>
-              <a:rPr lang="en-US" sz="3000" b="1" i="0" u="none" strike="noStrike" cap="none" dirty="0" smtClean="0">
+              <a:rPr lang="en-US" sz="3000" i="0" u="none" strike="noStrike" cap="none" dirty="0" smtClean="0">
                 <a:solidFill>
                   <a:srgbClr val="00FF00"/>
                 </a:solidFill>
@@ -9143,7 +9104,7 @@
               <a:t>c</a:t>
             </a:r>
             <a:r>
-              <a:rPr lang="en-US" sz="3200" b="1" dirty="0" smtClean="0">
+              <a:rPr lang="en-US" sz="3200" dirty="0" smtClean="0">
                 <a:solidFill>
                   <a:srgbClr val="FFFF00"/>
                 </a:solidFill>
@@ -9154,7 +9115,7 @@
               </a:rPr>
               <a:t>)</a:t>
             </a:r>
-            <a:endParaRPr lang="en-US" sz="3000" b="1" i="0" u="none" strike="noStrike" cap="none" dirty="0">
+            <a:endParaRPr lang="en-US" sz="3000" i="0" u="none" strike="noStrike" cap="none" dirty="0">
               <a:solidFill>
                 <a:srgbClr val="00FF00"/>
               </a:solidFill>
@@ -9183,7 +9144,7 @@
               <a:buNone/>
             </a:pPr>
             <a:r>
-              <a:rPr lang="en-US" sz="3000" b="1" i="0" u="none" strike="noStrike" cap="none" dirty="0">
+              <a:rPr lang="en-US" sz="3000" i="0" u="none" strike="noStrike" cap="none" dirty="0">
                 <a:solidFill>
                   <a:schemeClr val="lt1"/>
                 </a:solidFill>
@@ -9203,7 +9164,7 @@
               <a:buSzPct val="25000"/>
             </a:pPr>
             <a:r>
-              <a:rPr lang="en-US" sz="3000" b="1" i="0" u="none" strike="noStrike" cap="none" dirty="0">
+              <a:rPr lang="en-US" sz="3000" i="0" u="none" strike="noStrike" cap="none" dirty="0">
                 <a:solidFill>
                   <a:schemeClr val="lt1"/>
                 </a:solidFill>
@@ -9215,7 +9176,7 @@
               <a:t>&gt;&gt;&gt; </a:t>
             </a:r>
             <a:r>
-              <a:rPr lang="en-US" sz="3000" b="1" i="0" u="none" strike="noStrike" cap="none" dirty="0" smtClean="0">
+              <a:rPr lang="en-US" sz="3000" i="0" u="none" strike="noStrike" cap="none" dirty="0" smtClean="0">
                 <a:solidFill>
                   <a:srgbClr val="FFFF00"/>
                 </a:solidFill>
@@ -9227,7 +9188,7 @@
               <a:t>print(</a:t>
             </a:r>
             <a:r>
-              <a:rPr lang="en-US" sz="3000" b="1" i="0" u="none" strike="noStrike" cap="none" dirty="0" smtClean="0">
+              <a:rPr lang="en-US" sz="3000" i="0" u="none" strike="noStrike" cap="none" dirty="0" smtClean="0">
                 <a:solidFill>
                   <a:srgbClr val="00FF00"/>
                 </a:solidFill>
@@ -9239,7 +9200,7 @@
               <a:t>a</a:t>
             </a:r>
             <a:r>
-              <a:rPr lang="en-US" sz="3200" b="1" dirty="0" smtClean="0">
+              <a:rPr lang="en-US" sz="3200" dirty="0" smtClean="0">
                 <a:solidFill>
                   <a:srgbClr val="FFFF00"/>
                 </a:solidFill>
@@ -9250,7 +9211,7 @@
               </a:rPr>
               <a:t>)</a:t>
             </a:r>
-            <a:endParaRPr lang="en-US" sz="3000" b="1" i="0" u="none" strike="noStrike" cap="none" dirty="0">
+            <a:endParaRPr lang="en-US" sz="3000" i="0" u="none" strike="noStrike" cap="none" dirty="0">
               <a:solidFill>
                 <a:srgbClr val="00FF00"/>
               </a:solidFill>
@@ -9279,7 +9240,7 @@
               <a:buNone/>
             </a:pPr>
             <a:r>
-              <a:rPr lang="en-US" sz="3000" b="1" i="0" u="none" strike="noStrike" cap="none" dirty="0">
+              <a:rPr lang="en-US" sz="3000" i="0" u="none" strike="noStrike" cap="none" dirty="0">
                 <a:solidFill>
                   <a:schemeClr val="lt1"/>
                 </a:solidFill>
@@ -9301,7 +9262,7 @@
   <p:timing>
     <p:tnLst>
       <p:par>
-        <p:cTn id="1" dur="indefinite" restart="never" nodeType="tmRoot"/>
+        <p:cTn xmlns:p14="http://schemas.microsoft.com/office/powerpoint/2010/main" id="1" dur="indefinite" restart="never" nodeType="tmRoot"/>
       </p:par>
     </p:tnLst>
   </p:timing>
@@ -9473,7 +9434,7 @@
               <a:buNone/>
             </a:pPr>
             <a:r>
-              <a:rPr lang="en-US" sz="3000" b="1" i="0" u="none" strike="noStrike" cap="none">
+              <a:rPr lang="en-US" sz="3000" i="0" u="none" strike="noStrike" cap="none" dirty="0">
                 <a:solidFill>
                   <a:schemeClr val="lt1"/>
                 </a:solidFill>
@@ -9485,7 +9446,7 @@
               <a:t>&gt;&gt;&gt; </a:t>
             </a:r>
             <a:r>
-              <a:rPr lang="en-US" sz="3000" b="1" i="0" u="none" strike="noStrike" cap="none">
+              <a:rPr lang="en-US" sz="3000" i="0" u="none" strike="noStrike" cap="none" dirty="0">
                 <a:solidFill>
                   <a:srgbClr val="00FF00"/>
                 </a:solidFill>
@@ -9497,7 +9458,7 @@
               <a:t>t</a:t>
             </a:r>
             <a:r>
-              <a:rPr lang="en-US" sz="3000" b="1" i="0" u="none" strike="noStrike" cap="none">
+              <a:rPr lang="en-US" sz="3000" i="0" u="none" strike="noStrike" cap="none" dirty="0">
                 <a:solidFill>
                   <a:schemeClr val="lt1"/>
                 </a:solidFill>
@@ -9528,7 +9489,7 @@
               <a:buNone/>
             </a:pPr>
             <a:r>
-              <a:rPr lang="en-US" sz="3000" b="1" i="0" u="none" strike="noStrike" cap="none">
+              <a:rPr lang="en-US" sz="3000" i="0" u="none" strike="noStrike" cap="none" dirty="0">
                 <a:solidFill>
                   <a:schemeClr val="lt1"/>
                 </a:solidFill>
@@ -9540,7 +9501,7 @@
               <a:t>&gt;&gt;&gt; </a:t>
             </a:r>
             <a:r>
-              <a:rPr lang="en-US" sz="3000" b="1" i="0" u="none" strike="noStrike" cap="none">
+              <a:rPr lang="en-US" sz="3000" i="0" u="none" strike="noStrike" cap="none" dirty="0">
                 <a:solidFill>
                   <a:srgbClr val="00FF00"/>
                 </a:solidFill>
@@ -9552,7 +9513,7 @@
               <a:t>t</a:t>
             </a:r>
             <a:r>
-              <a:rPr lang="en-US" sz="3000" b="1" i="0" u="none" strike="noStrike" cap="none">
+              <a:rPr lang="en-US" sz="3000" i="0" u="none" strike="noStrike" cap="none" dirty="0">
                 <a:solidFill>
                   <a:schemeClr val="lt1"/>
                 </a:solidFill>
@@ -9564,7 +9525,7 @@
               <a:t>[1</a:t>
             </a:r>
             <a:r>
-              <a:rPr lang="en-US" sz="3000" b="1" i="0" u="none" strike="noStrike" cap="none">
+              <a:rPr lang="en-US" sz="3000" i="0" u="none" strike="noStrike" cap="none" dirty="0">
                 <a:solidFill>
                   <a:srgbClr val="00FFFF"/>
                 </a:solidFill>
@@ -9576,7 +9537,7 @@
               <a:t>:</a:t>
             </a:r>
             <a:r>
-              <a:rPr lang="en-US" sz="3000" b="1" i="0" u="none" strike="noStrike" cap="none">
+              <a:rPr lang="en-US" sz="3000" i="0" u="none" strike="noStrike" cap="none" dirty="0">
                 <a:solidFill>
                   <a:srgbClr val="FF00FF"/>
                 </a:solidFill>
@@ -9588,7 +9549,7 @@
               <a:t>3</a:t>
             </a:r>
             <a:r>
-              <a:rPr lang="en-US" sz="3000" b="1" i="0" u="none" strike="noStrike" cap="none">
+              <a:rPr lang="en-US" sz="3000" i="0" u="none" strike="noStrike" cap="none" dirty="0">
                 <a:solidFill>
                   <a:schemeClr val="lt1"/>
                 </a:solidFill>
@@ -9619,7 +9580,7 @@
               <a:buNone/>
             </a:pPr>
             <a:r>
-              <a:rPr lang="en-US" sz="3000" b="1" i="0" u="none" strike="noStrike" cap="none">
+              <a:rPr lang="en-US" sz="3000" i="0" u="none" strike="noStrike" cap="none" dirty="0">
                 <a:solidFill>
                   <a:schemeClr val="lt1"/>
                 </a:solidFill>
@@ -9650,7 +9611,7 @@
               <a:buNone/>
             </a:pPr>
             <a:r>
-              <a:rPr lang="en-US" sz="3000" b="1" i="0" u="none" strike="noStrike" cap="none">
+              <a:rPr lang="en-US" sz="3000" i="0" u="none" strike="noStrike" cap="none" dirty="0">
                 <a:solidFill>
                   <a:schemeClr val="lt1"/>
                 </a:solidFill>
@@ -9662,7 +9623,7 @@
               <a:t>&gt;&gt;&gt; </a:t>
             </a:r>
             <a:r>
-              <a:rPr lang="en-US" sz="3000" b="1" i="0" u="none" strike="noStrike" cap="none">
+              <a:rPr lang="en-US" sz="3000" i="0" u="none" strike="noStrike" cap="none" dirty="0">
                 <a:solidFill>
                   <a:srgbClr val="00FF00"/>
                 </a:solidFill>
@@ -9674,7 +9635,7 @@
               <a:t>t</a:t>
             </a:r>
             <a:r>
-              <a:rPr lang="en-US" sz="3000" b="1" i="0" u="none" strike="noStrike" cap="none">
+              <a:rPr lang="en-US" sz="3000" i="0" u="none" strike="noStrike" cap="none" dirty="0">
                 <a:solidFill>
                   <a:schemeClr val="lt1"/>
                 </a:solidFill>
@@ -9686,7 +9647,7 @@
               <a:t>[</a:t>
             </a:r>
             <a:r>
-              <a:rPr lang="en-US" sz="3000" b="1" i="0" u="none" strike="noStrike" cap="none">
+              <a:rPr lang="en-US" sz="3000" i="0" u="none" strike="noStrike" cap="none" dirty="0">
                 <a:solidFill>
                   <a:srgbClr val="00FFFF"/>
                 </a:solidFill>
@@ -9698,7 +9659,7 @@
               <a:t>:</a:t>
             </a:r>
             <a:r>
-              <a:rPr lang="en-US" sz="3000" b="1" i="0" u="none" strike="noStrike" cap="none">
+              <a:rPr lang="en-US" sz="3000" i="0" u="none" strike="noStrike" cap="none" dirty="0">
                 <a:solidFill>
                   <a:srgbClr val="FF00FF"/>
                 </a:solidFill>
@@ -9710,7 +9671,7 @@
               <a:t>4</a:t>
             </a:r>
             <a:r>
-              <a:rPr lang="en-US" sz="3000" b="1" i="0" u="none" strike="noStrike" cap="none">
+              <a:rPr lang="en-US" sz="3000" i="0" u="none" strike="noStrike" cap="none" dirty="0">
                 <a:solidFill>
                   <a:schemeClr val="lt1"/>
                 </a:solidFill>
@@ -9741,7 +9702,7 @@
               <a:buNone/>
             </a:pPr>
             <a:r>
-              <a:rPr lang="en-US" sz="3000" b="1" i="0" u="none" strike="noStrike" cap="none">
+              <a:rPr lang="en-US" sz="3000" i="0" u="none" strike="noStrike" cap="none" dirty="0">
                 <a:solidFill>
                   <a:schemeClr val="lt1"/>
                 </a:solidFill>
@@ -9772,7 +9733,7 @@
               <a:buNone/>
             </a:pPr>
             <a:r>
-              <a:rPr lang="en-US" sz="3000" b="1" i="0" u="none" strike="noStrike" cap="none">
+              <a:rPr lang="en-US" sz="3000" i="0" u="none" strike="noStrike" cap="none" dirty="0">
                 <a:solidFill>
                   <a:schemeClr val="lt1"/>
                 </a:solidFill>
@@ -9784,7 +9745,7 @@
               <a:t>&gt;&gt;&gt; </a:t>
             </a:r>
             <a:r>
-              <a:rPr lang="en-US" sz="3000" b="1" i="0" u="none" strike="noStrike" cap="none">
+              <a:rPr lang="en-US" sz="3000" i="0" u="none" strike="noStrike" cap="none" dirty="0">
                 <a:solidFill>
                   <a:srgbClr val="00FF00"/>
                 </a:solidFill>
@@ -9796,7 +9757,7 @@
               <a:t>t</a:t>
             </a:r>
             <a:r>
-              <a:rPr lang="en-US" sz="3000" b="1" i="0" u="none" strike="noStrike" cap="none">
+              <a:rPr lang="en-US" sz="3000" i="0" u="none" strike="noStrike" cap="none" dirty="0">
                 <a:solidFill>
                   <a:schemeClr val="lt1"/>
                 </a:solidFill>
@@ -9808,7 +9769,7 @@
               <a:t>[3</a:t>
             </a:r>
             <a:r>
-              <a:rPr lang="en-US" sz="3000" b="1" i="0" u="none" strike="noStrike" cap="none">
+              <a:rPr lang="en-US" sz="3000" i="0" u="none" strike="noStrike" cap="none" dirty="0">
                 <a:solidFill>
                   <a:srgbClr val="00FFFF"/>
                 </a:solidFill>
@@ -9820,7 +9781,7 @@
               <a:t>:</a:t>
             </a:r>
             <a:r>
-              <a:rPr lang="en-US" sz="3000" b="1" i="0" u="none" strike="noStrike" cap="none">
+              <a:rPr lang="en-US" sz="3000" i="0" u="none" strike="noStrike" cap="none" dirty="0">
                 <a:solidFill>
                   <a:schemeClr val="lt1"/>
                 </a:solidFill>
@@ -9851,7 +9812,7 @@
               <a:buNone/>
             </a:pPr>
             <a:r>
-              <a:rPr lang="en-US" sz="3000" b="1" i="0" u="none" strike="noStrike" cap="none">
+              <a:rPr lang="en-US" sz="3000" i="0" u="none" strike="noStrike" cap="none" dirty="0">
                 <a:solidFill>
                   <a:schemeClr val="lt1"/>
                 </a:solidFill>
@@ -9882,7 +9843,7 @@
               <a:buNone/>
             </a:pPr>
             <a:r>
-              <a:rPr lang="en-US" sz="3000" b="1" i="0" u="none" strike="noStrike" cap="none">
+              <a:rPr lang="en-US" sz="3000" i="0" u="none" strike="noStrike" cap="none" dirty="0">
                 <a:solidFill>
                   <a:schemeClr val="lt1"/>
                 </a:solidFill>
@@ -9894,7 +9855,7 @@
               <a:t>&gt;&gt;&gt; </a:t>
             </a:r>
             <a:r>
-              <a:rPr lang="en-US" sz="3000" b="1" i="0" u="none" strike="noStrike" cap="none">
+              <a:rPr lang="en-US" sz="3000" i="0" u="none" strike="noStrike" cap="none" dirty="0">
                 <a:solidFill>
                   <a:srgbClr val="00FF00"/>
                 </a:solidFill>
@@ -9906,7 +9867,7 @@
               <a:t>t</a:t>
             </a:r>
             <a:r>
-              <a:rPr lang="en-US" sz="3000" b="1" i="0" u="none" strike="noStrike" cap="none">
+              <a:rPr lang="en-US" sz="3000" i="0" u="none" strike="noStrike" cap="none" dirty="0">
                 <a:solidFill>
                   <a:schemeClr val="lt1"/>
                 </a:solidFill>
@@ -9918,7 +9879,7 @@
               <a:t>[</a:t>
             </a:r>
             <a:r>
-              <a:rPr lang="en-US" sz="3000" b="1" i="0" u="none" strike="noStrike" cap="none">
+              <a:rPr lang="en-US" sz="3000" i="0" u="none" strike="noStrike" cap="none" dirty="0">
                 <a:solidFill>
                   <a:srgbClr val="00FFFF"/>
                 </a:solidFill>
@@ -9930,7 +9891,7 @@
               <a:t>:</a:t>
             </a:r>
             <a:r>
-              <a:rPr lang="en-US" sz="3000" b="1" i="0" u="none" strike="noStrike" cap="none">
+              <a:rPr lang="en-US" sz="3000" i="0" u="none" strike="noStrike" cap="none" dirty="0">
                 <a:solidFill>
                   <a:schemeClr val="lt1"/>
                 </a:solidFill>
@@ -9961,7 +9922,7 @@
               <a:buNone/>
             </a:pPr>
             <a:r>
-              <a:rPr lang="en-US" sz="3000" b="1" i="0" u="none" strike="noStrike" cap="none">
+              <a:rPr lang="en-US" sz="3000" i="0" u="none" strike="noStrike" cap="none" dirty="0">
                 <a:solidFill>
                   <a:schemeClr val="lt1"/>
                 </a:solidFill>
@@ -10088,7 +10049,7 @@
   <p:timing>
     <p:tnLst>
       <p:par>
-        <p:cTn id="1" dur="indefinite" restart="never" nodeType="tmRoot"/>
+        <p:cTn xmlns:p14="http://schemas.microsoft.com/office/powerpoint/2010/main" id="1" dur="indefinite" restart="never" nodeType="tmRoot"/>
       </p:par>
     </p:tnLst>
   </p:timing>
@@ -10212,7 +10173,7 @@
               <a:buNone/>
             </a:pPr>
             <a:r>
-              <a:rPr lang="en-US" sz="3000" b="1" i="0" u="none" strike="noStrike" cap="none">
+              <a:rPr lang="en-US" sz="3000" i="0" u="none" strike="noStrike" cap="none" dirty="0">
                 <a:solidFill>
                   <a:schemeClr val="lt1"/>
                 </a:solidFill>
@@ -10224,7 +10185,7 @@
               <a:t>&gt;&gt;&gt; </a:t>
             </a:r>
             <a:r>
-              <a:rPr lang="en-US" sz="3000" b="1" i="0" u="none" strike="noStrike" cap="none">
+              <a:rPr lang="en-US" sz="3000" i="0" u="none" strike="noStrike" cap="none" dirty="0">
                 <a:solidFill>
                   <a:srgbClr val="00FF00"/>
                 </a:solidFill>
@@ -10236,7 +10197,7 @@
               <a:t>x</a:t>
             </a:r>
             <a:r>
-              <a:rPr lang="en-US" sz="3000" b="1" i="0" u="none" strike="noStrike" cap="none">
+              <a:rPr lang="en-US" sz="3000" i="0" u="none" strike="noStrike" cap="none" dirty="0">
                 <a:solidFill>
                   <a:schemeClr val="lt1"/>
                 </a:solidFill>
@@ -10248,7 +10209,7 @@
               <a:t> = </a:t>
             </a:r>
             <a:r>
-              <a:rPr lang="en-US" sz="3000" b="1" i="0" u="none" strike="noStrike" cap="none">
+              <a:rPr lang="en-US" sz="3000" i="0" u="none" strike="noStrike" cap="none" dirty="0">
                 <a:solidFill>
                   <a:srgbClr val="FF00FF"/>
                 </a:solidFill>
@@ -10260,7 +10221,7 @@
               <a:t>list</a:t>
             </a:r>
             <a:r>
-              <a:rPr lang="en-US" sz="3000" b="1" i="0" u="none" strike="noStrike" cap="none">
+              <a:rPr lang="en-US" sz="3000" i="0" u="none" strike="noStrike" cap="none" dirty="0">
                 <a:solidFill>
                   <a:schemeClr val="lt1"/>
                 </a:solidFill>
@@ -10291,7 +10252,7 @@
               <a:buNone/>
             </a:pPr>
             <a:r>
-              <a:rPr lang="en-US" sz="3000" b="1" i="0" u="none" strike="noStrike" cap="none">
+              <a:rPr lang="en-US" sz="3000" i="0" u="none" strike="noStrike" cap="none" dirty="0">
                 <a:solidFill>
                   <a:schemeClr val="lt1"/>
                 </a:solidFill>
@@ -10303,7 +10264,7 @@
               <a:t>&gt;&gt;&gt; </a:t>
             </a:r>
             <a:r>
-              <a:rPr lang="en-US" sz="3000" b="1" i="0" u="none" strike="noStrike" cap="none">
+              <a:rPr lang="en-US" sz="3000" i="0" u="none" strike="noStrike" cap="none" dirty="0">
                 <a:solidFill>
                   <a:srgbClr val="FF00FF"/>
                 </a:solidFill>
@@ -10315,7 +10276,7 @@
               <a:t>type</a:t>
             </a:r>
             <a:r>
-              <a:rPr lang="en-US" sz="3000" b="1" i="0" u="none" strike="noStrike" cap="none">
+              <a:rPr lang="en-US" sz="3000" i="0" u="none" strike="noStrike" cap="none" dirty="0">
                 <a:solidFill>
                   <a:schemeClr val="lt1"/>
                 </a:solidFill>
@@ -10327,7 +10288,7 @@
               <a:t>(</a:t>
             </a:r>
             <a:r>
-              <a:rPr lang="en-US" sz="3000" b="1" i="0" u="none" strike="noStrike" cap="none">
+              <a:rPr lang="en-US" sz="3000" i="0" u="none" strike="noStrike" cap="none" dirty="0">
                 <a:solidFill>
                   <a:srgbClr val="00FF00"/>
                 </a:solidFill>
@@ -10339,7 +10300,7 @@
               <a:t>x</a:t>
             </a:r>
             <a:r>
-              <a:rPr lang="en-US" sz="3000" b="1" i="0" u="none" strike="noStrike" cap="none">
+              <a:rPr lang="en-US" sz="3000" i="0" u="none" strike="noStrike" cap="none" dirty="0">
                 <a:solidFill>
                   <a:schemeClr val="lt1"/>
                 </a:solidFill>
@@ -10370,7 +10331,7 @@
               <a:buNone/>
             </a:pPr>
             <a:r>
-              <a:rPr lang="en-US" sz="3000" b="1" i="0" u="none" strike="noStrike" cap="none">
+              <a:rPr lang="en-US" sz="3000" i="0" u="none" strike="noStrike" cap="none" dirty="0">
                 <a:solidFill>
                   <a:schemeClr val="lt1"/>
                 </a:solidFill>
@@ -10401,7 +10362,7 @@
               <a:buNone/>
             </a:pPr>
             <a:r>
-              <a:rPr lang="en-US" sz="3000" b="1" i="0" u="none" strike="noStrike" cap="none">
+              <a:rPr lang="en-US" sz="3000" i="0" u="none" strike="noStrike" cap="none" dirty="0">
                 <a:solidFill>
                   <a:schemeClr val="lt1"/>
                 </a:solidFill>
@@ -10413,7 +10374,7 @@
               <a:t>&gt;&gt;&gt; </a:t>
             </a:r>
             <a:r>
-              <a:rPr lang="en-US" sz="3000" b="1" i="0" u="none" strike="noStrike" cap="none">
+              <a:rPr lang="en-US" sz="3000" i="0" u="none" strike="noStrike" cap="none" dirty="0" err="1">
                 <a:solidFill>
                   <a:srgbClr val="FF00FF"/>
                 </a:solidFill>
@@ -10425,7 +10386,7 @@
               <a:t>dir</a:t>
             </a:r>
             <a:r>
-              <a:rPr lang="en-US" sz="3000" b="1" i="0" u="none" strike="noStrike" cap="none">
+              <a:rPr lang="en-US" sz="3000" i="0" u="none" strike="noStrike" cap="none" dirty="0">
                 <a:solidFill>
                   <a:schemeClr val="lt1"/>
                 </a:solidFill>
@@ -10437,7 +10398,7 @@
               <a:t>(</a:t>
             </a:r>
             <a:r>
-              <a:rPr lang="en-US" sz="3000" b="1" i="0" u="none" strike="noStrike" cap="none">
+              <a:rPr lang="en-US" sz="3000" i="0" u="none" strike="noStrike" cap="none" dirty="0">
                 <a:solidFill>
                   <a:srgbClr val="00FF00"/>
                 </a:solidFill>
@@ -10449,7 +10410,7 @@
               <a:t>x</a:t>
             </a:r>
             <a:r>
-              <a:rPr lang="en-US" sz="3000" b="1" i="0" u="none" strike="noStrike" cap="none">
+              <a:rPr lang="en-US" sz="3000" i="0" u="none" strike="noStrike" cap="none" dirty="0">
                 <a:solidFill>
                   <a:schemeClr val="lt1"/>
                 </a:solidFill>
@@ -10480,7 +10441,7 @@
               <a:buNone/>
             </a:pPr>
             <a:r>
-              <a:rPr lang="en-US" sz="3000" b="1" i="0" u="none" strike="noStrike" cap="none">
+              <a:rPr lang="en-US" sz="3000" i="0" u="none" strike="noStrike" cap="none" dirty="0">
                 <a:solidFill>
                   <a:schemeClr val="lt1"/>
                 </a:solidFill>
@@ -10511,7 +10472,7 @@
               <a:buNone/>
             </a:pPr>
             <a:r>
-              <a:rPr lang="en-US" sz="3000" b="1" i="0" u="none" strike="noStrike" cap="none">
+              <a:rPr lang="en-US" sz="3000" i="0" u="none" strike="noStrike" cap="none" dirty="0">
                 <a:solidFill>
                   <a:schemeClr val="lt1"/>
                 </a:solidFill>
@@ -10523,7 +10484,7 @@
               <a:t>&gt;&gt;&gt;</a:t>
             </a:r>
             <a:r>
-              <a:rPr lang="en-US" sz="3600" b="1" i="0" u="none" strike="noStrike" cap="none">
+              <a:rPr lang="en-US" sz="3600" i="0" u="none" strike="noStrike" cap="none" dirty="0">
                 <a:solidFill>
                   <a:schemeClr val="lt1"/>
                 </a:solidFill>
@@ -10603,7 +10564,7 @@
   <p:timing>
     <p:tnLst>
       <p:par>
-        <p:cTn id="1" dur="indefinite" restart="never" nodeType="tmRoot"/>
+        <p:cTn xmlns:p14="http://schemas.microsoft.com/office/powerpoint/2010/main" id="1" dur="indefinite" restart="never" nodeType="tmRoot"/>
       </p:par>
     </p:tnLst>
   </p:timing>
@@ -10967,7 +10928,7 @@
               <a:buNone/>
             </a:pPr>
             <a:r>
-              <a:rPr lang="en-US" sz="3000" b="1" i="0" u="none" strike="noStrike" cap="none" dirty="0">
+              <a:rPr lang="en-US" sz="3000" i="0" u="none" strike="noStrike" cap="none" dirty="0">
                 <a:solidFill>
                   <a:schemeClr val="lt1"/>
                 </a:solidFill>
@@ -10979,7 +10940,7 @@
               <a:t>&gt;&gt;&gt; </a:t>
             </a:r>
             <a:r>
-              <a:rPr lang="en-US" sz="3000" b="1" i="0" u="none" strike="noStrike" cap="none" dirty="0">
+              <a:rPr lang="en-US" sz="3000" i="0" u="none" strike="noStrike" cap="none" dirty="0">
                 <a:solidFill>
                   <a:srgbClr val="00FF00"/>
                 </a:solidFill>
@@ -10991,7 +10952,7 @@
               <a:t>stuff</a:t>
             </a:r>
             <a:r>
-              <a:rPr lang="en-US" sz="3000" b="1" i="0" u="none" strike="noStrike" cap="none" dirty="0">
+              <a:rPr lang="en-US" sz="3000" i="0" u="none" strike="noStrike" cap="none" dirty="0">
                 <a:solidFill>
                   <a:schemeClr val="lt1"/>
                 </a:solidFill>
@@ -11003,7 +10964,7 @@
               <a:t> = </a:t>
             </a:r>
             <a:r>
-              <a:rPr lang="en-US" sz="3000" b="1" i="0" u="none" strike="noStrike" cap="none" dirty="0">
+              <a:rPr lang="en-US" sz="3000" i="0" u="none" strike="noStrike" cap="none" dirty="0">
                 <a:solidFill>
                   <a:srgbClr val="FF00FF"/>
                 </a:solidFill>
@@ -11015,7 +10976,7 @@
               <a:t>list</a:t>
             </a:r>
             <a:r>
-              <a:rPr lang="en-US" sz="3000" b="1" i="0" u="none" strike="noStrike" cap="none" dirty="0">
+              <a:rPr lang="en-US" sz="3000" i="0" u="none" strike="noStrike" cap="none" dirty="0">
                 <a:solidFill>
                   <a:schemeClr val="lt1"/>
                 </a:solidFill>
@@ -11046,7 +11007,7 @@
               <a:buNone/>
             </a:pPr>
             <a:r>
-              <a:rPr lang="en-US" sz="3000" b="1" i="0" u="none" strike="noStrike" cap="none" dirty="0">
+              <a:rPr lang="en-US" sz="3000" i="0" u="none" strike="noStrike" cap="none" dirty="0">
                 <a:solidFill>
                   <a:schemeClr val="lt1"/>
                 </a:solidFill>
@@ -11058,7 +11019,7 @@
               <a:t>&gt;&gt;&gt; </a:t>
             </a:r>
             <a:r>
-              <a:rPr lang="en-US" sz="3000" b="1" i="0" u="none" strike="noStrike" cap="none" dirty="0" err="1">
+              <a:rPr lang="en-US" sz="3000" i="0" u="none" strike="noStrike" cap="none" dirty="0" err="1">
                 <a:solidFill>
                   <a:srgbClr val="00FF00"/>
                 </a:solidFill>
@@ -11070,7 +11031,7 @@
               <a:t>stuff</a:t>
             </a:r>
             <a:r>
-              <a:rPr lang="en-US" sz="3000" b="1" i="0" u="none" strike="noStrike" cap="none" dirty="0" err="1">
+              <a:rPr lang="en-US" sz="3000" i="0" u="none" strike="noStrike" cap="none" dirty="0" err="1">
                 <a:solidFill>
                   <a:srgbClr val="FF00FF"/>
                 </a:solidFill>
@@ -11082,7 +11043,7 @@
               <a:t>.append</a:t>
             </a:r>
             <a:r>
-              <a:rPr lang="en-US" sz="3000" b="1" i="0" u="none" strike="noStrike" cap="none" dirty="0">
+              <a:rPr lang="en-US" sz="3000" i="0" u="none" strike="noStrike" cap="none" dirty="0">
                 <a:solidFill>
                   <a:schemeClr val="lt1"/>
                 </a:solidFill>
@@ -11113,7 +11074,7 @@
               <a:buNone/>
             </a:pPr>
             <a:r>
-              <a:rPr lang="en-US" sz="3000" b="1" i="0" u="none" strike="noStrike" cap="none" dirty="0">
+              <a:rPr lang="en-US" sz="3000" i="0" u="none" strike="noStrike" cap="none" dirty="0">
                 <a:solidFill>
                   <a:schemeClr val="lt1"/>
                 </a:solidFill>
@@ -11125,7 +11086,7 @@
               <a:t>&gt;&gt;&gt; </a:t>
             </a:r>
             <a:r>
-              <a:rPr lang="en-US" sz="3000" b="1" i="0" u="none" strike="noStrike" cap="none" dirty="0" err="1">
+              <a:rPr lang="en-US" sz="3000" i="0" u="none" strike="noStrike" cap="none" dirty="0" err="1">
                 <a:solidFill>
                   <a:srgbClr val="00FF00"/>
                 </a:solidFill>
@@ -11137,7 +11098,7 @@
               <a:t>stuff</a:t>
             </a:r>
             <a:r>
-              <a:rPr lang="en-US" sz="3000" b="1" i="0" u="none" strike="noStrike" cap="none" dirty="0" err="1">
+              <a:rPr lang="en-US" sz="3000" i="0" u="none" strike="noStrike" cap="none" dirty="0" err="1">
                 <a:solidFill>
                   <a:srgbClr val="FF00FF"/>
                 </a:solidFill>
@@ -11149,7 +11110,7 @@
               <a:t>.append</a:t>
             </a:r>
             <a:r>
-              <a:rPr lang="en-US" sz="3000" b="1" i="0" u="none" strike="noStrike" cap="none" dirty="0">
+              <a:rPr lang="en-US" sz="3000" i="0" u="none" strike="noStrike" cap="none" dirty="0">
                 <a:solidFill>
                   <a:schemeClr val="lt1"/>
                 </a:solidFill>
@@ -11180,7 +11141,7 @@
               <a:buNone/>
             </a:pPr>
             <a:r>
-              <a:rPr lang="en-US" sz="3000" b="1" i="0" u="none" strike="noStrike" cap="none" dirty="0" smtClean="0">
+              <a:rPr lang="en-US" sz="3000" i="0" u="none" strike="noStrike" cap="none" dirty="0" smtClean="0">
                 <a:solidFill>
                   <a:schemeClr val="lt1"/>
                 </a:solidFill>
@@ -11192,7 +11153,7 @@
               <a:t>&gt;&gt;&gt; </a:t>
             </a:r>
             <a:r>
-              <a:rPr lang="en-US" sz="3000" b="1" i="0" u="none" strike="noStrike" cap="none" dirty="0" smtClean="0">
+              <a:rPr lang="en-US" sz="3000" i="0" u="none" strike="noStrike" cap="none" dirty="0" smtClean="0">
                 <a:solidFill>
                   <a:srgbClr val="FFFF00"/>
                 </a:solidFill>
@@ -11204,7 +11165,7 @@
               <a:t>print(</a:t>
             </a:r>
             <a:r>
-              <a:rPr lang="en-US" sz="3000" b="1" i="0" u="none" strike="noStrike" cap="none" dirty="0" smtClean="0">
+              <a:rPr lang="en-US" sz="3000" i="0" u="none" strike="noStrike" cap="none" dirty="0" smtClean="0">
                 <a:solidFill>
                   <a:srgbClr val="00FF00"/>
                 </a:solidFill>
@@ -11216,7 +11177,7 @@
               <a:t>stuff</a:t>
             </a:r>
             <a:r>
-              <a:rPr lang="en-US" sz="3000" b="1" i="0" u="none" strike="noStrike" cap="none" dirty="0" smtClean="0">
+              <a:rPr lang="en-US" sz="3000" i="0" u="none" strike="noStrike" cap="none" dirty="0" smtClean="0">
                 <a:solidFill>
                   <a:srgbClr val="FFFF00"/>
                 </a:solidFill>
@@ -11247,7 +11208,7 @@
               <a:buNone/>
             </a:pPr>
             <a:r>
-              <a:rPr lang="en-US" sz="3000" b="1" i="0" u="none" strike="noStrike" cap="none" dirty="0" smtClean="0">
+              <a:rPr lang="en-US" sz="3000" i="0" u="none" strike="noStrike" cap="none" dirty="0" smtClean="0">
                 <a:solidFill>
                   <a:schemeClr val="lt1"/>
                 </a:solidFill>
@@ -11259,7 +11220,7 @@
               <a:t>[</a:t>
             </a:r>
             <a:r>
-              <a:rPr lang="en-US" sz="3000" b="1" i="0" u="none" strike="noStrike" cap="none" dirty="0">
+              <a:rPr lang="en-US" sz="3000" i="0" u="none" strike="noStrike" cap="none" dirty="0">
                 <a:solidFill>
                   <a:schemeClr val="lt1"/>
                 </a:solidFill>
@@ -11290,7 +11251,7 @@
               <a:buNone/>
             </a:pPr>
             <a:r>
-              <a:rPr lang="en-US" sz="3000" b="1" i="0" u="none" strike="noStrike" cap="none" dirty="0">
+              <a:rPr lang="en-US" sz="3000" i="0" u="none" strike="noStrike" cap="none" dirty="0">
                 <a:solidFill>
                   <a:schemeClr val="lt1"/>
                 </a:solidFill>
@@ -11302,7 +11263,7 @@
               <a:t>&gt;&gt;&gt; </a:t>
             </a:r>
             <a:r>
-              <a:rPr lang="en-US" sz="3000" b="1" i="0" u="none" strike="noStrike" cap="none" dirty="0" err="1">
+              <a:rPr lang="en-US" sz="3000" i="0" u="none" strike="noStrike" cap="none" dirty="0" err="1">
                 <a:solidFill>
                   <a:srgbClr val="00FF00"/>
                 </a:solidFill>
@@ -11314,7 +11275,7 @@
               <a:t>stuff</a:t>
             </a:r>
             <a:r>
-              <a:rPr lang="en-US" sz="3000" b="1" i="0" u="none" strike="noStrike" cap="none" dirty="0" err="1">
+              <a:rPr lang="en-US" sz="3000" i="0" u="none" strike="noStrike" cap="none" dirty="0" err="1">
                 <a:solidFill>
                   <a:srgbClr val="FF00FF"/>
                 </a:solidFill>
@@ -11326,7 +11287,7 @@
               <a:t>.append</a:t>
             </a:r>
             <a:r>
-              <a:rPr lang="en-US" sz="3000" b="1" i="0" u="none" strike="noStrike" cap="none" dirty="0">
+              <a:rPr lang="en-US" sz="3000" i="0" u="none" strike="noStrike" cap="none" dirty="0">
                 <a:solidFill>
                   <a:schemeClr val="lt1"/>
                 </a:solidFill>
@@ -11346,7 +11307,7 @@
               <a:buSzPct val="25000"/>
             </a:pPr>
             <a:r>
-              <a:rPr lang="en-US" sz="3000" b="1" i="0" u="none" strike="noStrike" cap="none" dirty="0">
+              <a:rPr lang="en-US" sz="3000" i="0" u="none" strike="noStrike" cap="none" dirty="0">
                 <a:solidFill>
                   <a:schemeClr val="lt1"/>
                 </a:solidFill>
@@ -11358,7 +11319,7 @@
               <a:t>&gt;&gt;&gt; </a:t>
             </a:r>
             <a:r>
-              <a:rPr lang="en-US" sz="3000" b="1" i="0" u="none" strike="noStrike" cap="none" dirty="0" smtClean="0">
+              <a:rPr lang="en-US" sz="3000" i="0" u="none" strike="noStrike" cap="none" dirty="0" smtClean="0">
                 <a:solidFill>
                   <a:srgbClr val="FFFF00"/>
                 </a:solidFill>
@@ -11370,7 +11331,7 @@
               <a:t>print(</a:t>
             </a:r>
             <a:r>
-              <a:rPr lang="en-US" sz="3000" b="1" i="0" u="none" strike="noStrike" cap="none" dirty="0" smtClean="0">
+              <a:rPr lang="en-US" sz="3000" i="0" u="none" strike="noStrike" cap="none" dirty="0" smtClean="0">
                 <a:solidFill>
                   <a:srgbClr val="00FF00"/>
                 </a:solidFill>
@@ -11382,7 +11343,7 @@
               <a:t>stuff</a:t>
             </a:r>
             <a:r>
-              <a:rPr lang="en-US" sz="3000" b="1" dirty="0" smtClean="0">
+              <a:rPr lang="en-US" sz="3000" dirty="0" smtClean="0">
                 <a:solidFill>
                   <a:srgbClr val="FFFF00"/>
                 </a:solidFill>
@@ -11393,7 +11354,7 @@
               </a:rPr>
               <a:t>)</a:t>
             </a:r>
-            <a:endParaRPr lang="en-US" sz="3000" b="1" i="0" u="none" strike="noStrike" cap="none" dirty="0">
+            <a:endParaRPr lang="en-US" sz="3000" i="0" u="none" strike="noStrike" cap="none" dirty="0">
               <a:solidFill>
                 <a:srgbClr val="00FF00"/>
               </a:solidFill>
@@ -11422,7 +11383,7 @@
               <a:buNone/>
             </a:pPr>
             <a:r>
-              <a:rPr lang="en-US" sz="3000" b="1" i="0" u="none" strike="noStrike" cap="none" dirty="0">
+              <a:rPr lang="en-US" sz="3000" i="0" u="none" strike="noStrike" cap="none" dirty="0">
                 <a:solidFill>
                   <a:schemeClr val="lt1"/>
                 </a:solidFill>
@@ -11444,7 +11405,7 @@
   <p:timing>
     <p:tnLst>
       <p:par>
-        <p:cTn id="1" dur="indefinite" restart="never" nodeType="tmRoot"/>
+        <p:cTn xmlns:p14="http://schemas.microsoft.com/office/powerpoint/2010/main" id="1" dur="indefinite" restart="never" nodeType="tmRoot"/>
       </p:par>
     </p:tnLst>
   </p:timing>
@@ -11739,7 +11700,7 @@
               <a:buNone/>
             </a:pPr>
             <a:r>
-              <a:rPr lang="en-US" sz="3000" b="1" i="0" u="none" strike="noStrike" cap="none" dirty="0">
+              <a:rPr lang="en-US" sz="3000" i="0" u="none" strike="noStrike" cap="none" dirty="0">
                 <a:solidFill>
                   <a:schemeClr val="lt1"/>
                 </a:solidFill>
@@ -11751,7 +11712,7 @@
               <a:t>&gt;&gt;&gt; </a:t>
             </a:r>
             <a:r>
-              <a:rPr lang="en-US" sz="3000" b="1" i="0" u="none" strike="noStrike" cap="none" dirty="0">
+              <a:rPr lang="en-US" sz="3000" i="0" u="none" strike="noStrike" cap="none" dirty="0">
                 <a:solidFill>
                   <a:srgbClr val="00FF00"/>
                 </a:solidFill>
@@ -11763,7 +11724,7 @@
               <a:t>some</a:t>
             </a:r>
             <a:r>
-              <a:rPr lang="en-US" sz="3000" b="1" i="0" u="none" strike="noStrike" cap="none" dirty="0">
+              <a:rPr lang="en-US" sz="3000" i="0" u="none" strike="noStrike" cap="none" dirty="0">
                 <a:solidFill>
                   <a:schemeClr val="lt1"/>
                 </a:solidFill>
@@ -11775,7 +11736,7 @@
               <a:t> = </a:t>
             </a:r>
             <a:r>
-              <a:rPr lang="en-US" sz="3000" b="1" i="0" u="none" strike="noStrike" cap="none" dirty="0">
+              <a:rPr lang="en-US" sz="3000" i="0" u="none" strike="noStrike" cap="none" dirty="0">
                 <a:solidFill>
                   <a:srgbClr val="FF7F00"/>
                 </a:solidFill>
@@ -11806,7 +11767,7 @@
               <a:buNone/>
             </a:pPr>
             <a:r>
-              <a:rPr lang="en-US" sz="3000" b="1" i="0" u="none" strike="noStrike" cap="none" dirty="0">
+              <a:rPr lang="en-US" sz="3000" i="0" u="none" strike="noStrike" cap="none" dirty="0">
                 <a:solidFill>
                   <a:schemeClr val="lt1"/>
                 </a:solidFill>
@@ -11818,7 +11779,7 @@
               <a:t>&gt;&gt;&gt; </a:t>
             </a:r>
             <a:r>
-              <a:rPr lang="en-US" sz="3000" b="1" i="0" u="none" strike="noStrike" cap="none" dirty="0">
+              <a:rPr lang="en-US" sz="3000" i="0" u="none" strike="noStrike" cap="none" dirty="0">
                 <a:solidFill>
                   <a:srgbClr val="FF7F00"/>
                 </a:solidFill>
@@ -11830,7 +11791,7 @@
               <a:t>9</a:t>
             </a:r>
             <a:r>
-              <a:rPr lang="en-US" sz="3000" b="1" i="0" u="none" strike="noStrike" cap="none" dirty="0">
+              <a:rPr lang="en-US" sz="3000" i="0" u="none" strike="noStrike" cap="none" dirty="0">
                 <a:solidFill>
                   <a:schemeClr val="lt1"/>
                 </a:solidFill>
@@ -11842,7 +11803,7 @@
               <a:t> </a:t>
             </a:r>
             <a:r>
-              <a:rPr lang="en-US" sz="3000" b="1" i="0" u="none" strike="noStrike" cap="none" dirty="0">
+              <a:rPr lang="en-US" sz="3000" i="0" u="none" strike="noStrike" cap="none" dirty="0">
                 <a:solidFill>
                   <a:srgbClr val="FFFF00"/>
                 </a:solidFill>
@@ -11854,7 +11815,7 @@
               <a:t>in</a:t>
             </a:r>
             <a:r>
-              <a:rPr lang="en-US" sz="3000" b="1" i="0" u="none" strike="noStrike" cap="none" dirty="0">
+              <a:rPr lang="en-US" sz="3000" i="0" u="none" strike="noStrike" cap="none" dirty="0">
                 <a:solidFill>
                   <a:schemeClr val="lt1"/>
                 </a:solidFill>
@@ -11866,7 +11827,7 @@
               <a:t> </a:t>
             </a:r>
             <a:r>
-              <a:rPr lang="en-US" sz="3000" b="1" i="0" u="none" strike="noStrike" cap="none" dirty="0">
+              <a:rPr lang="en-US" sz="3000" i="0" u="none" strike="noStrike" cap="none" dirty="0">
                 <a:solidFill>
                   <a:srgbClr val="00FF00"/>
                 </a:solidFill>
@@ -11897,7 +11858,7 @@
               <a:buNone/>
             </a:pPr>
             <a:r>
-              <a:rPr lang="en-US" sz="3000" b="1" i="0" u="none" strike="noStrike" cap="none" dirty="0">
+              <a:rPr lang="en-US" sz="3000" i="0" u="none" strike="noStrike" cap="none" dirty="0">
                 <a:solidFill>
                   <a:srgbClr val="FF00FF"/>
                 </a:solidFill>
@@ -11928,7 +11889,7 @@
               <a:buNone/>
             </a:pPr>
             <a:r>
-              <a:rPr lang="en-US" sz="3000" b="1" i="0" u="none" strike="noStrike" cap="none" dirty="0">
+              <a:rPr lang="en-US" sz="3000" i="0" u="none" strike="noStrike" cap="none" dirty="0">
                 <a:solidFill>
                   <a:schemeClr val="lt1"/>
                 </a:solidFill>
@@ -11940,7 +11901,7 @@
               <a:t>&gt;&gt;&gt; </a:t>
             </a:r>
             <a:r>
-              <a:rPr lang="en-US" sz="3000" b="1" i="0" u="none" strike="noStrike" cap="none" dirty="0">
+              <a:rPr lang="en-US" sz="3000" i="0" u="none" strike="noStrike" cap="none" dirty="0">
                 <a:solidFill>
                   <a:srgbClr val="FF7F00"/>
                 </a:solidFill>
@@ -11952,7 +11913,7 @@
               <a:t>15</a:t>
             </a:r>
             <a:r>
-              <a:rPr lang="en-US" sz="3000" b="1" i="0" u="none" strike="noStrike" cap="none" dirty="0">
+              <a:rPr lang="en-US" sz="3000" i="0" u="none" strike="noStrike" cap="none" dirty="0">
                 <a:solidFill>
                   <a:schemeClr val="lt1"/>
                 </a:solidFill>
@@ -11964,7 +11925,7 @@
               <a:t> </a:t>
             </a:r>
             <a:r>
-              <a:rPr lang="en-US" sz="3000" b="1" i="0" u="none" strike="noStrike" cap="none" dirty="0">
+              <a:rPr lang="en-US" sz="3000" i="0" u="none" strike="noStrike" cap="none" dirty="0">
                 <a:solidFill>
                   <a:srgbClr val="FFFF00"/>
                 </a:solidFill>
@@ -11976,7 +11937,7 @@
               <a:t>in</a:t>
             </a:r>
             <a:r>
-              <a:rPr lang="en-US" sz="3000" b="1" i="0" u="none" strike="noStrike" cap="none" dirty="0">
+              <a:rPr lang="en-US" sz="3000" i="0" u="none" strike="noStrike" cap="none" dirty="0">
                 <a:solidFill>
                   <a:schemeClr val="lt1"/>
                 </a:solidFill>
@@ -11988,7 +11949,7 @@
               <a:t> </a:t>
             </a:r>
             <a:r>
-              <a:rPr lang="en-US" sz="3000" b="1" i="0" u="none" strike="noStrike" cap="none" dirty="0">
+              <a:rPr lang="en-US" sz="3000" i="0" u="none" strike="noStrike" cap="none" dirty="0">
                 <a:solidFill>
                   <a:srgbClr val="00FF00"/>
                 </a:solidFill>
@@ -12019,7 +11980,7 @@
               <a:buNone/>
             </a:pPr>
             <a:r>
-              <a:rPr lang="en-US" sz="3000" b="1" i="0" u="none" strike="noStrike" cap="none" dirty="0">
+              <a:rPr lang="en-US" sz="3000" i="0" u="none" strike="noStrike" cap="none" dirty="0">
                 <a:solidFill>
                   <a:srgbClr val="00FF00"/>
                 </a:solidFill>
@@ -12050,7 +12011,7 @@
               <a:buNone/>
             </a:pPr>
             <a:r>
-              <a:rPr lang="en-US" sz="3000" b="1" i="0" u="none" strike="noStrike" cap="none" dirty="0">
+              <a:rPr lang="en-US" sz="3000" i="0" u="none" strike="noStrike" cap="none" dirty="0">
                 <a:solidFill>
                   <a:schemeClr val="lt1"/>
                 </a:solidFill>
@@ -12062,7 +12023,7 @@
               <a:t>&gt;&gt;&gt; </a:t>
             </a:r>
             <a:r>
-              <a:rPr lang="en-US" sz="3000" b="1" i="0" u="none" strike="noStrike" cap="none" dirty="0">
+              <a:rPr lang="en-US" sz="3000" i="0" u="none" strike="noStrike" cap="none" dirty="0">
                 <a:solidFill>
                   <a:srgbClr val="FF7F00"/>
                 </a:solidFill>
@@ -12074,7 +12035,7 @@
               <a:t>20</a:t>
             </a:r>
             <a:r>
-              <a:rPr lang="en-US" sz="3000" b="1" i="0" u="none" strike="noStrike" cap="none" dirty="0">
+              <a:rPr lang="en-US" sz="3000" i="0" u="none" strike="noStrike" cap="none" dirty="0">
                 <a:solidFill>
                   <a:schemeClr val="lt1"/>
                 </a:solidFill>
@@ -12086,7 +12047,7 @@
               <a:t> </a:t>
             </a:r>
             <a:r>
-              <a:rPr lang="en-US" sz="3000" b="1" i="0" u="none" strike="noStrike" cap="none" dirty="0">
+              <a:rPr lang="en-US" sz="3000" i="0" u="none" strike="noStrike" cap="none" dirty="0">
                 <a:solidFill>
                   <a:srgbClr val="FFFF00"/>
                 </a:solidFill>
@@ -12098,7 +12059,7 @@
               <a:t>not in</a:t>
             </a:r>
             <a:r>
-              <a:rPr lang="en-US" sz="3000" b="1" i="0" u="none" strike="noStrike" cap="none" dirty="0">
+              <a:rPr lang="en-US" sz="3000" i="0" u="none" strike="noStrike" cap="none" dirty="0">
                 <a:solidFill>
                   <a:schemeClr val="lt1"/>
                 </a:solidFill>
@@ -12110,7 +12071,7 @@
               <a:t> </a:t>
             </a:r>
             <a:r>
-              <a:rPr lang="en-US" sz="3000" b="1" i="0" u="none" strike="noStrike" cap="none" dirty="0">
+              <a:rPr lang="en-US" sz="3000" i="0" u="none" strike="noStrike" cap="none" dirty="0">
                 <a:solidFill>
                   <a:srgbClr val="00FF00"/>
                 </a:solidFill>
@@ -12141,7 +12102,7 @@
               <a:buNone/>
             </a:pPr>
             <a:r>
-              <a:rPr lang="en-US" sz="3000" b="1" i="0" u="none" strike="noStrike" cap="none" dirty="0">
+              <a:rPr lang="en-US" sz="3000" i="0" u="none" strike="noStrike" cap="none" dirty="0">
                 <a:solidFill>
                   <a:srgbClr val="FF00FF"/>
                 </a:solidFill>
@@ -12172,7 +12133,7 @@
               <a:buNone/>
             </a:pPr>
             <a:r>
-              <a:rPr lang="en-US" sz="3000" b="1" i="0" u="none" strike="noStrike" cap="none" dirty="0">
+              <a:rPr lang="en-US" sz="3000" i="0" u="none" strike="noStrike" cap="none" dirty="0">
                 <a:solidFill>
                   <a:schemeClr val="lt1"/>
                 </a:solidFill>
@@ -12194,7 +12155,7 @@
   <p:timing>
     <p:tnLst>
       <p:par>
-        <p:cTn id="1" dur="indefinite" restart="never" nodeType="tmRoot"/>
+        <p:cTn xmlns:p14="http://schemas.microsoft.com/office/powerpoint/2010/main" id="1" dur="indefinite" restart="never" nodeType="tmRoot"/>
       </p:par>
     </p:tnLst>
   </p:timing>
@@ -12296,8 +12257,8 @@
         </p:nvSpPr>
         <p:spPr>
           <a:xfrm>
-            <a:off x="1155700" y="2603500"/>
-            <a:ext cx="6202363" cy="5702299"/>
+            <a:off x="622301" y="2603500"/>
+            <a:ext cx="5524500" cy="5702299"/>
           </a:xfrm>
           <a:prstGeom prst="rect">
             <a:avLst/>
@@ -12331,7 +12292,7 @@
               <a:buChar char="•"/>
             </a:pPr>
             <a:r>
-              <a:rPr lang="en-US" sz="3400" u="none" strike="noStrike" cap="none">
+              <a:rPr lang="en-US" sz="3400" u="none" strike="noStrike" cap="none" dirty="0">
                 <a:solidFill>
                   <a:schemeClr val="lt1"/>
                 </a:solidFill>
@@ -12343,7 +12304,7 @@
               <a:t>A </a:t>
             </a:r>
             <a:r>
-              <a:rPr lang="en-US" sz="3400" u="none" strike="noStrike" cap="none">
+              <a:rPr lang="en-US" sz="3400" u="none" strike="noStrike" cap="none" dirty="0">
                 <a:solidFill>
                   <a:srgbClr val="FF7F00"/>
                 </a:solidFill>
@@ -12355,7 +12316,7 @@
               <a:t>list</a:t>
             </a:r>
             <a:r>
-              <a:rPr lang="en-US" sz="3400" u="none" strike="noStrike" cap="none">
+              <a:rPr lang="en-US" sz="3400" u="none" strike="noStrike" cap="none" dirty="0">
                 <a:solidFill>
                   <a:schemeClr val="lt1"/>
                 </a:solidFill>
@@ -12570,8 +12531,8 @@
         </p:nvSpPr>
         <p:spPr>
           <a:xfrm>
-            <a:off x="8143075" y="3041075"/>
-            <a:ext cx="8172899" cy="4365000"/>
+            <a:off x="6771475" y="3041075"/>
+            <a:ext cx="8976525" cy="4365000"/>
           </a:xfrm>
           <a:prstGeom prst="rect">
             <a:avLst/>
@@ -12605,7 +12566,7 @@
               <a:buNone/>
             </a:pPr>
             <a:r>
-              <a:rPr lang="en-US" sz="2400" b="1" i="0" u="none" strike="noStrike" cap="none" dirty="0">
+              <a:rPr lang="en-US" sz="2600" i="0" u="none" strike="noStrike" cap="none" dirty="0">
                 <a:solidFill>
                   <a:schemeClr val="lt1"/>
                 </a:solidFill>
@@ -12617,7 +12578,7 @@
               <a:t>&gt;&gt;&gt; </a:t>
             </a:r>
             <a:r>
-              <a:rPr lang="en-US" sz="2400" b="1" i="0" u="none" strike="noStrike" cap="none" dirty="0">
+              <a:rPr lang="en-US" sz="2600" i="0" u="none" strike="noStrike" cap="none" dirty="0">
                 <a:solidFill>
                   <a:srgbClr val="00FF00"/>
                 </a:solidFill>
@@ -12629,7 +12590,7 @@
               <a:t>friends</a:t>
             </a:r>
             <a:r>
-              <a:rPr lang="en-US" sz="2400" b="1" i="0" u="none" strike="noStrike" cap="none" dirty="0">
+              <a:rPr lang="en-US" sz="2600" i="0" u="none" strike="noStrike" cap="none" dirty="0">
                 <a:solidFill>
                   <a:schemeClr val="lt1"/>
                 </a:solidFill>
@@ -12641,7 +12602,7 @@
               <a:t> = </a:t>
             </a:r>
             <a:r>
-              <a:rPr lang="en-US" sz="2400" b="1" i="0" u="none" strike="noStrike" cap="none" dirty="0">
+              <a:rPr lang="en-US" sz="2600" i="0" u="none" strike="noStrike" cap="none" dirty="0">
                 <a:solidFill>
                   <a:srgbClr val="FF7F00"/>
                 </a:solidFill>
@@ -12672,7 +12633,7 @@
               <a:buNone/>
             </a:pPr>
             <a:r>
-              <a:rPr lang="en-US" sz="2400" b="1" i="0" u="none" strike="noStrike" cap="none" dirty="0">
+              <a:rPr lang="en-US" sz="2600" i="0" u="none" strike="noStrike" cap="none" dirty="0">
                 <a:solidFill>
                   <a:schemeClr val="lt1"/>
                 </a:solidFill>
@@ -12684,7 +12645,7 @@
               <a:t>&gt;&gt;&gt;</a:t>
             </a:r>
             <a:r>
-              <a:rPr lang="en-US" sz="2400" b="1" i="0" u="none" strike="noStrike" cap="none" dirty="0">
+              <a:rPr lang="en-US" sz="2600" i="0" u="none" strike="noStrike" cap="none" dirty="0">
                 <a:solidFill>
                   <a:srgbClr val="00FF00"/>
                 </a:solidFill>
@@ -12696,7 +12657,7 @@
               <a:t> </a:t>
             </a:r>
             <a:r>
-              <a:rPr lang="en-US" sz="2400" b="1" i="0" u="none" strike="noStrike" cap="none" dirty="0" err="1">
+              <a:rPr lang="en-US" sz="2600" i="0" u="none" strike="noStrike" cap="none" dirty="0" err="1">
                 <a:solidFill>
                   <a:srgbClr val="00FF00"/>
                 </a:solidFill>
@@ -12708,7 +12669,7 @@
               <a:t>friends</a:t>
             </a:r>
             <a:r>
-              <a:rPr lang="en-US" sz="2400" b="1" i="0" u="none" strike="noStrike" cap="none" dirty="0" err="1">
+              <a:rPr lang="en-US" sz="2600" i="0" u="none" strike="noStrike" cap="none" dirty="0" err="1">
                 <a:solidFill>
                   <a:srgbClr val="FF00FF"/>
                 </a:solidFill>
@@ -12720,7 +12681,7 @@
               <a:t>.sort</a:t>
             </a:r>
             <a:r>
-              <a:rPr lang="en-US" sz="2400" b="1" i="0" u="none" strike="noStrike" cap="none" dirty="0">
+              <a:rPr lang="en-US" sz="2600" i="0" u="none" strike="noStrike" cap="none" dirty="0">
                 <a:solidFill>
                   <a:schemeClr val="lt1"/>
                 </a:solidFill>
@@ -12740,7 +12701,7 @@
               <a:buSzPct val="25000"/>
             </a:pPr>
             <a:r>
-              <a:rPr lang="en-US" sz="2400" b="1" i="0" u="none" strike="noStrike" cap="none" dirty="0">
+              <a:rPr lang="en-US" sz="2600" i="0" u="none" strike="noStrike" cap="none" dirty="0">
                 <a:solidFill>
                   <a:schemeClr val="lt1"/>
                 </a:solidFill>
@@ -12752,7 +12713,7 @@
               <a:t>&gt;&gt;&gt; </a:t>
             </a:r>
             <a:r>
-              <a:rPr lang="en-US" sz="2400" b="1" i="0" u="none" strike="noStrike" cap="none" dirty="0" smtClean="0">
+              <a:rPr lang="en-US" sz="2600" i="0" u="none" strike="noStrike" cap="none" dirty="0" smtClean="0">
                 <a:solidFill>
                   <a:srgbClr val="FFFF00"/>
                 </a:solidFill>
@@ -12764,7 +12725,7 @@
               <a:t>print(</a:t>
             </a:r>
             <a:r>
-              <a:rPr lang="en-US" sz="2400" b="1" i="0" u="none" strike="noStrike" cap="none" dirty="0" smtClean="0">
+              <a:rPr lang="en-US" sz="2600" i="0" u="none" strike="noStrike" cap="none" dirty="0" smtClean="0">
                 <a:solidFill>
                   <a:srgbClr val="00FF00"/>
                 </a:solidFill>
@@ -12776,7 +12737,7 @@
               <a:t>friends</a:t>
             </a:r>
             <a:r>
-              <a:rPr lang="en-US" sz="2400" b="1" dirty="0" smtClean="0">
+              <a:rPr lang="en-US" sz="2600" dirty="0" smtClean="0">
                 <a:solidFill>
                   <a:srgbClr val="FFFF00"/>
                 </a:solidFill>
@@ -12787,7 +12748,7 @@
               </a:rPr>
               <a:t>)</a:t>
             </a:r>
-            <a:endParaRPr lang="en-US" sz="2400" b="1" i="0" u="none" strike="noStrike" cap="none" dirty="0">
+            <a:endParaRPr lang="en-US" sz="2600" i="0" u="none" strike="noStrike" cap="none" dirty="0">
               <a:solidFill>
                 <a:srgbClr val="00FF00"/>
               </a:solidFill>
@@ -12816,7 +12777,7 @@
               <a:buNone/>
             </a:pPr>
             <a:r>
-              <a:rPr lang="en-US" sz="2400" b="1" i="0" u="none" strike="noStrike" cap="none" dirty="0">
+              <a:rPr lang="en-US" sz="2600" i="0" u="none" strike="noStrike" cap="none" dirty="0">
                 <a:solidFill>
                   <a:schemeClr val="lt1"/>
                 </a:solidFill>
@@ -12836,7 +12797,7 @@
               <a:buSzPct val="25000"/>
             </a:pPr>
             <a:r>
-              <a:rPr lang="en-US" sz="2400" b="1" i="0" u="none" strike="noStrike" cap="none" dirty="0">
+              <a:rPr lang="en-US" sz="2600" i="0" u="none" strike="noStrike" cap="none" dirty="0">
                 <a:solidFill>
                   <a:schemeClr val="lt1"/>
                 </a:solidFill>
@@ -12848,7 +12809,7 @@
               <a:t>&gt;&gt;&gt; </a:t>
             </a:r>
             <a:r>
-              <a:rPr lang="en-US" sz="2400" b="1" i="0" u="none" strike="noStrike" cap="none" dirty="0" smtClean="0">
+              <a:rPr lang="en-US" sz="2600" i="0" u="none" strike="noStrike" cap="none" dirty="0" smtClean="0">
                 <a:solidFill>
                   <a:srgbClr val="FFFF00"/>
                 </a:solidFill>
@@ -12860,7 +12821,7 @@
               <a:t>print</a:t>
             </a:r>
             <a:r>
-              <a:rPr lang="en-US" sz="2400" b="1" dirty="0">
+              <a:rPr lang="en-US" sz="2600" dirty="0">
                 <a:solidFill>
                   <a:schemeClr val="lt1"/>
                 </a:solidFill>
@@ -12872,7 +12833,7 @@
               <a:t>(</a:t>
             </a:r>
             <a:r>
-              <a:rPr lang="en-US" sz="2400" b="1" i="0" u="none" strike="noStrike" cap="none" dirty="0" smtClean="0">
+              <a:rPr lang="en-US" sz="2600" i="0" u="none" strike="noStrike" cap="none" dirty="0" smtClean="0">
                 <a:solidFill>
                   <a:srgbClr val="00FF00"/>
                 </a:solidFill>
@@ -12884,7 +12845,7 @@
               <a:t>friends</a:t>
             </a:r>
             <a:r>
-              <a:rPr lang="en-US" sz="2400" b="1" i="0" u="none" strike="noStrike" cap="none" dirty="0" smtClean="0">
+              <a:rPr lang="en-US" sz="2600" i="0" u="none" strike="noStrike" cap="none" dirty="0" smtClean="0">
                 <a:solidFill>
                   <a:srgbClr val="00FFFF"/>
                 </a:solidFill>
@@ -12896,7 +12857,7 @@
               <a:t>[</a:t>
             </a:r>
             <a:r>
-              <a:rPr lang="en-US" sz="2400" b="1" i="0" u="none" strike="noStrike" cap="none" dirty="0" smtClean="0">
+              <a:rPr lang="en-US" sz="2600" i="0" u="none" strike="noStrike" cap="none" dirty="0" smtClean="0">
                 <a:solidFill>
                   <a:schemeClr val="lt1"/>
                 </a:solidFill>
@@ -12908,7 +12869,7 @@
               <a:t>1</a:t>
             </a:r>
             <a:r>
-              <a:rPr lang="en-US" sz="2400" b="1" i="0" u="none" strike="noStrike" cap="none" dirty="0" smtClean="0">
+              <a:rPr lang="en-US" sz="2600" i="0" u="none" strike="noStrike" cap="none" dirty="0" smtClean="0">
                 <a:solidFill>
                   <a:srgbClr val="00FFFF"/>
                 </a:solidFill>
@@ -12920,7 +12881,7 @@
               <a:t>]</a:t>
             </a:r>
             <a:r>
-              <a:rPr lang="en-US" sz="2400" b="1" dirty="0" smtClean="0">
+              <a:rPr lang="en-US" sz="2600" dirty="0" smtClean="0">
                 <a:solidFill>
                   <a:srgbClr val="FFFF00"/>
                 </a:solidFill>
@@ -12931,7 +12892,7 @@
               </a:rPr>
               <a:t>)</a:t>
             </a:r>
-            <a:endParaRPr lang="en-US" sz="2400" b="1" i="0" u="none" strike="noStrike" cap="none" dirty="0">
+            <a:endParaRPr lang="en-US" sz="2600" i="0" u="none" strike="noStrike" cap="none" dirty="0">
               <a:solidFill>
                 <a:srgbClr val="00FFFF"/>
               </a:solidFill>
@@ -12960,7 +12921,7 @@
               <a:buNone/>
             </a:pPr>
             <a:r>
-              <a:rPr lang="en-US" sz="2400" b="1" i="0" u="none" strike="noStrike" cap="none" dirty="0">
+              <a:rPr lang="en-US" sz="2600" i="0" u="none" strike="noStrike" cap="none" dirty="0">
                 <a:solidFill>
                   <a:schemeClr val="lt1"/>
                 </a:solidFill>
@@ -12991,7 +12952,7 @@
               <a:buNone/>
             </a:pPr>
             <a:r>
-              <a:rPr lang="en-US" sz="2400" b="1" i="0" u="none" strike="noStrike" cap="none" dirty="0">
+              <a:rPr lang="en-US" sz="2600" i="0" u="none" strike="noStrike" cap="none" dirty="0">
                 <a:solidFill>
                   <a:schemeClr val="lt1"/>
                 </a:solidFill>
@@ -13013,7 +12974,7 @@
   <p:timing>
     <p:tnLst>
       <p:par>
-        <p:cTn id="1" dur="indefinite" restart="never" nodeType="tmRoot"/>
+        <p:cTn xmlns:p14="http://schemas.microsoft.com/office/powerpoint/2010/main" id="1" dur="indefinite" restart="never" nodeType="tmRoot"/>
       </p:par>
     </p:tnLst>
   </p:timing>
@@ -13130,8 +13091,8 @@
         </p:nvSpPr>
         <p:spPr>
           <a:xfrm>
-            <a:off x="1155700" y="2603500"/>
-            <a:ext cx="5802313" cy="5702299"/>
+            <a:off x="1155700" y="2603501"/>
+            <a:ext cx="5802313" cy="4940300"/>
           </a:xfrm>
           <a:prstGeom prst="rect">
             <a:avLst/>
@@ -13317,7 +13278,7 @@
               <a:buNone/>
             </a:pPr>
             <a:r>
-              <a:rPr lang="en-US" sz="3000" b="1" i="0" u="none" strike="noStrike" cap="none" dirty="0">
+              <a:rPr lang="en-US" sz="3000" i="0" u="none" strike="noStrike" cap="none" dirty="0">
                 <a:solidFill>
                   <a:schemeClr val="lt1"/>
                 </a:solidFill>
@@ -13329,7 +13290,7 @@
               <a:t>&gt;&gt;&gt; </a:t>
             </a:r>
             <a:r>
-              <a:rPr lang="en-US" sz="3000" b="1" i="0" u="none" strike="noStrike" cap="none" dirty="0" err="1">
+              <a:rPr lang="en-US" sz="3000" i="0" u="none" strike="noStrike" cap="none" dirty="0" err="1">
                 <a:solidFill>
                   <a:srgbClr val="00FF00"/>
                 </a:solidFill>
@@ -13341,7 +13302,7 @@
               <a:t>nums</a:t>
             </a:r>
             <a:r>
-              <a:rPr lang="en-US" sz="3000" b="1" i="0" u="none" strike="noStrike" cap="none" dirty="0">
+              <a:rPr lang="en-US" sz="3000" i="0" u="none" strike="noStrike" cap="none" dirty="0">
                 <a:solidFill>
                   <a:schemeClr val="lt1"/>
                 </a:solidFill>
@@ -13361,7 +13322,7 @@
               <a:buSzPct val="25000"/>
             </a:pPr>
             <a:r>
-              <a:rPr lang="en-US" sz="3000" b="1" i="0" u="none" strike="noStrike" cap="none" dirty="0">
+              <a:rPr lang="en-US" sz="3000" i="0" u="none" strike="noStrike" cap="none" dirty="0">
                 <a:solidFill>
                   <a:schemeClr val="lt1"/>
                 </a:solidFill>
@@ -13373,7 +13334,7 @@
               <a:t>&gt;&gt;&gt; </a:t>
             </a:r>
             <a:r>
-              <a:rPr lang="en-US" sz="3000" b="1" i="0" u="none" strike="noStrike" cap="none" dirty="0" smtClean="0">
+              <a:rPr lang="en-US" sz="3000" i="0" u="none" strike="noStrike" cap="none" dirty="0" smtClean="0">
                 <a:solidFill>
                   <a:srgbClr val="FFFF00"/>
                 </a:solidFill>
@@ -13385,7 +13346,7 @@
               <a:t>print(</a:t>
             </a:r>
             <a:r>
-              <a:rPr lang="en-US" sz="3000" b="1" i="0" u="none" strike="noStrike" cap="none" dirty="0" err="1" smtClean="0">
+              <a:rPr lang="en-US" sz="3000" i="0" u="none" strike="noStrike" cap="none" dirty="0" err="1" smtClean="0">
                 <a:solidFill>
                   <a:srgbClr val="FF00FF"/>
                 </a:solidFill>
@@ -13397,7 +13358,7 @@
               <a:t>len</a:t>
             </a:r>
             <a:r>
-              <a:rPr lang="en-US" sz="3000" b="1" i="0" u="none" strike="noStrike" cap="none" dirty="0" smtClean="0">
+              <a:rPr lang="en-US" sz="3000" i="0" u="none" strike="noStrike" cap="none" dirty="0" smtClean="0">
                 <a:solidFill>
                   <a:schemeClr val="lt1"/>
                 </a:solidFill>
@@ -13409,7 +13370,7 @@
               <a:t>(</a:t>
             </a:r>
             <a:r>
-              <a:rPr lang="en-US" sz="3000" b="1" i="0" u="none" strike="noStrike" cap="none" dirty="0" err="1" smtClean="0">
+              <a:rPr lang="en-US" sz="3000" i="0" u="none" strike="noStrike" cap="none" dirty="0" err="1" smtClean="0">
                 <a:solidFill>
                   <a:srgbClr val="00FF00"/>
                 </a:solidFill>
@@ -13421,7 +13382,7 @@
               <a:t>nums</a:t>
             </a:r>
             <a:r>
-              <a:rPr lang="en-US" sz="3000" b="1" i="0" u="none" strike="noStrike" cap="none" dirty="0" smtClean="0">
+              <a:rPr lang="en-US" sz="3000" i="0" u="none" strike="noStrike" cap="none" dirty="0" smtClean="0">
                 <a:solidFill>
                   <a:schemeClr val="lt1"/>
                 </a:solidFill>
@@ -13433,7 +13394,7 @@
               <a:t>)</a:t>
             </a:r>
             <a:r>
-              <a:rPr lang="en-US" sz="3000" b="1" dirty="0" smtClean="0">
+              <a:rPr lang="en-US" sz="3000" dirty="0" smtClean="0">
                 <a:solidFill>
                   <a:srgbClr val="FFFF00"/>
                 </a:solidFill>
@@ -13444,7 +13405,7 @@
               </a:rPr>
               <a:t>)</a:t>
             </a:r>
-            <a:endParaRPr lang="en-US" sz="3000" b="1" i="0" u="none" strike="noStrike" cap="none" dirty="0">
+            <a:endParaRPr lang="en-US" sz="3000" i="0" u="none" strike="noStrike" cap="none" dirty="0">
               <a:solidFill>
                 <a:schemeClr val="lt1"/>
               </a:solidFill>
@@ -13473,7 +13434,7 @@
               <a:buNone/>
             </a:pPr>
             <a:r>
-              <a:rPr lang="en-US" sz="3000" b="1" i="0" u="none" strike="noStrike" cap="none" dirty="0">
+              <a:rPr lang="en-US" sz="3000" i="0" u="none" strike="noStrike" cap="none" dirty="0">
                 <a:solidFill>
                   <a:schemeClr val="lt1"/>
                 </a:solidFill>
@@ -13493,7 +13454,7 @@
               <a:buSzPct val="25000"/>
             </a:pPr>
             <a:r>
-              <a:rPr lang="en-US" sz="3000" b="1" i="0" u="none" strike="noStrike" cap="none" dirty="0">
+              <a:rPr lang="en-US" sz="3000" i="0" u="none" strike="noStrike" cap="none" dirty="0">
                 <a:solidFill>
                   <a:schemeClr val="lt1"/>
                 </a:solidFill>
@@ -13505,7 +13466,7 @@
               <a:t>&gt;&gt;&gt; </a:t>
             </a:r>
             <a:r>
-              <a:rPr lang="en-US" sz="3000" b="1" i="0" u="none" strike="noStrike" cap="none" dirty="0" smtClean="0">
+              <a:rPr lang="en-US" sz="3000" i="0" u="none" strike="noStrike" cap="none" dirty="0" smtClean="0">
                 <a:solidFill>
                   <a:srgbClr val="FFFF00"/>
                 </a:solidFill>
@@ -13517,7 +13478,7 @@
               <a:t>print(</a:t>
             </a:r>
             <a:r>
-              <a:rPr lang="en-US" sz="3000" b="1" i="0" u="none" strike="noStrike" cap="none" dirty="0" smtClean="0">
+              <a:rPr lang="en-US" sz="3000" i="0" u="none" strike="noStrike" cap="none" dirty="0" smtClean="0">
                 <a:solidFill>
                   <a:srgbClr val="FF00FF"/>
                 </a:solidFill>
@@ -13529,7 +13490,7 @@
               <a:t>max</a:t>
             </a:r>
             <a:r>
-              <a:rPr lang="en-US" sz="3000" b="1" i="0" u="none" strike="noStrike" cap="none" dirty="0" smtClean="0">
+              <a:rPr lang="en-US" sz="3000" i="0" u="none" strike="noStrike" cap="none" dirty="0" smtClean="0">
                 <a:solidFill>
                   <a:schemeClr val="lt1"/>
                 </a:solidFill>
@@ -13541,7 +13502,7 @@
               <a:t>(</a:t>
             </a:r>
             <a:r>
-              <a:rPr lang="en-US" sz="3000" b="1" i="0" u="none" strike="noStrike" cap="none" dirty="0" err="1" smtClean="0">
+              <a:rPr lang="en-US" sz="3000" i="0" u="none" strike="noStrike" cap="none" dirty="0" err="1" smtClean="0">
                 <a:solidFill>
                   <a:srgbClr val="00FF00"/>
                 </a:solidFill>
@@ -13553,7 +13514,7 @@
               <a:t>nums</a:t>
             </a:r>
             <a:r>
-              <a:rPr lang="en-US" sz="3000" b="1" i="0" u="none" strike="noStrike" cap="none" dirty="0" smtClean="0">
+              <a:rPr lang="en-US" sz="3000" i="0" u="none" strike="noStrike" cap="none" dirty="0" smtClean="0">
                 <a:solidFill>
                   <a:schemeClr val="lt1"/>
                 </a:solidFill>
@@ -13565,7 +13526,7 @@
               <a:t>)</a:t>
             </a:r>
             <a:r>
-              <a:rPr lang="en-US" sz="3000" b="1" dirty="0" smtClean="0">
+              <a:rPr lang="en-US" sz="3000" dirty="0" smtClean="0">
                 <a:solidFill>
                   <a:srgbClr val="FFFF00"/>
                 </a:solidFill>
@@ -13576,7 +13537,7 @@
               </a:rPr>
               <a:t>)</a:t>
             </a:r>
-            <a:endParaRPr lang="en-US" sz="3000" b="1" i="0" u="none" strike="noStrike" cap="none" dirty="0">
+            <a:endParaRPr lang="en-US" sz="3000" i="0" u="none" strike="noStrike" cap="none" dirty="0">
               <a:solidFill>
                 <a:schemeClr val="lt1"/>
               </a:solidFill>
@@ -13605,7 +13566,7 @@
               <a:buNone/>
             </a:pPr>
             <a:r>
-              <a:rPr lang="en-US" sz="3000" b="1" i="0" u="none" strike="noStrike" cap="none" dirty="0">
+              <a:rPr lang="en-US" sz="3000" i="0" u="none" strike="noStrike" cap="none" dirty="0">
                 <a:solidFill>
                   <a:schemeClr val="lt1"/>
                 </a:solidFill>
@@ -13625,7 +13586,7 @@
               <a:buSzPct val="25000"/>
             </a:pPr>
             <a:r>
-              <a:rPr lang="en-US" sz="3000" b="1" i="0" u="none" strike="noStrike" cap="none" dirty="0">
+              <a:rPr lang="en-US" sz="3000" i="0" u="none" strike="noStrike" cap="none" dirty="0">
                 <a:solidFill>
                   <a:schemeClr val="lt1"/>
                 </a:solidFill>
@@ -13637,7 +13598,7 @@
               <a:t>&gt;&gt;&gt; </a:t>
             </a:r>
             <a:r>
-              <a:rPr lang="en-US" sz="3000" b="1" i="0" u="none" strike="noStrike" cap="none" dirty="0" smtClean="0">
+              <a:rPr lang="en-US" sz="3000" i="0" u="none" strike="noStrike" cap="none" dirty="0" smtClean="0">
                 <a:solidFill>
                   <a:srgbClr val="FFFF00"/>
                 </a:solidFill>
@@ -13649,7 +13610,7 @@
               <a:t>print(</a:t>
             </a:r>
             <a:r>
-              <a:rPr lang="en-US" sz="3000" b="1" i="0" u="none" strike="noStrike" cap="none" dirty="0" smtClean="0">
+              <a:rPr lang="en-US" sz="3000" i="0" u="none" strike="noStrike" cap="none" dirty="0" smtClean="0">
                 <a:solidFill>
                   <a:srgbClr val="FF00FF"/>
                 </a:solidFill>
@@ -13661,7 +13622,7 @@
               <a:t>min</a:t>
             </a:r>
             <a:r>
-              <a:rPr lang="en-US" sz="3000" b="1" i="0" u="none" strike="noStrike" cap="none" dirty="0" smtClean="0">
+              <a:rPr lang="en-US" sz="3000" i="0" u="none" strike="noStrike" cap="none" dirty="0" smtClean="0">
                 <a:solidFill>
                   <a:schemeClr val="lt1"/>
                 </a:solidFill>
@@ -13673,7 +13634,7 @@
               <a:t>(</a:t>
             </a:r>
             <a:r>
-              <a:rPr lang="en-US" sz="3000" b="1" i="0" u="none" strike="noStrike" cap="none" dirty="0" err="1" smtClean="0">
+              <a:rPr lang="en-US" sz="3000" i="0" u="none" strike="noStrike" cap="none" dirty="0" err="1" smtClean="0">
                 <a:solidFill>
                   <a:srgbClr val="00FF00"/>
                 </a:solidFill>
@@ -13685,7 +13646,7 @@
               <a:t>nums</a:t>
             </a:r>
             <a:r>
-              <a:rPr lang="en-US" sz="3000" b="1" i="0" u="none" strike="noStrike" cap="none" dirty="0" smtClean="0">
+              <a:rPr lang="en-US" sz="3000" i="0" u="none" strike="noStrike" cap="none" dirty="0" smtClean="0">
                 <a:solidFill>
                   <a:schemeClr val="lt1"/>
                 </a:solidFill>
@@ -13697,7 +13658,7 @@
               <a:t>)</a:t>
             </a:r>
             <a:r>
-              <a:rPr lang="en-US" sz="3000" b="1" dirty="0" smtClean="0">
+              <a:rPr lang="en-US" sz="3000" dirty="0" smtClean="0">
                 <a:solidFill>
                   <a:srgbClr val="FFFF00"/>
                 </a:solidFill>
@@ -13708,7 +13669,7 @@
               </a:rPr>
               <a:t>)</a:t>
             </a:r>
-            <a:endParaRPr lang="en-US" sz="3000" b="1" i="0" u="none" strike="noStrike" cap="none" dirty="0">
+            <a:endParaRPr lang="en-US" sz="3000" i="0" u="none" strike="noStrike" cap="none" dirty="0">
               <a:solidFill>
                 <a:schemeClr val="lt1"/>
               </a:solidFill>
@@ -13737,7 +13698,7 @@
               <a:buNone/>
             </a:pPr>
             <a:r>
-              <a:rPr lang="en-US" sz="3000" b="1" i="0" u="none" strike="noStrike" cap="none" dirty="0">
+              <a:rPr lang="en-US" sz="3000" i="0" u="none" strike="noStrike" cap="none" dirty="0">
                 <a:solidFill>
                   <a:schemeClr val="lt1"/>
                 </a:solidFill>
@@ -13757,7 +13718,7 @@
               <a:buSzPct val="25000"/>
             </a:pPr>
             <a:r>
-              <a:rPr lang="en-US" sz="3000" b="1" i="0" u="none" strike="noStrike" cap="none" dirty="0">
+              <a:rPr lang="en-US" sz="3000" i="0" u="none" strike="noStrike" cap="none" dirty="0">
                 <a:solidFill>
                   <a:schemeClr val="lt1"/>
                 </a:solidFill>
@@ -13769,7 +13730,7 @@
               <a:t>&gt;&gt;&gt; </a:t>
             </a:r>
             <a:r>
-              <a:rPr lang="en-US" sz="3000" b="1" i="0" u="none" strike="noStrike" cap="none" dirty="0" smtClean="0">
+              <a:rPr lang="en-US" sz="3000" i="0" u="none" strike="noStrike" cap="none" dirty="0" smtClean="0">
                 <a:solidFill>
                   <a:srgbClr val="FFFF00"/>
                 </a:solidFill>
@@ -13781,7 +13742,7 @@
               <a:t>print</a:t>
             </a:r>
             <a:r>
-              <a:rPr lang="en-US" sz="3000" b="1" dirty="0">
+              <a:rPr lang="en-US" sz="3000" dirty="0">
                 <a:solidFill>
                   <a:schemeClr val="lt1"/>
                 </a:solidFill>
@@ -13793,7 +13754,7 @@
               <a:t>(</a:t>
             </a:r>
             <a:r>
-              <a:rPr lang="en-US" sz="3000" b="1" i="0" u="none" strike="noStrike" cap="none" dirty="0" smtClean="0">
+              <a:rPr lang="en-US" sz="3000" i="0" u="none" strike="noStrike" cap="none" dirty="0" smtClean="0">
                 <a:solidFill>
                   <a:srgbClr val="FF00FF"/>
                 </a:solidFill>
@@ -13805,7 +13766,7 @@
               <a:t>sum</a:t>
             </a:r>
             <a:r>
-              <a:rPr lang="en-US" sz="3000" b="1" i="0" u="none" strike="noStrike" cap="none" dirty="0" smtClean="0">
+              <a:rPr lang="en-US" sz="3000" i="0" u="none" strike="noStrike" cap="none" dirty="0" smtClean="0">
                 <a:solidFill>
                   <a:schemeClr val="lt1"/>
                 </a:solidFill>
@@ -13817,7 +13778,7 @@
               <a:t>(</a:t>
             </a:r>
             <a:r>
-              <a:rPr lang="en-US" sz="3000" b="1" i="0" u="none" strike="noStrike" cap="none" dirty="0" err="1" smtClean="0">
+              <a:rPr lang="en-US" sz="3000" i="0" u="none" strike="noStrike" cap="none" dirty="0" err="1" smtClean="0">
                 <a:solidFill>
                   <a:srgbClr val="00FF00"/>
                 </a:solidFill>
@@ -13829,7 +13790,7 @@
               <a:t>nums</a:t>
             </a:r>
             <a:r>
-              <a:rPr lang="en-US" sz="3000" b="1" i="0" u="none" strike="noStrike" cap="none" dirty="0" smtClean="0">
+              <a:rPr lang="en-US" sz="3000" i="0" u="none" strike="noStrike" cap="none" dirty="0" smtClean="0">
                 <a:solidFill>
                   <a:schemeClr val="lt1"/>
                 </a:solidFill>
@@ -13841,7 +13802,7 @@
               <a:t>)</a:t>
             </a:r>
             <a:r>
-              <a:rPr lang="en-US" sz="3000" b="1" dirty="0" smtClean="0">
+              <a:rPr lang="en-US" sz="3000" dirty="0" smtClean="0">
                 <a:solidFill>
                   <a:srgbClr val="FFFF00"/>
                 </a:solidFill>
@@ -13852,7 +13813,7 @@
               </a:rPr>
               <a:t>)</a:t>
             </a:r>
-            <a:endParaRPr lang="en-US" sz="3000" b="1" i="0" u="none" strike="noStrike" cap="none" dirty="0">
+            <a:endParaRPr lang="en-US" sz="3000" i="0" u="none" strike="noStrike" cap="none" dirty="0">
               <a:solidFill>
                 <a:schemeClr val="lt1"/>
               </a:solidFill>
@@ -13881,7 +13842,7 @@
               <a:buNone/>
             </a:pPr>
             <a:r>
-              <a:rPr lang="en-US" sz="3000" b="1" i="0" u="none" strike="noStrike" cap="none" dirty="0">
+              <a:rPr lang="en-US" sz="3000" i="0" u="none" strike="noStrike" cap="none" dirty="0">
                 <a:solidFill>
                   <a:schemeClr val="lt1"/>
                 </a:solidFill>
@@ -13901,7 +13862,7 @@
               <a:buSzPct val="25000"/>
             </a:pPr>
             <a:r>
-              <a:rPr lang="en-US" sz="3000" b="1" i="0" u="none" strike="noStrike" cap="none" dirty="0">
+              <a:rPr lang="en-US" sz="3000" i="0" u="none" strike="noStrike" cap="none" dirty="0">
                 <a:solidFill>
                   <a:schemeClr val="lt1"/>
                 </a:solidFill>
@@ -13913,7 +13874,7 @@
               <a:t>&gt;&gt;&gt; </a:t>
             </a:r>
             <a:r>
-              <a:rPr lang="en-US" sz="3000" b="1" i="0" u="none" strike="noStrike" cap="none" dirty="0" smtClean="0">
+              <a:rPr lang="en-US" sz="3000" i="0" u="none" strike="noStrike" cap="none" dirty="0" smtClean="0">
                 <a:solidFill>
                   <a:srgbClr val="FFFF00"/>
                 </a:solidFill>
@@ -13925,7 +13886,7 @@
               <a:t>print</a:t>
             </a:r>
             <a:r>
-              <a:rPr lang="en-US" sz="3000" b="1" dirty="0">
+              <a:rPr lang="en-US" sz="3000" dirty="0">
                 <a:solidFill>
                   <a:schemeClr val="lt1"/>
                 </a:solidFill>
@@ -13937,7 +13898,7 @@
               <a:t>(</a:t>
             </a:r>
             <a:r>
-              <a:rPr lang="en-US" sz="3000" b="1" i="0" u="none" strike="noStrike" cap="none" dirty="0" smtClean="0">
+              <a:rPr lang="en-US" sz="3000" i="0" u="none" strike="noStrike" cap="none" dirty="0" smtClean="0">
                 <a:solidFill>
                   <a:srgbClr val="FF00FF"/>
                 </a:solidFill>
@@ -13949,7 +13910,7 @@
               <a:t>sum</a:t>
             </a:r>
             <a:r>
-              <a:rPr lang="en-US" sz="3000" b="1" i="0" u="none" strike="noStrike" cap="none" dirty="0" smtClean="0">
+              <a:rPr lang="en-US" sz="3000" i="0" u="none" strike="noStrike" cap="none" dirty="0" smtClean="0">
                 <a:solidFill>
                   <a:schemeClr val="lt1"/>
                 </a:solidFill>
@@ -13961,7 +13922,7 @@
               <a:t>(</a:t>
             </a:r>
             <a:r>
-              <a:rPr lang="en-US" sz="3000" b="1" i="0" u="none" strike="noStrike" cap="none" dirty="0" err="1" smtClean="0">
+              <a:rPr lang="en-US" sz="3000" i="0" u="none" strike="noStrike" cap="none" dirty="0" err="1" smtClean="0">
                 <a:solidFill>
                   <a:srgbClr val="00FF00"/>
                 </a:solidFill>
@@ -13973,7 +13934,7 @@
               <a:t>nums</a:t>
             </a:r>
             <a:r>
-              <a:rPr lang="en-US" sz="3000" b="1" i="0" u="none" strike="noStrike" cap="none" dirty="0">
+              <a:rPr lang="en-US" sz="3000" i="0" u="none" strike="noStrike" cap="none" dirty="0">
                 <a:solidFill>
                   <a:schemeClr val="lt1"/>
                 </a:solidFill>
@@ -13985,7 +13946,7 @@
               <a:t>)/</a:t>
             </a:r>
             <a:r>
-              <a:rPr lang="en-US" sz="3000" b="1" i="0" u="none" strike="noStrike" cap="none" dirty="0" err="1" smtClean="0">
+              <a:rPr lang="en-US" sz="3000" i="0" u="none" strike="noStrike" cap="none" dirty="0" err="1" smtClean="0">
                 <a:solidFill>
                   <a:srgbClr val="FF00FF"/>
                 </a:solidFill>
@@ -13997,7 +13958,7 @@
               <a:t>len</a:t>
             </a:r>
             <a:r>
-              <a:rPr lang="en-US" sz="3000" b="1" i="0" u="none" strike="noStrike" cap="none" dirty="0" smtClean="0">
+              <a:rPr lang="en-US" sz="3000" i="0" u="none" strike="noStrike" cap="none" dirty="0" smtClean="0">
                 <a:solidFill>
                   <a:schemeClr val="lt1"/>
                 </a:solidFill>
@@ -14009,7 +13970,7 @@
               <a:t>(</a:t>
             </a:r>
             <a:r>
-              <a:rPr lang="en-US" sz="3000" b="1" i="0" u="none" strike="noStrike" cap="none" dirty="0" err="1" smtClean="0">
+              <a:rPr lang="en-US" sz="3000" i="0" u="none" strike="noStrike" cap="none" dirty="0" err="1" smtClean="0">
                 <a:solidFill>
                   <a:srgbClr val="00FF00"/>
                 </a:solidFill>
@@ -14021,7 +13982,7 @@
               <a:t>nums</a:t>
             </a:r>
             <a:r>
-              <a:rPr lang="en-US" sz="3000" b="1" i="0" u="none" strike="noStrike" cap="none" dirty="0" smtClean="0">
+              <a:rPr lang="en-US" sz="3000" i="0" u="none" strike="noStrike" cap="none" dirty="0" smtClean="0">
                 <a:solidFill>
                   <a:schemeClr val="lt1"/>
                 </a:solidFill>
@@ -14033,7 +13994,7 @@
               <a:t>)</a:t>
             </a:r>
             <a:r>
-              <a:rPr lang="en-US" sz="3000" b="1" dirty="0" smtClean="0">
+              <a:rPr lang="en-US" sz="3000" dirty="0" smtClean="0">
                 <a:solidFill>
                   <a:srgbClr val="FFFF00"/>
                 </a:solidFill>
@@ -14044,7 +14005,7 @@
               </a:rPr>
               <a:t>)</a:t>
             </a:r>
-            <a:endParaRPr lang="en-US" sz="3000" b="1" i="0" u="none" strike="noStrike" cap="none" dirty="0">
+            <a:endParaRPr lang="en-US" sz="3000" i="0" u="none" strike="noStrike" cap="none" dirty="0">
               <a:solidFill>
                 <a:schemeClr val="lt1"/>
               </a:solidFill>
@@ -14073,7 +14034,7 @@
               <a:buNone/>
             </a:pPr>
             <a:r>
-              <a:rPr lang="en-US" sz="3000" b="1" i="0" u="none" strike="noStrike" cap="none" smtClean="0">
+              <a:rPr lang="en-US" sz="3000" i="0" u="none" strike="noStrike" cap="none" dirty="0" smtClean="0">
                 <a:solidFill>
                   <a:schemeClr val="lt1"/>
                 </a:solidFill>
@@ -14084,7 +14045,7 @@
               </a:rPr>
               <a:t>25.6</a:t>
             </a:r>
-            <a:endParaRPr lang="en-US" sz="3000" b="1" i="0" u="none" strike="noStrike" cap="none" dirty="0">
+            <a:endParaRPr lang="en-US" sz="3000" i="0" u="none" strike="noStrike" cap="none" dirty="0">
               <a:solidFill>
                 <a:schemeClr val="lt1"/>
               </a:solidFill>
@@ -14104,7 +14065,7 @@
   <p:timing>
     <p:tnLst>
       <p:par>
-        <p:cTn id="1" dur="indefinite" restart="never" nodeType="tmRoot"/>
+        <p:cTn xmlns:p14="http://schemas.microsoft.com/office/powerpoint/2010/main" id="1" dur="indefinite" restart="never" nodeType="tmRoot"/>
       </p:par>
     </p:tnLst>
   </p:timing>
@@ -14452,7 +14413,7 @@
   <p:timing>
     <p:tnLst>
       <p:par>
-        <p:cTn id="1" dur="indefinite" restart="never" nodeType="tmRoot"/>
+        <p:cTn xmlns:p14="http://schemas.microsoft.com/office/powerpoint/2010/main" id="1" dur="indefinite" restart="never" nodeType="tmRoot"/>
       </p:par>
     </p:tnLst>
   </p:timing>
@@ -14484,8 +14445,8 @@
         </p:nvSpPr>
         <p:spPr>
           <a:xfrm>
-            <a:off x="7314550" y="4800525"/>
-            <a:ext cx="8127900" cy="3416400"/>
+            <a:off x="7314550" y="4800524"/>
+            <a:ext cx="8127900" cy="3987875"/>
           </a:xfrm>
           <a:prstGeom prst="rect">
             <a:avLst/>
@@ -14519,7 +14480,7 @@
               <a:buNone/>
             </a:pPr>
             <a:r>
-              <a:rPr lang="en-US" sz="2400" b="1" i="0" u="none" strike="noStrike" cap="none" dirty="0" err="1">
+              <a:rPr lang="en-US" sz="2600" i="0" u="none" strike="noStrike" cap="none" dirty="0" err="1">
                 <a:solidFill>
                   <a:srgbClr val="00FF00"/>
                 </a:solidFill>
@@ -14531,7 +14492,7 @@
               <a:t>numlist</a:t>
             </a:r>
             <a:r>
-              <a:rPr lang="en-US" sz="2400" b="1" i="0" u="none" strike="noStrike" cap="none" dirty="0">
+              <a:rPr lang="en-US" sz="2600" i="0" u="none" strike="noStrike" cap="none" dirty="0">
                 <a:solidFill>
                   <a:srgbClr val="00FF00"/>
                 </a:solidFill>
@@ -14562,7 +14523,7 @@
               <a:buNone/>
             </a:pPr>
             <a:r>
-              <a:rPr lang="en-US" sz="2400" b="1" i="0" u="none" strike="noStrike" cap="none" dirty="0">
+              <a:rPr lang="en-US" sz="2600" i="0" u="none" strike="noStrike" cap="none" dirty="0">
                 <a:solidFill>
                   <a:srgbClr val="FFFFFF"/>
                 </a:solidFill>
@@ -14593,7 +14554,7 @@
               <a:buNone/>
             </a:pPr>
             <a:r>
-              <a:rPr lang="en-US" sz="2400" b="1" i="0" u="none" strike="noStrike" cap="none" dirty="0">
+              <a:rPr lang="en-US" sz="2600" i="0" u="none" strike="noStrike" cap="none" dirty="0">
                 <a:solidFill>
                   <a:srgbClr val="FFFFFF"/>
                 </a:solidFill>
@@ -14605,7 +14566,7 @@
               <a:t>    </a:t>
             </a:r>
             <a:r>
-              <a:rPr lang="en-US" sz="2400" b="1" i="0" u="none" strike="noStrike" cap="none" dirty="0" err="1">
+              <a:rPr lang="en-US" sz="2600" i="0" u="none" strike="noStrike" cap="none" dirty="0" err="1">
                 <a:solidFill>
                   <a:srgbClr val="FFFFFF"/>
                 </a:solidFill>
@@ -14617,7 +14578,7 @@
               <a:t>inp</a:t>
             </a:r>
             <a:r>
-              <a:rPr lang="en-US" sz="2400" b="1" i="0" u="none" strike="noStrike" cap="none" dirty="0">
+              <a:rPr lang="en-US" sz="2600" i="0" u="none" strike="noStrike" cap="none" dirty="0">
                 <a:solidFill>
                   <a:srgbClr val="FFFFFF"/>
                 </a:solidFill>
@@ -14629,7 +14590,7 @@
               <a:t> = </a:t>
             </a:r>
             <a:r>
-              <a:rPr lang="en-US" sz="2400" b="1" i="0" u="none" strike="noStrike" cap="none" dirty="0" smtClean="0">
+              <a:rPr lang="en-US" sz="2600" i="0" u="none" strike="noStrike" cap="none" dirty="0" smtClean="0">
                 <a:solidFill>
                   <a:srgbClr val="FFFFFF"/>
                 </a:solidFill>
@@ -14641,7 +14602,7 @@
               <a:t>input</a:t>
             </a:r>
             <a:r>
-              <a:rPr lang="en-US" sz="2400" b="1" i="0" u="none" strike="noStrike" cap="none" dirty="0">
+              <a:rPr lang="en-US" sz="2600" i="0" u="none" strike="noStrike" cap="none" dirty="0">
                 <a:solidFill>
                   <a:srgbClr val="FFFFFF"/>
                 </a:solidFill>
@@ -14672,7 +14633,7 @@
               <a:buNone/>
             </a:pPr>
             <a:r>
-              <a:rPr lang="en-US" sz="2400" b="1" i="0" u="none" strike="noStrike" cap="none" dirty="0">
+              <a:rPr lang="en-US" sz="2600" i="0" u="none" strike="noStrike" cap="none" dirty="0">
                 <a:solidFill>
                   <a:srgbClr val="FFFFFF"/>
                 </a:solidFill>
@@ -14684,7 +14645,7 @@
               <a:t>    if </a:t>
             </a:r>
             <a:r>
-              <a:rPr lang="en-US" sz="2400" b="1" i="0" u="none" strike="noStrike" cap="none" dirty="0" err="1">
+              <a:rPr lang="en-US" sz="2600" i="0" u="none" strike="noStrike" cap="none" dirty="0" err="1">
                 <a:solidFill>
                   <a:srgbClr val="FFFFFF"/>
                 </a:solidFill>
@@ -14696,7 +14657,7 @@
               <a:t>inp</a:t>
             </a:r>
             <a:r>
-              <a:rPr lang="en-US" sz="2400" b="1" i="0" u="none" strike="noStrike" cap="none" dirty="0">
+              <a:rPr lang="en-US" sz="2600" i="0" u="none" strike="noStrike" cap="none" dirty="0">
                 <a:solidFill>
                   <a:srgbClr val="FFFFFF"/>
                 </a:solidFill>
@@ -14727,7 +14688,7 @@
               <a:buNone/>
             </a:pPr>
             <a:r>
-              <a:rPr lang="en-US" sz="2400" b="1" i="0" u="none" strike="noStrike" cap="none" dirty="0">
+              <a:rPr lang="en-US" sz="2600" i="0" u="none" strike="noStrike" cap="none" dirty="0">
                 <a:solidFill>
                   <a:srgbClr val="FFFFFF"/>
                 </a:solidFill>
@@ -14739,7 +14700,7 @@
               <a:t>    value = float(</a:t>
             </a:r>
             <a:r>
-              <a:rPr lang="en-US" sz="2400" b="1" i="0" u="none" strike="noStrike" cap="none" dirty="0" err="1">
+              <a:rPr lang="en-US" sz="2600" i="0" u="none" strike="noStrike" cap="none" dirty="0" err="1">
                 <a:solidFill>
                   <a:srgbClr val="FFFFFF"/>
                 </a:solidFill>
@@ -14751,7 +14712,7 @@
               <a:t>inp</a:t>
             </a:r>
             <a:r>
-              <a:rPr lang="en-US" sz="2400" b="1" i="0" u="none" strike="noStrike" cap="none" dirty="0">
+              <a:rPr lang="en-US" sz="2600" i="0" u="none" strike="noStrike" cap="none" dirty="0">
                 <a:solidFill>
                   <a:srgbClr val="FFFFFF"/>
                 </a:solidFill>
@@ -14782,7 +14743,7 @@
               <a:buNone/>
             </a:pPr>
             <a:r>
-              <a:rPr lang="en-US" sz="2400" b="1" i="0" u="none" strike="noStrike" cap="none" dirty="0">
+              <a:rPr lang="en-US" sz="2600" i="0" u="none" strike="noStrike" cap="none" dirty="0">
                 <a:solidFill>
                   <a:srgbClr val="00FF00"/>
                 </a:solidFill>
@@ -14794,7 +14755,7 @@
               <a:t>    </a:t>
             </a:r>
             <a:r>
-              <a:rPr lang="en-US" sz="2400" b="1" i="0" u="none" strike="noStrike" cap="none" dirty="0" err="1">
+              <a:rPr lang="en-US" sz="2600" i="0" u="none" strike="noStrike" cap="none" dirty="0" err="1">
                 <a:solidFill>
                   <a:srgbClr val="00FF00"/>
                 </a:solidFill>
@@ -14806,7 +14767,7 @@
               <a:t>numlist.append</a:t>
             </a:r>
             <a:r>
-              <a:rPr lang="en-US" sz="2400" b="1" i="0" u="none" strike="noStrike" cap="none" dirty="0">
+              <a:rPr lang="en-US" sz="2600" i="0" u="none" strike="noStrike" cap="none" dirty="0">
                 <a:solidFill>
                   <a:srgbClr val="00FF00"/>
                 </a:solidFill>
@@ -14831,7 +14792,7 @@
               </a:spcAft>
               <a:buNone/>
             </a:pPr>
-            <a:endParaRPr sz="2400" b="1" i="0" u="none" strike="noStrike" cap="none" dirty="0">
+            <a:endParaRPr sz="2600" i="0" u="none" strike="noStrike" cap="none" dirty="0">
               <a:solidFill>
                 <a:srgbClr val="FFFFFF"/>
               </a:solidFill>
@@ -14860,7 +14821,7 @@
               <a:buNone/>
             </a:pPr>
             <a:r>
-              <a:rPr lang="en-US" sz="2400" b="1" i="0" u="none" strike="noStrike" cap="none" dirty="0">
+              <a:rPr lang="en-US" sz="2600" i="0" u="none" strike="noStrike" cap="none" dirty="0">
                 <a:solidFill>
                   <a:srgbClr val="00FF00"/>
                 </a:solidFill>
@@ -14872,7 +14833,7 @@
               <a:t>average = sum(</a:t>
             </a:r>
             <a:r>
-              <a:rPr lang="en-US" sz="2400" b="1" i="0" u="none" strike="noStrike" cap="none" dirty="0" err="1">
+              <a:rPr lang="en-US" sz="2600" i="0" u="none" strike="noStrike" cap="none" dirty="0" err="1">
                 <a:solidFill>
                   <a:srgbClr val="00FF00"/>
                 </a:solidFill>
@@ -14884,7 +14845,7 @@
               <a:t>numlist</a:t>
             </a:r>
             <a:r>
-              <a:rPr lang="en-US" sz="2400" b="1" i="0" u="none" strike="noStrike" cap="none" dirty="0">
+              <a:rPr lang="en-US" sz="2600" i="0" u="none" strike="noStrike" cap="none" dirty="0">
                 <a:solidFill>
                   <a:srgbClr val="00FF00"/>
                 </a:solidFill>
@@ -14896,7 +14857,7 @@
               <a:t>) / </a:t>
             </a:r>
             <a:r>
-              <a:rPr lang="en-US" sz="2400" b="1" i="0" u="none" strike="noStrike" cap="none" dirty="0" err="1">
+              <a:rPr lang="en-US" sz="2600" i="0" u="none" strike="noStrike" cap="none" dirty="0" err="1">
                 <a:solidFill>
                   <a:srgbClr val="00FF00"/>
                 </a:solidFill>
@@ -14908,7 +14869,7 @@
               <a:t>len</a:t>
             </a:r>
             <a:r>
-              <a:rPr lang="en-US" sz="2400" b="1" i="0" u="none" strike="noStrike" cap="none" dirty="0">
+              <a:rPr lang="en-US" sz="2600" i="0" u="none" strike="noStrike" cap="none" dirty="0">
                 <a:solidFill>
                   <a:srgbClr val="00FF00"/>
                 </a:solidFill>
@@ -14920,7 +14881,7 @@
               <a:t>(</a:t>
             </a:r>
             <a:r>
-              <a:rPr lang="en-US" sz="2400" b="1" i="0" u="none" strike="noStrike" cap="none" dirty="0" err="1">
+              <a:rPr lang="en-US" sz="2600" i="0" u="none" strike="noStrike" cap="none" dirty="0" err="1">
                 <a:solidFill>
                   <a:srgbClr val="00FF00"/>
                 </a:solidFill>
@@ -14932,7 +14893,7 @@
               <a:t>numlist</a:t>
             </a:r>
             <a:r>
-              <a:rPr lang="en-US" sz="2400" b="1" i="0" u="none" strike="noStrike" cap="none" dirty="0">
+              <a:rPr lang="en-US" sz="2600" i="0" u="none" strike="noStrike" cap="none" dirty="0">
                 <a:solidFill>
                   <a:srgbClr val="00FF00"/>
                 </a:solidFill>
@@ -14963,7 +14924,7 @@
               <a:buNone/>
             </a:pPr>
             <a:r>
-              <a:rPr lang="en-US" sz="2400" b="1" i="0" u="none" strike="noStrike" cap="none" dirty="0" smtClean="0">
+              <a:rPr lang="en-US" sz="2600" i="0" u="none" strike="noStrike" cap="none" dirty="0" smtClean="0">
                 <a:solidFill>
                   <a:srgbClr val="FFFFFF"/>
                 </a:solidFill>
@@ -14975,7 +14936,7 @@
               <a:t>print('Average</a:t>
             </a:r>
             <a:r>
-              <a:rPr lang="en-US" sz="2400" b="1" i="0" u="none" strike="noStrike" cap="none" dirty="0">
+              <a:rPr lang="en-US" sz="2600" i="0" u="none" strike="noStrike" cap="none" dirty="0">
                 <a:solidFill>
                   <a:srgbClr val="FFFFFF"/>
                 </a:solidFill>
@@ -14987,7 +14948,7 @@
               <a:t>:', </a:t>
             </a:r>
             <a:r>
-              <a:rPr lang="en-US" sz="2400" b="1" i="0" u="none" strike="noStrike" cap="none" dirty="0" smtClean="0">
+              <a:rPr lang="en-US" sz="2600" i="0" u="none" strike="noStrike" cap="none" dirty="0" smtClean="0">
                 <a:solidFill>
                   <a:srgbClr val="FFFFFF"/>
                 </a:solidFill>
@@ -14998,7 +14959,7 @@
               </a:rPr>
               <a:t>average)</a:t>
             </a:r>
-            <a:endParaRPr lang="en-US" sz="2400" b="1" i="0" u="none" strike="noStrike" cap="none" dirty="0">
+            <a:endParaRPr lang="en-US" sz="2600" i="0" u="none" strike="noStrike" cap="none" dirty="0">
               <a:solidFill>
                 <a:srgbClr val="FFFFFF"/>
               </a:solidFill>
@@ -15019,7 +14980,7 @@
         <p:spPr>
           <a:xfrm>
             <a:off x="697125" y="1031888"/>
-            <a:ext cx="8127900" cy="4154399"/>
+            <a:ext cx="8127900" cy="4835512"/>
           </a:xfrm>
           <a:prstGeom prst="rect">
             <a:avLst/>
@@ -15053,7 +15014,7 @@
               <a:buNone/>
             </a:pPr>
             <a:r>
-              <a:rPr lang="en-US" sz="2400" b="1" i="0" u="none" strike="noStrike" cap="none" dirty="0">
+              <a:rPr lang="en-US" sz="2600" i="0" u="none" strike="noStrike" cap="none" dirty="0">
                 <a:solidFill>
                   <a:srgbClr val="FF00FF"/>
                 </a:solidFill>
@@ -15084,7 +15045,7 @@
               <a:buNone/>
             </a:pPr>
             <a:r>
-              <a:rPr lang="en-US" sz="2400" b="1" i="0" u="none" strike="noStrike" cap="none" dirty="0">
+              <a:rPr lang="en-US" sz="2600" i="0" u="none" strike="noStrike" cap="none" dirty="0">
                 <a:solidFill>
                   <a:srgbClr val="FF00FF"/>
                 </a:solidFill>
@@ -15115,7 +15076,7 @@
               <a:buNone/>
             </a:pPr>
             <a:r>
-              <a:rPr lang="en-US" sz="2400" b="1" i="0" u="none" strike="noStrike" cap="none" dirty="0">
+              <a:rPr lang="en-US" sz="2600" i="0" u="none" strike="noStrike" cap="none" dirty="0">
                 <a:solidFill>
                   <a:srgbClr val="FFFFFF"/>
                 </a:solidFill>
@@ -15146,7 +15107,7 @@
               <a:buNone/>
             </a:pPr>
             <a:r>
-              <a:rPr lang="en-US" sz="2400" b="1" i="0" u="none" strike="noStrike" cap="none" dirty="0">
+              <a:rPr lang="en-US" sz="2600" i="0" u="none" strike="noStrike" cap="none" dirty="0">
                 <a:solidFill>
                   <a:srgbClr val="FFFFFF"/>
                 </a:solidFill>
@@ -15158,7 +15119,7 @@
               <a:t>    </a:t>
             </a:r>
             <a:r>
-              <a:rPr lang="en-US" sz="2400" b="1" i="0" u="none" strike="noStrike" cap="none" dirty="0" err="1">
+              <a:rPr lang="en-US" sz="2600" i="0" u="none" strike="noStrike" cap="none" dirty="0" err="1">
                 <a:solidFill>
                   <a:srgbClr val="FFFFFF"/>
                 </a:solidFill>
@@ -15170,7 +15131,7 @@
               <a:t>inp</a:t>
             </a:r>
             <a:r>
-              <a:rPr lang="en-US" sz="2400" b="1" i="0" u="none" strike="noStrike" cap="none" dirty="0">
+              <a:rPr lang="en-US" sz="2600" i="0" u="none" strike="noStrike" cap="none" dirty="0">
                 <a:solidFill>
                   <a:srgbClr val="FFFFFF"/>
                 </a:solidFill>
@@ -15182,7 +15143,7 @@
               <a:t> = </a:t>
             </a:r>
             <a:r>
-              <a:rPr lang="en-US" sz="2400" b="1" i="0" u="none" strike="noStrike" cap="none" dirty="0" smtClean="0">
+              <a:rPr lang="en-US" sz="2600" i="0" u="none" strike="noStrike" cap="none" dirty="0" smtClean="0">
                 <a:solidFill>
                   <a:srgbClr val="FFFFFF"/>
                 </a:solidFill>
@@ -15194,7 +15155,7 @@
               <a:t>input</a:t>
             </a:r>
             <a:r>
-              <a:rPr lang="en-US" sz="2400" b="1" i="0" u="none" strike="noStrike" cap="none" dirty="0">
+              <a:rPr lang="en-US" sz="2600" i="0" u="none" strike="noStrike" cap="none" dirty="0">
                 <a:solidFill>
                   <a:srgbClr val="FFFFFF"/>
                 </a:solidFill>
@@ -15225,7 +15186,7 @@
               <a:buNone/>
             </a:pPr>
             <a:r>
-              <a:rPr lang="en-US" sz="2400" b="1" i="0" u="none" strike="noStrike" cap="none" dirty="0">
+              <a:rPr lang="en-US" sz="2600" i="0" u="none" strike="noStrike" cap="none" dirty="0">
                 <a:solidFill>
                   <a:srgbClr val="FFFFFF"/>
                 </a:solidFill>
@@ -15237,7 +15198,7 @@
               <a:t>    if </a:t>
             </a:r>
             <a:r>
-              <a:rPr lang="en-US" sz="2400" b="1" i="0" u="none" strike="noStrike" cap="none" dirty="0" err="1">
+              <a:rPr lang="en-US" sz="2600" i="0" u="none" strike="noStrike" cap="none" dirty="0" err="1">
                 <a:solidFill>
                   <a:srgbClr val="FFFFFF"/>
                 </a:solidFill>
@@ -15249,7 +15210,7 @@
               <a:t>inp</a:t>
             </a:r>
             <a:r>
-              <a:rPr lang="en-US" sz="2400" b="1" i="0" u="none" strike="noStrike" cap="none" dirty="0">
+              <a:rPr lang="en-US" sz="2600" i="0" u="none" strike="noStrike" cap="none" dirty="0">
                 <a:solidFill>
                   <a:srgbClr val="FFFFFF"/>
                 </a:solidFill>
@@ -15280,7 +15241,7 @@
               <a:buNone/>
             </a:pPr>
             <a:r>
-              <a:rPr lang="en-US" sz="2400" b="1" i="0" u="none" strike="noStrike" cap="none" dirty="0">
+              <a:rPr lang="en-US" sz="2600" i="0" u="none" strike="noStrike" cap="none" dirty="0">
                 <a:solidFill>
                   <a:srgbClr val="FFFFFF"/>
                 </a:solidFill>
@@ -15292,7 +15253,7 @@
               <a:t>    value = float(</a:t>
             </a:r>
             <a:r>
-              <a:rPr lang="en-US" sz="2400" b="1" i="0" u="none" strike="noStrike" cap="none" dirty="0" err="1">
+              <a:rPr lang="en-US" sz="2600" i="0" u="none" strike="noStrike" cap="none" dirty="0" err="1">
                 <a:solidFill>
                   <a:srgbClr val="FFFFFF"/>
                 </a:solidFill>
@@ -15304,7 +15265,7 @@
               <a:t>inp</a:t>
             </a:r>
             <a:r>
-              <a:rPr lang="en-US" sz="2400" b="1" i="0" u="none" strike="noStrike" cap="none" dirty="0">
+              <a:rPr lang="en-US" sz="2600" i="0" u="none" strike="noStrike" cap="none" dirty="0">
                 <a:solidFill>
                   <a:srgbClr val="FFFFFF"/>
                 </a:solidFill>
@@ -15335,7 +15296,7 @@
               <a:buNone/>
             </a:pPr>
             <a:r>
-              <a:rPr lang="en-US" sz="2400" b="1" i="0" u="none" strike="noStrike" cap="none" dirty="0">
+              <a:rPr lang="en-US" sz="2600" i="0" u="none" strike="noStrike" cap="none" dirty="0">
                 <a:solidFill>
                   <a:srgbClr val="FFFFFF"/>
                 </a:solidFill>
@@ -15347,7 +15308,7 @@
               <a:t>   </a:t>
             </a:r>
             <a:r>
-              <a:rPr lang="en-US" sz="2400" b="1" i="0" u="none" strike="noStrike" cap="none" dirty="0">
+              <a:rPr lang="en-US" sz="2600" i="0" u="none" strike="noStrike" cap="none" dirty="0">
                 <a:solidFill>
                   <a:srgbClr val="FF00FF"/>
                 </a:solidFill>
@@ -15378,7 +15339,7 @@
               <a:buNone/>
             </a:pPr>
             <a:r>
-              <a:rPr lang="en-US" sz="2400" b="1" i="0" u="none" strike="noStrike" cap="none" dirty="0">
+              <a:rPr lang="en-US" sz="2600" i="0" u="none" strike="noStrike" cap="none" dirty="0">
                 <a:solidFill>
                   <a:srgbClr val="FF00FF"/>
                 </a:solidFill>
@@ -15403,7 +15364,7 @@
               </a:spcAft>
               <a:buNone/>
             </a:pPr>
-            <a:endParaRPr sz="2400" b="1" i="0" u="none" strike="noStrike" cap="none" dirty="0">
+            <a:endParaRPr sz="2600" i="0" u="none" strike="noStrike" cap="none" dirty="0">
               <a:solidFill>
                 <a:srgbClr val="FFFFFF"/>
               </a:solidFill>
@@ -15432,7 +15393,7 @@
               <a:buNone/>
             </a:pPr>
             <a:r>
-              <a:rPr lang="en-US" sz="2400" b="1" i="0" u="none" strike="noStrike" cap="none" dirty="0">
+              <a:rPr lang="en-US" sz="2600" i="0" u="none" strike="noStrike" cap="none" dirty="0">
                 <a:solidFill>
                   <a:srgbClr val="FF00FF"/>
                 </a:solidFill>
@@ -15463,7 +15424,7 @@
               <a:buNone/>
             </a:pPr>
             <a:r>
-              <a:rPr lang="en-US" sz="2400" b="1" i="0" u="none" strike="noStrike" cap="none" dirty="0" smtClean="0">
+              <a:rPr lang="en-US" sz="2600" i="0" u="none" strike="noStrike" cap="none" dirty="0" smtClean="0">
                 <a:solidFill>
                   <a:srgbClr val="FFFFFF"/>
                 </a:solidFill>
@@ -15475,7 +15436,7 @@
               <a:t>print('Average</a:t>
             </a:r>
             <a:r>
-              <a:rPr lang="en-US" sz="2400" b="1" i="0" u="none" strike="noStrike" cap="none" dirty="0">
+              <a:rPr lang="en-US" sz="2600" i="0" u="none" strike="noStrike" cap="none" dirty="0">
                 <a:solidFill>
                   <a:srgbClr val="FFFFFF"/>
                 </a:solidFill>
@@ -15487,7 +15448,7 @@
               <a:t>:', </a:t>
             </a:r>
             <a:r>
-              <a:rPr lang="en-US" sz="2400" b="1" i="0" u="none" strike="noStrike" cap="none" dirty="0" smtClean="0">
+              <a:rPr lang="en-US" sz="2600" i="0" u="none" strike="noStrike" cap="none" dirty="0" smtClean="0">
                 <a:solidFill>
                   <a:srgbClr val="FFFFFF"/>
                 </a:solidFill>
@@ -15498,7 +15459,7 @@
               </a:rPr>
               <a:t>average)</a:t>
             </a:r>
-            <a:endParaRPr lang="en-US" sz="2400" b="1" i="0" u="none" strike="noStrike" cap="none" dirty="0">
+            <a:endParaRPr lang="en-US" sz="2600" i="0" u="none" strike="noStrike" cap="none" dirty="0">
               <a:solidFill>
                 <a:srgbClr val="FFFFFF"/>
               </a:solidFill>
@@ -15518,7 +15479,7 @@
         </p:nvSpPr>
         <p:spPr>
           <a:xfrm>
-            <a:off x="9765925" y="1031888"/>
+            <a:off x="9308725" y="828688"/>
             <a:ext cx="5435700" cy="2862300"/>
           </a:xfrm>
           <a:prstGeom prst="rect">
@@ -15739,49 +15700,6 @@
           </a:p>
         </p:txBody>
       </p:sp>
-      <p:sp>
-        <p:nvSpPr>
-          <p:cNvPr id="2" name="Hexagon 1"/>
-          <p:cNvSpPr/>
-          <p:nvPr/>
-        </p:nvSpPr>
-        <p:spPr>
-          <a:xfrm>
-            <a:off x="34185" y="8503920"/>
-            <a:ext cx="662940" cy="571500"/>
-          </a:xfrm>
-          <a:prstGeom prst="hexagon">
-            <a:avLst/>
-          </a:prstGeom>
-          <a:solidFill>
-            <a:schemeClr val="tx1"/>
-          </a:solidFill>
-        </p:spPr>
-        <p:style>
-          <a:lnRef idx="2">
-            <a:schemeClr val="accent1">
-              <a:shade val="50000"/>
-            </a:schemeClr>
-          </a:lnRef>
-          <a:fillRef idx="1">
-            <a:schemeClr val="accent1"/>
-          </a:fillRef>
-          <a:effectRef idx="0">
-            <a:schemeClr val="accent1"/>
-          </a:effectRef>
-          <a:fontRef idx="minor">
-            <a:schemeClr val="lt1"/>
-          </a:fontRef>
-        </p:style>
-        <p:txBody>
-          <a:bodyPr rtlCol="0" anchor="ctr"/>
-          <a:lstStyle/>
-          <a:p>
-            <a:pPr algn="ctr"/>
-            <a:endParaRPr lang="en-US"/>
-          </a:p>
-        </p:txBody>
-      </p:sp>
     </p:spTree>
   </p:cSld>
   <p:clrMapOvr>
@@ -15790,7 +15708,7 @@
   <p:timing>
     <p:tnLst>
       <p:par>
-        <p:cTn id="1" dur="indefinite" restart="never" nodeType="tmRoot"/>
+        <p:cTn xmlns:p14="http://schemas.microsoft.com/office/powerpoint/2010/main" id="1" dur="indefinite" restart="never" nodeType="tmRoot"/>
       </p:par>
     </p:tnLst>
   </p:timing>
@@ -15914,7 +15832,7 @@
               <a:buNone/>
             </a:pPr>
             <a:r>
-              <a:rPr lang="en-US" sz="3000" b="1" i="0" u="none" strike="noStrike" cap="none" dirty="0">
+              <a:rPr lang="en-US" sz="3000" i="0" u="none" strike="noStrike" cap="none" dirty="0">
                 <a:solidFill>
                   <a:schemeClr val="lt1"/>
                 </a:solidFill>
@@ -15926,7 +15844,7 @@
               <a:t>&gt;&gt;&gt; </a:t>
             </a:r>
             <a:r>
-              <a:rPr lang="en-US" sz="3000" b="1" i="0" u="none" strike="noStrike" cap="none" dirty="0" err="1">
+              <a:rPr lang="en-US" sz="3000" i="0" u="none" strike="noStrike" cap="none" dirty="0" err="1">
                 <a:solidFill>
                   <a:srgbClr val="00FF00"/>
                 </a:solidFill>
@@ -15938,7 +15856,7 @@
               <a:t>abc</a:t>
             </a:r>
             <a:r>
-              <a:rPr lang="en-US" sz="3000" b="1" i="0" u="none" strike="noStrike" cap="none" dirty="0">
+              <a:rPr lang="en-US" sz="3000" i="0" u="none" strike="noStrike" cap="none" dirty="0">
                 <a:solidFill>
                   <a:srgbClr val="FF7F00"/>
                 </a:solidFill>
@@ -15950,7 +15868,7 @@
               <a:t> </a:t>
             </a:r>
             <a:r>
-              <a:rPr lang="en-US" sz="3000" b="1" i="0" u="none" strike="noStrike" cap="none" dirty="0">
+              <a:rPr lang="en-US" sz="3000" i="0" u="none" strike="noStrike" cap="none" dirty="0">
                 <a:solidFill>
                   <a:srgbClr val="00FF00"/>
                 </a:solidFill>
@@ -15962,7 +15880,7 @@
               <a:t>=</a:t>
             </a:r>
             <a:r>
-              <a:rPr lang="en-US" sz="3000" b="1" i="0" u="none" strike="noStrike" cap="none" dirty="0">
+              <a:rPr lang="en-US" sz="3000" i="0" u="none" strike="noStrike" cap="none" dirty="0">
                 <a:solidFill>
                   <a:srgbClr val="FF7F00"/>
                 </a:solidFill>
@@ -15974,7 +15892,7 @@
               <a:t> 'With three words</a:t>
             </a:r>
             <a:r>
-              <a:rPr lang="en-US" sz="3000" b="1" dirty="0">
+              <a:rPr lang="en-US" sz="3000" dirty="0">
                 <a:solidFill>
                   <a:srgbClr val="FF7F00"/>
                 </a:solidFill>
@@ -16005,7 +15923,7 @@
               <a:buNone/>
             </a:pPr>
             <a:r>
-              <a:rPr lang="en-US" sz="3000" b="1" i="0" u="none" strike="noStrike" cap="none" dirty="0">
+              <a:rPr lang="en-US" sz="3000" i="0" u="none" strike="noStrike" cap="none" dirty="0">
                 <a:solidFill>
                   <a:schemeClr val="lt1"/>
                 </a:solidFill>
@@ -16017,7 +15935,7 @@
               <a:t>&gt;&gt;&gt; </a:t>
             </a:r>
             <a:r>
-              <a:rPr lang="en-US" sz="3000" b="1" i="0" u="none" strike="noStrike" cap="none" dirty="0">
+              <a:rPr lang="en-US" sz="3000" i="0" u="none" strike="noStrike" cap="none" dirty="0">
                 <a:solidFill>
                   <a:srgbClr val="00FF00"/>
                 </a:solidFill>
@@ -16029,7 +15947,7 @@
               <a:t>stuff</a:t>
             </a:r>
             <a:r>
-              <a:rPr lang="en-US" sz="3000" b="1" i="0" u="none" strike="noStrike" cap="none" dirty="0">
+              <a:rPr lang="en-US" sz="3000" i="0" u="none" strike="noStrike" cap="none" dirty="0">
                 <a:solidFill>
                   <a:srgbClr val="FF7F00"/>
                 </a:solidFill>
@@ -16041,7 +15959,7 @@
               <a:t> =</a:t>
             </a:r>
             <a:r>
-              <a:rPr lang="en-US" sz="3000" b="1" i="0" u="none" strike="noStrike" cap="none" dirty="0">
+              <a:rPr lang="en-US" sz="3000" i="0" u="none" strike="noStrike" cap="none" dirty="0">
                 <a:solidFill>
                   <a:srgbClr val="00FF00"/>
                 </a:solidFill>
@@ -16053,7 +15971,7 @@
               <a:t> </a:t>
             </a:r>
             <a:r>
-              <a:rPr lang="en-US" sz="3000" b="1" i="0" u="none" strike="noStrike" cap="none" dirty="0" err="1">
+              <a:rPr lang="en-US" sz="3000" i="0" u="none" strike="noStrike" cap="none" dirty="0" err="1">
                 <a:solidFill>
                   <a:srgbClr val="00FF00"/>
                 </a:solidFill>
@@ -16065,7 +15983,7 @@
               <a:t>abc</a:t>
             </a:r>
             <a:r>
-              <a:rPr lang="en-US" sz="3000" b="1" i="0" u="none" strike="noStrike" cap="none" dirty="0" err="1">
+              <a:rPr lang="en-US" sz="3000" i="0" u="none" strike="noStrike" cap="none" dirty="0" err="1">
                 <a:solidFill>
                   <a:srgbClr val="FF00FF"/>
                 </a:solidFill>
@@ -16077,7 +15995,7 @@
               <a:t>.split</a:t>
             </a:r>
             <a:r>
-              <a:rPr lang="en-US" sz="3000" b="1" i="0" u="none" strike="noStrike" cap="none" dirty="0">
+              <a:rPr lang="en-US" sz="3000" i="0" u="none" strike="noStrike" cap="none" dirty="0">
                 <a:solidFill>
                   <a:schemeClr val="lt1"/>
                 </a:solidFill>
@@ -16097,7 +16015,7 @@
               <a:buSzPct val="25000"/>
             </a:pPr>
             <a:r>
-              <a:rPr lang="en-US" sz="3000" b="1" i="0" u="none" strike="noStrike" cap="none" dirty="0">
+              <a:rPr lang="en-US" sz="3000" i="0" u="none" strike="noStrike" cap="none" dirty="0">
                 <a:solidFill>
                   <a:schemeClr val="lt1"/>
                 </a:solidFill>
@@ -16109,7 +16027,7 @@
               <a:t>&gt;&gt;&gt; </a:t>
             </a:r>
             <a:r>
-              <a:rPr lang="en-US" sz="3000" b="1" i="0" u="none" strike="noStrike" cap="none" dirty="0" smtClean="0">
+              <a:rPr lang="en-US" sz="3000" i="0" u="none" strike="noStrike" cap="none" dirty="0" smtClean="0">
                 <a:solidFill>
                   <a:srgbClr val="FFFF00"/>
                 </a:solidFill>
@@ -16121,7 +16039,7 @@
               <a:t>print</a:t>
             </a:r>
             <a:r>
-              <a:rPr lang="en-US" sz="3000" b="1" dirty="0" smtClean="0">
+              <a:rPr lang="en-US" sz="3000" dirty="0" smtClean="0">
                 <a:solidFill>
                   <a:schemeClr val="lt1"/>
                 </a:solidFill>
@@ -16133,7 +16051,7 @@
               <a:t>(</a:t>
             </a:r>
             <a:r>
-              <a:rPr lang="en-US" sz="3000" b="1" i="0" u="none" strike="noStrike" cap="none" dirty="0" smtClean="0">
+              <a:rPr lang="en-US" sz="3000" i="0" u="none" strike="noStrike" cap="none" dirty="0" smtClean="0">
                 <a:solidFill>
                   <a:srgbClr val="00FF00"/>
                 </a:solidFill>
@@ -16145,7 +16063,7 @@
               <a:t>stuff</a:t>
             </a:r>
             <a:r>
-              <a:rPr lang="en-US" sz="3000" b="1" dirty="0" smtClean="0">
+              <a:rPr lang="en-US" sz="3000" dirty="0" smtClean="0">
                 <a:solidFill>
                   <a:srgbClr val="FFFF00"/>
                 </a:solidFill>
@@ -16156,7 +16074,7 @@
               </a:rPr>
               <a:t>)</a:t>
             </a:r>
-            <a:endParaRPr lang="en-US" sz="3000" b="1" i="0" u="none" strike="noStrike" cap="none" dirty="0">
+            <a:endParaRPr lang="en-US" sz="3000" i="0" u="none" strike="noStrike" cap="none" dirty="0">
               <a:solidFill>
                 <a:srgbClr val="00FF00"/>
               </a:solidFill>
@@ -16185,7 +16103,7 @@
               <a:buNone/>
             </a:pPr>
             <a:r>
-              <a:rPr lang="en-US" sz="3000" b="1" i="0" u="none" strike="noStrike" cap="none" dirty="0">
+              <a:rPr lang="en-US" sz="3000" i="0" u="none" strike="noStrike" cap="none" dirty="0">
                 <a:solidFill>
                   <a:schemeClr val="lt1"/>
                 </a:solidFill>
@@ -16205,7 +16123,7 @@
               <a:buSzPct val="25000"/>
             </a:pPr>
             <a:r>
-              <a:rPr lang="en-US" sz="3000" b="1" i="0" u="none" strike="noStrike" cap="none" dirty="0">
+              <a:rPr lang="en-US" sz="3000" i="0" u="none" strike="noStrike" cap="none" dirty="0">
                 <a:solidFill>
                   <a:schemeClr val="lt1"/>
                 </a:solidFill>
@@ -16217,7 +16135,7 @@
               <a:t>&gt;&gt;&gt; </a:t>
             </a:r>
             <a:r>
-              <a:rPr lang="en-US" sz="3000" b="1" i="0" u="none" strike="noStrike" cap="none" dirty="0" smtClean="0">
+              <a:rPr lang="en-US" sz="3000" i="0" u="none" strike="noStrike" cap="none" dirty="0" smtClean="0">
                 <a:solidFill>
                   <a:srgbClr val="FFFF00"/>
                 </a:solidFill>
@@ -16229,7 +16147,7 @@
               <a:t>print(</a:t>
             </a:r>
             <a:r>
-              <a:rPr lang="en-US" sz="3000" b="1" i="0" u="none" strike="noStrike" cap="none" dirty="0" err="1" smtClean="0">
+              <a:rPr lang="en-US" sz="3000" i="0" u="none" strike="noStrike" cap="none" dirty="0" err="1" smtClean="0">
                 <a:solidFill>
                   <a:srgbClr val="FF00FF"/>
                 </a:solidFill>
@@ -16241,7 +16159,7 @@
               <a:t>len</a:t>
             </a:r>
             <a:r>
-              <a:rPr lang="en-US" sz="3000" b="1" i="0" u="none" strike="noStrike" cap="none" dirty="0" smtClean="0">
+              <a:rPr lang="en-US" sz="3000" i="0" u="none" strike="noStrike" cap="none" dirty="0" smtClean="0">
                 <a:solidFill>
                   <a:schemeClr val="lt1"/>
                 </a:solidFill>
@@ -16253,7 +16171,7 @@
               <a:t>(</a:t>
             </a:r>
             <a:r>
-              <a:rPr lang="en-US" sz="3000" b="1" i="0" u="none" strike="noStrike" cap="none" dirty="0" smtClean="0">
+              <a:rPr lang="en-US" sz="3000" i="0" u="none" strike="noStrike" cap="none" dirty="0" smtClean="0">
                 <a:solidFill>
                   <a:srgbClr val="00FF00"/>
                 </a:solidFill>
@@ -16265,7 +16183,7 @@
               <a:t>stuff</a:t>
             </a:r>
             <a:r>
-              <a:rPr lang="en-US" sz="3000" b="1" i="0" u="none" strike="noStrike" cap="none" dirty="0" smtClean="0">
+              <a:rPr lang="en-US" sz="3000" i="0" u="none" strike="noStrike" cap="none" dirty="0" smtClean="0">
                 <a:solidFill>
                   <a:schemeClr val="lt1"/>
                 </a:solidFill>
@@ -16277,7 +16195,7 @@
               <a:t>)</a:t>
             </a:r>
             <a:r>
-              <a:rPr lang="en-US" sz="3000" b="1" dirty="0" smtClean="0">
+              <a:rPr lang="en-US" sz="3000" dirty="0" smtClean="0">
                 <a:solidFill>
                   <a:srgbClr val="FFFF00"/>
                 </a:solidFill>
@@ -16288,7 +16206,7 @@
               </a:rPr>
               <a:t>)</a:t>
             </a:r>
-            <a:endParaRPr lang="en-US" sz="3000" b="1" i="0" u="none" strike="noStrike" cap="none" dirty="0">
+            <a:endParaRPr lang="en-US" sz="3000" i="0" u="none" strike="noStrike" cap="none" dirty="0">
               <a:solidFill>
                 <a:schemeClr val="lt1"/>
               </a:solidFill>
@@ -16317,7 +16235,7 @@
               <a:buNone/>
             </a:pPr>
             <a:r>
-              <a:rPr lang="en-US" sz="3000" b="1" i="0" u="none" strike="noStrike" cap="none" dirty="0">
+              <a:rPr lang="en-US" sz="3000" i="0" u="none" strike="noStrike" cap="none" dirty="0">
                 <a:solidFill>
                   <a:schemeClr val="lt1"/>
                 </a:solidFill>
@@ -16337,7 +16255,7 @@
               <a:buSzPct val="25000"/>
             </a:pPr>
             <a:r>
-              <a:rPr lang="en-US" sz="3000" b="1" i="0" u="none" strike="noStrike" cap="none" dirty="0">
+              <a:rPr lang="en-US" sz="3000" i="0" u="none" strike="noStrike" cap="none" dirty="0">
                 <a:solidFill>
                   <a:schemeClr val="lt1"/>
                 </a:solidFill>
@@ -16349,7 +16267,7 @@
               <a:t>&gt;&gt;&gt; </a:t>
             </a:r>
             <a:r>
-              <a:rPr lang="en-US" sz="3000" b="1" i="0" u="none" strike="noStrike" cap="none" dirty="0" smtClean="0">
+              <a:rPr lang="en-US" sz="3000" i="0" u="none" strike="noStrike" cap="none" dirty="0" smtClean="0">
                 <a:solidFill>
                   <a:srgbClr val="FFFF00"/>
                 </a:solidFill>
@@ -16361,7 +16279,7 @@
               <a:t>print(</a:t>
             </a:r>
             <a:r>
-              <a:rPr lang="en-US" sz="3000" b="1" i="0" u="none" strike="noStrike" cap="none" dirty="0" smtClean="0">
+              <a:rPr lang="en-US" sz="3000" i="0" u="none" strike="noStrike" cap="none" dirty="0" smtClean="0">
                 <a:solidFill>
                   <a:srgbClr val="00FF00"/>
                 </a:solidFill>
@@ -16373,7 +16291,7 @@
               <a:t>stuff</a:t>
             </a:r>
             <a:r>
-              <a:rPr lang="en-US" sz="3000" b="1" i="0" u="none" strike="noStrike" cap="none" dirty="0" smtClean="0">
+              <a:rPr lang="en-US" sz="3000" i="0" u="none" strike="noStrike" cap="none" dirty="0" smtClean="0">
                 <a:solidFill>
                   <a:srgbClr val="00FFFF"/>
                 </a:solidFill>
@@ -16385,7 +16303,7 @@
               <a:t>[</a:t>
             </a:r>
             <a:r>
-              <a:rPr lang="en-US" sz="3000" b="1" i="0" u="none" strike="noStrike" cap="none" dirty="0" smtClean="0">
+              <a:rPr lang="en-US" sz="3000" i="0" u="none" strike="noStrike" cap="none" dirty="0" smtClean="0">
                 <a:solidFill>
                   <a:srgbClr val="FF7F00"/>
                 </a:solidFill>
@@ -16397,7 +16315,7 @@
               <a:t>0</a:t>
             </a:r>
             <a:r>
-              <a:rPr lang="en-US" sz="3000" b="1" i="0" u="none" strike="noStrike" cap="none" dirty="0" smtClean="0">
+              <a:rPr lang="en-US" sz="3000" i="0" u="none" strike="noStrike" cap="none" dirty="0" smtClean="0">
                 <a:solidFill>
                   <a:srgbClr val="00FFFF"/>
                 </a:solidFill>
@@ -16409,7 +16327,7 @@
               <a:t>]</a:t>
             </a:r>
             <a:r>
-              <a:rPr lang="en-US" sz="3000" b="1" dirty="0" smtClean="0">
+              <a:rPr lang="en-US" sz="3000" dirty="0" smtClean="0">
                 <a:solidFill>
                   <a:srgbClr val="FFFF00"/>
                 </a:solidFill>
@@ -16420,7 +16338,7 @@
               </a:rPr>
               <a:t>)</a:t>
             </a:r>
-            <a:endParaRPr lang="en-US" sz="3000" b="1" i="0" u="none" strike="noStrike" cap="none" dirty="0">
+            <a:endParaRPr lang="en-US" sz="3000" i="0" u="none" strike="noStrike" cap="none" dirty="0">
               <a:solidFill>
                 <a:srgbClr val="00FFFF"/>
               </a:solidFill>
@@ -16449,7 +16367,7 @@
               <a:buNone/>
             </a:pPr>
             <a:r>
-              <a:rPr lang="en-US" sz="3000" b="1" i="0" u="none" strike="noStrike" cap="none" dirty="0">
+              <a:rPr lang="en-US" sz="3000" i="0" u="none" strike="noStrike" cap="none" dirty="0">
                 <a:solidFill>
                   <a:schemeClr val="lt1"/>
                 </a:solidFill>
@@ -16471,7 +16389,7 @@
         </p:nvSpPr>
         <p:spPr>
           <a:xfrm>
-            <a:off x="10045700" y="2301875"/>
+            <a:off x="9398000" y="2292350"/>
             <a:ext cx="6450900" cy="4984799"/>
           </a:xfrm>
           <a:prstGeom prst="rect">
@@ -16495,7 +16413,7 @@
               <a:buSzPct val="25000"/>
             </a:pPr>
             <a:r>
-              <a:rPr lang="en-US" sz="3000" b="1" i="0" u="none" strike="noStrike" cap="none" dirty="0">
+              <a:rPr lang="en-US" sz="3000" i="0" u="none" strike="noStrike" cap="none" dirty="0">
                 <a:solidFill>
                   <a:schemeClr val="lt1"/>
                 </a:solidFill>
@@ -16507,7 +16425,7 @@
               <a:t>&gt;&gt;&gt; </a:t>
             </a:r>
             <a:r>
-              <a:rPr lang="en-US" sz="3000" b="1" i="0" u="none" strike="noStrike" cap="none" dirty="0" smtClean="0">
+              <a:rPr lang="en-US" sz="3000" i="0" u="none" strike="noStrike" cap="none" dirty="0" smtClean="0">
                 <a:solidFill>
                   <a:srgbClr val="FFFF00"/>
                 </a:solidFill>
@@ -16519,7 +16437,7 @@
               <a:t>print(</a:t>
             </a:r>
             <a:r>
-              <a:rPr lang="en-US" sz="3000" b="1" i="0" u="none" strike="noStrike" cap="none" dirty="0" smtClean="0">
+              <a:rPr lang="en-US" sz="3000" i="0" u="none" strike="noStrike" cap="none" dirty="0" smtClean="0">
                 <a:solidFill>
                   <a:srgbClr val="00FF00"/>
                 </a:solidFill>
@@ -16531,7 +16449,7 @@
               <a:t>stuff</a:t>
             </a:r>
             <a:r>
-              <a:rPr lang="en-US" sz="3000" b="1" dirty="0" smtClean="0">
+              <a:rPr lang="en-US" sz="3000" dirty="0" smtClean="0">
                 <a:solidFill>
                   <a:srgbClr val="FFFF00"/>
                 </a:solidFill>
@@ -16542,7 +16460,7 @@
               </a:rPr>
               <a:t>)</a:t>
             </a:r>
-            <a:endParaRPr lang="en-US" sz="3000" b="1" i="0" u="none" strike="noStrike" cap="none" dirty="0">
+            <a:endParaRPr lang="en-US" sz="3000" i="0" u="none" strike="noStrike" cap="none" dirty="0">
               <a:solidFill>
                 <a:srgbClr val="00FF00"/>
               </a:solidFill>
@@ -16571,7 +16489,7 @@
               <a:buNone/>
             </a:pPr>
             <a:r>
-              <a:rPr lang="en-US" sz="3000" b="1" i="0" u="none" strike="noStrike" cap="none" dirty="0">
+              <a:rPr lang="en-US" sz="3000" i="0" u="none" strike="noStrike" cap="none" dirty="0">
                 <a:solidFill>
                   <a:schemeClr val="lt1"/>
                 </a:solidFill>
@@ -16583,7 +16501,7 @@
               <a:t>['With', </a:t>
             </a:r>
             <a:r>
-              <a:rPr lang="en-US" sz="3000" b="1" i="0" u="none" strike="noStrike" cap="none" dirty="0" smtClean="0">
+              <a:rPr lang="en-US" sz="3000" i="0" u="none" strike="noStrike" cap="none" dirty="0" smtClean="0">
                 <a:solidFill>
                   <a:schemeClr val="lt1"/>
                 </a:solidFill>
@@ -16595,7 +16513,7 @@
               <a:t>'three</a:t>
             </a:r>
             <a:r>
-              <a:rPr lang="en-US" sz="3000" b="1" i="0" u="none" strike="noStrike" cap="none" dirty="0">
+              <a:rPr lang="en-US" sz="3000" i="0" u="none" strike="noStrike" cap="none" dirty="0">
                 <a:solidFill>
                   <a:schemeClr val="lt1"/>
                 </a:solidFill>
@@ -16626,7 +16544,7 @@
               <a:buNone/>
             </a:pPr>
             <a:r>
-              <a:rPr lang="en-US" sz="3000" b="1" i="0" u="none" strike="noStrike" cap="none" dirty="0">
+              <a:rPr lang="en-US" sz="3000" i="0" u="none" strike="noStrike" cap="none" dirty="0">
                 <a:solidFill>
                   <a:schemeClr val="lt1"/>
                 </a:solidFill>
@@ -16638,7 +16556,7 @@
               <a:t>&gt;&gt;&gt; </a:t>
             </a:r>
             <a:r>
-              <a:rPr lang="en-US" sz="3000" b="1" i="0" u="none" strike="noStrike" cap="none" dirty="0">
+              <a:rPr lang="en-US" sz="3000" i="0" u="none" strike="noStrike" cap="none" dirty="0">
                 <a:solidFill>
                   <a:srgbClr val="FFFF00"/>
                 </a:solidFill>
@@ -16650,7 +16568,7 @@
               <a:t>for</a:t>
             </a:r>
             <a:r>
-              <a:rPr lang="en-US" sz="3000" b="1" i="0" u="none" strike="noStrike" cap="none" dirty="0">
+              <a:rPr lang="en-US" sz="3000" i="0" u="none" strike="noStrike" cap="none" dirty="0">
                 <a:solidFill>
                   <a:srgbClr val="FF7F00"/>
                 </a:solidFill>
@@ -16662,7 +16580,7 @@
               <a:t> </a:t>
             </a:r>
             <a:r>
-              <a:rPr lang="en-US" sz="3000" b="1" i="0" u="none" strike="noStrike" cap="none" dirty="0">
+              <a:rPr lang="en-US" sz="3000" i="0" u="none" strike="noStrike" cap="none" dirty="0">
                 <a:solidFill>
                   <a:srgbClr val="00FF00"/>
                 </a:solidFill>
@@ -16674,7 +16592,7 @@
               <a:t>w</a:t>
             </a:r>
             <a:r>
-              <a:rPr lang="en-US" sz="3000" b="1" i="0" u="none" strike="noStrike" cap="none" dirty="0">
+              <a:rPr lang="en-US" sz="3000" i="0" u="none" strike="noStrike" cap="none" dirty="0">
                 <a:solidFill>
                   <a:srgbClr val="FF7F00"/>
                 </a:solidFill>
@@ -16686,7 +16604,7 @@
               <a:t> </a:t>
             </a:r>
             <a:r>
-              <a:rPr lang="en-US" sz="3000" b="1" i="0" u="none" strike="noStrike" cap="none" dirty="0">
+              <a:rPr lang="en-US" sz="3000" i="0" u="none" strike="noStrike" cap="none" dirty="0">
                 <a:solidFill>
                   <a:srgbClr val="FFFF00"/>
                 </a:solidFill>
@@ -16698,7 +16616,7 @@
               <a:t>in</a:t>
             </a:r>
             <a:r>
-              <a:rPr lang="en-US" sz="3000" b="1" i="0" u="none" strike="noStrike" cap="none" dirty="0">
+              <a:rPr lang="en-US" sz="3000" i="0" u="none" strike="noStrike" cap="none" dirty="0">
                 <a:solidFill>
                   <a:srgbClr val="FF7F00"/>
                 </a:solidFill>
@@ -16710,7 +16628,7 @@
               <a:t> </a:t>
             </a:r>
             <a:r>
-              <a:rPr lang="en-US" sz="3000" b="1" i="0" u="none" strike="noStrike" cap="none" dirty="0">
+              <a:rPr lang="en-US" sz="3000" i="0" u="none" strike="noStrike" cap="none" dirty="0">
                 <a:solidFill>
                   <a:srgbClr val="00FF00"/>
                 </a:solidFill>
@@ -16722,7 +16640,7 @@
               <a:t>stuff </a:t>
             </a:r>
             <a:r>
-              <a:rPr lang="en-US" sz="3000" b="1" i="0" u="none" strike="noStrike" cap="none" dirty="0">
+              <a:rPr lang="en-US" sz="3000" i="0" u="none" strike="noStrike" cap="none" dirty="0">
                 <a:solidFill>
                   <a:schemeClr val="lt1"/>
                 </a:solidFill>
@@ -16742,7 +16660,7 @@
               <a:buSzPct val="25000"/>
             </a:pPr>
             <a:r>
-              <a:rPr lang="en-US" sz="3000" b="1" i="0" u="none" strike="noStrike" cap="none" dirty="0">
+              <a:rPr lang="en-US" sz="3000" i="0" u="none" strike="noStrike" cap="none" dirty="0">
                 <a:solidFill>
                   <a:schemeClr val="lt1"/>
                 </a:solidFill>
@@ -16754,7 +16672,7 @@
               <a:t>... </a:t>
             </a:r>
             <a:r>
-              <a:rPr lang="en-US" sz="3000" b="1" dirty="0">
+              <a:rPr lang="en-US" sz="3000" dirty="0">
                 <a:solidFill>
                   <a:schemeClr val="lt1"/>
                 </a:solidFill>
@@ -16766,7 +16684,7 @@
               <a:t>    </a:t>
             </a:r>
             <a:r>
-              <a:rPr lang="en-US" sz="3000" b="1" i="0" u="none" strike="noStrike" cap="none" dirty="0" smtClean="0">
+              <a:rPr lang="en-US" sz="3000" i="0" u="none" strike="noStrike" cap="none" dirty="0" smtClean="0">
                 <a:solidFill>
                   <a:srgbClr val="FFFF00"/>
                 </a:solidFill>
@@ -16778,7 +16696,7 @@
               <a:t>print(</a:t>
             </a:r>
             <a:r>
-              <a:rPr lang="en-US" sz="3000" b="1" i="0" u="none" strike="noStrike" cap="none" dirty="0" smtClean="0">
+              <a:rPr lang="en-US" sz="3000" i="0" u="none" strike="noStrike" cap="none" dirty="0" smtClean="0">
                 <a:solidFill>
                   <a:srgbClr val="00FF00"/>
                 </a:solidFill>
@@ -16790,7 +16708,7 @@
               <a:t>w</a:t>
             </a:r>
             <a:r>
-              <a:rPr lang="en-US" sz="3000" b="1" dirty="0" smtClean="0">
+              <a:rPr lang="en-US" sz="3000" dirty="0" smtClean="0">
                 <a:solidFill>
                   <a:srgbClr val="FFFF00"/>
                 </a:solidFill>
@@ -16801,7 +16719,7 @@
               </a:rPr>
               <a:t>)</a:t>
             </a:r>
-            <a:endParaRPr lang="en-US" sz="3000" b="1" i="0" u="none" strike="noStrike" cap="none" dirty="0">
+            <a:endParaRPr lang="en-US" sz="3000" i="0" u="none" strike="noStrike" cap="none" dirty="0">
               <a:solidFill>
                 <a:srgbClr val="00FF00"/>
               </a:solidFill>
@@ -16830,7 +16748,7 @@
               <a:buNone/>
             </a:pPr>
             <a:r>
-              <a:rPr lang="en-US" sz="3000" b="1" i="0" u="none" strike="noStrike" cap="none" dirty="0">
+              <a:rPr lang="en-US" sz="3000" i="0" u="none" strike="noStrike" cap="none" dirty="0">
                 <a:solidFill>
                   <a:schemeClr val="lt1"/>
                 </a:solidFill>
@@ -16861,7 +16779,7 @@
               <a:buNone/>
             </a:pPr>
             <a:r>
-              <a:rPr lang="en-US" sz="3000" b="1" i="0" u="none" strike="noStrike" cap="none" dirty="0">
+              <a:rPr lang="en-US" sz="3000" i="0" u="none" strike="noStrike" cap="none" dirty="0">
                 <a:solidFill>
                   <a:schemeClr val="lt1"/>
                 </a:solidFill>
@@ -16892,7 +16810,7 @@
               <a:buNone/>
             </a:pPr>
             <a:r>
-              <a:rPr lang="en-US" sz="3000" b="1" i="0" u="none" strike="noStrike" cap="none" dirty="0">
+              <a:rPr lang="en-US" sz="3000" i="0" u="none" strike="noStrike" cap="none" dirty="0">
                 <a:solidFill>
                   <a:schemeClr val="lt1"/>
                 </a:solidFill>
@@ -16923,7 +16841,7 @@
               <a:buNone/>
             </a:pPr>
             <a:r>
-              <a:rPr lang="en-US" sz="3000" b="1" i="0" u="none" strike="noStrike" cap="none" dirty="0">
+              <a:rPr lang="en-US" sz="3000" i="0" u="none" strike="noStrike" cap="none" dirty="0">
                 <a:solidFill>
                   <a:schemeClr val="lt1"/>
                 </a:solidFill>
@@ -16954,7 +16872,7 @@
               <a:buNone/>
             </a:pPr>
             <a:r>
-              <a:rPr lang="en-US" sz="3000" b="1" i="0" u="none" strike="noStrike" cap="none" dirty="0">
+              <a:rPr lang="en-US" sz="3000" i="0" u="none" strike="noStrike" cap="none" dirty="0">
                 <a:solidFill>
                   <a:schemeClr val="lt1"/>
                 </a:solidFill>
@@ -16976,7 +16894,7 @@
         </p:nvSpPr>
         <p:spPr>
           <a:xfrm>
-            <a:off x="457200" y="6953250"/>
+            <a:off x="457200" y="7194550"/>
             <a:ext cx="15125699" cy="1143000"/>
           </a:xfrm>
           <a:prstGeom prst="rect">
@@ -17153,7 +17071,7 @@
               <a:buNone/>
             </a:pPr>
             <a:r>
-              <a:rPr lang="en-US" sz="2600" b="1" i="0" u="none" strike="noStrike" cap="none" dirty="0">
+              <a:rPr lang="en-US" sz="2600" i="0" u="none" strike="noStrike" cap="none" dirty="0" smtClean="0">
                 <a:solidFill>
                   <a:schemeClr val="lt1"/>
                 </a:solidFill>
@@ -17165,7 +17083,7 @@
               <a:t>&gt;&gt;&gt; </a:t>
             </a:r>
             <a:r>
-              <a:rPr lang="en-US" sz="2600" b="1" i="0" u="none" strike="noStrike" cap="none" dirty="0">
+              <a:rPr lang="en-US" sz="2600" i="0" u="none" strike="noStrike" cap="none" dirty="0" smtClean="0">
                 <a:solidFill>
                   <a:srgbClr val="00FF00"/>
                 </a:solidFill>
@@ -17177,7 +17095,7 @@
               <a:t>line</a:t>
             </a:r>
             <a:r>
-              <a:rPr lang="en-US" sz="2600" b="1" i="0" u="none" strike="noStrike" cap="none" dirty="0">
+              <a:rPr lang="en-US" sz="2600" i="0" u="none" strike="noStrike" cap="none" dirty="0" smtClean="0">
                 <a:solidFill>
                   <a:srgbClr val="FF7F00"/>
                 </a:solidFill>
@@ -17189,7 +17107,7 @@
               <a:t> </a:t>
             </a:r>
             <a:r>
-              <a:rPr lang="en-US" sz="2600" b="1" i="0" u="none" strike="noStrike" cap="none" dirty="0">
+              <a:rPr lang="en-US" sz="2600" i="0" u="none" strike="noStrike" cap="none" dirty="0" smtClean="0">
                 <a:solidFill>
                   <a:schemeClr val="lt1"/>
                 </a:solidFill>
@@ -17201,7 +17119,7 @@
               <a:t>=</a:t>
             </a:r>
             <a:r>
-              <a:rPr lang="en-US" sz="2600" b="1" i="0" u="none" strike="noStrike" cap="none" dirty="0">
+              <a:rPr lang="en-US" sz="2600" i="0" u="none" strike="noStrike" cap="none" dirty="0" smtClean="0">
                 <a:solidFill>
                   <a:srgbClr val="FF7F00"/>
                 </a:solidFill>
@@ -17213,7 +17131,7 @@
               <a:t> 'A lot               of spaces</a:t>
             </a:r>
             <a:r>
-              <a:rPr lang="en-US" sz="2600" b="1" dirty="0">
+              <a:rPr lang="en-US" sz="2600" dirty="0" smtClean="0">
                 <a:solidFill>
                   <a:srgbClr val="FF7F00"/>
                 </a:solidFill>
@@ -17224,6 +17142,15 @@
               </a:rPr>
               <a:t>'</a:t>
             </a:r>
+            <a:endParaRPr lang="en-US" sz="2600" dirty="0">
+              <a:solidFill>
+                <a:srgbClr val="FF7F00"/>
+              </a:solidFill>
+              <a:latin typeface="Courier New"/>
+              <a:ea typeface="Courier New"/>
+              <a:cs typeface="Courier New"/>
+              <a:sym typeface="Courier New"/>
+            </a:endParaRPr>
           </a:p>
           <a:p>
             <a:pPr marL="0" marR="0" lvl="0" indent="0" algn="l" rtl="0">
@@ -17244,7 +17171,7 @@
               <a:buNone/>
             </a:pPr>
             <a:r>
-              <a:rPr lang="en-US" sz="2600" b="1" i="0" u="none" strike="noStrike" cap="none" dirty="0">
+              <a:rPr lang="en-US" sz="2600" i="0" u="none" strike="noStrike" cap="none" dirty="0">
                 <a:solidFill>
                   <a:schemeClr val="lt1"/>
                 </a:solidFill>
@@ -17256,7 +17183,7 @@
               <a:t>&gt;&gt;&gt; </a:t>
             </a:r>
             <a:r>
-              <a:rPr lang="en-US" sz="2600" b="1" i="0" u="none" strike="noStrike" cap="none" dirty="0" err="1">
+              <a:rPr lang="en-US" sz="2600" i="0" u="none" strike="noStrike" cap="none" dirty="0" err="1">
                 <a:solidFill>
                   <a:srgbClr val="00FF00"/>
                 </a:solidFill>
@@ -17268,7 +17195,7 @@
               <a:t>etc</a:t>
             </a:r>
             <a:r>
-              <a:rPr lang="en-US" sz="2600" b="1" i="0" u="none" strike="noStrike" cap="none" dirty="0">
+              <a:rPr lang="en-US" sz="2600" i="0" u="none" strike="noStrike" cap="none" dirty="0">
                 <a:solidFill>
                   <a:srgbClr val="FF7F00"/>
                 </a:solidFill>
@@ -17280,7 +17207,7 @@
               <a:t> </a:t>
             </a:r>
             <a:r>
-              <a:rPr lang="en-US" sz="2600" b="1" i="0" u="none" strike="noStrike" cap="none" dirty="0">
+              <a:rPr lang="en-US" sz="2600" i="0" u="none" strike="noStrike" cap="none" dirty="0">
                 <a:solidFill>
                   <a:schemeClr val="lt1"/>
                 </a:solidFill>
@@ -17292,7 +17219,7 @@
               <a:t>=</a:t>
             </a:r>
             <a:r>
-              <a:rPr lang="en-US" sz="2600" b="1" i="0" u="none" strike="noStrike" cap="none" dirty="0">
+              <a:rPr lang="en-US" sz="2600" i="0" u="none" strike="noStrike" cap="none" dirty="0">
                 <a:solidFill>
                   <a:srgbClr val="FF7F00"/>
                 </a:solidFill>
@@ -17304,7 +17231,7 @@
               <a:t> </a:t>
             </a:r>
             <a:r>
-              <a:rPr lang="en-US" sz="2600" b="1" i="0" u="none" strike="noStrike" cap="none" dirty="0" err="1">
+              <a:rPr lang="en-US" sz="2600" i="0" u="none" strike="noStrike" cap="none" dirty="0" err="1">
                 <a:solidFill>
                   <a:srgbClr val="00FF00"/>
                 </a:solidFill>
@@ -17316,7 +17243,7 @@
               <a:t>line.</a:t>
             </a:r>
             <a:r>
-              <a:rPr lang="en-US" sz="2600" b="1" i="0" u="none" strike="noStrike" cap="none" dirty="0" err="1">
+              <a:rPr lang="en-US" sz="2600" i="0" u="none" strike="noStrike" cap="none" dirty="0" err="1">
                 <a:solidFill>
                   <a:srgbClr val="FF00FF"/>
                 </a:solidFill>
@@ -17328,7 +17255,7 @@
               <a:t>split</a:t>
             </a:r>
             <a:r>
-              <a:rPr lang="en-US" sz="2600" b="1" i="0" u="none" strike="noStrike" cap="none" dirty="0">
+              <a:rPr lang="en-US" sz="2600" i="0" u="none" strike="noStrike" cap="none" dirty="0">
                 <a:solidFill>
                   <a:schemeClr val="lt1"/>
                 </a:solidFill>
@@ -17359,7 +17286,7 @@
               <a:buNone/>
             </a:pPr>
             <a:r>
-              <a:rPr lang="en-US" sz="2600" b="1" i="0" u="none" strike="noStrike" cap="none" dirty="0">
+              <a:rPr lang="en-US" sz="2600" i="0" u="none" strike="noStrike" cap="none" dirty="0">
                 <a:solidFill>
                   <a:schemeClr val="lt1"/>
                 </a:solidFill>
@@ -17371,7 +17298,7 @@
               <a:t>&gt;&gt;&gt; </a:t>
             </a:r>
             <a:r>
-              <a:rPr lang="en-US" sz="2600" b="1" i="0" u="none" strike="noStrike" cap="none" dirty="0" smtClean="0">
+              <a:rPr lang="en-US" sz="2600" i="0" u="none" strike="noStrike" cap="none" dirty="0" smtClean="0">
                 <a:solidFill>
                   <a:srgbClr val="FFFF00"/>
                 </a:solidFill>
@@ -17383,7 +17310,7 @@
               <a:t>print(</a:t>
             </a:r>
             <a:r>
-              <a:rPr lang="en-US" sz="2600" b="1" i="0" u="none" strike="noStrike" cap="none" dirty="0" err="1" smtClean="0">
+              <a:rPr lang="en-US" sz="2600" i="0" u="none" strike="noStrike" cap="none" dirty="0" err="1" smtClean="0">
                 <a:solidFill>
                   <a:srgbClr val="00FF00"/>
                 </a:solidFill>
@@ -17395,7 +17322,7 @@
               <a:t>etc</a:t>
             </a:r>
             <a:r>
-              <a:rPr lang="en-US" sz="2600" b="1" i="0" u="none" strike="noStrike" cap="none" dirty="0" smtClean="0">
+              <a:rPr lang="en-US" sz="2600" i="0" u="none" strike="noStrike" cap="none" dirty="0" smtClean="0">
                 <a:solidFill>
                   <a:srgbClr val="FFFF00"/>
                 </a:solidFill>
@@ -17406,7 +17333,7 @@
               </a:rPr>
               <a:t>)</a:t>
             </a:r>
-            <a:endParaRPr lang="en-US" sz="2600" b="1" i="0" u="none" strike="noStrike" cap="none" dirty="0">
+            <a:endParaRPr lang="en-US" sz="2600" i="0" u="none" strike="noStrike" cap="none" dirty="0">
               <a:solidFill>
                 <a:srgbClr val="FFFF00"/>
               </a:solidFill>
@@ -17435,7 +17362,7 @@
               <a:buNone/>
             </a:pPr>
             <a:r>
-              <a:rPr lang="en-US" sz="2600" b="1" i="0" u="none" strike="noStrike" cap="none" dirty="0">
+              <a:rPr lang="en-US" sz="2600" i="0" u="none" strike="noStrike" cap="none" dirty="0">
                 <a:solidFill>
                   <a:schemeClr val="lt1"/>
                 </a:solidFill>
@@ -17466,7 +17393,7 @@
               <a:buNone/>
             </a:pPr>
             <a:r>
-              <a:rPr lang="en-US" sz="2600" b="1" i="0" u="none" strike="noStrike" cap="none" dirty="0">
+              <a:rPr lang="en-US" sz="2600" i="0" u="none" strike="noStrike" cap="none" dirty="0">
                 <a:solidFill>
                   <a:schemeClr val="lt1"/>
                 </a:solidFill>
@@ -17497,7 +17424,7 @@
               <a:buNone/>
             </a:pPr>
             <a:r>
-              <a:rPr lang="en-US" sz="2600" b="1" i="0" u="none" strike="noStrike" cap="none" dirty="0">
+              <a:rPr lang="en-US" sz="2600" i="0" u="none" strike="noStrike" cap="none" dirty="0">
                 <a:solidFill>
                   <a:schemeClr val="lt1"/>
                 </a:solidFill>
@@ -17509,7 +17436,7 @@
               <a:t>&gt;&gt;&gt; </a:t>
             </a:r>
             <a:r>
-              <a:rPr lang="en-US" sz="2600" b="1" i="0" u="none" strike="noStrike" cap="none" dirty="0">
+              <a:rPr lang="en-US" sz="2600" i="0" u="none" strike="noStrike" cap="none" dirty="0">
                 <a:solidFill>
                   <a:srgbClr val="00FF00"/>
                 </a:solidFill>
@@ -17521,7 +17448,7 @@
               <a:t>line</a:t>
             </a:r>
             <a:r>
-              <a:rPr lang="en-US" sz="2600" b="1" i="0" u="none" strike="noStrike" cap="none" dirty="0">
+              <a:rPr lang="en-US" sz="2600" i="0" u="none" strike="noStrike" cap="none" dirty="0">
                 <a:solidFill>
                   <a:srgbClr val="FF7F00"/>
                 </a:solidFill>
@@ -17533,7 +17460,7 @@
               <a:t> </a:t>
             </a:r>
             <a:r>
-              <a:rPr lang="en-US" sz="2600" b="1" i="0" u="none" strike="noStrike" cap="none" dirty="0">
+              <a:rPr lang="en-US" sz="2600" i="0" u="none" strike="noStrike" cap="none" dirty="0">
                 <a:solidFill>
                   <a:schemeClr val="lt1"/>
                 </a:solidFill>
@@ -17545,7 +17472,7 @@
               <a:t>=</a:t>
             </a:r>
             <a:r>
-              <a:rPr lang="en-US" sz="2600" b="1" i="0" u="none" strike="noStrike" cap="none" dirty="0">
+              <a:rPr lang="en-US" sz="2600" i="0" u="none" strike="noStrike" cap="none" dirty="0">
                 <a:solidFill>
                   <a:srgbClr val="FF7F00"/>
                 </a:solidFill>
@@ -17557,7 +17484,7 @@
               <a:t> '</a:t>
             </a:r>
             <a:r>
-              <a:rPr lang="en-US" sz="2600" b="1" i="0" u="none" strike="noStrike" cap="none" dirty="0" err="1">
+              <a:rPr lang="en-US" sz="2600" i="0" u="none" strike="noStrike" cap="none" dirty="0" err="1">
                 <a:solidFill>
                   <a:srgbClr val="FF7F00"/>
                 </a:solidFill>
@@ -17569,7 +17496,7 @@
               <a:t>first</a:t>
             </a:r>
             <a:r>
-              <a:rPr lang="en-US" sz="2600" b="1" i="0" u="none" strike="noStrike" cap="none" dirty="0" err="1">
+              <a:rPr lang="en-US" sz="2600" i="0" u="none" strike="noStrike" cap="none" dirty="0" err="1">
                 <a:solidFill>
                   <a:srgbClr val="00FFFF"/>
                 </a:solidFill>
@@ -17581,7 +17508,7 @@
               <a:t>;</a:t>
             </a:r>
             <a:r>
-              <a:rPr lang="en-US" sz="2600" b="1" i="0" u="none" strike="noStrike" cap="none" dirty="0" err="1">
+              <a:rPr lang="en-US" sz="2600" i="0" u="none" strike="noStrike" cap="none" dirty="0" err="1">
                 <a:solidFill>
                   <a:srgbClr val="FF7F00"/>
                 </a:solidFill>
@@ -17593,7 +17520,7 @@
               <a:t>second</a:t>
             </a:r>
             <a:r>
-              <a:rPr lang="en-US" sz="2600" b="1" i="0" u="none" strike="noStrike" cap="none" dirty="0" err="1">
+              <a:rPr lang="en-US" sz="2600" i="0" u="none" strike="noStrike" cap="none" dirty="0" err="1">
                 <a:solidFill>
                   <a:srgbClr val="00FFFF"/>
                 </a:solidFill>
@@ -17605,7 +17532,7 @@
               <a:t>;</a:t>
             </a:r>
             <a:r>
-              <a:rPr lang="en-US" sz="2600" b="1" i="0" u="none" strike="noStrike" cap="none" dirty="0" err="1">
+              <a:rPr lang="en-US" sz="2600" i="0" u="none" strike="noStrike" cap="none" dirty="0" err="1">
                 <a:solidFill>
                   <a:srgbClr val="FF7F00"/>
                 </a:solidFill>
@@ -17617,7 +17544,7 @@
               <a:t>third</a:t>
             </a:r>
             <a:r>
-              <a:rPr lang="en-US" sz="2600" b="1" dirty="0">
+              <a:rPr lang="en-US" sz="2600" dirty="0">
                 <a:solidFill>
                   <a:srgbClr val="FF7F00"/>
                 </a:solidFill>
@@ -17648,7 +17575,7 @@
               <a:buNone/>
             </a:pPr>
             <a:r>
-              <a:rPr lang="en-US" sz="2600" b="1" i="0" u="none" strike="noStrike" cap="none" dirty="0">
+              <a:rPr lang="en-US" sz="2600" i="0" u="none" strike="noStrike" cap="none" dirty="0">
                 <a:solidFill>
                   <a:schemeClr val="lt1"/>
                 </a:solidFill>
@@ -17660,7 +17587,7 @@
               <a:t>&gt;&gt;&gt; </a:t>
             </a:r>
             <a:r>
-              <a:rPr lang="en-US" sz="2600" b="1" i="0" u="none" strike="noStrike" cap="none" dirty="0">
+              <a:rPr lang="en-US" sz="2600" i="0" u="none" strike="noStrike" cap="none" dirty="0">
                 <a:solidFill>
                   <a:srgbClr val="00FF00"/>
                 </a:solidFill>
@@ -17672,7 +17599,7 @@
               <a:t>thing</a:t>
             </a:r>
             <a:r>
-              <a:rPr lang="en-US" sz="2600" b="1" i="0" u="none" strike="noStrike" cap="none" dirty="0">
+              <a:rPr lang="en-US" sz="2600" i="0" u="none" strike="noStrike" cap="none" dirty="0">
                 <a:solidFill>
                   <a:srgbClr val="FF7F00"/>
                 </a:solidFill>
@@ -17684,7 +17611,7 @@
               <a:t> </a:t>
             </a:r>
             <a:r>
-              <a:rPr lang="en-US" sz="2600" b="1" i="0" u="none" strike="noStrike" cap="none" dirty="0">
+              <a:rPr lang="en-US" sz="2600" i="0" u="none" strike="noStrike" cap="none" dirty="0">
                 <a:solidFill>
                   <a:schemeClr val="lt1"/>
                 </a:solidFill>
@@ -17696,7 +17623,7 @@
               <a:t>=</a:t>
             </a:r>
             <a:r>
-              <a:rPr lang="en-US" sz="2600" b="1" i="0" u="none" strike="noStrike" cap="none" dirty="0">
+              <a:rPr lang="en-US" sz="2600" i="0" u="none" strike="noStrike" cap="none" dirty="0">
                 <a:solidFill>
                   <a:srgbClr val="00FF00"/>
                 </a:solidFill>
@@ -17708,7 +17635,7 @@
               <a:t> </a:t>
             </a:r>
             <a:r>
-              <a:rPr lang="en-US" sz="2600" b="1" i="0" u="none" strike="noStrike" cap="none" dirty="0" err="1">
+              <a:rPr lang="en-US" sz="2600" i="0" u="none" strike="noStrike" cap="none" dirty="0" err="1">
                 <a:solidFill>
                   <a:srgbClr val="00FF00"/>
                 </a:solidFill>
@@ -17720,7 +17647,7 @@
               <a:t>line</a:t>
             </a:r>
             <a:r>
-              <a:rPr lang="en-US" sz="2600" b="1" i="0" u="none" strike="noStrike" cap="none" dirty="0" err="1">
+              <a:rPr lang="en-US" sz="2600" i="0" u="none" strike="noStrike" cap="none" dirty="0" err="1">
                 <a:solidFill>
                   <a:srgbClr val="FF00FF"/>
                 </a:solidFill>
@@ -17732,7 +17659,7 @@
               <a:t>.split</a:t>
             </a:r>
             <a:r>
-              <a:rPr lang="en-US" sz="2600" b="1" i="0" u="none" strike="noStrike" cap="none" dirty="0">
+              <a:rPr lang="en-US" sz="2600" i="0" u="none" strike="noStrike" cap="none" dirty="0">
                 <a:solidFill>
                   <a:schemeClr val="lt1"/>
                 </a:solidFill>
@@ -17752,7 +17679,7 @@
               <a:buSzPct val="25000"/>
             </a:pPr>
             <a:r>
-              <a:rPr lang="en-US" sz="2600" b="1" i="0" u="none" strike="noStrike" cap="none" dirty="0">
+              <a:rPr lang="en-US" sz="2600" i="0" u="none" strike="noStrike" cap="none" dirty="0">
                 <a:solidFill>
                   <a:schemeClr val="lt1"/>
                 </a:solidFill>
@@ -17764,7 +17691,7 @@
               <a:t>&gt;&gt;&gt; </a:t>
             </a:r>
             <a:r>
-              <a:rPr lang="en-US" sz="2600" b="1" i="0" u="none" strike="noStrike" cap="none" dirty="0" smtClean="0">
+              <a:rPr lang="en-US" sz="2600" i="0" u="none" strike="noStrike" cap="none" dirty="0" smtClean="0">
                 <a:solidFill>
                   <a:srgbClr val="FFFF00"/>
                 </a:solidFill>
@@ -17776,7 +17703,7 @@
               <a:t>print(</a:t>
             </a:r>
             <a:r>
-              <a:rPr lang="en-US" sz="2600" b="1" i="0" u="none" strike="noStrike" cap="none" dirty="0" smtClean="0">
+              <a:rPr lang="en-US" sz="2600" i="0" u="none" strike="noStrike" cap="none" dirty="0" smtClean="0">
                 <a:solidFill>
                   <a:srgbClr val="00FF00"/>
                 </a:solidFill>
@@ -17788,7 +17715,7 @@
               <a:t>thing</a:t>
             </a:r>
             <a:r>
-              <a:rPr lang="en-US" sz="2600" b="1" dirty="0" smtClean="0">
+              <a:rPr lang="en-US" sz="2600" dirty="0" smtClean="0">
                 <a:solidFill>
                   <a:srgbClr val="FFFF00"/>
                 </a:solidFill>
@@ -17799,7 +17726,7 @@
               </a:rPr>
               <a:t>)</a:t>
             </a:r>
-            <a:endParaRPr lang="en-US" sz="2600" b="1" i="0" u="none" strike="noStrike" cap="none" dirty="0">
+            <a:endParaRPr lang="en-US" sz="2600" i="0" u="none" strike="noStrike" cap="none" dirty="0">
               <a:solidFill>
                 <a:srgbClr val="00FF00"/>
               </a:solidFill>
@@ -17828,7 +17755,7 @@
               <a:buNone/>
             </a:pPr>
             <a:r>
-              <a:rPr lang="en-US" sz="2600" b="1" i="0" u="none" strike="noStrike" cap="none" dirty="0">
+              <a:rPr lang="en-US" sz="2600" i="0" u="none" strike="noStrike" cap="none" dirty="0">
                 <a:solidFill>
                   <a:schemeClr val="lt1"/>
                 </a:solidFill>
@@ -17840,7 +17767,7 @@
               <a:t>['</a:t>
             </a:r>
             <a:r>
-              <a:rPr lang="en-US" sz="2600" b="1" i="0" u="none" strike="noStrike" cap="none" dirty="0" err="1">
+              <a:rPr lang="en-US" sz="2600" i="0" u="none" strike="noStrike" cap="none" dirty="0" err="1">
                 <a:solidFill>
                   <a:schemeClr val="lt1"/>
                 </a:solidFill>
@@ -17852,7 +17779,7 @@
               <a:t>first;second;third</a:t>
             </a:r>
             <a:r>
-              <a:rPr lang="en-US" sz="2600" b="1" i="0" u="none" strike="noStrike" cap="none" dirty="0">
+              <a:rPr lang="en-US" sz="2600" i="0" u="none" strike="noStrike" cap="none" dirty="0">
                 <a:solidFill>
                   <a:schemeClr val="lt1"/>
                 </a:solidFill>
@@ -17872,7 +17799,7 @@
               <a:buSzPct val="25000"/>
             </a:pPr>
             <a:r>
-              <a:rPr lang="en-US" sz="2600" b="1" i="0" u="none" strike="noStrike" cap="none" dirty="0">
+              <a:rPr lang="en-US" sz="2600" i="0" u="none" strike="noStrike" cap="none" dirty="0">
                 <a:solidFill>
                   <a:schemeClr val="lt1"/>
                 </a:solidFill>
@@ -17884,7 +17811,7 @@
               <a:t>&gt;&gt;&gt; </a:t>
             </a:r>
             <a:r>
-              <a:rPr lang="en-US" sz="2600" b="1" i="0" u="none" strike="noStrike" cap="none" dirty="0" smtClean="0">
+              <a:rPr lang="en-US" sz="2600" i="0" u="none" strike="noStrike" cap="none" dirty="0" smtClean="0">
                 <a:solidFill>
                   <a:srgbClr val="FFFF00"/>
                 </a:solidFill>
@@ -17896,7 +17823,7 @@
               <a:t>print(</a:t>
             </a:r>
             <a:r>
-              <a:rPr lang="en-US" sz="2600" b="1" i="0" u="none" strike="noStrike" cap="none" dirty="0" err="1" smtClean="0">
+              <a:rPr lang="en-US" sz="2600" i="0" u="none" strike="noStrike" cap="none" dirty="0" err="1" smtClean="0">
                 <a:solidFill>
                   <a:srgbClr val="FF00FF"/>
                 </a:solidFill>
@@ -17908,7 +17835,7 @@
               <a:t>len</a:t>
             </a:r>
             <a:r>
-              <a:rPr lang="en-US" sz="2600" b="1" i="0" u="none" strike="noStrike" cap="none" dirty="0" smtClean="0">
+              <a:rPr lang="en-US" sz="2600" i="0" u="none" strike="noStrike" cap="none" dirty="0" smtClean="0">
                 <a:solidFill>
                   <a:schemeClr val="lt1"/>
                 </a:solidFill>
@@ -17920,7 +17847,7 @@
               <a:t>(</a:t>
             </a:r>
             <a:r>
-              <a:rPr lang="en-US" sz="2600" b="1" i="0" u="none" strike="noStrike" cap="none" dirty="0" smtClean="0">
+              <a:rPr lang="en-US" sz="2600" i="0" u="none" strike="noStrike" cap="none" dirty="0" smtClean="0">
                 <a:solidFill>
                   <a:srgbClr val="00FF00"/>
                 </a:solidFill>
@@ -17932,7 +17859,7 @@
               <a:t>thing</a:t>
             </a:r>
             <a:r>
-              <a:rPr lang="en-US" sz="2600" b="1" i="0" u="none" strike="noStrike" cap="none" dirty="0" smtClean="0">
+              <a:rPr lang="en-US" sz="2600" i="0" u="none" strike="noStrike" cap="none" dirty="0" smtClean="0">
                 <a:solidFill>
                   <a:schemeClr val="lt1"/>
                 </a:solidFill>
@@ -17944,7 +17871,7 @@
               <a:t>)</a:t>
             </a:r>
             <a:r>
-              <a:rPr lang="en-US" sz="2600" b="1" dirty="0" smtClean="0">
+              <a:rPr lang="en-US" sz="2600" dirty="0" smtClean="0">
                 <a:solidFill>
                   <a:srgbClr val="FFFF00"/>
                 </a:solidFill>
@@ -17955,7 +17882,7 @@
               </a:rPr>
               <a:t>)</a:t>
             </a:r>
-            <a:endParaRPr lang="en-US" sz="2600" b="1" i="0" u="none" strike="noStrike" cap="none" dirty="0">
+            <a:endParaRPr lang="en-US" sz="2600" i="0" u="none" strike="noStrike" cap="none" dirty="0">
               <a:solidFill>
                 <a:schemeClr val="lt1"/>
               </a:solidFill>
@@ -17984,7 +17911,7 @@
               <a:buNone/>
             </a:pPr>
             <a:r>
-              <a:rPr lang="en-US" sz="2600" b="1" i="0" u="none" strike="noStrike" cap="none" dirty="0" smtClean="0">
+              <a:rPr lang="en-US" sz="2600" i="0" u="none" strike="noStrike" cap="none" dirty="0" smtClean="0">
                 <a:solidFill>
                   <a:schemeClr val="lt1"/>
                 </a:solidFill>
@@ -18015,7 +17942,7 @@
               <a:buNone/>
             </a:pPr>
             <a:r>
-              <a:rPr lang="en-US" sz="2600" b="1" i="0" u="none" strike="noStrike" cap="none" dirty="0" smtClean="0">
+              <a:rPr lang="en-US" sz="2600" i="0" u="none" strike="noStrike" cap="none" dirty="0" smtClean="0">
                 <a:solidFill>
                   <a:schemeClr val="lt1"/>
                 </a:solidFill>
@@ -18027,7 +17954,7 @@
               <a:t>&gt;&gt;&gt; </a:t>
             </a:r>
             <a:r>
-              <a:rPr lang="en-US" sz="2600" b="1" i="0" u="none" strike="noStrike" cap="none" dirty="0">
+              <a:rPr lang="en-US" sz="2600" i="0" u="none" strike="noStrike" cap="none" dirty="0">
                 <a:solidFill>
                   <a:srgbClr val="00FF00"/>
                 </a:solidFill>
@@ -18039,7 +17966,7 @@
               <a:t>thing</a:t>
             </a:r>
             <a:r>
-              <a:rPr lang="en-US" sz="2600" b="1" i="0" u="none" strike="noStrike" cap="none" dirty="0">
+              <a:rPr lang="en-US" sz="2600" i="0" u="none" strike="noStrike" cap="none" dirty="0">
                 <a:solidFill>
                   <a:srgbClr val="FF7F00"/>
                 </a:solidFill>
@@ -18051,7 +17978,7 @@
               <a:t> </a:t>
             </a:r>
             <a:r>
-              <a:rPr lang="en-US" sz="2600" b="1" i="0" u="none" strike="noStrike" cap="none" dirty="0">
+              <a:rPr lang="en-US" sz="2600" i="0" u="none" strike="noStrike" cap="none" dirty="0">
                 <a:solidFill>
                   <a:schemeClr val="lt1"/>
                 </a:solidFill>
@@ -18063,7 +17990,7 @@
               <a:t>=</a:t>
             </a:r>
             <a:r>
-              <a:rPr lang="en-US" sz="2600" b="1" i="0" u="none" strike="noStrike" cap="none" dirty="0">
+              <a:rPr lang="en-US" sz="2600" i="0" u="none" strike="noStrike" cap="none" dirty="0">
                 <a:solidFill>
                   <a:srgbClr val="FF7F00"/>
                 </a:solidFill>
@@ -18075,7 +18002,7 @@
               <a:t> </a:t>
             </a:r>
             <a:r>
-              <a:rPr lang="en-US" sz="2600" b="1" i="0" u="none" strike="noStrike" cap="none" dirty="0" err="1">
+              <a:rPr lang="en-US" sz="2600" i="0" u="none" strike="noStrike" cap="none" dirty="0" err="1">
                 <a:solidFill>
                   <a:srgbClr val="00FF00"/>
                 </a:solidFill>
@@ -18087,7 +18014,7 @@
               <a:t>line</a:t>
             </a:r>
             <a:r>
-              <a:rPr lang="en-US" sz="2600" b="1" i="0" u="none" strike="noStrike" cap="none" dirty="0" err="1">
+              <a:rPr lang="en-US" sz="2600" i="0" u="none" strike="noStrike" cap="none" dirty="0" err="1">
                 <a:solidFill>
                   <a:srgbClr val="FF00FF"/>
                 </a:solidFill>
@@ -18099,7 +18026,7 @@
               <a:t>.split</a:t>
             </a:r>
             <a:r>
-              <a:rPr lang="en-US" sz="2600" b="1" i="0" u="none" strike="noStrike" cap="none" dirty="0">
+              <a:rPr lang="en-US" sz="2600" i="0" u="none" strike="noStrike" cap="none" dirty="0">
                 <a:solidFill>
                   <a:schemeClr val="lt1"/>
                 </a:solidFill>
@@ -18111,7 +18038,7 @@
               <a:t>(</a:t>
             </a:r>
             <a:r>
-              <a:rPr lang="en-US" sz="2600" b="1" i="0" u="none" strike="noStrike" cap="none" dirty="0">
+              <a:rPr lang="en-US" sz="2600" i="0" u="none" strike="noStrike" cap="none" dirty="0">
                 <a:solidFill>
                   <a:srgbClr val="00FFFF"/>
                 </a:solidFill>
@@ -18123,7 +18050,7 @@
               <a:t>';'</a:t>
             </a:r>
             <a:r>
-              <a:rPr lang="en-US" sz="2600" b="1" i="0" u="none" strike="noStrike" cap="none" dirty="0">
+              <a:rPr lang="en-US" sz="2600" i="0" u="none" strike="noStrike" cap="none" dirty="0">
                 <a:solidFill>
                   <a:schemeClr val="lt1"/>
                 </a:solidFill>
@@ -18143,7 +18070,7 @@
               <a:buSzPct val="25000"/>
             </a:pPr>
             <a:r>
-              <a:rPr lang="en-US" sz="2600" b="1" i="0" u="none" strike="noStrike" cap="none" dirty="0">
+              <a:rPr lang="en-US" sz="2600" i="0" u="none" strike="noStrike" cap="none" dirty="0">
                 <a:solidFill>
                   <a:schemeClr val="lt1"/>
                 </a:solidFill>
@@ -18155,7 +18082,7 @@
               <a:t>&gt;&gt;&gt; </a:t>
             </a:r>
             <a:r>
-              <a:rPr lang="en-US" sz="2600" b="1" i="0" u="none" strike="noStrike" cap="none" dirty="0" smtClean="0">
+              <a:rPr lang="en-US" sz="2600" i="0" u="none" strike="noStrike" cap="none" dirty="0" smtClean="0">
                 <a:solidFill>
                   <a:srgbClr val="FFFF00"/>
                 </a:solidFill>
@@ -18167,7 +18094,7 @@
               <a:t>print(</a:t>
             </a:r>
             <a:r>
-              <a:rPr lang="en-US" sz="2600" b="1" i="0" u="none" strike="noStrike" cap="none" dirty="0" smtClean="0">
+              <a:rPr lang="en-US" sz="2600" i="0" u="none" strike="noStrike" cap="none" dirty="0" smtClean="0">
                 <a:solidFill>
                   <a:srgbClr val="00FF00"/>
                 </a:solidFill>
@@ -18179,7 +18106,7 @@
               <a:t>thing</a:t>
             </a:r>
             <a:r>
-              <a:rPr lang="en-US" sz="2600" b="1" dirty="0" smtClean="0">
+              <a:rPr lang="en-US" sz="2600" dirty="0" smtClean="0">
                 <a:solidFill>
                   <a:srgbClr val="FFFF00"/>
                 </a:solidFill>
@@ -18190,7 +18117,7 @@
               </a:rPr>
               <a:t>)</a:t>
             </a:r>
-            <a:endParaRPr lang="en-US" sz="2600" b="1" i="0" u="none" strike="noStrike" cap="none" dirty="0">
+            <a:endParaRPr lang="en-US" sz="2600" i="0" u="none" strike="noStrike" cap="none" dirty="0">
               <a:solidFill>
                 <a:srgbClr val="00FF00"/>
               </a:solidFill>
@@ -18219,7 +18146,7 @@
               <a:buNone/>
             </a:pPr>
             <a:r>
-              <a:rPr lang="en-US" sz="2600" b="1" i="0" u="none" strike="noStrike" cap="none" dirty="0">
+              <a:rPr lang="en-US" sz="2600" i="0" u="none" strike="noStrike" cap="none" dirty="0">
                 <a:solidFill>
                   <a:schemeClr val="lt1"/>
                 </a:solidFill>
@@ -18239,7 +18166,7 @@
               <a:buSzPct val="25000"/>
             </a:pPr>
             <a:r>
-              <a:rPr lang="en-US" sz="2600" b="1" i="0" u="none" strike="noStrike" cap="none" dirty="0">
+              <a:rPr lang="en-US" sz="2600" i="0" u="none" strike="noStrike" cap="none" dirty="0">
                 <a:solidFill>
                   <a:schemeClr val="lt1"/>
                 </a:solidFill>
@@ -18251,7 +18178,7 @@
               <a:t>&gt;&gt;&gt; </a:t>
             </a:r>
             <a:r>
-              <a:rPr lang="en-US" sz="2600" b="1" i="0" u="none" strike="noStrike" cap="none" dirty="0" smtClean="0">
+              <a:rPr lang="en-US" sz="2600" i="0" u="none" strike="noStrike" cap="none" dirty="0" smtClean="0">
                 <a:solidFill>
                   <a:srgbClr val="FFFF00"/>
                 </a:solidFill>
@@ -18263,7 +18190,7 @@
               <a:t>print(</a:t>
             </a:r>
             <a:r>
-              <a:rPr lang="en-US" sz="2600" b="1" i="0" u="none" strike="noStrike" cap="none" dirty="0" err="1" smtClean="0">
+              <a:rPr lang="en-US" sz="2600" i="0" u="none" strike="noStrike" cap="none" dirty="0" err="1" smtClean="0">
                 <a:solidFill>
                   <a:srgbClr val="FF00FF"/>
                 </a:solidFill>
@@ -18275,7 +18202,7 @@
               <a:t>len</a:t>
             </a:r>
             <a:r>
-              <a:rPr lang="en-US" sz="2600" b="1" i="0" u="none" strike="noStrike" cap="none" dirty="0" smtClean="0">
+              <a:rPr lang="en-US" sz="2600" i="0" u="none" strike="noStrike" cap="none" dirty="0" smtClean="0">
                 <a:solidFill>
                   <a:schemeClr val="lt1"/>
                 </a:solidFill>
@@ -18287,7 +18214,7 @@
               <a:t>(</a:t>
             </a:r>
             <a:r>
-              <a:rPr lang="en-US" sz="2600" b="1" i="0" u="none" strike="noStrike" cap="none" dirty="0" smtClean="0">
+              <a:rPr lang="en-US" sz="2600" i="0" u="none" strike="noStrike" cap="none" dirty="0" smtClean="0">
                 <a:solidFill>
                   <a:srgbClr val="00FF00"/>
                 </a:solidFill>
@@ -18299,7 +18226,7 @@
               <a:t>thing</a:t>
             </a:r>
             <a:r>
-              <a:rPr lang="en-US" sz="2600" b="1" i="0" u="none" strike="noStrike" cap="none" dirty="0" smtClean="0">
+              <a:rPr lang="en-US" sz="2600" i="0" u="none" strike="noStrike" cap="none" dirty="0" smtClean="0">
                 <a:solidFill>
                   <a:schemeClr val="lt1"/>
                 </a:solidFill>
@@ -18311,7 +18238,7 @@
               <a:t>)</a:t>
             </a:r>
             <a:r>
-              <a:rPr lang="en-US" sz="2600" b="1" dirty="0" smtClean="0">
+              <a:rPr lang="en-US" sz="2600" dirty="0" smtClean="0">
                 <a:solidFill>
                   <a:srgbClr val="FFFF00"/>
                 </a:solidFill>
@@ -18322,7 +18249,7 @@
               </a:rPr>
               <a:t>)</a:t>
             </a:r>
-            <a:endParaRPr lang="en-US" sz="2600" b="1" i="0" u="none" strike="noStrike" cap="none" dirty="0">
+            <a:endParaRPr lang="en-US" sz="2600" i="0" u="none" strike="noStrike" cap="none" dirty="0">
               <a:solidFill>
                 <a:schemeClr val="lt1"/>
               </a:solidFill>
@@ -18351,7 +18278,7 @@
               <a:buNone/>
             </a:pPr>
             <a:r>
-              <a:rPr lang="en-US" sz="2600" b="1" i="0" u="none" strike="noStrike" cap="none" dirty="0">
+              <a:rPr lang="en-US" sz="2600" i="0" u="none" strike="noStrike" cap="none" dirty="0">
                 <a:solidFill>
                   <a:schemeClr val="lt1"/>
                 </a:solidFill>
@@ -18382,7 +18309,7 @@
               <a:buNone/>
             </a:pPr>
             <a:r>
-              <a:rPr lang="en-US" sz="2600" b="1" i="0" u="none" strike="noStrike" cap="none" dirty="0">
+              <a:rPr lang="en-US" sz="2600" i="0" u="none" strike="noStrike" cap="none" dirty="0">
                 <a:solidFill>
                   <a:schemeClr val="lt1"/>
                 </a:solidFill>
@@ -18404,8 +18331,8 @@
         </p:nvSpPr>
         <p:spPr>
           <a:xfrm>
-            <a:off x="9633044" y="3465488"/>
-            <a:ext cx="6490311" cy="1610699"/>
+            <a:off x="9226644" y="2209800"/>
+            <a:ext cx="6490311" cy="4013200"/>
           </a:xfrm>
           <a:prstGeom prst="rect">
             <a:avLst/>
@@ -18439,7 +18366,7 @@
               <a:buChar char="●"/>
             </a:pPr>
             <a:r>
-              <a:rPr lang="en-US" sz="3000" u="none" strike="noStrike" cap="none">
+              <a:rPr lang="en-US" sz="3000" u="none" strike="noStrike" cap="none" dirty="0">
                 <a:solidFill>
                   <a:schemeClr val="lt1"/>
                 </a:solidFill>
@@ -18451,7 +18378,7 @@
               <a:t>When you do not specify a </a:t>
             </a:r>
             <a:r>
-              <a:rPr lang="en-US" sz="3000" u="none" strike="noStrike" cap="none">
+              <a:rPr lang="en-US" sz="3000" u="none" strike="noStrike" cap="none" dirty="0">
                 <a:solidFill>
                   <a:srgbClr val="00FFFF"/>
                 </a:solidFill>
@@ -18463,7 +18390,7 @@
               <a:t>delimiter</a:t>
             </a:r>
             <a:r>
-              <a:rPr lang="en-US" sz="3000" u="none" strike="noStrike" cap="none">
+              <a:rPr lang="en-US" sz="3000" u="none" strike="noStrike" cap="none" dirty="0">
                 <a:solidFill>
                   <a:schemeClr val="lt1"/>
                 </a:solidFill>
@@ -18475,7 +18402,7 @@
               <a:t>, multiple spaces are treated like</a:t>
             </a:r>
             <a:r>
-              <a:rPr lang="en-US" sz="3000">
+              <a:rPr lang="en-US" sz="3000" dirty="0">
                 <a:solidFill>
                   <a:schemeClr val="lt1"/>
                 </a:solidFill>
@@ -18487,7 +18414,7 @@
               <a:t> </a:t>
             </a:r>
             <a:r>
-              <a:rPr lang="en-US" sz="3000" u="none" strike="noStrike" cap="none">
+              <a:rPr lang="en-US" sz="3000" u="none" strike="noStrike" cap="none" dirty="0">
                 <a:solidFill>
                   <a:schemeClr val="lt1"/>
                 </a:solidFill>
@@ -18654,7 +18581,7 @@
               <a:t> </a:t>
             </a:r>
             <a:r>
-              <a:rPr lang="en-US" sz="2400" b="1" i="0" u="none" strike="noStrike" cap="none" dirty="0" err="1">
+              <a:rPr lang="en-US" sz="2400" i="0" u="none" strike="noStrike" cap="none" dirty="0" err="1">
                 <a:solidFill>
                   <a:srgbClr val="00FF00"/>
                 </a:solidFill>
@@ -18666,7 +18593,7 @@
               <a:t>fhand</a:t>
             </a:r>
             <a:r>
-              <a:rPr lang="en-US" sz="2400" b="1" i="0" u="none" strike="noStrike" cap="none" dirty="0">
+              <a:rPr lang="en-US" sz="2400" i="0" u="none" strike="noStrike" cap="none" dirty="0">
                 <a:solidFill>
                   <a:schemeClr val="lt1"/>
                 </a:solidFill>
@@ -18678,7 +18605,7 @@
               <a:t> = </a:t>
             </a:r>
             <a:r>
-              <a:rPr lang="en-US" sz="2400" b="1" i="0" u="none" strike="noStrike" cap="none" dirty="0">
+              <a:rPr lang="en-US" sz="2400" i="0" u="none" strike="noStrike" cap="none" dirty="0">
                 <a:solidFill>
                   <a:srgbClr val="FF00FF"/>
                 </a:solidFill>
@@ -18690,7 +18617,7 @@
               <a:t>open</a:t>
             </a:r>
             <a:r>
-              <a:rPr lang="en-US" sz="2400" b="1" i="0" u="none" strike="noStrike" cap="none" dirty="0">
+              <a:rPr lang="en-US" sz="2400" i="0" u="none" strike="noStrike" cap="none" dirty="0">
                 <a:solidFill>
                   <a:schemeClr val="lt1"/>
                 </a:solidFill>
@@ -18702,7 +18629,7 @@
               <a:t>('</a:t>
             </a:r>
             <a:r>
-              <a:rPr lang="en-US" sz="2400" b="1" i="0" u="none" strike="noStrike" cap="none" dirty="0" err="1">
+              <a:rPr lang="en-US" sz="2400" i="0" u="none" strike="noStrike" cap="none" dirty="0" err="1">
                 <a:solidFill>
                   <a:schemeClr val="lt1"/>
                 </a:solidFill>
@@ -18714,7 +18641,7 @@
               <a:t>mbox-short.txt</a:t>
             </a:r>
             <a:r>
-              <a:rPr lang="en-US" sz="2400" b="1" i="0" u="none" strike="noStrike" cap="none" dirty="0">
+              <a:rPr lang="en-US" sz="2400" i="0" u="none" strike="noStrike" cap="none" dirty="0">
                 <a:solidFill>
                   <a:schemeClr val="lt1"/>
                 </a:solidFill>
@@ -18745,7 +18672,7 @@
               <a:buNone/>
             </a:pPr>
             <a:r>
-              <a:rPr lang="en-US" sz="2400" b="1" dirty="0">
+              <a:rPr lang="en-US" sz="2400" dirty="0">
                 <a:solidFill>
                   <a:srgbClr val="FFFF00"/>
                 </a:solidFill>
@@ -18757,7 +18684,7 @@
               <a:t> </a:t>
             </a:r>
             <a:r>
-              <a:rPr lang="en-US" sz="2400" b="1" i="0" u="none" strike="noStrike" cap="none" dirty="0">
+              <a:rPr lang="en-US" sz="2400" i="0" u="none" strike="noStrike" cap="none" dirty="0">
                 <a:solidFill>
                   <a:srgbClr val="FFFF00"/>
                 </a:solidFill>
@@ -18769,7 +18696,7 @@
               <a:t>for</a:t>
             </a:r>
             <a:r>
-              <a:rPr lang="en-US" sz="2400" b="1" i="0" u="none" strike="noStrike" cap="none" dirty="0">
+              <a:rPr lang="en-US" sz="2400" i="0" u="none" strike="noStrike" cap="none" dirty="0">
                 <a:solidFill>
                   <a:schemeClr val="lt1"/>
                 </a:solidFill>
@@ -18781,7 +18708,7 @@
               <a:t> </a:t>
             </a:r>
             <a:r>
-              <a:rPr lang="en-US" sz="2400" b="1" i="0" u="none" strike="noStrike" cap="none" dirty="0">
+              <a:rPr lang="en-US" sz="2400" i="0" u="none" strike="noStrike" cap="none" dirty="0">
                 <a:solidFill>
                   <a:srgbClr val="00FF00"/>
                 </a:solidFill>
@@ -18793,7 +18720,7 @@
               <a:t>line</a:t>
             </a:r>
             <a:r>
-              <a:rPr lang="en-US" sz="2400" b="1" i="0" u="none" strike="noStrike" cap="none" dirty="0">
+              <a:rPr lang="en-US" sz="2400" i="0" u="none" strike="noStrike" cap="none" dirty="0">
                 <a:solidFill>
                   <a:schemeClr val="lt1"/>
                 </a:solidFill>
@@ -18805,7 +18732,7 @@
               <a:t> </a:t>
             </a:r>
             <a:r>
-              <a:rPr lang="en-US" sz="2400" b="1" i="0" u="none" strike="noStrike" cap="none" dirty="0">
+              <a:rPr lang="en-US" sz="2400" i="0" u="none" strike="noStrike" cap="none" dirty="0">
                 <a:solidFill>
                   <a:srgbClr val="FFFF00"/>
                 </a:solidFill>
@@ -18817,7 +18744,7 @@
               <a:t>in</a:t>
             </a:r>
             <a:r>
-              <a:rPr lang="en-US" sz="2400" b="1" i="0" u="none" strike="noStrike" cap="none" dirty="0">
+              <a:rPr lang="en-US" sz="2400" i="0" u="none" strike="noStrike" cap="none" dirty="0">
                 <a:solidFill>
                   <a:schemeClr val="lt1"/>
                 </a:solidFill>
@@ -18829,7 +18756,7 @@
               <a:t> </a:t>
             </a:r>
             <a:r>
-              <a:rPr lang="en-US" sz="2400" b="1" i="0" u="none" strike="noStrike" cap="none" dirty="0" err="1">
+              <a:rPr lang="en-US" sz="2400" i="0" u="none" strike="noStrike" cap="none" dirty="0" err="1">
                 <a:solidFill>
                   <a:srgbClr val="00FF00"/>
                 </a:solidFill>
@@ -18841,7 +18768,7 @@
               <a:t>fhand</a:t>
             </a:r>
             <a:r>
-              <a:rPr lang="en-US" sz="2400" b="1" i="0" u="none" strike="noStrike" cap="none" dirty="0">
+              <a:rPr lang="en-US" sz="2400" i="0" u="none" strike="noStrike" cap="none" dirty="0">
                 <a:solidFill>
                   <a:schemeClr val="lt1"/>
                 </a:solidFill>
@@ -18872,7 +18799,7 @@
               <a:buNone/>
             </a:pPr>
             <a:r>
-              <a:rPr lang="en-US" sz="2400" b="1" i="0" u="none" strike="noStrike" cap="none" dirty="0">
+              <a:rPr lang="en-US" sz="2400" i="0" u="none" strike="noStrike" cap="none" dirty="0">
                 <a:solidFill>
                   <a:schemeClr val="lt1"/>
                 </a:solidFill>
@@ -18884,7 +18811,7 @@
               <a:t>     </a:t>
             </a:r>
             <a:r>
-              <a:rPr lang="en-US" sz="2400" b="1" i="0" u="none" strike="noStrike" cap="none" dirty="0">
+              <a:rPr lang="en-US" sz="2400" i="0" u="none" strike="noStrike" cap="none" dirty="0">
                 <a:solidFill>
                   <a:srgbClr val="00FF00"/>
                 </a:solidFill>
@@ -18896,7 +18823,7 @@
               <a:t>line</a:t>
             </a:r>
             <a:r>
-              <a:rPr lang="en-US" sz="2400" b="1" i="0" u="none" strike="noStrike" cap="none" dirty="0">
+              <a:rPr lang="en-US" sz="2400" i="0" u="none" strike="noStrike" cap="none" dirty="0">
                 <a:solidFill>
                   <a:schemeClr val="lt1"/>
                 </a:solidFill>
@@ -18908,7 +18835,7 @@
               <a:t> = </a:t>
             </a:r>
             <a:r>
-              <a:rPr lang="en-US" sz="2400" b="1" i="0" u="none" strike="noStrike" cap="none" dirty="0" err="1">
+              <a:rPr lang="en-US" sz="2400" i="0" u="none" strike="noStrike" cap="none" dirty="0" err="1">
                 <a:solidFill>
                   <a:srgbClr val="00FF00"/>
                 </a:solidFill>
@@ -18920,7 +18847,7 @@
               <a:t>line</a:t>
             </a:r>
             <a:r>
-              <a:rPr lang="en-US" sz="2400" b="1" i="0" u="none" strike="noStrike" cap="none" dirty="0" err="1">
+              <a:rPr lang="en-US" sz="2400" i="0" u="none" strike="noStrike" cap="none" dirty="0" err="1">
                 <a:solidFill>
                   <a:srgbClr val="FF00FF"/>
                 </a:solidFill>
@@ -18932,7 +18859,7 @@
               <a:t>.rstrip</a:t>
             </a:r>
             <a:r>
-              <a:rPr lang="en-US" sz="2400" b="1" i="0" u="none" strike="noStrike" cap="none" dirty="0">
+              <a:rPr lang="en-US" sz="2400" i="0" u="none" strike="noStrike" cap="none" dirty="0">
                 <a:solidFill>
                   <a:schemeClr val="lt1"/>
                 </a:solidFill>
@@ -18963,7 +18890,7 @@
               <a:buNone/>
             </a:pPr>
             <a:r>
-              <a:rPr lang="en-US" sz="2400" b="1" i="0" u="none" strike="noStrike" cap="none" dirty="0">
+              <a:rPr lang="en-US" sz="2400" i="0" u="none" strike="noStrike" cap="none" dirty="0">
                 <a:solidFill>
                   <a:schemeClr val="lt1"/>
                 </a:solidFill>
@@ -18975,7 +18902,7 @@
               <a:t>     </a:t>
             </a:r>
             <a:r>
-              <a:rPr lang="en-US" sz="2400" b="1" i="0" u="none" strike="noStrike" cap="none" dirty="0">
+              <a:rPr lang="en-US" sz="2400" i="0" u="none" strike="noStrike" cap="none" dirty="0">
                 <a:solidFill>
                   <a:srgbClr val="FFFF00"/>
                 </a:solidFill>
@@ -18987,7 +18914,7 @@
               <a:t>if not</a:t>
             </a:r>
             <a:r>
-              <a:rPr lang="en-US" sz="2400" b="1" i="0" u="none" strike="noStrike" cap="none" dirty="0">
+              <a:rPr lang="en-US" sz="2400" i="0" u="none" strike="noStrike" cap="none" dirty="0">
                 <a:solidFill>
                   <a:schemeClr val="lt1"/>
                 </a:solidFill>
@@ -18999,7 +18926,7 @@
               <a:t> </a:t>
             </a:r>
             <a:r>
-              <a:rPr lang="en-US" sz="2400" b="1" i="0" u="none" strike="noStrike" cap="none" dirty="0" err="1">
+              <a:rPr lang="en-US" sz="2400" i="0" u="none" strike="noStrike" cap="none" dirty="0" err="1">
                 <a:solidFill>
                   <a:srgbClr val="00FF00"/>
                 </a:solidFill>
@@ -19011,7 +18938,7 @@
               <a:t>line</a:t>
             </a:r>
             <a:r>
-              <a:rPr lang="en-US" sz="2400" b="1" i="0" u="none" strike="noStrike" cap="none" dirty="0" err="1">
+              <a:rPr lang="en-US" sz="2400" i="0" u="none" strike="noStrike" cap="none" dirty="0" err="1">
                 <a:solidFill>
                   <a:srgbClr val="FF00FF"/>
                 </a:solidFill>
@@ -19023,7 +18950,7 @@
               <a:t>.startswith</a:t>
             </a:r>
             <a:r>
-              <a:rPr lang="en-US" sz="2400" b="1" i="0" u="none" strike="noStrike" cap="none" dirty="0">
+              <a:rPr lang="en-US" sz="2400" i="0" u="none" strike="noStrike" cap="none" dirty="0">
                 <a:solidFill>
                   <a:schemeClr val="lt1"/>
                 </a:solidFill>
@@ -19035,7 +18962,7 @@
               <a:t>('From ') : </a:t>
             </a:r>
             <a:r>
-              <a:rPr lang="en-US" sz="2400" b="1" i="0" u="none" strike="noStrike" cap="none" dirty="0">
+              <a:rPr lang="en-US" sz="2400" i="0" u="none" strike="noStrike" cap="none" dirty="0">
                 <a:solidFill>
                   <a:srgbClr val="FFFF00"/>
                 </a:solidFill>
@@ -19066,7 +18993,7 @@
               <a:buNone/>
             </a:pPr>
             <a:r>
-              <a:rPr lang="en-US" sz="2400" b="1" i="0" u="none" strike="noStrike" cap="none" dirty="0">
+              <a:rPr lang="en-US" sz="2400" i="0" u="none" strike="noStrike" cap="none" dirty="0">
                 <a:solidFill>
                   <a:schemeClr val="lt1"/>
                 </a:solidFill>
@@ -19078,7 +19005,7 @@
               <a:t>     </a:t>
             </a:r>
             <a:r>
-              <a:rPr lang="en-US" sz="2400" b="1" i="0" u="none" strike="noStrike" cap="none" dirty="0">
+              <a:rPr lang="en-US" sz="2400" i="0" u="none" strike="noStrike" cap="none" dirty="0">
                 <a:solidFill>
                   <a:srgbClr val="00FF00"/>
                 </a:solidFill>
@@ -19090,7 +19017,7 @@
               <a:t>words</a:t>
             </a:r>
             <a:r>
-              <a:rPr lang="en-US" sz="2400" b="1" i="0" u="none" strike="noStrike" cap="none" dirty="0">
+              <a:rPr lang="en-US" sz="2400" i="0" u="none" strike="noStrike" cap="none" dirty="0">
                 <a:solidFill>
                   <a:schemeClr val="lt1"/>
                 </a:solidFill>
@@ -19102,7 +19029,7 @@
               <a:t> = </a:t>
             </a:r>
             <a:r>
-              <a:rPr lang="en-US" sz="2400" b="1" i="0" u="none" strike="noStrike" cap="none" dirty="0" err="1">
+              <a:rPr lang="en-US" sz="2400" i="0" u="none" strike="noStrike" cap="none" dirty="0" err="1">
                 <a:solidFill>
                   <a:srgbClr val="00FF00"/>
                 </a:solidFill>
@@ -19114,7 +19041,7 @@
               <a:t>line</a:t>
             </a:r>
             <a:r>
-              <a:rPr lang="en-US" sz="2400" b="1" i="0" u="none" strike="noStrike" cap="none" dirty="0" err="1">
+              <a:rPr lang="en-US" sz="2400" i="0" u="none" strike="noStrike" cap="none" dirty="0" err="1">
                 <a:solidFill>
                   <a:srgbClr val="FF00FF"/>
                 </a:solidFill>
@@ -19126,7 +19053,7 @@
               <a:t>.split</a:t>
             </a:r>
             <a:r>
-              <a:rPr lang="en-US" sz="2400" b="1" i="0" u="none" strike="noStrike" cap="none" dirty="0">
+              <a:rPr lang="en-US" sz="2400" i="0" u="none" strike="noStrike" cap="none" dirty="0">
                 <a:solidFill>
                   <a:schemeClr val="lt1"/>
                 </a:solidFill>
@@ -19146,7 +19073,7 @@
               <a:buSzPct val="25000"/>
             </a:pPr>
             <a:r>
-              <a:rPr lang="en-US" sz="2400" b="1" i="0" u="none" strike="noStrike" cap="none" dirty="0">
+              <a:rPr lang="en-US" sz="2400" i="0" u="none" strike="noStrike" cap="none" dirty="0">
                 <a:solidFill>
                   <a:schemeClr val="lt1"/>
                 </a:solidFill>
@@ -19158,7 +19085,7 @@
               <a:t>     </a:t>
             </a:r>
             <a:r>
-              <a:rPr lang="en-US" sz="2400" b="1" i="0" u="none" strike="noStrike" cap="none" dirty="0" smtClean="0">
+              <a:rPr lang="en-US" sz="2400" i="0" u="none" strike="noStrike" cap="none" dirty="0" smtClean="0">
                 <a:solidFill>
                   <a:srgbClr val="FFFF00"/>
                 </a:solidFill>
@@ -19170,7 +19097,7 @@
               <a:t>print(</a:t>
             </a:r>
             <a:r>
-              <a:rPr lang="en-US" sz="2400" b="1" i="0" u="none" strike="noStrike" cap="none" dirty="0" smtClean="0">
+              <a:rPr lang="en-US" sz="2400" i="0" u="none" strike="noStrike" cap="none" dirty="0" smtClean="0">
                 <a:solidFill>
                   <a:srgbClr val="00FF00"/>
                 </a:solidFill>
@@ -19182,7 +19109,7 @@
               <a:t>words</a:t>
             </a:r>
             <a:r>
-              <a:rPr lang="en-US" sz="2400" b="1" i="0" u="none" strike="noStrike" cap="none" dirty="0" smtClean="0">
+              <a:rPr lang="en-US" sz="2400" i="0" u="none" strike="noStrike" cap="none" dirty="0" smtClean="0">
                 <a:solidFill>
                   <a:srgbClr val="00FFFF"/>
                 </a:solidFill>
@@ -19194,7 +19121,7 @@
               <a:t>[2]</a:t>
             </a:r>
             <a:r>
-              <a:rPr lang="en-US" sz="2400" b="1" dirty="0" smtClean="0">
+              <a:rPr lang="en-US" sz="2400" dirty="0" smtClean="0">
                 <a:solidFill>
                   <a:srgbClr val="FFFF00"/>
                 </a:solidFill>
@@ -19205,7 +19132,7 @@
               </a:rPr>
               <a:t>)</a:t>
             </a:r>
-            <a:endParaRPr lang="en-US" sz="2400" b="1" dirty="0">
+            <a:endParaRPr lang="en-US" sz="2400" dirty="0">
               <a:solidFill>
                 <a:srgbClr val="FFFF00"/>
               </a:solidFill>
@@ -19550,7 +19477,7 @@
               <a:buNone/>
             </a:pPr>
             <a:r>
-              <a:rPr lang="en-US" sz="2400" b="1" i="0" u="none" strike="noStrike" cap="none" dirty="0">
+              <a:rPr lang="en-US" sz="2400" i="0" u="none" strike="noStrike" cap="none" dirty="0">
                 <a:solidFill>
                   <a:schemeClr val="lt1"/>
                 </a:solidFill>
@@ -19562,7 +19489,7 @@
               <a:t>&gt;&gt;&gt; </a:t>
             </a:r>
             <a:r>
-              <a:rPr lang="en-US" sz="2400" b="1" i="0" u="none" strike="noStrike" cap="none" dirty="0">
+              <a:rPr lang="en-US" sz="2400" i="0" u="none" strike="noStrike" cap="none" dirty="0">
                 <a:solidFill>
                   <a:srgbClr val="00FF00"/>
                 </a:solidFill>
@@ -19574,7 +19501,7 @@
               <a:t>line</a:t>
             </a:r>
             <a:r>
-              <a:rPr lang="en-US" sz="2400" b="1" i="0" u="none" strike="noStrike" cap="none" dirty="0">
+              <a:rPr lang="en-US" sz="2400" i="0" u="none" strike="noStrike" cap="none" dirty="0">
                 <a:solidFill>
                   <a:schemeClr val="lt1"/>
                 </a:solidFill>
@@ -19586,7 +19513,7 @@
               <a:t> = 'From </a:t>
             </a:r>
             <a:r>
-              <a:rPr lang="en-US" sz="2400" b="1" i="0" u="none" strike="noStrike" cap="none" dirty="0" err="1">
+              <a:rPr lang="en-US" sz="2400" i="0" u="none" strike="noStrike" cap="none" dirty="0" err="1">
                 <a:solidFill>
                   <a:schemeClr val="lt1"/>
                 </a:solidFill>
@@ -19598,7 +19525,7 @@
               <a:t>stephen.marquard@uct.ac.za</a:t>
             </a:r>
             <a:r>
-              <a:rPr lang="en-US" sz="2400" b="1" i="0" u="none" strike="noStrike" cap="none" dirty="0">
+              <a:rPr lang="en-US" sz="2400" i="0" u="none" strike="noStrike" cap="none" dirty="0">
                 <a:solidFill>
                   <a:schemeClr val="lt1"/>
                 </a:solidFill>
@@ -19629,7 +19556,7 @@
               <a:buNone/>
             </a:pPr>
             <a:r>
-              <a:rPr lang="en-US" sz="2400" b="1" i="0" u="none" strike="noStrike" cap="none" dirty="0">
+              <a:rPr lang="en-US" sz="2400" i="0" u="none" strike="noStrike" cap="none" dirty="0">
                 <a:solidFill>
                   <a:schemeClr val="lt1"/>
                 </a:solidFill>
@@ -19641,7 +19568,7 @@
               <a:t>&gt;&gt;&gt; </a:t>
             </a:r>
             <a:r>
-              <a:rPr lang="en-US" sz="2400" b="1" i="0" u="none" strike="noStrike" cap="none" dirty="0">
+              <a:rPr lang="en-US" sz="2400" i="0" u="none" strike="noStrike" cap="none" dirty="0">
                 <a:solidFill>
                   <a:srgbClr val="00FF00"/>
                 </a:solidFill>
@@ -19653,7 +19580,7 @@
               <a:t>words</a:t>
             </a:r>
             <a:r>
-              <a:rPr lang="en-US" sz="2400" b="1" i="0" u="none" strike="noStrike" cap="none" dirty="0">
+              <a:rPr lang="en-US" sz="2400" i="0" u="none" strike="noStrike" cap="none" dirty="0">
                 <a:solidFill>
                   <a:schemeClr val="lt1"/>
                 </a:solidFill>
@@ -19665,7 +19592,7 @@
               <a:t> = </a:t>
             </a:r>
             <a:r>
-              <a:rPr lang="en-US" sz="2400" b="1" i="0" u="none" strike="noStrike" cap="none" dirty="0" err="1">
+              <a:rPr lang="en-US" sz="2400" i="0" u="none" strike="noStrike" cap="none" dirty="0" err="1">
                 <a:solidFill>
                   <a:srgbClr val="00FF00"/>
                 </a:solidFill>
@@ -19677,7 +19604,7 @@
               <a:t>line</a:t>
             </a:r>
             <a:r>
-              <a:rPr lang="en-US" sz="2400" b="1" i="0" u="none" strike="noStrike" cap="none" dirty="0" err="1">
+              <a:rPr lang="en-US" sz="2400" i="0" u="none" strike="noStrike" cap="none" dirty="0" err="1">
                 <a:solidFill>
                   <a:srgbClr val="FF00FF"/>
                 </a:solidFill>
@@ -19689,7 +19616,7 @@
               <a:t>.split</a:t>
             </a:r>
             <a:r>
-              <a:rPr lang="en-US" sz="2400" b="1" i="0" u="none" strike="noStrike" cap="none" dirty="0">
+              <a:rPr lang="en-US" sz="2400" i="0" u="none" strike="noStrike" cap="none" dirty="0">
                 <a:solidFill>
                   <a:schemeClr val="lt1"/>
                 </a:solidFill>
@@ -19709,7 +19636,7 @@
               <a:buSzPct val="25000"/>
             </a:pPr>
             <a:r>
-              <a:rPr lang="en-US" sz="2400" b="1" i="0" u="none" strike="noStrike" cap="none" dirty="0">
+              <a:rPr lang="en-US" sz="2400" i="0" u="none" strike="noStrike" cap="none" dirty="0">
                 <a:solidFill>
                   <a:schemeClr val="lt1"/>
                 </a:solidFill>
@@ -19721,7 +19648,7 @@
               <a:t>&gt;&gt;&gt; </a:t>
             </a:r>
             <a:r>
-              <a:rPr lang="en-US" sz="2400" b="1" i="0" u="none" strike="noStrike" cap="none" dirty="0" smtClean="0">
+              <a:rPr lang="en-US" sz="2400" i="0" u="none" strike="noStrike" cap="none" dirty="0" smtClean="0">
                 <a:solidFill>
                   <a:srgbClr val="FFFF00"/>
                 </a:solidFill>
@@ -19733,7 +19660,7 @@
               <a:t>print(</a:t>
             </a:r>
             <a:r>
-              <a:rPr lang="en-US" sz="2400" b="1" i="0" u="none" strike="noStrike" cap="none" dirty="0" smtClean="0">
+              <a:rPr lang="en-US" sz="2400" i="0" u="none" strike="noStrike" cap="none" dirty="0" smtClean="0">
                 <a:solidFill>
                   <a:srgbClr val="00FF00"/>
                 </a:solidFill>
@@ -19745,7 +19672,7 @@
               <a:t>words</a:t>
             </a:r>
             <a:r>
-              <a:rPr lang="en-US" sz="2400" b="1" dirty="0" smtClean="0">
+              <a:rPr lang="en-US" sz="2400" dirty="0" smtClean="0">
                 <a:solidFill>
                   <a:srgbClr val="FFFF00"/>
                 </a:solidFill>
@@ -19756,7 +19683,7 @@
               </a:rPr>
               <a:t>)</a:t>
             </a:r>
-            <a:endParaRPr lang="en-US" sz="2400" b="1" i="0" u="none" strike="noStrike" cap="none" dirty="0">
+            <a:endParaRPr lang="en-US" sz="2400" i="0" u="none" strike="noStrike" cap="none" dirty="0">
               <a:solidFill>
                 <a:srgbClr val="00FF00"/>
               </a:solidFill>
@@ -19785,7 +19712,7 @@
               <a:buNone/>
             </a:pPr>
             <a:r>
-              <a:rPr lang="en-US" sz="2400" b="1" i="0" u="none" strike="noStrike" cap="none" dirty="0">
+              <a:rPr lang="en-US" sz="2400" i="0" u="none" strike="noStrike" cap="none" dirty="0">
                 <a:solidFill>
                   <a:schemeClr val="lt1"/>
                 </a:solidFill>
@@ -19797,7 +19724,7 @@
               <a:t>['From', '</a:t>
             </a:r>
             <a:r>
-              <a:rPr lang="en-US" sz="2400" b="1" i="0" u="none" strike="noStrike" cap="none" dirty="0" err="1">
+              <a:rPr lang="en-US" sz="2400" i="0" u="none" strike="noStrike" cap="none" dirty="0" err="1">
                 <a:solidFill>
                   <a:schemeClr val="lt1"/>
                 </a:solidFill>
@@ -19809,7 +19736,7 @@
               <a:t>stephen.marquard@uct.ac.za</a:t>
             </a:r>
             <a:r>
-              <a:rPr lang="en-US" sz="2400" b="1" i="0" u="none" strike="noStrike" cap="none" dirty="0">
+              <a:rPr lang="en-US" sz="2400" i="0" u="none" strike="noStrike" cap="none" dirty="0">
                 <a:solidFill>
                   <a:schemeClr val="lt1"/>
                 </a:solidFill>
@@ -19840,7 +19767,7 @@
               <a:buNone/>
             </a:pPr>
             <a:r>
-              <a:rPr lang="en-US" sz="2400" b="1" i="0" u="none" strike="noStrike" cap="none" dirty="0">
+              <a:rPr lang="en-US" sz="2400" i="0" u="none" strike="noStrike" cap="none" dirty="0">
                 <a:solidFill>
                   <a:schemeClr val="lt1"/>
                 </a:solidFill>
@@ -19965,7 +19892,7 @@
           </a:bodyPr>
           <a:lstStyle/>
           <a:p>
-            <a:pPr marL="457200" marR="0" lvl="0" indent="-457200" algn="l" rtl="0">
+            <a:pPr marL="0" marR="0" lvl="0" indent="0" algn="l" rtl="0">
               <a:lnSpc>
                 <a:spcPct val="100000"/>
               </a:lnSpc>
@@ -19976,7 +19903,7 @@
                 <a:spcPts val="0"/>
               </a:spcAft>
               <a:buSzPct val="100000"/>
-              <a:buFont typeface="Cabin"/>
+              <a:buNone/>
             </a:pPr>
             <a:r>
               <a:rPr lang="en-US" sz="3600" u="none" strike="noStrike" cap="none">
@@ -19989,63 +19916,6 @@
                 <a:sym typeface="Cabin"/>
               </a:rPr>
               <a:t>Sometimes we split a line one way, and then grab one of the pieces of the line and split that piece again</a:t>
-            </a:r>
-          </a:p>
-        </p:txBody>
-      </p:sp>
-      <p:sp>
-        <p:nvSpPr>
-          <p:cNvPr id="336" name="Shape 336"/>
-          <p:cNvSpPr txBox="1"/>
-          <p:nvPr/>
-        </p:nvSpPr>
-        <p:spPr>
-          <a:xfrm>
-            <a:off x="6646861" y="6972300"/>
-            <a:ext cx="9486900" cy="673199"/>
-          </a:xfrm>
-          <a:prstGeom prst="rect">
-            <a:avLst/>
-          </a:prstGeom>
-          <a:noFill/>
-          <a:ln>
-            <a:noFill/>
-          </a:ln>
-        </p:spPr>
-        <p:txBody>
-          <a:bodyPr lIns="0" tIns="0" rIns="0" bIns="0" anchor="ctr" anchorCtr="0">
-            <a:noAutofit/>
-          </a:bodyPr>
-          <a:lstStyle/>
-          <a:p>
-            <a:pPr marL="0" marR="0" lvl="0" indent="0" algn="l" rtl="0">
-              <a:lnSpc>
-                <a:spcPct val="100000"/>
-              </a:lnSpc>
-              <a:spcBef>
-                <a:spcPts val="0"/>
-              </a:spcBef>
-              <a:spcAft>
-                <a:spcPts val="0"/>
-              </a:spcAft>
-              <a:buClr>
-                <a:srgbClr val="000000"/>
-              </a:buClr>
-              <a:buSzPct val="25000"/>
-              <a:buFont typeface="Arial"/>
-              <a:buNone/>
-            </a:pPr>
-            <a:r>
-              <a:rPr lang="en-US" sz="3600" b="0" i="0" u="none" strike="noStrike" cap="none">
-                <a:solidFill>
-                  <a:srgbClr val="000000"/>
-                </a:solidFill>
-                <a:latin typeface="Arial"/>
-                <a:ea typeface="Arial"/>
-                <a:cs typeface="Arial"/>
-                <a:sym typeface="Arial"/>
-              </a:rPr>
-              <a:t>['stephen.marquard', 'uct.ac.za']</a:t>
             </a:r>
           </a:p>
         </p:txBody>
@@ -20093,7 +19963,7 @@
               <a:buNone/>
             </a:pPr>
             <a:r>
-              <a:rPr lang="en-US" sz="3000" b="1" i="0" u="none" strike="noStrike" cap="none" dirty="0">
+              <a:rPr lang="en-US" sz="3000" i="0" u="none" strike="noStrike" cap="none" dirty="0">
                 <a:solidFill>
                   <a:srgbClr val="FF7F00"/>
                 </a:solidFill>
@@ -20105,7 +19975,7 @@
               <a:t>From </a:t>
             </a:r>
             <a:r>
-              <a:rPr lang="en-US" sz="3000" b="1" i="0" u="none" strike="noStrike" cap="none" dirty="0" err="1">
+              <a:rPr lang="en-US" sz="3000" i="0" u="none" strike="noStrike" cap="none" dirty="0" err="1">
                 <a:solidFill>
                   <a:srgbClr val="FF7F00"/>
                 </a:solidFill>
@@ -20117,7 +19987,7 @@
               <a:t>stephen.marquard@</a:t>
             </a:r>
             <a:r>
-              <a:rPr lang="en-US" sz="3000" b="1" i="0" u="none" strike="noStrike" cap="none" dirty="0" err="1">
+              <a:rPr lang="en-US" sz="3000" i="0" u="none" strike="noStrike" cap="none" dirty="0" err="1">
                 <a:solidFill>
                   <a:srgbClr val="FFFF00"/>
                 </a:solidFill>
@@ -20129,7 +19999,7 @@
               <a:t>uct.ac.za</a:t>
             </a:r>
             <a:r>
-              <a:rPr lang="en-US" sz="3000" b="1" i="0" u="none" strike="noStrike" cap="none" dirty="0">
+              <a:rPr lang="en-US" sz="3000" i="0" u="none" strike="noStrike" cap="none" dirty="0">
                 <a:solidFill>
                   <a:srgbClr val="FF7F00"/>
                 </a:solidFill>
@@ -20151,7 +20021,7 @@
         </p:nvSpPr>
         <p:spPr>
           <a:xfrm>
-            <a:off x="1155700" y="5213000"/>
+            <a:off x="1155700" y="5289200"/>
             <a:ext cx="5169599" cy="1889400"/>
           </a:xfrm>
           <a:prstGeom prst="rect">
@@ -20186,7 +20056,7 @@
               <a:buNone/>
             </a:pPr>
             <a:r>
-              <a:rPr lang="en-US" sz="2400" b="1" i="0" u="none" strike="noStrike" cap="none">
+              <a:rPr lang="en-US" sz="2400" i="0" u="none" strike="noStrike" cap="none" dirty="0">
                 <a:solidFill>
                   <a:schemeClr val="lt1"/>
                 </a:solidFill>
@@ -20198,7 +20068,7 @@
               <a:t>words = </a:t>
             </a:r>
             <a:r>
-              <a:rPr lang="en-US" sz="2400" b="1" i="0" u="none" strike="noStrike" cap="none">
+              <a:rPr lang="en-US" sz="2400" i="0" u="none" strike="noStrike" cap="none" dirty="0" err="1">
                 <a:solidFill>
                   <a:srgbClr val="FF7F00"/>
                 </a:solidFill>
@@ -20210,16 +20080,28 @@
               <a:t>line</a:t>
             </a:r>
             <a:r>
-              <a:rPr lang="en-US" sz="2400" b="1" i="0" u="none" strike="noStrike" cap="none">
-                <a:solidFill>
-                  <a:schemeClr val="lt1"/>
-                </a:solidFill>
-                <a:latin typeface="Courier New"/>
-                <a:ea typeface="Courier New"/>
-                <a:cs typeface="Courier New"/>
-                <a:sym typeface="Courier New"/>
-              </a:rPr>
-              <a:t>.split()</a:t>
+              <a:rPr lang="en-US" sz="2400" i="0" u="none" strike="noStrike" cap="none" dirty="0" err="1">
+                <a:solidFill>
+                  <a:schemeClr val="lt1"/>
+                </a:solidFill>
+                <a:latin typeface="Courier New"/>
+                <a:ea typeface="Courier New"/>
+                <a:cs typeface="Courier New"/>
+                <a:sym typeface="Courier New"/>
+              </a:rPr>
+              <a:t>.split</a:t>
+            </a:r>
+            <a:r>
+              <a:rPr lang="en-US" sz="2400" i="0" u="none" strike="noStrike" cap="none" dirty="0">
+                <a:solidFill>
+                  <a:schemeClr val="lt1"/>
+                </a:solidFill>
+                <a:latin typeface="Courier New"/>
+                <a:ea typeface="Courier New"/>
+                <a:cs typeface="Courier New"/>
+                <a:sym typeface="Courier New"/>
+              </a:rPr>
+              <a:t>()</a:t>
             </a:r>
           </a:p>
           <a:p>
@@ -20241,7 +20123,7 @@
               <a:buNone/>
             </a:pPr>
             <a:r>
-              <a:rPr lang="en-US" sz="2400" b="1" i="0" u="none" strike="noStrike" cap="none">
+              <a:rPr lang="en-US" sz="2400" i="0" u="none" strike="noStrike" cap="none" dirty="0">
                 <a:solidFill>
                   <a:srgbClr val="FF00FF"/>
                 </a:solidFill>
@@ -20253,7 +20135,7 @@
               <a:t>email</a:t>
             </a:r>
             <a:r>
-              <a:rPr lang="en-US" sz="2400" b="1" i="0" u="none" strike="noStrike" cap="none">
+              <a:rPr lang="en-US" sz="2400" i="0" u="none" strike="noStrike" cap="none" dirty="0">
                 <a:solidFill>
                   <a:schemeClr val="lt1"/>
                 </a:solidFill>
@@ -20284,7 +20166,7 @@
               <a:buNone/>
             </a:pPr>
             <a:r>
-              <a:rPr lang="en-US" sz="3000" b="1" i="0" u="none" strike="noStrike" cap="none">
+              <a:rPr lang="en-US" sz="3000" b="1" i="0" u="none" strike="noStrike" cap="none" dirty="0">
                 <a:solidFill>
                   <a:srgbClr val="000000"/>
                 </a:solidFill>
@@ -20423,7 +20305,7 @@
               <a:buNone/>
             </a:pPr>
             <a:r>
-              <a:rPr lang="en-US" sz="2400" b="1" i="0" u="none" strike="noStrike" cap="none">
+              <a:rPr lang="en-US" sz="2400" b="1" i="0" u="none" strike="noStrike" cap="none" dirty="0" smtClean="0">
                 <a:solidFill>
                   <a:srgbClr val="FF00FF"/>
                 </a:solidFill>
@@ -20432,8 +20314,41 @@
                 <a:cs typeface="Courier New"/>
                 <a:sym typeface="Courier New"/>
               </a:rPr>
-              <a:t>stephen.marquard@uct.ac.za</a:t>
-            </a:r>
+              <a:t> </a:t>
+            </a:r>
+            <a:r>
+              <a:rPr lang="en-US" sz="2400" i="0" u="none" strike="noStrike" cap="none" dirty="0" err="1" smtClean="0">
+                <a:solidFill>
+                  <a:srgbClr val="FF00FF"/>
+                </a:solidFill>
+                <a:latin typeface="Courier New"/>
+                <a:ea typeface="Courier New"/>
+                <a:cs typeface="Courier New"/>
+                <a:sym typeface="Courier New"/>
+              </a:rPr>
+              <a:t>stephen.marquard</a:t>
+            </a:r>
+            <a:r>
+              <a:rPr lang="en-US" sz="2400" i="0" u="none" strike="noStrike" cap="none" dirty="0" err="1">
+                <a:solidFill>
+                  <a:srgbClr val="FF00FF"/>
+                </a:solidFill>
+                <a:latin typeface="Courier New"/>
+                <a:ea typeface="Courier New"/>
+                <a:cs typeface="Courier New"/>
+                <a:sym typeface="Courier New"/>
+              </a:rPr>
+              <a:t>@uct.ac.za</a:t>
+            </a:r>
+            <a:endParaRPr lang="en-US" sz="2400" i="0" u="none" strike="noStrike" cap="none" dirty="0">
+              <a:solidFill>
+                <a:srgbClr val="FF00FF"/>
+              </a:solidFill>
+              <a:latin typeface="Courier New"/>
+              <a:ea typeface="Courier New"/>
+              <a:cs typeface="Courier New"/>
+              <a:sym typeface="Courier New"/>
+            </a:endParaRPr>
           </a:p>
         </p:txBody>
       </p:sp>
@@ -20445,8 +20360,8 @@
         </p:nvSpPr>
         <p:spPr>
           <a:xfrm>
-            <a:off x="1155700" y="4526525"/>
-            <a:ext cx="13342799" cy="673199"/>
+            <a:off x="1155700" y="4506450"/>
+            <a:ext cx="13182600" cy="673199"/>
           </a:xfrm>
           <a:prstGeom prst="rect">
             <a:avLst/>
@@ -20480,7 +20395,7 @@
               <a:buNone/>
             </a:pPr>
             <a:r>
-              <a:rPr lang="en-US" sz="3000" b="1" i="0" u="none" strike="noStrike" cap="none">
+              <a:rPr lang="en-US" sz="3000" i="0" u="none" strike="noStrike" cap="none" dirty="0">
                 <a:solidFill>
                   <a:srgbClr val="FF7F00"/>
                 </a:solidFill>
@@ -20489,10 +20404,22 @@
                 <a:cs typeface="Courier New"/>
                 <a:sym typeface="Courier New"/>
               </a:rPr>
-              <a:t>From stephen.marquard@</a:t>
-            </a:r>
-            <a:r>
-              <a:rPr lang="en-US" sz="3000" b="1" i="0" u="none" strike="noStrike" cap="none">
+              <a:t>From </a:t>
+            </a:r>
+            <a:r>
+              <a:rPr lang="en-US" sz="3000" i="0" u="none" strike="noStrike" cap="none" dirty="0" err="1">
+                <a:solidFill>
+                  <a:srgbClr val="FF7F00"/>
+                </a:solidFill>
+                <a:latin typeface="Courier New"/>
+                <a:ea typeface="Courier New"/>
+                <a:cs typeface="Courier New"/>
+                <a:sym typeface="Courier New"/>
+              </a:rPr>
+              <a:t>stephen.marquard@</a:t>
+            </a:r>
+            <a:r>
+              <a:rPr lang="en-US" sz="3000" i="0" u="none" strike="noStrike" cap="none" dirty="0" err="1">
                 <a:solidFill>
                   <a:srgbClr val="FFFF00"/>
                 </a:solidFill>
@@ -20504,7 +20431,7 @@
               <a:t>uct.ac.za</a:t>
             </a:r>
             <a:r>
-              <a:rPr lang="en-US" sz="3000" b="1" i="0" u="none" strike="noStrike" cap="none">
+              <a:rPr lang="en-US" sz="3000" i="0" u="none" strike="noStrike" cap="none" dirty="0">
                 <a:solidFill>
                   <a:srgbClr val="FF7F00"/>
                 </a:solidFill>
@@ -20513,8 +20440,29 @@
                 <a:cs typeface="Courier New"/>
                 <a:sym typeface="Courier New"/>
               </a:rPr>
-              <a:t> Sat Jan  5 09:14:16 2008</a:t>
-            </a:r>
+              <a:t> Sat Jan  5 09:14:16 </a:t>
+            </a:r>
+            <a:r>
+              <a:rPr lang="en-US" sz="3000" i="0" u="none" strike="noStrike" cap="none" dirty="0" smtClean="0">
+                <a:solidFill>
+                  <a:srgbClr val="FF7F00"/>
+                </a:solidFill>
+                <a:latin typeface="Courier New"/>
+                <a:ea typeface="Courier New"/>
+                <a:cs typeface="Courier New"/>
+                <a:sym typeface="Courier New"/>
+              </a:rPr>
+              <a:t>2008</a:t>
+            </a:r>
+            <a:endParaRPr lang="en-US" sz="3000" i="0" u="none" strike="noStrike" cap="none" dirty="0">
+              <a:solidFill>
+                <a:srgbClr val="FF7F00"/>
+              </a:solidFill>
+              <a:latin typeface="Courier New"/>
+              <a:ea typeface="Courier New"/>
+              <a:cs typeface="Courier New"/>
+              <a:sym typeface="Courier New"/>
+            </a:endParaRPr>
           </a:p>
         </p:txBody>
       </p:sp>
@@ -20561,7 +20509,7 @@
               <a:buNone/>
             </a:pPr>
             <a:r>
-              <a:rPr lang="en-US" sz="2400" b="1" i="0" u="none" strike="noStrike" cap="none">
+              <a:rPr lang="en-US" sz="2400" i="0" u="none" strike="noStrike" cap="none" dirty="0">
                 <a:solidFill>
                   <a:schemeClr val="lt1"/>
                 </a:solidFill>
@@ -20573,7 +20521,7 @@
               <a:t>words = </a:t>
             </a:r>
             <a:r>
-              <a:rPr lang="en-US" sz="2400" b="1" i="0" u="none" strike="noStrike" cap="none">
+              <a:rPr lang="en-US" sz="2400" i="0" u="none" strike="noStrike" cap="none" dirty="0" err="1">
                 <a:solidFill>
                   <a:srgbClr val="FF7F00"/>
                 </a:solidFill>
@@ -20585,16 +20533,28 @@
               <a:t>line</a:t>
             </a:r>
             <a:r>
-              <a:rPr lang="en-US" sz="2400" b="1" i="0" u="none" strike="noStrike" cap="none">
-                <a:solidFill>
-                  <a:schemeClr val="lt1"/>
-                </a:solidFill>
-                <a:latin typeface="Courier New"/>
-                <a:ea typeface="Courier New"/>
-                <a:cs typeface="Courier New"/>
-                <a:sym typeface="Courier New"/>
-              </a:rPr>
-              <a:t>.split()</a:t>
+              <a:rPr lang="en-US" sz="2400" i="0" u="none" strike="noStrike" cap="none" dirty="0" err="1">
+                <a:solidFill>
+                  <a:schemeClr val="lt1"/>
+                </a:solidFill>
+                <a:latin typeface="Courier New"/>
+                <a:ea typeface="Courier New"/>
+                <a:cs typeface="Courier New"/>
+                <a:sym typeface="Courier New"/>
+              </a:rPr>
+              <a:t>.split</a:t>
+            </a:r>
+            <a:r>
+              <a:rPr lang="en-US" sz="2400" i="0" u="none" strike="noStrike" cap="none" dirty="0">
+                <a:solidFill>
+                  <a:schemeClr val="lt1"/>
+                </a:solidFill>
+                <a:latin typeface="Courier New"/>
+                <a:ea typeface="Courier New"/>
+                <a:cs typeface="Courier New"/>
+                <a:sym typeface="Courier New"/>
+              </a:rPr>
+              <a:t>()</a:t>
             </a:r>
           </a:p>
           <a:p>
@@ -20616,7 +20576,7 @@
               <a:buNone/>
             </a:pPr>
             <a:r>
-              <a:rPr lang="en-US" sz="2400" b="1" i="0" u="none" strike="noStrike" cap="none">
+              <a:rPr lang="en-US" sz="2400" i="0" u="none" strike="noStrike" cap="none" dirty="0">
                 <a:solidFill>
                   <a:srgbClr val="FF00FF"/>
                 </a:solidFill>
@@ -20628,7 +20588,7 @@
               <a:t>email</a:t>
             </a:r>
             <a:r>
-              <a:rPr lang="en-US" sz="2400" b="1" i="0" u="none" strike="noStrike" cap="none">
+              <a:rPr lang="en-US" sz="2400" i="0" u="none" strike="noStrike" cap="none" dirty="0">
                 <a:solidFill>
                   <a:schemeClr val="lt1"/>
                 </a:solidFill>
@@ -20659,7 +20619,7 @@
               <a:buNone/>
             </a:pPr>
             <a:r>
-              <a:rPr lang="en-US" sz="3000" b="1" i="0" u="none" strike="noStrike" cap="none">
+              <a:rPr lang="en-US" sz="3000" b="1" i="0" u="none" strike="noStrike" cap="none" dirty="0">
                 <a:solidFill>
                   <a:srgbClr val="000000"/>
                 </a:solidFill>
@@ -20798,7 +20758,7 @@
               <a:buNone/>
             </a:pPr>
             <a:r>
-              <a:rPr lang="en-US" sz="2400" b="1" i="0" u="none" strike="noStrike" cap="none">
+              <a:rPr lang="en-US" sz="2400" i="0" u="none" strike="noStrike" cap="none" dirty="0">
                 <a:solidFill>
                   <a:srgbClr val="FFFF00"/>
                 </a:solidFill>
@@ -20807,7 +20767,55 @@
                 <a:cs typeface="Courier New"/>
                 <a:sym typeface="Courier New"/>
               </a:rPr>
-              <a:t>['stephen.marquard', 'uct.ac.za']</a:t>
+              <a:t>['</a:t>
+            </a:r>
+            <a:r>
+              <a:rPr lang="en-US" sz="2400" i="0" u="none" strike="noStrike" cap="none" dirty="0" err="1">
+                <a:solidFill>
+                  <a:srgbClr val="FFFF00"/>
+                </a:solidFill>
+                <a:latin typeface="Courier New"/>
+                <a:ea typeface="Courier New"/>
+                <a:cs typeface="Courier New"/>
+                <a:sym typeface="Courier New"/>
+              </a:rPr>
+              <a:t>stephen.marquard</a:t>
+            </a:r>
+            <a:r>
+              <a:rPr lang="en-US" sz="2400" i="0" u="none" strike="noStrike" cap="none" dirty="0">
+                <a:solidFill>
+                  <a:srgbClr val="FFFF00"/>
+                </a:solidFill>
+                <a:latin typeface="Courier New"/>
+                <a:ea typeface="Courier New"/>
+                <a:cs typeface="Courier New"/>
+                <a:sym typeface="Courier New"/>
+              </a:rPr>
+              <a:t>', '</a:t>
+            </a:r>
+            <a:r>
+              <a:rPr lang="en-US" sz="2400" i="0" u="none" strike="noStrike" cap="none" dirty="0" err="1">
+                <a:solidFill>
+                  <a:srgbClr val="FFFF00"/>
+                </a:solidFill>
+                <a:latin typeface="Courier New"/>
+                <a:ea typeface="Courier New"/>
+                <a:cs typeface="Courier New"/>
+                <a:sym typeface="Courier New"/>
+              </a:rPr>
+              <a:t>uct.ac.za</a:t>
+            </a:r>
+            <a:r>
+              <a:rPr lang="en-US" sz="2400" i="0" u="none" strike="noStrike" cap="none" dirty="0">
+                <a:solidFill>
+                  <a:srgbClr val="FFFF00"/>
+                </a:solidFill>
+                <a:latin typeface="Courier New"/>
+                <a:ea typeface="Courier New"/>
+                <a:cs typeface="Courier New"/>
+                <a:sym typeface="Courier New"/>
+              </a:rPr>
+              <a:t>']</a:t>
             </a:r>
           </a:p>
         </p:txBody>
@@ -20855,7 +20863,7 @@
               <a:buNone/>
             </a:pPr>
             <a:r>
-              <a:rPr lang="en-US" sz="3000" b="1" i="0" u="none" strike="noStrike" cap="none">
+              <a:rPr lang="en-US" sz="3000" i="0" u="none" strike="noStrike" cap="none" dirty="0">
                 <a:solidFill>
                   <a:srgbClr val="FF7F00"/>
                 </a:solidFill>
@@ -20864,10 +20872,22 @@
                 <a:cs typeface="Courier New"/>
                 <a:sym typeface="Courier New"/>
               </a:rPr>
-              <a:t>From stephen.marquard@</a:t>
-            </a:r>
-            <a:r>
-              <a:rPr lang="en-US" sz="3000" b="1" i="0" u="none" strike="noStrike" cap="none">
+              <a:t>From </a:t>
+            </a:r>
+            <a:r>
+              <a:rPr lang="en-US" sz="3000" i="0" u="none" strike="noStrike" cap="none" dirty="0" err="1">
+                <a:solidFill>
+                  <a:srgbClr val="FF7F00"/>
+                </a:solidFill>
+                <a:latin typeface="Courier New"/>
+                <a:ea typeface="Courier New"/>
+                <a:cs typeface="Courier New"/>
+                <a:sym typeface="Courier New"/>
+              </a:rPr>
+              <a:t>stephen.marquard@</a:t>
+            </a:r>
+            <a:r>
+              <a:rPr lang="en-US" sz="3000" i="0" u="none" strike="noStrike" cap="none" dirty="0" err="1">
                 <a:solidFill>
                   <a:srgbClr val="FFFF00"/>
                 </a:solidFill>
@@ -20879,7 +20899,7 @@
               <a:t>uct.ac.za</a:t>
             </a:r>
             <a:r>
-              <a:rPr lang="en-US" sz="3000" b="1" i="0" u="none" strike="noStrike" cap="none">
+              <a:rPr lang="en-US" sz="3000" i="0" u="none" strike="noStrike" cap="none" dirty="0">
                 <a:solidFill>
                   <a:srgbClr val="FF7F00"/>
                 </a:solidFill>
@@ -20936,7 +20956,7 @@
               <a:buNone/>
             </a:pPr>
             <a:r>
-              <a:rPr lang="en-US" sz="2400" b="1" i="0" u="none" strike="noStrike" cap="none">
+              <a:rPr lang="en-US" sz="2400" i="0" u="none" strike="noStrike" cap="none" dirty="0">
                 <a:solidFill>
                   <a:schemeClr val="lt1"/>
                 </a:solidFill>
@@ -20948,7 +20968,7 @@
               <a:t>words = </a:t>
             </a:r>
             <a:r>
-              <a:rPr lang="en-US" sz="2400" b="1" i="0" u="none" strike="noStrike" cap="none">
+              <a:rPr lang="en-US" sz="2400" i="0" u="none" strike="noStrike" cap="none" dirty="0" err="1">
                 <a:solidFill>
                   <a:srgbClr val="FF7F00"/>
                 </a:solidFill>
@@ -20960,16 +20980,28 @@
               <a:t>line</a:t>
             </a:r>
             <a:r>
-              <a:rPr lang="en-US" sz="2400" b="1" i="0" u="none" strike="noStrike" cap="none">
-                <a:solidFill>
-                  <a:schemeClr val="lt1"/>
-                </a:solidFill>
-                <a:latin typeface="Courier New"/>
-                <a:ea typeface="Courier New"/>
-                <a:cs typeface="Courier New"/>
-                <a:sym typeface="Courier New"/>
-              </a:rPr>
-              <a:t>.split()</a:t>
+              <a:rPr lang="en-US" sz="2400" i="0" u="none" strike="noStrike" cap="none" dirty="0" err="1">
+                <a:solidFill>
+                  <a:schemeClr val="lt1"/>
+                </a:solidFill>
+                <a:latin typeface="Courier New"/>
+                <a:ea typeface="Courier New"/>
+                <a:cs typeface="Courier New"/>
+                <a:sym typeface="Courier New"/>
+              </a:rPr>
+              <a:t>.split</a:t>
+            </a:r>
+            <a:r>
+              <a:rPr lang="en-US" sz="2400" i="0" u="none" strike="noStrike" cap="none" dirty="0">
+                <a:solidFill>
+                  <a:schemeClr val="lt1"/>
+                </a:solidFill>
+                <a:latin typeface="Courier New"/>
+                <a:ea typeface="Courier New"/>
+                <a:cs typeface="Courier New"/>
+                <a:sym typeface="Courier New"/>
+              </a:rPr>
+              <a:t>()</a:t>
             </a:r>
           </a:p>
           <a:p>
@@ -20991,7 +21023,7 @@
               <a:buNone/>
             </a:pPr>
             <a:r>
-              <a:rPr lang="en-US" sz="2400" b="1" i="0" u="none" strike="noStrike" cap="none">
+              <a:rPr lang="en-US" sz="2400" i="0" u="none" strike="noStrike" cap="none" dirty="0">
                 <a:solidFill>
                   <a:srgbClr val="FF00FF"/>
                 </a:solidFill>
@@ -21003,7 +21035,7 @@
               <a:t>email</a:t>
             </a:r>
             <a:r>
-              <a:rPr lang="en-US" sz="2400" b="1" i="0" u="none" strike="noStrike" cap="none">
+              <a:rPr lang="en-US" sz="2400" i="0" u="none" strike="noStrike" cap="none" dirty="0">
                 <a:solidFill>
                   <a:schemeClr val="lt1"/>
                 </a:solidFill>
@@ -21034,7 +21066,7 @@
               <a:buNone/>
             </a:pPr>
             <a:r>
-              <a:rPr lang="en-US" sz="2400" b="1">
+              <a:rPr lang="en-US" sz="2400" dirty="0">
                 <a:solidFill>
                   <a:srgbClr val="FFFF00"/>
                 </a:solidFill>
@@ -21046,16 +21078,40 @@
               <a:t>pieces</a:t>
             </a:r>
             <a:r>
-              <a:rPr lang="en-US" sz="2400" b="1">
-                <a:solidFill>
-                  <a:schemeClr val="lt1"/>
-                </a:solidFill>
-                <a:latin typeface="Courier New"/>
-                <a:ea typeface="Courier New"/>
-                <a:cs typeface="Courier New"/>
-                <a:sym typeface="Courier New"/>
-              </a:rPr>
-              <a:t> = email.split('@')</a:t>
+              <a:rPr lang="en-US" sz="2400" dirty="0">
+                <a:solidFill>
+                  <a:schemeClr val="lt1"/>
+                </a:solidFill>
+                <a:latin typeface="Courier New"/>
+                <a:ea typeface="Courier New"/>
+                <a:cs typeface="Courier New"/>
+                <a:sym typeface="Courier New"/>
+              </a:rPr>
+              <a:t> = </a:t>
+            </a:r>
+            <a:r>
+              <a:rPr lang="en-US" sz="2400" dirty="0" err="1">
+                <a:solidFill>
+                  <a:schemeClr val="lt1"/>
+                </a:solidFill>
+                <a:latin typeface="Courier New"/>
+                <a:ea typeface="Courier New"/>
+                <a:cs typeface="Courier New"/>
+                <a:sym typeface="Courier New"/>
+              </a:rPr>
+              <a:t>email.split</a:t>
+            </a:r>
+            <a:r>
+              <a:rPr lang="en-US" sz="2400" dirty="0">
+                <a:solidFill>
+                  <a:schemeClr val="lt1"/>
+                </a:solidFill>
+                <a:latin typeface="Courier New"/>
+                <a:ea typeface="Courier New"/>
+                <a:cs typeface="Courier New"/>
+                <a:sym typeface="Courier New"/>
+              </a:rPr>
+              <a:t>('@')</a:t>
             </a:r>
           </a:p>
           <a:p>
@@ -21077,7 +21133,7 @@
               <a:buNone/>
             </a:pPr>
             <a:r>
-              <a:rPr lang="en-US" sz="3000" b="1" i="0" u="none" strike="noStrike" cap="none">
+              <a:rPr lang="en-US" sz="3000" b="1" i="0" u="none" strike="noStrike" cap="none" dirty="0">
                 <a:solidFill>
                   <a:srgbClr val="000000"/>
                 </a:solidFill>
@@ -21134,7 +21190,7 @@
               <a:buNone/>
             </a:pPr>
             <a:r>
-              <a:rPr lang="en-US" sz="2400" b="1" i="0" u="none" strike="noStrike" cap="none">
+              <a:rPr lang="en-US" sz="2400" i="0" u="none" strike="noStrike" cap="none" dirty="0" err="1">
                 <a:solidFill>
                   <a:srgbClr val="FF00FF"/>
                 </a:solidFill>
@@ -21145,6 +21201,15 @@
               </a:rPr>
               <a:t>stephen.marquard@uct.ac.za</a:t>
             </a:r>
+            <a:endParaRPr lang="en-US" sz="2400" i="0" u="none" strike="noStrike" cap="none" dirty="0">
+              <a:solidFill>
+                <a:srgbClr val="FF00FF"/>
+              </a:solidFill>
+              <a:latin typeface="Courier New"/>
+              <a:ea typeface="Courier New"/>
+              <a:cs typeface="Courier New"/>
+              <a:sym typeface="Courier New"/>
+            </a:endParaRPr>
           </a:p>
         </p:txBody>
       </p:sp>
@@ -21273,7 +21338,7 @@
               <a:buNone/>
             </a:pPr>
             <a:r>
-              <a:rPr lang="en-US" sz="2400" b="1" i="0" u="none" strike="noStrike" cap="none">
+              <a:rPr lang="en-US" sz="2400" i="0" u="none" strike="noStrike" cap="none" dirty="0">
                 <a:solidFill>
                   <a:srgbClr val="FFFF00"/>
                 </a:solidFill>
@@ -21282,7 +21347,55 @@
                 <a:cs typeface="Courier New"/>
                 <a:sym typeface="Courier New"/>
               </a:rPr>
-              <a:t>['stephen.marquard', 'uct.ac.za']</a:t>
+              <a:t>['</a:t>
+            </a:r>
+            <a:r>
+              <a:rPr lang="en-US" sz="2400" i="0" u="none" strike="noStrike" cap="none" dirty="0" err="1">
+                <a:solidFill>
+                  <a:srgbClr val="FFFF00"/>
+                </a:solidFill>
+                <a:latin typeface="Courier New"/>
+                <a:ea typeface="Courier New"/>
+                <a:cs typeface="Courier New"/>
+                <a:sym typeface="Courier New"/>
+              </a:rPr>
+              <a:t>stephen.marquard</a:t>
+            </a:r>
+            <a:r>
+              <a:rPr lang="en-US" sz="2400" i="0" u="none" strike="noStrike" cap="none" dirty="0">
+                <a:solidFill>
+                  <a:srgbClr val="FFFF00"/>
+                </a:solidFill>
+                <a:latin typeface="Courier New"/>
+                <a:ea typeface="Courier New"/>
+                <a:cs typeface="Courier New"/>
+                <a:sym typeface="Courier New"/>
+              </a:rPr>
+              <a:t>', '</a:t>
+            </a:r>
+            <a:r>
+              <a:rPr lang="en-US" sz="2400" i="0" u="none" strike="noStrike" cap="none" dirty="0" err="1">
+                <a:solidFill>
+                  <a:srgbClr val="FFFF00"/>
+                </a:solidFill>
+                <a:latin typeface="Courier New"/>
+                <a:ea typeface="Courier New"/>
+                <a:cs typeface="Courier New"/>
+                <a:sym typeface="Courier New"/>
+              </a:rPr>
+              <a:t>uct.ac.za</a:t>
+            </a:r>
+            <a:r>
+              <a:rPr lang="en-US" sz="2400" i="0" u="none" strike="noStrike" cap="none" dirty="0">
+                <a:solidFill>
+                  <a:srgbClr val="FFFF00"/>
+                </a:solidFill>
+                <a:latin typeface="Courier New"/>
+                <a:ea typeface="Courier New"/>
+                <a:cs typeface="Courier New"/>
+                <a:sym typeface="Courier New"/>
+              </a:rPr>
+              <a:t>']</a:t>
             </a:r>
           </a:p>
         </p:txBody>
@@ -21330,7 +21443,7 @@
               <a:buNone/>
             </a:pPr>
             <a:r>
-              <a:rPr lang="en-US" sz="3000" b="1" i="0" u="none" strike="noStrike" cap="none">
+              <a:rPr lang="en-US" sz="3000" i="0" u="none" strike="noStrike" cap="none" dirty="0">
                 <a:solidFill>
                   <a:srgbClr val="FF7F00"/>
                 </a:solidFill>
@@ -21339,10 +21452,22 @@
                 <a:cs typeface="Courier New"/>
                 <a:sym typeface="Courier New"/>
               </a:rPr>
-              <a:t>From stephen.marquard@</a:t>
-            </a:r>
-            <a:r>
-              <a:rPr lang="en-US" sz="3000" b="1" i="0" u="none" strike="noStrike" cap="none">
+              <a:t>From </a:t>
+            </a:r>
+            <a:r>
+              <a:rPr lang="en-US" sz="3000" i="0" u="none" strike="noStrike" cap="none" dirty="0" err="1">
+                <a:solidFill>
+                  <a:srgbClr val="FF7F00"/>
+                </a:solidFill>
+                <a:latin typeface="Courier New"/>
+                <a:ea typeface="Courier New"/>
+                <a:cs typeface="Courier New"/>
+                <a:sym typeface="Courier New"/>
+              </a:rPr>
+              <a:t>stephen.marquard@</a:t>
+            </a:r>
+            <a:r>
+              <a:rPr lang="en-US" sz="3000" i="0" u="none" strike="noStrike" cap="none" dirty="0" err="1">
                 <a:solidFill>
                   <a:srgbClr val="FFFF00"/>
                 </a:solidFill>
@@ -21354,7 +21479,7 @@
               <a:t>uct.ac.za</a:t>
             </a:r>
             <a:r>
-              <a:rPr lang="en-US" sz="3000" b="1" i="0" u="none" strike="noStrike" cap="none">
+              <a:rPr lang="en-US" sz="3000" i="0" u="none" strike="noStrike" cap="none" dirty="0">
                 <a:solidFill>
                   <a:srgbClr val="FF7F00"/>
                 </a:solidFill>
@@ -21411,7 +21536,7 @@
               <a:buNone/>
             </a:pPr>
             <a:r>
-              <a:rPr lang="en-US" sz="2400" b="1" i="0" u="none" strike="noStrike" cap="none" dirty="0">
+              <a:rPr lang="en-US" sz="2400" i="0" u="none" strike="noStrike" cap="none" dirty="0">
                 <a:solidFill>
                   <a:schemeClr val="lt1"/>
                 </a:solidFill>
@@ -21423,7 +21548,7 @@
               <a:t>words = </a:t>
             </a:r>
             <a:r>
-              <a:rPr lang="en-US" sz="2400" b="1" i="0" u="none" strike="noStrike" cap="none" dirty="0" err="1">
+              <a:rPr lang="en-US" sz="2400" i="0" u="none" strike="noStrike" cap="none" dirty="0" err="1">
                 <a:solidFill>
                   <a:srgbClr val="FF7F00"/>
                 </a:solidFill>
@@ -21435,7 +21560,7 @@
               <a:t>line</a:t>
             </a:r>
             <a:r>
-              <a:rPr lang="en-US" sz="2400" b="1" i="0" u="none" strike="noStrike" cap="none" dirty="0" err="1">
+              <a:rPr lang="en-US" sz="2400" i="0" u="none" strike="noStrike" cap="none" dirty="0" err="1">
                 <a:solidFill>
                   <a:schemeClr val="lt1"/>
                 </a:solidFill>
@@ -21447,7 +21572,7 @@
               <a:t>.split</a:t>
             </a:r>
             <a:r>
-              <a:rPr lang="en-US" sz="2400" b="1" i="0" u="none" strike="noStrike" cap="none" dirty="0">
+              <a:rPr lang="en-US" sz="2400" i="0" u="none" strike="noStrike" cap="none" dirty="0">
                 <a:solidFill>
                   <a:schemeClr val="lt1"/>
                 </a:solidFill>
@@ -21478,7 +21603,7 @@
               <a:buNone/>
             </a:pPr>
             <a:r>
-              <a:rPr lang="en-US" sz="2400" b="1" i="0" u="none" strike="noStrike" cap="none" dirty="0">
+              <a:rPr lang="en-US" sz="2400" i="0" u="none" strike="noStrike" cap="none" dirty="0">
                 <a:solidFill>
                   <a:srgbClr val="FF00FF"/>
                 </a:solidFill>
@@ -21490,7 +21615,7 @@
               <a:t>email</a:t>
             </a:r>
             <a:r>
-              <a:rPr lang="en-US" sz="2400" b="1" i="0" u="none" strike="noStrike" cap="none" dirty="0">
+              <a:rPr lang="en-US" sz="2400" i="0" u="none" strike="noStrike" cap="none" dirty="0">
                 <a:solidFill>
                   <a:schemeClr val="lt1"/>
                 </a:solidFill>
@@ -21521,7 +21646,7 @@
               <a:buNone/>
             </a:pPr>
             <a:r>
-              <a:rPr lang="en-US" sz="2400" b="1" dirty="0">
+              <a:rPr lang="en-US" sz="2400" dirty="0">
                 <a:solidFill>
                   <a:srgbClr val="FFFF00"/>
                 </a:solidFill>
@@ -21533,7 +21658,7 @@
               <a:t>pieces</a:t>
             </a:r>
             <a:r>
-              <a:rPr lang="en-US" sz="2400" b="1" dirty="0">
+              <a:rPr lang="en-US" sz="2400" dirty="0">
                 <a:solidFill>
                   <a:schemeClr val="lt1"/>
                 </a:solidFill>
@@ -21545,7 +21670,7 @@
               <a:t> = </a:t>
             </a:r>
             <a:r>
-              <a:rPr lang="en-US" sz="2400" b="1" dirty="0" err="1">
+              <a:rPr lang="en-US" sz="2400" dirty="0" err="1">
                 <a:solidFill>
                   <a:schemeClr val="lt1"/>
                 </a:solidFill>
@@ -21557,7 +21682,7 @@
               <a:t>email.split</a:t>
             </a:r>
             <a:r>
-              <a:rPr lang="en-US" sz="2400" b="1" dirty="0">
+              <a:rPr lang="en-US" sz="2400" dirty="0">
                 <a:solidFill>
                   <a:schemeClr val="lt1"/>
                 </a:solidFill>
@@ -21588,7 +21713,7 @@
               <a:buNone/>
             </a:pPr>
             <a:r>
-              <a:rPr lang="en-US" sz="2400" b="1" dirty="0" smtClean="0">
+              <a:rPr lang="en-US" sz="2400" dirty="0" smtClean="0">
                 <a:solidFill>
                   <a:schemeClr val="lt1"/>
                 </a:solidFill>
@@ -21600,7 +21725,7 @@
               <a:t>print(</a:t>
             </a:r>
             <a:r>
-              <a:rPr lang="en-US" sz="2400" b="1" dirty="0" smtClean="0">
+              <a:rPr lang="en-US" sz="2400" dirty="0" smtClean="0">
                 <a:solidFill>
                   <a:srgbClr val="00FF00"/>
                 </a:solidFill>
@@ -21612,7 +21737,7 @@
               <a:t>pieces[1]</a:t>
             </a:r>
             <a:r>
-              <a:rPr lang="en-US" sz="2400" b="1" dirty="0" smtClean="0">
+              <a:rPr lang="en-US" sz="2400" dirty="0" smtClean="0">
                 <a:solidFill>
                   <a:schemeClr val="bg1"/>
                 </a:solidFill>
@@ -21697,7 +21822,7 @@
               <a:buNone/>
             </a:pPr>
             <a:r>
-              <a:rPr lang="en-US" sz="2400" b="1" i="0" u="none" strike="noStrike" cap="none">
+              <a:rPr lang="en-US" sz="2400" i="0" u="none" strike="noStrike" cap="none" dirty="0" err="1">
                 <a:solidFill>
                   <a:srgbClr val="FF00FF"/>
                 </a:solidFill>
@@ -21708,6 +21833,15 @@
               </a:rPr>
               <a:t>stephen.marquard@uct.ac.za</a:t>
             </a:r>
+            <a:endParaRPr lang="en-US" sz="2400" i="0" u="none" strike="noStrike" cap="none" dirty="0">
+              <a:solidFill>
+                <a:srgbClr val="FF00FF"/>
+              </a:solidFill>
+              <a:latin typeface="Courier New"/>
+              <a:ea typeface="Courier New"/>
+              <a:cs typeface="Courier New"/>
+              <a:sym typeface="Courier New"/>
+            </a:endParaRPr>
           </a:p>
         </p:txBody>
       </p:sp>
@@ -21754,7 +21888,7 @@
               <a:buNone/>
             </a:pPr>
             <a:r>
-              <a:rPr lang="en-US" sz="2400" b="1" i="0" u="none" strike="noStrike" cap="none">
+              <a:rPr lang="en-US" sz="2400" b="1" i="0" u="none" strike="noStrike" cap="none" dirty="0">
                 <a:solidFill>
                   <a:srgbClr val="00FF00"/>
                 </a:solidFill>
@@ -21763,7 +21897,31 @@
                 <a:cs typeface="Courier New"/>
                 <a:sym typeface="Courier New"/>
               </a:rPr>
-              <a:t>'uct.ac.za'</a:t>
+              <a:t>'</a:t>
+            </a:r>
+            <a:r>
+              <a:rPr lang="en-US" sz="2400" i="0" u="none" strike="noStrike" cap="none" dirty="0" err="1">
+                <a:solidFill>
+                  <a:srgbClr val="00FF00"/>
+                </a:solidFill>
+                <a:latin typeface="Courier New"/>
+                <a:ea typeface="Courier New"/>
+                <a:cs typeface="Courier New"/>
+                <a:sym typeface="Courier New"/>
+              </a:rPr>
+              <a:t>uct.ac.za</a:t>
+            </a:r>
+            <a:r>
+              <a:rPr lang="en-US" sz="2400" i="0" u="none" strike="noStrike" cap="none" dirty="0">
+                <a:solidFill>
+                  <a:srgbClr val="00FF00"/>
+                </a:solidFill>
+                <a:latin typeface="Courier New"/>
+                <a:ea typeface="Courier New"/>
+                <a:cs typeface="Courier New"/>
+                <a:sym typeface="Courier New"/>
+              </a:rPr>
+              <a:t>'</a:t>
             </a:r>
           </a:p>
         </p:txBody>
@@ -22583,7 +22741,7 @@
               <a:t>“</a:t>
             </a:r>
             <a:r>
-              <a:rPr lang="en-US" sz="7600" u="none" strike="noStrike" cap="none" dirty="0">
+              <a:rPr lang="en-US" sz="7600" u="none" strike="noStrike" cap="none">
                 <a:solidFill>
                   <a:srgbClr val="FFFF00"/>
                 </a:solidFill>
@@ -22595,7 +22753,7 @@
               <a:t>Collection</a:t>
             </a:r>
             <a:r>
-              <a:rPr lang="en-US" sz="7600" b="0" i="0" u="none" strike="noStrike" cap="none" dirty="0">
+              <a:rPr lang="en-US" sz="7600" b="0" i="0" u="none" strike="noStrike" cap="none" smtClean="0">
                 <a:solidFill>
                   <a:srgbClr val="FFFF00"/>
                 </a:solidFill>
@@ -22604,8 +22762,17 @@
                 <a:cs typeface="Arial"/>
                 <a:sym typeface="Arial"/>
               </a:rPr>
-              <a:t>”</a:t>
-            </a:r>
+              <a:t>”?</a:t>
+            </a:r>
+            <a:endParaRPr lang="en-US" sz="7600" b="0" i="0" u="none" strike="noStrike" cap="none" dirty="0">
+              <a:solidFill>
+                <a:srgbClr val="FFFF00"/>
+              </a:solidFill>
+              <a:latin typeface="Arial"/>
+              <a:ea typeface="Arial"/>
+              <a:cs typeface="Arial"/>
+              <a:sym typeface="Arial"/>
+            </a:endParaRPr>
           </a:p>
         </p:txBody>
       </p:sp>
@@ -22733,8 +22900,8 @@
         </p:nvSpPr>
         <p:spPr>
           <a:xfrm>
-            <a:off x="2136725" y="5900738"/>
-            <a:ext cx="13521599" cy="2257426"/>
+            <a:off x="2136725" y="5621338"/>
+            <a:ext cx="12214275" cy="2257426"/>
           </a:xfrm>
           <a:prstGeom prst="rect">
             <a:avLst/>
@@ -22768,7 +22935,7 @@
               <a:buNone/>
             </a:pPr>
             <a:r>
-              <a:rPr lang="en-US" sz="3000" b="1" i="0" u="none" strike="noStrike" cap="none" dirty="0">
+              <a:rPr lang="en-US" sz="3000" i="0" u="none" strike="noStrike" cap="none" dirty="0">
                 <a:solidFill>
                   <a:schemeClr val="lt1"/>
                 </a:solidFill>
@@ -22780,7 +22947,7 @@
               <a:t>$ </a:t>
             </a:r>
             <a:r>
-              <a:rPr lang="en-US" sz="3000" b="1" i="0" u="none" strike="noStrike" cap="none" dirty="0">
+              <a:rPr lang="en-US" sz="3000" i="0" u="none" strike="noStrike" cap="none" dirty="0">
                 <a:solidFill>
                   <a:srgbClr val="FFFF00"/>
                 </a:solidFill>
@@ -22811,7 +22978,7 @@
               <a:buNone/>
             </a:pPr>
             <a:r>
-              <a:rPr lang="en-US" sz="3000" b="1" i="0" u="none" strike="noStrike" cap="none" dirty="0" smtClean="0">
+              <a:rPr lang="en-US" sz="3000" i="0" u="none" strike="noStrike" cap="none" dirty="0" smtClean="0">
                 <a:solidFill>
                   <a:schemeClr val="lt1"/>
                 </a:solidFill>
@@ -22823,7 +22990,7 @@
               <a:t>&gt;&gt;&gt; </a:t>
             </a:r>
             <a:r>
-              <a:rPr lang="en-US" sz="3000" b="1" i="0" u="none" strike="noStrike" cap="none" dirty="0">
+              <a:rPr lang="en-US" sz="3000" i="0" u="none" strike="noStrike" cap="none" dirty="0">
                 <a:solidFill>
                   <a:srgbClr val="00FF00"/>
                 </a:solidFill>
@@ -22835,7 +23002,7 @@
               <a:t>x</a:t>
             </a:r>
             <a:r>
-              <a:rPr lang="en-US" sz="3000" b="1" i="0" u="none" strike="noStrike" cap="none" dirty="0">
+              <a:rPr lang="en-US" sz="3000" i="0" u="none" strike="noStrike" cap="none" dirty="0">
                 <a:solidFill>
                   <a:schemeClr val="lt1"/>
                 </a:solidFill>
@@ -22866,7 +23033,7 @@
               <a:buNone/>
             </a:pPr>
             <a:r>
-              <a:rPr lang="en-US" sz="3000" b="1" i="0" u="none" strike="noStrike" cap="none" dirty="0">
+              <a:rPr lang="en-US" sz="3000" i="0" u="none" strike="noStrike" cap="none" dirty="0">
                 <a:solidFill>
                   <a:schemeClr val="lt1"/>
                 </a:solidFill>
@@ -22878,7 +23045,7 @@
               <a:t>&gt;&gt;&gt; </a:t>
             </a:r>
             <a:r>
-              <a:rPr lang="en-US" sz="3000" b="1" i="0" u="none" strike="noStrike" cap="none" dirty="0">
+              <a:rPr lang="en-US" sz="3000" i="0" u="none" strike="noStrike" cap="none" dirty="0">
                 <a:solidFill>
                   <a:srgbClr val="00FF00"/>
                 </a:solidFill>
@@ -22890,7 +23057,7 @@
               <a:t>x</a:t>
             </a:r>
             <a:r>
-              <a:rPr lang="en-US" sz="3000" b="1" i="0" u="none" strike="noStrike" cap="none" dirty="0">
+              <a:rPr lang="en-US" sz="3000" i="0" u="none" strike="noStrike" cap="none" dirty="0">
                 <a:solidFill>
                   <a:schemeClr val="lt1"/>
                 </a:solidFill>
@@ -22921,7 +23088,7 @@
               <a:buNone/>
             </a:pPr>
             <a:r>
-              <a:rPr lang="en-US" sz="3000" b="1" i="0" u="none" strike="noStrike" cap="none" dirty="0">
+              <a:rPr lang="en-US" sz="3000" i="0" u="none" strike="noStrike" cap="none" dirty="0">
                 <a:solidFill>
                   <a:schemeClr val="lt1"/>
                 </a:solidFill>
@@ -22933,7 +23100,7 @@
               <a:t>&gt;&gt;&gt; </a:t>
             </a:r>
             <a:r>
-              <a:rPr lang="en-US" sz="3000" b="1" i="0" u="none" strike="noStrike" cap="none" dirty="0" smtClean="0">
+              <a:rPr lang="en-US" sz="3000" i="0" u="none" strike="noStrike" cap="none" dirty="0" smtClean="0">
                 <a:solidFill>
                   <a:srgbClr val="FFFF00"/>
                 </a:solidFill>
@@ -22945,7 +23112,7 @@
               <a:t>print(</a:t>
             </a:r>
             <a:r>
-              <a:rPr lang="en-US" sz="3000" b="1" i="0" u="none" strike="noStrike" cap="none" dirty="0" smtClean="0">
+              <a:rPr lang="en-US" sz="3000" i="0" u="none" strike="noStrike" cap="none" dirty="0" smtClean="0">
                 <a:solidFill>
                   <a:srgbClr val="00FF00"/>
                 </a:solidFill>
@@ -22957,7 +23124,7 @@
               <a:t>x</a:t>
             </a:r>
             <a:r>
-              <a:rPr lang="en-US" sz="3000" b="1" i="0" u="none" strike="noStrike" cap="none" dirty="0" smtClean="0">
+              <a:rPr lang="en-US" sz="3000" i="0" u="none" strike="noStrike" cap="none" dirty="0" smtClean="0">
                 <a:solidFill>
                   <a:srgbClr val="FFFF00"/>
                 </a:solidFill>
@@ -22968,7 +23135,7 @@
               </a:rPr>
               <a:t>)</a:t>
             </a:r>
-            <a:endParaRPr lang="en-US" sz="3000" b="1" i="0" u="none" strike="noStrike" cap="none" dirty="0">
+            <a:endParaRPr lang="en-US" sz="3000" i="0" u="none" strike="noStrike" cap="none" dirty="0">
               <a:solidFill>
                 <a:srgbClr val="FFFF00"/>
               </a:solidFill>
@@ -22997,7 +23164,7 @@
               <a:buNone/>
             </a:pPr>
             <a:r>
-              <a:rPr lang="en-US" sz="3000" b="1" i="0" u="none" strike="noStrike" cap="none" dirty="0">
+              <a:rPr lang="en-US" sz="3000" i="0" u="none" strike="noStrike" cap="none" dirty="0">
                 <a:solidFill>
                   <a:schemeClr val="lt1"/>
                 </a:solidFill>
@@ -23019,7 +23186,7 @@
   <p:timing>
     <p:tnLst>
       <p:par>
-        <p:cTn id="1" dur="indefinite" restart="never" nodeType="tmRoot"/>
+        <p:cTn xmlns:p14="http://schemas.microsoft.com/office/powerpoint/2010/main" id="1" dur="indefinite" restart="never" nodeType="tmRoot"/>
       </p:par>
     </p:tnLst>
   </p:timing>
@@ -23319,7 +23486,7 @@
         </p:blipFill>
         <p:spPr>
           <a:xfrm>
-            <a:off x="13430250" y="904083"/>
+            <a:off x="13277850" y="789709"/>
             <a:ext cx="2557874" cy="2096292"/>
           </a:xfrm>
           <a:prstGeom prst="rect">
@@ -23374,7 +23541,7 @@
               <a:buNone/>
             </a:pPr>
             <a:r>
-              <a:rPr lang="en-US" sz="3600" b="1" i="0" u="none" strike="noStrike" cap="none">
+              <a:rPr lang="en-US" sz="3600" i="0" u="none" strike="noStrike" cap="none" dirty="0">
                 <a:solidFill>
                   <a:srgbClr val="00FF00"/>
                 </a:solidFill>
@@ -23386,7 +23553,7 @@
               <a:t>friends</a:t>
             </a:r>
             <a:r>
-              <a:rPr lang="en-US" sz="3600" b="1" i="0" u="none" strike="noStrike" cap="none">
+              <a:rPr lang="en-US" sz="3600" i="0" u="none" strike="noStrike" cap="none" dirty="0">
                 <a:solidFill>
                   <a:srgbClr val="FF7F00"/>
                 </a:solidFill>
@@ -23398,7 +23565,7 @@
               <a:t> </a:t>
             </a:r>
             <a:r>
-              <a:rPr lang="en-US" sz="3600" b="1" i="0" u="none" strike="noStrike" cap="none">
+              <a:rPr lang="en-US" sz="3600" i="0" u="none" strike="noStrike" cap="none" dirty="0">
                 <a:solidFill>
                   <a:schemeClr val="lt1"/>
                 </a:solidFill>
@@ -23410,7 +23577,7 @@
               <a:t>=</a:t>
             </a:r>
             <a:r>
-              <a:rPr lang="en-US" sz="3600" b="1" i="0" u="none" strike="noStrike" cap="none">
+              <a:rPr lang="en-US" sz="3600" i="0" u="none" strike="noStrike" cap="none" dirty="0">
                 <a:solidFill>
                   <a:srgbClr val="FF7F00"/>
                 </a:solidFill>
@@ -23435,7 +23602,7 @@
               </a:spcAft>
               <a:buNone/>
             </a:pPr>
-            <a:endParaRPr sz="3600" b="1" i="0" u="none" strike="noStrike" cap="none" dirty="0">
+            <a:endParaRPr sz="3600" i="0" u="none" strike="noStrike" cap="none" dirty="0">
               <a:solidFill>
                 <a:srgbClr val="FF7F00"/>
               </a:solidFill>
@@ -23464,7 +23631,7 @@
               <a:buNone/>
             </a:pPr>
             <a:r>
-              <a:rPr lang="en-US" sz="3600" b="1" i="0" u="none" strike="noStrike" cap="none" dirty="0">
+              <a:rPr lang="en-US" sz="3600" i="0" u="none" strike="noStrike" cap="none" dirty="0">
                 <a:solidFill>
                   <a:srgbClr val="00FF00"/>
                 </a:solidFill>
@@ -23476,7 +23643,7 @@
               <a:t>carryon</a:t>
             </a:r>
             <a:r>
-              <a:rPr lang="en-US" sz="3600" b="1" i="0" u="none" strike="noStrike" cap="none" dirty="0">
+              <a:rPr lang="en-US" sz="3600" i="0" u="none" strike="noStrike" cap="none" dirty="0">
                 <a:solidFill>
                   <a:srgbClr val="FF7F00"/>
                 </a:solidFill>
@@ -23488,7 +23655,7 @@
               <a:t> </a:t>
             </a:r>
             <a:r>
-              <a:rPr lang="en-US" sz="3600" b="1" i="0" u="none" strike="noStrike" cap="none" dirty="0">
+              <a:rPr lang="en-US" sz="3600" i="0" u="none" strike="noStrike" cap="none" dirty="0">
                 <a:solidFill>
                   <a:schemeClr val="lt1"/>
                 </a:solidFill>
@@ -23500,7 +23667,7 @@
               <a:t>=</a:t>
             </a:r>
             <a:r>
-              <a:rPr lang="en-US" sz="3600" b="1" i="0" u="none" strike="noStrike" cap="none" dirty="0">
+              <a:rPr lang="en-US" sz="3600" i="0" u="none" strike="noStrike" cap="none" dirty="0">
                 <a:solidFill>
                   <a:srgbClr val="FF7F00"/>
                 </a:solidFill>
@@ -23522,7 +23689,7 @@
   <p:timing>
     <p:tnLst>
       <p:par>
-        <p:cTn id="1" dur="indefinite" restart="never" nodeType="tmRoot"/>
+        <p:cTn xmlns:p14="http://schemas.microsoft.com/office/powerpoint/2010/main" id="1" dur="indefinite" restart="never" nodeType="tmRoot"/>
       </p:par>
     </p:tnLst>
   </p:timing>
@@ -23589,7 +23756,7 @@
               <a:buNone/>
             </a:pPr>
             <a:r>
-              <a:rPr lang="en-US" sz="7600" u="none" strike="noStrike" cap="none">
+              <a:rPr lang="en-US" sz="7600" u="none" strike="noStrike" cap="none" dirty="0">
                 <a:solidFill>
                   <a:srgbClr val="FFFF00"/>
                 </a:solidFill>
@@ -23615,7 +23782,7 @@
         </p:nvSpPr>
         <p:spPr>
           <a:xfrm>
-            <a:off x="1155700" y="2857500"/>
+            <a:off x="698500" y="2857500"/>
             <a:ext cx="7331075" cy="4843463"/>
           </a:xfrm>
           <a:prstGeom prst="rect">
@@ -23646,7 +23813,7 @@
               <a:buFont typeface="Cabin"/>
             </a:pPr>
             <a:r>
-              <a:rPr lang="en-US" sz="3400" u="none" strike="noStrike" cap="none">
+              <a:rPr lang="en-US" sz="3400" u="none" strike="noStrike" cap="none" dirty="0">
                 <a:solidFill>
                   <a:srgbClr val="FF7F00"/>
                 </a:solidFill>
@@ -23658,7 +23825,7 @@
               <a:t>List</a:t>
             </a:r>
             <a:r>
-              <a:rPr lang="en-US" sz="3400" u="none" strike="noStrike" cap="none">
+              <a:rPr lang="en-US" sz="3400" u="none" strike="noStrike" cap="none" dirty="0">
                 <a:solidFill>
                   <a:schemeClr val="lt1"/>
                 </a:solidFill>
@@ -23794,7 +23961,7 @@
         </p:nvSpPr>
         <p:spPr>
           <a:xfrm>
-            <a:off x="9358313" y="2532050"/>
+            <a:off x="8774113" y="2532050"/>
             <a:ext cx="7162387" cy="5540399"/>
           </a:xfrm>
           <a:prstGeom prst="rect">
@@ -23829,7 +23996,7 @@
               <a:buNone/>
             </a:pPr>
             <a:r>
-              <a:rPr lang="en-US" sz="2400" b="1" i="0" u="none" strike="noStrike" cap="none" dirty="0">
+              <a:rPr lang="en-US" sz="2800" i="0" u="none" strike="noStrike" cap="none" dirty="0">
                 <a:solidFill>
                   <a:schemeClr val="lt1"/>
                 </a:solidFill>
@@ -23841,7 +24008,7 @@
               <a:t>&gt;&gt;&gt; </a:t>
             </a:r>
             <a:r>
-              <a:rPr lang="en-US" sz="2400" b="1" i="0" u="none" strike="noStrike" cap="none" dirty="0" smtClean="0">
+              <a:rPr lang="en-US" sz="2800" i="0" u="none" strike="noStrike" cap="none" dirty="0" smtClean="0">
                 <a:solidFill>
                   <a:srgbClr val="FFFF00"/>
                 </a:solidFill>
@@ -23853,7 +24020,7 @@
               <a:t>print(</a:t>
             </a:r>
             <a:r>
-              <a:rPr lang="en-US" sz="2400" b="1" i="0" u="none" strike="noStrike" cap="none" dirty="0" smtClean="0">
+              <a:rPr lang="en-US" sz="2800" i="0" u="none" strike="noStrike" cap="none" dirty="0" smtClean="0">
                 <a:solidFill>
                   <a:srgbClr val="FF7F00"/>
                 </a:solidFill>
@@ -23865,7 +24032,7 @@
               <a:t>[</a:t>
             </a:r>
             <a:r>
-              <a:rPr lang="en-US" sz="2400" b="1" i="0" u="none" strike="noStrike" cap="none" dirty="0">
+              <a:rPr lang="en-US" sz="2800" i="0" u="none" strike="noStrike" cap="none" dirty="0">
                 <a:solidFill>
                   <a:srgbClr val="FF7F00"/>
                 </a:solidFill>
@@ -23877,7 +24044,7 @@
               <a:t>1, 24, 76</a:t>
             </a:r>
             <a:r>
-              <a:rPr lang="en-US" sz="2400" b="1" i="0" u="none" strike="noStrike" cap="none" dirty="0" smtClean="0">
+              <a:rPr lang="en-US" sz="2800" i="0" u="none" strike="noStrike" cap="none" dirty="0" smtClean="0">
                 <a:solidFill>
                   <a:srgbClr val="FF7F00"/>
                 </a:solidFill>
@@ -23889,7 +24056,7 @@
               <a:t>]</a:t>
             </a:r>
             <a:r>
-              <a:rPr lang="en-US" sz="2400" b="1" i="0" u="none" strike="noStrike" cap="none" dirty="0" smtClean="0">
+              <a:rPr lang="en-US" sz="2800" i="0" u="none" strike="noStrike" cap="none" dirty="0" smtClean="0">
                 <a:solidFill>
                   <a:srgbClr val="FFFF00"/>
                 </a:solidFill>
@@ -23900,7 +24067,7 @@
               </a:rPr>
               <a:t>)</a:t>
             </a:r>
-            <a:endParaRPr lang="en-US" sz="2400" b="1" i="0" u="none" strike="noStrike" cap="none" dirty="0">
+            <a:endParaRPr lang="en-US" sz="2800" i="0" u="none" strike="noStrike" cap="none" dirty="0">
               <a:solidFill>
                 <a:srgbClr val="FFFF00"/>
               </a:solidFill>
@@ -23929,7 +24096,7 @@
               <a:buNone/>
             </a:pPr>
             <a:r>
-              <a:rPr lang="en-US" sz="2400" b="1" i="0" u="none" strike="noStrike" cap="none" dirty="0">
+              <a:rPr lang="en-US" sz="2800" i="0" u="none" strike="noStrike" cap="none" dirty="0">
                 <a:solidFill>
                   <a:schemeClr val="lt1"/>
                 </a:solidFill>
@@ -23949,7 +24116,7 @@
               <a:buSzPct val="25000"/>
             </a:pPr>
             <a:r>
-              <a:rPr lang="en-US" sz="2400" b="1" i="0" u="none" strike="noStrike" cap="none" dirty="0">
+              <a:rPr lang="en-US" sz="2800" i="0" u="none" strike="noStrike" cap="none" dirty="0">
                 <a:solidFill>
                   <a:schemeClr val="lt1"/>
                 </a:solidFill>
@@ -23961,7 +24128,7 @@
               <a:t>&gt;&gt;&gt; </a:t>
             </a:r>
             <a:r>
-              <a:rPr lang="en-US" sz="2400" b="1" i="0" u="none" strike="noStrike" cap="none" dirty="0" smtClean="0">
+              <a:rPr lang="en-US" sz="2800" i="0" u="none" strike="noStrike" cap="none" dirty="0" smtClean="0">
                 <a:solidFill>
                   <a:srgbClr val="FFFF00"/>
                 </a:solidFill>
@@ -23973,7 +24140,7 @@
               <a:t>print</a:t>
             </a:r>
             <a:r>
-              <a:rPr lang="en-US" sz="2400" b="1" dirty="0">
+              <a:rPr lang="en-US" sz="2800" dirty="0">
                 <a:solidFill>
                   <a:schemeClr val="lt1"/>
                 </a:solidFill>
@@ -23985,7 +24152,7 @@
               <a:t>(</a:t>
             </a:r>
             <a:r>
-              <a:rPr lang="en-US" sz="2400" b="1" i="0" u="none" strike="noStrike" cap="none" dirty="0" smtClean="0">
+              <a:rPr lang="en-US" sz="2800" i="0" u="none" strike="noStrike" cap="none" dirty="0" smtClean="0">
                 <a:solidFill>
                   <a:srgbClr val="FF7F00"/>
                 </a:solidFill>
@@ -23997,7 +24164,7 @@
               <a:t>[</a:t>
             </a:r>
             <a:r>
-              <a:rPr lang="en-US" sz="2400" b="1" i="0" u="none" strike="noStrike" cap="none" dirty="0">
+              <a:rPr lang="en-US" sz="2800" i="0" u="none" strike="noStrike" cap="none" dirty="0">
                 <a:solidFill>
                   <a:srgbClr val="FF7F00"/>
                 </a:solidFill>
@@ -24009,7 +24176,7 @@
               <a:t>'red', 'yellow', 'blue</a:t>
             </a:r>
             <a:r>
-              <a:rPr lang="en-US" sz="2400" b="1" i="0" u="none" strike="noStrike" cap="none" dirty="0" smtClean="0">
+              <a:rPr lang="en-US" sz="2800" i="0" u="none" strike="noStrike" cap="none" dirty="0" smtClean="0">
                 <a:solidFill>
                   <a:srgbClr val="FF7F00"/>
                 </a:solidFill>
@@ -24021,7 +24188,7 @@
               <a:t>']</a:t>
             </a:r>
             <a:r>
-              <a:rPr lang="en-US" sz="2400" b="1" dirty="0" smtClean="0">
+              <a:rPr lang="en-US" sz="2800" dirty="0" smtClean="0">
                 <a:solidFill>
                   <a:srgbClr val="FFFF00"/>
                 </a:solidFill>
@@ -24032,7 +24199,7 @@
               </a:rPr>
               <a:t>)</a:t>
             </a:r>
-            <a:endParaRPr lang="en-US" sz="2400" b="1" i="0" u="none" strike="noStrike" cap="none" dirty="0">
+            <a:endParaRPr lang="en-US" sz="2800" i="0" u="none" strike="noStrike" cap="none" dirty="0">
               <a:solidFill>
                 <a:srgbClr val="FF7F00"/>
               </a:solidFill>
@@ -24061,7 +24228,7 @@
               <a:buNone/>
             </a:pPr>
             <a:r>
-              <a:rPr lang="en-US" sz="2400" b="1" i="0" u="none" strike="noStrike" cap="none" dirty="0">
+              <a:rPr lang="en-US" sz="2800" i="0" u="none" strike="noStrike" cap="none" dirty="0">
                 <a:solidFill>
                   <a:schemeClr val="lt1"/>
                 </a:solidFill>
@@ -24081,7 +24248,7 @@
               <a:buSzPct val="25000"/>
             </a:pPr>
             <a:r>
-              <a:rPr lang="en-US" sz="2400" b="1" i="0" u="none" strike="noStrike" cap="none" dirty="0">
+              <a:rPr lang="en-US" sz="2800" i="0" u="none" strike="noStrike" cap="none" dirty="0">
                 <a:solidFill>
                   <a:schemeClr val="lt1"/>
                 </a:solidFill>
@@ -24093,7 +24260,7 @@
               <a:t>&gt;&gt;&gt; </a:t>
             </a:r>
             <a:r>
-              <a:rPr lang="en-US" sz="2400" b="1" i="0" u="none" strike="noStrike" cap="none" dirty="0" smtClean="0">
+              <a:rPr lang="en-US" sz="2800" i="0" u="none" strike="noStrike" cap="none" dirty="0" smtClean="0">
                 <a:solidFill>
                   <a:srgbClr val="FFFF00"/>
                 </a:solidFill>
@@ -24105,7 +24272,7 @@
               <a:t>print</a:t>
             </a:r>
             <a:r>
-              <a:rPr lang="en-US" sz="2400" b="1" dirty="0">
+              <a:rPr lang="en-US" sz="2800" dirty="0">
                 <a:solidFill>
                   <a:schemeClr val="lt1"/>
                 </a:solidFill>
@@ -24117,7 +24284,7 @@
               <a:t>(</a:t>
             </a:r>
             <a:r>
-              <a:rPr lang="en-US" sz="2400" b="1" i="0" u="none" strike="noStrike" cap="none" dirty="0" smtClean="0">
+              <a:rPr lang="en-US" sz="2800" i="0" u="none" strike="noStrike" cap="none" dirty="0" smtClean="0">
                 <a:solidFill>
                   <a:srgbClr val="FF7F00"/>
                 </a:solidFill>
@@ -24129,7 +24296,7 @@
               <a:t>[</a:t>
             </a:r>
             <a:r>
-              <a:rPr lang="en-US" sz="2400" b="1" i="0" u="none" strike="noStrike" cap="none" dirty="0">
+              <a:rPr lang="en-US" sz="2800" i="0" u="none" strike="noStrike" cap="none" dirty="0">
                 <a:solidFill>
                   <a:srgbClr val="FF7F00"/>
                 </a:solidFill>
@@ -24141,7 +24308,7 @@
               <a:t>'red', 24, 98.6</a:t>
             </a:r>
             <a:r>
-              <a:rPr lang="en-US" sz="2400" b="1" i="0" u="none" strike="noStrike" cap="none" dirty="0" smtClean="0">
+              <a:rPr lang="en-US" sz="2800" i="0" u="none" strike="noStrike" cap="none" dirty="0" smtClean="0">
                 <a:solidFill>
                   <a:srgbClr val="FF7F00"/>
                 </a:solidFill>
@@ -24153,7 +24320,7 @@
               <a:t>]</a:t>
             </a:r>
             <a:r>
-              <a:rPr lang="en-US" sz="2400" b="1" dirty="0" smtClean="0">
+              <a:rPr lang="en-US" sz="2800" dirty="0" smtClean="0">
                 <a:solidFill>
                   <a:srgbClr val="FFFF00"/>
                 </a:solidFill>
@@ -24164,7 +24331,7 @@
               </a:rPr>
               <a:t>)</a:t>
             </a:r>
-            <a:endParaRPr lang="en-US" sz="2400" b="1" i="0" u="none" strike="noStrike" cap="none" dirty="0" smtClean="0">
+            <a:endParaRPr lang="en-US" sz="2800" i="0" u="none" strike="noStrike" cap="none" dirty="0" smtClean="0">
               <a:solidFill>
                 <a:srgbClr val="FF7F00"/>
               </a:solidFill>
@@ -24193,7 +24360,7 @@
               <a:buNone/>
             </a:pPr>
             <a:r>
-              <a:rPr lang="en-US" sz="2400" b="1" i="0" u="none" strike="noStrike" cap="none" dirty="0" smtClean="0">
+              <a:rPr lang="en-US" sz="2800" i="0" u="none" strike="noStrike" cap="none" dirty="0" smtClean="0">
                 <a:solidFill>
                   <a:schemeClr val="lt1"/>
                 </a:solidFill>
@@ -24205,7 +24372,7 @@
               <a:t>[</a:t>
             </a:r>
             <a:r>
-              <a:rPr lang="en-US" sz="2400" b="1" i="0" u="none" strike="noStrike" cap="none" dirty="0">
+              <a:rPr lang="en-US" sz="2800" i="0" u="none" strike="noStrike" cap="none" dirty="0">
                 <a:solidFill>
                   <a:schemeClr val="lt1"/>
                 </a:solidFill>
@@ -24217,7 +24384,7 @@
               <a:t>'red', 24, </a:t>
             </a:r>
             <a:r>
-              <a:rPr lang="en-US" sz="2400" b="1" i="0" u="none" strike="noStrike" cap="none" dirty="0" smtClean="0">
+              <a:rPr lang="en-US" sz="2800" i="0" u="none" strike="noStrike" cap="none" dirty="0" smtClean="0">
                 <a:solidFill>
                   <a:schemeClr val="lt1"/>
                 </a:solidFill>
@@ -24228,7 +24395,7 @@
               </a:rPr>
               <a:t>98.6]</a:t>
             </a:r>
-            <a:endParaRPr lang="en-US" sz="2400" b="1" i="0" u="none" strike="noStrike" cap="none" dirty="0">
+            <a:endParaRPr lang="en-US" sz="2800" i="0" u="none" strike="noStrike" cap="none" dirty="0">
               <a:solidFill>
                 <a:schemeClr val="lt1"/>
               </a:solidFill>
@@ -24246,7 +24413,7 @@
               <a:buSzPct val="25000"/>
             </a:pPr>
             <a:r>
-              <a:rPr lang="en-US" sz="2400" b="1" i="0" u="none" strike="noStrike" cap="none" dirty="0">
+              <a:rPr lang="en-US" sz="2800" i="0" u="none" strike="noStrike" cap="none" dirty="0">
                 <a:solidFill>
                   <a:schemeClr val="lt1"/>
                 </a:solidFill>
@@ -24258,7 +24425,7 @@
               <a:t>&gt;&gt;&gt; </a:t>
             </a:r>
             <a:r>
-              <a:rPr lang="en-US" sz="2400" b="1" i="0" u="none" strike="noStrike" cap="none" dirty="0" smtClean="0">
+              <a:rPr lang="en-US" sz="2800" i="0" u="none" strike="noStrike" cap="none" dirty="0" smtClean="0">
                 <a:solidFill>
                   <a:srgbClr val="FFFF00"/>
                 </a:solidFill>
@@ -24270,7 +24437,7 @@
               <a:t>print</a:t>
             </a:r>
             <a:r>
-              <a:rPr lang="en-US" sz="2400" b="1" dirty="0">
+              <a:rPr lang="en-US" sz="2800" dirty="0">
                 <a:solidFill>
                   <a:srgbClr val="FFFF00"/>
                 </a:solidFill>
@@ -24282,7 +24449,7 @@
               <a:t>(</a:t>
             </a:r>
             <a:r>
-              <a:rPr lang="en-US" sz="2400" b="1" i="0" u="none" strike="noStrike" cap="none" dirty="0" smtClean="0">
+              <a:rPr lang="en-US" sz="2800" i="0" u="none" strike="noStrike" cap="none" dirty="0" smtClean="0">
                 <a:solidFill>
                   <a:srgbClr val="FF7F00"/>
                 </a:solidFill>
@@ -24294,7 +24461,7 @@
               <a:t>[ </a:t>
             </a:r>
             <a:r>
-              <a:rPr lang="en-US" sz="2400" b="1" i="0" u="none" strike="noStrike" cap="none" dirty="0">
+              <a:rPr lang="en-US" sz="2800" i="0" u="none" strike="noStrike" cap="none" dirty="0">
                 <a:solidFill>
                   <a:srgbClr val="FF7F00"/>
                 </a:solidFill>
@@ -24306,7 +24473,7 @@
               <a:t>1, </a:t>
             </a:r>
             <a:r>
-              <a:rPr lang="en-US" sz="2400" b="1" i="0" u="none" strike="noStrike" cap="none" dirty="0">
+              <a:rPr lang="en-US" sz="2800" i="0" u="none" strike="noStrike" cap="none" dirty="0">
                 <a:solidFill>
                   <a:srgbClr val="00FFFF"/>
                 </a:solidFill>
@@ -24318,7 +24485,7 @@
               <a:t>[5, 6]</a:t>
             </a:r>
             <a:r>
-              <a:rPr lang="en-US" sz="2400" b="1" i="0" u="none" strike="noStrike" cap="none" dirty="0">
+              <a:rPr lang="en-US" sz="2800" i="0" u="none" strike="noStrike" cap="none" dirty="0">
                 <a:solidFill>
                   <a:srgbClr val="FF7F00"/>
                 </a:solidFill>
@@ -24330,7 +24497,7 @@
               <a:t>, 7</a:t>
             </a:r>
             <a:r>
-              <a:rPr lang="en-US" sz="2400" b="1" i="0" u="none" strike="noStrike" cap="none" dirty="0" smtClean="0">
+              <a:rPr lang="en-US" sz="2800" i="0" u="none" strike="noStrike" cap="none" dirty="0" smtClean="0">
                 <a:solidFill>
                   <a:srgbClr val="FF7F00"/>
                 </a:solidFill>
@@ -24342,7 +24509,7 @@
               <a:t>]</a:t>
             </a:r>
             <a:r>
-              <a:rPr lang="en-US" sz="2400" b="1" dirty="0" smtClean="0">
+              <a:rPr lang="en-US" sz="2800" dirty="0" smtClean="0">
                 <a:solidFill>
                   <a:srgbClr val="FFFF00"/>
                 </a:solidFill>
@@ -24353,7 +24520,7 @@
               </a:rPr>
               <a:t>)</a:t>
             </a:r>
-            <a:endParaRPr lang="en-US" sz="2400" b="1" i="0" u="none" strike="noStrike" cap="none" dirty="0">
+            <a:endParaRPr lang="en-US" sz="2800" i="0" u="none" strike="noStrike" cap="none" dirty="0">
               <a:solidFill>
                 <a:srgbClr val="FF7F00"/>
               </a:solidFill>
@@ -24382,7 +24549,7 @@
               <a:buNone/>
             </a:pPr>
             <a:r>
-              <a:rPr lang="en-US" sz="2400" b="1" i="0" u="none" strike="noStrike" cap="none" dirty="0">
+              <a:rPr lang="en-US" sz="2800" i="0" u="none" strike="noStrike" cap="none" dirty="0">
                 <a:solidFill>
                   <a:schemeClr val="lt1"/>
                 </a:solidFill>
@@ -24402,7 +24569,7 @@
               <a:buSzPct val="25000"/>
             </a:pPr>
             <a:r>
-              <a:rPr lang="en-US" sz="2400" b="1" i="0" u="none" strike="noStrike" cap="none" dirty="0">
+              <a:rPr lang="en-US" sz="2800" i="0" u="none" strike="noStrike" cap="none" dirty="0">
                 <a:solidFill>
                   <a:schemeClr val="lt1"/>
                 </a:solidFill>
@@ -24414,7 +24581,7 @@
               <a:t>&gt;&gt;&gt; </a:t>
             </a:r>
             <a:r>
-              <a:rPr lang="en-US" sz="2400" b="1" i="0" u="none" strike="noStrike" cap="none" dirty="0" smtClean="0">
+              <a:rPr lang="en-US" sz="2800" i="0" u="none" strike="noStrike" cap="none" dirty="0" smtClean="0">
                 <a:solidFill>
                   <a:srgbClr val="FFFF00"/>
                 </a:solidFill>
@@ -24426,7 +24593,7 @@
               <a:t>print</a:t>
             </a:r>
             <a:r>
-              <a:rPr lang="en-US" sz="2400" b="1" dirty="0" smtClean="0">
+              <a:rPr lang="en-US" sz="2800" dirty="0" smtClean="0">
                 <a:solidFill>
                   <a:schemeClr val="lt1"/>
                 </a:solidFill>
@@ -24438,7 +24605,7 @@
               <a:t>(</a:t>
             </a:r>
             <a:r>
-              <a:rPr lang="en-US" sz="2400" b="1" i="0" u="none" strike="noStrike" cap="none" dirty="0" smtClean="0">
+              <a:rPr lang="en-US" sz="2800" i="0" u="none" strike="noStrike" cap="none" dirty="0" smtClean="0">
                 <a:solidFill>
                   <a:srgbClr val="FF7F00"/>
                 </a:solidFill>
@@ -24450,7 +24617,7 @@
               <a:t>[]</a:t>
             </a:r>
             <a:r>
-              <a:rPr lang="en-US" sz="2400" b="1" dirty="0" smtClean="0">
+              <a:rPr lang="en-US" sz="2800" dirty="0" smtClean="0">
                 <a:solidFill>
                   <a:srgbClr val="FFFF00"/>
                 </a:solidFill>
@@ -24461,7 +24628,7 @@
               </a:rPr>
               <a:t>)</a:t>
             </a:r>
-            <a:endParaRPr lang="en-US" sz="2400" b="1" i="0" u="none" strike="noStrike" cap="none" dirty="0" smtClean="0">
+            <a:endParaRPr lang="en-US" sz="2800" i="0" u="none" strike="noStrike" cap="none" dirty="0" smtClean="0">
               <a:solidFill>
                 <a:srgbClr val="FF7F00"/>
               </a:solidFill>
@@ -24490,7 +24657,7 @@
               <a:buNone/>
             </a:pPr>
             <a:r>
-              <a:rPr lang="en-US" sz="2400" b="1" i="0" u="none" strike="noStrike" cap="none" dirty="0" smtClean="0">
+              <a:rPr lang="en-US" sz="2800" i="0" u="none" strike="noStrike" cap="none" dirty="0" smtClean="0">
                 <a:solidFill>
                   <a:schemeClr val="lt1"/>
                 </a:solidFill>
@@ -24501,7 +24668,7 @@
               </a:rPr>
               <a:t>[]</a:t>
             </a:r>
-            <a:endParaRPr lang="en-US" sz="2400" b="1" i="0" u="none" strike="noStrike" cap="none" dirty="0">
+            <a:endParaRPr lang="en-US" sz="2800" i="0" u="none" strike="noStrike" cap="none" dirty="0">
               <a:solidFill>
                 <a:schemeClr val="lt1"/>
               </a:solidFill>
@@ -24521,7 +24688,7 @@
   <p:timing>
     <p:tnLst>
       <p:par>
-        <p:cTn id="1" dur="indefinite" restart="never" nodeType="tmRoot"/>
+        <p:cTn xmlns:p14="http://schemas.microsoft.com/office/powerpoint/2010/main" id="1" dur="indefinite" restart="never" nodeType="tmRoot"/>
       </p:par>
     </p:tnLst>
   </p:timing>
@@ -24604,33 +24771,14 @@
       </p:sp>
       <p:sp>
         <p:nvSpPr>
-          <p:cNvPr id="3" name="Text Placeholder 2"/>
-          <p:cNvSpPr>
-            <a:spLocks noGrp="1"/>
-          </p:cNvSpPr>
-          <p:nvPr>
-            <p:ph type="body" idx="1"/>
-          </p:nvPr>
-        </p:nvSpPr>
-        <p:spPr/>
-        <p:txBody>
-          <a:bodyPr/>
-          <a:lstStyle/>
-          <a:p>
-            <a:endParaRPr lang="en-US"/>
-          </a:p>
-        </p:txBody>
-      </p:sp>
-      <p:sp>
-        <p:nvSpPr>
           <p:cNvPr id="197" name="Shape 197"/>
           <p:cNvSpPr txBox="1"/>
           <p:nvPr/>
         </p:nvSpPr>
         <p:spPr>
           <a:xfrm>
-            <a:off x="1895475" y="2726300"/>
-            <a:ext cx="8488800" cy="3982499"/>
+            <a:off x="1895475" y="2840601"/>
+            <a:ext cx="8488800" cy="3636400"/>
           </a:xfrm>
           <a:prstGeom prst="rect">
             <a:avLst/>
@@ -24664,7 +24812,7 @@
               <a:buNone/>
             </a:pPr>
             <a:r>
-              <a:rPr lang="en-US" sz="3600" b="1" i="0" u="none" strike="noStrike" cap="none" dirty="0">
+              <a:rPr lang="en-US" sz="3600" i="0" u="none" strike="noStrike" cap="none" dirty="0">
                 <a:solidFill>
                   <a:srgbClr val="FFFF00"/>
                 </a:solidFill>
@@ -24676,7 +24824,7 @@
               <a:t>for</a:t>
             </a:r>
             <a:r>
-              <a:rPr lang="en-US" sz="3600" b="1" i="0" u="none" strike="noStrike" cap="none" dirty="0">
+              <a:rPr lang="en-US" sz="3600" i="0" u="none" strike="noStrike" cap="none" dirty="0">
                 <a:solidFill>
                   <a:schemeClr val="lt1"/>
                 </a:solidFill>
@@ -24688,7 +24836,7 @@
               <a:t> </a:t>
             </a:r>
             <a:r>
-              <a:rPr lang="en-US" sz="3600" b="1" i="0" u="none" strike="noStrike" cap="none" dirty="0" err="1">
+              <a:rPr lang="en-US" sz="3600" i="0" u="none" strike="noStrike" cap="none" dirty="0" err="1">
                 <a:solidFill>
                   <a:srgbClr val="00FF00"/>
                 </a:solidFill>
@@ -24700,7 +24848,7 @@
               <a:t>i</a:t>
             </a:r>
             <a:r>
-              <a:rPr lang="en-US" sz="3600" b="1" i="0" u="none" strike="noStrike" cap="none" dirty="0">
+              <a:rPr lang="en-US" sz="3600" i="0" u="none" strike="noStrike" cap="none" dirty="0">
                 <a:solidFill>
                   <a:schemeClr val="lt1"/>
                 </a:solidFill>
@@ -24712,7 +24860,7 @@
               <a:t> </a:t>
             </a:r>
             <a:r>
-              <a:rPr lang="en-US" sz="3600" b="1" i="0" u="none" strike="noStrike" cap="none" dirty="0">
+              <a:rPr lang="en-US" sz="3600" i="0" u="none" strike="noStrike" cap="none" dirty="0">
                 <a:solidFill>
                   <a:srgbClr val="FFFF00"/>
                 </a:solidFill>
@@ -24724,7 +24872,7 @@
               <a:t>in</a:t>
             </a:r>
             <a:r>
-              <a:rPr lang="en-US" sz="3600" b="1" i="0" u="none" strike="noStrike" cap="none" dirty="0">
+              <a:rPr lang="en-US" sz="3600" i="0" u="none" strike="noStrike" cap="none" dirty="0">
                 <a:solidFill>
                   <a:schemeClr val="lt1"/>
                 </a:solidFill>
@@ -24736,7 +24884,7 @@
               <a:t> </a:t>
             </a:r>
             <a:r>
-              <a:rPr lang="en-US" sz="3600" b="1" i="0" u="none" strike="noStrike" cap="none" dirty="0">
+              <a:rPr lang="en-US" sz="3600" i="0" u="none" strike="noStrike" cap="none" dirty="0">
                 <a:solidFill>
                   <a:srgbClr val="FF7F00"/>
                 </a:solidFill>
@@ -24748,7 +24896,7 @@
               <a:t>[5, 4, 3, 2, 1]</a:t>
             </a:r>
             <a:r>
-              <a:rPr lang="en-US" sz="3600" b="1" i="0" u="none" strike="noStrike" cap="none" dirty="0">
+              <a:rPr lang="en-US" sz="3600" i="0" u="none" strike="noStrike" cap="none" dirty="0">
                 <a:solidFill>
                   <a:srgbClr val="00FF00"/>
                 </a:solidFill>
@@ -24760,7 +24908,7 @@
               <a:t> </a:t>
             </a:r>
             <a:r>
-              <a:rPr lang="en-US" sz="3600" b="1" i="0" u="none" strike="noStrike" cap="none" dirty="0">
+              <a:rPr lang="en-US" sz="3600" i="0" u="none" strike="noStrike" cap="none" dirty="0">
                 <a:solidFill>
                   <a:schemeClr val="lt1"/>
                 </a:solidFill>
@@ -24791,7 +24939,7 @@
               <a:buNone/>
             </a:pPr>
             <a:r>
-              <a:rPr lang="en-US" sz="3600" b="1" i="0" u="none" strike="noStrike" cap="none" dirty="0">
+              <a:rPr lang="en-US" sz="3600" i="0" u="none" strike="noStrike" cap="none" dirty="0">
                 <a:solidFill>
                   <a:schemeClr val="lt1"/>
                 </a:solidFill>
@@ -24803,7 +24951,7 @@
               <a:t>    </a:t>
             </a:r>
             <a:r>
-              <a:rPr lang="en-US" sz="3600" b="1" i="0" u="none" strike="noStrike" cap="none" dirty="0" smtClean="0">
+              <a:rPr lang="en-US" sz="3600" i="0" u="none" strike="noStrike" cap="none" dirty="0" smtClean="0">
                 <a:solidFill>
                   <a:srgbClr val="FFFF00"/>
                 </a:solidFill>
@@ -24815,7 +24963,7 @@
               <a:t>print(</a:t>
             </a:r>
             <a:r>
-              <a:rPr lang="en-US" sz="3600" b="1" i="0" u="none" strike="noStrike" cap="none" dirty="0" err="1" smtClean="0">
+              <a:rPr lang="en-US" sz="3600" i="0" u="none" strike="noStrike" cap="none" dirty="0" err="1" smtClean="0">
                 <a:solidFill>
                   <a:srgbClr val="00FF00"/>
                 </a:solidFill>
@@ -24827,7 +24975,7 @@
               <a:t>i</a:t>
             </a:r>
             <a:r>
-              <a:rPr lang="en-US" sz="3600" b="1" i="0" u="none" strike="noStrike" cap="none" dirty="0" smtClean="0">
+              <a:rPr lang="en-US" sz="3600" i="0" u="none" strike="noStrike" cap="none" dirty="0" smtClean="0">
                 <a:solidFill>
                   <a:srgbClr val="FFFF00"/>
                 </a:solidFill>
@@ -24838,7 +24986,7 @@
               </a:rPr>
               <a:t>)</a:t>
             </a:r>
-            <a:endParaRPr lang="en-US" sz="3600" b="1" i="0" u="none" strike="noStrike" cap="none" dirty="0">
+            <a:endParaRPr lang="en-US" sz="3600" i="0" u="none" strike="noStrike" cap="none" dirty="0">
               <a:solidFill>
                 <a:srgbClr val="FFFF00"/>
               </a:solidFill>
@@ -24867,7 +25015,7 @@
               <a:buNone/>
             </a:pPr>
             <a:r>
-              <a:rPr lang="en-US" sz="3600" b="1" i="0" u="none" strike="noStrike" cap="none" dirty="0" smtClean="0">
+              <a:rPr lang="en-US" sz="3600" i="0" u="none" strike="noStrike" cap="none" dirty="0" smtClean="0">
                 <a:solidFill>
                   <a:srgbClr val="FFFF00"/>
                 </a:solidFill>
@@ -24879,7 +25027,7 @@
               <a:t>print(</a:t>
             </a:r>
             <a:r>
-              <a:rPr lang="en-US" sz="3600" b="1" i="0" u="none" strike="noStrike" cap="none" dirty="0" smtClean="0">
+              <a:rPr lang="en-US" sz="3600" i="0" u="none" strike="noStrike" cap="none" dirty="0" smtClean="0">
                 <a:solidFill>
                   <a:srgbClr val="FF7F00"/>
                 </a:solidFill>
@@ -24891,7 +25039,7 @@
               <a:t>'Blastoff!'</a:t>
             </a:r>
             <a:r>
-              <a:rPr lang="en-US" sz="3600" b="1" i="0" u="none" strike="noStrike" cap="none" dirty="0" smtClean="0">
+              <a:rPr lang="en-US" sz="3600" i="0" u="none" strike="noStrike" cap="none" dirty="0" smtClean="0">
                 <a:solidFill>
                   <a:srgbClr val="FFFF00"/>
                 </a:solidFill>
@@ -24902,7 +25050,7 @@
               </a:rPr>
               <a:t>)</a:t>
             </a:r>
-            <a:endParaRPr lang="en-US" sz="3600" b="1" i="0" u="none" strike="noStrike" cap="none" dirty="0">
+            <a:endParaRPr lang="en-US" sz="3600" i="0" u="none" strike="noStrike" cap="none" dirty="0">
               <a:solidFill>
                 <a:srgbClr val="FFFF00"/>
               </a:solidFill>
@@ -25134,7 +25282,7 @@
   <p:timing>
     <p:tnLst>
       <p:par>
-        <p:cTn id="1" dur="indefinite" restart="never" nodeType="tmRoot"/>
+        <p:cTn xmlns:p14="http://schemas.microsoft.com/office/powerpoint/2010/main" id="1" dur="indefinite" restart="never" nodeType="tmRoot"/>
       </p:par>
     </p:tnLst>
   </p:timing>
@@ -25279,7 +25427,7 @@
               <a:buNone/>
             </a:pPr>
             <a:r>
-              <a:rPr lang="en-US" sz="2400" b="1" i="0" u="none" strike="noStrike" cap="none" dirty="0">
+              <a:rPr lang="en-US" sz="2400" i="0" u="none" strike="noStrike" cap="none" dirty="0">
                 <a:solidFill>
                   <a:srgbClr val="00FF00"/>
                 </a:solidFill>
@@ -25291,7 +25439,7 @@
               <a:t>friends</a:t>
             </a:r>
             <a:r>
-              <a:rPr lang="en-US" sz="2400" b="1" i="0" u="none" strike="noStrike" cap="none" dirty="0">
+              <a:rPr lang="en-US" sz="2400" i="0" u="none" strike="noStrike" cap="none" dirty="0">
                 <a:solidFill>
                   <a:schemeClr val="lt1"/>
                 </a:solidFill>
@@ -25303,7 +25451,7 @@
               <a:t> = </a:t>
             </a:r>
             <a:r>
-              <a:rPr lang="en-US" sz="2400" b="1" i="0" u="none" strike="noStrike" cap="none" dirty="0">
+              <a:rPr lang="en-US" sz="2400" i="0" u="none" strike="noStrike" cap="none" dirty="0">
                 <a:solidFill>
                   <a:srgbClr val="FF7F00"/>
                 </a:solidFill>
@@ -25334,7 +25482,7 @@
               <a:buNone/>
             </a:pPr>
             <a:r>
-              <a:rPr lang="en-US" sz="2400" b="1" i="0" u="none" strike="noStrike" cap="none" dirty="0">
+              <a:rPr lang="en-US" sz="2400" i="0" u="none" strike="noStrike" cap="none" dirty="0">
                 <a:solidFill>
                   <a:srgbClr val="FFFF00"/>
                 </a:solidFill>
@@ -25346,7 +25494,7 @@
               <a:t>for</a:t>
             </a:r>
             <a:r>
-              <a:rPr lang="en-US" sz="2400" b="1" i="0" u="none" strike="noStrike" cap="none" dirty="0">
+              <a:rPr lang="en-US" sz="2400" i="0" u="none" strike="noStrike" cap="none" dirty="0">
                 <a:solidFill>
                   <a:schemeClr val="lt1"/>
                 </a:solidFill>
@@ -25358,7 +25506,7 @@
               <a:t> </a:t>
             </a:r>
             <a:r>
-              <a:rPr lang="en-US" sz="2400" b="1" i="0" u="none" strike="noStrike" cap="none" dirty="0">
+              <a:rPr lang="en-US" sz="2400" i="0" u="none" strike="noStrike" cap="none" dirty="0">
                 <a:solidFill>
                   <a:srgbClr val="00FF00"/>
                 </a:solidFill>
@@ -25370,7 +25518,7 @@
               <a:t>friend</a:t>
             </a:r>
             <a:r>
-              <a:rPr lang="en-US" sz="2400" b="1" i="0" u="none" strike="noStrike" cap="none" dirty="0">
+              <a:rPr lang="en-US" sz="2400" i="0" u="none" strike="noStrike" cap="none" dirty="0">
                 <a:solidFill>
                   <a:schemeClr val="lt1"/>
                 </a:solidFill>
@@ -25382,7 +25530,7 @@
               <a:t> </a:t>
             </a:r>
             <a:r>
-              <a:rPr lang="en-US" sz="2400" b="1" i="0" u="none" strike="noStrike" cap="none" dirty="0">
+              <a:rPr lang="en-US" sz="2400" i="0" u="none" strike="noStrike" cap="none" dirty="0">
                 <a:solidFill>
                   <a:srgbClr val="FFFF00"/>
                 </a:solidFill>
@@ -25394,7 +25542,7 @@
               <a:t>in</a:t>
             </a:r>
             <a:r>
-              <a:rPr lang="en-US" sz="2400" b="1" i="0" u="none" strike="noStrike" cap="none" dirty="0">
+              <a:rPr lang="en-US" sz="2400" i="0" u="none" strike="noStrike" cap="none" dirty="0">
                 <a:solidFill>
                   <a:schemeClr val="lt1"/>
                 </a:solidFill>
@@ -25406,7 +25554,7 @@
               <a:t> </a:t>
             </a:r>
             <a:r>
-              <a:rPr lang="en-US" sz="2400" b="1" i="0" u="none" strike="noStrike" cap="none" dirty="0">
+              <a:rPr lang="en-US" sz="2400" i="0" u="none" strike="noStrike" cap="none" dirty="0">
                 <a:solidFill>
                   <a:srgbClr val="00FF00"/>
                 </a:solidFill>
@@ -25418,7 +25566,7 @@
               <a:t>friends </a:t>
             </a:r>
             <a:r>
-              <a:rPr lang="en-US" sz="2400" b="1" i="0" u="none" strike="noStrike" cap="none" dirty="0">
+              <a:rPr lang="en-US" sz="2400" i="0" u="none" strike="noStrike" cap="none" dirty="0">
                 <a:solidFill>
                   <a:schemeClr val="lt1"/>
                 </a:solidFill>
@@ -25438,7 +25586,7 @@
               <a:buSzPct val="25000"/>
             </a:pPr>
             <a:r>
-              <a:rPr lang="en-US" sz="2400" b="1" i="0" u="none" strike="noStrike" cap="none" dirty="0">
+              <a:rPr lang="en-US" sz="2400" i="0" u="none" strike="noStrike" cap="none" dirty="0">
                 <a:solidFill>
                   <a:schemeClr val="lt1"/>
                 </a:solidFill>
@@ -25450,7 +25598,7 @@
               <a:t>    </a:t>
             </a:r>
             <a:r>
-              <a:rPr lang="en-US" sz="2400" b="1" i="0" u="none" strike="noStrike" cap="none" dirty="0" smtClean="0">
+              <a:rPr lang="en-US" sz="2400" i="0" u="none" strike="noStrike" cap="none" dirty="0" smtClean="0">
                 <a:solidFill>
                   <a:srgbClr val="FFFF00"/>
                 </a:solidFill>
@@ -25462,7 +25610,7 @@
               <a:t>print(</a:t>
             </a:r>
             <a:r>
-              <a:rPr lang="en-US" sz="2400" b="1" i="0" u="none" strike="noStrike" cap="none" dirty="0" smtClean="0">
+              <a:rPr lang="en-US" sz="2400" i="0" u="none" strike="noStrike" cap="none" dirty="0" smtClean="0">
                 <a:solidFill>
                   <a:srgbClr val="FF7F00"/>
                 </a:solidFill>
@@ -25474,7 +25622,7 @@
               <a:t>'Happy </a:t>
             </a:r>
             <a:r>
-              <a:rPr lang="en-US" sz="2400" b="1" i="0" u="none" strike="noStrike" cap="none" dirty="0">
+              <a:rPr lang="en-US" sz="2400" i="0" u="none" strike="noStrike" cap="none" dirty="0">
                 <a:solidFill>
                   <a:srgbClr val="FF7F00"/>
                 </a:solidFill>
@@ -25486,7 +25634,7 @@
               <a:t>New Year:'</a:t>
             </a:r>
             <a:r>
-              <a:rPr lang="en-US" sz="2400" b="1" i="0" u="none" strike="noStrike" cap="none" dirty="0">
+              <a:rPr lang="en-US" sz="2400" i="0" u="none" strike="noStrike" cap="none" dirty="0">
                 <a:solidFill>
                   <a:schemeClr val="lt1"/>
                 </a:solidFill>
@@ -25498,7 +25646,7 @@
               <a:t>,  </a:t>
             </a:r>
             <a:r>
-              <a:rPr lang="en-US" sz="2400" b="1" i="0" u="none" strike="noStrike" cap="none" dirty="0" smtClean="0">
+              <a:rPr lang="en-US" sz="2400" i="0" u="none" strike="noStrike" cap="none" dirty="0" smtClean="0">
                 <a:solidFill>
                   <a:srgbClr val="00FF00"/>
                 </a:solidFill>
@@ -25510,7 +25658,7 @@
               <a:t>friend</a:t>
             </a:r>
             <a:r>
-              <a:rPr lang="en-US" sz="2400" b="1" dirty="0" smtClean="0">
+              <a:rPr lang="en-US" sz="2400" dirty="0" smtClean="0">
                 <a:solidFill>
                   <a:srgbClr val="FFFF00"/>
                 </a:solidFill>
@@ -25521,7 +25669,7 @@
               </a:rPr>
               <a:t>)</a:t>
             </a:r>
-            <a:endParaRPr lang="en-US" sz="2400" b="1" i="0" u="none" strike="noStrike" cap="none" dirty="0">
+            <a:endParaRPr lang="en-US" sz="2400" i="0" u="none" strike="noStrike" cap="none" dirty="0">
               <a:solidFill>
                 <a:srgbClr val="00FF00"/>
               </a:solidFill>
@@ -25539,7 +25687,7 @@
               <a:buSzPct val="25000"/>
             </a:pPr>
             <a:r>
-              <a:rPr lang="en-US" sz="2400" b="1" i="0" u="none" strike="noStrike" cap="none" dirty="0" smtClean="0">
+              <a:rPr lang="en-US" sz="2400" i="0" u="none" strike="noStrike" cap="none" dirty="0" smtClean="0">
                 <a:solidFill>
                   <a:srgbClr val="FFFF00"/>
                 </a:solidFill>
@@ -25551,7 +25699,7 @@
               <a:t>print</a:t>
             </a:r>
             <a:r>
-              <a:rPr lang="en-US" sz="2400" b="1" dirty="0">
+              <a:rPr lang="en-US" sz="2400" dirty="0">
                 <a:solidFill>
                   <a:schemeClr val="lt1"/>
                 </a:solidFill>
@@ -25563,7 +25711,7 @@
               <a:t>(</a:t>
             </a:r>
             <a:r>
-              <a:rPr lang="en-US" sz="2400" b="1" i="0" u="none" strike="noStrike" cap="none" dirty="0" smtClean="0">
+              <a:rPr lang="en-US" sz="2400" i="0" u="none" strike="noStrike" cap="none" dirty="0" smtClean="0">
                 <a:solidFill>
                   <a:srgbClr val="FF7F00"/>
                 </a:solidFill>
@@ -25575,7 +25723,7 @@
               <a:t>'Done!'</a:t>
             </a:r>
             <a:r>
-              <a:rPr lang="en-US" sz="2400" b="1" dirty="0" smtClean="0">
+              <a:rPr lang="en-US" sz="2400" dirty="0" smtClean="0">
                 <a:solidFill>
                   <a:srgbClr val="FFFF00"/>
                 </a:solidFill>
@@ -25586,7 +25734,7 @@
               </a:rPr>
               <a:t>)</a:t>
             </a:r>
-            <a:endParaRPr lang="en-US" sz="2400" b="1" dirty="0">
+            <a:endParaRPr lang="en-US" sz="2400" dirty="0">
               <a:solidFill>
                 <a:srgbClr val="FFFF00"/>
               </a:solidFill>
@@ -25782,8 +25930,8 @@
         </p:nvCxnSpPr>
         <p:spPr>
           <a:xfrm flipH="1" flipV="1">
-            <a:off x="8443912" y="4672014"/>
-            <a:ext cx="1986512" cy="967248"/>
+            <a:off x="8464060" y="4672014"/>
+            <a:ext cx="1961138" cy="839786"/>
           </a:xfrm>
           <a:prstGeom prst="straightConnector1">
             <a:avLst/>
@@ -25834,7 +25982,7 @@
         </p:nvSpPr>
         <p:spPr>
           <a:xfrm>
-            <a:off x="1279124" y="6363128"/>
+            <a:off x="1279124" y="5997591"/>
             <a:ext cx="7280400" cy="2216099"/>
           </a:xfrm>
           <a:prstGeom prst="rect">
@@ -25869,7 +26017,7 @@
               <a:buNone/>
             </a:pPr>
             <a:r>
-              <a:rPr lang="en-US" sz="2400" b="1" i="0" u="none" strike="noStrike" cap="none" dirty="0" smtClean="0">
+              <a:rPr lang="en-US" sz="2400" i="0" u="none" strike="noStrike" cap="none" dirty="0" smtClean="0">
                 <a:solidFill>
                   <a:srgbClr val="00FF00"/>
                 </a:solidFill>
@@ -25881,7 +26029,7 @@
               <a:t>z </a:t>
             </a:r>
             <a:r>
-              <a:rPr lang="en-US" sz="2400" b="1" i="0" u="none" strike="noStrike" cap="none" dirty="0" smtClean="0">
+              <a:rPr lang="en-US" sz="2400" i="0" u="none" strike="noStrike" cap="none" dirty="0" smtClean="0">
                 <a:solidFill>
                   <a:schemeClr val="lt1"/>
                 </a:solidFill>
@@ -25893,7 +26041,7 @@
               <a:t>= </a:t>
             </a:r>
             <a:r>
-              <a:rPr lang="en-US" sz="2400" b="1" i="0" u="none" strike="noStrike" cap="none" dirty="0">
+              <a:rPr lang="en-US" sz="2400" i="0" u="none" strike="noStrike" cap="none" dirty="0">
                 <a:solidFill>
                   <a:srgbClr val="FF7F00"/>
                 </a:solidFill>
@@ -25924,7 +26072,7 @@
               <a:buNone/>
             </a:pPr>
             <a:r>
-              <a:rPr lang="en-US" sz="2400" b="1" i="0" u="none" strike="noStrike" cap="none" dirty="0">
+              <a:rPr lang="en-US" sz="2400" i="0" u="none" strike="noStrike" cap="none" dirty="0">
                 <a:solidFill>
                   <a:srgbClr val="FFFF00"/>
                 </a:solidFill>
@@ -25936,7 +26084,7 @@
               <a:t>for</a:t>
             </a:r>
             <a:r>
-              <a:rPr lang="en-US" sz="2400" b="1" i="0" u="none" strike="noStrike" cap="none" dirty="0">
+              <a:rPr lang="en-US" sz="2400" i="0" u="none" strike="noStrike" cap="none" dirty="0">
                 <a:solidFill>
                   <a:schemeClr val="lt1"/>
                 </a:solidFill>
@@ -25948,7 +26096,7 @@
               <a:t> </a:t>
             </a:r>
             <a:r>
-              <a:rPr lang="en-US" sz="2400" b="1" i="0" u="none" strike="noStrike" cap="none" dirty="0" smtClean="0">
+              <a:rPr lang="en-US" sz="2400" i="0" u="none" strike="noStrike" cap="none" dirty="0" smtClean="0">
                 <a:solidFill>
                   <a:srgbClr val="00FF00"/>
                 </a:solidFill>
@@ -25960,7 +26108,7 @@
               <a:t>x </a:t>
             </a:r>
             <a:r>
-              <a:rPr lang="en-US" sz="2400" b="1" i="0" u="none" strike="noStrike" cap="none" dirty="0" smtClean="0">
+              <a:rPr lang="en-US" sz="2400" i="0" u="none" strike="noStrike" cap="none" dirty="0" smtClean="0">
                 <a:solidFill>
                   <a:srgbClr val="FFFF00"/>
                 </a:solidFill>
@@ -25972,7 +26120,7 @@
               <a:t>in</a:t>
             </a:r>
             <a:r>
-              <a:rPr lang="en-US" sz="2400" b="1" i="0" u="none" strike="noStrike" cap="none" dirty="0" smtClean="0">
+              <a:rPr lang="en-US" sz="2400" i="0" u="none" strike="noStrike" cap="none" dirty="0" smtClean="0">
                 <a:solidFill>
                   <a:schemeClr val="lt1"/>
                 </a:solidFill>
@@ -25984,7 +26132,7 @@
               <a:t> </a:t>
             </a:r>
             <a:r>
-              <a:rPr lang="en-US" sz="2400" b="1" i="0" u="none" strike="noStrike" cap="none" dirty="0" smtClean="0">
+              <a:rPr lang="en-US" sz="2400" i="0" u="none" strike="noStrike" cap="none" dirty="0" smtClean="0">
                 <a:solidFill>
                   <a:srgbClr val="00FF00"/>
                 </a:solidFill>
@@ -25996,7 +26144,7 @@
               <a:t>z</a:t>
             </a:r>
             <a:r>
-              <a:rPr lang="en-US" sz="2400" b="1" i="0" u="none" strike="noStrike" cap="none" dirty="0" smtClean="0">
+              <a:rPr lang="en-US" sz="2400" i="0" u="none" strike="noStrike" cap="none" dirty="0" smtClean="0">
                 <a:solidFill>
                   <a:schemeClr val="lt1"/>
                 </a:solidFill>
@@ -26007,7 +26155,7 @@
               </a:rPr>
               <a:t>:</a:t>
             </a:r>
-            <a:endParaRPr lang="en-US" sz="2400" b="1" i="0" u="none" strike="noStrike" cap="none" dirty="0">
+            <a:endParaRPr lang="en-US" sz="2400" i="0" u="none" strike="noStrike" cap="none" dirty="0">
               <a:solidFill>
                 <a:schemeClr val="lt1"/>
               </a:solidFill>
@@ -26025,7 +26173,7 @@
               <a:buSzPct val="25000"/>
             </a:pPr>
             <a:r>
-              <a:rPr lang="en-US" sz="2400" b="1" i="0" u="none" strike="noStrike" cap="none" dirty="0">
+              <a:rPr lang="en-US" sz="2400" i="0" u="none" strike="noStrike" cap="none" dirty="0">
                 <a:solidFill>
                   <a:schemeClr val="lt1"/>
                 </a:solidFill>
@@ -26037,7 +26185,7 @@
               <a:t>    </a:t>
             </a:r>
             <a:r>
-              <a:rPr lang="en-US" sz="2400" b="1" i="0" u="none" strike="noStrike" cap="none" dirty="0" smtClean="0">
+              <a:rPr lang="en-US" sz="2400" i="0" u="none" strike="noStrike" cap="none" dirty="0" smtClean="0">
                 <a:solidFill>
                   <a:srgbClr val="FFFF00"/>
                 </a:solidFill>
@@ -26049,7 +26197,7 @@
               <a:t>print(</a:t>
             </a:r>
             <a:r>
-              <a:rPr lang="en-US" sz="2400" b="1" i="0" u="none" strike="noStrike" cap="none" dirty="0" smtClean="0">
+              <a:rPr lang="en-US" sz="2400" i="0" u="none" strike="noStrike" cap="none" dirty="0" smtClean="0">
                 <a:solidFill>
                   <a:srgbClr val="FF7F00"/>
                 </a:solidFill>
@@ -26061,7 +26209,7 @@
               <a:t>'Happy </a:t>
             </a:r>
             <a:r>
-              <a:rPr lang="en-US" sz="2400" b="1" i="0" u="none" strike="noStrike" cap="none" dirty="0">
+              <a:rPr lang="en-US" sz="2400" i="0" u="none" strike="noStrike" cap="none" dirty="0">
                 <a:solidFill>
                   <a:srgbClr val="FF7F00"/>
                 </a:solidFill>
@@ -26073,7 +26221,7 @@
               <a:t>New Year:'</a:t>
             </a:r>
             <a:r>
-              <a:rPr lang="en-US" sz="2400" b="1" i="0" u="none" strike="noStrike" cap="none" dirty="0">
+              <a:rPr lang="en-US" sz="2400" i="0" u="none" strike="noStrike" cap="none" dirty="0">
                 <a:solidFill>
                   <a:schemeClr val="lt1"/>
                 </a:solidFill>
@@ -26085,7 +26233,7 @@
               <a:t>,  </a:t>
             </a:r>
             <a:r>
-              <a:rPr lang="en-US" sz="2400" b="1" i="0" u="none" strike="noStrike" cap="none" dirty="0" smtClean="0">
+              <a:rPr lang="en-US" sz="2400" i="0" u="none" strike="noStrike" cap="none" dirty="0" smtClean="0">
                 <a:solidFill>
                   <a:srgbClr val="00FF00"/>
                 </a:solidFill>
@@ -26097,7 +26245,7 @@
               <a:t>x</a:t>
             </a:r>
             <a:r>
-              <a:rPr lang="en-US" sz="2400" b="1" dirty="0" smtClean="0">
+              <a:rPr lang="en-US" sz="2400" dirty="0" smtClean="0">
                 <a:solidFill>
                   <a:srgbClr val="FFFF00"/>
                 </a:solidFill>
@@ -26108,7 +26256,7 @@
               </a:rPr>
               <a:t>)</a:t>
             </a:r>
-            <a:endParaRPr lang="en-US" sz="2400" b="1" i="0" u="none" strike="noStrike" cap="none" dirty="0">
+            <a:endParaRPr lang="en-US" sz="2400" i="0" u="none" strike="noStrike" cap="none" dirty="0">
               <a:solidFill>
                 <a:srgbClr val="00FF00"/>
               </a:solidFill>
@@ -26126,7 +26274,7 @@
               <a:buSzPct val="25000"/>
             </a:pPr>
             <a:r>
-              <a:rPr lang="en-US" sz="2400" b="1" i="0" u="none" strike="noStrike" cap="none" dirty="0" smtClean="0">
+              <a:rPr lang="en-US" sz="2400" i="0" u="none" strike="noStrike" cap="none" dirty="0" smtClean="0">
                 <a:solidFill>
                   <a:srgbClr val="FFFF00"/>
                 </a:solidFill>
@@ -26138,7 +26286,7 @@
               <a:t>print</a:t>
             </a:r>
             <a:r>
-              <a:rPr lang="en-US" sz="2400" b="1" dirty="0">
+              <a:rPr lang="en-US" sz="2400" dirty="0">
                 <a:solidFill>
                   <a:schemeClr val="lt1"/>
                 </a:solidFill>
@@ -26150,7 +26298,7 @@
               <a:t>(</a:t>
             </a:r>
             <a:r>
-              <a:rPr lang="en-US" sz="2400" b="1" i="0" u="none" strike="noStrike" cap="none" dirty="0" smtClean="0">
+              <a:rPr lang="en-US" sz="2400" i="0" u="none" strike="noStrike" cap="none" dirty="0" smtClean="0">
                 <a:solidFill>
                   <a:srgbClr val="FF7F00"/>
                 </a:solidFill>
@@ -26162,7 +26310,7 @@
               <a:t>'Done!'</a:t>
             </a:r>
             <a:r>
-              <a:rPr lang="en-US" sz="2400" b="1" dirty="0" smtClean="0">
+              <a:rPr lang="en-US" sz="2400" dirty="0" smtClean="0">
                 <a:solidFill>
                   <a:srgbClr val="FFFF00"/>
                 </a:solidFill>
@@ -26173,7 +26321,7 @@
               </a:rPr>
               <a:t>)</a:t>
             </a:r>
-            <a:endParaRPr lang="en-US" sz="2400" b="1" dirty="0">
+            <a:endParaRPr lang="en-US" sz="2400" dirty="0">
               <a:solidFill>
                 <a:srgbClr val="FFFF00"/>
               </a:solidFill>
@@ -26193,7 +26341,7 @@
   <p:timing>
     <p:tnLst>
       <p:par>
-        <p:cTn id="1" dur="indefinite" restart="never" nodeType="tmRoot"/>
+        <p:cTn xmlns:p14="http://schemas.microsoft.com/office/powerpoint/2010/main" id="1" dur="indefinite" restart="never" nodeType="tmRoot"/>
       </p:par>
     </p:tnLst>
   </p:timing>
@@ -26357,7 +26505,7 @@
         </p:blipFill>
         <p:spPr>
           <a:xfrm>
-            <a:off x="422275" y="1289049"/>
+            <a:off x="358775" y="992909"/>
             <a:ext cx="2736850" cy="1828800"/>
           </a:xfrm>
           <a:prstGeom prst="rect">
@@ -26377,7 +26525,7 @@
         </p:nvSpPr>
         <p:spPr>
           <a:xfrm>
-            <a:off x="1790700" y="7137400"/>
+            <a:off x="1727200" y="6375401"/>
             <a:ext cx="736599" cy="736599"/>
           </a:xfrm>
           <a:prstGeom prst="rect">
@@ -26434,7 +26582,7 @@
         </p:nvSpPr>
         <p:spPr>
           <a:xfrm>
-            <a:off x="1219200" y="6413500"/>
+            <a:off x="1155700" y="5651501"/>
             <a:ext cx="1879599" cy="736599"/>
           </a:xfrm>
           <a:prstGeom prst="rect">
@@ -26497,7 +26645,7 @@
         </p:nvSpPr>
         <p:spPr>
           <a:xfrm>
-            <a:off x="7950200" y="5726100"/>
+            <a:off x="7429500" y="5065701"/>
             <a:ext cx="8156400" cy="2339999"/>
           </a:xfrm>
           <a:prstGeom prst="rect">
@@ -26532,7 +26680,7 @@
               <a:buNone/>
             </a:pPr>
             <a:r>
-              <a:rPr lang="en-US" sz="2400" b="1" i="0" u="none" strike="noStrike" cap="none" dirty="0">
+              <a:rPr lang="en-US" sz="2400" i="0" u="none" strike="noStrike" cap="none" dirty="0">
                 <a:solidFill>
                   <a:schemeClr val="lt1"/>
                 </a:solidFill>
@@ -26544,7 +26692,7 @@
               <a:t>&gt;&gt;&gt; </a:t>
             </a:r>
             <a:r>
-              <a:rPr lang="en-US" sz="2400" b="1" i="0" u="none" strike="noStrike" cap="none" dirty="0">
+              <a:rPr lang="en-US" sz="2400" i="0" u="none" strike="noStrike" cap="none" dirty="0">
                 <a:solidFill>
                   <a:srgbClr val="00FF00"/>
                 </a:solidFill>
@@ -26556,7 +26704,7 @@
               <a:t>friends</a:t>
             </a:r>
             <a:r>
-              <a:rPr lang="en-US" sz="2400" b="1" i="0" u="none" strike="noStrike" cap="none" dirty="0">
+              <a:rPr lang="en-US" sz="2400" i="0" u="none" strike="noStrike" cap="none" dirty="0">
                 <a:solidFill>
                   <a:schemeClr val="lt1"/>
                 </a:solidFill>
@@ -26568,7 +26716,7 @@
               <a:t> = </a:t>
             </a:r>
             <a:r>
-              <a:rPr lang="en-US" sz="2400" b="1" i="0" u="none" strike="noStrike" cap="none" dirty="0">
+              <a:rPr lang="en-US" sz="2400" i="0" u="none" strike="noStrike" cap="none" dirty="0">
                 <a:solidFill>
                   <a:srgbClr val="FF7F00"/>
                 </a:solidFill>
@@ -26599,7 +26747,7 @@
               <a:buNone/>
             </a:pPr>
             <a:r>
-              <a:rPr lang="en-US" sz="2400" b="1" i="0" u="none" strike="noStrike" cap="none" dirty="0">
+              <a:rPr lang="en-US" sz="2400" i="0" u="none" strike="noStrike" cap="none" dirty="0">
                 <a:solidFill>
                   <a:schemeClr val="lt1"/>
                 </a:solidFill>
@@ -26611,7 +26759,7 @@
               <a:t>&gt;&gt;&gt; </a:t>
             </a:r>
             <a:r>
-              <a:rPr lang="en-US" sz="2400" b="1" i="0" u="none" strike="noStrike" cap="none" dirty="0" smtClean="0">
+              <a:rPr lang="en-US" sz="2400" i="0" u="none" strike="noStrike" cap="none" dirty="0" smtClean="0">
                 <a:solidFill>
                   <a:srgbClr val="FFFF00"/>
                 </a:solidFill>
@@ -26623,7 +26771,7 @@
               <a:t>print(</a:t>
             </a:r>
             <a:r>
-              <a:rPr lang="en-US" sz="2400" b="1" i="0" u="none" strike="noStrike" cap="none" dirty="0" smtClean="0">
+              <a:rPr lang="en-US" sz="2400" i="0" u="none" strike="noStrike" cap="none" dirty="0" smtClean="0">
                 <a:solidFill>
                   <a:srgbClr val="00FF00"/>
                 </a:solidFill>
@@ -26635,7 +26783,7 @@
               <a:t>friends</a:t>
             </a:r>
             <a:r>
-              <a:rPr lang="en-US" sz="2400" b="1" i="0" u="none" strike="noStrike" cap="none" dirty="0" smtClean="0">
+              <a:rPr lang="en-US" sz="2400" i="0" u="none" strike="noStrike" cap="none" dirty="0" smtClean="0">
                 <a:solidFill>
                   <a:srgbClr val="00FFFF"/>
                 </a:solidFill>
@@ -26647,7 +26795,7 @@
               <a:t>[</a:t>
             </a:r>
             <a:r>
-              <a:rPr lang="en-US" sz="2400" b="1" i="0" u="none" strike="noStrike" cap="none" dirty="0" smtClean="0">
+              <a:rPr lang="en-US" sz="2400" i="0" u="none" strike="noStrike" cap="none" dirty="0" smtClean="0">
                 <a:solidFill>
                   <a:schemeClr val="lt1"/>
                 </a:solidFill>
@@ -26659,7 +26807,7 @@
               <a:t>1</a:t>
             </a:r>
             <a:r>
-              <a:rPr lang="en-US" sz="2400" b="1" i="0" u="none" strike="noStrike" cap="none" dirty="0" smtClean="0">
+              <a:rPr lang="en-US" sz="2400" i="0" u="none" strike="noStrike" cap="none" dirty="0" smtClean="0">
                 <a:solidFill>
                   <a:srgbClr val="00FFFF"/>
                 </a:solidFill>
@@ -26671,7 +26819,7 @@
               <a:t>]</a:t>
             </a:r>
             <a:r>
-              <a:rPr lang="en-US" sz="2400" b="1" i="0" u="none" strike="noStrike" cap="none" dirty="0" smtClean="0">
+              <a:rPr lang="en-US" sz="2400" i="0" u="none" strike="noStrike" cap="none" dirty="0" smtClean="0">
                 <a:solidFill>
                   <a:srgbClr val="FFFF00"/>
                 </a:solidFill>
@@ -26682,7 +26830,7 @@
               </a:rPr>
               <a:t>)</a:t>
             </a:r>
-            <a:endParaRPr lang="en-US" sz="2400" b="1" dirty="0">
+            <a:endParaRPr lang="en-US" sz="2400" dirty="0">
               <a:solidFill>
                 <a:srgbClr val="FFFF00"/>
               </a:solidFill>
@@ -26711,7 +26859,7 @@
               <a:buNone/>
             </a:pPr>
             <a:r>
-              <a:rPr lang="en-US" sz="2400" b="1" i="0" u="none" strike="noStrike" cap="none" dirty="0" smtClean="0">
+              <a:rPr lang="en-US" sz="2400" i="0" u="none" strike="noStrike" cap="none" dirty="0" smtClean="0">
                 <a:solidFill>
                   <a:schemeClr val="lt1"/>
                 </a:solidFill>
@@ -26722,7 +26870,7 @@
               </a:rPr>
               <a:t>Glenn</a:t>
             </a:r>
-            <a:endParaRPr lang="en-US" sz="2400" b="1" i="0" u="none" strike="noStrike" cap="none" dirty="0">
+            <a:endParaRPr lang="en-US" sz="2400" i="0" u="none" strike="noStrike" cap="none" dirty="0">
               <a:solidFill>
                 <a:schemeClr val="lt1"/>
               </a:solidFill>
@@ -26751,7 +26899,7 @@
               <a:buNone/>
             </a:pPr>
             <a:r>
-              <a:rPr lang="en-US" sz="2400" b="1" i="0" u="none" strike="noStrike" cap="none" dirty="0">
+              <a:rPr lang="en-US" sz="2400" i="0" u="none" strike="noStrike" cap="none" dirty="0">
                 <a:solidFill>
                   <a:schemeClr val="lt1"/>
                 </a:solidFill>
@@ -26773,7 +26921,7 @@
         </p:nvSpPr>
         <p:spPr>
           <a:xfrm>
-            <a:off x="3670300" y="7137400"/>
+            <a:off x="3606800" y="6375401"/>
             <a:ext cx="736599" cy="736599"/>
           </a:xfrm>
           <a:prstGeom prst="rect">
@@ -26830,7 +26978,7 @@
         </p:nvSpPr>
         <p:spPr>
           <a:xfrm>
-            <a:off x="3098800" y="6413500"/>
+            <a:off x="3035300" y="5651501"/>
             <a:ext cx="1879599" cy="736599"/>
           </a:xfrm>
           <a:prstGeom prst="rect">
@@ -26893,7 +27041,7 @@
         </p:nvSpPr>
         <p:spPr>
           <a:xfrm>
-            <a:off x="5549900" y="7137400"/>
+            <a:off x="5486400" y="6375401"/>
             <a:ext cx="736599" cy="736599"/>
           </a:xfrm>
           <a:prstGeom prst="rect">
@@ -26950,7 +27098,7 @@
         </p:nvSpPr>
         <p:spPr>
           <a:xfrm>
-            <a:off x="4978400" y="6413500"/>
+            <a:off x="4914900" y="5651501"/>
             <a:ext cx="1879599" cy="736599"/>
           </a:xfrm>
           <a:prstGeom prst="rect">
@@ -27013,7 +27161,7 @@
   <p:timing>
     <p:tnLst>
       <p:par>
-        <p:cTn id="1" dur="indefinite" restart="never" nodeType="tmRoot"/>
+        <p:cTn xmlns:p14="http://schemas.microsoft.com/office/powerpoint/2010/main" id="1" dur="indefinite" restart="never" nodeType="tmRoot"/>
       </p:par>
     </p:tnLst>
   </p:timing>
@@ -27048,6 +27196,10 @@
           </p:nvPr>
         </p:nvSpPr>
         <p:spPr>
+          <a:xfrm>
+            <a:off x="1155700" y="789709"/>
+            <a:ext cx="13449300" cy="1750290"/>
+          </a:xfrm>
           <a:prstGeom prst="rect">
             <a:avLst/>
           </a:prstGeom>
@@ -27106,8 +27258,8 @@
         </p:nvSpPr>
         <p:spPr>
           <a:xfrm>
-            <a:off x="1155700" y="2603500"/>
-            <a:ext cx="7331075" cy="5702299"/>
+            <a:off x="1155700" y="2603501"/>
+            <a:ext cx="7331075" cy="5156200"/>
           </a:xfrm>
           <a:prstGeom prst="rect">
             <a:avLst/>
@@ -27222,18 +27374,11 @@
             </a:r>
           </a:p>
           <a:p>
-            <a:pPr marL="457200" marR="0" lvl="0" indent="-444500" algn="l" rtl="0">
-              <a:lnSpc>
-                <a:spcPct val="100000"/>
-              </a:lnSpc>
-              <a:spcBef>
-                <a:spcPts val="3500"/>
-              </a:spcBef>
+            <a:pPr marL="457200" lvl="0" indent="-444500">
               <a:spcAft>
                 <a:spcPts val="1000"/>
               </a:spcAft>
               <a:buSzPct val="100000"/>
-              <a:buFont typeface="Cabin"/>
             </a:pPr>
             <a:r>
               <a:rPr lang="en-US" sz="3400" u="none" strike="noStrike" cap="none" dirty="0">
@@ -27248,7 +27393,7 @@
               <a:t>Lists are </a:t>
             </a:r>
             <a:r>
-              <a:rPr lang="en-US" sz="3400" dirty="0">
+              <a:rPr lang="en-US" sz="3400">
                 <a:solidFill>
                   <a:schemeClr val="lt1"/>
                 </a:solidFill>
@@ -27260,7 +27405,7 @@
               <a:t>“</a:t>
             </a:r>
             <a:r>
-              <a:rPr lang="en-US" sz="3400" u="none" strike="noStrike" cap="none" dirty="0">
+              <a:rPr lang="en-US" sz="3400" u="none" strike="noStrike" cap="none" smtClean="0">
                 <a:solidFill>
                   <a:srgbClr val="00FF00"/>
                 </a:solidFill>
@@ -27272,7 +27417,7 @@
               <a:t>mutable</a:t>
             </a:r>
             <a:r>
-              <a:rPr lang="en-US" sz="3400" dirty="0">
+              <a:rPr lang="en-US" sz="3400">
                 <a:solidFill>
                   <a:schemeClr val="lt1"/>
                 </a:solidFill>
@@ -27281,10 +27426,10 @@
                 <a:cs typeface="Arial" charset="0"/>
                 <a:sym typeface="Cabin"/>
               </a:rPr>
-              <a:t>’</a:t>
-            </a:r>
-            <a:r>
-              <a:rPr lang="en-US" sz="3400" u="none" strike="noStrike" cap="none" dirty="0">
+              <a:t>”</a:t>
+            </a:r>
+            <a:r>
+              <a:rPr lang="en-US" sz="3400" u="none" strike="noStrike" cap="none" smtClean="0">
                 <a:solidFill>
                   <a:schemeClr val="lt1"/>
                 </a:solidFill>
@@ -27293,7 +27438,19 @@
                 <a:cs typeface="Arial" charset="0"/>
                 <a:sym typeface="Cabin"/>
               </a:rPr>
-              <a:t> - we can </a:t>
+              <a:t> </a:t>
+            </a:r>
+            <a:r>
+              <a:rPr lang="en-US" sz="3400" u="none" strike="noStrike" cap="none" dirty="0">
+                <a:solidFill>
+                  <a:schemeClr val="lt1"/>
+                </a:solidFill>
+                <a:latin typeface="Arial" charset="0"/>
+                <a:ea typeface="Arial" charset="0"/>
+                <a:cs typeface="Arial" charset="0"/>
+                <a:sym typeface="Cabin"/>
+              </a:rPr>
+              <a:t>- we can </a:t>
             </a:r>
             <a:r>
               <a:rPr lang="en-US" sz="3400" u="none" strike="noStrike" cap="none" dirty="0">
@@ -27354,8 +27511,8 @@
         </p:nvSpPr>
         <p:spPr>
           <a:xfrm>
-            <a:off x="9334300" y="1845050"/>
-            <a:ext cx="6464399" cy="6372299"/>
+            <a:off x="9334300" y="2247900"/>
+            <a:ext cx="6464399" cy="5969449"/>
           </a:xfrm>
           <a:prstGeom prst="rect">
             <a:avLst/>
@@ -27389,7 +27546,7 @@
               <a:buNone/>
             </a:pPr>
             <a:r>
-              <a:rPr lang="en-US" sz="2400" b="1" i="0" u="none" strike="noStrike" cap="none" dirty="0">
+              <a:rPr lang="en-US" sz="2400" i="0" u="none" strike="noStrike" cap="none" dirty="0">
                 <a:solidFill>
                   <a:schemeClr val="lt1"/>
                 </a:solidFill>
@@ -27401,7 +27558,7 @@
               <a:t>&gt;&gt;&gt; </a:t>
             </a:r>
             <a:r>
-              <a:rPr lang="en-US" sz="2400" b="1" i="0" u="none" strike="noStrike" cap="none" dirty="0">
+              <a:rPr lang="en-US" sz="2400" i="0" u="none" strike="noStrike" cap="none" dirty="0">
                 <a:solidFill>
                   <a:srgbClr val="00FF00"/>
                 </a:solidFill>
@@ -27413,7 +27570,7 @@
               <a:t>fruit</a:t>
             </a:r>
             <a:r>
-              <a:rPr lang="en-US" sz="2400" b="1" i="0" u="none" strike="noStrike" cap="none" dirty="0">
+              <a:rPr lang="en-US" sz="2400" i="0" u="none" strike="noStrike" cap="none" dirty="0">
                 <a:solidFill>
                   <a:schemeClr val="lt1"/>
                 </a:solidFill>
@@ -27425,7 +27582,7 @@
               <a:t> = 'Banana</a:t>
             </a:r>
             <a:r>
-              <a:rPr lang="en-US" sz="2400" b="1" dirty="0">
+              <a:rPr lang="en-US" sz="2400" dirty="0">
                 <a:solidFill>
                   <a:schemeClr val="lt1"/>
                 </a:solidFill>
@@ -27456,7 +27613,7 @@
               <a:buNone/>
             </a:pPr>
             <a:r>
-              <a:rPr lang="en-US" sz="2400" b="1" i="0" u="none" strike="noStrike" cap="none" dirty="0">
+              <a:rPr lang="en-US" sz="2400" i="0" u="none" strike="noStrike" cap="none" dirty="0">
                 <a:solidFill>
                   <a:schemeClr val="lt1"/>
                 </a:solidFill>
@@ -27468,7 +27625,7 @@
               <a:t>&gt;&gt;&gt; </a:t>
             </a:r>
             <a:r>
-              <a:rPr lang="en-US" sz="2400" b="1" i="0" u="none" strike="noStrike" cap="none" dirty="0">
+              <a:rPr lang="en-US" sz="2400" i="0" u="none" strike="noStrike" cap="none" dirty="0">
                 <a:solidFill>
                   <a:srgbClr val="00FF00"/>
                 </a:solidFill>
@@ -27480,7 +27637,7 @@
               <a:t>fruit</a:t>
             </a:r>
             <a:r>
-              <a:rPr lang="en-US" sz="2400" b="1" i="0" u="none" strike="noStrike" cap="none" dirty="0">
+              <a:rPr lang="en-US" sz="2400" i="0" u="none" strike="noStrike" cap="none" dirty="0">
                 <a:solidFill>
                   <a:srgbClr val="00FFFF"/>
                 </a:solidFill>
@@ -27492,7 +27649,7 @@
               <a:t>[</a:t>
             </a:r>
             <a:r>
-              <a:rPr lang="en-US" sz="2400" b="1" i="0" u="none" strike="noStrike" cap="none" dirty="0">
+              <a:rPr lang="en-US" sz="2400" i="0" u="none" strike="noStrike" cap="none" dirty="0">
                 <a:solidFill>
                   <a:schemeClr val="lt1"/>
                 </a:solidFill>
@@ -27504,7 +27661,7 @@
               <a:t>0</a:t>
             </a:r>
             <a:r>
-              <a:rPr lang="en-US" sz="2400" b="1" i="0" u="none" strike="noStrike" cap="none" dirty="0">
+              <a:rPr lang="en-US" sz="2400" i="0" u="none" strike="noStrike" cap="none" dirty="0">
                 <a:solidFill>
                   <a:srgbClr val="00FFFF"/>
                 </a:solidFill>
@@ -27516,7 +27673,7 @@
               <a:t>]</a:t>
             </a:r>
             <a:r>
-              <a:rPr lang="en-US" sz="2400" b="1" i="0" u="none" strike="noStrike" cap="none" dirty="0">
+              <a:rPr lang="en-US" sz="2400" i="0" u="none" strike="noStrike" cap="none" dirty="0">
                 <a:solidFill>
                   <a:schemeClr val="lt1"/>
                 </a:solidFill>
@@ -27528,7 +27685,7 @@
               <a:t> = 'b</a:t>
             </a:r>
             <a:r>
-              <a:rPr lang="en-US" sz="2400" b="1" dirty="0">
+              <a:rPr lang="en-US" sz="2400" dirty="0">
                 <a:solidFill>
                   <a:schemeClr val="lt1"/>
                 </a:solidFill>
@@ -27559,7 +27716,7 @@
               <a:buNone/>
             </a:pPr>
             <a:r>
-              <a:rPr lang="en-US" sz="2400" b="1" i="0" u="none" strike="noStrike" cap="none" dirty="0" err="1">
+              <a:rPr lang="en-US" sz="2400" i="0" u="none" strike="noStrike" cap="none" dirty="0" err="1">
                 <a:solidFill>
                   <a:srgbClr val="E06666"/>
                 </a:solidFill>
@@ -27571,7 +27728,7 @@
               <a:t>Traceback</a:t>
             </a:r>
             <a:r>
-              <a:rPr lang="en-US" sz="2400" b="1" i="0" u="none" strike="noStrike" cap="none" dirty="0">
+              <a:rPr lang="en-US" sz="2400" i="0" u="none" strike="noStrike" cap="none" dirty="0">
                 <a:solidFill>
                   <a:srgbClr val="E06666"/>
                 </a:solidFill>
@@ -27602,7 +27759,7 @@
               <a:buNone/>
             </a:pPr>
             <a:r>
-              <a:rPr lang="en-US" sz="2400" b="1" i="0" u="none" strike="noStrike" cap="none" dirty="0" err="1">
+              <a:rPr lang="en-US" sz="2400" i="0" u="none" strike="noStrike" cap="none" dirty="0" err="1">
                 <a:solidFill>
                   <a:srgbClr val="E06666"/>
                 </a:solidFill>
@@ -27614,7 +27771,7 @@
               <a:t>TypeError</a:t>
             </a:r>
             <a:r>
-              <a:rPr lang="en-US" sz="2400" b="1" i="0" u="none" strike="noStrike" cap="none" dirty="0">
+              <a:rPr lang="en-US" sz="2400" i="0" u="none" strike="noStrike" cap="none" dirty="0">
                 <a:solidFill>
                   <a:srgbClr val="E06666"/>
                 </a:solidFill>
@@ -27626,7 +27783,7 @@
               <a:t>: '</a:t>
             </a:r>
             <a:r>
-              <a:rPr lang="en-US" sz="2400" b="1" i="0" u="none" strike="noStrike" cap="none" dirty="0" err="1">
+              <a:rPr lang="en-US" sz="2400" i="0" u="none" strike="noStrike" cap="none" dirty="0" err="1">
                 <a:solidFill>
                   <a:srgbClr val="E06666"/>
                 </a:solidFill>
@@ -27638,7 +27795,7 @@
               <a:t>str</a:t>
             </a:r>
             <a:r>
-              <a:rPr lang="en-US" sz="2400" b="1" i="0" u="none" strike="noStrike" cap="none" dirty="0">
+              <a:rPr lang="en-US" sz="2400" i="0" u="none" strike="noStrike" cap="none" dirty="0">
                 <a:solidFill>
                   <a:srgbClr val="E06666"/>
                 </a:solidFill>
@@ -27669,7 +27826,7 @@
               <a:buNone/>
             </a:pPr>
             <a:r>
-              <a:rPr lang="en-US" sz="2400" b="1" i="0" u="none" strike="noStrike" cap="none" dirty="0">
+              <a:rPr lang="en-US" sz="2400" i="0" u="none" strike="noStrike" cap="none" dirty="0">
                 <a:solidFill>
                   <a:srgbClr val="E06666"/>
                 </a:solidFill>
@@ -27700,7 +27857,7 @@
               <a:buNone/>
             </a:pPr>
             <a:r>
-              <a:rPr lang="en-US" sz="2400" b="1" i="0" u="none" strike="noStrike" cap="none" dirty="0">
+              <a:rPr lang="en-US" sz="2400" i="0" u="none" strike="noStrike" cap="none" dirty="0">
                 <a:solidFill>
                   <a:schemeClr val="lt1"/>
                 </a:solidFill>
@@ -27712,7 +27869,7 @@
               <a:t>&gt;&gt;&gt; </a:t>
             </a:r>
             <a:r>
-              <a:rPr lang="en-US" sz="2400" b="1" i="0" u="none" strike="noStrike" cap="none" dirty="0">
+              <a:rPr lang="en-US" sz="2400" i="0" u="none" strike="noStrike" cap="none" dirty="0">
                 <a:solidFill>
                   <a:srgbClr val="00FF00"/>
                 </a:solidFill>
@@ -27724,7 +27881,7 @@
               <a:t>x</a:t>
             </a:r>
             <a:r>
-              <a:rPr lang="en-US" sz="2400" b="1" i="0" u="none" strike="noStrike" cap="none" dirty="0">
+              <a:rPr lang="en-US" sz="2400" i="0" u="none" strike="noStrike" cap="none" dirty="0">
                 <a:solidFill>
                   <a:schemeClr val="lt1"/>
                 </a:solidFill>
@@ -27736,7 +27893,7 @@
               <a:t> = </a:t>
             </a:r>
             <a:r>
-              <a:rPr lang="en-US" sz="2400" b="1" i="0" u="none" strike="noStrike" cap="none" dirty="0" err="1">
+              <a:rPr lang="en-US" sz="2400" i="0" u="none" strike="noStrike" cap="none" dirty="0" err="1">
                 <a:solidFill>
                   <a:srgbClr val="00FF00"/>
                 </a:solidFill>
@@ -27748,7 +27905,7 @@
               <a:t>fruit</a:t>
             </a:r>
             <a:r>
-              <a:rPr lang="en-US" sz="2400" b="1" i="0" u="none" strike="noStrike" cap="none" dirty="0" err="1">
+              <a:rPr lang="en-US" sz="2400" i="0" u="none" strike="noStrike" cap="none" dirty="0" err="1">
                 <a:solidFill>
                   <a:srgbClr val="FF00FF"/>
                 </a:solidFill>
@@ -27760,7 +27917,7 @@
               <a:t>.lower</a:t>
             </a:r>
             <a:r>
-              <a:rPr lang="en-US" sz="2400" b="1" i="0" u="none" strike="noStrike" cap="none" dirty="0">
+              <a:rPr lang="en-US" sz="2400" i="0" u="none" strike="noStrike" cap="none" dirty="0">
                 <a:solidFill>
                   <a:schemeClr val="lt1"/>
                 </a:solidFill>
@@ -27791,7 +27948,7 @@
               <a:buNone/>
             </a:pPr>
             <a:r>
-              <a:rPr lang="en-US" sz="2400" b="1" i="0" u="none" strike="noStrike" cap="none" dirty="0">
+              <a:rPr lang="en-US" sz="2400" i="0" u="none" strike="noStrike" cap="none" dirty="0">
                 <a:solidFill>
                   <a:schemeClr val="lt1"/>
                 </a:solidFill>
@@ -27803,7 +27960,7 @@
               <a:t>&gt;&gt;&gt; </a:t>
             </a:r>
             <a:r>
-              <a:rPr lang="en-US" sz="2400" b="1" i="0" u="none" strike="noStrike" cap="none" dirty="0" smtClean="0">
+              <a:rPr lang="en-US" sz="2400" i="0" u="none" strike="noStrike" cap="none" dirty="0" smtClean="0">
                 <a:solidFill>
                   <a:srgbClr val="FFFF00"/>
                 </a:solidFill>
@@ -27815,7 +27972,7 @@
               <a:t>print(</a:t>
             </a:r>
             <a:r>
-              <a:rPr lang="en-US" sz="2400" b="1" i="0" u="none" strike="noStrike" cap="none" dirty="0" smtClean="0">
+              <a:rPr lang="en-US" sz="2400" i="0" u="none" strike="noStrike" cap="none" dirty="0" smtClean="0">
                 <a:solidFill>
                   <a:srgbClr val="00FF00"/>
                 </a:solidFill>
@@ -27827,7 +27984,7 @@
               <a:t>x</a:t>
             </a:r>
             <a:r>
-              <a:rPr lang="en-US" sz="2400" b="1" i="0" u="none" strike="noStrike" cap="none" dirty="0" smtClean="0">
+              <a:rPr lang="en-US" sz="2400" i="0" u="none" strike="noStrike" cap="none" dirty="0" smtClean="0">
                 <a:solidFill>
                   <a:srgbClr val="FFFF00"/>
                 </a:solidFill>
@@ -27838,7 +27995,7 @@
               </a:rPr>
               <a:t>)</a:t>
             </a:r>
-            <a:endParaRPr lang="en-US" sz="2400" b="1" i="0" u="none" strike="noStrike" cap="none" dirty="0">
+            <a:endParaRPr lang="en-US" sz="2400" i="0" u="none" strike="noStrike" cap="none" dirty="0">
               <a:solidFill>
                 <a:srgbClr val="FFFF00"/>
               </a:solidFill>
@@ -27867,7 +28024,7 @@
               <a:buNone/>
             </a:pPr>
             <a:r>
-              <a:rPr lang="en-US" sz="2400" b="1" i="0" u="none" strike="noStrike" cap="none" dirty="0">
+              <a:rPr lang="en-US" sz="2400" i="0" u="none" strike="noStrike" cap="none" dirty="0">
                 <a:solidFill>
                   <a:schemeClr val="lt1"/>
                 </a:solidFill>
@@ -27898,7 +28055,7 @@
               <a:buNone/>
             </a:pPr>
             <a:r>
-              <a:rPr lang="en-US" sz="2400" b="1" i="0" u="none" strike="noStrike" cap="none" dirty="0">
+              <a:rPr lang="en-US" sz="2400" i="0" u="none" strike="noStrike" cap="none" dirty="0">
                 <a:solidFill>
                   <a:schemeClr val="lt1"/>
                 </a:solidFill>
@@ -27910,7 +28067,7 @@
               <a:t>&gt;&gt;&gt; </a:t>
             </a:r>
             <a:r>
-              <a:rPr lang="en-US" sz="2400" b="1" i="0" u="none" strike="noStrike" cap="none" dirty="0" smtClean="0">
+              <a:rPr lang="en-US" sz="2400" i="0" u="none" strike="noStrike" cap="none" dirty="0" smtClean="0">
                 <a:solidFill>
                   <a:srgbClr val="00FF00"/>
                 </a:solidFill>
@@ -27922,7 +28079,7 @@
               <a:t>lotto</a:t>
             </a:r>
             <a:r>
-              <a:rPr lang="en-US" sz="2400" b="1" i="0" u="none" strike="noStrike" cap="none" dirty="0" smtClean="0">
+              <a:rPr lang="en-US" sz="2400" i="0" u="none" strike="noStrike" cap="none" dirty="0" smtClean="0">
                 <a:solidFill>
                   <a:schemeClr val="lt1"/>
                 </a:solidFill>
@@ -27934,7 +28091,7 @@
               <a:t> </a:t>
             </a:r>
             <a:r>
-              <a:rPr lang="en-US" sz="2400" b="1" i="0" u="none" strike="noStrike" cap="none" dirty="0">
+              <a:rPr lang="en-US" sz="2400" i="0" u="none" strike="noStrike" cap="none" dirty="0">
                 <a:solidFill>
                   <a:schemeClr val="lt1"/>
                 </a:solidFill>
@@ -27946,7 +28103,7 @@
               <a:t>= </a:t>
             </a:r>
             <a:r>
-              <a:rPr lang="en-US" sz="2400" b="1" i="0" u="none" strike="noStrike" cap="none" dirty="0">
+              <a:rPr lang="en-US" sz="2400" i="0" u="none" strike="noStrike" cap="none" dirty="0">
                 <a:solidFill>
                   <a:srgbClr val="FF7F00"/>
                 </a:solidFill>
@@ -27966,7 +28123,7 @@
               <a:buSzPct val="25000"/>
             </a:pPr>
             <a:r>
-              <a:rPr lang="en-US" sz="2400" b="1" i="0" u="none" strike="noStrike" cap="none" dirty="0">
+              <a:rPr lang="en-US" sz="2400" i="0" u="none" strike="noStrike" cap="none" dirty="0">
                 <a:solidFill>
                   <a:schemeClr val="lt1"/>
                 </a:solidFill>
@@ -27978,7 +28135,7 @@
               <a:t>&gt;&gt;&gt; </a:t>
             </a:r>
             <a:r>
-              <a:rPr lang="en-US" sz="2400" b="1" i="0" u="none" strike="noStrike" cap="none" dirty="0" smtClean="0">
+              <a:rPr lang="en-US" sz="2400" i="0" u="none" strike="noStrike" cap="none" dirty="0" smtClean="0">
                 <a:solidFill>
                   <a:srgbClr val="FFFF00"/>
                 </a:solidFill>
@@ -27990,7 +28147,7 @@
               <a:t>print(</a:t>
             </a:r>
             <a:r>
-              <a:rPr lang="en-US" sz="2400" b="1" i="0" u="none" strike="noStrike" cap="none" dirty="0" smtClean="0">
+              <a:rPr lang="en-US" sz="2400" i="0" u="none" strike="noStrike" cap="none" dirty="0" smtClean="0">
                 <a:solidFill>
                   <a:srgbClr val="00FF00"/>
                 </a:solidFill>
@@ -28002,7 +28159,7 @@
               <a:t>lotto</a:t>
             </a:r>
             <a:r>
-              <a:rPr lang="en-US" sz="2400" b="1" dirty="0" smtClean="0">
+              <a:rPr lang="en-US" sz="2400" dirty="0" smtClean="0">
                 <a:solidFill>
                   <a:srgbClr val="FFFF00"/>
                 </a:solidFill>
@@ -28013,7 +28170,7 @@
               </a:rPr>
               <a:t>)</a:t>
             </a:r>
-            <a:endParaRPr lang="en-US" sz="2400" b="1" i="0" u="none" strike="noStrike" cap="none" dirty="0">
+            <a:endParaRPr lang="en-US" sz="2400" i="0" u="none" strike="noStrike" cap="none" dirty="0">
               <a:solidFill>
                 <a:srgbClr val="00FF00"/>
               </a:solidFill>
@@ -28042,7 +28199,7 @@
               <a:buNone/>
             </a:pPr>
             <a:r>
-              <a:rPr lang="en-US" sz="2400" b="1" i="0" u="none" strike="noStrike" cap="none" dirty="0">
+              <a:rPr lang="en-US" sz="2400" i="0" u="none" strike="noStrike" cap="none" dirty="0">
                 <a:solidFill>
                   <a:schemeClr val="lt1"/>
                 </a:solidFill>
@@ -28073,7 +28230,7 @@
               <a:buNone/>
             </a:pPr>
             <a:r>
-              <a:rPr lang="en-US" sz="2400" b="1" i="0" u="none" strike="noStrike" cap="none" dirty="0">
+              <a:rPr lang="en-US" sz="2400" i="0" u="none" strike="noStrike" cap="none" dirty="0">
                 <a:solidFill>
                   <a:schemeClr val="lt1"/>
                 </a:solidFill>
@@ -28085,7 +28242,7 @@
               <a:t>&gt;&gt;&gt; </a:t>
             </a:r>
             <a:r>
-              <a:rPr lang="en-US" sz="2400" b="1" i="0" u="none" strike="noStrike" cap="none" dirty="0">
+              <a:rPr lang="en-US" sz="2400" i="0" u="none" strike="noStrike" cap="none" dirty="0">
                 <a:solidFill>
                   <a:srgbClr val="00FF00"/>
                 </a:solidFill>
@@ -28097,7 +28254,7 @@
               <a:t>lotto</a:t>
             </a:r>
             <a:r>
-              <a:rPr lang="en-US" sz="2400" b="1" i="0" u="none" strike="noStrike" cap="none" dirty="0">
+              <a:rPr lang="en-US" sz="2400" i="0" u="none" strike="noStrike" cap="none" dirty="0">
                 <a:solidFill>
                   <a:srgbClr val="00FFFF"/>
                 </a:solidFill>
@@ -28109,7 +28266,7 @@
               <a:t>[</a:t>
             </a:r>
             <a:r>
-              <a:rPr lang="en-US" sz="2400" b="1" i="0" u="none" strike="noStrike" cap="none" dirty="0">
+              <a:rPr lang="en-US" sz="2400" i="0" u="none" strike="noStrike" cap="none" dirty="0">
                 <a:solidFill>
                   <a:schemeClr val="lt1"/>
                 </a:solidFill>
@@ -28121,7 +28278,7 @@
               <a:t>2</a:t>
             </a:r>
             <a:r>
-              <a:rPr lang="en-US" sz="2400" b="1" i="0" u="none" strike="noStrike" cap="none" dirty="0">
+              <a:rPr lang="en-US" sz="2400" i="0" u="none" strike="noStrike" cap="none" dirty="0">
                 <a:solidFill>
                   <a:srgbClr val="00FFFF"/>
                 </a:solidFill>
@@ -28133,7 +28290,7 @@
               <a:t>]</a:t>
             </a:r>
             <a:r>
-              <a:rPr lang="en-US" sz="2400" b="1" i="0" u="none" strike="noStrike" cap="none" dirty="0">
+              <a:rPr lang="en-US" sz="2400" i="0" u="none" strike="noStrike" cap="none" dirty="0">
                 <a:solidFill>
                   <a:schemeClr val="lt1"/>
                 </a:solidFill>
@@ -28153,7 +28310,7 @@
               <a:buSzPct val="25000"/>
             </a:pPr>
             <a:r>
-              <a:rPr lang="en-US" sz="2400" b="1" i="0" u="none" strike="noStrike" cap="none" dirty="0">
+              <a:rPr lang="en-US" sz="2400" i="0" u="none" strike="noStrike" cap="none" dirty="0">
                 <a:solidFill>
                   <a:schemeClr val="lt1"/>
                 </a:solidFill>
@@ -28165,7 +28322,7 @@
               <a:t>&gt;&gt;&gt; </a:t>
             </a:r>
             <a:r>
-              <a:rPr lang="en-US" sz="2400" b="1" i="0" u="none" strike="noStrike" cap="none" dirty="0" smtClean="0">
+              <a:rPr lang="en-US" sz="2400" i="0" u="none" strike="noStrike" cap="none" dirty="0" smtClean="0">
                 <a:solidFill>
                   <a:srgbClr val="FFFF00"/>
                 </a:solidFill>
@@ -28177,7 +28334,7 @@
               <a:t>print(</a:t>
             </a:r>
             <a:r>
-              <a:rPr lang="en-US" sz="2400" b="1" i="0" u="none" strike="noStrike" cap="none" dirty="0" smtClean="0">
+              <a:rPr lang="en-US" sz="2400" i="0" u="none" strike="noStrike" cap="none" dirty="0" smtClean="0">
                 <a:solidFill>
                   <a:srgbClr val="00FF00"/>
                 </a:solidFill>
@@ -28189,7 +28346,7 @@
               <a:t>lotto</a:t>
             </a:r>
             <a:r>
-              <a:rPr lang="en-US" sz="2400" b="1" dirty="0" smtClean="0">
+              <a:rPr lang="en-US" sz="2400" dirty="0" smtClean="0">
                 <a:solidFill>
                   <a:srgbClr val="FFFF00"/>
                 </a:solidFill>
@@ -28200,7 +28357,7 @@
               </a:rPr>
               <a:t>)</a:t>
             </a:r>
-            <a:endParaRPr lang="en-US" sz="2400" b="1" i="0" u="none" strike="noStrike" cap="none" dirty="0">
+            <a:endParaRPr lang="en-US" sz="2400" i="0" u="none" strike="noStrike" cap="none" dirty="0">
               <a:solidFill>
                 <a:srgbClr val="00FF00"/>
               </a:solidFill>
@@ -28229,7 +28386,7 @@
               <a:buNone/>
             </a:pPr>
             <a:r>
-              <a:rPr lang="en-US" sz="2400" b="1" i="0" u="none" strike="noStrike" cap="none" dirty="0">
+              <a:rPr lang="en-US" sz="2400" i="0" u="none" strike="noStrike" cap="none" dirty="0">
                 <a:solidFill>
                   <a:schemeClr val="lt1"/>
                 </a:solidFill>
@@ -28241,7 +28398,7 @@
               <a:t>[2, 14, </a:t>
             </a:r>
             <a:r>
-              <a:rPr lang="en-US" sz="2400" b="1" i="0" u="none" strike="noStrike" cap="none" dirty="0">
+              <a:rPr lang="en-US" sz="2400" i="0" u="none" strike="noStrike" cap="none" dirty="0">
                 <a:solidFill>
                   <a:srgbClr val="FF00FF"/>
                 </a:solidFill>
@@ -28253,7 +28410,7 @@
               <a:t>28</a:t>
             </a:r>
             <a:r>
-              <a:rPr lang="en-US" sz="2400" b="1" i="0" u="none" strike="noStrike" cap="none" dirty="0">
+              <a:rPr lang="en-US" sz="2400" i="0" u="none" strike="noStrike" cap="none" dirty="0">
                 <a:solidFill>
                   <a:schemeClr val="lt1"/>
                 </a:solidFill>
@@ -28275,7 +28432,7 @@
   <p:timing>
     <p:tnLst>
       <p:par>
-        <p:cTn id="1" dur="indefinite" restart="never" nodeType="tmRoot"/>
+        <p:cTn xmlns:p14="http://schemas.microsoft.com/office/powerpoint/2010/main" id="1" dur="indefinite" restart="never" nodeType="tmRoot"/>
       </p:par>
     </p:tnLst>
   </p:timing>

--- a/lectures3/Pythonlearn-08-Lists.pptx
+++ b/lectures3/Pythonlearn-08-Lists.pptx
@@ -244,7 +244,18 @@
   </p:defaultTextStyle>
   <p:extLst>
     <p:ext uri="{EFAFB233-063F-42B5-8137-9DF3F51BA10A}">
-      <p15:sldGuideLst xmlns="" xmlns:p15="http://schemas.microsoft.com/office/powerpoint/2012/main"/>
+      <p15:sldGuideLst xmlns:p15="http://schemas.microsoft.com/office/powerpoint/2012/main">
+        <p15:guide id="1" orient="horz" pos="2880">
+          <p15:clr>
+            <a:srgbClr val="A4A3A4"/>
+          </p15:clr>
+        </p15:guide>
+        <p15:guide id="2" pos="5120">
+          <p15:clr>
+            <a:srgbClr val="A4A3A4"/>
+          </p15:clr>
+        </p15:guide>
+      </p15:sldGuideLst>
     </p:ext>
   </p:extLst>
 </p:presentation>
@@ -5724,7 +5735,7 @@
   <p:timing>
     <p:tnLst>
       <p:par>
-        <p:cTn xmlns:p14="http://schemas.microsoft.com/office/powerpoint/2010/main" id="1" dur="indefinite" restart="never" nodeType="tmRoot"/>
+        <p:cTn id="1" dur="indefinite" restart="never" nodeType="tmRoot"/>
       </p:par>
     </p:tnLst>
   </p:timing>
@@ -6068,7 +6079,7 @@
               <a:buNone/>
             </a:pPr>
             <a:r>
-              <a:rPr lang="en-US" sz="3000" i="0" u="none" strike="noStrike" cap="none" dirty="0">
+              <a:rPr lang="en-US" sz="3000" b="1" i="0" u="none" strike="noStrike" cap="none" dirty="0">
                 <a:solidFill>
                   <a:schemeClr val="lt1"/>
                 </a:solidFill>
@@ -6080,7 +6091,7 @@
               <a:t>&gt;&gt;&gt; </a:t>
             </a:r>
             <a:r>
-              <a:rPr lang="en-US" sz="3000" i="0" u="none" strike="noStrike" cap="none" dirty="0">
+              <a:rPr lang="en-US" sz="3000" b="1" i="0" u="none" strike="noStrike" cap="none" dirty="0">
                 <a:solidFill>
                   <a:srgbClr val="00FF00"/>
                 </a:solidFill>
@@ -6092,7 +6103,7 @@
               <a:t>greet</a:t>
             </a:r>
             <a:r>
-              <a:rPr lang="en-US" sz="3000" i="0" u="none" strike="noStrike" cap="none" dirty="0">
+              <a:rPr lang="en-US" sz="3000" b="1" i="0" u="none" strike="noStrike" cap="none" dirty="0">
                 <a:solidFill>
                   <a:schemeClr val="lt1"/>
                 </a:solidFill>
@@ -6104,7 +6115,7 @@
               <a:t> = 'Hello Bob</a:t>
             </a:r>
             <a:r>
-              <a:rPr lang="en-US" sz="3000" dirty="0">
+              <a:rPr lang="en-US" sz="3000" b="1" dirty="0">
                 <a:solidFill>
                   <a:schemeClr val="lt1"/>
                 </a:solidFill>
@@ -6135,7 +6146,7 @@
               <a:buNone/>
             </a:pPr>
             <a:r>
-              <a:rPr lang="en-US" sz="3000" i="0" u="none" strike="noStrike" cap="none" dirty="0">
+              <a:rPr lang="en-US" sz="3000" b="1" i="0" u="none" strike="noStrike" cap="none" dirty="0">
                 <a:solidFill>
                   <a:schemeClr val="lt1"/>
                 </a:solidFill>
@@ -6147,7 +6158,7 @@
               <a:t>&gt;&gt;&gt; </a:t>
             </a:r>
             <a:r>
-              <a:rPr lang="en-US" sz="3000" i="0" u="none" strike="noStrike" cap="none" dirty="0" smtClean="0">
+              <a:rPr lang="en-US" sz="3000" b="1" i="0" u="none" strike="noStrike" cap="none" dirty="0" smtClean="0">
                 <a:solidFill>
                   <a:srgbClr val="FFFF00"/>
                 </a:solidFill>
@@ -6159,7 +6170,7 @@
               <a:t>print(</a:t>
             </a:r>
             <a:r>
-              <a:rPr lang="en-US" sz="3000" i="0" u="none" strike="noStrike" cap="none" dirty="0" err="1" smtClean="0">
+              <a:rPr lang="en-US" sz="3000" b="1" i="0" u="none" strike="noStrike" cap="none" dirty="0" err="1" smtClean="0">
                 <a:solidFill>
                   <a:srgbClr val="FF00FF"/>
                 </a:solidFill>
@@ -6171,7 +6182,7 @@
               <a:t>len</a:t>
             </a:r>
             <a:r>
-              <a:rPr lang="en-US" sz="3000" i="0" u="none" strike="noStrike" cap="none" dirty="0" smtClean="0">
+              <a:rPr lang="en-US" sz="3000" b="1" i="0" u="none" strike="noStrike" cap="none" dirty="0" smtClean="0">
                 <a:solidFill>
                   <a:schemeClr val="lt1"/>
                 </a:solidFill>
@@ -6183,7 +6194,7 @@
               <a:t>(</a:t>
             </a:r>
             <a:r>
-              <a:rPr lang="en-US" sz="3000" i="0" u="none" strike="noStrike" cap="none" dirty="0" smtClean="0">
+              <a:rPr lang="en-US" sz="3000" b="1" i="0" u="none" strike="noStrike" cap="none" dirty="0" smtClean="0">
                 <a:solidFill>
                   <a:srgbClr val="00FF00"/>
                 </a:solidFill>
@@ -6195,7 +6206,7 @@
               <a:t>greet</a:t>
             </a:r>
             <a:r>
-              <a:rPr lang="en-US" sz="3000" i="0" u="none" strike="noStrike" cap="none" dirty="0" smtClean="0">
+              <a:rPr lang="en-US" sz="3000" b="1" i="0" u="none" strike="noStrike" cap="none" dirty="0" smtClean="0">
                 <a:solidFill>
                   <a:schemeClr val="lt1"/>
                 </a:solidFill>
@@ -6207,7 +6218,7 @@
               <a:t>)</a:t>
             </a:r>
             <a:r>
-              <a:rPr lang="en-US" sz="3000" i="0" u="none" strike="noStrike" cap="none" dirty="0" smtClean="0">
+              <a:rPr lang="en-US" sz="3000" b="1" i="0" u="none" strike="noStrike" cap="none" dirty="0" smtClean="0">
                 <a:solidFill>
                   <a:srgbClr val="FFFF00"/>
                 </a:solidFill>
@@ -6218,7 +6229,7 @@
               </a:rPr>
               <a:t>)</a:t>
             </a:r>
-            <a:endParaRPr lang="en-US" sz="3000" i="0" u="none" strike="noStrike" cap="none" dirty="0">
+            <a:endParaRPr lang="en-US" sz="3000" b="1" i="0" u="none" strike="noStrike" cap="none" dirty="0">
               <a:solidFill>
                 <a:srgbClr val="FFFF00"/>
               </a:solidFill>
@@ -6247,7 +6258,7 @@
               <a:buNone/>
             </a:pPr>
             <a:r>
-              <a:rPr lang="en-US" sz="3000" i="0" u="none" strike="noStrike" cap="none" dirty="0">
+              <a:rPr lang="en-US" sz="3000" b="1" i="0" u="none" strike="noStrike" cap="none" dirty="0">
                 <a:solidFill>
                   <a:schemeClr val="lt1"/>
                 </a:solidFill>
@@ -6278,7 +6289,7 @@
               <a:buNone/>
             </a:pPr>
             <a:r>
-              <a:rPr lang="en-US" sz="3000" i="0" u="none" strike="noStrike" cap="none" dirty="0">
+              <a:rPr lang="en-US" sz="3000" b="1" i="0" u="none" strike="noStrike" cap="none" dirty="0">
                 <a:solidFill>
                   <a:schemeClr val="lt1"/>
                 </a:solidFill>
@@ -6290,7 +6301,7 @@
               <a:t>&gt;&gt;&gt; </a:t>
             </a:r>
             <a:r>
-              <a:rPr lang="en-US" sz="3000" i="0" u="none" strike="noStrike" cap="none" dirty="0">
+              <a:rPr lang="en-US" sz="3000" b="1" i="0" u="none" strike="noStrike" cap="none" dirty="0">
                 <a:solidFill>
                   <a:srgbClr val="00FF00"/>
                 </a:solidFill>
@@ -6302,7 +6313,7 @@
               <a:t>x</a:t>
             </a:r>
             <a:r>
-              <a:rPr lang="en-US" sz="3000" i="0" u="none" strike="noStrike" cap="none" dirty="0">
+              <a:rPr lang="en-US" sz="3000" b="1" i="0" u="none" strike="noStrike" cap="none" dirty="0">
                 <a:solidFill>
                   <a:schemeClr val="lt1"/>
                 </a:solidFill>
@@ -6314,7 +6325,7 @@
               <a:t> = </a:t>
             </a:r>
             <a:r>
-              <a:rPr lang="en-US" sz="3000" i="0" u="none" strike="noStrike" cap="none" dirty="0">
+              <a:rPr lang="en-US" sz="3000" b="1" i="0" u="none" strike="noStrike" cap="none" dirty="0">
                 <a:solidFill>
                   <a:srgbClr val="FF7F00"/>
                 </a:solidFill>
@@ -6345,7 +6356,7 @@
               <a:buNone/>
             </a:pPr>
             <a:r>
-              <a:rPr lang="en-US" sz="3000" i="0" u="none" strike="noStrike" cap="none" dirty="0">
+              <a:rPr lang="en-US" sz="3000" b="1" i="0" u="none" strike="noStrike" cap="none" dirty="0">
                 <a:solidFill>
                   <a:schemeClr val="lt1"/>
                 </a:solidFill>
@@ -6357,7 +6368,7 @@
               <a:t>&gt;&gt;&gt; </a:t>
             </a:r>
             <a:r>
-              <a:rPr lang="en-US" sz="3000" i="0" u="none" strike="noStrike" cap="none" dirty="0" smtClean="0">
+              <a:rPr lang="en-US" sz="3000" b="1" i="0" u="none" strike="noStrike" cap="none" dirty="0" smtClean="0">
                 <a:solidFill>
                   <a:srgbClr val="FFFF00"/>
                 </a:solidFill>
@@ -6369,7 +6380,7 @@
               <a:t>print(</a:t>
             </a:r>
             <a:r>
-              <a:rPr lang="en-US" sz="3000" i="0" u="none" strike="noStrike" cap="none" dirty="0" err="1" smtClean="0">
+              <a:rPr lang="en-US" sz="3000" b="1" i="0" u="none" strike="noStrike" cap="none" dirty="0" err="1" smtClean="0">
                 <a:solidFill>
                   <a:srgbClr val="FF00FF"/>
                 </a:solidFill>
@@ -6381,7 +6392,7 @@
               <a:t>len</a:t>
             </a:r>
             <a:r>
-              <a:rPr lang="en-US" sz="3000" i="0" u="none" strike="noStrike" cap="none" dirty="0" smtClean="0">
+              <a:rPr lang="en-US" sz="3000" b="1" i="0" u="none" strike="noStrike" cap="none" dirty="0" smtClean="0">
                 <a:solidFill>
                   <a:schemeClr val="lt1"/>
                 </a:solidFill>
@@ -6393,7 +6404,7 @@
               <a:t>(</a:t>
             </a:r>
             <a:r>
-              <a:rPr lang="en-US" sz="3000" i="0" u="none" strike="noStrike" cap="none" dirty="0" smtClean="0">
+              <a:rPr lang="en-US" sz="3000" b="1" i="0" u="none" strike="noStrike" cap="none" dirty="0" smtClean="0">
                 <a:solidFill>
                   <a:srgbClr val="00FF00"/>
                 </a:solidFill>
@@ -6405,7 +6416,7 @@
               <a:t>x</a:t>
             </a:r>
             <a:r>
-              <a:rPr lang="en-US" sz="3000" i="0" u="none" strike="noStrike" cap="none" dirty="0" smtClean="0">
+              <a:rPr lang="en-US" sz="3000" b="1" i="0" u="none" strike="noStrike" cap="none" dirty="0" smtClean="0">
                 <a:solidFill>
                   <a:schemeClr val="lt1"/>
                 </a:solidFill>
@@ -6417,7 +6428,7 @@
               <a:t>)</a:t>
             </a:r>
             <a:r>
-              <a:rPr lang="en-US" sz="3000" i="0" u="none" strike="noStrike" cap="none" dirty="0" smtClean="0">
+              <a:rPr lang="en-US" sz="3000" b="1" i="0" u="none" strike="noStrike" cap="none" dirty="0" smtClean="0">
                 <a:solidFill>
                   <a:srgbClr val="FFFF00"/>
                 </a:solidFill>
@@ -6428,7 +6439,7 @@
               </a:rPr>
               <a:t>)</a:t>
             </a:r>
-            <a:endParaRPr lang="en-US" sz="3000" i="0" u="none" strike="noStrike" cap="none" dirty="0">
+            <a:endParaRPr lang="en-US" sz="3000" b="1" i="0" u="none" strike="noStrike" cap="none" dirty="0">
               <a:solidFill>
                 <a:srgbClr val="FFFF00"/>
               </a:solidFill>
@@ -6457,7 +6468,7 @@
               <a:buNone/>
             </a:pPr>
             <a:r>
-              <a:rPr lang="en-US" sz="3000" i="0" u="none" strike="noStrike" cap="none" dirty="0">
+              <a:rPr lang="en-US" sz="3000" b="1" i="0" u="none" strike="noStrike" cap="none" dirty="0">
                 <a:solidFill>
                   <a:schemeClr val="lt1"/>
                 </a:solidFill>
@@ -6488,7 +6499,7 @@
               <a:buNone/>
             </a:pPr>
             <a:r>
-              <a:rPr lang="en-US" sz="3000" i="0" u="none" strike="noStrike" cap="none" dirty="0">
+              <a:rPr lang="en-US" sz="3000" b="1" i="0" u="none" strike="noStrike" cap="none" dirty="0">
                 <a:solidFill>
                   <a:schemeClr val="lt1"/>
                 </a:solidFill>
@@ -6530,7 +6541,7 @@
   <p:timing>
     <p:tnLst>
       <p:par>
-        <p:cTn xmlns:p14="http://schemas.microsoft.com/office/powerpoint/2010/main" id="1" dur="indefinite" restart="never" nodeType="tmRoot"/>
+        <p:cTn id="1" dur="indefinite" restart="never" nodeType="tmRoot"/>
       </p:par>
     </p:tnLst>
   </p:timing>
@@ -6847,7 +6858,7 @@
               <a:buSzPct val="25000"/>
             </a:pPr>
             <a:r>
-              <a:rPr lang="en-US" sz="2400" i="0" u="none" strike="noStrike" cap="none" dirty="0">
+              <a:rPr lang="en-US" sz="2400" b="1" i="0" u="none" strike="noStrike" cap="none" dirty="0">
                 <a:solidFill>
                   <a:schemeClr val="lt1"/>
                 </a:solidFill>
@@ -6859,7 +6870,7 @@
               <a:t>&gt;&gt;&gt; </a:t>
             </a:r>
             <a:r>
-              <a:rPr lang="en-US" sz="2400" i="0" u="none" strike="noStrike" cap="none" dirty="0" smtClean="0">
+              <a:rPr lang="en-US" sz="2400" b="1" i="0" u="none" strike="noStrike" cap="none" dirty="0" smtClean="0">
                 <a:solidFill>
                   <a:srgbClr val="FFFF00"/>
                 </a:solidFill>
@@ -6871,7 +6882,7 @@
               <a:t>print(</a:t>
             </a:r>
             <a:r>
-              <a:rPr lang="en-US" sz="2400" i="0" u="none" strike="noStrike" cap="none" dirty="0" smtClean="0">
+              <a:rPr lang="en-US" sz="2400" b="1" i="0" u="none" strike="noStrike" cap="none" dirty="0" smtClean="0">
                 <a:solidFill>
                   <a:srgbClr val="FF00FF"/>
                 </a:solidFill>
@@ -6883,7 +6894,7 @@
               <a:t>range</a:t>
             </a:r>
             <a:r>
-              <a:rPr lang="en-US" sz="2400" i="0" u="none" strike="noStrike" cap="none" dirty="0" smtClean="0">
+              <a:rPr lang="en-US" sz="2400" b="1" i="0" u="none" strike="noStrike" cap="none" dirty="0" smtClean="0">
                 <a:solidFill>
                   <a:schemeClr val="lt1"/>
                 </a:solidFill>
@@ -6895,7 +6906,7 @@
               <a:t>(</a:t>
             </a:r>
             <a:r>
-              <a:rPr lang="en-US" sz="2400" i="0" u="none" strike="noStrike" cap="none" dirty="0" smtClean="0">
+              <a:rPr lang="en-US" sz="2400" b="1" i="0" u="none" strike="noStrike" cap="none" dirty="0" smtClean="0">
                 <a:solidFill>
                   <a:srgbClr val="00FFFF"/>
                 </a:solidFill>
@@ -6907,7 +6918,7 @@
               <a:t>4</a:t>
             </a:r>
             <a:r>
-              <a:rPr lang="en-US" sz="2400" i="0" u="none" strike="noStrike" cap="none" dirty="0" smtClean="0">
+              <a:rPr lang="en-US" sz="2400" b="1" i="0" u="none" strike="noStrike" cap="none" dirty="0" smtClean="0">
                 <a:solidFill>
                   <a:schemeClr val="lt1"/>
                 </a:solidFill>
@@ -6919,7 +6930,7 @@
               <a:t>)</a:t>
             </a:r>
             <a:r>
-              <a:rPr lang="en-US" sz="2400" dirty="0" smtClean="0">
+              <a:rPr lang="en-US" sz="2400" b="1" dirty="0" smtClean="0">
                 <a:solidFill>
                   <a:srgbClr val="FFFF00"/>
                 </a:solidFill>
@@ -6930,7 +6941,7 @@
               </a:rPr>
               <a:t>)</a:t>
             </a:r>
-            <a:endParaRPr lang="en-US" sz="2400" i="0" u="none" strike="noStrike" cap="none" dirty="0">
+            <a:endParaRPr lang="en-US" sz="2400" b="1" i="0" u="none" strike="noStrike" cap="none" dirty="0">
               <a:solidFill>
                 <a:schemeClr val="lt1"/>
               </a:solidFill>
@@ -6959,7 +6970,7 @@
               <a:buNone/>
             </a:pPr>
             <a:r>
-              <a:rPr lang="en-US" sz="2400" i="0" u="none" strike="noStrike" cap="none" dirty="0">
+              <a:rPr lang="en-US" sz="2400" b="1" i="0" u="none" strike="noStrike" cap="none" dirty="0">
                 <a:solidFill>
                   <a:srgbClr val="FF7F00"/>
                 </a:solidFill>
@@ -6990,7 +7001,7 @@
               <a:buNone/>
             </a:pPr>
             <a:r>
-              <a:rPr lang="en-US" sz="2400" i="0" u="none" strike="noStrike" cap="none" dirty="0">
+              <a:rPr lang="en-US" sz="2400" b="1" i="0" u="none" strike="noStrike" cap="none" dirty="0">
                 <a:solidFill>
                   <a:schemeClr val="lt1"/>
                 </a:solidFill>
@@ -7002,7 +7013,7 @@
               <a:t>&gt;&gt;&gt; </a:t>
             </a:r>
             <a:r>
-              <a:rPr lang="en-US" sz="2400" i="0" u="none" strike="noStrike" cap="none" dirty="0">
+              <a:rPr lang="en-US" sz="2400" b="1" i="0" u="none" strike="noStrike" cap="none" dirty="0">
                 <a:solidFill>
                   <a:srgbClr val="00FF00"/>
                 </a:solidFill>
@@ -7014,7 +7025,7 @@
               <a:t>friends</a:t>
             </a:r>
             <a:r>
-              <a:rPr lang="en-US" sz="2400" i="0" u="none" strike="noStrike" cap="none" dirty="0">
+              <a:rPr lang="en-US" sz="2400" b="1" i="0" u="none" strike="noStrike" cap="none" dirty="0">
                 <a:solidFill>
                   <a:schemeClr val="lt1"/>
                 </a:solidFill>
@@ -7034,7 +7045,7 @@
               <a:buSzPct val="25000"/>
             </a:pPr>
             <a:r>
-              <a:rPr lang="en-US" sz="2400" i="0" u="none" strike="noStrike" cap="none" dirty="0">
+              <a:rPr lang="en-US" sz="2400" b="1" i="0" u="none" strike="noStrike" cap="none" dirty="0">
                 <a:solidFill>
                   <a:schemeClr val="lt1"/>
                 </a:solidFill>
@@ -7046,7 +7057,7 @@
               <a:t>&gt;&gt;&gt; </a:t>
             </a:r>
             <a:r>
-              <a:rPr lang="en-US" sz="2400" i="0" u="none" strike="noStrike" cap="none" dirty="0" smtClean="0">
+              <a:rPr lang="en-US" sz="2400" b="1" i="0" u="none" strike="noStrike" cap="none" dirty="0" smtClean="0">
                 <a:solidFill>
                   <a:srgbClr val="FFFF00"/>
                 </a:solidFill>
@@ -7058,7 +7069,7 @@
               <a:t>print(</a:t>
             </a:r>
             <a:r>
-              <a:rPr lang="en-US" sz="2400" i="0" u="none" strike="noStrike" cap="none" dirty="0" err="1" smtClean="0">
+              <a:rPr lang="en-US" sz="2400" b="1" i="0" u="none" strike="noStrike" cap="none" dirty="0" err="1" smtClean="0">
                 <a:solidFill>
                   <a:srgbClr val="FF00FF"/>
                 </a:solidFill>
@@ -7070,7 +7081,7 @@
               <a:t>len</a:t>
             </a:r>
             <a:r>
-              <a:rPr lang="en-US" sz="2400" i="0" u="none" strike="noStrike" cap="none" dirty="0" smtClean="0">
+              <a:rPr lang="en-US" sz="2400" b="1" i="0" u="none" strike="noStrike" cap="none" dirty="0" smtClean="0">
                 <a:solidFill>
                   <a:schemeClr val="lt1"/>
                 </a:solidFill>
@@ -7082,7 +7093,7 @@
               <a:t>(</a:t>
             </a:r>
             <a:r>
-              <a:rPr lang="en-US" sz="2400" i="0" u="none" strike="noStrike" cap="none" dirty="0" smtClean="0">
+              <a:rPr lang="en-US" sz="2400" b="1" i="0" u="none" strike="noStrike" cap="none" dirty="0" smtClean="0">
                 <a:solidFill>
                   <a:srgbClr val="00FF00"/>
                 </a:solidFill>
@@ -7094,7 +7105,7 @@
               <a:t>friends</a:t>
             </a:r>
             <a:r>
-              <a:rPr lang="en-US" sz="2400" i="0" u="none" strike="noStrike" cap="none" dirty="0" smtClean="0">
+              <a:rPr lang="en-US" sz="2400" b="1" i="0" u="none" strike="noStrike" cap="none" dirty="0" smtClean="0">
                 <a:solidFill>
                   <a:schemeClr val="lt1"/>
                 </a:solidFill>
@@ -7106,7 +7117,7 @@
               <a:t>)</a:t>
             </a:r>
             <a:r>
-              <a:rPr lang="en-US" sz="2400" dirty="0" smtClean="0">
+              <a:rPr lang="en-US" sz="2400" b="1" dirty="0" smtClean="0">
                 <a:solidFill>
                   <a:srgbClr val="FFFF00"/>
                 </a:solidFill>
@@ -7117,7 +7128,7 @@
               </a:rPr>
               <a:t>)</a:t>
             </a:r>
-            <a:endParaRPr lang="en-US" sz="2400" i="0" u="none" strike="noStrike" cap="none" dirty="0">
+            <a:endParaRPr lang="en-US" sz="2400" b="1" i="0" u="none" strike="noStrike" cap="none" dirty="0">
               <a:solidFill>
                 <a:schemeClr val="lt1"/>
               </a:solidFill>
@@ -7146,7 +7157,7 @@
               <a:buNone/>
             </a:pPr>
             <a:r>
-              <a:rPr lang="en-US" sz="2400" i="0" u="none" strike="noStrike" cap="none" dirty="0">
+              <a:rPr lang="en-US" sz="2400" b="1" i="0" u="none" strike="noStrike" cap="none" dirty="0">
                 <a:solidFill>
                   <a:schemeClr val="lt1"/>
                 </a:solidFill>
@@ -7166,7 +7177,7 @@
               <a:buSzPct val="25000"/>
             </a:pPr>
             <a:r>
-              <a:rPr lang="en-US" sz="2400" i="0" u="none" strike="noStrike" cap="none" dirty="0">
+              <a:rPr lang="en-US" sz="2400" b="1" i="0" u="none" strike="noStrike" cap="none" dirty="0">
                 <a:solidFill>
                   <a:schemeClr val="lt1"/>
                 </a:solidFill>
@@ -7178,7 +7189,7 @@
               <a:t>&gt;&gt;&gt; </a:t>
             </a:r>
             <a:r>
-              <a:rPr lang="en-US" sz="2400" i="0" u="none" strike="noStrike" cap="none" dirty="0" smtClean="0">
+              <a:rPr lang="en-US" sz="2400" b="1" i="0" u="none" strike="noStrike" cap="none" dirty="0" smtClean="0">
                 <a:solidFill>
                   <a:srgbClr val="FFFF00"/>
                 </a:solidFill>
@@ -7190,7 +7201,7 @@
               <a:t>print(</a:t>
             </a:r>
             <a:r>
-              <a:rPr lang="en-US" sz="2400" i="0" u="none" strike="noStrike" cap="none" dirty="0" smtClean="0">
+              <a:rPr lang="en-US" sz="2400" b="1" i="0" u="none" strike="noStrike" cap="none" dirty="0" smtClean="0">
                 <a:solidFill>
                   <a:srgbClr val="FF00FF"/>
                 </a:solidFill>
@@ -7202,7 +7213,7 @@
               <a:t>range</a:t>
             </a:r>
             <a:r>
-              <a:rPr lang="en-US" sz="2400" i="0" u="none" strike="noStrike" cap="none" dirty="0" smtClean="0">
+              <a:rPr lang="en-US" sz="2400" b="1" i="0" u="none" strike="noStrike" cap="none" dirty="0" smtClean="0">
                 <a:solidFill>
                   <a:schemeClr val="lt1"/>
                 </a:solidFill>
@@ -7214,7 +7225,7 @@
               <a:t>(</a:t>
             </a:r>
             <a:r>
-              <a:rPr lang="en-US" sz="2400" i="0" u="none" strike="noStrike" cap="none" dirty="0" err="1" smtClean="0">
+              <a:rPr lang="en-US" sz="2400" b="1" i="0" u="none" strike="noStrike" cap="none" dirty="0" err="1" smtClean="0">
                 <a:solidFill>
                   <a:srgbClr val="FF00FF"/>
                 </a:solidFill>
@@ -7226,7 +7237,7 @@
               <a:t>len</a:t>
             </a:r>
             <a:r>
-              <a:rPr lang="en-US" sz="2400" i="0" u="none" strike="noStrike" cap="none" dirty="0" smtClean="0">
+              <a:rPr lang="en-US" sz="2400" b="1" i="0" u="none" strike="noStrike" cap="none" dirty="0" smtClean="0">
                 <a:solidFill>
                   <a:schemeClr val="lt1"/>
                 </a:solidFill>
@@ -7238,7 +7249,7 @@
               <a:t>(</a:t>
             </a:r>
             <a:r>
-              <a:rPr lang="en-US" sz="2400" i="0" u="none" strike="noStrike" cap="none" dirty="0" smtClean="0">
+              <a:rPr lang="en-US" sz="2400" b="1" i="0" u="none" strike="noStrike" cap="none" dirty="0" smtClean="0">
                 <a:solidFill>
                   <a:srgbClr val="00FF00"/>
                 </a:solidFill>
@@ -7250,7 +7261,7 @@
               <a:t>friends</a:t>
             </a:r>
             <a:r>
-              <a:rPr lang="en-US" sz="2400" i="0" u="none" strike="noStrike" cap="none" dirty="0" smtClean="0">
+              <a:rPr lang="en-US" sz="2400" b="1" i="0" u="none" strike="noStrike" cap="none" dirty="0" smtClean="0">
                 <a:solidFill>
                   <a:schemeClr val="lt1"/>
                 </a:solidFill>
@@ -7262,7 +7273,7 @@
               <a:t>))</a:t>
             </a:r>
             <a:r>
-              <a:rPr lang="en-US" sz="2400" dirty="0" smtClean="0">
+              <a:rPr lang="en-US" sz="2400" b="1" dirty="0" smtClean="0">
                 <a:solidFill>
                   <a:srgbClr val="FFFF00"/>
                 </a:solidFill>
@@ -7273,7 +7284,7 @@
               </a:rPr>
               <a:t>)</a:t>
             </a:r>
-            <a:endParaRPr lang="en-US" sz="2400" i="0" u="none" strike="noStrike" cap="none" dirty="0">
+            <a:endParaRPr lang="en-US" sz="2400" b="1" i="0" u="none" strike="noStrike" cap="none" dirty="0">
               <a:solidFill>
                 <a:schemeClr val="lt1"/>
               </a:solidFill>
@@ -7302,7 +7313,7 @@
               <a:buNone/>
             </a:pPr>
             <a:r>
-              <a:rPr lang="en-US" sz="2400" i="0" u="none" strike="noStrike" cap="none" dirty="0">
+              <a:rPr lang="en-US" sz="2400" b="1" i="0" u="none" strike="noStrike" cap="none" dirty="0">
                 <a:solidFill>
                   <a:srgbClr val="FF7F00"/>
                 </a:solidFill>
@@ -7333,7 +7344,7 @@
               <a:buNone/>
             </a:pPr>
             <a:r>
-              <a:rPr lang="en-US" sz="2400" i="0" u="none" strike="noStrike" cap="none" dirty="0">
+              <a:rPr lang="en-US" sz="2400" b="1" i="0" u="none" strike="noStrike" cap="none" dirty="0">
                 <a:solidFill>
                   <a:schemeClr val="lt1"/>
                 </a:solidFill>
@@ -7355,7 +7366,7 @@
   <p:timing>
     <p:tnLst>
       <p:par>
-        <p:cTn xmlns:p14="http://schemas.microsoft.com/office/powerpoint/2010/main" id="1" dur="indefinite" restart="never" nodeType="tmRoot"/>
+        <p:cTn id="1" dur="indefinite" restart="never" nodeType="tmRoot"/>
       </p:par>
     </p:tnLst>
   </p:timing>
@@ -7479,7 +7490,7 @@
               <a:buNone/>
             </a:pPr>
             <a:r>
-              <a:rPr lang="en-US" sz="2400" i="0" u="none" strike="noStrike" cap="none" dirty="0">
+              <a:rPr lang="en-US" sz="2400" b="1" i="0" u="none" strike="noStrike" cap="none" dirty="0">
                 <a:solidFill>
                   <a:srgbClr val="00FF00"/>
                 </a:solidFill>
@@ -7491,7 +7502,7 @@
               <a:t>friends</a:t>
             </a:r>
             <a:r>
-              <a:rPr lang="en-US" sz="2400" i="0" u="none" strike="noStrike" cap="none" dirty="0">
+              <a:rPr lang="en-US" sz="2400" b="1" i="0" u="none" strike="noStrike" cap="none" dirty="0">
                 <a:solidFill>
                   <a:schemeClr val="lt1"/>
                 </a:solidFill>
@@ -7516,7 +7527,7 @@
               </a:spcAft>
               <a:buNone/>
             </a:pPr>
-            <a:endParaRPr sz="2400" i="0" u="none" strike="noStrike" cap="none" dirty="0">
+            <a:endParaRPr sz="2400" b="1" i="0" u="none" strike="noStrike" cap="none" dirty="0">
               <a:solidFill>
                 <a:schemeClr val="lt1"/>
               </a:solidFill>
@@ -7545,7 +7556,7 @@
               <a:buNone/>
             </a:pPr>
             <a:r>
-              <a:rPr lang="en-US" sz="2400" i="0" u="none" strike="noStrike" cap="none" dirty="0">
+              <a:rPr lang="en-US" sz="2400" b="1" i="0" u="none" strike="noStrike" cap="none" dirty="0">
                 <a:solidFill>
                   <a:srgbClr val="FFFF00"/>
                 </a:solidFill>
@@ -7557,7 +7568,7 @@
               <a:t>for</a:t>
             </a:r>
             <a:r>
-              <a:rPr lang="en-US" sz="2400" i="0" u="none" strike="noStrike" cap="none" dirty="0">
+              <a:rPr lang="en-US" sz="2400" b="1" i="0" u="none" strike="noStrike" cap="none" dirty="0">
                 <a:solidFill>
                   <a:schemeClr val="lt1"/>
                 </a:solidFill>
@@ -7569,7 +7580,7 @@
               <a:t> </a:t>
             </a:r>
             <a:r>
-              <a:rPr lang="en-US" sz="2400" i="0" u="none" strike="noStrike" cap="none" dirty="0">
+              <a:rPr lang="en-US" sz="2400" b="1" i="0" u="none" strike="noStrike" cap="none" dirty="0">
                 <a:solidFill>
                   <a:srgbClr val="FF7F00"/>
                 </a:solidFill>
@@ -7581,7 +7592,7 @@
               <a:t>friend</a:t>
             </a:r>
             <a:r>
-              <a:rPr lang="en-US" sz="2400" i="0" u="none" strike="noStrike" cap="none" dirty="0">
+              <a:rPr lang="en-US" sz="2400" b="1" i="0" u="none" strike="noStrike" cap="none" dirty="0">
                 <a:solidFill>
                   <a:schemeClr val="lt1"/>
                 </a:solidFill>
@@ -7593,7 +7604,7 @@
               <a:t> </a:t>
             </a:r>
             <a:r>
-              <a:rPr lang="en-US" sz="2400" i="0" u="none" strike="noStrike" cap="none" dirty="0">
+              <a:rPr lang="en-US" sz="2400" b="1" i="0" u="none" strike="noStrike" cap="none" dirty="0">
                 <a:solidFill>
                   <a:srgbClr val="FFFF00"/>
                 </a:solidFill>
@@ -7605,7 +7616,7 @@
               <a:t>in</a:t>
             </a:r>
             <a:r>
-              <a:rPr lang="en-US" sz="2400" i="0" u="none" strike="noStrike" cap="none" dirty="0">
+              <a:rPr lang="en-US" sz="2400" b="1" i="0" u="none" strike="noStrike" cap="none" dirty="0">
                 <a:solidFill>
                   <a:schemeClr val="lt1"/>
                 </a:solidFill>
@@ -7617,7 +7628,7 @@
               <a:t> </a:t>
             </a:r>
             <a:r>
-              <a:rPr lang="en-US" sz="2400" i="0" u="none" strike="noStrike" cap="none" dirty="0">
+              <a:rPr lang="en-US" sz="2400" b="1" i="0" u="none" strike="noStrike" cap="none" dirty="0">
                 <a:solidFill>
                   <a:srgbClr val="00FF00"/>
                 </a:solidFill>
@@ -7629,7 +7640,7 @@
               <a:t>friends </a:t>
             </a:r>
             <a:r>
-              <a:rPr lang="en-US" sz="2400" i="0" u="none" strike="noStrike" cap="none" dirty="0">
+              <a:rPr lang="en-US" sz="2400" b="1" i="0" u="none" strike="noStrike" cap="none" dirty="0">
                 <a:solidFill>
                   <a:schemeClr val="lt1"/>
                 </a:solidFill>
@@ -7649,7 +7660,7 @@
               <a:buSzPct val="25000"/>
             </a:pPr>
             <a:r>
-              <a:rPr lang="en-US" sz="2400" i="0" u="none" strike="noStrike" cap="none" dirty="0">
+              <a:rPr lang="en-US" sz="2400" b="1" i="0" u="none" strike="noStrike" cap="none" dirty="0">
                 <a:solidFill>
                   <a:schemeClr val="lt1"/>
                 </a:solidFill>
@@ -7661,7 +7672,7 @@
               <a:t>    </a:t>
             </a:r>
             <a:r>
-              <a:rPr lang="en-US" sz="2400" i="0" u="none" strike="noStrike" cap="none" dirty="0" smtClean="0">
+              <a:rPr lang="en-US" sz="2400" b="1" i="0" u="none" strike="noStrike" cap="none" dirty="0" smtClean="0">
                 <a:solidFill>
                   <a:srgbClr val="FFFF00"/>
                 </a:solidFill>
@@ -7673,7 +7684,7 @@
               <a:t>print(</a:t>
             </a:r>
             <a:r>
-              <a:rPr lang="en-US" sz="2400" i="0" u="none" strike="noStrike" cap="none" dirty="0" smtClean="0">
+              <a:rPr lang="en-US" sz="2400" b="1" i="0" u="none" strike="noStrike" cap="none" dirty="0" smtClean="0">
                 <a:solidFill>
                   <a:schemeClr val="lt1"/>
                 </a:solidFill>
@@ -7685,7 +7696,7 @@
               <a:t>'Happy </a:t>
             </a:r>
             <a:r>
-              <a:rPr lang="en-US" sz="2400" i="0" u="none" strike="noStrike" cap="none" dirty="0">
+              <a:rPr lang="en-US" sz="2400" b="1" i="0" u="none" strike="noStrike" cap="none" dirty="0">
                 <a:solidFill>
                   <a:schemeClr val="lt1"/>
                 </a:solidFill>
@@ -7697,7 +7708,7 @@
               <a:t>New Year:',  </a:t>
             </a:r>
             <a:r>
-              <a:rPr lang="en-US" sz="2400" i="0" u="none" strike="noStrike" cap="none" dirty="0" smtClean="0">
+              <a:rPr lang="en-US" sz="2400" b="1" i="0" u="none" strike="noStrike" cap="none" dirty="0" smtClean="0">
                 <a:solidFill>
                   <a:srgbClr val="FF7F00"/>
                 </a:solidFill>
@@ -7709,7 +7720,7 @@
               <a:t>friend</a:t>
             </a:r>
             <a:r>
-              <a:rPr lang="en-US" sz="2400" dirty="0" smtClean="0">
+              <a:rPr lang="en-US" sz="2400" b="1" dirty="0" smtClean="0">
                 <a:solidFill>
                   <a:srgbClr val="FFFF00"/>
                 </a:solidFill>
@@ -7720,7 +7731,7 @@
               </a:rPr>
               <a:t>)</a:t>
             </a:r>
-            <a:endParaRPr lang="en-US" sz="2400" i="0" u="none" strike="noStrike" cap="none" dirty="0">
+            <a:endParaRPr lang="en-US" sz="2400" b="1" i="0" u="none" strike="noStrike" cap="none" dirty="0">
               <a:solidFill>
                 <a:srgbClr val="FF7F00"/>
               </a:solidFill>
@@ -7743,7 +7754,7 @@
               </a:spcAft>
               <a:buNone/>
             </a:pPr>
-            <a:endParaRPr sz="2400" i="0" u="none" strike="noStrike" cap="none" dirty="0">
+            <a:endParaRPr sz="2400" b="1" i="0" u="none" strike="noStrike" cap="none" dirty="0">
               <a:solidFill>
                 <a:srgbClr val="00FF00"/>
               </a:solidFill>
@@ -7772,7 +7783,7 @@
               <a:buNone/>
             </a:pPr>
             <a:r>
-              <a:rPr lang="en-US" sz="2400" i="0" u="none" strike="noStrike" cap="none" dirty="0">
+              <a:rPr lang="en-US" sz="2400" b="1" i="0" u="none" strike="noStrike" cap="none" dirty="0">
                 <a:solidFill>
                   <a:srgbClr val="FFFF00"/>
                 </a:solidFill>
@@ -7784,7 +7795,7 @@
               <a:t>for</a:t>
             </a:r>
             <a:r>
-              <a:rPr lang="en-US" sz="2400" i="0" u="none" strike="noStrike" cap="none" dirty="0">
+              <a:rPr lang="en-US" sz="2400" b="1" i="0" u="none" strike="noStrike" cap="none" dirty="0">
                 <a:solidFill>
                   <a:schemeClr val="lt1"/>
                 </a:solidFill>
@@ -7796,7 +7807,7 @@
               <a:t> </a:t>
             </a:r>
             <a:r>
-              <a:rPr lang="en-US" sz="2400" i="0" u="none" strike="noStrike" cap="none" dirty="0" err="1">
+              <a:rPr lang="en-US" sz="2400" b="1" i="0" u="none" strike="noStrike" cap="none" dirty="0" err="1">
                 <a:solidFill>
                   <a:srgbClr val="00FF00"/>
                 </a:solidFill>
@@ -7808,7 +7819,7 @@
               <a:t>i</a:t>
             </a:r>
             <a:r>
-              <a:rPr lang="en-US" sz="2400" i="0" u="none" strike="noStrike" cap="none" dirty="0">
+              <a:rPr lang="en-US" sz="2400" b="1" i="0" u="none" strike="noStrike" cap="none" dirty="0">
                 <a:solidFill>
                   <a:schemeClr val="lt1"/>
                 </a:solidFill>
@@ -7820,7 +7831,7 @@
               <a:t> </a:t>
             </a:r>
             <a:r>
-              <a:rPr lang="en-US" sz="2400" i="0" u="none" strike="noStrike" cap="none" dirty="0">
+              <a:rPr lang="en-US" sz="2400" b="1" i="0" u="none" strike="noStrike" cap="none" dirty="0">
                 <a:solidFill>
                   <a:srgbClr val="FFFF00"/>
                 </a:solidFill>
@@ -7832,7 +7843,7 @@
               <a:t>in</a:t>
             </a:r>
             <a:r>
-              <a:rPr lang="en-US" sz="2400" i="0" u="none" strike="noStrike" cap="none" dirty="0">
+              <a:rPr lang="en-US" sz="2400" b="1" i="0" u="none" strike="noStrike" cap="none" dirty="0">
                 <a:solidFill>
                   <a:schemeClr val="lt1"/>
                 </a:solidFill>
@@ -7844,7 +7855,7 @@
               <a:t> </a:t>
             </a:r>
             <a:r>
-              <a:rPr lang="en-US" sz="2400" i="0" u="none" strike="noStrike" cap="none" dirty="0">
+              <a:rPr lang="en-US" sz="2400" b="1" i="0" u="none" strike="noStrike" cap="none" dirty="0">
                 <a:solidFill>
                   <a:srgbClr val="FF00FF"/>
                 </a:solidFill>
@@ -7856,7 +7867,7 @@
               <a:t>range</a:t>
             </a:r>
             <a:r>
-              <a:rPr lang="en-US" sz="2400" i="0" u="none" strike="noStrike" cap="none" dirty="0">
+              <a:rPr lang="en-US" sz="2400" b="1" i="0" u="none" strike="noStrike" cap="none" dirty="0">
                 <a:solidFill>
                   <a:schemeClr val="lt1"/>
                 </a:solidFill>
@@ -7868,7 +7879,7 @@
               <a:t>(</a:t>
             </a:r>
             <a:r>
-              <a:rPr lang="en-US" sz="2400" i="0" u="none" strike="noStrike" cap="none" dirty="0" err="1">
+              <a:rPr lang="en-US" sz="2400" b="1" i="0" u="none" strike="noStrike" cap="none" dirty="0" err="1">
                 <a:solidFill>
                   <a:schemeClr val="lt1"/>
                 </a:solidFill>
@@ -7880,7 +7891,7 @@
               <a:t>len</a:t>
             </a:r>
             <a:r>
-              <a:rPr lang="en-US" sz="2400" i="0" u="none" strike="noStrike" cap="none" dirty="0">
+              <a:rPr lang="en-US" sz="2400" b="1" i="0" u="none" strike="noStrike" cap="none" dirty="0">
                 <a:solidFill>
                   <a:schemeClr val="lt1"/>
                 </a:solidFill>
@@ -7892,7 +7903,7 @@
               <a:t>(</a:t>
             </a:r>
             <a:r>
-              <a:rPr lang="en-US" sz="2400" i="0" u="none" strike="noStrike" cap="none" dirty="0">
+              <a:rPr lang="en-US" sz="2400" b="1" i="0" u="none" strike="noStrike" cap="none" dirty="0">
                 <a:solidFill>
                   <a:srgbClr val="00FF00"/>
                 </a:solidFill>
@@ -7904,7 +7915,7 @@
               <a:t>friends)</a:t>
             </a:r>
             <a:r>
-              <a:rPr lang="en-US" sz="2400" i="0" u="none" strike="noStrike" cap="none" dirty="0">
+              <a:rPr lang="en-US" sz="2400" b="1" i="0" u="none" strike="noStrike" cap="none" dirty="0">
                 <a:solidFill>
                   <a:schemeClr val="lt1"/>
                 </a:solidFill>
@@ -7935,7 +7946,7 @@
               <a:buNone/>
             </a:pPr>
             <a:r>
-              <a:rPr lang="en-US" sz="2400" i="0" u="none" strike="noStrike" cap="none" dirty="0">
+              <a:rPr lang="en-US" sz="2400" b="1" i="0" u="none" strike="noStrike" cap="none" dirty="0">
                 <a:solidFill>
                   <a:schemeClr val="lt1"/>
                 </a:solidFill>
@@ -7947,7 +7958,7 @@
               <a:t>    </a:t>
             </a:r>
             <a:r>
-              <a:rPr lang="en-US" sz="2400" i="0" u="none" strike="noStrike" cap="none" dirty="0">
+              <a:rPr lang="en-US" sz="2400" b="1" i="0" u="none" strike="noStrike" cap="none" dirty="0">
                 <a:solidFill>
                   <a:srgbClr val="FF7F00"/>
                 </a:solidFill>
@@ -7959,7 +7970,7 @@
               <a:t>friend</a:t>
             </a:r>
             <a:r>
-              <a:rPr lang="en-US" sz="2400" i="0" u="none" strike="noStrike" cap="none" dirty="0">
+              <a:rPr lang="en-US" sz="2400" b="1" i="0" u="none" strike="noStrike" cap="none" dirty="0">
                 <a:solidFill>
                   <a:schemeClr val="lt1"/>
                 </a:solidFill>
@@ -7971,7 +7982,7 @@
               <a:t> = </a:t>
             </a:r>
             <a:r>
-              <a:rPr lang="en-US" sz="2400" i="0" u="none" strike="noStrike" cap="none" dirty="0">
+              <a:rPr lang="en-US" sz="2400" b="1" i="0" u="none" strike="noStrike" cap="none" dirty="0">
                 <a:solidFill>
                   <a:srgbClr val="00FF00"/>
                 </a:solidFill>
@@ -7983,7 +7994,7 @@
               <a:t>friends</a:t>
             </a:r>
             <a:r>
-              <a:rPr lang="en-US" sz="2400" i="0" u="none" strike="noStrike" cap="none" dirty="0">
+              <a:rPr lang="en-US" sz="2400" b="1" i="0" u="none" strike="noStrike" cap="none" dirty="0">
                 <a:solidFill>
                   <a:schemeClr val="lt1"/>
                 </a:solidFill>
@@ -7995,7 +8006,7 @@
               <a:t>[</a:t>
             </a:r>
             <a:r>
-              <a:rPr lang="en-US" sz="2400" i="0" u="none" strike="noStrike" cap="none" dirty="0" err="1">
+              <a:rPr lang="en-US" sz="2400" b="1" i="0" u="none" strike="noStrike" cap="none" dirty="0" err="1">
                 <a:solidFill>
                   <a:schemeClr val="lt1"/>
                 </a:solidFill>
@@ -8007,7 +8018,7 @@
               <a:t>i</a:t>
             </a:r>
             <a:r>
-              <a:rPr lang="en-US" sz="2400" i="0" u="none" strike="noStrike" cap="none" dirty="0">
+              <a:rPr lang="en-US" sz="2400" b="1" i="0" u="none" strike="noStrike" cap="none" dirty="0">
                 <a:solidFill>
                   <a:schemeClr val="lt1"/>
                 </a:solidFill>
@@ -8027,7 +8038,7 @@
               <a:buSzPct val="25000"/>
             </a:pPr>
             <a:r>
-              <a:rPr lang="en-US" sz="2400" i="0" u="none" strike="noStrike" cap="none" dirty="0">
+              <a:rPr lang="en-US" sz="2400" b="1" i="0" u="none" strike="noStrike" cap="none" dirty="0">
                 <a:solidFill>
                   <a:schemeClr val="lt1"/>
                 </a:solidFill>
@@ -8039,7 +8050,7 @@
               <a:t>    </a:t>
             </a:r>
             <a:r>
-              <a:rPr lang="en-US" sz="2400" i="0" u="none" strike="noStrike" cap="none" dirty="0" smtClean="0">
+              <a:rPr lang="en-US" sz="2400" b="1" i="0" u="none" strike="noStrike" cap="none" dirty="0" smtClean="0">
                 <a:solidFill>
                   <a:srgbClr val="FFFF00"/>
                 </a:solidFill>
@@ -8051,7 +8062,7 @@
               <a:t>print</a:t>
             </a:r>
             <a:r>
-              <a:rPr lang="en-US" sz="2400" dirty="0">
+              <a:rPr lang="en-US" sz="2400" b="1" dirty="0">
                 <a:solidFill>
                   <a:schemeClr val="lt1"/>
                 </a:solidFill>
@@ -8063,7 +8074,7 @@
               <a:t>(</a:t>
             </a:r>
             <a:r>
-              <a:rPr lang="en-US" sz="2400" i="0" u="none" strike="noStrike" cap="none" dirty="0" smtClean="0">
+              <a:rPr lang="en-US" sz="2400" b="1" i="0" u="none" strike="noStrike" cap="none" dirty="0" smtClean="0">
                 <a:solidFill>
                   <a:schemeClr val="lt1"/>
                 </a:solidFill>
@@ -8075,7 +8086,7 @@
               <a:t>'Happy </a:t>
             </a:r>
             <a:r>
-              <a:rPr lang="en-US" sz="2400" i="0" u="none" strike="noStrike" cap="none" dirty="0">
+              <a:rPr lang="en-US" sz="2400" b="1" i="0" u="none" strike="noStrike" cap="none" dirty="0">
                 <a:solidFill>
                   <a:schemeClr val="lt1"/>
                 </a:solidFill>
@@ -8087,7 +8098,7 @@
               <a:t>New Year:',  </a:t>
             </a:r>
             <a:r>
-              <a:rPr lang="en-US" sz="2400" i="0" u="none" strike="noStrike" cap="none" dirty="0" smtClean="0">
+              <a:rPr lang="en-US" sz="2400" b="1" i="0" u="none" strike="noStrike" cap="none" dirty="0" smtClean="0">
                 <a:solidFill>
                   <a:srgbClr val="FF7F00"/>
                 </a:solidFill>
@@ -8099,7 +8110,7 @@
               <a:t>friend</a:t>
             </a:r>
             <a:r>
-              <a:rPr lang="en-US" sz="2400" dirty="0" smtClean="0">
+              <a:rPr lang="en-US" sz="2400" b="1" dirty="0" smtClean="0">
                 <a:solidFill>
                   <a:srgbClr val="FFFF00"/>
                 </a:solidFill>
@@ -8110,7 +8121,7 @@
               </a:rPr>
               <a:t>)</a:t>
             </a:r>
-            <a:endParaRPr lang="en-US" sz="2400" i="0" u="none" strike="noStrike" cap="none" dirty="0">
+            <a:endParaRPr lang="en-US" sz="2400" b="1" i="0" u="none" strike="noStrike" cap="none" dirty="0">
               <a:solidFill>
                 <a:srgbClr val="FF7F00"/>
               </a:solidFill>
@@ -8284,7 +8295,7 @@
               <a:buNone/>
             </a:pPr>
             <a:r>
-              <a:rPr lang="en-US" sz="2400" i="0" u="none" strike="noStrike" cap="none" dirty="0">
+              <a:rPr lang="en-US" sz="2400" b="1" i="0" u="none" strike="noStrike" cap="none" dirty="0">
                 <a:solidFill>
                   <a:schemeClr val="lt1"/>
                 </a:solidFill>
@@ -8296,7 +8307,7 @@
               <a:t>&gt;&gt;&gt; </a:t>
             </a:r>
             <a:r>
-              <a:rPr lang="en-US" sz="2400" i="0" u="none" strike="noStrike" cap="none" dirty="0">
+              <a:rPr lang="en-US" sz="2400" b="1" i="0" u="none" strike="noStrike" cap="none" dirty="0">
                 <a:solidFill>
                   <a:srgbClr val="00FF00"/>
                 </a:solidFill>
@@ -8308,7 +8319,7 @@
               <a:t>friends</a:t>
             </a:r>
             <a:r>
-              <a:rPr lang="en-US" sz="2400" i="0" u="none" strike="noStrike" cap="none" dirty="0">
+              <a:rPr lang="en-US" sz="2400" b="1" i="0" u="none" strike="noStrike" cap="none" dirty="0">
                 <a:solidFill>
                   <a:schemeClr val="lt1"/>
                 </a:solidFill>
@@ -8328,7 +8339,7 @@
               <a:buSzPct val="25000"/>
             </a:pPr>
             <a:r>
-              <a:rPr lang="en-US" sz="2400" i="0" u="none" strike="noStrike" cap="none" dirty="0">
+              <a:rPr lang="en-US" sz="2400" b="1" i="0" u="none" strike="noStrike" cap="none" dirty="0">
                 <a:solidFill>
                   <a:schemeClr val="lt1"/>
                 </a:solidFill>
@@ -8340,7 +8351,7 @@
               <a:t>&gt;&gt;&gt; </a:t>
             </a:r>
             <a:r>
-              <a:rPr lang="en-US" sz="2400" i="0" u="none" strike="noStrike" cap="none" dirty="0" smtClean="0">
+              <a:rPr lang="en-US" sz="2400" b="1" i="0" u="none" strike="noStrike" cap="none" dirty="0" smtClean="0">
                 <a:solidFill>
                   <a:srgbClr val="FFFF00"/>
                 </a:solidFill>
@@ -8352,7 +8363,7 @@
               <a:t>print(</a:t>
             </a:r>
             <a:r>
-              <a:rPr lang="en-US" sz="2400" i="0" u="none" strike="noStrike" cap="none" dirty="0" err="1" smtClean="0">
+              <a:rPr lang="en-US" sz="2400" b="1" i="0" u="none" strike="noStrike" cap="none" dirty="0" err="1" smtClean="0">
                 <a:solidFill>
                   <a:srgbClr val="FF00FF"/>
                 </a:solidFill>
@@ -8364,7 +8375,7 @@
               <a:t>len</a:t>
             </a:r>
             <a:r>
-              <a:rPr lang="en-US" sz="2400" i="0" u="none" strike="noStrike" cap="none" dirty="0" smtClean="0">
+              <a:rPr lang="en-US" sz="2400" b="1" i="0" u="none" strike="noStrike" cap="none" dirty="0" smtClean="0">
                 <a:solidFill>
                   <a:schemeClr val="lt1"/>
                 </a:solidFill>
@@ -8376,7 +8387,7 @@
               <a:t>(</a:t>
             </a:r>
             <a:r>
-              <a:rPr lang="en-US" sz="2400" i="0" u="none" strike="noStrike" cap="none" dirty="0" smtClean="0">
+              <a:rPr lang="en-US" sz="2400" b="1" i="0" u="none" strike="noStrike" cap="none" dirty="0" smtClean="0">
                 <a:solidFill>
                   <a:srgbClr val="00FF00"/>
                 </a:solidFill>
@@ -8388,7 +8399,7 @@
               <a:t>friends</a:t>
             </a:r>
             <a:r>
-              <a:rPr lang="en-US" sz="2400" i="0" u="none" strike="noStrike" cap="none" dirty="0" smtClean="0">
+              <a:rPr lang="en-US" sz="2400" b="1" i="0" u="none" strike="noStrike" cap="none" dirty="0" smtClean="0">
                 <a:solidFill>
                   <a:schemeClr val="lt1"/>
                 </a:solidFill>
@@ -8400,7 +8411,7 @@
               <a:t>)</a:t>
             </a:r>
             <a:r>
-              <a:rPr lang="en-US" sz="2400" dirty="0" smtClean="0">
+              <a:rPr lang="en-US" sz="2400" b="1" dirty="0" smtClean="0">
                 <a:solidFill>
                   <a:srgbClr val="FFFF00"/>
                 </a:solidFill>
@@ -8411,7 +8422,7 @@
               </a:rPr>
               <a:t>)</a:t>
             </a:r>
-            <a:endParaRPr lang="en-US" sz="2400" i="0" u="none" strike="noStrike" cap="none" dirty="0">
+            <a:endParaRPr lang="en-US" sz="2400" b="1" i="0" u="none" strike="noStrike" cap="none" dirty="0">
               <a:solidFill>
                 <a:schemeClr val="lt1"/>
               </a:solidFill>
@@ -8440,7 +8451,7 @@
               <a:buNone/>
             </a:pPr>
             <a:r>
-              <a:rPr lang="en-US" sz="2400" i="0" u="none" strike="noStrike" cap="none" dirty="0">
+              <a:rPr lang="en-US" sz="2400" b="1" i="0" u="none" strike="noStrike" cap="none" dirty="0">
                 <a:solidFill>
                   <a:schemeClr val="lt1"/>
                 </a:solidFill>
@@ -8460,7 +8471,7 @@
               <a:buSzPct val="25000"/>
             </a:pPr>
             <a:r>
-              <a:rPr lang="en-US" sz="2400" i="0" u="none" strike="noStrike" cap="none" dirty="0">
+              <a:rPr lang="en-US" sz="2400" b="1" i="0" u="none" strike="noStrike" cap="none" dirty="0">
                 <a:solidFill>
                   <a:schemeClr val="lt1"/>
                 </a:solidFill>
@@ -8472,7 +8483,7 @@
               <a:t>&gt;&gt;&gt; </a:t>
             </a:r>
             <a:r>
-              <a:rPr lang="en-US" sz="2400" i="0" u="none" strike="noStrike" cap="none" dirty="0" smtClean="0">
+              <a:rPr lang="en-US" sz="2400" b="1" i="0" u="none" strike="noStrike" cap="none" dirty="0" smtClean="0">
                 <a:solidFill>
                   <a:srgbClr val="FFFF00"/>
                 </a:solidFill>
@@ -8484,7 +8495,7 @@
               <a:t>print(</a:t>
             </a:r>
             <a:r>
-              <a:rPr lang="en-US" sz="2400" i="0" u="none" strike="noStrike" cap="none" dirty="0" smtClean="0">
+              <a:rPr lang="en-US" sz="2400" b="1" i="0" u="none" strike="noStrike" cap="none" dirty="0" smtClean="0">
                 <a:solidFill>
                   <a:srgbClr val="FF00FF"/>
                 </a:solidFill>
@@ -8496,7 +8507,7 @@
               <a:t>range</a:t>
             </a:r>
             <a:r>
-              <a:rPr lang="en-US" sz="2400" i="0" u="none" strike="noStrike" cap="none" dirty="0" smtClean="0">
+              <a:rPr lang="en-US" sz="2400" b="1" i="0" u="none" strike="noStrike" cap="none" dirty="0" smtClean="0">
                 <a:solidFill>
                   <a:schemeClr val="lt1"/>
                 </a:solidFill>
@@ -8508,7 +8519,7 @@
               <a:t>(</a:t>
             </a:r>
             <a:r>
-              <a:rPr lang="en-US" sz="2400" i="0" u="none" strike="noStrike" cap="none" dirty="0" err="1" smtClean="0">
+              <a:rPr lang="en-US" sz="2400" b="1" i="0" u="none" strike="noStrike" cap="none" dirty="0" err="1" smtClean="0">
                 <a:solidFill>
                   <a:srgbClr val="FF00FF"/>
                 </a:solidFill>
@@ -8520,7 +8531,7 @@
               <a:t>len</a:t>
             </a:r>
             <a:r>
-              <a:rPr lang="en-US" sz="2400" i="0" u="none" strike="noStrike" cap="none" dirty="0" smtClean="0">
+              <a:rPr lang="en-US" sz="2400" b="1" i="0" u="none" strike="noStrike" cap="none" dirty="0" smtClean="0">
                 <a:solidFill>
                   <a:schemeClr val="lt1"/>
                 </a:solidFill>
@@ -8532,7 +8543,7 @@
               <a:t>(friends))</a:t>
             </a:r>
             <a:r>
-              <a:rPr lang="en-US" sz="2400" dirty="0" smtClean="0">
+              <a:rPr lang="en-US" sz="2400" b="1" dirty="0" smtClean="0">
                 <a:solidFill>
                   <a:srgbClr val="FFFF00"/>
                 </a:solidFill>
@@ -8543,7 +8554,7 @@
               </a:rPr>
               <a:t>)</a:t>
             </a:r>
-            <a:endParaRPr lang="en-US" sz="2400" i="0" u="none" strike="noStrike" cap="none" dirty="0">
+            <a:endParaRPr lang="en-US" sz="2400" b="1" i="0" u="none" strike="noStrike" cap="none" dirty="0">
               <a:solidFill>
                 <a:schemeClr val="lt1"/>
               </a:solidFill>
@@ -8572,7 +8583,7 @@
               <a:buNone/>
             </a:pPr>
             <a:r>
-              <a:rPr lang="en-US" sz="2400" i="0" u="none" strike="noStrike" cap="none" dirty="0">
+              <a:rPr lang="en-US" sz="2400" b="1" i="0" u="none" strike="noStrike" cap="none" dirty="0">
                 <a:solidFill>
                   <a:schemeClr val="lt1"/>
                 </a:solidFill>
@@ -8603,7 +8614,7 @@
               <a:buNone/>
             </a:pPr>
             <a:r>
-              <a:rPr lang="en-US" sz="2400" i="0" u="none" strike="noStrike" cap="none" dirty="0">
+              <a:rPr lang="en-US" sz="2400" b="1" i="0" u="none" strike="noStrike" cap="none" dirty="0">
                 <a:solidFill>
                   <a:schemeClr val="lt1"/>
                 </a:solidFill>
@@ -8625,7 +8636,7 @@
   <p:timing>
     <p:tnLst>
       <p:par>
-        <p:cTn xmlns:p14="http://schemas.microsoft.com/office/powerpoint/2010/main" id="1" dur="indefinite" restart="never" nodeType="tmRoot"/>
+        <p:cTn id="1" dur="indefinite" restart="never" nodeType="tmRoot"/>
       </p:par>
     </p:tnLst>
   </p:timing>
@@ -8878,7 +8889,7 @@
               <a:buNone/>
             </a:pPr>
             <a:r>
-              <a:rPr lang="en-US" sz="3000" i="0" u="none" strike="noStrike" cap="none" dirty="0">
+              <a:rPr lang="en-US" sz="3000" b="1" i="0" u="none" strike="noStrike" cap="none" dirty="0">
                 <a:solidFill>
                   <a:schemeClr val="lt1"/>
                 </a:solidFill>
@@ -8890,7 +8901,7 @@
               <a:t>&gt;&gt;&gt; </a:t>
             </a:r>
             <a:r>
-              <a:rPr lang="en-US" sz="3000" i="0" u="none" strike="noStrike" cap="none" dirty="0">
+              <a:rPr lang="en-US" sz="3000" b="1" i="0" u="none" strike="noStrike" cap="none" dirty="0">
                 <a:solidFill>
                   <a:srgbClr val="00FF00"/>
                 </a:solidFill>
@@ -8902,7 +8913,7 @@
               <a:t>a</a:t>
             </a:r>
             <a:r>
-              <a:rPr lang="en-US" sz="3000" i="0" u="none" strike="noStrike" cap="none" dirty="0">
+              <a:rPr lang="en-US" sz="3000" b="1" i="0" u="none" strike="noStrike" cap="none" dirty="0">
                 <a:solidFill>
                   <a:schemeClr val="lt1"/>
                 </a:solidFill>
@@ -8933,7 +8944,7 @@
               <a:buNone/>
             </a:pPr>
             <a:r>
-              <a:rPr lang="en-US" sz="3000" i="0" u="none" strike="noStrike" cap="none" dirty="0">
+              <a:rPr lang="en-US" sz="3000" b="1" i="0" u="none" strike="noStrike" cap="none" dirty="0">
                 <a:solidFill>
                   <a:schemeClr val="lt1"/>
                 </a:solidFill>
@@ -8945,7 +8956,7 @@
               <a:t>&gt;&gt;&gt;</a:t>
             </a:r>
             <a:r>
-              <a:rPr lang="en-US" sz="3000" i="0" u="none" strike="noStrike" cap="none" dirty="0">
+              <a:rPr lang="en-US" sz="3000" b="1" i="0" u="none" strike="noStrike" cap="none" dirty="0">
                 <a:solidFill>
                   <a:srgbClr val="00FF00"/>
                 </a:solidFill>
@@ -8957,7 +8968,7 @@
               <a:t> b</a:t>
             </a:r>
             <a:r>
-              <a:rPr lang="en-US" sz="3000" i="0" u="none" strike="noStrike" cap="none" dirty="0">
+              <a:rPr lang="en-US" sz="3000" b="1" i="0" u="none" strike="noStrike" cap="none" dirty="0">
                 <a:solidFill>
                   <a:schemeClr val="lt1"/>
                 </a:solidFill>
@@ -8988,7 +8999,7 @@
               <a:buNone/>
             </a:pPr>
             <a:r>
-              <a:rPr lang="en-US" sz="3000" i="0" u="none" strike="noStrike" cap="none" dirty="0">
+              <a:rPr lang="en-US" sz="3000" b="1" i="0" u="none" strike="noStrike" cap="none" dirty="0">
                 <a:solidFill>
                   <a:schemeClr val="lt1"/>
                 </a:solidFill>
@@ -9000,7 +9011,7 @@
               <a:t>&gt;&gt;&gt; </a:t>
             </a:r>
             <a:r>
-              <a:rPr lang="en-US" sz="3000" i="0" u="none" strike="noStrike" cap="none" dirty="0">
+              <a:rPr lang="en-US" sz="3000" b="1" i="0" u="none" strike="noStrike" cap="none" dirty="0">
                 <a:solidFill>
                   <a:srgbClr val="00FF00"/>
                 </a:solidFill>
@@ -9012,7 +9023,7 @@
               <a:t>c</a:t>
             </a:r>
             <a:r>
-              <a:rPr lang="en-US" sz="3000" i="0" u="none" strike="noStrike" cap="none" dirty="0">
+              <a:rPr lang="en-US" sz="3000" b="1" i="0" u="none" strike="noStrike" cap="none" dirty="0">
                 <a:solidFill>
                   <a:schemeClr val="lt1"/>
                 </a:solidFill>
@@ -9024,7 +9035,7 @@
               <a:t> = </a:t>
             </a:r>
             <a:r>
-              <a:rPr lang="en-US" sz="3000" i="0" u="none" strike="noStrike" cap="none" dirty="0">
+              <a:rPr lang="en-US" sz="3000" b="1" i="0" u="none" strike="noStrike" cap="none" dirty="0">
                 <a:solidFill>
                   <a:srgbClr val="00FF00"/>
                 </a:solidFill>
@@ -9036,7 +9047,7 @@
               <a:t>a </a:t>
             </a:r>
             <a:r>
-              <a:rPr lang="en-US" sz="3000" i="0" u="none" strike="noStrike" cap="none" dirty="0">
+              <a:rPr lang="en-US" sz="3000" b="1" i="0" u="none" strike="noStrike" cap="none" dirty="0">
                 <a:solidFill>
                   <a:srgbClr val="00FFFF"/>
                 </a:solidFill>
@@ -9048,7 +9059,7 @@
               <a:t>+</a:t>
             </a:r>
             <a:r>
-              <a:rPr lang="en-US" sz="3000" i="0" u="none" strike="noStrike" cap="none" dirty="0">
+              <a:rPr lang="en-US" sz="3000" b="1" i="0" u="none" strike="noStrike" cap="none" dirty="0">
                 <a:solidFill>
                   <a:srgbClr val="00FF00"/>
                 </a:solidFill>
@@ -9068,7 +9079,7 @@
               <a:buSzPct val="25000"/>
             </a:pPr>
             <a:r>
-              <a:rPr lang="en-US" sz="3000" i="0" u="none" strike="noStrike" cap="none" dirty="0">
+              <a:rPr lang="en-US" sz="3000" b="1" i="0" u="none" strike="noStrike" cap="none" dirty="0">
                 <a:solidFill>
                   <a:schemeClr val="lt1"/>
                 </a:solidFill>
@@ -9080,7 +9091,7 @@
               <a:t>&gt;&gt;&gt; </a:t>
             </a:r>
             <a:r>
-              <a:rPr lang="en-US" sz="3000" i="0" u="none" strike="noStrike" cap="none" dirty="0" smtClean="0">
+              <a:rPr lang="en-US" sz="3000" b="1" i="0" u="none" strike="noStrike" cap="none" dirty="0" smtClean="0">
                 <a:solidFill>
                   <a:srgbClr val="FFFF00"/>
                 </a:solidFill>
@@ -9092,7 +9103,7 @@
               <a:t>print(</a:t>
             </a:r>
             <a:r>
-              <a:rPr lang="en-US" sz="3000" i="0" u="none" strike="noStrike" cap="none" dirty="0" smtClean="0">
+              <a:rPr lang="en-US" sz="3000" b="1" i="0" u="none" strike="noStrike" cap="none" dirty="0" smtClean="0">
                 <a:solidFill>
                   <a:srgbClr val="00FF00"/>
                 </a:solidFill>
@@ -9104,7 +9115,7 @@
               <a:t>c</a:t>
             </a:r>
             <a:r>
-              <a:rPr lang="en-US" sz="3200" dirty="0" smtClean="0">
+              <a:rPr lang="en-US" sz="3200" b="1" dirty="0" smtClean="0">
                 <a:solidFill>
                   <a:srgbClr val="FFFF00"/>
                 </a:solidFill>
@@ -9115,7 +9126,7 @@
               </a:rPr>
               <a:t>)</a:t>
             </a:r>
-            <a:endParaRPr lang="en-US" sz="3000" i="0" u="none" strike="noStrike" cap="none" dirty="0">
+            <a:endParaRPr lang="en-US" sz="3000" b="1" i="0" u="none" strike="noStrike" cap="none" dirty="0">
               <a:solidFill>
                 <a:srgbClr val="00FF00"/>
               </a:solidFill>
@@ -9144,7 +9155,7 @@
               <a:buNone/>
             </a:pPr>
             <a:r>
-              <a:rPr lang="en-US" sz="3000" i="0" u="none" strike="noStrike" cap="none" dirty="0">
+              <a:rPr lang="en-US" sz="3000" b="1" i="0" u="none" strike="noStrike" cap="none" dirty="0">
                 <a:solidFill>
                   <a:schemeClr val="lt1"/>
                 </a:solidFill>
@@ -9164,7 +9175,7 @@
               <a:buSzPct val="25000"/>
             </a:pPr>
             <a:r>
-              <a:rPr lang="en-US" sz="3000" i="0" u="none" strike="noStrike" cap="none" dirty="0">
+              <a:rPr lang="en-US" sz="3000" b="1" i="0" u="none" strike="noStrike" cap="none" dirty="0">
                 <a:solidFill>
                   <a:schemeClr val="lt1"/>
                 </a:solidFill>
@@ -9176,7 +9187,7 @@
               <a:t>&gt;&gt;&gt; </a:t>
             </a:r>
             <a:r>
-              <a:rPr lang="en-US" sz="3000" i="0" u="none" strike="noStrike" cap="none" dirty="0" smtClean="0">
+              <a:rPr lang="en-US" sz="3000" b="1" i="0" u="none" strike="noStrike" cap="none" dirty="0" smtClean="0">
                 <a:solidFill>
                   <a:srgbClr val="FFFF00"/>
                 </a:solidFill>
@@ -9188,7 +9199,7 @@
               <a:t>print(</a:t>
             </a:r>
             <a:r>
-              <a:rPr lang="en-US" sz="3000" i="0" u="none" strike="noStrike" cap="none" dirty="0" smtClean="0">
+              <a:rPr lang="en-US" sz="3000" b="1" i="0" u="none" strike="noStrike" cap="none" dirty="0" smtClean="0">
                 <a:solidFill>
                   <a:srgbClr val="00FF00"/>
                 </a:solidFill>
@@ -9200,7 +9211,7 @@
               <a:t>a</a:t>
             </a:r>
             <a:r>
-              <a:rPr lang="en-US" sz="3200" dirty="0" smtClean="0">
+              <a:rPr lang="en-US" sz="3200" b="1" dirty="0" smtClean="0">
                 <a:solidFill>
                   <a:srgbClr val="FFFF00"/>
                 </a:solidFill>
@@ -9211,7 +9222,7 @@
               </a:rPr>
               <a:t>)</a:t>
             </a:r>
-            <a:endParaRPr lang="en-US" sz="3000" i="0" u="none" strike="noStrike" cap="none" dirty="0">
+            <a:endParaRPr lang="en-US" sz="3000" b="1" i="0" u="none" strike="noStrike" cap="none" dirty="0">
               <a:solidFill>
                 <a:srgbClr val="00FF00"/>
               </a:solidFill>
@@ -9240,7 +9251,7 @@
               <a:buNone/>
             </a:pPr>
             <a:r>
-              <a:rPr lang="en-US" sz="3000" i="0" u="none" strike="noStrike" cap="none" dirty="0">
+              <a:rPr lang="en-US" sz="3000" b="1" i="0" u="none" strike="noStrike" cap="none" dirty="0">
                 <a:solidFill>
                   <a:schemeClr val="lt1"/>
                 </a:solidFill>
@@ -9262,7 +9273,7 @@
   <p:timing>
     <p:tnLst>
       <p:par>
-        <p:cTn xmlns:p14="http://schemas.microsoft.com/office/powerpoint/2010/main" id="1" dur="indefinite" restart="never" nodeType="tmRoot"/>
+        <p:cTn id="1" dur="indefinite" restart="never" nodeType="tmRoot"/>
       </p:par>
     </p:tnLst>
   </p:timing>
@@ -9434,7 +9445,7 @@
               <a:buNone/>
             </a:pPr>
             <a:r>
-              <a:rPr lang="en-US" sz="3000" i="0" u="none" strike="noStrike" cap="none" dirty="0">
+              <a:rPr lang="en-US" sz="3000" b="1" i="0" u="none" strike="noStrike" cap="none" dirty="0">
                 <a:solidFill>
                   <a:schemeClr val="lt1"/>
                 </a:solidFill>
@@ -9446,7 +9457,7 @@
               <a:t>&gt;&gt;&gt; </a:t>
             </a:r>
             <a:r>
-              <a:rPr lang="en-US" sz="3000" i="0" u="none" strike="noStrike" cap="none" dirty="0">
+              <a:rPr lang="en-US" sz="3000" b="1" i="0" u="none" strike="noStrike" cap="none" dirty="0">
                 <a:solidFill>
                   <a:srgbClr val="00FF00"/>
                 </a:solidFill>
@@ -9458,7 +9469,7 @@
               <a:t>t</a:t>
             </a:r>
             <a:r>
-              <a:rPr lang="en-US" sz="3000" i="0" u="none" strike="noStrike" cap="none" dirty="0">
+              <a:rPr lang="en-US" sz="3000" b="1" i="0" u="none" strike="noStrike" cap="none" dirty="0">
                 <a:solidFill>
                   <a:schemeClr val="lt1"/>
                 </a:solidFill>
@@ -9489,7 +9500,7 @@
               <a:buNone/>
             </a:pPr>
             <a:r>
-              <a:rPr lang="en-US" sz="3000" i="0" u="none" strike="noStrike" cap="none" dirty="0">
+              <a:rPr lang="en-US" sz="3000" b="1" i="0" u="none" strike="noStrike" cap="none" dirty="0">
                 <a:solidFill>
                   <a:schemeClr val="lt1"/>
                 </a:solidFill>
@@ -9501,7 +9512,7 @@
               <a:t>&gt;&gt;&gt; </a:t>
             </a:r>
             <a:r>
-              <a:rPr lang="en-US" sz="3000" i="0" u="none" strike="noStrike" cap="none" dirty="0">
+              <a:rPr lang="en-US" sz="3000" b="1" i="0" u="none" strike="noStrike" cap="none" dirty="0">
                 <a:solidFill>
                   <a:srgbClr val="00FF00"/>
                 </a:solidFill>
@@ -9513,7 +9524,7 @@
               <a:t>t</a:t>
             </a:r>
             <a:r>
-              <a:rPr lang="en-US" sz="3000" i="0" u="none" strike="noStrike" cap="none" dirty="0">
+              <a:rPr lang="en-US" sz="3000" b="1" i="0" u="none" strike="noStrike" cap="none" dirty="0">
                 <a:solidFill>
                   <a:schemeClr val="lt1"/>
                 </a:solidFill>
@@ -9525,7 +9536,7 @@
               <a:t>[1</a:t>
             </a:r>
             <a:r>
-              <a:rPr lang="en-US" sz="3000" i="0" u="none" strike="noStrike" cap="none" dirty="0">
+              <a:rPr lang="en-US" sz="3000" b="1" i="0" u="none" strike="noStrike" cap="none" dirty="0">
                 <a:solidFill>
                   <a:srgbClr val="00FFFF"/>
                 </a:solidFill>
@@ -9537,7 +9548,7 @@
               <a:t>:</a:t>
             </a:r>
             <a:r>
-              <a:rPr lang="en-US" sz="3000" i="0" u="none" strike="noStrike" cap="none" dirty="0">
+              <a:rPr lang="en-US" sz="3000" b="1" i="0" u="none" strike="noStrike" cap="none" dirty="0">
                 <a:solidFill>
                   <a:srgbClr val="FF00FF"/>
                 </a:solidFill>
@@ -9549,7 +9560,7 @@
               <a:t>3</a:t>
             </a:r>
             <a:r>
-              <a:rPr lang="en-US" sz="3000" i="0" u="none" strike="noStrike" cap="none" dirty="0">
+              <a:rPr lang="en-US" sz="3000" b="1" i="0" u="none" strike="noStrike" cap="none" dirty="0">
                 <a:solidFill>
                   <a:schemeClr val="lt1"/>
                 </a:solidFill>
@@ -9580,7 +9591,7 @@
               <a:buNone/>
             </a:pPr>
             <a:r>
-              <a:rPr lang="en-US" sz="3000" i="0" u="none" strike="noStrike" cap="none" dirty="0">
+              <a:rPr lang="en-US" sz="3000" b="1" i="0" u="none" strike="noStrike" cap="none" dirty="0">
                 <a:solidFill>
                   <a:schemeClr val="lt1"/>
                 </a:solidFill>
@@ -9611,7 +9622,7 @@
               <a:buNone/>
             </a:pPr>
             <a:r>
-              <a:rPr lang="en-US" sz="3000" i="0" u="none" strike="noStrike" cap="none" dirty="0">
+              <a:rPr lang="en-US" sz="3000" b="1" i="0" u="none" strike="noStrike" cap="none" dirty="0">
                 <a:solidFill>
                   <a:schemeClr val="lt1"/>
                 </a:solidFill>
@@ -9623,7 +9634,7 @@
               <a:t>&gt;&gt;&gt; </a:t>
             </a:r>
             <a:r>
-              <a:rPr lang="en-US" sz="3000" i="0" u="none" strike="noStrike" cap="none" dirty="0">
+              <a:rPr lang="en-US" sz="3000" b="1" i="0" u="none" strike="noStrike" cap="none" dirty="0">
                 <a:solidFill>
                   <a:srgbClr val="00FF00"/>
                 </a:solidFill>
@@ -9635,7 +9646,7 @@
               <a:t>t</a:t>
             </a:r>
             <a:r>
-              <a:rPr lang="en-US" sz="3000" i="0" u="none" strike="noStrike" cap="none" dirty="0">
+              <a:rPr lang="en-US" sz="3000" b="1" i="0" u="none" strike="noStrike" cap="none" dirty="0">
                 <a:solidFill>
                   <a:schemeClr val="lt1"/>
                 </a:solidFill>
@@ -9647,7 +9658,7 @@
               <a:t>[</a:t>
             </a:r>
             <a:r>
-              <a:rPr lang="en-US" sz="3000" i="0" u="none" strike="noStrike" cap="none" dirty="0">
+              <a:rPr lang="en-US" sz="3000" b="1" i="0" u="none" strike="noStrike" cap="none" dirty="0">
                 <a:solidFill>
                   <a:srgbClr val="00FFFF"/>
                 </a:solidFill>
@@ -9659,7 +9670,7 @@
               <a:t>:</a:t>
             </a:r>
             <a:r>
-              <a:rPr lang="en-US" sz="3000" i="0" u="none" strike="noStrike" cap="none" dirty="0">
+              <a:rPr lang="en-US" sz="3000" b="1" i="0" u="none" strike="noStrike" cap="none" dirty="0">
                 <a:solidFill>
                   <a:srgbClr val="FF00FF"/>
                 </a:solidFill>
@@ -9671,7 +9682,7 @@
               <a:t>4</a:t>
             </a:r>
             <a:r>
-              <a:rPr lang="en-US" sz="3000" i="0" u="none" strike="noStrike" cap="none" dirty="0">
+              <a:rPr lang="en-US" sz="3000" b="1" i="0" u="none" strike="noStrike" cap="none" dirty="0">
                 <a:solidFill>
                   <a:schemeClr val="lt1"/>
                 </a:solidFill>
@@ -9702,7 +9713,7 @@
               <a:buNone/>
             </a:pPr>
             <a:r>
-              <a:rPr lang="en-US" sz="3000" i="0" u="none" strike="noStrike" cap="none" dirty="0">
+              <a:rPr lang="en-US" sz="3000" b="1" i="0" u="none" strike="noStrike" cap="none" dirty="0">
                 <a:solidFill>
                   <a:schemeClr val="lt1"/>
                 </a:solidFill>
@@ -9733,7 +9744,7 @@
               <a:buNone/>
             </a:pPr>
             <a:r>
-              <a:rPr lang="en-US" sz="3000" i="0" u="none" strike="noStrike" cap="none" dirty="0">
+              <a:rPr lang="en-US" sz="3000" b="1" i="0" u="none" strike="noStrike" cap="none" dirty="0">
                 <a:solidFill>
                   <a:schemeClr val="lt1"/>
                 </a:solidFill>
@@ -9745,7 +9756,7 @@
               <a:t>&gt;&gt;&gt; </a:t>
             </a:r>
             <a:r>
-              <a:rPr lang="en-US" sz="3000" i="0" u="none" strike="noStrike" cap="none" dirty="0">
+              <a:rPr lang="en-US" sz="3000" b="1" i="0" u="none" strike="noStrike" cap="none" dirty="0">
                 <a:solidFill>
                   <a:srgbClr val="00FF00"/>
                 </a:solidFill>
@@ -9757,7 +9768,7 @@
               <a:t>t</a:t>
             </a:r>
             <a:r>
-              <a:rPr lang="en-US" sz="3000" i="0" u="none" strike="noStrike" cap="none" dirty="0">
+              <a:rPr lang="en-US" sz="3000" b="1" i="0" u="none" strike="noStrike" cap="none" dirty="0">
                 <a:solidFill>
                   <a:schemeClr val="lt1"/>
                 </a:solidFill>
@@ -9769,7 +9780,7 @@
               <a:t>[3</a:t>
             </a:r>
             <a:r>
-              <a:rPr lang="en-US" sz="3000" i="0" u="none" strike="noStrike" cap="none" dirty="0">
+              <a:rPr lang="en-US" sz="3000" b="1" i="0" u="none" strike="noStrike" cap="none" dirty="0">
                 <a:solidFill>
                   <a:srgbClr val="00FFFF"/>
                 </a:solidFill>
@@ -9781,7 +9792,7 @@
               <a:t>:</a:t>
             </a:r>
             <a:r>
-              <a:rPr lang="en-US" sz="3000" i="0" u="none" strike="noStrike" cap="none" dirty="0">
+              <a:rPr lang="en-US" sz="3000" b="1" i="0" u="none" strike="noStrike" cap="none" dirty="0">
                 <a:solidFill>
                   <a:schemeClr val="lt1"/>
                 </a:solidFill>
@@ -9812,7 +9823,7 @@
               <a:buNone/>
             </a:pPr>
             <a:r>
-              <a:rPr lang="en-US" sz="3000" i="0" u="none" strike="noStrike" cap="none" dirty="0">
+              <a:rPr lang="en-US" sz="3000" b="1" i="0" u="none" strike="noStrike" cap="none" dirty="0">
                 <a:solidFill>
                   <a:schemeClr val="lt1"/>
                 </a:solidFill>
@@ -9843,7 +9854,7 @@
               <a:buNone/>
             </a:pPr>
             <a:r>
-              <a:rPr lang="en-US" sz="3000" i="0" u="none" strike="noStrike" cap="none" dirty="0">
+              <a:rPr lang="en-US" sz="3000" b="1" i="0" u="none" strike="noStrike" cap="none" dirty="0">
                 <a:solidFill>
                   <a:schemeClr val="lt1"/>
                 </a:solidFill>
@@ -9855,7 +9866,7 @@
               <a:t>&gt;&gt;&gt; </a:t>
             </a:r>
             <a:r>
-              <a:rPr lang="en-US" sz="3000" i="0" u="none" strike="noStrike" cap="none" dirty="0">
+              <a:rPr lang="en-US" sz="3000" b="1" i="0" u="none" strike="noStrike" cap="none" dirty="0">
                 <a:solidFill>
                   <a:srgbClr val="00FF00"/>
                 </a:solidFill>
@@ -9867,7 +9878,7 @@
               <a:t>t</a:t>
             </a:r>
             <a:r>
-              <a:rPr lang="en-US" sz="3000" i="0" u="none" strike="noStrike" cap="none" dirty="0">
+              <a:rPr lang="en-US" sz="3000" b="1" i="0" u="none" strike="noStrike" cap="none" dirty="0">
                 <a:solidFill>
                   <a:schemeClr val="lt1"/>
                 </a:solidFill>
@@ -9879,7 +9890,7 @@
               <a:t>[</a:t>
             </a:r>
             <a:r>
-              <a:rPr lang="en-US" sz="3000" i="0" u="none" strike="noStrike" cap="none" dirty="0">
+              <a:rPr lang="en-US" sz="3000" b="1" i="0" u="none" strike="noStrike" cap="none" dirty="0">
                 <a:solidFill>
                   <a:srgbClr val="00FFFF"/>
                 </a:solidFill>
@@ -9891,7 +9902,7 @@
               <a:t>:</a:t>
             </a:r>
             <a:r>
-              <a:rPr lang="en-US" sz="3000" i="0" u="none" strike="noStrike" cap="none" dirty="0">
+              <a:rPr lang="en-US" sz="3000" b="1" i="0" u="none" strike="noStrike" cap="none" dirty="0">
                 <a:solidFill>
                   <a:schemeClr val="lt1"/>
                 </a:solidFill>
@@ -9922,7 +9933,7 @@
               <a:buNone/>
             </a:pPr>
             <a:r>
-              <a:rPr lang="en-US" sz="3000" i="0" u="none" strike="noStrike" cap="none" dirty="0">
+              <a:rPr lang="en-US" sz="3000" b="1" i="0" u="none" strike="noStrike" cap="none" dirty="0">
                 <a:solidFill>
                   <a:schemeClr val="lt1"/>
                 </a:solidFill>
@@ -10049,7 +10060,7 @@
   <p:timing>
     <p:tnLst>
       <p:par>
-        <p:cTn xmlns:p14="http://schemas.microsoft.com/office/powerpoint/2010/main" id="1" dur="indefinite" restart="never" nodeType="tmRoot"/>
+        <p:cTn id="1" dur="indefinite" restart="never" nodeType="tmRoot"/>
       </p:par>
     </p:tnLst>
   </p:timing>
@@ -10173,7 +10184,7 @@
               <a:buNone/>
             </a:pPr>
             <a:r>
-              <a:rPr lang="en-US" sz="3000" i="0" u="none" strike="noStrike" cap="none" dirty="0">
+              <a:rPr lang="en-US" sz="3000" b="1" i="0" u="none" strike="noStrike" cap="none" dirty="0">
                 <a:solidFill>
                   <a:schemeClr val="lt1"/>
                 </a:solidFill>
@@ -10185,7 +10196,7 @@
               <a:t>&gt;&gt;&gt; </a:t>
             </a:r>
             <a:r>
-              <a:rPr lang="en-US" sz="3000" i="0" u="none" strike="noStrike" cap="none" dirty="0">
+              <a:rPr lang="en-US" sz="3000" b="1" i="0" u="none" strike="noStrike" cap="none" dirty="0">
                 <a:solidFill>
                   <a:srgbClr val="00FF00"/>
                 </a:solidFill>
@@ -10197,7 +10208,7 @@
               <a:t>x</a:t>
             </a:r>
             <a:r>
-              <a:rPr lang="en-US" sz="3000" i="0" u="none" strike="noStrike" cap="none" dirty="0">
+              <a:rPr lang="en-US" sz="3000" b="1" i="0" u="none" strike="noStrike" cap="none" dirty="0">
                 <a:solidFill>
                   <a:schemeClr val="lt1"/>
                 </a:solidFill>
@@ -10209,7 +10220,7 @@
               <a:t> = </a:t>
             </a:r>
             <a:r>
-              <a:rPr lang="en-US" sz="3000" i="0" u="none" strike="noStrike" cap="none" dirty="0">
+              <a:rPr lang="en-US" sz="3000" b="1" i="0" u="none" strike="noStrike" cap="none" dirty="0">
                 <a:solidFill>
                   <a:srgbClr val="FF00FF"/>
                 </a:solidFill>
@@ -10221,7 +10232,7 @@
               <a:t>list</a:t>
             </a:r>
             <a:r>
-              <a:rPr lang="en-US" sz="3000" i="0" u="none" strike="noStrike" cap="none" dirty="0">
+              <a:rPr lang="en-US" sz="3000" b="1" i="0" u="none" strike="noStrike" cap="none" dirty="0">
                 <a:solidFill>
                   <a:schemeClr val="lt1"/>
                 </a:solidFill>
@@ -10252,7 +10263,7 @@
               <a:buNone/>
             </a:pPr>
             <a:r>
-              <a:rPr lang="en-US" sz="3000" i="0" u="none" strike="noStrike" cap="none" dirty="0">
+              <a:rPr lang="en-US" sz="3000" b="1" i="0" u="none" strike="noStrike" cap="none" dirty="0">
                 <a:solidFill>
                   <a:schemeClr val="lt1"/>
                 </a:solidFill>
@@ -10264,7 +10275,7 @@
               <a:t>&gt;&gt;&gt; </a:t>
             </a:r>
             <a:r>
-              <a:rPr lang="en-US" sz="3000" i="0" u="none" strike="noStrike" cap="none" dirty="0">
+              <a:rPr lang="en-US" sz="3000" b="1" i="0" u="none" strike="noStrike" cap="none" dirty="0">
                 <a:solidFill>
                   <a:srgbClr val="FF00FF"/>
                 </a:solidFill>
@@ -10276,7 +10287,7 @@
               <a:t>type</a:t>
             </a:r>
             <a:r>
-              <a:rPr lang="en-US" sz="3000" i="0" u="none" strike="noStrike" cap="none" dirty="0">
+              <a:rPr lang="en-US" sz="3000" b="1" i="0" u="none" strike="noStrike" cap="none" dirty="0">
                 <a:solidFill>
                   <a:schemeClr val="lt1"/>
                 </a:solidFill>
@@ -10288,7 +10299,7 @@
               <a:t>(</a:t>
             </a:r>
             <a:r>
-              <a:rPr lang="en-US" sz="3000" i="0" u="none" strike="noStrike" cap="none" dirty="0">
+              <a:rPr lang="en-US" sz="3000" b="1" i="0" u="none" strike="noStrike" cap="none" dirty="0">
                 <a:solidFill>
                   <a:srgbClr val="00FF00"/>
                 </a:solidFill>
@@ -10300,7 +10311,7 @@
               <a:t>x</a:t>
             </a:r>
             <a:r>
-              <a:rPr lang="en-US" sz="3000" i="0" u="none" strike="noStrike" cap="none" dirty="0">
+              <a:rPr lang="en-US" sz="3000" b="1" i="0" u="none" strike="noStrike" cap="none" dirty="0">
                 <a:solidFill>
                   <a:schemeClr val="lt1"/>
                 </a:solidFill>
@@ -10331,7 +10342,7 @@
               <a:buNone/>
             </a:pPr>
             <a:r>
-              <a:rPr lang="en-US" sz="3000" i="0" u="none" strike="noStrike" cap="none" dirty="0">
+              <a:rPr lang="en-US" sz="3000" b="1" i="0" u="none" strike="noStrike" cap="none" dirty="0">
                 <a:solidFill>
                   <a:schemeClr val="lt1"/>
                 </a:solidFill>
@@ -10362,7 +10373,7 @@
               <a:buNone/>
             </a:pPr>
             <a:r>
-              <a:rPr lang="en-US" sz="3000" i="0" u="none" strike="noStrike" cap="none" dirty="0">
+              <a:rPr lang="en-US" sz="3000" b="1" i="0" u="none" strike="noStrike" cap="none" dirty="0">
                 <a:solidFill>
                   <a:schemeClr val="lt1"/>
                 </a:solidFill>
@@ -10374,7 +10385,7 @@
               <a:t>&gt;&gt;&gt; </a:t>
             </a:r>
             <a:r>
-              <a:rPr lang="en-US" sz="3000" i="0" u="none" strike="noStrike" cap="none" dirty="0" err="1">
+              <a:rPr lang="en-US" sz="3000" b="1" i="0" u="none" strike="noStrike" cap="none" dirty="0" err="1">
                 <a:solidFill>
                   <a:srgbClr val="FF00FF"/>
                 </a:solidFill>
@@ -10386,7 +10397,7 @@
               <a:t>dir</a:t>
             </a:r>
             <a:r>
-              <a:rPr lang="en-US" sz="3000" i="0" u="none" strike="noStrike" cap="none" dirty="0">
+              <a:rPr lang="en-US" sz="3000" b="1" i="0" u="none" strike="noStrike" cap="none" dirty="0">
                 <a:solidFill>
                   <a:schemeClr val="lt1"/>
                 </a:solidFill>
@@ -10398,7 +10409,7 @@
               <a:t>(</a:t>
             </a:r>
             <a:r>
-              <a:rPr lang="en-US" sz="3000" i="0" u="none" strike="noStrike" cap="none" dirty="0">
+              <a:rPr lang="en-US" sz="3000" b="1" i="0" u="none" strike="noStrike" cap="none" dirty="0">
                 <a:solidFill>
                   <a:srgbClr val="00FF00"/>
                 </a:solidFill>
@@ -10410,7 +10421,7 @@
               <a:t>x</a:t>
             </a:r>
             <a:r>
-              <a:rPr lang="en-US" sz="3000" i="0" u="none" strike="noStrike" cap="none" dirty="0">
+              <a:rPr lang="en-US" sz="3000" b="1" i="0" u="none" strike="noStrike" cap="none" dirty="0">
                 <a:solidFill>
                   <a:schemeClr val="lt1"/>
                 </a:solidFill>
@@ -10441,7 +10452,7 @@
               <a:buNone/>
             </a:pPr>
             <a:r>
-              <a:rPr lang="en-US" sz="3000" i="0" u="none" strike="noStrike" cap="none" dirty="0">
+              <a:rPr lang="en-US" sz="3000" b="1" i="0" u="none" strike="noStrike" cap="none" dirty="0">
                 <a:solidFill>
                   <a:schemeClr val="lt1"/>
                 </a:solidFill>
@@ -10472,7 +10483,7 @@
               <a:buNone/>
             </a:pPr>
             <a:r>
-              <a:rPr lang="en-US" sz="3000" i="0" u="none" strike="noStrike" cap="none" dirty="0">
+              <a:rPr lang="en-US" sz="3000" b="1" i="0" u="none" strike="noStrike" cap="none" dirty="0">
                 <a:solidFill>
                   <a:schemeClr val="lt1"/>
                 </a:solidFill>
@@ -10484,7 +10495,7 @@
               <a:t>&gt;&gt;&gt;</a:t>
             </a:r>
             <a:r>
-              <a:rPr lang="en-US" sz="3600" i="0" u="none" strike="noStrike" cap="none" dirty="0">
+              <a:rPr lang="en-US" sz="3600" b="1" i="0" u="none" strike="noStrike" cap="none" dirty="0">
                 <a:solidFill>
                   <a:schemeClr val="lt1"/>
                 </a:solidFill>
@@ -10564,7 +10575,7 @@
   <p:timing>
     <p:tnLst>
       <p:par>
-        <p:cTn xmlns:p14="http://schemas.microsoft.com/office/powerpoint/2010/main" id="1" dur="indefinite" restart="never" nodeType="tmRoot"/>
+        <p:cTn id="1" dur="indefinite" restart="never" nodeType="tmRoot"/>
       </p:par>
     </p:tnLst>
   </p:timing>
@@ -10928,7 +10939,7 @@
               <a:buNone/>
             </a:pPr>
             <a:r>
-              <a:rPr lang="en-US" sz="3000" i="0" u="none" strike="noStrike" cap="none" dirty="0">
+              <a:rPr lang="en-US" sz="3000" b="1" i="0" u="none" strike="noStrike" cap="none" dirty="0">
                 <a:solidFill>
                   <a:schemeClr val="lt1"/>
                 </a:solidFill>
@@ -10940,7 +10951,7 @@
               <a:t>&gt;&gt;&gt; </a:t>
             </a:r>
             <a:r>
-              <a:rPr lang="en-US" sz="3000" i="0" u="none" strike="noStrike" cap="none" dirty="0">
+              <a:rPr lang="en-US" sz="3000" b="1" i="0" u="none" strike="noStrike" cap="none" dirty="0">
                 <a:solidFill>
                   <a:srgbClr val="00FF00"/>
                 </a:solidFill>
@@ -10952,7 +10963,7 @@
               <a:t>stuff</a:t>
             </a:r>
             <a:r>
-              <a:rPr lang="en-US" sz="3000" i="0" u="none" strike="noStrike" cap="none" dirty="0">
+              <a:rPr lang="en-US" sz="3000" b="1" i="0" u="none" strike="noStrike" cap="none" dirty="0">
                 <a:solidFill>
                   <a:schemeClr val="lt1"/>
                 </a:solidFill>
@@ -10964,7 +10975,7 @@
               <a:t> = </a:t>
             </a:r>
             <a:r>
-              <a:rPr lang="en-US" sz="3000" i="0" u="none" strike="noStrike" cap="none" dirty="0">
+              <a:rPr lang="en-US" sz="3000" b="1" i="0" u="none" strike="noStrike" cap="none" dirty="0">
                 <a:solidFill>
                   <a:srgbClr val="FF00FF"/>
                 </a:solidFill>
@@ -10976,7 +10987,7 @@
               <a:t>list</a:t>
             </a:r>
             <a:r>
-              <a:rPr lang="en-US" sz="3000" i="0" u="none" strike="noStrike" cap="none" dirty="0">
+              <a:rPr lang="en-US" sz="3000" b="1" i="0" u="none" strike="noStrike" cap="none" dirty="0">
                 <a:solidFill>
                   <a:schemeClr val="lt1"/>
                 </a:solidFill>
@@ -11007,7 +11018,7 @@
               <a:buNone/>
             </a:pPr>
             <a:r>
-              <a:rPr lang="en-US" sz="3000" i="0" u="none" strike="noStrike" cap="none" dirty="0">
+              <a:rPr lang="en-US" sz="3000" b="1" i="0" u="none" strike="noStrike" cap="none" dirty="0">
                 <a:solidFill>
                   <a:schemeClr val="lt1"/>
                 </a:solidFill>
@@ -11019,7 +11030,7 @@
               <a:t>&gt;&gt;&gt; </a:t>
             </a:r>
             <a:r>
-              <a:rPr lang="en-US" sz="3000" i="0" u="none" strike="noStrike" cap="none" dirty="0" err="1">
+              <a:rPr lang="en-US" sz="3000" b="1" i="0" u="none" strike="noStrike" cap="none" dirty="0" err="1">
                 <a:solidFill>
                   <a:srgbClr val="00FF00"/>
                 </a:solidFill>
@@ -11031,7 +11042,7 @@
               <a:t>stuff</a:t>
             </a:r>
             <a:r>
-              <a:rPr lang="en-US" sz="3000" i="0" u="none" strike="noStrike" cap="none" dirty="0" err="1">
+              <a:rPr lang="en-US" sz="3000" b="1" i="0" u="none" strike="noStrike" cap="none" dirty="0" err="1">
                 <a:solidFill>
                   <a:srgbClr val="FF00FF"/>
                 </a:solidFill>
@@ -11043,7 +11054,7 @@
               <a:t>.append</a:t>
             </a:r>
             <a:r>
-              <a:rPr lang="en-US" sz="3000" i="0" u="none" strike="noStrike" cap="none" dirty="0">
+              <a:rPr lang="en-US" sz="3000" b="1" i="0" u="none" strike="noStrike" cap="none" dirty="0">
                 <a:solidFill>
                   <a:schemeClr val="lt1"/>
                 </a:solidFill>
@@ -11074,7 +11085,7 @@
               <a:buNone/>
             </a:pPr>
             <a:r>
-              <a:rPr lang="en-US" sz="3000" i="0" u="none" strike="noStrike" cap="none" dirty="0">
+              <a:rPr lang="en-US" sz="3000" b="1" i="0" u="none" strike="noStrike" cap="none" dirty="0">
                 <a:solidFill>
                   <a:schemeClr val="lt1"/>
                 </a:solidFill>
@@ -11086,7 +11097,7 @@
               <a:t>&gt;&gt;&gt; </a:t>
             </a:r>
             <a:r>
-              <a:rPr lang="en-US" sz="3000" i="0" u="none" strike="noStrike" cap="none" dirty="0" err="1">
+              <a:rPr lang="en-US" sz="3000" b="1" i="0" u="none" strike="noStrike" cap="none" dirty="0" err="1">
                 <a:solidFill>
                   <a:srgbClr val="00FF00"/>
                 </a:solidFill>
@@ -11098,7 +11109,7 @@
               <a:t>stuff</a:t>
             </a:r>
             <a:r>
-              <a:rPr lang="en-US" sz="3000" i="0" u="none" strike="noStrike" cap="none" dirty="0" err="1">
+              <a:rPr lang="en-US" sz="3000" b="1" i="0" u="none" strike="noStrike" cap="none" dirty="0" err="1">
                 <a:solidFill>
                   <a:srgbClr val="FF00FF"/>
                 </a:solidFill>
@@ -11110,7 +11121,7 @@
               <a:t>.append</a:t>
             </a:r>
             <a:r>
-              <a:rPr lang="en-US" sz="3000" i="0" u="none" strike="noStrike" cap="none" dirty="0">
+              <a:rPr lang="en-US" sz="3000" b="1" i="0" u="none" strike="noStrike" cap="none" dirty="0">
                 <a:solidFill>
                   <a:schemeClr val="lt1"/>
                 </a:solidFill>
@@ -11141,7 +11152,7 @@
               <a:buNone/>
             </a:pPr>
             <a:r>
-              <a:rPr lang="en-US" sz="3000" i="0" u="none" strike="noStrike" cap="none" dirty="0" smtClean="0">
+              <a:rPr lang="en-US" sz="3000" b="1" i="0" u="none" strike="noStrike" cap="none" dirty="0" smtClean="0">
                 <a:solidFill>
                   <a:schemeClr val="lt1"/>
                 </a:solidFill>
@@ -11153,7 +11164,7 @@
               <a:t>&gt;&gt;&gt; </a:t>
             </a:r>
             <a:r>
-              <a:rPr lang="en-US" sz="3000" i="0" u="none" strike="noStrike" cap="none" dirty="0" smtClean="0">
+              <a:rPr lang="en-US" sz="3000" b="1" i="0" u="none" strike="noStrike" cap="none" dirty="0" smtClean="0">
                 <a:solidFill>
                   <a:srgbClr val="FFFF00"/>
                 </a:solidFill>
@@ -11165,7 +11176,7 @@
               <a:t>print(</a:t>
             </a:r>
             <a:r>
-              <a:rPr lang="en-US" sz="3000" i="0" u="none" strike="noStrike" cap="none" dirty="0" smtClean="0">
+              <a:rPr lang="en-US" sz="3000" b="1" i="0" u="none" strike="noStrike" cap="none" dirty="0" smtClean="0">
                 <a:solidFill>
                   <a:srgbClr val="00FF00"/>
                 </a:solidFill>
@@ -11177,7 +11188,7 @@
               <a:t>stuff</a:t>
             </a:r>
             <a:r>
-              <a:rPr lang="en-US" sz="3000" i="0" u="none" strike="noStrike" cap="none" dirty="0" smtClean="0">
+              <a:rPr lang="en-US" sz="3000" b="1" i="0" u="none" strike="noStrike" cap="none" dirty="0" smtClean="0">
                 <a:solidFill>
                   <a:srgbClr val="FFFF00"/>
                 </a:solidFill>
@@ -11208,7 +11219,7 @@
               <a:buNone/>
             </a:pPr>
             <a:r>
-              <a:rPr lang="en-US" sz="3000" i="0" u="none" strike="noStrike" cap="none" dirty="0" smtClean="0">
+              <a:rPr lang="en-US" sz="3000" b="1" i="0" u="none" strike="noStrike" cap="none" dirty="0" smtClean="0">
                 <a:solidFill>
                   <a:schemeClr val="lt1"/>
                 </a:solidFill>
@@ -11220,7 +11231,7 @@
               <a:t>[</a:t>
             </a:r>
             <a:r>
-              <a:rPr lang="en-US" sz="3000" i="0" u="none" strike="noStrike" cap="none" dirty="0">
+              <a:rPr lang="en-US" sz="3000" b="1" i="0" u="none" strike="noStrike" cap="none" dirty="0">
                 <a:solidFill>
                   <a:schemeClr val="lt1"/>
                 </a:solidFill>
@@ -11251,7 +11262,7 @@
               <a:buNone/>
             </a:pPr>
             <a:r>
-              <a:rPr lang="en-US" sz="3000" i="0" u="none" strike="noStrike" cap="none" dirty="0">
+              <a:rPr lang="en-US" sz="3000" b="1" i="0" u="none" strike="noStrike" cap="none" dirty="0">
                 <a:solidFill>
                   <a:schemeClr val="lt1"/>
                 </a:solidFill>
@@ -11263,7 +11274,7 @@
               <a:t>&gt;&gt;&gt; </a:t>
             </a:r>
             <a:r>
-              <a:rPr lang="en-US" sz="3000" i="0" u="none" strike="noStrike" cap="none" dirty="0" err="1">
+              <a:rPr lang="en-US" sz="3000" b="1" i="0" u="none" strike="noStrike" cap="none" dirty="0" err="1">
                 <a:solidFill>
                   <a:srgbClr val="00FF00"/>
                 </a:solidFill>
@@ -11275,7 +11286,7 @@
               <a:t>stuff</a:t>
             </a:r>
             <a:r>
-              <a:rPr lang="en-US" sz="3000" i="0" u="none" strike="noStrike" cap="none" dirty="0" err="1">
+              <a:rPr lang="en-US" sz="3000" b="1" i="0" u="none" strike="noStrike" cap="none" dirty="0" err="1">
                 <a:solidFill>
                   <a:srgbClr val="FF00FF"/>
                 </a:solidFill>
@@ -11287,7 +11298,7 @@
               <a:t>.append</a:t>
             </a:r>
             <a:r>
-              <a:rPr lang="en-US" sz="3000" i="0" u="none" strike="noStrike" cap="none" dirty="0">
+              <a:rPr lang="en-US" sz="3000" b="1" i="0" u="none" strike="noStrike" cap="none" dirty="0">
                 <a:solidFill>
                   <a:schemeClr val="lt1"/>
                 </a:solidFill>
@@ -11307,7 +11318,7 @@
               <a:buSzPct val="25000"/>
             </a:pPr>
             <a:r>
-              <a:rPr lang="en-US" sz="3000" i="0" u="none" strike="noStrike" cap="none" dirty="0">
+              <a:rPr lang="en-US" sz="3000" b="1" i="0" u="none" strike="noStrike" cap="none" dirty="0">
                 <a:solidFill>
                   <a:schemeClr val="lt1"/>
                 </a:solidFill>
@@ -11319,7 +11330,7 @@
               <a:t>&gt;&gt;&gt; </a:t>
             </a:r>
             <a:r>
-              <a:rPr lang="en-US" sz="3000" i="0" u="none" strike="noStrike" cap="none" dirty="0" smtClean="0">
+              <a:rPr lang="en-US" sz="3000" b="1" i="0" u="none" strike="noStrike" cap="none" dirty="0" smtClean="0">
                 <a:solidFill>
                   <a:srgbClr val="FFFF00"/>
                 </a:solidFill>
@@ -11331,7 +11342,7 @@
               <a:t>print(</a:t>
             </a:r>
             <a:r>
-              <a:rPr lang="en-US" sz="3000" i="0" u="none" strike="noStrike" cap="none" dirty="0" smtClean="0">
+              <a:rPr lang="en-US" sz="3000" b="1" i="0" u="none" strike="noStrike" cap="none" dirty="0" smtClean="0">
                 <a:solidFill>
                   <a:srgbClr val="00FF00"/>
                 </a:solidFill>
@@ -11343,7 +11354,7 @@
               <a:t>stuff</a:t>
             </a:r>
             <a:r>
-              <a:rPr lang="en-US" sz="3000" dirty="0" smtClean="0">
+              <a:rPr lang="en-US" sz="3000" b="1" dirty="0" smtClean="0">
                 <a:solidFill>
                   <a:srgbClr val="FFFF00"/>
                 </a:solidFill>
@@ -11354,7 +11365,7 @@
               </a:rPr>
               <a:t>)</a:t>
             </a:r>
-            <a:endParaRPr lang="en-US" sz="3000" i="0" u="none" strike="noStrike" cap="none" dirty="0">
+            <a:endParaRPr lang="en-US" sz="3000" b="1" i="0" u="none" strike="noStrike" cap="none" dirty="0">
               <a:solidFill>
                 <a:srgbClr val="00FF00"/>
               </a:solidFill>
@@ -11383,7 +11394,7 @@
               <a:buNone/>
             </a:pPr>
             <a:r>
-              <a:rPr lang="en-US" sz="3000" i="0" u="none" strike="noStrike" cap="none" dirty="0">
+              <a:rPr lang="en-US" sz="3000" b="1" i="0" u="none" strike="noStrike" cap="none" dirty="0">
                 <a:solidFill>
                   <a:schemeClr val="lt1"/>
                 </a:solidFill>
@@ -11405,7 +11416,7 @@
   <p:timing>
     <p:tnLst>
       <p:par>
-        <p:cTn xmlns:p14="http://schemas.microsoft.com/office/powerpoint/2010/main" id="1" dur="indefinite" restart="never" nodeType="tmRoot"/>
+        <p:cTn id="1" dur="indefinite" restart="never" nodeType="tmRoot"/>
       </p:par>
     </p:tnLst>
   </p:timing>
@@ -11700,7 +11711,7 @@
               <a:buNone/>
             </a:pPr>
             <a:r>
-              <a:rPr lang="en-US" sz="3000" i="0" u="none" strike="noStrike" cap="none" dirty="0">
+              <a:rPr lang="en-US" sz="3000" b="1" i="0" u="none" strike="noStrike" cap="none" dirty="0">
                 <a:solidFill>
                   <a:schemeClr val="lt1"/>
                 </a:solidFill>
@@ -11712,7 +11723,7 @@
               <a:t>&gt;&gt;&gt; </a:t>
             </a:r>
             <a:r>
-              <a:rPr lang="en-US" sz="3000" i="0" u="none" strike="noStrike" cap="none" dirty="0">
+              <a:rPr lang="en-US" sz="3000" b="1" i="0" u="none" strike="noStrike" cap="none" dirty="0">
                 <a:solidFill>
                   <a:srgbClr val="00FF00"/>
                 </a:solidFill>
@@ -11724,7 +11735,7 @@
               <a:t>some</a:t>
             </a:r>
             <a:r>
-              <a:rPr lang="en-US" sz="3000" i="0" u="none" strike="noStrike" cap="none" dirty="0">
+              <a:rPr lang="en-US" sz="3000" b="1" i="0" u="none" strike="noStrike" cap="none" dirty="0">
                 <a:solidFill>
                   <a:schemeClr val="lt1"/>
                 </a:solidFill>
@@ -11736,7 +11747,7 @@
               <a:t> = </a:t>
             </a:r>
             <a:r>
-              <a:rPr lang="en-US" sz="3000" i="0" u="none" strike="noStrike" cap="none" dirty="0">
+              <a:rPr lang="en-US" sz="3000" b="1" i="0" u="none" strike="noStrike" cap="none" dirty="0">
                 <a:solidFill>
                   <a:srgbClr val="FF7F00"/>
                 </a:solidFill>
@@ -11767,7 +11778,7 @@
               <a:buNone/>
             </a:pPr>
             <a:r>
-              <a:rPr lang="en-US" sz="3000" i="0" u="none" strike="noStrike" cap="none" dirty="0">
+              <a:rPr lang="en-US" sz="3000" b="1" i="0" u="none" strike="noStrike" cap="none" dirty="0">
                 <a:solidFill>
                   <a:schemeClr val="lt1"/>
                 </a:solidFill>
@@ -11779,7 +11790,7 @@
               <a:t>&gt;&gt;&gt; </a:t>
             </a:r>
             <a:r>
-              <a:rPr lang="en-US" sz="3000" i="0" u="none" strike="noStrike" cap="none" dirty="0">
+              <a:rPr lang="en-US" sz="3000" b="1" i="0" u="none" strike="noStrike" cap="none" dirty="0">
                 <a:solidFill>
                   <a:srgbClr val="FF7F00"/>
                 </a:solidFill>
@@ -11791,7 +11802,7 @@
               <a:t>9</a:t>
             </a:r>
             <a:r>
-              <a:rPr lang="en-US" sz="3000" i="0" u="none" strike="noStrike" cap="none" dirty="0">
+              <a:rPr lang="en-US" sz="3000" b="1" i="0" u="none" strike="noStrike" cap="none" dirty="0">
                 <a:solidFill>
                   <a:schemeClr val="lt1"/>
                 </a:solidFill>
@@ -11803,7 +11814,7 @@
               <a:t> </a:t>
             </a:r>
             <a:r>
-              <a:rPr lang="en-US" sz="3000" i="0" u="none" strike="noStrike" cap="none" dirty="0">
+              <a:rPr lang="en-US" sz="3000" b="1" i="0" u="none" strike="noStrike" cap="none" dirty="0">
                 <a:solidFill>
                   <a:srgbClr val="FFFF00"/>
                 </a:solidFill>
@@ -11815,7 +11826,7 @@
               <a:t>in</a:t>
             </a:r>
             <a:r>
-              <a:rPr lang="en-US" sz="3000" i="0" u="none" strike="noStrike" cap="none" dirty="0">
+              <a:rPr lang="en-US" sz="3000" b="1" i="0" u="none" strike="noStrike" cap="none" dirty="0">
                 <a:solidFill>
                   <a:schemeClr val="lt1"/>
                 </a:solidFill>
@@ -11827,7 +11838,7 @@
               <a:t> </a:t>
             </a:r>
             <a:r>
-              <a:rPr lang="en-US" sz="3000" i="0" u="none" strike="noStrike" cap="none" dirty="0">
+              <a:rPr lang="en-US" sz="3000" b="1" i="0" u="none" strike="noStrike" cap="none" dirty="0">
                 <a:solidFill>
                   <a:srgbClr val="00FF00"/>
                 </a:solidFill>
@@ -11858,7 +11869,7 @@
               <a:buNone/>
             </a:pPr>
             <a:r>
-              <a:rPr lang="en-US" sz="3000" i="0" u="none" strike="noStrike" cap="none" dirty="0">
+              <a:rPr lang="en-US" sz="3000" b="1" i="0" u="none" strike="noStrike" cap="none" dirty="0">
                 <a:solidFill>
                   <a:srgbClr val="FF00FF"/>
                 </a:solidFill>
@@ -11889,7 +11900,7 @@
               <a:buNone/>
             </a:pPr>
             <a:r>
-              <a:rPr lang="en-US" sz="3000" i="0" u="none" strike="noStrike" cap="none" dirty="0">
+              <a:rPr lang="en-US" sz="3000" b="1" i="0" u="none" strike="noStrike" cap="none" dirty="0">
                 <a:solidFill>
                   <a:schemeClr val="lt1"/>
                 </a:solidFill>
@@ -11901,7 +11912,7 @@
               <a:t>&gt;&gt;&gt; </a:t>
             </a:r>
             <a:r>
-              <a:rPr lang="en-US" sz="3000" i="0" u="none" strike="noStrike" cap="none" dirty="0">
+              <a:rPr lang="en-US" sz="3000" b="1" i="0" u="none" strike="noStrike" cap="none" dirty="0">
                 <a:solidFill>
                   <a:srgbClr val="FF7F00"/>
                 </a:solidFill>
@@ -11913,7 +11924,7 @@
               <a:t>15</a:t>
             </a:r>
             <a:r>
-              <a:rPr lang="en-US" sz="3000" i="0" u="none" strike="noStrike" cap="none" dirty="0">
+              <a:rPr lang="en-US" sz="3000" b="1" i="0" u="none" strike="noStrike" cap="none" dirty="0">
                 <a:solidFill>
                   <a:schemeClr val="lt1"/>
                 </a:solidFill>
@@ -11925,7 +11936,7 @@
               <a:t> </a:t>
             </a:r>
             <a:r>
-              <a:rPr lang="en-US" sz="3000" i="0" u="none" strike="noStrike" cap="none" dirty="0">
+              <a:rPr lang="en-US" sz="3000" b="1" i="0" u="none" strike="noStrike" cap="none" dirty="0">
                 <a:solidFill>
                   <a:srgbClr val="FFFF00"/>
                 </a:solidFill>
@@ -11937,7 +11948,7 @@
               <a:t>in</a:t>
             </a:r>
             <a:r>
-              <a:rPr lang="en-US" sz="3000" i="0" u="none" strike="noStrike" cap="none" dirty="0">
+              <a:rPr lang="en-US" sz="3000" b="1" i="0" u="none" strike="noStrike" cap="none" dirty="0">
                 <a:solidFill>
                   <a:schemeClr val="lt1"/>
                 </a:solidFill>
@@ -11949,7 +11960,7 @@
               <a:t> </a:t>
             </a:r>
             <a:r>
-              <a:rPr lang="en-US" sz="3000" i="0" u="none" strike="noStrike" cap="none" dirty="0">
+              <a:rPr lang="en-US" sz="3000" b="1" i="0" u="none" strike="noStrike" cap="none" dirty="0">
                 <a:solidFill>
                   <a:srgbClr val="00FF00"/>
                 </a:solidFill>
@@ -11980,7 +11991,7 @@
               <a:buNone/>
             </a:pPr>
             <a:r>
-              <a:rPr lang="en-US" sz="3000" i="0" u="none" strike="noStrike" cap="none" dirty="0">
+              <a:rPr lang="en-US" sz="3000" b="1" i="0" u="none" strike="noStrike" cap="none" dirty="0">
                 <a:solidFill>
                   <a:srgbClr val="00FF00"/>
                 </a:solidFill>
@@ -12011,7 +12022,7 @@
               <a:buNone/>
             </a:pPr>
             <a:r>
-              <a:rPr lang="en-US" sz="3000" i="0" u="none" strike="noStrike" cap="none" dirty="0">
+              <a:rPr lang="en-US" sz="3000" b="1" i="0" u="none" strike="noStrike" cap="none" dirty="0">
                 <a:solidFill>
                   <a:schemeClr val="lt1"/>
                 </a:solidFill>
@@ -12023,7 +12034,7 @@
               <a:t>&gt;&gt;&gt; </a:t>
             </a:r>
             <a:r>
-              <a:rPr lang="en-US" sz="3000" i="0" u="none" strike="noStrike" cap="none" dirty="0">
+              <a:rPr lang="en-US" sz="3000" b="1" i="0" u="none" strike="noStrike" cap="none" dirty="0">
                 <a:solidFill>
                   <a:srgbClr val="FF7F00"/>
                 </a:solidFill>
@@ -12035,7 +12046,7 @@
               <a:t>20</a:t>
             </a:r>
             <a:r>
-              <a:rPr lang="en-US" sz="3000" i="0" u="none" strike="noStrike" cap="none" dirty="0">
+              <a:rPr lang="en-US" sz="3000" b="1" i="0" u="none" strike="noStrike" cap="none" dirty="0">
                 <a:solidFill>
                   <a:schemeClr val="lt1"/>
                 </a:solidFill>
@@ -12047,7 +12058,7 @@
               <a:t> </a:t>
             </a:r>
             <a:r>
-              <a:rPr lang="en-US" sz="3000" i="0" u="none" strike="noStrike" cap="none" dirty="0">
+              <a:rPr lang="en-US" sz="3000" b="1" i="0" u="none" strike="noStrike" cap="none" dirty="0">
                 <a:solidFill>
                   <a:srgbClr val="FFFF00"/>
                 </a:solidFill>
@@ -12059,7 +12070,7 @@
               <a:t>not in</a:t>
             </a:r>
             <a:r>
-              <a:rPr lang="en-US" sz="3000" i="0" u="none" strike="noStrike" cap="none" dirty="0">
+              <a:rPr lang="en-US" sz="3000" b="1" i="0" u="none" strike="noStrike" cap="none" dirty="0">
                 <a:solidFill>
                   <a:schemeClr val="lt1"/>
                 </a:solidFill>
@@ -12071,7 +12082,7 @@
               <a:t> </a:t>
             </a:r>
             <a:r>
-              <a:rPr lang="en-US" sz="3000" i="0" u="none" strike="noStrike" cap="none" dirty="0">
+              <a:rPr lang="en-US" sz="3000" b="1" i="0" u="none" strike="noStrike" cap="none" dirty="0">
                 <a:solidFill>
                   <a:srgbClr val="00FF00"/>
                 </a:solidFill>
@@ -12102,7 +12113,7 @@
               <a:buNone/>
             </a:pPr>
             <a:r>
-              <a:rPr lang="en-US" sz="3000" i="0" u="none" strike="noStrike" cap="none" dirty="0">
+              <a:rPr lang="en-US" sz="3000" b="1" i="0" u="none" strike="noStrike" cap="none" dirty="0">
                 <a:solidFill>
                   <a:srgbClr val="FF00FF"/>
                 </a:solidFill>
@@ -12133,7 +12144,7 @@
               <a:buNone/>
             </a:pPr>
             <a:r>
-              <a:rPr lang="en-US" sz="3000" i="0" u="none" strike="noStrike" cap="none" dirty="0">
+              <a:rPr lang="en-US" sz="3000" b="1" i="0" u="none" strike="noStrike" cap="none" dirty="0">
                 <a:solidFill>
                   <a:schemeClr val="lt1"/>
                 </a:solidFill>
@@ -12155,7 +12166,7 @@
   <p:timing>
     <p:tnLst>
       <p:par>
-        <p:cTn xmlns:p14="http://schemas.microsoft.com/office/powerpoint/2010/main" id="1" dur="indefinite" restart="never" nodeType="tmRoot"/>
+        <p:cTn id="1" dur="indefinite" restart="never" nodeType="tmRoot"/>
       </p:par>
     </p:tnLst>
   </p:timing>
@@ -12566,7 +12577,7 @@
               <a:buNone/>
             </a:pPr>
             <a:r>
-              <a:rPr lang="en-US" sz="2600" i="0" u="none" strike="noStrike" cap="none" dirty="0">
+              <a:rPr lang="en-US" sz="2600" b="1" i="0" u="none" strike="noStrike" cap="none" dirty="0">
                 <a:solidFill>
                   <a:schemeClr val="lt1"/>
                 </a:solidFill>
@@ -12578,7 +12589,7 @@
               <a:t>&gt;&gt;&gt; </a:t>
             </a:r>
             <a:r>
-              <a:rPr lang="en-US" sz="2600" i="0" u="none" strike="noStrike" cap="none" dirty="0">
+              <a:rPr lang="en-US" sz="2600" b="1" i="0" u="none" strike="noStrike" cap="none" dirty="0">
                 <a:solidFill>
                   <a:srgbClr val="00FF00"/>
                 </a:solidFill>
@@ -12590,7 +12601,7 @@
               <a:t>friends</a:t>
             </a:r>
             <a:r>
-              <a:rPr lang="en-US" sz="2600" i="0" u="none" strike="noStrike" cap="none" dirty="0">
+              <a:rPr lang="en-US" sz="2600" b="1" i="0" u="none" strike="noStrike" cap="none" dirty="0">
                 <a:solidFill>
                   <a:schemeClr val="lt1"/>
                 </a:solidFill>
@@ -12602,7 +12613,7 @@
               <a:t> = </a:t>
             </a:r>
             <a:r>
-              <a:rPr lang="en-US" sz="2600" i="0" u="none" strike="noStrike" cap="none" dirty="0">
+              <a:rPr lang="en-US" sz="2600" b="1" i="0" u="none" strike="noStrike" cap="none" dirty="0">
                 <a:solidFill>
                   <a:srgbClr val="FF7F00"/>
                 </a:solidFill>
@@ -12633,7 +12644,7 @@
               <a:buNone/>
             </a:pPr>
             <a:r>
-              <a:rPr lang="en-US" sz="2600" i="0" u="none" strike="noStrike" cap="none" dirty="0">
+              <a:rPr lang="en-US" sz="2600" b="1" i="0" u="none" strike="noStrike" cap="none" dirty="0">
                 <a:solidFill>
                   <a:schemeClr val="lt1"/>
                 </a:solidFill>
@@ -12645,7 +12656,7 @@
               <a:t>&gt;&gt;&gt;</a:t>
             </a:r>
             <a:r>
-              <a:rPr lang="en-US" sz="2600" i="0" u="none" strike="noStrike" cap="none" dirty="0">
+              <a:rPr lang="en-US" sz="2600" b="1" i="0" u="none" strike="noStrike" cap="none" dirty="0">
                 <a:solidFill>
                   <a:srgbClr val="00FF00"/>
                 </a:solidFill>
@@ -12657,7 +12668,7 @@
               <a:t> </a:t>
             </a:r>
             <a:r>
-              <a:rPr lang="en-US" sz="2600" i="0" u="none" strike="noStrike" cap="none" dirty="0" err="1">
+              <a:rPr lang="en-US" sz="2600" b="1" i="0" u="none" strike="noStrike" cap="none" dirty="0" err="1">
                 <a:solidFill>
                   <a:srgbClr val="00FF00"/>
                 </a:solidFill>
@@ -12669,7 +12680,7 @@
               <a:t>friends</a:t>
             </a:r>
             <a:r>
-              <a:rPr lang="en-US" sz="2600" i="0" u="none" strike="noStrike" cap="none" dirty="0" err="1">
+              <a:rPr lang="en-US" sz="2600" b="1" i="0" u="none" strike="noStrike" cap="none" dirty="0" err="1">
                 <a:solidFill>
                   <a:srgbClr val="FF00FF"/>
                 </a:solidFill>
@@ -12681,7 +12692,7 @@
               <a:t>.sort</a:t>
             </a:r>
             <a:r>
-              <a:rPr lang="en-US" sz="2600" i="0" u="none" strike="noStrike" cap="none" dirty="0">
+              <a:rPr lang="en-US" sz="2600" b="1" i="0" u="none" strike="noStrike" cap="none" dirty="0">
                 <a:solidFill>
                   <a:schemeClr val="lt1"/>
                 </a:solidFill>
@@ -12701,7 +12712,7 @@
               <a:buSzPct val="25000"/>
             </a:pPr>
             <a:r>
-              <a:rPr lang="en-US" sz="2600" i="0" u="none" strike="noStrike" cap="none" dirty="0">
+              <a:rPr lang="en-US" sz="2600" b="1" i="0" u="none" strike="noStrike" cap="none" dirty="0">
                 <a:solidFill>
                   <a:schemeClr val="lt1"/>
                 </a:solidFill>
@@ -12713,7 +12724,7 @@
               <a:t>&gt;&gt;&gt; </a:t>
             </a:r>
             <a:r>
-              <a:rPr lang="en-US" sz="2600" i="0" u="none" strike="noStrike" cap="none" dirty="0" smtClean="0">
+              <a:rPr lang="en-US" sz="2600" b="1" i="0" u="none" strike="noStrike" cap="none" dirty="0" smtClean="0">
                 <a:solidFill>
                   <a:srgbClr val="FFFF00"/>
                 </a:solidFill>
@@ -12725,7 +12736,7 @@
               <a:t>print(</a:t>
             </a:r>
             <a:r>
-              <a:rPr lang="en-US" sz="2600" i="0" u="none" strike="noStrike" cap="none" dirty="0" smtClean="0">
+              <a:rPr lang="en-US" sz="2600" b="1" i="0" u="none" strike="noStrike" cap="none" dirty="0" smtClean="0">
                 <a:solidFill>
                   <a:srgbClr val="00FF00"/>
                 </a:solidFill>
@@ -12737,7 +12748,7 @@
               <a:t>friends</a:t>
             </a:r>
             <a:r>
-              <a:rPr lang="en-US" sz="2600" dirty="0" smtClean="0">
+              <a:rPr lang="en-US" sz="2600" b="1" dirty="0" smtClean="0">
                 <a:solidFill>
                   <a:srgbClr val="FFFF00"/>
                 </a:solidFill>
@@ -12748,7 +12759,7 @@
               </a:rPr>
               <a:t>)</a:t>
             </a:r>
-            <a:endParaRPr lang="en-US" sz="2600" i="0" u="none" strike="noStrike" cap="none" dirty="0">
+            <a:endParaRPr lang="en-US" sz="2600" b="1" i="0" u="none" strike="noStrike" cap="none" dirty="0">
               <a:solidFill>
                 <a:srgbClr val="00FF00"/>
               </a:solidFill>
@@ -12777,7 +12788,7 @@
               <a:buNone/>
             </a:pPr>
             <a:r>
-              <a:rPr lang="en-US" sz="2600" i="0" u="none" strike="noStrike" cap="none" dirty="0">
+              <a:rPr lang="en-US" sz="2600" b="1" i="0" u="none" strike="noStrike" cap="none" dirty="0">
                 <a:solidFill>
                   <a:schemeClr val="lt1"/>
                 </a:solidFill>
@@ -12797,7 +12808,7 @@
               <a:buSzPct val="25000"/>
             </a:pPr>
             <a:r>
-              <a:rPr lang="en-US" sz="2600" i="0" u="none" strike="noStrike" cap="none" dirty="0">
+              <a:rPr lang="en-US" sz="2600" b="1" i="0" u="none" strike="noStrike" cap="none" dirty="0">
                 <a:solidFill>
                   <a:schemeClr val="lt1"/>
                 </a:solidFill>
@@ -12809,7 +12820,7 @@
               <a:t>&gt;&gt;&gt; </a:t>
             </a:r>
             <a:r>
-              <a:rPr lang="en-US" sz="2600" i="0" u="none" strike="noStrike" cap="none" dirty="0" smtClean="0">
+              <a:rPr lang="en-US" sz="2600" b="1" i="0" u="none" strike="noStrike" cap="none" dirty="0" smtClean="0">
                 <a:solidFill>
                   <a:srgbClr val="FFFF00"/>
                 </a:solidFill>
@@ -12821,7 +12832,7 @@
               <a:t>print</a:t>
             </a:r>
             <a:r>
-              <a:rPr lang="en-US" sz="2600" dirty="0">
+              <a:rPr lang="en-US" sz="2600" b="1" dirty="0">
                 <a:solidFill>
                   <a:schemeClr val="lt1"/>
                 </a:solidFill>
@@ -12833,7 +12844,7 @@
               <a:t>(</a:t>
             </a:r>
             <a:r>
-              <a:rPr lang="en-US" sz="2600" i="0" u="none" strike="noStrike" cap="none" dirty="0" smtClean="0">
+              <a:rPr lang="en-US" sz="2600" b="1" i="0" u="none" strike="noStrike" cap="none" dirty="0" smtClean="0">
                 <a:solidFill>
                   <a:srgbClr val="00FF00"/>
                 </a:solidFill>
@@ -12845,7 +12856,7 @@
               <a:t>friends</a:t>
             </a:r>
             <a:r>
-              <a:rPr lang="en-US" sz="2600" i="0" u="none" strike="noStrike" cap="none" dirty="0" smtClean="0">
+              <a:rPr lang="en-US" sz="2600" b="1" i="0" u="none" strike="noStrike" cap="none" dirty="0" smtClean="0">
                 <a:solidFill>
                   <a:srgbClr val="00FFFF"/>
                 </a:solidFill>
@@ -12857,7 +12868,7 @@
               <a:t>[</a:t>
             </a:r>
             <a:r>
-              <a:rPr lang="en-US" sz="2600" i="0" u="none" strike="noStrike" cap="none" dirty="0" smtClean="0">
+              <a:rPr lang="en-US" sz="2600" b="1" i="0" u="none" strike="noStrike" cap="none" dirty="0" smtClean="0">
                 <a:solidFill>
                   <a:schemeClr val="lt1"/>
                 </a:solidFill>
@@ -12869,7 +12880,7 @@
               <a:t>1</a:t>
             </a:r>
             <a:r>
-              <a:rPr lang="en-US" sz="2600" i="0" u="none" strike="noStrike" cap="none" dirty="0" smtClean="0">
+              <a:rPr lang="en-US" sz="2600" b="1" i="0" u="none" strike="noStrike" cap="none" dirty="0" smtClean="0">
                 <a:solidFill>
                   <a:srgbClr val="00FFFF"/>
                 </a:solidFill>
@@ -12881,7 +12892,7 @@
               <a:t>]</a:t>
             </a:r>
             <a:r>
-              <a:rPr lang="en-US" sz="2600" dirty="0" smtClean="0">
+              <a:rPr lang="en-US" sz="2600" b="1" dirty="0" smtClean="0">
                 <a:solidFill>
                   <a:srgbClr val="FFFF00"/>
                 </a:solidFill>
@@ -12892,7 +12903,7 @@
               </a:rPr>
               <a:t>)</a:t>
             </a:r>
-            <a:endParaRPr lang="en-US" sz="2600" i="0" u="none" strike="noStrike" cap="none" dirty="0">
+            <a:endParaRPr lang="en-US" sz="2600" b="1" i="0" u="none" strike="noStrike" cap="none" dirty="0">
               <a:solidFill>
                 <a:srgbClr val="00FFFF"/>
               </a:solidFill>
@@ -12921,7 +12932,7 @@
               <a:buNone/>
             </a:pPr>
             <a:r>
-              <a:rPr lang="en-US" sz="2600" i="0" u="none" strike="noStrike" cap="none" dirty="0">
+              <a:rPr lang="en-US" sz="2600" b="1" i="0" u="none" strike="noStrike" cap="none" dirty="0">
                 <a:solidFill>
                   <a:schemeClr val="lt1"/>
                 </a:solidFill>
@@ -12952,7 +12963,7 @@
               <a:buNone/>
             </a:pPr>
             <a:r>
-              <a:rPr lang="en-US" sz="2600" i="0" u="none" strike="noStrike" cap="none" dirty="0">
+              <a:rPr lang="en-US" sz="2600" b="1" i="0" u="none" strike="noStrike" cap="none" dirty="0">
                 <a:solidFill>
                   <a:schemeClr val="lt1"/>
                 </a:solidFill>
@@ -12974,7 +12985,7 @@
   <p:timing>
     <p:tnLst>
       <p:par>
-        <p:cTn xmlns:p14="http://schemas.microsoft.com/office/powerpoint/2010/main" id="1" dur="indefinite" restart="never" nodeType="tmRoot"/>
+        <p:cTn id="1" dur="indefinite" restart="never" nodeType="tmRoot"/>
       </p:par>
     </p:tnLst>
   </p:timing>
@@ -13278,7 +13289,7 @@
               <a:buNone/>
             </a:pPr>
             <a:r>
-              <a:rPr lang="en-US" sz="3000" i="0" u="none" strike="noStrike" cap="none" dirty="0">
+              <a:rPr lang="en-US" sz="3000" b="1" i="0" u="none" strike="noStrike" cap="none" dirty="0">
                 <a:solidFill>
                   <a:schemeClr val="lt1"/>
                 </a:solidFill>
@@ -13290,7 +13301,7 @@
               <a:t>&gt;&gt;&gt; </a:t>
             </a:r>
             <a:r>
-              <a:rPr lang="en-US" sz="3000" i="0" u="none" strike="noStrike" cap="none" dirty="0" err="1">
+              <a:rPr lang="en-US" sz="3000" b="1" i="0" u="none" strike="noStrike" cap="none" dirty="0" err="1">
                 <a:solidFill>
                   <a:srgbClr val="00FF00"/>
                 </a:solidFill>
@@ -13302,7 +13313,7 @@
               <a:t>nums</a:t>
             </a:r>
             <a:r>
-              <a:rPr lang="en-US" sz="3000" i="0" u="none" strike="noStrike" cap="none" dirty="0">
+              <a:rPr lang="en-US" sz="3000" b="1" i="0" u="none" strike="noStrike" cap="none" dirty="0">
                 <a:solidFill>
                   <a:schemeClr val="lt1"/>
                 </a:solidFill>
@@ -13322,7 +13333,7 @@
               <a:buSzPct val="25000"/>
             </a:pPr>
             <a:r>
-              <a:rPr lang="en-US" sz="3000" i="0" u="none" strike="noStrike" cap="none" dirty="0">
+              <a:rPr lang="en-US" sz="3000" b="1" i="0" u="none" strike="noStrike" cap="none" dirty="0">
                 <a:solidFill>
                   <a:schemeClr val="lt1"/>
                 </a:solidFill>
@@ -13334,7 +13345,7 @@
               <a:t>&gt;&gt;&gt; </a:t>
             </a:r>
             <a:r>
-              <a:rPr lang="en-US" sz="3000" i="0" u="none" strike="noStrike" cap="none" dirty="0" smtClean="0">
+              <a:rPr lang="en-US" sz="3000" b="1" i="0" u="none" strike="noStrike" cap="none" dirty="0" smtClean="0">
                 <a:solidFill>
                   <a:srgbClr val="FFFF00"/>
                 </a:solidFill>
@@ -13346,7 +13357,7 @@
               <a:t>print(</a:t>
             </a:r>
             <a:r>
-              <a:rPr lang="en-US" sz="3000" i="0" u="none" strike="noStrike" cap="none" dirty="0" err="1" smtClean="0">
+              <a:rPr lang="en-US" sz="3000" b="1" i="0" u="none" strike="noStrike" cap="none" dirty="0" err="1" smtClean="0">
                 <a:solidFill>
                   <a:srgbClr val="FF00FF"/>
                 </a:solidFill>
@@ -13358,7 +13369,7 @@
               <a:t>len</a:t>
             </a:r>
             <a:r>
-              <a:rPr lang="en-US" sz="3000" i="0" u="none" strike="noStrike" cap="none" dirty="0" smtClean="0">
+              <a:rPr lang="en-US" sz="3000" b="1" i="0" u="none" strike="noStrike" cap="none" dirty="0" smtClean="0">
                 <a:solidFill>
                   <a:schemeClr val="lt1"/>
                 </a:solidFill>
@@ -13370,7 +13381,7 @@
               <a:t>(</a:t>
             </a:r>
             <a:r>
-              <a:rPr lang="en-US" sz="3000" i="0" u="none" strike="noStrike" cap="none" dirty="0" err="1" smtClean="0">
+              <a:rPr lang="en-US" sz="3000" b="1" i="0" u="none" strike="noStrike" cap="none" dirty="0" err="1" smtClean="0">
                 <a:solidFill>
                   <a:srgbClr val="00FF00"/>
                 </a:solidFill>
@@ -13382,7 +13393,7 @@
               <a:t>nums</a:t>
             </a:r>
             <a:r>
-              <a:rPr lang="en-US" sz="3000" i="0" u="none" strike="noStrike" cap="none" dirty="0" smtClean="0">
+              <a:rPr lang="en-US" sz="3000" b="1" i="0" u="none" strike="noStrike" cap="none" dirty="0" smtClean="0">
                 <a:solidFill>
                   <a:schemeClr val="lt1"/>
                 </a:solidFill>
@@ -13394,7 +13405,7 @@
               <a:t>)</a:t>
             </a:r>
             <a:r>
-              <a:rPr lang="en-US" sz="3000" dirty="0" smtClean="0">
+              <a:rPr lang="en-US" sz="3000" b="1" dirty="0" smtClean="0">
                 <a:solidFill>
                   <a:srgbClr val="FFFF00"/>
                 </a:solidFill>
@@ -13405,7 +13416,7 @@
               </a:rPr>
               <a:t>)</a:t>
             </a:r>
-            <a:endParaRPr lang="en-US" sz="3000" i="0" u="none" strike="noStrike" cap="none" dirty="0">
+            <a:endParaRPr lang="en-US" sz="3000" b="1" i="0" u="none" strike="noStrike" cap="none" dirty="0">
               <a:solidFill>
                 <a:schemeClr val="lt1"/>
               </a:solidFill>
@@ -13434,7 +13445,7 @@
               <a:buNone/>
             </a:pPr>
             <a:r>
-              <a:rPr lang="en-US" sz="3000" i="0" u="none" strike="noStrike" cap="none" dirty="0">
+              <a:rPr lang="en-US" sz="3000" b="1" i="0" u="none" strike="noStrike" cap="none" dirty="0">
                 <a:solidFill>
                   <a:schemeClr val="lt1"/>
                 </a:solidFill>
@@ -13454,7 +13465,7 @@
               <a:buSzPct val="25000"/>
             </a:pPr>
             <a:r>
-              <a:rPr lang="en-US" sz="3000" i="0" u="none" strike="noStrike" cap="none" dirty="0">
+              <a:rPr lang="en-US" sz="3000" b="1" i="0" u="none" strike="noStrike" cap="none" dirty="0">
                 <a:solidFill>
                   <a:schemeClr val="lt1"/>
                 </a:solidFill>
@@ -13466,7 +13477,7 @@
               <a:t>&gt;&gt;&gt; </a:t>
             </a:r>
             <a:r>
-              <a:rPr lang="en-US" sz="3000" i="0" u="none" strike="noStrike" cap="none" dirty="0" smtClean="0">
+              <a:rPr lang="en-US" sz="3000" b="1" i="0" u="none" strike="noStrike" cap="none" dirty="0" smtClean="0">
                 <a:solidFill>
                   <a:srgbClr val="FFFF00"/>
                 </a:solidFill>
@@ -13478,7 +13489,7 @@
               <a:t>print(</a:t>
             </a:r>
             <a:r>
-              <a:rPr lang="en-US" sz="3000" i="0" u="none" strike="noStrike" cap="none" dirty="0" smtClean="0">
+              <a:rPr lang="en-US" sz="3000" b="1" i="0" u="none" strike="noStrike" cap="none" dirty="0" smtClean="0">
                 <a:solidFill>
                   <a:srgbClr val="FF00FF"/>
                 </a:solidFill>
@@ -13490,7 +13501,7 @@
               <a:t>max</a:t>
             </a:r>
             <a:r>
-              <a:rPr lang="en-US" sz="3000" i="0" u="none" strike="noStrike" cap="none" dirty="0" smtClean="0">
+              <a:rPr lang="en-US" sz="3000" b="1" i="0" u="none" strike="noStrike" cap="none" dirty="0" smtClean="0">
                 <a:solidFill>
                   <a:schemeClr val="lt1"/>
                 </a:solidFill>
@@ -13502,7 +13513,7 @@
               <a:t>(</a:t>
             </a:r>
             <a:r>
-              <a:rPr lang="en-US" sz="3000" i="0" u="none" strike="noStrike" cap="none" dirty="0" err="1" smtClean="0">
+              <a:rPr lang="en-US" sz="3000" b="1" i="0" u="none" strike="noStrike" cap="none" dirty="0" err="1" smtClean="0">
                 <a:solidFill>
                   <a:srgbClr val="00FF00"/>
                 </a:solidFill>
@@ -13514,7 +13525,7 @@
               <a:t>nums</a:t>
             </a:r>
             <a:r>
-              <a:rPr lang="en-US" sz="3000" i="0" u="none" strike="noStrike" cap="none" dirty="0" smtClean="0">
+              <a:rPr lang="en-US" sz="3000" b="1" i="0" u="none" strike="noStrike" cap="none" dirty="0" smtClean="0">
                 <a:solidFill>
                   <a:schemeClr val="lt1"/>
                 </a:solidFill>
@@ -13526,7 +13537,7 @@
               <a:t>)</a:t>
             </a:r>
             <a:r>
-              <a:rPr lang="en-US" sz="3000" dirty="0" smtClean="0">
+              <a:rPr lang="en-US" sz="3000" b="1" dirty="0" smtClean="0">
                 <a:solidFill>
                   <a:srgbClr val="FFFF00"/>
                 </a:solidFill>
@@ -13537,7 +13548,7 @@
               </a:rPr>
               <a:t>)</a:t>
             </a:r>
-            <a:endParaRPr lang="en-US" sz="3000" i="0" u="none" strike="noStrike" cap="none" dirty="0">
+            <a:endParaRPr lang="en-US" sz="3000" b="1" i="0" u="none" strike="noStrike" cap="none" dirty="0">
               <a:solidFill>
                 <a:schemeClr val="lt1"/>
               </a:solidFill>
@@ -13566,7 +13577,7 @@
               <a:buNone/>
             </a:pPr>
             <a:r>
-              <a:rPr lang="en-US" sz="3000" i="0" u="none" strike="noStrike" cap="none" dirty="0">
+              <a:rPr lang="en-US" sz="3000" b="1" i="0" u="none" strike="noStrike" cap="none" dirty="0">
                 <a:solidFill>
                   <a:schemeClr val="lt1"/>
                 </a:solidFill>
@@ -13586,7 +13597,7 @@
               <a:buSzPct val="25000"/>
             </a:pPr>
             <a:r>
-              <a:rPr lang="en-US" sz="3000" i="0" u="none" strike="noStrike" cap="none" dirty="0">
+              <a:rPr lang="en-US" sz="3000" b="1" i="0" u="none" strike="noStrike" cap="none" dirty="0">
                 <a:solidFill>
                   <a:schemeClr val="lt1"/>
                 </a:solidFill>
@@ -13598,7 +13609,7 @@
               <a:t>&gt;&gt;&gt; </a:t>
             </a:r>
             <a:r>
-              <a:rPr lang="en-US" sz="3000" i="0" u="none" strike="noStrike" cap="none" dirty="0" smtClean="0">
+              <a:rPr lang="en-US" sz="3000" b="1" i="0" u="none" strike="noStrike" cap="none" dirty="0" smtClean="0">
                 <a:solidFill>
                   <a:srgbClr val="FFFF00"/>
                 </a:solidFill>
@@ -13610,7 +13621,7 @@
               <a:t>print(</a:t>
             </a:r>
             <a:r>
-              <a:rPr lang="en-US" sz="3000" i="0" u="none" strike="noStrike" cap="none" dirty="0" smtClean="0">
+              <a:rPr lang="en-US" sz="3000" b="1" i="0" u="none" strike="noStrike" cap="none" dirty="0" smtClean="0">
                 <a:solidFill>
                   <a:srgbClr val="FF00FF"/>
                 </a:solidFill>
@@ -13622,7 +13633,7 @@
               <a:t>min</a:t>
             </a:r>
             <a:r>
-              <a:rPr lang="en-US" sz="3000" i="0" u="none" strike="noStrike" cap="none" dirty="0" smtClean="0">
+              <a:rPr lang="en-US" sz="3000" b="1" i="0" u="none" strike="noStrike" cap="none" dirty="0" smtClean="0">
                 <a:solidFill>
                   <a:schemeClr val="lt1"/>
                 </a:solidFill>
@@ -13634,7 +13645,7 @@
               <a:t>(</a:t>
             </a:r>
             <a:r>
-              <a:rPr lang="en-US" sz="3000" i="0" u="none" strike="noStrike" cap="none" dirty="0" err="1" smtClean="0">
+              <a:rPr lang="en-US" sz="3000" b="1" i="0" u="none" strike="noStrike" cap="none" dirty="0" err="1" smtClean="0">
                 <a:solidFill>
                   <a:srgbClr val="00FF00"/>
                 </a:solidFill>
@@ -13646,7 +13657,7 @@
               <a:t>nums</a:t>
             </a:r>
             <a:r>
-              <a:rPr lang="en-US" sz="3000" i="0" u="none" strike="noStrike" cap="none" dirty="0" smtClean="0">
+              <a:rPr lang="en-US" sz="3000" b="1" i="0" u="none" strike="noStrike" cap="none" dirty="0" smtClean="0">
                 <a:solidFill>
                   <a:schemeClr val="lt1"/>
                 </a:solidFill>
@@ -13658,7 +13669,7 @@
               <a:t>)</a:t>
             </a:r>
             <a:r>
-              <a:rPr lang="en-US" sz="3000" dirty="0" smtClean="0">
+              <a:rPr lang="en-US" sz="3000" b="1" dirty="0" smtClean="0">
                 <a:solidFill>
                   <a:srgbClr val="FFFF00"/>
                 </a:solidFill>
@@ -13669,7 +13680,7 @@
               </a:rPr>
               <a:t>)</a:t>
             </a:r>
-            <a:endParaRPr lang="en-US" sz="3000" i="0" u="none" strike="noStrike" cap="none" dirty="0">
+            <a:endParaRPr lang="en-US" sz="3000" b="1" i="0" u="none" strike="noStrike" cap="none" dirty="0">
               <a:solidFill>
                 <a:schemeClr val="lt1"/>
               </a:solidFill>
@@ -13698,7 +13709,7 @@
               <a:buNone/>
             </a:pPr>
             <a:r>
-              <a:rPr lang="en-US" sz="3000" i="0" u="none" strike="noStrike" cap="none" dirty="0">
+              <a:rPr lang="en-US" sz="3000" b="1" i="0" u="none" strike="noStrike" cap="none" dirty="0">
                 <a:solidFill>
                   <a:schemeClr val="lt1"/>
                 </a:solidFill>
@@ -13718,7 +13729,7 @@
               <a:buSzPct val="25000"/>
             </a:pPr>
             <a:r>
-              <a:rPr lang="en-US" sz="3000" i="0" u="none" strike="noStrike" cap="none" dirty="0">
+              <a:rPr lang="en-US" sz="3000" b="1" i="0" u="none" strike="noStrike" cap="none" dirty="0">
                 <a:solidFill>
                   <a:schemeClr val="lt1"/>
                 </a:solidFill>
@@ -13730,7 +13741,7 @@
               <a:t>&gt;&gt;&gt; </a:t>
             </a:r>
             <a:r>
-              <a:rPr lang="en-US" sz="3000" i="0" u="none" strike="noStrike" cap="none" dirty="0" smtClean="0">
+              <a:rPr lang="en-US" sz="3000" b="1" i="0" u="none" strike="noStrike" cap="none" dirty="0" smtClean="0">
                 <a:solidFill>
                   <a:srgbClr val="FFFF00"/>
                 </a:solidFill>
@@ -13742,7 +13753,7 @@
               <a:t>print</a:t>
             </a:r>
             <a:r>
-              <a:rPr lang="en-US" sz="3000" dirty="0">
+              <a:rPr lang="en-US" sz="3000" b="1" dirty="0">
                 <a:solidFill>
                   <a:schemeClr val="lt1"/>
                 </a:solidFill>
@@ -13754,7 +13765,7 @@
               <a:t>(</a:t>
             </a:r>
             <a:r>
-              <a:rPr lang="en-US" sz="3000" i="0" u="none" strike="noStrike" cap="none" dirty="0" smtClean="0">
+              <a:rPr lang="en-US" sz="3000" b="1" i="0" u="none" strike="noStrike" cap="none" dirty="0" smtClean="0">
                 <a:solidFill>
                   <a:srgbClr val="FF00FF"/>
                 </a:solidFill>
@@ -13766,7 +13777,7 @@
               <a:t>sum</a:t>
             </a:r>
             <a:r>
-              <a:rPr lang="en-US" sz="3000" i="0" u="none" strike="noStrike" cap="none" dirty="0" smtClean="0">
+              <a:rPr lang="en-US" sz="3000" b="1" i="0" u="none" strike="noStrike" cap="none" dirty="0" smtClean="0">
                 <a:solidFill>
                   <a:schemeClr val="lt1"/>
                 </a:solidFill>
@@ -13778,7 +13789,7 @@
               <a:t>(</a:t>
             </a:r>
             <a:r>
-              <a:rPr lang="en-US" sz="3000" i="0" u="none" strike="noStrike" cap="none" dirty="0" err="1" smtClean="0">
+              <a:rPr lang="en-US" sz="3000" b="1" i="0" u="none" strike="noStrike" cap="none" dirty="0" err="1" smtClean="0">
                 <a:solidFill>
                   <a:srgbClr val="00FF00"/>
                 </a:solidFill>
@@ -13790,7 +13801,7 @@
               <a:t>nums</a:t>
             </a:r>
             <a:r>
-              <a:rPr lang="en-US" sz="3000" i="0" u="none" strike="noStrike" cap="none" dirty="0" smtClean="0">
+              <a:rPr lang="en-US" sz="3000" b="1" i="0" u="none" strike="noStrike" cap="none" dirty="0" smtClean="0">
                 <a:solidFill>
                   <a:schemeClr val="lt1"/>
                 </a:solidFill>
@@ -13802,7 +13813,7 @@
               <a:t>)</a:t>
             </a:r>
             <a:r>
-              <a:rPr lang="en-US" sz="3000" dirty="0" smtClean="0">
+              <a:rPr lang="en-US" sz="3000" b="1" dirty="0" smtClean="0">
                 <a:solidFill>
                   <a:srgbClr val="FFFF00"/>
                 </a:solidFill>
@@ -13813,7 +13824,7 @@
               </a:rPr>
               <a:t>)</a:t>
             </a:r>
-            <a:endParaRPr lang="en-US" sz="3000" i="0" u="none" strike="noStrike" cap="none" dirty="0">
+            <a:endParaRPr lang="en-US" sz="3000" b="1" i="0" u="none" strike="noStrike" cap="none" dirty="0">
               <a:solidFill>
                 <a:schemeClr val="lt1"/>
               </a:solidFill>
@@ -13842,7 +13853,7 @@
               <a:buNone/>
             </a:pPr>
             <a:r>
-              <a:rPr lang="en-US" sz="3000" i="0" u="none" strike="noStrike" cap="none" dirty="0">
+              <a:rPr lang="en-US" sz="3000" b="1" i="0" u="none" strike="noStrike" cap="none" dirty="0">
                 <a:solidFill>
                   <a:schemeClr val="lt1"/>
                 </a:solidFill>
@@ -13862,7 +13873,7 @@
               <a:buSzPct val="25000"/>
             </a:pPr>
             <a:r>
-              <a:rPr lang="en-US" sz="3000" i="0" u="none" strike="noStrike" cap="none" dirty="0">
+              <a:rPr lang="en-US" sz="3000" b="1" i="0" u="none" strike="noStrike" cap="none" dirty="0">
                 <a:solidFill>
                   <a:schemeClr val="lt1"/>
                 </a:solidFill>
@@ -13874,7 +13885,7 @@
               <a:t>&gt;&gt;&gt; </a:t>
             </a:r>
             <a:r>
-              <a:rPr lang="en-US" sz="3000" i="0" u="none" strike="noStrike" cap="none" dirty="0" smtClean="0">
+              <a:rPr lang="en-US" sz="3000" b="1" i="0" u="none" strike="noStrike" cap="none" dirty="0" smtClean="0">
                 <a:solidFill>
                   <a:srgbClr val="FFFF00"/>
                 </a:solidFill>
@@ -13886,7 +13897,7 @@
               <a:t>print</a:t>
             </a:r>
             <a:r>
-              <a:rPr lang="en-US" sz="3000" dirty="0">
+              <a:rPr lang="en-US" sz="3000" b="1" dirty="0">
                 <a:solidFill>
                   <a:schemeClr val="lt1"/>
                 </a:solidFill>
@@ -13898,7 +13909,7 @@
               <a:t>(</a:t>
             </a:r>
             <a:r>
-              <a:rPr lang="en-US" sz="3000" i="0" u="none" strike="noStrike" cap="none" dirty="0" smtClean="0">
+              <a:rPr lang="en-US" sz="3000" b="1" i="0" u="none" strike="noStrike" cap="none" dirty="0" smtClean="0">
                 <a:solidFill>
                   <a:srgbClr val="FF00FF"/>
                 </a:solidFill>
@@ -13910,7 +13921,7 @@
               <a:t>sum</a:t>
             </a:r>
             <a:r>
-              <a:rPr lang="en-US" sz="3000" i="0" u="none" strike="noStrike" cap="none" dirty="0" smtClean="0">
+              <a:rPr lang="en-US" sz="3000" b="1" i="0" u="none" strike="noStrike" cap="none" dirty="0" smtClean="0">
                 <a:solidFill>
                   <a:schemeClr val="lt1"/>
                 </a:solidFill>
@@ -13922,7 +13933,7 @@
               <a:t>(</a:t>
             </a:r>
             <a:r>
-              <a:rPr lang="en-US" sz="3000" i="0" u="none" strike="noStrike" cap="none" dirty="0" err="1" smtClean="0">
+              <a:rPr lang="en-US" sz="3000" b="1" i="0" u="none" strike="noStrike" cap="none" dirty="0" err="1" smtClean="0">
                 <a:solidFill>
                   <a:srgbClr val="00FF00"/>
                 </a:solidFill>
@@ -13934,7 +13945,7 @@
               <a:t>nums</a:t>
             </a:r>
             <a:r>
-              <a:rPr lang="en-US" sz="3000" i="0" u="none" strike="noStrike" cap="none" dirty="0">
+              <a:rPr lang="en-US" sz="3000" b="1" i="0" u="none" strike="noStrike" cap="none" dirty="0">
                 <a:solidFill>
                   <a:schemeClr val="lt1"/>
                 </a:solidFill>
@@ -13946,7 +13957,7 @@
               <a:t>)/</a:t>
             </a:r>
             <a:r>
-              <a:rPr lang="en-US" sz="3000" i="0" u="none" strike="noStrike" cap="none" dirty="0" err="1" smtClean="0">
+              <a:rPr lang="en-US" sz="3000" b="1" i="0" u="none" strike="noStrike" cap="none" dirty="0" err="1" smtClean="0">
                 <a:solidFill>
                   <a:srgbClr val="FF00FF"/>
                 </a:solidFill>
@@ -13958,7 +13969,7 @@
               <a:t>len</a:t>
             </a:r>
             <a:r>
-              <a:rPr lang="en-US" sz="3000" i="0" u="none" strike="noStrike" cap="none" dirty="0" smtClean="0">
+              <a:rPr lang="en-US" sz="3000" b="1" i="0" u="none" strike="noStrike" cap="none" dirty="0" smtClean="0">
                 <a:solidFill>
                   <a:schemeClr val="lt1"/>
                 </a:solidFill>
@@ -13970,7 +13981,7 @@
               <a:t>(</a:t>
             </a:r>
             <a:r>
-              <a:rPr lang="en-US" sz="3000" i="0" u="none" strike="noStrike" cap="none" dirty="0" err="1" smtClean="0">
+              <a:rPr lang="en-US" sz="3000" b="1" i="0" u="none" strike="noStrike" cap="none" dirty="0" err="1" smtClean="0">
                 <a:solidFill>
                   <a:srgbClr val="00FF00"/>
                 </a:solidFill>
@@ -13982,7 +13993,7 @@
               <a:t>nums</a:t>
             </a:r>
             <a:r>
-              <a:rPr lang="en-US" sz="3000" i="0" u="none" strike="noStrike" cap="none" dirty="0" smtClean="0">
+              <a:rPr lang="en-US" sz="3000" b="1" i="0" u="none" strike="noStrike" cap="none" dirty="0" smtClean="0">
                 <a:solidFill>
                   <a:schemeClr val="lt1"/>
                 </a:solidFill>
@@ -13994,7 +14005,7 @@
               <a:t>)</a:t>
             </a:r>
             <a:r>
-              <a:rPr lang="en-US" sz="3000" dirty="0" smtClean="0">
+              <a:rPr lang="en-US" sz="3000" b="1" dirty="0" smtClean="0">
                 <a:solidFill>
                   <a:srgbClr val="FFFF00"/>
                 </a:solidFill>
@@ -14005,7 +14016,7 @@
               </a:rPr>
               <a:t>)</a:t>
             </a:r>
-            <a:endParaRPr lang="en-US" sz="3000" i="0" u="none" strike="noStrike" cap="none" dirty="0">
+            <a:endParaRPr lang="en-US" sz="3000" b="1" i="0" u="none" strike="noStrike" cap="none" dirty="0">
               <a:solidFill>
                 <a:schemeClr val="lt1"/>
               </a:solidFill>
@@ -14034,7 +14045,7 @@
               <a:buNone/>
             </a:pPr>
             <a:r>
-              <a:rPr lang="en-US" sz="3000" i="0" u="none" strike="noStrike" cap="none" dirty="0" smtClean="0">
+              <a:rPr lang="en-US" sz="3000" b="1" i="0" u="none" strike="noStrike" cap="none" dirty="0" smtClean="0">
                 <a:solidFill>
                   <a:schemeClr val="lt1"/>
                 </a:solidFill>
@@ -14045,7 +14056,7 @@
               </a:rPr>
               <a:t>25.6</a:t>
             </a:r>
-            <a:endParaRPr lang="en-US" sz="3000" i="0" u="none" strike="noStrike" cap="none" dirty="0">
+            <a:endParaRPr lang="en-US" sz="3000" b="1" i="0" u="none" strike="noStrike" cap="none" dirty="0">
               <a:solidFill>
                 <a:schemeClr val="lt1"/>
               </a:solidFill>
@@ -14065,7 +14076,7 @@
   <p:timing>
     <p:tnLst>
       <p:par>
-        <p:cTn xmlns:p14="http://schemas.microsoft.com/office/powerpoint/2010/main" id="1" dur="indefinite" restart="never" nodeType="tmRoot"/>
+        <p:cTn id="1" dur="indefinite" restart="never" nodeType="tmRoot"/>
       </p:par>
     </p:tnLst>
   </p:timing>
@@ -14413,7 +14424,7 @@
   <p:timing>
     <p:tnLst>
       <p:par>
-        <p:cTn xmlns:p14="http://schemas.microsoft.com/office/powerpoint/2010/main" id="1" dur="indefinite" restart="never" nodeType="tmRoot"/>
+        <p:cTn id="1" dur="indefinite" restart="never" nodeType="tmRoot"/>
       </p:par>
     </p:tnLst>
   </p:timing>
@@ -14480,7 +14491,7 @@
               <a:buNone/>
             </a:pPr>
             <a:r>
-              <a:rPr lang="en-US" sz="2600" i="0" u="none" strike="noStrike" cap="none" dirty="0" err="1">
+              <a:rPr lang="en-US" sz="2600" b="1" i="0" u="none" strike="noStrike" cap="none" dirty="0" err="1">
                 <a:solidFill>
                   <a:srgbClr val="00FF00"/>
                 </a:solidFill>
@@ -14492,7 +14503,7 @@
               <a:t>numlist</a:t>
             </a:r>
             <a:r>
-              <a:rPr lang="en-US" sz="2600" i="0" u="none" strike="noStrike" cap="none" dirty="0">
+              <a:rPr lang="en-US" sz="2600" b="1" i="0" u="none" strike="noStrike" cap="none" dirty="0">
                 <a:solidFill>
                   <a:srgbClr val="00FF00"/>
                 </a:solidFill>
@@ -14523,7 +14534,7 @@
               <a:buNone/>
             </a:pPr>
             <a:r>
-              <a:rPr lang="en-US" sz="2600" i="0" u="none" strike="noStrike" cap="none" dirty="0">
+              <a:rPr lang="en-US" sz="2600" b="1" i="0" u="none" strike="noStrike" cap="none" dirty="0">
                 <a:solidFill>
                   <a:srgbClr val="FFFFFF"/>
                 </a:solidFill>
@@ -14554,7 +14565,7 @@
               <a:buNone/>
             </a:pPr>
             <a:r>
-              <a:rPr lang="en-US" sz="2600" i="0" u="none" strike="noStrike" cap="none" dirty="0">
+              <a:rPr lang="en-US" sz="2600" b="1" i="0" u="none" strike="noStrike" cap="none" dirty="0">
                 <a:solidFill>
                   <a:srgbClr val="FFFFFF"/>
                 </a:solidFill>
@@ -14566,7 +14577,7 @@
               <a:t>    </a:t>
             </a:r>
             <a:r>
-              <a:rPr lang="en-US" sz="2600" i="0" u="none" strike="noStrike" cap="none" dirty="0" err="1">
+              <a:rPr lang="en-US" sz="2600" b="1" i="0" u="none" strike="noStrike" cap="none" dirty="0" err="1">
                 <a:solidFill>
                   <a:srgbClr val="FFFFFF"/>
                 </a:solidFill>
@@ -14578,7 +14589,7 @@
               <a:t>inp</a:t>
             </a:r>
             <a:r>
-              <a:rPr lang="en-US" sz="2600" i="0" u="none" strike="noStrike" cap="none" dirty="0">
+              <a:rPr lang="en-US" sz="2600" b="1" i="0" u="none" strike="noStrike" cap="none" dirty="0">
                 <a:solidFill>
                   <a:srgbClr val="FFFFFF"/>
                 </a:solidFill>
@@ -14590,7 +14601,7 @@
               <a:t> = </a:t>
             </a:r>
             <a:r>
-              <a:rPr lang="en-US" sz="2600" i="0" u="none" strike="noStrike" cap="none" dirty="0" smtClean="0">
+              <a:rPr lang="en-US" sz="2600" b="1" i="0" u="none" strike="noStrike" cap="none" dirty="0" smtClean="0">
                 <a:solidFill>
                   <a:srgbClr val="FFFFFF"/>
                 </a:solidFill>
@@ -14602,7 +14613,7 @@
               <a:t>input</a:t>
             </a:r>
             <a:r>
-              <a:rPr lang="en-US" sz="2600" i="0" u="none" strike="noStrike" cap="none" dirty="0">
+              <a:rPr lang="en-US" sz="2600" b="1" i="0" u="none" strike="noStrike" cap="none" dirty="0">
                 <a:solidFill>
                   <a:srgbClr val="FFFFFF"/>
                 </a:solidFill>
@@ -14633,7 +14644,7 @@
               <a:buNone/>
             </a:pPr>
             <a:r>
-              <a:rPr lang="en-US" sz="2600" i="0" u="none" strike="noStrike" cap="none" dirty="0">
+              <a:rPr lang="en-US" sz="2600" b="1" i="0" u="none" strike="noStrike" cap="none" dirty="0">
                 <a:solidFill>
                   <a:srgbClr val="FFFFFF"/>
                 </a:solidFill>
@@ -14645,7 +14656,7 @@
               <a:t>    if </a:t>
             </a:r>
             <a:r>
-              <a:rPr lang="en-US" sz="2600" i="0" u="none" strike="noStrike" cap="none" dirty="0" err="1">
+              <a:rPr lang="en-US" sz="2600" b="1" i="0" u="none" strike="noStrike" cap="none" dirty="0" err="1">
                 <a:solidFill>
                   <a:srgbClr val="FFFFFF"/>
                 </a:solidFill>
@@ -14657,7 +14668,7 @@
               <a:t>inp</a:t>
             </a:r>
             <a:r>
-              <a:rPr lang="en-US" sz="2600" i="0" u="none" strike="noStrike" cap="none" dirty="0">
+              <a:rPr lang="en-US" sz="2600" b="1" i="0" u="none" strike="noStrike" cap="none" dirty="0">
                 <a:solidFill>
                   <a:srgbClr val="FFFFFF"/>
                 </a:solidFill>
@@ -14688,7 +14699,7 @@
               <a:buNone/>
             </a:pPr>
             <a:r>
-              <a:rPr lang="en-US" sz="2600" i="0" u="none" strike="noStrike" cap="none" dirty="0">
+              <a:rPr lang="en-US" sz="2600" b="1" i="0" u="none" strike="noStrike" cap="none" dirty="0">
                 <a:solidFill>
                   <a:srgbClr val="FFFFFF"/>
                 </a:solidFill>
@@ -14700,7 +14711,7 @@
               <a:t>    value = float(</a:t>
             </a:r>
             <a:r>
-              <a:rPr lang="en-US" sz="2600" i="0" u="none" strike="noStrike" cap="none" dirty="0" err="1">
+              <a:rPr lang="en-US" sz="2600" b="1" i="0" u="none" strike="noStrike" cap="none" dirty="0" err="1">
                 <a:solidFill>
                   <a:srgbClr val="FFFFFF"/>
                 </a:solidFill>
@@ -14712,7 +14723,7 @@
               <a:t>inp</a:t>
             </a:r>
             <a:r>
-              <a:rPr lang="en-US" sz="2600" i="0" u="none" strike="noStrike" cap="none" dirty="0">
+              <a:rPr lang="en-US" sz="2600" b="1" i="0" u="none" strike="noStrike" cap="none" dirty="0">
                 <a:solidFill>
                   <a:srgbClr val="FFFFFF"/>
                 </a:solidFill>
@@ -14743,7 +14754,7 @@
               <a:buNone/>
             </a:pPr>
             <a:r>
-              <a:rPr lang="en-US" sz="2600" i="0" u="none" strike="noStrike" cap="none" dirty="0">
+              <a:rPr lang="en-US" sz="2600" b="1" i="0" u="none" strike="noStrike" cap="none" dirty="0">
                 <a:solidFill>
                   <a:srgbClr val="00FF00"/>
                 </a:solidFill>
@@ -14755,7 +14766,7 @@
               <a:t>    </a:t>
             </a:r>
             <a:r>
-              <a:rPr lang="en-US" sz="2600" i="0" u="none" strike="noStrike" cap="none" dirty="0" err="1">
+              <a:rPr lang="en-US" sz="2600" b="1" i="0" u="none" strike="noStrike" cap="none" dirty="0" err="1">
                 <a:solidFill>
                   <a:srgbClr val="00FF00"/>
                 </a:solidFill>
@@ -14767,7 +14778,7 @@
               <a:t>numlist.append</a:t>
             </a:r>
             <a:r>
-              <a:rPr lang="en-US" sz="2600" i="0" u="none" strike="noStrike" cap="none" dirty="0">
+              <a:rPr lang="en-US" sz="2600" b="1" i="0" u="none" strike="noStrike" cap="none" dirty="0">
                 <a:solidFill>
                   <a:srgbClr val="00FF00"/>
                 </a:solidFill>
@@ -14792,7 +14803,7 @@
               </a:spcAft>
               <a:buNone/>
             </a:pPr>
-            <a:endParaRPr sz="2600" i="0" u="none" strike="noStrike" cap="none" dirty="0">
+            <a:endParaRPr sz="2600" b="1" i="0" u="none" strike="noStrike" cap="none" dirty="0">
               <a:solidFill>
                 <a:srgbClr val="FFFFFF"/>
               </a:solidFill>
@@ -14821,7 +14832,7 @@
               <a:buNone/>
             </a:pPr>
             <a:r>
-              <a:rPr lang="en-US" sz="2600" i="0" u="none" strike="noStrike" cap="none" dirty="0">
+              <a:rPr lang="en-US" sz="2600" b="1" i="0" u="none" strike="noStrike" cap="none" dirty="0">
                 <a:solidFill>
                   <a:srgbClr val="00FF00"/>
                 </a:solidFill>
@@ -14833,7 +14844,7 @@
               <a:t>average = sum(</a:t>
             </a:r>
             <a:r>
-              <a:rPr lang="en-US" sz="2600" i="0" u="none" strike="noStrike" cap="none" dirty="0" err="1">
+              <a:rPr lang="en-US" sz="2600" b="1" i="0" u="none" strike="noStrike" cap="none" dirty="0" err="1">
                 <a:solidFill>
                   <a:srgbClr val="00FF00"/>
                 </a:solidFill>
@@ -14845,7 +14856,7 @@
               <a:t>numlist</a:t>
             </a:r>
             <a:r>
-              <a:rPr lang="en-US" sz="2600" i="0" u="none" strike="noStrike" cap="none" dirty="0">
+              <a:rPr lang="en-US" sz="2600" b="1" i="0" u="none" strike="noStrike" cap="none" dirty="0">
                 <a:solidFill>
                   <a:srgbClr val="00FF00"/>
                 </a:solidFill>
@@ -14857,7 +14868,7 @@
               <a:t>) / </a:t>
             </a:r>
             <a:r>
-              <a:rPr lang="en-US" sz="2600" i="0" u="none" strike="noStrike" cap="none" dirty="0" err="1">
+              <a:rPr lang="en-US" sz="2600" b="1" i="0" u="none" strike="noStrike" cap="none" dirty="0" err="1">
                 <a:solidFill>
                   <a:srgbClr val="00FF00"/>
                 </a:solidFill>
@@ -14869,7 +14880,7 @@
               <a:t>len</a:t>
             </a:r>
             <a:r>
-              <a:rPr lang="en-US" sz="2600" i="0" u="none" strike="noStrike" cap="none" dirty="0">
+              <a:rPr lang="en-US" sz="2600" b="1" i="0" u="none" strike="noStrike" cap="none" dirty="0">
                 <a:solidFill>
                   <a:srgbClr val="00FF00"/>
                 </a:solidFill>
@@ -14881,7 +14892,7 @@
               <a:t>(</a:t>
             </a:r>
             <a:r>
-              <a:rPr lang="en-US" sz="2600" i="0" u="none" strike="noStrike" cap="none" dirty="0" err="1">
+              <a:rPr lang="en-US" sz="2600" b="1" i="0" u="none" strike="noStrike" cap="none" dirty="0" err="1">
                 <a:solidFill>
                   <a:srgbClr val="00FF00"/>
                 </a:solidFill>
@@ -14893,7 +14904,7 @@
               <a:t>numlist</a:t>
             </a:r>
             <a:r>
-              <a:rPr lang="en-US" sz="2600" i="0" u="none" strike="noStrike" cap="none" dirty="0">
+              <a:rPr lang="en-US" sz="2600" b="1" i="0" u="none" strike="noStrike" cap="none" dirty="0">
                 <a:solidFill>
                   <a:srgbClr val="00FF00"/>
                 </a:solidFill>
@@ -14924,7 +14935,7 @@
               <a:buNone/>
             </a:pPr>
             <a:r>
-              <a:rPr lang="en-US" sz="2600" i="0" u="none" strike="noStrike" cap="none" dirty="0" smtClean="0">
+              <a:rPr lang="en-US" sz="2600" b="1" i="0" u="none" strike="noStrike" cap="none" dirty="0" smtClean="0">
                 <a:solidFill>
                   <a:srgbClr val="FFFFFF"/>
                 </a:solidFill>
@@ -14936,7 +14947,7 @@
               <a:t>print('Average</a:t>
             </a:r>
             <a:r>
-              <a:rPr lang="en-US" sz="2600" i="0" u="none" strike="noStrike" cap="none" dirty="0">
+              <a:rPr lang="en-US" sz="2600" b="1" i="0" u="none" strike="noStrike" cap="none" dirty="0">
                 <a:solidFill>
                   <a:srgbClr val="FFFFFF"/>
                 </a:solidFill>
@@ -14948,7 +14959,7 @@
               <a:t>:', </a:t>
             </a:r>
             <a:r>
-              <a:rPr lang="en-US" sz="2600" i="0" u="none" strike="noStrike" cap="none" dirty="0" smtClean="0">
+              <a:rPr lang="en-US" sz="2600" b="1" i="0" u="none" strike="noStrike" cap="none" dirty="0" smtClean="0">
                 <a:solidFill>
                   <a:srgbClr val="FFFFFF"/>
                 </a:solidFill>
@@ -14959,7 +14970,7 @@
               </a:rPr>
               <a:t>average)</a:t>
             </a:r>
-            <a:endParaRPr lang="en-US" sz="2600" i="0" u="none" strike="noStrike" cap="none" dirty="0">
+            <a:endParaRPr lang="en-US" sz="2600" b="1" i="0" u="none" strike="noStrike" cap="none" dirty="0">
               <a:solidFill>
                 <a:srgbClr val="FFFFFF"/>
               </a:solidFill>
@@ -15014,7 +15025,7 @@
               <a:buNone/>
             </a:pPr>
             <a:r>
-              <a:rPr lang="en-US" sz="2600" i="0" u="none" strike="noStrike" cap="none" dirty="0">
+              <a:rPr lang="en-US" sz="2600" b="1" i="0" u="none" strike="noStrike" cap="none" dirty="0">
                 <a:solidFill>
                   <a:srgbClr val="FF00FF"/>
                 </a:solidFill>
@@ -15045,7 +15056,7 @@
               <a:buNone/>
             </a:pPr>
             <a:r>
-              <a:rPr lang="en-US" sz="2600" i="0" u="none" strike="noStrike" cap="none" dirty="0">
+              <a:rPr lang="en-US" sz="2600" b="1" i="0" u="none" strike="noStrike" cap="none" dirty="0">
                 <a:solidFill>
                   <a:srgbClr val="FF00FF"/>
                 </a:solidFill>
@@ -15076,7 +15087,7 @@
               <a:buNone/>
             </a:pPr>
             <a:r>
-              <a:rPr lang="en-US" sz="2600" i="0" u="none" strike="noStrike" cap="none" dirty="0">
+              <a:rPr lang="en-US" sz="2600" b="1" i="0" u="none" strike="noStrike" cap="none" dirty="0">
                 <a:solidFill>
                   <a:srgbClr val="FFFFFF"/>
                 </a:solidFill>
@@ -15107,7 +15118,7 @@
               <a:buNone/>
             </a:pPr>
             <a:r>
-              <a:rPr lang="en-US" sz="2600" i="0" u="none" strike="noStrike" cap="none" dirty="0">
+              <a:rPr lang="en-US" sz="2600" b="1" i="0" u="none" strike="noStrike" cap="none" dirty="0">
                 <a:solidFill>
                   <a:srgbClr val="FFFFFF"/>
                 </a:solidFill>
@@ -15119,7 +15130,7 @@
               <a:t>    </a:t>
             </a:r>
             <a:r>
-              <a:rPr lang="en-US" sz="2600" i="0" u="none" strike="noStrike" cap="none" dirty="0" err="1">
+              <a:rPr lang="en-US" sz="2600" b="1" i="0" u="none" strike="noStrike" cap="none" dirty="0" err="1">
                 <a:solidFill>
                   <a:srgbClr val="FFFFFF"/>
                 </a:solidFill>
@@ -15131,7 +15142,7 @@
               <a:t>inp</a:t>
             </a:r>
             <a:r>
-              <a:rPr lang="en-US" sz="2600" i="0" u="none" strike="noStrike" cap="none" dirty="0">
+              <a:rPr lang="en-US" sz="2600" b="1" i="0" u="none" strike="noStrike" cap="none" dirty="0">
                 <a:solidFill>
                   <a:srgbClr val="FFFFFF"/>
                 </a:solidFill>
@@ -15143,7 +15154,7 @@
               <a:t> = </a:t>
             </a:r>
             <a:r>
-              <a:rPr lang="en-US" sz="2600" i="0" u="none" strike="noStrike" cap="none" dirty="0" smtClean="0">
+              <a:rPr lang="en-US" sz="2600" b="1" i="0" u="none" strike="noStrike" cap="none" dirty="0" smtClean="0">
                 <a:solidFill>
                   <a:srgbClr val="FFFFFF"/>
                 </a:solidFill>
@@ -15155,7 +15166,7 @@
               <a:t>input</a:t>
             </a:r>
             <a:r>
-              <a:rPr lang="en-US" sz="2600" i="0" u="none" strike="noStrike" cap="none" dirty="0">
+              <a:rPr lang="en-US" sz="2600" b="1" i="0" u="none" strike="noStrike" cap="none" dirty="0">
                 <a:solidFill>
                   <a:srgbClr val="FFFFFF"/>
                 </a:solidFill>
@@ -15186,7 +15197,7 @@
               <a:buNone/>
             </a:pPr>
             <a:r>
-              <a:rPr lang="en-US" sz="2600" i="0" u="none" strike="noStrike" cap="none" dirty="0">
+              <a:rPr lang="en-US" sz="2600" b="1" i="0" u="none" strike="noStrike" cap="none" dirty="0">
                 <a:solidFill>
                   <a:srgbClr val="FFFFFF"/>
                 </a:solidFill>
@@ -15198,7 +15209,7 @@
               <a:t>    if </a:t>
             </a:r>
             <a:r>
-              <a:rPr lang="en-US" sz="2600" i="0" u="none" strike="noStrike" cap="none" dirty="0" err="1">
+              <a:rPr lang="en-US" sz="2600" b="1" i="0" u="none" strike="noStrike" cap="none" dirty="0" err="1">
                 <a:solidFill>
                   <a:srgbClr val="FFFFFF"/>
                 </a:solidFill>
@@ -15210,7 +15221,7 @@
               <a:t>inp</a:t>
             </a:r>
             <a:r>
-              <a:rPr lang="en-US" sz="2600" i="0" u="none" strike="noStrike" cap="none" dirty="0">
+              <a:rPr lang="en-US" sz="2600" b="1" i="0" u="none" strike="noStrike" cap="none" dirty="0">
                 <a:solidFill>
                   <a:srgbClr val="FFFFFF"/>
                 </a:solidFill>
@@ -15241,7 +15252,7 @@
               <a:buNone/>
             </a:pPr>
             <a:r>
-              <a:rPr lang="en-US" sz="2600" i="0" u="none" strike="noStrike" cap="none" dirty="0">
+              <a:rPr lang="en-US" sz="2600" b="1" i="0" u="none" strike="noStrike" cap="none" dirty="0">
                 <a:solidFill>
                   <a:srgbClr val="FFFFFF"/>
                 </a:solidFill>
@@ -15253,7 +15264,7 @@
               <a:t>    value = float(</a:t>
             </a:r>
             <a:r>
-              <a:rPr lang="en-US" sz="2600" i="0" u="none" strike="noStrike" cap="none" dirty="0" err="1">
+              <a:rPr lang="en-US" sz="2600" b="1" i="0" u="none" strike="noStrike" cap="none" dirty="0" err="1">
                 <a:solidFill>
                   <a:srgbClr val="FFFFFF"/>
                 </a:solidFill>
@@ -15265,7 +15276,7 @@
               <a:t>inp</a:t>
             </a:r>
             <a:r>
-              <a:rPr lang="en-US" sz="2600" i="0" u="none" strike="noStrike" cap="none" dirty="0">
+              <a:rPr lang="en-US" sz="2600" b="1" i="0" u="none" strike="noStrike" cap="none" dirty="0">
                 <a:solidFill>
                   <a:srgbClr val="FFFFFF"/>
                 </a:solidFill>
@@ -15296,7 +15307,7 @@
               <a:buNone/>
             </a:pPr>
             <a:r>
-              <a:rPr lang="en-US" sz="2600" i="0" u="none" strike="noStrike" cap="none" dirty="0">
+              <a:rPr lang="en-US" sz="2600" b="1" i="0" u="none" strike="noStrike" cap="none" dirty="0">
                 <a:solidFill>
                   <a:srgbClr val="FFFFFF"/>
                 </a:solidFill>
@@ -15308,7 +15319,7 @@
               <a:t>   </a:t>
             </a:r>
             <a:r>
-              <a:rPr lang="en-US" sz="2600" i="0" u="none" strike="noStrike" cap="none" dirty="0">
+              <a:rPr lang="en-US" sz="2600" b="1" i="0" u="none" strike="noStrike" cap="none" dirty="0">
                 <a:solidFill>
                   <a:srgbClr val="FF00FF"/>
                 </a:solidFill>
@@ -15339,7 +15350,7 @@
               <a:buNone/>
             </a:pPr>
             <a:r>
-              <a:rPr lang="en-US" sz="2600" i="0" u="none" strike="noStrike" cap="none" dirty="0">
+              <a:rPr lang="en-US" sz="2600" b="1" i="0" u="none" strike="noStrike" cap="none" dirty="0">
                 <a:solidFill>
                   <a:srgbClr val="FF00FF"/>
                 </a:solidFill>
@@ -15364,7 +15375,7 @@
               </a:spcAft>
               <a:buNone/>
             </a:pPr>
-            <a:endParaRPr sz="2600" i="0" u="none" strike="noStrike" cap="none" dirty="0">
+            <a:endParaRPr sz="2600" b="1" i="0" u="none" strike="noStrike" cap="none" dirty="0">
               <a:solidFill>
                 <a:srgbClr val="FFFFFF"/>
               </a:solidFill>
@@ -15393,7 +15404,7 @@
               <a:buNone/>
             </a:pPr>
             <a:r>
-              <a:rPr lang="en-US" sz="2600" i="0" u="none" strike="noStrike" cap="none" dirty="0">
+              <a:rPr lang="en-US" sz="2600" b="1" i="0" u="none" strike="noStrike" cap="none" dirty="0">
                 <a:solidFill>
                   <a:srgbClr val="FF00FF"/>
                 </a:solidFill>
@@ -15424,7 +15435,7 @@
               <a:buNone/>
             </a:pPr>
             <a:r>
-              <a:rPr lang="en-US" sz="2600" i="0" u="none" strike="noStrike" cap="none" dirty="0" smtClean="0">
+              <a:rPr lang="en-US" sz="2600" b="1" i="0" u="none" strike="noStrike" cap="none" dirty="0" smtClean="0">
                 <a:solidFill>
                   <a:srgbClr val="FFFFFF"/>
                 </a:solidFill>
@@ -15436,7 +15447,7 @@
               <a:t>print('Average</a:t>
             </a:r>
             <a:r>
-              <a:rPr lang="en-US" sz="2600" i="0" u="none" strike="noStrike" cap="none" dirty="0">
+              <a:rPr lang="en-US" sz="2600" b="1" i="0" u="none" strike="noStrike" cap="none" dirty="0">
                 <a:solidFill>
                   <a:srgbClr val="FFFFFF"/>
                 </a:solidFill>
@@ -15448,7 +15459,7 @@
               <a:t>:', </a:t>
             </a:r>
             <a:r>
-              <a:rPr lang="en-US" sz="2600" i="0" u="none" strike="noStrike" cap="none" dirty="0" smtClean="0">
+              <a:rPr lang="en-US" sz="2600" b="1" i="0" u="none" strike="noStrike" cap="none" dirty="0" smtClean="0">
                 <a:solidFill>
                   <a:srgbClr val="FFFFFF"/>
                 </a:solidFill>
@@ -15459,7 +15470,7 @@
               </a:rPr>
               <a:t>average)</a:t>
             </a:r>
-            <a:endParaRPr lang="en-US" sz="2600" i="0" u="none" strike="noStrike" cap="none" dirty="0">
+            <a:endParaRPr lang="en-US" sz="2600" b="1" i="0" u="none" strike="noStrike" cap="none" dirty="0">
               <a:solidFill>
                 <a:srgbClr val="FFFFFF"/>
               </a:solidFill>
@@ -15708,7 +15719,7 @@
   <p:timing>
     <p:tnLst>
       <p:par>
-        <p:cTn xmlns:p14="http://schemas.microsoft.com/office/powerpoint/2010/main" id="1" dur="indefinite" restart="never" nodeType="tmRoot"/>
+        <p:cTn id="1" dur="indefinite" restart="never" nodeType="tmRoot"/>
       </p:par>
     </p:tnLst>
   </p:timing>
@@ -15832,7 +15843,7 @@
               <a:buNone/>
             </a:pPr>
             <a:r>
-              <a:rPr lang="en-US" sz="3000" i="0" u="none" strike="noStrike" cap="none" dirty="0">
+              <a:rPr lang="en-US" sz="3000" b="1" i="0" u="none" strike="noStrike" cap="none" dirty="0">
                 <a:solidFill>
                   <a:schemeClr val="lt1"/>
                 </a:solidFill>
@@ -15844,7 +15855,7 @@
               <a:t>&gt;&gt;&gt; </a:t>
             </a:r>
             <a:r>
-              <a:rPr lang="en-US" sz="3000" i="0" u="none" strike="noStrike" cap="none" dirty="0" err="1">
+              <a:rPr lang="en-US" sz="3000" b="1" i="0" u="none" strike="noStrike" cap="none" dirty="0" err="1">
                 <a:solidFill>
                   <a:srgbClr val="00FF00"/>
                 </a:solidFill>
@@ -15856,7 +15867,7 @@
               <a:t>abc</a:t>
             </a:r>
             <a:r>
-              <a:rPr lang="en-US" sz="3000" i="0" u="none" strike="noStrike" cap="none" dirty="0">
+              <a:rPr lang="en-US" sz="3000" b="1" i="0" u="none" strike="noStrike" cap="none" dirty="0">
                 <a:solidFill>
                   <a:srgbClr val="FF7F00"/>
                 </a:solidFill>
@@ -15868,7 +15879,7 @@
               <a:t> </a:t>
             </a:r>
             <a:r>
-              <a:rPr lang="en-US" sz="3000" i="0" u="none" strike="noStrike" cap="none" dirty="0">
+              <a:rPr lang="en-US" sz="3000" b="1" i="0" u="none" strike="noStrike" cap="none" dirty="0">
                 <a:solidFill>
                   <a:srgbClr val="00FF00"/>
                 </a:solidFill>
@@ -15880,7 +15891,7 @@
               <a:t>=</a:t>
             </a:r>
             <a:r>
-              <a:rPr lang="en-US" sz="3000" i="0" u="none" strike="noStrike" cap="none" dirty="0">
+              <a:rPr lang="en-US" sz="3000" b="1" i="0" u="none" strike="noStrike" cap="none" dirty="0">
                 <a:solidFill>
                   <a:srgbClr val="FF7F00"/>
                 </a:solidFill>
@@ -15892,7 +15903,7 @@
               <a:t> 'With three words</a:t>
             </a:r>
             <a:r>
-              <a:rPr lang="en-US" sz="3000" dirty="0">
+              <a:rPr lang="en-US" sz="3000" b="1" dirty="0">
                 <a:solidFill>
                   <a:srgbClr val="FF7F00"/>
                 </a:solidFill>
@@ -15923,7 +15934,7 @@
               <a:buNone/>
             </a:pPr>
             <a:r>
-              <a:rPr lang="en-US" sz="3000" i="0" u="none" strike="noStrike" cap="none" dirty="0">
+              <a:rPr lang="en-US" sz="3000" b="1" i="0" u="none" strike="noStrike" cap="none" dirty="0">
                 <a:solidFill>
                   <a:schemeClr val="lt1"/>
                 </a:solidFill>
@@ -15935,7 +15946,7 @@
               <a:t>&gt;&gt;&gt; </a:t>
             </a:r>
             <a:r>
-              <a:rPr lang="en-US" sz="3000" i="0" u="none" strike="noStrike" cap="none" dirty="0">
+              <a:rPr lang="en-US" sz="3000" b="1" i="0" u="none" strike="noStrike" cap="none" dirty="0">
                 <a:solidFill>
                   <a:srgbClr val="00FF00"/>
                 </a:solidFill>
@@ -15947,7 +15958,7 @@
               <a:t>stuff</a:t>
             </a:r>
             <a:r>
-              <a:rPr lang="en-US" sz="3000" i="0" u="none" strike="noStrike" cap="none" dirty="0">
+              <a:rPr lang="en-US" sz="3000" b="1" i="0" u="none" strike="noStrike" cap="none" dirty="0">
                 <a:solidFill>
                   <a:srgbClr val="FF7F00"/>
                 </a:solidFill>
@@ -15959,7 +15970,7 @@
               <a:t> =</a:t>
             </a:r>
             <a:r>
-              <a:rPr lang="en-US" sz="3000" i="0" u="none" strike="noStrike" cap="none" dirty="0">
+              <a:rPr lang="en-US" sz="3000" b="1" i="0" u="none" strike="noStrike" cap="none" dirty="0">
                 <a:solidFill>
                   <a:srgbClr val="00FF00"/>
                 </a:solidFill>
@@ -15971,7 +15982,7 @@
               <a:t> </a:t>
             </a:r>
             <a:r>
-              <a:rPr lang="en-US" sz="3000" i="0" u="none" strike="noStrike" cap="none" dirty="0" err="1">
+              <a:rPr lang="en-US" sz="3000" b="1" i="0" u="none" strike="noStrike" cap="none" dirty="0" err="1">
                 <a:solidFill>
                   <a:srgbClr val="00FF00"/>
                 </a:solidFill>
@@ -15983,7 +15994,7 @@
               <a:t>abc</a:t>
             </a:r>
             <a:r>
-              <a:rPr lang="en-US" sz="3000" i="0" u="none" strike="noStrike" cap="none" dirty="0" err="1">
+              <a:rPr lang="en-US" sz="3000" b="1" i="0" u="none" strike="noStrike" cap="none" dirty="0" err="1">
                 <a:solidFill>
                   <a:srgbClr val="FF00FF"/>
                 </a:solidFill>
@@ -15995,7 +16006,7 @@
               <a:t>.split</a:t>
             </a:r>
             <a:r>
-              <a:rPr lang="en-US" sz="3000" i="0" u="none" strike="noStrike" cap="none" dirty="0">
+              <a:rPr lang="en-US" sz="3000" b="1" i="0" u="none" strike="noStrike" cap="none" dirty="0">
                 <a:solidFill>
                   <a:schemeClr val="lt1"/>
                 </a:solidFill>
@@ -16015,7 +16026,7 @@
               <a:buSzPct val="25000"/>
             </a:pPr>
             <a:r>
-              <a:rPr lang="en-US" sz="3000" i="0" u="none" strike="noStrike" cap="none" dirty="0">
+              <a:rPr lang="en-US" sz="3000" b="1" i="0" u="none" strike="noStrike" cap="none" dirty="0">
                 <a:solidFill>
                   <a:schemeClr val="lt1"/>
                 </a:solidFill>
@@ -16027,7 +16038,7 @@
               <a:t>&gt;&gt;&gt; </a:t>
             </a:r>
             <a:r>
-              <a:rPr lang="en-US" sz="3000" i="0" u="none" strike="noStrike" cap="none" dirty="0" smtClean="0">
+              <a:rPr lang="en-US" sz="3000" b="1" i="0" u="none" strike="noStrike" cap="none" dirty="0" smtClean="0">
                 <a:solidFill>
                   <a:srgbClr val="FFFF00"/>
                 </a:solidFill>
@@ -16039,7 +16050,7 @@
               <a:t>print</a:t>
             </a:r>
             <a:r>
-              <a:rPr lang="en-US" sz="3000" dirty="0" smtClean="0">
+              <a:rPr lang="en-US" sz="3000" b="1" dirty="0" smtClean="0">
                 <a:solidFill>
                   <a:schemeClr val="lt1"/>
                 </a:solidFill>
@@ -16051,7 +16062,7 @@
               <a:t>(</a:t>
             </a:r>
             <a:r>
-              <a:rPr lang="en-US" sz="3000" i="0" u="none" strike="noStrike" cap="none" dirty="0" smtClean="0">
+              <a:rPr lang="en-US" sz="3000" b="1" i="0" u="none" strike="noStrike" cap="none" dirty="0" smtClean="0">
                 <a:solidFill>
                   <a:srgbClr val="00FF00"/>
                 </a:solidFill>
@@ -16063,7 +16074,7 @@
               <a:t>stuff</a:t>
             </a:r>
             <a:r>
-              <a:rPr lang="en-US" sz="3000" dirty="0" smtClean="0">
+              <a:rPr lang="en-US" sz="3000" b="1" dirty="0" smtClean="0">
                 <a:solidFill>
                   <a:srgbClr val="FFFF00"/>
                 </a:solidFill>
@@ -16074,7 +16085,7 @@
               </a:rPr>
               <a:t>)</a:t>
             </a:r>
-            <a:endParaRPr lang="en-US" sz="3000" i="0" u="none" strike="noStrike" cap="none" dirty="0">
+            <a:endParaRPr lang="en-US" sz="3000" b="1" i="0" u="none" strike="noStrike" cap="none" dirty="0">
               <a:solidFill>
                 <a:srgbClr val="00FF00"/>
               </a:solidFill>
@@ -16103,7 +16114,7 @@
               <a:buNone/>
             </a:pPr>
             <a:r>
-              <a:rPr lang="en-US" sz="3000" i="0" u="none" strike="noStrike" cap="none" dirty="0">
+              <a:rPr lang="en-US" sz="3000" b="1" i="0" u="none" strike="noStrike" cap="none" dirty="0">
                 <a:solidFill>
                   <a:schemeClr val="lt1"/>
                 </a:solidFill>
@@ -16123,7 +16134,7 @@
               <a:buSzPct val="25000"/>
             </a:pPr>
             <a:r>
-              <a:rPr lang="en-US" sz="3000" i="0" u="none" strike="noStrike" cap="none" dirty="0">
+              <a:rPr lang="en-US" sz="3000" b="1" i="0" u="none" strike="noStrike" cap="none" dirty="0">
                 <a:solidFill>
                   <a:schemeClr val="lt1"/>
                 </a:solidFill>
@@ -16135,7 +16146,7 @@
               <a:t>&gt;&gt;&gt; </a:t>
             </a:r>
             <a:r>
-              <a:rPr lang="en-US" sz="3000" i="0" u="none" strike="noStrike" cap="none" dirty="0" smtClean="0">
+              <a:rPr lang="en-US" sz="3000" b="1" i="0" u="none" strike="noStrike" cap="none" dirty="0" smtClean="0">
                 <a:solidFill>
                   <a:srgbClr val="FFFF00"/>
                 </a:solidFill>
@@ -16147,7 +16158,7 @@
               <a:t>print(</a:t>
             </a:r>
             <a:r>
-              <a:rPr lang="en-US" sz="3000" i="0" u="none" strike="noStrike" cap="none" dirty="0" err="1" smtClean="0">
+              <a:rPr lang="en-US" sz="3000" b="1" i="0" u="none" strike="noStrike" cap="none" dirty="0" err="1" smtClean="0">
                 <a:solidFill>
                   <a:srgbClr val="FF00FF"/>
                 </a:solidFill>
@@ -16159,7 +16170,7 @@
               <a:t>len</a:t>
             </a:r>
             <a:r>
-              <a:rPr lang="en-US" sz="3000" i="0" u="none" strike="noStrike" cap="none" dirty="0" smtClean="0">
+              <a:rPr lang="en-US" sz="3000" b="1" i="0" u="none" strike="noStrike" cap="none" dirty="0" smtClean="0">
                 <a:solidFill>
                   <a:schemeClr val="lt1"/>
                 </a:solidFill>
@@ -16171,7 +16182,7 @@
               <a:t>(</a:t>
             </a:r>
             <a:r>
-              <a:rPr lang="en-US" sz="3000" i="0" u="none" strike="noStrike" cap="none" dirty="0" smtClean="0">
+              <a:rPr lang="en-US" sz="3000" b="1" i="0" u="none" strike="noStrike" cap="none" dirty="0" smtClean="0">
                 <a:solidFill>
                   <a:srgbClr val="00FF00"/>
                 </a:solidFill>
@@ -16183,7 +16194,7 @@
               <a:t>stuff</a:t>
             </a:r>
             <a:r>
-              <a:rPr lang="en-US" sz="3000" i="0" u="none" strike="noStrike" cap="none" dirty="0" smtClean="0">
+              <a:rPr lang="en-US" sz="3000" b="1" i="0" u="none" strike="noStrike" cap="none" dirty="0" smtClean="0">
                 <a:solidFill>
                   <a:schemeClr val="lt1"/>
                 </a:solidFill>
@@ -16195,7 +16206,7 @@
               <a:t>)</a:t>
             </a:r>
             <a:r>
-              <a:rPr lang="en-US" sz="3000" dirty="0" smtClean="0">
+              <a:rPr lang="en-US" sz="3000" b="1" dirty="0" smtClean="0">
                 <a:solidFill>
                   <a:srgbClr val="FFFF00"/>
                 </a:solidFill>
@@ -16206,7 +16217,7 @@
               </a:rPr>
               <a:t>)</a:t>
             </a:r>
-            <a:endParaRPr lang="en-US" sz="3000" i="0" u="none" strike="noStrike" cap="none" dirty="0">
+            <a:endParaRPr lang="en-US" sz="3000" b="1" i="0" u="none" strike="noStrike" cap="none" dirty="0">
               <a:solidFill>
                 <a:schemeClr val="lt1"/>
               </a:solidFill>
@@ -16235,7 +16246,7 @@
               <a:buNone/>
             </a:pPr>
             <a:r>
-              <a:rPr lang="en-US" sz="3000" i="0" u="none" strike="noStrike" cap="none" dirty="0">
+              <a:rPr lang="en-US" sz="3000" b="1" i="0" u="none" strike="noStrike" cap="none" dirty="0">
                 <a:solidFill>
                   <a:schemeClr val="lt1"/>
                 </a:solidFill>
@@ -16255,7 +16266,7 @@
               <a:buSzPct val="25000"/>
             </a:pPr>
             <a:r>
-              <a:rPr lang="en-US" sz="3000" i="0" u="none" strike="noStrike" cap="none" dirty="0">
+              <a:rPr lang="en-US" sz="3000" b="1" i="0" u="none" strike="noStrike" cap="none" dirty="0">
                 <a:solidFill>
                   <a:schemeClr val="lt1"/>
                 </a:solidFill>
@@ -16267,7 +16278,7 @@
               <a:t>&gt;&gt;&gt; </a:t>
             </a:r>
             <a:r>
-              <a:rPr lang="en-US" sz="3000" i="0" u="none" strike="noStrike" cap="none" dirty="0" smtClean="0">
+              <a:rPr lang="en-US" sz="3000" b="1" i="0" u="none" strike="noStrike" cap="none" dirty="0" smtClean="0">
                 <a:solidFill>
                   <a:srgbClr val="FFFF00"/>
                 </a:solidFill>
@@ -16279,7 +16290,7 @@
               <a:t>print(</a:t>
             </a:r>
             <a:r>
-              <a:rPr lang="en-US" sz="3000" i="0" u="none" strike="noStrike" cap="none" dirty="0" smtClean="0">
+              <a:rPr lang="en-US" sz="3000" b="1" i="0" u="none" strike="noStrike" cap="none" dirty="0" smtClean="0">
                 <a:solidFill>
                   <a:srgbClr val="00FF00"/>
                 </a:solidFill>
@@ -16291,7 +16302,7 @@
               <a:t>stuff</a:t>
             </a:r>
             <a:r>
-              <a:rPr lang="en-US" sz="3000" i="0" u="none" strike="noStrike" cap="none" dirty="0" smtClean="0">
+              <a:rPr lang="en-US" sz="3000" b="1" i="0" u="none" strike="noStrike" cap="none" dirty="0" smtClean="0">
                 <a:solidFill>
                   <a:srgbClr val="00FFFF"/>
                 </a:solidFill>
@@ -16303,7 +16314,7 @@
               <a:t>[</a:t>
             </a:r>
             <a:r>
-              <a:rPr lang="en-US" sz="3000" i="0" u="none" strike="noStrike" cap="none" dirty="0" smtClean="0">
+              <a:rPr lang="en-US" sz="3000" b="1" i="0" u="none" strike="noStrike" cap="none" dirty="0" smtClean="0">
                 <a:solidFill>
                   <a:srgbClr val="FF7F00"/>
                 </a:solidFill>
@@ -16315,7 +16326,7 @@
               <a:t>0</a:t>
             </a:r>
             <a:r>
-              <a:rPr lang="en-US" sz="3000" i="0" u="none" strike="noStrike" cap="none" dirty="0" smtClean="0">
+              <a:rPr lang="en-US" sz="3000" b="1" i="0" u="none" strike="noStrike" cap="none" dirty="0" smtClean="0">
                 <a:solidFill>
                   <a:srgbClr val="00FFFF"/>
                 </a:solidFill>
@@ -16327,7 +16338,7 @@
               <a:t>]</a:t>
             </a:r>
             <a:r>
-              <a:rPr lang="en-US" sz="3000" dirty="0" smtClean="0">
+              <a:rPr lang="en-US" sz="3000" b="1" dirty="0" smtClean="0">
                 <a:solidFill>
                   <a:srgbClr val="FFFF00"/>
                 </a:solidFill>
@@ -16338,7 +16349,7 @@
               </a:rPr>
               <a:t>)</a:t>
             </a:r>
-            <a:endParaRPr lang="en-US" sz="3000" i="0" u="none" strike="noStrike" cap="none" dirty="0">
+            <a:endParaRPr lang="en-US" sz="3000" b="1" i="0" u="none" strike="noStrike" cap="none" dirty="0">
               <a:solidFill>
                 <a:srgbClr val="00FFFF"/>
               </a:solidFill>
@@ -16367,7 +16378,7 @@
               <a:buNone/>
             </a:pPr>
             <a:r>
-              <a:rPr lang="en-US" sz="3000" i="0" u="none" strike="noStrike" cap="none" dirty="0">
+              <a:rPr lang="en-US" sz="3000" b="1" i="0" u="none" strike="noStrike" cap="none" dirty="0">
                 <a:solidFill>
                   <a:schemeClr val="lt1"/>
                 </a:solidFill>
@@ -16413,7 +16424,7 @@
               <a:buSzPct val="25000"/>
             </a:pPr>
             <a:r>
-              <a:rPr lang="en-US" sz="3000" i="0" u="none" strike="noStrike" cap="none" dirty="0">
+              <a:rPr lang="en-US" sz="3000" b="1" i="0" u="none" strike="noStrike" cap="none" dirty="0">
                 <a:solidFill>
                   <a:schemeClr val="lt1"/>
                 </a:solidFill>
@@ -16425,7 +16436,7 @@
               <a:t>&gt;&gt;&gt; </a:t>
             </a:r>
             <a:r>
-              <a:rPr lang="en-US" sz="3000" i="0" u="none" strike="noStrike" cap="none" dirty="0" smtClean="0">
+              <a:rPr lang="en-US" sz="3000" b="1" i="0" u="none" strike="noStrike" cap="none" dirty="0" smtClean="0">
                 <a:solidFill>
                   <a:srgbClr val="FFFF00"/>
                 </a:solidFill>
@@ -16437,7 +16448,7 @@
               <a:t>print(</a:t>
             </a:r>
             <a:r>
-              <a:rPr lang="en-US" sz="3000" i="0" u="none" strike="noStrike" cap="none" dirty="0" smtClean="0">
+              <a:rPr lang="en-US" sz="3000" b="1" i="0" u="none" strike="noStrike" cap="none" dirty="0" smtClean="0">
                 <a:solidFill>
                   <a:srgbClr val="00FF00"/>
                 </a:solidFill>
@@ -16449,7 +16460,7 @@
               <a:t>stuff</a:t>
             </a:r>
             <a:r>
-              <a:rPr lang="en-US" sz="3000" dirty="0" smtClean="0">
+              <a:rPr lang="en-US" sz="3000" b="1" dirty="0" smtClean="0">
                 <a:solidFill>
                   <a:srgbClr val="FFFF00"/>
                 </a:solidFill>
@@ -16460,7 +16471,7 @@
               </a:rPr>
               <a:t>)</a:t>
             </a:r>
-            <a:endParaRPr lang="en-US" sz="3000" i="0" u="none" strike="noStrike" cap="none" dirty="0">
+            <a:endParaRPr lang="en-US" sz="3000" b="1" i="0" u="none" strike="noStrike" cap="none" dirty="0">
               <a:solidFill>
                 <a:srgbClr val="00FF00"/>
               </a:solidFill>
@@ -16489,7 +16500,7 @@
               <a:buNone/>
             </a:pPr>
             <a:r>
-              <a:rPr lang="en-US" sz="3000" i="0" u="none" strike="noStrike" cap="none" dirty="0">
+              <a:rPr lang="en-US" sz="3000" b="1" i="0" u="none" strike="noStrike" cap="none" dirty="0">
                 <a:solidFill>
                   <a:schemeClr val="lt1"/>
                 </a:solidFill>
@@ -16501,7 +16512,7 @@
               <a:t>['With', </a:t>
             </a:r>
             <a:r>
-              <a:rPr lang="en-US" sz="3000" i="0" u="none" strike="noStrike" cap="none" dirty="0" smtClean="0">
+              <a:rPr lang="en-US" sz="3000" b="1" i="0" u="none" strike="noStrike" cap="none" dirty="0" smtClean="0">
                 <a:solidFill>
                   <a:schemeClr val="lt1"/>
                 </a:solidFill>
@@ -16513,7 +16524,7 @@
               <a:t>'three</a:t>
             </a:r>
             <a:r>
-              <a:rPr lang="en-US" sz="3000" i="0" u="none" strike="noStrike" cap="none" dirty="0">
+              <a:rPr lang="en-US" sz="3000" b="1" i="0" u="none" strike="noStrike" cap="none" dirty="0">
                 <a:solidFill>
                   <a:schemeClr val="lt1"/>
                 </a:solidFill>
@@ -16544,7 +16555,7 @@
               <a:buNone/>
             </a:pPr>
             <a:r>
-              <a:rPr lang="en-US" sz="3000" i="0" u="none" strike="noStrike" cap="none" dirty="0">
+              <a:rPr lang="en-US" sz="3000" b="1" i="0" u="none" strike="noStrike" cap="none" dirty="0">
                 <a:solidFill>
                   <a:schemeClr val="lt1"/>
                 </a:solidFill>
@@ -16556,7 +16567,7 @@
               <a:t>&gt;&gt;&gt; </a:t>
             </a:r>
             <a:r>
-              <a:rPr lang="en-US" sz="3000" i="0" u="none" strike="noStrike" cap="none" dirty="0">
+              <a:rPr lang="en-US" sz="3000" b="1" i="0" u="none" strike="noStrike" cap="none" dirty="0">
                 <a:solidFill>
                   <a:srgbClr val="FFFF00"/>
                 </a:solidFill>
@@ -16568,7 +16579,7 @@
               <a:t>for</a:t>
             </a:r>
             <a:r>
-              <a:rPr lang="en-US" sz="3000" i="0" u="none" strike="noStrike" cap="none" dirty="0">
+              <a:rPr lang="en-US" sz="3000" b="1" i="0" u="none" strike="noStrike" cap="none" dirty="0">
                 <a:solidFill>
                   <a:srgbClr val="FF7F00"/>
                 </a:solidFill>
@@ -16580,7 +16591,7 @@
               <a:t> </a:t>
             </a:r>
             <a:r>
-              <a:rPr lang="en-US" sz="3000" i="0" u="none" strike="noStrike" cap="none" dirty="0">
+              <a:rPr lang="en-US" sz="3000" b="1" i="0" u="none" strike="noStrike" cap="none" dirty="0">
                 <a:solidFill>
                   <a:srgbClr val="00FF00"/>
                 </a:solidFill>
@@ -16592,7 +16603,7 @@
               <a:t>w</a:t>
             </a:r>
             <a:r>
-              <a:rPr lang="en-US" sz="3000" i="0" u="none" strike="noStrike" cap="none" dirty="0">
+              <a:rPr lang="en-US" sz="3000" b="1" i="0" u="none" strike="noStrike" cap="none" dirty="0">
                 <a:solidFill>
                   <a:srgbClr val="FF7F00"/>
                 </a:solidFill>
@@ -16604,7 +16615,7 @@
               <a:t> </a:t>
             </a:r>
             <a:r>
-              <a:rPr lang="en-US" sz="3000" i="0" u="none" strike="noStrike" cap="none" dirty="0">
+              <a:rPr lang="en-US" sz="3000" b="1" i="0" u="none" strike="noStrike" cap="none" dirty="0">
                 <a:solidFill>
                   <a:srgbClr val="FFFF00"/>
                 </a:solidFill>
@@ -16616,7 +16627,7 @@
               <a:t>in</a:t>
             </a:r>
             <a:r>
-              <a:rPr lang="en-US" sz="3000" i="0" u="none" strike="noStrike" cap="none" dirty="0">
+              <a:rPr lang="en-US" sz="3000" b="1" i="0" u="none" strike="noStrike" cap="none" dirty="0">
                 <a:solidFill>
                   <a:srgbClr val="FF7F00"/>
                 </a:solidFill>
@@ -16628,7 +16639,7 @@
               <a:t> </a:t>
             </a:r>
             <a:r>
-              <a:rPr lang="en-US" sz="3000" i="0" u="none" strike="noStrike" cap="none" dirty="0">
+              <a:rPr lang="en-US" sz="3000" b="1" i="0" u="none" strike="noStrike" cap="none" dirty="0">
                 <a:solidFill>
                   <a:srgbClr val="00FF00"/>
                 </a:solidFill>
@@ -16640,7 +16651,7 @@
               <a:t>stuff </a:t>
             </a:r>
             <a:r>
-              <a:rPr lang="en-US" sz="3000" i="0" u="none" strike="noStrike" cap="none" dirty="0">
+              <a:rPr lang="en-US" sz="3000" b="1" i="0" u="none" strike="noStrike" cap="none" dirty="0">
                 <a:solidFill>
                   <a:schemeClr val="lt1"/>
                 </a:solidFill>
@@ -16660,7 +16671,7 @@
               <a:buSzPct val="25000"/>
             </a:pPr>
             <a:r>
-              <a:rPr lang="en-US" sz="3000" i="0" u="none" strike="noStrike" cap="none" dirty="0">
+              <a:rPr lang="en-US" sz="3000" b="1" i="0" u="none" strike="noStrike" cap="none" dirty="0">
                 <a:solidFill>
                   <a:schemeClr val="lt1"/>
                 </a:solidFill>
@@ -16672,7 +16683,7 @@
               <a:t>... </a:t>
             </a:r>
             <a:r>
-              <a:rPr lang="en-US" sz="3000" dirty="0">
+              <a:rPr lang="en-US" sz="3000" b="1" dirty="0">
                 <a:solidFill>
                   <a:schemeClr val="lt1"/>
                 </a:solidFill>
@@ -16684,7 +16695,7 @@
               <a:t>    </a:t>
             </a:r>
             <a:r>
-              <a:rPr lang="en-US" sz="3000" i="0" u="none" strike="noStrike" cap="none" dirty="0" smtClean="0">
+              <a:rPr lang="en-US" sz="3000" b="1" i="0" u="none" strike="noStrike" cap="none" dirty="0" smtClean="0">
                 <a:solidFill>
                   <a:srgbClr val="FFFF00"/>
                 </a:solidFill>
@@ -16696,7 +16707,7 @@
               <a:t>print(</a:t>
             </a:r>
             <a:r>
-              <a:rPr lang="en-US" sz="3000" i="0" u="none" strike="noStrike" cap="none" dirty="0" smtClean="0">
+              <a:rPr lang="en-US" sz="3000" b="1" i="0" u="none" strike="noStrike" cap="none" dirty="0" smtClean="0">
                 <a:solidFill>
                   <a:srgbClr val="00FF00"/>
                 </a:solidFill>
@@ -16708,7 +16719,7 @@
               <a:t>w</a:t>
             </a:r>
             <a:r>
-              <a:rPr lang="en-US" sz="3000" dirty="0" smtClean="0">
+              <a:rPr lang="en-US" sz="3000" b="1" dirty="0" smtClean="0">
                 <a:solidFill>
                   <a:srgbClr val="FFFF00"/>
                 </a:solidFill>
@@ -16719,7 +16730,7 @@
               </a:rPr>
               <a:t>)</a:t>
             </a:r>
-            <a:endParaRPr lang="en-US" sz="3000" i="0" u="none" strike="noStrike" cap="none" dirty="0">
+            <a:endParaRPr lang="en-US" sz="3000" b="1" i="0" u="none" strike="noStrike" cap="none" dirty="0">
               <a:solidFill>
                 <a:srgbClr val="00FF00"/>
               </a:solidFill>
@@ -16748,7 +16759,7 @@
               <a:buNone/>
             </a:pPr>
             <a:r>
-              <a:rPr lang="en-US" sz="3000" i="0" u="none" strike="noStrike" cap="none" dirty="0">
+              <a:rPr lang="en-US" sz="3000" b="1" i="0" u="none" strike="noStrike" cap="none" dirty="0">
                 <a:solidFill>
                   <a:schemeClr val="lt1"/>
                 </a:solidFill>
@@ -16779,7 +16790,7 @@
               <a:buNone/>
             </a:pPr>
             <a:r>
-              <a:rPr lang="en-US" sz="3000" i="0" u="none" strike="noStrike" cap="none" dirty="0">
+              <a:rPr lang="en-US" sz="3000" b="1" i="0" u="none" strike="noStrike" cap="none" dirty="0">
                 <a:solidFill>
                   <a:schemeClr val="lt1"/>
                 </a:solidFill>
@@ -16810,7 +16821,7 @@
               <a:buNone/>
             </a:pPr>
             <a:r>
-              <a:rPr lang="en-US" sz="3000" i="0" u="none" strike="noStrike" cap="none" dirty="0">
+              <a:rPr lang="en-US" sz="3000" b="1" i="0" u="none" strike="noStrike" cap="none" dirty="0">
                 <a:solidFill>
                   <a:schemeClr val="lt1"/>
                 </a:solidFill>
@@ -16841,7 +16852,7 @@
               <a:buNone/>
             </a:pPr>
             <a:r>
-              <a:rPr lang="en-US" sz="3000" i="0" u="none" strike="noStrike" cap="none" dirty="0">
+              <a:rPr lang="en-US" sz="3000" b="1" i="0" u="none" strike="noStrike" cap="none" dirty="0">
                 <a:solidFill>
                   <a:schemeClr val="lt1"/>
                 </a:solidFill>
@@ -16872,7 +16883,7 @@
               <a:buNone/>
             </a:pPr>
             <a:r>
-              <a:rPr lang="en-US" sz="3000" i="0" u="none" strike="noStrike" cap="none" dirty="0">
+              <a:rPr lang="en-US" sz="3000" b="1" i="0" u="none" strike="noStrike" cap="none" dirty="0">
                 <a:solidFill>
                   <a:schemeClr val="lt1"/>
                 </a:solidFill>
@@ -17071,7 +17082,7 @@
               <a:buNone/>
             </a:pPr>
             <a:r>
-              <a:rPr lang="en-US" sz="2600" i="0" u="none" strike="noStrike" cap="none" dirty="0" smtClean="0">
+              <a:rPr lang="en-US" sz="2600" b="1" i="0" u="none" strike="noStrike" cap="none" dirty="0" smtClean="0">
                 <a:solidFill>
                   <a:schemeClr val="lt1"/>
                 </a:solidFill>
@@ -17083,7 +17094,7 @@
               <a:t>&gt;&gt;&gt; </a:t>
             </a:r>
             <a:r>
-              <a:rPr lang="en-US" sz="2600" i="0" u="none" strike="noStrike" cap="none" dirty="0" smtClean="0">
+              <a:rPr lang="en-US" sz="2600" b="1" i="0" u="none" strike="noStrike" cap="none" dirty="0" smtClean="0">
                 <a:solidFill>
                   <a:srgbClr val="00FF00"/>
                 </a:solidFill>
@@ -17095,7 +17106,7 @@
               <a:t>line</a:t>
             </a:r>
             <a:r>
-              <a:rPr lang="en-US" sz="2600" i="0" u="none" strike="noStrike" cap="none" dirty="0" smtClean="0">
+              <a:rPr lang="en-US" sz="2600" b="1" i="0" u="none" strike="noStrike" cap="none" dirty="0" smtClean="0">
                 <a:solidFill>
                   <a:srgbClr val="FF7F00"/>
                 </a:solidFill>
@@ -17107,7 +17118,7 @@
               <a:t> </a:t>
             </a:r>
             <a:r>
-              <a:rPr lang="en-US" sz="2600" i="0" u="none" strike="noStrike" cap="none" dirty="0" smtClean="0">
+              <a:rPr lang="en-US" sz="2600" b="1" i="0" u="none" strike="noStrike" cap="none" dirty="0" smtClean="0">
                 <a:solidFill>
                   <a:schemeClr val="lt1"/>
                 </a:solidFill>
@@ -17119,7 +17130,7 @@
               <a:t>=</a:t>
             </a:r>
             <a:r>
-              <a:rPr lang="en-US" sz="2600" i="0" u="none" strike="noStrike" cap="none" dirty="0" smtClean="0">
+              <a:rPr lang="en-US" sz="2600" b="1" i="0" u="none" strike="noStrike" cap="none" dirty="0" smtClean="0">
                 <a:solidFill>
                   <a:srgbClr val="FF7F00"/>
                 </a:solidFill>
@@ -17131,7 +17142,7 @@
               <a:t> 'A lot               of spaces</a:t>
             </a:r>
             <a:r>
-              <a:rPr lang="en-US" sz="2600" dirty="0" smtClean="0">
+              <a:rPr lang="en-US" sz="2600" b="1" dirty="0" smtClean="0">
                 <a:solidFill>
                   <a:srgbClr val="FF7F00"/>
                 </a:solidFill>
@@ -17142,7 +17153,7 @@
               </a:rPr>
               <a:t>'</a:t>
             </a:r>
-            <a:endParaRPr lang="en-US" sz="2600" dirty="0">
+            <a:endParaRPr lang="en-US" sz="2600" b="1" dirty="0">
               <a:solidFill>
                 <a:srgbClr val="FF7F00"/>
               </a:solidFill>
@@ -17171,7 +17182,7 @@
               <a:buNone/>
             </a:pPr>
             <a:r>
-              <a:rPr lang="en-US" sz="2600" i="0" u="none" strike="noStrike" cap="none" dirty="0">
+              <a:rPr lang="en-US" sz="2600" b="1" i="0" u="none" strike="noStrike" cap="none" dirty="0">
                 <a:solidFill>
                   <a:schemeClr val="lt1"/>
                 </a:solidFill>
@@ -17183,7 +17194,7 @@
               <a:t>&gt;&gt;&gt; </a:t>
             </a:r>
             <a:r>
-              <a:rPr lang="en-US" sz="2600" i="0" u="none" strike="noStrike" cap="none" dirty="0" err="1">
+              <a:rPr lang="en-US" sz="2600" b="1" i="0" u="none" strike="noStrike" cap="none" dirty="0" err="1">
                 <a:solidFill>
                   <a:srgbClr val="00FF00"/>
                 </a:solidFill>
@@ -17195,7 +17206,7 @@
               <a:t>etc</a:t>
             </a:r>
             <a:r>
-              <a:rPr lang="en-US" sz="2600" i="0" u="none" strike="noStrike" cap="none" dirty="0">
+              <a:rPr lang="en-US" sz="2600" b="1" i="0" u="none" strike="noStrike" cap="none" dirty="0">
                 <a:solidFill>
                   <a:srgbClr val="FF7F00"/>
                 </a:solidFill>
@@ -17207,7 +17218,7 @@
               <a:t> </a:t>
             </a:r>
             <a:r>
-              <a:rPr lang="en-US" sz="2600" i="0" u="none" strike="noStrike" cap="none" dirty="0">
+              <a:rPr lang="en-US" sz="2600" b="1" i="0" u="none" strike="noStrike" cap="none" dirty="0">
                 <a:solidFill>
                   <a:schemeClr val="lt1"/>
                 </a:solidFill>
@@ -17219,7 +17230,7 @@
               <a:t>=</a:t>
             </a:r>
             <a:r>
-              <a:rPr lang="en-US" sz="2600" i="0" u="none" strike="noStrike" cap="none" dirty="0">
+              <a:rPr lang="en-US" sz="2600" b="1" i="0" u="none" strike="noStrike" cap="none" dirty="0">
                 <a:solidFill>
                   <a:srgbClr val="FF7F00"/>
                 </a:solidFill>
@@ -17231,7 +17242,7 @@
               <a:t> </a:t>
             </a:r>
             <a:r>
-              <a:rPr lang="en-US" sz="2600" i="0" u="none" strike="noStrike" cap="none" dirty="0" err="1">
+              <a:rPr lang="en-US" sz="2600" b="1" i="0" u="none" strike="noStrike" cap="none" dirty="0" err="1">
                 <a:solidFill>
                   <a:srgbClr val="00FF00"/>
                 </a:solidFill>
@@ -17243,7 +17254,7 @@
               <a:t>line.</a:t>
             </a:r>
             <a:r>
-              <a:rPr lang="en-US" sz="2600" i="0" u="none" strike="noStrike" cap="none" dirty="0" err="1">
+              <a:rPr lang="en-US" sz="2600" b="1" i="0" u="none" strike="noStrike" cap="none" dirty="0" err="1">
                 <a:solidFill>
                   <a:srgbClr val="FF00FF"/>
                 </a:solidFill>
@@ -17255,7 +17266,7 @@
               <a:t>split</a:t>
             </a:r>
             <a:r>
-              <a:rPr lang="en-US" sz="2600" i="0" u="none" strike="noStrike" cap="none" dirty="0">
+              <a:rPr lang="en-US" sz="2600" b="1" i="0" u="none" strike="noStrike" cap="none" dirty="0">
                 <a:solidFill>
                   <a:schemeClr val="lt1"/>
                 </a:solidFill>
@@ -17286,7 +17297,7 @@
               <a:buNone/>
             </a:pPr>
             <a:r>
-              <a:rPr lang="en-US" sz="2600" i="0" u="none" strike="noStrike" cap="none" dirty="0">
+              <a:rPr lang="en-US" sz="2600" b="1" i="0" u="none" strike="noStrike" cap="none" dirty="0">
                 <a:solidFill>
                   <a:schemeClr val="lt1"/>
                 </a:solidFill>
@@ -17298,7 +17309,7 @@
               <a:t>&gt;&gt;&gt; </a:t>
             </a:r>
             <a:r>
-              <a:rPr lang="en-US" sz="2600" i="0" u="none" strike="noStrike" cap="none" dirty="0" smtClean="0">
+              <a:rPr lang="en-US" sz="2600" b="1" i="0" u="none" strike="noStrike" cap="none" dirty="0" smtClean="0">
                 <a:solidFill>
                   <a:srgbClr val="FFFF00"/>
                 </a:solidFill>
@@ -17310,7 +17321,7 @@
               <a:t>print(</a:t>
             </a:r>
             <a:r>
-              <a:rPr lang="en-US" sz="2600" i="0" u="none" strike="noStrike" cap="none" dirty="0" err="1" smtClean="0">
+              <a:rPr lang="en-US" sz="2600" b="1" i="0" u="none" strike="noStrike" cap="none" dirty="0" err="1" smtClean="0">
                 <a:solidFill>
                   <a:srgbClr val="00FF00"/>
                 </a:solidFill>
@@ -17322,7 +17333,7 @@
               <a:t>etc</a:t>
             </a:r>
             <a:r>
-              <a:rPr lang="en-US" sz="2600" i="0" u="none" strike="noStrike" cap="none" dirty="0" smtClean="0">
+              <a:rPr lang="en-US" sz="2600" b="1" i="0" u="none" strike="noStrike" cap="none" dirty="0" smtClean="0">
                 <a:solidFill>
                   <a:srgbClr val="FFFF00"/>
                 </a:solidFill>
@@ -17333,7 +17344,7 @@
               </a:rPr>
               <a:t>)</a:t>
             </a:r>
-            <a:endParaRPr lang="en-US" sz="2600" i="0" u="none" strike="noStrike" cap="none" dirty="0">
+            <a:endParaRPr lang="en-US" sz="2600" b="1" i="0" u="none" strike="noStrike" cap="none" dirty="0">
               <a:solidFill>
                 <a:srgbClr val="FFFF00"/>
               </a:solidFill>
@@ -17362,7 +17373,7 @@
               <a:buNone/>
             </a:pPr>
             <a:r>
-              <a:rPr lang="en-US" sz="2600" i="0" u="none" strike="noStrike" cap="none" dirty="0">
+              <a:rPr lang="en-US" sz="2600" b="1" i="0" u="none" strike="noStrike" cap="none" dirty="0">
                 <a:solidFill>
                   <a:schemeClr val="lt1"/>
                 </a:solidFill>
@@ -17393,7 +17404,7 @@
               <a:buNone/>
             </a:pPr>
             <a:r>
-              <a:rPr lang="en-US" sz="2600" i="0" u="none" strike="noStrike" cap="none" dirty="0">
+              <a:rPr lang="en-US" sz="2600" b="1" i="0" u="none" strike="noStrike" cap="none" dirty="0">
                 <a:solidFill>
                   <a:schemeClr val="lt1"/>
                 </a:solidFill>
@@ -17424,7 +17435,7 @@
               <a:buNone/>
             </a:pPr>
             <a:r>
-              <a:rPr lang="en-US" sz="2600" i="0" u="none" strike="noStrike" cap="none" dirty="0">
+              <a:rPr lang="en-US" sz="2600" b="1" i="0" u="none" strike="noStrike" cap="none" dirty="0">
                 <a:solidFill>
                   <a:schemeClr val="lt1"/>
                 </a:solidFill>
@@ -17436,7 +17447,7 @@
               <a:t>&gt;&gt;&gt; </a:t>
             </a:r>
             <a:r>
-              <a:rPr lang="en-US" sz="2600" i="0" u="none" strike="noStrike" cap="none" dirty="0">
+              <a:rPr lang="en-US" sz="2600" b="1" i="0" u="none" strike="noStrike" cap="none" dirty="0">
                 <a:solidFill>
                   <a:srgbClr val="00FF00"/>
                 </a:solidFill>
@@ -17448,7 +17459,7 @@
               <a:t>line</a:t>
             </a:r>
             <a:r>
-              <a:rPr lang="en-US" sz="2600" i="0" u="none" strike="noStrike" cap="none" dirty="0">
+              <a:rPr lang="en-US" sz="2600" b="1" i="0" u="none" strike="noStrike" cap="none" dirty="0">
                 <a:solidFill>
                   <a:srgbClr val="FF7F00"/>
                 </a:solidFill>
@@ -17460,7 +17471,7 @@
               <a:t> </a:t>
             </a:r>
             <a:r>
-              <a:rPr lang="en-US" sz="2600" i="0" u="none" strike="noStrike" cap="none" dirty="0">
+              <a:rPr lang="en-US" sz="2600" b="1" i="0" u="none" strike="noStrike" cap="none" dirty="0">
                 <a:solidFill>
                   <a:schemeClr val="lt1"/>
                 </a:solidFill>
@@ -17472,7 +17483,7 @@
               <a:t>=</a:t>
             </a:r>
             <a:r>
-              <a:rPr lang="en-US" sz="2600" i="0" u="none" strike="noStrike" cap="none" dirty="0">
+              <a:rPr lang="en-US" sz="2600" b="1" i="0" u="none" strike="noStrike" cap="none" dirty="0">
                 <a:solidFill>
                   <a:srgbClr val="FF7F00"/>
                 </a:solidFill>
@@ -17484,7 +17495,7 @@
               <a:t> '</a:t>
             </a:r>
             <a:r>
-              <a:rPr lang="en-US" sz="2600" i="0" u="none" strike="noStrike" cap="none" dirty="0" err="1">
+              <a:rPr lang="en-US" sz="2600" b="1" i="0" u="none" strike="noStrike" cap="none" dirty="0" err="1">
                 <a:solidFill>
                   <a:srgbClr val="FF7F00"/>
                 </a:solidFill>
@@ -17496,7 +17507,7 @@
               <a:t>first</a:t>
             </a:r>
             <a:r>
-              <a:rPr lang="en-US" sz="2600" i="0" u="none" strike="noStrike" cap="none" dirty="0" err="1">
+              <a:rPr lang="en-US" sz="2600" b="1" i="0" u="none" strike="noStrike" cap="none" dirty="0" err="1">
                 <a:solidFill>
                   <a:srgbClr val="00FFFF"/>
                 </a:solidFill>
@@ -17508,7 +17519,7 @@
               <a:t>;</a:t>
             </a:r>
             <a:r>
-              <a:rPr lang="en-US" sz="2600" i="0" u="none" strike="noStrike" cap="none" dirty="0" err="1">
+              <a:rPr lang="en-US" sz="2600" b="1" i="0" u="none" strike="noStrike" cap="none" dirty="0" err="1">
                 <a:solidFill>
                   <a:srgbClr val="FF7F00"/>
                 </a:solidFill>
@@ -17520,7 +17531,7 @@
               <a:t>second</a:t>
             </a:r>
             <a:r>
-              <a:rPr lang="en-US" sz="2600" i="0" u="none" strike="noStrike" cap="none" dirty="0" err="1">
+              <a:rPr lang="en-US" sz="2600" b="1" i="0" u="none" strike="noStrike" cap="none" dirty="0" err="1">
                 <a:solidFill>
                   <a:srgbClr val="00FFFF"/>
                 </a:solidFill>
@@ -17532,7 +17543,7 @@
               <a:t>;</a:t>
             </a:r>
             <a:r>
-              <a:rPr lang="en-US" sz="2600" i="0" u="none" strike="noStrike" cap="none" dirty="0" err="1">
+              <a:rPr lang="en-US" sz="2600" b="1" i="0" u="none" strike="noStrike" cap="none" dirty="0" err="1">
                 <a:solidFill>
                   <a:srgbClr val="FF7F00"/>
                 </a:solidFill>
@@ -17544,7 +17555,7 @@
               <a:t>third</a:t>
             </a:r>
             <a:r>
-              <a:rPr lang="en-US" sz="2600" dirty="0">
+              <a:rPr lang="en-US" sz="2600" b="1" dirty="0">
                 <a:solidFill>
                   <a:srgbClr val="FF7F00"/>
                 </a:solidFill>
@@ -17575,7 +17586,7 @@
               <a:buNone/>
             </a:pPr>
             <a:r>
-              <a:rPr lang="en-US" sz="2600" i="0" u="none" strike="noStrike" cap="none" dirty="0">
+              <a:rPr lang="en-US" sz="2600" b="1" i="0" u="none" strike="noStrike" cap="none" dirty="0">
                 <a:solidFill>
                   <a:schemeClr val="lt1"/>
                 </a:solidFill>
@@ -17587,7 +17598,7 @@
               <a:t>&gt;&gt;&gt; </a:t>
             </a:r>
             <a:r>
-              <a:rPr lang="en-US" sz="2600" i="0" u="none" strike="noStrike" cap="none" dirty="0">
+              <a:rPr lang="en-US" sz="2600" b="1" i="0" u="none" strike="noStrike" cap="none" dirty="0">
                 <a:solidFill>
                   <a:srgbClr val="00FF00"/>
                 </a:solidFill>
@@ -17599,7 +17610,7 @@
               <a:t>thing</a:t>
             </a:r>
             <a:r>
-              <a:rPr lang="en-US" sz="2600" i="0" u="none" strike="noStrike" cap="none" dirty="0">
+              <a:rPr lang="en-US" sz="2600" b="1" i="0" u="none" strike="noStrike" cap="none" dirty="0">
                 <a:solidFill>
                   <a:srgbClr val="FF7F00"/>
                 </a:solidFill>
@@ -17611,7 +17622,7 @@
               <a:t> </a:t>
             </a:r>
             <a:r>
-              <a:rPr lang="en-US" sz="2600" i="0" u="none" strike="noStrike" cap="none" dirty="0">
+              <a:rPr lang="en-US" sz="2600" b="1" i="0" u="none" strike="noStrike" cap="none" dirty="0">
                 <a:solidFill>
                   <a:schemeClr val="lt1"/>
                 </a:solidFill>
@@ -17623,7 +17634,7 @@
               <a:t>=</a:t>
             </a:r>
             <a:r>
-              <a:rPr lang="en-US" sz="2600" i="0" u="none" strike="noStrike" cap="none" dirty="0">
+              <a:rPr lang="en-US" sz="2600" b="1" i="0" u="none" strike="noStrike" cap="none" dirty="0">
                 <a:solidFill>
                   <a:srgbClr val="00FF00"/>
                 </a:solidFill>
@@ -17635,7 +17646,7 @@
               <a:t> </a:t>
             </a:r>
             <a:r>
-              <a:rPr lang="en-US" sz="2600" i="0" u="none" strike="noStrike" cap="none" dirty="0" err="1">
+              <a:rPr lang="en-US" sz="2600" b="1" i="0" u="none" strike="noStrike" cap="none" dirty="0" err="1">
                 <a:solidFill>
                   <a:srgbClr val="00FF00"/>
                 </a:solidFill>
@@ -17647,7 +17658,7 @@
               <a:t>line</a:t>
             </a:r>
             <a:r>
-              <a:rPr lang="en-US" sz="2600" i="0" u="none" strike="noStrike" cap="none" dirty="0" err="1">
+              <a:rPr lang="en-US" sz="2600" b="1" i="0" u="none" strike="noStrike" cap="none" dirty="0" err="1">
                 <a:solidFill>
                   <a:srgbClr val="FF00FF"/>
                 </a:solidFill>
@@ -17659,7 +17670,7 @@
               <a:t>.split</a:t>
             </a:r>
             <a:r>
-              <a:rPr lang="en-US" sz="2600" i="0" u="none" strike="noStrike" cap="none" dirty="0">
+              <a:rPr lang="en-US" sz="2600" b="1" i="0" u="none" strike="noStrike" cap="none" dirty="0">
                 <a:solidFill>
                   <a:schemeClr val="lt1"/>
                 </a:solidFill>
@@ -17679,7 +17690,7 @@
               <a:buSzPct val="25000"/>
             </a:pPr>
             <a:r>
-              <a:rPr lang="en-US" sz="2600" i="0" u="none" strike="noStrike" cap="none" dirty="0">
+              <a:rPr lang="en-US" sz="2600" b="1" i="0" u="none" strike="noStrike" cap="none" dirty="0">
                 <a:solidFill>
                   <a:schemeClr val="lt1"/>
                 </a:solidFill>
@@ -17691,7 +17702,7 @@
               <a:t>&gt;&gt;&gt; </a:t>
             </a:r>
             <a:r>
-              <a:rPr lang="en-US" sz="2600" i="0" u="none" strike="noStrike" cap="none" dirty="0" smtClean="0">
+              <a:rPr lang="en-US" sz="2600" b="1" i="0" u="none" strike="noStrike" cap="none" dirty="0" smtClean="0">
                 <a:solidFill>
                   <a:srgbClr val="FFFF00"/>
                 </a:solidFill>
@@ -17703,7 +17714,7 @@
               <a:t>print(</a:t>
             </a:r>
             <a:r>
-              <a:rPr lang="en-US" sz="2600" i="0" u="none" strike="noStrike" cap="none" dirty="0" smtClean="0">
+              <a:rPr lang="en-US" sz="2600" b="1" i="0" u="none" strike="noStrike" cap="none" dirty="0" smtClean="0">
                 <a:solidFill>
                   <a:srgbClr val="00FF00"/>
                 </a:solidFill>
@@ -17715,7 +17726,7 @@
               <a:t>thing</a:t>
             </a:r>
             <a:r>
-              <a:rPr lang="en-US" sz="2600" dirty="0" smtClean="0">
+              <a:rPr lang="en-US" sz="2600" b="1" dirty="0" smtClean="0">
                 <a:solidFill>
                   <a:srgbClr val="FFFF00"/>
                 </a:solidFill>
@@ -17726,7 +17737,7 @@
               </a:rPr>
               <a:t>)</a:t>
             </a:r>
-            <a:endParaRPr lang="en-US" sz="2600" i="0" u="none" strike="noStrike" cap="none" dirty="0">
+            <a:endParaRPr lang="en-US" sz="2600" b="1" i="0" u="none" strike="noStrike" cap="none" dirty="0">
               <a:solidFill>
                 <a:srgbClr val="00FF00"/>
               </a:solidFill>
@@ -17755,7 +17766,7 @@
               <a:buNone/>
             </a:pPr>
             <a:r>
-              <a:rPr lang="en-US" sz="2600" i="0" u="none" strike="noStrike" cap="none" dirty="0">
+              <a:rPr lang="en-US" sz="2600" b="1" i="0" u="none" strike="noStrike" cap="none" dirty="0">
                 <a:solidFill>
                   <a:schemeClr val="lt1"/>
                 </a:solidFill>
@@ -17767,7 +17778,7 @@
               <a:t>['</a:t>
             </a:r>
             <a:r>
-              <a:rPr lang="en-US" sz="2600" i="0" u="none" strike="noStrike" cap="none" dirty="0" err="1">
+              <a:rPr lang="en-US" sz="2600" b="1" i="0" u="none" strike="noStrike" cap="none" dirty="0" err="1">
                 <a:solidFill>
                   <a:schemeClr val="lt1"/>
                 </a:solidFill>
@@ -17779,7 +17790,7 @@
               <a:t>first;second;third</a:t>
             </a:r>
             <a:r>
-              <a:rPr lang="en-US" sz="2600" i="0" u="none" strike="noStrike" cap="none" dirty="0">
+              <a:rPr lang="en-US" sz="2600" b="1" i="0" u="none" strike="noStrike" cap="none" dirty="0">
                 <a:solidFill>
                   <a:schemeClr val="lt1"/>
                 </a:solidFill>
@@ -17799,7 +17810,7 @@
               <a:buSzPct val="25000"/>
             </a:pPr>
             <a:r>
-              <a:rPr lang="en-US" sz="2600" i="0" u="none" strike="noStrike" cap="none" dirty="0">
+              <a:rPr lang="en-US" sz="2600" b="1" i="0" u="none" strike="noStrike" cap="none" dirty="0">
                 <a:solidFill>
                   <a:schemeClr val="lt1"/>
                 </a:solidFill>
@@ -17811,7 +17822,7 @@
               <a:t>&gt;&gt;&gt; </a:t>
             </a:r>
             <a:r>
-              <a:rPr lang="en-US" sz="2600" i="0" u="none" strike="noStrike" cap="none" dirty="0" smtClean="0">
+              <a:rPr lang="en-US" sz="2600" b="1" i="0" u="none" strike="noStrike" cap="none" dirty="0" smtClean="0">
                 <a:solidFill>
                   <a:srgbClr val="FFFF00"/>
                 </a:solidFill>
@@ -17823,7 +17834,7 @@
               <a:t>print(</a:t>
             </a:r>
             <a:r>
-              <a:rPr lang="en-US" sz="2600" i="0" u="none" strike="noStrike" cap="none" dirty="0" err="1" smtClean="0">
+              <a:rPr lang="en-US" sz="2600" b="1" i="0" u="none" strike="noStrike" cap="none" dirty="0" err="1" smtClean="0">
                 <a:solidFill>
                   <a:srgbClr val="FF00FF"/>
                 </a:solidFill>
@@ -17835,7 +17846,7 @@
               <a:t>len</a:t>
             </a:r>
             <a:r>
-              <a:rPr lang="en-US" sz="2600" i="0" u="none" strike="noStrike" cap="none" dirty="0" smtClean="0">
+              <a:rPr lang="en-US" sz="2600" b="1" i="0" u="none" strike="noStrike" cap="none" dirty="0" smtClean="0">
                 <a:solidFill>
                   <a:schemeClr val="lt1"/>
                 </a:solidFill>
@@ -17847,7 +17858,7 @@
               <a:t>(</a:t>
             </a:r>
             <a:r>
-              <a:rPr lang="en-US" sz="2600" i="0" u="none" strike="noStrike" cap="none" dirty="0" smtClean="0">
+              <a:rPr lang="en-US" sz="2600" b="1" i="0" u="none" strike="noStrike" cap="none" dirty="0" smtClean="0">
                 <a:solidFill>
                   <a:srgbClr val="00FF00"/>
                 </a:solidFill>
@@ -17859,7 +17870,7 @@
               <a:t>thing</a:t>
             </a:r>
             <a:r>
-              <a:rPr lang="en-US" sz="2600" i="0" u="none" strike="noStrike" cap="none" dirty="0" smtClean="0">
+              <a:rPr lang="en-US" sz="2600" b="1" i="0" u="none" strike="noStrike" cap="none" dirty="0" smtClean="0">
                 <a:solidFill>
                   <a:schemeClr val="lt1"/>
                 </a:solidFill>
@@ -17871,7 +17882,7 @@
               <a:t>)</a:t>
             </a:r>
             <a:r>
-              <a:rPr lang="en-US" sz="2600" dirty="0" smtClean="0">
+              <a:rPr lang="en-US" sz="2600" b="1" dirty="0" smtClean="0">
                 <a:solidFill>
                   <a:srgbClr val="FFFF00"/>
                 </a:solidFill>
@@ -17882,7 +17893,7 @@
               </a:rPr>
               <a:t>)</a:t>
             </a:r>
-            <a:endParaRPr lang="en-US" sz="2600" i="0" u="none" strike="noStrike" cap="none" dirty="0">
+            <a:endParaRPr lang="en-US" sz="2600" b="1" i="0" u="none" strike="noStrike" cap="none" dirty="0">
               <a:solidFill>
                 <a:schemeClr val="lt1"/>
               </a:solidFill>
@@ -17911,7 +17922,7 @@
               <a:buNone/>
             </a:pPr>
             <a:r>
-              <a:rPr lang="en-US" sz="2600" i="0" u="none" strike="noStrike" cap="none" dirty="0" smtClean="0">
+              <a:rPr lang="en-US" sz="2600" b="1" i="0" u="none" strike="noStrike" cap="none" dirty="0" smtClean="0">
                 <a:solidFill>
                   <a:schemeClr val="lt1"/>
                 </a:solidFill>
@@ -17942,7 +17953,7 @@
               <a:buNone/>
             </a:pPr>
             <a:r>
-              <a:rPr lang="en-US" sz="2600" i="0" u="none" strike="noStrike" cap="none" dirty="0" smtClean="0">
+              <a:rPr lang="en-US" sz="2600" b="1" i="0" u="none" strike="noStrike" cap="none" dirty="0" smtClean="0">
                 <a:solidFill>
                   <a:schemeClr val="lt1"/>
                 </a:solidFill>
@@ -17954,7 +17965,7 @@
               <a:t>&gt;&gt;&gt; </a:t>
             </a:r>
             <a:r>
-              <a:rPr lang="en-US" sz="2600" i="0" u="none" strike="noStrike" cap="none" dirty="0">
+              <a:rPr lang="en-US" sz="2600" b="1" i="0" u="none" strike="noStrike" cap="none" dirty="0">
                 <a:solidFill>
                   <a:srgbClr val="00FF00"/>
                 </a:solidFill>
@@ -17966,7 +17977,7 @@
               <a:t>thing</a:t>
             </a:r>
             <a:r>
-              <a:rPr lang="en-US" sz="2600" i="0" u="none" strike="noStrike" cap="none" dirty="0">
+              <a:rPr lang="en-US" sz="2600" b="1" i="0" u="none" strike="noStrike" cap="none" dirty="0">
                 <a:solidFill>
                   <a:srgbClr val="FF7F00"/>
                 </a:solidFill>
@@ -17978,7 +17989,7 @@
               <a:t> </a:t>
             </a:r>
             <a:r>
-              <a:rPr lang="en-US" sz="2600" i="0" u="none" strike="noStrike" cap="none" dirty="0">
+              <a:rPr lang="en-US" sz="2600" b="1" i="0" u="none" strike="noStrike" cap="none" dirty="0">
                 <a:solidFill>
                   <a:schemeClr val="lt1"/>
                 </a:solidFill>
@@ -17990,7 +18001,7 @@
               <a:t>=</a:t>
             </a:r>
             <a:r>
-              <a:rPr lang="en-US" sz="2600" i="0" u="none" strike="noStrike" cap="none" dirty="0">
+              <a:rPr lang="en-US" sz="2600" b="1" i="0" u="none" strike="noStrike" cap="none" dirty="0">
                 <a:solidFill>
                   <a:srgbClr val="FF7F00"/>
                 </a:solidFill>
@@ -18002,7 +18013,7 @@
               <a:t> </a:t>
             </a:r>
             <a:r>
-              <a:rPr lang="en-US" sz="2600" i="0" u="none" strike="noStrike" cap="none" dirty="0" err="1">
+              <a:rPr lang="en-US" sz="2600" b="1" i="0" u="none" strike="noStrike" cap="none" dirty="0" err="1">
                 <a:solidFill>
                   <a:srgbClr val="00FF00"/>
                 </a:solidFill>
@@ -18014,7 +18025,7 @@
               <a:t>line</a:t>
             </a:r>
             <a:r>
-              <a:rPr lang="en-US" sz="2600" i="0" u="none" strike="noStrike" cap="none" dirty="0" err="1">
+              <a:rPr lang="en-US" sz="2600" b="1" i="0" u="none" strike="noStrike" cap="none" dirty="0" err="1">
                 <a:solidFill>
                   <a:srgbClr val="FF00FF"/>
                 </a:solidFill>
@@ -18026,7 +18037,7 @@
               <a:t>.split</a:t>
             </a:r>
             <a:r>
-              <a:rPr lang="en-US" sz="2600" i="0" u="none" strike="noStrike" cap="none" dirty="0">
+              <a:rPr lang="en-US" sz="2600" b="1" i="0" u="none" strike="noStrike" cap="none" dirty="0">
                 <a:solidFill>
                   <a:schemeClr val="lt1"/>
                 </a:solidFill>
@@ -18038,7 +18049,7 @@
               <a:t>(</a:t>
             </a:r>
             <a:r>
-              <a:rPr lang="en-US" sz="2600" i="0" u="none" strike="noStrike" cap="none" dirty="0">
+              <a:rPr lang="en-US" sz="2600" b="1" i="0" u="none" strike="noStrike" cap="none" dirty="0">
                 <a:solidFill>
                   <a:srgbClr val="00FFFF"/>
                 </a:solidFill>
@@ -18050,7 +18061,7 @@
               <a:t>';'</a:t>
             </a:r>
             <a:r>
-              <a:rPr lang="en-US" sz="2600" i="0" u="none" strike="noStrike" cap="none" dirty="0">
+              <a:rPr lang="en-US" sz="2600" b="1" i="0" u="none" strike="noStrike" cap="none" dirty="0">
                 <a:solidFill>
                   <a:schemeClr val="lt1"/>
                 </a:solidFill>
@@ -18070,7 +18081,7 @@
               <a:buSzPct val="25000"/>
             </a:pPr>
             <a:r>
-              <a:rPr lang="en-US" sz="2600" i="0" u="none" strike="noStrike" cap="none" dirty="0">
+              <a:rPr lang="en-US" sz="2600" b="1" i="0" u="none" strike="noStrike" cap="none" dirty="0">
                 <a:solidFill>
                   <a:schemeClr val="lt1"/>
                 </a:solidFill>
@@ -18082,7 +18093,7 @@
               <a:t>&gt;&gt;&gt; </a:t>
             </a:r>
             <a:r>
-              <a:rPr lang="en-US" sz="2600" i="0" u="none" strike="noStrike" cap="none" dirty="0" smtClean="0">
+              <a:rPr lang="en-US" sz="2600" b="1" i="0" u="none" strike="noStrike" cap="none" dirty="0" smtClean="0">
                 <a:solidFill>
                   <a:srgbClr val="FFFF00"/>
                 </a:solidFill>
@@ -18094,7 +18105,7 @@
               <a:t>print(</a:t>
             </a:r>
             <a:r>
-              <a:rPr lang="en-US" sz="2600" i="0" u="none" strike="noStrike" cap="none" dirty="0" smtClean="0">
+              <a:rPr lang="en-US" sz="2600" b="1" i="0" u="none" strike="noStrike" cap="none" dirty="0" smtClean="0">
                 <a:solidFill>
                   <a:srgbClr val="00FF00"/>
                 </a:solidFill>
@@ -18106,7 +18117,7 @@
               <a:t>thing</a:t>
             </a:r>
             <a:r>
-              <a:rPr lang="en-US" sz="2600" dirty="0" smtClean="0">
+              <a:rPr lang="en-US" sz="2600" b="1" dirty="0" smtClean="0">
                 <a:solidFill>
                   <a:srgbClr val="FFFF00"/>
                 </a:solidFill>
@@ -18117,7 +18128,7 @@
               </a:rPr>
               <a:t>)</a:t>
             </a:r>
-            <a:endParaRPr lang="en-US" sz="2600" i="0" u="none" strike="noStrike" cap="none" dirty="0">
+            <a:endParaRPr lang="en-US" sz="2600" b="1" i="0" u="none" strike="noStrike" cap="none" dirty="0">
               <a:solidFill>
                 <a:srgbClr val="00FF00"/>
               </a:solidFill>
@@ -18146,7 +18157,7 @@
               <a:buNone/>
             </a:pPr>
             <a:r>
-              <a:rPr lang="en-US" sz="2600" i="0" u="none" strike="noStrike" cap="none" dirty="0">
+              <a:rPr lang="en-US" sz="2600" b="1" i="0" u="none" strike="noStrike" cap="none" dirty="0">
                 <a:solidFill>
                   <a:schemeClr val="lt1"/>
                 </a:solidFill>
@@ -18166,7 +18177,7 @@
               <a:buSzPct val="25000"/>
             </a:pPr>
             <a:r>
-              <a:rPr lang="en-US" sz="2600" i="0" u="none" strike="noStrike" cap="none" dirty="0">
+              <a:rPr lang="en-US" sz="2600" b="1" i="0" u="none" strike="noStrike" cap="none" dirty="0">
                 <a:solidFill>
                   <a:schemeClr val="lt1"/>
                 </a:solidFill>
@@ -18178,7 +18189,7 @@
               <a:t>&gt;&gt;&gt; </a:t>
             </a:r>
             <a:r>
-              <a:rPr lang="en-US" sz="2600" i="0" u="none" strike="noStrike" cap="none" dirty="0" smtClean="0">
+              <a:rPr lang="en-US" sz="2600" b="1" i="0" u="none" strike="noStrike" cap="none" dirty="0" smtClean="0">
                 <a:solidFill>
                   <a:srgbClr val="FFFF00"/>
                 </a:solidFill>
@@ -18190,7 +18201,7 @@
               <a:t>print(</a:t>
             </a:r>
             <a:r>
-              <a:rPr lang="en-US" sz="2600" i="0" u="none" strike="noStrike" cap="none" dirty="0" err="1" smtClean="0">
+              <a:rPr lang="en-US" sz="2600" b="1" i="0" u="none" strike="noStrike" cap="none" dirty="0" err="1" smtClean="0">
                 <a:solidFill>
                   <a:srgbClr val="FF00FF"/>
                 </a:solidFill>
@@ -18202,7 +18213,7 @@
               <a:t>len</a:t>
             </a:r>
             <a:r>
-              <a:rPr lang="en-US" sz="2600" i="0" u="none" strike="noStrike" cap="none" dirty="0" smtClean="0">
+              <a:rPr lang="en-US" sz="2600" b="1" i="0" u="none" strike="noStrike" cap="none" dirty="0" smtClean="0">
                 <a:solidFill>
                   <a:schemeClr val="lt1"/>
                 </a:solidFill>
@@ -18214,7 +18225,7 @@
               <a:t>(</a:t>
             </a:r>
             <a:r>
-              <a:rPr lang="en-US" sz="2600" i="0" u="none" strike="noStrike" cap="none" dirty="0" smtClean="0">
+              <a:rPr lang="en-US" sz="2600" b="1" i="0" u="none" strike="noStrike" cap="none" dirty="0" smtClean="0">
                 <a:solidFill>
                   <a:srgbClr val="00FF00"/>
                 </a:solidFill>
@@ -18226,7 +18237,7 @@
               <a:t>thing</a:t>
             </a:r>
             <a:r>
-              <a:rPr lang="en-US" sz="2600" i="0" u="none" strike="noStrike" cap="none" dirty="0" smtClean="0">
+              <a:rPr lang="en-US" sz="2600" b="1" i="0" u="none" strike="noStrike" cap="none" dirty="0" smtClean="0">
                 <a:solidFill>
                   <a:schemeClr val="lt1"/>
                 </a:solidFill>
@@ -18238,7 +18249,7 @@
               <a:t>)</a:t>
             </a:r>
             <a:r>
-              <a:rPr lang="en-US" sz="2600" dirty="0" smtClean="0">
+              <a:rPr lang="en-US" sz="2600" b="1" dirty="0" smtClean="0">
                 <a:solidFill>
                   <a:srgbClr val="FFFF00"/>
                 </a:solidFill>
@@ -18249,7 +18260,7 @@
               </a:rPr>
               <a:t>)</a:t>
             </a:r>
-            <a:endParaRPr lang="en-US" sz="2600" i="0" u="none" strike="noStrike" cap="none" dirty="0">
+            <a:endParaRPr lang="en-US" sz="2600" b="1" i="0" u="none" strike="noStrike" cap="none" dirty="0">
               <a:solidFill>
                 <a:schemeClr val="lt1"/>
               </a:solidFill>
@@ -18278,7 +18289,7 @@
               <a:buNone/>
             </a:pPr>
             <a:r>
-              <a:rPr lang="en-US" sz="2600" i="0" u="none" strike="noStrike" cap="none" dirty="0">
+              <a:rPr lang="en-US" sz="2600" b="1" i="0" u="none" strike="noStrike" cap="none" dirty="0">
                 <a:solidFill>
                   <a:schemeClr val="lt1"/>
                 </a:solidFill>
@@ -18309,7 +18320,7 @@
               <a:buNone/>
             </a:pPr>
             <a:r>
-              <a:rPr lang="en-US" sz="2600" i="0" u="none" strike="noStrike" cap="none" dirty="0">
+              <a:rPr lang="en-US" sz="2600" b="1" i="0" u="none" strike="noStrike" cap="none" dirty="0">
                 <a:solidFill>
                   <a:schemeClr val="lt1"/>
                 </a:solidFill>
@@ -19963,7 +19974,7 @@
               <a:buNone/>
             </a:pPr>
             <a:r>
-              <a:rPr lang="en-US" sz="3000" i="0" u="none" strike="noStrike" cap="none" dirty="0">
+              <a:rPr lang="en-US" sz="3000" b="1" i="0" u="none" strike="noStrike" cap="none" dirty="0">
                 <a:solidFill>
                   <a:srgbClr val="FF7F00"/>
                 </a:solidFill>
@@ -19975,7 +19986,7 @@
               <a:t>From </a:t>
             </a:r>
             <a:r>
-              <a:rPr lang="en-US" sz="3000" i="0" u="none" strike="noStrike" cap="none" dirty="0" err="1">
+              <a:rPr lang="en-US" sz="3000" b="1" i="0" u="none" strike="noStrike" cap="none" dirty="0" err="1">
                 <a:solidFill>
                   <a:srgbClr val="FF7F00"/>
                 </a:solidFill>
@@ -19987,7 +19998,7 @@
               <a:t>stephen.marquard@</a:t>
             </a:r>
             <a:r>
-              <a:rPr lang="en-US" sz="3000" i="0" u="none" strike="noStrike" cap="none" dirty="0" err="1">
+              <a:rPr lang="en-US" sz="3000" b="1" i="0" u="none" strike="noStrike" cap="none" dirty="0" err="1">
                 <a:solidFill>
                   <a:srgbClr val="FFFF00"/>
                 </a:solidFill>
@@ -19999,7 +20010,7 @@
               <a:t>uct.ac.za</a:t>
             </a:r>
             <a:r>
-              <a:rPr lang="en-US" sz="3000" i="0" u="none" strike="noStrike" cap="none" dirty="0">
+              <a:rPr lang="en-US" sz="3000" b="1" i="0" u="none" strike="noStrike" cap="none" dirty="0">
                 <a:solidFill>
                   <a:srgbClr val="FF7F00"/>
                 </a:solidFill>
@@ -20056,7 +20067,7 @@
               <a:buNone/>
             </a:pPr>
             <a:r>
-              <a:rPr lang="en-US" sz="2400" i="0" u="none" strike="noStrike" cap="none" dirty="0">
+              <a:rPr lang="en-US" sz="2400" b="1" i="0" u="none" strike="noStrike" cap="none" dirty="0">
                 <a:solidFill>
                   <a:schemeClr val="lt1"/>
                 </a:solidFill>
@@ -20068,7 +20079,7 @@
               <a:t>words = </a:t>
             </a:r>
             <a:r>
-              <a:rPr lang="en-US" sz="2400" i="0" u="none" strike="noStrike" cap="none" dirty="0" err="1">
+              <a:rPr lang="en-US" sz="2400" b="1" i="0" u="none" strike="noStrike" cap="none" dirty="0" err="1">
                 <a:solidFill>
                   <a:srgbClr val="FF7F00"/>
                 </a:solidFill>
@@ -20080,7 +20091,7 @@
               <a:t>line</a:t>
             </a:r>
             <a:r>
-              <a:rPr lang="en-US" sz="2400" i="0" u="none" strike="noStrike" cap="none" dirty="0" err="1">
+              <a:rPr lang="en-US" sz="2400" b="1" i="0" u="none" strike="noStrike" cap="none" dirty="0" err="1">
                 <a:solidFill>
                   <a:schemeClr val="lt1"/>
                 </a:solidFill>
@@ -20092,7 +20103,7 @@
               <a:t>.split</a:t>
             </a:r>
             <a:r>
-              <a:rPr lang="en-US" sz="2400" i="0" u="none" strike="noStrike" cap="none" dirty="0">
+              <a:rPr lang="en-US" sz="2400" b="1" i="0" u="none" strike="noStrike" cap="none" dirty="0">
                 <a:solidFill>
                   <a:schemeClr val="lt1"/>
                 </a:solidFill>
@@ -20123,7 +20134,7 @@
               <a:buNone/>
             </a:pPr>
             <a:r>
-              <a:rPr lang="en-US" sz="2400" i="0" u="none" strike="noStrike" cap="none" dirty="0">
+              <a:rPr lang="en-US" sz="2400" b="1" i="0" u="none" strike="noStrike" cap="none" dirty="0">
                 <a:solidFill>
                   <a:srgbClr val="FF00FF"/>
                 </a:solidFill>
@@ -20135,7 +20146,7 @@
               <a:t>email</a:t>
             </a:r>
             <a:r>
-              <a:rPr lang="en-US" sz="2400" i="0" u="none" strike="noStrike" cap="none" dirty="0">
+              <a:rPr lang="en-US" sz="2400" b="1" i="0" u="none" strike="noStrike" cap="none" dirty="0">
                 <a:solidFill>
                   <a:schemeClr val="lt1"/>
                 </a:solidFill>
@@ -20305,7 +20316,7 @@
               <a:buNone/>
             </a:pPr>
             <a:r>
-              <a:rPr lang="en-US" sz="2400" b="1" i="0" u="none" strike="noStrike" cap="none" dirty="0" smtClean="0">
+              <a:rPr lang="en-US" sz="2400" i="0" u="none" strike="noStrike" cap="none" dirty="0" smtClean="0">
                 <a:solidFill>
                   <a:srgbClr val="FF00FF"/>
                 </a:solidFill>
@@ -20509,7 +20520,7 @@
               <a:buNone/>
             </a:pPr>
             <a:r>
-              <a:rPr lang="en-US" sz="2400" i="0" u="none" strike="noStrike" cap="none" dirty="0">
+              <a:rPr lang="en-US" sz="2400" b="1" i="0" u="none" strike="noStrike" cap="none" dirty="0">
                 <a:solidFill>
                   <a:schemeClr val="lt1"/>
                 </a:solidFill>
@@ -20521,7 +20532,7 @@
               <a:t>words = </a:t>
             </a:r>
             <a:r>
-              <a:rPr lang="en-US" sz="2400" i="0" u="none" strike="noStrike" cap="none" dirty="0" err="1">
+              <a:rPr lang="en-US" sz="2400" b="1" i="0" u="none" strike="noStrike" cap="none" dirty="0" err="1">
                 <a:solidFill>
                   <a:srgbClr val="FF7F00"/>
                 </a:solidFill>
@@ -20533,7 +20544,7 @@
               <a:t>line</a:t>
             </a:r>
             <a:r>
-              <a:rPr lang="en-US" sz="2400" i="0" u="none" strike="noStrike" cap="none" dirty="0" err="1">
+              <a:rPr lang="en-US" sz="2400" b="1" i="0" u="none" strike="noStrike" cap="none" dirty="0" err="1">
                 <a:solidFill>
                   <a:schemeClr val="lt1"/>
                 </a:solidFill>
@@ -20545,7 +20556,7 @@
               <a:t>.split</a:t>
             </a:r>
             <a:r>
-              <a:rPr lang="en-US" sz="2400" i="0" u="none" strike="noStrike" cap="none" dirty="0">
+              <a:rPr lang="en-US" sz="2400" b="1" i="0" u="none" strike="noStrike" cap="none" dirty="0">
                 <a:solidFill>
                   <a:schemeClr val="lt1"/>
                 </a:solidFill>
@@ -20576,7 +20587,7 @@
               <a:buNone/>
             </a:pPr>
             <a:r>
-              <a:rPr lang="en-US" sz="2400" i="0" u="none" strike="noStrike" cap="none" dirty="0">
+              <a:rPr lang="en-US" sz="2400" b="1" i="0" u="none" strike="noStrike" cap="none" dirty="0">
                 <a:solidFill>
                   <a:srgbClr val="FF00FF"/>
                 </a:solidFill>
@@ -20588,7 +20599,7 @@
               <a:t>email</a:t>
             </a:r>
             <a:r>
-              <a:rPr lang="en-US" sz="2400" i="0" u="none" strike="noStrike" cap="none" dirty="0">
+              <a:rPr lang="en-US" sz="2400" b="1" i="0" u="none" strike="noStrike" cap="none" dirty="0">
                 <a:solidFill>
                   <a:schemeClr val="lt1"/>
                 </a:solidFill>
@@ -20791,10 +20802,22 @@
                 <a:cs typeface="Courier New"/>
                 <a:sym typeface="Courier New"/>
               </a:rPr>
-              <a:t>', '</a:t>
-            </a:r>
-            <a:r>
-              <a:rPr lang="en-US" sz="2400" i="0" u="none" strike="noStrike" cap="none" dirty="0" err="1">
+              <a:t>', </a:t>
+            </a:r>
+            <a:r>
+              <a:rPr lang="en-US" sz="2400" b="1" i="0" u="none" strike="noStrike" cap="none" dirty="0">
+                <a:solidFill>
+                  <a:srgbClr val="FFFF00"/>
+                </a:solidFill>
+                <a:latin typeface="Courier New"/>
+                <a:ea typeface="Courier New"/>
+                <a:cs typeface="Courier New"/>
+                <a:sym typeface="Courier New"/>
+              </a:rPr>
+              <a:t>'</a:t>
+            </a:r>
+            <a:r>
+              <a:rPr lang="en-US" sz="2400" b="1" i="0" u="none" strike="noStrike" cap="none" dirty="0" err="1">
                 <a:solidFill>
                   <a:srgbClr val="FFFF00"/>
                 </a:solidFill>
@@ -20863,7 +20886,7 @@
               <a:buNone/>
             </a:pPr>
             <a:r>
-              <a:rPr lang="en-US" sz="3000" i="0" u="none" strike="noStrike" cap="none" dirty="0">
+              <a:rPr lang="en-US" sz="3000" b="1" i="0" u="none" strike="noStrike" cap="none" dirty="0">
                 <a:solidFill>
                   <a:srgbClr val="FF7F00"/>
                 </a:solidFill>
@@ -20875,7 +20898,7 @@
               <a:t>From </a:t>
             </a:r>
             <a:r>
-              <a:rPr lang="en-US" sz="3000" i="0" u="none" strike="noStrike" cap="none" dirty="0" err="1">
+              <a:rPr lang="en-US" sz="3000" b="1" i="0" u="none" strike="noStrike" cap="none" dirty="0" err="1">
                 <a:solidFill>
                   <a:srgbClr val="FF7F00"/>
                 </a:solidFill>
@@ -20887,7 +20910,7 @@
               <a:t>stephen.marquard@</a:t>
             </a:r>
             <a:r>
-              <a:rPr lang="en-US" sz="3000" i="0" u="none" strike="noStrike" cap="none" dirty="0" err="1">
+              <a:rPr lang="en-US" sz="3000" b="1" i="0" u="none" strike="noStrike" cap="none" dirty="0" err="1">
                 <a:solidFill>
                   <a:srgbClr val="FFFF00"/>
                 </a:solidFill>
@@ -20899,7 +20922,7 @@
               <a:t>uct.ac.za</a:t>
             </a:r>
             <a:r>
-              <a:rPr lang="en-US" sz="3000" i="0" u="none" strike="noStrike" cap="none" dirty="0">
+              <a:rPr lang="en-US" sz="3000" b="1" i="0" u="none" strike="noStrike" cap="none" dirty="0">
                 <a:solidFill>
                   <a:srgbClr val="FF7F00"/>
                 </a:solidFill>
@@ -20956,7 +20979,7 @@
               <a:buNone/>
             </a:pPr>
             <a:r>
-              <a:rPr lang="en-US" sz="2400" i="0" u="none" strike="noStrike" cap="none" dirty="0">
+              <a:rPr lang="en-US" sz="2400" b="1" i="0" u="none" strike="noStrike" cap="none" dirty="0">
                 <a:solidFill>
                   <a:schemeClr val="lt1"/>
                 </a:solidFill>
@@ -20968,7 +20991,7 @@
               <a:t>words = </a:t>
             </a:r>
             <a:r>
-              <a:rPr lang="en-US" sz="2400" i="0" u="none" strike="noStrike" cap="none" dirty="0" err="1">
+              <a:rPr lang="en-US" sz="2400" b="1" i="0" u="none" strike="noStrike" cap="none" dirty="0" err="1">
                 <a:solidFill>
                   <a:srgbClr val="FF7F00"/>
                 </a:solidFill>
@@ -20980,7 +21003,7 @@
               <a:t>line</a:t>
             </a:r>
             <a:r>
-              <a:rPr lang="en-US" sz="2400" i="0" u="none" strike="noStrike" cap="none" dirty="0" err="1">
+              <a:rPr lang="en-US" sz="2400" b="1" i="0" u="none" strike="noStrike" cap="none" dirty="0" err="1">
                 <a:solidFill>
                   <a:schemeClr val="lt1"/>
                 </a:solidFill>
@@ -20992,7 +21015,7 @@
               <a:t>.split</a:t>
             </a:r>
             <a:r>
-              <a:rPr lang="en-US" sz="2400" i="0" u="none" strike="noStrike" cap="none" dirty="0">
+              <a:rPr lang="en-US" sz="2400" b="1" i="0" u="none" strike="noStrike" cap="none" dirty="0">
                 <a:solidFill>
                   <a:schemeClr val="lt1"/>
                 </a:solidFill>
@@ -21023,7 +21046,7 @@
               <a:buNone/>
             </a:pPr>
             <a:r>
-              <a:rPr lang="en-US" sz="2400" i="0" u="none" strike="noStrike" cap="none" dirty="0">
+              <a:rPr lang="en-US" sz="2400" b="1" i="0" u="none" strike="noStrike" cap="none" dirty="0">
                 <a:solidFill>
                   <a:srgbClr val="FF00FF"/>
                 </a:solidFill>
@@ -21035,7 +21058,7 @@
               <a:t>email</a:t>
             </a:r>
             <a:r>
-              <a:rPr lang="en-US" sz="2400" i="0" u="none" strike="noStrike" cap="none" dirty="0">
+              <a:rPr lang="en-US" sz="2400" b="1" i="0" u="none" strike="noStrike" cap="none" dirty="0">
                 <a:solidFill>
                   <a:schemeClr val="lt1"/>
                 </a:solidFill>
@@ -21066,7 +21089,7 @@
               <a:buNone/>
             </a:pPr>
             <a:r>
-              <a:rPr lang="en-US" sz="2400" dirty="0">
+              <a:rPr lang="en-US" sz="2400" b="1" dirty="0">
                 <a:solidFill>
                   <a:srgbClr val="FFFF00"/>
                 </a:solidFill>
@@ -21078,7 +21101,7 @@
               <a:t>pieces</a:t>
             </a:r>
             <a:r>
-              <a:rPr lang="en-US" sz="2400" dirty="0">
+              <a:rPr lang="en-US" sz="2400" b="1" dirty="0">
                 <a:solidFill>
                   <a:schemeClr val="lt1"/>
                 </a:solidFill>
@@ -21090,7 +21113,7 @@
               <a:t> = </a:t>
             </a:r>
             <a:r>
-              <a:rPr lang="en-US" sz="2400" dirty="0" err="1">
+              <a:rPr lang="en-US" sz="2400" b="1" dirty="0" err="1">
                 <a:solidFill>
                   <a:schemeClr val="lt1"/>
                 </a:solidFill>
@@ -21102,7 +21125,7 @@
               <a:t>email.split</a:t>
             </a:r>
             <a:r>
-              <a:rPr lang="en-US" sz="2400" dirty="0">
+              <a:rPr lang="en-US" sz="2400" b="1" dirty="0">
                 <a:solidFill>
                   <a:schemeClr val="lt1"/>
                 </a:solidFill>
@@ -21190,7 +21213,7 @@
               <a:buNone/>
             </a:pPr>
             <a:r>
-              <a:rPr lang="en-US" sz="2400" i="0" u="none" strike="noStrike" cap="none" dirty="0" err="1">
+              <a:rPr lang="en-US" sz="2400" b="1" i="0" u="none" strike="noStrike" cap="none" dirty="0" err="1">
                 <a:solidFill>
                   <a:srgbClr val="FF00FF"/>
                 </a:solidFill>
@@ -21201,7 +21224,7 @@
               </a:rPr>
               <a:t>stephen.marquard@uct.ac.za</a:t>
             </a:r>
-            <a:endParaRPr lang="en-US" sz="2400" i="0" u="none" strike="noStrike" cap="none" dirty="0">
+            <a:endParaRPr lang="en-US" sz="2400" b="1" i="0" u="none" strike="noStrike" cap="none" dirty="0">
               <a:solidFill>
                 <a:srgbClr val="FF00FF"/>
               </a:solidFill>
@@ -21338,7 +21361,7 @@
               <a:buNone/>
             </a:pPr>
             <a:r>
-              <a:rPr lang="en-US" sz="2400" i="0" u="none" strike="noStrike" cap="none" dirty="0">
+              <a:rPr lang="en-US" sz="2400" b="1" i="0" u="none" strike="noStrike" cap="none" dirty="0">
                 <a:solidFill>
                   <a:srgbClr val="FFFF00"/>
                 </a:solidFill>
@@ -21350,7 +21373,7 @@
               <a:t>['</a:t>
             </a:r>
             <a:r>
-              <a:rPr lang="en-US" sz="2400" i="0" u="none" strike="noStrike" cap="none" dirty="0" err="1">
+              <a:rPr lang="en-US" sz="2400" b="1" i="0" u="none" strike="noStrike" cap="none" dirty="0" err="1">
                 <a:solidFill>
                   <a:srgbClr val="FFFF00"/>
                 </a:solidFill>
@@ -21362,7 +21385,7 @@
               <a:t>stephen.marquard</a:t>
             </a:r>
             <a:r>
-              <a:rPr lang="en-US" sz="2400" i="0" u="none" strike="noStrike" cap="none" dirty="0">
+              <a:rPr lang="en-US" sz="2400" b="1" i="0" u="none" strike="noStrike" cap="none" dirty="0">
                 <a:solidFill>
                   <a:srgbClr val="FFFF00"/>
                 </a:solidFill>
@@ -21374,7 +21397,7 @@
               <a:t>', '</a:t>
             </a:r>
             <a:r>
-              <a:rPr lang="en-US" sz="2400" i="0" u="none" strike="noStrike" cap="none" dirty="0" err="1">
+              <a:rPr lang="en-US" sz="2400" b="1" i="0" u="none" strike="noStrike" cap="none" dirty="0" err="1">
                 <a:solidFill>
                   <a:srgbClr val="FFFF00"/>
                 </a:solidFill>
@@ -21386,7 +21409,7 @@
               <a:t>uct.ac.za</a:t>
             </a:r>
             <a:r>
-              <a:rPr lang="en-US" sz="2400" i="0" u="none" strike="noStrike" cap="none" dirty="0">
+              <a:rPr lang="en-US" sz="2400" b="1" i="0" u="none" strike="noStrike" cap="none" dirty="0">
                 <a:solidFill>
                   <a:srgbClr val="FFFF00"/>
                 </a:solidFill>
@@ -21455,7 +21478,7 @@
               <a:t>From </a:t>
             </a:r>
             <a:r>
-              <a:rPr lang="en-US" sz="3000" i="0" u="none" strike="noStrike" cap="none" dirty="0" err="1">
+              <a:rPr lang="en-US" sz="3000" b="1" i="0" u="none" strike="noStrike" cap="none" dirty="0" err="1">
                 <a:solidFill>
                   <a:srgbClr val="FF7F00"/>
                 </a:solidFill>
@@ -21467,7 +21490,7 @@
               <a:t>stephen.marquard@</a:t>
             </a:r>
             <a:r>
-              <a:rPr lang="en-US" sz="3000" i="0" u="none" strike="noStrike" cap="none" dirty="0" err="1">
+              <a:rPr lang="en-US" sz="3000" b="1" i="0" u="none" strike="noStrike" cap="none" dirty="0" err="1">
                 <a:solidFill>
                   <a:srgbClr val="FFFF00"/>
                 </a:solidFill>
@@ -21536,7 +21559,7 @@
               <a:buNone/>
             </a:pPr>
             <a:r>
-              <a:rPr lang="en-US" sz="2400" i="0" u="none" strike="noStrike" cap="none" dirty="0">
+              <a:rPr lang="en-US" sz="2400" b="1" i="0" u="none" strike="noStrike" cap="none" dirty="0">
                 <a:solidFill>
                   <a:schemeClr val="lt1"/>
                 </a:solidFill>
@@ -21548,7 +21571,7 @@
               <a:t>words = </a:t>
             </a:r>
             <a:r>
-              <a:rPr lang="en-US" sz="2400" i="0" u="none" strike="noStrike" cap="none" dirty="0" err="1">
+              <a:rPr lang="en-US" sz="2400" b="1" i="0" u="none" strike="noStrike" cap="none" dirty="0" err="1">
                 <a:solidFill>
                   <a:srgbClr val="FF7F00"/>
                 </a:solidFill>
@@ -21560,7 +21583,7 @@
               <a:t>line</a:t>
             </a:r>
             <a:r>
-              <a:rPr lang="en-US" sz="2400" i="0" u="none" strike="noStrike" cap="none" dirty="0" err="1">
+              <a:rPr lang="en-US" sz="2400" b="1" i="0" u="none" strike="noStrike" cap="none" dirty="0" err="1">
                 <a:solidFill>
                   <a:schemeClr val="lt1"/>
                 </a:solidFill>
@@ -21572,7 +21595,7 @@
               <a:t>.split</a:t>
             </a:r>
             <a:r>
-              <a:rPr lang="en-US" sz="2400" i="0" u="none" strike="noStrike" cap="none" dirty="0">
+              <a:rPr lang="en-US" sz="2400" b="1" i="0" u="none" strike="noStrike" cap="none" dirty="0">
                 <a:solidFill>
                   <a:schemeClr val="lt1"/>
                 </a:solidFill>
@@ -21603,7 +21626,7 @@
               <a:buNone/>
             </a:pPr>
             <a:r>
-              <a:rPr lang="en-US" sz="2400" i="0" u="none" strike="noStrike" cap="none" dirty="0">
+              <a:rPr lang="en-US" sz="2400" b="1" i="0" u="none" strike="noStrike" cap="none" dirty="0">
                 <a:solidFill>
                   <a:srgbClr val="FF00FF"/>
                 </a:solidFill>
@@ -21615,7 +21638,7 @@
               <a:t>email</a:t>
             </a:r>
             <a:r>
-              <a:rPr lang="en-US" sz="2400" i="0" u="none" strike="noStrike" cap="none" dirty="0">
+              <a:rPr lang="en-US" sz="2400" b="1" i="0" u="none" strike="noStrike" cap="none" dirty="0">
                 <a:solidFill>
                   <a:schemeClr val="lt1"/>
                 </a:solidFill>
@@ -21646,7 +21669,7 @@
               <a:buNone/>
             </a:pPr>
             <a:r>
-              <a:rPr lang="en-US" sz="2400" dirty="0">
+              <a:rPr lang="en-US" sz="2400" b="1" dirty="0">
                 <a:solidFill>
                   <a:srgbClr val="FFFF00"/>
                 </a:solidFill>
@@ -21658,7 +21681,7 @@
               <a:t>pieces</a:t>
             </a:r>
             <a:r>
-              <a:rPr lang="en-US" sz="2400" dirty="0">
+              <a:rPr lang="en-US" sz="2400" b="1" dirty="0">
                 <a:solidFill>
                   <a:schemeClr val="lt1"/>
                 </a:solidFill>
@@ -21670,7 +21693,7 @@
               <a:t> = </a:t>
             </a:r>
             <a:r>
-              <a:rPr lang="en-US" sz="2400" dirty="0" err="1">
+              <a:rPr lang="en-US" sz="2400" b="1" dirty="0" err="1">
                 <a:solidFill>
                   <a:schemeClr val="lt1"/>
                 </a:solidFill>
@@ -21682,7 +21705,7 @@
               <a:t>email.split</a:t>
             </a:r>
             <a:r>
-              <a:rPr lang="en-US" sz="2400" dirty="0">
+              <a:rPr lang="en-US" sz="2400" b="1" dirty="0">
                 <a:solidFill>
                   <a:schemeClr val="lt1"/>
                 </a:solidFill>
@@ -21713,7 +21736,7 @@
               <a:buNone/>
             </a:pPr>
             <a:r>
-              <a:rPr lang="en-US" sz="2400" dirty="0" smtClean="0">
+              <a:rPr lang="en-US" sz="2400" b="1" dirty="0" smtClean="0">
                 <a:solidFill>
                   <a:schemeClr val="lt1"/>
                 </a:solidFill>
@@ -21725,7 +21748,7 @@
               <a:t>print(</a:t>
             </a:r>
             <a:r>
-              <a:rPr lang="en-US" sz="2400" dirty="0" smtClean="0">
+              <a:rPr lang="en-US" sz="2400" b="1" dirty="0" smtClean="0">
                 <a:solidFill>
                   <a:srgbClr val="00FF00"/>
                 </a:solidFill>
@@ -21737,7 +21760,7 @@
               <a:t>pieces[1]</a:t>
             </a:r>
             <a:r>
-              <a:rPr lang="en-US" sz="2400" dirty="0" smtClean="0">
+              <a:rPr lang="en-US" sz="2400" b="1" dirty="0" smtClean="0">
                 <a:solidFill>
                   <a:schemeClr val="bg1"/>
                 </a:solidFill>
@@ -21822,7 +21845,7 @@
               <a:buNone/>
             </a:pPr>
             <a:r>
-              <a:rPr lang="en-US" sz="2400" i="0" u="none" strike="noStrike" cap="none" dirty="0" err="1">
+              <a:rPr lang="en-US" sz="2400" b="1" i="0" u="none" strike="noStrike" cap="none" dirty="0" err="1">
                 <a:solidFill>
                   <a:srgbClr val="FF00FF"/>
                 </a:solidFill>
@@ -21833,7 +21856,7 @@
               </a:rPr>
               <a:t>stephen.marquard@uct.ac.za</a:t>
             </a:r>
-            <a:endParaRPr lang="en-US" sz="2400" i="0" u="none" strike="noStrike" cap="none" dirty="0">
+            <a:endParaRPr lang="en-US" sz="2400" b="1" i="0" u="none" strike="noStrike" cap="none" dirty="0">
               <a:solidFill>
                 <a:srgbClr val="FF00FF"/>
               </a:solidFill>
@@ -21900,7 +21923,7 @@
               <a:t>'</a:t>
             </a:r>
             <a:r>
-              <a:rPr lang="en-US" sz="2400" i="0" u="none" strike="noStrike" cap="none" dirty="0" err="1">
+              <a:rPr lang="en-US" sz="2400" b="1" i="0" u="none" strike="noStrike" cap="none" dirty="0" err="1">
                 <a:solidFill>
                   <a:srgbClr val="00FF00"/>
                 </a:solidFill>
@@ -21912,7 +21935,7 @@
               <a:t>uct.ac.za</a:t>
             </a:r>
             <a:r>
-              <a:rPr lang="en-US" sz="2400" i="0" u="none" strike="noStrike" cap="none" dirty="0">
+              <a:rPr lang="en-US" sz="2400" b="1" i="0" u="none" strike="noStrike" cap="none" dirty="0">
                 <a:solidFill>
                   <a:srgbClr val="00FF00"/>
                 </a:solidFill>
@@ -22935,7 +22958,7 @@
               <a:buNone/>
             </a:pPr>
             <a:r>
-              <a:rPr lang="en-US" sz="3000" i="0" u="none" strike="noStrike" cap="none" dirty="0">
+              <a:rPr lang="en-US" sz="3000" b="1" i="0" u="none" strike="noStrike" cap="none" dirty="0">
                 <a:solidFill>
                   <a:schemeClr val="lt1"/>
                 </a:solidFill>
@@ -22947,7 +22970,7 @@
               <a:t>$ </a:t>
             </a:r>
             <a:r>
-              <a:rPr lang="en-US" sz="3000" i="0" u="none" strike="noStrike" cap="none" dirty="0">
+              <a:rPr lang="en-US" sz="3000" b="1" i="0" u="none" strike="noStrike" cap="none" dirty="0">
                 <a:solidFill>
                   <a:srgbClr val="FFFF00"/>
                 </a:solidFill>
@@ -22978,7 +23001,7 @@
               <a:buNone/>
             </a:pPr>
             <a:r>
-              <a:rPr lang="en-US" sz="3000" i="0" u="none" strike="noStrike" cap="none" dirty="0" smtClean="0">
+              <a:rPr lang="en-US" sz="3000" b="1" i="0" u="none" strike="noStrike" cap="none" dirty="0" smtClean="0">
                 <a:solidFill>
                   <a:schemeClr val="lt1"/>
                 </a:solidFill>
@@ -22990,7 +23013,7 @@
               <a:t>&gt;&gt;&gt; </a:t>
             </a:r>
             <a:r>
-              <a:rPr lang="en-US" sz="3000" i="0" u="none" strike="noStrike" cap="none" dirty="0">
+              <a:rPr lang="en-US" sz="3000" b="1" i="0" u="none" strike="noStrike" cap="none" dirty="0">
                 <a:solidFill>
                   <a:srgbClr val="00FF00"/>
                 </a:solidFill>
@@ -23002,7 +23025,7 @@
               <a:t>x</a:t>
             </a:r>
             <a:r>
-              <a:rPr lang="en-US" sz="3000" i="0" u="none" strike="noStrike" cap="none" dirty="0">
+              <a:rPr lang="en-US" sz="3000" b="1" i="0" u="none" strike="noStrike" cap="none" dirty="0">
                 <a:solidFill>
                   <a:schemeClr val="lt1"/>
                 </a:solidFill>
@@ -23033,7 +23056,7 @@
               <a:buNone/>
             </a:pPr>
             <a:r>
-              <a:rPr lang="en-US" sz="3000" i="0" u="none" strike="noStrike" cap="none" dirty="0">
+              <a:rPr lang="en-US" sz="3000" b="1" i="0" u="none" strike="noStrike" cap="none" dirty="0">
                 <a:solidFill>
                   <a:schemeClr val="lt1"/>
                 </a:solidFill>
@@ -23045,7 +23068,7 @@
               <a:t>&gt;&gt;&gt; </a:t>
             </a:r>
             <a:r>
-              <a:rPr lang="en-US" sz="3000" i="0" u="none" strike="noStrike" cap="none" dirty="0">
+              <a:rPr lang="en-US" sz="3000" b="1" i="0" u="none" strike="noStrike" cap="none" dirty="0">
                 <a:solidFill>
                   <a:srgbClr val="00FF00"/>
                 </a:solidFill>
@@ -23057,7 +23080,7 @@
               <a:t>x</a:t>
             </a:r>
             <a:r>
-              <a:rPr lang="en-US" sz="3000" i="0" u="none" strike="noStrike" cap="none" dirty="0">
+              <a:rPr lang="en-US" sz="3000" b="1" i="0" u="none" strike="noStrike" cap="none" dirty="0">
                 <a:solidFill>
                   <a:schemeClr val="lt1"/>
                 </a:solidFill>
@@ -23088,7 +23111,7 @@
               <a:buNone/>
             </a:pPr>
             <a:r>
-              <a:rPr lang="en-US" sz="3000" i="0" u="none" strike="noStrike" cap="none" dirty="0">
+              <a:rPr lang="en-US" sz="3000" b="1" i="0" u="none" strike="noStrike" cap="none" dirty="0">
                 <a:solidFill>
                   <a:schemeClr val="lt1"/>
                 </a:solidFill>
@@ -23100,7 +23123,7 @@
               <a:t>&gt;&gt;&gt; </a:t>
             </a:r>
             <a:r>
-              <a:rPr lang="en-US" sz="3000" i="0" u="none" strike="noStrike" cap="none" dirty="0" smtClean="0">
+              <a:rPr lang="en-US" sz="3000" b="1" i="0" u="none" strike="noStrike" cap="none" dirty="0" smtClean="0">
                 <a:solidFill>
                   <a:srgbClr val="FFFF00"/>
                 </a:solidFill>
@@ -23112,7 +23135,7 @@
               <a:t>print(</a:t>
             </a:r>
             <a:r>
-              <a:rPr lang="en-US" sz="3000" i="0" u="none" strike="noStrike" cap="none" dirty="0" smtClean="0">
+              <a:rPr lang="en-US" sz="3000" b="1" i="0" u="none" strike="noStrike" cap="none" dirty="0" smtClean="0">
                 <a:solidFill>
                   <a:srgbClr val="00FF00"/>
                 </a:solidFill>
@@ -23124,7 +23147,7 @@
               <a:t>x</a:t>
             </a:r>
             <a:r>
-              <a:rPr lang="en-US" sz="3000" i="0" u="none" strike="noStrike" cap="none" dirty="0" smtClean="0">
+              <a:rPr lang="en-US" sz="3000" b="1" i="0" u="none" strike="noStrike" cap="none" dirty="0" smtClean="0">
                 <a:solidFill>
                   <a:srgbClr val="FFFF00"/>
                 </a:solidFill>
@@ -23135,7 +23158,7 @@
               </a:rPr>
               <a:t>)</a:t>
             </a:r>
-            <a:endParaRPr lang="en-US" sz="3000" i="0" u="none" strike="noStrike" cap="none" dirty="0">
+            <a:endParaRPr lang="en-US" sz="3000" b="1" i="0" u="none" strike="noStrike" cap="none" dirty="0">
               <a:solidFill>
                 <a:srgbClr val="FFFF00"/>
               </a:solidFill>
@@ -23164,7 +23187,7 @@
               <a:buNone/>
             </a:pPr>
             <a:r>
-              <a:rPr lang="en-US" sz="3000" i="0" u="none" strike="noStrike" cap="none" dirty="0">
+              <a:rPr lang="en-US" sz="3000" b="1" i="0" u="none" strike="noStrike" cap="none" dirty="0">
                 <a:solidFill>
                   <a:schemeClr val="lt1"/>
                 </a:solidFill>
@@ -23186,7 +23209,7 @@
   <p:timing>
     <p:tnLst>
       <p:par>
-        <p:cTn xmlns:p14="http://schemas.microsoft.com/office/powerpoint/2010/main" id="1" dur="indefinite" restart="never" nodeType="tmRoot"/>
+        <p:cTn id="1" dur="indefinite" restart="never" nodeType="tmRoot"/>
       </p:par>
     </p:tnLst>
   </p:timing>
@@ -23541,7 +23564,7 @@
               <a:buNone/>
             </a:pPr>
             <a:r>
-              <a:rPr lang="en-US" sz="3600" i="0" u="none" strike="noStrike" cap="none" dirty="0">
+              <a:rPr lang="en-US" sz="3600" b="1" i="0" u="none" strike="noStrike" cap="none" dirty="0">
                 <a:solidFill>
                   <a:srgbClr val="00FF00"/>
                 </a:solidFill>
@@ -23553,7 +23576,7 @@
               <a:t>friends</a:t>
             </a:r>
             <a:r>
-              <a:rPr lang="en-US" sz="3600" i="0" u="none" strike="noStrike" cap="none" dirty="0">
+              <a:rPr lang="en-US" sz="3600" b="1" i="0" u="none" strike="noStrike" cap="none" dirty="0">
                 <a:solidFill>
                   <a:srgbClr val="FF7F00"/>
                 </a:solidFill>
@@ -23565,7 +23588,7 @@
               <a:t> </a:t>
             </a:r>
             <a:r>
-              <a:rPr lang="en-US" sz="3600" i="0" u="none" strike="noStrike" cap="none" dirty="0">
+              <a:rPr lang="en-US" sz="3600" b="1" i="0" u="none" strike="noStrike" cap="none" dirty="0">
                 <a:solidFill>
                   <a:schemeClr val="lt1"/>
                 </a:solidFill>
@@ -23577,7 +23600,7 @@
               <a:t>=</a:t>
             </a:r>
             <a:r>
-              <a:rPr lang="en-US" sz="3600" i="0" u="none" strike="noStrike" cap="none" dirty="0">
+              <a:rPr lang="en-US" sz="3600" b="1" i="0" u="none" strike="noStrike" cap="none" dirty="0">
                 <a:solidFill>
                   <a:srgbClr val="FF7F00"/>
                 </a:solidFill>
@@ -23602,7 +23625,7 @@
               </a:spcAft>
               <a:buNone/>
             </a:pPr>
-            <a:endParaRPr sz="3600" i="0" u="none" strike="noStrike" cap="none" dirty="0">
+            <a:endParaRPr sz="3600" b="1" i="0" u="none" strike="noStrike" cap="none" dirty="0">
               <a:solidFill>
                 <a:srgbClr val="FF7F00"/>
               </a:solidFill>
@@ -23631,7 +23654,7 @@
               <a:buNone/>
             </a:pPr>
             <a:r>
-              <a:rPr lang="en-US" sz="3600" i="0" u="none" strike="noStrike" cap="none" dirty="0">
+              <a:rPr lang="en-US" sz="3600" b="1" i="0" u="none" strike="noStrike" cap="none" dirty="0">
                 <a:solidFill>
                   <a:srgbClr val="00FF00"/>
                 </a:solidFill>
@@ -23643,7 +23666,7 @@
               <a:t>carryon</a:t>
             </a:r>
             <a:r>
-              <a:rPr lang="en-US" sz="3600" i="0" u="none" strike="noStrike" cap="none" dirty="0">
+              <a:rPr lang="en-US" sz="3600" b="1" i="0" u="none" strike="noStrike" cap="none" dirty="0">
                 <a:solidFill>
                   <a:srgbClr val="FF7F00"/>
                 </a:solidFill>
@@ -23655,7 +23678,7 @@
               <a:t> </a:t>
             </a:r>
             <a:r>
-              <a:rPr lang="en-US" sz="3600" i="0" u="none" strike="noStrike" cap="none" dirty="0">
+              <a:rPr lang="en-US" sz="3600" b="1" i="0" u="none" strike="noStrike" cap="none" dirty="0">
                 <a:solidFill>
                   <a:schemeClr val="lt1"/>
                 </a:solidFill>
@@ -23667,7 +23690,7 @@
               <a:t>=</a:t>
             </a:r>
             <a:r>
-              <a:rPr lang="en-US" sz="3600" i="0" u="none" strike="noStrike" cap="none" dirty="0">
+              <a:rPr lang="en-US" sz="3600" b="1" i="0" u="none" strike="noStrike" cap="none" dirty="0">
                 <a:solidFill>
                   <a:srgbClr val="FF7F00"/>
                 </a:solidFill>
@@ -23689,7 +23712,7 @@
   <p:timing>
     <p:tnLst>
       <p:par>
-        <p:cTn xmlns:p14="http://schemas.microsoft.com/office/powerpoint/2010/main" id="1" dur="indefinite" restart="never" nodeType="tmRoot"/>
+        <p:cTn id="1" dur="indefinite" restart="never" nodeType="tmRoot"/>
       </p:par>
     </p:tnLst>
   </p:timing>
@@ -23996,7 +24019,7 @@
               <a:buNone/>
             </a:pPr>
             <a:r>
-              <a:rPr lang="en-US" sz="2800" i="0" u="none" strike="noStrike" cap="none" dirty="0">
+              <a:rPr lang="en-US" sz="2800" b="1" i="0" u="none" strike="noStrike" cap="none" dirty="0">
                 <a:solidFill>
                   <a:schemeClr val="lt1"/>
                 </a:solidFill>
@@ -24008,7 +24031,7 @@
               <a:t>&gt;&gt;&gt; </a:t>
             </a:r>
             <a:r>
-              <a:rPr lang="en-US" sz="2800" i="0" u="none" strike="noStrike" cap="none" dirty="0" smtClean="0">
+              <a:rPr lang="en-US" sz="2800" b="1" i="0" u="none" strike="noStrike" cap="none" dirty="0" smtClean="0">
                 <a:solidFill>
                   <a:srgbClr val="FFFF00"/>
                 </a:solidFill>
@@ -24020,7 +24043,7 @@
               <a:t>print(</a:t>
             </a:r>
             <a:r>
-              <a:rPr lang="en-US" sz="2800" i="0" u="none" strike="noStrike" cap="none" dirty="0" smtClean="0">
+              <a:rPr lang="en-US" sz="2800" b="1" i="0" u="none" strike="noStrike" cap="none" dirty="0" smtClean="0">
                 <a:solidFill>
                   <a:srgbClr val="FF7F00"/>
                 </a:solidFill>
@@ -24032,7 +24055,7 @@
               <a:t>[</a:t>
             </a:r>
             <a:r>
-              <a:rPr lang="en-US" sz="2800" i="0" u="none" strike="noStrike" cap="none" dirty="0">
+              <a:rPr lang="en-US" sz="2800" b="1" i="0" u="none" strike="noStrike" cap="none" dirty="0">
                 <a:solidFill>
                   <a:srgbClr val="FF7F00"/>
                 </a:solidFill>
@@ -24044,7 +24067,7 @@
               <a:t>1, 24, 76</a:t>
             </a:r>
             <a:r>
-              <a:rPr lang="en-US" sz="2800" i="0" u="none" strike="noStrike" cap="none" dirty="0" smtClean="0">
+              <a:rPr lang="en-US" sz="2800" b="1" i="0" u="none" strike="noStrike" cap="none" dirty="0" smtClean="0">
                 <a:solidFill>
                   <a:srgbClr val="FF7F00"/>
                 </a:solidFill>
@@ -24056,7 +24079,7 @@
               <a:t>]</a:t>
             </a:r>
             <a:r>
-              <a:rPr lang="en-US" sz="2800" i="0" u="none" strike="noStrike" cap="none" dirty="0" smtClean="0">
+              <a:rPr lang="en-US" sz="2800" b="1" i="0" u="none" strike="noStrike" cap="none" dirty="0" smtClean="0">
                 <a:solidFill>
                   <a:srgbClr val="FFFF00"/>
                 </a:solidFill>
@@ -24067,7 +24090,7 @@
               </a:rPr>
               <a:t>)</a:t>
             </a:r>
-            <a:endParaRPr lang="en-US" sz="2800" i="0" u="none" strike="noStrike" cap="none" dirty="0">
+            <a:endParaRPr lang="en-US" sz="2800" b="1" i="0" u="none" strike="noStrike" cap="none" dirty="0">
               <a:solidFill>
                 <a:srgbClr val="FFFF00"/>
               </a:solidFill>
@@ -24096,7 +24119,7 @@
               <a:buNone/>
             </a:pPr>
             <a:r>
-              <a:rPr lang="en-US" sz="2800" i="0" u="none" strike="noStrike" cap="none" dirty="0">
+              <a:rPr lang="en-US" sz="2800" b="1" i="0" u="none" strike="noStrike" cap="none" dirty="0">
                 <a:solidFill>
                   <a:schemeClr val="lt1"/>
                 </a:solidFill>
@@ -24116,7 +24139,7 @@
               <a:buSzPct val="25000"/>
             </a:pPr>
             <a:r>
-              <a:rPr lang="en-US" sz="2800" i="0" u="none" strike="noStrike" cap="none" dirty="0">
+              <a:rPr lang="en-US" sz="2800" b="1" i="0" u="none" strike="noStrike" cap="none" dirty="0">
                 <a:solidFill>
                   <a:schemeClr val="lt1"/>
                 </a:solidFill>
@@ -24128,7 +24151,7 @@
               <a:t>&gt;&gt;&gt; </a:t>
             </a:r>
             <a:r>
-              <a:rPr lang="en-US" sz="2800" i="0" u="none" strike="noStrike" cap="none" dirty="0" smtClean="0">
+              <a:rPr lang="en-US" sz="2800" b="1" i="0" u="none" strike="noStrike" cap="none" dirty="0" smtClean="0">
                 <a:solidFill>
                   <a:srgbClr val="FFFF00"/>
                 </a:solidFill>
@@ -24140,7 +24163,7 @@
               <a:t>print</a:t>
             </a:r>
             <a:r>
-              <a:rPr lang="en-US" sz="2800" dirty="0">
+              <a:rPr lang="en-US" sz="2800" b="1" dirty="0">
                 <a:solidFill>
                   <a:schemeClr val="lt1"/>
                 </a:solidFill>
@@ -24152,7 +24175,7 @@
               <a:t>(</a:t>
             </a:r>
             <a:r>
-              <a:rPr lang="en-US" sz="2800" i="0" u="none" strike="noStrike" cap="none" dirty="0" smtClean="0">
+              <a:rPr lang="en-US" sz="2800" b="1" i="0" u="none" strike="noStrike" cap="none" dirty="0" smtClean="0">
                 <a:solidFill>
                   <a:srgbClr val="FF7F00"/>
                 </a:solidFill>
@@ -24164,7 +24187,7 @@
               <a:t>[</a:t>
             </a:r>
             <a:r>
-              <a:rPr lang="en-US" sz="2800" i="0" u="none" strike="noStrike" cap="none" dirty="0">
+              <a:rPr lang="en-US" sz="2800" b="1" i="0" u="none" strike="noStrike" cap="none" dirty="0">
                 <a:solidFill>
                   <a:srgbClr val="FF7F00"/>
                 </a:solidFill>
@@ -24176,7 +24199,7 @@
               <a:t>'red', 'yellow', 'blue</a:t>
             </a:r>
             <a:r>
-              <a:rPr lang="en-US" sz="2800" i="0" u="none" strike="noStrike" cap="none" dirty="0" smtClean="0">
+              <a:rPr lang="en-US" sz="2800" b="1" i="0" u="none" strike="noStrike" cap="none" dirty="0" smtClean="0">
                 <a:solidFill>
                   <a:srgbClr val="FF7F00"/>
                 </a:solidFill>
@@ -24188,7 +24211,7 @@
               <a:t>']</a:t>
             </a:r>
             <a:r>
-              <a:rPr lang="en-US" sz="2800" dirty="0" smtClean="0">
+              <a:rPr lang="en-US" sz="2800" b="1" dirty="0" smtClean="0">
                 <a:solidFill>
                   <a:srgbClr val="FFFF00"/>
                 </a:solidFill>
@@ -24199,7 +24222,7 @@
               </a:rPr>
               <a:t>)</a:t>
             </a:r>
-            <a:endParaRPr lang="en-US" sz="2800" i="0" u="none" strike="noStrike" cap="none" dirty="0">
+            <a:endParaRPr lang="en-US" sz="2800" b="1" i="0" u="none" strike="noStrike" cap="none" dirty="0">
               <a:solidFill>
                 <a:srgbClr val="FF7F00"/>
               </a:solidFill>
@@ -24228,7 +24251,7 @@
               <a:buNone/>
             </a:pPr>
             <a:r>
-              <a:rPr lang="en-US" sz="2800" i="0" u="none" strike="noStrike" cap="none" dirty="0">
+              <a:rPr lang="en-US" sz="2800" b="1" i="0" u="none" strike="noStrike" cap="none" dirty="0">
                 <a:solidFill>
                   <a:schemeClr val="lt1"/>
                 </a:solidFill>
@@ -24248,7 +24271,7 @@
               <a:buSzPct val="25000"/>
             </a:pPr>
             <a:r>
-              <a:rPr lang="en-US" sz="2800" i="0" u="none" strike="noStrike" cap="none" dirty="0">
+              <a:rPr lang="en-US" sz="2800" b="1" i="0" u="none" strike="noStrike" cap="none" dirty="0">
                 <a:solidFill>
                   <a:schemeClr val="lt1"/>
                 </a:solidFill>
@@ -24260,7 +24283,7 @@
               <a:t>&gt;&gt;&gt; </a:t>
             </a:r>
             <a:r>
-              <a:rPr lang="en-US" sz="2800" i="0" u="none" strike="noStrike" cap="none" dirty="0" smtClean="0">
+              <a:rPr lang="en-US" sz="2800" b="1" i="0" u="none" strike="noStrike" cap="none" dirty="0" smtClean="0">
                 <a:solidFill>
                   <a:srgbClr val="FFFF00"/>
                 </a:solidFill>
@@ -24272,7 +24295,7 @@
               <a:t>print</a:t>
             </a:r>
             <a:r>
-              <a:rPr lang="en-US" sz="2800" dirty="0">
+              <a:rPr lang="en-US" sz="2800" b="1" dirty="0">
                 <a:solidFill>
                   <a:schemeClr val="lt1"/>
                 </a:solidFill>
@@ -24284,7 +24307,7 @@
               <a:t>(</a:t>
             </a:r>
             <a:r>
-              <a:rPr lang="en-US" sz="2800" i="0" u="none" strike="noStrike" cap="none" dirty="0" smtClean="0">
+              <a:rPr lang="en-US" sz="2800" b="1" i="0" u="none" strike="noStrike" cap="none" dirty="0" smtClean="0">
                 <a:solidFill>
                   <a:srgbClr val="FF7F00"/>
                 </a:solidFill>
@@ -24296,7 +24319,7 @@
               <a:t>[</a:t>
             </a:r>
             <a:r>
-              <a:rPr lang="en-US" sz="2800" i="0" u="none" strike="noStrike" cap="none" dirty="0">
+              <a:rPr lang="en-US" sz="2800" b="1" i="0" u="none" strike="noStrike" cap="none" dirty="0">
                 <a:solidFill>
                   <a:srgbClr val="FF7F00"/>
                 </a:solidFill>
@@ -24308,7 +24331,7 @@
               <a:t>'red', 24, 98.6</a:t>
             </a:r>
             <a:r>
-              <a:rPr lang="en-US" sz="2800" i="0" u="none" strike="noStrike" cap="none" dirty="0" smtClean="0">
+              <a:rPr lang="en-US" sz="2800" b="1" i="0" u="none" strike="noStrike" cap="none" dirty="0" smtClean="0">
                 <a:solidFill>
                   <a:srgbClr val="FF7F00"/>
                 </a:solidFill>
@@ -24320,7 +24343,7 @@
               <a:t>]</a:t>
             </a:r>
             <a:r>
-              <a:rPr lang="en-US" sz="2800" dirty="0" smtClean="0">
+              <a:rPr lang="en-US" sz="2800" b="1" dirty="0" smtClean="0">
                 <a:solidFill>
                   <a:srgbClr val="FFFF00"/>
                 </a:solidFill>
@@ -24331,7 +24354,7 @@
               </a:rPr>
               <a:t>)</a:t>
             </a:r>
-            <a:endParaRPr lang="en-US" sz="2800" i="0" u="none" strike="noStrike" cap="none" dirty="0" smtClean="0">
+            <a:endParaRPr lang="en-US" sz="2800" b="1" i="0" u="none" strike="noStrike" cap="none" dirty="0" smtClean="0">
               <a:solidFill>
                 <a:srgbClr val="FF7F00"/>
               </a:solidFill>
@@ -24360,7 +24383,7 @@
               <a:buNone/>
             </a:pPr>
             <a:r>
-              <a:rPr lang="en-US" sz="2800" i="0" u="none" strike="noStrike" cap="none" dirty="0" smtClean="0">
+              <a:rPr lang="en-US" sz="2800" b="1" i="0" u="none" strike="noStrike" cap="none" dirty="0" smtClean="0">
                 <a:solidFill>
                   <a:schemeClr val="lt1"/>
                 </a:solidFill>
@@ -24372,7 +24395,7 @@
               <a:t>[</a:t>
             </a:r>
             <a:r>
-              <a:rPr lang="en-US" sz="2800" i="0" u="none" strike="noStrike" cap="none" dirty="0">
+              <a:rPr lang="en-US" sz="2800" b="1" i="0" u="none" strike="noStrike" cap="none" dirty="0">
                 <a:solidFill>
                   <a:schemeClr val="lt1"/>
                 </a:solidFill>
@@ -24384,7 +24407,7 @@
               <a:t>'red', 24, </a:t>
             </a:r>
             <a:r>
-              <a:rPr lang="en-US" sz="2800" i="0" u="none" strike="noStrike" cap="none" dirty="0" smtClean="0">
+              <a:rPr lang="en-US" sz="2800" b="1" i="0" u="none" strike="noStrike" cap="none" dirty="0" smtClean="0">
                 <a:solidFill>
                   <a:schemeClr val="lt1"/>
                 </a:solidFill>
@@ -24395,7 +24418,7 @@
               </a:rPr>
               <a:t>98.6]</a:t>
             </a:r>
-            <a:endParaRPr lang="en-US" sz="2800" i="0" u="none" strike="noStrike" cap="none" dirty="0">
+            <a:endParaRPr lang="en-US" sz="2800" b="1" i="0" u="none" strike="noStrike" cap="none" dirty="0">
               <a:solidFill>
                 <a:schemeClr val="lt1"/>
               </a:solidFill>
@@ -24413,7 +24436,7 @@
               <a:buSzPct val="25000"/>
             </a:pPr>
             <a:r>
-              <a:rPr lang="en-US" sz="2800" i="0" u="none" strike="noStrike" cap="none" dirty="0">
+              <a:rPr lang="en-US" sz="2800" b="1" i="0" u="none" strike="noStrike" cap="none" dirty="0">
                 <a:solidFill>
                   <a:schemeClr val="lt1"/>
                 </a:solidFill>
@@ -24425,7 +24448,7 @@
               <a:t>&gt;&gt;&gt; </a:t>
             </a:r>
             <a:r>
-              <a:rPr lang="en-US" sz="2800" i="0" u="none" strike="noStrike" cap="none" dirty="0" smtClean="0">
+              <a:rPr lang="en-US" sz="2800" b="1" i="0" u="none" strike="noStrike" cap="none" dirty="0" smtClean="0">
                 <a:solidFill>
                   <a:srgbClr val="FFFF00"/>
                 </a:solidFill>
@@ -24437,7 +24460,7 @@
               <a:t>print</a:t>
             </a:r>
             <a:r>
-              <a:rPr lang="en-US" sz="2800" dirty="0">
+              <a:rPr lang="en-US" sz="2800" b="1" dirty="0">
                 <a:solidFill>
                   <a:srgbClr val="FFFF00"/>
                 </a:solidFill>
@@ -24449,7 +24472,7 @@
               <a:t>(</a:t>
             </a:r>
             <a:r>
-              <a:rPr lang="en-US" sz="2800" i="0" u="none" strike="noStrike" cap="none" dirty="0" smtClean="0">
+              <a:rPr lang="en-US" sz="2800" b="1" i="0" u="none" strike="noStrike" cap="none" dirty="0" smtClean="0">
                 <a:solidFill>
                   <a:srgbClr val="FF7F00"/>
                 </a:solidFill>
@@ -24461,7 +24484,7 @@
               <a:t>[ </a:t>
             </a:r>
             <a:r>
-              <a:rPr lang="en-US" sz="2800" i="0" u="none" strike="noStrike" cap="none" dirty="0">
+              <a:rPr lang="en-US" sz="2800" b="1" i="0" u="none" strike="noStrike" cap="none" dirty="0">
                 <a:solidFill>
                   <a:srgbClr val="FF7F00"/>
                 </a:solidFill>
@@ -24473,7 +24496,7 @@
               <a:t>1, </a:t>
             </a:r>
             <a:r>
-              <a:rPr lang="en-US" sz="2800" i="0" u="none" strike="noStrike" cap="none" dirty="0">
+              <a:rPr lang="en-US" sz="2800" b="1" i="0" u="none" strike="noStrike" cap="none" dirty="0">
                 <a:solidFill>
                   <a:srgbClr val="00FFFF"/>
                 </a:solidFill>
@@ -24485,7 +24508,7 @@
               <a:t>[5, 6]</a:t>
             </a:r>
             <a:r>
-              <a:rPr lang="en-US" sz="2800" i="0" u="none" strike="noStrike" cap="none" dirty="0">
+              <a:rPr lang="en-US" sz="2800" b="1" i="0" u="none" strike="noStrike" cap="none" dirty="0">
                 <a:solidFill>
                   <a:srgbClr val="FF7F00"/>
                 </a:solidFill>
@@ -24497,7 +24520,7 @@
               <a:t>, 7</a:t>
             </a:r>
             <a:r>
-              <a:rPr lang="en-US" sz="2800" i="0" u="none" strike="noStrike" cap="none" dirty="0" smtClean="0">
+              <a:rPr lang="en-US" sz="2800" b="1" i="0" u="none" strike="noStrike" cap="none" dirty="0" smtClean="0">
                 <a:solidFill>
                   <a:srgbClr val="FF7F00"/>
                 </a:solidFill>
@@ -24509,7 +24532,7 @@
               <a:t>]</a:t>
             </a:r>
             <a:r>
-              <a:rPr lang="en-US" sz="2800" dirty="0" smtClean="0">
+              <a:rPr lang="en-US" sz="2800" b="1" dirty="0" smtClean="0">
                 <a:solidFill>
                   <a:srgbClr val="FFFF00"/>
                 </a:solidFill>
@@ -24520,7 +24543,7 @@
               </a:rPr>
               <a:t>)</a:t>
             </a:r>
-            <a:endParaRPr lang="en-US" sz="2800" i="0" u="none" strike="noStrike" cap="none" dirty="0">
+            <a:endParaRPr lang="en-US" sz="2800" b="1" i="0" u="none" strike="noStrike" cap="none" dirty="0">
               <a:solidFill>
                 <a:srgbClr val="FF7F00"/>
               </a:solidFill>
@@ -24549,7 +24572,7 @@
               <a:buNone/>
             </a:pPr>
             <a:r>
-              <a:rPr lang="en-US" sz="2800" i="0" u="none" strike="noStrike" cap="none" dirty="0">
+              <a:rPr lang="en-US" sz="2800" b="1" i="0" u="none" strike="noStrike" cap="none" dirty="0">
                 <a:solidFill>
                   <a:schemeClr val="lt1"/>
                 </a:solidFill>
@@ -24569,7 +24592,7 @@
               <a:buSzPct val="25000"/>
             </a:pPr>
             <a:r>
-              <a:rPr lang="en-US" sz="2800" i="0" u="none" strike="noStrike" cap="none" dirty="0">
+              <a:rPr lang="en-US" sz="2800" b="1" i="0" u="none" strike="noStrike" cap="none" dirty="0">
                 <a:solidFill>
                   <a:schemeClr val="lt1"/>
                 </a:solidFill>
@@ -24581,7 +24604,7 @@
               <a:t>&gt;&gt;&gt; </a:t>
             </a:r>
             <a:r>
-              <a:rPr lang="en-US" sz="2800" i="0" u="none" strike="noStrike" cap="none" dirty="0" smtClean="0">
+              <a:rPr lang="en-US" sz="2800" b="1" i="0" u="none" strike="noStrike" cap="none" dirty="0" smtClean="0">
                 <a:solidFill>
                   <a:srgbClr val="FFFF00"/>
                 </a:solidFill>
@@ -24593,7 +24616,7 @@
               <a:t>print</a:t>
             </a:r>
             <a:r>
-              <a:rPr lang="en-US" sz="2800" dirty="0" smtClean="0">
+              <a:rPr lang="en-US" sz="2800" b="1" dirty="0" smtClean="0">
                 <a:solidFill>
                   <a:schemeClr val="lt1"/>
                 </a:solidFill>
@@ -24605,7 +24628,7 @@
               <a:t>(</a:t>
             </a:r>
             <a:r>
-              <a:rPr lang="en-US" sz="2800" i="0" u="none" strike="noStrike" cap="none" dirty="0" smtClean="0">
+              <a:rPr lang="en-US" sz="2800" b="1" i="0" u="none" strike="noStrike" cap="none" dirty="0" smtClean="0">
                 <a:solidFill>
                   <a:srgbClr val="FF7F00"/>
                 </a:solidFill>
@@ -24617,7 +24640,7 @@
               <a:t>[]</a:t>
             </a:r>
             <a:r>
-              <a:rPr lang="en-US" sz="2800" dirty="0" smtClean="0">
+              <a:rPr lang="en-US" sz="2800" b="1" dirty="0" smtClean="0">
                 <a:solidFill>
                   <a:srgbClr val="FFFF00"/>
                 </a:solidFill>
@@ -24628,7 +24651,7 @@
               </a:rPr>
               <a:t>)</a:t>
             </a:r>
-            <a:endParaRPr lang="en-US" sz="2800" i="0" u="none" strike="noStrike" cap="none" dirty="0" smtClean="0">
+            <a:endParaRPr lang="en-US" sz="2800" b="1" i="0" u="none" strike="noStrike" cap="none" dirty="0" smtClean="0">
               <a:solidFill>
                 <a:srgbClr val="FF7F00"/>
               </a:solidFill>
@@ -24657,7 +24680,7 @@
               <a:buNone/>
             </a:pPr>
             <a:r>
-              <a:rPr lang="en-US" sz="2800" i="0" u="none" strike="noStrike" cap="none" dirty="0" smtClean="0">
+              <a:rPr lang="en-US" sz="2800" b="1" i="0" u="none" strike="noStrike" cap="none" dirty="0" smtClean="0">
                 <a:solidFill>
                   <a:schemeClr val="lt1"/>
                 </a:solidFill>
@@ -24668,7 +24691,7 @@
               </a:rPr>
               <a:t>[]</a:t>
             </a:r>
-            <a:endParaRPr lang="en-US" sz="2800" i="0" u="none" strike="noStrike" cap="none" dirty="0">
+            <a:endParaRPr lang="en-US" sz="2800" b="1" i="0" u="none" strike="noStrike" cap="none" dirty="0">
               <a:solidFill>
                 <a:schemeClr val="lt1"/>
               </a:solidFill>
@@ -24688,7 +24711,7 @@
   <p:timing>
     <p:tnLst>
       <p:par>
-        <p:cTn xmlns:p14="http://schemas.microsoft.com/office/powerpoint/2010/main" id="1" dur="indefinite" restart="never" nodeType="tmRoot"/>
+        <p:cTn id="1" dur="indefinite" restart="never" nodeType="tmRoot"/>
       </p:par>
     </p:tnLst>
   </p:timing>
@@ -24812,7 +24835,7 @@
               <a:buNone/>
             </a:pPr>
             <a:r>
-              <a:rPr lang="en-US" sz="3600" i="0" u="none" strike="noStrike" cap="none" dirty="0">
+              <a:rPr lang="en-US" sz="3600" b="1" i="0" u="none" strike="noStrike" cap="none" dirty="0">
                 <a:solidFill>
                   <a:srgbClr val="FFFF00"/>
                 </a:solidFill>
@@ -24824,7 +24847,7 @@
               <a:t>for</a:t>
             </a:r>
             <a:r>
-              <a:rPr lang="en-US" sz="3600" i="0" u="none" strike="noStrike" cap="none" dirty="0">
+              <a:rPr lang="en-US" sz="3600" b="1" i="0" u="none" strike="noStrike" cap="none" dirty="0">
                 <a:solidFill>
                   <a:schemeClr val="lt1"/>
                 </a:solidFill>
@@ -24836,7 +24859,7 @@
               <a:t> </a:t>
             </a:r>
             <a:r>
-              <a:rPr lang="en-US" sz="3600" i="0" u="none" strike="noStrike" cap="none" dirty="0" err="1">
+              <a:rPr lang="en-US" sz="3600" b="1" i="0" u="none" strike="noStrike" cap="none" dirty="0" err="1">
                 <a:solidFill>
                   <a:srgbClr val="00FF00"/>
                 </a:solidFill>
@@ -24848,7 +24871,7 @@
               <a:t>i</a:t>
             </a:r>
             <a:r>
-              <a:rPr lang="en-US" sz="3600" i="0" u="none" strike="noStrike" cap="none" dirty="0">
+              <a:rPr lang="en-US" sz="3600" b="1" i="0" u="none" strike="noStrike" cap="none" dirty="0">
                 <a:solidFill>
                   <a:schemeClr val="lt1"/>
                 </a:solidFill>
@@ -24860,7 +24883,7 @@
               <a:t> </a:t>
             </a:r>
             <a:r>
-              <a:rPr lang="en-US" sz="3600" i="0" u="none" strike="noStrike" cap="none" dirty="0">
+              <a:rPr lang="en-US" sz="3600" b="1" i="0" u="none" strike="noStrike" cap="none" dirty="0">
                 <a:solidFill>
                   <a:srgbClr val="FFFF00"/>
                 </a:solidFill>
@@ -24872,7 +24895,7 @@
               <a:t>in</a:t>
             </a:r>
             <a:r>
-              <a:rPr lang="en-US" sz="3600" i="0" u="none" strike="noStrike" cap="none" dirty="0">
+              <a:rPr lang="en-US" sz="3600" b="1" i="0" u="none" strike="noStrike" cap="none" dirty="0">
                 <a:solidFill>
                   <a:schemeClr val="lt1"/>
                 </a:solidFill>
@@ -24884,7 +24907,7 @@
               <a:t> </a:t>
             </a:r>
             <a:r>
-              <a:rPr lang="en-US" sz="3600" i="0" u="none" strike="noStrike" cap="none" dirty="0">
+              <a:rPr lang="en-US" sz="3600" b="1" i="0" u="none" strike="noStrike" cap="none" dirty="0">
                 <a:solidFill>
                   <a:srgbClr val="FF7F00"/>
                 </a:solidFill>
@@ -24896,7 +24919,7 @@
               <a:t>[5, 4, 3, 2, 1]</a:t>
             </a:r>
             <a:r>
-              <a:rPr lang="en-US" sz="3600" i="0" u="none" strike="noStrike" cap="none" dirty="0">
+              <a:rPr lang="en-US" sz="3600" b="1" i="0" u="none" strike="noStrike" cap="none" dirty="0">
                 <a:solidFill>
                   <a:srgbClr val="00FF00"/>
                 </a:solidFill>
@@ -24908,7 +24931,7 @@
               <a:t> </a:t>
             </a:r>
             <a:r>
-              <a:rPr lang="en-US" sz="3600" i="0" u="none" strike="noStrike" cap="none" dirty="0">
+              <a:rPr lang="en-US" sz="3600" b="1" i="0" u="none" strike="noStrike" cap="none" dirty="0">
                 <a:solidFill>
                   <a:schemeClr val="lt1"/>
                 </a:solidFill>
@@ -24939,7 +24962,7 @@
               <a:buNone/>
             </a:pPr>
             <a:r>
-              <a:rPr lang="en-US" sz="3600" i="0" u="none" strike="noStrike" cap="none" dirty="0">
+              <a:rPr lang="en-US" sz="3600" b="1" i="0" u="none" strike="noStrike" cap="none" dirty="0">
                 <a:solidFill>
                   <a:schemeClr val="lt1"/>
                 </a:solidFill>
@@ -24951,7 +24974,7 @@
               <a:t>    </a:t>
             </a:r>
             <a:r>
-              <a:rPr lang="en-US" sz="3600" i="0" u="none" strike="noStrike" cap="none" dirty="0" smtClean="0">
+              <a:rPr lang="en-US" sz="3600" b="1" i="0" u="none" strike="noStrike" cap="none" dirty="0" smtClean="0">
                 <a:solidFill>
                   <a:srgbClr val="FFFF00"/>
                 </a:solidFill>
@@ -24963,7 +24986,7 @@
               <a:t>print(</a:t>
             </a:r>
             <a:r>
-              <a:rPr lang="en-US" sz="3600" i="0" u="none" strike="noStrike" cap="none" dirty="0" err="1" smtClean="0">
+              <a:rPr lang="en-US" sz="3600" b="1" i="0" u="none" strike="noStrike" cap="none" dirty="0" err="1" smtClean="0">
                 <a:solidFill>
                   <a:srgbClr val="00FF00"/>
                 </a:solidFill>
@@ -24975,7 +24998,7 @@
               <a:t>i</a:t>
             </a:r>
             <a:r>
-              <a:rPr lang="en-US" sz="3600" i="0" u="none" strike="noStrike" cap="none" dirty="0" smtClean="0">
+              <a:rPr lang="en-US" sz="3600" b="1" i="0" u="none" strike="noStrike" cap="none" dirty="0" smtClean="0">
                 <a:solidFill>
                   <a:srgbClr val="FFFF00"/>
                 </a:solidFill>
@@ -24986,7 +25009,7 @@
               </a:rPr>
               <a:t>)</a:t>
             </a:r>
-            <a:endParaRPr lang="en-US" sz="3600" i="0" u="none" strike="noStrike" cap="none" dirty="0">
+            <a:endParaRPr lang="en-US" sz="3600" b="1" i="0" u="none" strike="noStrike" cap="none" dirty="0">
               <a:solidFill>
                 <a:srgbClr val="FFFF00"/>
               </a:solidFill>
@@ -25015,7 +25038,7 @@
               <a:buNone/>
             </a:pPr>
             <a:r>
-              <a:rPr lang="en-US" sz="3600" i="0" u="none" strike="noStrike" cap="none" dirty="0" smtClean="0">
+              <a:rPr lang="en-US" sz="3600" b="1" i="0" u="none" strike="noStrike" cap="none" dirty="0" smtClean="0">
                 <a:solidFill>
                   <a:srgbClr val="FFFF00"/>
                 </a:solidFill>
@@ -25027,7 +25050,7 @@
               <a:t>print(</a:t>
             </a:r>
             <a:r>
-              <a:rPr lang="en-US" sz="3600" i="0" u="none" strike="noStrike" cap="none" dirty="0" smtClean="0">
+              <a:rPr lang="en-US" sz="3600" b="1" i="0" u="none" strike="noStrike" cap="none" dirty="0" smtClean="0">
                 <a:solidFill>
                   <a:srgbClr val="FF7F00"/>
                 </a:solidFill>
@@ -25039,7 +25062,7 @@
               <a:t>'Blastoff!'</a:t>
             </a:r>
             <a:r>
-              <a:rPr lang="en-US" sz="3600" i="0" u="none" strike="noStrike" cap="none" dirty="0" smtClean="0">
+              <a:rPr lang="en-US" sz="3600" b="1" i="0" u="none" strike="noStrike" cap="none" dirty="0" smtClean="0">
                 <a:solidFill>
                   <a:srgbClr val="FFFF00"/>
                 </a:solidFill>
@@ -25050,7 +25073,7 @@
               </a:rPr>
               <a:t>)</a:t>
             </a:r>
-            <a:endParaRPr lang="en-US" sz="3600" i="0" u="none" strike="noStrike" cap="none" dirty="0">
+            <a:endParaRPr lang="en-US" sz="3600" b="1" i="0" u="none" strike="noStrike" cap="none" dirty="0">
               <a:solidFill>
                 <a:srgbClr val="FFFF00"/>
               </a:solidFill>
@@ -25282,7 +25305,7 @@
   <p:timing>
     <p:tnLst>
       <p:par>
-        <p:cTn xmlns:p14="http://schemas.microsoft.com/office/powerpoint/2010/main" id="1" dur="indefinite" restart="never" nodeType="tmRoot"/>
+        <p:cTn id="1" dur="indefinite" restart="never" nodeType="tmRoot"/>
       </p:par>
     </p:tnLst>
   </p:timing>
@@ -25427,7 +25450,7 @@
               <a:buNone/>
             </a:pPr>
             <a:r>
-              <a:rPr lang="en-US" sz="2400" i="0" u="none" strike="noStrike" cap="none" dirty="0">
+              <a:rPr lang="en-US" sz="2400" b="1" i="0" u="none" strike="noStrike" cap="none" dirty="0">
                 <a:solidFill>
                   <a:srgbClr val="00FF00"/>
                 </a:solidFill>
@@ -25439,7 +25462,7 @@
               <a:t>friends</a:t>
             </a:r>
             <a:r>
-              <a:rPr lang="en-US" sz="2400" i="0" u="none" strike="noStrike" cap="none" dirty="0">
+              <a:rPr lang="en-US" sz="2400" b="1" i="0" u="none" strike="noStrike" cap="none" dirty="0">
                 <a:solidFill>
                   <a:schemeClr val="lt1"/>
                 </a:solidFill>
@@ -25451,7 +25474,7 @@
               <a:t> = </a:t>
             </a:r>
             <a:r>
-              <a:rPr lang="en-US" sz="2400" i="0" u="none" strike="noStrike" cap="none" dirty="0">
+              <a:rPr lang="en-US" sz="2400" b="1" i="0" u="none" strike="noStrike" cap="none" dirty="0">
                 <a:solidFill>
                   <a:srgbClr val="FF7F00"/>
                 </a:solidFill>
@@ -25482,7 +25505,7 @@
               <a:buNone/>
             </a:pPr>
             <a:r>
-              <a:rPr lang="en-US" sz="2400" i="0" u="none" strike="noStrike" cap="none" dirty="0">
+              <a:rPr lang="en-US" sz="2400" b="1" i="0" u="none" strike="noStrike" cap="none" dirty="0">
                 <a:solidFill>
                   <a:srgbClr val="FFFF00"/>
                 </a:solidFill>
@@ -25494,7 +25517,7 @@
               <a:t>for</a:t>
             </a:r>
             <a:r>
-              <a:rPr lang="en-US" sz="2400" i="0" u="none" strike="noStrike" cap="none" dirty="0">
+              <a:rPr lang="en-US" sz="2400" b="1" i="0" u="none" strike="noStrike" cap="none" dirty="0">
                 <a:solidFill>
                   <a:schemeClr val="lt1"/>
                 </a:solidFill>
@@ -25506,7 +25529,7 @@
               <a:t> </a:t>
             </a:r>
             <a:r>
-              <a:rPr lang="en-US" sz="2400" i="0" u="none" strike="noStrike" cap="none" dirty="0">
+              <a:rPr lang="en-US" sz="2400" b="1" i="0" u="none" strike="noStrike" cap="none" dirty="0">
                 <a:solidFill>
                   <a:srgbClr val="00FF00"/>
                 </a:solidFill>
@@ -25518,7 +25541,7 @@
               <a:t>friend</a:t>
             </a:r>
             <a:r>
-              <a:rPr lang="en-US" sz="2400" i="0" u="none" strike="noStrike" cap="none" dirty="0">
+              <a:rPr lang="en-US" sz="2400" b="1" i="0" u="none" strike="noStrike" cap="none" dirty="0">
                 <a:solidFill>
                   <a:schemeClr val="lt1"/>
                 </a:solidFill>
@@ -25530,7 +25553,7 @@
               <a:t> </a:t>
             </a:r>
             <a:r>
-              <a:rPr lang="en-US" sz="2400" i="0" u="none" strike="noStrike" cap="none" dirty="0">
+              <a:rPr lang="en-US" sz="2400" b="1" i="0" u="none" strike="noStrike" cap="none" dirty="0">
                 <a:solidFill>
                   <a:srgbClr val="FFFF00"/>
                 </a:solidFill>
@@ -25542,7 +25565,7 @@
               <a:t>in</a:t>
             </a:r>
             <a:r>
-              <a:rPr lang="en-US" sz="2400" i="0" u="none" strike="noStrike" cap="none" dirty="0">
+              <a:rPr lang="en-US" sz="2400" b="1" i="0" u="none" strike="noStrike" cap="none" dirty="0">
                 <a:solidFill>
                   <a:schemeClr val="lt1"/>
                 </a:solidFill>
@@ -25554,7 +25577,7 @@
               <a:t> </a:t>
             </a:r>
             <a:r>
-              <a:rPr lang="en-US" sz="2400" i="0" u="none" strike="noStrike" cap="none" dirty="0">
+              <a:rPr lang="en-US" sz="2400" b="1" i="0" u="none" strike="noStrike" cap="none" dirty="0">
                 <a:solidFill>
                   <a:srgbClr val="00FF00"/>
                 </a:solidFill>
@@ -25566,7 +25589,7 @@
               <a:t>friends </a:t>
             </a:r>
             <a:r>
-              <a:rPr lang="en-US" sz="2400" i="0" u="none" strike="noStrike" cap="none" dirty="0">
+              <a:rPr lang="en-US" sz="2400" b="1" i="0" u="none" strike="noStrike" cap="none" dirty="0">
                 <a:solidFill>
                   <a:schemeClr val="lt1"/>
                 </a:solidFill>
@@ -25586,7 +25609,7 @@
               <a:buSzPct val="25000"/>
             </a:pPr>
             <a:r>
-              <a:rPr lang="en-US" sz="2400" i="0" u="none" strike="noStrike" cap="none" dirty="0">
+              <a:rPr lang="en-US" sz="2400" b="1" i="0" u="none" strike="noStrike" cap="none" dirty="0">
                 <a:solidFill>
                   <a:schemeClr val="lt1"/>
                 </a:solidFill>
@@ -25598,7 +25621,7 @@
               <a:t>    </a:t>
             </a:r>
             <a:r>
-              <a:rPr lang="en-US" sz="2400" i="0" u="none" strike="noStrike" cap="none" dirty="0" smtClean="0">
+              <a:rPr lang="en-US" sz="2400" b="1" i="0" u="none" strike="noStrike" cap="none" dirty="0" smtClean="0">
                 <a:solidFill>
                   <a:srgbClr val="FFFF00"/>
                 </a:solidFill>
@@ -25610,7 +25633,7 @@
               <a:t>print(</a:t>
             </a:r>
             <a:r>
-              <a:rPr lang="en-US" sz="2400" i="0" u="none" strike="noStrike" cap="none" dirty="0" smtClean="0">
+              <a:rPr lang="en-US" sz="2400" b="1" i="0" u="none" strike="noStrike" cap="none" dirty="0" smtClean="0">
                 <a:solidFill>
                   <a:srgbClr val="FF7F00"/>
                 </a:solidFill>
@@ -25622,7 +25645,7 @@
               <a:t>'Happy </a:t>
             </a:r>
             <a:r>
-              <a:rPr lang="en-US" sz="2400" i="0" u="none" strike="noStrike" cap="none" dirty="0">
+              <a:rPr lang="en-US" sz="2400" b="1" i="0" u="none" strike="noStrike" cap="none" dirty="0">
                 <a:solidFill>
                   <a:srgbClr val="FF7F00"/>
                 </a:solidFill>
@@ -25634,7 +25657,7 @@
               <a:t>New Year:'</a:t>
             </a:r>
             <a:r>
-              <a:rPr lang="en-US" sz="2400" i="0" u="none" strike="noStrike" cap="none" dirty="0">
+              <a:rPr lang="en-US" sz="2400" b="1" i="0" u="none" strike="noStrike" cap="none" dirty="0">
                 <a:solidFill>
                   <a:schemeClr val="lt1"/>
                 </a:solidFill>
@@ -25646,7 +25669,7 @@
               <a:t>,  </a:t>
             </a:r>
             <a:r>
-              <a:rPr lang="en-US" sz="2400" i="0" u="none" strike="noStrike" cap="none" dirty="0" smtClean="0">
+              <a:rPr lang="en-US" sz="2400" b="1" i="0" u="none" strike="noStrike" cap="none" dirty="0" smtClean="0">
                 <a:solidFill>
                   <a:srgbClr val="00FF00"/>
                 </a:solidFill>
@@ -25658,7 +25681,7 @@
               <a:t>friend</a:t>
             </a:r>
             <a:r>
-              <a:rPr lang="en-US" sz="2400" dirty="0" smtClean="0">
+              <a:rPr lang="en-US" sz="2400" b="1" dirty="0" smtClean="0">
                 <a:solidFill>
                   <a:srgbClr val="FFFF00"/>
                 </a:solidFill>
@@ -25669,7 +25692,7 @@
               </a:rPr>
               <a:t>)</a:t>
             </a:r>
-            <a:endParaRPr lang="en-US" sz="2400" i="0" u="none" strike="noStrike" cap="none" dirty="0">
+            <a:endParaRPr lang="en-US" sz="2400" b="1" i="0" u="none" strike="noStrike" cap="none" dirty="0">
               <a:solidFill>
                 <a:srgbClr val="00FF00"/>
               </a:solidFill>
@@ -25687,7 +25710,7 @@
               <a:buSzPct val="25000"/>
             </a:pPr>
             <a:r>
-              <a:rPr lang="en-US" sz="2400" i="0" u="none" strike="noStrike" cap="none" dirty="0" smtClean="0">
+              <a:rPr lang="en-US" sz="2400" b="1" i="0" u="none" strike="noStrike" cap="none" dirty="0" smtClean="0">
                 <a:solidFill>
                   <a:srgbClr val="FFFF00"/>
                 </a:solidFill>
@@ -25699,7 +25722,7 @@
               <a:t>print</a:t>
             </a:r>
             <a:r>
-              <a:rPr lang="en-US" sz="2400" dirty="0">
+              <a:rPr lang="en-US" sz="2400" b="1" dirty="0">
                 <a:solidFill>
                   <a:schemeClr val="lt1"/>
                 </a:solidFill>
@@ -25711,7 +25734,7 @@
               <a:t>(</a:t>
             </a:r>
             <a:r>
-              <a:rPr lang="en-US" sz="2400" i="0" u="none" strike="noStrike" cap="none" dirty="0" smtClean="0">
+              <a:rPr lang="en-US" sz="2400" b="1" i="0" u="none" strike="noStrike" cap="none" dirty="0" smtClean="0">
                 <a:solidFill>
                   <a:srgbClr val="FF7F00"/>
                 </a:solidFill>
@@ -25723,7 +25746,7 @@
               <a:t>'Done!'</a:t>
             </a:r>
             <a:r>
-              <a:rPr lang="en-US" sz="2400" dirty="0" smtClean="0">
+              <a:rPr lang="en-US" sz="2400" b="1" dirty="0" smtClean="0">
                 <a:solidFill>
                   <a:srgbClr val="FFFF00"/>
                 </a:solidFill>
@@ -25734,7 +25757,7 @@
               </a:rPr>
               <a:t>)</a:t>
             </a:r>
-            <a:endParaRPr lang="en-US" sz="2400" dirty="0">
+            <a:endParaRPr lang="en-US" sz="2400" b="1" dirty="0">
               <a:solidFill>
                 <a:srgbClr val="FFFF00"/>
               </a:solidFill>
@@ -26017,7 +26040,7 @@
               <a:buNone/>
             </a:pPr>
             <a:r>
-              <a:rPr lang="en-US" sz="2400" i="0" u="none" strike="noStrike" cap="none" dirty="0" smtClean="0">
+              <a:rPr lang="en-US" sz="2400" b="1" i="0" u="none" strike="noStrike" cap="none" dirty="0" smtClean="0">
                 <a:solidFill>
                   <a:srgbClr val="00FF00"/>
                 </a:solidFill>
@@ -26029,7 +26052,7 @@
               <a:t>z </a:t>
             </a:r>
             <a:r>
-              <a:rPr lang="en-US" sz="2400" i="0" u="none" strike="noStrike" cap="none" dirty="0" smtClean="0">
+              <a:rPr lang="en-US" sz="2400" b="1" i="0" u="none" strike="noStrike" cap="none" dirty="0" smtClean="0">
                 <a:solidFill>
                   <a:schemeClr val="lt1"/>
                 </a:solidFill>
@@ -26041,7 +26064,7 @@
               <a:t>= </a:t>
             </a:r>
             <a:r>
-              <a:rPr lang="en-US" sz="2400" i="0" u="none" strike="noStrike" cap="none" dirty="0">
+              <a:rPr lang="en-US" sz="2400" b="1" i="0" u="none" strike="noStrike" cap="none" dirty="0">
                 <a:solidFill>
                   <a:srgbClr val="FF7F00"/>
                 </a:solidFill>
@@ -26072,7 +26095,7 @@
               <a:buNone/>
             </a:pPr>
             <a:r>
-              <a:rPr lang="en-US" sz="2400" i="0" u="none" strike="noStrike" cap="none" dirty="0">
+              <a:rPr lang="en-US" sz="2400" b="1" i="0" u="none" strike="noStrike" cap="none" dirty="0">
                 <a:solidFill>
                   <a:srgbClr val="FFFF00"/>
                 </a:solidFill>
@@ -26084,7 +26107,7 @@
               <a:t>for</a:t>
             </a:r>
             <a:r>
-              <a:rPr lang="en-US" sz="2400" i="0" u="none" strike="noStrike" cap="none" dirty="0">
+              <a:rPr lang="en-US" sz="2400" b="1" i="0" u="none" strike="noStrike" cap="none" dirty="0">
                 <a:solidFill>
                   <a:schemeClr val="lt1"/>
                 </a:solidFill>
@@ -26096,7 +26119,7 @@
               <a:t> </a:t>
             </a:r>
             <a:r>
-              <a:rPr lang="en-US" sz="2400" i="0" u="none" strike="noStrike" cap="none" dirty="0" smtClean="0">
+              <a:rPr lang="en-US" sz="2400" b="1" i="0" u="none" strike="noStrike" cap="none" dirty="0" smtClean="0">
                 <a:solidFill>
                   <a:srgbClr val="00FF00"/>
                 </a:solidFill>
@@ -26108,7 +26131,7 @@
               <a:t>x </a:t>
             </a:r>
             <a:r>
-              <a:rPr lang="en-US" sz="2400" i="0" u="none" strike="noStrike" cap="none" dirty="0" smtClean="0">
+              <a:rPr lang="en-US" sz="2400" b="1" i="0" u="none" strike="noStrike" cap="none" dirty="0" smtClean="0">
                 <a:solidFill>
                   <a:srgbClr val="FFFF00"/>
                 </a:solidFill>
@@ -26120,7 +26143,7 @@
               <a:t>in</a:t>
             </a:r>
             <a:r>
-              <a:rPr lang="en-US" sz="2400" i="0" u="none" strike="noStrike" cap="none" dirty="0" smtClean="0">
+              <a:rPr lang="en-US" sz="2400" b="1" i="0" u="none" strike="noStrike" cap="none" dirty="0" smtClean="0">
                 <a:solidFill>
                   <a:schemeClr val="lt1"/>
                 </a:solidFill>
@@ -26132,7 +26155,7 @@
               <a:t> </a:t>
             </a:r>
             <a:r>
-              <a:rPr lang="en-US" sz="2400" i="0" u="none" strike="noStrike" cap="none" dirty="0" smtClean="0">
+              <a:rPr lang="en-US" sz="2400" b="1" i="0" u="none" strike="noStrike" cap="none" dirty="0" smtClean="0">
                 <a:solidFill>
                   <a:srgbClr val="00FF00"/>
                 </a:solidFill>
@@ -26144,7 +26167,7 @@
               <a:t>z</a:t>
             </a:r>
             <a:r>
-              <a:rPr lang="en-US" sz="2400" i="0" u="none" strike="noStrike" cap="none" dirty="0" smtClean="0">
+              <a:rPr lang="en-US" sz="2400" b="1" i="0" u="none" strike="noStrike" cap="none" dirty="0" smtClean="0">
                 <a:solidFill>
                   <a:schemeClr val="lt1"/>
                 </a:solidFill>
@@ -26155,7 +26178,7 @@
               </a:rPr>
               <a:t>:</a:t>
             </a:r>
-            <a:endParaRPr lang="en-US" sz="2400" i="0" u="none" strike="noStrike" cap="none" dirty="0">
+            <a:endParaRPr lang="en-US" sz="2400" b="1" i="0" u="none" strike="noStrike" cap="none" dirty="0">
               <a:solidFill>
                 <a:schemeClr val="lt1"/>
               </a:solidFill>
@@ -26173,7 +26196,7 @@
               <a:buSzPct val="25000"/>
             </a:pPr>
             <a:r>
-              <a:rPr lang="en-US" sz="2400" i="0" u="none" strike="noStrike" cap="none" dirty="0">
+              <a:rPr lang="en-US" sz="2400" b="1" i="0" u="none" strike="noStrike" cap="none" dirty="0">
                 <a:solidFill>
                   <a:schemeClr val="lt1"/>
                 </a:solidFill>
@@ -26185,7 +26208,7 @@
               <a:t>    </a:t>
             </a:r>
             <a:r>
-              <a:rPr lang="en-US" sz="2400" i="0" u="none" strike="noStrike" cap="none" dirty="0" smtClean="0">
+              <a:rPr lang="en-US" sz="2400" b="1" i="0" u="none" strike="noStrike" cap="none" dirty="0" smtClean="0">
                 <a:solidFill>
                   <a:srgbClr val="FFFF00"/>
                 </a:solidFill>
@@ -26197,7 +26220,7 @@
               <a:t>print(</a:t>
             </a:r>
             <a:r>
-              <a:rPr lang="en-US" sz="2400" i="0" u="none" strike="noStrike" cap="none" dirty="0" smtClean="0">
+              <a:rPr lang="en-US" sz="2400" b="1" i="0" u="none" strike="noStrike" cap="none" dirty="0" smtClean="0">
                 <a:solidFill>
                   <a:srgbClr val="FF7F00"/>
                 </a:solidFill>
@@ -26209,7 +26232,7 @@
               <a:t>'Happy </a:t>
             </a:r>
             <a:r>
-              <a:rPr lang="en-US" sz="2400" i="0" u="none" strike="noStrike" cap="none" dirty="0">
+              <a:rPr lang="en-US" sz="2400" b="1" i="0" u="none" strike="noStrike" cap="none" dirty="0">
                 <a:solidFill>
                   <a:srgbClr val="FF7F00"/>
                 </a:solidFill>
@@ -26221,7 +26244,7 @@
               <a:t>New Year:'</a:t>
             </a:r>
             <a:r>
-              <a:rPr lang="en-US" sz="2400" i="0" u="none" strike="noStrike" cap="none" dirty="0">
+              <a:rPr lang="en-US" sz="2400" b="1" i="0" u="none" strike="noStrike" cap="none" dirty="0">
                 <a:solidFill>
                   <a:schemeClr val="lt1"/>
                 </a:solidFill>
@@ -26233,7 +26256,7 @@
               <a:t>,  </a:t>
             </a:r>
             <a:r>
-              <a:rPr lang="en-US" sz="2400" i="0" u="none" strike="noStrike" cap="none" dirty="0" smtClean="0">
+              <a:rPr lang="en-US" sz="2400" b="1" i="0" u="none" strike="noStrike" cap="none" dirty="0" smtClean="0">
                 <a:solidFill>
                   <a:srgbClr val="00FF00"/>
                 </a:solidFill>
@@ -26245,7 +26268,7 @@
               <a:t>x</a:t>
             </a:r>
             <a:r>
-              <a:rPr lang="en-US" sz="2400" dirty="0" smtClean="0">
+              <a:rPr lang="en-US" sz="2400" b="1" dirty="0" smtClean="0">
                 <a:solidFill>
                   <a:srgbClr val="FFFF00"/>
                 </a:solidFill>
@@ -26256,7 +26279,7 @@
               </a:rPr>
               <a:t>)</a:t>
             </a:r>
-            <a:endParaRPr lang="en-US" sz="2400" i="0" u="none" strike="noStrike" cap="none" dirty="0">
+            <a:endParaRPr lang="en-US" sz="2400" b="1" i="0" u="none" strike="noStrike" cap="none" dirty="0">
               <a:solidFill>
                 <a:srgbClr val="00FF00"/>
               </a:solidFill>
@@ -26274,7 +26297,7 @@
               <a:buSzPct val="25000"/>
             </a:pPr>
             <a:r>
-              <a:rPr lang="en-US" sz="2400" i="0" u="none" strike="noStrike" cap="none" dirty="0" smtClean="0">
+              <a:rPr lang="en-US" sz="2400" b="1" i="0" u="none" strike="noStrike" cap="none" dirty="0" smtClean="0">
                 <a:solidFill>
                   <a:srgbClr val="FFFF00"/>
                 </a:solidFill>
@@ -26286,7 +26309,7 @@
               <a:t>print</a:t>
             </a:r>
             <a:r>
-              <a:rPr lang="en-US" sz="2400" dirty="0">
+              <a:rPr lang="en-US" sz="2400" b="1" dirty="0">
                 <a:solidFill>
                   <a:schemeClr val="lt1"/>
                 </a:solidFill>
@@ -26298,7 +26321,7 @@
               <a:t>(</a:t>
             </a:r>
             <a:r>
-              <a:rPr lang="en-US" sz="2400" i="0" u="none" strike="noStrike" cap="none" dirty="0" smtClean="0">
+              <a:rPr lang="en-US" sz="2400" b="1" i="0" u="none" strike="noStrike" cap="none" dirty="0" smtClean="0">
                 <a:solidFill>
                   <a:srgbClr val="FF7F00"/>
                 </a:solidFill>
@@ -26310,7 +26333,7 @@
               <a:t>'Done!'</a:t>
             </a:r>
             <a:r>
-              <a:rPr lang="en-US" sz="2400" dirty="0" smtClean="0">
+              <a:rPr lang="en-US" sz="2400" b="1" dirty="0" smtClean="0">
                 <a:solidFill>
                   <a:srgbClr val="FFFF00"/>
                 </a:solidFill>
@@ -26321,7 +26344,7 @@
               </a:rPr>
               <a:t>)</a:t>
             </a:r>
-            <a:endParaRPr lang="en-US" sz="2400" dirty="0">
+            <a:endParaRPr lang="en-US" sz="2400" b="1" dirty="0">
               <a:solidFill>
                 <a:srgbClr val="FFFF00"/>
               </a:solidFill>
@@ -26341,7 +26364,7 @@
   <p:timing>
     <p:tnLst>
       <p:par>
-        <p:cTn xmlns:p14="http://schemas.microsoft.com/office/powerpoint/2010/main" id="1" dur="indefinite" restart="never" nodeType="tmRoot"/>
+        <p:cTn id="1" dur="indefinite" restart="never" nodeType="tmRoot"/>
       </p:par>
     </p:tnLst>
   </p:timing>
@@ -26680,7 +26703,7 @@
               <a:buNone/>
             </a:pPr>
             <a:r>
-              <a:rPr lang="en-US" sz="2400" i="0" u="none" strike="noStrike" cap="none" dirty="0">
+              <a:rPr lang="en-US" sz="2400" b="1" i="0" u="none" strike="noStrike" cap="none" dirty="0">
                 <a:solidFill>
                   <a:schemeClr val="lt1"/>
                 </a:solidFill>
@@ -26692,7 +26715,7 @@
               <a:t>&gt;&gt;&gt; </a:t>
             </a:r>
             <a:r>
-              <a:rPr lang="en-US" sz="2400" i="0" u="none" strike="noStrike" cap="none" dirty="0">
+              <a:rPr lang="en-US" sz="2400" b="1" i="0" u="none" strike="noStrike" cap="none" dirty="0">
                 <a:solidFill>
                   <a:srgbClr val="00FF00"/>
                 </a:solidFill>
@@ -26704,7 +26727,7 @@
               <a:t>friends</a:t>
             </a:r>
             <a:r>
-              <a:rPr lang="en-US" sz="2400" i="0" u="none" strike="noStrike" cap="none" dirty="0">
+              <a:rPr lang="en-US" sz="2400" b="1" i="0" u="none" strike="noStrike" cap="none" dirty="0">
                 <a:solidFill>
                   <a:schemeClr val="lt1"/>
                 </a:solidFill>
@@ -26716,7 +26739,7 @@
               <a:t> = </a:t>
             </a:r>
             <a:r>
-              <a:rPr lang="en-US" sz="2400" i="0" u="none" strike="noStrike" cap="none" dirty="0">
+              <a:rPr lang="en-US" sz="2400" b="1" i="0" u="none" strike="noStrike" cap="none" dirty="0">
                 <a:solidFill>
                   <a:srgbClr val="FF7F00"/>
                 </a:solidFill>
@@ -26747,7 +26770,7 @@
               <a:buNone/>
             </a:pPr>
             <a:r>
-              <a:rPr lang="en-US" sz="2400" i="0" u="none" strike="noStrike" cap="none" dirty="0">
+              <a:rPr lang="en-US" sz="2400" b="1" i="0" u="none" strike="noStrike" cap="none" dirty="0">
                 <a:solidFill>
                   <a:schemeClr val="lt1"/>
                 </a:solidFill>
@@ -26759,7 +26782,7 @@
               <a:t>&gt;&gt;&gt; </a:t>
             </a:r>
             <a:r>
-              <a:rPr lang="en-US" sz="2400" i="0" u="none" strike="noStrike" cap="none" dirty="0" smtClean="0">
+              <a:rPr lang="en-US" sz="2400" b="1" i="0" u="none" strike="noStrike" cap="none" dirty="0" smtClean="0">
                 <a:solidFill>
                   <a:srgbClr val="FFFF00"/>
                 </a:solidFill>
@@ -26771,7 +26794,7 @@
               <a:t>print(</a:t>
             </a:r>
             <a:r>
-              <a:rPr lang="en-US" sz="2400" i="0" u="none" strike="noStrike" cap="none" dirty="0" smtClean="0">
+              <a:rPr lang="en-US" sz="2400" b="1" i="0" u="none" strike="noStrike" cap="none" dirty="0" smtClean="0">
                 <a:solidFill>
                   <a:srgbClr val="00FF00"/>
                 </a:solidFill>
@@ -26783,7 +26806,7 @@
               <a:t>friends</a:t>
             </a:r>
             <a:r>
-              <a:rPr lang="en-US" sz="2400" i="0" u="none" strike="noStrike" cap="none" dirty="0" smtClean="0">
+              <a:rPr lang="en-US" sz="2400" b="1" i="0" u="none" strike="noStrike" cap="none" dirty="0" smtClean="0">
                 <a:solidFill>
                   <a:srgbClr val="00FFFF"/>
                 </a:solidFill>
@@ -26795,7 +26818,7 @@
               <a:t>[</a:t>
             </a:r>
             <a:r>
-              <a:rPr lang="en-US" sz="2400" i="0" u="none" strike="noStrike" cap="none" dirty="0" smtClean="0">
+              <a:rPr lang="en-US" sz="2400" b="1" i="0" u="none" strike="noStrike" cap="none" dirty="0" smtClean="0">
                 <a:solidFill>
                   <a:schemeClr val="lt1"/>
                 </a:solidFill>
@@ -26807,7 +26830,7 @@
               <a:t>1</a:t>
             </a:r>
             <a:r>
-              <a:rPr lang="en-US" sz="2400" i="0" u="none" strike="noStrike" cap="none" dirty="0" smtClean="0">
+              <a:rPr lang="en-US" sz="2400" b="1" i="0" u="none" strike="noStrike" cap="none" dirty="0" smtClean="0">
                 <a:solidFill>
                   <a:srgbClr val="00FFFF"/>
                 </a:solidFill>
@@ -26819,7 +26842,7 @@
               <a:t>]</a:t>
             </a:r>
             <a:r>
-              <a:rPr lang="en-US" sz="2400" i="0" u="none" strike="noStrike" cap="none" dirty="0" smtClean="0">
+              <a:rPr lang="en-US" sz="2400" b="1" i="0" u="none" strike="noStrike" cap="none" dirty="0" smtClean="0">
                 <a:solidFill>
                   <a:srgbClr val="FFFF00"/>
                 </a:solidFill>
@@ -26830,7 +26853,7 @@
               </a:rPr>
               <a:t>)</a:t>
             </a:r>
-            <a:endParaRPr lang="en-US" sz="2400" dirty="0">
+            <a:endParaRPr lang="en-US" sz="2400" b="1" dirty="0">
               <a:solidFill>
                 <a:srgbClr val="FFFF00"/>
               </a:solidFill>
@@ -26859,7 +26882,7 @@
               <a:buNone/>
             </a:pPr>
             <a:r>
-              <a:rPr lang="en-US" sz="2400" i="0" u="none" strike="noStrike" cap="none" dirty="0" smtClean="0">
+              <a:rPr lang="en-US" sz="2400" b="1" i="0" u="none" strike="noStrike" cap="none" dirty="0" smtClean="0">
                 <a:solidFill>
                   <a:schemeClr val="lt1"/>
                 </a:solidFill>
@@ -26870,7 +26893,7 @@
               </a:rPr>
               <a:t>Glenn</a:t>
             </a:r>
-            <a:endParaRPr lang="en-US" sz="2400" i="0" u="none" strike="noStrike" cap="none" dirty="0">
+            <a:endParaRPr lang="en-US" sz="2400" b="1" i="0" u="none" strike="noStrike" cap="none" dirty="0">
               <a:solidFill>
                 <a:schemeClr val="lt1"/>
               </a:solidFill>
@@ -26899,7 +26922,7 @@
               <a:buNone/>
             </a:pPr>
             <a:r>
-              <a:rPr lang="en-US" sz="2400" i="0" u="none" strike="noStrike" cap="none" dirty="0">
+              <a:rPr lang="en-US" sz="2400" b="1" i="0" u="none" strike="noStrike" cap="none" dirty="0">
                 <a:solidFill>
                   <a:schemeClr val="lt1"/>
                 </a:solidFill>
@@ -27161,7 +27184,7 @@
   <p:timing>
     <p:tnLst>
       <p:par>
-        <p:cTn xmlns:p14="http://schemas.microsoft.com/office/powerpoint/2010/main" id="1" dur="indefinite" restart="never" nodeType="tmRoot"/>
+        <p:cTn id="1" dur="indefinite" restart="never" nodeType="tmRoot"/>
       </p:par>
     </p:tnLst>
   </p:timing>
@@ -27546,7 +27569,7 @@
               <a:buNone/>
             </a:pPr>
             <a:r>
-              <a:rPr lang="en-US" sz="2400" i="0" u="none" strike="noStrike" cap="none" dirty="0">
+              <a:rPr lang="en-US" sz="2400" b="1" i="0" u="none" strike="noStrike" cap="none" dirty="0">
                 <a:solidFill>
                   <a:schemeClr val="lt1"/>
                 </a:solidFill>
@@ -27558,7 +27581,7 @@
               <a:t>&gt;&gt;&gt; </a:t>
             </a:r>
             <a:r>
-              <a:rPr lang="en-US" sz="2400" i="0" u="none" strike="noStrike" cap="none" dirty="0">
+              <a:rPr lang="en-US" sz="2400" b="1" i="0" u="none" strike="noStrike" cap="none" dirty="0">
                 <a:solidFill>
                   <a:srgbClr val="00FF00"/>
                 </a:solidFill>
@@ -27570,7 +27593,7 @@
               <a:t>fruit</a:t>
             </a:r>
             <a:r>
-              <a:rPr lang="en-US" sz="2400" i="0" u="none" strike="noStrike" cap="none" dirty="0">
+              <a:rPr lang="en-US" sz="2400" b="1" i="0" u="none" strike="noStrike" cap="none" dirty="0">
                 <a:solidFill>
                   <a:schemeClr val="lt1"/>
                 </a:solidFill>
@@ -27582,7 +27605,7 @@
               <a:t> = 'Banana</a:t>
             </a:r>
             <a:r>
-              <a:rPr lang="en-US" sz="2400" dirty="0">
+              <a:rPr lang="en-US" sz="2400" b="1" dirty="0">
                 <a:solidFill>
                   <a:schemeClr val="lt1"/>
                 </a:solidFill>
@@ -27613,7 +27636,7 @@
               <a:buNone/>
             </a:pPr>
             <a:r>
-              <a:rPr lang="en-US" sz="2400" i="0" u="none" strike="noStrike" cap="none" dirty="0">
+              <a:rPr lang="en-US" sz="2400" b="1" i="0" u="none" strike="noStrike" cap="none" dirty="0">
                 <a:solidFill>
                   <a:schemeClr val="lt1"/>
                 </a:solidFill>
@@ -27625,7 +27648,7 @@
               <a:t>&gt;&gt;&gt; </a:t>
             </a:r>
             <a:r>
-              <a:rPr lang="en-US" sz="2400" i="0" u="none" strike="noStrike" cap="none" dirty="0">
+              <a:rPr lang="en-US" sz="2400" b="1" i="0" u="none" strike="noStrike" cap="none" dirty="0">
                 <a:solidFill>
                   <a:srgbClr val="00FF00"/>
                 </a:solidFill>
@@ -27637,7 +27660,7 @@
               <a:t>fruit</a:t>
             </a:r>
             <a:r>
-              <a:rPr lang="en-US" sz="2400" i="0" u="none" strike="noStrike" cap="none" dirty="0">
+              <a:rPr lang="en-US" sz="2400" b="1" i="0" u="none" strike="noStrike" cap="none" dirty="0">
                 <a:solidFill>
                   <a:srgbClr val="00FFFF"/>
                 </a:solidFill>
@@ -27649,7 +27672,7 @@
               <a:t>[</a:t>
             </a:r>
             <a:r>
-              <a:rPr lang="en-US" sz="2400" i="0" u="none" strike="noStrike" cap="none" dirty="0">
+              <a:rPr lang="en-US" sz="2400" b="1" i="0" u="none" strike="noStrike" cap="none" dirty="0">
                 <a:solidFill>
                   <a:schemeClr val="lt1"/>
                 </a:solidFill>
@@ -27661,7 +27684,7 @@
               <a:t>0</a:t>
             </a:r>
             <a:r>
-              <a:rPr lang="en-US" sz="2400" i="0" u="none" strike="noStrike" cap="none" dirty="0">
+              <a:rPr lang="en-US" sz="2400" b="1" i="0" u="none" strike="noStrike" cap="none" dirty="0">
                 <a:solidFill>
                   <a:srgbClr val="00FFFF"/>
                 </a:solidFill>
@@ -27673,7 +27696,7 @@
               <a:t>]</a:t>
             </a:r>
             <a:r>
-              <a:rPr lang="en-US" sz="2400" i="0" u="none" strike="noStrike" cap="none" dirty="0">
+              <a:rPr lang="en-US" sz="2400" b="1" i="0" u="none" strike="noStrike" cap="none" dirty="0">
                 <a:solidFill>
                   <a:schemeClr val="lt1"/>
                 </a:solidFill>
@@ -27685,7 +27708,7 @@
               <a:t> = 'b</a:t>
             </a:r>
             <a:r>
-              <a:rPr lang="en-US" sz="2400" dirty="0">
+              <a:rPr lang="en-US" sz="2400" b="1" dirty="0">
                 <a:solidFill>
                   <a:schemeClr val="lt1"/>
                 </a:solidFill>
@@ -27716,7 +27739,7 @@
               <a:buNone/>
             </a:pPr>
             <a:r>
-              <a:rPr lang="en-US" sz="2400" i="0" u="none" strike="noStrike" cap="none" dirty="0" err="1">
+              <a:rPr lang="en-US" sz="2400" b="1" i="0" u="none" strike="noStrike" cap="none" dirty="0" err="1">
                 <a:solidFill>
                   <a:srgbClr val="E06666"/>
                 </a:solidFill>
@@ -27728,7 +27751,7 @@
               <a:t>Traceback</a:t>
             </a:r>
             <a:r>
-              <a:rPr lang="en-US" sz="2400" i="0" u="none" strike="noStrike" cap="none" dirty="0">
+              <a:rPr lang="en-US" sz="2400" b="1" i="0" u="none" strike="noStrike" cap="none" dirty="0">
                 <a:solidFill>
                   <a:srgbClr val="E06666"/>
                 </a:solidFill>
@@ -27759,7 +27782,7 @@
               <a:buNone/>
             </a:pPr>
             <a:r>
-              <a:rPr lang="en-US" sz="2400" i="0" u="none" strike="noStrike" cap="none" dirty="0" err="1">
+              <a:rPr lang="en-US" sz="2400" b="1" i="0" u="none" strike="noStrike" cap="none" dirty="0" err="1">
                 <a:solidFill>
                   <a:srgbClr val="E06666"/>
                 </a:solidFill>
@@ -27771,7 +27794,7 @@
               <a:t>TypeError</a:t>
             </a:r>
             <a:r>
-              <a:rPr lang="en-US" sz="2400" i="0" u="none" strike="noStrike" cap="none" dirty="0">
+              <a:rPr lang="en-US" sz="2400" b="1" i="0" u="none" strike="noStrike" cap="none" dirty="0">
                 <a:solidFill>
                   <a:srgbClr val="E06666"/>
                 </a:solidFill>
@@ -27783,7 +27806,7 @@
               <a:t>: '</a:t>
             </a:r>
             <a:r>
-              <a:rPr lang="en-US" sz="2400" i="0" u="none" strike="noStrike" cap="none" dirty="0" err="1">
+              <a:rPr lang="en-US" sz="2400" b="1" i="0" u="none" strike="noStrike" cap="none" dirty="0" err="1">
                 <a:solidFill>
                   <a:srgbClr val="E06666"/>
                 </a:solidFill>
@@ -27795,7 +27818,7 @@
               <a:t>str</a:t>
             </a:r>
             <a:r>
-              <a:rPr lang="en-US" sz="2400" i="0" u="none" strike="noStrike" cap="none" dirty="0">
+              <a:rPr lang="en-US" sz="2400" b="1" i="0" u="none" strike="noStrike" cap="none" dirty="0">
                 <a:solidFill>
                   <a:srgbClr val="E06666"/>
                 </a:solidFill>
@@ -27826,7 +27849,7 @@
               <a:buNone/>
             </a:pPr>
             <a:r>
-              <a:rPr lang="en-US" sz="2400" i="0" u="none" strike="noStrike" cap="none" dirty="0">
+              <a:rPr lang="en-US" sz="2400" b="1" i="0" u="none" strike="noStrike" cap="none" dirty="0">
                 <a:solidFill>
                   <a:srgbClr val="E06666"/>
                 </a:solidFill>
@@ -27857,7 +27880,7 @@
               <a:buNone/>
             </a:pPr>
             <a:r>
-              <a:rPr lang="en-US" sz="2400" i="0" u="none" strike="noStrike" cap="none" dirty="0">
+              <a:rPr lang="en-US" sz="2400" b="1" i="0" u="none" strike="noStrike" cap="none" dirty="0">
                 <a:solidFill>
                   <a:schemeClr val="lt1"/>
                 </a:solidFill>
@@ -27869,7 +27892,7 @@
               <a:t>&gt;&gt;&gt; </a:t>
             </a:r>
             <a:r>
-              <a:rPr lang="en-US" sz="2400" i="0" u="none" strike="noStrike" cap="none" dirty="0">
+              <a:rPr lang="en-US" sz="2400" b="1" i="0" u="none" strike="noStrike" cap="none" dirty="0">
                 <a:solidFill>
                   <a:srgbClr val="00FF00"/>
                 </a:solidFill>
@@ -27881,7 +27904,7 @@
               <a:t>x</a:t>
             </a:r>
             <a:r>
-              <a:rPr lang="en-US" sz="2400" i="0" u="none" strike="noStrike" cap="none" dirty="0">
+              <a:rPr lang="en-US" sz="2400" b="1" i="0" u="none" strike="noStrike" cap="none" dirty="0">
                 <a:solidFill>
                   <a:schemeClr val="lt1"/>
                 </a:solidFill>
@@ -27893,7 +27916,7 @@
               <a:t> = </a:t>
             </a:r>
             <a:r>
-              <a:rPr lang="en-US" sz="2400" i="0" u="none" strike="noStrike" cap="none" dirty="0" err="1">
+              <a:rPr lang="en-US" sz="2400" b="1" i="0" u="none" strike="noStrike" cap="none" dirty="0" err="1">
                 <a:solidFill>
                   <a:srgbClr val="00FF00"/>
                 </a:solidFill>
@@ -27905,7 +27928,7 @@
               <a:t>fruit</a:t>
             </a:r>
             <a:r>
-              <a:rPr lang="en-US" sz="2400" i="0" u="none" strike="noStrike" cap="none" dirty="0" err="1">
+              <a:rPr lang="en-US" sz="2400" b="1" i="0" u="none" strike="noStrike" cap="none" dirty="0" err="1">
                 <a:solidFill>
                   <a:srgbClr val="FF00FF"/>
                 </a:solidFill>
@@ -27917,7 +27940,7 @@
               <a:t>.lower</a:t>
             </a:r>
             <a:r>
-              <a:rPr lang="en-US" sz="2400" i="0" u="none" strike="noStrike" cap="none" dirty="0">
+              <a:rPr lang="en-US" sz="2400" b="1" i="0" u="none" strike="noStrike" cap="none" dirty="0">
                 <a:solidFill>
                   <a:schemeClr val="lt1"/>
                 </a:solidFill>
@@ -27948,7 +27971,7 @@
               <a:buNone/>
             </a:pPr>
             <a:r>
-              <a:rPr lang="en-US" sz="2400" i="0" u="none" strike="noStrike" cap="none" dirty="0">
+              <a:rPr lang="en-US" sz="2400" b="1" i="0" u="none" strike="noStrike" cap="none" dirty="0">
                 <a:solidFill>
                   <a:schemeClr val="lt1"/>
                 </a:solidFill>
@@ -27960,7 +27983,7 @@
               <a:t>&gt;&gt;&gt; </a:t>
             </a:r>
             <a:r>
-              <a:rPr lang="en-US" sz="2400" i="0" u="none" strike="noStrike" cap="none" dirty="0" smtClean="0">
+              <a:rPr lang="en-US" sz="2400" b="1" i="0" u="none" strike="noStrike" cap="none" dirty="0" smtClean="0">
                 <a:solidFill>
                   <a:srgbClr val="FFFF00"/>
                 </a:solidFill>
@@ -27972,7 +27995,7 @@
               <a:t>print(</a:t>
             </a:r>
             <a:r>
-              <a:rPr lang="en-US" sz="2400" i="0" u="none" strike="noStrike" cap="none" dirty="0" smtClean="0">
+              <a:rPr lang="en-US" sz="2400" b="1" i="0" u="none" strike="noStrike" cap="none" dirty="0" smtClean="0">
                 <a:solidFill>
                   <a:srgbClr val="00FF00"/>
                 </a:solidFill>
@@ -27984,7 +28007,7 @@
               <a:t>x</a:t>
             </a:r>
             <a:r>
-              <a:rPr lang="en-US" sz="2400" i="0" u="none" strike="noStrike" cap="none" dirty="0" smtClean="0">
+              <a:rPr lang="en-US" sz="2400" b="1" i="0" u="none" strike="noStrike" cap="none" dirty="0" smtClean="0">
                 <a:solidFill>
                   <a:srgbClr val="FFFF00"/>
                 </a:solidFill>
@@ -27995,7 +28018,7 @@
               </a:rPr>
               <a:t>)</a:t>
             </a:r>
-            <a:endParaRPr lang="en-US" sz="2400" i="0" u="none" strike="noStrike" cap="none" dirty="0">
+            <a:endParaRPr lang="en-US" sz="2400" b="1" i="0" u="none" strike="noStrike" cap="none" dirty="0">
               <a:solidFill>
                 <a:srgbClr val="FFFF00"/>
               </a:solidFill>
@@ -28024,7 +28047,7 @@
               <a:buNone/>
             </a:pPr>
             <a:r>
-              <a:rPr lang="en-US" sz="2400" i="0" u="none" strike="noStrike" cap="none" dirty="0">
+              <a:rPr lang="en-US" sz="2400" b="1" i="0" u="none" strike="noStrike" cap="none" dirty="0">
                 <a:solidFill>
                   <a:schemeClr val="lt1"/>
                 </a:solidFill>
@@ -28055,7 +28078,7 @@
               <a:buNone/>
             </a:pPr>
             <a:r>
-              <a:rPr lang="en-US" sz="2400" i="0" u="none" strike="noStrike" cap="none" dirty="0">
+              <a:rPr lang="en-US" sz="2400" b="1" i="0" u="none" strike="noStrike" cap="none" dirty="0">
                 <a:solidFill>
                   <a:schemeClr val="lt1"/>
                 </a:solidFill>
@@ -28067,7 +28090,7 @@
               <a:t>&gt;&gt;&gt; </a:t>
             </a:r>
             <a:r>
-              <a:rPr lang="en-US" sz="2400" i="0" u="none" strike="noStrike" cap="none" dirty="0" smtClean="0">
+              <a:rPr lang="en-US" sz="2400" b="1" i="0" u="none" strike="noStrike" cap="none" dirty="0" smtClean="0">
                 <a:solidFill>
                   <a:srgbClr val="00FF00"/>
                 </a:solidFill>
@@ -28079,7 +28102,7 @@
               <a:t>lotto</a:t>
             </a:r>
             <a:r>
-              <a:rPr lang="en-US" sz="2400" i="0" u="none" strike="noStrike" cap="none" dirty="0" smtClean="0">
+              <a:rPr lang="en-US" sz="2400" b="1" i="0" u="none" strike="noStrike" cap="none" dirty="0" smtClean="0">
                 <a:solidFill>
                   <a:schemeClr val="lt1"/>
                 </a:solidFill>
@@ -28091,7 +28114,7 @@
               <a:t> </a:t>
             </a:r>
             <a:r>
-              <a:rPr lang="en-US" sz="2400" i="0" u="none" strike="noStrike" cap="none" dirty="0">
+              <a:rPr lang="en-US" sz="2400" b="1" i="0" u="none" strike="noStrike" cap="none" dirty="0">
                 <a:solidFill>
                   <a:schemeClr val="lt1"/>
                 </a:solidFill>
@@ -28103,7 +28126,7 @@
               <a:t>= </a:t>
             </a:r>
             <a:r>
-              <a:rPr lang="en-US" sz="2400" i="0" u="none" strike="noStrike" cap="none" dirty="0">
+              <a:rPr lang="en-US" sz="2400" b="1" i="0" u="none" strike="noStrike" cap="none" dirty="0">
                 <a:solidFill>
                   <a:srgbClr val="FF7F00"/>
                 </a:solidFill>
@@ -28123,7 +28146,7 @@
               <a:buSzPct val="25000"/>
             </a:pPr>
             <a:r>
-              <a:rPr lang="en-US" sz="2400" i="0" u="none" strike="noStrike" cap="none" dirty="0">
+              <a:rPr lang="en-US" sz="2400" b="1" i="0" u="none" strike="noStrike" cap="none" dirty="0">
                 <a:solidFill>
                   <a:schemeClr val="lt1"/>
                 </a:solidFill>
@@ -28135,7 +28158,7 @@
               <a:t>&gt;&gt;&gt; </a:t>
             </a:r>
             <a:r>
-              <a:rPr lang="en-US" sz="2400" i="0" u="none" strike="noStrike" cap="none" dirty="0" smtClean="0">
+              <a:rPr lang="en-US" sz="2400" b="1" i="0" u="none" strike="noStrike" cap="none" dirty="0" smtClean="0">
                 <a:solidFill>
                   <a:srgbClr val="FFFF00"/>
                 </a:solidFill>
@@ -28147,7 +28170,7 @@
               <a:t>print(</a:t>
             </a:r>
             <a:r>
-              <a:rPr lang="en-US" sz="2400" i="0" u="none" strike="noStrike" cap="none" dirty="0" smtClean="0">
+              <a:rPr lang="en-US" sz="2400" b="1" i="0" u="none" strike="noStrike" cap="none" dirty="0" smtClean="0">
                 <a:solidFill>
                   <a:srgbClr val="00FF00"/>
                 </a:solidFill>
@@ -28159,7 +28182,7 @@
               <a:t>lotto</a:t>
             </a:r>
             <a:r>
-              <a:rPr lang="en-US" sz="2400" dirty="0" smtClean="0">
+              <a:rPr lang="en-US" sz="2400" b="1" dirty="0" smtClean="0">
                 <a:solidFill>
                   <a:srgbClr val="FFFF00"/>
                 </a:solidFill>
@@ -28170,7 +28193,7 @@
               </a:rPr>
               <a:t>)</a:t>
             </a:r>
-            <a:endParaRPr lang="en-US" sz="2400" i="0" u="none" strike="noStrike" cap="none" dirty="0">
+            <a:endParaRPr lang="en-US" sz="2400" b="1" i="0" u="none" strike="noStrike" cap="none" dirty="0">
               <a:solidFill>
                 <a:srgbClr val="00FF00"/>
               </a:solidFill>
@@ -28199,7 +28222,7 @@
               <a:buNone/>
             </a:pPr>
             <a:r>
-              <a:rPr lang="en-US" sz="2400" i="0" u="none" strike="noStrike" cap="none" dirty="0">
+              <a:rPr lang="en-US" sz="2400" b="1" i="0" u="none" strike="noStrike" cap="none" dirty="0">
                 <a:solidFill>
                   <a:schemeClr val="lt1"/>
                 </a:solidFill>
@@ -28230,7 +28253,7 @@
               <a:buNone/>
             </a:pPr>
             <a:r>
-              <a:rPr lang="en-US" sz="2400" i="0" u="none" strike="noStrike" cap="none" dirty="0">
+              <a:rPr lang="en-US" sz="2400" b="1" i="0" u="none" strike="noStrike" cap="none" dirty="0">
                 <a:solidFill>
                   <a:schemeClr val="lt1"/>
                 </a:solidFill>
@@ -28242,7 +28265,7 @@
               <a:t>&gt;&gt;&gt; </a:t>
             </a:r>
             <a:r>
-              <a:rPr lang="en-US" sz="2400" i="0" u="none" strike="noStrike" cap="none" dirty="0">
+              <a:rPr lang="en-US" sz="2400" b="1" i="0" u="none" strike="noStrike" cap="none" dirty="0">
                 <a:solidFill>
                   <a:srgbClr val="00FF00"/>
                 </a:solidFill>
@@ -28254,7 +28277,7 @@
               <a:t>lotto</a:t>
             </a:r>
             <a:r>
-              <a:rPr lang="en-US" sz="2400" i="0" u="none" strike="noStrike" cap="none" dirty="0">
+              <a:rPr lang="en-US" sz="2400" b="1" i="0" u="none" strike="noStrike" cap="none" dirty="0">
                 <a:solidFill>
                   <a:srgbClr val="00FFFF"/>
                 </a:solidFill>
@@ -28266,7 +28289,7 @@
               <a:t>[</a:t>
             </a:r>
             <a:r>
-              <a:rPr lang="en-US" sz="2400" i="0" u="none" strike="noStrike" cap="none" dirty="0">
+              <a:rPr lang="en-US" sz="2400" b="1" i="0" u="none" strike="noStrike" cap="none" dirty="0">
                 <a:solidFill>
                   <a:schemeClr val="lt1"/>
                 </a:solidFill>
@@ -28278,7 +28301,7 @@
               <a:t>2</a:t>
             </a:r>
             <a:r>
-              <a:rPr lang="en-US" sz="2400" i="0" u="none" strike="noStrike" cap="none" dirty="0">
+              <a:rPr lang="en-US" sz="2400" b="1" i="0" u="none" strike="noStrike" cap="none" dirty="0">
                 <a:solidFill>
                   <a:srgbClr val="00FFFF"/>
                 </a:solidFill>
@@ -28290,7 +28313,7 @@
               <a:t>]</a:t>
             </a:r>
             <a:r>
-              <a:rPr lang="en-US" sz="2400" i="0" u="none" strike="noStrike" cap="none" dirty="0">
+              <a:rPr lang="en-US" sz="2400" b="1" i="0" u="none" strike="noStrike" cap="none" dirty="0">
                 <a:solidFill>
                   <a:schemeClr val="lt1"/>
                 </a:solidFill>
@@ -28310,7 +28333,7 @@
               <a:buSzPct val="25000"/>
             </a:pPr>
             <a:r>
-              <a:rPr lang="en-US" sz="2400" i="0" u="none" strike="noStrike" cap="none" dirty="0">
+              <a:rPr lang="en-US" sz="2400" b="1" i="0" u="none" strike="noStrike" cap="none" dirty="0">
                 <a:solidFill>
                   <a:schemeClr val="lt1"/>
                 </a:solidFill>
@@ -28322,7 +28345,7 @@
               <a:t>&gt;&gt;&gt; </a:t>
             </a:r>
             <a:r>
-              <a:rPr lang="en-US" sz="2400" i="0" u="none" strike="noStrike" cap="none" dirty="0" smtClean="0">
+              <a:rPr lang="en-US" sz="2400" b="1" i="0" u="none" strike="noStrike" cap="none" dirty="0" smtClean="0">
                 <a:solidFill>
                   <a:srgbClr val="FFFF00"/>
                 </a:solidFill>
@@ -28334,7 +28357,7 @@
               <a:t>print(</a:t>
             </a:r>
             <a:r>
-              <a:rPr lang="en-US" sz="2400" i="0" u="none" strike="noStrike" cap="none" dirty="0" smtClean="0">
+              <a:rPr lang="en-US" sz="2400" b="1" i="0" u="none" strike="noStrike" cap="none" dirty="0" smtClean="0">
                 <a:solidFill>
                   <a:srgbClr val="00FF00"/>
                 </a:solidFill>
@@ -28346,7 +28369,7 @@
               <a:t>lotto</a:t>
             </a:r>
             <a:r>
-              <a:rPr lang="en-US" sz="2400" dirty="0" smtClean="0">
+              <a:rPr lang="en-US" sz="2400" b="1" dirty="0" smtClean="0">
                 <a:solidFill>
                   <a:srgbClr val="FFFF00"/>
                 </a:solidFill>
@@ -28357,7 +28380,7 @@
               </a:rPr>
               <a:t>)</a:t>
             </a:r>
-            <a:endParaRPr lang="en-US" sz="2400" i="0" u="none" strike="noStrike" cap="none" dirty="0">
+            <a:endParaRPr lang="en-US" sz="2400" b="1" i="0" u="none" strike="noStrike" cap="none" dirty="0">
               <a:solidFill>
                 <a:srgbClr val="00FF00"/>
               </a:solidFill>
@@ -28386,7 +28409,7 @@
               <a:buNone/>
             </a:pPr>
             <a:r>
-              <a:rPr lang="en-US" sz="2400" i="0" u="none" strike="noStrike" cap="none" dirty="0">
+              <a:rPr lang="en-US" sz="2400" b="1" i="0" u="none" strike="noStrike" cap="none" dirty="0">
                 <a:solidFill>
                   <a:schemeClr val="lt1"/>
                 </a:solidFill>
@@ -28398,7 +28421,7 @@
               <a:t>[2, 14, </a:t>
             </a:r>
             <a:r>
-              <a:rPr lang="en-US" sz="2400" i="0" u="none" strike="noStrike" cap="none" dirty="0">
+              <a:rPr lang="en-US" sz="2400" b="1" i="0" u="none" strike="noStrike" cap="none" dirty="0">
                 <a:solidFill>
                   <a:srgbClr val="FF00FF"/>
                 </a:solidFill>
@@ -28410,7 +28433,7 @@
               <a:t>28</a:t>
             </a:r>
             <a:r>
-              <a:rPr lang="en-US" sz="2400" i="0" u="none" strike="noStrike" cap="none" dirty="0">
+              <a:rPr lang="en-US" sz="2400" b="1" i="0" u="none" strike="noStrike" cap="none" dirty="0">
                 <a:solidFill>
                   <a:schemeClr val="lt1"/>
                 </a:solidFill>
@@ -28432,7 +28455,7 @@
   <p:timing>
     <p:tnLst>
       <p:par>
-        <p:cTn xmlns:p14="http://schemas.microsoft.com/office/powerpoint/2010/main" id="1" dur="indefinite" restart="never" nodeType="tmRoot"/>
+        <p:cTn id="1" dur="indefinite" restart="never" nodeType="tmRoot"/>
       </p:par>
     </p:tnLst>
   </p:timing>

--- a/lectures3/Pythonlearn-08-Lists.pptx
+++ b/lectures3/Pythonlearn-08-Lists.pptx
@@ -576,13 +576,34 @@
               <a:buNone/>
             </a:pPr>
             <a:r>
-              <a:rPr lang="en-US">
+              <a:rPr lang="en-US" dirty="0">
                 <a:solidFill>
                   <a:schemeClr val="dk2"/>
                 </a:solidFill>
               </a:rPr>
-              <a:t>Note from Chuck.  If you are using these materials, you can remove the UM logo and replace it with your own, but please retain the CC-BY logo on the first page as well as retain the entire last page.</a:t>
-            </a:r>
+              <a:t>Note from Chuck.  If you are using these materials, you can remove the UM logo and replace it with your own, but please retain the CC-BY logo on the first page as well as retain the </a:t>
+            </a:r>
+            <a:r>
+              <a:rPr lang="en-US" dirty="0" smtClean="0">
+                <a:solidFill>
+                  <a:schemeClr val="dk2"/>
+                </a:solidFill>
+              </a:rPr>
+              <a:t>acknowledgement page(s)</a:t>
+            </a:r>
+            <a:r>
+              <a:rPr lang="en-US" baseline="0" dirty="0" smtClean="0">
+                <a:solidFill>
+                  <a:schemeClr val="dk2"/>
+                </a:solidFill>
+              </a:rPr>
+              <a:t> at the end.</a:t>
+            </a:r>
+            <a:endParaRPr lang="en-US" dirty="0">
+              <a:solidFill>
+                <a:schemeClr val="dk2"/>
+              </a:solidFill>
+            </a:endParaRPr>
           </a:p>
         </p:txBody>
       </p:sp>
@@ -18592,7 +18613,7 @@
               <a:t> </a:t>
             </a:r>
             <a:r>
-              <a:rPr lang="en-US" sz="2400" i="0" u="none" strike="noStrike" cap="none" dirty="0" err="1">
+              <a:rPr lang="en-US" sz="2400" b="1" i="0" u="none" strike="noStrike" cap="none" dirty="0" err="1">
                 <a:solidFill>
                   <a:srgbClr val="00FF00"/>
                 </a:solidFill>
@@ -18604,7 +18625,7 @@
               <a:t>fhand</a:t>
             </a:r>
             <a:r>
-              <a:rPr lang="en-US" sz="2400" i="0" u="none" strike="noStrike" cap="none" dirty="0">
+              <a:rPr lang="en-US" sz="2400" b="1" i="0" u="none" strike="noStrike" cap="none" dirty="0">
                 <a:solidFill>
                   <a:schemeClr val="lt1"/>
                 </a:solidFill>
@@ -18616,7 +18637,7 @@
               <a:t> = </a:t>
             </a:r>
             <a:r>
-              <a:rPr lang="en-US" sz="2400" i="0" u="none" strike="noStrike" cap="none" dirty="0">
+              <a:rPr lang="en-US" sz="2400" b="1" i="0" u="none" strike="noStrike" cap="none" dirty="0">
                 <a:solidFill>
                   <a:srgbClr val="FF00FF"/>
                 </a:solidFill>
@@ -18628,7 +18649,7 @@
               <a:t>open</a:t>
             </a:r>
             <a:r>
-              <a:rPr lang="en-US" sz="2400" i="0" u="none" strike="noStrike" cap="none" dirty="0">
+              <a:rPr lang="en-US" sz="2400" b="1" i="0" u="none" strike="noStrike" cap="none" dirty="0">
                 <a:solidFill>
                   <a:schemeClr val="lt1"/>
                 </a:solidFill>
@@ -18640,7 +18661,7 @@
               <a:t>('</a:t>
             </a:r>
             <a:r>
-              <a:rPr lang="en-US" sz="2400" i="0" u="none" strike="noStrike" cap="none" dirty="0" err="1">
+              <a:rPr lang="en-US" sz="2400" b="1" i="0" u="none" strike="noStrike" cap="none" dirty="0" err="1">
                 <a:solidFill>
                   <a:schemeClr val="lt1"/>
                 </a:solidFill>
@@ -18652,7 +18673,7 @@
               <a:t>mbox-short.txt</a:t>
             </a:r>
             <a:r>
-              <a:rPr lang="en-US" sz="2400" i="0" u="none" strike="noStrike" cap="none" dirty="0">
+              <a:rPr lang="en-US" sz="2400" b="1" i="0" u="none" strike="noStrike" cap="none" dirty="0">
                 <a:solidFill>
                   <a:schemeClr val="lt1"/>
                 </a:solidFill>
@@ -18683,7 +18704,7 @@
               <a:buNone/>
             </a:pPr>
             <a:r>
-              <a:rPr lang="en-US" sz="2400" dirty="0">
+              <a:rPr lang="en-US" sz="2400" b="1" dirty="0">
                 <a:solidFill>
                   <a:srgbClr val="FFFF00"/>
                 </a:solidFill>
@@ -18695,7 +18716,7 @@
               <a:t> </a:t>
             </a:r>
             <a:r>
-              <a:rPr lang="en-US" sz="2400" i="0" u="none" strike="noStrike" cap="none" dirty="0">
+              <a:rPr lang="en-US" sz="2400" b="1" i="0" u="none" strike="noStrike" cap="none" dirty="0">
                 <a:solidFill>
                   <a:srgbClr val="FFFF00"/>
                 </a:solidFill>
@@ -18707,7 +18728,7 @@
               <a:t>for</a:t>
             </a:r>
             <a:r>
-              <a:rPr lang="en-US" sz="2400" i="0" u="none" strike="noStrike" cap="none" dirty="0">
+              <a:rPr lang="en-US" sz="2400" b="1" i="0" u="none" strike="noStrike" cap="none" dirty="0">
                 <a:solidFill>
                   <a:schemeClr val="lt1"/>
                 </a:solidFill>
@@ -18719,7 +18740,7 @@
               <a:t> </a:t>
             </a:r>
             <a:r>
-              <a:rPr lang="en-US" sz="2400" i="0" u="none" strike="noStrike" cap="none" dirty="0">
+              <a:rPr lang="en-US" sz="2400" b="1" i="0" u="none" strike="noStrike" cap="none" dirty="0">
                 <a:solidFill>
                   <a:srgbClr val="00FF00"/>
                 </a:solidFill>
@@ -18731,7 +18752,7 @@
               <a:t>line</a:t>
             </a:r>
             <a:r>
-              <a:rPr lang="en-US" sz="2400" i="0" u="none" strike="noStrike" cap="none" dirty="0">
+              <a:rPr lang="en-US" sz="2400" b="1" i="0" u="none" strike="noStrike" cap="none" dirty="0">
                 <a:solidFill>
                   <a:schemeClr val="lt1"/>
                 </a:solidFill>
@@ -18743,7 +18764,7 @@
               <a:t> </a:t>
             </a:r>
             <a:r>
-              <a:rPr lang="en-US" sz="2400" i="0" u="none" strike="noStrike" cap="none" dirty="0">
+              <a:rPr lang="en-US" sz="2400" b="1" i="0" u="none" strike="noStrike" cap="none" dirty="0">
                 <a:solidFill>
                   <a:srgbClr val="FFFF00"/>
                 </a:solidFill>
@@ -18755,7 +18776,7 @@
               <a:t>in</a:t>
             </a:r>
             <a:r>
-              <a:rPr lang="en-US" sz="2400" i="0" u="none" strike="noStrike" cap="none" dirty="0">
+              <a:rPr lang="en-US" sz="2400" b="1" i="0" u="none" strike="noStrike" cap="none" dirty="0">
                 <a:solidFill>
                   <a:schemeClr val="lt1"/>
                 </a:solidFill>
@@ -18767,7 +18788,7 @@
               <a:t> </a:t>
             </a:r>
             <a:r>
-              <a:rPr lang="en-US" sz="2400" i="0" u="none" strike="noStrike" cap="none" dirty="0" err="1">
+              <a:rPr lang="en-US" sz="2400" b="1" i="0" u="none" strike="noStrike" cap="none" dirty="0" err="1">
                 <a:solidFill>
                   <a:srgbClr val="00FF00"/>
                 </a:solidFill>
@@ -18779,7 +18800,7 @@
               <a:t>fhand</a:t>
             </a:r>
             <a:r>
-              <a:rPr lang="en-US" sz="2400" i="0" u="none" strike="noStrike" cap="none" dirty="0">
+              <a:rPr lang="en-US" sz="2400" b="1" i="0" u="none" strike="noStrike" cap="none" dirty="0">
                 <a:solidFill>
                   <a:schemeClr val="lt1"/>
                 </a:solidFill>
@@ -18810,7 +18831,7 @@
               <a:buNone/>
             </a:pPr>
             <a:r>
-              <a:rPr lang="en-US" sz="2400" i="0" u="none" strike="noStrike" cap="none" dirty="0">
+              <a:rPr lang="en-US" sz="2400" b="1" i="0" u="none" strike="noStrike" cap="none" dirty="0">
                 <a:solidFill>
                   <a:schemeClr val="lt1"/>
                 </a:solidFill>
@@ -18822,7 +18843,7 @@
               <a:t>     </a:t>
             </a:r>
             <a:r>
-              <a:rPr lang="en-US" sz="2400" i="0" u="none" strike="noStrike" cap="none" dirty="0">
+              <a:rPr lang="en-US" sz="2400" b="1" i="0" u="none" strike="noStrike" cap="none" dirty="0">
                 <a:solidFill>
                   <a:srgbClr val="00FF00"/>
                 </a:solidFill>
@@ -18834,7 +18855,7 @@
               <a:t>line</a:t>
             </a:r>
             <a:r>
-              <a:rPr lang="en-US" sz="2400" i="0" u="none" strike="noStrike" cap="none" dirty="0">
+              <a:rPr lang="en-US" sz="2400" b="1" i="0" u="none" strike="noStrike" cap="none" dirty="0">
                 <a:solidFill>
                   <a:schemeClr val="lt1"/>
                 </a:solidFill>
@@ -18846,7 +18867,7 @@
               <a:t> = </a:t>
             </a:r>
             <a:r>
-              <a:rPr lang="en-US" sz="2400" i="0" u="none" strike="noStrike" cap="none" dirty="0" err="1">
+              <a:rPr lang="en-US" sz="2400" b="1" i="0" u="none" strike="noStrike" cap="none" dirty="0" err="1">
                 <a:solidFill>
                   <a:srgbClr val="00FF00"/>
                 </a:solidFill>
@@ -18858,7 +18879,7 @@
               <a:t>line</a:t>
             </a:r>
             <a:r>
-              <a:rPr lang="en-US" sz="2400" i="0" u="none" strike="noStrike" cap="none" dirty="0" err="1">
+              <a:rPr lang="en-US" sz="2400" b="1" i="0" u="none" strike="noStrike" cap="none" dirty="0" err="1">
                 <a:solidFill>
                   <a:srgbClr val="FF00FF"/>
                 </a:solidFill>
@@ -18870,7 +18891,7 @@
               <a:t>.rstrip</a:t>
             </a:r>
             <a:r>
-              <a:rPr lang="en-US" sz="2400" i="0" u="none" strike="noStrike" cap="none" dirty="0">
+              <a:rPr lang="en-US" sz="2400" b="1" i="0" u="none" strike="noStrike" cap="none" dirty="0">
                 <a:solidFill>
                   <a:schemeClr val="lt1"/>
                 </a:solidFill>
@@ -18901,7 +18922,7 @@
               <a:buNone/>
             </a:pPr>
             <a:r>
-              <a:rPr lang="en-US" sz="2400" i="0" u="none" strike="noStrike" cap="none" dirty="0">
+              <a:rPr lang="en-US" sz="2400" b="1" i="0" u="none" strike="noStrike" cap="none" dirty="0">
                 <a:solidFill>
                   <a:schemeClr val="lt1"/>
                 </a:solidFill>
@@ -18913,7 +18934,7 @@
               <a:t>     </a:t>
             </a:r>
             <a:r>
-              <a:rPr lang="en-US" sz="2400" i="0" u="none" strike="noStrike" cap="none" dirty="0">
+              <a:rPr lang="en-US" sz="2400" b="1" i="0" u="none" strike="noStrike" cap="none" dirty="0">
                 <a:solidFill>
                   <a:srgbClr val="FFFF00"/>
                 </a:solidFill>
@@ -18925,7 +18946,7 @@
               <a:t>if not</a:t>
             </a:r>
             <a:r>
-              <a:rPr lang="en-US" sz="2400" i="0" u="none" strike="noStrike" cap="none" dirty="0">
+              <a:rPr lang="en-US" sz="2400" b="1" i="0" u="none" strike="noStrike" cap="none" dirty="0">
                 <a:solidFill>
                   <a:schemeClr val="lt1"/>
                 </a:solidFill>
@@ -18937,7 +18958,7 @@
               <a:t> </a:t>
             </a:r>
             <a:r>
-              <a:rPr lang="en-US" sz="2400" i="0" u="none" strike="noStrike" cap="none" dirty="0" err="1">
+              <a:rPr lang="en-US" sz="2400" b="1" i="0" u="none" strike="noStrike" cap="none" dirty="0" err="1">
                 <a:solidFill>
                   <a:srgbClr val="00FF00"/>
                 </a:solidFill>
@@ -18949,7 +18970,7 @@
               <a:t>line</a:t>
             </a:r>
             <a:r>
-              <a:rPr lang="en-US" sz="2400" i="0" u="none" strike="noStrike" cap="none" dirty="0" err="1">
+              <a:rPr lang="en-US" sz="2400" b="1" i="0" u="none" strike="noStrike" cap="none" dirty="0" err="1">
                 <a:solidFill>
                   <a:srgbClr val="FF00FF"/>
                 </a:solidFill>
@@ -18961,7 +18982,7 @@
               <a:t>.startswith</a:t>
             </a:r>
             <a:r>
-              <a:rPr lang="en-US" sz="2400" i="0" u="none" strike="noStrike" cap="none" dirty="0">
+              <a:rPr lang="en-US" sz="2400" b="1" i="0" u="none" strike="noStrike" cap="none" dirty="0">
                 <a:solidFill>
                   <a:schemeClr val="lt1"/>
                 </a:solidFill>
@@ -18973,7 +18994,7 @@
               <a:t>('From ') : </a:t>
             </a:r>
             <a:r>
-              <a:rPr lang="en-US" sz="2400" i="0" u="none" strike="noStrike" cap="none" dirty="0">
+              <a:rPr lang="en-US" sz="2400" b="1" i="0" u="none" strike="noStrike" cap="none" dirty="0">
                 <a:solidFill>
                   <a:srgbClr val="FFFF00"/>
                 </a:solidFill>
@@ -19004,7 +19025,7 @@
               <a:buNone/>
             </a:pPr>
             <a:r>
-              <a:rPr lang="en-US" sz="2400" i="0" u="none" strike="noStrike" cap="none" dirty="0">
+              <a:rPr lang="en-US" sz="2400" b="1" i="0" u="none" strike="noStrike" cap="none" dirty="0">
                 <a:solidFill>
                   <a:schemeClr val="lt1"/>
                 </a:solidFill>
@@ -19016,7 +19037,7 @@
               <a:t>     </a:t>
             </a:r>
             <a:r>
-              <a:rPr lang="en-US" sz="2400" i="0" u="none" strike="noStrike" cap="none" dirty="0">
+              <a:rPr lang="en-US" sz="2400" b="1" i="0" u="none" strike="noStrike" cap="none" dirty="0">
                 <a:solidFill>
                   <a:srgbClr val="00FF00"/>
                 </a:solidFill>
@@ -19028,7 +19049,7 @@
               <a:t>words</a:t>
             </a:r>
             <a:r>
-              <a:rPr lang="en-US" sz="2400" i="0" u="none" strike="noStrike" cap="none" dirty="0">
+              <a:rPr lang="en-US" sz="2400" b="1" i="0" u="none" strike="noStrike" cap="none" dirty="0">
                 <a:solidFill>
                   <a:schemeClr val="lt1"/>
                 </a:solidFill>
@@ -19040,7 +19061,7 @@
               <a:t> = </a:t>
             </a:r>
             <a:r>
-              <a:rPr lang="en-US" sz="2400" i="0" u="none" strike="noStrike" cap="none" dirty="0" err="1">
+              <a:rPr lang="en-US" sz="2400" b="1" i="0" u="none" strike="noStrike" cap="none" dirty="0" err="1">
                 <a:solidFill>
                   <a:srgbClr val="00FF00"/>
                 </a:solidFill>
@@ -19052,7 +19073,7 @@
               <a:t>line</a:t>
             </a:r>
             <a:r>
-              <a:rPr lang="en-US" sz="2400" i="0" u="none" strike="noStrike" cap="none" dirty="0" err="1">
+              <a:rPr lang="en-US" sz="2400" b="1" i="0" u="none" strike="noStrike" cap="none" dirty="0" err="1">
                 <a:solidFill>
                   <a:srgbClr val="FF00FF"/>
                 </a:solidFill>
@@ -19064,7 +19085,7 @@
               <a:t>.split</a:t>
             </a:r>
             <a:r>
-              <a:rPr lang="en-US" sz="2400" i="0" u="none" strike="noStrike" cap="none" dirty="0">
+              <a:rPr lang="en-US" sz="2400" b="1" i="0" u="none" strike="noStrike" cap="none" dirty="0">
                 <a:solidFill>
                   <a:schemeClr val="lt1"/>
                 </a:solidFill>
@@ -19084,7 +19105,7 @@
               <a:buSzPct val="25000"/>
             </a:pPr>
             <a:r>
-              <a:rPr lang="en-US" sz="2400" i="0" u="none" strike="noStrike" cap="none" dirty="0">
+              <a:rPr lang="en-US" sz="2400" b="1" i="0" u="none" strike="noStrike" cap="none" dirty="0">
                 <a:solidFill>
                   <a:schemeClr val="lt1"/>
                 </a:solidFill>
@@ -19096,7 +19117,7 @@
               <a:t>     </a:t>
             </a:r>
             <a:r>
-              <a:rPr lang="en-US" sz="2400" i="0" u="none" strike="noStrike" cap="none" dirty="0" smtClean="0">
+              <a:rPr lang="en-US" sz="2400" b="1" i="0" u="none" strike="noStrike" cap="none" dirty="0" smtClean="0">
                 <a:solidFill>
                   <a:srgbClr val="FFFF00"/>
                 </a:solidFill>
@@ -19108,7 +19129,7 @@
               <a:t>print(</a:t>
             </a:r>
             <a:r>
-              <a:rPr lang="en-US" sz="2400" i="0" u="none" strike="noStrike" cap="none" dirty="0" smtClean="0">
+              <a:rPr lang="en-US" sz="2400" b="1" i="0" u="none" strike="noStrike" cap="none" dirty="0" smtClean="0">
                 <a:solidFill>
                   <a:srgbClr val="00FF00"/>
                 </a:solidFill>
@@ -19120,7 +19141,7 @@
               <a:t>words</a:t>
             </a:r>
             <a:r>
-              <a:rPr lang="en-US" sz="2400" i="0" u="none" strike="noStrike" cap="none" dirty="0" smtClean="0">
+              <a:rPr lang="en-US" sz="2400" b="1" i="0" u="none" strike="noStrike" cap="none" dirty="0" smtClean="0">
                 <a:solidFill>
                   <a:srgbClr val="00FFFF"/>
                 </a:solidFill>
@@ -19132,7 +19153,7 @@
               <a:t>[2]</a:t>
             </a:r>
             <a:r>
-              <a:rPr lang="en-US" sz="2400" dirty="0" smtClean="0">
+              <a:rPr lang="en-US" sz="2400" b="1" dirty="0" smtClean="0">
                 <a:solidFill>
                   <a:srgbClr val="FFFF00"/>
                 </a:solidFill>
@@ -19143,7 +19164,7 @@
               </a:rPr>
               <a:t>)</a:t>
             </a:r>
-            <a:endParaRPr lang="en-US" sz="2400" dirty="0">
+            <a:endParaRPr lang="en-US" sz="2400" b="1" dirty="0">
               <a:solidFill>
                 <a:srgbClr val="FFFF00"/>
               </a:solidFill>
@@ -19488,7 +19509,7 @@
               <a:buNone/>
             </a:pPr>
             <a:r>
-              <a:rPr lang="en-US" sz="2400" i="0" u="none" strike="noStrike" cap="none" dirty="0">
+              <a:rPr lang="en-US" sz="2400" b="1" i="0" u="none" strike="noStrike" cap="none" dirty="0">
                 <a:solidFill>
                   <a:schemeClr val="lt1"/>
                 </a:solidFill>
@@ -19500,7 +19521,7 @@
               <a:t>&gt;&gt;&gt; </a:t>
             </a:r>
             <a:r>
-              <a:rPr lang="en-US" sz="2400" i="0" u="none" strike="noStrike" cap="none" dirty="0">
+              <a:rPr lang="en-US" sz="2400" b="1" i="0" u="none" strike="noStrike" cap="none" dirty="0">
                 <a:solidFill>
                   <a:srgbClr val="00FF00"/>
                 </a:solidFill>
@@ -19512,7 +19533,7 @@
               <a:t>line</a:t>
             </a:r>
             <a:r>
-              <a:rPr lang="en-US" sz="2400" i="0" u="none" strike="noStrike" cap="none" dirty="0">
+              <a:rPr lang="en-US" sz="2400" b="1" i="0" u="none" strike="noStrike" cap="none" dirty="0">
                 <a:solidFill>
                   <a:schemeClr val="lt1"/>
                 </a:solidFill>
@@ -19524,7 +19545,7 @@
               <a:t> = 'From </a:t>
             </a:r>
             <a:r>
-              <a:rPr lang="en-US" sz="2400" i="0" u="none" strike="noStrike" cap="none" dirty="0" err="1">
+              <a:rPr lang="en-US" sz="2400" b="1" i="0" u="none" strike="noStrike" cap="none" dirty="0" err="1">
                 <a:solidFill>
                   <a:schemeClr val="lt1"/>
                 </a:solidFill>
@@ -19536,7 +19557,7 @@
               <a:t>stephen.marquard@uct.ac.za</a:t>
             </a:r>
             <a:r>
-              <a:rPr lang="en-US" sz="2400" i="0" u="none" strike="noStrike" cap="none" dirty="0">
+              <a:rPr lang="en-US" sz="2400" b="1" i="0" u="none" strike="noStrike" cap="none" dirty="0">
                 <a:solidFill>
                   <a:schemeClr val="lt1"/>
                 </a:solidFill>
@@ -19567,7 +19588,7 @@
               <a:buNone/>
             </a:pPr>
             <a:r>
-              <a:rPr lang="en-US" sz="2400" i="0" u="none" strike="noStrike" cap="none" dirty="0">
+              <a:rPr lang="en-US" sz="2400" b="1" i="0" u="none" strike="noStrike" cap="none" dirty="0">
                 <a:solidFill>
                   <a:schemeClr val="lt1"/>
                 </a:solidFill>
@@ -19579,7 +19600,7 @@
               <a:t>&gt;&gt;&gt; </a:t>
             </a:r>
             <a:r>
-              <a:rPr lang="en-US" sz="2400" i="0" u="none" strike="noStrike" cap="none" dirty="0">
+              <a:rPr lang="en-US" sz="2400" b="1" i="0" u="none" strike="noStrike" cap="none" dirty="0">
                 <a:solidFill>
                   <a:srgbClr val="00FF00"/>
                 </a:solidFill>
@@ -19591,7 +19612,7 @@
               <a:t>words</a:t>
             </a:r>
             <a:r>
-              <a:rPr lang="en-US" sz="2400" i="0" u="none" strike="noStrike" cap="none" dirty="0">
+              <a:rPr lang="en-US" sz="2400" b="1" i="0" u="none" strike="noStrike" cap="none" dirty="0">
                 <a:solidFill>
                   <a:schemeClr val="lt1"/>
                 </a:solidFill>
@@ -19603,7 +19624,7 @@
               <a:t> = </a:t>
             </a:r>
             <a:r>
-              <a:rPr lang="en-US" sz="2400" i="0" u="none" strike="noStrike" cap="none" dirty="0" err="1">
+              <a:rPr lang="en-US" sz="2400" b="1" i="0" u="none" strike="noStrike" cap="none" dirty="0" err="1">
                 <a:solidFill>
                   <a:srgbClr val="00FF00"/>
                 </a:solidFill>
@@ -19615,7 +19636,7 @@
               <a:t>line</a:t>
             </a:r>
             <a:r>
-              <a:rPr lang="en-US" sz="2400" i="0" u="none" strike="noStrike" cap="none" dirty="0" err="1">
+              <a:rPr lang="en-US" sz="2400" b="1" i="0" u="none" strike="noStrike" cap="none" dirty="0" err="1">
                 <a:solidFill>
                   <a:srgbClr val="FF00FF"/>
                 </a:solidFill>
@@ -19627,7 +19648,7 @@
               <a:t>.split</a:t>
             </a:r>
             <a:r>
-              <a:rPr lang="en-US" sz="2400" i="0" u="none" strike="noStrike" cap="none" dirty="0">
+              <a:rPr lang="en-US" sz="2400" b="1" i="0" u="none" strike="noStrike" cap="none" dirty="0">
                 <a:solidFill>
                   <a:schemeClr val="lt1"/>
                 </a:solidFill>
@@ -19647,7 +19668,7 @@
               <a:buSzPct val="25000"/>
             </a:pPr>
             <a:r>
-              <a:rPr lang="en-US" sz="2400" i="0" u="none" strike="noStrike" cap="none" dirty="0">
+              <a:rPr lang="en-US" sz="2400" b="1" i="0" u="none" strike="noStrike" cap="none" dirty="0">
                 <a:solidFill>
                   <a:schemeClr val="lt1"/>
                 </a:solidFill>
@@ -19659,7 +19680,7 @@
               <a:t>&gt;&gt;&gt; </a:t>
             </a:r>
             <a:r>
-              <a:rPr lang="en-US" sz="2400" i="0" u="none" strike="noStrike" cap="none" dirty="0" smtClean="0">
+              <a:rPr lang="en-US" sz="2400" b="1" i="0" u="none" strike="noStrike" cap="none" dirty="0" smtClean="0">
                 <a:solidFill>
                   <a:srgbClr val="FFFF00"/>
                 </a:solidFill>
@@ -19671,7 +19692,7 @@
               <a:t>print(</a:t>
             </a:r>
             <a:r>
-              <a:rPr lang="en-US" sz="2400" i="0" u="none" strike="noStrike" cap="none" dirty="0" smtClean="0">
+              <a:rPr lang="en-US" sz="2400" b="1" i="0" u="none" strike="noStrike" cap="none" dirty="0" smtClean="0">
                 <a:solidFill>
                   <a:srgbClr val="00FF00"/>
                 </a:solidFill>
@@ -19683,7 +19704,7 @@
               <a:t>words</a:t>
             </a:r>
             <a:r>
-              <a:rPr lang="en-US" sz="2400" dirty="0" smtClean="0">
+              <a:rPr lang="en-US" sz="2400" b="1" dirty="0" smtClean="0">
                 <a:solidFill>
                   <a:srgbClr val="FFFF00"/>
                 </a:solidFill>
@@ -19694,7 +19715,7 @@
               </a:rPr>
               <a:t>)</a:t>
             </a:r>
-            <a:endParaRPr lang="en-US" sz="2400" i="0" u="none" strike="noStrike" cap="none" dirty="0">
+            <a:endParaRPr lang="en-US" sz="2400" b="1" i="0" u="none" strike="noStrike" cap="none" dirty="0">
               <a:solidFill>
                 <a:srgbClr val="00FF00"/>
               </a:solidFill>
@@ -19723,7 +19744,7 @@
               <a:buNone/>
             </a:pPr>
             <a:r>
-              <a:rPr lang="en-US" sz="2400" i="0" u="none" strike="noStrike" cap="none" dirty="0">
+              <a:rPr lang="en-US" sz="2400" b="1" i="0" u="none" strike="noStrike" cap="none" dirty="0">
                 <a:solidFill>
                   <a:schemeClr val="lt1"/>
                 </a:solidFill>
@@ -19735,7 +19756,7 @@
               <a:t>['From', '</a:t>
             </a:r>
             <a:r>
-              <a:rPr lang="en-US" sz="2400" i="0" u="none" strike="noStrike" cap="none" dirty="0" err="1">
+              <a:rPr lang="en-US" sz="2400" b="1" i="0" u="none" strike="noStrike" cap="none" dirty="0" err="1">
                 <a:solidFill>
                   <a:schemeClr val="lt1"/>
                 </a:solidFill>
@@ -19747,7 +19768,7 @@
               <a:t>stephen.marquard@uct.ac.za</a:t>
             </a:r>
             <a:r>
-              <a:rPr lang="en-US" sz="2400" i="0" u="none" strike="noStrike" cap="none" dirty="0">
+              <a:rPr lang="en-US" sz="2400" b="1" i="0" u="none" strike="noStrike" cap="none" dirty="0">
                 <a:solidFill>
                   <a:schemeClr val="lt1"/>
                 </a:solidFill>
@@ -19778,7 +19799,7 @@
               <a:buNone/>
             </a:pPr>
             <a:r>
-              <a:rPr lang="en-US" sz="2400" i="0" u="none" strike="noStrike" cap="none" dirty="0">
+              <a:rPr lang="en-US" sz="2400" b="1" i="0" u="none" strike="noStrike" cap="none" dirty="0">
                 <a:solidFill>
                   <a:schemeClr val="lt1"/>
                 </a:solidFill>
@@ -19974,6 +19995,18 @@
               <a:buNone/>
             </a:pPr>
             <a:r>
+              <a:rPr lang="en-US" sz="3000" i="0" u="none" strike="noStrike" cap="none" dirty="0">
+                <a:solidFill>
+                  <a:srgbClr val="FF7F00"/>
+                </a:solidFill>
+                <a:latin typeface="Courier New"/>
+                <a:ea typeface="Courier New"/>
+                <a:cs typeface="Courier New"/>
+                <a:sym typeface="Courier New"/>
+              </a:rPr>
+              <a:t>From</a:t>
+            </a:r>
+            <a:r>
               <a:rPr lang="en-US" sz="3000" b="1" i="0" u="none" strike="noStrike" cap="none" dirty="0">
                 <a:solidFill>
                   <a:srgbClr val="FF7F00"/>
@@ -19983,7 +20016,7 @@
                 <a:cs typeface="Courier New"/>
                 <a:sym typeface="Courier New"/>
               </a:rPr>
-              <a:t>From </a:t>
+              <a:t> </a:t>
             </a:r>
             <a:r>
               <a:rPr lang="en-US" sz="3000" b="1" i="0" u="none" strike="noStrike" cap="none" dirty="0" err="1">
@@ -20019,7 +20052,19 @@
                 <a:cs typeface="Courier New"/>
                 <a:sym typeface="Courier New"/>
               </a:rPr>
-              <a:t> Sat Jan  5 09:14:16 2008</a:t>
+              <a:t> </a:t>
+            </a:r>
+            <a:r>
+              <a:rPr lang="en-US" sz="3000" i="0" u="none" strike="noStrike" cap="none" dirty="0">
+                <a:solidFill>
+                  <a:srgbClr val="FF7F00"/>
+                </a:solidFill>
+                <a:latin typeface="Courier New"/>
+                <a:ea typeface="Courier New"/>
+                <a:cs typeface="Courier New"/>
+                <a:sym typeface="Courier New"/>
+              </a:rPr>
+              <a:t>Sat Jan  5 09:14:16 2008</a:t>
             </a:r>
           </a:p>
         </p:txBody>
@@ -20418,7 +20463,7 @@
               <a:t>From </a:t>
             </a:r>
             <a:r>
-              <a:rPr lang="en-US" sz="3000" i="0" u="none" strike="noStrike" cap="none" dirty="0" err="1">
+              <a:rPr lang="en-US" sz="3000" b="1" i="0" u="none" strike="noStrike" cap="none" dirty="0" err="1">
                 <a:solidFill>
                   <a:srgbClr val="FF7F00"/>
                 </a:solidFill>
@@ -20430,7 +20475,7 @@
               <a:t>stephen.marquard@</a:t>
             </a:r>
             <a:r>
-              <a:rPr lang="en-US" sz="3000" i="0" u="none" strike="noStrike" cap="none" dirty="0" err="1">
+              <a:rPr lang="en-US" sz="3000" b="1" i="0" u="none" strike="noStrike" cap="none" dirty="0" err="1">
                 <a:solidFill>
                   <a:srgbClr val="FFFF00"/>
                 </a:solidFill>
@@ -20886,6 +20931,42 @@
               <a:buNone/>
             </a:pPr>
             <a:r>
+              <a:rPr lang="en-US" sz="3000" i="0" u="none" strike="noStrike" cap="none" dirty="0">
+                <a:solidFill>
+                  <a:srgbClr val="FF7F00"/>
+                </a:solidFill>
+                <a:latin typeface="Courier New"/>
+                <a:ea typeface="Courier New"/>
+                <a:cs typeface="Courier New"/>
+                <a:sym typeface="Courier New"/>
+              </a:rPr>
+              <a:t>From </a:t>
+            </a:r>
+            <a:r>
+              <a:rPr lang="en-US" sz="3000" b="1" i="0" u="none" strike="noStrike" cap="none" dirty="0" err="1">
+                <a:solidFill>
+                  <a:srgbClr val="FF7F00"/>
+                </a:solidFill>
+                <a:latin typeface="Courier New"/>
+                <a:ea typeface="Courier New"/>
+                <a:cs typeface="Courier New"/>
+                <a:sym typeface="Courier New"/>
+              </a:rPr>
+              <a:t>stephen.marquard@</a:t>
+            </a:r>
+            <a:r>
+              <a:rPr lang="en-US" sz="3000" b="1" i="0" u="none" strike="noStrike" cap="none" dirty="0" err="1">
+                <a:solidFill>
+                  <a:srgbClr val="FFFF00"/>
+                </a:solidFill>
+                <a:latin typeface="Courier New"/>
+                <a:ea typeface="Courier New"/>
+                <a:cs typeface="Courier New"/>
+                <a:sym typeface="Courier New"/>
+              </a:rPr>
+              <a:t>uct.ac.za</a:t>
+            </a:r>
+            <a:r>
               <a:rPr lang="en-US" sz="3000" b="1" i="0" u="none" strike="noStrike" cap="none" dirty="0">
                 <a:solidFill>
                   <a:srgbClr val="FF7F00"/>
@@ -20895,10 +20976,10 @@
                 <a:cs typeface="Courier New"/>
                 <a:sym typeface="Courier New"/>
               </a:rPr>
-              <a:t>From </a:t>
-            </a:r>
-            <a:r>
-              <a:rPr lang="en-US" sz="3000" b="1" i="0" u="none" strike="noStrike" cap="none" dirty="0" err="1">
+              <a:t> </a:t>
+            </a:r>
+            <a:r>
+              <a:rPr lang="en-US" sz="3000" i="0" u="none" strike="noStrike" cap="none" dirty="0">
                 <a:solidFill>
                   <a:srgbClr val="FF7F00"/>
                 </a:solidFill>
@@ -20907,31 +20988,7 @@
                 <a:cs typeface="Courier New"/>
                 <a:sym typeface="Courier New"/>
               </a:rPr>
-              <a:t>stephen.marquard@</a:t>
-            </a:r>
-            <a:r>
-              <a:rPr lang="en-US" sz="3000" b="1" i="0" u="none" strike="noStrike" cap="none" dirty="0" err="1">
-                <a:solidFill>
-                  <a:srgbClr val="FFFF00"/>
-                </a:solidFill>
-                <a:latin typeface="Courier New"/>
-                <a:ea typeface="Courier New"/>
-                <a:cs typeface="Courier New"/>
-                <a:sym typeface="Courier New"/>
-              </a:rPr>
-              <a:t>uct.ac.za</a:t>
-            </a:r>
-            <a:r>
-              <a:rPr lang="en-US" sz="3000" b="1" i="0" u="none" strike="noStrike" cap="none" dirty="0">
-                <a:solidFill>
-                  <a:srgbClr val="FF7F00"/>
-                </a:solidFill>
-                <a:latin typeface="Courier New"/>
-                <a:ea typeface="Courier New"/>
-                <a:cs typeface="Courier New"/>
-                <a:sym typeface="Courier New"/>
-              </a:rPr>
-              <a:t> Sat Jan  5 09:14:16 2008</a:t>
+              <a:t>Sat Jan  5 09:14:16 2008</a:t>
             </a:r>
           </a:p>
         </p:txBody>

--- a/lectures3/Pythonlearn-08-Lists.pptx
+++ b/lectures3/Pythonlearn-08-Lists.pptx
@@ -244,7 +244,7 @@
   </p:defaultTextStyle>
   <p:extLst>
     <p:ext uri="{EFAFB233-063F-42B5-8137-9DF3F51BA10A}">
-      <p15:sldGuideLst xmlns:p15="http://schemas.microsoft.com/office/powerpoint/2012/main" xmlns="">
+      <p15:sldGuideLst xmlns="" xmlns:p15="http://schemas.microsoft.com/office/powerpoint/2012/main">
         <p15:guide id="1" orient="horz" pos="2880">
           <p15:clr>
             <a:srgbClr val="A4A3A4"/>
@@ -5519,7 +5519,7 @@
             <a:r>
               <a:rPr lang="en-US" sz="7600" u="none" strike="noStrike" cap="none">
                 <a:solidFill>
-                  <a:srgbClr val="FFFF00"/>
+                  <a:srgbClr val="FFD966"/>
                 </a:solidFill>
                 <a:latin typeface="Arial" charset="0"/>
                 <a:ea typeface="Arial" charset="0"/>
@@ -5829,7 +5829,7 @@
             <a:r>
               <a:rPr lang="en-US" sz="7600" u="none" strike="noStrike" cap="none">
                 <a:solidFill>
-                  <a:srgbClr val="FFFF00"/>
+                  <a:srgbClr val="FFD966"/>
                 </a:solidFill>
                 <a:latin typeface="Arial" charset="0"/>
                 <a:ea typeface="Arial" charset="0"/>
@@ -6631,7 +6631,7 @@
             <a:r>
               <a:rPr lang="en-US" sz="7600" u="none" strike="noStrike" cap="none">
                 <a:solidFill>
-                  <a:srgbClr val="FFFF00"/>
+                  <a:srgbClr val="FFD966"/>
                 </a:solidFill>
                 <a:latin typeface="Arial" charset="0"/>
                 <a:ea typeface="Arial" charset="0"/>
@@ -6662,7 +6662,19 @@
                 <a:cs typeface="Arial" charset="0"/>
                 <a:sym typeface="Cabin"/>
               </a:rPr>
-              <a:t> Function</a:t>
+              <a:t> </a:t>
+            </a:r>
+            <a:r>
+              <a:rPr lang="en-US" sz="7600" u="none" strike="noStrike" cap="none">
+                <a:solidFill>
+                  <a:srgbClr val="FFD966"/>
+                </a:solidFill>
+                <a:latin typeface="Arial" charset="0"/>
+                <a:ea typeface="Arial" charset="0"/>
+                <a:cs typeface="Arial" charset="0"/>
+                <a:sym typeface="Cabin"/>
+              </a:rPr>
+              <a:t>Function</a:t>
             </a:r>
           </a:p>
         </p:txBody>
@@ -7456,7 +7468,7 @@
             <a:r>
               <a:rPr lang="en-US" sz="7600" u="none" strike="noStrike" cap="none">
                 <a:solidFill>
-                  <a:srgbClr val="FFFF00"/>
+                  <a:srgbClr val="FFD966"/>
                 </a:solidFill>
                 <a:latin typeface="Arial" charset="0"/>
                 <a:ea typeface="Arial" charset="0"/>
@@ -8750,26 +8762,14 @@
             <a:r>
               <a:rPr lang="en-US" sz="7600" u="none" strike="noStrike" cap="none">
                 <a:solidFill>
-                  <a:srgbClr val="FFFF00"/>
+                  <a:srgbClr val="FFD966"/>
                 </a:solidFill>
                 <a:latin typeface="Arial" charset="0"/>
                 <a:ea typeface="Arial" charset="0"/>
                 <a:cs typeface="Arial" charset="0"/>
                 <a:sym typeface="Cabin"/>
               </a:rPr>
-              <a:t>Lists Using</a:t>
-            </a:r>
-            <a:r>
-              <a:rPr lang="en-US" sz="7600" u="none" strike="noStrike" cap="none">
-                <a:solidFill>
-                  <a:schemeClr val="lt1"/>
-                </a:solidFill>
-                <a:latin typeface="Arial" charset="0"/>
-                <a:ea typeface="Arial" charset="0"/>
-                <a:cs typeface="Arial" charset="0"/>
-                <a:sym typeface="Cabin"/>
-              </a:rPr>
-              <a:t> </a:t>
+              <a:t>Lists Using </a:t>
             </a:r>
             <a:r>
               <a:rPr lang="en-US" sz="7600" u="none" strike="noStrike" cap="none">
@@ -9363,7 +9363,7 @@
             <a:r>
               <a:rPr lang="en-US" sz="7600" u="none" strike="noStrike" cap="none">
                 <a:solidFill>
-                  <a:srgbClr val="FFFF00"/>
+                  <a:srgbClr val="FFD966"/>
                 </a:solidFill>
                 <a:latin typeface="Arial" charset="0"/>
                 <a:ea typeface="Arial" charset="0"/>
@@ -9394,7 +9394,19 @@
                 <a:cs typeface="Arial" charset="0"/>
                 <a:sym typeface="Cabin"/>
               </a:rPr>
-              <a:t> Using</a:t>
+              <a:t> </a:t>
+            </a:r>
+            <a:r>
+              <a:rPr lang="en-US" sz="7600" u="none" strike="noStrike" cap="none">
+                <a:solidFill>
+                  <a:srgbClr val="FFD966"/>
+                </a:solidFill>
+                <a:latin typeface="Arial" charset="0"/>
+                <a:ea typeface="Arial" charset="0"/>
+                <a:cs typeface="Arial" charset="0"/>
+                <a:sym typeface="Cabin"/>
+              </a:rPr>
+              <a:t>Using</a:t>
             </a:r>
             <a:r>
               <a:rPr lang="en-US" sz="7600" u="none" strike="noStrike" cap="none">
@@ -10150,7 +10162,7 @@
             <a:r>
               <a:rPr lang="en-US" sz="7600" u="none" strike="noStrike" cap="none">
                 <a:solidFill>
-                  <a:srgbClr val="FFFF00"/>
+                  <a:srgbClr val="FFD966"/>
                 </a:solidFill>
                 <a:latin typeface="Arial" charset="0"/>
                 <a:ea typeface="Arial" charset="0"/>
@@ -10665,7 +10677,7 @@
             <a:r>
               <a:rPr lang="en-US" sz="7600" u="none" strike="noStrike" cap="none">
                 <a:solidFill>
-                  <a:srgbClr val="FFFF00"/>
+                  <a:srgbClr val="FFD966"/>
                 </a:solidFill>
                 <a:latin typeface="Arial" charset="0"/>
                 <a:ea typeface="Arial" charset="0"/>
@@ -10677,7 +10689,7 @@
             <a:r>
               <a:rPr lang="en-US" sz="7600">
                 <a:solidFill>
-                  <a:srgbClr val="FFFF00"/>
+                  <a:srgbClr val="FFD966"/>
                 </a:solidFill>
                 <a:latin typeface="Arial" charset="0"/>
                 <a:ea typeface="Arial" charset="0"/>
@@ -10689,7 +10701,7 @@
             <a:r>
               <a:rPr lang="en-US" sz="7600" u="none" strike="noStrike" cap="none">
                 <a:solidFill>
-                  <a:srgbClr val="FFFF00"/>
+                  <a:srgbClr val="FFD966"/>
                 </a:solidFill>
                 <a:latin typeface="Arial" charset="0"/>
                 <a:ea typeface="Arial" charset="0"/>
@@ -10701,7 +10713,7 @@
             <a:r>
               <a:rPr lang="en-US" sz="7600">
                 <a:solidFill>
-                  <a:srgbClr val="FFFF00"/>
+                  <a:srgbClr val="FFD966"/>
                 </a:solidFill>
                 <a:latin typeface="Arial" charset="0"/>
                 <a:ea typeface="Arial" charset="0"/>
@@ -10713,7 +10725,7 @@
             <a:r>
               <a:rPr lang="en-US" sz="7600" u="none" strike="noStrike" cap="none">
                 <a:solidFill>
-                  <a:srgbClr val="FFFF00"/>
+                  <a:srgbClr val="FFD966"/>
                 </a:solidFill>
                 <a:latin typeface="Arial" charset="0"/>
                 <a:ea typeface="Arial" charset="0"/>
@@ -11506,7 +11518,7 @@
             <a:r>
               <a:rPr lang="en-US" sz="7600" u="none" strike="noStrike" cap="none">
                 <a:solidFill>
-                  <a:srgbClr val="FFFF00"/>
+                  <a:srgbClr val="FFD966"/>
                 </a:solidFill>
                 <a:latin typeface="Arial" charset="0"/>
                 <a:ea typeface="Arial" charset="0"/>
@@ -12256,7 +12268,7 @@
             <a:r>
               <a:rPr lang="en-US" sz="7800" u="none" strike="noStrike" cap="none" dirty="0" smtClean="0">
                 <a:solidFill>
-                  <a:srgbClr val="FFFF00"/>
+                  <a:srgbClr val="FFD966"/>
                 </a:solidFill>
                 <a:latin typeface="Arial" charset="0"/>
                 <a:ea typeface="Arial" charset="0"/>
@@ -12267,7 +12279,7 @@
             </a:r>
             <a:endParaRPr lang="en-US" sz="7800" u="none" strike="noStrike" cap="none" dirty="0">
               <a:solidFill>
-                <a:srgbClr val="FFFF00"/>
+                <a:srgbClr val="FFD966"/>
               </a:solidFill>
               <a:latin typeface="Arial" charset="0"/>
               <a:ea typeface="Arial" charset="0"/>
@@ -13075,7 +13087,7 @@
             <a:r>
               <a:rPr lang="en-US" sz="7600" u="none" strike="noStrike" cap="none">
                 <a:solidFill>
-                  <a:srgbClr val="FFFF00"/>
+                  <a:srgbClr val="FFD966"/>
                 </a:solidFill>
                 <a:latin typeface="Arial" charset="0"/>
                 <a:ea typeface="Arial" charset="0"/>
@@ -13087,7 +13099,7 @@
             <a:r>
               <a:rPr lang="en-US" sz="7600">
                 <a:solidFill>
-                  <a:srgbClr val="FFFF00"/>
+                  <a:srgbClr val="FFD966"/>
                 </a:solidFill>
                 <a:latin typeface="Arial" charset="0"/>
                 <a:ea typeface="Arial" charset="0"/>
@@ -13099,7 +13111,7 @@
             <a:r>
               <a:rPr lang="en-US" sz="7600" u="none" strike="noStrike" cap="none">
                 <a:solidFill>
-                  <a:srgbClr val="FFFF00"/>
+                  <a:srgbClr val="FFD966"/>
                 </a:solidFill>
                 <a:latin typeface="Arial" charset="0"/>
                 <a:ea typeface="Arial" charset="0"/>
@@ -14170,7 +14182,7 @@
             <a:r>
               <a:rPr lang="en-US" sz="7600" u="none" strike="noStrike" cap="none" dirty="0" smtClean="0">
                 <a:solidFill>
-                  <a:srgbClr val="FFFF00"/>
+                  <a:srgbClr val="FFD966"/>
                 </a:solidFill>
                 <a:latin typeface="Arial" charset="0"/>
                 <a:ea typeface="Arial" charset="0"/>
@@ -14181,7 +14193,7 @@
             </a:r>
             <a:endParaRPr lang="en-US" sz="7600" u="none" strike="noStrike" cap="none" dirty="0">
               <a:solidFill>
-                <a:srgbClr val="FFFF00"/>
+                <a:srgbClr val="FFD966"/>
               </a:solidFill>
               <a:latin typeface="Arial" charset="0"/>
               <a:ea typeface="Arial" charset="0"/>
@@ -15815,7 +15827,7 @@
             <a:r>
               <a:rPr lang="en-US" sz="7600" u="none" strike="noStrike" cap="none">
                 <a:solidFill>
-                  <a:srgbClr val="FFFF00"/>
+                  <a:srgbClr val="FFD966"/>
                 </a:solidFill>
                 <a:latin typeface="Arial" charset="0"/>
                 <a:ea typeface="Arial" charset="0"/>
@@ -19906,7 +19918,7 @@
             <a:r>
               <a:rPr lang="en-US" sz="7600" u="none" strike="noStrike" cap="none">
                 <a:solidFill>
-                  <a:srgbClr val="FFFF00"/>
+                  <a:srgbClr val="FFD966"/>
                 </a:solidFill>
                 <a:latin typeface="Arial" charset="0"/>
                 <a:ea typeface="Arial" charset="0"/>
@@ -20329,7 +20341,7 @@
             <a:r>
               <a:rPr lang="en-US" sz="7600" u="none" strike="noStrike" cap="none">
                 <a:solidFill>
-                  <a:srgbClr val="FFFF00"/>
+                  <a:srgbClr val="FFD966"/>
                 </a:solidFill>
                 <a:latin typeface="Arial" charset="0"/>
                 <a:ea typeface="Arial" charset="0"/>
@@ -20782,7 +20794,7 @@
             <a:r>
               <a:rPr lang="en-US" sz="7600" u="none" strike="noStrike" cap="none">
                 <a:solidFill>
-                  <a:srgbClr val="FFFF00"/>
+                  <a:srgbClr val="FFD966"/>
                 </a:solidFill>
                 <a:latin typeface="Arial" charset="0"/>
                 <a:ea typeface="Arial" charset="0"/>
@@ -21386,7 +21398,7 @@
             <a:r>
               <a:rPr lang="en-US" sz="7600" u="none" strike="noStrike" cap="none">
                 <a:solidFill>
-                  <a:srgbClr val="FFFF00"/>
+                  <a:srgbClr val="FFD966"/>
                 </a:solidFill>
                 <a:latin typeface="Arial" charset="0"/>
                 <a:ea typeface="Arial" charset="0"/>
@@ -22099,7 +22111,7 @@
             <a:r>
               <a:rPr lang="en-US" sz="7600" u="none" strike="noStrike" cap="none">
                 <a:solidFill>
-                  <a:srgbClr val="FFFF00"/>
+                  <a:srgbClr val="FFD966"/>
                 </a:solidFill>
                 <a:latin typeface="Arial" charset="0"/>
                 <a:ea typeface="Arial" charset="0"/>
@@ -22822,7 +22834,7 @@
             <a:r>
               <a:rPr lang="en-US" sz="7600" u="none" strike="noStrike" cap="none" dirty="0">
                 <a:solidFill>
-                  <a:srgbClr val="FFFF00"/>
+                  <a:srgbClr val="FFD966"/>
                 </a:solidFill>
                 <a:latin typeface="Arial" charset="0"/>
                 <a:ea typeface="Arial" charset="0"/>
@@ -22834,7 +22846,7 @@
             <a:r>
               <a:rPr lang="en-US" sz="7600" b="0" i="0" u="none" strike="noStrike" cap="none" dirty="0">
                 <a:solidFill>
-                  <a:srgbClr val="FFFF00"/>
+                  <a:srgbClr val="FFD966"/>
                 </a:solidFill>
                 <a:latin typeface="Arial"/>
                 <a:ea typeface="Arial"/>
@@ -22846,7 +22858,7 @@
             <a:r>
               <a:rPr lang="en-US" sz="7600" u="none" strike="noStrike" cap="none">
                 <a:solidFill>
-                  <a:srgbClr val="FFFF00"/>
+                  <a:srgbClr val="FFD966"/>
                 </a:solidFill>
                 <a:latin typeface="Arial" charset="0"/>
                 <a:ea typeface="Arial" charset="0"/>
@@ -22858,7 +22870,7 @@
             <a:r>
               <a:rPr lang="en-US" sz="7600" b="0" i="0" u="none" strike="noStrike" cap="none" smtClean="0">
                 <a:solidFill>
-                  <a:srgbClr val="FFFF00"/>
+                  <a:srgbClr val="FFD966"/>
                 </a:solidFill>
                 <a:latin typeface="Arial"/>
                 <a:ea typeface="Arial"/>
@@ -22869,7 +22881,7 @@
             </a:r>
             <a:endParaRPr lang="en-US" sz="7600" b="0" i="0" u="none" strike="noStrike" cap="none" dirty="0">
               <a:solidFill>
-                <a:srgbClr val="FFFF00"/>
+                <a:srgbClr val="FFD966"/>
               </a:solidFill>
               <a:latin typeface="Arial"/>
               <a:ea typeface="Arial"/>
@@ -23362,7 +23374,7 @@
             <a:r>
               <a:rPr lang="en-US" sz="7400" u="none" strike="noStrike" cap="none" dirty="0">
                 <a:solidFill>
-                  <a:srgbClr val="FFFF00"/>
+                  <a:srgbClr val="FFD966"/>
                 </a:solidFill>
                 <a:latin typeface="Arial" charset="0"/>
                 <a:ea typeface="Arial" charset="0"/>
@@ -23861,7 +23873,7 @@
             <a:r>
               <a:rPr lang="en-US" sz="7600" u="none" strike="noStrike" cap="none" dirty="0">
                 <a:solidFill>
-                  <a:srgbClr val="FFFF00"/>
+                  <a:srgbClr val="FFD966"/>
                 </a:solidFill>
                 <a:latin typeface="Arial" charset="0"/>
                 <a:ea typeface="Arial" charset="0"/>
@@ -24860,14 +24872,14 @@
             <a:r>
               <a:rPr lang="en-US" sz="7600" u="none" strike="noStrike" cap="none">
                 <a:solidFill>
-                  <a:srgbClr val="FFFF00"/>
+                  <a:srgbClr val="FFD966"/>
                 </a:solidFill>
                 <a:latin typeface="Arial" charset="0"/>
                 <a:ea typeface="Arial" charset="0"/>
                 <a:cs typeface="Arial" charset="0"/>
                 <a:sym typeface="Cabin"/>
               </a:rPr>
-              <a:t>We already use lists!</a:t>
+              <a:t>We Already Use Lists!</a:t>
             </a:r>
           </a:p>
         </p:txBody>
@@ -25454,7 +25466,7 @@
             <a:r>
               <a:rPr lang="en-US" sz="6600" u="none" strike="noStrike" cap="none" dirty="0">
                 <a:solidFill>
-                  <a:srgbClr val="FFFF00"/>
+                  <a:srgbClr val="FFD966"/>
                 </a:solidFill>
                 <a:latin typeface="Arial" charset="0"/>
                 <a:ea typeface="Arial" charset="0"/>
@@ -25466,7 +25478,7 @@
             <a:r>
               <a:rPr lang="en-US" sz="6600" u="none" strike="noStrike" cap="none" dirty="0" smtClean="0">
                 <a:solidFill>
-                  <a:srgbClr val="FFFF00"/>
+                  <a:srgbClr val="FFD966"/>
                 </a:solidFill>
                 <a:latin typeface="Arial" charset="0"/>
                 <a:ea typeface="Arial" charset="0"/>
@@ -25477,7 +25489,7 @@
             </a:r>
             <a:endParaRPr lang="en-US" sz="6600" u="none" strike="noStrike" cap="none" dirty="0">
               <a:solidFill>
-                <a:srgbClr val="FFFF00"/>
+                <a:srgbClr val="FFD966"/>
               </a:solidFill>
               <a:latin typeface="Arial" charset="0"/>
               <a:ea typeface="Arial" charset="0"/>
@@ -26513,7 +26525,7 @@
             <a:r>
               <a:rPr lang="en-US" sz="7600" u="none" strike="noStrike" cap="none">
                 <a:solidFill>
-                  <a:srgbClr val="FFFF00"/>
+                  <a:srgbClr val="FFD966"/>
                 </a:solidFill>
                 <a:latin typeface="Arial" charset="0"/>
                 <a:ea typeface="Arial" charset="0"/>
@@ -27337,7 +27349,7 @@
             <a:r>
               <a:rPr lang="en-US" sz="7600" u="none" strike="noStrike" cap="none">
                 <a:solidFill>
-                  <a:srgbClr val="FFFF00"/>
+                  <a:srgbClr val="FFD966"/>
                 </a:solidFill>
                 <a:latin typeface="Arial" charset="0"/>
                 <a:ea typeface="Arial" charset="0"/>

--- a/lectures3/Pythonlearn-08-Lists.pptx
+++ b/lectures3/Pythonlearn-08-Lists.pptx
@@ -244,7 +244,7 @@
   </p:defaultTextStyle>
   <p:extLst>
     <p:ext uri="{EFAFB233-063F-42B5-8137-9DF3F51BA10A}">
-      <p15:sldGuideLst xmlns="" xmlns:p15="http://schemas.microsoft.com/office/powerpoint/2012/main">
+      <p15:sldGuideLst xmlns:p15="http://schemas.microsoft.com/office/powerpoint/2012/main">
         <p15:guide id="1" orient="horz" pos="2880">
           <p15:clr>
             <a:srgbClr val="A4A3A4"/>
@@ -581,18 +581,10 @@
                   <a:schemeClr val="dk2"/>
                 </a:solidFill>
               </a:rPr>
-              <a:t>Note from Chuck.  If you are using these materials, you can remove the UM logo and replace it with your own, but please retain the CC-BY logo on the first page as well as retain the </a:t>
-            </a:r>
-            <a:r>
-              <a:rPr lang="en-US" dirty="0" smtClean="0">
-                <a:solidFill>
-                  <a:schemeClr val="dk2"/>
-                </a:solidFill>
-              </a:rPr>
-              <a:t>acknowledgement page(s)</a:t>
-            </a:r>
-            <a:r>
-              <a:rPr lang="en-US" baseline="0" dirty="0" smtClean="0">
+              <a:t>Note from Chuck.  If you are using these materials, you can remove the UM logo and replace it with your own, but please retain the CC-BY logo on the first page as well as retain the acknowledgement page(s)</a:t>
+            </a:r>
+            <a:r>
+              <a:rPr lang="en-US" baseline="0" dirty="0">
                 <a:solidFill>
                   <a:schemeClr val="dk2"/>
                 </a:solidFill>
@@ -4726,7 +4718,6 @@
           <a:ln>
             <a:noFill/>
           </a:ln>
-          <a:extLst/>
         </p:spPr>
         <p:txBody>
           <a:bodyPr/>
@@ -4850,7 +4841,7 @@
             <a:pPr eaLnBrk="1" hangingPunct="1">
               <a:defRPr/>
             </a:pPr>
-            <a:endParaRPr lang="en-US" altLang="en-US" sz="3600" smtClean="0"/>
+            <a:endParaRPr lang="en-US" altLang="en-US" sz="3600"/>
           </a:p>
         </p:txBody>
       </p:sp>
@@ -4876,7 +4867,6 @@
           <a:ln>
             <a:noFill/>
           </a:ln>
-          <a:extLst/>
         </p:spPr>
         <p:txBody>
           <a:bodyPr/>
@@ -5000,7 +4990,7 @@
             <a:pPr eaLnBrk="1" hangingPunct="1">
               <a:defRPr/>
             </a:pPr>
-            <a:endParaRPr lang="en-US" altLang="en-US" sz="3600" smtClean="0"/>
+            <a:endParaRPr lang="en-US" altLang="en-US" sz="3600"/>
           </a:p>
         </p:txBody>
       </p:sp>
@@ -5631,7 +5621,7 @@
               <a:buNone/>
             </a:pPr>
             <a:r>
-              <a:rPr lang="en-US" sz="3200" u="none" strike="noStrike" cap="none" smtClean="0">
+              <a:rPr lang="en-US" sz="3200" u="none" strike="noStrike" cap="none">
                 <a:solidFill>
                   <a:srgbClr val="FFFF00"/>
                 </a:solidFill>
@@ -5642,7 +5632,7 @@
               </a:rPr>
               <a:t>Python for Everybody</a:t>
             </a:r>
-            <a:endParaRPr lang="en-US" sz="3200" u="none" strike="noStrike" cap="none" dirty="0" smtClean="0">
+            <a:endParaRPr lang="en-US" sz="3200" u="none" strike="noStrike" cap="none" dirty="0">
               <a:solidFill>
                 <a:srgbClr val="FFFF00"/>
               </a:solidFill>
@@ -5671,7 +5661,7 @@
               <a:buNone/>
             </a:pPr>
             <a:r>
-              <a:rPr lang="en-US" sz="3200" dirty="0" smtClean="0">
+              <a:rPr lang="en-US" sz="3200" dirty="0">
                 <a:solidFill>
                   <a:srgbClr val="FFFF00"/>
                 </a:solidFill>
@@ -5753,13 +5743,6 @@
   <p:clrMapOvr>
     <a:masterClrMapping/>
   </p:clrMapOvr>
-  <p:timing>
-    <p:tnLst>
-      <p:par>
-        <p:cTn xmlns:p14="http://schemas.microsoft.com/office/powerpoint/2010/main" id="1" dur="indefinite" restart="never" nodeType="tmRoot"/>
-      </p:par>
-    </p:tnLst>
-  </p:timing>
 </p:sld>
 </file>
 
@@ -6100,7 +6083,7 @@
               <a:buNone/>
             </a:pPr>
             <a:r>
-              <a:rPr lang="en-US" sz="3000" i="0" u="none" strike="noStrike" cap="none" dirty="0">
+              <a:rPr lang="en-US" sz="3000" b="1" i="0" u="none" strike="noStrike" cap="none" dirty="0">
                 <a:solidFill>
                   <a:schemeClr val="lt1"/>
                 </a:solidFill>
@@ -6112,7 +6095,7 @@
               <a:t>&gt;&gt;&gt; </a:t>
             </a:r>
             <a:r>
-              <a:rPr lang="en-US" sz="3000" i="0" u="none" strike="noStrike" cap="none" dirty="0">
+              <a:rPr lang="en-US" sz="3000" b="1" i="0" u="none" strike="noStrike" cap="none" dirty="0">
                 <a:solidFill>
                   <a:srgbClr val="00FF00"/>
                 </a:solidFill>
@@ -6124,7 +6107,7 @@
               <a:t>greet</a:t>
             </a:r>
             <a:r>
-              <a:rPr lang="en-US" sz="3000" i="0" u="none" strike="noStrike" cap="none" dirty="0">
+              <a:rPr lang="en-US" sz="3000" b="1" i="0" u="none" strike="noStrike" cap="none" dirty="0">
                 <a:solidFill>
                   <a:schemeClr val="lt1"/>
                 </a:solidFill>
@@ -6136,7 +6119,7 @@
               <a:t> = 'Hello Bob</a:t>
             </a:r>
             <a:r>
-              <a:rPr lang="en-US" sz="3000" dirty="0">
+              <a:rPr lang="en-US" sz="3000" b="1" dirty="0">
                 <a:solidFill>
                   <a:schemeClr val="lt1"/>
                 </a:solidFill>
@@ -6167,7 +6150,7 @@
               <a:buNone/>
             </a:pPr>
             <a:r>
-              <a:rPr lang="en-US" sz="3000" i="0" u="none" strike="noStrike" cap="none" dirty="0">
+              <a:rPr lang="en-US" sz="3000" b="1" i="0" u="none" strike="noStrike" cap="none" dirty="0">
                 <a:solidFill>
                   <a:schemeClr val="lt1"/>
                 </a:solidFill>
@@ -6179,7 +6162,7 @@
               <a:t>&gt;&gt;&gt; </a:t>
             </a:r>
             <a:r>
-              <a:rPr lang="en-US" sz="3000" i="0" u="none" strike="noStrike" cap="none" dirty="0" smtClean="0">
+              <a:rPr lang="en-US" sz="3000" b="1" i="0" u="none" strike="noStrike" cap="none" dirty="0">
                 <a:solidFill>
                   <a:srgbClr val="FFFF00"/>
                 </a:solidFill>
@@ -6191,7 +6174,7 @@
               <a:t>print(</a:t>
             </a:r>
             <a:r>
-              <a:rPr lang="en-US" sz="3000" i="0" u="none" strike="noStrike" cap="none" dirty="0" err="1" smtClean="0">
+              <a:rPr lang="en-US" sz="3000" b="1" i="0" u="none" strike="noStrike" cap="none" dirty="0" err="1">
                 <a:solidFill>
                   <a:srgbClr val="FF00FF"/>
                 </a:solidFill>
@@ -6203,7 +6186,7 @@
               <a:t>len</a:t>
             </a:r>
             <a:r>
-              <a:rPr lang="en-US" sz="3000" i="0" u="none" strike="noStrike" cap="none" dirty="0" smtClean="0">
+              <a:rPr lang="en-US" sz="3000" b="1" i="0" u="none" strike="noStrike" cap="none" dirty="0">
                 <a:solidFill>
                   <a:schemeClr val="lt1"/>
                 </a:solidFill>
@@ -6215,7 +6198,7 @@
               <a:t>(</a:t>
             </a:r>
             <a:r>
-              <a:rPr lang="en-US" sz="3000" i="0" u="none" strike="noStrike" cap="none" dirty="0" smtClean="0">
+              <a:rPr lang="en-US" sz="3000" b="1" i="0" u="none" strike="noStrike" cap="none" dirty="0">
                 <a:solidFill>
                   <a:srgbClr val="00FF00"/>
                 </a:solidFill>
@@ -6227,7 +6210,7 @@
               <a:t>greet</a:t>
             </a:r>
             <a:r>
-              <a:rPr lang="en-US" sz="3000" i="0" u="none" strike="noStrike" cap="none" dirty="0" smtClean="0">
+              <a:rPr lang="en-US" sz="3000" b="1" i="0" u="none" strike="noStrike" cap="none" dirty="0">
                 <a:solidFill>
                   <a:schemeClr val="lt1"/>
                 </a:solidFill>
@@ -6239,7 +6222,7 @@
               <a:t>)</a:t>
             </a:r>
             <a:r>
-              <a:rPr lang="en-US" sz="3000" i="0" u="none" strike="noStrike" cap="none" dirty="0" smtClean="0">
+              <a:rPr lang="en-US" sz="3000" b="1" i="0" u="none" strike="noStrike" cap="none" dirty="0">
                 <a:solidFill>
                   <a:srgbClr val="FFFF00"/>
                 </a:solidFill>
@@ -6250,15 +6233,6 @@
               </a:rPr>
               <a:t>)</a:t>
             </a:r>
-            <a:endParaRPr lang="en-US" sz="3000" i="0" u="none" strike="noStrike" cap="none" dirty="0">
-              <a:solidFill>
-                <a:srgbClr val="FFFF00"/>
-              </a:solidFill>
-              <a:latin typeface="Courier"/>
-              <a:ea typeface="Courier"/>
-              <a:cs typeface="Courier"/>
-              <a:sym typeface="Courier New"/>
-            </a:endParaRPr>
           </a:p>
           <a:p>
             <a:pPr marL="0" marR="0" lvl="0" indent="0" algn="l" rtl="0">
@@ -6279,7 +6253,7 @@
               <a:buNone/>
             </a:pPr>
             <a:r>
-              <a:rPr lang="en-US" sz="3000" i="0" u="none" strike="noStrike" cap="none" dirty="0">
+              <a:rPr lang="en-US" sz="3000" b="1" i="0" u="none" strike="noStrike" cap="none" dirty="0">
                 <a:solidFill>
                   <a:schemeClr val="lt1"/>
                 </a:solidFill>
@@ -6310,7 +6284,7 @@
               <a:buNone/>
             </a:pPr>
             <a:r>
-              <a:rPr lang="en-US" sz="3000" i="0" u="none" strike="noStrike" cap="none" dirty="0">
+              <a:rPr lang="en-US" sz="3000" b="1" i="0" u="none" strike="noStrike" cap="none" dirty="0">
                 <a:solidFill>
                   <a:schemeClr val="lt1"/>
                 </a:solidFill>
@@ -6322,7 +6296,7 @@
               <a:t>&gt;&gt;&gt; </a:t>
             </a:r>
             <a:r>
-              <a:rPr lang="en-US" sz="3000" i="0" u="none" strike="noStrike" cap="none" dirty="0">
+              <a:rPr lang="en-US" sz="3000" b="1" i="0" u="none" strike="noStrike" cap="none" dirty="0">
                 <a:solidFill>
                   <a:srgbClr val="00FF00"/>
                 </a:solidFill>
@@ -6334,7 +6308,7 @@
               <a:t>x</a:t>
             </a:r>
             <a:r>
-              <a:rPr lang="en-US" sz="3000" i="0" u="none" strike="noStrike" cap="none" dirty="0">
+              <a:rPr lang="en-US" sz="3000" b="1" i="0" u="none" strike="noStrike" cap="none" dirty="0">
                 <a:solidFill>
                   <a:schemeClr val="lt1"/>
                 </a:solidFill>
@@ -6346,7 +6320,7 @@
               <a:t> = </a:t>
             </a:r>
             <a:r>
-              <a:rPr lang="en-US" sz="3000" i="0" u="none" strike="noStrike" cap="none" dirty="0">
+              <a:rPr lang="en-US" sz="3000" b="1" i="0" u="none" strike="noStrike" cap="none" dirty="0">
                 <a:solidFill>
                   <a:srgbClr val="FF7F00"/>
                 </a:solidFill>
@@ -6377,7 +6351,7 @@
               <a:buNone/>
             </a:pPr>
             <a:r>
-              <a:rPr lang="en-US" sz="3000" i="0" u="none" strike="noStrike" cap="none" dirty="0">
+              <a:rPr lang="en-US" sz="3000" b="1" i="0" u="none" strike="noStrike" cap="none" dirty="0">
                 <a:solidFill>
                   <a:schemeClr val="lt1"/>
                 </a:solidFill>
@@ -6389,7 +6363,7 @@
               <a:t>&gt;&gt;&gt; </a:t>
             </a:r>
             <a:r>
-              <a:rPr lang="en-US" sz="3000" i="0" u="none" strike="noStrike" cap="none" dirty="0" smtClean="0">
+              <a:rPr lang="en-US" sz="3000" b="1" i="0" u="none" strike="noStrike" cap="none" dirty="0">
                 <a:solidFill>
                   <a:srgbClr val="FFFF00"/>
                 </a:solidFill>
@@ -6401,7 +6375,7 @@
               <a:t>print(</a:t>
             </a:r>
             <a:r>
-              <a:rPr lang="en-US" sz="3000" i="0" u="none" strike="noStrike" cap="none" dirty="0" err="1" smtClean="0">
+              <a:rPr lang="en-US" sz="3000" b="1" i="0" u="none" strike="noStrike" cap="none" dirty="0" err="1">
                 <a:solidFill>
                   <a:srgbClr val="FF00FF"/>
                 </a:solidFill>
@@ -6413,7 +6387,7 @@
               <a:t>len</a:t>
             </a:r>
             <a:r>
-              <a:rPr lang="en-US" sz="3000" i="0" u="none" strike="noStrike" cap="none" dirty="0" smtClean="0">
+              <a:rPr lang="en-US" sz="3000" b="1" i="0" u="none" strike="noStrike" cap="none" dirty="0">
                 <a:solidFill>
                   <a:schemeClr val="lt1"/>
                 </a:solidFill>
@@ -6425,7 +6399,7 @@
               <a:t>(</a:t>
             </a:r>
             <a:r>
-              <a:rPr lang="en-US" sz="3000" i="0" u="none" strike="noStrike" cap="none" dirty="0" smtClean="0">
+              <a:rPr lang="en-US" sz="3000" b="1" i="0" u="none" strike="noStrike" cap="none" dirty="0">
                 <a:solidFill>
                   <a:srgbClr val="00FF00"/>
                 </a:solidFill>
@@ -6437,7 +6411,7 @@
               <a:t>x</a:t>
             </a:r>
             <a:r>
-              <a:rPr lang="en-US" sz="3000" i="0" u="none" strike="noStrike" cap="none" dirty="0" smtClean="0">
+              <a:rPr lang="en-US" sz="3000" b="1" i="0" u="none" strike="noStrike" cap="none" dirty="0">
                 <a:solidFill>
                   <a:schemeClr val="lt1"/>
                 </a:solidFill>
@@ -6449,7 +6423,7 @@
               <a:t>)</a:t>
             </a:r>
             <a:r>
-              <a:rPr lang="en-US" sz="3000" i="0" u="none" strike="noStrike" cap="none" dirty="0" smtClean="0">
+              <a:rPr lang="en-US" sz="3000" b="1" i="0" u="none" strike="noStrike" cap="none" dirty="0">
                 <a:solidFill>
                   <a:srgbClr val="FFFF00"/>
                 </a:solidFill>
@@ -6460,15 +6434,6 @@
               </a:rPr>
               <a:t>)</a:t>
             </a:r>
-            <a:endParaRPr lang="en-US" sz="3000" i="0" u="none" strike="noStrike" cap="none" dirty="0">
-              <a:solidFill>
-                <a:srgbClr val="FFFF00"/>
-              </a:solidFill>
-              <a:latin typeface="Courier"/>
-              <a:ea typeface="Courier"/>
-              <a:cs typeface="Courier"/>
-              <a:sym typeface="Courier New"/>
-            </a:endParaRPr>
           </a:p>
           <a:p>
             <a:pPr marL="0" marR="0" lvl="0" indent="0" algn="l" rtl="0">
@@ -6489,7 +6454,7 @@
               <a:buNone/>
             </a:pPr>
             <a:r>
-              <a:rPr lang="en-US" sz="3000" i="0" u="none" strike="noStrike" cap="none" dirty="0">
+              <a:rPr lang="en-US" sz="3000" b="1" i="0" u="none" strike="noStrike" cap="none" dirty="0">
                 <a:solidFill>
                   <a:schemeClr val="lt1"/>
                 </a:solidFill>
@@ -6520,7 +6485,7 @@
               <a:buNone/>
             </a:pPr>
             <a:r>
-              <a:rPr lang="en-US" sz="3000" i="0" u="none" strike="noStrike" cap="none" dirty="0">
+              <a:rPr lang="en-US" sz="3000" b="1" i="0" u="none" strike="noStrike" cap="none" dirty="0">
                 <a:solidFill>
                   <a:schemeClr val="lt1"/>
                 </a:solidFill>
@@ -6559,13 +6524,6 @@
   <p:clrMapOvr>
     <a:masterClrMapping/>
   </p:clrMapOvr>
-  <p:timing>
-    <p:tnLst>
-      <p:par>
-        <p:cTn xmlns:p14="http://schemas.microsoft.com/office/powerpoint/2010/main" id="1" dur="indefinite" restart="never" nodeType="tmRoot"/>
-      </p:par>
-    </p:tnLst>
-  </p:timing>
 </p:sld>
 </file>
 
@@ -6891,7 +6849,7 @@
               <a:buSzPct val="25000"/>
             </a:pPr>
             <a:r>
-              <a:rPr lang="en-US" sz="2400" i="0" u="none" strike="noStrike" cap="none" dirty="0">
+              <a:rPr lang="en-US" sz="2400" b="1" i="0" u="none" strike="noStrike" cap="none" dirty="0">
                 <a:solidFill>
                   <a:schemeClr val="lt1"/>
                 </a:solidFill>
@@ -6903,7 +6861,7 @@
               <a:t>&gt;&gt;&gt; </a:t>
             </a:r>
             <a:r>
-              <a:rPr lang="en-US" sz="2400" i="0" u="none" strike="noStrike" cap="none" dirty="0" smtClean="0">
+              <a:rPr lang="en-US" sz="2400" b="1" i="0" u="none" strike="noStrike" cap="none" dirty="0">
                 <a:solidFill>
                   <a:srgbClr val="FFFF00"/>
                 </a:solidFill>
@@ -6915,7 +6873,7 @@
               <a:t>print(</a:t>
             </a:r>
             <a:r>
-              <a:rPr lang="en-US" sz="2400" i="0" u="none" strike="noStrike" cap="none" dirty="0" smtClean="0">
+              <a:rPr lang="en-US" sz="2400" b="1" i="0" u="none" strike="noStrike" cap="none" dirty="0">
                 <a:solidFill>
                   <a:srgbClr val="FF00FF"/>
                 </a:solidFill>
@@ -6927,7 +6885,7 @@
               <a:t>range</a:t>
             </a:r>
             <a:r>
-              <a:rPr lang="en-US" sz="2400" i="0" u="none" strike="noStrike" cap="none" dirty="0" smtClean="0">
+              <a:rPr lang="en-US" sz="2400" b="1" i="0" u="none" strike="noStrike" cap="none" dirty="0">
                 <a:solidFill>
                   <a:schemeClr val="lt1"/>
                 </a:solidFill>
@@ -6939,7 +6897,7 @@
               <a:t>(</a:t>
             </a:r>
             <a:r>
-              <a:rPr lang="en-US" sz="2400" i="0" u="none" strike="noStrike" cap="none" dirty="0" smtClean="0">
+              <a:rPr lang="en-US" sz="2400" b="1" i="0" u="none" strike="noStrike" cap="none" dirty="0">
                 <a:solidFill>
                   <a:srgbClr val="00FFFF"/>
                 </a:solidFill>
@@ -6951,7 +6909,7 @@
               <a:t>4</a:t>
             </a:r>
             <a:r>
-              <a:rPr lang="en-US" sz="2400" i="0" u="none" strike="noStrike" cap="none" dirty="0" smtClean="0">
+              <a:rPr lang="en-US" sz="2400" b="1" i="0" u="none" strike="noStrike" cap="none" dirty="0">
                 <a:solidFill>
                   <a:schemeClr val="lt1"/>
                 </a:solidFill>
@@ -6963,7 +6921,7 @@
               <a:t>)</a:t>
             </a:r>
             <a:r>
-              <a:rPr lang="en-US" sz="2400" dirty="0" smtClean="0">
+              <a:rPr lang="en-US" sz="2400" b="1" dirty="0">
                 <a:solidFill>
                   <a:srgbClr val="FFFF00"/>
                 </a:solidFill>
@@ -6974,7 +6932,7 @@
               </a:rPr>
               <a:t>)</a:t>
             </a:r>
-            <a:endParaRPr lang="en-US" sz="2400" i="0" u="none" strike="noStrike" cap="none" dirty="0">
+            <a:endParaRPr lang="en-US" sz="2400" b="1" i="0" u="none" strike="noStrike" cap="none" dirty="0">
               <a:solidFill>
                 <a:schemeClr val="lt1"/>
               </a:solidFill>
@@ -7003,7 +6961,7 @@
               <a:buNone/>
             </a:pPr>
             <a:r>
-              <a:rPr lang="en-US" sz="2400" i="0" u="none" strike="noStrike" cap="none" dirty="0">
+              <a:rPr lang="en-US" sz="2400" b="1" i="0" u="none" strike="noStrike" cap="none" dirty="0">
                 <a:solidFill>
                   <a:srgbClr val="FF7F00"/>
                 </a:solidFill>
@@ -7034,7 +6992,7 @@
               <a:buNone/>
             </a:pPr>
             <a:r>
-              <a:rPr lang="en-US" sz="2400" i="0" u="none" strike="noStrike" cap="none" dirty="0">
+              <a:rPr lang="en-US" sz="2400" b="1" i="0" u="none" strike="noStrike" cap="none" dirty="0">
                 <a:solidFill>
                   <a:schemeClr val="lt1"/>
                 </a:solidFill>
@@ -7046,7 +7004,7 @@
               <a:t>&gt;&gt;&gt; </a:t>
             </a:r>
             <a:r>
-              <a:rPr lang="en-US" sz="2400" i="0" u="none" strike="noStrike" cap="none" dirty="0">
+              <a:rPr lang="en-US" sz="2400" b="1" i="0" u="none" strike="noStrike" cap="none" dirty="0">
                 <a:solidFill>
                   <a:srgbClr val="00FF00"/>
                 </a:solidFill>
@@ -7058,7 +7016,7 @@
               <a:t>friends</a:t>
             </a:r>
             <a:r>
-              <a:rPr lang="en-US" sz="2400" i="0" u="none" strike="noStrike" cap="none" dirty="0">
+              <a:rPr lang="en-US" sz="2400" b="1" i="0" u="none" strike="noStrike" cap="none" dirty="0">
                 <a:solidFill>
                   <a:schemeClr val="lt1"/>
                 </a:solidFill>
@@ -7078,7 +7036,7 @@
               <a:buSzPct val="25000"/>
             </a:pPr>
             <a:r>
-              <a:rPr lang="en-US" sz="2400" i="0" u="none" strike="noStrike" cap="none" dirty="0">
+              <a:rPr lang="en-US" sz="2400" b="1" i="0" u="none" strike="noStrike" cap="none" dirty="0">
                 <a:solidFill>
                   <a:schemeClr val="lt1"/>
                 </a:solidFill>
@@ -7090,7 +7048,7 @@
               <a:t>&gt;&gt;&gt; </a:t>
             </a:r>
             <a:r>
-              <a:rPr lang="en-US" sz="2400" i="0" u="none" strike="noStrike" cap="none" dirty="0" smtClean="0">
+              <a:rPr lang="en-US" sz="2400" b="1" i="0" u="none" strike="noStrike" cap="none" dirty="0">
                 <a:solidFill>
                   <a:srgbClr val="FFFF00"/>
                 </a:solidFill>
@@ -7102,7 +7060,7 @@
               <a:t>print(</a:t>
             </a:r>
             <a:r>
-              <a:rPr lang="en-US" sz="2400" i="0" u="none" strike="noStrike" cap="none" dirty="0" err="1" smtClean="0">
+              <a:rPr lang="en-US" sz="2400" b="1" i="0" u="none" strike="noStrike" cap="none" dirty="0" err="1">
                 <a:solidFill>
                   <a:srgbClr val="FF00FF"/>
                 </a:solidFill>
@@ -7114,7 +7072,7 @@
               <a:t>len</a:t>
             </a:r>
             <a:r>
-              <a:rPr lang="en-US" sz="2400" i="0" u="none" strike="noStrike" cap="none" dirty="0" smtClean="0">
+              <a:rPr lang="en-US" sz="2400" b="1" i="0" u="none" strike="noStrike" cap="none" dirty="0">
                 <a:solidFill>
                   <a:schemeClr val="lt1"/>
                 </a:solidFill>
@@ -7126,7 +7084,7 @@
               <a:t>(</a:t>
             </a:r>
             <a:r>
-              <a:rPr lang="en-US" sz="2400" i="0" u="none" strike="noStrike" cap="none" dirty="0" smtClean="0">
+              <a:rPr lang="en-US" sz="2400" b="1" i="0" u="none" strike="noStrike" cap="none" dirty="0">
                 <a:solidFill>
                   <a:srgbClr val="00FF00"/>
                 </a:solidFill>
@@ -7138,7 +7096,7 @@
               <a:t>friends</a:t>
             </a:r>
             <a:r>
-              <a:rPr lang="en-US" sz="2400" i="0" u="none" strike="noStrike" cap="none" dirty="0" smtClean="0">
+              <a:rPr lang="en-US" sz="2400" b="1" i="0" u="none" strike="noStrike" cap="none" dirty="0">
                 <a:solidFill>
                   <a:schemeClr val="lt1"/>
                 </a:solidFill>
@@ -7150,7 +7108,7 @@
               <a:t>)</a:t>
             </a:r>
             <a:r>
-              <a:rPr lang="en-US" sz="2400" dirty="0" smtClean="0">
+              <a:rPr lang="en-US" sz="2400" b="1" dirty="0">
                 <a:solidFill>
                   <a:srgbClr val="FFFF00"/>
                 </a:solidFill>
@@ -7161,7 +7119,7 @@
               </a:rPr>
               <a:t>)</a:t>
             </a:r>
-            <a:endParaRPr lang="en-US" sz="2400" i="0" u="none" strike="noStrike" cap="none" dirty="0">
+            <a:endParaRPr lang="en-US" sz="2400" b="1" i="0" u="none" strike="noStrike" cap="none" dirty="0">
               <a:solidFill>
                 <a:schemeClr val="lt1"/>
               </a:solidFill>
@@ -7190,7 +7148,7 @@
               <a:buNone/>
             </a:pPr>
             <a:r>
-              <a:rPr lang="en-US" sz="2400" i="0" u="none" strike="noStrike" cap="none" dirty="0">
+              <a:rPr lang="en-US" sz="2400" b="1" i="0" u="none" strike="noStrike" cap="none" dirty="0">
                 <a:solidFill>
                   <a:schemeClr val="lt1"/>
                 </a:solidFill>
@@ -7210,7 +7168,7 @@
               <a:buSzPct val="25000"/>
             </a:pPr>
             <a:r>
-              <a:rPr lang="en-US" sz="2400" i="0" u="none" strike="noStrike" cap="none" dirty="0">
+              <a:rPr lang="en-US" sz="2400" b="1" i="0" u="none" strike="noStrike" cap="none" dirty="0">
                 <a:solidFill>
                   <a:schemeClr val="lt1"/>
                 </a:solidFill>
@@ -7222,7 +7180,7 @@
               <a:t>&gt;&gt;&gt; </a:t>
             </a:r>
             <a:r>
-              <a:rPr lang="en-US" sz="2400" i="0" u="none" strike="noStrike" cap="none" dirty="0" smtClean="0">
+              <a:rPr lang="en-US" sz="2400" b="1" i="0" u="none" strike="noStrike" cap="none" dirty="0">
                 <a:solidFill>
                   <a:srgbClr val="FFFF00"/>
                 </a:solidFill>
@@ -7234,7 +7192,7 @@
               <a:t>print(</a:t>
             </a:r>
             <a:r>
-              <a:rPr lang="en-US" sz="2400" i="0" u="none" strike="noStrike" cap="none" dirty="0" smtClean="0">
+              <a:rPr lang="en-US" sz="2400" b="1" i="0" u="none" strike="noStrike" cap="none" dirty="0">
                 <a:solidFill>
                   <a:srgbClr val="FF00FF"/>
                 </a:solidFill>
@@ -7246,7 +7204,7 @@
               <a:t>range</a:t>
             </a:r>
             <a:r>
-              <a:rPr lang="en-US" sz="2400" i="0" u="none" strike="noStrike" cap="none" dirty="0" smtClean="0">
+              <a:rPr lang="en-US" sz="2400" b="1" i="0" u="none" strike="noStrike" cap="none" dirty="0">
                 <a:solidFill>
                   <a:schemeClr val="lt1"/>
                 </a:solidFill>
@@ -7258,7 +7216,7 @@
               <a:t>(</a:t>
             </a:r>
             <a:r>
-              <a:rPr lang="en-US" sz="2400" i="0" u="none" strike="noStrike" cap="none" dirty="0" err="1" smtClean="0">
+              <a:rPr lang="en-US" sz="2400" b="1" i="0" u="none" strike="noStrike" cap="none" dirty="0" err="1">
                 <a:solidFill>
                   <a:srgbClr val="FF00FF"/>
                 </a:solidFill>
@@ -7270,7 +7228,7 @@
               <a:t>len</a:t>
             </a:r>
             <a:r>
-              <a:rPr lang="en-US" sz="2400" i="0" u="none" strike="noStrike" cap="none" dirty="0" smtClean="0">
+              <a:rPr lang="en-US" sz="2400" b="1" i="0" u="none" strike="noStrike" cap="none" dirty="0">
                 <a:solidFill>
                   <a:schemeClr val="lt1"/>
                 </a:solidFill>
@@ -7282,7 +7240,7 @@
               <a:t>(</a:t>
             </a:r>
             <a:r>
-              <a:rPr lang="en-US" sz="2400" i="0" u="none" strike="noStrike" cap="none" dirty="0" smtClean="0">
+              <a:rPr lang="en-US" sz="2400" b="1" i="0" u="none" strike="noStrike" cap="none" dirty="0">
                 <a:solidFill>
                   <a:srgbClr val="00FF00"/>
                 </a:solidFill>
@@ -7294,7 +7252,7 @@
               <a:t>friends</a:t>
             </a:r>
             <a:r>
-              <a:rPr lang="en-US" sz="2400" i="0" u="none" strike="noStrike" cap="none" dirty="0" smtClean="0">
+              <a:rPr lang="en-US" sz="2400" b="1" i="0" u="none" strike="noStrike" cap="none" dirty="0">
                 <a:solidFill>
                   <a:schemeClr val="lt1"/>
                 </a:solidFill>
@@ -7306,7 +7264,7 @@
               <a:t>))</a:t>
             </a:r>
             <a:r>
-              <a:rPr lang="en-US" sz="2400" dirty="0" smtClean="0">
+              <a:rPr lang="en-US" sz="2400" b="1" dirty="0">
                 <a:solidFill>
                   <a:srgbClr val="FFFF00"/>
                 </a:solidFill>
@@ -7317,7 +7275,7 @@
               </a:rPr>
               <a:t>)</a:t>
             </a:r>
-            <a:endParaRPr lang="en-US" sz="2400" i="0" u="none" strike="noStrike" cap="none" dirty="0">
+            <a:endParaRPr lang="en-US" sz="2400" b="1" i="0" u="none" strike="noStrike" cap="none" dirty="0">
               <a:solidFill>
                 <a:schemeClr val="lt1"/>
               </a:solidFill>
@@ -7346,7 +7304,7 @@
               <a:buNone/>
             </a:pPr>
             <a:r>
-              <a:rPr lang="en-US" sz="2400" i="0" u="none" strike="noStrike" cap="none" dirty="0">
+              <a:rPr lang="en-US" sz="2400" b="1" i="0" u="none" strike="noStrike" cap="none" dirty="0">
                 <a:solidFill>
                   <a:srgbClr val="FF7F00"/>
                 </a:solidFill>
@@ -7377,7 +7335,7 @@
               <a:buNone/>
             </a:pPr>
             <a:r>
-              <a:rPr lang="en-US" sz="2400" i="0" u="none" strike="noStrike" cap="none" dirty="0">
+              <a:rPr lang="en-US" sz="2400" b="1" i="0" u="none" strike="noStrike" cap="none" dirty="0">
                 <a:solidFill>
                   <a:schemeClr val="lt1"/>
                 </a:solidFill>
@@ -7396,13 +7354,6 @@
   <p:clrMapOvr>
     <a:masterClrMapping/>
   </p:clrMapOvr>
-  <p:timing>
-    <p:tnLst>
-      <p:par>
-        <p:cTn xmlns:p14="http://schemas.microsoft.com/office/powerpoint/2010/main" id="1" dur="indefinite" restart="never" nodeType="tmRoot"/>
-      </p:par>
-    </p:tnLst>
-  </p:timing>
 </p:sld>
 </file>
 
@@ -7523,7 +7474,7 @@
               <a:buNone/>
             </a:pPr>
             <a:r>
-              <a:rPr lang="en-US" sz="2400" i="0" u="none" strike="noStrike" cap="none" dirty="0">
+              <a:rPr lang="en-US" sz="2400" b="1" i="0" u="none" strike="noStrike" cap="none" dirty="0">
                 <a:solidFill>
                   <a:srgbClr val="00FF00"/>
                 </a:solidFill>
@@ -7535,7 +7486,7 @@
               <a:t>friends</a:t>
             </a:r>
             <a:r>
-              <a:rPr lang="en-US" sz="2400" i="0" u="none" strike="noStrike" cap="none" dirty="0">
+              <a:rPr lang="en-US" sz="2400" b="1" i="0" u="none" strike="noStrike" cap="none" dirty="0">
                 <a:solidFill>
                   <a:schemeClr val="lt1"/>
                 </a:solidFill>
@@ -7560,7 +7511,7 @@
               </a:spcAft>
               <a:buNone/>
             </a:pPr>
-            <a:endParaRPr sz="2400" i="0" u="none" strike="noStrike" cap="none" dirty="0">
+            <a:endParaRPr sz="2400" b="1" i="0" u="none" strike="noStrike" cap="none" dirty="0">
               <a:solidFill>
                 <a:schemeClr val="lt1"/>
               </a:solidFill>
@@ -7589,7 +7540,7 @@
               <a:buNone/>
             </a:pPr>
             <a:r>
-              <a:rPr lang="en-US" sz="2400" i="0" u="none" strike="noStrike" cap="none" dirty="0">
+              <a:rPr lang="en-US" sz="2400" b="1" i="0" u="none" strike="noStrike" cap="none" dirty="0">
                 <a:solidFill>
                   <a:srgbClr val="FFFF00"/>
                 </a:solidFill>
@@ -7601,7 +7552,7 @@
               <a:t>for</a:t>
             </a:r>
             <a:r>
-              <a:rPr lang="en-US" sz="2400" i="0" u="none" strike="noStrike" cap="none" dirty="0">
+              <a:rPr lang="en-US" sz="2400" b="1" i="0" u="none" strike="noStrike" cap="none" dirty="0">
                 <a:solidFill>
                   <a:schemeClr val="lt1"/>
                 </a:solidFill>
@@ -7613,7 +7564,7 @@
               <a:t> </a:t>
             </a:r>
             <a:r>
-              <a:rPr lang="en-US" sz="2400" i="0" u="none" strike="noStrike" cap="none" dirty="0">
+              <a:rPr lang="en-US" sz="2400" b="1" i="0" u="none" strike="noStrike" cap="none" dirty="0">
                 <a:solidFill>
                   <a:srgbClr val="FF7F00"/>
                 </a:solidFill>
@@ -7625,7 +7576,7 @@
               <a:t>friend</a:t>
             </a:r>
             <a:r>
-              <a:rPr lang="en-US" sz="2400" i="0" u="none" strike="noStrike" cap="none" dirty="0">
+              <a:rPr lang="en-US" sz="2400" b="1" i="0" u="none" strike="noStrike" cap="none" dirty="0">
                 <a:solidFill>
                   <a:schemeClr val="lt1"/>
                 </a:solidFill>
@@ -7637,7 +7588,7 @@
               <a:t> </a:t>
             </a:r>
             <a:r>
-              <a:rPr lang="en-US" sz="2400" i="0" u="none" strike="noStrike" cap="none" dirty="0">
+              <a:rPr lang="en-US" sz="2400" b="1" i="0" u="none" strike="noStrike" cap="none" dirty="0">
                 <a:solidFill>
                   <a:srgbClr val="FFFF00"/>
                 </a:solidFill>
@@ -7649,7 +7600,7 @@
               <a:t>in</a:t>
             </a:r>
             <a:r>
-              <a:rPr lang="en-US" sz="2400" i="0" u="none" strike="noStrike" cap="none" dirty="0">
+              <a:rPr lang="en-US" sz="2400" b="1" i="0" u="none" strike="noStrike" cap="none" dirty="0">
                 <a:solidFill>
                   <a:schemeClr val="lt1"/>
                 </a:solidFill>
@@ -7661,7 +7612,7 @@
               <a:t> </a:t>
             </a:r>
             <a:r>
-              <a:rPr lang="en-US" sz="2400" i="0" u="none" strike="noStrike" cap="none" dirty="0">
+              <a:rPr lang="en-US" sz="2400" b="1" i="0" u="none" strike="noStrike" cap="none" dirty="0">
                 <a:solidFill>
                   <a:srgbClr val="00FF00"/>
                 </a:solidFill>
@@ -7673,7 +7624,7 @@
               <a:t>friends </a:t>
             </a:r>
             <a:r>
-              <a:rPr lang="en-US" sz="2400" i="0" u="none" strike="noStrike" cap="none" dirty="0">
+              <a:rPr lang="en-US" sz="2400" b="1" i="0" u="none" strike="noStrike" cap="none" dirty="0">
                 <a:solidFill>
                   <a:schemeClr val="lt1"/>
                 </a:solidFill>
@@ -7693,7 +7644,7 @@
               <a:buSzPct val="25000"/>
             </a:pPr>
             <a:r>
-              <a:rPr lang="en-US" sz="2400" i="0" u="none" strike="noStrike" cap="none" dirty="0">
+              <a:rPr lang="en-US" sz="2400" b="1" i="0" u="none" strike="noStrike" cap="none" dirty="0">
                 <a:solidFill>
                   <a:schemeClr val="lt1"/>
                 </a:solidFill>
@@ -7705,7 +7656,7 @@
               <a:t>    </a:t>
             </a:r>
             <a:r>
-              <a:rPr lang="en-US" sz="2400" i="0" u="none" strike="noStrike" cap="none" dirty="0" smtClean="0">
+              <a:rPr lang="en-US" sz="2400" b="1" i="0" u="none" strike="noStrike" cap="none" dirty="0">
                 <a:solidFill>
                   <a:srgbClr val="FFFF00"/>
                 </a:solidFill>
@@ -7717,31 +7668,19 @@
               <a:t>print(</a:t>
             </a:r>
             <a:r>
-              <a:rPr lang="en-US" sz="2400" i="0" u="none" strike="noStrike" cap="none" dirty="0" smtClean="0">
-                <a:solidFill>
-                  <a:schemeClr val="lt1"/>
-                </a:solidFill>
-                <a:latin typeface="Courier"/>
-                <a:ea typeface="Courier"/>
-                <a:cs typeface="Courier"/>
-                <a:sym typeface="Courier New"/>
-              </a:rPr>
-              <a:t>'Happy </a:t>
-            </a:r>
-            <a:r>
-              <a:rPr lang="en-US" sz="2400" i="0" u="none" strike="noStrike" cap="none" dirty="0">
-                <a:solidFill>
-                  <a:schemeClr val="lt1"/>
-                </a:solidFill>
-                <a:latin typeface="Courier"/>
-                <a:ea typeface="Courier"/>
-                <a:cs typeface="Courier"/>
-                <a:sym typeface="Courier New"/>
-              </a:rPr>
-              <a:t>New Year:',  </a:t>
-            </a:r>
-            <a:r>
-              <a:rPr lang="en-US" sz="2400" i="0" u="none" strike="noStrike" cap="none" dirty="0" smtClean="0">
+              <a:rPr lang="en-US" sz="2400" b="1" i="0" u="none" strike="noStrike" cap="none" dirty="0">
+                <a:solidFill>
+                  <a:schemeClr val="lt1"/>
+                </a:solidFill>
+                <a:latin typeface="Courier"/>
+                <a:ea typeface="Courier"/>
+                <a:cs typeface="Courier"/>
+                <a:sym typeface="Courier New"/>
+              </a:rPr>
+              <a:t>'Happy New Year:',  </a:t>
+            </a:r>
+            <a:r>
+              <a:rPr lang="en-US" sz="2400" b="1" i="0" u="none" strike="noStrike" cap="none" dirty="0">
                 <a:solidFill>
                   <a:srgbClr val="FF7F00"/>
                 </a:solidFill>
@@ -7753,7 +7692,7 @@
               <a:t>friend</a:t>
             </a:r>
             <a:r>
-              <a:rPr lang="en-US" sz="2400" dirty="0" smtClean="0">
+              <a:rPr lang="en-US" sz="2400" b="1" dirty="0">
                 <a:solidFill>
                   <a:srgbClr val="FFFF00"/>
                 </a:solidFill>
@@ -7764,7 +7703,7 @@
               </a:rPr>
               <a:t>)</a:t>
             </a:r>
-            <a:endParaRPr lang="en-US" sz="2400" i="0" u="none" strike="noStrike" cap="none" dirty="0">
+            <a:endParaRPr lang="en-US" sz="2400" b="1" i="0" u="none" strike="noStrike" cap="none" dirty="0">
               <a:solidFill>
                 <a:srgbClr val="FF7F00"/>
               </a:solidFill>
@@ -7787,7 +7726,7 @@
               </a:spcAft>
               <a:buNone/>
             </a:pPr>
-            <a:endParaRPr sz="2400" i="0" u="none" strike="noStrike" cap="none" dirty="0">
+            <a:endParaRPr sz="2400" b="1" i="0" u="none" strike="noStrike" cap="none" dirty="0">
               <a:solidFill>
                 <a:srgbClr val="00FF00"/>
               </a:solidFill>
@@ -7816,7 +7755,7 @@
               <a:buNone/>
             </a:pPr>
             <a:r>
-              <a:rPr lang="en-US" sz="2400" i="0" u="none" strike="noStrike" cap="none" dirty="0">
+              <a:rPr lang="en-US" sz="2400" b="1" i="0" u="none" strike="noStrike" cap="none" dirty="0">
                 <a:solidFill>
                   <a:srgbClr val="FFFF00"/>
                 </a:solidFill>
@@ -7828,7 +7767,7 @@
               <a:t>for</a:t>
             </a:r>
             <a:r>
-              <a:rPr lang="en-US" sz="2400" i="0" u="none" strike="noStrike" cap="none" dirty="0">
+              <a:rPr lang="en-US" sz="2400" b="1" i="0" u="none" strike="noStrike" cap="none" dirty="0">
                 <a:solidFill>
                   <a:schemeClr val="lt1"/>
                 </a:solidFill>
@@ -7840,7 +7779,7 @@
               <a:t> </a:t>
             </a:r>
             <a:r>
-              <a:rPr lang="en-US" sz="2400" i="0" u="none" strike="noStrike" cap="none" dirty="0" err="1">
+              <a:rPr lang="en-US" sz="2400" b="1" i="0" u="none" strike="noStrike" cap="none" dirty="0" err="1">
                 <a:solidFill>
                   <a:srgbClr val="00FF00"/>
                 </a:solidFill>
@@ -7852,7 +7791,7 @@
               <a:t>i</a:t>
             </a:r>
             <a:r>
-              <a:rPr lang="en-US" sz="2400" i="0" u="none" strike="noStrike" cap="none" dirty="0">
+              <a:rPr lang="en-US" sz="2400" b="1" i="0" u="none" strike="noStrike" cap="none" dirty="0">
                 <a:solidFill>
                   <a:schemeClr val="lt1"/>
                 </a:solidFill>
@@ -7864,7 +7803,7 @@
               <a:t> </a:t>
             </a:r>
             <a:r>
-              <a:rPr lang="en-US" sz="2400" i="0" u="none" strike="noStrike" cap="none" dirty="0">
+              <a:rPr lang="en-US" sz="2400" b="1" i="0" u="none" strike="noStrike" cap="none" dirty="0">
                 <a:solidFill>
                   <a:srgbClr val="FFFF00"/>
                 </a:solidFill>
@@ -7876,7 +7815,7 @@
               <a:t>in</a:t>
             </a:r>
             <a:r>
-              <a:rPr lang="en-US" sz="2400" i="0" u="none" strike="noStrike" cap="none" dirty="0">
+              <a:rPr lang="en-US" sz="2400" b="1" i="0" u="none" strike="noStrike" cap="none" dirty="0">
                 <a:solidFill>
                   <a:schemeClr val="lt1"/>
                 </a:solidFill>
@@ -7888,7 +7827,7 @@
               <a:t> </a:t>
             </a:r>
             <a:r>
-              <a:rPr lang="en-US" sz="2400" i="0" u="none" strike="noStrike" cap="none" dirty="0">
+              <a:rPr lang="en-US" sz="2400" b="1" i="0" u="none" strike="noStrike" cap="none" dirty="0">
                 <a:solidFill>
                   <a:srgbClr val="FF00FF"/>
                 </a:solidFill>
@@ -7900,7 +7839,7 @@
               <a:t>range</a:t>
             </a:r>
             <a:r>
-              <a:rPr lang="en-US" sz="2400" i="0" u="none" strike="noStrike" cap="none" dirty="0">
+              <a:rPr lang="en-US" sz="2400" b="1" i="0" u="none" strike="noStrike" cap="none" dirty="0">
                 <a:solidFill>
                   <a:schemeClr val="lt1"/>
                 </a:solidFill>
@@ -7912,7 +7851,7 @@
               <a:t>(</a:t>
             </a:r>
             <a:r>
-              <a:rPr lang="en-US" sz="2400" i="0" u="none" strike="noStrike" cap="none" dirty="0" err="1">
+              <a:rPr lang="en-US" sz="2400" b="1" i="0" u="none" strike="noStrike" cap="none" dirty="0" err="1">
                 <a:solidFill>
                   <a:schemeClr val="lt1"/>
                 </a:solidFill>
@@ -7924,7 +7863,7 @@
               <a:t>len</a:t>
             </a:r>
             <a:r>
-              <a:rPr lang="en-US" sz="2400" i="0" u="none" strike="noStrike" cap="none" dirty="0">
+              <a:rPr lang="en-US" sz="2400" b="1" i="0" u="none" strike="noStrike" cap="none" dirty="0">
                 <a:solidFill>
                   <a:schemeClr val="lt1"/>
                 </a:solidFill>
@@ -7936,7 +7875,7 @@
               <a:t>(</a:t>
             </a:r>
             <a:r>
-              <a:rPr lang="en-US" sz="2400" i="0" u="none" strike="noStrike" cap="none" dirty="0">
+              <a:rPr lang="en-US" sz="2400" b="1" i="0" u="none" strike="noStrike" cap="none" dirty="0">
                 <a:solidFill>
                   <a:srgbClr val="00FF00"/>
                 </a:solidFill>
@@ -7948,7 +7887,7 @@
               <a:t>friends)</a:t>
             </a:r>
             <a:r>
-              <a:rPr lang="en-US" sz="2400" i="0" u="none" strike="noStrike" cap="none" dirty="0">
+              <a:rPr lang="en-US" sz="2400" b="1" i="0" u="none" strike="noStrike" cap="none" dirty="0">
                 <a:solidFill>
                   <a:schemeClr val="lt1"/>
                 </a:solidFill>
@@ -7979,7 +7918,7 @@
               <a:buNone/>
             </a:pPr>
             <a:r>
-              <a:rPr lang="en-US" sz="2400" i="0" u="none" strike="noStrike" cap="none" dirty="0">
+              <a:rPr lang="en-US" sz="2400" b="1" i="0" u="none" strike="noStrike" cap="none" dirty="0">
                 <a:solidFill>
                   <a:schemeClr val="lt1"/>
                 </a:solidFill>
@@ -7991,7 +7930,7 @@
               <a:t>    </a:t>
             </a:r>
             <a:r>
-              <a:rPr lang="en-US" sz="2400" i="0" u="none" strike="noStrike" cap="none" dirty="0">
+              <a:rPr lang="en-US" sz="2400" b="1" i="0" u="none" strike="noStrike" cap="none" dirty="0">
                 <a:solidFill>
                   <a:srgbClr val="FF7F00"/>
                 </a:solidFill>
@@ -8003,7 +7942,7 @@
               <a:t>friend</a:t>
             </a:r>
             <a:r>
-              <a:rPr lang="en-US" sz="2400" i="0" u="none" strike="noStrike" cap="none" dirty="0">
+              <a:rPr lang="en-US" sz="2400" b="1" i="0" u="none" strike="noStrike" cap="none" dirty="0">
                 <a:solidFill>
                   <a:schemeClr val="lt1"/>
                 </a:solidFill>
@@ -8015,7 +7954,7 @@
               <a:t> = </a:t>
             </a:r>
             <a:r>
-              <a:rPr lang="en-US" sz="2400" i="0" u="none" strike="noStrike" cap="none" dirty="0">
+              <a:rPr lang="en-US" sz="2400" b="1" i="0" u="none" strike="noStrike" cap="none" dirty="0">
                 <a:solidFill>
                   <a:srgbClr val="00FF00"/>
                 </a:solidFill>
@@ -8027,7 +7966,7 @@
               <a:t>friends</a:t>
             </a:r>
             <a:r>
-              <a:rPr lang="en-US" sz="2400" i="0" u="none" strike="noStrike" cap="none" dirty="0">
+              <a:rPr lang="en-US" sz="2400" b="1" i="0" u="none" strike="noStrike" cap="none" dirty="0">
                 <a:solidFill>
                   <a:schemeClr val="lt1"/>
                 </a:solidFill>
@@ -8039,7 +7978,7 @@
               <a:t>[</a:t>
             </a:r>
             <a:r>
-              <a:rPr lang="en-US" sz="2400" i="0" u="none" strike="noStrike" cap="none" dirty="0" err="1">
+              <a:rPr lang="en-US" sz="2400" b="1" i="0" u="none" strike="noStrike" cap="none" dirty="0" err="1">
                 <a:solidFill>
                   <a:schemeClr val="lt1"/>
                 </a:solidFill>
@@ -8051,7 +7990,7 @@
               <a:t>i</a:t>
             </a:r>
             <a:r>
-              <a:rPr lang="en-US" sz="2400" i="0" u="none" strike="noStrike" cap="none" dirty="0">
+              <a:rPr lang="en-US" sz="2400" b="1" i="0" u="none" strike="noStrike" cap="none" dirty="0">
                 <a:solidFill>
                   <a:schemeClr val="lt1"/>
                 </a:solidFill>
@@ -8071,7 +8010,7 @@
               <a:buSzPct val="25000"/>
             </a:pPr>
             <a:r>
-              <a:rPr lang="en-US" sz="2400" i="0" u="none" strike="noStrike" cap="none" dirty="0">
+              <a:rPr lang="en-US" sz="2400" b="1" i="0" u="none" strike="noStrike" cap="none" dirty="0">
                 <a:solidFill>
                   <a:schemeClr val="lt1"/>
                 </a:solidFill>
@@ -8083,7 +8022,7 @@
               <a:t>    </a:t>
             </a:r>
             <a:r>
-              <a:rPr lang="en-US" sz="2400" i="0" u="none" strike="noStrike" cap="none" dirty="0" smtClean="0">
+              <a:rPr lang="en-US" sz="2400" b="1" i="0" u="none" strike="noStrike" cap="none" dirty="0">
                 <a:solidFill>
                   <a:srgbClr val="FFFF00"/>
                 </a:solidFill>
@@ -8095,7 +8034,7 @@
               <a:t>print</a:t>
             </a:r>
             <a:r>
-              <a:rPr lang="en-US" sz="2400" dirty="0">
+              <a:rPr lang="en-US" sz="2400" b="1" dirty="0">
                 <a:solidFill>
                   <a:schemeClr val="lt1"/>
                 </a:solidFill>
@@ -8107,31 +8046,19 @@
               <a:t>(</a:t>
             </a:r>
             <a:r>
-              <a:rPr lang="en-US" sz="2400" i="0" u="none" strike="noStrike" cap="none" dirty="0" smtClean="0">
-                <a:solidFill>
-                  <a:schemeClr val="lt1"/>
-                </a:solidFill>
-                <a:latin typeface="Courier"/>
-                <a:ea typeface="Courier"/>
-                <a:cs typeface="Courier"/>
-                <a:sym typeface="Courier New"/>
-              </a:rPr>
-              <a:t>'Happy </a:t>
-            </a:r>
-            <a:r>
-              <a:rPr lang="en-US" sz="2400" i="0" u="none" strike="noStrike" cap="none" dirty="0">
-                <a:solidFill>
-                  <a:schemeClr val="lt1"/>
-                </a:solidFill>
-                <a:latin typeface="Courier"/>
-                <a:ea typeface="Courier"/>
-                <a:cs typeface="Courier"/>
-                <a:sym typeface="Courier New"/>
-              </a:rPr>
-              <a:t>New Year:',  </a:t>
-            </a:r>
-            <a:r>
-              <a:rPr lang="en-US" sz="2400" i="0" u="none" strike="noStrike" cap="none" dirty="0" smtClean="0">
+              <a:rPr lang="en-US" sz="2400" b="1" i="0" u="none" strike="noStrike" cap="none" dirty="0">
+                <a:solidFill>
+                  <a:schemeClr val="lt1"/>
+                </a:solidFill>
+                <a:latin typeface="Courier"/>
+                <a:ea typeface="Courier"/>
+                <a:cs typeface="Courier"/>
+                <a:sym typeface="Courier New"/>
+              </a:rPr>
+              <a:t>'Happy New Year:',  </a:t>
+            </a:r>
+            <a:r>
+              <a:rPr lang="en-US" sz="2400" b="1" i="0" u="none" strike="noStrike" cap="none" dirty="0">
                 <a:solidFill>
                   <a:srgbClr val="FF7F00"/>
                 </a:solidFill>
@@ -8143,7 +8070,7 @@
               <a:t>friend</a:t>
             </a:r>
             <a:r>
-              <a:rPr lang="en-US" sz="2400" dirty="0" smtClean="0">
+              <a:rPr lang="en-US" sz="2400" b="1" dirty="0">
                 <a:solidFill>
                   <a:srgbClr val="FFFF00"/>
                 </a:solidFill>
@@ -8154,7 +8081,7 @@
               </a:rPr>
               <a:t>)</a:t>
             </a:r>
-            <a:endParaRPr lang="en-US" sz="2400" i="0" u="none" strike="noStrike" cap="none" dirty="0">
+            <a:endParaRPr lang="en-US" sz="2400" b="1" i="0" u="none" strike="noStrike" cap="none" dirty="0">
               <a:solidFill>
                 <a:srgbClr val="FF7F00"/>
               </a:solidFill>
@@ -8328,7 +8255,7 @@
               <a:buNone/>
             </a:pPr>
             <a:r>
-              <a:rPr lang="en-US" sz="2400" i="0" u="none" strike="noStrike" cap="none" dirty="0">
+              <a:rPr lang="en-US" sz="2400" b="1" i="0" u="none" strike="noStrike" cap="none" dirty="0">
                 <a:solidFill>
                   <a:schemeClr val="lt1"/>
                 </a:solidFill>
@@ -8340,7 +8267,7 @@
               <a:t>&gt;&gt;&gt; </a:t>
             </a:r>
             <a:r>
-              <a:rPr lang="en-US" sz="2400" i="0" u="none" strike="noStrike" cap="none" dirty="0">
+              <a:rPr lang="en-US" sz="2400" b="1" i="0" u="none" strike="noStrike" cap="none" dirty="0">
                 <a:solidFill>
                   <a:srgbClr val="00FF00"/>
                 </a:solidFill>
@@ -8352,7 +8279,7 @@
               <a:t>friends</a:t>
             </a:r>
             <a:r>
-              <a:rPr lang="en-US" sz="2400" i="0" u="none" strike="noStrike" cap="none" dirty="0">
+              <a:rPr lang="en-US" sz="2400" b="1" i="0" u="none" strike="noStrike" cap="none" dirty="0">
                 <a:solidFill>
                   <a:schemeClr val="lt1"/>
                 </a:solidFill>
@@ -8372,7 +8299,7 @@
               <a:buSzPct val="25000"/>
             </a:pPr>
             <a:r>
-              <a:rPr lang="en-US" sz="2400" i="0" u="none" strike="noStrike" cap="none" dirty="0">
+              <a:rPr lang="en-US" sz="2400" b="1" i="0" u="none" strike="noStrike" cap="none" dirty="0">
                 <a:solidFill>
                   <a:schemeClr val="lt1"/>
                 </a:solidFill>
@@ -8384,7 +8311,7 @@
               <a:t>&gt;&gt;&gt; </a:t>
             </a:r>
             <a:r>
-              <a:rPr lang="en-US" sz="2400" i="0" u="none" strike="noStrike" cap="none" dirty="0" smtClean="0">
+              <a:rPr lang="en-US" sz="2400" b="1" i="0" u="none" strike="noStrike" cap="none" dirty="0">
                 <a:solidFill>
                   <a:srgbClr val="FFFF00"/>
                 </a:solidFill>
@@ -8396,7 +8323,7 @@
               <a:t>print(</a:t>
             </a:r>
             <a:r>
-              <a:rPr lang="en-US" sz="2400" i="0" u="none" strike="noStrike" cap="none" dirty="0" err="1" smtClean="0">
+              <a:rPr lang="en-US" sz="2400" b="1" i="0" u="none" strike="noStrike" cap="none" dirty="0" err="1">
                 <a:solidFill>
                   <a:srgbClr val="FF00FF"/>
                 </a:solidFill>
@@ -8408,7 +8335,7 @@
               <a:t>len</a:t>
             </a:r>
             <a:r>
-              <a:rPr lang="en-US" sz="2400" i="0" u="none" strike="noStrike" cap="none" dirty="0" smtClean="0">
+              <a:rPr lang="en-US" sz="2400" b="1" i="0" u="none" strike="noStrike" cap="none" dirty="0">
                 <a:solidFill>
                   <a:schemeClr val="lt1"/>
                 </a:solidFill>
@@ -8420,7 +8347,7 @@
               <a:t>(</a:t>
             </a:r>
             <a:r>
-              <a:rPr lang="en-US" sz="2400" i="0" u="none" strike="noStrike" cap="none" dirty="0" smtClean="0">
+              <a:rPr lang="en-US" sz="2400" b="1" i="0" u="none" strike="noStrike" cap="none" dirty="0">
                 <a:solidFill>
                   <a:srgbClr val="00FF00"/>
                 </a:solidFill>
@@ -8432,7 +8359,7 @@
               <a:t>friends</a:t>
             </a:r>
             <a:r>
-              <a:rPr lang="en-US" sz="2400" i="0" u="none" strike="noStrike" cap="none" dirty="0" smtClean="0">
+              <a:rPr lang="en-US" sz="2400" b="1" i="0" u="none" strike="noStrike" cap="none" dirty="0">
                 <a:solidFill>
                   <a:schemeClr val="lt1"/>
                 </a:solidFill>
@@ -8444,7 +8371,7 @@
               <a:t>)</a:t>
             </a:r>
             <a:r>
-              <a:rPr lang="en-US" sz="2400" dirty="0" smtClean="0">
+              <a:rPr lang="en-US" sz="2400" b="1" dirty="0">
                 <a:solidFill>
                   <a:srgbClr val="FFFF00"/>
                 </a:solidFill>
@@ -8455,7 +8382,7 @@
               </a:rPr>
               <a:t>)</a:t>
             </a:r>
-            <a:endParaRPr lang="en-US" sz="2400" i="0" u="none" strike="noStrike" cap="none" dirty="0">
+            <a:endParaRPr lang="en-US" sz="2400" b="1" i="0" u="none" strike="noStrike" cap="none" dirty="0">
               <a:solidFill>
                 <a:schemeClr val="lt1"/>
               </a:solidFill>
@@ -8484,7 +8411,7 @@
               <a:buNone/>
             </a:pPr>
             <a:r>
-              <a:rPr lang="en-US" sz="2400" i="0" u="none" strike="noStrike" cap="none" dirty="0">
+              <a:rPr lang="en-US" sz="2400" b="1" i="0" u="none" strike="noStrike" cap="none" dirty="0">
                 <a:solidFill>
                   <a:schemeClr val="lt1"/>
                 </a:solidFill>
@@ -8504,7 +8431,7 @@
               <a:buSzPct val="25000"/>
             </a:pPr>
             <a:r>
-              <a:rPr lang="en-US" sz="2400" i="0" u="none" strike="noStrike" cap="none" dirty="0">
+              <a:rPr lang="en-US" sz="2400" b="1" i="0" u="none" strike="noStrike" cap="none" dirty="0">
                 <a:solidFill>
                   <a:schemeClr val="lt1"/>
                 </a:solidFill>
@@ -8516,7 +8443,7 @@
               <a:t>&gt;&gt;&gt; </a:t>
             </a:r>
             <a:r>
-              <a:rPr lang="en-US" sz="2400" i="0" u="none" strike="noStrike" cap="none" dirty="0" smtClean="0">
+              <a:rPr lang="en-US" sz="2400" b="1" i="0" u="none" strike="noStrike" cap="none" dirty="0">
                 <a:solidFill>
                   <a:srgbClr val="FFFF00"/>
                 </a:solidFill>
@@ -8528,7 +8455,7 @@
               <a:t>print(</a:t>
             </a:r>
             <a:r>
-              <a:rPr lang="en-US" sz="2400" i="0" u="none" strike="noStrike" cap="none" dirty="0" smtClean="0">
+              <a:rPr lang="en-US" sz="2400" b="1" i="0" u="none" strike="noStrike" cap="none" dirty="0">
                 <a:solidFill>
                   <a:srgbClr val="FF00FF"/>
                 </a:solidFill>
@@ -8537,10 +8464,10 @@
                 <a:cs typeface="Courier"/>
                 <a:sym typeface="Courier New"/>
               </a:rPr>
-              <a:t>range</a:t>
-            </a:r>
-            <a:r>
-              <a:rPr lang="en-US" sz="2400" i="0" u="none" strike="noStrike" cap="none" dirty="0" smtClean="0">
+              <a:t>list(range</a:t>
+            </a:r>
+            <a:r>
+              <a:rPr lang="en-US" sz="2400" b="1" i="0" u="none" strike="noStrike" cap="none" dirty="0">
                 <a:solidFill>
                   <a:schemeClr val="lt1"/>
                 </a:solidFill>
@@ -8552,7 +8479,7 @@
               <a:t>(</a:t>
             </a:r>
             <a:r>
-              <a:rPr lang="en-US" sz="2400" i="0" u="none" strike="noStrike" cap="none" dirty="0" err="1" smtClean="0">
+              <a:rPr lang="en-US" sz="2400" b="1" i="0" u="none" strike="noStrike" cap="none" dirty="0" err="1">
                 <a:solidFill>
                   <a:srgbClr val="FF00FF"/>
                 </a:solidFill>
@@ -8564,19 +8491,19 @@
               <a:t>len</a:t>
             </a:r>
             <a:r>
-              <a:rPr lang="en-US" sz="2400" i="0" u="none" strike="noStrike" cap="none" dirty="0" smtClean="0">
-                <a:solidFill>
-                  <a:schemeClr val="lt1"/>
-                </a:solidFill>
-                <a:latin typeface="Courier"/>
-                <a:ea typeface="Courier"/>
-                <a:cs typeface="Courier"/>
-                <a:sym typeface="Courier New"/>
-              </a:rPr>
-              <a:t>(friends))</a:t>
-            </a:r>
-            <a:r>
-              <a:rPr lang="en-US" sz="2400" dirty="0" smtClean="0">
+              <a:rPr lang="en-US" sz="2400" b="1" i="0" u="none" strike="noStrike" cap="none" dirty="0">
+                <a:solidFill>
+                  <a:schemeClr val="lt1"/>
+                </a:solidFill>
+                <a:latin typeface="Courier"/>
+                <a:ea typeface="Courier"/>
+                <a:cs typeface="Courier"/>
+                <a:sym typeface="Courier New"/>
+              </a:rPr>
+              <a:t>(friends)))</a:t>
+            </a:r>
+            <a:r>
+              <a:rPr lang="en-US" sz="2400" b="1" dirty="0">
                 <a:solidFill>
                   <a:srgbClr val="FFFF00"/>
                 </a:solidFill>
@@ -8587,7 +8514,7 @@
               </a:rPr>
               <a:t>)</a:t>
             </a:r>
-            <a:endParaRPr lang="en-US" sz="2400" i="0" u="none" strike="noStrike" cap="none" dirty="0">
+            <a:endParaRPr lang="en-US" sz="2400" b="1" i="0" u="none" strike="noStrike" cap="none" dirty="0">
               <a:solidFill>
                 <a:schemeClr val="lt1"/>
               </a:solidFill>
@@ -8616,7 +8543,7 @@
               <a:buNone/>
             </a:pPr>
             <a:r>
-              <a:rPr lang="en-US" sz="2400" i="0" u="none" strike="noStrike" cap="none" dirty="0">
+              <a:rPr lang="en-US" sz="2400" b="1" i="0" u="none" strike="noStrike" cap="none" dirty="0">
                 <a:solidFill>
                   <a:schemeClr val="lt1"/>
                 </a:solidFill>
@@ -8647,7 +8574,7 @@
               <a:buNone/>
             </a:pPr>
             <a:r>
-              <a:rPr lang="en-US" sz="2400" i="0" u="none" strike="noStrike" cap="none" dirty="0">
+              <a:rPr lang="en-US" sz="2400" b="1" i="0" u="none" strike="noStrike" cap="none" dirty="0">
                 <a:solidFill>
                   <a:schemeClr val="lt1"/>
                 </a:solidFill>
@@ -8666,13 +8593,6 @@
   <p:clrMapOvr>
     <a:masterClrMapping/>
   </p:clrMapOvr>
-  <p:timing>
-    <p:tnLst>
-      <p:par>
-        <p:cTn xmlns:p14="http://schemas.microsoft.com/office/powerpoint/2010/main" id="1" dur="indefinite" restart="never" nodeType="tmRoot"/>
-      </p:par>
-    </p:tnLst>
-  </p:timing>
 </p:sld>
 </file>
 
@@ -8910,7 +8830,7 @@
               <a:buNone/>
             </a:pPr>
             <a:r>
-              <a:rPr lang="en-US" sz="3000" i="0" u="none" strike="noStrike" cap="none" dirty="0">
+              <a:rPr lang="en-US" sz="3000" b="1" i="0" u="none" strike="noStrike" cap="none" dirty="0">
                 <a:solidFill>
                   <a:schemeClr val="lt1"/>
                 </a:solidFill>
@@ -8922,7 +8842,7 @@
               <a:t>&gt;&gt;&gt; </a:t>
             </a:r>
             <a:r>
-              <a:rPr lang="en-US" sz="3000" i="0" u="none" strike="noStrike" cap="none" dirty="0">
+              <a:rPr lang="en-US" sz="3000" b="1" i="0" u="none" strike="noStrike" cap="none" dirty="0">
                 <a:solidFill>
                   <a:srgbClr val="00FF00"/>
                 </a:solidFill>
@@ -8934,7 +8854,7 @@
               <a:t>a</a:t>
             </a:r>
             <a:r>
-              <a:rPr lang="en-US" sz="3000" i="0" u="none" strike="noStrike" cap="none" dirty="0">
+              <a:rPr lang="en-US" sz="3000" b="1" i="0" u="none" strike="noStrike" cap="none" dirty="0">
                 <a:solidFill>
                   <a:schemeClr val="lt1"/>
                 </a:solidFill>
@@ -8965,7 +8885,7 @@
               <a:buNone/>
             </a:pPr>
             <a:r>
-              <a:rPr lang="en-US" sz="3000" i="0" u="none" strike="noStrike" cap="none" dirty="0">
+              <a:rPr lang="en-US" sz="3000" b="1" i="0" u="none" strike="noStrike" cap="none" dirty="0">
                 <a:solidFill>
                   <a:schemeClr val="lt1"/>
                 </a:solidFill>
@@ -8977,7 +8897,7 @@
               <a:t>&gt;&gt;&gt;</a:t>
             </a:r>
             <a:r>
-              <a:rPr lang="en-US" sz="3000" i="0" u="none" strike="noStrike" cap="none" dirty="0">
+              <a:rPr lang="en-US" sz="3000" b="1" i="0" u="none" strike="noStrike" cap="none" dirty="0">
                 <a:solidFill>
                   <a:srgbClr val="00FF00"/>
                 </a:solidFill>
@@ -8989,7 +8909,7 @@
               <a:t> b</a:t>
             </a:r>
             <a:r>
-              <a:rPr lang="en-US" sz="3000" i="0" u="none" strike="noStrike" cap="none" dirty="0">
+              <a:rPr lang="en-US" sz="3000" b="1" i="0" u="none" strike="noStrike" cap="none" dirty="0">
                 <a:solidFill>
                   <a:schemeClr val="lt1"/>
                 </a:solidFill>
@@ -9020,7 +8940,7 @@
               <a:buNone/>
             </a:pPr>
             <a:r>
-              <a:rPr lang="en-US" sz="3000" i="0" u="none" strike="noStrike" cap="none" dirty="0">
+              <a:rPr lang="en-US" sz="3000" b="1" i="0" u="none" strike="noStrike" cap="none" dirty="0">
                 <a:solidFill>
                   <a:schemeClr val="lt1"/>
                 </a:solidFill>
@@ -9032,7 +8952,7 @@
               <a:t>&gt;&gt;&gt; </a:t>
             </a:r>
             <a:r>
-              <a:rPr lang="en-US" sz="3000" i="0" u="none" strike="noStrike" cap="none" dirty="0">
+              <a:rPr lang="en-US" sz="3000" b="1" i="0" u="none" strike="noStrike" cap="none" dirty="0">
                 <a:solidFill>
                   <a:srgbClr val="00FF00"/>
                 </a:solidFill>
@@ -9044,7 +8964,7 @@
               <a:t>c</a:t>
             </a:r>
             <a:r>
-              <a:rPr lang="en-US" sz="3000" i="0" u="none" strike="noStrike" cap="none" dirty="0">
+              <a:rPr lang="en-US" sz="3000" b="1" i="0" u="none" strike="noStrike" cap="none" dirty="0">
                 <a:solidFill>
                   <a:schemeClr val="lt1"/>
                 </a:solidFill>
@@ -9056,7 +8976,7 @@
               <a:t> = </a:t>
             </a:r>
             <a:r>
-              <a:rPr lang="en-US" sz="3000" i="0" u="none" strike="noStrike" cap="none" dirty="0">
+              <a:rPr lang="en-US" sz="3000" b="1" i="0" u="none" strike="noStrike" cap="none" dirty="0">
                 <a:solidFill>
                   <a:srgbClr val="00FF00"/>
                 </a:solidFill>
@@ -9068,7 +8988,7 @@
               <a:t>a </a:t>
             </a:r>
             <a:r>
-              <a:rPr lang="en-US" sz="3000" i="0" u="none" strike="noStrike" cap="none" dirty="0">
+              <a:rPr lang="en-US" sz="3000" b="1" i="0" u="none" strike="noStrike" cap="none" dirty="0">
                 <a:solidFill>
                   <a:srgbClr val="00FFFF"/>
                 </a:solidFill>
@@ -9080,7 +9000,7 @@
               <a:t>+</a:t>
             </a:r>
             <a:r>
-              <a:rPr lang="en-US" sz="3000" i="0" u="none" strike="noStrike" cap="none" dirty="0">
+              <a:rPr lang="en-US" sz="3000" b="1" i="0" u="none" strike="noStrike" cap="none" dirty="0">
                 <a:solidFill>
                   <a:srgbClr val="00FF00"/>
                 </a:solidFill>
@@ -9100,7 +9020,7 @@
               <a:buSzPct val="25000"/>
             </a:pPr>
             <a:r>
-              <a:rPr lang="en-US" sz="3000" i="0" u="none" strike="noStrike" cap="none" dirty="0">
+              <a:rPr lang="en-US" sz="3000" b="1" i="0" u="none" strike="noStrike" cap="none" dirty="0">
                 <a:solidFill>
                   <a:schemeClr val="lt1"/>
                 </a:solidFill>
@@ -9112,7 +9032,7 @@
               <a:t>&gt;&gt;&gt; </a:t>
             </a:r>
             <a:r>
-              <a:rPr lang="en-US" sz="3000" i="0" u="none" strike="noStrike" cap="none" dirty="0" smtClean="0">
+              <a:rPr lang="en-US" sz="3000" b="1" i="0" u="none" strike="noStrike" cap="none" dirty="0">
                 <a:solidFill>
                   <a:srgbClr val="FFFF00"/>
                 </a:solidFill>
@@ -9124,7 +9044,7 @@
               <a:t>print(</a:t>
             </a:r>
             <a:r>
-              <a:rPr lang="en-US" sz="3000" i="0" u="none" strike="noStrike" cap="none" dirty="0" smtClean="0">
+              <a:rPr lang="en-US" sz="3000" b="1" i="0" u="none" strike="noStrike" cap="none" dirty="0">
                 <a:solidFill>
                   <a:srgbClr val="00FF00"/>
                 </a:solidFill>
@@ -9136,7 +9056,7 @@
               <a:t>c</a:t>
             </a:r>
             <a:r>
-              <a:rPr lang="en-US" sz="3200" dirty="0" smtClean="0">
+              <a:rPr lang="en-US" sz="3200" b="1" dirty="0">
                 <a:solidFill>
                   <a:srgbClr val="FFFF00"/>
                 </a:solidFill>
@@ -9147,7 +9067,7 @@
               </a:rPr>
               <a:t>)</a:t>
             </a:r>
-            <a:endParaRPr lang="en-US" sz="3000" i="0" u="none" strike="noStrike" cap="none" dirty="0">
+            <a:endParaRPr lang="en-US" sz="3000" b="1" i="0" u="none" strike="noStrike" cap="none" dirty="0">
               <a:solidFill>
                 <a:srgbClr val="00FF00"/>
               </a:solidFill>
@@ -9176,7 +9096,7 @@
               <a:buNone/>
             </a:pPr>
             <a:r>
-              <a:rPr lang="en-US" sz="3000" i="0" u="none" strike="noStrike" cap="none" dirty="0">
+              <a:rPr lang="en-US" sz="3000" b="1" i="0" u="none" strike="noStrike" cap="none" dirty="0">
                 <a:solidFill>
                   <a:schemeClr val="lt1"/>
                 </a:solidFill>
@@ -9196,7 +9116,7 @@
               <a:buSzPct val="25000"/>
             </a:pPr>
             <a:r>
-              <a:rPr lang="en-US" sz="3000" i="0" u="none" strike="noStrike" cap="none" dirty="0">
+              <a:rPr lang="en-US" sz="3000" b="1" i="0" u="none" strike="noStrike" cap="none" dirty="0">
                 <a:solidFill>
                   <a:schemeClr val="lt1"/>
                 </a:solidFill>
@@ -9208,7 +9128,7 @@
               <a:t>&gt;&gt;&gt; </a:t>
             </a:r>
             <a:r>
-              <a:rPr lang="en-US" sz="3000" i="0" u="none" strike="noStrike" cap="none" dirty="0" smtClean="0">
+              <a:rPr lang="en-US" sz="3000" b="1" i="0" u="none" strike="noStrike" cap="none" dirty="0">
                 <a:solidFill>
                   <a:srgbClr val="FFFF00"/>
                 </a:solidFill>
@@ -9220,7 +9140,7 @@
               <a:t>print(</a:t>
             </a:r>
             <a:r>
-              <a:rPr lang="en-US" sz="3000" i="0" u="none" strike="noStrike" cap="none" dirty="0" smtClean="0">
+              <a:rPr lang="en-US" sz="3000" b="1" i="0" u="none" strike="noStrike" cap="none" dirty="0">
                 <a:solidFill>
                   <a:srgbClr val="00FF00"/>
                 </a:solidFill>
@@ -9232,7 +9152,7 @@
               <a:t>a</a:t>
             </a:r>
             <a:r>
-              <a:rPr lang="en-US" sz="3200" dirty="0" smtClean="0">
+              <a:rPr lang="en-US" sz="3200" b="1" dirty="0">
                 <a:solidFill>
                   <a:srgbClr val="FFFF00"/>
                 </a:solidFill>
@@ -9243,7 +9163,7 @@
               </a:rPr>
               <a:t>)</a:t>
             </a:r>
-            <a:endParaRPr lang="en-US" sz="3000" i="0" u="none" strike="noStrike" cap="none" dirty="0">
+            <a:endParaRPr lang="en-US" sz="3000" b="1" i="0" u="none" strike="noStrike" cap="none" dirty="0">
               <a:solidFill>
                 <a:srgbClr val="00FF00"/>
               </a:solidFill>
@@ -9272,7 +9192,7 @@
               <a:buNone/>
             </a:pPr>
             <a:r>
-              <a:rPr lang="en-US" sz="3000" i="0" u="none" strike="noStrike" cap="none" dirty="0">
+              <a:rPr lang="en-US" sz="3000" b="1" i="0" u="none" strike="noStrike" cap="none" dirty="0">
                 <a:solidFill>
                   <a:schemeClr val="lt1"/>
                 </a:solidFill>
@@ -9291,13 +9211,6 @@
   <p:clrMapOvr>
     <a:masterClrMapping/>
   </p:clrMapOvr>
-  <p:timing>
-    <p:tnLst>
-      <p:par>
-        <p:cTn xmlns:p14="http://schemas.microsoft.com/office/powerpoint/2010/main" id="1" dur="indefinite" restart="never" nodeType="tmRoot"/>
-      </p:par>
-    </p:tnLst>
-  </p:timing>
 </p:sld>
 </file>
 
@@ -9478,7 +9391,7 @@
               <a:buNone/>
             </a:pPr>
             <a:r>
-              <a:rPr lang="en-US" sz="3000" i="0" u="none" strike="noStrike" cap="none" dirty="0">
+              <a:rPr lang="en-US" sz="3000" b="1" i="0" u="none" strike="noStrike" cap="none" dirty="0">
                 <a:solidFill>
                   <a:schemeClr val="lt1"/>
                 </a:solidFill>
@@ -9490,7 +9403,7 @@
               <a:t>&gt;&gt;&gt; </a:t>
             </a:r>
             <a:r>
-              <a:rPr lang="en-US" sz="3000" i="0" u="none" strike="noStrike" cap="none" dirty="0">
+              <a:rPr lang="en-US" sz="3000" b="1" i="0" u="none" strike="noStrike" cap="none" dirty="0">
                 <a:solidFill>
                   <a:srgbClr val="00FF00"/>
                 </a:solidFill>
@@ -9502,7 +9415,7 @@
               <a:t>t</a:t>
             </a:r>
             <a:r>
-              <a:rPr lang="en-US" sz="3000" i="0" u="none" strike="noStrike" cap="none" dirty="0">
+              <a:rPr lang="en-US" sz="3000" b="1" i="0" u="none" strike="noStrike" cap="none" dirty="0">
                 <a:solidFill>
                   <a:schemeClr val="lt1"/>
                 </a:solidFill>
@@ -9533,7 +9446,7 @@
               <a:buNone/>
             </a:pPr>
             <a:r>
-              <a:rPr lang="en-US" sz="3000" i="0" u="none" strike="noStrike" cap="none" dirty="0">
+              <a:rPr lang="en-US" sz="3000" b="1" i="0" u="none" strike="noStrike" cap="none" dirty="0">
                 <a:solidFill>
                   <a:schemeClr val="lt1"/>
                 </a:solidFill>
@@ -9545,7 +9458,7 @@
               <a:t>&gt;&gt;&gt; </a:t>
             </a:r>
             <a:r>
-              <a:rPr lang="en-US" sz="3000" i="0" u="none" strike="noStrike" cap="none" dirty="0">
+              <a:rPr lang="en-US" sz="3000" b="1" i="0" u="none" strike="noStrike" cap="none" dirty="0">
                 <a:solidFill>
                   <a:srgbClr val="00FF00"/>
                 </a:solidFill>
@@ -9557,7 +9470,7 @@
               <a:t>t</a:t>
             </a:r>
             <a:r>
-              <a:rPr lang="en-US" sz="3000" i="0" u="none" strike="noStrike" cap="none" dirty="0">
+              <a:rPr lang="en-US" sz="3000" b="1" i="0" u="none" strike="noStrike" cap="none" dirty="0">
                 <a:solidFill>
                   <a:schemeClr val="lt1"/>
                 </a:solidFill>
@@ -9569,7 +9482,7 @@
               <a:t>[1</a:t>
             </a:r>
             <a:r>
-              <a:rPr lang="en-US" sz="3000" i="0" u="none" strike="noStrike" cap="none" dirty="0">
+              <a:rPr lang="en-US" sz="3000" b="1" i="0" u="none" strike="noStrike" cap="none" dirty="0">
                 <a:solidFill>
                   <a:srgbClr val="00FFFF"/>
                 </a:solidFill>
@@ -9581,7 +9494,7 @@
               <a:t>:</a:t>
             </a:r>
             <a:r>
-              <a:rPr lang="en-US" sz="3000" i="0" u="none" strike="noStrike" cap="none" dirty="0">
+              <a:rPr lang="en-US" sz="3000" b="1" i="0" u="none" strike="noStrike" cap="none" dirty="0">
                 <a:solidFill>
                   <a:srgbClr val="FF00FF"/>
                 </a:solidFill>
@@ -9593,7 +9506,7 @@
               <a:t>3</a:t>
             </a:r>
             <a:r>
-              <a:rPr lang="en-US" sz="3000" i="0" u="none" strike="noStrike" cap="none" dirty="0">
+              <a:rPr lang="en-US" sz="3000" b="1" i="0" u="none" strike="noStrike" cap="none" dirty="0">
                 <a:solidFill>
                   <a:schemeClr val="lt1"/>
                 </a:solidFill>
@@ -9624,7 +9537,7 @@
               <a:buNone/>
             </a:pPr>
             <a:r>
-              <a:rPr lang="en-US" sz="3000" i="0" u="none" strike="noStrike" cap="none" dirty="0">
+              <a:rPr lang="en-US" sz="3000" b="1" i="0" u="none" strike="noStrike" cap="none" dirty="0">
                 <a:solidFill>
                   <a:schemeClr val="lt1"/>
                 </a:solidFill>
@@ -9655,7 +9568,7 @@
               <a:buNone/>
             </a:pPr>
             <a:r>
-              <a:rPr lang="en-US" sz="3000" i="0" u="none" strike="noStrike" cap="none" dirty="0">
+              <a:rPr lang="en-US" sz="3000" b="1" i="0" u="none" strike="noStrike" cap="none" dirty="0">
                 <a:solidFill>
                   <a:schemeClr val="lt1"/>
                 </a:solidFill>
@@ -9667,7 +9580,7 @@
               <a:t>&gt;&gt;&gt; </a:t>
             </a:r>
             <a:r>
-              <a:rPr lang="en-US" sz="3000" i="0" u="none" strike="noStrike" cap="none" dirty="0">
+              <a:rPr lang="en-US" sz="3000" b="1" i="0" u="none" strike="noStrike" cap="none" dirty="0">
                 <a:solidFill>
                   <a:srgbClr val="00FF00"/>
                 </a:solidFill>
@@ -9679,7 +9592,7 @@
               <a:t>t</a:t>
             </a:r>
             <a:r>
-              <a:rPr lang="en-US" sz="3000" i="0" u="none" strike="noStrike" cap="none" dirty="0">
+              <a:rPr lang="en-US" sz="3000" b="1" i="0" u="none" strike="noStrike" cap="none" dirty="0">
                 <a:solidFill>
                   <a:schemeClr val="lt1"/>
                 </a:solidFill>
@@ -9691,7 +9604,7 @@
               <a:t>[</a:t>
             </a:r>
             <a:r>
-              <a:rPr lang="en-US" sz="3000" i="0" u="none" strike="noStrike" cap="none" dirty="0">
+              <a:rPr lang="en-US" sz="3000" b="1" i="0" u="none" strike="noStrike" cap="none" dirty="0">
                 <a:solidFill>
                   <a:srgbClr val="00FFFF"/>
                 </a:solidFill>
@@ -9703,7 +9616,7 @@
               <a:t>:</a:t>
             </a:r>
             <a:r>
-              <a:rPr lang="en-US" sz="3000" i="0" u="none" strike="noStrike" cap="none" dirty="0">
+              <a:rPr lang="en-US" sz="3000" b="1" i="0" u="none" strike="noStrike" cap="none" dirty="0">
                 <a:solidFill>
                   <a:srgbClr val="FF00FF"/>
                 </a:solidFill>
@@ -9715,7 +9628,7 @@
               <a:t>4</a:t>
             </a:r>
             <a:r>
-              <a:rPr lang="en-US" sz="3000" i="0" u="none" strike="noStrike" cap="none" dirty="0">
+              <a:rPr lang="en-US" sz="3000" b="1" i="0" u="none" strike="noStrike" cap="none" dirty="0">
                 <a:solidFill>
                   <a:schemeClr val="lt1"/>
                 </a:solidFill>
@@ -9746,7 +9659,7 @@
               <a:buNone/>
             </a:pPr>
             <a:r>
-              <a:rPr lang="en-US" sz="3000" i="0" u="none" strike="noStrike" cap="none" dirty="0">
+              <a:rPr lang="en-US" sz="3000" b="1" i="0" u="none" strike="noStrike" cap="none" dirty="0">
                 <a:solidFill>
                   <a:schemeClr val="lt1"/>
                 </a:solidFill>
@@ -9777,7 +9690,7 @@
               <a:buNone/>
             </a:pPr>
             <a:r>
-              <a:rPr lang="en-US" sz="3000" i="0" u="none" strike="noStrike" cap="none" dirty="0">
+              <a:rPr lang="en-US" sz="3000" b="1" i="0" u="none" strike="noStrike" cap="none" dirty="0">
                 <a:solidFill>
                   <a:schemeClr val="lt1"/>
                 </a:solidFill>
@@ -9789,7 +9702,7 @@
               <a:t>&gt;&gt;&gt; </a:t>
             </a:r>
             <a:r>
-              <a:rPr lang="en-US" sz="3000" i="0" u="none" strike="noStrike" cap="none" dirty="0">
+              <a:rPr lang="en-US" sz="3000" b="1" i="0" u="none" strike="noStrike" cap="none" dirty="0">
                 <a:solidFill>
                   <a:srgbClr val="00FF00"/>
                 </a:solidFill>
@@ -9801,7 +9714,7 @@
               <a:t>t</a:t>
             </a:r>
             <a:r>
-              <a:rPr lang="en-US" sz="3000" i="0" u="none" strike="noStrike" cap="none" dirty="0">
+              <a:rPr lang="en-US" sz="3000" b="1" i="0" u="none" strike="noStrike" cap="none" dirty="0">
                 <a:solidFill>
                   <a:schemeClr val="lt1"/>
                 </a:solidFill>
@@ -9813,7 +9726,7 @@
               <a:t>[3</a:t>
             </a:r>
             <a:r>
-              <a:rPr lang="en-US" sz="3000" i="0" u="none" strike="noStrike" cap="none" dirty="0">
+              <a:rPr lang="en-US" sz="3000" b="1" i="0" u="none" strike="noStrike" cap="none" dirty="0">
                 <a:solidFill>
                   <a:srgbClr val="00FFFF"/>
                 </a:solidFill>
@@ -9825,7 +9738,7 @@
               <a:t>:</a:t>
             </a:r>
             <a:r>
-              <a:rPr lang="en-US" sz="3000" i="0" u="none" strike="noStrike" cap="none" dirty="0">
+              <a:rPr lang="en-US" sz="3000" b="1" i="0" u="none" strike="noStrike" cap="none" dirty="0">
                 <a:solidFill>
                   <a:schemeClr val="lt1"/>
                 </a:solidFill>
@@ -9856,7 +9769,7 @@
               <a:buNone/>
             </a:pPr>
             <a:r>
-              <a:rPr lang="en-US" sz="3000" i="0" u="none" strike="noStrike" cap="none" dirty="0">
+              <a:rPr lang="en-US" sz="3000" b="1" i="0" u="none" strike="noStrike" cap="none" dirty="0">
                 <a:solidFill>
                   <a:schemeClr val="lt1"/>
                 </a:solidFill>
@@ -9887,7 +9800,7 @@
               <a:buNone/>
             </a:pPr>
             <a:r>
-              <a:rPr lang="en-US" sz="3000" i="0" u="none" strike="noStrike" cap="none" dirty="0">
+              <a:rPr lang="en-US" sz="3000" b="1" i="0" u="none" strike="noStrike" cap="none" dirty="0">
                 <a:solidFill>
                   <a:schemeClr val="lt1"/>
                 </a:solidFill>
@@ -9899,7 +9812,7 @@
               <a:t>&gt;&gt;&gt; </a:t>
             </a:r>
             <a:r>
-              <a:rPr lang="en-US" sz="3000" i="0" u="none" strike="noStrike" cap="none" dirty="0">
+              <a:rPr lang="en-US" sz="3000" b="1" i="0" u="none" strike="noStrike" cap="none" dirty="0">
                 <a:solidFill>
                   <a:srgbClr val="00FF00"/>
                 </a:solidFill>
@@ -9911,7 +9824,7 @@
               <a:t>t</a:t>
             </a:r>
             <a:r>
-              <a:rPr lang="en-US" sz="3000" i="0" u="none" strike="noStrike" cap="none" dirty="0">
+              <a:rPr lang="en-US" sz="3000" b="1" i="0" u="none" strike="noStrike" cap="none" dirty="0">
                 <a:solidFill>
                   <a:schemeClr val="lt1"/>
                 </a:solidFill>
@@ -9923,7 +9836,7 @@
               <a:t>[</a:t>
             </a:r>
             <a:r>
-              <a:rPr lang="en-US" sz="3000" i="0" u="none" strike="noStrike" cap="none" dirty="0">
+              <a:rPr lang="en-US" sz="3000" b="1" i="0" u="none" strike="noStrike" cap="none" dirty="0">
                 <a:solidFill>
                   <a:srgbClr val="00FFFF"/>
                 </a:solidFill>
@@ -9935,7 +9848,7 @@
               <a:t>:</a:t>
             </a:r>
             <a:r>
-              <a:rPr lang="en-US" sz="3000" i="0" u="none" strike="noStrike" cap="none" dirty="0">
+              <a:rPr lang="en-US" sz="3000" b="1" i="0" u="none" strike="noStrike" cap="none" dirty="0">
                 <a:solidFill>
                   <a:schemeClr val="lt1"/>
                 </a:solidFill>
@@ -9966,7 +9879,7 @@
               <a:buNone/>
             </a:pPr>
             <a:r>
-              <a:rPr lang="en-US" sz="3000" i="0" u="none" strike="noStrike" cap="none" dirty="0">
+              <a:rPr lang="en-US" sz="3000" b="1" i="0" u="none" strike="noStrike" cap="none" dirty="0">
                 <a:solidFill>
                   <a:schemeClr val="lt1"/>
                 </a:solidFill>
@@ -10090,13 +10003,6 @@
   <p:clrMapOvr>
     <a:masterClrMapping/>
   </p:clrMapOvr>
-  <p:timing>
-    <p:tnLst>
-      <p:par>
-        <p:cTn xmlns:p14="http://schemas.microsoft.com/office/powerpoint/2010/main" id="1" dur="indefinite" restart="never" nodeType="tmRoot"/>
-      </p:par>
-    </p:tnLst>
-  </p:timing>
 </p:sld>
 </file>
 
@@ -10217,7 +10123,7 @@
               <a:buNone/>
             </a:pPr>
             <a:r>
-              <a:rPr lang="en-US" sz="3000" i="0" u="none" strike="noStrike" cap="none" dirty="0">
+              <a:rPr lang="en-US" sz="3000" b="1" i="0" u="none" strike="noStrike" cap="none" dirty="0">
                 <a:solidFill>
                   <a:schemeClr val="lt1"/>
                 </a:solidFill>
@@ -10229,7 +10135,7 @@
               <a:t>&gt;&gt;&gt; </a:t>
             </a:r>
             <a:r>
-              <a:rPr lang="en-US" sz="3000" i="0" u="none" strike="noStrike" cap="none" dirty="0">
+              <a:rPr lang="en-US" sz="3000" b="1" i="0" u="none" strike="noStrike" cap="none" dirty="0">
                 <a:solidFill>
                   <a:srgbClr val="00FF00"/>
                 </a:solidFill>
@@ -10241,7 +10147,7 @@
               <a:t>x</a:t>
             </a:r>
             <a:r>
-              <a:rPr lang="en-US" sz="3000" i="0" u="none" strike="noStrike" cap="none" dirty="0">
+              <a:rPr lang="en-US" sz="3000" b="1" i="0" u="none" strike="noStrike" cap="none" dirty="0">
                 <a:solidFill>
                   <a:schemeClr val="lt1"/>
                 </a:solidFill>
@@ -10253,7 +10159,7 @@
               <a:t> = </a:t>
             </a:r>
             <a:r>
-              <a:rPr lang="en-US" sz="3000" i="0" u="none" strike="noStrike" cap="none" dirty="0">
+              <a:rPr lang="en-US" sz="3000" b="1" i="0" u="none" strike="noStrike" cap="none" dirty="0">
                 <a:solidFill>
                   <a:srgbClr val="FF00FF"/>
                 </a:solidFill>
@@ -10265,7 +10171,7 @@
               <a:t>list</a:t>
             </a:r>
             <a:r>
-              <a:rPr lang="en-US" sz="3000" i="0" u="none" strike="noStrike" cap="none" dirty="0">
+              <a:rPr lang="en-US" sz="3000" b="1" i="0" u="none" strike="noStrike" cap="none" dirty="0">
                 <a:solidFill>
                   <a:schemeClr val="lt1"/>
                 </a:solidFill>
@@ -10296,7 +10202,7 @@
               <a:buNone/>
             </a:pPr>
             <a:r>
-              <a:rPr lang="en-US" sz="3000" i="0" u="none" strike="noStrike" cap="none" dirty="0">
+              <a:rPr lang="en-US" sz="3000" b="1" i="0" u="none" strike="noStrike" cap="none" dirty="0">
                 <a:solidFill>
                   <a:schemeClr val="lt1"/>
                 </a:solidFill>
@@ -10308,7 +10214,7 @@
               <a:t>&gt;&gt;&gt; </a:t>
             </a:r>
             <a:r>
-              <a:rPr lang="en-US" sz="3000" i="0" u="none" strike="noStrike" cap="none" dirty="0">
+              <a:rPr lang="en-US" sz="3000" b="1" i="0" u="none" strike="noStrike" cap="none" dirty="0">
                 <a:solidFill>
                   <a:srgbClr val="FF00FF"/>
                 </a:solidFill>
@@ -10320,7 +10226,7 @@
               <a:t>type</a:t>
             </a:r>
             <a:r>
-              <a:rPr lang="en-US" sz="3000" i="0" u="none" strike="noStrike" cap="none" dirty="0">
+              <a:rPr lang="en-US" sz="3000" b="1" i="0" u="none" strike="noStrike" cap="none" dirty="0">
                 <a:solidFill>
                   <a:schemeClr val="lt1"/>
                 </a:solidFill>
@@ -10332,7 +10238,7 @@
               <a:t>(</a:t>
             </a:r>
             <a:r>
-              <a:rPr lang="en-US" sz="3000" i="0" u="none" strike="noStrike" cap="none" dirty="0">
+              <a:rPr lang="en-US" sz="3000" b="1" i="0" u="none" strike="noStrike" cap="none" dirty="0">
                 <a:solidFill>
                   <a:srgbClr val="00FF00"/>
                 </a:solidFill>
@@ -10344,7 +10250,7 @@
               <a:t>x</a:t>
             </a:r>
             <a:r>
-              <a:rPr lang="en-US" sz="3000" i="0" u="none" strike="noStrike" cap="none" dirty="0">
+              <a:rPr lang="en-US" sz="3000" b="1" i="0" u="none" strike="noStrike" cap="none" dirty="0">
                 <a:solidFill>
                   <a:schemeClr val="lt1"/>
                 </a:solidFill>
@@ -10375,7 +10281,7 @@
               <a:buNone/>
             </a:pPr>
             <a:r>
-              <a:rPr lang="en-US" sz="3000" i="0" u="none" strike="noStrike" cap="none" dirty="0">
+              <a:rPr lang="en-US" sz="3000" b="1" i="0" u="none" strike="noStrike" cap="none" dirty="0">
                 <a:solidFill>
                   <a:schemeClr val="lt1"/>
                 </a:solidFill>
@@ -10406,7 +10312,7 @@
               <a:buNone/>
             </a:pPr>
             <a:r>
-              <a:rPr lang="en-US" sz="3000" i="0" u="none" strike="noStrike" cap="none" dirty="0">
+              <a:rPr lang="en-US" sz="3000" b="1" i="0" u="none" strike="noStrike" cap="none" dirty="0">
                 <a:solidFill>
                   <a:schemeClr val="lt1"/>
                 </a:solidFill>
@@ -10418,7 +10324,7 @@
               <a:t>&gt;&gt;&gt; </a:t>
             </a:r>
             <a:r>
-              <a:rPr lang="en-US" sz="3000" i="0" u="none" strike="noStrike" cap="none" dirty="0" err="1">
+              <a:rPr lang="en-US" sz="3000" b="1" i="0" u="none" strike="noStrike" cap="none" dirty="0" err="1">
                 <a:solidFill>
                   <a:srgbClr val="FF00FF"/>
                 </a:solidFill>
@@ -10430,7 +10336,7 @@
               <a:t>dir</a:t>
             </a:r>
             <a:r>
-              <a:rPr lang="en-US" sz="3000" i="0" u="none" strike="noStrike" cap="none" dirty="0">
+              <a:rPr lang="en-US" sz="3000" b="1" i="0" u="none" strike="noStrike" cap="none" dirty="0">
                 <a:solidFill>
                   <a:schemeClr val="lt1"/>
                 </a:solidFill>
@@ -10442,7 +10348,7 @@
               <a:t>(</a:t>
             </a:r>
             <a:r>
-              <a:rPr lang="en-US" sz="3000" i="0" u="none" strike="noStrike" cap="none" dirty="0">
+              <a:rPr lang="en-US" sz="3000" b="1" i="0" u="none" strike="noStrike" cap="none" dirty="0">
                 <a:solidFill>
                   <a:srgbClr val="00FF00"/>
                 </a:solidFill>
@@ -10454,7 +10360,7 @@
               <a:t>x</a:t>
             </a:r>
             <a:r>
-              <a:rPr lang="en-US" sz="3000" i="0" u="none" strike="noStrike" cap="none" dirty="0">
+              <a:rPr lang="en-US" sz="3000" b="1" i="0" u="none" strike="noStrike" cap="none" dirty="0">
                 <a:solidFill>
                   <a:schemeClr val="lt1"/>
                 </a:solidFill>
@@ -10485,16 +10391,16 @@
               <a:buNone/>
             </a:pPr>
             <a:r>
-              <a:rPr lang="en-US" sz="3000" i="0" u="none" strike="noStrike" cap="none" dirty="0">
-                <a:solidFill>
-                  <a:schemeClr val="lt1"/>
-                </a:solidFill>
-                <a:latin typeface="Courier"/>
-                <a:ea typeface="Courier"/>
-                <a:cs typeface="Courier"/>
-                <a:sym typeface="Courier New"/>
-              </a:rPr>
-              <a:t>['append', 'count', 'extend', 'index', 'insert', 'pop', 'remove', 'reverse', 'sort']</a:t>
+              <a:rPr lang="en-US" sz="3000" b="1" i="0" u="none" strike="noStrike" cap="none" dirty="0">
+                <a:solidFill>
+                  <a:schemeClr val="lt1"/>
+                </a:solidFill>
+                <a:latin typeface="Courier"/>
+                <a:ea typeface="Courier"/>
+                <a:cs typeface="Courier"/>
+                <a:sym typeface="Courier New"/>
+              </a:rPr>
+              <a:t>[... 'append', 'count', 'extend', 'index', 'insert', 'pop', 'remove', 'reverse', 'sort']</a:t>
             </a:r>
           </a:p>
           <a:p>
@@ -10516,7 +10422,7 @@
               <a:buNone/>
             </a:pPr>
             <a:r>
-              <a:rPr lang="en-US" sz="3000" i="0" u="none" strike="noStrike" cap="none" dirty="0">
+              <a:rPr lang="en-US" sz="3000" b="1" i="0" u="none" strike="noStrike" cap="none" dirty="0">
                 <a:solidFill>
                   <a:schemeClr val="lt1"/>
                 </a:solidFill>
@@ -10528,7 +10434,7 @@
               <a:t>&gt;&gt;&gt;</a:t>
             </a:r>
             <a:r>
-              <a:rPr lang="en-US" sz="3600" i="0" u="none" strike="noStrike" cap="none" dirty="0">
+              <a:rPr lang="en-US" sz="3600" b="1" i="0" u="none" strike="noStrike" cap="none" dirty="0">
                 <a:solidFill>
                   <a:schemeClr val="lt1"/>
                 </a:solidFill>
@@ -10605,13 +10511,6 @@
   <p:clrMapOvr>
     <a:masterClrMapping/>
   </p:clrMapOvr>
-  <p:timing>
-    <p:tnLst>
-      <p:par>
-        <p:cTn xmlns:p14="http://schemas.microsoft.com/office/powerpoint/2010/main" id="1" dur="indefinite" restart="never" nodeType="tmRoot"/>
-      </p:par>
-    </p:tnLst>
-  </p:timing>
 </p:sld>
 </file>
 
@@ -10972,7 +10871,7 @@
               <a:buNone/>
             </a:pPr>
             <a:r>
-              <a:rPr lang="en-US" sz="3000" i="0" u="none" strike="noStrike" cap="none" dirty="0">
+              <a:rPr lang="en-US" sz="3000" b="1" i="0" u="none" strike="noStrike" cap="none" dirty="0">
                 <a:solidFill>
                   <a:schemeClr val="lt1"/>
                 </a:solidFill>
@@ -10984,7 +10883,7 @@
               <a:t>&gt;&gt;&gt; </a:t>
             </a:r>
             <a:r>
-              <a:rPr lang="en-US" sz="3000" i="0" u="none" strike="noStrike" cap="none" dirty="0">
+              <a:rPr lang="en-US" sz="3000" b="1" i="0" u="none" strike="noStrike" cap="none" dirty="0">
                 <a:solidFill>
                   <a:srgbClr val="00FF00"/>
                 </a:solidFill>
@@ -10996,7 +10895,7 @@
               <a:t>stuff</a:t>
             </a:r>
             <a:r>
-              <a:rPr lang="en-US" sz="3000" i="0" u="none" strike="noStrike" cap="none" dirty="0">
+              <a:rPr lang="en-US" sz="3000" b="1" i="0" u="none" strike="noStrike" cap="none" dirty="0">
                 <a:solidFill>
                   <a:schemeClr val="lt1"/>
                 </a:solidFill>
@@ -11008,7 +10907,7 @@
               <a:t> = </a:t>
             </a:r>
             <a:r>
-              <a:rPr lang="en-US" sz="3000" i="0" u="none" strike="noStrike" cap="none" dirty="0">
+              <a:rPr lang="en-US" sz="3000" b="1" i="0" u="none" strike="noStrike" cap="none" dirty="0">
                 <a:solidFill>
                   <a:srgbClr val="FF00FF"/>
                 </a:solidFill>
@@ -11020,7 +10919,7 @@
               <a:t>list</a:t>
             </a:r>
             <a:r>
-              <a:rPr lang="en-US" sz="3000" i="0" u="none" strike="noStrike" cap="none" dirty="0">
+              <a:rPr lang="en-US" sz="3000" b="1" i="0" u="none" strike="noStrike" cap="none" dirty="0">
                 <a:solidFill>
                   <a:schemeClr val="lt1"/>
                 </a:solidFill>
@@ -11051,7 +10950,7 @@
               <a:buNone/>
             </a:pPr>
             <a:r>
-              <a:rPr lang="en-US" sz="3000" i="0" u="none" strike="noStrike" cap="none" dirty="0">
+              <a:rPr lang="en-US" sz="3000" b="1" i="0" u="none" strike="noStrike" cap="none" dirty="0">
                 <a:solidFill>
                   <a:schemeClr val="lt1"/>
                 </a:solidFill>
@@ -11063,7 +10962,7 @@
               <a:t>&gt;&gt;&gt; </a:t>
             </a:r>
             <a:r>
-              <a:rPr lang="en-US" sz="3000" i="0" u="none" strike="noStrike" cap="none" dirty="0" err="1">
+              <a:rPr lang="en-US" sz="3000" b="1" i="0" u="none" strike="noStrike" cap="none" dirty="0" err="1">
                 <a:solidFill>
                   <a:srgbClr val="00FF00"/>
                 </a:solidFill>
@@ -11075,7 +10974,7 @@
               <a:t>stuff</a:t>
             </a:r>
             <a:r>
-              <a:rPr lang="en-US" sz="3000" i="0" u="none" strike="noStrike" cap="none" dirty="0" err="1">
+              <a:rPr lang="en-US" sz="3000" b="1" i="0" u="none" strike="noStrike" cap="none" dirty="0" err="1">
                 <a:solidFill>
                   <a:srgbClr val="FF00FF"/>
                 </a:solidFill>
@@ -11087,7 +10986,7 @@
               <a:t>.append</a:t>
             </a:r>
             <a:r>
-              <a:rPr lang="en-US" sz="3000" i="0" u="none" strike="noStrike" cap="none" dirty="0">
+              <a:rPr lang="en-US" sz="3000" b="1" i="0" u="none" strike="noStrike" cap="none" dirty="0">
                 <a:solidFill>
                   <a:schemeClr val="lt1"/>
                 </a:solidFill>
@@ -11118,7 +11017,7 @@
               <a:buNone/>
             </a:pPr>
             <a:r>
-              <a:rPr lang="en-US" sz="3000" i="0" u="none" strike="noStrike" cap="none" dirty="0">
+              <a:rPr lang="en-US" sz="3000" b="1" i="0" u="none" strike="noStrike" cap="none" dirty="0">
                 <a:solidFill>
                   <a:schemeClr val="lt1"/>
                 </a:solidFill>
@@ -11130,7 +11029,7 @@
               <a:t>&gt;&gt;&gt; </a:t>
             </a:r>
             <a:r>
-              <a:rPr lang="en-US" sz="3000" i="0" u="none" strike="noStrike" cap="none" dirty="0" err="1">
+              <a:rPr lang="en-US" sz="3000" b="1" i="0" u="none" strike="noStrike" cap="none" dirty="0" err="1">
                 <a:solidFill>
                   <a:srgbClr val="00FF00"/>
                 </a:solidFill>
@@ -11142,7 +11041,7 @@
               <a:t>stuff</a:t>
             </a:r>
             <a:r>
-              <a:rPr lang="en-US" sz="3000" i="0" u="none" strike="noStrike" cap="none" dirty="0" err="1">
+              <a:rPr lang="en-US" sz="3000" b="1" i="0" u="none" strike="noStrike" cap="none" dirty="0" err="1">
                 <a:solidFill>
                   <a:srgbClr val="FF00FF"/>
                 </a:solidFill>
@@ -11154,7 +11053,7 @@
               <a:t>.append</a:t>
             </a:r>
             <a:r>
-              <a:rPr lang="en-US" sz="3000" i="0" u="none" strike="noStrike" cap="none" dirty="0">
+              <a:rPr lang="en-US" sz="3000" b="1" i="0" u="none" strike="noStrike" cap="none" dirty="0">
                 <a:solidFill>
                   <a:schemeClr val="lt1"/>
                 </a:solidFill>
@@ -11185,7 +11084,7 @@
               <a:buNone/>
             </a:pPr>
             <a:r>
-              <a:rPr lang="en-US" sz="3000" i="0" u="none" strike="noStrike" cap="none" dirty="0" smtClean="0">
+              <a:rPr lang="en-US" sz="3000" b="1" i="0" u="none" strike="noStrike" cap="none" dirty="0">
                 <a:solidFill>
                   <a:schemeClr val="lt1"/>
                 </a:solidFill>
@@ -11197,7 +11096,7 @@
               <a:t>&gt;&gt;&gt; </a:t>
             </a:r>
             <a:r>
-              <a:rPr lang="en-US" sz="3000" i="0" u="none" strike="noStrike" cap="none" dirty="0" smtClean="0">
+              <a:rPr lang="en-US" sz="3000" b="1" i="0" u="none" strike="noStrike" cap="none" dirty="0">
                 <a:solidFill>
                   <a:srgbClr val="FFFF00"/>
                 </a:solidFill>
@@ -11209,7 +11108,7 @@
               <a:t>print(</a:t>
             </a:r>
             <a:r>
-              <a:rPr lang="en-US" sz="3000" i="0" u="none" strike="noStrike" cap="none" dirty="0" smtClean="0">
+              <a:rPr lang="en-US" sz="3000" b="1" i="0" u="none" strike="noStrike" cap="none" dirty="0">
                 <a:solidFill>
                   <a:srgbClr val="00FF00"/>
                 </a:solidFill>
@@ -11221,7 +11120,7 @@
               <a:t>stuff</a:t>
             </a:r>
             <a:r>
-              <a:rPr lang="en-US" sz="3000" i="0" u="none" strike="noStrike" cap="none" dirty="0" smtClean="0">
+              <a:rPr lang="en-US" sz="3000" b="1" i="0" u="none" strike="noStrike" cap="none" dirty="0">
                 <a:solidFill>
                   <a:srgbClr val="FFFF00"/>
                 </a:solidFill>
@@ -11252,28 +11151,16 @@
               <a:buNone/>
             </a:pPr>
             <a:r>
-              <a:rPr lang="en-US" sz="3000" i="0" u="none" strike="noStrike" cap="none" dirty="0" smtClean="0">
-                <a:solidFill>
-                  <a:schemeClr val="lt1"/>
-                </a:solidFill>
-                <a:latin typeface="Courier"/>
-                <a:ea typeface="Courier"/>
-                <a:cs typeface="Courier"/>
-                <a:sym typeface="Courier New"/>
-              </a:rPr>
-              <a:t>[</a:t>
-            </a:r>
-            <a:r>
-              <a:rPr lang="en-US" sz="3000" i="0" u="none" strike="noStrike" cap="none" dirty="0">
-                <a:solidFill>
-                  <a:schemeClr val="lt1"/>
-                </a:solidFill>
-                <a:latin typeface="Courier"/>
-                <a:ea typeface="Courier"/>
-                <a:cs typeface="Courier"/>
-                <a:sym typeface="Courier New"/>
-              </a:rPr>
-              <a:t>'book', 99]</a:t>
+              <a:rPr lang="en-US" sz="3000" b="1" i="0" u="none" strike="noStrike" cap="none" dirty="0">
+                <a:solidFill>
+                  <a:schemeClr val="lt1"/>
+                </a:solidFill>
+                <a:latin typeface="Courier"/>
+                <a:ea typeface="Courier"/>
+                <a:cs typeface="Courier"/>
+                <a:sym typeface="Courier New"/>
+              </a:rPr>
+              <a:t>['book', 99]</a:t>
             </a:r>
           </a:p>
           <a:p>
@@ -11295,7 +11182,7 @@
               <a:buNone/>
             </a:pPr>
             <a:r>
-              <a:rPr lang="en-US" sz="3000" i="0" u="none" strike="noStrike" cap="none" dirty="0">
+              <a:rPr lang="en-US" sz="3000" b="1" i="0" u="none" strike="noStrike" cap="none" dirty="0">
                 <a:solidFill>
                   <a:schemeClr val="lt1"/>
                 </a:solidFill>
@@ -11307,7 +11194,7 @@
               <a:t>&gt;&gt;&gt; </a:t>
             </a:r>
             <a:r>
-              <a:rPr lang="en-US" sz="3000" i="0" u="none" strike="noStrike" cap="none" dirty="0" err="1">
+              <a:rPr lang="en-US" sz="3000" b="1" i="0" u="none" strike="noStrike" cap="none" dirty="0" err="1">
                 <a:solidFill>
                   <a:srgbClr val="00FF00"/>
                 </a:solidFill>
@@ -11319,7 +11206,7 @@
               <a:t>stuff</a:t>
             </a:r>
             <a:r>
-              <a:rPr lang="en-US" sz="3000" i="0" u="none" strike="noStrike" cap="none" dirty="0" err="1">
+              <a:rPr lang="en-US" sz="3000" b="1" i="0" u="none" strike="noStrike" cap="none" dirty="0" err="1">
                 <a:solidFill>
                   <a:srgbClr val="FF00FF"/>
                 </a:solidFill>
@@ -11331,7 +11218,7 @@
               <a:t>.append</a:t>
             </a:r>
             <a:r>
-              <a:rPr lang="en-US" sz="3000" i="0" u="none" strike="noStrike" cap="none" dirty="0">
+              <a:rPr lang="en-US" sz="3000" b="1" i="0" u="none" strike="noStrike" cap="none" dirty="0">
                 <a:solidFill>
                   <a:schemeClr val="lt1"/>
                 </a:solidFill>
@@ -11351,7 +11238,7 @@
               <a:buSzPct val="25000"/>
             </a:pPr>
             <a:r>
-              <a:rPr lang="en-US" sz="3000" i="0" u="none" strike="noStrike" cap="none" dirty="0">
+              <a:rPr lang="en-US" sz="3000" b="1" i="0" u="none" strike="noStrike" cap="none" dirty="0">
                 <a:solidFill>
                   <a:schemeClr val="lt1"/>
                 </a:solidFill>
@@ -11363,7 +11250,7 @@
               <a:t>&gt;&gt;&gt; </a:t>
             </a:r>
             <a:r>
-              <a:rPr lang="en-US" sz="3000" i="0" u="none" strike="noStrike" cap="none" dirty="0" smtClean="0">
+              <a:rPr lang="en-US" sz="3000" b="1" i="0" u="none" strike="noStrike" cap="none" dirty="0">
                 <a:solidFill>
                   <a:srgbClr val="FFFF00"/>
                 </a:solidFill>
@@ -11375,7 +11262,7 @@
               <a:t>print(</a:t>
             </a:r>
             <a:r>
-              <a:rPr lang="en-US" sz="3000" i="0" u="none" strike="noStrike" cap="none" dirty="0" smtClean="0">
+              <a:rPr lang="en-US" sz="3000" b="1" i="0" u="none" strike="noStrike" cap="none" dirty="0">
                 <a:solidFill>
                   <a:srgbClr val="00FF00"/>
                 </a:solidFill>
@@ -11387,7 +11274,7 @@
               <a:t>stuff</a:t>
             </a:r>
             <a:r>
-              <a:rPr lang="en-US" sz="3000" dirty="0" smtClean="0">
+              <a:rPr lang="en-US" sz="3000" b="1" dirty="0">
                 <a:solidFill>
                   <a:srgbClr val="FFFF00"/>
                 </a:solidFill>
@@ -11398,7 +11285,7 @@
               </a:rPr>
               <a:t>)</a:t>
             </a:r>
-            <a:endParaRPr lang="en-US" sz="3000" i="0" u="none" strike="noStrike" cap="none" dirty="0">
+            <a:endParaRPr lang="en-US" sz="3000" b="1" i="0" u="none" strike="noStrike" cap="none" dirty="0">
               <a:solidFill>
                 <a:srgbClr val="00FF00"/>
               </a:solidFill>
@@ -11427,7 +11314,7 @@
               <a:buNone/>
             </a:pPr>
             <a:r>
-              <a:rPr lang="en-US" sz="3000" i="0" u="none" strike="noStrike" cap="none" dirty="0">
+              <a:rPr lang="en-US" sz="3000" b="1" i="0" u="none" strike="noStrike" cap="none" dirty="0">
                 <a:solidFill>
                   <a:schemeClr val="lt1"/>
                 </a:solidFill>
@@ -11446,13 +11333,6 @@
   <p:clrMapOvr>
     <a:masterClrMapping/>
   </p:clrMapOvr>
-  <p:timing>
-    <p:tnLst>
-      <p:par>
-        <p:cTn xmlns:p14="http://schemas.microsoft.com/office/powerpoint/2010/main" id="1" dur="indefinite" restart="never" nodeType="tmRoot"/>
-      </p:par>
-    </p:tnLst>
-  </p:timing>
 </p:sld>
 </file>
 
@@ -11744,7 +11624,7 @@
               <a:buNone/>
             </a:pPr>
             <a:r>
-              <a:rPr lang="en-US" sz="3000" i="0" u="none" strike="noStrike" cap="none" dirty="0">
+              <a:rPr lang="en-US" sz="3000" b="1" i="0" u="none" strike="noStrike" cap="none" dirty="0">
                 <a:solidFill>
                   <a:schemeClr val="lt1"/>
                 </a:solidFill>
@@ -11756,7 +11636,7 @@
               <a:t>&gt;&gt;&gt; </a:t>
             </a:r>
             <a:r>
-              <a:rPr lang="en-US" sz="3000" i="0" u="none" strike="noStrike" cap="none" dirty="0">
+              <a:rPr lang="en-US" sz="3000" b="1" i="0" u="none" strike="noStrike" cap="none" dirty="0">
                 <a:solidFill>
                   <a:srgbClr val="00FF00"/>
                 </a:solidFill>
@@ -11768,7 +11648,7 @@
               <a:t>some</a:t>
             </a:r>
             <a:r>
-              <a:rPr lang="en-US" sz="3000" i="0" u="none" strike="noStrike" cap="none" dirty="0">
+              <a:rPr lang="en-US" sz="3000" b="1" i="0" u="none" strike="noStrike" cap="none" dirty="0">
                 <a:solidFill>
                   <a:schemeClr val="lt1"/>
                 </a:solidFill>
@@ -11780,7 +11660,7 @@
               <a:t> = </a:t>
             </a:r>
             <a:r>
-              <a:rPr lang="en-US" sz="3000" i="0" u="none" strike="noStrike" cap="none" dirty="0">
+              <a:rPr lang="en-US" sz="3000" b="1" i="0" u="none" strike="noStrike" cap="none" dirty="0">
                 <a:solidFill>
                   <a:srgbClr val="FF7F00"/>
                 </a:solidFill>
@@ -11811,7 +11691,7 @@
               <a:buNone/>
             </a:pPr>
             <a:r>
-              <a:rPr lang="en-US" sz="3000" i="0" u="none" strike="noStrike" cap="none" dirty="0">
+              <a:rPr lang="en-US" sz="3000" b="1" i="0" u="none" strike="noStrike" cap="none" dirty="0">
                 <a:solidFill>
                   <a:schemeClr val="lt1"/>
                 </a:solidFill>
@@ -11823,7 +11703,7 @@
               <a:t>&gt;&gt;&gt; </a:t>
             </a:r>
             <a:r>
-              <a:rPr lang="en-US" sz="3000" i="0" u="none" strike="noStrike" cap="none" dirty="0">
+              <a:rPr lang="en-US" sz="3000" b="1" i="0" u="none" strike="noStrike" cap="none" dirty="0">
                 <a:solidFill>
                   <a:srgbClr val="FF7F00"/>
                 </a:solidFill>
@@ -11835,7 +11715,7 @@
               <a:t>9</a:t>
             </a:r>
             <a:r>
-              <a:rPr lang="en-US" sz="3000" i="0" u="none" strike="noStrike" cap="none" dirty="0">
+              <a:rPr lang="en-US" sz="3000" b="1" i="0" u="none" strike="noStrike" cap="none" dirty="0">
                 <a:solidFill>
                   <a:schemeClr val="lt1"/>
                 </a:solidFill>
@@ -11847,7 +11727,7 @@
               <a:t> </a:t>
             </a:r>
             <a:r>
-              <a:rPr lang="en-US" sz="3000" i="0" u="none" strike="noStrike" cap="none" dirty="0">
+              <a:rPr lang="en-US" sz="3000" b="1" i="0" u="none" strike="noStrike" cap="none" dirty="0">
                 <a:solidFill>
                   <a:srgbClr val="FFFF00"/>
                 </a:solidFill>
@@ -11859,7 +11739,7 @@
               <a:t>in</a:t>
             </a:r>
             <a:r>
-              <a:rPr lang="en-US" sz="3000" i="0" u="none" strike="noStrike" cap="none" dirty="0">
+              <a:rPr lang="en-US" sz="3000" b="1" i="0" u="none" strike="noStrike" cap="none" dirty="0">
                 <a:solidFill>
                   <a:schemeClr val="lt1"/>
                 </a:solidFill>
@@ -11871,7 +11751,7 @@
               <a:t> </a:t>
             </a:r>
             <a:r>
-              <a:rPr lang="en-US" sz="3000" i="0" u="none" strike="noStrike" cap="none" dirty="0">
+              <a:rPr lang="en-US" sz="3000" b="1" i="0" u="none" strike="noStrike" cap="none" dirty="0">
                 <a:solidFill>
                   <a:srgbClr val="00FF00"/>
                 </a:solidFill>
@@ -11902,7 +11782,7 @@
               <a:buNone/>
             </a:pPr>
             <a:r>
-              <a:rPr lang="en-US" sz="3000" i="0" u="none" strike="noStrike" cap="none" dirty="0">
+              <a:rPr lang="en-US" sz="3000" b="1" i="0" u="none" strike="noStrike" cap="none" dirty="0">
                 <a:solidFill>
                   <a:srgbClr val="FF00FF"/>
                 </a:solidFill>
@@ -11933,7 +11813,7 @@
               <a:buNone/>
             </a:pPr>
             <a:r>
-              <a:rPr lang="en-US" sz="3000" i="0" u="none" strike="noStrike" cap="none" dirty="0">
+              <a:rPr lang="en-US" sz="3000" b="1" i="0" u="none" strike="noStrike" cap="none" dirty="0">
                 <a:solidFill>
                   <a:schemeClr val="lt1"/>
                 </a:solidFill>
@@ -11945,7 +11825,7 @@
               <a:t>&gt;&gt;&gt; </a:t>
             </a:r>
             <a:r>
-              <a:rPr lang="en-US" sz="3000" i="0" u="none" strike="noStrike" cap="none" dirty="0">
+              <a:rPr lang="en-US" sz="3000" b="1" i="0" u="none" strike="noStrike" cap="none" dirty="0">
                 <a:solidFill>
                   <a:srgbClr val="FF7F00"/>
                 </a:solidFill>
@@ -11957,7 +11837,7 @@
               <a:t>15</a:t>
             </a:r>
             <a:r>
-              <a:rPr lang="en-US" sz="3000" i="0" u="none" strike="noStrike" cap="none" dirty="0">
+              <a:rPr lang="en-US" sz="3000" b="1" i="0" u="none" strike="noStrike" cap="none" dirty="0">
                 <a:solidFill>
                   <a:schemeClr val="lt1"/>
                 </a:solidFill>
@@ -11969,7 +11849,7 @@
               <a:t> </a:t>
             </a:r>
             <a:r>
-              <a:rPr lang="en-US" sz="3000" i="0" u="none" strike="noStrike" cap="none" dirty="0">
+              <a:rPr lang="en-US" sz="3000" b="1" i="0" u="none" strike="noStrike" cap="none" dirty="0">
                 <a:solidFill>
                   <a:srgbClr val="FFFF00"/>
                 </a:solidFill>
@@ -11981,7 +11861,7 @@
               <a:t>in</a:t>
             </a:r>
             <a:r>
-              <a:rPr lang="en-US" sz="3000" i="0" u="none" strike="noStrike" cap="none" dirty="0">
+              <a:rPr lang="en-US" sz="3000" b="1" i="0" u="none" strike="noStrike" cap="none" dirty="0">
                 <a:solidFill>
                   <a:schemeClr val="lt1"/>
                 </a:solidFill>
@@ -11993,7 +11873,7 @@
               <a:t> </a:t>
             </a:r>
             <a:r>
-              <a:rPr lang="en-US" sz="3000" i="0" u="none" strike="noStrike" cap="none" dirty="0">
+              <a:rPr lang="en-US" sz="3000" b="1" i="0" u="none" strike="noStrike" cap="none" dirty="0">
                 <a:solidFill>
                   <a:srgbClr val="00FF00"/>
                 </a:solidFill>
@@ -12024,7 +11904,7 @@
               <a:buNone/>
             </a:pPr>
             <a:r>
-              <a:rPr lang="en-US" sz="3000" i="0" u="none" strike="noStrike" cap="none" dirty="0">
+              <a:rPr lang="en-US" sz="3000" b="1" i="0" u="none" strike="noStrike" cap="none" dirty="0">
                 <a:solidFill>
                   <a:srgbClr val="00FF00"/>
                 </a:solidFill>
@@ -12055,7 +11935,7 @@
               <a:buNone/>
             </a:pPr>
             <a:r>
-              <a:rPr lang="en-US" sz="3000" i="0" u="none" strike="noStrike" cap="none" dirty="0">
+              <a:rPr lang="en-US" sz="3000" b="1" i="0" u="none" strike="noStrike" cap="none" dirty="0">
                 <a:solidFill>
                   <a:schemeClr val="lt1"/>
                 </a:solidFill>
@@ -12067,7 +11947,7 @@
               <a:t>&gt;&gt;&gt; </a:t>
             </a:r>
             <a:r>
-              <a:rPr lang="en-US" sz="3000" i="0" u="none" strike="noStrike" cap="none" dirty="0">
+              <a:rPr lang="en-US" sz="3000" b="1" i="0" u="none" strike="noStrike" cap="none" dirty="0">
                 <a:solidFill>
                   <a:srgbClr val="FF7F00"/>
                 </a:solidFill>
@@ -12079,7 +11959,7 @@
               <a:t>20</a:t>
             </a:r>
             <a:r>
-              <a:rPr lang="en-US" sz="3000" i="0" u="none" strike="noStrike" cap="none" dirty="0">
+              <a:rPr lang="en-US" sz="3000" b="1" i="0" u="none" strike="noStrike" cap="none" dirty="0">
                 <a:solidFill>
                   <a:schemeClr val="lt1"/>
                 </a:solidFill>
@@ -12091,7 +11971,7 @@
               <a:t> </a:t>
             </a:r>
             <a:r>
-              <a:rPr lang="en-US" sz="3000" i="0" u="none" strike="noStrike" cap="none" dirty="0">
+              <a:rPr lang="en-US" sz="3000" b="1" i="0" u="none" strike="noStrike" cap="none" dirty="0">
                 <a:solidFill>
                   <a:srgbClr val="FFFF00"/>
                 </a:solidFill>
@@ -12103,7 +11983,7 @@
               <a:t>not in</a:t>
             </a:r>
             <a:r>
-              <a:rPr lang="en-US" sz="3000" i="0" u="none" strike="noStrike" cap="none" dirty="0">
+              <a:rPr lang="en-US" sz="3000" b="1" i="0" u="none" strike="noStrike" cap="none" dirty="0">
                 <a:solidFill>
                   <a:schemeClr val="lt1"/>
                 </a:solidFill>
@@ -12115,7 +11995,7 @@
               <a:t> </a:t>
             </a:r>
             <a:r>
-              <a:rPr lang="en-US" sz="3000" i="0" u="none" strike="noStrike" cap="none" dirty="0">
+              <a:rPr lang="en-US" sz="3000" b="1" i="0" u="none" strike="noStrike" cap="none" dirty="0">
                 <a:solidFill>
                   <a:srgbClr val="00FF00"/>
                 </a:solidFill>
@@ -12146,7 +12026,7 @@
               <a:buNone/>
             </a:pPr>
             <a:r>
-              <a:rPr lang="en-US" sz="3000" i="0" u="none" strike="noStrike" cap="none" dirty="0">
+              <a:rPr lang="en-US" sz="3000" b="1" i="0" u="none" strike="noStrike" cap="none" dirty="0">
                 <a:solidFill>
                   <a:srgbClr val="FF00FF"/>
                 </a:solidFill>
@@ -12177,7 +12057,7 @@
               <a:buNone/>
             </a:pPr>
             <a:r>
-              <a:rPr lang="en-US" sz="3000" i="0" u="none" strike="noStrike" cap="none" dirty="0">
+              <a:rPr lang="en-US" sz="3000" b="1" i="0" u="none" strike="noStrike" cap="none" dirty="0">
                 <a:solidFill>
                   <a:schemeClr val="lt1"/>
                 </a:solidFill>
@@ -12196,13 +12076,6 @@
   <p:clrMapOvr>
     <a:masterClrMapping/>
   </p:clrMapOvr>
-  <p:timing>
-    <p:tnLst>
-      <p:par>
-        <p:cTn xmlns:p14="http://schemas.microsoft.com/office/powerpoint/2010/main" id="1" dur="indefinite" restart="never" nodeType="tmRoot"/>
-      </p:par>
-    </p:tnLst>
-  </p:timing>
 </p:sld>
 </file>
 
@@ -12266,7 +12139,7 @@
               <a:buNone/>
             </a:pPr>
             <a:r>
-              <a:rPr lang="en-US" sz="7800" u="none" strike="noStrike" cap="none" dirty="0" smtClean="0">
+              <a:rPr lang="en-US" sz="7800" u="none" strike="noStrike" cap="none" dirty="0">
                 <a:solidFill>
                   <a:srgbClr val="FFD966"/>
                 </a:solidFill>
@@ -12277,15 +12150,6 @@
               </a:rPr>
               <a:t>Lists are in Order</a:t>
             </a:r>
-            <a:endParaRPr lang="en-US" sz="7800" u="none" strike="noStrike" cap="none" dirty="0">
-              <a:solidFill>
-                <a:srgbClr val="FFD966"/>
-              </a:solidFill>
-              <a:latin typeface="Arial" charset="0"/>
-              <a:ea typeface="Arial" charset="0"/>
-              <a:cs typeface="Arial" charset="0"/>
-              <a:sym typeface="Cabin"/>
-            </a:endParaRPr>
           </a:p>
         </p:txBody>
       </p:sp>
@@ -12610,7 +12474,7 @@
               <a:buNone/>
             </a:pPr>
             <a:r>
-              <a:rPr lang="en-US" sz="2600" i="0" u="none" strike="noStrike" cap="none" dirty="0">
+              <a:rPr lang="en-US" sz="2600" b="1" i="0" u="none" strike="noStrike" cap="none" dirty="0">
                 <a:solidFill>
                   <a:schemeClr val="lt1"/>
                 </a:solidFill>
@@ -12622,7 +12486,7 @@
               <a:t>&gt;&gt;&gt; </a:t>
             </a:r>
             <a:r>
-              <a:rPr lang="en-US" sz="2600" i="0" u="none" strike="noStrike" cap="none" dirty="0">
+              <a:rPr lang="en-US" sz="2600" b="1" i="0" u="none" strike="noStrike" cap="none" dirty="0">
                 <a:solidFill>
                   <a:srgbClr val="00FF00"/>
                 </a:solidFill>
@@ -12634,7 +12498,7 @@
               <a:t>friends</a:t>
             </a:r>
             <a:r>
-              <a:rPr lang="en-US" sz="2600" i="0" u="none" strike="noStrike" cap="none" dirty="0">
+              <a:rPr lang="en-US" sz="2600" b="1" i="0" u="none" strike="noStrike" cap="none" dirty="0">
                 <a:solidFill>
                   <a:schemeClr val="lt1"/>
                 </a:solidFill>
@@ -12646,7 +12510,7 @@
               <a:t> = </a:t>
             </a:r>
             <a:r>
-              <a:rPr lang="en-US" sz="2600" i="0" u="none" strike="noStrike" cap="none" dirty="0">
+              <a:rPr lang="en-US" sz="2600" b="1" i="0" u="none" strike="noStrike" cap="none" dirty="0">
                 <a:solidFill>
                   <a:srgbClr val="FF7F00"/>
                 </a:solidFill>
@@ -12677,7 +12541,7 @@
               <a:buNone/>
             </a:pPr>
             <a:r>
-              <a:rPr lang="en-US" sz="2600" i="0" u="none" strike="noStrike" cap="none" dirty="0">
+              <a:rPr lang="en-US" sz="2600" b="1" i="0" u="none" strike="noStrike" cap="none" dirty="0">
                 <a:solidFill>
                   <a:schemeClr val="lt1"/>
                 </a:solidFill>
@@ -12689,7 +12553,7 @@
               <a:t>&gt;&gt;&gt;</a:t>
             </a:r>
             <a:r>
-              <a:rPr lang="en-US" sz="2600" i="0" u="none" strike="noStrike" cap="none" dirty="0">
+              <a:rPr lang="en-US" sz="2600" b="1" i="0" u="none" strike="noStrike" cap="none" dirty="0">
                 <a:solidFill>
                   <a:srgbClr val="00FF00"/>
                 </a:solidFill>
@@ -12701,7 +12565,7 @@
               <a:t> </a:t>
             </a:r>
             <a:r>
-              <a:rPr lang="en-US" sz="2600" i="0" u="none" strike="noStrike" cap="none" dirty="0" err="1">
+              <a:rPr lang="en-US" sz="2600" b="1" i="0" u="none" strike="noStrike" cap="none" dirty="0" err="1">
                 <a:solidFill>
                   <a:srgbClr val="00FF00"/>
                 </a:solidFill>
@@ -12713,7 +12577,7 @@
               <a:t>friends</a:t>
             </a:r>
             <a:r>
-              <a:rPr lang="en-US" sz="2600" i="0" u="none" strike="noStrike" cap="none" dirty="0" err="1">
+              <a:rPr lang="en-US" sz="2600" b="1" i="0" u="none" strike="noStrike" cap="none" dirty="0" err="1">
                 <a:solidFill>
                   <a:srgbClr val="FF00FF"/>
                 </a:solidFill>
@@ -12725,7 +12589,7 @@
               <a:t>.sort</a:t>
             </a:r>
             <a:r>
-              <a:rPr lang="en-US" sz="2600" i="0" u="none" strike="noStrike" cap="none" dirty="0">
+              <a:rPr lang="en-US" sz="2600" b="1" i="0" u="none" strike="noStrike" cap="none" dirty="0">
                 <a:solidFill>
                   <a:schemeClr val="lt1"/>
                 </a:solidFill>
@@ -12745,7 +12609,7 @@
               <a:buSzPct val="25000"/>
             </a:pPr>
             <a:r>
-              <a:rPr lang="en-US" sz="2600" i="0" u="none" strike="noStrike" cap="none" dirty="0">
+              <a:rPr lang="en-US" sz="2600" b="1" i="0" u="none" strike="noStrike" cap="none" dirty="0">
                 <a:solidFill>
                   <a:schemeClr val="lt1"/>
                 </a:solidFill>
@@ -12757,7 +12621,7 @@
               <a:t>&gt;&gt;&gt; </a:t>
             </a:r>
             <a:r>
-              <a:rPr lang="en-US" sz="2600" i="0" u="none" strike="noStrike" cap="none" dirty="0" smtClean="0">
+              <a:rPr lang="en-US" sz="2600" b="1" i="0" u="none" strike="noStrike" cap="none" dirty="0">
                 <a:solidFill>
                   <a:srgbClr val="FFFF00"/>
                 </a:solidFill>
@@ -12769,7 +12633,7 @@
               <a:t>print(</a:t>
             </a:r>
             <a:r>
-              <a:rPr lang="en-US" sz="2600" i="0" u="none" strike="noStrike" cap="none" dirty="0" smtClean="0">
+              <a:rPr lang="en-US" sz="2600" b="1" i="0" u="none" strike="noStrike" cap="none" dirty="0">
                 <a:solidFill>
                   <a:srgbClr val="00FF00"/>
                 </a:solidFill>
@@ -12781,7 +12645,7 @@
               <a:t>friends</a:t>
             </a:r>
             <a:r>
-              <a:rPr lang="en-US" sz="2600" dirty="0" smtClean="0">
+              <a:rPr lang="en-US" sz="2600" b="1" dirty="0">
                 <a:solidFill>
                   <a:srgbClr val="FFFF00"/>
                 </a:solidFill>
@@ -12792,7 +12656,7 @@
               </a:rPr>
               <a:t>)</a:t>
             </a:r>
-            <a:endParaRPr lang="en-US" sz="2600" i="0" u="none" strike="noStrike" cap="none" dirty="0">
+            <a:endParaRPr lang="en-US" sz="2600" b="1" i="0" u="none" strike="noStrike" cap="none" dirty="0">
               <a:solidFill>
                 <a:srgbClr val="00FF00"/>
               </a:solidFill>
@@ -12821,7 +12685,7 @@
               <a:buNone/>
             </a:pPr>
             <a:r>
-              <a:rPr lang="en-US" sz="2600" i="0" u="none" strike="noStrike" cap="none" dirty="0">
+              <a:rPr lang="en-US" sz="2600" b="1" i="0" u="none" strike="noStrike" cap="none" dirty="0">
                 <a:solidFill>
                   <a:schemeClr val="lt1"/>
                 </a:solidFill>
@@ -12841,7 +12705,7 @@
               <a:buSzPct val="25000"/>
             </a:pPr>
             <a:r>
-              <a:rPr lang="en-US" sz="2600" i="0" u="none" strike="noStrike" cap="none" dirty="0">
+              <a:rPr lang="en-US" sz="2600" b="1" i="0" u="none" strike="noStrike" cap="none" dirty="0">
                 <a:solidFill>
                   <a:schemeClr val="lt1"/>
                 </a:solidFill>
@@ -12853,7 +12717,7 @@
               <a:t>&gt;&gt;&gt; </a:t>
             </a:r>
             <a:r>
-              <a:rPr lang="en-US" sz="2600" i="0" u="none" strike="noStrike" cap="none" dirty="0" smtClean="0">
+              <a:rPr lang="en-US" sz="2600" b="1" i="0" u="none" strike="noStrike" cap="none" dirty="0">
                 <a:solidFill>
                   <a:srgbClr val="FFFF00"/>
                 </a:solidFill>
@@ -12865,7 +12729,7 @@
               <a:t>print</a:t>
             </a:r>
             <a:r>
-              <a:rPr lang="en-US" sz="2600" dirty="0">
+              <a:rPr lang="en-US" sz="2600" b="1" dirty="0">
                 <a:solidFill>
                   <a:schemeClr val="lt1"/>
                 </a:solidFill>
@@ -12877,7 +12741,7 @@
               <a:t>(</a:t>
             </a:r>
             <a:r>
-              <a:rPr lang="en-US" sz="2600" i="0" u="none" strike="noStrike" cap="none" dirty="0" smtClean="0">
+              <a:rPr lang="en-US" sz="2600" b="1" i="0" u="none" strike="noStrike" cap="none" dirty="0">
                 <a:solidFill>
                   <a:srgbClr val="00FF00"/>
                 </a:solidFill>
@@ -12889,7 +12753,7 @@
               <a:t>friends</a:t>
             </a:r>
             <a:r>
-              <a:rPr lang="en-US" sz="2600" i="0" u="none" strike="noStrike" cap="none" dirty="0" smtClean="0">
+              <a:rPr lang="en-US" sz="2600" b="1" i="0" u="none" strike="noStrike" cap="none" dirty="0">
                 <a:solidFill>
                   <a:srgbClr val="00FFFF"/>
                 </a:solidFill>
@@ -12901,7 +12765,7 @@
               <a:t>[</a:t>
             </a:r>
             <a:r>
-              <a:rPr lang="en-US" sz="2600" i="0" u="none" strike="noStrike" cap="none" dirty="0" smtClean="0">
+              <a:rPr lang="en-US" sz="2600" b="1" i="0" u="none" strike="noStrike" cap="none" dirty="0">
                 <a:solidFill>
                   <a:schemeClr val="lt1"/>
                 </a:solidFill>
@@ -12913,7 +12777,7 @@
               <a:t>1</a:t>
             </a:r>
             <a:r>
-              <a:rPr lang="en-US" sz="2600" i="0" u="none" strike="noStrike" cap="none" dirty="0" smtClean="0">
+              <a:rPr lang="en-US" sz="2600" b="1" i="0" u="none" strike="noStrike" cap="none" dirty="0">
                 <a:solidFill>
                   <a:srgbClr val="00FFFF"/>
                 </a:solidFill>
@@ -12925,7 +12789,7 @@
               <a:t>]</a:t>
             </a:r>
             <a:r>
-              <a:rPr lang="en-US" sz="2600" dirty="0" smtClean="0">
+              <a:rPr lang="en-US" sz="2600" b="1" dirty="0">
                 <a:solidFill>
                   <a:srgbClr val="FFFF00"/>
                 </a:solidFill>
@@ -12936,7 +12800,7 @@
               </a:rPr>
               <a:t>)</a:t>
             </a:r>
-            <a:endParaRPr lang="en-US" sz="2600" i="0" u="none" strike="noStrike" cap="none" dirty="0">
+            <a:endParaRPr lang="en-US" sz="2600" b="1" i="0" u="none" strike="noStrike" cap="none" dirty="0">
               <a:solidFill>
                 <a:srgbClr val="00FFFF"/>
               </a:solidFill>
@@ -12965,7 +12829,7 @@
               <a:buNone/>
             </a:pPr>
             <a:r>
-              <a:rPr lang="en-US" sz="2600" i="0" u="none" strike="noStrike" cap="none" dirty="0">
+              <a:rPr lang="en-US" sz="2600" b="1" i="0" u="none" strike="noStrike" cap="none" dirty="0">
                 <a:solidFill>
                   <a:schemeClr val="lt1"/>
                 </a:solidFill>
@@ -12996,7 +12860,7 @@
               <a:buNone/>
             </a:pPr>
             <a:r>
-              <a:rPr lang="en-US" sz="2600" i="0" u="none" strike="noStrike" cap="none" dirty="0">
+              <a:rPr lang="en-US" sz="2600" b="1" i="0" u="none" strike="noStrike" cap="none" dirty="0">
                 <a:solidFill>
                   <a:schemeClr val="lt1"/>
                 </a:solidFill>
@@ -13015,13 +12879,6 @@
   <p:clrMapOvr>
     <a:masterClrMapping/>
   </p:clrMapOvr>
-  <p:timing>
-    <p:tnLst>
-      <p:par>
-        <p:cTn xmlns:p14="http://schemas.microsoft.com/office/powerpoint/2010/main" id="1" dur="indefinite" restart="never" nodeType="tmRoot"/>
-      </p:par>
-    </p:tnLst>
-  </p:timing>
 </p:sld>
 </file>
 
@@ -13322,7 +13179,7 @@
               <a:buNone/>
             </a:pPr>
             <a:r>
-              <a:rPr lang="en-US" sz="3000" i="0" u="none" strike="noStrike" cap="none" dirty="0">
+              <a:rPr lang="en-US" sz="3000" b="1" i="0" u="none" strike="noStrike" cap="none" dirty="0">
                 <a:solidFill>
                   <a:schemeClr val="lt1"/>
                 </a:solidFill>
@@ -13334,7 +13191,7 @@
               <a:t>&gt;&gt;&gt; </a:t>
             </a:r>
             <a:r>
-              <a:rPr lang="en-US" sz="3000" i="0" u="none" strike="noStrike" cap="none" dirty="0" err="1">
+              <a:rPr lang="en-US" sz="3000" b="1" i="0" u="none" strike="noStrike" cap="none" dirty="0" err="1">
                 <a:solidFill>
                   <a:srgbClr val="00FF00"/>
                 </a:solidFill>
@@ -13346,7 +13203,7 @@
               <a:t>nums</a:t>
             </a:r>
             <a:r>
-              <a:rPr lang="en-US" sz="3000" i="0" u="none" strike="noStrike" cap="none" dirty="0">
+              <a:rPr lang="en-US" sz="3000" b="1" i="0" u="none" strike="noStrike" cap="none" dirty="0">
                 <a:solidFill>
                   <a:schemeClr val="lt1"/>
                 </a:solidFill>
@@ -13366,7 +13223,7 @@
               <a:buSzPct val="25000"/>
             </a:pPr>
             <a:r>
-              <a:rPr lang="en-US" sz="3000" i="0" u="none" strike="noStrike" cap="none" dirty="0">
+              <a:rPr lang="en-US" sz="3000" b="1" i="0" u="none" strike="noStrike" cap="none" dirty="0">
                 <a:solidFill>
                   <a:schemeClr val="lt1"/>
                 </a:solidFill>
@@ -13378,7 +13235,7 @@
               <a:t>&gt;&gt;&gt; </a:t>
             </a:r>
             <a:r>
-              <a:rPr lang="en-US" sz="3000" i="0" u="none" strike="noStrike" cap="none" dirty="0" smtClean="0">
+              <a:rPr lang="en-US" sz="3000" b="1" i="0" u="none" strike="noStrike" cap="none" dirty="0">
                 <a:solidFill>
                   <a:srgbClr val="FFFF00"/>
                 </a:solidFill>
@@ -13390,7 +13247,7 @@
               <a:t>print(</a:t>
             </a:r>
             <a:r>
-              <a:rPr lang="en-US" sz="3000" i="0" u="none" strike="noStrike" cap="none" dirty="0" err="1" smtClean="0">
+              <a:rPr lang="en-US" sz="3000" b="1" i="0" u="none" strike="noStrike" cap="none" dirty="0" err="1">
                 <a:solidFill>
                   <a:srgbClr val="FF00FF"/>
                 </a:solidFill>
@@ -13402,7 +13259,7 @@
               <a:t>len</a:t>
             </a:r>
             <a:r>
-              <a:rPr lang="en-US" sz="3000" i="0" u="none" strike="noStrike" cap="none" dirty="0" smtClean="0">
+              <a:rPr lang="en-US" sz="3000" b="1" i="0" u="none" strike="noStrike" cap="none" dirty="0">
                 <a:solidFill>
                   <a:schemeClr val="lt1"/>
                 </a:solidFill>
@@ -13414,7 +13271,7 @@
               <a:t>(</a:t>
             </a:r>
             <a:r>
-              <a:rPr lang="en-US" sz="3000" i="0" u="none" strike="noStrike" cap="none" dirty="0" err="1" smtClean="0">
+              <a:rPr lang="en-US" sz="3000" b="1" i="0" u="none" strike="noStrike" cap="none" dirty="0" err="1">
                 <a:solidFill>
                   <a:srgbClr val="00FF00"/>
                 </a:solidFill>
@@ -13426,7 +13283,7 @@
               <a:t>nums</a:t>
             </a:r>
             <a:r>
-              <a:rPr lang="en-US" sz="3000" i="0" u="none" strike="noStrike" cap="none" dirty="0" smtClean="0">
+              <a:rPr lang="en-US" sz="3000" b="1" i="0" u="none" strike="noStrike" cap="none" dirty="0">
                 <a:solidFill>
                   <a:schemeClr val="lt1"/>
                 </a:solidFill>
@@ -13438,7 +13295,7 @@
               <a:t>)</a:t>
             </a:r>
             <a:r>
-              <a:rPr lang="en-US" sz="3000" dirty="0" smtClean="0">
+              <a:rPr lang="en-US" sz="3000" b="1" dirty="0">
                 <a:solidFill>
                   <a:srgbClr val="FFFF00"/>
                 </a:solidFill>
@@ -13449,7 +13306,7 @@
               </a:rPr>
               <a:t>)</a:t>
             </a:r>
-            <a:endParaRPr lang="en-US" sz="3000" i="0" u="none" strike="noStrike" cap="none" dirty="0">
+            <a:endParaRPr lang="en-US" sz="3000" b="1" i="0" u="none" strike="noStrike" cap="none" dirty="0">
               <a:solidFill>
                 <a:schemeClr val="lt1"/>
               </a:solidFill>
@@ -13478,7 +13335,7 @@
               <a:buNone/>
             </a:pPr>
             <a:r>
-              <a:rPr lang="en-US" sz="3000" i="0" u="none" strike="noStrike" cap="none" dirty="0">
+              <a:rPr lang="en-US" sz="3000" b="1" i="0" u="none" strike="noStrike" cap="none" dirty="0">
                 <a:solidFill>
                   <a:schemeClr val="lt1"/>
                 </a:solidFill>
@@ -13498,7 +13355,7 @@
               <a:buSzPct val="25000"/>
             </a:pPr>
             <a:r>
-              <a:rPr lang="en-US" sz="3000" i="0" u="none" strike="noStrike" cap="none" dirty="0">
+              <a:rPr lang="en-US" sz="3000" b="1" i="0" u="none" strike="noStrike" cap="none" dirty="0">
                 <a:solidFill>
                   <a:schemeClr val="lt1"/>
                 </a:solidFill>
@@ -13510,7 +13367,7 @@
               <a:t>&gt;&gt;&gt; </a:t>
             </a:r>
             <a:r>
-              <a:rPr lang="en-US" sz="3000" i="0" u="none" strike="noStrike" cap="none" dirty="0" smtClean="0">
+              <a:rPr lang="en-US" sz="3000" b="1" i="0" u="none" strike="noStrike" cap="none" dirty="0">
                 <a:solidFill>
                   <a:srgbClr val="FFFF00"/>
                 </a:solidFill>
@@ -13522,7 +13379,7 @@
               <a:t>print(</a:t>
             </a:r>
             <a:r>
-              <a:rPr lang="en-US" sz="3000" i="0" u="none" strike="noStrike" cap="none" dirty="0" smtClean="0">
+              <a:rPr lang="en-US" sz="3000" b="1" i="0" u="none" strike="noStrike" cap="none" dirty="0">
                 <a:solidFill>
                   <a:srgbClr val="FF00FF"/>
                 </a:solidFill>
@@ -13534,7 +13391,7 @@
               <a:t>max</a:t>
             </a:r>
             <a:r>
-              <a:rPr lang="en-US" sz="3000" i="0" u="none" strike="noStrike" cap="none" dirty="0" smtClean="0">
+              <a:rPr lang="en-US" sz="3000" b="1" i="0" u="none" strike="noStrike" cap="none" dirty="0">
                 <a:solidFill>
                   <a:schemeClr val="lt1"/>
                 </a:solidFill>
@@ -13546,7 +13403,7 @@
               <a:t>(</a:t>
             </a:r>
             <a:r>
-              <a:rPr lang="en-US" sz="3000" i="0" u="none" strike="noStrike" cap="none" dirty="0" err="1" smtClean="0">
+              <a:rPr lang="en-US" sz="3000" b="1" i="0" u="none" strike="noStrike" cap="none" dirty="0" err="1">
                 <a:solidFill>
                   <a:srgbClr val="00FF00"/>
                 </a:solidFill>
@@ -13558,7 +13415,7 @@
               <a:t>nums</a:t>
             </a:r>
             <a:r>
-              <a:rPr lang="en-US" sz="3000" i="0" u="none" strike="noStrike" cap="none" dirty="0" smtClean="0">
+              <a:rPr lang="en-US" sz="3000" b="1" i="0" u="none" strike="noStrike" cap="none" dirty="0">
                 <a:solidFill>
                   <a:schemeClr val="lt1"/>
                 </a:solidFill>
@@ -13570,7 +13427,7 @@
               <a:t>)</a:t>
             </a:r>
             <a:r>
-              <a:rPr lang="en-US" sz="3000" dirty="0" smtClean="0">
+              <a:rPr lang="en-US" sz="3000" b="1" dirty="0">
                 <a:solidFill>
                   <a:srgbClr val="FFFF00"/>
                 </a:solidFill>
@@ -13581,7 +13438,7 @@
               </a:rPr>
               <a:t>)</a:t>
             </a:r>
-            <a:endParaRPr lang="en-US" sz="3000" i="0" u="none" strike="noStrike" cap="none" dirty="0">
+            <a:endParaRPr lang="en-US" sz="3000" b="1" i="0" u="none" strike="noStrike" cap="none" dirty="0">
               <a:solidFill>
                 <a:schemeClr val="lt1"/>
               </a:solidFill>
@@ -13610,7 +13467,7 @@
               <a:buNone/>
             </a:pPr>
             <a:r>
-              <a:rPr lang="en-US" sz="3000" i="0" u="none" strike="noStrike" cap="none" dirty="0">
+              <a:rPr lang="en-US" sz="3000" b="1" i="0" u="none" strike="noStrike" cap="none" dirty="0">
                 <a:solidFill>
                   <a:schemeClr val="lt1"/>
                 </a:solidFill>
@@ -13630,7 +13487,7 @@
               <a:buSzPct val="25000"/>
             </a:pPr>
             <a:r>
-              <a:rPr lang="en-US" sz="3000" i="0" u="none" strike="noStrike" cap="none" dirty="0">
+              <a:rPr lang="en-US" sz="3000" b="1" i="0" u="none" strike="noStrike" cap="none" dirty="0">
                 <a:solidFill>
                   <a:schemeClr val="lt1"/>
                 </a:solidFill>
@@ -13642,7 +13499,7 @@
               <a:t>&gt;&gt;&gt; </a:t>
             </a:r>
             <a:r>
-              <a:rPr lang="en-US" sz="3000" i="0" u="none" strike="noStrike" cap="none" dirty="0" smtClean="0">
+              <a:rPr lang="en-US" sz="3000" b="1" i="0" u="none" strike="noStrike" cap="none" dirty="0">
                 <a:solidFill>
                   <a:srgbClr val="FFFF00"/>
                 </a:solidFill>
@@ -13654,7 +13511,7 @@
               <a:t>print(</a:t>
             </a:r>
             <a:r>
-              <a:rPr lang="en-US" sz="3000" i="0" u="none" strike="noStrike" cap="none" dirty="0" smtClean="0">
+              <a:rPr lang="en-US" sz="3000" b="1" i="0" u="none" strike="noStrike" cap="none" dirty="0">
                 <a:solidFill>
                   <a:srgbClr val="FF00FF"/>
                 </a:solidFill>
@@ -13666,7 +13523,7 @@
               <a:t>min</a:t>
             </a:r>
             <a:r>
-              <a:rPr lang="en-US" sz="3000" i="0" u="none" strike="noStrike" cap="none" dirty="0" smtClean="0">
+              <a:rPr lang="en-US" sz="3000" b="1" i="0" u="none" strike="noStrike" cap="none" dirty="0">
                 <a:solidFill>
                   <a:schemeClr val="lt1"/>
                 </a:solidFill>
@@ -13678,7 +13535,7 @@
               <a:t>(</a:t>
             </a:r>
             <a:r>
-              <a:rPr lang="en-US" sz="3000" i="0" u="none" strike="noStrike" cap="none" dirty="0" err="1" smtClean="0">
+              <a:rPr lang="en-US" sz="3000" b="1" i="0" u="none" strike="noStrike" cap="none" dirty="0" err="1">
                 <a:solidFill>
                   <a:srgbClr val="00FF00"/>
                 </a:solidFill>
@@ -13690,7 +13547,7 @@
               <a:t>nums</a:t>
             </a:r>
             <a:r>
-              <a:rPr lang="en-US" sz="3000" i="0" u="none" strike="noStrike" cap="none" dirty="0" smtClean="0">
+              <a:rPr lang="en-US" sz="3000" b="1" i="0" u="none" strike="noStrike" cap="none" dirty="0">
                 <a:solidFill>
                   <a:schemeClr val="lt1"/>
                 </a:solidFill>
@@ -13702,7 +13559,7 @@
               <a:t>)</a:t>
             </a:r>
             <a:r>
-              <a:rPr lang="en-US" sz="3000" dirty="0" smtClean="0">
+              <a:rPr lang="en-US" sz="3000" b="1" dirty="0">
                 <a:solidFill>
                   <a:srgbClr val="FFFF00"/>
                 </a:solidFill>
@@ -13713,7 +13570,7 @@
               </a:rPr>
               <a:t>)</a:t>
             </a:r>
-            <a:endParaRPr lang="en-US" sz="3000" i="0" u="none" strike="noStrike" cap="none" dirty="0">
+            <a:endParaRPr lang="en-US" sz="3000" b="1" i="0" u="none" strike="noStrike" cap="none" dirty="0">
               <a:solidFill>
                 <a:schemeClr val="lt1"/>
               </a:solidFill>
@@ -13742,7 +13599,7 @@
               <a:buNone/>
             </a:pPr>
             <a:r>
-              <a:rPr lang="en-US" sz="3000" i="0" u="none" strike="noStrike" cap="none" dirty="0">
+              <a:rPr lang="en-US" sz="3000" b="1" i="0" u="none" strike="noStrike" cap="none" dirty="0">
                 <a:solidFill>
                   <a:schemeClr val="lt1"/>
                 </a:solidFill>
@@ -13762,7 +13619,7 @@
               <a:buSzPct val="25000"/>
             </a:pPr>
             <a:r>
-              <a:rPr lang="en-US" sz="3000" i="0" u="none" strike="noStrike" cap="none" dirty="0">
+              <a:rPr lang="en-US" sz="3000" b="1" i="0" u="none" strike="noStrike" cap="none" dirty="0">
                 <a:solidFill>
                   <a:schemeClr val="lt1"/>
                 </a:solidFill>
@@ -13774,7 +13631,7 @@
               <a:t>&gt;&gt;&gt; </a:t>
             </a:r>
             <a:r>
-              <a:rPr lang="en-US" sz="3000" i="0" u="none" strike="noStrike" cap="none" dirty="0" smtClean="0">
+              <a:rPr lang="en-US" sz="3000" b="1" i="0" u="none" strike="noStrike" cap="none" dirty="0">
                 <a:solidFill>
                   <a:srgbClr val="FFFF00"/>
                 </a:solidFill>
@@ -13786,7 +13643,7 @@
               <a:t>print</a:t>
             </a:r>
             <a:r>
-              <a:rPr lang="en-US" sz="3000" dirty="0">
+              <a:rPr lang="en-US" sz="3000" b="1" dirty="0">
                 <a:solidFill>
                   <a:schemeClr val="lt1"/>
                 </a:solidFill>
@@ -13798,7 +13655,7 @@
               <a:t>(</a:t>
             </a:r>
             <a:r>
-              <a:rPr lang="en-US" sz="3000" i="0" u="none" strike="noStrike" cap="none" dirty="0" smtClean="0">
+              <a:rPr lang="en-US" sz="3000" b="1" i="0" u="none" strike="noStrike" cap="none" dirty="0">
                 <a:solidFill>
                   <a:srgbClr val="FF00FF"/>
                 </a:solidFill>
@@ -13810,7 +13667,7 @@
               <a:t>sum</a:t>
             </a:r>
             <a:r>
-              <a:rPr lang="en-US" sz="3000" i="0" u="none" strike="noStrike" cap="none" dirty="0" smtClean="0">
+              <a:rPr lang="en-US" sz="3000" b="1" i="0" u="none" strike="noStrike" cap="none" dirty="0">
                 <a:solidFill>
                   <a:schemeClr val="lt1"/>
                 </a:solidFill>
@@ -13822,7 +13679,7 @@
               <a:t>(</a:t>
             </a:r>
             <a:r>
-              <a:rPr lang="en-US" sz="3000" i="0" u="none" strike="noStrike" cap="none" dirty="0" err="1" smtClean="0">
+              <a:rPr lang="en-US" sz="3000" b="1" i="0" u="none" strike="noStrike" cap="none" dirty="0" err="1">
                 <a:solidFill>
                   <a:srgbClr val="00FF00"/>
                 </a:solidFill>
@@ -13834,7 +13691,7 @@
               <a:t>nums</a:t>
             </a:r>
             <a:r>
-              <a:rPr lang="en-US" sz="3000" i="0" u="none" strike="noStrike" cap="none" dirty="0" smtClean="0">
+              <a:rPr lang="en-US" sz="3000" b="1" i="0" u="none" strike="noStrike" cap="none" dirty="0">
                 <a:solidFill>
                   <a:schemeClr val="lt1"/>
                 </a:solidFill>
@@ -13846,7 +13703,7 @@
               <a:t>)</a:t>
             </a:r>
             <a:r>
-              <a:rPr lang="en-US" sz="3000" dirty="0" smtClean="0">
+              <a:rPr lang="en-US" sz="3000" b="1" dirty="0">
                 <a:solidFill>
                   <a:srgbClr val="FFFF00"/>
                 </a:solidFill>
@@ -13857,7 +13714,7 @@
               </a:rPr>
               <a:t>)</a:t>
             </a:r>
-            <a:endParaRPr lang="en-US" sz="3000" i="0" u="none" strike="noStrike" cap="none" dirty="0">
+            <a:endParaRPr lang="en-US" sz="3000" b="1" i="0" u="none" strike="noStrike" cap="none" dirty="0">
               <a:solidFill>
                 <a:schemeClr val="lt1"/>
               </a:solidFill>
@@ -13886,7 +13743,7 @@
               <a:buNone/>
             </a:pPr>
             <a:r>
-              <a:rPr lang="en-US" sz="3000" i="0" u="none" strike="noStrike" cap="none" dirty="0">
+              <a:rPr lang="en-US" sz="3000" b="1" i="0" u="none" strike="noStrike" cap="none" dirty="0">
                 <a:solidFill>
                   <a:schemeClr val="lt1"/>
                 </a:solidFill>
@@ -13906,7 +13763,7 @@
               <a:buSzPct val="25000"/>
             </a:pPr>
             <a:r>
-              <a:rPr lang="en-US" sz="3000" i="0" u="none" strike="noStrike" cap="none" dirty="0">
+              <a:rPr lang="en-US" sz="3000" b="1" i="0" u="none" strike="noStrike" cap="none" dirty="0">
                 <a:solidFill>
                   <a:schemeClr val="lt1"/>
                 </a:solidFill>
@@ -13918,7 +13775,7 @@
               <a:t>&gt;&gt;&gt; </a:t>
             </a:r>
             <a:r>
-              <a:rPr lang="en-US" sz="3000" i="0" u="none" strike="noStrike" cap="none" dirty="0" smtClean="0">
+              <a:rPr lang="en-US" sz="3000" b="1" i="0" u="none" strike="noStrike" cap="none" dirty="0">
                 <a:solidFill>
                   <a:srgbClr val="FFFF00"/>
                 </a:solidFill>
@@ -13930,7 +13787,7 @@
               <a:t>print</a:t>
             </a:r>
             <a:r>
-              <a:rPr lang="en-US" sz="3000" dirty="0">
+              <a:rPr lang="en-US" sz="3000" b="1" dirty="0">
                 <a:solidFill>
                   <a:schemeClr val="lt1"/>
                 </a:solidFill>
@@ -13942,7 +13799,7 @@
               <a:t>(</a:t>
             </a:r>
             <a:r>
-              <a:rPr lang="en-US" sz="3000" i="0" u="none" strike="noStrike" cap="none" dirty="0" smtClean="0">
+              <a:rPr lang="en-US" sz="3000" b="1" i="0" u="none" strike="noStrike" cap="none" dirty="0">
                 <a:solidFill>
                   <a:srgbClr val="FF00FF"/>
                 </a:solidFill>
@@ -13954,7 +13811,7 @@
               <a:t>sum</a:t>
             </a:r>
             <a:r>
-              <a:rPr lang="en-US" sz="3000" i="0" u="none" strike="noStrike" cap="none" dirty="0" smtClean="0">
+              <a:rPr lang="en-US" sz="3000" b="1" i="0" u="none" strike="noStrike" cap="none" dirty="0">
                 <a:solidFill>
                   <a:schemeClr val="lt1"/>
                 </a:solidFill>
@@ -13966,7 +13823,7 @@
               <a:t>(</a:t>
             </a:r>
             <a:r>
-              <a:rPr lang="en-US" sz="3000" i="0" u="none" strike="noStrike" cap="none" dirty="0" err="1" smtClean="0">
+              <a:rPr lang="en-US" sz="3000" b="1" i="0" u="none" strike="noStrike" cap="none" dirty="0" err="1">
                 <a:solidFill>
                   <a:srgbClr val="00FF00"/>
                 </a:solidFill>
@@ -13978,7 +13835,7 @@
               <a:t>nums</a:t>
             </a:r>
             <a:r>
-              <a:rPr lang="en-US" sz="3000" i="0" u="none" strike="noStrike" cap="none" dirty="0">
+              <a:rPr lang="en-US" sz="3000" b="1" i="0" u="none" strike="noStrike" cap="none" dirty="0">
                 <a:solidFill>
                   <a:schemeClr val="lt1"/>
                 </a:solidFill>
@@ -13990,7 +13847,7 @@
               <a:t>)/</a:t>
             </a:r>
             <a:r>
-              <a:rPr lang="en-US" sz="3000" i="0" u="none" strike="noStrike" cap="none" dirty="0" err="1" smtClean="0">
+              <a:rPr lang="en-US" sz="3000" b="1" i="0" u="none" strike="noStrike" cap="none" dirty="0" err="1">
                 <a:solidFill>
                   <a:srgbClr val="FF00FF"/>
                 </a:solidFill>
@@ -14002,7 +13859,7 @@
               <a:t>len</a:t>
             </a:r>
             <a:r>
-              <a:rPr lang="en-US" sz="3000" i="0" u="none" strike="noStrike" cap="none" dirty="0" smtClean="0">
+              <a:rPr lang="en-US" sz="3000" b="1" i="0" u="none" strike="noStrike" cap="none" dirty="0">
                 <a:solidFill>
                   <a:schemeClr val="lt1"/>
                 </a:solidFill>
@@ -14014,7 +13871,7 @@
               <a:t>(</a:t>
             </a:r>
             <a:r>
-              <a:rPr lang="en-US" sz="3000" i="0" u="none" strike="noStrike" cap="none" dirty="0" err="1" smtClean="0">
+              <a:rPr lang="en-US" sz="3000" b="1" i="0" u="none" strike="noStrike" cap="none" dirty="0" err="1">
                 <a:solidFill>
                   <a:srgbClr val="00FF00"/>
                 </a:solidFill>
@@ -14026,7 +13883,7 @@
               <a:t>nums</a:t>
             </a:r>
             <a:r>
-              <a:rPr lang="en-US" sz="3000" i="0" u="none" strike="noStrike" cap="none" dirty="0" smtClean="0">
+              <a:rPr lang="en-US" sz="3000" b="1" i="0" u="none" strike="noStrike" cap="none" dirty="0">
                 <a:solidFill>
                   <a:schemeClr val="lt1"/>
                 </a:solidFill>
@@ -14038,7 +13895,7 @@
               <a:t>)</a:t>
             </a:r>
             <a:r>
-              <a:rPr lang="en-US" sz="3000" dirty="0" smtClean="0">
+              <a:rPr lang="en-US" sz="3000" b="1" dirty="0">
                 <a:solidFill>
                   <a:srgbClr val="FFFF00"/>
                 </a:solidFill>
@@ -14049,7 +13906,7 @@
               </a:rPr>
               <a:t>)</a:t>
             </a:r>
-            <a:endParaRPr lang="en-US" sz="3000" i="0" u="none" strike="noStrike" cap="none" dirty="0">
+            <a:endParaRPr lang="en-US" sz="3000" b="1" i="0" u="none" strike="noStrike" cap="none" dirty="0">
               <a:solidFill>
                 <a:schemeClr val="lt1"/>
               </a:solidFill>
@@ -14078,7 +13935,7 @@
               <a:buNone/>
             </a:pPr>
             <a:r>
-              <a:rPr lang="en-US" sz="3000" i="0" u="none" strike="noStrike" cap="none" dirty="0" smtClean="0">
+              <a:rPr lang="en-US" sz="3000" b="1" i="0" u="none" strike="noStrike" cap="none" dirty="0">
                 <a:solidFill>
                   <a:schemeClr val="lt1"/>
                 </a:solidFill>
@@ -14089,15 +13946,6 @@
               </a:rPr>
               <a:t>25.6</a:t>
             </a:r>
-            <a:endParaRPr lang="en-US" sz="3000" i="0" u="none" strike="noStrike" cap="none" dirty="0">
-              <a:solidFill>
-                <a:schemeClr val="lt1"/>
-              </a:solidFill>
-              <a:latin typeface="Courier"/>
-              <a:ea typeface="Courier"/>
-              <a:cs typeface="Courier"/>
-              <a:sym typeface="Courier New"/>
-            </a:endParaRPr>
           </a:p>
         </p:txBody>
       </p:sp>
@@ -14106,13 +13954,6 @@
   <p:clrMapOvr>
     <a:masterClrMapping/>
   </p:clrMapOvr>
-  <p:timing>
-    <p:tnLst>
-      <p:par>
-        <p:cTn xmlns:p14="http://schemas.microsoft.com/office/powerpoint/2010/main" id="1" dur="indefinite" restart="never" nodeType="tmRoot"/>
-      </p:par>
-    </p:tnLst>
-  </p:timing>
 </p:sld>
 </file>
 
@@ -14180,7 +14021,7 @@
               <a:buNone/>
             </a:pPr>
             <a:r>
-              <a:rPr lang="en-US" sz="7600" u="none" strike="noStrike" cap="none" dirty="0" smtClean="0">
+              <a:rPr lang="en-US" sz="7600" u="none" strike="noStrike" cap="none" dirty="0">
                 <a:solidFill>
                   <a:srgbClr val="FFD966"/>
                 </a:solidFill>
@@ -14191,15 +14032,6 @@
               </a:rPr>
               <a:t>Programming</a:t>
             </a:r>
-            <a:endParaRPr lang="en-US" sz="7600" u="none" strike="noStrike" cap="none" dirty="0">
-              <a:solidFill>
-                <a:srgbClr val="FFD966"/>
-              </a:solidFill>
-              <a:latin typeface="Arial" charset="0"/>
-              <a:ea typeface="Arial" charset="0"/>
-              <a:cs typeface="Arial" charset="0"/>
-              <a:sym typeface="Cabin"/>
-            </a:endParaRPr>
           </a:p>
         </p:txBody>
       </p:sp>
@@ -14246,7 +14078,7 @@
               <a:buFont typeface="Cabin"/>
             </a:pPr>
             <a:r>
-              <a:rPr lang="en-US" sz="3600" u="none" strike="noStrike" cap="none" dirty="0" smtClean="0">
+              <a:rPr lang="en-US" sz="3600" u="none" strike="noStrike" cap="none" dirty="0">
                 <a:solidFill>
                   <a:srgbClr val="FF7F00"/>
                 </a:solidFill>
@@ -14270,7 +14102,7 @@
               <a:buNone/>
             </a:pPr>
             <a:r>
-              <a:rPr lang="en-US" sz="3200" dirty="0" smtClean="0">
+              <a:rPr lang="en-US" sz="3200" dirty="0">
                 <a:solidFill>
                   <a:schemeClr val="bg1"/>
                 </a:solidFill>
@@ -14292,7 +14124,7 @@
               </a:spcAft>
               <a:buSzPct val="100000"/>
             </a:pPr>
-            <a:endParaRPr lang="en-US" sz="3200" u="none" strike="noStrike" cap="none" dirty="0" smtClean="0">
+            <a:endParaRPr lang="en-US" sz="3200" u="none" strike="noStrike" cap="none" dirty="0">
               <a:solidFill>
                 <a:schemeClr val="bg1"/>
               </a:solidFill>
@@ -14317,7 +14149,7 @@
               <a:buFont typeface="Cabin"/>
             </a:pPr>
             <a:r>
-              <a:rPr lang="en-US" sz="3600" dirty="0" smtClean="0">
+              <a:rPr lang="en-US" sz="3600" dirty="0">
                 <a:solidFill>
                   <a:srgbClr val="FF7F00"/>
                 </a:solidFill>
@@ -14341,7 +14173,7 @@
               <a:buNone/>
             </a:pPr>
             <a:r>
-              <a:rPr lang="en-US" sz="3200" dirty="0" smtClean="0">
+              <a:rPr lang="en-US" sz="3200" dirty="0">
                 <a:solidFill>
                   <a:schemeClr val="lt1"/>
                 </a:solidFill>
@@ -14350,19 +14182,7 @@
                 <a:cs typeface="Arial" charset="0"/>
                 <a:sym typeface="Cabin"/>
               </a:rPr>
-              <a:t> -  A </a:t>
-            </a:r>
-            <a:r>
-              <a:rPr lang="en-US" sz="3200" dirty="0">
-                <a:solidFill>
-                  <a:schemeClr val="lt1"/>
-                </a:solidFill>
-                <a:latin typeface="Arial" charset="0"/>
-                <a:ea typeface="Arial" charset="0"/>
-                <a:cs typeface="Arial" charset="0"/>
-                <a:sym typeface="Cabin"/>
-              </a:rPr>
-              <a:t>particular way of organizing data in a computer</a:t>
+              <a:t> -  A particular way of organizing data in a computer</a:t>
             </a:r>
             <a:endParaRPr lang="en-US" sz="3200" u="none" strike="noStrike" cap="none" dirty="0">
               <a:solidFill>
@@ -14403,20 +14223,17 @@
                 <a:solidFill>
                   <a:srgbClr val="FFFF00"/>
                 </a:solidFill>
-                <a:hlinkClick r:id="rId3"/>
-              </a:rPr>
-              <a:t>https://</a:t>
-            </a:r>
-            <a:r>
-              <a:rPr lang="en-US" sz="3200" dirty="0" smtClean="0">
-                <a:solidFill>
-                  <a:srgbClr val="FFFF00"/>
-                </a:solidFill>
-                <a:hlinkClick r:id="rId3"/>
-              </a:rPr>
-              <a:t>en.wikipedia.org/wiki/Algorithm</a:t>
-            </a:r>
-            <a:endParaRPr lang="en-US" sz="3200" dirty="0" smtClean="0">
+                <a:hlinkClick r:id="rId3">
+                  <a:extLst>
+                    <a:ext uri="{A12FA001-AC4F-418D-AE19-62706E023703}">
+                      <ahyp:hlinkClr xmlns:ahyp="http://schemas.microsoft.com/office/drawing/2018/hyperlinkcolor" val="tx"/>
+                    </a:ext>
+                  </a:extLst>
+                </a:hlinkClick>
+              </a:rPr>
+              <a:t>https://en.wikipedia.org/wiki/Algorithm</a:t>
+            </a:r>
+            <a:endParaRPr lang="en-US" sz="3200" dirty="0">
               <a:solidFill>
                 <a:srgbClr val="FFFF00"/>
               </a:solidFill>
@@ -14429,20 +14246,17 @@
                 <a:solidFill>
                   <a:srgbClr val="FFFF00"/>
                 </a:solidFill>
-                <a:hlinkClick r:id="rId4"/>
-              </a:rPr>
-              <a:t>https://</a:t>
-            </a:r>
-            <a:r>
-              <a:rPr lang="en-US" sz="3200" dirty="0" smtClean="0">
-                <a:solidFill>
-                  <a:srgbClr val="FFFF00"/>
-                </a:solidFill>
-                <a:hlinkClick r:id="rId4"/>
-              </a:rPr>
-              <a:t>en.wikipedia.org/wiki/Data_structure</a:t>
-            </a:r>
-            <a:endParaRPr lang="en-US" sz="3200" dirty="0" smtClean="0">
+                <a:hlinkClick r:id="rId4">
+                  <a:extLst>
+                    <a:ext uri="{A12FA001-AC4F-418D-AE19-62706E023703}">
+                      <ahyp:hlinkClr xmlns:ahyp="http://schemas.microsoft.com/office/drawing/2018/hyperlinkcolor" val="tx"/>
+                    </a:ext>
+                  </a:extLst>
+                </a:hlinkClick>
+              </a:rPr>
+              <a:t>https://en.wikipedia.org/wiki/Data_structure</a:t>
+            </a:r>
+            <a:endParaRPr lang="en-US" sz="3200" dirty="0">
               <a:solidFill>
                 <a:srgbClr val="FFFF00"/>
               </a:solidFill>
@@ -14460,13 +14274,6 @@
   <p:clrMapOvr>
     <a:masterClrMapping/>
   </p:clrMapOvr>
-  <p:timing>
-    <p:tnLst>
-      <p:par>
-        <p:cTn xmlns:p14="http://schemas.microsoft.com/office/powerpoint/2010/main" id="1" dur="indefinite" restart="never" nodeType="tmRoot"/>
-      </p:par>
-    </p:tnLst>
-  </p:timing>
 </p:sld>
 </file>
 
@@ -14530,7 +14337,7 @@
               <a:buNone/>
             </a:pPr>
             <a:r>
-              <a:rPr lang="en-US" sz="2600" i="0" u="none" strike="noStrike" cap="none" dirty="0" err="1">
+              <a:rPr lang="en-US" sz="2600" b="1" i="0" u="none" strike="noStrike" cap="none" dirty="0" err="1">
                 <a:solidFill>
                   <a:srgbClr val="00FF00"/>
                 </a:solidFill>
@@ -14542,7 +14349,7 @@
               <a:t>numlist</a:t>
             </a:r>
             <a:r>
-              <a:rPr lang="en-US" sz="2600" i="0" u="none" strike="noStrike" cap="none" dirty="0">
+              <a:rPr lang="en-US" sz="2600" b="1" i="0" u="none" strike="noStrike" cap="none" dirty="0">
                 <a:solidFill>
                   <a:srgbClr val="00FF00"/>
                 </a:solidFill>
@@ -14573,7 +14380,7 @@
               <a:buNone/>
             </a:pPr>
             <a:r>
-              <a:rPr lang="en-US" sz="2600" i="0" u="none" strike="noStrike" cap="none" dirty="0">
+              <a:rPr lang="en-US" sz="2600" b="1" i="0" u="none" strike="noStrike" cap="none" dirty="0">
                 <a:solidFill>
                   <a:srgbClr val="FFFFFF"/>
                 </a:solidFill>
@@ -14604,7 +14411,7 @@
               <a:buNone/>
             </a:pPr>
             <a:r>
-              <a:rPr lang="en-US" sz="2600" i="0" u="none" strike="noStrike" cap="none" dirty="0">
+              <a:rPr lang="en-US" sz="2600" b="1" i="0" u="none" strike="noStrike" cap="none" dirty="0">
                 <a:solidFill>
                   <a:srgbClr val="FFFFFF"/>
                 </a:solidFill>
@@ -14616,7 +14423,7 @@
               <a:t>    </a:t>
             </a:r>
             <a:r>
-              <a:rPr lang="en-US" sz="2600" i="0" u="none" strike="noStrike" cap="none" dirty="0" err="1">
+              <a:rPr lang="en-US" sz="2600" b="1" i="0" u="none" strike="noStrike" cap="none" dirty="0" err="1">
                 <a:solidFill>
                   <a:srgbClr val="FFFFFF"/>
                 </a:solidFill>
@@ -14628,7 +14435,7 @@
               <a:t>inp</a:t>
             </a:r>
             <a:r>
-              <a:rPr lang="en-US" sz="2600" i="0" u="none" strike="noStrike" cap="none" dirty="0">
+              <a:rPr lang="en-US" sz="2600" b="1" i="0" u="none" strike="noStrike" cap="none" dirty="0">
                 <a:solidFill>
                   <a:srgbClr val="FFFFFF"/>
                 </a:solidFill>
@@ -14637,31 +14444,7 @@
                 <a:cs typeface="Courier"/>
                 <a:sym typeface="Courier New"/>
               </a:rPr>
-              <a:t> = </a:t>
-            </a:r>
-            <a:r>
-              <a:rPr lang="en-US" sz="2600" i="0" u="none" strike="noStrike" cap="none" dirty="0" smtClean="0">
-                <a:solidFill>
-                  <a:srgbClr val="FFFFFF"/>
-                </a:solidFill>
-                <a:latin typeface="Courier"/>
-                <a:ea typeface="Courier"/>
-                <a:cs typeface="Courier"/>
-                <a:sym typeface="Courier New"/>
-              </a:rPr>
-              <a:t>input</a:t>
-            </a:r>
-            <a:r>
-              <a:rPr lang="en-US" sz="2600" i="0" u="none" strike="noStrike" cap="none" dirty="0">
-                <a:solidFill>
-                  <a:srgbClr val="FFFFFF"/>
-                </a:solidFill>
-                <a:latin typeface="Courier"/>
-                <a:ea typeface="Courier"/>
-                <a:cs typeface="Courier"/>
-                <a:sym typeface="Courier New"/>
-              </a:rPr>
-              <a:t>('Enter a number: ')</a:t>
+              <a:t> = input('Enter a number: ')</a:t>
             </a:r>
           </a:p>
           <a:p>
@@ -14683,7 +14466,7 @@
               <a:buNone/>
             </a:pPr>
             <a:r>
-              <a:rPr lang="en-US" sz="2600" i="0" u="none" strike="noStrike" cap="none" dirty="0">
+              <a:rPr lang="en-US" sz="2600" b="1" i="0" u="none" strike="noStrike" cap="none" dirty="0">
                 <a:solidFill>
                   <a:srgbClr val="FFFFFF"/>
                 </a:solidFill>
@@ -14695,7 +14478,7 @@
               <a:t>    if </a:t>
             </a:r>
             <a:r>
-              <a:rPr lang="en-US" sz="2600" i="0" u="none" strike="noStrike" cap="none" dirty="0" err="1">
+              <a:rPr lang="en-US" sz="2600" b="1" i="0" u="none" strike="noStrike" cap="none" dirty="0" err="1">
                 <a:solidFill>
                   <a:srgbClr val="FFFFFF"/>
                 </a:solidFill>
@@ -14707,7 +14490,7 @@
               <a:t>inp</a:t>
             </a:r>
             <a:r>
-              <a:rPr lang="en-US" sz="2600" i="0" u="none" strike="noStrike" cap="none" dirty="0">
+              <a:rPr lang="en-US" sz="2600" b="1" i="0" u="none" strike="noStrike" cap="none" dirty="0">
                 <a:solidFill>
                   <a:srgbClr val="FFFFFF"/>
                 </a:solidFill>
@@ -14738,7 +14521,7 @@
               <a:buNone/>
             </a:pPr>
             <a:r>
-              <a:rPr lang="en-US" sz="2600" i="0" u="none" strike="noStrike" cap="none" dirty="0">
+              <a:rPr lang="en-US" sz="2600" b="1" i="0" u="none" strike="noStrike" cap="none" dirty="0">
                 <a:solidFill>
                   <a:srgbClr val="FFFFFF"/>
                 </a:solidFill>
@@ -14750,7 +14533,7 @@
               <a:t>    value = float(</a:t>
             </a:r>
             <a:r>
-              <a:rPr lang="en-US" sz="2600" i="0" u="none" strike="noStrike" cap="none" dirty="0" err="1">
+              <a:rPr lang="en-US" sz="2600" b="1" i="0" u="none" strike="noStrike" cap="none" dirty="0" err="1">
                 <a:solidFill>
                   <a:srgbClr val="FFFFFF"/>
                 </a:solidFill>
@@ -14762,7 +14545,7 @@
               <a:t>inp</a:t>
             </a:r>
             <a:r>
-              <a:rPr lang="en-US" sz="2600" i="0" u="none" strike="noStrike" cap="none" dirty="0">
+              <a:rPr lang="en-US" sz="2600" b="1" i="0" u="none" strike="noStrike" cap="none" dirty="0">
                 <a:solidFill>
                   <a:srgbClr val="FFFFFF"/>
                 </a:solidFill>
@@ -14793,7 +14576,7 @@
               <a:buNone/>
             </a:pPr>
             <a:r>
-              <a:rPr lang="en-US" sz="2600" i="0" u="none" strike="noStrike" cap="none" dirty="0">
+              <a:rPr lang="en-US" sz="2600" b="1" i="0" u="none" strike="noStrike" cap="none" dirty="0">
                 <a:solidFill>
                   <a:srgbClr val="00FF00"/>
                 </a:solidFill>
@@ -14805,7 +14588,7 @@
               <a:t>    </a:t>
             </a:r>
             <a:r>
-              <a:rPr lang="en-US" sz="2600" i="0" u="none" strike="noStrike" cap="none" dirty="0" err="1">
+              <a:rPr lang="en-US" sz="2600" b="1" i="0" u="none" strike="noStrike" cap="none" dirty="0" err="1">
                 <a:solidFill>
                   <a:srgbClr val="00FF00"/>
                 </a:solidFill>
@@ -14817,7 +14600,7 @@
               <a:t>numlist.append</a:t>
             </a:r>
             <a:r>
-              <a:rPr lang="en-US" sz="2600" i="0" u="none" strike="noStrike" cap="none" dirty="0">
+              <a:rPr lang="en-US" sz="2600" b="1" i="0" u="none" strike="noStrike" cap="none" dirty="0">
                 <a:solidFill>
                   <a:srgbClr val="00FF00"/>
                 </a:solidFill>
@@ -14842,7 +14625,7 @@
               </a:spcAft>
               <a:buNone/>
             </a:pPr>
-            <a:endParaRPr sz="2600" i="0" u="none" strike="noStrike" cap="none" dirty="0">
+            <a:endParaRPr sz="2600" b="1" i="0" u="none" strike="noStrike" cap="none" dirty="0">
               <a:solidFill>
                 <a:srgbClr val="FFFFFF"/>
               </a:solidFill>
@@ -14871,7 +14654,7 @@
               <a:buNone/>
             </a:pPr>
             <a:r>
-              <a:rPr lang="en-US" sz="2600" i="0" u="none" strike="noStrike" cap="none" dirty="0">
+              <a:rPr lang="en-US" sz="2600" b="1" i="0" u="none" strike="noStrike" cap="none" dirty="0">
                 <a:solidFill>
                   <a:srgbClr val="00FF00"/>
                 </a:solidFill>
@@ -14883,7 +14666,7 @@
               <a:t>average = sum(</a:t>
             </a:r>
             <a:r>
-              <a:rPr lang="en-US" sz="2600" i="0" u="none" strike="noStrike" cap="none" dirty="0" err="1">
+              <a:rPr lang="en-US" sz="2600" b="1" i="0" u="none" strike="noStrike" cap="none" dirty="0" err="1">
                 <a:solidFill>
                   <a:srgbClr val="00FF00"/>
                 </a:solidFill>
@@ -14895,7 +14678,7 @@
               <a:t>numlist</a:t>
             </a:r>
             <a:r>
-              <a:rPr lang="en-US" sz="2600" i="0" u="none" strike="noStrike" cap="none" dirty="0">
+              <a:rPr lang="en-US" sz="2600" b="1" i="0" u="none" strike="noStrike" cap="none" dirty="0">
                 <a:solidFill>
                   <a:srgbClr val="00FF00"/>
                 </a:solidFill>
@@ -14907,7 +14690,7 @@
               <a:t>) / </a:t>
             </a:r>
             <a:r>
-              <a:rPr lang="en-US" sz="2600" i="0" u="none" strike="noStrike" cap="none" dirty="0" err="1">
+              <a:rPr lang="en-US" sz="2600" b="1" i="0" u="none" strike="noStrike" cap="none" dirty="0" err="1">
                 <a:solidFill>
                   <a:srgbClr val="00FF00"/>
                 </a:solidFill>
@@ -14919,7 +14702,7 @@
               <a:t>len</a:t>
             </a:r>
             <a:r>
-              <a:rPr lang="en-US" sz="2600" i="0" u="none" strike="noStrike" cap="none" dirty="0">
+              <a:rPr lang="en-US" sz="2600" b="1" i="0" u="none" strike="noStrike" cap="none" dirty="0">
                 <a:solidFill>
                   <a:srgbClr val="00FF00"/>
                 </a:solidFill>
@@ -14931,7 +14714,7 @@
               <a:t>(</a:t>
             </a:r>
             <a:r>
-              <a:rPr lang="en-US" sz="2600" i="0" u="none" strike="noStrike" cap="none" dirty="0" err="1">
+              <a:rPr lang="en-US" sz="2600" b="1" i="0" u="none" strike="noStrike" cap="none" dirty="0" err="1">
                 <a:solidFill>
                   <a:srgbClr val="00FF00"/>
                 </a:solidFill>
@@ -14943,7 +14726,7 @@
               <a:t>numlist</a:t>
             </a:r>
             <a:r>
-              <a:rPr lang="en-US" sz="2600" i="0" u="none" strike="noStrike" cap="none" dirty="0">
+              <a:rPr lang="en-US" sz="2600" b="1" i="0" u="none" strike="noStrike" cap="none" dirty="0">
                 <a:solidFill>
                   <a:srgbClr val="00FF00"/>
                 </a:solidFill>
@@ -14974,7 +14757,7 @@
               <a:buNone/>
             </a:pPr>
             <a:r>
-              <a:rPr lang="en-US" sz="2600" i="0" u="none" strike="noStrike" cap="none" dirty="0" smtClean="0">
+              <a:rPr lang="en-US" sz="2600" b="1" i="0" u="none" strike="noStrike" cap="none" dirty="0">
                 <a:solidFill>
                   <a:srgbClr val="FFFFFF"/>
                 </a:solidFill>
@@ -14983,41 +14766,8 @@
                 <a:cs typeface="Courier"/>
                 <a:sym typeface="Courier New"/>
               </a:rPr>
-              <a:t>print('Average</a:t>
-            </a:r>
-            <a:r>
-              <a:rPr lang="en-US" sz="2600" i="0" u="none" strike="noStrike" cap="none" dirty="0">
-                <a:solidFill>
-                  <a:srgbClr val="FFFFFF"/>
-                </a:solidFill>
-                <a:latin typeface="Courier"/>
-                <a:ea typeface="Courier"/>
-                <a:cs typeface="Courier"/>
-                <a:sym typeface="Courier New"/>
-              </a:rPr>
-              <a:t>:', </a:t>
-            </a:r>
-            <a:r>
-              <a:rPr lang="en-US" sz="2600" i="0" u="none" strike="noStrike" cap="none" dirty="0" smtClean="0">
-                <a:solidFill>
-                  <a:srgbClr val="FFFFFF"/>
-                </a:solidFill>
-                <a:latin typeface="Courier"/>
-                <a:ea typeface="Courier"/>
-                <a:cs typeface="Courier"/>
-                <a:sym typeface="Courier New"/>
-              </a:rPr>
-              <a:t>average)</a:t>
-            </a:r>
-            <a:endParaRPr lang="en-US" sz="2600" i="0" u="none" strike="noStrike" cap="none" dirty="0">
-              <a:solidFill>
-                <a:srgbClr val="FFFFFF"/>
-              </a:solidFill>
-              <a:latin typeface="Courier"/>
-              <a:ea typeface="Courier"/>
-              <a:cs typeface="Courier"/>
-              <a:sym typeface="Courier New"/>
-            </a:endParaRPr>
+              <a:t>print('Average:', average)</a:t>
+            </a:r>
           </a:p>
         </p:txBody>
       </p:sp>
@@ -15064,7 +14814,7 @@
               <a:buNone/>
             </a:pPr>
             <a:r>
-              <a:rPr lang="en-US" sz="2600" i="0" u="none" strike="noStrike" cap="none" dirty="0">
+              <a:rPr lang="en-US" sz="2600" b="1" i="0" u="none" strike="noStrike" cap="none" dirty="0">
                 <a:solidFill>
                   <a:srgbClr val="FF00FF"/>
                 </a:solidFill>
@@ -15095,7 +14845,7 @@
               <a:buNone/>
             </a:pPr>
             <a:r>
-              <a:rPr lang="en-US" sz="2600" i="0" u="none" strike="noStrike" cap="none" dirty="0">
+              <a:rPr lang="en-US" sz="2600" b="1" i="0" u="none" strike="noStrike" cap="none" dirty="0">
                 <a:solidFill>
                   <a:srgbClr val="FF00FF"/>
                 </a:solidFill>
@@ -15126,7 +14876,7 @@
               <a:buNone/>
             </a:pPr>
             <a:r>
-              <a:rPr lang="en-US" sz="2600" i="0" u="none" strike="noStrike" cap="none" dirty="0">
+              <a:rPr lang="en-US" sz="2600" b="1" i="0" u="none" strike="noStrike" cap="none" dirty="0">
                 <a:solidFill>
                   <a:srgbClr val="FFFFFF"/>
                 </a:solidFill>
@@ -15157,7 +14907,7 @@
               <a:buNone/>
             </a:pPr>
             <a:r>
-              <a:rPr lang="en-US" sz="2600" i="0" u="none" strike="noStrike" cap="none" dirty="0">
+              <a:rPr lang="en-US" sz="2600" b="1" i="0" u="none" strike="noStrike" cap="none" dirty="0">
                 <a:solidFill>
                   <a:srgbClr val="FFFFFF"/>
                 </a:solidFill>
@@ -15169,7 +14919,7 @@
               <a:t>    </a:t>
             </a:r>
             <a:r>
-              <a:rPr lang="en-US" sz="2600" i="0" u="none" strike="noStrike" cap="none" dirty="0" err="1">
+              <a:rPr lang="en-US" sz="2600" b="1" i="0" u="none" strike="noStrike" cap="none" dirty="0" err="1">
                 <a:solidFill>
                   <a:srgbClr val="FFFFFF"/>
                 </a:solidFill>
@@ -15181,7 +14931,7 @@
               <a:t>inp</a:t>
             </a:r>
             <a:r>
-              <a:rPr lang="en-US" sz="2600" i="0" u="none" strike="noStrike" cap="none" dirty="0">
+              <a:rPr lang="en-US" sz="2600" b="1" i="0" u="none" strike="noStrike" cap="none" dirty="0">
                 <a:solidFill>
                   <a:srgbClr val="FFFFFF"/>
                 </a:solidFill>
@@ -15190,31 +14940,7 @@
                 <a:cs typeface="Courier"/>
                 <a:sym typeface="Courier New"/>
               </a:rPr>
-              <a:t> = </a:t>
-            </a:r>
-            <a:r>
-              <a:rPr lang="en-US" sz="2600" i="0" u="none" strike="noStrike" cap="none" dirty="0" smtClean="0">
-                <a:solidFill>
-                  <a:srgbClr val="FFFFFF"/>
-                </a:solidFill>
-                <a:latin typeface="Courier"/>
-                <a:ea typeface="Courier"/>
-                <a:cs typeface="Courier"/>
-                <a:sym typeface="Courier New"/>
-              </a:rPr>
-              <a:t>input</a:t>
-            </a:r>
-            <a:r>
-              <a:rPr lang="en-US" sz="2600" i="0" u="none" strike="noStrike" cap="none" dirty="0">
-                <a:solidFill>
-                  <a:srgbClr val="FFFFFF"/>
-                </a:solidFill>
-                <a:latin typeface="Courier"/>
-                <a:ea typeface="Courier"/>
-                <a:cs typeface="Courier"/>
-                <a:sym typeface="Courier New"/>
-              </a:rPr>
-              <a:t>('Enter a number: ')</a:t>
+              <a:t> = input('Enter a number: ')</a:t>
             </a:r>
           </a:p>
           <a:p>
@@ -15236,7 +14962,7 @@
               <a:buNone/>
             </a:pPr>
             <a:r>
-              <a:rPr lang="en-US" sz="2600" i="0" u="none" strike="noStrike" cap="none" dirty="0">
+              <a:rPr lang="en-US" sz="2600" b="1" i="0" u="none" strike="noStrike" cap="none" dirty="0">
                 <a:solidFill>
                   <a:srgbClr val="FFFFFF"/>
                 </a:solidFill>
@@ -15248,7 +14974,7 @@
               <a:t>    if </a:t>
             </a:r>
             <a:r>
-              <a:rPr lang="en-US" sz="2600" i="0" u="none" strike="noStrike" cap="none" dirty="0" err="1">
+              <a:rPr lang="en-US" sz="2600" b="1" i="0" u="none" strike="noStrike" cap="none" dirty="0" err="1">
                 <a:solidFill>
                   <a:srgbClr val="FFFFFF"/>
                 </a:solidFill>
@@ -15260,7 +14986,7 @@
               <a:t>inp</a:t>
             </a:r>
             <a:r>
-              <a:rPr lang="en-US" sz="2600" i="0" u="none" strike="noStrike" cap="none" dirty="0">
+              <a:rPr lang="en-US" sz="2600" b="1" i="0" u="none" strike="noStrike" cap="none" dirty="0">
                 <a:solidFill>
                   <a:srgbClr val="FFFFFF"/>
                 </a:solidFill>
@@ -15291,7 +15017,7 @@
               <a:buNone/>
             </a:pPr>
             <a:r>
-              <a:rPr lang="en-US" sz="2600" i="0" u="none" strike="noStrike" cap="none" dirty="0">
+              <a:rPr lang="en-US" sz="2600" b="1" i="0" u="none" strike="noStrike" cap="none" dirty="0">
                 <a:solidFill>
                   <a:srgbClr val="FFFFFF"/>
                 </a:solidFill>
@@ -15303,7 +15029,7 @@
               <a:t>    value = float(</a:t>
             </a:r>
             <a:r>
-              <a:rPr lang="en-US" sz="2600" i="0" u="none" strike="noStrike" cap="none" dirty="0" err="1">
+              <a:rPr lang="en-US" sz="2600" b="1" i="0" u="none" strike="noStrike" cap="none" dirty="0" err="1">
                 <a:solidFill>
                   <a:srgbClr val="FFFFFF"/>
                 </a:solidFill>
@@ -15315,7 +15041,7 @@
               <a:t>inp</a:t>
             </a:r>
             <a:r>
-              <a:rPr lang="en-US" sz="2600" i="0" u="none" strike="noStrike" cap="none" dirty="0">
+              <a:rPr lang="en-US" sz="2600" b="1" i="0" u="none" strike="noStrike" cap="none" dirty="0">
                 <a:solidFill>
                   <a:srgbClr val="FFFFFF"/>
                 </a:solidFill>
@@ -15346,7 +15072,7 @@
               <a:buNone/>
             </a:pPr>
             <a:r>
-              <a:rPr lang="en-US" sz="2600" i="0" u="none" strike="noStrike" cap="none" dirty="0">
+              <a:rPr lang="en-US" sz="2600" b="1" i="0" u="none" strike="noStrike" cap="none" dirty="0">
                 <a:solidFill>
                   <a:srgbClr val="FFFFFF"/>
                 </a:solidFill>
@@ -15358,7 +15084,7 @@
               <a:t>   </a:t>
             </a:r>
             <a:r>
-              <a:rPr lang="en-US" sz="2600" i="0" u="none" strike="noStrike" cap="none" dirty="0">
+              <a:rPr lang="en-US" sz="2600" b="1" i="0" u="none" strike="noStrike" cap="none" dirty="0">
                 <a:solidFill>
                   <a:srgbClr val="FF00FF"/>
                 </a:solidFill>
@@ -15389,7 +15115,7 @@
               <a:buNone/>
             </a:pPr>
             <a:r>
-              <a:rPr lang="en-US" sz="2600" i="0" u="none" strike="noStrike" cap="none" dirty="0">
+              <a:rPr lang="en-US" sz="2600" b="1" i="0" u="none" strike="noStrike" cap="none" dirty="0">
                 <a:solidFill>
                   <a:srgbClr val="FF00FF"/>
                 </a:solidFill>
@@ -15414,7 +15140,7 @@
               </a:spcAft>
               <a:buNone/>
             </a:pPr>
-            <a:endParaRPr sz="2600" i="0" u="none" strike="noStrike" cap="none" dirty="0">
+            <a:endParaRPr sz="2600" b="1" i="0" u="none" strike="noStrike" cap="none" dirty="0">
               <a:solidFill>
                 <a:srgbClr val="FFFFFF"/>
               </a:solidFill>
@@ -15443,7 +15169,7 @@
               <a:buNone/>
             </a:pPr>
             <a:r>
-              <a:rPr lang="en-US" sz="2600" i="0" u="none" strike="noStrike" cap="none" dirty="0">
+              <a:rPr lang="en-US" sz="2600" b="1" i="0" u="none" strike="noStrike" cap="none" dirty="0">
                 <a:solidFill>
                   <a:srgbClr val="FF00FF"/>
                 </a:solidFill>
@@ -15474,7 +15200,7 @@
               <a:buNone/>
             </a:pPr>
             <a:r>
-              <a:rPr lang="en-US" sz="2600" i="0" u="none" strike="noStrike" cap="none" dirty="0" smtClean="0">
+              <a:rPr lang="en-US" sz="2600" b="1" i="0" u="none" strike="noStrike" cap="none" dirty="0">
                 <a:solidFill>
                   <a:srgbClr val="FFFFFF"/>
                 </a:solidFill>
@@ -15483,41 +15209,8 @@
                 <a:cs typeface="Courier"/>
                 <a:sym typeface="Courier New"/>
               </a:rPr>
-              <a:t>print('Average</a:t>
-            </a:r>
-            <a:r>
-              <a:rPr lang="en-US" sz="2600" i="0" u="none" strike="noStrike" cap="none" dirty="0">
-                <a:solidFill>
-                  <a:srgbClr val="FFFFFF"/>
-                </a:solidFill>
-                <a:latin typeface="Courier"/>
-                <a:ea typeface="Courier"/>
-                <a:cs typeface="Courier"/>
-                <a:sym typeface="Courier New"/>
-              </a:rPr>
-              <a:t>:', </a:t>
-            </a:r>
-            <a:r>
-              <a:rPr lang="en-US" sz="2600" i="0" u="none" strike="noStrike" cap="none" dirty="0" smtClean="0">
-                <a:solidFill>
-                  <a:srgbClr val="FFFFFF"/>
-                </a:solidFill>
-                <a:latin typeface="Courier"/>
-                <a:ea typeface="Courier"/>
-                <a:cs typeface="Courier"/>
-                <a:sym typeface="Courier New"/>
-              </a:rPr>
-              <a:t>average)</a:t>
-            </a:r>
-            <a:endParaRPr lang="en-US" sz="2600" i="0" u="none" strike="noStrike" cap="none" dirty="0">
-              <a:solidFill>
-                <a:srgbClr val="FFFFFF"/>
-              </a:solidFill>
-              <a:latin typeface="Courier"/>
-              <a:ea typeface="Courier"/>
-              <a:cs typeface="Courier"/>
-              <a:sym typeface="Courier New"/>
-            </a:endParaRPr>
+              <a:t>print('Average:', average)</a:t>
+            </a:r>
           </a:p>
         </p:txBody>
       </p:sp>
@@ -15755,13 +15448,6 @@
   <p:clrMapOvr>
     <a:masterClrMapping/>
   </p:clrMapOvr>
-  <p:timing>
-    <p:tnLst>
-      <p:par>
-        <p:cTn xmlns:p14="http://schemas.microsoft.com/office/powerpoint/2010/main" id="1" dur="indefinite" restart="never" nodeType="tmRoot"/>
-      </p:par>
-    </p:tnLst>
-  </p:timing>
 </p:sld>
 </file>
 
@@ -15882,7 +15568,7 @@
               <a:buNone/>
             </a:pPr>
             <a:r>
-              <a:rPr lang="en-US" sz="3000" i="0" u="none" strike="noStrike" cap="none" dirty="0">
+              <a:rPr lang="en-US" sz="3000" b="1" i="0" u="none" strike="noStrike" cap="none" dirty="0">
                 <a:solidFill>
                   <a:schemeClr val="lt1"/>
                 </a:solidFill>
@@ -15894,7 +15580,7 @@
               <a:t>&gt;&gt;&gt; </a:t>
             </a:r>
             <a:r>
-              <a:rPr lang="en-US" sz="3000" i="0" u="none" strike="noStrike" cap="none" dirty="0" err="1">
+              <a:rPr lang="en-US" sz="3000" b="1" i="0" u="none" strike="noStrike" cap="none" dirty="0" err="1">
                 <a:solidFill>
                   <a:srgbClr val="00FF00"/>
                 </a:solidFill>
@@ -15906,7 +15592,7 @@
               <a:t>abc</a:t>
             </a:r>
             <a:r>
-              <a:rPr lang="en-US" sz="3000" i="0" u="none" strike="noStrike" cap="none" dirty="0">
+              <a:rPr lang="en-US" sz="3000" b="1" i="0" u="none" strike="noStrike" cap="none" dirty="0">
                 <a:solidFill>
                   <a:srgbClr val="FF7F00"/>
                 </a:solidFill>
@@ -15918,7 +15604,7 @@
               <a:t> </a:t>
             </a:r>
             <a:r>
-              <a:rPr lang="en-US" sz="3000" i="0" u="none" strike="noStrike" cap="none" dirty="0">
+              <a:rPr lang="en-US" sz="3000" b="1" i="0" u="none" strike="noStrike" cap="none" dirty="0">
                 <a:solidFill>
                   <a:srgbClr val="00FF00"/>
                 </a:solidFill>
@@ -15930,7 +15616,7 @@
               <a:t>=</a:t>
             </a:r>
             <a:r>
-              <a:rPr lang="en-US" sz="3000" i="0" u="none" strike="noStrike" cap="none" dirty="0">
+              <a:rPr lang="en-US" sz="3000" b="1" i="0" u="none" strike="noStrike" cap="none" dirty="0">
                 <a:solidFill>
                   <a:srgbClr val="FF7F00"/>
                 </a:solidFill>
@@ -15942,7 +15628,7 @@
               <a:t> 'With three words</a:t>
             </a:r>
             <a:r>
-              <a:rPr lang="en-US" sz="3000" dirty="0">
+              <a:rPr lang="en-US" sz="3000" b="1" dirty="0">
                 <a:solidFill>
                   <a:srgbClr val="FF7F00"/>
                 </a:solidFill>
@@ -15973,7 +15659,7 @@
               <a:buNone/>
             </a:pPr>
             <a:r>
-              <a:rPr lang="en-US" sz="3000" i="0" u="none" strike="noStrike" cap="none" dirty="0">
+              <a:rPr lang="en-US" sz="3000" b="1" i="0" u="none" strike="noStrike" cap="none" dirty="0">
                 <a:solidFill>
                   <a:schemeClr val="lt1"/>
                 </a:solidFill>
@@ -15985,7 +15671,7 @@
               <a:t>&gt;&gt;&gt; </a:t>
             </a:r>
             <a:r>
-              <a:rPr lang="en-US" sz="3000" i="0" u="none" strike="noStrike" cap="none" dirty="0">
+              <a:rPr lang="en-US" sz="3000" b="1" i="0" u="none" strike="noStrike" cap="none" dirty="0">
                 <a:solidFill>
                   <a:srgbClr val="00FF00"/>
                 </a:solidFill>
@@ -15997,7 +15683,7 @@
               <a:t>stuff</a:t>
             </a:r>
             <a:r>
-              <a:rPr lang="en-US" sz="3000" i="0" u="none" strike="noStrike" cap="none" dirty="0">
+              <a:rPr lang="en-US" sz="3000" b="1" i="0" u="none" strike="noStrike" cap="none" dirty="0">
                 <a:solidFill>
                   <a:srgbClr val="FF7F00"/>
                 </a:solidFill>
@@ -16009,7 +15695,7 @@
               <a:t> =</a:t>
             </a:r>
             <a:r>
-              <a:rPr lang="en-US" sz="3000" i="0" u="none" strike="noStrike" cap="none" dirty="0">
+              <a:rPr lang="en-US" sz="3000" b="1" i="0" u="none" strike="noStrike" cap="none" dirty="0">
                 <a:solidFill>
                   <a:srgbClr val="00FF00"/>
                 </a:solidFill>
@@ -16021,7 +15707,7 @@
               <a:t> </a:t>
             </a:r>
             <a:r>
-              <a:rPr lang="en-US" sz="3000" i="0" u="none" strike="noStrike" cap="none" dirty="0" err="1">
+              <a:rPr lang="en-US" sz="3000" b="1" i="0" u="none" strike="noStrike" cap="none" dirty="0" err="1">
                 <a:solidFill>
                   <a:srgbClr val="00FF00"/>
                 </a:solidFill>
@@ -16033,7 +15719,7 @@
               <a:t>abc</a:t>
             </a:r>
             <a:r>
-              <a:rPr lang="en-US" sz="3000" i="0" u="none" strike="noStrike" cap="none" dirty="0" err="1">
+              <a:rPr lang="en-US" sz="3000" b="1" i="0" u="none" strike="noStrike" cap="none" dirty="0" err="1">
                 <a:solidFill>
                   <a:srgbClr val="FF00FF"/>
                 </a:solidFill>
@@ -16045,7 +15731,7 @@
               <a:t>.split</a:t>
             </a:r>
             <a:r>
-              <a:rPr lang="en-US" sz="3000" i="0" u="none" strike="noStrike" cap="none" dirty="0">
+              <a:rPr lang="en-US" sz="3000" b="1" i="0" u="none" strike="noStrike" cap="none" dirty="0">
                 <a:solidFill>
                   <a:schemeClr val="lt1"/>
                 </a:solidFill>
@@ -16065,7 +15751,7 @@
               <a:buSzPct val="25000"/>
             </a:pPr>
             <a:r>
-              <a:rPr lang="en-US" sz="3000" i="0" u="none" strike="noStrike" cap="none" dirty="0">
+              <a:rPr lang="en-US" sz="3000" b="1" i="0" u="none" strike="noStrike" cap="none" dirty="0">
                 <a:solidFill>
                   <a:schemeClr val="lt1"/>
                 </a:solidFill>
@@ -16077,7 +15763,7 @@
               <a:t>&gt;&gt;&gt; </a:t>
             </a:r>
             <a:r>
-              <a:rPr lang="en-US" sz="3000" i="0" u="none" strike="noStrike" cap="none" dirty="0" smtClean="0">
+              <a:rPr lang="en-US" sz="3000" b="1" i="0" u="none" strike="noStrike" cap="none" dirty="0">
                 <a:solidFill>
                   <a:srgbClr val="FFFF00"/>
                 </a:solidFill>
@@ -16089,7 +15775,7 @@
               <a:t>print</a:t>
             </a:r>
             <a:r>
-              <a:rPr lang="en-US" sz="3000" dirty="0" smtClean="0">
+              <a:rPr lang="en-US" sz="3000" b="1" dirty="0">
                 <a:solidFill>
                   <a:schemeClr val="lt1"/>
                 </a:solidFill>
@@ -16101,7 +15787,7 @@
               <a:t>(</a:t>
             </a:r>
             <a:r>
-              <a:rPr lang="en-US" sz="3000" i="0" u="none" strike="noStrike" cap="none" dirty="0" smtClean="0">
+              <a:rPr lang="en-US" sz="3000" b="1" i="0" u="none" strike="noStrike" cap="none" dirty="0">
                 <a:solidFill>
                   <a:srgbClr val="00FF00"/>
                 </a:solidFill>
@@ -16113,7 +15799,7 @@
               <a:t>stuff</a:t>
             </a:r>
             <a:r>
-              <a:rPr lang="en-US" sz="3000" dirty="0" smtClean="0">
+              <a:rPr lang="en-US" sz="3000" b="1" dirty="0">
                 <a:solidFill>
                   <a:srgbClr val="FFFF00"/>
                 </a:solidFill>
@@ -16124,7 +15810,7 @@
               </a:rPr>
               <a:t>)</a:t>
             </a:r>
-            <a:endParaRPr lang="en-US" sz="3000" i="0" u="none" strike="noStrike" cap="none" dirty="0">
+            <a:endParaRPr lang="en-US" sz="3000" b="1" i="0" u="none" strike="noStrike" cap="none" dirty="0">
               <a:solidFill>
                 <a:srgbClr val="00FF00"/>
               </a:solidFill>
@@ -16153,7 +15839,7 @@
               <a:buNone/>
             </a:pPr>
             <a:r>
-              <a:rPr lang="en-US" sz="3000" i="0" u="none" strike="noStrike" cap="none" dirty="0">
+              <a:rPr lang="en-US" sz="3000" b="1" i="0" u="none" strike="noStrike" cap="none" dirty="0">
                 <a:solidFill>
                   <a:schemeClr val="lt1"/>
                 </a:solidFill>
@@ -16173,7 +15859,7 @@
               <a:buSzPct val="25000"/>
             </a:pPr>
             <a:r>
-              <a:rPr lang="en-US" sz="3000" i="0" u="none" strike="noStrike" cap="none" dirty="0">
+              <a:rPr lang="en-US" sz="3000" b="1" i="0" u="none" strike="noStrike" cap="none" dirty="0">
                 <a:solidFill>
                   <a:schemeClr val="lt1"/>
                 </a:solidFill>
@@ -16185,7 +15871,7 @@
               <a:t>&gt;&gt;&gt; </a:t>
             </a:r>
             <a:r>
-              <a:rPr lang="en-US" sz="3000" i="0" u="none" strike="noStrike" cap="none" dirty="0" smtClean="0">
+              <a:rPr lang="en-US" sz="3000" b="1" i="0" u="none" strike="noStrike" cap="none" dirty="0">
                 <a:solidFill>
                   <a:srgbClr val="FFFF00"/>
                 </a:solidFill>
@@ -16197,7 +15883,7 @@
               <a:t>print(</a:t>
             </a:r>
             <a:r>
-              <a:rPr lang="en-US" sz="3000" i="0" u="none" strike="noStrike" cap="none" dirty="0" err="1" smtClean="0">
+              <a:rPr lang="en-US" sz="3000" b="1" i="0" u="none" strike="noStrike" cap="none" dirty="0" err="1">
                 <a:solidFill>
                   <a:srgbClr val="FF00FF"/>
                 </a:solidFill>
@@ -16209,7 +15895,7 @@
               <a:t>len</a:t>
             </a:r>
             <a:r>
-              <a:rPr lang="en-US" sz="3000" i="0" u="none" strike="noStrike" cap="none" dirty="0" smtClean="0">
+              <a:rPr lang="en-US" sz="3000" b="1" i="0" u="none" strike="noStrike" cap="none" dirty="0">
                 <a:solidFill>
                   <a:schemeClr val="lt1"/>
                 </a:solidFill>
@@ -16221,7 +15907,7 @@
               <a:t>(</a:t>
             </a:r>
             <a:r>
-              <a:rPr lang="en-US" sz="3000" i="0" u="none" strike="noStrike" cap="none" dirty="0" smtClean="0">
+              <a:rPr lang="en-US" sz="3000" b="1" i="0" u="none" strike="noStrike" cap="none" dirty="0">
                 <a:solidFill>
                   <a:srgbClr val="00FF00"/>
                 </a:solidFill>
@@ -16233,7 +15919,7 @@
               <a:t>stuff</a:t>
             </a:r>
             <a:r>
-              <a:rPr lang="en-US" sz="3000" i="0" u="none" strike="noStrike" cap="none" dirty="0" smtClean="0">
+              <a:rPr lang="en-US" sz="3000" b="1" i="0" u="none" strike="noStrike" cap="none" dirty="0">
                 <a:solidFill>
                   <a:schemeClr val="lt1"/>
                 </a:solidFill>
@@ -16245,7 +15931,7 @@
               <a:t>)</a:t>
             </a:r>
             <a:r>
-              <a:rPr lang="en-US" sz="3000" dirty="0" smtClean="0">
+              <a:rPr lang="en-US" sz="3000" b="1" dirty="0">
                 <a:solidFill>
                   <a:srgbClr val="FFFF00"/>
                 </a:solidFill>
@@ -16256,7 +15942,7 @@
               </a:rPr>
               <a:t>)</a:t>
             </a:r>
-            <a:endParaRPr lang="en-US" sz="3000" i="0" u="none" strike="noStrike" cap="none" dirty="0">
+            <a:endParaRPr lang="en-US" sz="3000" b="1" i="0" u="none" strike="noStrike" cap="none" dirty="0">
               <a:solidFill>
                 <a:schemeClr val="lt1"/>
               </a:solidFill>
@@ -16285,7 +15971,7 @@
               <a:buNone/>
             </a:pPr>
             <a:r>
-              <a:rPr lang="en-US" sz="3000" i="0" u="none" strike="noStrike" cap="none" dirty="0">
+              <a:rPr lang="en-US" sz="3000" b="1" i="0" u="none" strike="noStrike" cap="none" dirty="0">
                 <a:solidFill>
                   <a:schemeClr val="lt1"/>
                 </a:solidFill>
@@ -16305,7 +15991,7 @@
               <a:buSzPct val="25000"/>
             </a:pPr>
             <a:r>
-              <a:rPr lang="en-US" sz="3000" i="0" u="none" strike="noStrike" cap="none" dirty="0">
+              <a:rPr lang="en-US" sz="3000" b="1" i="0" u="none" strike="noStrike" cap="none" dirty="0">
                 <a:solidFill>
                   <a:schemeClr val="lt1"/>
                 </a:solidFill>
@@ -16317,7 +16003,7 @@
               <a:t>&gt;&gt;&gt; </a:t>
             </a:r>
             <a:r>
-              <a:rPr lang="en-US" sz="3000" i="0" u="none" strike="noStrike" cap="none" dirty="0" smtClean="0">
+              <a:rPr lang="en-US" sz="3000" b="1" i="0" u="none" strike="noStrike" cap="none" dirty="0">
                 <a:solidFill>
                   <a:srgbClr val="FFFF00"/>
                 </a:solidFill>
@@ -16329,7 +16015,7 @@
               <a:t>print(</a:t>
             </a:r>
             <a:r>
-              <a:rPr lang="en-US" sz="3000" i="0" u="none" strike="noStrike" cap="none" dirty="0" smtClean="0">
+              <a:rPr lang="en-US" sz="3000" b="1" i="0" u="none" strike="noStrike" cap="none" dirty="0">
                 <a:solidFill>
                   <a:srgbClr val="00FF00"/>
                 </a:solidFill>
@@ -16341,7 +16027,7 @@
               <a:t>stuff</a:t>
             </a:r>
             <a:r>
-              <a:rPr lang="en-US" sz="3000" i="0" u="none" strike="noStrike" cap="none" dirty="0" smtClean="0">
+              <a:rPr lang="en-US" sz="3000" b="1" i="0" u="none" strike="noStrike" cap="none" dirty="0">
                 <a:solidFill>
                   <a:srgbClr val="00FFFF"/>
                 </a:solidFill>
@@ -16353,7 +16039,7 @@
               <a:t>[</a:t>
             </a:r>
             <a:r>
-              <a:rPr lang="en-US" sz="3000" i="0" u="none" strike="noStrike" cap="none" dirty="0" smtClean="0">
+              <a:rPr lang="en-US" sz="3000" b="1" i="0" u="none" strike="noStrike" cap="none" dirty="0">
                 <a:solidFill>
                   <a:srgbClr val="FF7F00"/>
                 </a:solidFill>
@@ -16365,7 +16051,7 @@
               <a:t>0</a:t>
             </a:r>
             <a:r>
-              <a:rPr lang="en-US" sz="3000" i="0" u="none" strike="noStrike" cap="none" dirty="0" smtClean="0">
+              <a:rPr lang="en-US" sz="3000" b="1" i="0" u="none" strike="noStrike" cap="none" dirty="0">
                 <a:solidFill>
                   <a:srgbClr val="00FFFF"/>
                 </a:solidFill>
@@ -16377,7 +16063,7 @@
               <a:t>]</a:t>
             </a:r>
             <a:r>
-              <a:rPr lang="en-US" sz="3000" dirty="0" smtClean="0">
+              <a:rPr lang="en-US" sz="3000" b="1" dirty="0">
                 <a:solidFill>
                   <a:srgbClr val="FFFF00"/>
                 </a:solidFill>
@@ -16388,7 +16074,7 @@
               </a:rPr>
               <a:t>)</a:t>
             </a:r>
-            <a:endParaRPr lang="en-US" sz="3000" i="0" u="none" strike="noStrike" cap="none" dirty="0">
+            <a:endParaRPr lang="en-US" sz="3000" b="1" i="0" u="none" strike="noStrike" cap="none" dirty="0">
               <a:solidFill>
                 <a:srgbClr val="00FFFF"/>
               </a:solidFill>
@@ -16417,7 +16103,7 @@
               <a:buNone/>
             </a:pPr>
             <a:r>
-              <a:rPr lang="en-US" sz="3000" i="0" u="none" strike="noStrike" cap="none" dirty="0">
+              <a:rPr lang="en-US" sz="3000" b="1" i="0" u="none" strike="noStrike" cap="none" dirty="0">
                 <a:solidFill>
                   <a:schemeClr val="lt1"/>
                 </a:solidFill>
@@ -16463,7 +16149,7 @@
               <a:buSzPct val="25000"/>
             </a:pPr>
             <a:r>
-              <a:rPr lang="en-US" sz="3000" i="0" u="none" strike="noStrike" cap="none" dirty="0">
+              <a:rPr lang="en-US" sz="3000" b="1" i="0" u="none" strike="noStrike" cap="none" dirty="0">
                 <a:solidFill>
                   <a:schemeClr val="lt1"/>
                 </a:solidFill>
@@ -16475,7 +16161,7 @@
               <a:t>&gt;&gt;&gt; </a:t>
             </a:r>
             <a:r>
-              <a:rPr lang="en-US" sz="3000" i="0" u="none" strike="noStrike" cap="none" dirty="0" smtClean="0">
+              <a:rPr lang="en-US" sz="3000" b="1" i="0" u="none" strike="noStrike" cap="none" dirty="0">
                 <a:solidFill>
                   <a:srgbClr val="FFFF00"/>
                 </a:solidFill>
@@ -16487,7 +16173,7 @@
               <a:t>print(</a:t>
             </a:r>
             <a:r>
-              <a:rPr lang="en-US" sz="3000" i="0" u="none" strike="noStrike" cap="none" dirty="0" smtClean="0">
+              <a:rPr lang="en-US" sz="3000" b="1" i="0" u="none" strike="noStrike" cap="none" dirty="0">
                 <a:solidFill>
                   <a:srgbClr val="00FF00"/>
                 </a:solidFill>
@@ -16499,7 +16185,7 @@
               <a:t>stuff</a:t>
             </a:r>
             <a:r>
-              <a:rPr lang="en-US" sz="3000" dirty="0" smtClean="0">
+              <a:rPr lang="en-US" sz="3000" b="1" dirty="0">
                 <a:solidFill>
                   <a:srgbClr val="FFFF00"/>
                 </a:solidFill>
@@ -16510,7 +16196,7 @@
               </a:rPr>
               <a:t>)</a:t>
             </a:r>
-            <a:endParaRPr lang="en-US" sz="3000" i="0" u="none" strike="noStrike" cap="none" dirty="0">
+            <a:endParaRPr lang="en-US" sz="3000" b="1" i="0" u="none" strike="noStrike" cap="none" dirty="0">
               <a:solidFill>
                 <a:srgbClr val="00FF00"/>
               </a:solidFill>
@@ -16539,40 +16225,16 @@
               <a:buNone/>
             </a:pPr>
             <a:r>
-              <a:rPr lang="en-US" sz="3000" i="0" u="none" strike="noStrike" cap="none" dirty="0">
-                <a:solidFill>
-                  <a:schemeClr val="lt1"/>
-                </a:solidFill>
-                <a:latin typeface="Courier"/>
-                <a:ea typeface="Courier"/>
-                <a:cs typeface="Courier"/>
-                <a:sym typeface="Courier New"/>
-              </a:rPr>
-              <a:t>['With', </a:t>
-            </a:r>
-            <a:r>
-              <a:rPr lang="en-US" sz="3000" i="0" u="none" strike="noStrike" cap="none" dirty="0" smtClean="0">
-                <a:solidFill>
-                  <a:schemeClr val="lt1"/>
-                </a:solidFill>
-                <a:latin typeface="Courier"/>
-                <a:ea typeface="Courier"/>
-                <a:cs typeface="Courier"/>
-                <a:sym typeface="Courier New"/>
-              </a:rPr>
-              <a:t>'three</a:t>
-            </a:r>
-            <a:r>
-              <a:rPr lang="en-US" sz="3000" i="0" u="none" strike="noStrike" cap="none" dirty="0">
-                <a:solidFill>
-                  <a:schemeClr val="lt1"/>
-                </a:solidFill>
-                <a:latin typeface="Courier"/>
-                <a:ea typeface="Courier"/>
-                <a:cs typeface="Courier"/>
-                <a:sym typeface="Courier New"/>
-              </a:rPr>
-              <a:t>', 'words']</a:t>
+              <a:rPr lang="en-US" sz="3000" b="1" i="0" u="none" strike="noStrike" cap="none" dirty="0">
+                <a:solidFill>
+                  <a:schemeClr val="lt1"/>
+                </a:solidFill>
+                <a:latin typeface="Courier"/>
+                <a:ea typeface="Courier"/>
+                <a:cs typeface="Courier"/>
+                <a:sym typeface="Courier New"/>
+              </a:rPr>
+              <a:t>['With', 'three', 'words']</a:t>
             </a:r>
           </a:p>
           <a:p>
@@ -16594,7 +16256,7 @@
               <a:buNone/>
             </a:pPr>
             <a:r>
-              <a:rPr lang="en-US" sz="3000" i="0" u="none" strike="noStrike" cap="none" dirty="0">
+              <a:rPr lang="en-US" sz="3000" b="1" i="0" u="none" strike="noStrike" cap="none" dirty="0">
                 <a:solidFill>
                   <a:schemeClr val="lt1"/>
                 </a:solidFill>
@@ -16606,7 +16268,7 @@
               <a:t>&gt;&gt;&gt; </a:t>
             </a:r>
             <a:r>
-              <a:rPr lang="en-US" sz="3000" i="0" u="none" strike="noStrike" cap="none" dirty="0">
+              <a:rPr lang="en-US" sz="3000" b="1" i="0" u="none" strike="noStrike" cap="none" dirty="0">
                 <a:solidFill>
                   <a:srgbClr val="FFFF00"/>
                 </a:solidFill>
@@ -16618,7 +16280,7 @@
               <a:t>for</a:t>
             </a:r>
             <a:r>
-              <a:rPr lang="en-US" sz="3000" i="0" u="none" strike="noStrike" cap="none" dirty="0">
+              <a:rPr lang="en-US" sz="3000" b="1" i="0" u="none" strike="noStrike" cap="none" dirty="0">
                 <a:solidFill>
                   <a:srgbClr val="FF7F00"/>
                 </a:solidFill>
@@ -16630,7 +16292,7 @@
               <a:t> </a:t>
             </a:r>
             <a:r>
-              <a:rPr lang="en-US" sz="3000" i="0" u="none" strike="noStrike" cap="none" dirty="0">
+              <a:rPr lang="en-US" sz="3000" b="1" i="0" u="none" strike="noStrike" cap="none" dirty="0">
                 <a:solidFill>
                   <a:srgbClr val="00FF00"/>
                 </a:solidFill>
@@ -16642,7 +16304,7 @@
               <a:t>w</a:t>
             </a:r>
             <a:r>
-              <a:rPr lang="en-US" sz="3000" i="0" u="none" strike="noStrike" cap="none" dirty="0">
+              <a:rPr lang="en-US" sz="3000" b="1" i="0" u="none" strike="noStrike" cap="none" dirty="0">
                 <a:solidFill>
                   <a:srgbClr val="FF7F00"/>
                 </a:solidFill>
@@ -16654,7 +16316,7 @@
               <a:t> </a:t>
             </a:r>
             <a:r>
-              <a:rPr lang="en-US" sz="3000" i="0" u="none" strike="noStrike" cap="none" dirty="0">
+              <a:rPr lang="en-US" sz="3000" b="1" i="0" u="none" strike="noStrike" cap="none" dirty="0">
                 <a:solidFill>
                   <a:srgbClr val="FFFF00"/>
                 </a:solidFill>
@@ -16666,7 +16328,7 @@
               <a:t>in</a:t>
             </a:r>
             <a:r>
-              <a:rPr lang="en-US" sz="3000" i="0" u="none" strike="noStrike" cap="none" dirty="0">
+              <a:rPr lang="en-US" sz="3000" b="1" i="0" u="none" strike="noStrike" cap="none" dirty="0">
                 <a:solidFill>
                   <a:srgbClr val="FF7F00"/>
                 </a:solidFill>
@@ -16678,7 +16340,7 @@
               <a:t> </a:t>
             </a:r>
             <a:r>
-              <a:rPr lang="en-US" sz="3000" i="0" u="none" strike="noStrike" cap="none" dirty="0">
+              <a:rPr lang="en-US" sz="3000" b="1" i="0" u="none" strike="noStrike" cap="none" dirty="0">
                 <a:solidFill>
                   <a:srgbClr val="00FF00"/>
                 </a:solidFill>
@@ -16690,7 +16352,7 @@
               <a:t>stuff </a:t>
             </a:r>
             <a:r>
-              <a:rPr lang="en-US" sz="3000" i="0" u="none" strike="noStrike" cap="none" dirty="0">
+              <a:rPr lang="en-US" sz="3000" b="1" i="0" u="none" strike="noStrike" cap="none" dirty="0">
                 <a:solidFill>
                   <a:schemeClr val="lt1"/>
                 </a:solidFill>
@@ -16710,7 +16372,7 @@
               <a:buSzPct val="25000"/>
             </a:pPr>
             <a:r>
-              <a:rPr lang="en-US" sz="3000" i="0" u="none" strike="noStrike" cap="none" dirty="0">
+              <a:rPr lang="en-US" sz="3000" b="1" i="0" u="none" strike="noStrike" cap="none" dirty="0">
                 <a:solidFill>
                   <a:schemeClr val="lt1"/>
                 </a:solidFill>
@@ -16722,7 +16384,7 @@
               <a:t>... </a:t>
             </a:r>
             <a:r>
-              <a:rPr lang="en-US" sz="3000" dirty="0">
+              <a:rPr lang="en-US" sz="3000" b="1" dirty="0">
                 <a:solidFill>
                   <a:schemeClr val="lt1"/>
                 </a:solidFill>
@@ -16734,7 +16396,7 @@
               <a:t>    </a:t>
             </a:r>
             <a:r>
-              <a:rPr lang="en-US" sz="3000" i="0" u="none" strike="noStrike" cap="none" dirty="0" smtClean="0">
+              <a:rPr lang="en-US" sz="3000" b="1" i="0" u="none" strike="noStrike" cap="none" dirty="0">
                 <a:solidFill>
                   <a:srgbClr val="FFFF00"/>
                 </a:solidFill>
@@ -16746,7 +16408,7 @@
               <a:t>print(</a:t>
             </a:r>
             <a:r>
-              <a:rPr lang="en-US" sz="3000" i="0" u="none" strike="noStrike" cap="none" dirty="0" smtClean="0">
+              <a:rPr lang="en-US" sz="3000" b="1" i="0" u="none" strike="noStrike" cap="none" dirty="0">
                 <a:solidFill>
                   <a:srgbClr val="00FF00"/>
                 </a:solidFill>
@@ -16758,7 +16420,7 @@
               <a:t>w</a:t>
             </a:r>
             <a:r>
-              <a:rPr lang="en-US" sz="3000" dirty="0" smtClean="0">
+              <a:rPr lang="en-US" sz="3000" b="1" dirty="0">
                 <a:solidFill>
                   <a:srgbClr val="FFFF00"/>
                 </a:solidFill>
@@ -16769,7 +16431,7 @@
               </a:rPr>
               <a:t>)</a:t>
             </a:r>
-            <a:endParaRPr lang="en-US" sz="3000" i="0" u="none" strike="noStrike" cap="none" dirty="0">
+            <a:endParaRPr lang="en-US" sz="3000" b="1" i="0" u="none" strike="noStrike" cap="none" dirty="0">
               <a:solidFill>
                 <a:srgbClr val="00FF00"/>
               </a:solidFill>
@@ -16798,7 +16460,7 @@
               <a:buNone/>
             </a:pPr>
             <a:r>
-              <a:rPr lang="en-US" sz="3000" i="0" u="none" strike="noStrike" cap="none" dirty="0">
+              <a:rPr lang="en-US" sz="3000" b="1" i="0" u="none" strike="noStrike" cap="none" dirty="0">
                 <a:solidFill>
                   <a:schemeClr val="lt1"/>
                 </a:solidFill>
@@ -16829,7 +16491,7 @@
               <a:buNone/>
             </a:pPr>
             <a:r>
-              <a:rPr lang="en-US" sz="3000" i="0" u="none" strike="noStrike" cap="none" dirty="0">
+              <a:rPr lang="en-US" sz="3000" b="1" i="0" u="none" strike="noStrike" cap="none" dirty="0">
                 <a:solidFill>
                   <a:schemeClr val="lt1"/>
                 </a:solidFill>
@@ -16860,7 +16522,7 @@
               <a:buNone/>
             </a:pPr>
             <a:r>
-              <a:rPr lang="en-US" sz="3000" i="0" u="none" strike="noStrike" cap="none" dirty="0">
+              <a:rPr lang="en-US" sz="3000" b="1" i="0" u="none" strike="noStrike" cap="none" dirty="0">
                 <a:solidFill>
                   <a:schemeClr val="lt1"/>
                 </a:solidFill>
@@ -16891,7 +16553,7 @@
               <a:buNone/>
             </a:pPr>
             <a:r>
-              <a:rPr lang="en-US" sz="3000" i="0" u="none" strike="noStrike" cap="none" dirty="0">
+              <a:rPr lang="en-US" sz="3000" b="1" i="0" u="none" strike="noStrike" cap="none" dirty="0">
                 <a:solidFill>
                   <a:schemeClr val="lt1"/>
                 </a:solidFill>
@@ -16922,7 +16584,7 @@
               <a:buNone/>
             </a:pPr>
             <a:r>
-              <a:rPr lang="en-US" sz="3000" i="0" u="none" strike="noStrike" cap="none" dirty="0">
+              <a:rPr lang="en-US" sz="3000" b="1" i="0" u="none" strike="noStrike" cap="none" dirty="0">
                 <a:solidFill>
                   <a:schemeClr val="lt1"/>
                 </a:solidFill>
@@ -17121,7 +16783,7 @@
               <a:buNone/>
             </a:pPr>
             <a:r>
-              <a:rPr lang="en-US" sz="2600" i="0" u="none" strike="noStrike" cap="none" dirty="0" smtClean="0">
+              <a:rPr lang="en-US" sz="2600" b="1" i="0" u="none" strike="noStrike" cap="none" dirty="0">
                 <a:solidFill>
                   <a:schemeClr val="lt1"/>
                 </a:solidFill>
@@ -17133,7 +16795,7 @@
               <a:t>&gt;&gt;&gt; </a:t>
             </a:r>
             <a:r>
-              <a:rPr lang="en-US" sz="2600" i="0" u="none" strike="noStrike" cap="none" dirty="0" smtClean="0">
+              <a:rPr lang="en-US" sz="2600" b="1" i="0" u="none" strike="noStrike" cap="none" dirty="0">
                 <a:solidFill>
                   <a:srgbClr val="00FF00"/>
                 </a:solidFill>
@@ -17145,7 +16807,7 @@
               <a:t>line</a:t>
             </a:r>
             <a:r>
-              <a:rPr lang="en-US" sz="2600" i="0" u="none" strike="noStrike" cap="none" dirty="0" smtClean="0">
+              <a:rPr lang="en-US" sz="2600" b="1" i="0" u="none" strike="noStrike" cap="none" dirty="0">
                 <a:solidFill>
                   <a:srgbClr val="FF7F00"/>
                 </a:solidFill>
@@ -17157,7 +16819,7 @@
               <a:t> </a:t>
             </a:r>
             <a:r>
-              <a:rPr lang="en-US" sz="2600" i="0" u="none" strike="noStrike" cap="none" dirty="0" smtClean="0">
+              <a:rPr lang="en-US" sz="2600" b="1" i="0" u="none" strike="noStrike" cap="none" dirty="0">
                 <a:solidFill>
                   <a:schemeClr val="lt1"/>
                 </a:solidFill>
@@ -17169,7 +16831,7 @@
               <a:t>=</a:t>
             </a:r>
             <a:r>
-              <a:rPr lang="en-US" sz="2600" i="0" u="none" strike="noStrike" cap="none" dirty="0" smtClean="0">
+              <a:rPr lang="en-US" sz="2600" b="1" i="0" u="none" strike="noStrike" cap="none" dirty="0">
                 <a:solidFill>
                   <a:srgbClr val="FF7F00"/>
                 </a:solidFill>
@@ -17181,7 +16843,7 @@
               <a:t> 'A lot               of spaces</a:t>
             </a:r>
             <a:r>
-              <a:rPr lang="en-US" sz="2600" dirty="0" smtClean="0">
+              <a:rPr lang="en-US" sz="2600" b="1" dirty="0">
                 <a:solidFill>
                   <a:srgbClr val="FF7F00"/>
                 </a:solidFill>
@@ -17192,15 +16854,6 @@
               </a:rPr>
               <a:t>'</a:t>
             </a:r>
-            <a:endParaRPr lang="en-US" sz="2600" dirty="0">
-              <a:solidFill>
-                <a:srgbClr val="FF7F00"/>
-              </a:solidFill>
-              <a:latin typeface="Courier"/>
-              <a:ea typeface="Courier"/>
-              <a:cs typeface="Courier"/>
-              <a:sym typeface="Courier New"/>
-            </a:endParaRPr>
           </a:p>
           <a:p>
             <a:pPr marL="0" marR="0" lvl="0" indent="0" algn="l" rtl="0">
@@ -17221,7 +16874,7 @@
               <a:buNone/>
             </a:pPr>
             <a:r>
-              <a:rPr lang="en-US" sz="2600" i="0" u="none" strike="noStrike" cap="none" dirty="0">
+              <a:rPr lang="en-US" sz="2600" b="1" i="0" u="none" strike="noStrike" cap="none" dirty="0">
                 <a:solidFill>
                   <a:schemeClr val="lt1"/>
                 </a:solidFill>
@@ -17233,7 +16886,7 @@
               <a:t>&gt;&gt;&gt; </a:t>
             </a:r>
             <a:r>
-              <a:rPr lang="en-US" sz="2600" i="0" u="none" strike="noStrike" cap="none" dirty="0" err="1">
+              <a:rPr lang="en-US" sz="2600" b="1" i="0" u="none" strike="noStrike" cap="none" dirty="0" err="1">
                 <a:solidFill>
                   <a:srgbClr val="00FF00"/>
                 </a:solidFill>
@@ -17245,7 +16898,7 @@
               <a:t>etc</a:t>
             </a:r>
             <a:r>
-              <a:rPr lang="en-US" sz="2600" i="0" u="none" strike="noStrike" cap="none" dirty="0">
+              <a:rPr lang="en-US" sz="2600" b="1" i="0" u="none" strike="noStrike" cap="none" dirty="0">
                 <a:solidFill>
                   <a:srgbClr val="FF7F00"/>
                 </a:solidFill>
@@ -17257,7 +16910,7 @@
               <a:t> </a:t>
             </a:r>
             <a:r>
-              <a:rPr lang="en-US" sz="2600" i="0" u="none" strike="noStrike" cap="none" dirty="0">
+              <a:rPr lang="en-US" sz="2600" b="1" i="0" u="none" strike="noStrike" cap="none" dirty="0">
                 <a:solidFill>
                   <a:schemeClr val="lt1"/>
                 </a:solidFill>
@@ -17269,7 +16922,7 @@
               <a:t>=</a:t>
             </a:r>
             <a:r>
-              <a:rPr lang="en-US" sz="2600" i="0" u="none" strike="noStrike" cap="none" dirty="0">
+              <a:rPr lang="en-US" sz="2600" b="1" i="0" u="none" strike="noStrike" cap="none" dirty="0">
                 <a:solidFill>
                   <a:srgbClr val="FF7F00"/>
                 </a:solidFill>
@@ -17281,7 +16934,7 @@
               <a:t> </a:t>
             </a:r>
             <a:r>
-              <a:rPr lang="en-US" sz="2600" i="0" u="none" strike="noStrike" cap="none" dirty="0" err="1">
+              <a:rPr lang="en-US" sz="2600" b="1" i="0" u="none" strike="noStrike" cap="none" dirty="0" err="1">
                 <a:solidFill>
                   <a:srgbClr val="00FF00"/>
                 </a:solidFill>
@@ -17293,7 +16946,7 @@
               <a:t>line.</a:t>
             </a:r>
             <a:r>
-              <a:rPr lang="en-US" sz="2600" i="0" u="none" strike="noStrike" cap="none" dirty="0" err="1">
+              <a:rPr lang="en-US" sz="2600" b="1" i="0" u="none" strike="noStrike" cap="none" dirty="0" err="1">
                 <a:solidFill>
                   <a:srgbClr val="FF00FF"/>
                 </a:solidFill>
@@ -17305,7 +16958,7 @@
               <a:t>split</a:t>
             </a:r>
             <a:r>
-              <a:rPr lang="en-US" sz="2600" i="0" u="none" strike="noStrike" cap="none" dirty="0">
+              <a:rPr lang="en-US" sz="2600" b="1" i="0" u="none" strike="noStrike" cap="none" dirty="0">
                 <a:solidFill>
                   <a:schemeClr val="lt1"/>
                 </a:solidFill>
@@ -17336,7 +16989,7 @@
               <a:buNone/>
             </a:pPr>
             <a:r>
-              <a:rPr lang="en-US" sz="2600" i="0" u="none" strike="noStrike" cap="none" dirty="0">
+              <a:rPr lang="en-US" sz="2600" b="1" i="0" u="none" strike="noStrike" cap="none" dirty="0">
                 <a:solidFill>
                   <a:schemeClr val="lt1"/>
                 </a:solidFill>
@@ -17348,7 +17001,7 @@
               <a:t>&gt;&gt;&gt; </a:t>
             </a:r>
             <a:r>
-              <a:rPr lang="en-US" sz="2600" i="0" u="none" strike="noStrike" cap="none" dirty="0" smtClean="0">
+              <a:rPr lang="en-US" sz="2600" b="1" i="0" u="none" strike="noStrike" cap="none" dirty="0">
                 <a:solidFill>
                   <a:srgbClr val="FFFF00"/>
                 </a:solidFill>
@@ -17360,7 +17013,7 @@
               <a:t>print(</a:t>
             </a:r>
             <a:r>
-              <a:rPr lang="en-US" sz="2600" i="0" u="none" strike="noStrike" cap="none" dirty="0" err="1" smtClean="0">
+              <a:rPr lang="en-US" sz="2600" b="1" i="0" u="none" strike="noStrike" cap="none" dirty="0" err="1">
                 <a:solidFill>
                   <a:srgbClr val="00FF00"/>
                 </a:solidFill>
@@ -17372,7 +17025,7 @@
               <a:t>etc</a:t>
             </a:r>
             <a:r>
-              <a:rPr lang="en-US" sz="2600" i="0" u="none" strike="noStrike" cap="none" dirty="0" smtClean="0">
+              <a:rPr lang="en-US" sz="2600" b="1" i="0" u="none" strike="noStrike" cap="none" dirty="0">
                 <a:solidFill>
                   <a:srgbClr val="FFFF00"/>
                 </a:solidFill>
@@ -17383,15 +17036,6 @@
               </a:rPr>
               <a:t>)</a:t>
             </a:r>
-            <a:endParaRPr lang="en-US" sz="2600" i="0" u="none" strike="noStrike" cap="none" dirty="0">
-              <a:solidFill>
-                <a:srgbClr val="FFFF00"/>
-              </a:solidFill>
-              <a:latin typeface="Courier"/>
-              <a:ea typeface="Courier"/>
-              <a:cs typeface="Courier"/>
-              <a:sym typeface="Courier New"/>
-            </a:endParaRPr>
           </a:p>
           <a:p>
             <a:pPr marL="0" marR="0" lvl="0" indent="0" algn="l" rtl="0">
@@ -17412,7 +17056,7 @@
               <a:buNone/>
             </a:pPr>
             <a:r>
-              <a:rPr lang="en-US" sz="2600" i="0" u="none" strike="noStrike" cap="none" dirty="0">
+              <a:rPr lang="en-US" sz="2600" b="1" i="0" u="none" strike="noStrike" cap="none" dirty="0">
                 <a:solidFill>
                   <a:schemeClr val="lt1"/>
                 </a:solidFill>
@@ -17443,7 +17087,7 @@
               <a:buNone/>
             </a:pPr>
             <a:r>
-              <a:rPr lang="en-US" sz="2600" i="0" u="none" strike="noStrike" cap="none" dirty="0">
+              <a:rPr lang="en-US" sz="2600" b="1" i="0" u="none" strike="noStrike" cap="none" dirty="0">
                 <a:solidFill>
                   <a:schemeClr val="lt1"/>
                 </a:solidFill>
@@ -17474,7 +17118,7 @@
               <a:buNone/>
             </a:pPr>
             <a:r>
-              <a:rPr lang="en-US" sz="2600" i="0" u="none" strike="noStrike" cap="none" dirty="0">
+              <a:rPr lang="en-US" sz="2600" b="1" i="0" u="none" strike="noStrike" cap="none" dirty="0">
                 <a:solidFill>
                   <a:schemeClr val="lt1"/>
                 </a:solidFill>
@@ -17486,7 +17130,7 @@
               <a:t>&gt;&gt;&gt; </a:t>
             </a:r>
             <a:r>
-              <a:rPr lang="en-US" sz="2600" i="0" u="none" strike="noStrike" cap="none" dirty="0">
+              <a:rPr lang="en-US" sz="2600" b="1" i="0" u="none" strike="noStrike" cap="none" dirty="0">
                 <a:solidFill>
                   <a:srgbClr val="00FF00"/>
                 </a:solidFill>
@@ -17498,7 +17142,7 @@
               <a:t>line</a:t>
             </a:r>
             <a:r>
-              <a:rPr lang="en-US" sz="2600" i="0" u="none" strike="noStrike" cap="none" dirty="0">
+              <a:rPr lang="en-US" sz="2600" b="1" i="0" u="none" strike="noStrike" cap="none" dirty="0">
                 <a:solidFill>
                   <a:srgbClr val="FF7F00"/>
                 </a:solidFill>
@@ -17510,7 +17154,7 @@
               <a:t> </a:t>
             </a:r>
             <a:r>
-              <a:rPr lang="en-US" sz="2600" i="0" u="none" strike="noStrike" cap="none" dirty="0">
+              <a:rPr lang="en-US" sz="2600" b="1" i="0" u="none" strike="noStrike" cap="none" dirty="0">
                 <a:solidFill>
                   <a:schemeClr val="lt1"/>
                 </a:solidFill>
@@ -17522,7 +17166,7 @@
               <a:t>=</a:t>
             </a:r>
             <a:r>
-              <a:rPr lang="en-US" sz="2600" i="0" u="none" strike="noStrike" cap="none" dirty="0">
+              <a:rPr lang="en-US" sz="2600" b="1" i="0" u="none" strike="noStrike" cap="none" dirty="0">
                 <a:solidFill>
                   <a:srgbClr val="FF7F00"/>
                 </a:solidFill>
@@ -17534,7 +17178,7 @@
               <a:t> '</a:t>
             </a:r>
             <a:r>
-              <a:rPr lang="en-US" sz="2600" i="0" u="none" strike="noStrike" cap="none" dirty="0" err="1">
+              <a:rPr lang="en-US" sz="2600" b="1" i="0" u="none" strike="noStrike" cap="none" dirty="0" err="1">
                 <a:solidFill>
                   <a:srgbClr val="FF7F00"/>
                 </a:solidFill>
@@ -17546,7 +17190,7 @@
               <a:t>first</a:t>
             </a:r>
             <a:r>
-              <a:rPr lang="en-US" sz="2600" i="0" u="none" strike="noStrike" cap="none" dirty="0" err="1">
+              <a:rPr lang="en-US" sz="2600" b="1" i="0" u="none" strike="noStrike" cap="none" dirty="0" err="1">
                 <a:solidFill>
                   <a:srgbClr val="00FFFF"/>
                 </a:solidFill>
@@ -17558,7 +17202,7 @@
               <a:t>;</a:t>
             </a:r>
             <a:r>
-              <a:rPr lang="en-US" sz="2600" i="0" u="none" strike="noStrike" cap="none" dirty="0" err="1">
+              <a:rPr lang="en-US" sz="2600" b="1" i="0" u="none" strike="noStrike" cap="none" dirty="0" err="1">
                 <a:solidFill>
                   <a:srgbClr val="FF7F00"/>
                 </a:solidFill>
@@ -17570,7 +17214,7 @@
               <a:t>second</a:t>
             </a:r>
             <a:r>
-              <a:rPr lang="en-US" sz="2600" i="0" u="none" strike="noStrike" cap="none" dirty="0" err="1">
+              <a:rPr lang="en-US" sz="2600" b="1" i="0" u="none" strike="noStrike" cap="none" dirty="0" err="1">
                 <a:solidFill>
                   <a:srgbClr val="00FFFF"/>
                 </a:solidFill>
@@ -17582,7 +17226,7 @@
               <a:t>;</a:t>
             </a:r>
             <a:r>
-              <a:rPr lang="en-US" sz="2600" i="0" u="none" strike="noStrike" cap="none" dirty="0" err="1">
+              <a:rPr lang="en-US" sz="2600" b="1" i="0" u="none" strike="noStrike" cap="none" dirty="0" err="1">
                 <a:solidFill>
                   <a:srgbClr val="FF7F00"/>
                 </a:solidFill>
@@ -17594,7 +17238,7 @@
               <a:t>third</a:t>
             </a:r>
             <a:r>
-              <a:rPr lang="en-US" sz="2600" dirty="0">
+              <a:rPr lang="en-US" sz="2600" b="1" dirty="0">
                 <a:solidFill>
                   <a:srgbClr val="FF7F00"/>
                 </a:solidFill>
@@ -17625,7 +17269,7 @@
               <a:buNone/>
             </a:pPr>
             <a:r>
-              <a:rPr lang="en-US" sz="2600" i="0" u="none" strike="noStrike" cap="none" dirty="0">
+              <a:rPr lang="en-US" sz="2600" b="1" i="0" u="none" strike="noStrike" cap="none" dirty="0">
                 <a:solidFill>
                   <a:schemeClr val="lt1"/>
                 </a:solidFill>
@@ -17637,7 +17281,7 @@
               <a:t>&gt;&gt;&gt; </a:t>
             </a:r>
             <a:r>
-              <a:rPr lang="en-US" sz="2600" i="0" u="none" strike="noStrike" cap="none" dirty="0">
+              <a:rPr lang="en-US" sz="2600" b="1" i="0" u="none" strike="noStrike" cap="none" dirty="0">
                 <a:solidFill>
                   <a:srgbClr val="00FF00"/>
                 </a:solidFill>
@@ -17649,7 +17293,7 @@
               <a:t>thing</a:t>
             </a:r>
             <a:r>
-              <a:rPr lang="en-US" sz="2600" i="0" u="none" strike="noStrike" cap="none" dirty="0">
+              <a:rPr lang="en-US" sz="2600" b="1" i="0" u="none" strike="noStrike" cap="none" dirty="0">
                 <a:solidFill>
                   <a:srgbClr val="FF7F00"/>
                 </a:solidFill>
@@ -17661,7 +17305,7 @@
               <a:t> </a:t>
             </a:r>
             <a:r>
-              <a:rPr lang="en-US" sz="2600" i="0" u="none" strike="noStrike" cap="none" dirty="0">
+              <a:rPr lang="en-US" sz="2600" b="1" i="0" u="none" strike="noStrike" cap="none" dirty="0">
                 <a:solidFill>
                   <a:schemeClr val="lt1"/>
                 </a:solidFill>
@@ -17673,7 +17317,7 @@
               <a:t>=</a:t>
             </a:r>
             <a:r>
-              <a:rPr lang="en-US" sz="2600" i="0" u="none" strike="noStrike" cap="none" dirty="0">
+              <a:rPr lang="en-US" sz="2600" b="1" i="0" u="none" strike="noStrike" cap="none" dirty="0">
                 <a:solidFill>
                   <a:srgbClr val="00FF00"/>
                 </a:solidFill>
@@ -17685,7 +17329,7 @@
               <a:t> </a:t>
             </a:r>
             <a:r>
-              <a:rPr lang="en-US" sz="2600" i="0" u="none" strike="noStrike" cap="none" dirty="0" err="1">
+              <a:rPr lang="en-US" sz="2600" b="1" i="0" u="none" strike="noStrike" cap="none" dirty="0" err="1">
                 <a:solidFill>
                   <a:srgbClr val="00FF00"/>
                 </a:solidFill>
@@ -17697,7 +17341,7 @@
               <a:t>line</a:t>
             </a:r>
             <a:r>
-              <a:rPr lang="en-US" sz="2600" i="0" u="none" strike="noStrike" cap="none" dirty="0" err="1">
+              <a:rPr lang="en-US" sz="2600" b="1" i="0" u="none" strike="noStrike" cap="none" dirty="0" err="1">
                 <a:solidFill>
                   <a:srgbClr val="FF00FF"/>
                 </a:solidFill>
@@ -17709,7 +17353,7 @@
               <a:t>.split</a:t>
             </a:r>
             <a:r>
-              <a:rPr lang="en-US" sz="2600" i="0" u="none" strike="noStrike" cap="none" dirty="0">
+              <a:rPr lang="en-US" sz="2600" b="1" i="0" u="none" strike="noStrike" cap="none" dirty="0">
                 <a:solidFill>
                   <a:schemeClr val="lt1"/>
                 </a:solidFill>
@@ -17729,7 +17373,7 @@
               <a:buSzPct val="25000"/>
             </a:pPr>
             <a:r>
-              <a:rPr lang="en-US" sz="2600" i="0" u="none" strike="noStrike" cap="none" dirty="0">
+              <a:rPr lang="en-US" sz="2600" b="1" i="0" u="none" strike="noStrike" cap="none" dirty="0">
                 <a:solidFill>
                   <a:schemeClr val="lt1"/>
                 </a:solidFill>
@@ -17741,7 +17385,7 @@
               <a:t>&gt;&gt;&gt; </a:t>
             </a:r>
             <a:r>
-              <a:rPr lang="en-US" sz="2600" i="0" u="none" strike="noStrike" cap="none" dirty="0" smtClean="0">
+              <a:rPr lang="en-US" sz="2600" b="1" i="0" u="none" strike="noStrike" cap="none" dirty="0">
                 <a:solidFill>
                   <a:srgbClr val="FFFF00"/>
                 </a:solidFill>
@@ -17753,7 +17397,7 @@
               <a:t>print(</a:t>
             </a:r>
             <a:r>
-              <a:rPr lang="en-US" sz="2600" i="0" u="none" strike="noStrike" cap="none" dirty="0" smtClean="0">
+              <a:rPr lang="en-US" sz="2600" b="1" i="0" u="none" strike="noStrike" cap="none" dirty="0">
                 <a:solidFill>
                   <a:srgbClr val="00FF00"/>
                 </a:solidFill>
@@ -17765,7 +17409,7 @@
               <a:t>thing</a:t>
             </a:r>
             <a:r>
-              <a:rPr lang="en-US" sz="2600" dirty="0" smtClean="0">
+              <a:rPr lang="en-US" sz="2600" b="1" dirty="0">
                 <a:solidFill>
                   <a:srgbClr val="FFFF00"/>
                 </a:solidFill>
@@ -17776,7 +17420,7 @@
               </a:rPr>
               <a:t>)</a:t>
             </a:r>
-            <a:endParaRPr lang="en-US" sz="2600" i="0" u="none" strike="noStrike" cap="none" dirty="0">
+            <a:endParaRPr lang="en-US" sz="2600" b="1" i="0" u="none" strike="noStrike" cap="none" dirty="0">
               <a:solidFill>
                 <a:srgbClr val="00FF00"/>
               </a:solidFill>
@@ -17805,7 +17449,7 @@
               <a:buNone/>
             </a:pPr>
             <a:r>
-              <a:rPr lang="en-US" sz="2600" i="0" u="none" strike="noStrike" cap="none" dirty="0">
+              <a:rPr lang="en-US" sz="2600" b="1" i="0" u="none" strike="noStrike" cap="none" dirty="0">
                 <a:solidFill>
                   <a:schemeClr val="lt1"/>
                 </a:solidFill>
@@ -17817,7 +17461,7 @@
               <a:t>['</a:t>
             </a:r>
             <a:r>
-              <a:rPr lang="en-US" sz="2600" i="0" u="none" strike="noStrike" cap="none" dirty="0" err="1">
+              <a:rPr lang="en-US" sz="2600" b="1" i="0" u="none" strike="noStrike" cap="none" dirty="0" err="1">
                 <a:solidFill>
                   <a:schemeClr val="lt1"/>
                 </a:solidFill>
@@ -17829,7 +17473,7 @@
               <a:t>first;second;third</a:t>
             </a:r>
             <a:r>
-              <a:rPr lang="en-US" sz="2600" i="0" u="none" strike="noStrike" cap="none" dirty="0">
+              <a:rPr lang="en-US" sz="2600" b="1" i="0" u="none" strike="noStrike" cap="none" dirty="0">
                 <a:solidFill>
                   <a:schemeClr val="lt1"/>
                 </a:solidFill>
@@ -17849,7 +17493,7 @@
               <a:buSzPct val="25000"/>
             </a:pPr>
             <a:r>
-              <a:rPr lang="en-US" sz="2600" i="0" u="none" strike="noStrike" cap="none" dirty="0">
+              <a:rPr lang="en-US" sz="2600" b="1" i="0" u="none" strike="noStrike" cap="none" dirty="0">
                 <a:solidFill>
                   <a:schemeClr val="lt1"/>
                 </a:solidFill>
@@ -17861,7 +17505,7 @@
               <a:t>&gt;&gt;&gt; </a:t>
             </a:r>
             <a:r>
-              <a:rPr lang="en-US" sz="2600" i="0" u="none" strike="noStrike" cap="none" dirty="0" smtClean="0">
+              <a:rPr lang="en-US" sz="2600" b="1" i="0" u="none" strike="noStrike" cap="none" dirty="0">
                 <a:solidFill>
                   <a:srgbClr val="FFFF00"/>
                 </a:solidFill>
@@ -17873,7 +17517,7 @@
               <a:t>print(</a:t>
             </a:r>
             <a:r>
-              <a:rPr lang="en-US" sz="2600" i="0" u="none" strike="noStrike" cap="none" dirty="0" err="1" smtClean="0">
+              <a:rPr lang="en-US" sz="2600" b="1" i="0" u="none" strike="noStrike" cap="none" dirty="0" err="1">
                 <a:solidFill>
                   <a:srgbClr val="FF00FF"/>
                 </a:solidFill>
@@ -17885,7 +17529,7 @@
               <a:t>len</a:t>
             </a:r>
             <a:r>
-              <a:rPr lang="en-US" sz="2600" i="0" u="none" strike="noStrike" cap="none" dirty="0" smtClean="0">
+              <a:rPr lang="en-US" sz="2600" b="1" i="0" u="none" strike="noStrike" cap="none" dirty="0">
                 <a:solidFill>
                   <a:schemeClr val="lt1"/>
                 </a:solidFill>
@@ -17897,7 +17541,7 @@
               <a:t>(</a:t>
             </a:r>
             <a:r>
-              <a:rPr lang="en-US" sz="2600" i="0" u="none" strike="noStrike" cap="none" dirty="0" smtClean="0">
+              <a:rPr lang="en-US" sz="2600" b="1" i="0" u="none" strike="noStrike" cap="none" dirty="0">
                 <a:solidFill>
                   <a:srgbClr val="00FF00"/>
                 </a:solidFill>
@@ -17909,7 +17553,7 @@
               <a:t>thing</a:t>
             </a:r>
             <a:r>
-              <a:rPr lang="en-US" sz="2600" i="0" u="none" strike="noStrike" cap="none" dirty="0" smtClean="0">
+              <a:rPr lang="en-US" sz="2600" b="1" i="0" u="none" strike="noStrike" cap="none" dirty="0">
                 <a:solidFill>
                   <a:schemeClr val="lt1"/>
                 </a:solidFill>
@@ -17921,7 +17565,7 @@
               <a:t>)</a:t>
             </a:r>
             <a:r>
-              <a:rPr lang="en-US" sz="2600" dirty="0" smtClean="0">
+              <a:rPr lang="en-US" sz="2600" b="1" dirty="0">
                 <a:solidFill>
                   <a:srgbClr val="FFFF00"/>
                 </a:solidFill>
@@ -17932,7 +17576,7 @@
               </a:rPr>
               <a:t>)</a:t>
             </a:r>
-            <a:endParaRPr lang="en-US" sz="2600" i="0" u="none" strike="noStrike" cap="none" dirty="0">
+            <a:endParaRPr lang="en-US" sz="2600" b="1" i="0" u="none" strike="noStrike" cap="none" dirty="0">
               <a:solidFill>
                 <a:schemeClr val="lt1"/>
               </a:solidFill>
@@ -17961,7 +17605,7 @@
               <a:buNone/>
             </a:pPr>
             <a:r>
-              <a:rPr lang="en-US" sz="2600" i="0" u="none" strike="noStrike" cap="none" dirty="0" smtClean="0">
+              <a:rPr lang="en-US" sz="2600" b="1" i="0" u="none" strike="noStrike" cap="none" dirty="0">
                 <a:solidFill>
                   <a:schemeClr val="lt1"/>
                 </a:solidFill>
@@ -17992,7 +17636,7 @@
               <a:buNone/>
             </a:pPr>
             <a:r>
-              <a:rPr lang="en-US" sz="2600" i="0" u="none" strike="noStrike" cap="none" dirty="0" smtClean="0">
+              <a:rPr lang="en-US" sz="2600" b="1" i="0" u="none" strike="noStrike" cap="none" dirty="0">
                 <a:solidFill>
                   <a:schemeClr val="lt1"/>
                 </a:solidFill>
@@ -18004,7 +17648,7 @@
               <a:t>&gt;&gt;&gt; </a:t>
             </a:r>
             <a:r>
-              <a:rPr lang="en-US" sz="2600" i="0" u="none" strike="noStrike" cap="none" dirty="0">
+              <a:rPr lang="en-US" sz="2600" b="1" i="0" u="none" strike="noStrike" cap="none" dirty="0">
                 <a:solidFill>
                   <a:srgbClr val="00FF00"/>
                 </a:solidFill>
@@ -18016,7 +17660,7 @@
               <a:t>thing</a:t>
             </a:r>
             <a:r>
-              <a:rPr lang="en-US" sz="2600" i="0" u="none" strike="noStrike" cap="none" dirty="0">
+              <a:rPr lang="en-US" sz="2600" b="1" i="0" u="none" strike="noStrike" cap="none" dirty="0">
                 <a:solidFill>
                   <a:srgbClr val="FF7F00"/>
                 </a:solidFill>
@@ -18028,7 +17672,7 @@
               <a:t> </a:t>
             </a:r>
             <a:r>
-              <a:rPr lang="en-US" sz="2600" i="0" u="none" strike="noStrike" cap="none" dirty="0">
+              <a:rPr lang="en-US" sz="2600" b="1" i="0" u="none" strike="noStrike" cap="none" dirty="0">
                 <a:solidFill>
                   <a:schemeClr val="lt1"/>
                 </a:solidFill>
@@ -18040,7 +17684,7 @@
               <a:t>=</a:t>
             </a:r>
             <a:r>
-              <a:rPr lang="en-US" sz="2600" i="0" u="none" strike="noStrike" cap="none" dirty="0">
+              <a:rPr lang="en-US" sz="2600" b="1" i="0" u="none" strike="noStrike" cap="none" dirty="0">
                 <a:solidFill>
                   <a:srgbClr val="FF7F00"/>
                 </a:solidFill>
@@ -18052,7 +17696,7 @@
               <a:t> </a:t>
             </a:r>
             <a:r>
-              <a:rPr lang="en-US" sz="2600" i="0" u="none" strike="noStrike" cap="none" dirty="0" err="1">
+              <a:rPr lang="en-US" sz="2600" b="1" i="0" u="none" strike="noStrike" cap="none" dirty="0" err="1">
                 <a:solidFill>
                   <a:srgbClr val="00FF00"/>
                 </a:solidFill>
@@ -18064,7 +17708,7 @@
               <a:t>line</a:t>
             </a:r>
             <a:r>
-              <a:rPr lang="en-US" sz="2600" i="0" u="none" strike="noStrike" cap="none" dirty="0" err="1">
+              <a:rPr lang="en-US" sz="2600" b="1" i="0" u="none" strike="noStrike" cap="none" dirty="0" err="1">
                 <a:solidFill>
                   <a:srgbClr val="FF00FF"/>
                 </a:solidFill>
@@ -18076,7 +17720,7 @@
               <a:t>.split</a:t>
             </a:r>
             <a:r>
-              <a:rPr lang="en-US" sz="2600" i="0" u="none" strike="noStrike" cap="none" dirty="0">
+              <a:rPr lang="en-US" sz="2600" b="1" i="0" u="none" strike="noStrike" cap="none" dirty="0">
                 <a:solidFill>
                   <a:schemeClr val="lt1"/>
                 </a:solidFill>
@@ -18088,7 +17732,7 @@
               <a:t>(</a:t>
             </a:r>
             <a:r>
-              <a:rPr lang="en-US" sz="2600" i="0" u="none" strike="noStrike" cap="none" dirty="0">
+              <a:rPr lang="en-US" sz="2600" b="1" i="0" u="none" strike="noStrike" cap="none" dirty="0">
                 <a:solidFill>
                   <a:srgbClr val="00FFFF"/>
                 </a:solidFill>
@@ -18100,7 +17744,7 @@
               <a:t>';'</a:t>
             </a:r>
             <a:r>
-              <a:rPr lang="en-US" sz="2600" i="0" u="none" strike="noStrike" cap="none" dirty="0">
+              <a:rPr lang="en-US" sz="2600" b="1" i="0" u="none" strike="noStrike" cap="none" dirty="0">
                 <a:solidFill>
                   <a:schemeClr val="lt1"/>
                 </a:solidFill>
@@ -18120,7 +17764,7 @@
               <a:buSzPct val="25000"/>
             </a:pPr>
             <a:r>
-              <a:rPr lang="en-US" sz="2600" i="0" u="none" strike="noStrike" cap="none" dirty="0">
+              <a:rPr lang="en-US" sz="2600" b="1" i="0" u="none" strike="noStrike" cap="none" dirty="0">
                 <a:solidFill>
                   <a:schemeClr val="lt1"/>
                 </a:solidFill>
@@ -18132,7 +17776,7 @@
               <a:t>&gt;&gt;&gt; </a:t>
             </a:r>
             <a:r>
-              <a:rPr lang="en-US" sz="2600" i="0" u="none" strike="noStrike" cap="none" dirty="0" smtClean="0">
+              <a:rPr lang="en-US" sz="2600" b="1" i="0" u="none" strike="noStrike" cap="none" dirty="0">
                 <a:solidFill>
                   <a:srgbClr val="FFFF00"/>
                 </a:solidFill>
@@ -18144,7 +17788,7 @@
               <a:t>print(</a:t>
             </a:r>
             <a:r>
-              <a:rPr lang="en-US" sz="2600" i="0" u="none" strike="noStrike" cap="none" dirty="0" smtClean="0">
+              <a:rPr lang="en-US" sz="2600" b="1" i="0" u="none" strike="noStrike" cap="none" dirty="0">
                 <a:solidFill>
                   <a:srgbClr val="00FF00"/>
                 </a:solidFill>
@@ -18156,7 +17800,7 @@
               <a:t>thing</a:t>
             </a:r>
             <a:r>
-              <a:rPr lang="en-US" sz="2600" dirty="0" smtClean="0">
+              <a:rPr lang="en-US" sz="2600" b="1" dirty="0">
                 <a:solidFill>
                   <a:srgbClr val="FFFF00"/>
                 </a:solidFill>
@@ -18167,7 +17811,7 @@
               </a:rPr>
               <a:t>)</a:t>
             </a:r>
-            <a:endParaRPr lang="en-US" sz="2600" i="0" u="none" strike="noStrike" cap="none" dirty="0">
+            <a:endParaRPr lang="en-US" sz="2600" b="1" i="0" u="none" strike="noStrike" cap="none" dirty="0">
               <a:solidFill>
                 <a:srgbClr val="00FF00"/>
               </a:solidFill>
@@ -18196,7 +17840,7 @@
               <a:buNone/>
             </a:pPr>
             <a:r>
-              <a:rPr lang="en-US" sz="2600" i="0" u="none" strike="noStrike" cap="none" dirty="0">
+              <a:rPr lang="en-US" sz="2600" b="1" i="0" u="none" strike="noStrike" cap="none" dirty="0">
                 <a:solidFill>
                   <a:schemeClr val="lt1"/>
                 </a:solidFill>
@@ -18216,7 +17860,7 @@
               <a:buSzPct val="25000"/>
             </a:pPr>
             <a:r>
-              <a:rPr lang="en-US" sz="2600" i="0" u="none" strike="noStrike" cap="none" dirty="0">
+              <a:rPr lang="en-US" sz="2600" b="1" i="0" u="none" strike="noStrike" cap="none" dirty="0">
                 <a:solidFill>
                   <a:schemeClr val="lt1"/>
                 </a:solidFill>
@@ -18228,7 +17872,7 @@
               <a:t>&gt;&gt;&gt; </a:t>
             </a:r>
             <a:r>
-              <a:rPr lang="en-US" sz="2600" i="0" u="none" strike="noStrike" cap="none" dirty="0" smtClean="0">
+              <a:rPr lang="en-US" sz="2600" b="1" i="0" u="none" strike="noStrike" cap="none" dirty="0">
                 <a:solidFill>
                   <a:srgbClr val="FFFF00"/>
                 </a:solidFill>
@@ -18240,7 +17884,7 @@
               <a:t>print(</a:t>
             </a:r>
             <a:r>
-              <a:rPr lang="en-US" sz="2600" i="0" u="none" strike="noStrike" cap="none" dirty="0" err="1" smtClean="0">
+              <a:rPr lang="en-US" sz="2600" b="1" i="0" u="none" strike="noStrike" cap="none" dirty="0" err="1">
                 <a:solidFill>
                   <a:srgbClr val="FF00FF"/>
                 </a:solidFill>
@@ -18252,7 +17896,7 @@
               <a:t>len</a:t>
             </a:r>
             <a:r>
-              <a:rPr lang="en-US" sz="2600" i="0" u="none" strike="noStrike" cap="none" dirty="0" smtClean="0">
+              <a:rPr lang="en-US" sz="2600" b="1" i="0" u="none" strike="noStrike" cap="none" dirty="0">
                 <a:solidFill>
                   <a:schemeClr val="lt1"/>
                 </a:solidFill>
@@ -18264,7 +17908,7 @@
               <a:t>(</a:t>
             </a:r>
             <a:r>
-              <a:rPr lang="en-US" sz="2600" i="0" u="none" strike="noStrike" cap="none" dirty="0" smtClean="0">
+              <a:rPr lang="en-US" sz="2600" b="1" i="0" u="none" strike="noStrike" cap="none" dirty="0">
                 <a:solidFill>
                   <a:srgbClr val="00FF00"/>
                 </a:solidFill>
@@ -18276,7 +17920,7 @@
               <a:t>thing</a:t>
             </a:r>
             <a:r>
-              <a:rPr lang="en-US" sz="2600" i="0" u="none" strike="noStrike" cap="none" dirty="0" smtClean="0">
+              <a:rPr lang="en-US" sz="2600" b="1" i="0" u="none" strike="noStrike" cap="none" dirty="0">
                 <a:solidFill>
                   <a:schemeClr val="lt1"/>
                 </a:solidFill>
@@ -18288,7 +17932,7 @@
               <a:t>)</a:t>
             </a:r>
             <a:r>
-              <a:rPr lang="en-US" sz="2600" dirty="0" smtClean="0">
+              <a:rPr lang="en-US" sz="2600" b="1" dirty="0">
                 <a:solidFill>
                   <a:srgbClr val="FFFF00"/>
                 </a:solidFill>
@@ -18299,7 +17943,7 @@
               </a:rPr>
               <a:t>)</a:t>
             </a:r>
-            <a:endParaRPr lang="en-US" sz="2600" i="0" u="none" strike="noStrike" cap="none" dirty="0">
+            <a:endParaRPr lang="en-US" sz="2600" b="1" i="0" u="none" strike="noStrike" cap="none" dirty="0">
               <a:solidFill>
                 <a:schemeClr val="lt1"/>
               </a:solidFill>
@@ -18328,7 +17972,7 @@
               <a:buNone/>
             </a:pPr>
             <a:r>
-              <a:rPr lang="en-US" sz="2600" i="0" u="none" strike="noStrike" cap="none" dirty="0">
+              <a:rPr lang="en-US" sz="2600" b="1" i="0" u="none" strike="noStrike" cap="none" dirty="0">
                 <a:solidFill>
                   <a:schemeClr val="lt1"/>
                 </a:solidFill>
@@ -18359,7 +18003,7 @@
               <a:buNone/>
             </a:pPr>
             <a:r>
-              <a:rPr lang="en-US" sz="2600" i="0" u="none" strike="noStrike" cap="none" dirty="0">
+              <a:rPr lang="en-US" sz="2600" b="1" i="0" u="none" strike="noStrike" cap="none" dirty="0">
                 <a:solidFill>
                   <a:schemeClr val="lt1"/>
                 </a:solidFill>
@@ -18647,7 +18291,7 @@
               <a:buNone/>
             </a:pPr>
             <a:r>
-              <a:rPr lang="en-US" sz="2400" dirty="0">
+              <a:rPr lang="en-US" sz="2400" b="1" dirty="0">
                 <a:solidFill>
                   <a:srgbClr val="00FF00"/>
                 </a:solidFill>
@@ -18659,7 +18303,7 @@
               <a:t> </a:t>
             </a:r>
             <a:r>
-              <a:rPr lang="en-US" sz="2400" i="0" u="none" strike="noStrike" cap="none" dirty="0" err="1">
+              <a:rPr lang="en-US" sz="2400" b="1" i="0" u="none" strike="noStrike" cap="none" dirty="0" err="1">
                 <a:solidFill>
                   <a:srgbClr val="00FF00"/>
                 </a:solidFill>
@@ -18671,7 +18315,7 @@
               <a:t>fhand</a:t>
             </a:r>
             <a:r>
-              <a:rPr lang="en-US" sz="2400" i="0" u="none" strike="noStrike" cap="none" dirty="0">
+              <a:rPr lang="en-US" sz="2400" b="1" i="0" u="none" strike="noStrike" cap="none" dirty="0">
                 <a:solidFill>
                   <a:schemeClr val="lt1"/>
                 </a:solidFill>
@@ -18683,7 +18327,7 @@
               <a:t> = </a:t>
             </a:r>
             <a:r>
-              <a:rPr lang="en-US" sz="2400" i="0" u="none" strike="noStrike" cap="none" dirty="0">
+              <a:rPr lang="en-US" sz="2400" b="1" i="0" u="none" strike="noStrike" cap="none" dirty="0">
                 <a:solidFill>
                   <a:srgbClr val="FF00FF"/>
                 </a:solidFill>
@@ -18695,7 +18339,7 @@
               <a:t>open</a:t>
             </a:r>
             <a:r>
-              <a:rPr lang="en-US" sz="2400" i="0" u="none" strike="noStrike" cap="none" dirty="0">
+              <a:rPr lang="en-US" sz="2400" b="1" i="0" u="none" strike="noStrike" cap="none" dirty="0">
                 <a:solidFill>
                   <a:schemeClr val="lt1"/>
                 </a:solidFill>
@@ -18707,7 +18351,7 @@
               <a:t>('</a:t>
             </a:r>
             <a:r>
-              <a:rPr lang="en-US" sz="2400" i="0" u="none" strike="noStrike" cap="none" dirty="0" err="1">
+              <a:rPr lang="en-US" sz="2400" b="1" i="0" u="none" strike="noStrike" cap="none" dirty="0" err="1">
                 <a:solidFill>
                   <a:schemeClr val="lt1"/>
                 </a:solidFill>
@@ -18719,7 +18363,7 @@
               <a:t>mbox-short.txt</a:t>
             </a:r>
             <a:r>
-              <a:rPr lang="en-US" sz="2400" i="0" u="none" strike="noStrike" cap="none" dirty="0">
+              <a:rPr lang="en-US" sz="2400" b="1" i="0" u="none" strike="noStrike" cap="none" dirty="0">
                 <a:solidFill>
                   <a:schemeClr val="lt1"/>
                 </a:solidFill>
@@ -18750,7 +18394,7 @@
               <a:buNone/>
             </a:pPr>
             <a:r>
-              <a:rPr lang="en-US" sz="2400" dirty="0">
+              <a:rPr lang="en-US" sz="2400" b="1" dirty="0">
                 <a:solidFill>
                   <a:srgbClr val="FFFF00"/>
                 </a:solidFill>
@@ -18762,7 +18406,7 @@
               <a:t> </a:t>
             </a:r>
             <a:r>
-              <a:rPr lang="en-US" sz="2400" i="0" u="none" strike="noStrike" cap="none" dirty="0">
+              <a:rPr lang="en-US" sz="2400" b="1" i="0" u="none" strike="noStrike" cap="none" dirty="0">
                 <a:solidFill>
                   <a:srgbClr val="FFFF00"/>
                 </a:solidFill>
@@ -18774,7 +18418,7 @@
               <a:t>for</a:t>
             </a:r>
             <a:r>
-              <a:rPr lang="en-US" sz="2400" i="0" u="none" strike="noStrike" cap="none" dirty="0">
+              <a:rPr lang="en-US" sz="2400" b="1" i="0" u="none" strike="noStrike" cap="none" dirty="0">
                 <a:solidFill>
                   <a:schemeClr val="lt1"/>
                 </a:solidFill>
@@ -18786,7 +18430,7 @@
               <a:t> </a:t>
             </a:r>
             <a:r>
-              <a:rPr lang="en-US" sz="2400" i="0" u="none" strike="noStrike" cap="none" dirty="0">
+              <a:rPr lang="en-US" sz="2400" b="1" i="0" u="none" strike="noStrike" cap="none" dirty="0">
                 <a:solidFill>
                   <a:srgbClr val="00FF00"/>
                 </a:solidFill>
@@ -18798,7 +18442,7 @@
               <a:t>line</a:t>
             </a:r>
             <a:r>
-              <a:rPr lang="en-US" sz="2400" i="0" u="none" strike="noStrike" cap="none" dirty="0">
+              <a:rPr lang="en-US" sz="2400" b="1" i="0" u="none" strike="noStrike" cap="none" dirty="0">
                 <a:solidFill>
                   <a:schemeClr val="lt1"/>
                 </a:solidFill>
@@ -18810,7 +18454,7 @@
               <a:t> </a:t>
             </a:r>
             <a:r>
-              <a:rPr lang="en-US" sz="2400" i="0" u="none" strike="noStrike" cap="none" dirty="0">
+              <a:rPr lang="en-US" sz="2400" b="1" i="0" u="none" strike="noStrike" cap="none" dirty="0">
                 <a:solidFill>
                   <a:srgbClr val="FFFF00"/>
                 </a:solidFill>
@@ -18822,7 +18466,7 @@
               <a:t>in</a:t>
             </a:r>
             <a:r>
-              <a:rPr lang="en-US" sz="2400" i="0" u="none" strike="noStrike" cap="none" dirty="0">
+              <a:rPr lang="en-US" sz="2400" b="1" i="0" u="none" strike="noStrike" cap="none" dirty="0">
                 <a:solidFill>
                   <a:schemeClr val="lt1"/>
                 </a:solidFill>
@@ -18834,7 +18478,7 @@
               <a:t> </a:t>
             </a:r>
             <a:r>
-              <a:rPr lang="en-US" sz="2400" i="0" u="none" strike="noStrike" cap="none" dirty="0" err="1">
+              <a:rPr lang="en-US" sz="2400" b="1" i="0" u="none" strike="noStrike" cap="none" dirty="0" err="1">
                 <a:solidFill>
                   <a:srgbClr val="00FF00"/>
                 </a:solidFill>
@@ -18846,7 +18490,7 @@
               <a:t>fhand</a:t>
             </a:r>
             <a:r>
-              <a:rPr lang="en-US" sz="2400" i="0" u="none" strike="noStrike" cap="none" dirty="0">
+              <a:rPr lang="en-US" sz="2400" b="1" i="0" u="none" strike="noStrike" cap="none" dirty="0">
                 <a:solidFill>
                   <a:schemeClr val="lt1"/>
                 </a:solidFill>
@@ -18877,7 +18521,7 @@
               <a:buNone/>
             </a:pPr>
             <a:r>
-              <a:rPr lang="en-US" sz="2400" i="0" u="none" strike="noStrike" cap="none" dirty="0">
+              <a:rPr lang="en-US" sz="2400" b="1" i="0" u="none" strike="noStrike" cap="none" dirty="0">
                 <a:solidFill>
                   <a:schemeClr val="lt1"/>
                 </a:solidFill>
@@ -18889,7 +18533,7 @@
               <a:t>     </a:t>
             </a:r>
             <a:r>
-              <a:rPr lang="en-US" sz="2400" i="0" u="none" strike="noStrike" cap="none" dirty="0">
+              <a:rPr lang="en-US" sz="2400" b="1" i="0" u="none" strike="noStrike" cap="none" dirty="0">
                 <a:solidFill>
                   <a:srgbClr val="00FF00"/>
                 </a:solidFill>
@@ -18901,7 +18545,7 @@
               <a:t>line</a:t>
             </a:r>
             <a:r>
-              <a:rPr lang="en-US" sz="2400" i="0" u="none" strike="noStrike" cap="none" dirty="0">
+              <a:rPr lang="en-US" sz="2400" b="1" i="0" u="none" strike="noStrike" cap="none" dirty="0">
                 <a:solidFill>
                   <a:schemeClr val="lt1"/>
                 </a:solidFill>
@@ -18913,7 +18557,7 @@
               <a:t> = </a:t>
             </a:r>
             <a:r>
-              <a:rPr lang="en-US" sz="2400" i="0" u="none" strike="noStrike" cap="none" dirty="0" err="1">
+              <a:rPr lang="en-US" sz="2400" b="1" i="0" u="none" strike="noStrike" cap="none" dirty="0" err="1">
                 <a:solidFill>
                   <a:srgbClr val="00FF00"/>
                 </a:solidFill>
@@ -18925,7 +18569,7 @@
               <a:t>line</a:t>
             </a:r>
             <a:r>
-              <a:rPr lang="en-US" sz="2400" i="0" u="none" strike="noStrike" cap="none" dirty="0" err="1">
+              <a:rPr lang="en-US" sz="2400" b="1" i="0" u="none" strike="noStrike" cap="none" dirty="0" err="1">
                 <a:solidFill>
                   <a:srgbClr val="FF00FF"/>
                 </a:solidFill>
@@ -18937,7 +18581,7 @@
               <a:t>.rstrip</a:t>
             </a:r>
             <a:r>
-              <a:rPr lang="en-US" sz="2400" i="0" u="none" strike="noStrike" cap="none" dirty="0">
+              <a:rPr lang="en-US" sz="2400" b="1" i="0" u="none" strike="noStrike" cap="none" dirty="0">
                 <a:solidFill>
                   <a:schemeClr val="lt1"/>
                 </a:solidFill>
@@ -18968,7 +18612,7 @@
               <a:buNone/>
             </a:pPr>
             <a:r>
-              <a:rPr lang="en-US" sz="2400" i="0" u="none" strike="noStrike" cap="none" dirty="0">
+              <a:rPr lang="en-US" sz="2400" b="1" i="0" u="none" strike="noStrike" cap="none" dirty="0">
                 <a:solidFill>
                   <a:schemeClr val="lt1"/>
                 </a:solidFill>
@@ -18980,7 +18624,7 @@
               <a:t>     </a:t>
             </a:r>
             <a:r>
-              <a:rPr lang="en-US" sz="2400" i="0" u="none" strike="noStrike" cap="none" dirty="0">
+              <a:rPr lang="en-US" sz="2400" b="1" i="0" u="none" strike="noStrike" cap="none" dirty="0">
                 <a:solidFill>
                   <a:srgbClr val="FFFF00"/>
                 </a:solidFill>
@@ -18992,7 +18636,7 @@
               <a:t>if not</a:t>
             </a:r>
             <a:r>
-              <a:rPr lang="en-US" sz="2400" i="0" u="none" strike="noStrike" cap="none" dirty="0">
+              <a:rPr lang="en-US" sz="2400" b="1" i="0" u="none" strike="noStrike" cap="none" dirty="0">
                 <a:solidFill>
                   <a:schemeClr val="lt1"/>
                 </a:solidFill>
@@ -19004,7 +18648,7 @@
               <a:t> </a:t>
             </a:r>
             <a:r>
-              <a:rPr lang="en-US" sz="2400" i="0" u="none" strike="noStrike" cap="none" dirty="0" err="1">
+              <a:rPr lang="en-US" sz="2400" b="1" i="0" u="none" strike="noStrike" cap="none" dirty="0" err="1">
                 <a:solidFill>
                   <a:srgbClr val="00FF00"/>
                 </a:solidFill>
@@ -19016,7 +18660,7 @@
               <a:t>line</a:t>
             </a:r>
             <a:r>
-              <a:rPr lang="en-US" sz="2400" i="0" u="none" strike="noStrike" cap="none" dirty="0" err="1">
+              <a:rPr lang="en-US" sz="2400" b="1" i="0" u="none" strike="noStrike" cap="none" dirty="0" err="1">
                 <a:solidFill>
                   <a:srgbClr val="FF00FF"/>
                 </a:solidFill>
@@ -19028,7 +18672,7 @@
               <a:t>.startswith</a:t>
             </a:r>
             <a:r>
-              <a:rPr lang="en-US" sz="2400" i="0" u="none" strike="noStrike" cap="none" dirty="0">
+              <a:rPr lang="en-US" sz="2400" b="1" i="0" u="none" strike="noStrike" cap="none" dirty="0">
                 <a:solidFill>
                   <a:schemeClr val="lt1"/>
                 </a:solidFill>
@@ -19040,7 +18684,7 @@
               <a:t>('From ') : </a:t>
             </a:r>
             <a:r>
-              <a:rPr lang="en-US" sz="2400" i="0" u="none" strike="noStrike" cap="none" dirty="0">
+              <a:rPr lang="en-US" sz="2400" b="1" i="0" u="none" strike="noStrike" cap="none" dirty="0">
                 <a:solidFill>
                   <a:srgbClr val="FFFF00"/>
                 </a:solidFill>
@@ -19071,7 +18715,7 @@
               <a:buNone/>
             </a:pPr>
             <a:r>
-              <a:rPr lang="en-US" sz="2400" i="0" u="none" strike="noStrike" cap="none" dirty="0">
+              <a:rPr lang="en-US" sz="2400" b="1" i="0" u="none" strike="noStrike" cap="none" dirty="0">
                 <a:solidFill>
                   <a:schemeClr val="lt1"/>
                 </a:solidFill>
@@ -19083,7 +18727,7 @@
               <a:t>     </a:t>
             </a:r>
             <a:r>
-              <a:rPr lang="en-US" sz="2400" i="0" u="none" strike="noStrike" cap="none" dirty="0">
+              <a:rPr lang="en-US" sz="2400" b="1" i="0" u="none" strike="noStrike" cap="none" dirty="0">
                 <a:solidFill>
                   <a:srgbClr val="00FF00"/>
                 </a:solidFill>
@@ -19095,7 +18739,7 @@
               <a:t>words</a:t>
             </a:r>
             <a:r>
-              <a:rPr lang="en-US" sz="2400" i="0" u="none" strike="noStrike" cap="none" dirty="0">
+              <a:rPr lang="en-US" sz="2400" b="1" i="0" u="none" strike="noStrike" cap="none" dirty="0">
                 <a:solidFill>
                   <a:schemeClr val="lt1"/>
                 </a:solidFill>
@@ -19107,7 +18751,7 @@
               <a:t> = </a:t>
             </a:r>
             <a:r>
-              <a:rPr lang="en-US" sz="2400" i="0" u="none" strike="noStrike" cap="none" dirty="0" err="1">
+              <a:rPr lang="en-US" sz="2400" b="1" i="0" u="none" strike="noStrike" cap="none" dirty="0" err="1">
                 <a:solidFill>
                   <a:srgbClr val="00FF00"/>
                 </a:solidFill>
@@ -19119,7 +18763,7 @@
               <a:t>line</a:t>
             </a:r>
             <a:r>
-              <a:rPr lang="en-US" sz="2400" i="0" u="none" strike="noStrike" cap="none" dirty="0" err="1">
+              <a:rPr lang="en-US" sz="2400" b="1" i="0" u="none" strike="noStrike" cap="none" dirty="0" err="1">
                 <a:solidFill>
                   <a:srgbClr val="FF00FF"/>
                 </a:solidFill>
@@ -19131,7 +18775,7 @@
               <a:t>.split</a:t>
             </a:r>
             <a:r>
-              <a:rPr lang="en-US" sz="2400" i="0" u="none" strike="noStrike" cap="none" dirty="0">
+              <a:rPr lang="en-US" sz="2400" b="1" i="0" u="none" strike="noStrike" cap="none" dirty="0">
                 <a:solidFill>
                   <a:schemeClr val="lt1"/>
                 </a:solidFill>
@@ -19151,7 +18795,7 @@
               <a:buSzPct val="25000"/>
             </a:pPr>
             <a:r>
-              <a:rPr lang="en-US" sz="2400" i="0" u="none" strike="noStrike" cap="none" dirty="0">
+              <a:rPr lang="en-US" sz="2400" b="1" i="0" u="none" strike="noStrike" cap="none" dirty="0">
                 <a:solidFill>
                   <a:schemeClr val="lt1"/>
                 </a:solidFill>
@@ -19163,7 +18807,7 @@
               <a:t>     </a:t>
             </a:r>
             <a:r>
-              <a:rPr lang="en-US" sz="2400" i="0" u="none" strike="noStrike" cap="none" dirty="0" smtClean="0">
+              <a:rPr lang="en-US" sz="2400" b="1" i="0" u="none" strike="noStrike" cap="none" dirty="0">
                 <a:solidFill>
                   <a:srgbClr val="FFFF00"/>
                 </a:solidFill>
@@ -19175,7 +18819,7 @@
               <a:t>print(</a:t>
             </a:r>
             <a:r>
-              <a:rPr lang="en-US" sz="2400" i="0" u="none" strike="noStrike" cap="none" dirty="0" smtClean="0">
+              <a:rPr lang="en-US" sz="2400" b="1" i="0" u="none" strike="noStrike" cap="none" dirty="0">
                 <a:solidFill>
                   <a:srgbClr val="00FF00"/>
                 </a:solidFill>
@@ -19187,7 +18831,7 @@
               <a:t>words</a:t>
             </a:r>
             <a:r>
-              <a:rPr lang="en-US" sz="2400" i="0" u="none" strike="noStrike" cap="none" dirty="0" smtClean="0">
+              <a:rPr lang="en-US" sz="2400" b="1" i="0" u="none" strike="noStrike" cap="none" dirty="0">
                 <a:solidFill>
                   <a:srgbClr val="00FFFF"/>
                 </a:solidFill>
@@ -19199,7 +18843,7 @@
               <a:t>[2]</a:t>
             </a:r>
             <a:r>
-              <a:rPr lang="en-US" sz="2400" dirty="0" smtClean="0">
+              <a:rPr lang="en-US" sz="2400" b="1" dirty="0">
                 <a:solidFill>
                   <a:srgbClr val="FFFF00"/>
                 </a:solidFill>
@@ -19210,15 +18854,6 @@
               </a:rPr>
               <a:t>)</a:t>
             </a:r>
-            <a:endParaRPr lang="en-US" sz="2400" dirty="0">
-              <a:solidFill>
-                <a:srgbClr val="FFFF00"/>
-              </a:solidFill>
-              <a:latin typeface="Courier"/>
-              <a:ea typeface="Courier"/>
-              <a:cs typeface="Courier"/>
-              <a:sym typeface="Courier New"/>
-            </a:endParaRPr>
           </a:p>
           <a:p>
             <a:pPr marL="0" marR="0" lvl="0" indent="0" algn="l" rtl="0">
@@ -19544,7 +19179,7 @@
               <a:buSzPct val="25000"/>
             </a:pPr>
             <a:r>
-              <a:rPr lang="en-US" sz="2400" i="0" u="none" strike="noStrike" cap="none" dirty="0">
+              <a:rPr lang="en-US" sz="2400" b="1" i="0" u="none" strike="noStrike" cap="none" dirty="0">
                 <a:solidFill>
                   <a:schemeClr val="lt1"/>
                 </a:solidFill>
@@ -19556,7 +19191,7 @@
               <a:t>&gt;&gt;&gt; </a:t>
             </a:r>
             <a:r>
-              <a:rPr lang="en-US" sz="2400" i="0" u="none" strike="noStrike" cap="none" dirty="0">
+              <a:rPr lang="en-US" sz="2400" b="1" i="0" u="none" strike="noStrike" cap="none" dirty="0">
                 <a:solidFill>
                   <a:srgbClr val="00FF00"/>
                 </a:solidFill>
@@ -19568,7 +19203,7 @@
               <a:t>line</a:t>
             </a:r>
             <a:r>
-              <a:rPr lang="en-US" sz="2400" i="0" u="none" strike="noStrike" cap="none" dirty="0">
+              <a:rPr lang="en-US" sz="2400" b="1" i="0" u="none" strike="noStrike" cap="none" dirty="0">
                 <a:solidFill>
                   <a:schemeClr val="lt1"/>
                 </a:solidFill>
@@ -19580,7 +19215,7 @@
               <a:t> = 'From </a:t>
             </a:r>
             <a:r>
-              <a:rPr lang="en-US" sz="2400" i="0" u="none" strike="noStrike" cap="none" dirty="0" err="1">
+              <a:rPr lang="en-US" sz="2400" b="1" i="0" u="none" strike="noStrike" cap="none" dirty="0" err="1">
                 <a:solidFill>
                   <a:schemeClr val="lt1"/>
                 </a:solidFill>
@@ -19592,7 +19227,7 @@
               <a:t>stephen.marquard@uct.ac.za</a:t>
             </a:r>
             <a:r>
-              <a:rPr lang="en-US" sz="2400" dirty="0">
+              <a:rPr lang="en-US" sz="2400" b="1" dirty="0">
                 <a:solidFill>
                   <a:schemeClr val="lt1"/>
                 </a:solidFill>
@@ -19623,7 +19258,7 @@
               <a:buNone/>
             </a:pPr>
             <a:r>
-              <a:rPr lang="en-US" sz="2400" i="0" u="none" strike="noStrike" cap="none" dirty="0">
+              <a:rPr lang="en-US" sz="2400" b="1" i="0" u="none" strike="noStrike" cap="none" dirty="0">
                 <a:solidFill>
                   <a:schemeClr val="lt1"/>
                 </a:solidFill>
@@ -19635,7 +19270,7 @@
               <a:t>&gt;&gt;&gt; </a:t>
             </a:r>
             <a:r>
-              <a:rPr lang="en-US" sz="2400" i="0" u="none" strike="noStrike" cap="none" dirty="0">
+              <a:rPr lang="en-US" sz="2400" b="1" i="0" u="none" strike="noStrike" cap="none" dirty="0">
                 <a:solidFill>
                   <a:srgbClr val="00FF00"/>
                 </a:solidFill>
@@ -19647,7 +19282,7 @@
               <a:t>words</a:t>
             </a:r>
             <a:r>
-              <a:rPr lang="en-US" sz="2400" i="0" u="none" strike="noStrike" cap="none" dirty="0">
+              <a:rPr lang="en-US" sz="2400" b="1" i="0" u="none" strike="noStrike" cap="none" dirty="0">
                 <a:solidFill>
                   <a:schemeClr val="lt1"/>
                 </a:solidFill>
@@ -19659,7 +19294,7 @@
               <a:t> = </a:t>
             </a:r>
             <a:r>
-              <a:rPr lang="en-US" sz="2400" i="0" u="none" strike="noStrike" cap="none" dirty="0" err="1">
+              <a:rPr lang="en-US" sz="2400" b="1" i="0" u="none" strike="noStrike" cap="none" dirty="0" err="1">
                 <a:solidFill>
                   <a:srgbClr val="00FF00"/>
                 </a:solidFill>
@@ -19671,7 +19306,7 @@
               <a:t>line</a:t>
             </a:r>
             <a:r>
-              <a:rPr lang="en-US" sz="2400" i="0" u="none" strike="noStrike" cap="none" dirty="0" err="1">
+              <a:rPr lang="en-US" sz="2400" b="1" i="0" u="none" strike="noStrike" cap="none" dirty="0" err="1">
                 <a:solidFill>
                   <a:srgbClr val="FF00FF"/>
                 </a:solidFill>
@@ -19683,7 +19318,7 @@
               <a:t>.split</a:t>
             </a:r>
             <a:r>
-              <a:rPr lang="en-US" sz="2400" i="0" u="none" strike="noStrike" cap="none" dirty="0">
+              <a:rPr lang="en-US" sz="2400" b="1" i="0" u="none" strike="noStrike" cap="none" dirty="0">
                 <a:solidFill>
                   <a:schemeClr val="lt1"/>
                 </a:solidFill>
@@ -19703,7 +19338,7 @@
               <a:buSzPct val="25000"/>
             </a:pPr>
             <a:r>
-              <a:rPr lang="en-US" sz="2400" i="0" u="none" strike="noStrike" cap="none" dirty="0">
+              <a:rPr lang="en-US" sz="2400" b="1" i="0" u="none" strike="noStrike" cap="none" dirty="0">
                 <a:solidFill>
                   <a:schemeClr val="lt1"/>
                 </a:solidFill>
@@ -19715,7 +19350,7 @@
               <a:t>&gt;&gt;&gt; </a:t>
             </a:r>
             <a:r>
-              <a:rPr lang="en-US" sz="2400" i="0" u="none" strike="noStrike" cap="none" dirty="0" smtClean="0">
+              <a:rPr lang="en-US" sz="2400" b="1" i="0" u="none" strike="noStrike" cap="none" dirty="0">
                 <a:solidFill>
                   <a:srgbClr val="FFFF00"/>
                 </a:solidFill>
@@ -19727,7 +19362,7 @@
               <a:t>print(</a:t>
             </a:r>
             <a:r>
-              <a:rPr lang="en-US" sz="2400" i="0" u="none" strike="noStrike" cap="none" dirty="0" smtClean="0">
+              <a:rPr lang="en-US" sz="2400" b="1" i="0" u="none" strike="noStrike" cap="none" dirty="0">
                 <a:solidFill>
                   <a:srgbClr val="00FF00"/>
                 </a:solidFill>
@@ -19739,7 +19374,7 @@
               <a:t>words</a:t>
             </a:r>
             <a:r>
-              <a:rPr lang="en-US" sz="2400" dirty="0" smtClean="0">
+              <a:rPr lang="en-US" sz="2400" b="1" dirty="0">
                 <a:solidFill>
                   <a:srgbClr val="FFFF00"/>
                 </a:solidFill>
@@ -19750,7 +19385,7 @@
               </a:rPr>
               <a:t>)</a:t>
             </a:r>
-            <a:endParaRPr lang="en-US" sz="2400" i="0" u="none" strike="noStrike" cap="none" dirty="0">
+            <a:endParaRPr lang="en-US" sz="2400" b="1" i="0" u="none" strike="noStrike" cap="none" dirty="0">
               <a:solidFill>
                 <a:srgbClr val="00FF00"/>
               </a:solidFill>
@@ -19779,7 +19414,7 @@
               <a:buNone/>
             </a:pPr>
             <a:r>
-              <a:rPr lang="en-US" sz="2400" i="0" u="none" strike="noStrike" cap="none" dirty="0">
+              <a:rPr lang="en-US" sz="2400" b="1" i="0" u="none" strike="noStrike" cap="none" dirty="0">
                 <a:solidFill>
                   <a:schemeClr val="lt1"/>
                 </a:solidFill>
@@ -19791,7 +19426,7 @@
               <a:t>['From', '</a:t>
             </a:r>
             <a:r>
-              <a:rPr lang="en-US" sz="2400" i="0" u="none" strike="noStrike" cap="none" dirty="0" err="1">
+              <a:rPr lang="en-US" sz="2400" b="1" i="0" u="none" strike="noStrike" cap="none" dirty="0" err="1">
                 <a:solidFill>
                   <a:schemeClr val="lt1"/>
                 </a:solidFill>
@@ -19803,7 +19438,7 @@
               <a:t>stephen.marquard@uct.ac.za</a:t>
             </a:r>
             <a:r>
-              <a:rPr lang="en-US" sz="2400" i="0" u="none" strike="noStrike" cap="none" dirty="0">
+              <a:rPr lang="en-US" sz="2400" b="1" i="0" u="none" strike="noStrike" cap="none" dirty="0">
                 <a:solidFill>
                   <a:schemeClr val="lt1"/>
                 </a:solidFill>
@@ -19834,7 +19469,7 @@
               <a:buNone/>
             </a:pPr>
             <a:r>
-              <a:rPr lang="en-US" sz="2400" i="0" u="none" strike="noStrike" cap="none" dirty="0">
+              <a:rPr lang="en-US" sz="2400" b="1" i="0" u="none" strike="noStrike" cap="none" dirty="0">
                 <a:solidFill>
                   <a:schemeClr val="lt1"/>
                 </a:solidFill>
@@ -20147,7 +19782,7 @@
               <a:buNone/>
             </a:pPr>
             <a:r>
-              <a:rPr lang="en-US" sz="2400" i="0" u="none" strike="noStrike" cap="none" dirty="0">
+              <a:rPr lang="en-US" sz="2400" b="1" i="0" u="none" strike="noStrike" cap="none" dirty="0">
                 <a:solidFill>
                   <a:schemeClr val="lt1"/>
                 </a:solidFill>
@@ -20159,7 +19794,7 @@
               <a:t>words = </a:t>
             </a:r>
             <a:r>
-              <a:rPr lang="en-US" sz="2400" i="0" u="none" strike="noStrike" cap="none" dirty="0" err="1">
+              <a:rPr lang="en-US" sz="2400" b="1" i="0" u="none" strike="noStrike" cap="none" dirty="0" err="1">
                 <a:solidFill>
                   <a:srgbClr val="FF7F00"/>
                 </a:solidFill>
@@ -20171,7 +19806,7 @@
               <a:t>line</a:t>
             </a:r>
             <a:r>
-              <a:rPr lang="en-US" sz="2400" i="0" u="none" strike="noStrike" cap="none" dirty="0" err="1">
+              <a:rPr lang="en-US" sz="2400" b="1" i="0" u="none" strike="noStrike" cap="none" dirty="0" err="1">
                 <a:solidFill>
                   <a:schemeClr val="lt1"/>
                 </a:solidFill>
@@ -20183,7 +19818,7 @@
               <a:t>.split</a:t>
             </a:r>
             <a:r>
-              <a:rPr lang="en-US" sz="2400" i="0" u="none" strike="noStrike" cap="none" dirty="0">
+              <a:rPr lang="en-US" sz="2400" b="1" i="0" u="none" strike="noStrike" cap="none" dirty="0">
                 <a:solidFill>
                   <a:schemeClr val="lt1"/>
                 </a:solidFill>
@@ -20214,7 +19849,7 @@
               <a:buNone/>
             </a:pPr>
             <a:r>
-              <a:rPr lang="en-US" sz="2400" i="0" u="none" strike="noStrike" cap="none" dirty="0">
+              <a:rPr lang="en-US" sz="2400" b="1" i="0" u="none" strike="noStrike" cap="none" dirty="0">
                 <a:solidFill>
                   <a:srgbClr val="FF00FF"/>
                 </a:solidFill>
@@ -20226,7 +19861,7 @@
               <a:t>email</a:t>
             </a:r>
             <a:r>
-              <a:rPr lang="en-US" sz="2400" i="0" u="none" strike="noStrike" cap="none" dirty="0">
+              <a:rPr lang="en-US" sz="2400" b="1" i="0" u="none" strike="noStrike" cap="none" dirty="0">
                 <a:solidFill>
                   <a:schemeClr val="lt1"/>
                 </a:solidFill>
@@ -20396,7 +20031,7 @@
               <a:buNone/>
             </a:pPr>
             <a:r>
-              <a:rPr lang="en-US" sz="2400" i="0" u="none" strike="noStrike" cap="none" dirty="0" smtClean="0">
+              <a:rPr lang="en-US" sz="2400" b="1" i="0" u="none" strike="noStrike" cap="none" dirty="0">
                 <a:solidFill>
                   <a:srgbClr val="FF00FF"/>
                 </a:solidFill>
@@ -20408,7 +20043,7 @@
               <a:t> </a:t>
             </a:r>
             <a:r>
-              <a:rPr lang="en-US" sz="2400" i="0" u="none" strike="noStrike" cap="none" dirty="0" err="1" smtClean="0">
+              <a:rPr lang="en-US" sz="2400" b="1" i="0" u="none" strike="noStrike" cap="none" dirty="0" err="1">
                 <a:solidFill>
                   <a:srgbClr val="FF00FF"/>
                 </a:solidFill>
@@ -20417,21 +20052,9 @@
                 <a:cs typeface="Courier"/>
                 <a:sym typeface="Courier New"/>
               </a:rPr>
-              <a:t>stephen.marquard</a:t>
-            </a:r>
-            <a:r>
-              <a:rPr lang="en-US" sz="2400" i="0" u="none" strike="noStrike" cap="none" dirty="0" err="1">
-                <a:solidFill>
-                  <a:srgbClr val="FF00FF"/>
-                </a:solidFill>
-                <a:latin typeface="Courier"/>
-                <a:ea typeface="Courier"/>
-                <a:cs typeface="Courier"/>
-                <a:sym typeface="Courier New"/>
-              </a:rPr>
-              <a:t>@uct.ac.za</a:t>
-            </a:r>
-            <a:endParaRPr lang="en-US" sz="2400" i="0" u="none" strike="noStrike" cap="none" dirty="0">
+              <a:t>stephen.marquard@uct.ac.za</a:t>
+            </a:r>
+            <a:endParaRPr lang="en-US" sz="2400" b="1" i="0" u="none" strike="noStrike" cap="none" dirty="0">
               <a:solidFill>
                 <a:srgbClr val="FF00FF"/>
               </a:solidFill>
@@ -20531,29 +20154,8 @@
                 <a:cs typeface="Courier"/>
                 <a:sym typeface="Courier New"/>
               </a:rPr>
-              <a:t> Sat Jan  5 09:14:16 </a:t>
-            </a:r>
-            <a:r>
-              <a:rPr lang="en-US" sz="3000" i="0" u="none" strike="noStrike" cap="none" dirty="0" smtClean="0">
-                <a:solidFill>
-                  <a:srgbClr val="FF7F00"/>
-                </a:solidFill>
-                <a:latin typeface="Courier"/>
-                <a:ea typeface="Courier"/>
-                <a:cs typeface="Courier"/>
-                <a:sym typeface="Courier New"/>
-              </a:rPr>
-              <a:t>2008</a:t>
-            </a:r>
-            <a:endParaRPr lang="en-US" sz="3000" i="0" u="none" strike="noStrike" cap="none" dirty="0">
-              <a:solidFill>
-                <a:srgbClr val="FF7F00"/>
-              </a:solidFill>
-              <a:latin typeface="Courier"/>
-              <a:ea typeface="Courier"/>
-              <a:cs typeface="Courier"/>
-              <a:sym typeface="Courier New"/>
-            </a:endParaRPr>
+              <a:t> Sat Jan  5 09:14:16 2008</a:t>
+            </a:r>
           </a:p>
         </p:txBody>
       </p:sp>
@@ -20600,7 +20202,7 @@
               <a:buNone/>
             </a:pPr>
             <a:r>
-              <a:rPr lang="en-US" sz="2400" i="0" u="none" strike="noStrike" cap="none" dirty="0">
+              <a:rPr lang="en-US" sz="2400" b="1" i="0" u="none" strike="noStrike" cap="none" dirty="0">
                 <a:solidFill>
                   <a:schemeClr val="lt1"/>
                 </a:solidFill>
@@ -20612,7 +20214,7 @@
               <a:t>words = </a:t>
             </a:r>
             <a:r>
-              <a:rPr lang="en-US" sz="2400" i="0" u="none" strike="noStrike" cap="none" dirty="0" err="1">
+              <a:rPr lang="en-US" sz="2400" b="1" i="0" u="none" strike="noStrike" cap="none" dirty="0" err="1">
                 <a:solidFill>
                   <a:srgbClr val="FF7F00"/>
                 </a:solidFill>
@@ -20624,7 +20226,7 @@
               <a:t>line</a:t>
             </a:r>
             <a:r>
-              <a:rPr lang="en-US" sz="2400" i="0" u="none" strike="noStrike" cap="none" dirty="0" err="1">
+              <a:rPr lang="en-US" sz="2400" b="1" i="0" u="none" strike="noStrike" cap="none" dirty="0" err="1">
                 <a:solidFill>
                   <a:schemeClr val="lt1"/>
                 </a:solidFill>
@@ -20636,7 +20238,7 @@
               <a:t>.split</a:t>
             </a:r>
             <a:r>
-              <a:rPr lang="en-US" sz="2400" i="0" u="none" strike="noStrike" cap="none" dirty="0">
+              <a:rPr lang="en-US" sz="2400" b="1" i="0" u="none" strike="noStrike" cap="none" dirty="0">
                 <a:solidFill>
                   <a:schemeClr val="lt1"/>
                 </a:solidFill>
@@ -20667,7 +20269,7 @@
               <a:buNone/>
             </a:pPr>
             <a:r>
-              <a:rPr lang="en-US" sz="2400" i="0" u="none" strike="noStrike" cap="none" dirty="0">
+              <a:rPr lang="en-US" sz="2400" b="1" i="0" u="none" strike="noStrike" cap="none" dirty="0">
                 <a:solidFill>
                   <a:srgbClr val="FF00FF"/>
                 </a:solidFill>
@@ -20679,7 +20281,7 @@
               <a:t>email</a:t>
             </a:r>
             <a:r>
-              <a:rPr lang="en-US" sz="2400" i="0" u="none" strike="noStrike" cap="none" dirty="0">
+              <a:rPr lang="en-US" sz="2400" b="1" i="0" u="none" strike="noStrike" cap="none" dirty="0">
                 <a:solidFill>
                   <a:schemeClr val="lt1"/>
                 </a:solidFill>
@@ -20849,7 +20451,7 @@
               <a:buNone/>
             </a:pPr>
             <a:r>
-              <a:rPr lang="en-US" sz="2400" i="0" u="none" strike="noStrike" cap="none" dirty="0">
+              <a:rPr lang="en-US" sz="2400" b="1" i="0" u="none" strike="noStrike" cap="none" dirty="0">
                 <a:solidFill>
                   <a:srgbClr val="FFFF00"/>
                 </a:solidFill>
@@ -20861,7 +20463,7 @@
               <a:t>['</a:t>
             </a:r>
             <a:r>
-              <a:rPr lang="en-US" sz="2400" i="0" u="none" strike="noStrike" cap="none" dirty="0" err="1">
+              <a:rPr lang="en-US" sz="2400" b="1" i="0" u="none" strike="noStrike" cap="none" dirty="0" err="1">
                 <a:solidFill>
                   <a:srgbClr val="FFFF00"/>
                 </a:solidFill>
@@ -20873,7 +20475,7 @@
               <a:t>stephen.marquard</a:t>
             </a:r>
             <a:r>
-              <a:rPr lang="en-US" sz="2400" i="0" u="none" strike="noStrike" cap="none" dirty="0">
+              <a:rPr lang="en-US" sz="2400" b="1" i="0" u="none" strike="noStrike" cap="none" dirty="0">
                 <a:solidFill>
                   <a:srgbClr val="FFFF00"/>
                 </a:solidFill>
@@ -20882,34 +20484,22 @@
                 <a:cs typeface="Courier"/>
                 <a:sym typeface="Courier New"/>
               </a:rPr>
-              <a:t>', </a:t>
+              <a:t>', '</a:t>
+            </a:r>
+            <a:r>
+              <a:rPr lang="en-US" sz="2400" b="1" i="0" u="none" strike="noStrike" cap="none" dirty="0" err="1">
+                <a:solidFill>
+                  <a:srgbClr val="FFFF00"/>
+                </a:solidFill>
+                <a:latin typeface="Courier"/>
+                <a:ea typeface="Courier"/>
+                <a:cs typeface="Courier"/>
+                <a:sym typeface="Courier New"/>
+              </a:rPr>
+              <a:t>uct.ac.za</a:t>
             </a:r>
             <a:r>
               <a:rPr lang="en-US" sz="2400" b="1" i="0" u="none" strike="noStrike" cap="none" dirty="0">
-                <a:solidFill>
-                  <a:srgbClr val="FFFF00"/>
-                </a:solidFill>
-                <a:latin typeface="Courier"/>
-                <a:ea typeface="Courier"/>
-                <a:cs typeface="Courier"/>
-                <a:sym typeface="Courier New"/>
-              </a:rPr>
-              <a:t>'</a:t>
-            </a:r>
-            <a:r>
-              <a:rPr lang="en-US" sz="2400" b="1" i="0" u="none" strike="noStrike" cap="none" dirty="0" err="1">
-                <a:solidFill>
-                  <a:srgbClr val="FFFF00"/>
-                </a:solidFill>
-                <a:latin typeface="Courier"/>
-                <a:ea typeface="Courier"/>
-                <a:cs typeface="Courier"/>
-                <a:sym typeface="Courier New"/>
-              </a:rPr>
-              <a:t>uct.ac.za</a:t>
-            </a:r>
-            <a:r>
-              <a:rPr lang="en-US" sz="2400" i="0" u="none" strike="noStrike" cap="none" dirty="0">
                 <a:solidFill>
                   <a:srgbClr val="FFFF00"/>
                 </a:solidFill>
@@ -21071,7 +20661,7 @@
               <a:buNone/>
             </a:pPr>
             <a:r>
-              <a:rPr lang="en-US" sz="2400" i="0" u="none" strike="noStrike" cap="none" dirty="0">
+              <a:rPr lang="en-US" sz="2400" b="1" i="0" u="none" strike="noStrike" cap="none" dirty="0">
                 <a:solidFill>
                   <a:schemeClr val="lt1"/>
                 </a:solidFill>
@@ -21083,7 +20673,7 @@
               <a:t>words = </a:t>
             </a:r>
             <a:r>
-              <a:rPr lang="en-US" sz="2400" i="0" u="none" strike="noStrike" cap="none" dirty="0" err="1">
+              <a:rPr lang="en-US" sz="2400" b="1" i="0" u="none" strike="noStrike" cap="none" dirty="0" err="1">
                 <a:solidFill>
                   <a:srgbClr val="FF7F00"/>
                 </a:solidFill>
@@ -21095,7 +20685,7 @@
               <a:t>line</a:t>
             </a:r>
             <a:r>
-              <a:rPr lang="en-US" sz="2400" i="0" u="none" strike="noStrike" cap="none" dirty="0" err="1">
+              <a:rPr lang="en-US" sz="2400" b="1" i="0" u="none" strike="noStrike" cap="none" dirty="0" err="1">
                 <a:solidFill>
                   <a:schemeClr val="lt1"/>
                 </a:solidFill>
@@ -21107,7 +20697,7 @@
               <a:t>.split</a:t>
             </a:r>
             <a:r>
-              <a:rPr lang="en-US" sz="2400" i="0" u="none" strike="noStrike" cap="none" dirty="0">
+              <a:rPr lang="en-US" sz="2400" b="1" i="0" u="none" strike="noStrike" cap="none" dirty="0">
                 <a:solidFill>
                   <a:schemeClr val="lt1"/>
                 </a:solidFill>
@@ -21138,7 +20728,7 @@
               <a:buNone/>
             </a:pPr>
             <a:r>
-              <a:rPr lang="en-US" sz="2400" i="0" u="none" strike="noStrike" cap="none" dirty="0">
+              <a:rPr lang="en-US" sz="2400" b="1" i="0" u="none" strike="noStrike" cap="none" dirty="0">
                 <a:solidFill>
                   <a:srgbClr val="FF00FF"/>
                 </a:solidFill>
@@ -21150,7 +20740,7 @@
               <a:t>email</a:t>
             </a:r>
             <a:r>
-              <a:rPr lang="en-US" sz="2400" i="0" u="none" strike="noStrike" cap="none" dirty="0">
+              <a:rPr lang="en-US" sz="2400" b="1" i="0" u="none" strike="noStrike" cap="none" dirty="0">
                 <a:solidFill>
                   <a:schemeClr val="lt1"/>
                 </a:solidFill>
@@ -21181,7 +20771,7 @@
               <a:buNone/>
             </a:pPr>
             <a:r>
-              <a:rPr lang="en-US" sz="2400" dirty="0">
+              <a:rPr lang="en-US" sz="2400" b="1" dirty="0">
                 <a:solidFill>
                   <a:srgbClr val="FFFF00"/>
                 </a:solidFill>
@@ -21193,7 +20783,7 @@
               <a:t>pieces</a:t>
             </a:r>
             <a:r>
-              <a:rPr lang="en-US" sz="2400" dirty="0">
+              <a:rPr lang="en-US" sz="2400" b="1" dirty="0">
                 <a:solidFill>
                   <a:schemeClr val="lt1"/>
                 </a:solidFill>
@@ -21205,7 +20795,7 @@
               <a:t> = </a:t>
             </a:r>
             <a:r>
-              <a:rPr lang="en-US" sz="2400" dirty="0" err="1">
+              <a:rPr lang="en-US" sz="2400" b="1" dirty="0" err="1">
                 <a:solidFill>
                   <a:schemeClr val="lt1"/>
                 </a:solidFill>
@@ -21217,7 +20807,7 @@
               <a:t>email.split</a:t>
             </a:r>
             <a:r>
-              <a:rPr lang="en-US" sz="2400" dirty="0">
+              <a:rPr lang="en-US" sz="2400" b="1" dirty="0">
                 <a:solidFill>
                   <a:schemeClr val="lt1"/>
                 </a:solidFill>
@@ -21305,7 +20895,7 @@
               <a:buNone/>
             </a:pPr>
             <a:r>
-              <a:rPr lang="en-US" sz="2400" i="0" u="none" strike="noStrike" cap="none" dirty="0" err="1">
+              <a:rPr lang="en-US" sz="2400" b="1" i="0" u="none" strike="noStrike" cap="none" dirty="0" err="1">
                 <a:solidFill>
                   <a:srgbClr val="FF00FF"/>
                 </a:solidFill>
@@ -21316,7 +20906,7 @@
               </a:rPr>
               <a:t>stephen.marquard@uct.ac.za</a:t>
             </a:r>
-            <a:endParaRPr lang="en-US" sz="2400" i="0" u="none" strike="noStrike" cap="none" dirty="0">
+            <a:endParaRPr lang="en-US" sz="2400" b="1" i="0" u="none" strike="noStrike" cap="none" dirty="0">
               <a:solidFill>
                 <a:srgbClr val="FF00FF"/>
               </a:solidFill>
@@ -21453,7 +21043,7 @@
               <a:buNone/>
             </a:pPr>
             <a:r>
-              <a:rPr lang="en-US" sz="2400" i="0" u="none" strike="noStrike" cap="none" dirty="0">
+              <a:rPr lang="en-US" sz="2400" b="1" i="0" u="none" strike="noStrike" cap="none" dirty="0">
                 <a:solidFill>
                   <a:srgbClr val="FFFF00"/>
                 </a:solidFill>
@@ -21465,7 +21055,7 @@
               <a:t>['</a:t>
             </a:r>
             <a:r>
-              <a:rPr lang="en-US" sz="2400" i="0" u="none" strike="noStrike" cap="none" dirty="0" err="1">
+              <a:rPr lang="en-US" sz="2400" b="1" i="0" u="none" strike="noStrike" cap="none" dirty="0" err="1">
                 <a:solidFill>
                   <a:srgbClr val="FFFF00"/>
                 </a:solidFill>
@@ -21477,7 +21067,7 @@
               <a:t>stephen.marquard</a:t>
             </a:r>
             <a:r>
-              <a:rPr lang="en-US" sz="2400" i="0" u="none" strike="noStrike" cap="none" dirty="0">
+              <a:rPr lang="en-US" sz="2400" b="1" i="0" u="none" strike="noStrike" cap="none" dirty="0">
                 <a:solidFill>
                   <a:srgbClr val="FFFF00"/>
                 </a:solidFill>
@@ -21489,7 +21079,7 @@
               <a:t>', '</a:t>
             </a:r>
             <a:r>
-              <a:rPr lang="en-US" sz="2400" i="0" u="none" strike="noStrike" cap="none" dirty="0" err="1">
+              <a:rPr lang="en-US" sz="2400" b="1" i="0" u="none" strike="noStrike" cap="none" dirty="0" err="1">
                 <a:solidFill>
                   <a:srgbClr val="FFFF00"/>
                 </a:solidFill>
@@ -21501,7 +21091,7 @@
               <a:t>uct.ac.za</a:t>
             </a:r>
             <a:r>
-              <a:rPr lang="en-US" sz="2400" i="0" u="none" strike="noStrike" cap="none" dirty="0">
+              <a:rPr lang="en-US" sz="2400" b="1" i="0" u="none" strike="noStrike" cap="none" dirty="0">
                 <a:solidFill>
                   <a:srgbClr val="FFFF00"/>
                 </a:solidFill>
@@ -21651,7 +21241,7 @@
               <a:buNone/>
             </a:pPr>
             <a:r>
-              <a:rPr lang="en-US" sz="2400" i="0" u="none" strike="noStrike" cap="none" dirty="0">
+              <a:rPr lang="en-US" sz="2400" b="1" i="0" u="none" strike="noStrike" cap="none" dirty="0">
                 <a:solidFill>
                   <a:schemeClr val="lt1"/>
                 </a:solidFill>
@@ -21663,7 +21253,7 @@
               <a:t>words = </a:t>
             </a:r>
             <a:r>
-              <a:rPr lang="en-US" sz="2400" i="0" u="none" strike="noStrike" cap="none" dirty="0" err="1">
+              <a:rPr lang="en-US" sz="2400" b="1" i="0" u="none" strike="noStrike" cap="none" dirty="0" err="1">
                 <a:solidFill>
                   <a:srgbClr val="FF7F00"/>
                 </a:solidFill>
@@ -21675,7 +21265,7 @@
               <a:t>line</a:t>
             </a:r>
             <a:r>
-              <a:rPr lang="en-US" sz="2400" i="0" u="none" strike="noStrike" cap="none" dirty="0" err="1">
+              <a:rPr lang="en-US" sz="2400" b="1" i="0" u="none" strike="noStrike" cap="none" dirty="0" err="1">
                 <a:solidFill>
                   <a:schemeClr val="lt1"/>
                 </a:solidFill>
@@ -21687,7 +21277,7 @@
               <a:t>.split</a:t>
             </a:r>
             <a:r>
-              <a:rPr lang="en-US" sz="2400" i="0" u="none" strike="noStrike" cap="none" dirty="0">
+              <a:rPr lang="en-US" sz="2400" b="1" i="0" u="none" strike="noStrike" cap="none" dirty="0">
                 <a:solidFill>
                   <a:schemeClr val="lt1"/>
                 </a:solidFill>
@@ -21718,7 +21308,7 @@
               <a:buNone/>
             </a:pPr>
             <a:r>
-              <a:rPr lang="en-US" sz="2400" i="0" u="none" strike="noStrike" cap="none" dirty="0">
+              <a:rPr lang="en-US" sz="2400" b="1" i="0" u="none" strike="noStrike" cap="none" dirty="0">
                 <a:solidFill>
                   <a:srgbClr val="FF00FF"/>
                 </a:solidFill>
@@ -21730,7 +21320,7 @@
               <a:t>email</a:t>
             </a:r>
             <a:r>
-              <a:rPr lang="en-US" sz="2400" i="0" u="none" strike="noStrike" cap="none" dirty="0">
+              <a:rPr lang="en-US" sz="2400" b="1" i="0" u="none" strike="noStrike" cap="none" dirty="0">
                 <a:solidFill>
                   <a:schemeClr val="lt1"/>
                 </a:solidFill>
@@ -21761,7 +21351,7 @@
               <a:buNone/>
             </a:pPr>
             <a:r>
-              <a:rPr lang="en-US" sz="2400" dirty="0">
+              <a:rPr lang="en-US" sz="2400" b="1" dirty="0">
                 <a:solidFill>
                   <a:srgbClr val="FFFF00"/>
                 </a:solidFill>
@@ -21773,7 +21363,7 @@
               <a:t>pieces</a:t>
             </a:r>
             <a:r>
-              <a:rPr lang="en-US" sz="2400" dirty="0">
+              <a:rPr lang="en-US" sz="2400" b="1" dirty="0">
                 <a:solidFill>
                   <a:schemeClr val="lt1"/>
                 </a:solidFill>
@@ -21785,7 +21375,7 @@
               <a:t> = </a:t>
             </a:r>
             <a:r>
-              <a:rPr lang="en-US" sz="2400" dirty="0" err="1">
+              <a:rPr lang="en-US" sz="2400" b="1" dirty="0" err="1">
                 <a:solidFill>
                   <a:schemeClr val="lt1"/>
                 </a:solidFill>
@@ -21797,7 +21387,7 @@
               <a:t>email.split</a:t>
             </a:r>
             <a:r>
-              <a:rPr lang="en-US" sz="2400" dirty="0">
+              <a:rPr lang="en-US" sz="2400" b="1" dirty="0">
                 <a:solidFill>
                   <a:schemeClr val="lt1"/>
                 </a:solidFill>
@@ -21828,7 +21418,7 @@
               <a:buNone/>
             </a:pPr>
             <a:r>
-              <a:rPr lang="en-US" sz="2400" dirty="0" smtClean="0">
+              <a:rPr lang="en-US" sz="2400" b="1" dirty="0">
                 <a:solidFill>
                   <a:schemeClr val="lt1"/>
                 </a:solidFill>
@@ -21840,7 +21430,7 @@
               <a:t>print(</a:t>
             </a:r>
             <a:r>
-              <a:rPr lang="en-US" sz="2400" dirty="0" smtClean="0">
+              <a:rPr lang="en-US" sz="2400" b="1" dirty="0">
                 <a:solidFill>
                   <a:srgbClr val="00FF00"/>
                 </a:solidFill>
@@ -21852,7 +21442,7 @@
               <a:t>pieces[1]</a:t>
             </a:r>
             <a:r>
-              <a:rPr lang="en-US" sz="2400" dirty="0" smtClean="0">
+              <a:rPr lang="en-US" sz="2400" b="1" dirty="0">
                 <a:solidFill>
                   <a:schemeClr val="bg1"/>
                 </a:solidFill>
@@ -21937,7 +21527,7 @@
               <a:buNone/>
             </a:pPr>
             <a:r>
-              <a:rPr lang="en-US" sz="2400" i="0" u="none" strike="noStrike" cap="none" dirty="0" err="1">
+              <a:rPr lang="en-US" sz="2400" b="1" i="0" u="none" strike="noStrike" cap="none" dirty="0" err="1">
                 <a:solidFill>
                   <a:srgbClr val="FF00FF"/>
                 </a:solidFill>
@@ -21948,7 +21538,7 @@
               </a:rPr>
               <a:t>stephen.marquard@uct.ac.za</a:t>
             </a:r>
-            <a:endParaRPr lang="en-US" sz="2400" i="0" u="none" strike="noStrike" cap="none" dirty="0">
+            <a:endParaRPr lang="en-US" sz="2400" b="1" i="0" u="none" strike="noStrike" cap="none" dirty="0">
               <a:solidFill>
                 <a:srgbClr val="FF00FF"/>
               </a:solidFill>
@@ -22015,7 +21605,7 @@
               <a:t>'</a:t>
             </a:r>
             <a:r>
-              <a:rPr lang="en-US" sz="2400" i="0" u="none" strike="noStrike" cap="none" dirty="0" err="1">
+              <a:rPr lang="en-US" sz="2400" b="1" i="0" u="none" strike="noStrike" cap="none" dirty="0" err="1">
                 <a:solidFill>
                   <a:srgbClr val="00FF00"/>
                 </a:solidFill>
@@ -22027,7 +21617,7 @@
               <a:t>uct.ac.za</a:t>
             </a:r>
             <a:r>
-              <a:rPr lang="en-US" sz="2400" i="0" u="none" strike="noStrike" cap="none" dirty="0">
+              <a:rPr lang="en-US" sz="2400" b="1" i="0" u="none" strike="noStrike" cap="none" dirty="0">
                 <a:solidFill>
                   <a:srgbClr val="00FF00"/>
                 </a:solidFill>
@@ -22868,7 +22458,7 @@
               <a:t>Collection</a:t>
             </a:r>
             <a:r>
-              <a:rPr lang="en-US" sz="7600" b="0" i="0" u="none" strike="noStrike" cap="none" smtClean="0">
+              <a:rPr lang="en-US" sz="7600" b="0" i="0" u="none" strike="noStrike" cap="none">
                 <a:solidFill>
                   <a:srgbClr val="FFD966"/>
                 </a:solidFill>
@@ -23050,7 +22640,7 @@
               <a:buNone/>
             </a:pPr>
             <a:r>
-              <a:rPr lang="en-US" sz="3000" i="0" u="none" strike="noStrike" cap="none" dirty="0">
+              <a:rPr lang="en-US" sz="3000" b="1" i="0" u="none" strike="noStrike" cap="none" dirty="0">
                 <a:solidFill>
                   <a:schemeClr val="lt1"/>
                 </a:solidFill>
@@ -23062,7 +22652,7 @@
               <a:t>$ </a:t>
             </a:r>
             <a:r>
-              <a:rPr lang="en-US" sz="3000" i="0" u="none" strike="noStrike" cap="none" dirty="0">
+              <a:rPr lang="en-US" sz="3000" b="1" i="0" u="none" strike="noStrike" cap="none" dirty="0">
                 <a:solidFill>
                   <a:srgbClr val="FFFF00"/>
                 </a:solidFill>
@@ -23093,7 +22683,7 @@
               <a:buNone/>
             </a:pPr>
             <a:r>
-              <a:rPr lang="en-US" sz="3000" i="0" u="none" strike="noStrike" cap="none" dirty="0" smtClean="0">
+              <a:rPr lang="en-US" sz="3000" b="1" i="0" u="none" strike="noStrike" cap="none" dirty="0">
                 <a:solidFill>
                   <a:schemeClr val="lt1"/>
                 </a:solidFill>
@@ -23105,7 +22695,7 @@
               <a:t>&gt;&gt;&gt; </a:t>
             </a:r>
             <a:r>
-              <a:rPr lang="en-US" sz="3000" i="0" u="none" strike="noStrike" cap="none" dirty="0">
+              <a:rPr lang="en-US" sz="3000" b="1" i="0" u="none" strike="noStrike" cap="none" dirty="0">
                 <a:solidFill>
                   <a:srgbClr val="00FF00"/>
                 </a:solidFill>
@@ -23117,7 +22707,7 @@
               <a:t>x</a:t>
             </a:r>
             <a:r>
-              <a:rPr lang="en-US" sz="3000" i="0" u="none" strike="noStrike" cap="none" dirty="0">
+              <a:rPr lang="en-US" sz="3000" b="1" i="0" u="none" strike="noStrike" cap="none" dirty="0">
                 <a:solidFill>
                   <a:schemeClr val="lt1"/>
                 </a:solidFill>
@@ -23148,7 +22738,7 @@
               <a:buNone/>
             </a:pPr>
             <a:r>
-              <a:rPr lang="en-US" sz="3000" i="0" u="none" strike="noStrike" cap="none" dirty="0">
+              <a:rPr lang="en-US" sz="3000" b="1" i="0" u="none" strike="noStrike" cap="none" dirty="0">
                 <a:solidFill>
                   <a:schemeClr val="lt1"/>
                 </a:solidFill>
@@ -23160,7 +22750,7 @@
               <a:t>&gt;&gt;&gt; </a:t>
             </a:r>
             <a:r>
-              <a:rPr lang="en-US" sz="3000" i="0" u="none" strike="noStrike" cap="none" dirty="0">
+              <a:rPr lang="en-US" sz="3000" b="1" i="0" u="none" strike="noStrike" cap="none" dirty="0">
                 <a:solidFill>
                   <a:srgbClr val="00FF00"/>
                 </a:solidFill>
@@ -23172,7 +22762,7 @@
               <a:t>x</a:t>
             </a:r>
             <a:r>
-              <a:rPr lang="en-US" sz="3000" i="0" u="none" strike="noStrike" cap="none" dirty="0">
+              <a:rPr lang="en-US" sz="3000" b="1" i="0" u="none" strike="noStrike" cap="none" dirty="0">
                 <a:solidFill>
                   <a:schemeClr val="lt1"/>
                 </a:solidFill>
@@ -23203,7 +22793,7 @@
               <a:buNone/>
             </a:pPr>
             <a:r>
-              <a:rPr lang="en-US" sz="3000" i="0" u="none" strike="noStrike" cap="none" dirty="0">
+              <a:rPr lang="en-US" sz="3000" b="1" i="0" u="none" strike="noStrike" cap="none" dirty="0">
                 <a:solidFill>
                   <a:schemeClr val="lt1"/>
                 </a:solidFill>
@@ -23215,7 +22805,7 @@
               <a:t>&gt;&gt;&gt; </a:t>
             </a:r>
             <a:r>
-              <a:rPr lang="en-US" sz="3000" i="0" u="none" strike="noStrike" cap="none" dirty="0" smtClean="0">
+              <a:rPr lang="en-US" sz="3000" b="1" i="0" u="none" strike="noStrike" cap="none" dirty="0">
                 <a:solidFill>
                   <a:srgbClr val="FFFF00"/>
                 </a:solidFill>
@@ -23227,7 +22817,7 @@
               <a:t>print(</a:t>
             </a:r>
             <a:r>
-              <a:rPr lang="en-US" sz="3000" i="0" u="none" strike="noStrike" cap="none" dirty="0" smtClean="0">
+              <a:rPr lang="en-US" sz="3000" b="1" i="0" u="none" strike="noStrike" cap="none" dirty="0">
                 <a:solidFill>
                   <a:srgbClr val="00FF00"/>
                 </a:solidFill>
@@ -23239,7 +22829,7 @@
               <a:t>x</a:t>
             </a:r>
             <a:r>
-              <a:rPr lang="en-US" sz="3000" i="0" u="none" strike="noStrike" cap="none" dirty="0" smtClean="0">
+              <a:rPr lang="en-US" sz="3000" b="1" i="0" u="none" strike="noStrike" cap="none" dirty="0">
                 <a:solidFill>
                   <a:srgbClr val="FFFF00"/>
                 </a:solidFill>
@@ -23250,15 +22840,6 @@
               </a:rPr>
               <a:t>)</a:t>
             </a:r>
-            <a:endParaRPr lang="en-US" sz="3000" i="0" u="none" strike="noStrike" cap="none" dirty="0">
-              <a:solidFill>
-                <a:srgbClr val="FFFF00"/>
-              </a:solidFill>
-              <a:latin typeface="Courier"/>
-              <a:ea typeface="Courier"/>
-              <a:cs typeface="Courier"/>
-              <a:sym typeface="Courier New"/>
-            </a:endParaRPr>
           </a:p>
           <a:p>
             <a:pPr marL="0" marR="0" lvl="0" indent="0" algn="l" rtl="0">
@@ -23279,7 +22860,7 @@
               <a:buNone/>
             </a:pPr>
             <a:r>
-              <a:rPr lang="en-US" sz="3000" i="0" u="none" strike="noStrike" cap="none" dirty="0">
+              <a:rPr lang="en-US" sz="3000" b="1" i="0" u="none" strike="noStrike" cap="none" dirty="0">
                 <a:solidFill>
                   <a:schemeClr val="lt1"/>
                 </a:solidFill>
@@ -23298,13 +22879,6 @@
   <p:clrMapOvr>
     <a:masterClrMapping/>
   </p:clrMapOvr>
-  <p:timing>
-    <p:tnLst>
-      <p:par>
-        <p:cTn xmlns:p14="http://schemas.microsoft.com/office/powerpoint/2010/main" id="1" dur="indefinite" restart="never" nodeType="tmRoot"/>
-      </p:par>
-    </p:tnLst>
-  </p:timing>
 </p:sld>
 </file>
 
@@ -23656,7 +23230,7 @@
               <a:buNone/>
             </a:pPr>
             <a:r>
-              <a:rPr lang="en-US" sz="3600" i="0" u="none" strike="noStrike" cap="none" dirty="0">
+              <a:rPr lang="en-US" sz="3600" b="1" i="0" u="none" strike="noStrike" cap="none" dirty="0">
                 <a:solidFill>
                   <a:srgbClr val="00FF00"/>
                 </a:solidFill>
@@ -23668,7 +23242,7 @@
               <a:t>friends</a:t>
             </a:r>
             <a:r>
-              <a:rPr lang="en-US" sz="3600" i="0" u="none" strike="noStrike" cap="none" dirty="0">
+              <a:rPr lang="en-US" sz="3600" b="1" i="0" u="none" strike="noStrike" cap="none" dirty="0">
                 <a:solidFill>
                   <a:srgbClr val="FF7F00"/>
                 </a:solidFill>
@@ -23680,7 +23254,7 @@
               <a:t> </a:t>
             </a:r>
             <a:r>
-              <a:rPr lang="en-US" sz="3600" i="0" u="none" strike="noStrike" cap="none" dirty="0">
+              <a:rPr lang="en-US" sz="3600" b="1" i="0" u="none" strike="noStrike" cap="none" dirty="0">
                 <a:solidFill>
                   <a:schemeClr val="lt1"/>
                 </a:solidFill>
@@ -23692,7 +23266,7 @@
               <a:t>=</a:t>
             </a:r>
             <a:r>
-              <a:rPr lang="en-US" sz="3600" i="0" u="none" strike="noStrike" cap="none" dirty="0">
+              <a:rPr lang="en-US" sz="3600" b="1" i="0" u="none" strike="noStrike" cap="none" dirty="0">
                 <a:solidFill>
                   <a:srgbClr val="FF7F00"/>
                 </a:solidFill>
@@ -23717,7 +23291,7 @@
               </a:spcAft>
               <a:buNone/>
             </a:pPr>
-            <a:endParaRPr sz="3600" i="0" u="none" strike="noStrike" cap="none" dirty="0">
+            <a:endParaRPr sz="3600" b="1" i="0" u="none" strike="noStrike" cap="none" dirty="0">
               <a:solidFill>
                 <a:srgbClr val="FF7F00"/>
               </a:solidFill>
@@ -23746,7 +23320,7 @@
               <a:buNone/>
             </a:pPr>
             <a:r>
-              <a:rPr lang="en-US" sz="3600" i="0" u="none" strike="noStrike" cap="none" dirty="0">
+              <a:rPr lang="en-US" sz="3600" b="1" i="0" u="none" strike="noStrike" cap="none" dirty="0">
                 <a:solidFill>
                   <a:srgbClr val="00FF00"/>
                 </a:solidFill>
@@ -23758,7 +23332,7 @@
               <a:t>carryon</a:t>
             </a:r>
             <a:r>
-              <a:rPr lang="en-US" sz="3600" i="0" u="none" strike="noStrike" cap="none" dirty="0">
+              <a:rPr lang="en-US" sz="3600" b="1" i="0" u="none" strike="noStrike" cap="none" dirty="0">
                 <a:solidFill>
                   <a:srgbClr val="FF7F00"/>
                 </a:solidFill>
@@ -23770,7 +23344,7 @@
               <a:t> </a:t>
             </a:r>
             <a:r>
-              <a:rPr lang="en-US" sz="3600" i="0" u="none" strike="noStrike" cap="none" dirty="0">
+              <a:rPr lang="en-US" sz="3600" b="1" i="0" u="none" strike="noStrike" cap="none" dirty="0">
                 <a:solidFill>
                   <a:schemeClr val="lt1"/>
                 </a:solidFill>
@@ -23782,7 +23356,7 @@
               <a:t>=</a:t>
             </a:r>
             <a:r>
-              <a:rPr lang="en-US" sz="3600" i="0" u="none" strike="noStrike" cap="none" dirty="0">
+              <a:rPr lang="en-US" sz="3600" b="1" i="0" u="none" strike="noStrike" cap="none" dirty="0">
                 <a:solidFill>
                   <a:srgbClr val="FF7F00"/>
                 </a:solidFill>
@@ -23801,13 +23375,6 @@
   <p:clrMapOvr>
     <a:masterClrMapping/>
   </p:clrMapOvr>
-  <p:timing>
-    <p:tnLst>
-      <p:par>
-        <p:cTn xmlns:p14="http://schemas.microsoft.com/office/powerpoint/2010/main" id="1" dur="indefinite" restart="never" nodeType="tmRoot"/>
-      </p:par>
-    </p:tnLst>
-  </p:timing>
 </p:sld>
 </file>
 
@@ -24111,7 +23678,7 @@
               <a:buNone/>
             </a:pPr>
             <a:r>
-              <a:rPr lang="en-US" sz="2800" i="0" u="none" strike="noStrike" cap="none" dirty="0">
+              <a:rPr lang="en-US" sz="2800" b="1" i="0" u="none" strike="noStrike" cap="none" dirty="0">
                 <a:solidFill>
                   <a:schemeClr val="lt1"/>
                 </a:solidFill>
@@ -24123,7 +23690,7 @@
               <a:t>&gt;&gt;&gt; </a:t>
             </a:r>
             <a:r>
-              <a:rPr lang="en-US" sz="2800" i="0" u="none" strike="noStrike" cap="none" dirty="0" smtClean="0">
+              <a:rPr lang="en-US" sz="2800" b="1" i="0" u="none" strike="noStrike" cap="none" dirty="0">
                 <a:solidFill>
                   <a:srgbClr val="FFFF00"/>
                 </a:solidFill>
@@ -24135,7 +23702,7 @@
               <a:t>print(</a:t>
             </a:r>
             <a:r>
-              <a:rPr lang="en-US" sz="2800" i="0" u="none" strike="noStrike" cap="none" dirty="0" smtClean="0">
+              <a:rPr lang="en-US" sz="2800" b="1" i="0" u="none" strike="noStrike" cap="none" dirty="0">
                 <a:solidFill>
                   <a:srgbClr val="FF7F00"/>
                 </a:solidFill>
@@ -24144,34 +23711,10 @@
                 <a:cs typeface="Courier"/>
                 <a:sym typeface="Courier New"/>
               </a:rPr>
-              <a:t>[</a:t>
-            </a:r>
-            <a:r>
-              <a:rPr lang="en-US" sz="2800" i="0" u="none" strike="noStrike" cap="none" dirty="0">
-                <a:solidFill>
-                  <a:srgbClr val="FF7F00"/>
-                </a:solidFill>
-                <a:latin typeface="Courier"/>
-                <a:ea typeface="Courier"/>
-                <a:cs typeface="Courier"/>
-                <a:sym typeface="Courier New"/>
-              </a:rPr>
-              <a:t>1, 24, 76</a:t>
-            </a:r>
-            <a:r>
-              <a:rPr lang="en-US" sz="2800" i="0" u="none" strike="noStrike" cap="none" dirty="0" smtClean="0">
-                <a:solidFill>
-                  <a:srgbClr val="FF7F00"/>
-                </a:solidFill>
-                <a:latin typeface="Courier"/>
-                <a:ea typeface="Courier"/>
-                <a:cs typeface="Courier"/>
-                <a:sym typeface="Courier New"/>
-              </a:rPr>
-              <a:t>]</a:t>
-            </a:r>
-            <a:r>
-              <a:rPr lang="en-US" sz="2800" i="0" u="none" strike="noStrike" cap="none" dirty="0" smtClean="0">
+              <a:t>[1, 24, 76]</a:t>
+            </a:r>
+            <a:r>
+              <a:rPr lang="en-US" sz="2800" b="1" i="0" u="none" strike="noStrike" cap="none" dirty="0">
                 <a:solidFill>
                   <a:srgbClr val="FFFF00"/>
                 </a:solidFill>
@@ -24182,15 +23725,6 @@
               </a:rPr>
               <a:t>)</a:t>
             </a:r>
-            <a:endParaRPr lang="en-US" sz="2800" i="0" u="none" strike="noStrike" cap="none" dirty="0">
-              <a:solidFill>
-                <a:srgbClr val="FFFF00"/>
-              </a:solidFill>
-              <a:latin typeface="Courier"/>
-              <a:ea typeface="Courier"/>
-              <a:cs typeface="Courier"/>
-              <a:sym typeface="Courier New"/>
-            </a:endParaRPr>
           </a:p>
           <a:p>
             <a:pPr marL="0" marR="0" lvl="0" indent="0" algn="l" rtl="0">
@@ -24211,7 +23745,7 @@
               <a:buNone/>
             </a:pPr>
             <a:r>
-              <a:rPr lang="en-US" sz="2800" i="0" u="none" strike="noStrike" cap="none" dirty="0">
+              <a:rPr lang="en-US" sz="2800" b="1" i="0" u="none" strike="noStrike" cap="none" dirty="0">
                 <a:solidFill>
                   <a:schemeClr val="lt1"/>
                 </a:solidFill>
@@ -24231,7 +23765,7 @@
               <a:buSzPct val="25000"/>
             </a:pPr>
             <a:r>
-              <a:rPr lang="en-US" sz="2800" i="0" u="none" strike="noStrike" cap="none" dirty="0">
+              <a:rPr lang="en-US" sz="2800" b="1" i="0" u="none" strike="noStrike" cap="none" dirty="0">
                 <a:solidFill>
                   <a:schemeClr val="lt1"/>
                 </a:solidFill>
@@ -24243,7 +23777,7 @@
               <a:t>&gt;&gt;&gt; </a:t>
             </a:r>
             <a:r>
-              <a:rPr lang="en-US" sz="2800" i="0" u="none" strike="noStrike" cap="none" dirty="0" smtClean="0">
+              <a:rPr lang="en-US" sz="2800" b="1" i="0" u="none" strike="noStrike" cap="none" dirty="0">
                 <a:solidFill>
                   <a:srgbClr val="FFFF00"/>
                 </a:solidFill>
@@ -24255,7 +23789,7 @@
               <a:t>print</a:t>
             </a:r>
             <a:r>
-              <a:rPr lang="en-US" sz="2800" dirty="0">
+              <a:rPr lang="en-US" sz="2800" b="1" dirty="0">
                 <a:solidFill>
                   <a:schemeClr val="lt1"/>
                 </a:solidFill>
@@ -24267,7 +23801,7 @@
               <a:t>(</a:t>
             </a:r>
             <a:r>
-              <a:rPr lang="en-US" sz="2800" i="0" u="none" strike="noStrike" cap="none" dirty="0" smtClean="0">
+              <a:rPr lang="en-US" sz="2800" b="1" i="0" u="none" strike="noStrike" cap="none" dirty="0">
                 <a:solidFill>
                   <a:srgbClr val="FF7F00"/>
                 </a:solidFill>
@@ -24276,34 +23810,10 @@
                 <a:cs typeface="Courier"/>
                 <a:sym typeface="Courier New"/>
               </a:rPr>
-              <a:t>[</a:t>
-            </a:r>
-            <a:r>
-              <a:rPr lang="en-US" sz="2800" i="0" u="none" strike="noStrike" cap="none" dirty="0">
-                <a:solidFill>
-                  <a:srgbClr val="FF7F00"/>
-                </a:solidFill>
-                <a:latin typeface="Courier"/>
-                <a:ea typeface="Courier"/>
-                <a:cs typeface="Courier"/>
-                <a:sym typeface="Courier New"/>
-              </a:rPr>
-              <a:t>'red', 'yellow', 'blue</a:t>
-            </a:r>
-            <a:r>
-              <a:rPr lang="en-US" sz="2800" i="0" u="none" strike="noStrike" cap="none" dirty="0" smtClean="0">
-                <a:solidFill>
-                  <a:srgbClr val="FF7F00"/>
-                </a:solidFill>
-                <a:latin typeface="Courier"/>
-                <a:ea typeface="Courier"/>
-                <a:cs typeface="Courier"/>
-                <a:sym typeface="Courier New"/>
-              </a:rPr>
-              <a:t>']</a:t>
-            </a:r>
-            <a:r>
-              <a:rPr lang="en-US" sz="2800" dirty="0" smtClean="0">
+              <a:t>['red', 'yellow', 'blue']</a:t>
+            </a:r>
+            <a:r>
+              <a:rPr lang="en-US" sz="2800" b="1" dirty="0">
                 <a:solidFill>
                   <a:srgbClr val="FFFF00"/>
                 </a:solidFill>
@@ -24314,7 +23824,7 @@
               </a:rPr>
               <a:t>)</a:t>
             </a:r>
-            <a:endParaRPr lang="en-US" sz="2800" i="0" u="none" strike="noStrike" cap="none" dirty="0">
+            <a:endParaRPr lang="en-US" sz="2800" b="1" i="0" u="none" strike="noStrike" cap="none" dirty="0">
               <a:solidFill>
                 <a:srgbClr val="FF7F00"/>
               </a:solidFill>
@@ -24343,7 +23853,7 @@
               <a:buNone/>
             </a:pPr>
             <a:r>
-              <a:rPr lang="en-US" sz="2800" i="0" u="none" strike="noStrike" cap="none" dirty="0">
+              <a:rPr lang="en-US" sz="2800" b="1" i="0" u="none" strike="noStrike" cap="none" dirty="0">
                 <a:solidFill>
                   <a:schemeClr val="lt1"/>
                 </a:solidFill>
@@ -24363,7 +23873,7 @@
               <a:buSzPct val="25000"/>
             </a:pPr>
             <a:r>
-              <a:rPr lang="en-US" sz="2800" i="0" u="none" strike="noStrike" cap="none" dirty="0">
+              <a:rPr lang="en-US" sz="2800" b="1" i="0" u="none" strike="noStrike" cap="none" dirty="0">
                 <a:solidFill>
                   <a:schemeClr val="lt1"/>
                 </a:solidFill>
@@ -24375,7 +23885,7 @@
               <a:t>&gt;&gt;&gt; </a:t>
             </a:r>
             <a:r>
-              <a:rPr lang="en-US" sz="2800" i="0" u="none" strike="noStrike" cap="none" dirty="0" smtClean="0">
+              <a:rPr lang="en-US" sz="2800" b="1" i="0" u="none" strike="noStrike" cap="none" dirty="0">
                 <a:solidFill>
                   <a:srgbClr val="FFFF00"/>
                 </a:solidFill>
@@ -24387,7 +23897,7 @@
               <a:t>print</a:t>
             </a:r>
             <a:r>
-              <a:rPr lang="en-US" sz="2800" dirty="0">
+              <a:rPr lang="en-US" sz="2800" b="1" dirty="0">
                 <a:solidFill>
                   <a:schemeClr val="lt1"/>
                 </a:solidFill>
@@ -24399,7 +23909,7 @@
               <a:t>(</a:t>
             </a:r>
             <a:r>
-              <a:rPr lang="en-US" sz="2800" i="0" u="none" strike="noStrike" cap="none" dirty="0" smtClean="0">
+              <a:rPr lang="en-US" sz="2800" b="1" i="0" u="none" strike="noStrike" cap="none" dirty="0">
                 <a:solidFill>
                   <a:srgbClr val="FF7F00"/>
                 </a:solidFill>
@@ -24408,34 +23918,10 @@
                 <a:cs typeface="Courier"/>
                 <a:sym typeface="Courier New"/>
               </a:rPr>
-              <a:t>[</a:t>
-            </a:r>
-            <a:r>
-              <a:rPr lang="en-US" sz="2800" i="0" u="none" strike="noStrike" cap="none" dirty="0">
-                <a:solidFill>
-                  <a:srgbClr val="FF7F00"/>
-                </a:solidFill>
-                <a:latin typeface="Courier"/>
-                <a:ea typeface="Courier"/>
-                <a:cs typeface="Courier"/>
-                <a:sym typeface="Courier New"/>
-              </a:rPr>
-              <a:t>'red', 24, 98.6</a:t>
-            </a:r>
-            <a:r>
-              <a:rPr lang="en-US" sz="2800" i="0" u="none" strike="noStrike" cap="none" dirty="0" smtClean="0">
-                <a:solidFill>
-                  <a:srgbClr val="FF7F00"/>
-                </a:solidFill>
-                <a:latin typeface="Courier"/>
-                <a:ea typeface="Courier"/>
-                <a:cs typeface="Courier"/>
-                <a:sym typeface="Courier New"/>
-              </a:rPr>
-              <a:t>]</a:t>
-            </a:r>
-            <a:r>
-              <a:rPr lang="en-US" sz="2800" dirty="0" smtClean="0">
+              <a:t>['red', 24, 98.6]</a:t>
+            </a:r>
+            <a:r>
+              <a:rPr lang="en-US" sz="2800" b="1" dirty="0">
                 <a:solidFill>
                   <a:srgbClr val="FFFF00"/>
                 </a:solidFill>
@@ -24446,7 +23932,7 @@
               </a:rPr>
               <a:t>)</a:t>
             </a:r>
-            <a:endParaRPr lang="en-US" sz="2800" i="0" u="none" strike="noStrike" cap="none" dirty="0" smtClean="0">
+            <a:endParaRPr lang="en-US" sz="2800" b="1" i="0" u="none" strike="noStrike" cap="none" dirty="0">
               <a:solidFill>
                 <a:srgbClr val="FF7F00"/>
               </a:solidFill>
@@ -24475,60 +23961,27 @@
               <a:buNone/>
             </a:pPr>
             <a:r>
-              <a:rPr lang="en-US" sz="2800" i="0" u="none" strike="noStrike" cap="none" dirty="0" smtClean="0">
-                <a:solidFill>
-                  <a:schemeClr val="lt1"/>
-                </a:solidFill>
-                <a:latin typeface="Courier"/>
-                <a:ea typeface="Courier"/>
-                <a:cs typeface="Courier"/>
-                <a:sym typeface="Courier New"/>
-              </a:rPr>
-              <a:t>[</a:t>
-            </a:r>
-            <a:r>
-              <a:rPr lang="en-US" sz="2800" i="0" u="none" strike="noStrike" cap="none" dirty="0">
-                <a:solidFill>
-                  <a:schemeClr val="lt1"/>
-                </a:solidFill>
-                <a:latin typeface="Courier"/>
-                <a:ea typeface="Courier"/>
-                <a:cs typeface="Courier"/>
-                <a:sym typeface="Courier New"/>
-              </a:rPr>
-              <a:t>'red', 24, </a:t>
-            </a:r>
-            <a:r>
-              <a:rPr lang="en-US" sz="2800" i="0" u="none" strike="noStrike" cap="none" dirty="0" smtClean="0">
-                <a:solidFill>
-                  <a:schemeClr val="lt1"/>
-                </a:solidFill>
-                <a:latin typeface="Courier"/>
-                <a:ea typeface="Courier"/>
-                <a:cs typeface="Courier"/>
-                <a:sym typeface="Courier New"/>
-              </a:rPr>
-              <a:t>98.6]</a:t>
-            </a:r>
-            <a:endParaRPr lang="en-US" sz="2800" i="0" u="none" strike="noStrike" cap="none" dirty="0">
-              <a:solidFill>
+              <a:rPr lang="en-US" sz="2800" b="1" i="0" u="none" strike="noStrike" cap="none" dirty="0">
+                <a:solidFill>
+                  <a:schemeClr val="lt1"/>
+                </a:solidFill>
+                <a:latin typeface="Courier"/>
+                <a:ea typeface="Courier"/>
+                <a:cs typeface="Courier"/>
+                <a:sym typeface="Courier New"/>
+              </a:rPr>
+              <a:t>['red', 24, 98.6]</a:t>
+            </a:r>
+          </a:p>
+          <a:p>
+            <a:pPr>
+              <a:buClr>
                 <a:schemeClr val="lt1"/>
-              </a:solidFill>
-              <a:latin typeface="Courier"/>
-              <a:ea typeface="Courier"/>
-              <a:cs typeface="Courier"/>
-              <a:sym typeface="Courier New"/>
-            </a:endParaRPr>
-          </a:p>
-          <a:p>
-            <a:pPr>
-              <a:buClr>
-                <a:schemeClr val="lt1"/>
               </a:buClr>
               <a:buSzPct val="25000"/>
             </a:pPr>
             <a:r>
-              <a:rPr lang="en-US" sz="2800" i="0" u="none" strike="noStrike" cap="none" dirty="0">
+              <a:rPr lang="en-US" sz="2800" b="1" i="0" u="none" strike="noStrike" cap="none" dirty="0">
                 <a:solidFill>
                   <a:schemeClr val="lt1"/>
                 </a:solidFill>
@@ -24540,7 +23993,7 @@
               <a:t>&gt;&gt;&gt; </a:t>
             </a:r>
             <a:r>
-              <a:rPr lang="en-US" sz="2800" i="0" u="none" strike="noStrike" cap="none" dirty="0" smtClean="0">
+              <a:rPr lang="en-US" sz="2800" b="1" i="0" u="none" strike="noStrike" cap="none" dirty="0">
                 <a:solidFill>
                   <a:srgbClr val="FFFF00"/>
                 </a:solidFill>
@@ -24552,7 +24005,7 @@
               <a:t>print</a:t>
             </a:r>
             <a:r>
-              <a:rPr lang="en-US" sz="2800" dirty="0">
+              <a:rPr lang="en-US" sz="2800" b="1" dirty="0">
                 <a:solidFill>
                   <a:srgbClr val="FFFF00"/>
                 </a:solidFill>
@@ -24564,7 +24017,7 @@
               <a:t>(</a:t>
             </a:r>
             <a:r>
-              <a:rPr lang="en-US" sz="2800" i="0" u="none" strike="noStrike" cap="none" dirty="0" smtClean="0">
+              <a:rPr lang="en-US" sz="2800" b="1" i="0" u="none" strike="noStrike" cap="none" dirty="0">
                 <a:solidFill>
                   <a:srgbClr val="FF7F00"/>
                 </a:solidFill>
@@ -24573,10 +24026,22 @@
                 <a:cs typeface="Courier"/>
                 <a:sym typeface="Courier New"/>
               </a:rPr>
-              <a:t>[ </a:t>
-            </a:r>
-            <a:r>
-              <a:rPr lang="en-US" sz="2800" i="0" u="none" strike="noStrike" cap="none" dirty="0">
+              <a:t>[ 1, </a:t>
+            </a:r>
+            <a:r>
+              <a:rPr lang="en-US" sz="2800" b="1" i="0" u="none" strike="noStrike" cap="none" dirty="0">
+                <a:solidFill>
+                  <a:srgbClr val="00FFFF"/>
+                </a:solidFill>
+                <a:latin typeface="Courier"/>
+                <a:ea typeface="Courier"/>
+                <a:cs typeface="Courier"/>
+                <a:sym typeface="Courier New"/>
+              </a:rPr>
+              <a:t>[5, 6]</a:t>
+            </a:r>
+            <a:r>
+              <a:rPr lang="en-US" sz="2800" b="1" i="0" u="none" strike="noStrike" cap="none" dirty="0">
                 <a:solidFill>
                   <a:srgbClr val="FF7F00"/>
                 </a:solidFill>
@@ -24585,46 +24050,10 @@
                 <a:cs typeface="Courier"/>
                 <a:sym typeface="Courier New"/>
               </a:rPr>
-              <a:t>1, </a:t>
-            </a:r>
-            <a:r>
-              <a:rPr lang="en-US" sz="2800" i="0" u="none" strike="noStrike" cap="none" dirty="0">
-                <a:solidFill>
-                  <a:srgbClr val="00FFFF"/>
-                </a:solidFill>
-                <a:latin typeface="Courier"/>
-                <a:ea typeface="Courier"/>
-                <a:cs typeface="Courier"/>
-                <a:sym typeface="Courier New"/>
-              </a:rPr>
-              <a:t>[5, 6]</a:t>
-            </a:r>
-            <a:r>
-              <a:rPr lang="en-US" sz="2800" i="0" u="none" strike="noStrike" cap="none" dirty="0">
-                <a:solidFill>
-                  <a:srgbClr val="FF7F00"/>
-                </a:solidFill>
-                <a:latin typeface="Courier"/>
-                <a:ea typeface="Courier"/>
-                <a:cs typeface="Courier"/>
-                <a:sym typeface="Courier New"/>
-              </a:rPr>
-              <a:t>, 7</a:t>
-            </a:r>
-            <a:r>
-              <a:rPr lang="en-US" sz="2800" i="0" u="none" strike="noStrike" cap="none" dirty="0" smtClean="0">
-                <a:solidFill>
-                  <a:srgbClr val="FF7F00"/>
-                </a:solidFill>
-                <a:latin typeface="Courier"/>
-                <a:ea typeface="Courier"/>
-                <a:cs typeface="Courier"/>
-                <a:sym typeface="Courier New"/>
-              </a:rPr>
-              <a:t>]</a:t>
-            </a:r>
-            <a:r>
-              <a:rPr lang="en-US" sz="2800" dirty="0" smtClean="0">
+              <a:t>, 7]</a:t>
+            </a:r>
+            <a:r>
+              <a:rPr lang="en-US" sz="2800" b="1" dirty="0">
                 <a:solidFill>
                   <a:srgbClr val="FFFF00"/>
                 </a:solidFill>
@@ -24635,7 +24064,7 @@
               </a:rPr>
               <a:t>)</a:t>
             </a:r>
-            <a:endParaRPr lang="en-US" sz="2800" i="0" u="none" strike="noStrike" cap="none" dirty="0">
+            <a:endParaRPr lang="en-US" sz="2800" b="1" i="0" u="none" strike="noStrike" cap="none" dirty="0">
               <a:solidFill>
                 <a:srgbClr val="FF7F00"/>
               </a:solidFill>
@@ -24664,7 +24093,7 @@
               <a:buNone/>
             </a:pPr>
             <a:r>
-              <a:rPr lang="en-US" sz="2800" i="0" u="none" strike="noStrike" cap="none" dirty="0">
+              <a:rPr lang="en-US" sz="2800" b="1" i="0" u="none" strike="noStrike" cap="none" dirty="0">
                 <a:solidFill>
                   <a:schemeClr val="lt1"/>
                 </a:solidFill>
@@ -24684,7 +24113,7 @@
               <a:buSzPct val="25000"/>
             </a:pPr>
             <a:r>
-              <a:rPr lang="en-US" sz="2800" i="0" u="none" strike="noStrike" cap="none" dirty="0">
+              <a:rPr lang="en-US" sz="2800" b="1" i="0" u="none" strike="noStrike" cap="none" dirty="0">
                 <a:solidFill>
                   <a:schemeClr val="lt1"/>
                 </a:solidFill>
@@ -24696,7 +24125,7 @@
               <a:t>&gt;&gt;&gt; </a:t>
             </a:r>
             <a:r>
-              <a:rPr lang="en-US" sz="2800" i="0" u="none" strike="noStrike" cap="none" dirty="0" smtClean="0">
+              <a:rPr lang="en-US" sz="2800" b="1" i="0" u="none" strike="noStrike" cap="none" dirty="0">
                 <a:solidFill>
                   <a:srgbClr val="FFFF00"/>
                 </a:solidFill>
@@ -24708,7 +24137,7 @@
               <a:t>print</a:t>
             </a:r>
             <a:r>
-              <a:rPr lang="en-US" sz="2800" dirty="0" smtClean="0">
+              <a:rPr lang="en-US" sz="2800" b="1" dirty="0">
                 <a:solidFill>
                   <a:schemeClr val="lt1"/>
                 </a:solidFill>
@@ -24720,7 +24149,7 @@
               <a:t>(</a:t>
             </a:r>
             <a:r>
-              <a:rPr lang="en-US" sz="2800" i="0" u="none" strike="noStrike" cap="none" dirty="0" smtClean="0">
+              <a:rPr lang="en-US" sz="2800" b="1" i="0" u="none" strike="noStrike" cap="none" dirty="0">
                 <a:solidFill>
                   <a:srgbClr val="FF7F00"/>
                 </a:solidFill>
@@ -24732,7 +24161,7 @@
               <a:t>[]</a:t>
             </a:r>
             <a:r>
-              <a:rPr lang="en-US" sz="2800" dirty="0" smtClean="0">
+              <a:rPr lang="en-US" sz="2800" b="1" dirty="0">
                 <a:solidFill>
                   <a:srgbClr val="FFFF00"/>
                 </a:solidFill>
@@ -24743,7 +24172,7 @@
               </a:rPr>
               <a:t>)</a:t>
             </a:r>
-            <a:endParaRPr lang="en-US" sz="2800" i="0" u="none" strike="noStrike" cap="none" dirty="0" smtClean="0">
+            <a:endParaRPr lang="en-US" sz="2800" b="1" i="0" u="none" strike="noStrike" cap="none" dirty="0">
               <a:solidFill>
                 <a:srgbClr val="FF7F00"/>
               </a:solidFill>
@@ -24772,7 +24201,7 @@
               <a:buNone/>
             </a:pPr>
             <a:r>
-              <a:rPr lang="en-US" sz="2800" i="0" u="none" strike="noStrike" cap="none" dirty="0" smtClean="0">
+              <a:rPr lang="en-US" sz="2800" b="1" i="0" u="none" strike="noStrike" cap="none" dirty="0">
                 <a:solidFill>
                   <a:schemeClr val="lt1"/>
                 </a:solidFill>
@@ -24783,15 +24212,6 @@
               </a:rPr>
               <a:t>[]</a:t>
             </a:r>
-            <a:endParaRPr lang="en-US" sz="2800" i="0" u="none" strike="noStrike" cap="none" dirty="0">
-              <a:solidFill>
-                <a:schemeClr val="lt1"/>
-              </a:solidFill>
-              <a:latin typeface="Courier"/>
-              <a:ea typeface="Courier"/>
-              <a:cs typeface="Courier"/>
-              <a:sym typeface="Courier New"/>
-            </a:endParaRPr>
           </a:p>
         </p:txBody>
       </p:sp>
@@ -24800,13 +24220,6 @@
   <p:clrMapOvr>
     <a:masterClrMapping/>
   </p:clrMapOvr>
-  <p:timing>
-    <p:tnLst>
-      <p:par>
-        <p:cTn xmlns:p14="http://schemas.microsoft.com/office/powerpoint/2010/main" id="1" dur="indefinite" restart="never" nodeType="tmRoot"/>
-      </p:par>
-    </p:tnLst>
-  </p:timing>
 </p:sld>
 </file>
 
@@ -24927,7 +24340,7 @@
               <a:buNone/>
             </a:pPr>
             <a:r>
-              <a:rPr lang="en-US" sz="3600" i="0" u="none" strike="noStrike" cap="none" dirty="0">
+              <a:rPr lang="en-US" sz="3600" b="1" i="0" u="none" strike="noStrike" cap="none" dirty="0">
                 <a:solidFill>
                   <a:srgbClr val="FFFF00"/>
                 </a:solidFill>
@@ -24939,7 +24352,7 @@
               <a:t>for</a:t>
             </a:r>
             <a:r>
-              <a:rPr lang="en-US" sz="3600" i="0" u="none" strike="noStrike" cap="none" dirty="0">
+              <a:rPr lang="en-US" sz="3600" b="1" i="0" u="none" strike="noStrike" cap="none" dirty="0">
                 <a:solidFill>
                   <a:schemeClr val="lt1"/>
                 </a:solidFill>
@@ -24951,7 +24364,7 @@
               <a:t> </a:t>
             </a:r>
             <a:r>
-              <a:rPr lang="en-US" sz="3600" i="0" u="none" strike="noStrike" cap="none" dirty="0" err="1">
+              <a:rPr lang="en-US" sz="3600" b="1" i="0" u="none" strike="noStrike" cap="none" dirty="0" err="1">
                 <a:solidFill>
                   <a:srgbClr val="00FF00"/>
                 </a:solidFill>
@@ -24963,7 +24376,7 @@
               <a:t>i</a:t>
             </a:r>
             <a:r>
-              <a:rPr lang="en-US" sz="3600" i="0" u="none" strike="noStrike" cap="none" dirty="0">
+              <a:rPr lang="en-US" sz="3600" b="1" i="0" u="none" strike="noStrike" cap="none" dirty="0">
                 <a:solidFill>
                   <a:schemeClr val="lt1"/>
                 </a:solidFill>
@@ -24975,7 +24388,7 @@
               <a:t> </a:t>
             </a:r>
             <a:r>
-              <a:rPr lang="en-US" sz="3600" i="0" u="none" strike="noStrike" cap="none" dirty="0">
+              <a:rPr lang="en-US" sz="3600" b="1" i="0" u="none" strike="noStrike" cap="none" dirty="0">
                 <a:solidFill>
                   <a:srgbClr val="FFFF00"/>
                 </a:solidFill>
@@ -24987,7 +24400,7 @@
               <a:t>in</a:t>
             </a:r>
             <a:r>
-              <a:rPr lang="en-US" sz="3600" i="0" u="none" strike="noStrike" cap="none" dirty="0">
+              <a:rPr lang="en-US" sz="3600" b="1" i="0" u="none" strike="noStrike" cap="none" dirty="0">
                 <a:solidFill>
                   <a:schemeClr val="lt1"/>
                 </a:solidFill>
@@ -24999,7 +24412,7 @@
               <a:t> </a:t>
             </a:r>
             <a:r>
-              <a:rPr lang="en-US" sz="3600" i="0" u="none" strike="noStrike" cap="none" dirty="0">
+              <a:rPr lang="en-US" sz="3600" b="1" i="0" u="none" strike="noStrike" cap="none" dirty="0">
                 <a:solidFill>
                   <a:srgbClr val="FF7F00"/>
                 </a:solidFill>
@@ -25011,7 +24424,7 @@
               <a:t>[5, 4, 3, 2, 1]</a:t>
             </a:r>
             <a:r>
-              <a:rPr lang="en-US" sz="3600" i="0" u="none" strike="noStrike" cap="none" dirty="0">
+              <a:rPr lang="en-US" sz="3600" b="1" i="0" u="none" strike="noStrike" cap="none" dirty="0">
                 <a:solidFill>
                   <a:srgbClr val="00FF00"/>
                 </a:solidFill>
@@ -25023,7 +24436,7 @@
               <a:t> </a:t>
             </a:r>
             <a:r>
-              <a:rPr lang="en-US" sz="3600" i="0" u="none" strike="noStrike" cap="none" dirty="0">
+              <a:rPr lang="en-US" sz="3600" b="1" i="0" u="none" strike="noStrike" cap="none" dirty="0">
                 <a:solidFill>
                   <a:schemeClr val="lt1"/>
                 </a:solidFill>
@@ -25054,7 +24467,7 @@
               <a:buNone/>
             </a:pPr>
             <a:r>
-              <a:rPr lang="en-US" sz="3600" i="0" u="none" strike="noStrike" cap="none" dirty="0">
+              <a:rPr lang="en-US" sz="3600" b="1" i="0" u="none" strike="noStrike" cap="none" dirty="0">
                 <a:solidFill>
                   <a:schemeClr val="lt1"/>
                 </a:solidFill>
@@ -25066,7 +24479,7 @@
               <a:t>    </a:t>
             </a:r>
             <a:r>
-              <a:rPr lang="en-US" sz="3600" i="0" u="none" strike="noStrike" cap="none" dirty="0" smtClean="0">
+              <a:rPr lang="en-US" sz="3600" b="1" i="0" u="none" strike="noStrike" cap="none" dirty="0">
                 <a:solidFill>
                   <a:srgbClr val="FFFF00"/>
                 </a:solidFill>
@@ -25078,7 +24491,7 @@
               <a:t>print(</a:t>
             </a:r>
             <a:r>
-              <a:rPr lang="en-US" sz="3600" i="0" u="none" strike="noStrike" cap="none" dirty="0" err="1" smtClean="0">
+              <a:rPr lang="en-US" sz="3600" b="1" i="0" u="none" strike="noStrike" cap="none" dirty="0" err="1">
                 <a:solidFill>
                   <a:srgbClr val="00FF00"/>
                 </a:solidFill>
@@ -25090,7 +24503,7 @@
               <a:t>i</a:t>
             </a:r>
             <a:r>
-              <a:rPr lang="en-US" sz="3600" i="0" u="none" strike="noStrike" cap="none" dirty="0" smtClean="0">
+              <a:rPr lang="en-US" sz="3600" b="1" i="0" u="none" strike="noStrike" cap="none" dirty="0">
                 <a:solidFill>
                   <a:srgbClr val="FFFF00"/>
                 </a:solidFill>
@@ -25101,15 +24514,6 @@
               </a:rPr>
               <a:t>)</a:t>
             </a:r>
-            <a:endParaRPr lang="en-US" sz="3600" i="0" u="none" strike="noStrike" cap="none" dirty="0">
-              <a:solidFill>
-                <a:srgbClr val="FFFF00"/>
-              </a:solidFill>
-              <a:latin typeface="Courier"/>
-              <a:ea typeface="Courier"/>
-              <a:cs typeface="Courier"/>
-              <a:sym typeface="Courier New"/>
-            </a:endParaRPr>
           </a:p>
           <a:p>
             <a:pPr marL="0" marR="0" lvl="0" indent="0" algn="l" rtl="0">
@@ -25130,7 +24534,7 @@
               <a:buNone/>
             </a:pPr>
             <a:r>
-              <a:rPr lang="en-US" sz="3600" i="0" u="none" strike="noStrike" cap="none" dirty="0" smtClean="0">
+              <a:rPr lang="en-US" sz="3600" b="1" i="0" u="none" strike="noStrike" cap="none" dirty="0">
                 <a:solidFill>
                   <a:srgbClr val="FFFF00"/>
                 </a:solidFill>
@@ -25142,7 +24546,7 @@
               <a:t>print(</a:t>
             </a:r>
             <a:r>
-              <a:rPr lang="en-US" sz="3600" i="0" u="none" strike="noStrike" cap="none" dirty="0" smtClean="0">
+              <a:rPr lang="en-US" sz="3600" b="1" i="0" u="none" strike="noStrike" cap="none" dirty="0">
                 <a:solidFill>
                   <a:srgbClr val="FF7F00"/>
                 </a:solidFill>
@@ -25154,7 +24558,7 @@
               <a:t>'Blastoff!'</a:t>
             </a:r>
             <a:r>
-              <a:rPr lang="en-US" sz="3600" i="0" u="none" strike="noStrike" cap="none" dirty="0" smtClean="0">
+              <a:rPr lang="en-US" sz="3600" b="1" i="0" u="none" strike="noStrike" cap="none" dirty="0">
                 <a:solidFill>
                   <a:srgbClr val="FFFF00"/>
                 </a:solidFill>
@@ -25165,15 +24569,6 @@
               </a:rPr>
               <a:t>)</a:t>
             </a:r>
-            <a:endParaRPr lang="en-US" sz="3600" i="0" u="none" strike="noStrike" cap="none" dirty="0">
-              <a:solidFill>
-                <a:srgbClr val="FFFF00"/>
-              </a:solidFill>
-              <a:latin typeface="Courier"/>
-              <a:ea typeface="Courier"/>
-              <a:cs typeface="Courier"/>
-              <a:sym typeface="Courier New"/>
-            </a:endParaRPr>
           </a:p>
         </p:txBody>
       </p:sp>
@@ -25394,13 +24789,6 @@
   <p:clrMapOvr>
     <a:masterClrMapping/>
   </p:clrMapOvr>
-  <p:timing>
-    <p:tnLst>
-      <p:par>
-        <p:cTn xmlns:p14="http://schemas.microsoft.com/office/powerpoint/2010/main" id="1" dur="indefinite" restart="never" nodeType="tmRoot"/>
-      </p:par>
-    </p:tnLst>
-  </p:timing>
 </p:sld>
 </file>
 
@@ -25473,29 +24861,8 @@
                 <a:cs typeface="Arial" charset="0"/>
                 <a:sym typeface="Cabin"/>
               </a:rPr>
-              <a:t>Lists and Definite Loops - Best </a:t>
-            </a:r>
-            <a:r>
-              <a:rPr lang="en-US" sz="6600" u="none" strike="noStrike" cap="none" dirty="0" smtClean="0">
-                <a:solidFill>
-                  <a:srgbClr val="FFD966"/>
-                </a:solidFill>
-                <a:latin typeface="Arial" charset="0"/>
-                <a:ea typeface="Arial" charset="0"/>
-                <a:cs typeface="Arial" charset="0"/>
-                <a:sym typeface="Cabin"/>
-              </a:rPr>
-              <a:t>Pals</a:t>
-            </a:r>
-            <a:endParaRPr lang="en-US" sz="6600" u="none" strike="noStrike" cap="none" dirty="0">
-              <a:solidFill>
-                <a:srgbClr val="FFD966"/>
-              </a:solidFill>
-              <a:latin typeface="Arial" charset="0"/>
-              <a:ea typeface="Arial" charset="0"/>
-              <a:cs typeface="Arial" charset="0"/>
-              <a:sym typeface="Cabin"/>
-            </a:endParaRPr>
+              <a:t>Lists and Definite Loops - Best Pals</a:t>
+            </a:r>
           </a:p>
         </p:txBody>
       </p:sp>
@@ -25542,7 +24909,7 @@
               <a:buNone/>
             </a:pPr>
             <a:r>
-              <a:rPr lang="en-US" sz="2400" i="0" u="none" strike="noStrike" cap="none" dirty="0">
+              <a:rPr lang="en-US" sz="2400" b="1" i="0" u="none" strike="noStrike" cap="none" dirty="0">
                 <a:solidFill>
                   <a:srgbClr val="00FF00"/>
                 </a:solidFill>
@@ -25554,7 +24921,7 @@
               <a:t>friends</a:t>
             </a:r>
             <a:r>
-              <a:rPr lang="en-US" sz="2400" i="0" u="none" strike="noStrike" cap="none" dirty="0">
+              <a:rPr lang="en-US" sz="2400" b="1" i="0" u="none" strike="noStrike" cap="none" dirty="0">
                 <a:solidFill>
                   <a:schemeClr val="lt1"/>
                 </a:solidFill>
@@ -25566,7 +24933,7 @@
               <a:t> = </a:t>
             </a:r>
             <a:r>
-              <a:rPr lang="en-US" sz="2400" i="0" u="none" strike="noStrike" cap="none" dirty="0">
+              <a:rPr lang="en-US" sz="2400" b="1" i="0" u="none" strike="noStrike" cap="none" dirty="0">
                 <a:solidFill>
                   <a:srgbClr val="FF7F00"/>
                 </a:solidFill>
@@ -25597,7 +24964,7 @@
               <a:buNone/>
             </a:pPr>
             <a:r>
-              <a:rPr lang="en-US" sz="2400" i="0" u="none" strike="noStrike" cap="none" dirty="0">
+              <a:rPr lang="en-US" sz="2400" b="1" i="0" u="none" strike="noStrike" cap="none" dirty="0">
                 <a:solidFill>
                   <a:srgbClr val="FFFF00"/>
                 </a:solidFill>
@@ -25609,7 +24976,7 @@
               <a:t>for</a:t>
             </a:r>
             <a:r>
-              <a:rPr lang="en-US" sz="2400" i="0" u="none" strike="noStrike" cap="none" dirty="0">
+              <a:rPr lang="en-US" sz="2400" b="1" i="0" u="none" strike="noStrike" cap="none" dirty="0">
                 <a:solidFill>
                   <a:schemeClr val="lt1"/>
                 </a:solidFill>
@@ -25621,7 +24988,7 @@
               <a:t> </a:t>
             </a:r>
             <a:r>
-              <a:rPr lang="en-US" sz="2400" i="0" u="none" strike="noStrike" cap="none" dirty="0">
+              <a:rPr lang="en-US" sz="2400" b="1" i="0" u="none" strike="noStrike" cap="none" dirty="0">
                 <a:solidFill>
                   <a:srgbClr val="00FF00"/>
                 </a:solidFill>
@@ -25633,7 +25000,7 @@
               <a:t>friend</a:t>
             </a:r>
             <a:r>
-              <a:rPr lang="en-US" sz="2400" i="0" u="none" strike="noStrike" cap="none" dirty="0">
+              <a:rPr lang="en-US" sz="2400" b="1" i="0" u="none" strike="noStrike" cap="none" dirty="0">
                 <a:solidFill>
                   <a:schemeClr val="lt1"/>
                 </a:solidFill>
@@ -25645,7 +25012,7 @@
               <a:t> </a:t>
             </a:r>
             <a:r>
-              <a:rPr lang="en-US" sz="2400" i="0" u="none" strike="noStrike" cap="none" dirty="0">
+              <a:rPr lang="en-US" sz="2400" b="1" i="0" u="none" strike="noStrike" cap="none" dirty="0">
                 <a:solidFill>
                   <a:srgbClr val="FFFF00"/>
                 </a:solidFill>
@@ -25657,7 +25024,7 @@
               <a:t>in</a:t>
             </a:r>
             <a:r>
-              <a:rPr lang="en-US" sz="2400" i="0" u="none" strike="noStrike" cap="none" dirty="0">
+              <a:rPr lang="en-US" sz="2400" b="1" i="0" u="none" strike="noStrike" cap="none" dirty="0">
                 <a:solidFill>
                   <a:schemeClr val="lt1"/>
                 </a:solidFill>
@@ -25669,7 +25036,7 @@
               <a:t> </a:t>
             </a:r>
             <a:r>
-              <a:rPr lang="en-US" sz="2400" i="0" u="none" strike="noStrike" cap="none" dirty="0">
+              <a:rPr lang="en-US" sz="2400" b="1" i="0" u="none" strike="noStrike" cap="none" dirty="0">
                 <a:solidFill>
                   <a:srgbClr val="00FF00"/>
                 </a:solidFill>
@@ -25681,7 +25048,7 @@
               <a:t>friends </a:t>
             </a:r>
             <a:r>
-              <a:rPr lang="en-US" sz="2400" i="0" u="none" strike="noStrike" cap="none" dirty="0">
+              <a:rPr lang="en-US" sz="2400" b="1" i="0" u="none" strike="noStrike" cap="none" dirty="0">
                 <a:solidFill>
                   <a:schemeClr val="lt1"/>
                 </a:solidFill>
@@ -25701,7 +25068,7 @@
               <a:buSzPct val="25000"/>
             </a:pPr>
             <a:r>
-              <a:rPr lang="en-US" sz="2400" i="0" u="none" strike="noStrike" cap="none" dirty="0">
+              <a:rPr lang="en-US" sz="2400" b="1" i="0" u="none" strike="noStrike" cap="none" dirty="0">
                 <a:solidFill>
                   <a:schemeClr val="lt1"/>
                 </a:solidFill>
@@ -25713,7 +25080,7 @@
               <a:t>    </a:t>
             </a:r>
             <a:r>
-              <a:rPr lang="en-US" sz="2400" i="0" u="none" strike="noStrike" cap="none" dirty="0" smtClean="0">
+              <a:rPr lang="en-US" sz="2400" b="1" i="0" u="none" strike="noStrike" cap="none" dirty="0">
                 <a:solidFill>
                   <a:srgbClr val="FFFF00"/>
                 </a:solidFill>
@@ -25725,7 +25092,7 @@
               <a:t>print(</a:t>
             </a:r>
             <a:r>
-              <a:rPr lang="en-US" sz="2400" i="0" u="none" strike="noStrike" cap="none" dirty="0" smtClean="0">
+              <a:rPr lang="en-US" sz="2400" b="1" i="0" u="none" strike="noStrike" cap="none" dirty="0">
                 <a:solidFill>
                   <a:srgbClr val="FF7F00"/>
                 </a:solidFill>
@@ -25734,22 +25101,10 @@
                 <a:cs typeface="Courier"/>
                 <a:sym typeface="Courier New"/>
               </a:rPr>
-              <a:t>'Happy </a:t>
-            </a:r>
-            <a:r>
-              <a:rPr lang="en-US" sz="2400" i="0" u="none" strike="noStrike" cap="none" dirty="0">
-                <a:solidFill>
-                  <a:srgbClr val="FF7F00"/>
-                </a:solidFill>
-                <a:latin typeface="Courier"/>
-                <a:ea typeface="Courier"/>
-                <a:cs typeface="Courier"/>
-                <a:sym typeface="Courier New"/>
-              </a:rPr>
-              <a:t>New Year:'</a:t>
-            </a:r>
-            <a:r>
-              <a:rPr lang="en-US" sz="2400" i="0" u="none" strike="noStrike" cap="none" dirty="0">
+              <a:t>'Happy New Year:'</a:t>
+            </a:r>
+            <a:r>
+              <a:rPr lang="en-US" sz="2400" b="1" i="0" u="none" strike="noStrike" cap="none" dirty="0">
                 <a:solidFill>
                   <a:schemeClr val="lt1"/>
                 </a:solidFill>
@@ -25761,7 +25116,7 @@
               <a:t>,  </a:t>
             </a:r>
             <a:r>
-              <a:rPr lang="en-US" sz="2400" i="0" u="none" strike="noStrike" cap="none" dirty="0" smtClean="0">
+              <a:rPr lang="en-US" sz="2400" b="1" i="0" u="none" strike="noStrike" cap="none" dirty="0">
                 <a:solidFill>
                   <a:srgbClr val="00FF00"/>
                 </a:solidFill>
@@ -25773,7 +25128,7 @@
               <a:t>friend</a:t>
             </a:r>
             <a:r>
-              <a:rPr lang="en-US" sz="2400" dirty="0" smtClean="0">
+              <a:rPr lang="en-US" sz="2400" b="1" dirty="0">
                 <a:solidFill>
                   <a:srgbClr val="FFFF00"/>
                 </a:solidFill>
@@ -25784,7 +25139,7 @@
               </a:rPr>
               <a:t>)</a:t>
             </a:r>
-            <a:endParaRPr lang="en-US" sz="2400" i="0" u="none" strike="noStrike" cap="none" dirty="0">
+            <a:endParaRPr lang="en-US" sz="2400" b="1" i="0" u="none" strike="noStrike" cap="none" dirty="0">
               <a:solidFill>
                 <a:srgbClr val="00FF00"/>
               </a:solidFill>
@@ -25802,7 +25157,7 @@
               <a:buSzPct val="25000"/>
             </a:pPr>
             <a:r>
-              <a:rPr lang="en-US" sz="2400" i="0" u="none" strike="noStrike" cap="none" dirty="0" smtClean="0">
+              <a:rPr lang="en-US" sz="2400" b="1" i="0" u="none" strike="noStrike" cap="none" dirty="0">
                 <a:solidFill>
                   <a:srgbClr val="FFFF00"/>
                 </a:solidFill>
@@ -25814,7 +25169,7 @@
               <a:t>print</a:t>
             </a:r>
             <a:r>
-              <a:rPr lang="en-US" sz="2400" dirty="0">
+              <a:rPr lang="en-US" sz="2400" b="1" dirty="0">
                 <a:solidFill>
                   <a:schemeClr val="lt1"/>
                 </a:solidFill>
@@ -25826,7 +25181,7 @@
               <a:t>(</a:t>
             </a:r>
             <a:r>
-              <a:rPr lang="en-US" sz="2400" i="0" u="none" strike="noStrike" cap="none" dirty="0" smtClean="0">
+              <a:rPr lang="en-US" sz="2400" b="1" i="0" u="none" strike="noStrike" cap="none" dirty="0">
                 <a:solidFill>
                   <a:srgbClr val="FF7F00"/>
                 </a:solidFill>
@@ -25838,7 +25193,7 @@
               <a:t>'Done!'</a:t>
             </a:r>
             <a:r>
-              <a:rPr lang="en-US" sz="2400" dirty="0" smtClean="0">
+              <a:rPr lang="en-US" sz="2400" b="1" dirty="0">
                 <a:solidFill>
                   <a:srgbClr val="FFFF00"/>
                 </a:solidFill>
@@ -25849,15 +25204,6 @@
               </a:rPr>
               <a:t>)</a:t>
             </a:r>
-            <a:endParaRPr lang="en-US" sz="2400" dirty="0">
-              <a:solidFill>
-                <a:srgbClr val="FFFF00"/>
-              </a:solidFill>
-              <a:latin typeface="Courier"/>
-              <a:ea typeface="Courier"/>
-              <a:cs typeface="Courier"/>
-              <a:sym typeface="Courier New"/>
-            </a:endParaRPr>
           </a:p>
         </p:txBody>
       </p:sp>
@@ -26132,7 +25478,7 @@
               <a:buNone/>
             </a:pPr>
             <a:r>
-              <a:rPr lang="en-US" sz="2400" i="0" u="none" strike="noStrike" cap="none" dirty="0" smtClean="0">
+              <a:rPr lang="en-US" sz="2400" b="1" i="0" u="none" strike="noStrike" cap="none" dirty="0">
                 <a:solidFill>
                   <a:srgbClr val="00FF00"/>
                 </a:solidFill>
@@ -26144,7 +25490,7 @@
               <a:t>z </a:t>
             </a:r>
             <a:r>
-              <a:rPr lang="en-US" sz="2400" i="0" u="none" strike="noStrike" cap="none" dirty="0" smtClean="0">
+              <a:rPr lang="en-US" sz="2400" b="1" i="0" u="none" strike="noStrike" cap="none" dirty="0">
                 <a:solidFill>
                   <a:schemeClr val="lt1"/>
                 </a:solidFill>
@@ -26156,7 +25502,7 @@
               <a:t>= </a:t>
             </a:r>
             <a:r>
-              <a:rPr lang="en-US" sz="2400" i="0" u="none" strike="noStrike" cap="none" dirty="0">
+              <a:rPr lang="en-US" sz="2400" b="1" i="0" u="none" strike="noStrike" cap="none" dirty="0">
                 <a:solidFill>
                   <a:srgbClr val="FF7F00"/>
                 </a:solidFill>
@@ -26187,7 +25533,7 @@
               <a:buNone/>
             </a:pPr>
             <a:r>
-              <a:rPr lang="en-US" sz="2400" i="0" u="none" strike="noStrike" cap="none" dirty="0">
+              <a:rPr lang="en-US" sz="2400" b="1" i="0" u="none" strike="noStrike" cap="none" dirty="0">
                 <a:solidFill>
                   <a:srgbClr val="FFFF00"/>
                 </a:solidFill>
@@ -26199,7 +25545,7 @@
               <a:t>for</a:t>
             </a:r>
             <a:r>
-              <a:rPr lang="en-US" sz="2400" i="0" u="none" strike="noStrike" cap="none" dirty="0">
+              <a:rPr lang="en-US" sz="2400" b="1" i="0" u="none" strike="noStrike" cap="none" dirty="0">
                 <a:solidFill>
                   <a:schemeClr val="lt1"/>
                 </a:solidFill>
@@ -26211,7 +25557,7 @@
               <a:t> </a:t>
             </a:r>
             <a:r>
-              <a:rPr lang="en-US" sz="2400" i="0" u="none" strike="noStrike" cap="none" dirty="0" smtClean="0">
+              <a:rPr lang="en-US" sz="2400" b="1" i="0" u="none" strike="noStrike" cap="none" dirty="0">
                 <a:solidFill>
                   <a:srgbClr val="00FF00"/>
                 </a:solidFill>
@@ -26223,7 +25569,7 @@
               <a:t>x </a:t>
             </a:r>
             <a:r>
-              <a:rPr lang="en-US" sz="2400" i="0" u="none" strike="noStrike" cap="none" dirty="0" smtClean="0">
+              <a:rPr lang="en-US" sz="2400" b="1" i="0" u="none" strike="noStrike" cap="none" dirty="0">
                 <a:solidFill>
                   <a:srgbClr val="FFFF00"/>
                 </a:solidFill>
@@ -26235,7 +25581,7 @@
               <a:t>in</a:t>
             </a:r>
             <a:r>
-              <a:rPr lang="en-US" sz="2400" i="0" u="none" strike="noStrike" cap="none" dirty="0" smtClean="0">
+              <a:rPr lang="en-US" sz="2400" b="1" i="0" u="none" strike="noStrike" cap="none" dirty="0">
                 <a:solidFill>
                   <a:schemeClr val="lt1"/>
                 </a:solidFill>
@@ -26247,7 +25593,7 @@
               <a:t> </a:t>
             </a:r>
             <a:r>
-              <a:rPr lang="en-US" sz="2400" i="0" u="none" strike="noStrike" cap="none" dirty="0" smtClean="0">
+              <a:rPr lang="en-US" sz="2400" b="1" i="0" u="none" strike="noStrike" cap="none" dirty="0">
                 <a:solidFill>
                   <a:srgbClr val="00FF00"/>
                 </a:solidFill>
@@ -26259,7 +25605,7 @@
               <a:t>z</a:t>
             </a:r>
             <a:r>
-              <a:rPr lang="en-US" sz="2400" i="0" u="none" strike="noStrike" cap="none" dirty="0" smtClean="0">
+              <a:rPr lang="en-US" sz="2400" b="1" i="0" u="none" strike="noStrike" cap="none" dirty="0">
                 <a:solidFill>
                   <a:schemeClr val="lt1"/>
                 </a:solidFill>
@@ -26270,25 +25616,16 @@
               </a:rPr>
               <a:t>:</a:t>
             </a:r>
-            <a:endParaRPr lang="en-US" sz="2400" i="0" u="none" strike="noStrike" cap="none" dirty="0">
-              <a:solidFill>
+          </a:p>
+          <a:p>
+            <a:pPr>
+              <a:buClr>
                 <a:schemeClr val="lt1"/>
-              </a:solidFill>
-              <a:latin typeface="Courier"/>
-              <a:ea typeface="Courier"/>
-              <a:cs typeface="Courier"/>
-              <a:sym typeface="Courier New"/>
-            </a:endParaRPr>
-          </a:p>
-          <a:p>
-            <a:pPr>
-              <a:buClr>
-                <a:schemeClr val="lt1"/>
               </a:buClr>
               <a:buSzPct val="25000"/>
             </a:pPr>
             <a:r>
-              <a:rPr lang="en-US" sz="2400" i="0" u="none" strike="noStrike" cap="none" dirty="0">
+              <a:rPr lang="en-US" sz="2400" b="1" i="0" u="none" strike="noStrike" cap="none" dirty="0">
                 <a:solidFill>
                   <a:schemeClr val="lt1"/>
                 </a:solidFill>
@@ -26300,7 +25637,7 @@
               <a:t>    </a:t>
             </a:r>
             <a:r>
-              <a:rPr lang="en-US" sz="2400" i="0" u="none" strike="noStrike" cap="none" dirty="0" smtClean="0">
+              <a:rPr lang="en-US" sz="2400" b="1" i="0" u="none" strike="noStrike" cap="none" dirty="0">
                 <a:solidFill>
                   <a:srgbClr val="FFFF00"/>
                 </a:solidFill>
@@ -26312,7 +25649,7 @@
               <a:t>print(</a:t>
             </a:r>
             <a:r>
-              <a:rPr lang="en-US" sz="2400" i="0" u="none" strike="noStrike" cap="none" dirty="0" smtClean="0">
+              <a:rPr lang="en-US" sz="2400" b="1" i="0" u="none" strike="noStrike" cap="none" dirty="0">
                 <a:solidFill>
                   <a:srgbClr val="FF7F00"/>
                 </a:solidFill>
@@ -26321,22 +25658,10 @@
                 <a:cs typeface="Courier"/>
                 <a:sym typeface="Courier New"/>
               </a:rPr>
-              <a:t>'Happy </a:t>
-            </a:r>
-            <a:r>
-              <a:rPr lang="en-US" sz="2400" i="0" u="none" strike="noStrike" cap="none" dirty="0">
-                <a:solidFill>
-                  <a:srgbClr val="FF7F00"/>
-                </a:solidFill>
-                <a:latin typeface="Courier"/>
-                <a:ea typeface="Courier"/>
-                <a:cs typeface="Courier"/>
-                <a:sym typeface="Courier New"/>
-              </a:rPr>
-              <a:t>New Year:'</a:t>
-            </a:r>
-            <a:r>
-              <a:rPr lang="en-US" sz="2400" i="0" u="none" strike="noStrike" cap="none" dirty="0">
+              <a:t>'Happy New Year:'</a:t>
+            </a:r>
+            <a:r>
+              <a:rPr lang="en-US" sz="2400" b="1" i="0" u="none" strike="noStrike" cap="none" dirty="0">
                 <a:solidFill>
                   <a:schemeClr val="lt1"/>
                 </a:solidFill>
@@ -26348,7 +25673,7 @@
               <a:t>,  </a:t>
             </a:r>
             <a:r>
-              <a:rPr lang="en-US" sz="2400" i="0" u="none" strike="noStrike" cap="none" dirty="0" smtClean="0">
+              <a:rPr lang="en-US" sz="2400" b="1" i="0" u="none" strike="noStrike" cap="none" dirty="0">
                 <a:solidFill>
                   <a:srgbClr val="00FF00"/>
                 </a:solidFill>
@@ -26360,7 +25685,7 @@
               <a:t>x</a:t>
             </a:r>
             <a:r>
-              <a:rPr lang="en-US" sz="2400" dirty="0" smtClean="0">
+              <a:rPr lang="en-US" sz="2400" b="1" dirty="0">
                 <a:solidFill>
                   <a:srgbClr val="FFFF00"/>
                 </a:solidFill>
@@ -26371,7 +25696,7 @@
               </a:rPr>
               <a:t>)</a:t>
             </a:r>
-            <a:endParaRPr lang="en-US" sz="2400" i="0" u="none" strike="noStrike" cap="none" dirty="0">
+            <a:endParaRPr lang="en-US" sz="2400" b="1" i="0" u="none" strike="noStrike" cap="none" dirty="0">
               <a:solidFill>
                 <a:srgbClr val="00FF00"/>
               </a:solidFill>
@@ -26389,7 +25714,7 @@
               <a:buSzPct val="25000"/>
             </a:pPr>
             <a:r>
-              <a:rPr lang="en-US" sz="2400" i="0" u="none" strike="noStrike" cap="none" dirty="0" smtClean="0">
+              <a:rPr lang="en-US" sz="2400" b="1" i="0" u="none" strike="noStrike" cap="none" dirty="0">
                 <a:solidFill>
                   <a:srgbClr val="FFFF00"/>
                 </a:solidFill>
@@ -26401,7 +25726,7 @@
               <a:t>print</a:t>
             </a:r>
             <a:r>
-              <a:rPr lang="en-US" sz="2400" dirty="0">
+              <a:rPr lang="en-US" sz="2400" b="1" dirty="0">
                 <a:solidFill>
                   <a:schemeClr val="lt1"/>
                 </a:solidFill>
@@ -26413,7 +25738,7 @@
               <a:t>(</a:t>
             </a:r>
             <a:r>
-              <a:rPr lang="en-US" sz="2400" i="0" u="none" strike="noStrike" cap="none" dirty="0" smtClean="0">
+              <a:rPr lang="en-US" sz="2400" b="1" i="0" u="none" strike="noStrike" cap="none" dirty="0">
                 <a:solidFill>
                   <a:srgbClr val="FF7F00"/>
                 </a:solidFill>
@@ -26425,7 +25750,7 @@
               <a:t>'Done!'</a:t>
             </a:r>
             <a:r>
-              <a:rPr lang="en-US" sz="2400" dirty="0" smtClean="0">
+              <a:rPr lang="en-US" sz="2400" b="1" dirty="0">
                 <a:solidFill>
                   <a:srgbClr val="FFFF00"/>
                 </a:solidFill>
@@ -26436,15 +25761,6 @@
               </a:rPr>
               <a:t>)</a:t>
             </a:r>
-            <a:endParaRPr lang="en-US" sz="2400" dirty="0">
-              <a:solidFill>
-                <a:srgbClr val="FFFF00"/>
-              </a:solidFill>
-              <a:latin typeface="Courier"/>
-              <a:ea typeface="Courier"/>
-              <a:cs typeface="Courier"/>
-              <a:sym typeface="Courier New"/>
-            </a:endParaRPr>
           </a:p>
         </p:txBody>
       </p:sp>
@@ -26453,13 +25769,6 @@
   <p:clrMapOvr>
     <a:masterClrMapping/>
   </p:clrMapOvr>
-  <p:timing>
-    <p:tnLst>
-      <p:par>
-        <p:cTn xmlns:p14="http://schemas.microsoft.com/office/powerpoint/2010/main" id="1" dur="indefinite" restart="never" nodeType="tmRoot"/>
-      </p:par>
-    </p:tnLst>
-  </p:timing>
 </p:sld>
 </file>
 
@@ -26795,7 +26104,7 @@
               <a:buNone/>
             </a:pPr>
             <a:r>
-              <a:rPr lang="en-US" sz="2400" i="0" u="none" strike="noStrike" cap="none" dirty="0">
+              <a:rPr lang="en-US" sz="2400" b="1" i="0" u="none" strike="noStrike" cap="none" dirty="0">
                 <a:solidFill>
                   <a:schemeClr val="lt1"/>
                 </a:solidFill>
@@ -26807,7 +26116,7 @@
               <a:t>&gt;&gt;&gt; </a:t>
             </a:r>
             <a:r>
-              <a:rPr lang="en-US" sz="2400" i="0" u="none" strike="noStrike" cap="none" dirty="0">
+              <a:rPr lang="en-US" sz="2400" b="1" i="0" u="none" strike="noStrike" cap="none" dirty="0">
                 <a:solidFill>
                   <a:srgbClr val="00FF00"/>
                 </a:solidFill>
@@ -26819,7 +26128,7 @@
               <a:t>friends</a:t>
             </a:r>
             <a:r>
-              <a:rPr lang="en-US" sz="2400" i="0" u="none" strike="noStrike" cap="none" dirty="0">
+              <a:rPr lang="en-US" sz="2400" b="1" i="0" u="none" strike="noStrike" cap="none" dirty="0">
                 <a:solidFill>
                   <a:schemeClr val="lt1"/>
                 </a:solidFill>
@@ -26831,7 +26140,7 @@
               <a:t> = </a:t>
             </a:r>
             <a:r>
-              <a:rPr lang="en-US" sz="2400" i="0" u="none" strike="noStrike" cap="none" dirty="0">
+              <a:rPr lang="en-US" sz="2400" b="1" i="0" u="none" strike="noStrike" cap="none" dirty="0">
                 <a:solidFill>
                   <a:srgbClr val="FF7F00"/>
                 </a:solidFill>
@@ -26862,7 +26171,7 @@
               <a:buNone/>
             </a:pPr>
             <a:r>
-              <a:rPr lang="en-US" sz="2400" i="0" u="none" strike="noStrike" cap="none" dirty="0">
+              <a:rPr lang="en-US" sz="2400" b="1" i="0" u="none" strike="noStrike" cap="none" dirty="0">
                 <a:solidFill>
                   <a:schemeClr val="lt1"/>
                 </a:solidFill>
@@ -26874,7 +26183,7 @@
               <a:t>&gt;&gt;&gt; </a:t>
             </a:r>
             <a:r>
-              <a:rPr lang="en-US" sz="2400" i="0" u="none" strike="noStrike" cap="none" dirty="0" smtClean="0">
+              <a:rPr lang="en-US" sz="2400" b="1" i="0" u="none" strike="noStrike" cap="none" dirty="0">
                 <a:solidFill>
                   <a:srgbClr val="FFFF00"/>
                 </a:solidFill>
@@ -26886,7 +26195,7 @@
               <a:t>print(</a:t>
             </a:r>
             <a:r>
-              <a:rPr lang="en-US" sz="2400" i="0" u="none" strike="noStrike" cap="none" dirty="0" smtClean="0">
+              <a:rPr lang="en-US" sz="2400" b="1" i="0" u="none" strike="noStrike" cap="none" dirty="0">
                 <a:solidFill>
                   <a:srgbClr val="00FF00"/>
                 </a:solidFill>
@@ -26898,7 +26207,7 @@
               <a:t>friends</a:t>
             </a:r>
             <a:r>
-              <a:rPr lang="en-US" sz="2400" i="0" u="none" strike="noStrike" cap="none" dirty="0" smtClean="0">
+              <a:rPr lang="en-US" sz="2400" b="1" i="0" u="none" strike="noStrike" cap="none" dirty="0">
                 <a:solidFill>
                   <a:srgbClr val="00FFFF"/>
                 </a:solidFill>
@@ -26910,7 +26219,7 @@
               <a:t>[</a:t>
             </a:r>
             <a:r>
-              <a:rPr lang="en-US" sz="2400" i="0" u="none" strike="noStrike" cap="none" dirty="0" smtClean="0">
+              <a:rPr lang="en-US" sz="2400" b="1" i="0" u="none" strike="noStrike" cap="none" dirty="0">
                 <a:solidFill>
                   <a:schemeClr val="lt1"/>
                 </a:solidFill>
@@ -26922,7 +26231,7 @@
               <a:t>1</a:t>
             </a:r>
             <a:r>
-              <a:rPr lang="en-US" sz="2400" i="0" u="none" strike="noStrike" cap="none" dirty="0" smtClean="0">
+              <a:rPr lang="en-US" sz="2400" b="1" i="0" u="none" strike="noStrike" cap="none" dirty="0">
                 <a:solidFill>
                   <a:srgbClr val="00FFFF"/>
                 </a:solidFill>
@@ -26934,7 +26243,7 @@
               <a:t>]</a:t>
             </a:r>
             <a:r>
-              <a:rPr lang="en-US" sz="2400" i="0" u="none" strike="noStrike" cap="none" dirty="0" smtClean="0">
+              <a:rPr lang="en-US" sz="2400" b="1" i="0" u="none" strike="noStrike" cap="none" dirty="0">
                 <a:solidFill>
                   <a:srgbClr val="FFFF00"/>
                 </a:solidFill>
@@ -26945,7 +26254,7 @@
               </a:rPr>
               <a:t>)</a:t>
             </a:r>
-            <a:endParaRPr lang="en-US" sz="2400" dirty="0">
+            <a:endParaRPr lang="en-US" sz="2400" b="1" dirty="0">
               <a:solidFill>
                 <a:srgbClr val="FFFF00"/>
               </a:solidFill>
@@ -26974,7 +26283,7 @@
               <a:buNone/>
             </a:pPr>
             <a:r>
-              <a:rPr lang="en-US" sz="2400" i="0" u="none" strike="noStrike" cap="none" dirty="0" smtClean="0">
+              <a:rPr lang="en-US" sz="2400" b="1" i="0" u="none" strike="noStrike" cap="none" dirty="0">
                 <a:solidFill>
                   <a:schemeClr val="lt1"/>
                 </a:solidFill>
@@ -26985,15 +26294,6 @@
               </a:rPr>
               <a:t>Glenn</a:t>
             </a:r>
-            <a:endParaRPr lang="en-US" sz="2400" i="0" u="none" strike="noStrike" cap="none" dirty="0">
-              <a:solidFill>
-                <a:schemeClr val="lt1"/>
-              </a:solidFill>
-              <a:latin typeface="Courier"/>
-              <a:ea typeface="Courier"/>
-              <a:cs typeface="Courier"/>
-              <a:sym typeface="Courier New"/>
-            </a:endParaRPr>
           </a:p>
           <a:p>
             <a:pPr marL="0" marR="0" lvl="0" indent="0" algn="l" rtl="0">
@@ -27014,7 +26314,7 @@
               <a:buNone/>
             </a:pPr>
             <a:r>
-              <a:rPr lang="en-US" sz="2400" i="0" u="none" strike="noStrike" cap="none" dirty="0">
+              <a:rPr lang="en-US" sz="2400" b="1" i="0" u="none" strike="noStrike" cap="none" dirty="0">
                 <a:solidFill>
                   <a:schemeClr val="lt1"/>
                 </a:solidFill>
@@ -27273,13 +26573,6 @@
   <p:clrMapOvr>
     <a:masterClrMapping/>
   </p:clrMapOvr>
-  <p:timing>
-    <p:tnLst>
-      <p:par>
-        <p:cTn xmlns:p14="http://schemas.microsoft.com/office/powerpoint/2010/main" id="1" dur="indefinite" restart="never" nodeType="tmRoot"/>
-      </p:par>
-    </p:tnLst>
-  </p:timing>
 </p:sld>
 </file>
 
@@ -27520,7 +26813,7 @@
               <a:t>“</a:t>
             </a:r>
             <a:r>
-              <a:rPr lang="en-US" sz="3400" u="none" strike="noStrike" cap="none" smtClean="0">
+              <a:rPr lang="en-US" sz="3400" u="none" strike="noStrike" cap="none">
                 <a:solidFill>
                   <a:srgbClr val="00FF00"/>
                 </a:solidFill>
@@ -27544,7 +26837,7 @@
               <a:t>”</a:t>
             </a:r>
             <a:r>
-              <a:rPr lang="en-US" sz="3400" u="none" strike="noStrike" cap="none" smtClean="0">
+              <a:rPr lang="en-US" sz="3400" u="none" strike="noStrike" cap="none">
                 <a:solidFill>
                   <a:schemeClr val="lt1"/>
                 </a:solidFill>
@@ -27661,7 +26954,7 @@
               <a:buNone/>
             </a:pPr>
             <a:r>
-              <a:rPr lang="en-US" sz="2400" i="0" u="none" strike="noStrike" cap="none" dirty="0">
+              <a:rPr lang="en-US" sz="2400" b="1" i="0" u="none" strike="noStrike" cap="none" dirty="0">
                 <a:solidFill>
                   <a:schemeClr val="lt1"/>
                 </a:solidFill>
@@ -27673,7 +26966,7 @@
               <a:t>&gt;&gt;&gt; </a:t>
             </a:r>
             <a:r>
-              <a:rPr lang="en-US" sz="2400" i="0" u="none" strike="noStrike" cap="none" dirty="0">
+              <a:rPr lang="en-US" sz="2400" b="1" i="0" u="none" strike="noStrike" cap="none" dirty="0">
                 <a:solidFill>
                   <a:srgbClr val="00FF00"/>
                 </a:solidFill>
@@ -27685,7 +26978,7 @@
               <a:t>fruit</a:t>
             </a:r>
             <a:r>
-              <a:rPr lang="en-US" sz="2400" i="0" u="none" strike="noStrike" cap="none" dirty="0">
+              <a:rPr lang="en-US" sz="2400" b="1" i="0" u="none" strike="noStrike" cap="none" dirty="0">
                 <a:solidFill>
                   <a:schemeClr val="lt1"/>
                 </a:solidFill>
@@ -27697,7 +26990,7 @@
               <a:t> = 'Banana</a:t>
             </a:r>
             <a:r>
-              <a:rPr lang="en-US" sz="2400" dirty="0">
+              <a:rPr lang="en-US" sz="2400" b="1" dirty="0">
                 <a:solidFill>
                   <a:schemeClr val="lt1"/>
                 </a:solidFill>
@@ -27728,7 +27021,7 @@
               <a:buNone/>
             </a:pPr>
             <a:r>
-              <a:rPr lang="en-US" sz="2400" i="0" u="none" strike="noStrike" cap="none" dirty="0">
+              <a:rPr lang="en-US" sz="2400" b="1" i="0" u="none" strike="noStrike" cap="none" dirty="0">
                 <a:solidFill>
                   <a:schemeClr val="lt1"/>
                 </a:solidFill>
@@ -27740,7 +27033,7 @@
               <a:t>&gt;&gt;&gt; </a:t>
             </a:r>
             <a:r>
-              <a:rPr lang="en-US" sz="2400" i="0" u="none" strike="noStrike" cap="none" dirty="0">
+              <a:rPr lang="en-US" sz="2400" b="1" i="0" u="none" strike="noStrike" cap="none" dirty="0">
                 <a:solidFill>
                   <a:srgbClr val="00FF00"/>
                 </a:solidFill>
@@ -27752,7 +27045,7 @@
               <a:t>fruit</a:t>
             </a:r>
             <a:r>
-              <a:rPr lang="en-US" sz="2400" i="0" u="none" strike="noStrike" cap="none" dirty="0">
+              <a:rPr lang="en-US" sz="2400" b="1" i="0" u="none" strike="noStrike" cap="none" dirty="0">
                 <a:solidFill>
                   <a:srgbClr val="00FFFF"/>
                 </a:solidFill>
@@ -27764,7 +27057,7 @@
               <a:t>[</a:t>
             </a:r>
             <a:r>
-              <a:rPr lang="en-US" sz="2400" i="0" u="none" strike="noStrike" cap="none" dirty="0">
+              <a:rPr lang="en-US" sz="2400" b="1" i="0" u="none" strike="noStrike" cap="none" dirty="0">
                 <a:solidFill>
                   <a:schemeClr val="lt1"/>
                 </a:solidFill>
@@ -27776,7 +27069,7 @@
               <a:t>0</a:t>
             </a:r>
             <a:r>
-              <a:rPr lang="en-US" sz="2400" i="0" u="none" strike="noStrike" cap="none" dirty="0">
+              <a:rPr lang="en-US" sz="2400" b="1" i="0" u="none" strike="noStrike" cap="none" dirty="0">
                 <a:solidFill>
                   <a:srgbClr val="00FFFF"/>
                 </a:solidFill>
@@ -27788,7 +27081,7 @@
               <a:t>]</a:t>
             </a:r>
             <a:r>
-              <a:rPr lang="en-US" sz="2400" i="0" u="none" strike="noStrike" cap="none" dirty="0">
+              <a:rPr lang="en-US" sz="2400" b="1" i="0" u="none" strike="noStrike" cap="none" dirty="0">
                 <a:solidFill>
                   <a:schemeClr val="lt1"/>
                 </a:solidFill>
@@ -27800,7 +27093,7 @@
               <a:t> = 'b</a:t>
             </a:r>
             <a:r>
-              <a:rPr lang="en-US" sz="2400" dirty="0">
+              <a:rPr lang="en-US" sz="2400" b="1" dirty="0">
                 <a:solidFill>
                   <a:schemeClr val="lt1"/>
                 </a:solidFill>
@@ -27831,7 +27124,7 @@
               <a:buNone/>
             </a:pPr>
             <a:r>
-              <a:rPr lang="en-US" sz="2400" i="0" u="none" strike="noStrike" cap="none" dirty="0" err="1">
+              <a:rPr lang="en-US" sz="2400" b="1" i="0" u="none" strike="noStrike" cap="none" dirty="0" err="1">
                 <a:solidFill>
                   <a:srgbClr val="E06666"/>
                 </a:solidFill>
@@ -27843,7 +27136,7 @@
               <a:t>Traceback</a:t>
             </a:r>
             <a:r>
-              <a:rPr lang="en-US" sz="2400" i="0" u="none" strike="noStrike" cap="none" dirty="0">
+              <a:rPr lang="en-US" sz="2400" b="1" i="0" u="none" strike="noStrike" cap="none" dirty="0">
                 <a:solidFill>
                   <a:srgbClr val="E06666"/>
                 </a:solidFill>
@@ -27874,7 +27167,7 @@
               <a:buNone/>
             </a:pPr>
             <a:r>
-              <a:rPr lang="en-US" sz="2400" i="0" u="none" strike="noStrike" cap="none" dirty="0" err="1">
+              <a:rPr lang="en-US" sz="2400" b="1" i="0" u="none" strike="noStrike" cap="none" dirty="0" err="1">
                 <a:solidFill>
                   <a:srgbClr val="E06666"/>
                 </a:solidFill>
@@ -27886,7 +27179,7 @@
               <a:t>TypeError</a:t>
             </a:r>
             <a:r>
-              <a:rPr lang="en-US" sz="2400" i="0" u="none" strike="noStrike" cap="none" dirty="0">
+              <a:rPr lang="en-US" sz="2400" b="1" i="0" u="none" strike="noStrike" cap="none" dirty="0">
                 <a:solidFill>
                   <a:srgbClr val="E06666"/>
                 </a:solidFill>
@@ -27898,7 +27191,7 @@
               <a:t>: '</a:t>
             </a:r>
             <a:r>
-              <a:rPr lang="en-US" sz="2400" i="0" u="none" strike="noStrike" cap="none" dirty="0" err="1">
+              <a:rPr lang="en-US" sz="2400" b="1" i="0" u="none" strike="noStrike" cap="none" dirty="0" err="1">
                 <a:solidFill>
                   <a:srgbClr val="E06666"/>
                 </a:solidFill>
@@ -27910,7 +27203,7 @@
               <a:t>str</a:t>
             </a:r>
             <a:r>
-              <a:rPr lang="en-US" sz="2400" i="0" u="none" strike="noStrike" cap="none" dirty="0">
+              <a:rPr lang="en-US" sz="2400" b="1" i="0" u="none" strike="noStrike" cap="none" dirty="0">
                 <a:solidFill>
                   <a:srgbClr val="E06666"/>
                 </a:solidFill>
@@ -27941,7 +27234,7 @@
               <a:buNone/>
             </a:pPr>
             <a:r>
-              <a:rPr lang="en-US" sz="2400" i="0" u="none" strike="noStrike" cap="none" dirty="0">
+              <a:rPr lang="en-US" sz="2400" b="1" i="0" u="none" strike="noStrike" cap="none" dirty="0">
                 <a:solidFill>
                   <a:srgbClr val="E06666"/>
                 </a:solidFill>
@@ -27972,7 +27265,7 @@
               <a:buNone/>
             </a:pPr>
             <a:r>
-              <a:rPr lang="en-US" sz="2400" i="0" u="none" strike="noStrike" cap="none" dirty="0">
+              <a:rPr lang="en-US" sz="2400" b="1" i="0" u="none" strike="noStrike" cap="none" dirty="0">
                 <a:solidFill>
                   <a:schemeClr val="lt1"/>
                 </a:solidFill>
@@ -27984,7 +27277,7 @@
               <a:t>&gt;&gt;&gt; </a:t>
             </a:r>
             <a:r>
-              <a:rPr lang="en-US" sz="2400" i="0" u="none" strike="noStrike" cap="none" dirty="0">
+              <a:rPr lang="en-US" sz="2400" b="1" i="0" u="none" strike="noStrike" cap="none" dirty="0">
                 <a:solidFill>
                   <a:srgbClr val="00FF00"/>
                 </a:solidFill>
@@ -27996,7 +27289,7 @@
               <a:t>x</a:t>
             </a:r>
             <a:r>
-              <a:rPr lang="en-US" sz="2400" i="0" u="none" strike="noStrike" cap="none" dirty="0">
+              <a:rPr lang="en-US" sz="2400" b="1" i="0" u="none" strike="noStrike" cap="none" dirty="0">
                 <a:solidFill>
                   <a:schemeClr val="lt1"/>
                 </a:solidFill>
@@ -28008,7 +27301,7 @@
               <a:t> = </a:t>
             </a:r>
             <a:r>
-              <a:rPr lang="en-US" sz="2400" i="0" u="none" strike="noStrike" cap="none" dirty="0" err="1">
+              <a:rPr lang="en-US" sz="2400" b="1" i="0" u="none" strike="noStrike" cap="none" dirty="0" err="1">
                 <a:solidFill>
                   <a:srgbClr val="00FF00"/>
                 </a:solidFill>
@@ -28020,7 +27313,7 @@
               <a:t>fruit</a:t>
             </a:r>
             <a:r>
-              <a:rPr lang="en-US" sz="2400" i="0" u="none" strike="noStrike" cap="none" dirty="0" err="1">
+              <a:rPr lang="en-US" sz="2400" b="1" i="0" u="none" strike="noStrike" cap="none" dirty="0" err="1">
                 <a:solidFill>
                   <a:srgbClr val="FF00FF"/>
                 </a:solidFill>
@@ -28032,7 +27325,7 @@
               <a:t>.lower</a:t>
             </a:r>
             <a:r>
-              <a:rPr lang="en-US" sz="2400" i="0" u="none" strike="noStrike" cap="none" dirty="0">
+              <a:rPr lang="en-US" sz="2400" b="1" i="0" u="none" strike="noStrike" cap="none" dirty="0">
                 <a:solidFill>
                   <a:schemeClr val="lt1"/>
                 </a:solidFill>
@@ -28063,7 +27356,7 @@
               <a:buNone/>
             </a:pPr>
             <a:r>
-              <a:rPr lang="en-US" sz="2400" i="0" u="none" strike="noStrike" cap="none" dirty="0">
+              <a:rPr lang="en-US" sz="2400" b="1" i="0" u="none" strike="noStrike" cap="none" dirty="0">
                 <a:solidFill>
                   <a:schemeClr val="lt1"/>
                 </a:solidFill>
@@ -28075,7 +27368,7 @@
               <a:t>&gt;&gt;&gt; </a:t>
             </a:r>
             <a:r>
-              <a:rPr lang="en-US" sz="2400" i="0" u="none" strike="noStrike" cap="none" dirty="0" smtClean="0">
+              <a:rPr lang="en-US" sz="2400" b="1" i="0" u="none" strike="noStrike" cap="none" dirty="0">
                 <a:solidFill>
                   <a:srgbClr val="FFFF00"/>
                 </a:solidFill>
@@ -28087,7 +27380,7 @@
               <a:t>print(</a:t>
             </a:r>
             <a:r>
-              <a:rPr lang="en-US" sz="2400" i="0" u="none" strike="noStrike" cap="none" dirty="0" smtClean="0">
+              <a:rPr lang="en-US" sz="2400" b="1" i="0" u="none" strike="noStrike" cap="none" dirty="0">
                 <a:solidFill>
                   <a:srgbClr val="00FF00"/>
                 </a:solidFill>
@@ -28099,7 +27392,7 @@
               <a:t>x</a:t>
             </a:r>
             <a:r>
-              <a:rPr lang="en-US" sz="2400" i="0" u="none" strike="noStrike" cap="none" dirty="0" smtClean="0">
+              <a:rPr lang="en-US" sz="2400" b="1" i="0" u="none" strike="noStrike" cap="none" dirty="0">
                 <a:solidFill>
                   <a:srgbClr val="FFFF00"/>
                 </a:solidFill>
@@ -28110,15 +27403,6 @@
               </a:rPr>
               <a:t>)</a:t>
             </a:r>
-            <a:endParaRPr lang="en-US" sz="2400" i="0" u="none" strike="noStrike" cap="none" dirty="0">
-              <a:solidFill>
-                <a:srgbClr val="FFFF00"/>
-              </a:solidFill>
-              <a:latin typeface="Courier"/>
-              <a:ea typeface="Courier"/>
-              <a:cs typeface="Courier"/>
-              <a:sym typeface="Courier New"/>
-            </a:endParaRPr>
           </a:p>
           <a:p>
             <a:pPr marL="0" marR="0" lvl="0" indent="0" algn="l" rtl="0">
@@ -28139,7 +27423,7 @@
               <a:buNone/>
             </a:pPr>
             <a:r>
-              <a:rPr lang="en-US" sz="2400" i="0" u="none" strike="noStrike" cap="none" dirty="0">
+              <a:rPr lang="en-US" sz="2400" b="1" i="0" u="none" strike="noStrike" cap="none" dirty="0">
                 <a:solidFill>
                   <a:schemeClr val="lt1"/>
                 </a:solidFill>
@@ -28170,7 +27454,7 @@
               <a:buNone/>
             </a:pPr>
             <a:r>
-              <a:rPr lang="en-US" sz="2400" i="0" u="none" strike="noStrike" cap="none" dirty="0">
+              <a:rPr lang="en-US" sz="2400" b="1" i="0" u="none" strike="noStrike" cap="none" dirty="0">
                 <a:solidFill>
                   <a:schemeClr val="lt1"/>
                 </a:solidFill>
@@ -28182,7 +27466,7 @@
               <a:t>&gt;&gt;&gt; </a:t>
             </a:r>
             <a:r>
-              <a:rPr lang="en-US" sz="2400" i="0" u="none" strike="noStrike" cap="none" dirty="0" smtClean="0">
+              <a:rPr lang="en-US" sz="2400" b="1" i="0" u="none" strike="noStrike" cap="none" dirty="0">
                 <a:solidFill>
                   <a:srgbClr val="00FF00"/>
                 </a:solidFill>
@@ -28194,31 +27478,19 @@
               <a:t>lotto</a:t>
             </a:r>
             <a:r>
-              <a:rPr lang="en-US" sz="2400" i="0" u="none" strike="noStrike" cap="none" dirty="0" smtClean="0">
-                <a:solidFill>
-                  <a:schemeClr val="lt1"/>
-                </a:solidFill>
-                <a:latin typeface="Courier"/>
-                <a:ea typeface="Courier"/>
-                <a:cs typeface="Courier"/>
-                <a:sym typeface="Courier New"/>
-              </a:rPr>
-              <a:t> </a:t>
-            </a:r>
-            <a:r>
-              <a:rPr lang="en-US" sz="2400" i="0" u="none" strike="noStrike" cap="none" dirty="0">
-                <a:solidFill>
-                  <a:schemeClr val="lt1"/>
-                </a:solidFill>
-                <a:latin typeface="Courier"/>
-                <a:ea typeface="Courier"/>
-                <a:cs typeface="Courier"/>
-                <a:sym typeface="Courier New"/>
-              </a:rPr>
-              <a:t>= </a:t>
-            </a:r>
-            <a:r>
-              <a:rPr lang="en-US" sz="2400" i="0" u="none" strike="noStrike" cap="none" dirty="0">
+              <a:rPr lang="en-US" sz="2400" b="1" i="0" u="none" strike="noStrike" cap="none" dirty="0">
+                <a:solidFill>
+                  <a:schemeClr val="lt1"/>
+                </a:solidFill>
+                <a:latin typeface="Courier"/>
+                <a:ea typeface="Courier"/>
+                <a:cs typeface="Courier"/>
+                <a:sym typeface="Courier New"/>
+              </a:rPr>
+              <a:t> = </a:t>
+            </a:r>
+            <a:r>
+              <a:rPr lang="en-US" sz="2400" b="1" i="0" u="none" strike="noStrike" cap="none" dirty="0">
                 <a:solidFill>
                   <a:srgbClr val="FF7F00"/>
                 </a:solidFill>
@@ -28238,7 +27510,7 @@
               <a:buSzPct val="25000"/>
             </a:pPr>
             <a:r>
-              <a:rPr lang="en-US" sz="2400" i="0" u="none" strike="noStrike" cap="none" dirty="0">
+              <a:rPr lang="en-US" sz="2400" b="1" i="0" u="none" strike="noStrike" cap="none" dirty="0">
                 <a:solidFill>
                   <a:schemeClr val="lt1"/>
                 </a:solidFill>
@@ -28250,7 +27522,7 @@
               <a:t>&gt;&gt;&gt; </a:t>
             </a:r>
             <a:r>
-              <a:rPr lang="en-US" sz="2400" i="0" u="none" strike="noStrike" cap="none" dirty="0" smtClean="0">
+              <a:rPr lang="en-US" sz="2400" b="1" i="0" u="none" strike="noStrike" cap="none" dirty="0">
                 <a:solidFill>
                   <a:srgbClr val="FFFF00"/>
                 </a:solidFill>
@@ -28262,7 +27534,7 @@
               <a:t>print(</a:t>
             </a:r>
             <a:r>
-              <a:rPr lang="en-US" sz="2400" i="0" u="none" strike="noStrike" cap="none" dirty="0" smtClean="0">
+              <a:rPr lang="en-US" sz="2400" b="1" i="0" u="none" strike="noStrike" cap="none" dirty="0">
                 <a:solidFill>
                   <a:srgbClr val="00FF00"/>
                 </a:solidFill>
@@ -28274,7 +27546,7 @@
               <a:t>lotto</a:t>
             </a:r>
             <a:r>
-              <a:rPr lang="en-US" sz="2400" dirty="0" smtClean="0">
+              <a:rPr lang="en-US" sz="2400" b="1" dirty="0">
                 <a:solidFill>
                   <a:srgbClr val="FFFF00"/>
                 </a:solidFill>
@@ -28285,7 +27557,7 @@
               </a:rPr>
               <a:t>)</a:t>
             </a:r>
-            <a:endParaRPr lang="en-US" sz="2400" i="0" u="none" strike="noStrike" cap="none" dirty="0">
+            <a:endParaRPr lang="en-US" sz="2400" b="1" i="0" u="none" strike="noStrike" cap="none" dirty="0">
               <a:solidFill>
                 <a:srgbClr val="00FF00"/>
               </a:solidFill>
@@ -28314,7 +27586,7 @@
               <a:buNone/>
             </a:pPr>
             <a:r>
-              <a:rPr lang="en-US" sz="2400" i="0" u="none" strike="noStrike" cap="none" dirty="0">
+              <a:rPr lang="en-US" sz="2400" b="1" i="0" u="none" strike="noStrike" cap="none" dirty="0">
                 <a:solidFill>
                   <a:schemeClr val="lt1"/>
                 </a:solidFill>
@@ -28345,7 +27617,7 @@
               <a:buNone/>
             </a:pPr>
             <a:r>
-              <a:rPr lang="en-US" sz="2400" i="0" u="none" strike="noStrike" cap="none" dirty="0">
+              <a:rPr lang="en-US" sz="2400" b="1" i="0" u="none" strike="noStrike" cap="none" dirty="0">
                 <a:solidFill>
                   <a:schemeClr val="lt1"/>
                 </a:solidFill>
@@ -28357,7 +27629,7 @@
               <a:t>&gt;&gt;&gt; </a:t>
             </a:r>
             <a:r>
-              <a:rPr lang="en-US" sz="2400" i="0" u="none" strike="noStrike" cap="none" dirty="0">
+              <a:rPr lang="en-US" sz="2400" b="1" i="0" u="none" strike="noStrike" cap="none" dirty="0">
                 <a:solidFill>
                   <a:srgbClr val="00FF00"/>
                 </a:solidFill>
@@ -28369,7 +27641,7 @@
               <a:t>lotto</a:t>
             </a:r>
             <a:r>
-              <a:rPr lang="en-US" sz="2400" i="0" u="none" strike="noStrike" cap="none" dirty="0">
+              <a:rPr lang="en-US" sz="2400" b="1" i="0" u="none" strike="noStrike" cap="none" dirty="0">
                 <a:solidFill>
                   <a:srgbClr val="00FFFF"/>
                 </a:solidFill>
@@ -28381,7 +27653,7 @@
               <a:t>[</a:t>
             </a:r>
             <a:r>
-              <a:rPr lang="en-US" sz="2400" i="0" u="none" strike="noStrike" cap="none" dirty="0">
+              <a:rPr lang="en-US" sz="2400" b="1" i="0" u="none" strike="noStrike" cap="none" dirty="0">
                 <a:solidFill>
                   <a:schemeClr val="lt1"/>
                 </a:solidFill>
@@ -28393,7 +27665,7 @@
               <a:t>2</a:t>
             </a:r>
             <a:r>
-              <a:rPr lang="en-US" sz="2400" i="0" u="none" strike="noStrike" cap="none" dirty="0">
+              <a:rPr lang="en-US" sz="2400" b="1" i="0" u="none" strike="noStrike" cap="none" dirty="0">
                 <a:solidFill>
                   <a:srgbClr val="00FFFF"/>
                 </a:solidFill>
@@ -28405,7 +27677,7 @@
               <a:t>]</a:t>
             </a:r>
             <a:r>
-              <a:rPr lang="en-US" sz="2400" i="0" u="none" strike="noStrike" cap="none" dirty="0">
+              <a:rPr lang="en-US" sz="2400" b="1" i="0" u="none" strike="noStrike" cap="none" dirty="0">
                 <a:solidFill>
                   <a:schemeClr val="lt1"/>
                 </a:solidFill>
@@ -28425,7 +27697,7 @@
               <a:buSzPct val="25000"/>
             </a:pPr>
             <a:r>
-              <a:rPr lang="en-US" sz="2400" i="0" u="none" strike="noStrike" cap="none" dirty="0">
+              <a:rPr lang="en-US" sz="2400" b="1" i="0" u="none" strike="noStrike" cap="none" dirty="0">
                 <a:solidFill>
                   <a:schemeClr val="lt1"/>
                 </a:solidFill>
@@ -28437,7 +27709,7 @@
               <a:t>&gt;&gt;&gt; </a:t>
             </a:r>
             <a:r>
-              <a:rPr lang="en-US" sz="2400" i="0" u="none" strike="noStrike" cap="none" dirty="0" smtClean="0">
+              <a:rPr lang="en-US" sz="2400" b="1" i="0" u="none" strike="noStrike" cap="none" dirty="0">
                 <a:solidFill>
                   <a:srgbClr val="FFFF00"/>
                 </a:solidFill>
@@ -28449,7 +27721,7 @@
               <a:t>print(</a:t>
             </a:r>
             <a:r>
-              <a:rPr lang="en-US" sz="2400" i="0" u="none" strike="noStrike" cap="none" dirty="0" smtClean="0">
+              <a:rPr lang="en-US" sz="2400" b="1" i="0" u="none" strike="noStrike" cap="none" dirty="0">
                 <a:solidFill>
                   <a:srgbClr val="00FF00"/>
                 </a:solidFill>
@@ -28461,7 +27733,7 @@
               <a:t>lotto</a:t>
             </a:r>
             <a:r>
-              <a:rPr lang="en-US" sz="2400" dirty="0" smtClean="0">
+              <a:rPr lang="en-US" sz="2400" b="1" dirty="0">
                 <a:solidFill>
                   <a:srgbClr val="FFFF00"/>
                 </a:solidFill>
@@ -28472,7 +27744,7 @@
               </a:rPr>
               <a:t>)</a:t>
             </a:r>
-            <a:endParaRPr lang="en-US" sz="2400" i="0" u="none" strike="noStrike" cap="none" dirty="0">
+            <a:endParaRPr lang="en-US" sz="2400" b="1" i="0" u="none" strike="noStrike" cap="none" dirty="0">
               <a:solidFill>
                 <a:srgbClr val="00FF00"/>
               </a:solidFill>
@@ -28501,7 +27773,7 @@
               <a:buNone/>
             </a:pPr>
             <a:r>
-              <a:rPr lang="en-US" sz="2400" i="0" u="none" strike="noStrike" cap="none" dirty="0">
+              <a:rPr lang="en-US" sz="2400" b="1" i="0" u="none" strike="noStrike" cap="none" dirty="0">
                 <a:solidFill>
                   <a:schemeClr val="lt1"/>
                 </a:solidFill>
@@ -28513,7 +27785,7 @@
               <a:t>[2, 14, </a:t>
             </a:r>
             <a:r>
-              <a:rPr lang="en-US" sz="2400" i="0" u="none" strike="noStrike" cap="none" dirty="0">
+              <a:rPr lang="en-US" sz="2400" b="1" i="0" u="none" strike="noStrike" cap="none" dirty="0">
                 <a:solidFill>
                   <a:srgbClr val="FF00FF"/>
                 </a:solidFill>
@@ -28525,7 +27797,7 @@
               <a:t>28</a:t>
             </a:r>
             <a:r>
-              <a:rPr lang="en-US" sz="2400" i="0" u="none" strike="noStrike" cap="none" dirty="0">
+              <a:rPr lang="en-US" sz="2400" b="1" i="0" u="none" strike="noStrike" cap="none" dirty="0">
                 <a:solidFill>
                   <a:schemeClr val="lt1"/>
                 </a:solidFill>
@@ -28544,13 +27816,6 @@
   <p:clrMapOvr>
     <a:masterClrMapping/>
   </p:clrMapOvr>
-  <p:timing>
-    <p:tnLst>
-      <p:par>
-        <p:cTn xmlns:p14="http://schemas.microsoft.com/office/powerpoint/2010/main" id="1" dur="indefinite" restart="never" nodeType="tmRoot"/>
-      </p:par>
-    </p:tnLst>
-  </p:timing>
 </p:sld>
 </file>
 

--- a/lectures3/Pythonlearn-08-Lists.pptx
+++ b/lectures3/Pythonlearn-08-Lists.pptx
@@ -7201,7 +7201,7 @@
                 <a:cs typeface="Courier"/>
                 <a:sym typeface="Courier New"/>
               </a:rPr>
-              <a:t>range</a:t>
+              <a:t>list(range</a:t>
             </a:r>
             <a:r>
               <a:rPr lang="en-US" sz="2400" b="1" i="0" u="none" strike="noStrike" cap="none" dirty="0">
@@ -7240,7 +7240,7 @@
               <a:t>(</a:t>
             </a:r>
             <a:r>
-              <a:rPr lang="en-US" sz="2400" b="1" i="0" u="none" strike="noStrike" cap="none" dirty="0">
+              <a:rPr lang="en-US" sz="2400" b="1" i="0" u="none" strike="noStrike" cap="none">
                 <a:solidFill>
                   <a:srgbClr val="00FF00"/>
                 </a:solidFill>
@@ -7252,19 +7252,19 @@
               <a:t>friends</a:t>
             </a:r>
             <a:r>
-              <a:rPr lang="en-US" sz="2400" b="1" i="0" u="none" strike="noStrike" cap="none" dirty="0">
-                <a:solidFill>
-                  <a:schemeClr val="lt1"/>
-                </a:solidFill>
-                <a:latin typeface="Courier"/>
-                <a:ea typeface="Courier"/>
-                <a:cs typeface="Courier"/>
-                <a:sym typeface="Courier New"/>
-              </a:rPr>
-              <a:t>))</a:t>
-            </a:r>
-            <a:r>
-              <a:rPr lang="en-US" sz="2400" b="1" dirty="0">
+              <a:rPr lang="en-US" sz="2400" b="1" i="0" u="none" strike="noStrike" cap="none">
+                <a:solidFill>
+                  <a:schemeClr val="lt1"/>
+                </a:solidFill>
+                <a:latin typeface="Courier"/>
+                <a:ea typeface="Courier"/>
+                <a:cs typeface="Courier"/>
+                <a:sym typeface="Courier New"/>
+              </a:rPr>
+              <a:t>)))</a:t>
+            </a:r>
+            <a:r>
+              <a:rPr lang="en-US" sz="2400" b="1">
                 <a:solidFill>
                   <a:srgbClr val="FFFF00"/>
                 </a:solidFill>
